--- a/_sources/GettingStarted.pptx
+++ b/_sources/GettingStarted.pptx
@@ -251,7 +251,7 @@
           <a:p>
             <a:fld id="{9AA7D095-A676-4F6B-9416-D65D798F5244}" type="datetimeFigureOut">
               <a:rPr lang="de-DE" smtClean="0"/>
-              <a:t>09.10.2014</a:t>
+              <a:t>24.02.2015</a:t>
             </a:fld>
             <a:endParaRPr lang="de-DE"/>
           </a:p>
@@ -421,7 +421,7 @@
           <a:p>
             <a:fld id="{9AA7D095-A676-4F6B-9416-D65D798F5244}" type="datetimeFigureOut">
               <a:rPr lang="de-DE" smtClean="0"/>
-              <a:t>09.10.2014</a:t>
+              <a:t>24.02.2015</a:t>
             </a:fld>
             <a:endParaRPr lang="de-DE"/>
           </a:p>
@@ -601,7 +601,7 @@
           <a:p>
             <a:fld id="{9AA7D095-A676-4F6B-9416-D65D798F5244}" type="datetimeFigureOut">
               <a:rPr lang="de-DE" smtClean="0"/>
-              <a:t>09.10.2014</a:t>
+              <a:t>24.02.2015</a:t>
             </a:fld>
             <a:endParaRPr lang="de-DE"/>
           </a:p>
@@ -771,7 +771,7 @@
           <a:p>
             <a:fld id="{9AA7D095-A676-4F6B-9416-D65D798F5244}" type="datetimeFigureOut">
               <a:rPr lang="de-DE" smtClean="0"/>
-              <a:t>09.10.2014</a:t>
+              <a:t>24.02.2015</a:t>
             </a:fld>
             <a:endParaRPr lang="de-DE"/>
           </a:p>
@@ -1017,7 +1017,7 @@
           <a:p>
             <a:fld id="{9AA7D095-A676-4F6B-9416-D65D798F5244}" type="datetimeFigureOut">
               <a:rPr lang="de-DE" smtClean="0"/>
-              <a:t>09.10.2014</a:t>
+              <a:t>24.02.2015</a:t>
             </a:fld>
             <a:endParaRPr lang="de-DE"/>
           </a:p>
@@ -1249,7 +1249,7 @@
           <a:p>
             <a:fld id="{9AA7D095-A676-4F6B-9416-D65D798F5244}" type="datetimeFigureOut">
               <a:rPr lang="de-DE" smtClean="0"/>
-              <a:t>09.10.2014</a:t>
+              <a:t>24.02.2015</a:t>
             </a:fld>
             <a:endParaRPr lang="de-DE"/>
           </a:p>
@@ -1616,7 +1616,7 @@
           <a:p>
             <a:fld id="{9AA7D095-A676-4F6B-9416-D65D798F5244}" type="datetimeFigureOut">
               <a:rPr lang="de-DE" smtClean="0"/>
-              <a:t>09.10.2014</a:t>
+              <a:t>24.02.2015</a:t>
             </a:fld>
             <a:endParaRPr lang="de-DE"/>
           </a:p>
@@ -1734,7 +1734,7 @@
           <a:p>
             <a:fld id="{9AA7D095-A676-4F6B-9416-D65D798F5244}" type="datetimeFigureOut">
               <a:rPr lang="de-DE" smtClean="0"/>
-              <a:t>09.10.2014</a:t>
+              <a:t>24.02.2015</a:t>
             </a:fld>
             <a:endParaRPr lang="de-DE"/>
           </a:p>
@@ -1829,7 +1829,7 @@
           <a:p>
             <a:fld id="{9AA7D095-A676-4F6B-9416-D65D798F5244}" type="datetimeFigureOut">
               <a:rPr lang="de-DE" smtClean="0"/>
-              <a:t>09.10.2014</a:t>
+              <a:t>24.02.2015</a:t>
             </a:fld>
             <a:endParaRPr lang="de-DE"/>
           </a:p>
@@ -2106,7 +2106,7 @@
           <a:p>
             <a:fld id="{9AA7D095-A676-4F6B-9416-D65D798F5244}" type="datetimeFigureOut">
               <a:rPr lang="de-DE" smtClean="0"/>
-              <a:t>09.10.2014</a:t>
+              <a:t>24.02.2015</a:t>
             </a:fld>
             <a:endParaRPr lang="de-DE"/>
           </a:p>
@@ -2359,7 +2359,7 @@
           <a:p>
             <a:fld id="{9AA7D095-A676-4F6B-9416-D65D798F5244}" type="datetimeFigureOut">
               <a:rPr lang="de-DE" smtClean="0"/>
-              <a:t>09.10.2014</a:t>
+              <a:t>24.02.2015</a:t>
             </a:fld>
             <a:endParaRPr lang="de-DE"/>
           </a:p>
@@ -2572,7 +2572,7 @@
           <a:p>
             <a:fld id="{9AA7D095-A676-4F6B-9416-D65D798F5244}" type="datetimeFigureOut">
               <a:rPr lang="de-DE" smtClean="0"/>
-              <a:t>09.10.2014</a:t>
+              <a:t>24.02.2015</a:t>
             </a:fld>
             <a:endParaRPr lang="de-DE"/>
           </a:p>
@@ -9053,6 +9053,30 @@
           <a:chExt cx="0" cy="0"/>
         </a:xfrm>
       </p:grpSpPr>
+      <p:pic>
+        <p:nvPicPr>
+          <p:cNvPr id="6" name="Picture 5"/>
+          <p:cNvPicPr>
+            <a:picLocks noChangeAspect="1"/>
+          </p:cNvPicPr>
+          <p:nvPr/>
+        </p:nvPicPr>
+        <p:blipFill>
+          <a:blip r:embed="rId2"/>
+          <a:stretch>
+            <a:fillRect/>
+          </a:stretch>
+        </p:blipFill>
+        <p:spPr>
+          <a:xfrm>
+            <a:off x="6785811" y="3828061"/>
+            <a:ext cx="1655807" cy="705924"/>
+          </a:xfrm>
+          <a:prstGeom prst="rect">
+            <a:avLst/>
+          </a:prstGeom>
+        </p:spPr>
+      </p:pic>
       <p:sp>
         <p:nvSpPr>
           <p:cNvPr id="79" name="Rounded Rectangle 75"/>
@@ -9061,7 +9085,7 @@
         </p:nvSpPr>
         <p:spPr>
           <a:xfrm>
-            <a:off x="10227839" y="4645235"/>
+            <a:off x="6955250" y="2166729"/>
             <a:ext cx="1441656" cy="1514439"/>
           </a:xfrm>
           <a:prstGeom prst="rect">
@@ -9111,118 +9135,6 @@
           </a:p>
         </p:txBody>
       </p:sp>
-      <p:grpSp>
-        <p:nvGrpSpPr>
-          <p:cNvPr id="59" name="Group 58"/>
-          <p:cNvGrpSpPr/>
-          <p:nvPr/>
-        </p:nvGrpSpPr>
-        <p:grpSpPr>
-          <a:xfrm>
-            <a:off x="6712214" y="4565383"/>
-            <a:ext cx="1584582" cy="1702819"/>
-            <a:chOff x="6448425" y="3933826"/>
-            <a:chExt cx="2628900" cy="1409700"/>
-          </a:xfrm>
-          <a:solidFill>
-            <a:schemeClr val="accent5">
-              <a:lumMod val="20000"/>
-              <a:lumOff val="80000"/>
-            </a:schemeClr>
-          </a:solidFill>
-        </p:grpSpPr>
-        <p:sp>
-          <p:nvSpPr>
-            <p:cNvPr id="60" name="Rounded Rectangle 59"/>
-            <p:cNvSpPr/>
-            <p:nvPr/>
-          </p:nvSpPr>
-          <p:spPr>
-            <a:xfrm>
-              <a:off x="6448425" y="3933826"/>
-              <a:ext cx="2628900" cy="1409700"/>
-            </a:xfrm>
-            <a:prstGeom prst="roundRect">
-              <a:avLst/>
-            </a:prstGeom>
-            <a:grpFill/>
-            <a:ln w="76200">
-              <a:solidFill>
-                <a:schemeClr val="accent5">
-                  <a:lumMod val="40000"/>
-                  <a:lumOff val="60000"/>
-                </a:schemeClr>
-              </a:solidFill>
-            </a:ln>
-          </p:spPr>
-          <p:style>
-            <a:lnRef idx="2">
-              <a:schemeClr val="accent1">
-                <a:shade val="50000"/>
-              </a:schemeClr>
-            </a:lnRef>
-            <a:fillRef idx="1">
-              <a:schemeClr val="accent1"/>
-            </a:fillRef>
-            <a:effectRef idx="0">
-              <a:schemeClr val="accent1"/>
-            </a:effectRef>
-            <a:fontRef idx="minor">
-              <a:schemeClr val="lt1"/>
-            </a:fontRef>
-          </p:style>
-          <p:txBody>
-            <a:bodyPr rtlCol="0" anchor="ctr"/>
-            <a:lstStyle/>
-            <a:p>
-              <a:pPr algn="ctr"/>
-              <a:endParaRPr lang="de-DE" sz="2000" b="1"/>
-            </a:p>
-          </p:txBody>
-        </p:sp>
-        <p:sp>
-          <p:nvSpPr>
-            <p:cNvPr id="61" name="TextBox 60"/>
-            <p:cNvSpPr txBox="1"/>
-            <p:nvPr/>
-          </p:nvSpPr>
-          <p:spPr>
-            <a:xfrm>
-              <a:off x="6496810" y="4446979"/>
-              <a:ext cx="2524066" cy="331943"/>
-            </a:xfrm>
-            <a:prstGeom prst="rect">
-              <a:avLst/>
-            </a:prstGeom>
-            <a:grpFill/>
-            <a:ln w="76200">
-              <a:noFill/>
-            </a:ln>
-          </p:spPr>
-          <p:txBody>
-            <a:bodyPr wrap="square" rtlCol="0">
-              <a:spAutoFit/>
-            </a:bodyPr>
-            <a:lstStyle/>
-            <a:p>
-              <a:pPr algn="ctr"/>
-              <a:r>
-                <a:rPr lang="en-US" sz="2000" b="1" dirty="0" smtClean="0">
-                  <a:solidFill>
-                    <a:schemeClr val="bg1"/>
-                  </a:solidFill>
-                </a:rPr>
-                <a:t>Image</a:t>
-              </a:r>
-              <a:endParaRPr lang="de-DE" sz="2000" b="1" dirty="0">
-                <a:solidFill>
-                  <a:schemeClr val="bg1"/>
-                </a:solidFill>
-              </a:endParaRPr>
-            </a:p>
-          </p:txBody>
-        </p:sp>
-      </p:grpSp>
       <p:grpSp>
         <p:nvGrpSpPr>
           <p:cNvPr id="15" name="Group 14"/>
@@ -9843,14 +9755,7 @@
             <a:pPr algn="ctr"/>
             <a:r>
               <a:rPr lang="en-US" sz="2000" b="1" dirty="0" smtClean="0"/>
-              <a:t>Bootable</a:t>
-            </a:r>
-            <a:br>
-              <a:rPr lang="en-US" sz="2000" b="1" dirty="0" smtClean="0"/>
-            </a:br>
-            <a:r>
-              <a:rPr lang="en-US" sz="2000" b="1" dirty="0" smtClean="0"/>
-              <a:t>App</a:t>
+              <a:t>Image</a:t>
             </a:r>
             <a:endParaRPr lang="de-DE" sz="2000" b="1" dirty="0"/>
           </a:p>
@@ -10098,527 +10003,45 @@
           </a:p>
         </p:txBody>
       </p:sp>
-      <p:grpSp>
-        <p:nvGrpSpPr>
-          <p:cNvPr id="45" name="Group 44"/>
-          <p:cNvGrpSpPr/>
+      <p:cxnSp>
+        <p:nvCxnSpPr>
+          <p:cNvPr id="67" name="Straight Arrow Connector 66"/>
+          <p:cNvCxnSpPr/>
           <p:nvPr/>
-        </p:nvGrpSpPr>
-        <p:grpSpPr>
-          <a:xfrm>
-            <a:off x="5088834" y="2860571"/>
-            <a:ext cx="1381738" cy="673166"/>
-            <a:chOff x="2334271" y="318043"/>
-            <a:chExt cx="1457473" cy="673166"/>
+        </p:nvCxnSpPr>
+        <p:spPr>
+          <a:xfrm flipV="1">
+            <a:off x="5256966" y="3008953"/>
+            <a:ext cx="1370502" cy="10481"/>
           </a:xfrm>
-        </p:grpSpPr>
-        <p:cxnSp>
-          <p:nvCxnSpPr>
-            <p:cNvPr id="46" name="Straight Arrow Connector 45"/>
-            <p:cNvCxnSpPr/>
-            <p:nvPr/>
-          </p:nvCxnSpPr>
-          <p:spPr>
-            <a:xfrm flipV="1">
-              <a:off x="2346123" y="980728"/>
-              <a:ext cx="1445621" cy="10481"/>
-            </a:xfrm>
-            <a:prstGeom prst="straightConnector1">
-              <a:avLst/>
-            </a:prstGeom>
-            <a:ln w="142875">
-              <a:solidFill>
-                <a:schemeClr val="tx1">
-                  <a:lumMod val="50000"/>
-                  <a:lumOff val="50000"/>
-                </a:schemeClr>
-              </a:solidFill>
-              <a:tailEnd type="triangle"/>
-            </a:ln>
-          </p:spPr>
-          <p:style>
-            <a:lnRef idx="1">
-              <a:schemeClr val="accent1"/>
-            </a:lnRef>
-            <a:fillRef idx="0">
-              <a:schemeClr val="accent1"/>
-            </a:fillRef>
-            <a:effectRef idx="0">
-              <a:schemeClr val="accent1"/>
-            </a:effectRef>
-            <a:fontRef idx="minor">
-              <a:schemeClr val="tx1"/>
-            </a:fontRef>
-          </p:style>
-        </p:cxnSp>
-        <p:sp>
-          <p:nvSpPr>
-            <p:cNvPr id="47" name="TextBox 46"/>
-            <p:cNvSpPr txBox="1"/>
-            <p:nvPr/>
-          </p:nvSpPr>
-          <p:spPr>
-            <a:xfrm>
-              <a:off x="2334271" y="318043"/>
-              <a:ext cx="1408522" cy="523220"/>
-            </a:xfrm>
-            <a:prstGeom prst="rect">
-              <a:avLst/>
-            </a:prstGeom>
-            <a:noFill/>
-          </p:spPr>
-          <p:txBody>
-            <a:bodyPr wrap="square" rtlCol="0">
-              <a:spAutoFit/>
-            </a:bodyPr>
-            <a:lstStyle/>
-            <a:p>
-              <a:pPr algn="ctr"/>
-              <a:r>
-                <a:rPr lang="en-US" sz="2800" b="1" dirty="0" smtClean="0"/>
-                <a:t>convert</a:t>
-              </a:r>
-              <a:endParaRPr lang="de-DE" sz="2800" b="1" dirty="0"/>
-            </a:p>
-          </p:txBody>
-        </p:sp>
-      </p:grpSp>
-      <p:grpSp>
-        <p:nvGrpSpPr>
-          <p:cNvPr id="48" name="Group 47"/>
-          <p:cNvGrpSpPr/>
-          <p:nvPr/>
-        </p:nvGrpSpPr>
-        <p:grpSpPr>
-          <a:xfrm rot="2145737">
-            <a:off x="5139338" y="4001637"/>
-            <a:ext cx="1614441" cy="673166"/>
-            <a:chOff x="2334271" y="318043"/>
-            <a:chExt cx="1457473" cy="673166"/>
-          </a:xfrm>
-        </p:grpSpPr>
-        <p:cxnSp>
-          <p:nvCxnSpPr>
-            <p:cNvPr id="49" name="Straight Arrow Connector 48"/>
-            <p:cNvCxnSpPr/>
-            <p:nvPr/>
-          </p:nvCxnSpPr>
-          <p:spPr>
-            <a:xfrm flipV="1">
-              <a:off x="2346123" y="980728"/>
-              <a:ext cx="1445621" cy="10481"/>
-            </a:xfrm>
-            <a:prstGeom prst="straightConnector1">
-              <a:avLst/>
-            </a:prstGeom>
-            <a:ln w="142875">
-              <a:solidFill>
-                <a:schemeClr val="tx1">
-                  <a:lumMod val="50000"/>
-                  <a:lumOff val="50000"/>
-                </a:schemeClr>
-              </a:solidFill>
-              <a:tailEnd type="triangle"/>
-            </a:ln>
-          </p:spPr>
-          <p:style>
-            <a:lnRef idx="1">
-              <a:schemeClr val="accent1"/>
-            </a:lnRef>
-            <a:fillRef idx="0">
-              <a:schemeClr val="accent1"/>
-            </a:fillRef>
-            <a:effectRef idx="0">
-              <a:schemeClr val="accent1"/>
-            </a:effectRef>
-            <a:fontRef idx="minor">
-              <a:schemeClr val="tx1"/>
-            </a:fontRef>
-          </p:style>
-        </p:cxnSp>
-        <p:sp>
-          <p:nvSpPr>
-            <p:cNvPr id="50" name="TextBox 49"/>
-            <p:cNvSpPr txBox="1"/>
-            <p:nvPr/>
-          </p:nvSpPr>
-          <p:spPr>
-            <a:xfrm>
-              <a:off x="2334271" y="318043"/>
-              <a:ext cx="1408522" cy="523220"/>
-            </a:xfrm>
-            <a:prstGeom prst="rect">
-              <a:avLst/>
-            </a:prstGeom>
-            <a:noFill/>
-          </p:spPr>
-          <p:txBody>
-            <a:bodyPr wrap="square" rtlCol="0">
-              <a:spAutoFit/>
-            </a:bodyPr>
-            <a:lstStyle/>
-            <a:p>
-              <a:pPr algn="ctr"/>
-              <a:endParaRPr lang="de-DE" sz="2800" b="1" dirty="0"/>
-            </a:p>
-          </p:txBody>
-        </p:sp>
-      </p:grpSp>
-      <p:sp>
-        <p:nvSpPr>
-          <p:cNvPr id="53" name="TextBox 52"/>
-          <p:cNvSpPr txBox="1"/>
-          <p:nvPr/>
-        </p:nvSpPr>
-        <p:spPr>
-          <a:xfrm>
-            <a:off x="6756709" y="4570109"/>
-            <a:ext cx="1506963" cy="523220"/>
-          </a:xfrm>
-          <a:prstGeom prst="rect">
+          <a:prstGeom prst="straightConnector1">
             <a:avLst/>
           </a:prstGeom>
-          <a:noFill/>
-        </p:spPr>
-        <p:txBody>
-          <a:bodyPr wrap="square" rtlCol="0">
-            <a:spAutoFit/>
-          </a:bodyPr>
-          <a:lstStyle/>
-          <a:p>
-            <a:pPr algn="ctr"/>
-            <a:r>
-              <a:rPr lang="en-US" sz="2800" b="1" dirty="0" err="1" smtClean="0"/>
-              <a:t>rmi</a:t>
-            </a:r>
-            <a:endParaRPr lang="de-DE" sz="2800" b="1" dirty="0"/>
-          </a:p>
-        </p:txBody>
-      </p:sp>
-      <p:sp>
-        <p:nvSpPr>
-          <p:cNvPr id="54" name="Rounded Rectangle 53"/>
-          <p:cNvSpPr/>
-          <p:nvPr/>
-        </p:nvSpPr>
-        <p:spPr>
-          <a:xfrm>
-            <a:off x="6548463" y="2555776"/>
-            <a:ext cx="1896954" cy="3895196"/>
-          </a:xfrm>
-          <a:prstGeom prst="roundRect">
-            <a:avLst/>
-          </a:prstGeom>
-          <a:noFill/>
-          <a:ln w="57150">
+          <a:ln w="142875">
             <a:solidFill>
-              <a:schemeClr val="bg1">
+              <a:schemeClr val="tx1">
                 <a:lumMod val="50000"/>
+                <a:lumOff val="50000"/>
               </a:schemeClr>
             </a:solidFill>
-            <a:prstDash val="dash"/>
+            <a:tailEnd type="triangle"/>
           </a:ln>
         </p:spPr>
         <p:style>
-          <a:lnRef idx="2">
-            <a:schemeClr val="accent1">
-              <a:shade val="50000"/>
-            </a:schemeClr>
+          <a:lnRef idx="1">
+            <a:schemeClr val="accent1"/>
           </a:lnRef>
-          <a:fillRef idx="1">
+          <a:fillRef idx="0">
             <a:schemeClr val="accent1"/>
           </a:fillRef>
           <a:effectRef idx="0">
             <a:schemeClr val="accent1"/>
           </a:effectRef>
           <a:fontRef idx="minor">
-            <a:schemeClr val="lt1"/>
+            <a:schemeClr val="tx1"/>
           </a:fontRef>
         </p:style>
-        <p:txBody>
-          <a:bodyPr rtlCol="0" anchor="ctr"/>
-          <a:lstStyle/>
-          <a:p>
-            <a:pPr algn="ctr"/>
-            <a:endParaRPr lang="de-DE"/>
-          </a:p>
-        </p:txBody>
-      </p:sp>
-      <p:sp>
-        <p:nvSpPr>
-          <p:cNvPr id="55" name="TextBox 54"/>
-          <p:cNvSpPr txBox="1"/>
-          <p:nvPr/>
-        </p:nvSpPr>
-        <p:spPr>
-          <a:xfrm>
-            <a:off x="6784161" y="1996348"/>
-            <a:ext cx="1408522" cy="523220"/>
-          </a:xfrm>
-          <a:prstGeom prst="rect">
-            <a:avLst/>
-          </a:prstGeom>
-          <a:noFill/>
-        </p:spPr>
-        <p:txBody>
-          <a:bodyPr wrap="square" rtlCol="0">
-            <a:spAutoFit/>
-          </a:bodyPr>
-          <a:lstStyle/>
-          <a:p>
-            <a:pPr algn="ctr"/>
-            <a:r>
-              <a:rPr lang="en-US" sz="2800" b="1" dirty="0" err="1" smtClean="0"/>
-              <a:t>lsi</a:t>
-            </a:r>
-            <a:endParaRPr lang="de-DE" sz="2800" b="1" dirty="0"/>
-          </a:p>
-        </p:txBody>
-      </p:sp>
-      <p:grpSp>
-        <p:nvGrpSpPr>
-          <p:cNvPr id="56" name="Group 55"/>
-          <p:cNvGrpSpPr/>
-          <p:nvPr/>
-        </p:nvGrpSpPr>
-        <p:grpSpPr>
-          <a:xfrm>
-            <a:off x="6713169" y="2675046"/>
-            <a:ext cx="1584582" cy="1702819"/>
-            <a:chOff x="6448425" y="3933826"/>
-            <a:chExt cx="2628900" cy="1409700"/>
-          </a:xfrm>
-        </p:grpSpPr>
-        <p:sp>
-          <p:nvSpPr>
-            <p:cNvPr id="57" name="Rounded Rectangle 56"/>
-            <p:cNvSpPr/>
-            <p:nvPr/>
-          </p:nvSpPr>
-          <p:spPr>
-            <a:xfrm>
-              <a:off x="6448425" y="3933826"/>
-              <a:ext cx="2628900" cy="1409700"/>
-            </a:xfrm>
-            <a:prstGeom prst="roundRect">
-              <a:avLst/>
-            </a:prstGeom>
-            <a:solidFill>
-              <a:schemeClr val="accent1">
-                <a:lumMod val="50000"/>
-              </a:schemeClr>
-            </a:solidFill>
-            <a:ln w="76200">
-              <a:solidFill>
-                <a:schemeClr val="accent5">
-                  <a:lumMod val="50000"/>
-                </a:schemeClr>
-              </a:solidFill>
-            </a:ln>
-          </p:spPr>
-          <p:style>
-            <a:lnRef idx="2">
-              <a:schemeClr val="accent1">
-                <a:shade val="50000"/>
-              </a:schemeClr>
-            </a:lnRef>
-            <a:fillRef idx="1">
-              <a:schemeClr val="accent1"/>
-            </a:fillRef>
-            <a:effectRef idx="0">
-              <a:schemeClr val="accent1"/>
-            </a:effectRef>
-            <a:fontRef idx="minor">
-              <a:schemeClr val="lt1"/>
-            </a:fontRef>
-          </p:style>
-          <p:txBody>
-            <a:bodyPr rtlCol="0" anchor="ctr"/>
-            <a:lstStyle/>
-            <a:p>
-              <a:pPr algn="ctr"/>
-              <a:endParaRPr lang="de-DE" sz="2000" b="1"/>
-            </a:p>
-          </p:txBody>
-        </p:sp>
-        <p:sp>
-          <p:nvSpPr>
-            <p:cNvPr id="58" name="TextBox 57"/>
-            <p:cNvSpPr txBox="1"/>
-            <p:nvPr/>
-          </p:nvSpPr>
-          <p:spPr>
-            <a:xfrm>
-              <a:off x="6496810" y="4446979"/>
-              <a:ext cx="2524066" cy="331943"/>
-            </a:xfrm>
-            <a:prstGeom prst="rect">
-              <a:avLst/>
-            </a:prstGeom>
-            <a:noFill/>
-            <a:ln w="76200">
-              <a:noFill/>
-            </a:ln>
-          </p:spPr>
-          <p:txBody>
-            <a:bodyPr wrap="square" rtlCol="0">
-              <a:spAutoFit/>
-            </a:bodyPr>
-            <a:lstStyle/>
-            <a:p>
-              <a:pPr algn="ctr"/>
-              <a:r>
-                <a:rPr lang="en-US" sz="2000" b="1" dirty="0" smtClean="0">
-                  <a:solidFill>
-                    <a:schemeClr val="bg1"/>
-                  </a:solidFill>
-                </a:rPr>
-                <a:t>Image</a:t>
-              </a:r>
-              <a:endParaRPr lang="de-DE" sz="2000" b="1" dirty="0">
-                <a:solidFill>
-                  <a:schemeClr val="bg1"/>
-                </a:solidFill>
-              </a:endParaRPr>
-            </a:p>
-          </p:txBody>
-        </p:sp>
-      </p:grpSp>
-      <p:sp>
-        <p:nvSpPr>
-          <p:cNvPr id="62" name="Cross 61"/>
-          <p:cNvSpPr/>
-          <p:nvPr/>
-        </p:nvSpPr>
-        <p:spPr>
-          <a:xfrm rot="2669759">
-            <a:off x="6396095" y="4303102"/>
-            <a:ext cx="2229507" cy="2238141"/>
-          </a:xfrm>
-          <a:prstGeom prst="plus">
-            <a:avLst>
-              <a:gd name="adj" fmla="val 47174"/>
-            </a:avLst>
-          </a:prstGeom>
-          <a:solidFill>
-            <a:srgbClr val="FF0000"/>
-          </a:solidFill>
-          <a:ln>
-            <a:solidFill>
-              <a:srgbClr val="C00000"/>
-            </a:solidFill>
-          </a:ln>
-        </p:spPr>
-        <p:style>
-          <a:lnRef idx="2">
-            <a:schemeClr val="accent1">
-              <a:shade val="50000"/>
-            </a:schemeClr>
-          </a:lnRef>
-          <a:fillRef idx="1">
-            <a:schemeClr val="accent1"/>
-          </a:fillRef>
-          <a:effectRef idx="0">
-            <a:schemeClr val="accent1"/>
-          </a:effectRef>
-          <a:fontRef idx="minor">
-            <a:schemeClr val="lt1"/>
-          </a:fontRef>
-        </p:style>
-        <p:txBody>
-          <a:bodyPr rtlCol="0" anchor="ctr"/>
-          <a:lstStyle/>
-          <a:p>
-            <a:pPr algn="ctr"/>
-            <a:endParaRPr lang="de-DE"/>
-          </a:p>
-        </p:txBody>
-      </p:sp>
-      <p:grpSp>
-        <p:nvGrpSpPr>
-          <p:cNvPr id="66" name="Group 65"/>
-          <p:cNvGrpSpPr/>
-          <p:nvPr/>
-        </p:nvGrpSpPr>
-        <p:grpSpPr>
-          <a:xfrm>
-            <a:off x="8518319" y="2859615"/>
-            <a:ext cx="1381738" cy="673166"/>
-            <a:chOff x="2334271" y="318043"/>
-            <a:chExt cx="1457473" cy="673166"/>
-          </a:xfrm>
-        </p:grpSpPr>
-        <p:cxnSp>
-          <p:nvCxnSpPr>
-            <p:cNvPr id="67" name="Straight Arrow Connector 66"/>
-            <p:cNvCxnSpPr/>
-            <p:nvPr/>
-          </p:nvCxnSpPr>
-          <p:spPr>
-            <a:xfrm flipV="1">
-              <a:off x="2346123" y="980728"/>
-              <a:ext cx="1445621" cy="10481"/>
-            </a:xfrm>
-            <a:prstGeom prst="straightConnector1">
-              <a:avLst/>
-            </a:prstGeom>
-            <a:ln w="142875">
-              <a:solidFill>
-                <a:schemeClr val="tx1">
-                  <a:lumMod val="50000"/>
-                  <a:lumOff val="50000"/>
-                </a:schemeClr>
-              </a:solidFill>
-              <a:tailEnd type="triangle"/>
-            </a:ln>
-          </p:spPr>
-          <p:style>
-            <a:lnRef idx="1">
-              <a:schemeClr val="accent1"/>
-            </a:lnRef>
-            <a:fillRef idx="0">
-              <a:schemeClr val="accent1"/>
-            </a:fillRef>
-            <a:effectRef idx="0">
-              <a:schemeClr val="accent1"/>
-            </a:effectRef>
-            <a:fontRef idx="minor">
-              <a:schemeClr val="tx1"/>
-            </a:fontRef>
-          </p:style>
-        </p:cxnSp>
-        <p:sp>
-          <p:nvSpPr>
-            <p:cNvPr id="68" name="TextBox 67"/>
-            <p:cNvSpPr txBox="1"/>
-            <p:nvPr/>
-          </p:nvSpPr>
-          <p:spPr>
-            <a:xfrm>
-              <a:off x="2334271" y="318043"/>
-              <a:ext cx="1408522" cy="523220"/>
-            </a:xfrm>
-            <a:prstGeom prst="rect">
-              <a:avLst/>
-            </a:prstGeom>
-            <a:noFill/>
-          </p:spPr>
-          <p:txBody>
-            <a:bodyPr wrap="square" rtlCol="0">
-              <a:spAutoFit/>
-            </a:bodyPr>
-            <a:lstStyle/>
-            <a:p>
-              <a:pPr algn="ctr"/>
-              <a:r>
-                <a:rPr lang="en-US" sz="2800" b="1" dirty="0" smtClean="0"/>
-                <a:t>run</a:t>
-              </a:r>
-              <a:endParaRPr lang="de-DE" sz="2800" b="1" dirty="0"/>
-            </a:p>
-          </p:txBody>
-        </p:sp>
-      </p:grpSp>
+      </p:cxnSp>
       <p:grpSp>
         <p:nvGrpSpPr>
           <p:cNvPr id="69" name="Group 68"/>
@@ -10626,8 +10049,8 @@
           <p:nvPr/>
         </p:nvGrpSpPr>
         <p:grpSpPr>
-          <a:xfrm rot="2145737">
-            <a:off x="8568823" y="4000681"/>
+          <a:xfrm rot="19611581">
+            <a:off x="4895181" y="1530199"/>
             <a:ext cx="1614441" cy="673166"/>
             <a:chOff x="2334271" y="318043"/>
             <a:chExt cx="1457473" cy="673166"/>
@@ -10708,7 +10131,7 @@
         </p:nvSpPr>
         <p:spPr>
           <a:xfrm>
-            <a:off x="10186194" y="4630863"/>
+            <a:off x="6913605" y="2152357"/>
             <a:ext cx="1506963" cy="523220"/>
           </a:xfrm>
           <a:prstGeom prst="rect">
@@ -10739,8 +10162,8 @@
         </p:nvSpPr>
         <p:spPr>
           <a:xfrm>
-            <a:off x="9977948" y="2554820"/>
-            <a:ext cx="1896954" cy="3895196"/>
+            <a:off x="6705359" y="76314"/>
+            <a:ext cx="1896954" cy="3785823"/>
           </a:xfrm>
           <a:prstGeom prst="roundRect">
             <a:avLst/>
@@ -10788,7 +10211,7 @@
         </p:nvSpPr>
         <p:spPr>
           <a:xfrm>
-            <a:off x="10213646" y="1995392"/>
+            <a:off x="6941057" y="-483114"/>
             <a:ext cx="1408522" cy="523220"/>
           </a:xfrm>
           <a:prstGeom prst="rect">
@@ -10819,7 +10242,7 @@
         </p:nvSpPr>
         <p:spPr>
           <a:xfrm>
-            <a:off x="10217426" y="2731841"/>
+            <a:off x="6944837" y="253335"/>
             <a:ext cx="1441656" cy="1514439"/>
           </a:xfrm>
           <a:prstGeom prst="rect">
@@ -10875,7 +10298,7 @@
         </p:nvSpPr>
         <p:spPr>
           <a:xfrm rot="2669759">
-            <a:off x="9825580" y="4302146"/>
+            <a:off x="6552991" y="1795563"/>
             <a:ext cx="2229507" cy="2238141"/>
           </a:xfrm>
           <a:prstGeom prst="plus">
@@ -10925,7 +10348,7 @@
         </p:nvGrpSpPr>
         <p:grpSpPr>
           <a:xfrm>
-            <a:off x="11946847" y="2860546"/>
+            <a:off x="8674258" y="887370"/>
             <a:ext cx="1381738" cy="673166"/>
             <a:chOff x="2334271" y="318043"/>
             <a:chExt cx="1457473" cy="673166"/>
@@ -11010,7 +10433,7 @@
         </p:nvGrpSpPr>
         <p:grpSpPr>
           <a:xfrm rot="2145737">
-            <a:off x="12034221" y="4259663"/>
+            <a:off x="8761632" y="2286487"/>
             <a:ext cx="1614441" cy="673166"/>
             <a:chOff x="2334271" y="318043"/>
             <a:chExt cx="1457473" cy="673166"/>
@@ -11096,7 +10519,7 @@
           <p:nvPr/>
         </p:nvPicPr>
         <p:blipFill>
-          <a:blip r:embed="rId2">
+          <a:blip r:embed="rId3">
             <a:extLst>
               <a:ext uri="{28A0092B-C50C-407E-A947-70E740481C1C}">
                 <a14:useLocalDpi xmlns:a14="http://schemas.microsoft.com/office/drawing/2010/main" val="0"/>
@@ -11109,7 +10532,7 @@
         </p:blipFill>
         <p:spPr>
           <a:xfrm>
-            <a:off x="13466172" y="2665480"/>
+            <a:off x="10193583" y="692304"/>
             <a:ext cx="2294064" cy="1436808"/>
           </a:xfrm>
           <a:prstGeom prst="rect">
@@ -11126,7 +10549,7 @@
           <p:nvPr/>
         </p:nvPicPr>
         <p:blipFill>
-          <a:blip r:embed="rId3">
+          <a:blip r:embed="rId4">
             <a:extLst>
               <a:ext uri="{28A0092B-C50C-407E-A947-70E740481C1C}">
                 <a14:useLocalDpi xmlns:a14="http://schemas.microsoft.com/office/drawing/2010/main" val="0"/>
@@ -11140,7 +10563,7 @@
         </p:blipFill>
         <p:spPr bwMode="auto">
           <a:xfrm>
-            <a:off x="13524990" y="4793225"/>
+            <a:off x="10252401" y="2820049"/>
             <a:ext cx="2241408" cy="1631745"/>
           </a:xfrm>
           <a:prstGeom prst="rect">
@@ -11160,24 +10583,485 @@
       </p:pic>
       <p:sp>
         <p:nvSpPr>
-          <p:cNvPr id="4" name="Left Bracket 3"/>
+          <p:cNvPr id="81" name="TextBox 80"/>
+          <p:cNvSpPr txBox="1"/>
+          <p:nvPr/>
+        </p:nvSpPr>
+        <p:spPr>
+          <a:xfrm rot="19515035">
+            <a:off x="4940930" y="1624373"/>
+            <a:ext cx="1335331" cy="523220"/>
+          </a:xfrm>
+          <a:prstGeom prst="rect">
+            <a:avLst/>
+          </a:prstGeom>
+          <a:noFill/>
+        </p:spPr>
+        <p:txBody>
+          <a:bodyPr wrap="square" rtlCol="0">
+            <a:spAutoFit/>
+          </a:bodyPr>
+          <a:lstStyle/>
+          <a:p>
+            <a:pPr algn="ctr"/>
+            <a:r>
+              <a:rPr lang="en-US" sz="2800" b="1" dirty="0" smtClean="0"/>
+              <a:t>run</a:t>
+            </a:r>
+            <a:endParaRPr lang="de-DE" sz="2800" b="1" dirty="0"/>
+          </a:p>
+        </p:txBody>
+      </p:sp>
+      <p:grpSp>
+        <p:nvGrpSpPr>
+          <p:cNvPr id="82" name="Group 81"/>
+          <p:cNvGrpSpPr/>
+          <p:nvPr/>
+        </p:nvGrpSpPr>
+        <p:grpSpPr>
+          <a:xfrm rot="2175025">
+            <a:off x="5328219" y="4260696"/>
+            <a:ext cx="2232998" cy="673166"/>
+            <a:chOff x="2334271" y="318043"/>
+            <a:chExt cx="1457473" cy="673166"/>
+          </a:xfrm>
+        </p:grpSpPr>
+        <p:cxnSp>
+          <p:nvCxnSpPr>
+            <p:cNvPr id="83" name="Straight Arrow Connector 82"/>
+            <p:cNvCxnSpPr/>
+            <p:nvPr/>
+          </p:nvCxnSpPr>
+          <p:spPr>
+            <a:xfrm flipV="1">
+              <a:off x="2346123" y="980728"/>
+              <a:ext cx="1445621" cy="10481"/>
+            </a:xfrm>
+            <a:prstGeom prst="straightConnector1">
+              <a:avLst/>
+            </a:prstGeom>
+            <a:ln w="142875">
+              <a:solidFill>
+                <a:schemeClr val="tx1">
+                  <a:lumMod val="50000"/>
+                  <a:lumOff val="50000"/>
+                </a:schemeClr>
+              </a:solidFill>
+              <a:tailEnd type="triangle"/>
+            </a:ln>
+          </p:spPr>
+          <p:style>
+            <a:lnRef idx="1">
+              <a:schemeClr val="accent1"/>
+            </a:lnRef>
+            <a:fillRef idx="0">
+              <a:schemeClr val="accent1"/>
+            </a:fillRef>
+            <a:effectRef idx="0">
+              <a:schemeClr val="accent1"/>
+            </a:effectRef>
+            <a:fontRef idx="minor">
+              <a:schemeClr val="tx1"/>
+            </a:fontRef>
+          </p:style>
+        </p:cxnSp>
+        <p:sp>
+          <p:nvSpPr>
+            <p:cNvPr id="84" name="TextBox 83"/>
+            <p:cNvSpPr txBox="1"/>
+            <p:nvPr/>
+          </p:nvSpPr>
+          <p:spPr>
+            <a:xfrm>
+              <a:off x="2334271" y="318043"/>
+              <a:ext cx="1408522" cy="523220"/>
+            </a:xfrm>
+            <a:prstGeom prst="rect">
+              <a:avLst/>
+            </a:prstGeom>
+            <a:noFill/>
+          </p:spPr>
+          <p:txBody>
+            <a:bodyPr wrap="square" rtlCol="0">
+              <a:spAutoFit/>
+            </a:bodyPr>
+            <a:lstStyle/>
+            <a:p>
+              <a:pPr algn="ctr"/>
+              <a:endParaRPr lang="de-DE" sz="2800" b="1" dirty="0"/>
+            </a:p>
+          </p:txBody>
+        </p:sp>
+      </p:grpSp>
+      <p:pic>
+        <p:nvPicPr>
+          <p:cNvPr id="85" name="Picture 2" descr="https://a0.awsstatic.com/main/images/logos/aws_logo.png"/>
+          <p:cNvPicPr>
+            <a:picLocks noChangeAspect="1" noChangeArrowheads="1"/>
+          </p:cNvPicPr>
+          <p:nvPr/>
+        </p:nvPicPr>
+        <p:blipFill>
+          <a:blip r:embed="rId5">
+            <a:extLst>
+              <a:ext uri="{28A0092B-C50C-407E-A947-70E740481C1C}">
+                <a14:useLocalDpi xmlns:a14="http://schemas.microsoft.com/office/drawing/2010/main" val="0"/>
+              </a:ext>
+            </a:extLst>
+          </a:blip>
+          <a:srcRect/>
+          <a:stretch>
+            <a:fillRect/>
+          </a:stretch>
+        </p:blipFill>
+        <p:spPr bwMode="auto">
+          <a:xfrm>
+            <a:off x="10249652" y="5666873"/>
+            <a:ext cx="2220092" cy="838701"/>
+          </a:xfrm>
+          <a:prstGeom prst="rect">
+            <a:avLst/>
+          </a:prstGeom>
+          <a:noFill/>
+          <a:extLst>
+            <a:ext uri="{909E8E84-426E-40DD-AFC4-6F175D3DCCD1}">
+              <a14:hiddenFill xmlns:a14="http://schemas.microsoft.com/office/drawing/2010/main">
+                <a:solidFill>
+                  <a:srgbClr val="FFFFFF"/>
+                </a:solidFill>
+              </a14:hiddenFill>
+            </a:ext>
+          </a:extLst>
+        </p:spPr>
+      </p:pic>
+      <p:sp>
+        <p:nvSpPr>
+          <p:cNvPr id="16" name="Rectangle 15"/>
           <p:cNvSpPr/>
           <p:nvPr/>
         </p:nvSpPr>
         <p:spPr>
-          <a:xfrm rot="16200000">
-            <a:off x="8963333" y="3646537"/>
-            <a:ext cx="494071" cy="5840358"/>
+          <a:xfrm>
+            <a:off x="6821906" y="4966264"/>
+            <a:ext cx="2791326" cy="2215991"/>
           </a:xfrm>
-          <a:prstGeom prst="leftBracket">
-            <a:avLst>
-              <a:gd name="adj" fmla="val 93627"/>
-            </a:avLst>
+          <a:prstGeom prst="rect">
+            <a:avLst/>
           </a:prstGeom>
-          <a:ln w="76200">
+        </p:spPr>
+        <p:txBody>
+          <a:bodyPr wrap="square">
+            <a:spAutoFit/>
+          </a:bodyPr>
+          <a:lstStyle/>
+          <a:p>
+            <a:r>
+              <a:rPr lang="de-DE" sz="13800" dirty="0" smtClean="0">
+                <a:solidFill>
+                  <a:schemeClr val="tx2">
+                    <a:lumMod val="60000"/>
+                    <a:lumOff val="40000"/>
+                  </a:schemeClr>
+                </a:solidFill>
+                <a:latin typeface="FontAwesome" pitchFamily="2" charset="0"/>
+              </a:rPr>
+              <a:t></a:t>
+            </a:r>
+            <a:endParaRPr lang="de-DE" sz="2400" dirty="0">
+              <a:latin typeface="FontAwesome" pitchFamily="2" charset="0"/>
+            </a:endParaRPr>
+          </a:p>
+        </p:txBody>
+      </p:sp>
+      <p:sp>
+        <p:nvSpPr>
+          <p:cNvPr id="17" name="Rectangle 16"/>
+          <p:cNvSpPr/>
+          <p:nvPr/>
+        </p:nvSpPr>
+        <p:spPr>
+          <a:xfrm>
+            <a:off x="7324788" y="5397984"/>
+            <a:ext cx="1050288" cy="1708160"/>
+          </a:xfrm>
+          <a:prstGeom prst="rect">
+            <a:avLst/>
+          </a:prstGeom>
+        </p:spPr>
+        <p:txBody>
+          <a:bodyPr wrap="none">
+            <a:spAutoFit/>
+          </a:bodyPr>
+          <a:lstStyle/>
+          <a:p>
+            <a:r>
+              <a:rPr lang="de-DE" sz="10500" dirty="0">
+                <a:solidFill>
+                  <a:schemeClr val="tx2"/>
+                </a:solidFill>
+                <a:latin typeface="FontAwesome" pitchFamily="2" charset="0"/>
+              </a:rPr>
+              <a:t></a:t>
+            </a:r>
+            <a:endParaRPr lang="de-DE" sz="10500" dirty="0">
+              <a:solidFill>
+                <a:schemeClr val="tx2"/>
+              </a:solidFill>
+            </a:endParaRPr>
+          </a:p>
+        </p:txBody>
+      </p:sp>
+      <p:sp>
+        <p:nvSpPr>
+          <p:cNvPr id="86" name="TextBox 85"/>
+          <p:cNvSpPr txBox="1"/>
+          <p:nvPr/>
+        </p:nvSpPr>
+        <p:spPr>
+          <a:xfrm>
+            <a:off x="6373278" y="6197844"/>
+            <a:ext cx="2953724" cy="400110"/>
+          </a:xfrm>
+          <a:prstGeom prst="rect">
+            <a:avLst/>
+          </a:prstGeom>
+          <a:noFill/>
+        </p:spPr>
+        <p:txBody>
+          <a:bodyPr wrap="square" rtlCol="0">
+            <a:spAutoFit/>
+          </a:bodyPr>
+          <a:lstStyle/>
+          <a:p>
+            <a:pPr algn="ctr"/>
+            <a:r>
+              <a:rPr lang="en-US" sz="2000" b="1" dirty="0" err="1" smtClean="0">
+                <a:solidFill>
+                  <a:schemeClr val="bg1"/>
+                </a:solidFill>
+              </a:rPr>
+              <a:t>Boxfuse</a:t>
+            </a:r>
+            <a:r>
+              <a:rPr lang="en-US" sz="2000" b="1" dirty="0" smtClean="0">
+                <a:solidFill>
+                  <a:schemeClr val="bg1"/>
+                </a:solidFill>
+              </a:rPr>
+              <a:t> </a:t>
+            </a:r>
+            <a:r>
+              <a:rPr lang="en-US" sz="2000" b="1" dirty="0" smtClean="0">
+                <a:solidFill>
+                  <a:schemeClr val="bg1"/>
+                </a:solidFill>
+              </a:rPr>
+              <a:t>Vault</a:t>
+            </a:r>
+            <a:endParaRPr lang="de-DE" sz="2000" b="1" dirty="0">
+              <a:solidFill>
+                <a:schemeClr val="bg1"/>
+              </a:solidFill>
+            </a:endParaRPr>
+          </a:p>
+        </p:txBody>
+      </p:sp>
+      <p:grpSp>
+        <p:nvGrpSpPr>
+          <p:cNvPr id="87" name="Group 86"/>
+          <p:cNvGrpSpPr/>
+          <p:nvPr/>
+        </p:nvGrpSpPr>
+        <p:grpSpPr>
+          <a:xfrm rot="12978250">
+            <a:off x="4758723" y="5110927"/>
+            <a:ext cx="2232998" cy="673166"/>
+            <a:chOff x="2334271" y="318043"/>
+            <a:chExt cx="1457473" cy="673166"/>
+          </a:xfrm>
+        </p:grpSpPr>
+        <p:cxnSp>
+          <p:nvCxnSpPr>
+            <p:cNvPr id="88" name="Straight Arrow Connector 87"/>
+            <p:cNvCxnSpPr/>
+            <p:nvPr/>
+          </p:nvCxnSpPr>
+          <p:spPr>
+            <a:xfrm flipV="1">
+              <a:off x="2346123" y="980728"/>
+              <a:ext cx="1445621" cy="10481"/>
+            </a:xfrm>
+            <a:prstGeom prst="straightConnector1">
+              <a:avLst/>
+            </a:prstGeom>
+            <a:ln w="142875">
+              <a:solidFill>
+                <a:schemeClr val="tx1">
+                  <a:lumMod val="50000"/>
+                  <a:lumOff val="50000"/>
+                </a:schemeClr>
+              </a:solidFill>
+              <a:tailEnd type="triangle"/>
+            </a:ln>
+          </p:spPr>
+          <p:style>
+            <a:lnRef idx="1">
+              <a:schemeClr val="accent1"/>
+            </a:lnRef>
+            <a:fillRef idx="0">
+              <a:schemeClr val="accent1"/>
+            </a:fillRef>
+            <a:effectRef idx="0">
+              <a:schemeClr val="accent1"/>
+            </a:effectRef>
+            <a:fontRef idx="minor">
+              <a:schemeClr val="tx1"/>
+            </a:fontRef>
+          </p:style>
+        </p:cxnSp>
+        <p:sp>
+          <p:nvSpPr>
+            <p:cNvPr id="89" name="TextBox 88"/>
+            <p:cNvSpPr txBox="1"/>
+            <p:nvPr/>
+          </p:nvSpPr>
+          <p:spPr>
+            <a:xfrm>
+              <a:off x="2334271" y="318043"/>
+              <a:ext cx="1408522" cy="523220"/>
+            </a:xfrm>
+            <a:prstGeom prst="rect">
+              <a:avLst/>
+            </a:prstGeom>
+            <a:noFill/>
+          </p:spPr>
+          <p:txBody>
+            <a:bodyPr wrap="square" rtlCol="0">
+              <a:spAutoFit/>
+            </a:bodyPr>
+            <a:lstStyle/>
+            <a:p>
+              <a:pPr algn="ctr"/>
+              <a:endParaRPr lang="de-DE" sz="2800" b="1" dirty="0"/>
+            </a:p>
+          </p:txBody>
+        </p:sp>
+      </p:grpSp>
+      <p:sp>
+        <p:nvSpPr>
+          <p:cNvPr id="90" name="TextBox 89"/>
+          <p:cNvSpPr txBox="1"/>
+          <p:nvPr/>
+        </p:nvSpPr>
+        <p:spPr>
+          <a:xfrm rot="2208853">
+            <a:off x="5731003" y="4351531"/>
+            <a:ext cx="1335331" cy="523220"/>
+          </a:xfrm>
+          <a:prstGeom prst="rect">
+            <a:avLst/>
+          </a:prstGeom>
+          <a:noFill/>
+        </p:spPr>
+        <p:txBody>
+          <a:bodyPr wrap="square" rtlCol="0">
+            <a:spAutoFit/>
+          </a:bodyPr>
+          <a:lstStyle/>
+          <a:p>
+            <a:pPr algn="ctr"/>
+            <a:r>
+              <a:rPr lang="en-US" sz="2800" b="1" dirty="0" smtClean="0"/>
+              <a:t>push</a:t>
+            </a:r>
+            <a:endParaRPr lang="de-DE" sz="2800" b="1" dirty="0"/>
+          </a:p>
+        </p:txBody>
+      </p:sp>
+      <p:sp>
+        <p:nvSpPr>
+          <p:cNvPr id="91" name="TextBox 90"/>
+          <p:cNvSpPr txBox="1"/>
+          <p:nvPr/>
+        </p:nvSpPr>
+        <p:spPr>
+          <a:xfrm rot="2208853">
+            <a:off x="5329950" y="5141605"/>
+            <a:ext cx="1335331" cy="523220"/>
+          </a:xfrm>
+          <a:prstGeom prst="rect">
+            <a:avLst/>
+          </a:prstGeom>
+          <a:noFill/>
+        </p:spPr>
+        <p:txBody>
+          <a:bodyPr wrap="square" rtlCol="0">
+            <a:spAutoFit/>
+          </a:bodyPr>
+          <a:lstStyle/>
+          <a:p>
+            <a:pPr algn="ctr"/>
+            <a:r>
+              <a:rPr lang="en-US" sz="2800" b="1" dirty="0" smtClean="0"/>
+              <a:t>pull</a:t>
+            </a:r>
+            <a:endParaRPr lang="de-DE" sz="2800" b="1" dirty="0"/>
+          </a:p>
+        </p:txBody>
+      </p:sp>
+      <p:sp>
+        <p:nvSpPr>
+          <p:cNvPr id="92" name="TextBox 91"/>
+          <p:cNvSpPr txBox="1"/>
+          <p:nvPr/>
+        </p:nvSpPr>
+        <p:spPr>
+          <a:xfrm>
+            <a:off x="8770982" y="5490520"/>
+            <a:ext cx="1335331" cy="523220"/>
+          </a:xfrm>
+          <a:prstGeom prst="rect">
+            <a:avLst/>
+          </a:prstGeom>
+          <a:noFill/>
+        </p:spPr>
+        <p:txBody>
+          <a:bodyPr wrap="square" rtlCol="0">
+            <a:spAutoFit/>
+          </a:bodyPr>
+          <a:lstStyle/>
+          <a:p>
+            <a:pPr algn="ctr"/>
+            <a:r>
+              <a:rPr lang="en-US" sz="2800" b="1" dirty="0" smtClean="0"/>
+              <a:t>deploy</a:t>
+            </a:r>
+            <a:endParaRPr lang="de-DE" sz="2800" b="1" dirty="0"/>
+          </a:p>
+        </p:txBody>
+      </p:sp>
+      <p:cxnSp>
+        <p:nvCxnSpPr>
+          <p:cNvPr id="94" name="Straight Arrow Connector 93"/>
+          <p:cNvCxnSpPr/>
+          <p:nvPr/>
+        </p:nvCxnSpPr>
+        <p:spPr>
+          <a:xfrm flipV="1">
+            <a:off x="8813831" y="6178202"/>
+            <a:ext cx="1370502" cy="10481"/>
+          </a:xfrm>
+          <a:prstGeom prst="straightConnector1">
+            <a:avLst/>
+          </a:prstGeom>
+          <a:ln w="142875">
             <a:solidFill>
-              <a:schemeClr val="accent4"/>
+              <a:schemeClr val="tx1">
+                <a:lumMod val="50000"/>
+                <a:lumOff val="50000"/>
+              </a:schemeClr>
             </a:solidFill>
+            <a:tailEnd type="triangle"/>
           </a:ln>
         </p:spPr>
         <p:style>
@@ -11194,61 +11078,7 @@
             <a:schemeClr val="tx1"/>
           </a:fontRef>
         </p:style>
-        <p:txBody>
-          <a:bodyPr rtlCol="0" anchor="ctr"/>
-          <a:lstStyle/>
-          <a:p>
-            <a:pPr algn="ctr"/>
-            <a:endParaRPr lang="de-DE"/>
-          </a:p>
-        </p:txBody>
-      </p:sp>
-      <p:sp>
-        <p:nvSpPr>
-          <p:cNvPr id="80" name="TextBox 79"/>
-          <p:cNvSpPr txBox="1"/>
-          <p:nvPr/>
-        </p:nvSpPr>
-        <p:spPr>
-          <a:xfrm>
-            <a:off x="8502307" y="6850626"/>
-            <a:ext cx="1521393" cy="400964"/>
-          </a:xfrm>
-          <a:prstGeom prst="rect">
-            <a:avLst/>
-          </a:prstGeom>
-          <a:noFill/>
-          <a:ln w="76200">
-            <a:noFill/>
-          </a:ln>
-        </p:spPr>
-        <p:txBody>
-          <a:bodyPr wrap="square" rtlCol="0">
-            <a:spAutoFit/>
-          </a:bodyPr>
-          <a:lstStyle/>
-          <a:p>
-            <a:pPr algn="ctr"/>
-            <a:r>
-              <a:rPr lang="en-US" sz="2000" b="1" dirty="0" smtClean="0">
-                <a:solidFill>
-                  <a:schemeClr val="bg1">
-                    <a:lumMod val="50000"/>
-                  </a:schemeClr>
-                </a:solidFill>
-              </a:rPr>
-              <a:t>Platform</a:t>
-            </a:r>
-            <a:endParaRPr lang="de-DE" sz="2000" b="1" dirty="0">
-              <a:solidFill>
-                <a:schemeClr val="bg1">
-                  <a:lumMod val="50000"/>
-                </a:schemeClr>
-              </a:solidFill>
-            </a:endParaRPr>
-          </a:p>
-        </p:txBody>
-      </p:sp>
+      </p:cxnSp>
     </p:spTree>
     <p:extLst>
       <p:ext uri="{BB962C8B-B14F-4D97-AF65-F5344CB8AC3E}">

--- a/_sources/GettingStarted.pptx
+++ b/_sources/GettingStarted.pptx
@@ -2,7 +2,7 @@
 <file path=ppt/presentation.xml><?xml version="1.0" encoding="utf-8"?>
 <p:presentation xmlns:a="http://schemas.openxmlformats.org/drawingml/2006/main" xmlns:r="http://schemas.openxmlformats.org/officeDocument/2006/relationships" xmlns:p="http://schemas.openxmlformats.org/presentationml/2006/main" saveSubsetFonts="1">
   <p:sldMasterIdLst>
-    <p:sldMasterId id="2147483648" r:id="rId1"/>
+    <p:sldMasterId id="2147483672" r:id="rId1"/>
   </p:sldMasterIdLst>
   <p:sldIdLst>
     <p:sldId id="256" r:id="rId2"/>
@@ -15,7 +15,7 @@
     <p:sldId id="263" r:id="rId9"/>
     <p:sldId id="264" r:id="rId10"/>
   </p:sldIdLst>
-  <p:sldSz cx="12192000" cy="6858000"/>
+  <p:sldSz cx="14400213" cy="7559675"/>
   <p:notesSz cx="6858000" cy="9144000"/>
   <p:defaultTextStyle>
     <a:defPPr>
@@ -149,15 +149,15 @@
         </p:nvSpPr>
         <p:spPr>
           <a:xfrm>
-            <a:off x="1524000" y="1122363"/>
-            <a:ext cx="9144000" cy="2387600"/>
+            <a:off x="1800027" y="1237197"/>
+            <a:ext cx="10800160" cy="2631887"/>
           </a:xfrm>
         </p:spPr>
         <p:txBody>
           <a:bodyPr anchor="b"/>
           <a:lstStyle>
             <a:lvl1pPr algn="ctr">
-              <a:defRPr sz="6000"/>
+              <a:defRPr sz="6614"/>
             </a:lvl1pPr>
           </a:lstStyle>
           <a:p>
@@ -165,7 +165,7 @@
               <a:rPr lang="en-US" smtClean="0"/>
               <a:t>Click to edit Master title style</a:t>
             </a:r>
-            <a:endParaRPr lang="de-DE"/>
+            <a:endParaRPr lang="en-US" dirty="0"/>
           </a:p>
         </p:txBody>
       </p:sp>
@@ -181,8 +181,8 @@
         </p:nvSpPr>
         <p:spPr>
           <a:xfrm>
-            <a:off x="1524000" y="3602038"/>
-            <a:ext cx="9144000" cy="1655762"/>
+            <a:off x="1800027" y="3970580"/>
+            <a:ext cx="10800160" cy="1825171"/>
           </a:xfrm>
         </p:spPr>
         <p:txBody>
@@ -190,39 +190,39 @@
           <a:lstStyle>
             <a:lvl1pPr marL="0" indent="0" algn="ctr">
               <a:buNone/>
-              <a:defRPr sz="2400"/>
+              <a:defRPr sz="2646"/>
             </a:lvl1pPr>
-            <a:lvl2pPr marL="457200" indent="0" algn="ctr">
+            <a:lvl2pPr marL="503972" indent="0" algn="ctr">
               <a:buNone/>
-              <a:defRPr sz="2000"/>
+              <a:defRPr sz="2205"/>
             </a:lvl2pPr>
-            <a:lvl3pPr marL="914400" indent="0" algn="ctr">
+            <a:lvl3pPr marL="1007943" indent="0" algn="ctr">
               <a:buNone/>
-              <a:defRPr sz="1800"/>
+              <a:defRPr sz="1984"/>
             </a:lvl3pPr>
-            <a:lvl4pPr marL="1371600" indent="0" algn="ctr">
+            <a:lvl4pPr marL="1511915" indent="0" algn="ctr">
               <a:buNone/>
-              <a:defRPr sz="1600"/>
+              <a:defRPr sz="1764"/>
             </a:lvl4pPr>
-            <a:lvl5pPr marL="1828800" indent="0" algn="ctr">
+            <a:lvl5pPr marL="2015886" indent="0" algn="ctr">
               <a:buNone/>
-              <a:defRPr sz="1600"/>
+              <a:defRPr sz="1764"/>
             </a:lvl5pPr>
-            <a:lvl6pPr marL="2286000" indent="0" algn="ctr">
+            <a:lvl6pPr marL="2519858" indent="0" algn="ctr">
               <a:buNone/>
-              <a:defRPr sz="1600"/>
+              <a:defRPr sz="1764"/>
             </a:lvl6pPr>
-            <a:lvl7pPr marL="2743200" indent="0" algn="ctr">
+            <a:lvl7pPr marL="3023829" indent="0" algn="ctr">
               <a:buNone/>
-              <a:defRPr sz="1600"/>
+              <a:defRPr sz="1764"/>
             </a:lvl7pPr>
-            <a:lvl8pPr marL="3200400" indent="0" algn="ctr">
+            <a:lvl8pPr marL="3527801" indent="0" algn="ctr">
               <a:buNone/>
-              <a:defRPr sz="1600"/>
+              <a:defRPr sz="1764"/>
             </a:lvl8pPr>
-            <a:lvl9pPr marL="3657600" indent="0" algn="ctr">
+            <a:lvl9pPr marL="4031772" indent="0" algn="ctr">
               <a:buNone/>
-              <a:defRPr sz="1600"/>
+              <a:defRPr sz="1764"/>
             </a:lvl9pPr>
           </a:lstStyle>
           <a:p>
@@ -230,7 +230,7 @@
               <a:rPr lang="en-US" smtClean="0"/>
               <a:t>Click to edit Master subtitle style</a:t>
             </a:r>
-            <a:endParaRPr lang="de-DE"/>
+            <a:endParaRPr lang="en-US" dirty="0"/>
           </a:p>
         </p:txBody>
       </p:sp>
@@ -302,7 +302,7 @@
     </p:spTree>
     <p:extLst>
       <p:ext uri="{BB962C8B-B14F-4D97-AF65-F5344CB8AC3E}">
-        <p14:creationId xmlns:p14="http://schemas.microsoft.com/office/powerpoint/2010/main" val="3219773132"/>
+        <p14:creationId xmlns:p14="http://schemas.microsoft.com/office/powerpoint/2010/main" val="2939726394"/>
       </p:ext>
     </p:extLst>
   </p:cSld>
@@ -348,7 +348,7 @@
               <a:rPr lang="en-US" smtClean="0"/>
               <a:t>Click to edit Master title style</a:t>
             </a:r>
-            <a:endParaRPr lang="de-DE"/>
+            <a:endParaRPr lang="en-US" dirty="0"/>
           </a:p>
         </p:txBody>
       </p:sp>
@@ -400,7 +400,7 @@
               <a:rPr lang="en-US" smtClean="0"/>
               <a:t>Fifth level</a:t>
             </a:r>
-            <a:endParaRPr lang="de-DE"/>
+            <a:endParaRPr lang="en-US" dirty="0"/>
           </a:p>
         </p:txBody>
       </p:sp>
@@ -472,7 +472,7 @@
     </p:spTree>
     <p:extLst>
       <p:ext uri="{BB962C8B-B14F-4D97-AF65-F5344CB8AC3E}">
-        <p14:creationId xmlns:p14="http://schemas.microsoft.com/office/powerpoint/2010/main" val="501806894"/>
+        <p14:creationId xmlns:p14="http://schemas.microsoft.com/office/powerpoint/2010/main" val="4048851320"/>
       </p:ext>
     </p:extLst>
   </p:cSld>
@@ -511,8 +511,8 @@
         </p:nvSpPr>
         <p:spPr>
           <a:xfrm>
-            <a:off x="8724900" y="365125"/>
-            <a:ext cx="2628900" cy="5811838"/>
+            <a:off x="10305152" y="402483"/>
+            <a:ext cx="3105046" cy="6406475"/>
           </a:xfrm>
         </p:spPr>
         <p:txBody>
@@ -523,7 +523,7 @@
               <a:rPr lang="en-US" smtClean="0"/>
               <a:t>Click to edit Master title style</a:t>
             </a:r>
-            <a:endParaRPr lang="de-DE"/>
+            <a:endParaRPr lang="en-US" dirty="0"/>
           </a:p>
         </p:txBody>
       </p:sp>
@@ -539,8 +539,8 @@
         </p:nvSpPr>
         <p:spPr>
           <a:xfrm>
-            <a:off x="838200" y="365125"/>
-            <a:ext cx="7734300" cy="5811838"/>
+            <a:off x="990015" y="402483"/>
+            <a:ext cx="9135135" cy="6406475"/>
           </a:xfrm>
         </p:spPr>
         <p:txBody>
@@ -580,7 +580,7 @@
               <a:rPr lang="en-US" smtClean="0"/>
               <a:t>Fifth level</a:t>
             </a:r>
-            <a:endParaRPr lang="de-DE"/>
+            <a:endParaRPr lang="en-US" dirty="0"/>
           </a:p>
         </p:txBody>
       </p:sp>
@@ -652,7 +652,7 @@
     </p:spTree>
     <p:extLst>
       <p:ext uri="{BB962C8B-B14F-4D97-AF65-F5344CB8AC3E}">
-        <p14:creationId xmlns:p14="http://schemas.microsoft.com/office/powerpoint/2010/main" val="3703552902"/>
+        <p14:creationId xmlns:p14="http://schemas.microsoft.com/office/powerpoint/2010/main" val="1838585099"/>
       </p:ext>
     </p:extLst>
   </p:cSld>
@@ -698,7 +698,7 @@
               <a:rPr lang="en-US" smtClean="0"/>
               <a:t>Click to edit Master title style</a:t>
             </a:r>
-            <a:endParaRPr lang="de-DE"/>
+            <a:endParaRPr lang="en-US" dirty="0"/>
           </a:p>
         </p:txBody>
       </p:sp>
@@ -750,7 +750,7 @@
               <a:rPr lang="en-US" smtClean="0"/>
               <a:t>Fifth level</a:t>
             </a:r>
-            <a:endParaRPr lang="de-DE"/>
+            <a:endParaRPr lang="en-US" dirty="0"/>
           </a:p>
         </p:txBody>
       </p:sp>
@@ -822,7 +822,7 @@
     </p:spTree>
     <p:extLst>
       <p:ext uri="{BB962C8B-B14F-4D97-AF65-F5344CB8AC3E}">
-        <p14:creationId xmlns:p14="http://schemas.microsoft.com/office/powerpoint/2010/main" val="2455811143"/>
+        <p14:creationId xmlns:p14="http://schemas.microsoft.com/office/powerpoint/2010/main" val="3210985616"/>
       </p:ext>
     </p:extLst>
   </p:cSld>
@@ -861,15 +861,15 @@
         </p:nvSpPr>
         <p:spPr>
           <a:xfrm>
-            <a:off x="831850" y="1709738"/>
-            <a:ext cx="10515600" cy="2852737"/>
+            <a:off x="982514" y="1884670"/>
+            <a:ext cx="12420184" cy="3144614"/>
           </a:xfrm>
         </p:spPr>
         <p:txBody>
           <a:bodyPr anchor="b"/>
           <a:lstStyle>
             <a:lvl1pPr>
-              <a:defRPr sz="6000"/>
+              <a:defRPr sz="6614"/>
             </a:lvl1pPr>
           </a:lstStyle>
           <a:p>
@@ -877,7 +877,7 @@
               <a:rPr lang="en-US" smtClean="0"/>
               <a:t>Click to edit Master title style</a:t>
             </a:r>
-            <a:endParaRPr lang="de-DE"/>
+            <a:endParaRPr lang="en-US" dirty="0"/>
           </a:p>
         </p:txBody>
       </p:sp>
@@ -893,8 +893,8 @@
         </p:nvSpPr>
         <p:spPr>
           <a:xfrm>
-            <a:off x="831850" y="4589463"/>
-            <a:ext cx="10515600" cy="1500187"/>
+            <a:off x="982514" y="5059034"/>
+            <a:ext cx="12420184" cy="1653678"/>
           </a:xfrm>
         </p:spPr>
         <p:txBody>
@@ -902,7 +902,7 @@
           <a:lstStyle>
             <a:lvl1pPr marL="0" indent="0">
               <a:buNone/>
-              <a:defRPr sz="2400">
+              <a:defRPr sz="2646">
                 <a:solidFill>
                   <a:schemeClr val="tx1">
                     <a:tint val="75000"/>
@@ -910,9 +910,9 @@
                 </a:solidFill>
               </a:defRPr>
             </a:lvl1pPr>
-            <a:lvl2pPr marL="457200" indent="0">
+            <a:lvl2pPr marL="503972" indent="0">
               <a:buNone/>
-              <a:defRPr sz="2000">
+              <a:defRPr sz="2205">
                 <a:solidFill>
                   <a:schemeClr val="tx1">
                     <a:tint val="75000"/>
@@ -920,9 +920,9 @@
                 </a:solidFill>
               </a:defRPr>
             </a:lvl2pPr>
-            <a:lvl3pPr marL="914400" indent="0">
+            <a:lvl3pPr marL="1007943" indent="0">
               <a:buNone/>
-              <a:defRPr sz="1800">
+              <a:defRPr sz="1984">
                 <a:solidFill>
                   <a:schemeClr val="tx1">
                     <a:tint val="75000"/>
@@ -930,9 +930,9 @@
                 </a:solidFill>
               </a:defRPr>
             </a:lvl3pPr>
-            <a:lvl4pPr marL="1371600" indent="0">
+            <a:lvl4pPr marL="1511915" indent="0">
               <a:buNone/>
-              <a:defRPr sz="1600">
+              <a:defRPr sz="1764">
                 <a:solidFill>
                   <a:schemeClr val="tx1">
                     <a:tint val="75000"/>
@@ -940,9 +940,9 @@
                 </a:solidFill>
               </a:defRPr>
             </a:lvl4pPr>
-            <a:lvl5pPr marL="1828800" indent="0">
+            <a:lvl5pPr marL="2015886" indent="0">
               <a:buNone/>
-              <a:defRPr sz="1600">
+              <a:defRPr sz="1764">
                 <a:solidFill>
                   <a:schemeClr val="tx1">
                     <a:tint val="75000"/>
@@ -950,9 +950,9 @@
                 </a:solidFill>
               </a:defRPr>
             </a:lvl5pPr>
-            <a:lvl6pPr marL="2286000" indent="0">
+            <a:lvl6pPr marL="2519858" indent="0">
               <a:buNone/>
-              <a:defRPr sz="1600">
+              <a:defRPr sz="1764">
                 <a:solidFill>
                   <a:schemeClr val="tx1">
                     <a:tint val="75000"/>
@@ -960,9 +960,9 @@
                 </a:solidFill>
               </a:defRPr>
             </a:lvl6pPr>
-            <a:lvl7pPr marL="2743200" indent="0">
+            <a:lvl7pPr marL="3023829" indent="0">
               <a:buNone/>
-              <a:defRPr sz="1600">
+              <a:defRPr sz="1764">
                 <a:solidFill>
                   <a:schemeClr val="tx1">
                     <a:tint val="75000"/>
@@ -970,9 +970,9 @@
                 </a:solidFill>
               </a:defRPr>
             </a:lvl7pPr>
-            <a:lvl8pPr marL="3200400" indent="0">
+            <a:lvl8pPr marL="3527801" indent="0">
               <a:buNone/>
-              <a:defRPr sz="1600">
+              <a:defRPr sz="1764">
                 <a:solidFill>
                   <a:schemeClr val="tx1">
                     <a:tint val="75000"/>
@@ -980,9 +980,9 @@
                 </a:solidFill>
               </a:defRPr>
             </a:lvl8pPr>
-            <a:lvl9pPr marL="3657600" indent="0">
+            <a:lvl9pPr marL="4031772" indent="0">
               <a:buNone/>
-              <a:defRPr sz="1600">
+              <a:defRPr sz="1764">
                 <a:solidFill>
                   <a:schemeClr val="tx1">
                     <a:tint val="75000"/>
@@ -1068,7 +1068,7 @@
     </p:spTree>
     <p:extLst>
       <p:ext uri="{BB962C8B-B14F-4D97-AF65-F5344CB8AC3E}">
-        <p14:creationId xmlns:p14="http://schemas.microsoft.com/office/powerpoint/2010/main" val="1682062522"/>
+        <p14:creationId xmlns:p14="http://schemas.microsoft.com/office/powerpoint/2010/main" val="2858481983"/>
       </p:ext>
     </p:extLst>
   </p:cSld>
@@ -1114,7 +1114,7 @@
               <a:rPr lang="en-US" smtClean="0"/>
               <a:t>Click to edit Master title style</a:t>
             </a:r>
-            <a:endParaRPr lang="de-DE"/>
+            <a:endParaRPr lang="en-US" dirty="0"/>
           </a:p>
         </p:txBody>
       </p:sp>
@@ -1130,8 +1130,8 @@
         </p:nvSpPr>
         <p:spPr>
           <a:xfrm>
-            <a:off x="838200" y="1825625"/>
-            <a:ext cx="5181600" cy="4351338"/>
+            <a:off x="990014" y="2012414"/>
+            <a:ext cx="6120091" cy="4796544"/>
           </a:xfrm>
         </p:spPr>
         <p:txBody>
@@ -1171,7 +1171,7 @@
               <a:rPr lang="en-US" smtClean="0"/>
               <a:t>Fifth level</a:t>
             </a:r>
-            <a:endParaRPr lang="de-DE"/>
+            <a:endParaRPr lang="en-US" dirty="0"/>
           </a:p>
         </p:txBody>
       </p:sp>
@@ -1187,8 +1187,8 @@
         </p:nvSpPr>
         <p:spPr>
           <a:xfrm>
-            <a:off x="6172200" y="1825625"/>
-            <a:ext cx="5181600" cy="4351338"/>
+            <a:off x="7290108" y="2012414"/>
+            <a:ext cx="6120091" cy="4796544"/>
           </a:xfrm>
         </p:spPr>
         <p:txBody>
@@ -1228,7 +1228,7 @@
               <a:rPr lang="en-US" smtClean="0"/>
               <a:t>Fifth level</a:t>
             </a:r>
-            <a:endParaRPr lang="de-DE"/>
+            <a:endParaRPr lang="en-US" dirty="0"/>
           </a:p>
         </p:txBody>
       </p:sp>
@@ -1300,7 +1300,7 @@
     </p:spTree>
     <p:extLst>
       <p:ext uri="{BB962C8B-B14F-4D97-AF65-F5344CB8AC3E}">
-        <p14:creationId xmlns:p14="http://schemas.microsoft.com/office/powerpoint/2010/main" val="3066864098"/>
+        <p14:creationId xmlns:p14="http://schemas.microsoft.com/office/powerpoint/2010/main" val="4121089347"/>
       </p:ext>
     </p:extLst>
   </p:cSld>
@@ -1339,8 +1339,8 @@
         </p:nvSpPr>
         <p:spPr>
           <a:xfrm>
-            <a:off x="839788" y="365125"/>
-            <a:ext cx="10515600" cy="1325563"/>
+            <a:off x="991890" y="402483"/>
+            <a:ext cx="12420184" cy="1461188"/>
           </a:xfrm>
         </p:spPr>
         <p:txBody>
@@ -1351,7 +1351,7 @@
               <a:rPr lang="en-US" smtClean="0"/>
               <a:t>Click to edit Master title style</a:t>
             </a:r>
-            <a:endParaRPr lang="de-DE"/>
+            <a:endParaRPr lang="en-US" dirty="0"/>
           </a:p>
         </p:txBody>
       </p:sp>
@@ -1367,8 +1367,8 @@
         </p:nvSpPr>
         <p:spPr>
           <a:xfrm>
-            <a:off x="839788" y="1681163"/>
-            <a:ext cx="5157787" cy="823912"/>
+            <a:off x="991891" y="1853171"/>
+            <a:ext cx="6091965" cy="908210"/>
           </a:xfrm>
         </p:spPr>
         <p:txBody>
@@ -1376,39 +1376,39 @@
           <a:lstStyle>
             <a:lvl1pPr marL="0" indent="0">
               <a:buNone/>
-              <a:defRPr sz="2400" b="1"/>
+              <a:defRPr sz="2646" b="1"/>
             </a:lvl1pPr>
-            <a:lvl2pPr marL="457200" indent="0">
+            <a:lvl2pPr marL="503972" indent="0">
               <a:buNone/>
-              <a:defRPr sz="2000" b="1"/>
+              <a:defRPr sz="2205" b="1"/>
             </a:lvl2pPr>
-            <a:lvl3pPr marL="914400" indent="0">
+            <a:lvl3pPr marL="1007943" indent="0">
               <a:buNone/>
-              <a:defRPr sz="1800" b="1"/>
+              <a:defRPr sz="1984" b="1"/>
             </a:lvl3pPr>
-            <a:lvl4pPr marL="1371600" indent="0">
+            <a:lvl4pPr marL="1511915" indent="0">
               <a:buNone/>
-              <a:defRPr sz="1600" b="1"/>
+              <a:defRPr sz="1764" b="1"/>
             </a:lvl4pPr>
-            <a:lvl5pPr marL="1828800" indent="0">
+            <a:lvl5pPr marL="2015886" indent="0">
               <a:buNone/>
-              <a:defRPr sz="1600" b="1"/>
+              <a:defRPr sz="1764" b="1"/>
             </a:lvl5pPr>
-            <a:lvl6pPr marL="2286000" indent="0">
+            <a:lvl6pPr marL="2519858" indent="0">
               <a:buNone/>
-              <a:defRPr sz="1600" b="1"/>
+              <a:defRPr sz="1764" b="1"/>
             </a:lvl6pPr>
-            <a:lvl7pPr marL="2743200" indent="0">
+            <a:lvl7pPr marL="3023829" indent="0">
               <a:buNone/>
-              <a:defRPr sz="1600" b="1"/>
+              <a:defRPr sz="1764" b="1"/>
             </a:lvl7pPr>
-            <a:lvl8pPr marL="3200400" indent="0">
+            <a:lvl8pPr marL="3527801" indent="0">
               <a:buNone/>
-              <a:defRPr sz="1600" b="1"/>
+              <a:defRPr sz="1764" b="1"/>
             </a:lvl8pPr>
-            <a:lvl9pPr marL="3657600" indent="0">
+            <a:lvl9pPr marL="4031772" indent="0">
               <a:buNone/>
-              <a:defRPr sz="1600" b="1"/>
+              <a:defRPr sz="1764" b="1"/>
             </a:lvl9pPr>
           </a:lstStyle>
           <a:p>
@@ -1432,8 +1432,8 @@
         </p:nvSpPr>
         <p:spPr>
           <a:xfrm>
-            <a:off x="839788" y="2505075"/>
-            <a:ext cx="5157787" cy="3684588"/>
+            <a:off x="991891" y="2761381"/>
+            <a:ext cx="6091965" cy="4061576"/>
           </a:xfrm>
         </p:spPr>
         <p:txBody>
@@ -1473,7 +1473,7 @@
               <a:rPr lang="en-US" smtClean="0"/>
               <a:t>Fifth level</a:t>
             </a:r>
-            <a:endParaRPr lang="de-DE"/>
+            <a:endParaRPr lang="en-US" dirty="0"/>
           </a:p>
         </p:txBody>
       </p:sp>
@@ -1489,8 +1489,8 @@
         </p:nvSpPr>
         <p:spPr>
           <a:xfrm>
-            <a:off x="6172200" y="1681163"/>
-            <a:ext cx="5183188" cy="823912"/>
+            <a:off x="7290108" y="1853171"/>
+            <a:ext cx="6121966" cy="908210"/>
           </a:xfrm>
         </p:spPr>
         <p:txBody>
@@ -1498,39 +1498,39 @@
           <a:lstStyle>
             <a:lvl1pPr marL="0" indent="0">
               <a:buNone/>
-              <a:defRPr sz="2400" b="1"/>
+              <a:defRPr sz="2646" b="1"/>
             </a:lvl1pPr>
-            <a:lvl2pPr marL="457200" indent="0">
+            <a:lvl2pPr marL="503972" indent="0">
               <a:buNone/>
-              <a:defRPr sz="2000" b="1"/>
+              <a:defRPr sz="2205" b="1"/>
             </a:lvl2pPr>
-            <a:lvl3pPr marL="914400" indent="0">
+            <a:lvl3pPr marL="1007943" indent="0">
               <a:buNone/>
-              <a:defRPr sz="1800" b="1"/>
+              <a:defRPr sz="1984" b="1"/>
             </a:lvl3pPr>
-            <a:lvl4pPr marL="1371600" indent="0">
+            <a:lvl4pPr marL="1511915" indent="0">
               <a:buNone/>
-              <a:defRPr sz="1600" b="1"/>
+              <a:defRPr sz="1764" b="1"/>
             </a:lvl4pPr>
-            <a:lvl5pPr marL="1828800" indent="0">
+            <a:lvl5pPr marL="2015886" indent="0">
               <a:buNone/>
-              <a:defRPr sz="1600" b="1"/>
+              <a:defRPr sz="1764" b="1"/>
             </a:lvl5pPr>
-            <a:lvl6pPr marL="2286000" indent="0">
+            <a:lvl6pPr marL="2519858" indent="0">
               <a:buNone/>
-              <a:defRPr sz="1600" b="1"/>
+              <a:defRPr sz="1764" b="1"/>
             </a:lvl6pPr>
-            <a:lvl7pPr marL="2743200" indent="0">
+            <a:lvl7pPr marL="3023829" indent="0">
               <a:buNone/>
-              <a:defRPr sz="1600" b="1"/>
+              <a:defRPr sz="1764" b="1"/>
             </a:lvl7pPr>
-            <a:lvl8pPr marL="3200400" indent="0">
+            <a:lvl8pPr marL="3527801" indent="0">
               <a:buNone/>
-              <a:defRPr sz="1600" b="1"/>
+              <a:defRPr sz="1764" b="1"/>
             </a:lvl8pPr>
-            <a:lvl9pPr marL="3657600" indent="0">
+            <a:lvl9pPr marL="4031772" indent="0">
               <a:buNone/>
-              <a:defRPr sz="1600" b="1"/>
+              <a:defRPr sz="1764" b="1"/>
             </a:lvl9pPr>
           </a:lstStyle>
           <a:p>
@@ -1554,8 +1554,8 @@
         </p:nvSpPr>
         <p:spPr>
           <a:xfrm>
-            <a:off x="6172200" y="2505075"/>
-            <a:ext cx="5183188" cy="3684588"/>
+            <a:off x="7290108" y="2761381"/>
+            <a:ext cx="6121966" cy="4061576"/>
           </a:xfrm>
         </p:spPr>
         <p:txBody>
@@ -1595,7 +1595,7 @@
               <a:rPr lang="en-US" smtClean="0"/>
               <a:t>Fifth level</a:t>
             </a:r>
-            <a:endParaRPr lang="de-DE"/>
+            <a:endParaRPr lang="en-US" dirty="0"/>
           </a:p>
         </p:txBody>
       </p:sp>
@@ -1667,7 +1667,7 @@
     </p:spTree>
     <p:extLst>
       <p:ext uri="{BB962C8B-B14F-4D97-AF65-F5344CB8AC3E}">
-        <p14:creationId xmlns:p14="http://schemas.microsoft.com/office/powerpoint/2010/main" val="2729369349"/>
+        <p14:creationId xmlns:p14="http://schemas.microsoft.com/office/powerpoint/2010/main" val="4123215921"/>
       </p:ext>
     </p:extLst>
   </p:cSld>
@@ -1713,7 +1713,7 @@
               <a:rPr lang="en-US" smtClean="0"/>
               <a:t>Click to edit Master title style</a:t>
             </a:r>
-            <a:endParaRPr lang="de-DE"/>
+            <a:endParaRPr lang="en-US" dirty="0"/>
           </a:p>
         </p:txBody>
       </p:sp>
@@ -1785,7 +1785,7 @@
     </p:spTree>
     <p:extLst>
       <p:ext uri="{BB962C8B-B14F-4D97-AF65-F5344CB8AC3E}">
-        <p14:creationId xmlns:p14="http://schemas.microsoft.com/office/powerpoint/2010/main" val="3794744386"/>
+        <p14:creationId xmlns:p14="http://schemas.microsoft.com/office/powerpoint/2010/main" val="2762899395"/>
       </p:ext>
     </p:extLst>
   </p:cSld>
@@ -1880,7 +1880,7 @@
     </p:spTree>
     <p:extLst>
       <p:ext uri="{BB962C8B-B14F-4D97-AF65-F5344CB8AC3E}">
-        <p14:creationId xmlns:p14="http://schemas.microsoft.com/office/powerpoint/2010/main" val="2943151871"/>
+        <p14:creationId xmlns:p14="http://schemas.microsoft.com/office/powerpoint/2010/main" val="3386911302"/>
       </p:ext>
     </p:extLst>
   </p:cSld>
@@ -1919,15 +1919,15 @@
         </p:nvSpPr>
         <p:spPr>
           <a:xfrm>
-            <a:off x="839788" y="457200"/>
-            <a:ext cx="3932237" cy="1600200"/>
+            <a:off x="991891" y="503978"/>
+            <a:ext cx="4644443" cy="1763924"/>
           </a:xfrm>
         </p:spPr>
         <p:txBody>
           <a:bodyPr anchor="b"/>
           <a:lstStyle>
             <a:lvl1pPr>
-              <a:defRPr sz="3200"/>
+              <a:defRPr sz="3527"/>
             </a:lvl1pPr>
           </a:lstStyle>
           <a:p>
@@ -1935,7 +1935,7 @@
               <a:rPr lang="en-US" smtClean="0"/>
               <a:t>Click to edit Master title style</a:t>
             </a:r>
-            <a:endParaRPr lang="de-DE"/>
+            <a:endParaRPr lang="en-US" dirty="0"/>
           </a:p>
         </p:txBody>
       </p:sp>
@@ -1951,39 +1951,39 @@
         </p:nvSpPr>
         <p:spPr>
           <a:xfrm>
-            <a:off x="5183188" y="987425"/>
-            <a:ext cx="6172200" cy="4873625"/>
+            <a:off x="6121966" y="1088454"/>
+            <a:ext cx="7290108" cy="5372269"/>
           </a:xfrm>
         </p:spPr>
         <p:txBody>
           <a:bodyPr/>
           <a:lstStyle>
             <a:lvl1pPr>
-              <a:defRPr sz="3200"/>
+              <a:defRPr sz="3527"/>
             </a:lvl1pPr>
             <a:lvl2pPr>
-              <a:defRPr sz="2800"/>
+              <a:defRPr sz="3086"/>
             </a:lvl2pPr>
             <a:lvl3pPr>
-              <a:defRPr sz="2400"/>
+              <a:defRPr sz="2646"/>
             </a:lvl3pPr>
             <a:lvl4pPr>
-              <a:defRPr sz="2000"/>
+              <a:defRPr sz="2205"/>
             </a:lvl4pPr>
             <a:lvl5pPr>
-              <a:defRPr sz="2000"/>
+              <a:defRPr sz="2205"/>
             </a:lvl5pPr>
             <a:lvl6pPr>
-              <a:defRPr sz="2000"/>
+              <a:defRPr sz="2205"/>
             </a:lvl6pPr>
             <a:lvl7pPr>
-              <a:defRPr sz="2000"/>
+              <a:defRPr sz="2205"/>
             </a:lvl7pPr>
             <a:lvl8pPr>
-              <a:defRPr sz="2000"/>
+              <a:defRPr sz="2205"/>
             </a:lvl8pPr>
             <a:lvl9pPr>
-              <a:defRPr sz="2000"/>
+              <a:defRPr sz="2205"/>
             </a:lvl9pPr>
           </a:lstStyle>
           <a:p>
@@ -2020,7 +2020,7 @@
               <a:rPr lang="en-US" smtClean="0"/>
               <a:t>Fifth level</a:t>
             </a:r>
-            <a:endParaRPr lang="de-DE"/>
+            <a:endParaRPr lang="en-US" dirty="0"/>
           </a:p>
         </p:txBody>
       </p:sp>
@@ -2036,8 +2036,8 @@
         </p:nvSpPr>
         <p:spPr>
           <a:xfrm>
-            <a:off x="839788" y="2057400"/>
-            <a:ext cx="3932237" cy="3811588"/>
+            <a:off x="991891" y="2267902"/>
+            <a:ext cx="4644443" cy="4201570"/>
           </a:xfrm>
         </p:spPr>
         <p:txBody>
@@ -2045,39 +2045,39 @@
           <a:lstStyle>
             <a:lvl1pPr marL="0" indent="0">
               <a:buNone/>
-              <a:defRPr sz="1600"/>
+              <a:defRPr sz="1764"/>
             </a:lvl1pPr>
-            <a:lvl2pPr marL="457200" indent="0">
+            <a:lvl2pPr marL="503972" indent="0">
               <a:buNone/>
-              <a:defRPr sz="1400"/>
+              <a:defRPr sz="1543"/>
             </a:lvl2pPr>
-            <a:lvl3pPr marL="914400" indent="0">
+            <a:lvl3pPr marL="1007943" indent="0">
               <a:buNone/>
-              <a:defRPr sz="1200"/>
+              <a:defRPr sz="1323"/>
             </a:lvl3pPr>
-            <a:lvl4pPr marL="1371600" indent="0">
+            <a:lvl4pPr marL="1511915" indent="0">
               <a:buNone/>
-              <a:defRPr sz="1000"/>
+              <a:defRPr sz="1102"/>
             </a:lvl4pPr>
-            <a:lvl5pPr marL="1828800" indent="0">
+            <a:lvl5pPr marL="2015886" indent="0">
               <a:buNone/>
-              <a:defRPr sz="1000"/>
+              <a:defRPr sz="1102"/>
             </a:lvl5pPr>
-            <a:lvl6pPr marL="2286000" indent="0">
+            <a:lvl6pPr marL="2519858" indent="0">
               <a:buNone/>
-              <a:defRPr sz="1000"/>
+              <a:defRPr sz="1102"/>
             </a:lvl6pPr>
-            <a:lvl7pPr marL="2743200" indent="0">
+            <a:lvl7pPr marL="3023829" indent="0">
               <a:buNone/>
-              <a:defRPr sz="1000"/>
+              <a:defRPr sz="1102"/>
             </a:lvl7pPr>
-            <a:lvl8pPr marL="3200400" indent="0">
+            <a:lvl8pPr marL="3527801" indent="0">
               <a:buNone/>
-              <a:defRPr sz="1000"/>
+              <a:defRPr sz="1102"/>
             </a:lvl8pPr>
-            <a:lvl9pPr marL="3657600" indent="0">
+            <a:lvl9pPr marL="4031772" indent="0">
               <a:buNone/>
-              <a:defRPr sz="1000"/>
+              <a:defRPr sz="1102"/>
             </a:lvl9pPr>
           </a:lstStyle>
           <a:p>
@@ -2157,7 +2157,7 @@
     </p:spTree>
     <p:extLst>
       <p:ext uri="{BB962C8B-B14F-4D97-AF65-F5344CB8AC3E}">
-        <p14:creationId xmlns:p14="http://schemas.microsoft.com/office/powerpoint/2010/main" val="1958212925"/>
+        <p14:creationId xmlns:p14="http://schemas.microsoft.com/office/powerpoint/2010/main" val="4047538936"/>
       </p:ext>
     </p:extLst>
   </p:cSld>
@@ -2196,15 +2196,15 @@
         </p:nvSpPr>
         <p:spPr>
           <a:xfrm>
-            <a:off x="839788" y="457200"/>
-            <a:ext cx="3932237" cy="1600200"/>
+            <a:off x="991891" y="503978"/>
+            <a:ext cx="4644443" cy="1763924"/>
           </a:xfrm>
         </p:spPr>
         <p:txBody>
           <a:bodyPr anchor="b"/>
           <a:lstStyle>
             <a:lvl1pPr>
-              <a:defRPr sz="3200"/>
+              <a:defRPr sz="3527"/>
             </a:lvl1pPr>
           </a:lstStyle>
           <a:p>
@@ -2212,7 +2212,7 @@
               <a:rPr lang="en-US" smtClean="0"/>
               <a:t>Click to edit Master title style</a:t>
             </a:r>
-            <a:endParaRPr lang="de-DE"/>
+            <a:endParaRPr lang="en-US" dirty="0"/>
           </a:p>
         </p:txBody>
       </p:sp>
@@ -2220,7 +2220,7 @@
         <p:nvSpPr>
           <p:cNvPr id="3" name="Picture Placeholder 2"/>
           <p:cNvSpPr>
-            <a:spLocks noGrp="1"/>
+            <a:spLocks noGrp="1" noChangeAspect="1"/>
           </p:cNvSpPr>
           <p:nvPr>
             <p:ph type="pic" idx="1"/>
@@ -2228,52 +2228,56 @@
         </p:nvSpPr>
         <p:spPr>
           <a:xfrm>
-            <a:off x="5183188" y="987425"/>
-            <a:ext cx="6172200" cy="4873625"/>
+            <a:off x="6121966" y="1088454"/>
+            <a:ext cx="7290108" cy="5372269"/>
           </a:xfrm>
         </p:spPr>
         <p:txBody>
-          <a:bodyPr/>
+          <a:bodyPr anchor="t"/>
           <a:lstStyle>
             <a:lvl1pPr marL="0" indent="0">
               <a:buNone/>
-              <a:defRPr sz="3200"/>
+              <a:defRPr sz="3527"/>
             </a:lvl1pPr>
-            <a:lvl2pPr marL="457200" indent="0">
+            <a:lvl2pPr marL="503972" indent="0">
               <a:buNone/>
-              <a:defRPr sz="2800"/>
+              <a:defRPr sz="3086"/>
             </a:lvl2pPr>
-            <a:lvl3pPr marL="914400" indent="0">
+            <a:lvl3pPr marL="1007943" indent="0">
               <a:buNone/>
-              <a:defRPr sz="2400"/>
+              <a:defRPr sz="2646"/>
             </a:lvl3pPr>
-            <a:lvl4pPr marL="1371600" indent="0">
+            <a:lvl4pPr marL="1511915" indent="0">
               <a:buNone/>
-              <a:defRPr sz="2000"/>
+              <a:defRPr sz="2205"/>
             </a:lvl4pPr>
-            <a:lvl5pPr marL="1828800" indent="0">
+            <a:lvl5pPr marL="2015886" indent="0">
               <a:buNone/>
-              <a:defRPr sz="2000"/>
+              <a:defRPr sz="2205"/>
             </a:lvl5pPr>
-            <a:lvl6pPr marL="2286000" indent="0">
+            <a:lvl6pPr marL="2519858" indent="0">
               <a:buNone/>
-              <a:defRPr sz="2000"/>
+              <a:defRPr sz="2205"/>
             </a:lvl6pPr>
-            <a:lvl7pPr marL="2743200" indent="0">
+            <a:lvl7pPr marL="3023829" indent="0">
               <a:buNone/>
-              <a:defRPr sz="2000"/>
+              <a:defRPr sz="2205"/>
             </a:lvl7pPr>
-            <a:lvl8pPr marL="3200400" indent="0">
+            <a:lvl8pPr marL="3527801" indent="0">
               <a:buNone/>
-              <a:defRPr sz="2000"/>
+              <a:defRPr sz="2205"/>
             </a:lvl8pPr>
-            <a:lvl9pPr marL="3657600" indent="0">
+            <a:lvl9pPr marL="4031772" indent="0">
               <a:buNone/>
-              <a:defRPr sz="2000"/>
+              <a:defRPr sz="2205"/>
             </a:lvl9pPr>
           </a:lstStyle>
           <a:p>
-            <a:endParaRPr lang="de-DE"/>
+            <a:r>
+              <a:rPr lang="en-US" smtClean="0"/>
+              <a:t>Click icon to add picture</a:t>
+            </a:r>
+            <a:endParaRPr lang="en-US" dirty="0"/>
           </a:p>
         </p:txBody>
       </p:sp>
@@ -2289,8 +2293,8 @@
         </p:nvSpPr>
         <p:spPr>
           <a:xfrm>
-            <a:off x="839788" y="2057400"/>
-            <a:ext cx="3932237" cy="3811588"/>
+            <a:off x="991891" y="2267902"/>
+            <a:ext cx="4644443" cy="4201570"/>
           </a:xfrm>
         </p:spPr>
         <p:txBody>
@@ -2298,39 +2302,39 @@
           <a:lstStyle>
             <a:lvl1pPr marL="0" indent="0">
               <a:buNone/>
-              <a:defRPr sz="1600"/>
+              <a:defRPr sz="1764"/>
             </a:lvl1pPr>
-            <a:lvl2pPr marL="457200" indent="0">
+            <a:lvl2pPr marL="503972" indent="0">
               <a:buNone/>
-              <a:defRPr sz="1400"/>
+              <a:defRPr sz="1543"/>
             </a:lvl2pPr>
-            <a:lvl3pPr marL="914400" indent="0">
+            <a:lvl3pPr marL="1007943" indent="0">
               <a:buNone/>
-              <a:defRPr sz="1200"/>
+              <a:defRPr sz="1323"/>
             </a:lvl3pPr>
-            <a:lvl4pPr marL="1371600" indent="0">
+            <a:lvl4pPr marL="1511915" indent="0">
               <a:buNone/>
-              <a:defRPr sz="1000"/>
+              <a:defRPr sz="1102"/>
             </a:lvl4pPr>
-            <a:lvl5pPr marL="1828800" indent="0">
+            <a:lvl5pPr marL="2015886" indent="0">
               <a:buNone/>
-              <a:defRPr sz="1000"/>
+              <a:defRPr sz="1102"/>
             </a:lvl5pPr>
-            <a:lvl6pPr marL="2286000" indent="0">
+            <a:lvl6pPr marL="2519858" indent="0">
               <a:buNone/>
-              <a:defRPr sz="1000"/>
+              <a:defRPr sz="1102"/>
             </a:lvl6pPr>
-            <a:lvl7pPr marL="2743200" indent="0">
+            <a:lvl7pPr marL="3023829" indent="0">
               <a:buNone/>
-              <a:defRPr sz="1000"/>
+              <a:defRPr sz="1102"/>
             </a:lvl7pPr>
-            <a:lvl8pPr marL="3200400" indent="0">
+            <a:lvl8pPr marL="3527801" indent="0">
               <a:buNone/>
-              <a:defRPr sz="1000"/>
+              <a:defRPr sz="1102"/>
             </a:lvl8pPr>
-            <a:lvl9pPr marL="3657600" indent="0">
+            <a:lvl9pPr marL="4031772" indent="0">
               <a:buNone/>
-              <a:defRPr sz="1000"/>
+              <a:defRPr sz="1102"/>
             </a:lvl9pPr>
           </a:lstStyle>
           <a:p>
@@ -2410,7 +2414,7 @@
     </p:spTree>
     <p:extLst>
       <p:ext uri="{BB962C8B-B14F-4D97-AF65-F5344CB8AC3E}">
-        <p14:creationId xmlns:p14="http://schemas.microsoft.com/office/powerpoint/2010/main" val="2874225134"/>
+        <p14:creationId xmlns:p14="http://schemas.microsoft.com/office/powerpoint/2010/main" val="2356070797"/>
       </p:ext>
     </p:extLst>
   </p:cSld>
@@ -2454,8 +2458,8 @@
         </p:nvSpPr>
         <p:spPr>
           <a:xfrm>
-            <a:off x="838200" y="365125"/>
-            <a:ext cx="10515600" cy="1325563"/>
+            <a:off x="990015" y="402483"/>
+            <a:ext cx="12420184" cy="1461188"/>
           </a:xfrm>
           <a:prstGeom prst="rect">
             <a:avLst/>
@@ -2471,7 +2475,7 @@
               <a:rPr lang="en-US" smtClean="0"/>
               <a:t>Click to edit Master title style</a:t>
             </a:r>
-            <a:endParaRPr lang="de-DE"/>
+            <a:endParaRPr lang="en-US" dirty="0"/>
           </a:p>
         </p:txBody>
       </p:sp>
@@ -2487,8 +2491,8 @@
         </p:nvSpPr>
         <p:spPr>
           <a:xfrm>
-            <a:off x="838200" y="1825625"/>
-            <a:ext cx="10515600" cy="4351338"/>
+            <a:off x="990015" y="2012414"/>
+            <a:ext cx="12420184" cy="4796544"/>
           </a:xfrm>
           <a:prstGeom prst="rect">
             <a:avLst/>
@@ -2533,7 +2537,7 @@
               <a:rPr lang="en-US" smtClean="0"/>
               <a:t>Fifth level</a:t>
             </a:r>
-            <a:endParaRPr lang="de-DE"/>
+            <a:endParaRPr lang="en-US" dirty="0"/>
           </a:p>
         </p:txBody>
       </p:sp>
@@ -2549,8 +2553,8 @@
         </p:nvSpPr>
         <p:spPr>
           <a:xfrm>
-            <a:off x="838200" y="6356350"/>
-            <a:ext cx="2743200" cy="365125"/>
+            <a:off x="990015" y="7006699"/>
+            <a:ext cx="3240048" cy="402483"/>
           </a:xfrm>
           <a:prstGeom prst="rect">
             <a:avLst/>
@@ -2560,7 +2564,7 @@
           <a:bodyPr vert="horz" lIns="91440" tIns="45720" rIns="91440" bIns="45720" rtlCol="0" anchor="ctr"/>
           <a:lstStyle>
             <a:lvl1pPr algn="l">
-              <a:defRPr sz="1200">
+              <a:defRPr sz="1323">
                 <a:solidFill>
                   <a:schemeClr val="tx1">
                     <a:tint val="75000"/>
@@ -2590,8 +2594,8 @@
         </p:nvSpPr>
         <p:spPr>
           <a:xfrm>
-            <a:off x="4038600" y="6356350"/>
-            <a:ext cx="4114800" cy="365125"/>
+            <a:off x="4770071" y="7006699"/>
+            <a:ext cx="4860072" cy="402483"/>
           </a:xfrm>
           <a:prstGeom prst="rect">
             <a:avLst/>
@@ -2601,7 +2605,7 @@
           <a:bodyPr vert="horz" lIns="91440" tIns="45720" rIns="91440" bIns="45720" rtlCol="0" anchor="ctr"/>
           <a:lstStyle>
             <a:lvl1pPr algn="ctr">
-              <a:defRPr sz="1200">
+              <a:defRPr sz="1323">
                 <a:solidFill>
                   <a:schemeClr val="tx1">
                     <a:tint val="75000"/>
@@ -2627,8 +2631,8 @@
         </p:nvSpPr>
         <p:spPr>
           <a:xfrm>
-            <a:off x="8610600" y="6356350"/>
-            <a:ext cx="2743200" cy="365125"/>
+            <a:off x="10170150" y="7006699"/>
+            <a:ext cx="3240048" cy="402483"/>
           </a:xfrm>
           <a:prstGeom prst="rect">
             <a:avLst/>
@@ -2638,7 +2642,7 @@
           <a:bodyPr vert="horz" lIns="91440" tIns="45720" rIns="91440" bIns="45720" rtlCol="0" anchor="ctr"/>
           <a:lstStyle>
             <a:lvl1pPr algn="r">
-              <a:defRPr sz="1200">
+              <a:defRPr sz="1323">
                 <a:solidFill>
                   <a:schemeClr val="tx1">
                     <a:tint val="75000"/>
@@ -2659,27 +2663,27 @@
     </p:spTree>
     <p:extLst>
       <p:ext uri="{BB962C8B-B14F-4D97-AF65-F5344CB8AC3E}">
-        <p14:creationId xmlns:p14="http://schemas.microsoft.com/office/powerpoint/2010/main" val="1241679514"/>
+        <p14:creationId xmlns:p14="http://schemas.microsoft.com/office/powerpoint/2010/main" val="2346701237"/>
       </p:ext>
     </p:extLst>
   </p:cSld>
   <p:clrMap bg1="lt1" tx1="dk1" bg2="lt2" tx2="dk2" accent1="accent1" accent2="accent2" accent3="accent3" accent4="accent4" accent5="accent5" accent6="accent6" hlink="hlink" folHlink="folHlink"/>
   <p:sldLayoutIdLst>
-    <p:sldLayoutId id="2147483649" r:id="rId1"/>
-    <p:sldLayoutId id="2147483650" r:id="rId2"/>
-    <p:sldLayoutId id="2147483651" r:id="rId3"/>
-    <p:sldLayoutId id="2147483652" r:id="rId4"/>
-    <p:sldLayoutId id="2147483653" r:id="rId5"/>
-    <p:sldLayoutId id="2147483654" r:id="rId6"/>
-    <p:sldLayoutId id="2147483655" r:id="rId7"/>
-    <p:sldLayoutId id="2147483656" r:id="rId8"/>
-    <p:sldLayoutId id="2147483657" r:id="rId9"/>
-    <p:sldLayoutId id="2147483658" r:id="rId10"/>
-    <p:sldLayoutId id="2147483659" r:id="rId11"/>
+    <p:sldLayoutId id="2147483673" r:id="rId1"/>
+    <p:sldLayoutId id="2147483674" r:id="rId2"/>
+    <p:sldLayoutId id="2147483675" r:id="rId3"/>
+    <p:sldLayoutId id="2147483676" r:id="rId4"/>
+    <p:sldLayoutId id="2147483677" r:id="rId5"/>
+    <p:sldLayoutId id="2147483678" r:id="rId6"/>
+    <p:sldLayoutId id="2147483679" r:id="rId7"/>
+    <p:sldLayoutId id="2147483680" r:id="rId8"/>
+    <p:sldLayoutId id="2147483681" r:id="rId9"/>
+    <p:sldLayoutId id="2147483682" r:id="rId10"/>
+    <p:sldLayoutId id="2147483683" r:id="rId11"/>
   </p:sldLayoutIdLst>
   <p:txStyles>
     <p:titleStyle>
-      <a:lvl1pPr algn="l" defTabSz="914400" rtl="0" eaLnBrk="1" latinLnBrk="0" hangingPunct="1">
+      <a:lvl1pPr algn="l" defTabSz="1007943" rtl="0" eaLnBrk="1" latinLnBrk="0" hangingPunct="1">
         <a:lnSpc>
           <a:spcPct val="90000"/>
         </a:lnSpc>
@@ -2687,7 +2691,7 @@
           <a:spcPct val="0"/>
         </a:spcBef>
         <a:buNone/>
-        <a:defRPr sz="4400" kern="1200">
+        <a:defRPr sz="4850" kern="1200">
           <a:solidFill>
             <a:schemeClr val="tx1"/>
           </a:solidFill>
@@ -2698,16 +2702,16 @@
       </a:lvl1pPr>
     </p:titleStyle>
     <p:bodyStyle>
-      <a:lvl1pPr marL="228600" indent="-228600" algn="l" defTabSz="914400" rtl="0" eaLnBrk="1" latinLnBrk="0" hangingPunct="1">
+      <a:lvl1pPr marL="251986" indent="-251986" algn="l" defTabSz="1007943" rtl="0" eaLnBrk="1" latinLnBrk="0" hangingPunct="1">
         <a:lnSpc>
           <a:spcPct val="90000"/>
         </a:lnSpc>
         <a:spcBef>
-          <a:spcPts val="1000"/>
+          <a:spcPts val="1102"/>
         </a:spcBef>
         <a:buFont typeface="Arial" panose="020B0604020202020204" pitchFamily="34" charset="0"/>
         <a:buChar char="•"/>
-        <a:defRPr sz="2800" kern="1200">
+        <a:defRPr sz="3086" kern="1200">
           <a:solidFill>
             <a:schemeClr val="tx1"/>
           </a:solidFill>
@@ -2716,16 +2720,16 @@
           <a:cs typeface="+mn-cs"/>
         </a:defRPr>
       </a:lvl1pPr>
-      <a:lvl2pPr marL="685800" indent="-228600" algn="l" defTabSz="914400" rtl="0" eaLnBrk="1" latinLnBrk="0" hangingPunct="1">
+      <a:lvl2pPr marL="755957" indent="-251986" algn="l" defTabSz="1007943" rtl="0" eaLnBrk="1" latinLnBrk="0" hangingPunct="1">
         <a:lnSpc>
           <a:spcPct val="90000"/>
         </a:lnSpc>
         <a:spcBef>
-          <a:spcPts val="500"/>
+          <a:spcPts val="551"/>
         </a:spcBef>
         <a:buFont typeface="Arial" panose="020B0604020202020204" pitchFamily="34" charset="0"/>
         <a:buChar char="•"/>
-        <a:defRPr sz="2400" kern="1200">
+        <a:defRPr sz="2646" kern="1200">
           <a:solidFill>
             <a:schemeClr val="tx1"/>
           </a:solidFill>
@@ -2734,16 +2738,16 @@
           <a:cs typeface="+mn-cs"/>
         </a:defRPr>
       </a:lvl2pPr>
-      <a:lvl3pPr marL="1143000" indent="-228600" algn="l" defTabSz="914400" rtl="0" eaLnBrk="1" latinLnBrk="0" hangingPunct="1">
+      <a:lvl3pPr marL="1259929" indent="-251986" algn="l" defTabSz="1007943" rtl="0" eaLnBrk="1" latinLnBrk="0" hangingPunct="1">
         <a:lnSpc>
           <a:spcPct val="90000"/>
         </a:lnSpc>
         <a:spcBef>
-          <a:spcPts val="500"/>
+          <a:spcPts val="551"/>
         </a:spcBef>
         <a:buFont typeface="Arial" panose="020B0604020202020204" pitchFamily="34" charset="0"/>
         <a:buChar char="•"/>
-        <a:defRPr sz="2000" kern="1200">
+        <a:defRPr sz="2205" kern="1200">
           <a:solidFill>
             <a:schemeClr val="tx1"/>
           </a:solidFill>
@@ -2752,16 +2756,16 @@
           <a:cs typeface="+mn-cs"/>
         </a:defRPr>
       </a:lvl3pPr>
-      <a:lvl4pPr marL="1600200" indent="-228600" algn="l" defTabSz="914400" rtl="0" eaLnBrk="1" latinLnBrk="0" hangingPunct="1">
+      <a:lvl4pPr marL="1763900" indent="-251986" algn="l" defTabSz="1007943" rtl="0" eaLnBrk="1" latinLnBrk="0" hangingPunct="1">
         <a:lnSpc>
           <a:spcPct val="90000"/>
         </a:lnSpc>
         <a:spcBef>
-          <a:spcPts val="500"/>
+          <a:spcPts val="551"/>
         </a:spcBef>
         <a:buFont typeface="Arial" panose="020B0604020202020204" pitchFamily="34" charset="0"/>
         <a:buChar char="•"/>
-        <a:defRPr sz="1800" kern="1200">
+        <a:defRPr sz="1984" kern="1200">
           <a:solidFill>
             <a:schemeClr val="tx1"/>
           </a:solidFill>
@@ -2770,16 +2774,16 @@
           <a:cs typeface="+mn-cs"/>
         </a:defRPr>
       </a:lvl4pPr>
-      <a:lvl5pPr marL="2057400" indent="-228600" algn="l" defTabSz="914400" rtl="0" eaLnBrk="1" latinLnBrk="0" hangingPunct="1">
+      <a:lvl5pPr marL="2267872" indent="-251986" algn="l" defTabSz="1007943" rtl="0" eaLnBrk="1" latinLnBrk="0" hangingPunct="1">
         <a:lnSpc>
           <a:spcPct val="90000"/>
         </a:lnSpc>
         <a:spcBef>
-          <a:spcPts val="500"/>
+          <a:spcPts val="551"/>
         </a:spcBef>
         <a:buFont typeface="Arial" panose="020B0604020202020204" pitchFamily="34" charset="0"/>
         <a:buChar char="•"/>
-        <a:defRPr sz="1800" kern="1200">
+        <a:defRPr sz="1984" kern="1200">
           <a:solidFill>
             <a:schemeClr val="tx1"/>
           </a:solidFill>
@@ -2788,16 +2792,16 @@
           <a:cs typeface="+mn-cs"/>
         </a:defRPr>
       </a:lvl5pPr>
-      <a:lvl6pPr marL="2514600" indent="-228600" algn="l" defTabSz="914400" rtl="0" eaLnBrk="1" latinLnBrk="0" hangingPunct="1">
+      <a:lvl6pPr marL="2771844" indent="-251986" algn="l" defTabSz="1007943" rtl="0" eaLnBrk="1" latinLnBrk="0" hangingPunct="1">
         <a:lnSpc>
           <a:spcPct val="90000"/>
         </a:lnSpc>
         <a:spcBef>
-          <a:spcPts val="500"/>
+          <a:spcPts val="551"/>
         </a:spcBef>
         <a:buFont typeface="Arial" panose="020B0604020202020204" pitchFamily="34" charset="0"/>
         <a:buChar char="•"/>
-        <a:defRPr sz="1800" kern="1200">
+        <a:defRPr sz="1984" kern="1200">
           <a:solidFill>
             <a:schemeClr val="tx1"/>
           </a:solidFill>
@@ -2806,16 +2810,16 @@
           <a:cs typeface="+mn-cs"/>
         </a:defRPr>
       </a:lvl6pPr>
-      <a:lvl7pPr marL="2971800" indent="-228600" algn="l" defTabSz="914400" rtl="0" eaLnBrk="1" latinLnBrk="0" hangingPunct="1">
+      <a:lvl7pPr marL="3275815" indent="-251986" algn="l" defTabSz="1007943" rtl="0" eaLnBrk="1" latinLnBrk="0" hangingPunct="1">
         <a:lnSpc>
           <a:spcPct val="90000"/>
         </a:lnSpc>
         <a:spcBef>
-          <a:spcPts val="500"/>
+          <a:spcPts val="551"/>
         </a:spcBef>
         <a:buFont typeface="Arial" panose="020B0604020202020204" pitchFamily="34" charset="0"/>
         <a:buChar char="•"/>
-        <a:defRPr sz="1800" kern="1200">
+        <a:defRPr sz="1984" kern="1200">
           <a:solidFill>
             <a:schemeClr val="tx1"/>
           </a:solidFill>
@@ -2824,16 +2828,16 @@
           <a:cs typeface="+mn-cs"/>
         </a:defRPr>
       </a:lvl7pPr>
-      <a:lvl8pPr marL="3429000" indent="-228600" algn="l" defTabSz="914400" rtl="0" eaLnBrk="1" latinLnBrk="0" hangingPunct="1">
+      <a:lvl8pPr marL="3779787" indent="-251986" algn="l" defTabSz="1007943" rtl="0" eaLnBrk="1" latinLnBrk="0" hangingPunct="1">
         <a:lnSpc>
           <a:spcPct val="90000"/>
         </a:lnSpc>
         <a:spcBef>
-          <a:spcPts val="500"/>
+          <a:spcPts val="551"/>
         </a:spcBef>
         <a:buFont typeface="Arial" panose="020B0604020202020204" pitchFamily="34" charset="0"/>
         <a:buChar char="•"/>
-        <a:defRPr sz="1800" kern="1200">
+        <a:defRPr sz="1984" kern="1200">
           <a:solidFill>
             <a:schemeClr val="tx1"/>
           </a:solidFill>
@@ -2842,16 +2846,16 @@
           <a:cs typeface="+mn-cs"/>
         </a:defRPr>
       </a:lvl8pPr>
-      <a:lvl9pPr marL="3886200" indent="-228600" algn="l" defTabSz="914400" rtl="0" eaLnBrk="1" latinLnBrk="0" hangingPunct="1">
+      <a:lvl9pPr marL="4283758" indent="-251986" algn="l" defTabSz="1007943" rtl="0" eaLnBrk="1" latinLnBrk="0" hangingPunct="1">
         <a:lnSpc>
           <a:spcPct val="90000"/>
         </a:lnSpc>
         <a:spcBef>
-          <a:spcPts val="500"/>
+          <a:spcPts val="551"/>
         </a:spcBef>
         <a:buFont typeface="Arial" panose="020B0604020202020204" pitchFamily="34" charset="0"/>
         <a:buChar char="•"/>
-        <a:defRPr sz="1800" kern="1200">
+        <a:defRPr sz="1984" kern="1200">
           <a:solidFill>
             <a:schemeClr val="tx1"/>
           </a:solidFill>
@@ -2863,10 +2867,10 @@
     </p:bodyStyle>
     <p:otherStyle>
       <a:defPPr>
-        <a:defRPr lang="de-DE"/>
+        <a:defRPr lang="en-US"/>
       </a:defPPr>
-      <a:lvl1pPr marL="0" algn="l" defTabSz="914400" rtl="0" eaLnBrk="1" latinLnBrk="0" hangingPunct="1">
-        <a:defRPr sz="1800" kern="1200">
+      <a:lvl1pPr marL="0" algn="l" defTabSz="1007943" rtl="0" eaLnBrk="1" latinLnBrk="0" hangingPunct="1">
+        <a:defRPr sz="1984" kern="1200">
           <a:solidFill>
             <a:schemeClr val="tx1"/>
           </a:solidFill>
@@ -2875,8 +2879,8 @@
           <a:cs typeface="+mn-cs"/>
         </a:defRPr>
       </a:lvl1pPr>
-      <a:lvl2pPr marL="457200" algn="l" defTabSz="914400" rtl="0" eaLnBrk="1" latinLnBrk="0" hangingPunct="1">
-        <a:defRPr sz="1800" kern="1200">
+      <a:lvl2pPr marL="503972" algn="l" defTabSz="1007943" rtl="0" eaLnBrk="1" latinLnBrk="0" hangingPunct="1">
+        <a:defRPr sz="1984" kern="1200">
           <a:solidFill>
             <a:schemeClr val="tx1"/>
           </a:solidFill>
@@ -2885,8 +2889,8 @@
           <a:cs typeface="+mn-cs"/>
         </a:defRPr>
       </a:lvl2pPr>
-      <a:lvl3pPr marL="914400" algn="l" defTabSz="914400" rtl="0" eaLnBrk="1" latinLnBrk="0" hangingPunct="1">
-        <a:defRPr sz="1800" kern="1200">
+      <a:lvl3pPr marL="1007943" algn="l" defTabSz="1007943" rtl="0" eaLnBrk="1" latinLnBrk="0" hangingPunct="1">
+        <a:defRPr sz="1984" kern="1200">
           <a:solidFill>
             <a:schemeClr val="tx1"/>
           </a:solidFill>
@@ -2895,8 +2899,8 @@
           <a:cs typeface="+mn-cs"/>
         </a:defRPr>
       </a:lvl3pPr>
-      <a:lvl4pPr marL="1371600" algn="l" defTabSz="914400" rtl="0" eaLnBrk="1" latinLnBrk="0" hangingPunct="1">
-        <a:defRPr sz="1800" kern="1200">
+      <a:lvl4pPr marL="1511915" algn="l" defTabSz="1007943" rtl="0" eaLnBrk="1" latinLnBrk="0" hangingPunct="1">
+        <a:defRPr sz="1984" kern="1200">
           <a:solidFill>
             <a:schemeClr val="tx1"/>
           </a:solidFill>
@@ -2905,8 +2909,8 @@
           <a:cs typeface="+mn-cs"/>
         </a:defRPr>
       </a:lvl4pPr>
-      <a:lvl5pPr marL="1828800" algn="l" defTabSz="914400" rtl="0" eaLnBrk="1" latinLnBrk="0" hangingPunct="1">
-        <a:defRPr sz="1800" kern="1200">
+      <a:lvl5pPr marL="2015886" algn="l" defTabSz="1007943" rtl="0" eaLnBrk="1" latinLnBrk="0" hangingPunct="1">
+        <a:defRPr sz="1984" kern="1200">
           <a:solidFill>
             <a:schemeClr val="tx1"/>
           </a:solidFill>
@@ -2915,8 +2919,8 @@
           <a:cs typeface="+mn-cs"/>
         </a:defRPr>
       </a:lvl5pPr>
-      <a:lvl6pPr marL="2286000" algn="l" defTabSz="914400" rtl="0" eaLnBrk="1" latinLnBrk="0" hangingPunct="1">
-        <a:defRPr sz="1800" kern="1200">
+      <a:lvl6pPr marL="2519858" algn="l" defTabSz="1007943" rtl="0" eaLnBrk="1" latinLnBrk="0" hangingPunct="1">
+        <a:defRPr sz="1984" kern="1200">
           <a:solidFill>
             <a:schemeClr val="tx1"/>
           </a:solidFill>
@@ -2925,8 +2929,8 @@
           <a:cs typeface="+mn-cs"/>
         </a:defRPr>
       </a:lvl6pPr>
-      <a:lvl7pPr marL="2743200" algn="l" defTabSz="914400" rtl="0" eaLnBrk="1" latinLnBrk="0" hangingPunct="1">
-        <a:defRPr sz="1800" kern="1200">
+      <a:lvl7pPr marL="3023829" algn="l" defTabSz="1007943" rtl="0" eaLnBrk="1" latinLnBrk="0" hangingPunct="1">
+        <a:defRPr sz="1984" kern="1200">
           <a:solidFill>
             <a:schemeClr val="tx1"/>
           </a:solidFill>
@@ -2935,8 +2939,8 @@
           <a:cs typeface="+mn-cs"/>
         </a:defRPr>
       </a:lvl7pPr>
-      <a:lvl8pPr marL="3200400" algn="l" defTabSz="914400" rtl="0" eaLnBrk="1" latinLnBrk="0" hangingPunct="1">
-        <a:defRPr sz="1800" kern="1200">
+      <a:lvl8pPr marL="3527801" algn="l" defTabSz="1007943" rtl="0" eaLnBrk="1" latinLnBrk="0" hangingPunct="1">
+        <a:defRPr sz="1984" kern="1200">
           <a:solidFill>
             <a:schemeClr val="tx1"/>
           </a:solidFill>
@@ -2945,8 +2949,8 @@
           <a:cs typeface="+mn-cs"/>
         </a:defRPr>
       </a:lvl8pPr>
-      <a:lvl9pPr marL="3657600" algn="l" defTabSz="914400" rtl="0" eaLnBrk="1" latinLnBrk="0" hangingPunct="1">
-        <a:defRPr sz="1800" kern="1200">
+      <a:lvl9pPr marL="4031772" algn="l" defTabSz="1007943" rtl="0" eaLnBrk="1" latinLnBrk="0" hangingPunct="1">
+        <a:defRPr sz="1984" kern="1200">
           <a:solidFill>
             <a:schemeClr val="tx1"/>
           </a:solidFill>
@@ -2985,7 +2989,7 @@
         </p:nvSpPr>
         <p:spPr>
           <a:xfrm>
-            <a:off x="523457" y="2206109"/>
+            <a:off x="1627565" y="2556948"/>
             <a:ext cx="1701107" cy="2215991"/>
           </a:xfrm>
           <a:prstGeom prst="rect">
@@ -2999,11 +3003,10 @@
           <a:lstStyle/>
           <a:p>
             <a:r>
-              <a:rPr lang="de-DE" sz="13800" b="0" i="0" dirty="0" smtClean="0">
+              <a:rPr lang="de-DE" sz="13800" dirty="0">
                 <a:solidFill>
                   <a:srgbClr val="333333"/>
                 </a:solidFill>
-                <a:effectLst/>
                 <a:latin typeface="FontAwesome" pitchFamily="2" charset="0"/>
               </a:rPr>
               <a:t></a:t>
@@ -3020,7 +3023,7 @@
         </p:nvCxnSpPr>
         <p:spPr>
           <a:xfrm>
-            <a:off x="2886075" y="3343275"/>
+            <a:off x="3990183" y="3694112"/>
             <a:ext cx="3057525" cy="0"/>
           </a:xfrm>
           <a:prstGeom prst="straightConnector1">
@@ -3059,7 +3062,7 @@
         </p:nvGrpSpPr>
         <p:grpSpPr>
           <a:xfrm>
-            <a:off x="6638925" y="2600326"/>
+            <a:off x="7743031" y="2951163"/>
             <a:ext cx="3105150" cy="1409700"/>
             <a:chOff x="6448425" y="3933826"/>
             <a:chExt cx="2628900" cy="1409700"/>
@@ -3141,7 +3144,7 @@
             <a:p>
               <a:pPr algn="ctr"/>
               <a:r>
-                <a:rPr lang="en-US" sz="3600" b="1" dirty="0" smtClean="0">
+                <a:rPr lang="en-US" sz="3600" b="1" dirty="0">
                   <a:solidFill>
                     <a:schemeClr val="bg1"/>
                   </a:solidFill>
@@ -3202,7 +3205,7 @@
         </p:nvGrpSpPr>
         <p:grpSpPr>
           <a:xfrm>
-            <a:off x="1019175" y="504826"/>
+            <a:off x="2123281" y="855665"/>
             <a:ext cx="3105150" cy="5686425"/>
             <a:chOff x="1019175" y="504826"/>
             <a:chExt cx="3105150" cy="5686425"/>
@@ -3298,7 +3301,7 @@
               <a:p>
                 <a:pPr algn="ctr"/>
                 <a:r>
-                  <a:rPr lang="en-US" sz="3600" b="1" dirty="0" smtClean="0">
+                  <a:rPr lang="en-US" sz="3600" b="1" dirty="0">
                     <a:solidFill>
                       <a:schemeClr val="bg1"/>
                     </a:solidFill>
@@ -3404,7 +3407,7 @@
               <a:p>
                 <a:pPr algn="ctr"/>
                 <a:r>
-                  <a:rPr lang="en-US" sz="3600" b="1" dirty="0" smtClean="0">
+                  <a:rPr lang="en-US" sz="3600" b="1" dirty="0">
                     <a:solidFill>
                       <a:schemeClr val="bg1"/>
                     </a:solidFill>
@@ -3510,7 +3513,7 @@
               <a:p>
                 <a:pPr algn="ctr"/>
                 <a:r>
-                  <a:rPr lang="en-US" sz="3600" b="1" dirty="0" smtClean="0">
+                  <a:rPr lang="en-US" sz="3600" b="1" dirty="0">
                     <a:solidFill>
                       <a:schemeClr val="bg1"/>
                     </a:solidFill>
@@ -3616,7 +3619,7 @@
               <a:p>
                 <a:pPr algn="ctr"/>
                 <a:r>
-                  <a:rPr lang="en-US" sz="3600" b="1" dirty="0" smtClean="0">
+                  <a:rPr lang="en-US" sz="3600" b="1" dirty="0">
                     <a:solidFill>
                       <a:schemeClr val="bg1"/>
                     </a:solidFill>
@@ -3722,7 +3725,7 @@
               <a:p>
                 <a:pPr algn="ctr"/>
                 <a:r>
-                  <a:rPr lang="en-US" sz="3600" b="1" dirty="0" smtClean="0">
+                  <a:rPr lang="en-US" sz="3600" b="1" dirty="0">
                     <a:solidFill>
                       <a:schemeClr val="bg1"/>
                     </a:solidFill>
@@ -3777,7 +3780,7 @@
         </p:nvGrpSpPr>
         <p:grpSpPr>
           <a:xfrm>
-            <a:off x="114300" y="109537"/>
+            <a:off x="1218406" y="460374"/>
             <a:ext cx="3676650" cy="6917472"/>
             <a:chOff x="114300" y="95250"/>
             <a:chExt cx="3676650" cy="6917472"/>
@@ -3955,7 +3958,7 @@
                   <a:p>
                     <a:pPr algn="ctr"/>
                     <a:r>
-                      <a:rPr lang="en-US" sz="3600" b="1" dirty="0" smtClean="0">
+                      <a:rPr lang="en-US" sz="3600" b="1" dirty="0">
                         <a:solidFill>
                           <a:schemeClr val="bg1"/>
                         </a:solidFill>
@@ -4061,7 +4064,7 @@
                   <a:p>
                     <a:pPr algn="ctr"/>
                     <a:r>
-                      <a:rPr lang="en-US" sz="3600" b="1" dirty="0" smtClean="0">
+                      <a:rPr lang="en-US" sz="3600" b="1" dirty="0">
                         <a:solidFill>
                           <a:schemeClr val="bg1"/>
                         </a:solidFill>
@@ -4167,7 +4170,7 @@
                   <a:p>
                     <a:pPr algn="ctr"/>
                     <a:r>
-                      <a:rPr lang="en-US" sz="3600" b="1" dirty="0" smtClean="0">
+                      <a:rPr lang="en-US" sz="3600" b="1" dirty="0">
                         <a:solidFill>
                           <a:schemeClr val="bg1"/>
                         </a:solidFill>
@@ -4273,7 +4276,7 @@
                   <a:p>
                     <a:pPr algn="ctr"/>
                     <a:r>
-                      <a:rPr lang="en-US" sz="3600" b="1" dirty="0" smtClean="0">
+                      <a:rPr lang="en-US" sz="3600" b="1" dirty="0">
                         <a:solidFill>
                           <a:schemeClr val="bg1"/>
                         </a:solidFill>
@@ -4379,7 +4382,7 @@
                   <a:p>
                     <a:pPr algn="ctr"/>
                     <a:r>
-                      <a:rPr lang="en-US" sz="3600" b="1" dirty="0" smtClean="0">
+                      <a:rPr lang="en-US" sz="3600" b="1" dirty="0">
                         <a:solidFill>
                           <a:schemeClr val="bg1"/>
                         </a:solidFill>
@@ -4421,7 +4424,7 @@
             <a:p>
               <a:pPr algn="ctr"/>
               <a:r>
-                <a:rPr lang="en-US" sz="4800" b="1" dirty="0" smtClean="0">
+                <a:rPr lang="en-US" sz="4800" b="1" dirty="0">
                   <a:solidFill>
                     <a:schemeClr val="bg1">
                       <a:lumMod val="50000"/>
@@ -4449,7 +4452,7 @@
         </p:nvGrpSpPr>
         <p:grpSpPr>
           <a:xfrm>
-            <a:off x="5419725" y="109537"/>
+            <a:off x="6523833" y="460374"/>
             <a:ext cx="3800475" cy="6917472"/>
             <a:chOff x="57150" y="95250"/>
             <a:chExt cx="3800475" cy="6917472"/>
@@ -4627,7 +4630,7 @@
                   <a:p>
                     <a:pPr algn="ctr"/>
                     <a:r>
-                      <a:rPr lang="en-US" sz="3600" b="1" dirty="0" smtClean="0">
+                      <a:rPr lang="en-US" sz="3600" b="1" dirty="0">
                         <a:solidFill>
                           <a:schemeClr val="bg1"/>
                         </a:solidFill>
@@ -4733,7 +4736,7 @@
                   <a:p>
                     <a:pPr algn="ctr"/>
                     <a:r>
-                      <a:rPr lang="en-US" sz="3600" b="1" dirty="0" smtClean="0">
+                      <a:rPr lang="en-US" sz="3600" b="1" dirty="0">
                         <a:solidFill>
                           <a:schemeClr val="bg1"/>
                         </a:solidFill>
@@ -4839,7 +4842,7 @@
                   <a:p>
                     <a:pPr algn="ctr"/>
                     <a:r>
-                      <a:rPr lang="en-US" sz="3600" b="1" dirty="0" smtClean="0">
+                      <a:rPr lang="en-US" sz="3600" b="1" dirty="0">
                         <a:solidFill>
                           <a:schemeClr val="bg1"/>
                         </a:solidFill>
@@ -4945,7 +4948,7 @@
                   <a:p>
                     <a:pPr algn="ctr"/>
                     <a:r>
-                      <a:rPr lang="en-US" sz="3600" b="1" dirty="0" smtClean="0">
+                      <a:rPr lang="en-US" sz="3600" b="1" dirty="0">
                         <a:solidFill>
                           <a:schemeClr val="bg1"/>
                         </a:solidFill>
@@ -5051,7 +5054,7 @@
                   <a:p>
                     <a:pPr algn="ctr"/>
                     <a:r>
-                      <a:rPr lang="en-US" sz="3600" b="1" dirty="0" smtClean="0">
+                      <a:rPr lang="en-US" sz="3600" b="1" dirty="0">
                         <a:solidFill>
                           <a:schemeClr val="bg1"/>
                         </a:solidFill>
@@ -5093,7 +5096,7 @@
             <a:p>
               <a:pPr algn="ctr"/>
               <a:r>
-                <a:rPr lang="en-US" sz="4800" b="1" dirty="0" smtClean="0">
+                <a:rPr lang="en-US" sz="4800" b="1" dirty="0">
                   <a:solidFill>
                     <a:schemeClr val="bg1">
                       <a:lumMod val="50000"/>
@@ -5121,7 +5124,7 @@
         </p:nvGrpSpPr>
         <p:grpSpPr>
           <a:xfrm>
-            <a:off x="10782300" y="109537"/>
+            <a:off x="11886406" y="460374"/>
             <a:ext cx="3790950" cy="6917472"/>
             <a:chOff x="57150" y="95250"/>
             <a:chExt cx="3790950" cy="6917472"/>
@@ -5299,7 +5302,7 @@
                   <a:p>
                     <a:pPr algn="ctr"/>
                     <a:r>
-                      <a:rPr lang="en-US" sz="3600" b="1" dirty="0" smtClean="0">
+                      <a:rPr lang="en-US" sz="3600" b="1" dirty="0">
                         <a:solidFill>
                           <a:schemeClr val="bg1"/>
                         </a:solidFill>
@@ -5405,7 +5408,7 @@
                   <a:p>
                     <a:pPr algn="ctr"/>
                     <a:r>
-                      <a:rPr lang="en-US" sz="3600" b="1" dirty="0" smtClean="0">
+                      <a:rPr lang="en-US" sz="3600" b="1" dirty="0">
                         <a:solidFill>
                           <a:schemeClr val="bg1"/>
                         </a:solidFill>
@@ -5511,7 +5514,7 @@
                   <a:p>
                     <a:pPr algn="ctr"/>
                     <a:r>
-                      <a:rPr lang="en-US" sz="3600" b="1" dirty="0" smtClean="0">
+                      <a:rPr lang="en-US" sz="3600" b="1" dirty="0">
                         <a:solidFill>
                           <a:schemeClr val="bg1"/>
                         </a:solidFill>
@@ -5617,7 +5620,7 @@
                   <a:p>
                     <a:pPr algn="ctr"/>
                     <a:r>
-                      <a:rPr lang="en-US" sz="3600" b="1" dirty="0" smtClean="0">
+                      <a:rPr lang="en-US" sz="3600" b="1" dirty="0">
                         <a:solidFill>
                           <a:schemeClr val="bg1"/>
                         </a:solidFill>
@@ -5723,7 +5726,7 @@
                   <a:p>
                     <a:pPr algn="ctr"/>
                     <a:r>
-                      <a:rPr lang="en-US" sz="3600" b="1" dirty="0" smtClean="0">
+                      <a:rPr lang="en-US" sz="3600" b="1" dirty="0">
                         <a:solidFill>
                           <a:schemeClr val="bg1"/>
                         </a:solidFill>
@@ -5765,7 +5768,7 @@
             <a:p>
               <a:pPr algn="ctr"/>
               <a:r>
-                <a:rPr lang="en-US" sz="4800" b="1" dirty="0" smtClean="0">
+                <a:rPr lang="en-US" sz="4800" b="1" dirty="0">
                   <a:solidFill>
                     <a:schemeClr val="bg1">
                       <a:lumMod val="50000"/>
@@ -5793,7 +5796,7 @@
         </p:nvCxnSpPr>
         <p:spPr>
           <a:xfrm>
-            <a:off x="8996362" y="1047750"/>
+            <a:off x="10100468" y="1398587"/>
             <a:ext cx="2019300" cy="0"/>
           </a:xfrm>
           <a:prstGeom prst="straightConnector1">
@@ -5832,7 +5835,7 @@
         </p:nvCxnSpPr>
         <p:spPr>
           <a:xfrm>
-            <a:off x="3605213" y="1047750"/>
+            <a:off x="4709321" y="1398587"/>
             <a:ext cx="2047875" cy="0"/>
           </a:xfrm>
           <a:prstGeom prst="straightConnector1">
@@ -5870,7 +5873,7 @@
         </p:nvCxnSpPr>
         <p:spPr>
           <a:xfrm>
-            <a:off x="3605213" y="2381250"/>
+            <a:off x="4709321" y="2732087"/>
             <a:ext cx="2047875" cy="0"/>
           </a:xfrm>
           <a:prstGeom prst="straightConnector1">
@@ -5907,7 +5910,7 @@
         </p:nvCxnSpPr>
         <p:spPr>
           <a:xfrm>
-            <a:off x="3605213" y="3443287"/>
+            <a:off x="4709321" y="3794124"/>
             <a:ext cx="2047875" cy="0"/>
           </a:xfrm>
           <a:prstGeom prst="straightConnector1">
@@ -5944,7 +5947,7 @@
         </p:nvCxnSpPr>
         <p:spPr>
           <a:xfrm>
-            <a:off x="3605213" y="4481512"/>
+            <a:off x="4709321" y="4832349"/>
             <a:ext cx="2047875" cy="0"/>
           </a:xfrm>
           <a:prstGeom prst="straightConnector1">
@@ -5981,7 +5984,7 @@
         </p:nvCxnSpPr>
         <p:spPr>
           <a:xfrm>
-            <a:off x="3605213" y="5548312"/>
+            <a:off x="4709321" y="5899149"/>
             <a:ext cx="2047875" cy="0"/>
           </a:xfrm>
           <a:prstGeom prst="straightConnector1">
@@ -6018,7 +6021,7 @@
         </p:nvCxnSpPr>
         <p:spPr>
           <a:xfrm>
-            <a:off x="8982075" y="5548312"/>
+            <a:off x="10086183" y="5899149"/>
             <a:ext cx="2047875" cy="0"/>
           </a:xfrm>
           <a:prstGeom prst="straightConnector1">
@@ -6055,7 +6058,7 @@
         </p:nvCxnSpPr>
         <p:spPr>
           <a:xfrm>
-            <a:off x="8982075" y="4481512"/>
+            <a:off x="10086183" y="4832349"/>
             <a:ext cx="2047875" cy="0"/>
           </a:xfrm>
           <a:prstGeom prst="straightConnector1">
@@ -6092,7 +6095,7 @@
         </p:nvCxnSpPr>
         <p:spPr>
           <a:xfrm>
-            <a:off x="8982075" y="3443287"/>
+            <a:off x="10086183" y="3794124"/>
             <a:ext cx="2047875" cy="0"/>
           </a:xfrm>
           <a:prstGeom prst="straightConnector1">
@@ -6129,7 +6132,7 @@
         </p:nvCxnSpPr>
         <p:spPr>
           <a:xfrm>
-            <a:off x="8982075" y="2381250"/>
+            <a:off x="10086183" y="2732087"/>
             <a:ext cx="2047875" cy="0"/>
           </a:xfrm>
           <a:prstGeom prst="straightConnector1">
@@ -6196,7 +6199,7 @@
         </p:nvGrpSpPr>
         <p:grpSpPr>
           <a:xfrm>
-            <a:off x="1019175" y="504826"/>
+            <a:off x="2123281" y="855665"/>
             <a:ext cx="3105150" cy="5686425"/>
             <a:chOff x="1019175" y="504826"/>
             <a:chExt cx="3105150" cy="5686425"/>
@@ -6292,7 +6295,7 @@
               <a:p>
                 <a:pPr algn="ctr"/>
                 <a:r>
-                  <a:rPr lang="en-US" sz="3600" b="1" dirty="0" smtClean="0">
+                  <a:rPr lang="en-US" sz="3600" b="1" dirty="0">
                     <a:solidFill>
                       <a:schemeClr val="bg1"/>
                     </a:solidFill>
@@ -6398,7 +6401,7 @@
               <a:p>
                 <a:pPr algn="ctr"/>
                 <a:r>
-                  <a:rPr lang="en-US" sz="3600" b="1" dirty="0" smtClean="0">
+                  <a:rPr lang="en-US" sz="3600" b="1" dirty="0">
                     <a:solidFill>
                       <a:schemeClr val="bg1"/>
                     </a:solidFill>
@@ -6504,7 +6507,7 @@
               <a:p>
                 <a:pPr algn="ctr"/>
                 <a:r>
-                  <a:rPr lang="en-US" sz="3600" b="1" dirty="0" smtClean="0">
+                  <a:rPr lang="en-US" sz="3600" b="1" dirty="0">
                     <a:solidFill>
                       <a:schemeClr val="bg1"/>
                     </a:solidFill>
@@ -6610,7 +6613,7 @@
               <a:p>
                 <a:pPr algn="ctr"/>
                 <a:r>
-                  <a:rPr lang="en-US" sz="3600" b="1" dirty="0" smtClean="0">
+                  <a:rPr lang="en-US" sz="3600" b="1" dirty="0">
                     <a:solidFill>
                       <a:schemeClr val="bg1"/>
                     </a:solidFill>
@@ -6716,7 +6719,7 @@
               <a:p>
                 <a:pPr algn="ctr"/>
                 <a:r>
-                  <a:rPr lang="en-US" sz="3600" b="1" dirty="0" smtClean="0">
+                  <a:rPr lang="en-US" sz="3600" b="1" dirty="0">
                     <a:solidFill>
                       <a:schemeClr val="bg1"/>
                     </a:solidFill>
@@ -6741,7 +6744,7 @@
         </p:nvCxnSpPr>
         <p:spPr>
           <a:xfrm>
-            <a:off x="4991100" y="3343275"/>
+            <a:off x="6095208" y="3694112"/>
             <a:ext cx="3057525" cy="0"/>
           </a:xfrm>
           <a:prstGeom prst="straightConnector1">
@@ -6780,7 +6783,7 @@
         </p:nvGrpSpPr>
         <p:grpSpPr>
           <a:xfrm>
-            <a:off x="8743950" y="476251"/>
+            <a:off x="9848056" y="827090"/>
             <a:ext cx="3105150" cy="5791199"/>
             <a:chOff x="6448425" y="3933826"/>
             <a:chExt cx="2628900" cy="1409700"/>
@@ -6860,7 +6863,7 @@
             <a:p>
               <a:pPr algn="ctr"/>
               <a:r>
-                <a:rPr lang="en-US" sz="3600" b="1" dirty="0" smtClean="0">
+                <a:rPr lang="en-US" sz="3600" b="1" dirty="0">
                   <a:solidFill>
                     <a:schemeClr val="bg1"/>
                   </a:solidFill>
@@ -6921,7 +6924,7 @@
         </p:nvGrpSpPr>
         <p:grpSpPr>
           <a:xfrm>
-            <a:off x="114300" y="109537"/>
+            <a:off x="1218406" y="460374"/>
             <a:ext cx="3676650" cy="6917472"/>
             <a:chOff x="114300" y="95250"/>
             <a:chExt cx="3676650" cy="6917472"/>
@@ -7005,7 +7008,7 @@
             <a:p>
               <a:pPr algn="ctr"/>
               <a:r>
-                <a:rPr lang="en-US" sz="4800" b="1" dirty="0" smtClean="0">
+                <a:rPr lang="en-US" sz="4800" b="1" dirty="0">
                   <a:solidFill>
                     <a:schemeClr val="bg1">
                       <a:lumMod val="50000"/>
@@ -7033,7 +7036,7 @@
         </p:nvGrpSpPr>
         <p:grpSpPr>
           <a:xfrm>
-            <a:off x="390525" y="290514"/>
+            <a:off x="1494631" y="641353"/>
             <a:ext cx="3105150" cy="5791199"/>
             <a:chOff x="6448425" y="3933826"/>
             <a:chExt cx="2628900" cy="1409700"/>
@@ -7113,7 +7116,7 @@
             <a:p>
               <a:pPr algn="ctr"/>
               <a:r>
-                <a:rPr lang="en-US" sz="3600" b="1" dirty="0" smtClean="0">
+                <a:rPr lang="en-US" sz="3600" b="1" dirty="0">
                   <a:solidFill>
                     <a:schemeClr val="bg1"/>
                   </a:solidFill>
@@ -7137,7 +7140,7 @@
         </p:nvGrpSpPr>
         <p:grpSpPr>
           <a:xfrm>
-            <a:off x="5419725" y="109537"/>
+            <a:off x="6523833" y="460374"/>
             <a:ext cx="3800475" cy="6917472"/>
             <a:chOff x="57150" y="95250"/>
             <a:chExt cx="3800475" cy="6917472"/>
@@ -7221,7 +7224,7 @@
             <a:p>
               <a:pPr algn="ctr"/>
               <a:r>
-                <a:rPr lang="en-US" sz="4800" b="1" dirty="0" smtClean="0">
+                <a:rPr lang="en-US" sz="4800" b="1" dirty="0">
                   <a:solidFill>
                     <a:schemeClr val="bg1">
                       <a:lumMod val="50000"/>
@@ -7249,7 +7252,7 @@
         </p:nvGrpSpPr>
         <p:grpSpPr>
           <a:xfrm>
-            <a:off x="10782300" y="109537"/>
+            <a:off x="11886406" y="460374"/>
             <a:ext cx="3790950" cy="6917472"/>
             <a:chOff x="57150" y="95250"/>
             <a:chExt cx="3790950" cy="6917472"/>
@@ -7333,7 +7336,7 @@
             <a:p>
               <a:pPr algn="ctr"/>
               <a:r>
-                <a:rPr lang="en-US" sz="4800" b="1" dirty="0" smtClean="0">
+                <a:rPr lang="en-US" sz="4800" b="1" dirty="0">
                   <a:solidFill>
                     <a:schemeClr val="bg1">
                       <a:lumMod val="50000"/>
@@ -7361,7 +7364,7 @@
         </p:nvCxnSpPr>
         <p:spPr>
           <a:xfrm>
-            <a:off x="8996362" y="3186112"/>
+            <a:off x="10100468" y="3536949"/>
             <a:ext cx="2019300" cy="0"/>
           </a:xfrm>
           <a:prstGeom prst="straightConnector1">
@@ -7400,7 +7403,7 @@
         </p:nvCxnSpPr>
         <p:spPr>
           <a:xfrm>
-            <a:off x="3605213" y="3186112"/>
+            <a:off x="4709321" y="3536949"/>
             <a:ext cx="2047875" cy="0"/>
           </a:xfrm>
           <a:prstGeom prst="straightConnector1">
@@ -7438,7 +7441,7 @@
         </p:nvGrpSpPr>
         <p:grpSpPr>
           <a:xfrm>
-            <a:off x="5762625" y="290514"/>
+            <a:off x="6866731" y="641353"/>
             <a:ext cx="3105150" cy="5791199"/>
             <a:chOff x="6448425" y="3933826"/>
             <a:chExt cx="2628900" cy="1409700"/>
@@ -7518,7 +7521,7 @@
             <a:p>
               <a:pPr algn="ctr"/>
               <a:r>
-                <a:rPr lang="en-US" sz="3600" b="1" dirty="0" smtClean="0">
+                <a:rPr lang="en-US" sz="3600" b="1" dirty="0">
                   <a:solidFill>
                     <a:schemeClr val="bg1"/>
                   </a:solidFill>
@@ -7542,7 +7545,7 @@
         </p:nvGrpSpPr>
         <p:grpSpPr>
           <a:xfrm>
-            <a:off x="11134724" y="290514"/>
+            <a:off x="12238830" y="641353"/>
             <a:ext cx="3105150" cy="5791199"/>
             <a:chOff x="6448424" y="3933826"/>
             <a:chExt cx="2628900" cy="1409700"/>
@@ -7622,7 +7625,7 @@
             <a:p>
               <a:pPr algn="ctr"/>
               <a:r>
-                <a:rPr lang="en-US" sz="3600" b="1" dirty="0" smtClean="0">
+                <a:rPr lang="en-US" sz="3600" b="1" dirty="0">
                   <a:solidFill>
                     <a:schemeClr val="bg1"/>
                   </a:solidFill>
@@ -7683,7 +7686,7 @@
         </p:nvGrpSpPr>
         <p:grpSpPr>
           <a:xfrm>
-            <a:off x="145119" y="4686861"/>
+            <a:off x="1249225" y="5037698"/>
             <a:ext cx="3105150" cy="1409700"/>
             <a:chOff x="6448425" y="3933826"/>
             <a:chExt cx="2628900" cy="1409700"/>
@@ -7765,7 +7768,7 @@
             <a:p>
               <a:pPr algn="ctr"/>
               <a:r>
-                <a:rPr lang="en-US" sz="3600" b="1" dirty="0" smtClean="0">
+                <a:rPr lang="en-US" sz="3600" b="1" dirty="0">
                   <a:solidFill>
                     <a:schemeClr val="bg1"/>
                   </a:solidFill>
@@ -7789,7 +7792,7 @@
         </p:nvCxnSpPr>
         <p:spPr>
           <a:xfrm>
-            <a:off x="3538819" y="1985122"/>
+            <a:off x="4642925" y="2335961"/>
             <a:ext cx="2041712" cy="1201831"/>
           </a:xfrm>
           <a:prstGeom prst="straightConnector1">
@@ -7828,7 +7831,7 @@
         </p:nvGrpSpPr>
         <p:grpSpPr>
           <a:xfrm>
-            <a:off x="5795684" y="2084294"/>
+            <a:off x="6899792" y="2435133"/>
             <a:ext cx="2839659" cy="2839659"/>
             <a:chOff x="6448425" y="3933826"/>
             <a:chExt cx="2628900" cy="1409700"/>
@@ -7896,7 +7899,7 @@
           <p:spPr>
             <a:xfrm>
               <a:off x="6496810" y="4229323"/>
-              <a:ext cx="2524067" cy="826187"/>
+              <a:ext cx="2524067" cy="837924"/>
             </a:xfrm>
             <a:prstGeom prst="ellipse">
               <a:avLst/>
@@ -7914,7 +7917,7 @@
             <a:p>
               <a:pPr algn="ctr"/>
               <a:r>
-                <a:rPr lang="en-US" sz="3600" b="1" dirty="0" smtClean="0">
+                <a:rPr lang="en-US" sz="3600" b="1" dirty="0">
                   <a:solidFill>
                     <a:schemeClr val="bg1"/>
                   </a:solidFill>
@@ -7938,7 +7941,7 @@
         </p:nvSpPr>
         <p:spPr>
           <a:xfrm>
-            <a:off x="-9574" y="-399819"/>
+            <a:off x="1094534" y="-48982"/>
             <a:ext cx="3469219" cy="3770263"/>
           </a:xfrm>
           <a:prstGeom prst="rect">
@@ -7985,7 +7988,7 @@
         </p:nvSpPr>
         <p:spPr>
           <a:xfrm>
-            <a:off x="139101" y="686919"/>
+            <a:off x="1243207" y="1037756"/>
             <a:ext cx="2953724" cy="1754326"/>
           </a:xfrm>
           <a:prstGeom prst="rect">
@@ -8001,7 +8004,7 @@
           <a:p>
             <a:pPr algn="ctr"/>
             <a:r>
-              <a:rPr lang="en-US" sz="3600" b="1" dirty="0" err="1" smtClean="0">
+              <a:rPr lang="en-US" sz="3600" b="1" dirty="0" err="1">
                 <a:solidFill>
                   <a:schemeClr val="bg1"/>
                 </a:solidFill>
@@ -8009,7 +8012,7 @@
               <a:t>Boxfuse</a:t>
             </a:r>
             <a:r>
-              <a:rPr lang="en-US" sz="3600" b="1" dirty="0" smtClean="0">
+              <a:rPr lang="en-US" sz="3600" b="1" dirty="0">
                 <a:solidFill>
                   <a:schemeClr val="bg1"/>
                 </a:solidFill>
@@ -8032,7 +8035,7 @@
         </p:nvCxnSpPr>
         <p:spPr>
           <a:xfrm flipV="1">
-            <a:off x="3637431" y="3751729"/>
+            <a:off x="4741539" y="4102568"/>
             <a:ext cx="1956547" cy="1384487"/>
           </a:xfrm>
           <a:prstGeom prst="straightConnector1">
@@ -8071,7 +8074,7 @@
         </p:nvCxnSpPr>
         <p:spPr>
           <a:xfrm>
-            <a:off x="8693525" y="4194922"/>
+            <a:off x="9797633" y="4545761"/>
             <a:ext cx="2247191" cy="1115015"/>
           </a:xfrm>
           <a:prstGeom prst="straightConnector1">
@@ -8110,7 +8113,7 @@
         </p:nvCxnSpPr>
         <p:spPr>
           <a:xfrm flipV="1">
-            <a:off x="8711454" y="1680882"/>
+            <a:off x="9815560" y="2031721"/>
             <a:ext cx="2059640" cy="1133477"/>
           </a:xfrm>
           <a:prstGeom prst="straightConnector1">
@@ -8149,7 +8152,7 @@
         </p:nvGrpSpPr>
         <p:grpSpPr>
           <a:xfrm>
-            <a:off x="10347158" y="208547"/>
+            <a:off x="11451264" y="559386"/>
             <a:ext cx="4056006" cy="2230805"/>
             <a:chOff x="996328" y="4911830"/>
             <a:chExt cx="2857500" cy="1571626"/>
@@ -8264,7 +8267,7 @@
         </p:blipFill>
         <p:spPr bwMode="auto">
           <a:xfrm>
-            <a:off x="11051758" y="5113422"/>
+            <a:off x="12155864" y="5464259"/>
             <a:ext cx="2729664" cy="1031206"/>
           </a:xfrm>
           <a:prstGeom prst="rect">
@@ -8327,7 +8330,7 @@
         </p:nvGrpSpPr>
         <p:grpSpPr>
           <a:xfrm>
-            <a:off x="8470231" y="3170676"/>
+            <a:off x="9574339" y="3521515"/>
             <a:ext cx="2486527" cy="2282669"/>
             <a:chOff x="6356047" y="3933826"/>
             <a:chExt cx="2863679" cy="1409700"/>
@@ -8413,7 +8416,7 @@
             <a:p>
               <a:pPr algn="ctr"/>
               <a:r>
-                <a:rPr lang="en-US" sz="3200" b="1" dirty="0" smtClean="0">
+                <a:rPr lang="en-US" sz="3200" b="1" dirty="0">
                   <a:solidFill>
                     <a:schemeClr val="bg1"/>
                   </a:solidFill>
@@ -8437,7 +8440,7 @@
         </p:nvGrpSpPr>
         <p:grpSpPr>
           <a:xfrm>
-            <a:off x="1573129" y="-337854"/>
+            <a:off x="2677235" y="12984"/>
             <a:ext cx="3105150" cy="5791199"/>
             <a:chOff x="6448425" y="3933826"/>
             <a:chExt cx="2628900" cy="1409700"/>
@@ -8519,7 +8522,7 @@
             <a:p>
               <a:pPr algn="ctr"/>
               <a:r>
-                <a:rPr lang="en-US" sz="3600" b="1" dirty="0" smtClean="0">
+                <a:rPr lang="en-US" sz="3600" b="1" dirty="0">
                   <a:solidFill>
                     <a:schemeClr val="bg1"/>
                   </a:solidFill>
@@ -8543,7 +8546,7 @@
         </p:nvSpPr>
         <p:spPr>
           <a:xfrm>
-            <a:off x="1219198" y="5513658"/>
+            <a:off x="2323306" y="5864497"/>
             <a:ext cx="3801979" cy="1323439"/>
           </a:xfrm>
           <a:prstGeom prst="rect">
@@ -8559,7 +8562,7 @@
           <a:p>
             <a:pPr algn="ctr"/>
             <a:r>
-              <a:rPr lang="en-US" sz="4000" b="1" dirty="0" smtClean="0">
+              <a:rPr lang="en-US" sz="4000" b="1" dirty="0">
                 <a:solidFill>
                   <a:schemeClr val="bg1">
                     <a:lumMod val="50000"/>
@@ -8572,7 +8575,7 @@
           <a:p>
             <a:pPr algn="ctr"/>
             <a:r>
-              <a:rPr lang="en-US" sz="4000" b="1" dirty="0" smtClean="0">
+              <a:rPr lang="en-US" sz="4000" b="1" dirty="0">
                 <a:solidFill>
                   <a:schemeClr val="bg1">
                     <a:lumMod val="50000"/>
@@ -8592,7 +8595,7 @@
         </p:nvSpPr>
         <p:spPr>
           <a:xfrm>
-            <a:off x="6593304" y="5572601"/>
+            <a:off x="7697412" y="5923440"/>
             <a:ext cx="6136103" cy="1323439"/>
           </a:xfrm>
           <a:prstGeom prst="rect">
@@ -8608,7 +8611,7 @@
           <a:p>
             <a:pPr algn="ctr"/>
             <a:r>
-              <a:rPr lang="en-US" sz="4000" b="1" dirty="0" err="1" smtClean="0">
+              <a:rPr lang="en-US" sz="4000" b="1" dirty="0" err="1">
                 <a:solidFill>
                   <a:schemeClr val="bg1">
                     <a:lumMod val="50000"/>
@@ -8618,7 +8621,7 @@
               <a:t>Boxfuse</a:t>
             </a:r>
             <a:r>
-              <a:rPr lang="en-US" sz="4000" b="1" dirty="0" smtClean="0">
+              <a:rPr lang="en-US" sz="4000" b="1" dirty="0">
                 <a:solidFill>
                   <a:schemeClr val="bg1">
                     <a:lumMod val="50000"/>
@@ -8631,7 +8634,7 @@
           <a:p>
             <a:pPr algn="ctr"/>
             <a:r>
-              <a:rPr lang="en-US" sz="4000" b="1" dirty="0" smtClean="0">
+              <a:rPr lang="en-US" sz="4000" b="1" dirty="0">
                 <a:solidFill>
                   <a:schemeClr val="bg1">
                     <a:lumMod val="50000"/>
@@ -8695,7 +8698,7 @@
         </p:nvGrpSpPr>
         <p:grpSpPr>
           <a:xfrm>
-            <a:off x="1817242" y="2084294"/>
+            <a:off x="2921350" y="2435133"/>
             <a:ext cx="2839659" cy="2839659"/>
             <a:chOff x="6448425" y="3933826"/>
             <a:chExt cx="2628900" cy="1409700"/>
@@ -8763,7 +8766,7 @@
           <p:spPr>
             <a:xfrm>
               <a:off x="6496810" y="4229323"/>
-              <a:ext cx="2524067" cy="826187"/>
+              <a:ext cx="2524067" cy="837924"/>
             </a:xfrm>
             <a:prstGeom prst="ellipse">
               <a:avLst/>
@@ -8781,7 +8784,7 @@
             <a:p>
               <a:pPr algn="ctr"/>
               <a:r>
-                <a:rPr lang="en-US" sz="3600" b="1" dirty="0" smtClean="0">
+                <a:rPr lang="en-US" sz="3600" b="1" dirty="0">
                   <a:solidFill>
                     <a:schemeClr val="bg1"/>
                   </a:solidFill>
@@ -8805,7 +8808,7 @@
         </p:nvCxnSpPr>
         <p:spPr>
           <a:xfrm>
-            <a:off x="4715083" y="4194922"/>
+            <a:off x="5819191" y="4545761"/>
             <a:ext cx="2247191" cy="1115015"/>
           </a:xfrm>
           <a:prstGeom prst="straightConnector1">
@@ -8844,7 +8847,7 @@
         </p:nvCxnSpPr>
         <p:spPr>
           <a:xfrm flipV="1">
-            <a:off x="4733012" y="1680882"/>
+            <a:off x="5837118" y="2031721"/>
             <a:ext cx="2059640" cy="1133477"/>
           </a:xfrm>
           <a:prstGeom prst="straightConnector1">
@@ -8883,7 +8886,7 @@
         </p:nvGrpSpPr>
         <p:grpSpPr>
           <a:xfrm>
-            <a:off x="6368716" y="208547"/>
+            <a:off x="7472822" y="559386"/>
             <a:ext cx="4056006" cy="2230805"/>
             <a:chOff x="996328" y="4911830"/>
             <a:chExt cx="2857500" cy="1571626"/>
@@ -8998,7 +9001,7 @@
         </p:blipFill>
         <p:spPr bwMode="auto">
           <a:xfrm>
-            <a:off x="7073316" y="5113422"/>
+            <a:off x="8177422" y="5464259"/>
             <a:ext cx="2729664" cy="1031206"/>
           </a:xfrm>
           <a:prstGeom prst="rect">
@@ -9069,7 +9072,7 @@
         </p:blipFill>
         <p:spPr>
           <a:xfrm>
-            <a:off x="6785811" y="3828061"/>
+            <a:off x="7889919" y="4178898"/>
             <a:ext cx="1655807" cy="705924"/>
           </a:xfrm>
           <a:prstGeom prst="rect">
@@ -9085,7 +9088,7 @@
         </p:nvSpPr>
         <p:spPr>
           <a:xfrm>
-            <a:off x="6955250" y="2166729"/>
+            <a:off x="8059356" y="2517568"/>
             <a:ext cx="1441656" cy="1514439"/>
           </a:xfrm>
           <a:prstGeom prst="rect">
@@ -9128,7 +9131,7 @@
           <a:p>
             <a:pPr algn="ctr"/>
             <a:r>
-              <a:rPr lang="en-US" sz="2000" b="1" dirty="0" smtClean="0"/>
+              <a:rPr lang="en-US" sz="2000" b="1" dirty="0"/>
               <a:t>Instance</a:t>
             </a:r>
             <a:endParaRPr lang="de-DE" sz="2000" b="1" dirty="0"/>
@@ -9143,7 +9146,7 @@
         </p:nvGrpSpPr>
         <p:grpSpPr>
           <a:xfrm>
-            <a:off x="139434" y="4173490"/>
+            <a:off x="1243542" y="4524327"/>
             <a:ext cx="1496257" cy="679282"/>
             <a:chOff x="6448425" y="3933827"/>
             <a:chExt cx="2628900" cy="1409700"/>
@@ -9209,8 +9212,8 @@
           </p:nvSpPr>
           <p:spPr>
             <a:xfrm>
-              <a:off x="7077076" y="4239100"/>
-              <a:ext cx="1333500" cy="588917"/>
+              <a:off x="6513804" y="4239101"/>
+              <a:ext cx="2501164" cy="830340"/>
             </a:xfrm>
             <a:prstGeom prst="rect">
               <a:avLst/>
@@ -9228,12 +9231,12 @@
             <a:p>
               <a:pPr algn="ctr"/>
               <a:r>
-                <a:rPr lang="en-US" sz="2000" b="1" dirty="0" smtClean="0">
+                <a:rPr lang="en-US" sz="2000" b="1" dirty="0">
                   <a:solidFill>
                     <a:schemeClr val="bg1"/>
                   </a:solidFill>
                 </a:rPr>
-                <a:t>App</a:t>
+                <a:t>Payload</a:t>
               </a:r>
               <a:endParaRPr lang="de-DE" sz="2400" b="1" dirty="0">
                 <a:solidFill>
@@ -9252,7 +9255,7 @@
         </p:nvSpPr>
         <p:spPr>
           <a:xfrm>
-            <a:off x="3262140" y="4648240"/>
+            <a:off x="4366248" y="4999077"/>
             <a:ext cx="1610387" cy="1610382"/>
           </a:xfrm>
           <a:prstGeom prst="ellipse">
@@ -9295,14 +9298,14 @@
           <a:p>
             <a:pPr algn="ctr"/>
             <a:r>
-              <a:rPr lang="en-US" sz="2000" b="1" dirty="0" smtClean="0"/>
+              <a:rPr lang="en-US" sz="2000" b="1" dirty="0"/>
               <a:t>Bootable</a:t>
             </a:r>
             <a:br>
-              <a:rPr lang="en-US" sz="2000" b="1" dirty="0" smtClean="0"/>
+              <a:rPr lang="en-US" sz="2000" b="1" dirty="0"/>
             </a:br>
             <a:r>
-              <a:rPr lang="en-US" sz="2000" b="1" dirty="0" smtClean="0"/>
+              <a:rPr lang="en-US" sz="2000" b="1" dirty="0"/>
               <a:t>App</a:t>
             </a:r>
             <a:endParaRPr lang="de-DE" sz="2000" b="1" dirty="0"/>
@@ -9317,7 +9320,7 @@
         </p:nvGrpSpPr>
         <p:grpSpPr>
           <a:xfrm>
-            <a:off x="-424178" y="-314634"/>
+            <a:off x="679928" y="36204"/>
             <a:ext cx="3320724" cy="2215991"/>
             <a:chOff x="-9574" y="-399819"/>
             <a:chExt cx="3320724" cy="2215991"/>
@@ -9379,8 +9382,8 @@
           </p:nvSpPr>
           <p:spPr>
             <a:xfrm>
-              <a:off x="150461" y="221189"/>
-              <a:ext cx="2953724" cy="1015663"/>
+              <a:off x="150461" y="418618"/>
+              <a:ext cx="2953724" cy="707886"/>
             </a:xfrm>
             <a:prstGeom prst="rect">
               <a:avLst/>
@@ -9395,7 +9398,7 @@
             <a:p>
               <a:pPr algn="ctr"/>
               <a:r>
-                <a:rPr lang="en-US" sz="2000" b="1" dirty="0" err="1" smtClean="0">
+                <a:rPr lang="en-US" sz="2000" b="1" dirty="0" err="1">
                   <a:solidFill>
                     <a:schemeClr val="bg1"/>
                   </a:solidFill>
@@ -9418,22 +9421,7 @@
                 </a:rPr>
               </a:br>
               <a:r>
-                <a:rPr lang="en-US" sz="2000" b="1" dirty="0" smtClean="0">
-                  <a:solidFill>
-                    <a:schemeClr val="bg1"/>
-                  </a:solidFill>
-                </a:rPr>
-                <a:t>Component</a:t>
-              </a:r>
-              <a:br>
-                <a:rPr lang="en-US" sz="2000" b="1" dirty="0" smtClean="0">
-                  <a:solidFill>
-                    <a:schemeClr val="bg1"/>
-                  </a:solidFill>
-                </a:rPr>
-              </a:br>
-              <a:r>
-                <a:rPr lang="en-US" sz="2000" b="1" dirty="0" smtClean="0">
+                <a:rPr lang="en-US" sz="2000" b="1" dirty="0">
                   <a:solidFill>
                     <a:schemeClr val="bg1"/>
                   </a:solidFill>
@@ -9457,7 +9445,7 @@
         </p:nvGrpSpPr>
         <p:grpSpPr>
           <a:xfrm>
-            <a:off x="2334271" y="113573"/>
+            <a:off x="3438379" y="464410"/>
             <a:ext cx="1457473" cy="673166"/>
             <a:chOff x="2334271" y="318043"/>
             <a:chExt cx="1457473" cy="673166"/>
@@ -9525,7 +9513,7 @@
             <a:lstStyle/>
             <a:p>
               <a:r>
-                <a:rPr lang="en-US" sz="2800" b="1" dirty="0" smtClean="0"/>
+                <a:rPr lang="en-US" sz="2800" b="1" dirty="0"/>
                 <a:t>versions</a:t>
               </a:r>
               <a:endParaRPr lang="de-DE" sz="2800" b="1" dirty="0"/>
@@ -9541,7 +9529,7 @@
         </p:nvSpPr>
         <p:spPr>
           <a:xfrm>
-            <a:off x="4058828" y="119260"/>
+            <a:off x="5162934" y="470097"/>
             <a:ext cx="660840" cy="1338828"/>
           </a:xfrm>
           <a:prstGeom prst="rect">
@@ -9569,7 +9557,7 @@
               </a:lnSpc>
             </a:pPr>
             <a:r>
-              <a:rPr lang="en-US" dirty="0" smtClean="0"/>
+              <a:rPr lang="en-US" dirty="0"/>
               <a:t>4.3.5</a:t>
             </a:r>
           </a:p>
@@ -9580,7 +9568,7 @@
               </a:lnSpc>
             </a:pPr>
             <a:r>
-              <a:rPr lang="en-US" dirty="0" smtClean="0"/>
+              <a:rPr lang="en-US" dirty="0"/>
               <a:t>4.4</a:t>
             </a:r>
           </a:p>
@@ -9591,7 +9579,7 @@
               </a:lnSpc>
             </a:pPr>
             <a:r>
-              <a:rPr lang="en-US" dirty="0" smtClean="0"/>
+              <a:rPr lang="en-US" dirty="0"/>
               <a:t>5.0</a:t>
             </a:r>
           </a:p>
@@ -9602,7 +9590,7 @@
               </a:lnSpc>
             </a:pPr>
             <a:r>
-              <a:rPr lang="en-US" dirty="0" smtClean="0"/>
+              <a:rPr lang="en-US" dirty="0"/>
               <a:t>5.0.1</a:t>
             </a:r>
           </a:p>
@@ -9613,7 +9601,7 @@
               </a:lnSpc>
             </a:pPr>
             <a:r>
-              <a:rPr lang="en-US" dirty="0" smtClean="0"/>
+              <a:rPr lang="en-US" dirty="0"/>
               <a:t>...</a:t>
             </a:r>
             <a:endParaRPr lang="de-DE" dirty="0"/>
@@ -9628,7 +9616,7 @@
         </p:nvGrpSpPr>
         <p:grpSpPr>
           <a:xfrm rot="19823684">
-            <a:off x="1492739" y="3327245"/>
+            <a:off x="2596847" y="3678082"/>
             <a:ext cx="1457473" cy="673166"/>
             <a:chOff x="2334271" y="318043"/>
             <a:chExt cx="1457473" cy="673166"/>
@@ -9697,7 +9685,7 @@
             <a:p>
               <a:pPr algn="ctr"/>
               <a:r>
-                <a:rPr lang="en-US" sz="2800" b="1" dirty="0" smtClean="0"/>
+                <a:rPr lang="en-US" sz="2800" b="1" dirty="0"/>
                 <a:t>fuse</a:t>
               </a:r>
               <a:endParaRPr lang="de-DE" sz="2800" b="1" dirty="0"/>
@@ -9713,7 +9701,7 @@
         </p:nvSpPr>
         <p:spPr>
           <a:xfrm>
-            <a:off x="3262140" y="2704903"/>
+            <a:off x="4366248" y="3055740"/>
             <a:ext cx="1610387" cy="1610382"/>
           </a:xfrm>
           <a:prstGeom prst="ellipse">
@@ -9754,7 +9742,7 @@
           <a:p>
             <a:pPr algn="ctr"/>
             <a:r>
-              <a:rPr lang="en-US" sz="2000" b="1" dirty="0" smtClean="0"/>
+              <a:rPr lang="en-US" sz="2000" b="1" dirty="0"/>
               <a:t>Image</a:t>
             </a:r>
             <a:endParaRPr lang="de-DE" sz="2000" b="1" dirty="0"/>
@@ -9769,7 +9757,7 @@
         </p:nvGrpSpPr>
         <p:grpSpPr>
           <a:xfrm rot="1368666">
-            <a:off x="1809844" y="4456519"/>
+            <a:off x="2913952" y="4807356"/>
             <a:ext cx="1457473" cy="673166"/>
             <a:chOff x="2334271" y="318043"/>
             <a:chExt cx="1457473" cy="673166"/>
@@ -9850,7 +9838,7 @@
         </p:nvSpPr>
         <p:spPr>
           <a:xfrm rot="2669759">
-            <a:off x="2955252" y="4372216"/>
+            <a:off x="4059360" y="4723055"/>
             <a:ext cx="2229507" cy="2238141"/>
           </a:xfrm>
           <a:prstGeom prst="plus">
@@ -9900,7 +9888,7 @@
         </p:nvSpPr>
         <p:spPr>
           <a:xfrm>
-            <a:off x="3361302" y="4605140"/>
+            <a:off x="4465408" y="4955977"/>
             <a:ext cx="1408522" cy="523220"/>
           </a:xfrm>
           <a:prstGeom prst="rect">
@@ -9916,7 +9904,7 @@
           <a:p>
             <a:pPr algn="ctr"/>
             <a:r>
-              <a:rPr lang="en-US" sz="2800" b="1" dirty="0" err="1" smtClean="0"/>
+              <a:rPr lang="en-US" sz="2800" b="1" dirty="0" err="1"/>
               <a:t>rm</a:t>
             </a:r>
             <a:endParaRPr lang="de-DE" sz="2800" b="1" dirty="0"/>
@@ -9931,7 +9919,7 @@
         </p:nvSpPr>
         <p:spPr>
           <a:xfrm>
-            <a:off x="3152117" y="2601212"/>
+            <a:off x="4256223" y="2952051"/>
             <a:ext cx="1868556" cy="3839345"/>
           </a:xfrm>
           <a:prstGeom prst="roundRect">
@@ -9980,7 +9968,7 @@
         </p:nvSpPr>
         <p:spPr>
           <a:xfrm>
-            <a:off x="3388753" y="2031379"/>
+            <a:off x="4492859" y="2382216"/>
             <a:ext cx="1408522" cy="523220"/>
           </a:xfrm>
           <a:prstGeom prst="rect">
@@ -9996,7 +9984,7 @@
           <a:p>
             <a:pPr algn="ctr"/>
             <a:r>
-              <a:rPr lang="en-US" sz="2800" b="1" dirty="0" err="1" smtClean="0"/>
+              <a:rPr lang="en-US" sz="2800" b="1" dirty="0" err="1"/>
               <a:t>ls</a:t>
             </a:r>
             <a:endParaRPr lang="de-DE" sz="2800" b="1" dirty="0"/>
@@ -10011,7 +9999,7 @@
         </p:nvCxnSpPr>
         <p:spPr>
           <a:xfrm flipV="1">
-            <a:off x="5256966" y="3008953"/>
+            <a:off x="6361072" y="3359792"/>
             <a:ext cx="1370502" cy="10481"/>
           </a:xfrm>
           <a:prstGeom prst="straightConnector1">
@@ -10050,7 +10038,7 @@
         </p:nvGrpSpPr>
         <p:grpSpPr>
           <a:xfrm rot="19611581">
-            <a:off x="4895181" y="1530199"/>
+            <a:off x="5999289" y="1881036"/>
             <a:ext cx="1614441" cy="673166"/>
             <a:chOff x="2334271" y="318043"/>
             <a:chExt cx="1457473" cy="673166"/>
@@ -10131,7 +10119,7 @@
         </p:nvSpPr>
         <p:spPr>
           <a:xfrm>
-            <a:off x="6913605" y="2152357"/>
+            <a:off x="8017713" y="2503194"/>
             <a:ext cx="1506963" cy="523220"/>
           </a:xfrm>
           <a:prstGeom prst="rect">
@@ -10147,7 +10135,7 @@
           <a:p>
             <a:pPr algn="ctr"/>
             <a:r>
-              <a:rPr lang="en-US" sz="2800" b="1" dirty="0" smtClean="0"/>
+              <a:rPr lang="en-US" sz="2800" b="1" dirty="0"/>
               <a:t>kill</a:t>
             </a:r>
             <a:endParaRPr lang="de-DE" sz="2800" b="1" dirty="0"/>
@@ -10162,7 +10150,7 @@
         </p:nvSpPr>
         <p:spPr>
           <a:xfrm>
-            <a:off x="6705359" y="76314"/>
+            <a:off x="7809465" y="427153"/>
             <a:ext cx="1896954" cy="3785823"/>
           </a:xfrm>
           <a:prstGeom prst="roundRect">
@@ -10211,7 +10199,7 @@
         </p:nvSpPr>
         <p:spPr>
           <a:xfrm>
-            <a:off x="6941057" y="-483114"/>
+            <a:off x="8045163" y="-132277"/>
             <a:ext cx="1408522" cy="523220"/>
           </a:xfrm>
           <a:prstGeom prst="rect">
@@ -10227,7 +10215,7 @@
           <a:p>
             <a:pPr algn="ctr"/>
             <a:r>
-              <a:rPr lang="en-US" sz="2800" b="1" dirty="0" err="1" smtClean="0"/>
+              <a:rPr lang="en-US" sz="2800" b="1" dirty="0" err="1"/>
               <a:t>ps</a:t>
             </a:r>
             <a:endParaRPr lang="de-DE" sz="2800" b="1" dirty="0"/>
@@ -10242,7 +10230,7 @@
         </p:nvSpPr>
         <p:spPr>
           <a:xfrm>
-            <a:off x="6944837" y="253335"/>
+            <a:off x="8048943" y="604174"/>
             <a:ext cx="1441656" cy="1514439"/>
           </a:xfrm>
           <a:prstGeom prst="rect">
@@ -10283,7 +10271,7 @@
           <a:p>
             <a:pPr algn="ctr"/>
             <a:r>
-              <a:rPr lang="en-US" sz="2000" b="1" dirty="0" smtClean="0"/>
+              <a:rPr lang="en-US" sz="2000" b="1" dirty="0"/>
               <a:t>Instance</a:t>
             </a:r>
             <a:endParaRPr lang="de-DE" sz="2000" b="1" dirty="0"/>
@@ -10298,7 +10286,7 @@
         </p:nvSpPr>
         <p:spPr>
           <a:xfrm rot="2669759">
-            <a:off x="6552991" y="1795563"/>
+            <a:off x="7657099" y="2146402"/>
             <a:ext cx="2229507" cy="2238141"/>
           </a:xfrm>
           <a:prstGeom prst="plus">
@@ -10348,7 +10336,7 @@
         </p:nvGrpSpPr>
         <p:grpSpPr>
           <a:xfrm>
-            <a:off x="8674258" y="887370"/>
+            <a:off x="9778364" y="1238207"/>
             <a:ext cx="1381738" cy="673166"/>
             <a:chOff x="2334271" y="318043"/>
             <a:chExt cx="1457473" cy="673166"/>
@@ -10417,7 +10405,7 @@
             <a:p>
               <a:pPr algn="ctr"/>
               <a:r>
-                <a:rPr lang="en-US" sz="2800" b="1" dirty="0" smtClean="0"/>
+                <a:rPr lang="en-US" sz="2800" b="1" dirty="0"/>
                 <a:t>open</a:t>
               </a:r>
               <a:endParaRPr lang="de-DE" sz="2800" b="1" dirty="0"/>
@@ -10433,7 +10421,7 @@
         </p:nvGrpSpPr>
         <p:grpSpPr>
           <a:xfrm rot="2145737">
-            <a:off x="8761632" y="2286487"/>
+            <a:off x="9865740" y="2637324"/>
             <a:ext cx="1614441" cy="673166"/>
             <a:chOff x="2334271" y="318043"/>
             <a:chExt cx="1457473" cy="673166"/>
@@ -10502,7 +10490,7 @@
             <a:p>
               <a:pPr algn="ctr"/>
               <a:r>
-                <a:rPr lang="en-US" sz="2800" b="1" dirty="0" smtClean="0"/>
+                <a:rPr lang="en-US" sz="2800" b="1" dirty="0"/>
                 <a:t>logs</a:t>
               </a:r>
               <a:endParaRPr lang="de-DE" sz="2800" b="1" dirty="0"/>
@@ -10532,7 +10520,7 @@
         </p:blipFill>
         <p:spPr>
           <a:xfrm>
-            <a:off x="10193583" y="692304"/>
+            <a:off x="11297689" y="1043141"/>
             <a:ext cx="2294064" cy="1436808"/>
           </a:xfrm>
           <a:prstGeom prst="rect">
@@ -10563,7 +10551,7 @@
         </p:blipFill>
         <p:spPr bwMode="auto">
           <a:xfrm>
-            <a:off x="10252401" y="2820049"/>
+            <a:off x="11356507" y="3170888"/>
             <a:ext cx="2241408" cy="1631745"/>
           </a:xfrm>
           <a:prstGeom prst="rect">
@@ -10589,7 +10577,7 @@
         </p:nvSpPr>
         <p:spPr>
           <a:xfrm rot="19515035">
-            <a:off x="4940930" y="1624373"/>
+            <a:off x="6045038" y="1975210"/>
             <a:ext cx="1335331" cy="523220"/>
           </a:xfrm>
           <a:prstGeom prst="rect">
@@ -10605,7 +10593,7 @@
           <a:p>
             <a:pPr algn="ctr"/>
             <a:r>
-              <a:rPr lang="en-US" sz="2800" b="1" dirty="0" smtClean="0"/>
+              <a:rPr lang="en-US" sz="2800" b="1" dirty="0"/>
               <a:t>run</a:t>
             </a:r>
             <a:endParaRPr lang="de-DE" sz="2800" b="1" dirty="0"/>
@@ -10620,7 +10608,7 @@
         </p:nvGrpSpPr>
         <p:grpSpPr>
           <a:xfrm rot="2175025">
-            <a:off x="5328219" y="4260696"/>
+            <a:off x="6432325" y="4611533"/>
             <a:ext cx="2232998" cy="673166"/>
             <a:chOff x="2334271" y="318043"/>
             <a:chExt cx="1457473" cy="673166"/>
@@ -10716,7 +10704,7 @@
         </p:blipFill>
         <p:spPr bwMode="auto">
           <a:xfrm>
-            <a:off x="10249652" y="5666873"/>
+            <a:off x="11353758" y="6017712"/>
             <a:ext cx="2220092" cy="838701"/>
           </a:xfrm>
           <a:prstGeom prst="rect">
@@ -10742,7 +10730,7 @@
         </p:nvSpPr>
         <p:spPr>
           <a:xfrm>
-            <a:off x="6821906" y="4966264"/>
+            <a:off x="7926012" y="5317103"/>
             <a:ext cx="2791326" cy="2215991"/>
           </a:xfrm>
           <a:prstGeom prst="rect">
@@ -10756,7 +10744,7 @@
           <a:lstStyle/>
           <a:p>
             <a:r>
-              <a:rPr lang="de-DE" sz="13800" dirty="0" smtClean="0">
+              <a:rPr lang="de-DE" sz="13800" dirty="0">
                 <a:solidFill>
                   <a:schemeClr val="tx2">
                     <a:lumMod val="60000"/>
@@ -10781,7 +10769,7 @@
         </p:nvSpPr>
         <p:spPr>
           <a:xfrm>
-            <a:off x="7324788" y="5397984"/>
+            <a:off x="8428894" y="5748821"/>
             <a:ext cx="1050288" cy="1708160"/>
           </a:xfrm>
           <a:prstGeom prst="rect">
@@ -10819,7 +10807,7 @@
         </p:nvSpPr>
         <p:spPr>
           <a:xfrm>
-            <a:off x="6373278" y="6197844"/>
+            <a:off x="7477384" y="6548681"/>
             <a:ext cx="2953724" cy="400110"/>
           </a:xfrm>
           <a:prstGeom prst="rect">
@@ -10835,7 +10823,7 @@
           <a:p>
             <a:pPr algn="ctr"/>
             <a:r>
-              <a:rPr lang="en-US" sz="2000" b="1" dirty="0" err="1" smtClean="0">
+              <a:rPr lang="en-US" sz="2000" b="1" dirty="0" err="1">
                 <a:solidFill>
                   <a:schemeClr val="bg1"/>
                 </a:solidFill>
@@ -10843,20 +10831,12 @@
               <a:t>Boxfuse</a:t>
             </a:r>
             <a:r>
-              <a:rPr lang="en-US" sz="2000" b="1" dirty="0" smtClean="0">
+              <a:rPr lang="en-US" sz="2000" b="1" dirty="0">
                 <a:solidFill>
                   <a:schemeClr val="bg1"/>
                 </a:solidFill>
               </a:rPr>
-              <a:t> </a:t>
-            </a:r>
-            <a:r>
-              <a:rPr lang="en-US" sz="2000" b="1" dirty="0" smtClean="0">
-                <a:solidFill>
-                  <a:schemeClr val="bg1"/>
-                </a:solidFill>
-              </a:rPr>
-              <a:t>Vault</a:t>
+              <a:t> Vault</a:t>
             </a:r>
             <a:endParaRPr lang="de-DE" sz="2000" b="1" dirty="0">
               <a:solidFill>
@@ -10874,7 +10854,7 @@
         </p:nvGrpSpPr>
         <p:grpSpPr>
           <a:xfrm rot="12978250">
-            <a:off x="4758723" y="5110927"/>
+            <a:off x="5862829" y="5461764"/>
             <a:ext cx="2232998" cy="673166"/>
             <a:chOff x="2334271" y="318043"/>
             <a:chExt cx="1457473" cy="673166"/>
@@ -10955,7 +10935,7 @@
         </p:nvSpPr>
         <p:spPr>
           <a:xfrm rot="2208853">
-            <a:off x="5731003" y="4351531"/>
+            <a:off x="6835111" y="4702368"/>
             <a:ext cx="1335331" cy="523220"/>
           </a:xfrm>
           <a:prstGeom prst="rect">
@@ -10971,7 +10951,7 @@
           <a:p>
             <a:pPr algn="ctr"/>
             <a:r>
-              <a:rPr lang="en-US" sz="2800" b="1" dirty="0" smtClean="0"/>
+              <a:rPr lang="en-US" sz="2800" b="1" dirty="0"/>
               <a:t>push</a:t>
             </a:r>
             <a:endParaRPr lang="de-DE" sz="2800" b="1" dirty="0"/>
@@ -10986,7 +10966,7 @@
         </p:nvSpPr>
         <p:spPr>
           <a:xfrm rot="2208853">
-            <a:off x="5329950" y="5141605"/>
+            <a:off x="6434058" y="5492442"/>
             <a:ext cx="1335331" cy="523220"/>
           </a:xfrm>
           <a:prstGeom prst="rect">
@@ -11002,7 +10982,7 @@
           <a:p>
             <a:pPr algn="ctr"/>
             <a:r>
-              <a:rPr lang="en-US" sz="2800" b="1" dirty="0" smtClean="0"/>
+              <a:rPr lang="en-US" sz="2800" b="1" dirty="0"/>
               <a:t>pull</a:t>
             </a:r>
             <a:endParaRPr lang="de-DE" sz="2800" b="1" dirty="0"/>
@@ -11017,7 +10997,7 @@
         </p:nvSpPr>
         <p:spPr>
           <a:xfrm>
-            <a:off x="8770982" y="5490520"/>
+            <a:off x="9875090" y="5841357"/>
             <a:ext cx="1335331" cy="523220"/>
           </a:xfrm>
           <a:prstGeom prst="rect">
@@ -11033,7 +11013,7 @@
           <a:p>
             <a:pPr algn="ctr"/>
             <a:r>
-              <a:rPr lang="en-US" sz="2800" b="1" dirty="0" smtClean="0"/>
+              <a:rPr lang="en-US" sz="2800" b="1" dirty="0"/>
               <a:t>deploy</a:t>
             </a:r>
             <a:endParaRPr lang="de-DE" sz="2800" b="1" dirty="0"/>
@@ -11048,7 +11028,7 @@
         </p:nvCxnSpPr>
         <p:spPr>
           <a:xfrm flipV="1">
-            <a:off x="8813831" y="6178202"/>
+            <a:off x="9917937" y="6529041"/>
             <a:ext cx="1370502" cy="10481"/>
           </a:xfrm>
           <a:prstGeom prst="straightConnector1">
@@ -11079,6 +11059,87 @@
           </a:fontRef>
         </p:style>
       </p:cxnSp>
+      <p:grpSp>
+        <p:nvGrpSpPr>
+          <p:cNvPr id="58" name="Group 57"/>
+          <p:cNvGrpSpPr/>
+          <p:nvPr/>
+        </p:nvGrpSpPr>
+        <p:grpSpPr>
+          <a:xfrm rot="2301636">
+            <a:off x="2823745" y="1860669"/>
+            <a:ext cx="1683509" cy="673166"/>
+            <a:chOff x="2334271" y="318043"/>
+            <a:chExt cx="1457473" cy="673166"/>
+          </a:xfrm>
+        </p:grpSpPr>
+        <p:cxnSp>
+          <p:nvCxnSpPr>
+            <p:cNvPr id="59" name="Straight Arrow Connector 58"/>
+            <p:cNvCxnSpPr/>
+            <p:nvPr/>
+          </p:nvCxnSpPr>
+          <p:spPr>
+            <a:xfrm flipV="1">
+              <a:off x="2346123" y="980728"/>
+              <a:ext cx="1445621" cy="10481"/>
+            </a:xfrm>
+            <a:prstGeom prst="straightConnector1">
+              <a:avLst/>
+            </a:prstGeom>
+            <a:ln w="142875">
+              <a:solidFill>
+                <a:schemeClr val="tx1">
+                  <a:lumMod val="50000"/>
+                  <a:lumOff val="50000"/>
+                </a:schemeClr>
+              </a:solidFill>
+              <a:tailEnd type="triangle"/>
+            </a:ln>
+          </p:spPr>
+          <p:style>
+            <a:lnRef idx="1">
+              <a:schemeClr val="accent1"/>
+            </a:lnRef>
+            <a:fillRef idx="0">
+              <a:schemeClr val="accent1"/>
+            </a:fillRef>
+            <a:effectRef idx="0">
+              <a:schemeClr val="accent1"/>
+            </a:effectRef>
+            <a:fontRef idx="minor">
+              <a:schemeClr val="tx1"/>
+            </a:fontRef>
+          </p:style>
+        </p:cxnSp>
+        <p:sp>
+          <p:nvSpPr>
+            <p:cNvPr id="60" name="TextBox 59"/>
+            <p:cNvSpPr txBox="1"/>
+            <p:nvPr/>
+          </p:nvSpPr>
+          <p:spPr>
+            <a:xfrm>
+              <a:off x="2334271" y="318043"/>
+              <a:ext cx="1408522" cy="523220"/>
+            </a:xfrm>
+            <a:prstGeom prst="rect">
+              <a:avLst/>
+            </a:prstGeom>
+            <a:noFill/>
+          </p:spPr>
+          <p:txBody>
+            <a:bodyPr wrap="square" rtlCol="0">
+              <a:spAutoFit/>
+            </a:bodyPr>
+            <a:lstStyle/>
+            <a:p>
+              <a:pPr algn="ctr"/>
+              <a:endParaRPr lang="de-DE" sz="2800" b="1" dirty="0"/>
+            </a:p>
+          </p:txBody>
+        </p:sp>
+      </p:grpSp>
     </p:spTree>
     <p:extLst>
       <p:ext uri="{BB962C8B-B14F-4D97-AF65-F5344CB8AC3E}">
@@ -11102,7 +11163,7 @@
 <file path=ppt/theme/theme1.xml><?xml version="1.0" encoding="utf-8"?>
 <a:theme xmlns:a="http://schemas.openxmlformats.org/drawingml/2006/main" name="Office Theme">
   <a:themeElements>
-    <a:clrScheme name="Office">
+    <a:clrScheme name="Office Theme">
       <a:dk1>
         <a:sysClr val="windowText" lastClr="000000"/>
       </a:dk1>
@@ -11140,7 +11201,7 @@
         <a:srgbClr val="954F72"/>
       </a:folHlink>
     </a:clrScheme>
-    <a:fontScheme name="Office">
+    <a:fontScheme name="Office Theme">
       <a:majorFont>
         <a:latin typeface="Calibri Light" panose="020F0302020204030204"/>
         <a:ea typeface=""/>
@@ -11212,7 +11273,7 @@
         <a:font script="Geor" typeface="Sylfaen"/>
       </a:minorFont>
     </a:fontScheme>
-    <a:fmtScheme name="Office">
+    <a:fmtScheme name="Office Theme">
       <a:fillStyleLst>
         <a:solidFill>
           <a:schemeClr val="phClr"/>

--- a/_sources/GettingStarted.pptx
+++ b/_sources/GettingStarted.pptx
@@ -14,6 +14,10 @@
     <p:sldId id="262" r:id="rId8"/>
     <p:sldId id="263" r:id="rId9"/>
     <p:sldId id="264" r:id="rId10"/>
+    <p:sldId id="265" r:id="rId11"/>
+    <p:sldId id="266" r:id="rId12"/>
+    <p:sldId id="267" r:id="rId13"/>
+    <p:sldId id="268" r:id="rId14"/>
   </p:sldIdLst>
   <p:sldSz cx="14400213" cy="7559675"/>
   <p:notesSz cx="6858000" cy="9144000"/>
@@ -251,7 +255,7 @@
           <a:p>
             <a:fld id="{9AA7D095-A676-4F6B-9416-D65D798F5244}" type="datetimeFigureOut">
               <a:rPr lang="de-DE" smtClean="0"/>
-              <a:t>24.02.2015</a:t>
+              <a:t>03.03.2015</a:t>
             </a:fld>
             <a:endParaRPr lang="de-DE"/>
           </a:p>
@@ -421,7 +425,7 @@
           <a:p>
             <a:fld id="{9AA7D095-A676-4F6B-9416-D65D798F5244}" type="datetimeFigureOut">
               <a:rPr lang="de-DE" smtClean="0"/>
-              <a:t>24.02.2015</a:t>
+              <a:t>03.03.2015</a:t>
             </a:fld>
             <a:endParaRPr lang="de-DE"/>
           </a:p>
@@ -601,7 +605,7 @@
           <a:p>
             <a:fld id="{9AA7D095-A676-4F6B-9416-D65D798F5244}" type="datetimeFigureOut">
               <a:rPr lang="de-DE" smtClean="0"/>
-              <a:t>24.02.2015</a:t>
+              <a:t>03.03.2015</a:t>
             </a:fld>
             <a:endParaRPr lang="de-DE"/>
           </a:p>
@@ -771,7 +775,7 @@
           <a:p>
             <a:fld id="{9AA7D095-A676-4F6B-9416-D65D798F5244}" type="datetimeFigureOut">
               <a:rPr lang="de-DE" smtClean="0"/>
-              <a:t>24.02.2015</a:t>
+              <a:t>03.03.2015</a:t>
             </a:fld>
             <a:endParaRPr lang="de-DE"/>
           </a:p>
@@ -1017,7 +1021,7 @@
           <a:p>
             <a:fld id="{9AA7D095-A676-4F6B-9416-D65D798F5244}" type="datetimeFigureOut">
               <a:rPr lang="de-DE" smtClean="0"/>
-              <a:t>24.02.2015</a:t>
+              <a:t>03.03.2015</a:t>
             </a:fld>
             <a:endParaRPr lang="de-DE"/>
           </a:p>
@@ -1249,7 +1253,7 @@
           <a:p>
             <a:fld id="{9AA7D095-A676-4F6B-9416-D65D798F5244}" type="datetimeFigureOut">
               <a:rPr lang="de-DE" smtClean="0"/>
-              <a:t>24.02.2015</a:t>
+              <a:t>03.03.2015</a:t>
             </a:fld>
             <a:endParaRPr lang="de-DE"/>
           </a:p>
@@ -1616,7 +1620,7 @@
           <a:p>
             <a:fld id="{9AA7D095-A676-4F6B-9416-D65D798F5244}" type="datetimeFigureOut">
               <a:rPr lang="de-DE" smtClean="0"/>
-              <a:t>24.02.2015</a:t>
+              <a:t>03.03.2015</a:t>
             </a:fld>
             <a:endParaRPr lang="de-DE"/>
           </a:p>
@@ -1734,7 +1738,7 @@
           <a:p>
             <a:fld id="{9AA7D095-A676-4F6B-9416-D65D798F5244}" type="datetimeFigureOut">
               <a:rPr lang="de-DE" smtClean="0"/>
-              <a:t>24.02.2015</a:t>
+              <a:t>03.03.2015</a:t>
             </a:fld>
             <a:endParaRPr lang="de-DE"/>
           </a:p>
@@ -1829,7 +1833,7 @@
           <a:p>
             <a:fld id="{9AA7D095-A676-4F6B-9416-D65D798F5244}" type="datetimeFigureOut">
               <a:rPr lang="de-DE" smtClean="0"/>
-              <a:t>24.02.2015</a:t>
+              <a:t>03.03.2015</a:t>
             </a:fld>
             <a:endParaRPr lang="de-DE"/>
           </a:p>
@@ -2106,7 +2110,7 @@
           <a:p>
             <a:fld id="{9AA7D095-A676-4F6B-9416-D65D798F5244}" type="datetimeFigureOut">
               <a:rPr lang="de-DE" smtClean="0"/>
-              <a:t>24.02.2015</a:t>
+              <a:t>03.03.2015</a:t>
             </a:fld>
             <a:endParaRPr lang="de-DE"/>
           </a:p>
@@ -2363,7 +2367,7 @@
           <a:p>
             <a:fld id="{9AA7D095-A676-4F6B-9416-D65D798F5244}" type="datetimeFigureOut">
               <a:rPr lang="de-DE" smtClean="0"/>
-              <a:t>24.02.2015</a:t>
+              <a:t>03.03.2015</a:t>
             </a:fld>
             <a:endParaRPr lang="de-DE"/>
           </a:p>
@@ -2576,7 +2580,7 @@
           <a:p>
             <a:fld id="{9AA7D095-A676-4F6B-9416-D65D798F5244}" type="datetimeFigureOut">
               <a:rPr lang="de-DE" smtClean="0"/>
-              <a:t>24.02.2015</a:t>
+              <a:t>03.03.2015</a:t>
             </a:fld>
             <a:endParaRPr lang="de-DE"/>
           </a:p>
@@ -3164,6 +3168,2788 @@
     <p:extLst>
       <p:ext uri="{BB962C8B-B14F-4D97-AF65-F5344CB8AC3E}">
         <p14:creationId xmlns:p14="http://schemas.microsoft.com/office/powerpoint/2010/main" val="3688448767"/>
+      </p:ext>
+    </p:extLst>
+  </p:cSld>
+  <p:clrMapOvr>
+    <a:masterClrMapping/>
+  </p:clrMapOvr>
+  <p:timing>
+    <p:tnLst>
+      <p:par>
+        <p:cTn id="1" dur="indefinite" restart="never" nodeType="tmRoot"/>
+      </p:par>
+    </p:tnLst>
+  </p:timing>
+</p:sld>
+</file>
+
+<file path=ppt/slides/slide10.xml><?xml version="1.0" encoding="utf-8"?>
+<p:sld xmlns:a="http://schemas.openxmlformats.org/drawingml/2006/main" xmlns:r="http://schemas.openxmlformats.org/officeDocument/2006/relationships" xmlns:p="http://schemas.openxmlformats.org/presentationml/2006/main">
+  <p:cSld>
+    <p:spTree>
+      <p:nvGrpSpPr>
+        <p:cNvPr id="1" name=""/>
+        <p:cNvGrpSpPr/>
+        <p:nvPr/>
+      </p:nvGrpSpPr>
+      <p:grpSpPr>
+        <a:xfrm>
+          <a:off x="0" y="0"/>
+          <a:ext cx="0" cy="0"/>
+          <a:chOff x="0" y="0"/>
+          <a:chExt cx="0" cy="0"/>
+        </a:xfrm>
+      </p:grpSpPr>
+      <p:grpSp>
+        <p:nvGrpSpPr>
+          <p:cNvPr id="15" name="Group 14"/>
+          <p:cNvGrpSpPr/>
+          <p:nvPr/>
+        </p:nvGrpSpPr>
+        <p:grpSpPr>
+          <a:xfrm>
+            <a:off x="1601888" y="2868521"/>
+            <a:ext cx="1496257" cy="679282"/>
+            <a:chOff x="6448425" y="3933827"/>
+            <a:chExt cx="2628900" cy="1409700"/>
+          </a:xfrm>
+        </p:grpSpPr>
+        <p:sp>
+          <p:nvSpPr>
+            <p:cNvPr id="14" name="Rounded Rectangle 13"/>
+            <p:cNvSpPr/>
+            <p:nvPr/>
+          </p:nvSpPr>
+          <p:spPr>
+            <a:xfrm>
+              <a:off x="6448425" y="3933827"/>
+              <a:ext cx="2628900" cy="1409700"/>
+            </a:xfrm>
+            <a:prstGeom prst="roundRect">
+              <a:avLst/>
+            </a:prstGeom>
+            <a:solidFill>
+              <a:schemeClr val="accent6">
+                <a:lumMod val="75000"/>
+              </a:schemeClr>
+            </a:solidFill>
+            <a:ln w="76200">
+              <a:solidFill>
+                <a:schemeClr val="accent6">
+                  <a:lumMod val="50000"/>
+                </a:schemeClr>
+              </a:solidFill>
+            </a:ln>
+          </p:spPr>
+          <p:style>
+            <a:lnRef idx="2">
+              <a:schemeClr val="accent1">
+                <a:shade val="50000"/>
+              </a:schemeClr>
+            </a:lnRef>
+            <a:fillRef idx="1">
+              <a:schemeClr val="accent1"/>
+            </a:fillRef>
+            <a:effectRef idx="0">
+              <a:schemeClr val="accent1"/>
+            </a:effectRef>
+            <a:fontRef idx="minor">
+              <a:schemeClr val="lt1"/>
+            </a:fontRef>
+          </p:style>
+          <p:txBody>
+            <a:bodyPr rtlCol="0" anchor="ctr"/>
+            <a:lstStyle/>
+            <a:p>
+              <a:pPr algn="ctr"/>
+              <a:endParaRPr lang="de-DE"/>
+            </a:p>
+          </p:txBody>
+        </p:sp>
+        <p:sp>
+          <p:nvSpPr>
+            <p:cNvPr id="13" name="TextBox 12"/>
+            <p:cNvSpPr txBox="1"/>
+            <p:nvPr/>
+          </p:nvSpPr>
+          <p:spPr>
+            <a:xfrm>
+              <a:off x="6513804" y="4239101"/>
+              <a:ext cx="2501164" cy="830340"/>
+            </a:xfrm>
+            <a:prstGeom prst="rect">
+              <a:avLst/>
+            </a:prstGeom>
+            <a:noFill/>
+            <a:ln w="76200">
+              <a:noFill/>
+            </a:ln>
+          </p:spPr>
+          <p:txBody>
+            <a:bodyPr wrap="square" rtlCol="0">
+              <a:spAutoFit/>
+            </a:bodyPr>
+            <a:lstStyle/>
+            <a:p>
+              <a:pPr algn="ctr"/>
+              <a:r>
+                <a:rPr lang="en-US" sz="2000" b="1" dirty="0">
+                  <a:solidFill>
+                    <a:schemeClr val="bg1"/>
+                  </a:solidFill>
+                </a:rPr>
+                <a:t>Payload</a:t>
+              </a:r>
+              <a:endParaRPr lang="de-DE" sz="2400" b="1" dirty="0">
+                <a:solidFill>
+                  <a:schemeClr val="bg1"/>
+                </a:solidFill>
+              </a:endParaRPr>
+            </a:p>
+          </p:txBody>
+        </p:sp>
+      </p:grpSp>
+      <p:grpSp>
+        <p:nvGrpSpPr>
+          <p:cNvPr id="2" name="Group 1"/>
+          <p:cNvGrpSpPr/>
+          <p:nvPr/>
+        </p:nvGrpSpPr>
+        <p:grpSpPr>
+          <a:xfrm>
+            <a:off x="679928" y="36204"/>
+            <a:ext cx="3320724" cy="2215991"/>
+            <a:chOff x="-9574" y="-399819"/>
+            <a:chExt cx="3320724" cy="2215991"/>
+          </a:xfrm>
+        </p:grpSpPr>
+        <p:sp>
+          <p:nvSpPr>
+            <p:cNvPr id="5" name="Rectangle 4"/>
+            <p:cNvSpPr/>
+            <p:nvPr/>
+          </p:nvSpPr>
+          <p:spPr>
+            <a:xfrm>
+              <a:off x="-9574" y="-399819"/>
+              <a:ext cx="3320724" cy="2215991"/>
+            </a:xfrm>
+            <a:prstGeom prst="rect">
+              <a:avLst/>
+            </a:prstGeom>
+            <a:ln>
+              <a:noFill/>
+            </a:ln>
+          </p:spPr>
+          <p:txBody>
+            <a:bodyPr wrap="square">
+              <a:spAutoFit/>
+            </a:bodyPr>
+            <a:lstStyle/>
+            <a:p>
+              <a:pPr algn="ctr"/>
+              <a:r>
+                <a:rPr lang="de-DE" sz="13800" dirty="0">
+                  <a:solidFill>
+                    <a:schemeClr val="tx2">
+                      <a:lumMod val="60000"/>
+                      <a:lumOff val="40000"/>
+                    </a:schemeClr>
+                  </a:solidFill>
+                  <a:latin typeface="FontAwesome" pitchFamily="2" charset="0"/>
+                </a:rPr>
+                <a:t></a:t>
+              </a:r>
+              <a:endParaRPr lang="de-DE" sz="13800" dirty="0">
+                <a:solidFill>
+                  <a:schemeClr val="tx2">
+                    <a:lumMod val="60000"/>
+                    <a:lumOff val="40000"/>
+                  </a:schemeClr>
+                </a:solidFill>
+              </a:endParaRPr>
+            </a:p>
+          </p:txBody>
+        </p:sp>
+        <p:sp>
+          <p:nvSpPr>
+            <p:cNvPr id="28" name="TextBox 27"/>
+            <p:cNvSpPr txBox="1"/>
+            <p:nvPr/>
+          </p:nvSpPr>
+          <p:spPr>
+            <a:xfrm>
+              <a:off x="150461" y="418618"/>
+              <a:ext cx="2953724" cy="707886"/>
+            </a:xfrm>
+            <a:prstGeom prst="rect">
+              <a:avLst/>
+            </a:prstGeom>
+            <a:noFill/>
+          </p:spPr>
+          <p:txBody>
+            <a:bodyPr wrap="square" rtlCol="0">
+              <a:spAutoFit/>
+            </a:bodyPr>
+            <a:lstStyle/>
+            <a:p>
+              <a:pPr algn="ctr"/>
+              <a:r>
+                <a:rPr lang="en-US" sz="2000" b="1" dirty="0" err="1">
+                  <a:solidFill>
+                    <a:schemeClr val="bg1"/>
+                  </a:solidFill>
+                </a:rPr>
+                <a:t>Boxfuse</a:t>
+              </a:r>
+              <a:r>
+                <a:rPr lang="en-US" sz="2000" b="1" dirty="0">
+                  <a:solidFill>
+                    <a:schemeClr val="bg1"/>
+                  </a:solidFill>
+                </a:rPr>
+                <a:t/>
+              </a:r>
+              <a:br>
+                <a:rPr lang="en-US" sz="2000" b="1" dirty="0">
+                  <a:solidFill>
+                    <a:schemeClr val="bg1"/>
+                  </a:solidFill>
+                </a:rPr>
+              </a:br>
+              <a:r>
+                <a:rPr lang="en-US" sz="2000" b="1" dirty="0">
+                  <a:solidFill>
+                    <a:schemeClr val="bg1"/>
+                  </a:solidFill>
+                </a:rPr>
+                <a:t>Inventory</a:t>
+              </a:r>
+              <a:endParaRPr lang="de-DE" sz="2000" b="1" dirty="0">
+                <a:solidFill>
+                  <a:schemeClr val="bg1"/>
+                </a:solidFill>
+              </a:endParaRPr>
+            </a:p>
+          </p:txBody>
+        </p:sp>
+      </p:grpSp>
+      <p:grpSp>
+        <p:nvGrpSpPr>
+          <p:cNvPr id="35" name="Group 34"/>
+          <p:cNvGrpSpPr/>
+          <p:nvPr/>
+        </p:nvGrpSpPr>
+        <p:grpSpPr>
+          <a:xfrm>
+            <a:off x="3325896" y="2504190"/>
+            <a:ext cx="1457473" cy="673166"/>
+            <a:chOff x="2334271" y="318043"/>
+            <a:chExt cx="1457473" cy="673166"/>
+          </a:xfrm>
+        </p:grpSpPr>
+        <p:cxnSp>
+          <p:nvCxnSpPr>
+            <p:cNvPr id="36" name="Straight Arrow Connector 35"/>
+            <p:cNvCxnSpPr/>
+            <p:nvPr/>
+          </p:nvCxnSpPr>
+          <p:spPr>
+            <a:xfrm flipV="1">
+              <a:off x="2346123" y="980728"/>
+              <a:ext cx="1445621" cy="10481"/>
+            </a:xfrm>
+            <a:prstGeom prst="straightConnector1">
+              <a:avLst/>
+            </a:prstGeom>
+            <a:ln w="142875">
+              <a:solidFill>
+                <a:schemeClr val="tx1">
+                  <a:lumMod val="50000"/>
+                  <a:lumOff val="50000"/>
+                </a:schemeClr>
+              </a:solidFill>
+              <a:tailEnd type="triangle"/>
+            </a:ln>
+          </p:spPr>
+          <p:style>
+            <a:lnRef idx="1">
+              <a:schemeClr val="accent1"/>
+            </a:lnRef>
+            <a:fillRef idx="0">
+              <a:schemeClr val="accent1"/>
+            </a:fillRef>
+            <a:effectRef idx="0">
+              <a:schemeClr val="accent1"/>
+            </a:effectRef>
+            <a:fontRef idx="minor">
+              <a:schemeClr val="tx1"/>
+            </a:fontRef>
+          </p:style>
+        </p:cxnSp>
+        <p:sp>
+          <p:nvSpPr>
+            <p:cNvPr id="37" name="TextBox 36"/>
+            <p:cNvSpPr txBox="1"/>
+            <p:nvPr/>
+          </p:nvSpPr>
+          <p:spPr>
+            <a:xfrm>
+              <a:off x="2334271" y="318043"/>
+              <a:ext cx="1408522" cy="523220"/>
+            </a:xfrm>
+            <a:prstGeom prst="rect">
+              <a:avLst/>
+            </a:prstGeom>
+            <a:noFill/>
+          </p:spPr>
+          <p:txBody>
+            <a:bodyPr wrap="square" rtlCol="0">
+              <a:spAutoFit/>
+            </a:bodyPr>
+            <a:lstStyle/>
+            <a:p>
+              <a:pPr algn="ctr"/>
+              <a:r>
+                <a:rPr lang="en-US" sz="2800" b="1" dirty="0"/>
+                <a:t>fuse</a:t>
+              </a:r>
+              <a:endParaRPr lang="de-DE" sz="2800" b="1" dirty="0"/>
+            </a:p>
+          </p:txBody>
+        </p:sp>
+      </p:grpSp>
+      <p:sp>
+        <p:nvSpPr>
+          <p:cNvPr id="38" name="Rounded Rectangle 25"/>
+          <p:cNvSpPr/>
+          <p:nvPr/>
+        </p:nvSpPr>
+        <p:spPr>
+          <a:xfrm>
+            <a:off x="4959372" y="2128983"/>
+            <a:ext cx="1610387" cy="1610382"/>
+          </a:xfrm>
+          <a:prstGeom prst="ellipse">
+            <a:avLst/>
+          </a:prstGeom>
+          <a:solidFill>
+            <a:schemeClr val="accent1">
+              <a:lumMod val="75000"/>
+            </a:schemeClr>
+          </a:solidFill>
+          <a:ln w="76200">
+            <a:solidFill>
+              <a:schemeClr val="accent1">
+                <a:lumMod val="50000"/>
+              </a:schemeClr>
+            </a:solidFill>
+          </a:ln>
+        </p:spPr>
+        <p:style>
+          <a:lnRef idx="2">
+            <a:schemeClr val="accent1">
+              <a:shade val="50000"/>
+            </a:schemeClr>
+          </a:lnRef>
+          <a:fillRef idx="1">
+            <a:schemeClr val="accent1"/>
+          </a:fillRef>
+          <a:effectRef idx="0">
+            <a:schemeClr val="accent1"/>
+          </a:effectRef>
+          <a:fontRef idx="minor">
+            <a:schemeClr val="lt1"/>
+          </a:fontRef>
+        </p:style>
+        <p:txBody>
+          <a:bodyPr rtlCol="0" anchor="ctr"/>
+          <a:lstStyle/>
+          <a:p>
+            <a:pPr algn="ctr"/>
+            <a:r>
+              <a:rPr lang="en-US" sz="2000" b="1" dirty="0"/>
+              <a:t>Image</a:t>
+            </a:r>
+            <a:endParaRPr lang="de-DE" sz="2000" b="1" dirty="0"/>
+          </a:p>
+        </p:txBody>
+      </p:sp>
+      <p:grpSp>
+        <p:nvGrpSpPr>
+          <p:cNvPr id="58" name="Group 57"/>
+          <p:cNvGrpSpPr/>
+          <p:nvPr/>
+        </p:nvGrpSpPr>
+        <p:grpSpPr>
+          <a:xfrm rot="1430114">
+            <a:off x="3392156" y="1329327"/>
+            <a:ext cx="1683509" cy="673166"/>
+            <a:chOff x="2334271" y="318043"/>
+            <a:chExt cx="1457473" cy="673166"/>
+          </a:xfrm>
+        </p:grpSpPr>
+        <p:cxnSp>
+          <p:nvCxnSpPr>
+            <p:cNvPr id="59" name="Straight Arrow Connector 58"/>
+            <p:cNvCxnSpPr/>
+            <p:nvPr/>
+          </p:nvCxnSpPr>
+          <p:spPr>
+            <a:xfrm flipV="1">
+              <a:off x="2346123" y="980728"/>
+              <a:ext cx="1445621" cy="10481"/>
+            </a:xfrm>
+            <a:prstGeom prst="straightConnector1">
+              <a:avLst/>
+            </a:prstGeom>
+            <a:ln w="142875">
+              <a:solidFill>
+                <a:schemeClr val="tx1">
+                  <a:lumMod val="50000"/>
+                  <a:lumOff val="50000"/>
+                </a:schemeClr>
+              </a:solidFill>
+              <a:tailEnd type="triangle"/>
+            </a:ln>
+          </p:spPr>
+          <p:style>
+            <a:lnRef idx="1">
+              <a:schemeClr val="accent1"/>
+            </a:lnRef>
+            <a:fillRef idx="0">
+              <a:schemeClr val="accent1"/>
+            </a:fillRef>
+            <a:effectRef idx="0">
+              <a:schemeClr val="accent1"/>
+            </a:effectRef>
+            <a:fontRef idx="minor">
+              <a:schemeClr val="tx1"/>
+            </a:fontRef>
+          </p:style>
+        </p:cxnSp>
+        <p:sp>
+          <p:nvSpPr>
+            <p:cNvPr id="60" name="TextBox 59"/>
+            <p:cNvSpPr txBox="1"/>
+            <p:nvPr/>
+          </p:nvSpPr>
+          <p:spPr>
+            <a:xfrm>
+              <a:off x="2334271" y="318043"/>
+              <a:ext cx="1408522" cy="523220"/>
+            </a:xfrm>
+            <a:prstGeom prst="rect">
+              <a:avLst/>
+            </a:prstGeom>
+            <a:noFill/>
+          </p:spPr>
+          <p:txBody>
+            <a:bodyPr wrap="square" rtlCol="0">
+              <a:spAutoFit/>
+            </a:bodyPr>
+            <a:lstStyle/>
+            <a:p>
+              <a:pPr algn="ctr"/>
+              <a:endParaRPr lang="de-DE" sz="2800" b="1" dirty="0"/>
+            </a:p>
+          </p:txBody>
+        </p:sp>
+      </p:grpSp>
+      <p:sp>
+        <p:nvSpPr>
+          <p:cNvPr id="62" name="Rounded Rectangle 25"/>
+          <p:cNvSpPr/>
+          <p:nvPr/>
+        </p:nvSpPr>
+        <p:spPr>
+          <a:xfrm>
+            <a:off x="9111242" y="992161"/>
+            <a:ext cx="1610387" cy="1610382"/>
+          </a:xfrm>
+          <a:prstGeom prst="ellipse">
+            <a:avLst/>
+          </a:prstGeom>
+          <a:solidFill>
+            <a:schemeClr val="accent1">
+              <a:lumMod val="75000"/>
+            </a:schemeClr>
+          </a:solidFill>
+          <a:ln w="76200">
+            <a:solidFill>
+              <a:schemeClr val="accent1">
+                <a:lumMod val="50000"/>
+              </a:schemeClr>
+            </a:solidFill>
+          </a:ln>
+        </p:spPr>
+        <p:style>
+          <a:lnRef idx="2">
+            <a:schemeClr val="accent1">
+              <a:shade val="50000"/>
+            </a:schemeClr>
+          </a:lnRef>
+          <a:fillRef idx="1">
+            <a:schemeClr val="accent1"/>
+          </a:fillRef>
+          <a:effectRef idx="0">
+            <a:schemeClr val="accent1"/>
+          </a:effectRef>
+          <a:fontRef idx="minor">
+            <a:schemeClr val="lt1"/>
+          </a:fontRef>
+        </p:style>
+        <p:txBody>
+          <a:bodyPr rtlCol="0" anchor="ctr"/>
+          <a:lstStyle/>
+          <a:p>
+            <a:pPr algn="ctr"/>
+            <a:r>
+              <a:rPr lang="en-US" sz="2000" b="1" dirty="0"/>
+              <a:t>Image</a:t>
+            </a:r>
+            <a:endParaRPr lang="de-DE" sz="2000" b="1" dirty="0"/>
+          </a:p>
+        </p:txBody>
+      </p:sp>
+      <p:sp>
+        <p:nvSpPr>
+          <p:cNvPr id="68" name="Rounded Rectangle 67"/>
+          <p:cNvSpPr/>
+          <p:nvPr/>
+        </p:nvSpPr>
+        <p:spPr>
+          <a:xfrm>
+            <a:off x="8798011" y="801976"/>
+            <a:ext cx="3991231" cy="2015366"/>
+          </a:xfrm>
+          <a:prstGeom prst="roundRect">
+            <a:avLst/>
+          </a:prstGeom>
+          <a:noFill/>
+          <a:ln w="57150">
+            <a:solidFill>
+              <a:schemeClr val="bg1">
+                <a:lumMod val="50000"/>
+              </a:schemeClr>
+            </a:solidFill>
+            <a:prstDash val="dash"/>
+          </a:ln>
+        </p:spPr>
+        <p:style>
+          <a:lnRef idx="2">
+            <a:schemeClr val="accent1">
+              <a:shade val="50000"/>
+            </a:schemeClr>
+          </a:lnRef>
+          <a:fillRef idx="1">
+            <a:schemeClr val="accent1"/>
+          </a:fillRef>
+          <a:effectRef idx="0">
+            <a:schemeClr val="accent1"/>
+          </a:effectRef>
+          <a:fontRef idx="minor">
+            <a:schemeClr val="lt1"/>
+          </a:fontRef>
+        </p:style>
+        <p:txBody>
+          <a:bodyPr rtlCol="0" anchor="ctr"/>
+          <a:lstStyle/>
+          <a:p>
+            <a:pPr algn="ctr"/>
+            <a:endParaRPr lang="de-DE"/>
+          </a:p>
+        </p:txBody>
+      </p:sp>
+      <p:sp>
+        <p:nvSpPr>
+          <p:cNvPr id="80" name="TextBox 79"/>
+          <p:cNvSpPr txBox="1"/>
+          <p:nvPr/>
+        </p:nvSpPr>
+        <p:spPr>
+          <a:xfrm>
+            <a:off x="10065756" y="232140"/>
+            <a:ext cx="1408522" cy="523220"/>
+          </a:xfrm>
+          <a:prstGeom prst="rect">
+            <a:avLst/>
+          </a:prstGeom>
+          <a:noFill/>
+        </p:spPr>
+        <p:txBody>
+          <a:bodyPr wrap="square" rtlCol="0">
+            <a:spAutoFit/>
+          </a:bodyPr>
+          <a:lstStyle/>
+          <a:p>
+            <a:pPr algn="ctr"/>
+            <a:r>
+              <a:rPr lang="en-US" sz="2800" b="1" dirty="0" err="1"/>
+              <a:t>ls</a:t>
+            </a:r>
+            <a:endParaRPr lang="de-DE" sz="2800" b="1" dirty="0"/>
+          </a:p>
+        </p:txBody>
+      </p:sp>
+      <p:sp>
+        <p:nvSpPr>
+          <p:cNvPr id="93" name="Rounded Rectangle 25"/>
+          <p:cNvSpPr/>
+          <p:nvPr/>
+        </p:nvSpPr>
+        <p:spPr>
+          <a:xfrm>
+            <a:off x="10944162" y="983924"/>
+            <a:ext cx="1610387" cy="1610382"/>
+          </a:xfrm>
+          <a:prstGeom prst="ellipse">
+            <a:avLst/>
+          </a:prstGeom>
+          <a:solidFill>
+            <a:schemeClr val="accent1">
+              <a:lumMod val="75000"/>
+            </a:schemeClr>
+          </a:solidFill>
+          <a:ln w="76200">
+            <a:solidFill>
+              <a:schemeClr val="accent1">
+                <a:lumMod val="50000"/>
+              </a:schemeClr>
+            </a:solidFill>
+          </a:ln>
+        </p:spPr>
+        <p:style>
+          <a:lnRef idx="2">
+            <a:schemeClr val="accent1">
+              <a:shade val="50000"/>
+            </a:schemeClr>
+          </a:lnRef>
+          <a:fillRef idx="1">
+            <a:schemeClr val="accent1"/>
+          </a:fillRef>
+          <a:effectRef idx="0">
+            <a:schemeClr val="accent1"/>
+          </a:effectRef>
+          <a:fontRef idx="minor">
+            <a:schemeClr val="lt1"/>
+          </a:fontRef>
+        </p:style>
+        <p:txBody>
+          <a:bodyPr rtlCol="0" anchor="ctr"/>
+          <a:lstStyle/>
+          <a:p>
+            <a:pPr algn="ctr"/>
+            <a:r>
+              <a:rPr lang="en-US" sz="2000" b="1" dirty="0"/>
+              <a:t>Image</a:t>
+            </a:r>
+            <a:endParaRPr lang="de-DE" sz="2000" b="1" dirty="0"/>
+          </a:p>
+        </p:txBody>
+      </p:sp>
+      <p:sp>
+        <p:nvSpPr>
+          <p:cNvPr id="95" name="Rounded Rectangle 25"/>
+          <p:cNvSpPr/>
+          <p:nvPr/>
+        </p:nvSpPr>
+        <p:spPr>
+          <a:xfrm>
+            <a:off x="4366248" y="4999077"/>
+            <a:ext cx="1610387" cy="1610382"/>
+          </a:xfrm>
+          <a:prstGeom prst="ellipse">
+            <a:avLst/>
+          </a:prstGeom>
+          <a:solidFill>
+            <a:schemeClr val="accent1">
+              <a:lumMod val="20000"/>
+              <a:lumOff val="80000"/>
+            </a:schemeClr>
+          </a:solidFill>
+          <a:ln w="76200">
+            <a:solidFill>
+              <a:schemeClr val="accent1">
+                <a:lumMod val="40000"/>
+                <a:lumOff val="60000"/>
+              </a:schemeClr>
+            </a:solidFill>
+          </a:ln>
+        </p:spPr>
+        <p:style>
+          <a:lnRef idx="2">
+            <a:schemeClr val="accent1">
+              <a:shade val="50000"/>
+            </a:schemeClr>
+          </a:lnRef>
+          <a:fillRef idx="1">
+            <a:schemeClr val="accent1"/>
+          </a:fillRef>
+          <a:effectRef idx="0">
+            <a:schemeClr val="accent1"/>
+          </a:effectRef>
+          <a:fontRef idx="minor">
+            <a:schemeClr val="lt1"/>
+          </a:fontRef>
+        </p:style>
+        <p:txBody>
+          <a:bodyPr rtlCol="0" anchor="ctr"/>
+          <a:lstStyle/>
+          <a:p>
+            <a:pPr algn="ctr"/>
+            <a:r>
+              <a:rPr lang="en-US" sz="2000" b="1" dirty="0" smtClean="0"/>
+              <a:t>Image</a:t>
+            </a:r>
+            <a:endParaRPr lang="de-DE" sz="2000" b="1" dirty="0"/>
+          </a:p>
+        </p:txBody>
+      </p:sp>
+      <p:sp>
+        <p:nvSpPr>
+          <p:cNvPr id="96" name="Cross 95"/>
+          <p:cNvSpPr/>
+          <p:nvPr/>
+        </p:nvSpPr>
+        <p:spPr>
+          <a:xfrm rot="2669759">
+            <a:off x="4059360" y="4723055"/>
+            <a:ext cx="2229507" cy="2238141"/>
+          </a:xfrm>
+          <a:prstGeom prst="plus">
+            <a:avLst>
+              <a:gd name="adj" fmla="val 47174"/>
+            </a:avLst>
+          </a:prstGeom>
+          <a:solidFill>
+            <a:srgbClr val="FF0000"/>
+          </a:solidFill>
+          <a:ln>
+            <a:solidFill>
+              <a:srgbClr val="C00000"/>
+            </a:solidFill>
+          </a:ln>
+        </p:spPr>
+        <p:style>
+          <a:lnRef idx="2">
+            <a:schemeClr val="accent1">
+              <a:shade val="50000"/>
+            </a:schemeClr>
+          </a:lnRef>
+          <a:fillRef idx="1">
+            <a:schemeClr val="accent1"/>
+          </a:fillRef>
+          <a:effectRef idx="0">
+            <a:schemeClr val="accent1"/>
+          </a:effectRef>
+          <a:fontRef idx="minor">
+            <a:schemeClr val="lt1"/>
+          </a:fontRef>
+        </p:style>
+        <p:txBody>
+          <a:bodyPr rtlCol="0" anchor="ctr"/>
+          <a:lstStyle/>
+          <a:p>
+            <a:pPr algn="ctr"/>
+            <a:endParaRPr lang="de-DE"/>
+          </a:p>
+        </p:txBody>
+      </p:sp>
+      <p:sp>
+        <p:nvSpPr>
+          <p:cNvPr id="97" name="TextBox 96"/>
+          <p:cNvSpPr txBox="1"/>
+          <p:nvPr/>
+        </p:nvSpPr>
+        <p:spPr>
+          <a:xfrm>
+            <a:off x="4465408" y="4955977"/>
+            <a:ext cx="1408522" cy="523220"/>
+          </a:xfrm>
+          <a:prstGeom prst="rect">
+            <a:avLst/>
+          </a:prstGeom>
+          <a:noFill/>
+        </p:spPr>
+        <p:txBody>
+          <a:bodyPr wrap="square" rtlCol="0">
+            <a:spAutoFit/>
+          </a:bodyPr>
+          <a:lstStyle/>
+          <a:p>
+            <a:pPr algn="ctr"/>
+            <a:r>
+              <a:rPr lang="en-US" sz="2800" b="1" dirty="0" err="1"/>
+              <a:t>rm</a:t>
+            </a:r>
+            <a:endParaRPr lang="de-DE" sz="2800" b="1" dirty="0"/>
+          </a:p>
+        </p:txBody>
+      </p:sp>
+    </p:spTree>
+    <p:extLst>
+      <p:ext uri="{BB962C8B-B14F-4D97-AF65-F5344CB8AC3E}">
+        <p14:creationId xmlns:p14="http://schemas.microsoft.com/office/powerpoint/2010/main" val="428921464"/>
+      </p:ext>
+    </p:extLst>
+  </p:cSld>
+  <p:clrMapOvr>
+    <a:masterClrMapping/>
+  </p:clrMapOvr>
+  <p:timing>
+    <p:tnLst>
+      <p:par>
+        <p:cTn id="1" dur="indefinite" restart="never" nodeType="tmRoot"/>
+      </p:par>
+    </p:tnLst>
+  </p:timing>
+</p:sld>
+</file>
+
+<file path=ppt/slides/slide11.xml><?xml version="1.0" encoding="utf-8"?>
+<p:sld xmlns:a="http://schemas.openxmlformats.org/drawingml/2006/main" xmlns:r="http://schemas.openxmlformats.org/officeDocument/2006/relationships" xmlns:p="http://schemas.openxmlformats.org/presentationml/2006/main">
+  <p:cSld>
+    <p:spTree>
+      <p:nvGrpSpPr>
+        <p:cNvPr id="1" name=""/>
+        <p:cNvGrpSpPr/>
+        <p:nvPr/>
+      </p:nvGrpSpPr>
+      <p:grpSpPr>
+        <a:xfrm>
+          <a:off x="0" y="0"/>
+          <a:ext cx="0" cy="0"/>
+          <a:chOff x="0" y="0"/>
+          <a:chExt cx="0" cy="0"/>
+        </a:xfrm>
+      </p:grpSpPr>
+      <p:pic>
+        <p:nvPicPr>
+          <p:cNvPr id="80" name="Picture 79"/>
+          <p:cNvPicPr>
+            <a:picLocks noChangeAspect="1"/>
+          </p:cNvPicPr>
+          <p:nvPr/>
+        </p:nvPicPr>
+        <p:blipFill>
+          <a:blip r:embed="rId2"/>
+          <a:stretch>
+            <a:fillRect/>
+          </a:stretch>
+        </p:blipFill>
+        <p:spPr>
+          <a:xfrm>
+            <a:off x="7906395" y="4047093"/>
+            <a:ext cx="1655807" cy="705924"/>
+          </a:xfrm>
+          <a:prstGeom prst="rect">
+            <a:avLst/>
+          </a:prstGeom>
+        </p:spPr>
+      </p:pic>
+      <p:pic>
+        <p:nvPicPr>
+          <p:cNvPr id="6" name="Picture 5"/>
+          <p:cNvPicPr>
+            <a:picLocks noChangeAspect="1"/>
+          </p:cNvPicPr>
+          <p:nvPr/>
+        </p:nvPicPr>
+        <p:blipFill>
+          <a:blip r:embed="rId2"/>
+          <a:stretch>
+            <a:fillRect/>
+          </a:stretch>
+        </p:blipFill>
+        <p:spPr>
+          <a:xfrm>
+            <a:off x="3985184" y="1991752"/>
+            <a:ext cx="1655807" cy="705924"/>
+          </a:xfrm>
+          <a:prstGeom prst="rect">
+            <a:avLst/>
+          </a:prstGeom>
+        </p:spPr>
+      </p:pic>
+      <p:sp>
+        <p:nvSpPr>
+          <p:cNvPr id="79" name="Rounded Rectangle 75"/>
+          <p:cNvSpPr/>
+          <p:nvPr/>
+        </p:nvSpPr>
+        <p:spPr>
+          <a:xfrm>
+            <a:off x="8059356" y="2517568"/>
+            <a:ext cx="1441656" cy="1514439"/>
+          </a:xfrm>
+          <a:prstGeom prst="rect">
+            <a:avLst/>
+          </a:prstGeom>
+          <a:solidFill>
+            <a:schemeClr val="accent2">
+              <a:lumMod val="20000"/>
+              <a:lumOff val="80000"/>
+            </a:schemeClr>
+          </a:solidFill>
+          <a:ln w="76200">
+            <a:solidFill>
+              <a:schemeClr val="accent2">
+                <a:lumMod val="40000"/>
+                <a:lumOff val="60000"/>
+              </a:schemeClr>
+            </a:solidFill>
+          </a:ln>
+        </p:spPr>
+        <p:style>
+          <a:lnRef idx="2">
+            <a:schemeClr val="accent1">
+              <a:shade val="50000"/>
+            </a:schemeClr>
+          </a:lnRef>
+          <a:fillRef idx="1">
+            <a:schemeClr val="accent1"/>
+          </a:fillRef>
+          <a:effectRef idx="0">
+            <a:schemeClr val="accent1"/>
+          </a:effectRef>
+          <a:fontRef idx="minor">
+            <a:schemeClr val="lt1"/>
+          </a:fontRef>
+        </p:style>
+        <p:txBody>
+          <a:bodyPr rtlCol="0" anchor="ctr"/>
+          <a:lstStyle/>
+          <a:p>
+            <a:pPr algn="ctr"/>
+            <a:r>
+              <a:rPr lang="en-US" sz="2000" b="1" dirty="0"/>
+              <a:t>Instance</a:t>
+            </a:r>
+            <a:endParaRPr lang="de-DE" sz="2000" b="1" dirty="0"/>
+          </a:p>
+        </p:txBody>
+      </p:sp>
+      <p:sp>
+        <p:nvSpPr>
+          <p:cNvPr id="38" name="Rounded Rectangle 25"/>
+          <p:cNvSpPr/>
+          <p:nvPr/>
+        </p:nvSpPr>
+        <p:spPr>
+          <a:xfrm>
+            <a:off x="276162" y="361967"/>
+            <a:ext cx="1610387" cy="1610382"/>
+          </a:xfrm>
+          <a:prstGeom prst="ellipse">
+            <a:avLst/>
+          </a:prstGeom>
+          <a:solidFill>
+            <a:schemeClr val="accent1">
+              <a:lumMod val="75000"/>
+            </a:schemeClr>
+          </a:solidFill>
+          <a:ln w="76200">
+            <a:solidFill>
+              <a:schemeClr val="accent1">
+                <a:lumMod val="50000"/>
+              </a:schemeClr>
+            </a:solidFill>
+          </a:ln>
+        </p:spPr>
+        <p:style>
+          <a:lnRef idx="2">
+            <a:schemeClr val="accent1">
+              <a:shade val="50000"/>
+            </a:schemeClr>
+          </a:lnRef>
+          <a:fillRef idx="1">
+            <a:schemeClr val="accent1"/>
+          </a:fillRef>
+          <a:effectRef idx="0">
+            <a:schemeClr val="accent1"/>
+          </a:effectRef>
+          <a:fontRef idx="minor">
+            <a:schemeClr val="lt1"/>
+          </a:fontRef>
+        </p:style>
+        <p:txBody>
+          <a:bodyPr rtlCol="0" anchor="ctr"/>
+          <a:lstStyle/>
+          <a:p>
+            <a:pPr algn="ctr"/>
+            <a:r>
+              <a:rPr lang="en-US" sz="2000" b="1" dirty="0"/>
+              <a:t>Image</a:t>
+            </a:r>
+            <a:endParaRPr lang="de-DE" sz="2000" b="1" dirty="0"/>
+          </a:p>
+        </p:txBody>
+      </p:sp>
+      <p:sp>
+        <p:nvSpPr>
+          <p:cNvPr id="72" name="TextBox 71"/>
+          <p:cNvSpPr txBox="1"/>
+          <p:nvPr/>
+        </p:nvSpPr>
+        <p:spPr>
+          <a:xfrm>
+            <a:off x="8017713" y="2503194"/>
+            <a:ext cx="1506963" cy="523220"/>
+          </a:xfrm>
+          <a:prstGeom prst="rect">
+            <a:avLst/>
+          </a:prstGeom>
+          <a:noFill/>
+        </p:spPr>
+        <p:txBody>
+          <a:bodyPr wrap="square" rtlCol="0">
+            <a:spAutoFit/>
+          </a:bodyPr>
+          <a:lstStyle/>
+          <a:p>
+            <a:pPr algn="ctr"/>
+            <a:r>
+              <a:rPr lang="en-US" sz="2800" b="1" dirty="0"/>
+              <a:t>kill</a:t>
+            </a:r>
+            <a:endParaRPr lang="de-DE" sz="2800" b="1" dirty="0"/>
+          </a:p>
+        </p:txBody>
+      </p:sp>
+      <p:sp>
+        <p:nvSpPr>
+          <p:cNvPr id="73" name="Rounded Rectangle 72"/>
+          <p:cNvSpPr/>
+          <p:nvPr/>
+        </p:nvSpPr>
+        <p:spPr>
+          <a:xfrm>
+            <a:off x="827903" y="3553413"/>
+            <a:ext cx="3707027" cy="2031842"/>
+          </a:xfrm>
+          <a:prstGeom prst="roundRect">
+            <a:avLst/>
+          </a:prstGeom>
+          <a:noFill/>
+          <a:ln w="57150">
+            <a:solidFill>
+              <a:schemeClr val="bg1">
+                <a:lumMod val="50000"/>
+              </a:schemeClr>
+            </a:solidFill>
+            <a:prstDash val="dash"/>
+          </a:ln>
+        </p:spPr>
+        <p:style>
+          <a:lnRef idx="2">
+            <a:schemeClr val="accent1">
+              <a:shade val="50000"/>
+            </a:schemeClr>
+          </a:lnRef>
+          <a:fillRef idx="1">
+            <a:schemeClr val="accent1"/>
+          </a:fillRef>
+          <a:effectRef idx="0">
+            <a:schemeClr val="accent1"/>
+          </a:effectRef>
+          <a:fontRef idx="minor">
+            <a:schemeClr val="lt1"/>
+          </a:fontRef>
+        </p:style>
+        <p:txBody>
+          <a:bodyPr rtlCol="0" anchor="ctr"/>
+          <a:lstStyle/>
+          <a:p>
+            <a:pPr algn="ctr"/>
+            <a:endParaRPr lang="de-DE"/>
+          </a:p>
+        </p:txBody>
+      </p:sp>
+      <p:sp>
+        <p:nvSpPr>
+          <p:cNvPr id="74" name="TextBox 73"/>
+          <p:cNvSpPr txBox="1"/>
+          <p:nvPr/>
+        </p:nvSpPr>
+        <p:spPr>
+          <a:xfrm>
+            <a:off x="2052136" y="2993982"/>
+            <a:ext cx="1408522" cy="523220"/>
+          </a:xfrm>
+          <a:prstGeom prst="rect">
+            <a:avLst/>
+          </a:prstGeom>
+          <a:noFill/>
+        </p:spPr>
+        <p:txBody>
+          <a:bodyPr wrap="square" rtlCol="0">
+            <a:spAutoFit/>
+          </a:bodyPr>
+          <a:lstStyle/>
+          <a:p>
+            <a:pPr algn="ctr"/>
+            <a:r>
+              <a:rPr lang="en-US" sz="2800" b="1" dirty="0" err="1"/>
+              <a:t>ps</a:t>
+            </a:r>
+            <a:endParaRPr lang="de-DE" sz="2800" b="1" dirty="0"/>
+          </a:p>
+        </p:txBody>
+      </p:sp>
+      <p:sp>
+        <p:nvSpPr>
+          <p:cNvPr id="76" name="Rounded Rectangle 75"/>
+          <p:cNvSpPr/>
+          <p:nvPr/>
+        </p:nvSpPr>
+        <p:spPr>
+          <a:xfrm>
+            <a:off x="4119494" y="431179"/>
+            <a:ext cx="1441656" cy="1514439"/>
+          </a:xfrm>
+          <a:prstGeom prst="rect">
+            <a:avLst/>
+          </a:prstGeom>
+          <a:solidFill>
+            <a:schemeClr val="accent2">
+              <a:lumMod val="75000"/>
+            </a:schemeClr>
+          </a:solidFill>
+          <a:ln w="76200">
+            <a:solidFill>
+              <a:schemeClr val="accent2">
+                <a:lumMod val="50000"/>
+              </a:schemeClr>
+            </a:solidFill>
+          </a:ln>
+        </p:spPr>
+        <p:style>
+          <a:lnRef idx="2">
+            <a:schemeClr val="accent1">
+              <a:shade val="50000"/>
+            </a:schemeClr>
+          </a:lnRef>
+          <a:fillRef idx="1">
+            <a:schemeClr val="accent1"/>
+          </a:fillRef>
+          <a:effectRef idx="0">
+            <a:schemeClr val="accent1"/>
+          </a:effectRef>
+          <a:fontRef idx="minor">
+            <a:schemeClr val="lt1"/>
+          </a:fontRef>
+        </p:style>
+        <p:txBody>
+          <a:bodyPr rtlCol="0" anchor="ctr"/>
+          <a:lstStyle/>
+          <a:p>
+            <a:pPr algn="ctr"/>
+            <a:r>
+              <a:rPr lang="en-US" sz="2000" b="1" dirty="0"/>
+              <a:t>Instance</a:t>
+            </a:r>
+            <a:endParaRPr lang="de-DE" sz="2000" b="1" dirty="0"/>
+          </a:p>
+        </p:txBody>
+      </p:sp>
+      <p:sp>
+        <p:nvSpPr>
+          <p:cNvPr id="78" name="Cross 77"/>
+          <p:cNvSpPr/>
+          <p:nvPr/>
+        </p:nvSpPr>
+        <p:spPr>
+          <a:xfrm rot="2669759">
+            <a:off x="7657099" y="2146402"/>
+            <a:ext cx="2229507" cy="2238141"/>
+          </a:xfrm>
+          <a:prstGeom prst="plus">
+            <a:avLst>
+              <a:gd name="adj" fmla="val 47174"/>
+            </a:avLst>
+          </a:prstGeom>
+          <a:solidFill>
+            <a:srgbClr val="FF0000"/>
+          </a:solidFill>
+          <a:ln>
+            <a:solidFill>
+              <a:srgbClr val="C00000"/>
+            </a:solidFill>
+          </a:ln>
+        </p:spPr>
+        <p:style>
+          <a:lnRef idx="2">
+            <a:schemeClr val="accent1">
+              <a:shade val="50000"/>
+            </a:schemeClr>
+          </a:lnRef>
+          <a:fillRef idx="1">
+            <a:schemeClr val="accent1"/>
+          </a:fillRef>
+          <a:effectRef idx="0">
+            <a:schemeClr val="accent1"/>
+          </a:effectRef>
+          <a:fontRef idx="minor">
+            <a:schemeClr val="lt1"/>
+          </a:fontRef>
+        </p:style>
+        <p:txBody>
+          <a:bodyPr rtlCol="0" anchor="ctr"/>
+          <a:lstStyle/>
+          <a:p>
+            <a:pPr algn="ctr"/>
+            <a:endParaRPr lang="de-DE"/>
+          </a:p>
+        </p:txBody>
+      </p:sp>
+      <p:grpSp>
+        <p:nvGrpSpPr>
+          <p:cNvPr id="69" name="Group 68"/>
+          <p:cNvGrpSpPr/>
+          <p:nvPr/>
+        </p:nvGrpSpPr>
+        <p:grpSpPr>
+          <a:xfrm>
+            <a:off x="2219806" y="547021"/>
+            <a:ext cx="1614441" cy="673166"/>
+            <a:chOff x="2334271" y="318043"/>
+            <a:chExt cx="1457473" cy="673166"/>
+          </a:xfrm>
+        </p:grpSpPr>
+        <p:cxnSp>
+          <p:nvCxnSpPr>
+            <p:cNvPr id="70" name="Straight Arrow Connector 69"/>
+            <p:cNvCxnSpPr/>
+            <p:nvPr/>
+          </p:nvCxnSpPr>
+          <p:spPr>
+            <a:xfrm flipV="1">
+              <a:off x="2346123" y="980728"/>
+              <a:ext cx="1445621" cy="10481"/>
+            </a:xfrm>
+            <a:prstGeom prst="straightConnector1">
+              <a:avLst/>
+            </a:prstGeom>
+            <a:ln w="142875">
+              <a:solidFill>
+                <a:schemeClr val="tx1">
+                  <a:lumMod val="50000"/>
+                  <a:lumOff val="50000"/>
+                </a:schemeClr>
+              </a:solidFill>
+              <a:tailEnd type="triangle"/>
+            </a:ln>
+          </p:spPr>
+          <p:style>
+            <a:lnRef idx="1">
+              <a:schemeClr val="accent1"/>
+            </a:lnRef>
+            <a:fillRef idx="0">
+              <a:schemeClr val="accent1"/>
+            </a:fillRef>
+            <a:effectRef idx="0">
+              <a:schemeClr val="accent1"/>
+            </a:effectRef>
+            <a:fontRef idx="minor">
+              <a:schemeClr val="tx1"/>
+            </a:fontRef>
+          </p:style>
+        </p:cxnSp>
+        <p:sp>
+          <p:nvSpPr>
+            <p:cNvPr id="71" name="TextBox 70"/>
+            <p:cNvSpPr txBox="1"/>
+            <p:nvPr/>
+          </p:nvSpPr>
+          <p:spPr>
+            <a:xfrm>
+              <a:off x="2334271" y="318043"/>
+              <a:ext cx="1408522" cy="523220"/>
+            </a:xfrm>
+            <a:prstGeom prst="rect">
+              <a:avLst/>
+            </a:prstGeom>
+            <a:noFill/>
+          </p:spPr>
+          <p:txBody>
+            <a:bodyPr wrap="square" rtlCol="0">
+              <a:spAutoFit/>
+            </a:bodyPr>
+            <a:lstStyle/>
+            <a:p>
+              <a:pPr algn="ctr"/>
+              <a:endParaRPr lang="de-DE" sz="2800" b="1" dirty="0"/>
+            </a:p>
+          </p:txBody>
+        </p:sp>
+      </p:grpSp>
+      <p:sp>
+        <p:nvSpPr>
+          <p:cNvPr id="81" name="TextBox 80"/>
+          <p:cNvSpPr txBox="1"/>
+          <p:nvPr/>
+        </p:nvSpPr>
+        <p:spPr>
+          <a:xfrm>
+            <a:off x="2267013" y="657342"/>
+            <a:ext cx="1335331" cy="523220"/>
+          </a:xfrm>
+          <a:prstGeom prst="rect">
+            <a:avLst/>
+          </a:prstGeom>
+          <a:noFill/>
+        </p:spPr>
+        <p:txBody>
+          <a:bodyPr wrap="square" rtlCol="0">
+            <a:spAutoFit/>
+          </a:bodyPr>
+          <a:lstStyle/>
+          <a:p>
+            <a:pPr algn="ctr"/>
+            <a:r>
+              <a:rPr lang="en-US" sz="2800" b="1" dirty="0"/>
+              <a:t>run</a:t>
+            </a:r>
+            <a:endParaRPr lang="de-DE" sz="2800" b="1" dirty="0"/>
+          </a:p>
+        </p:txBody>
+      </p:sp>
+      <p:sp>
+        <p:nvSpPr>
+          <p:cNvPr id="62" name="Rounded Rectangle 75"/>
+          <p:cNvSpPr/>
+          <p:nvPr/>
+        </p:nvSpPr>
+        <p:spPr>
+          <a:xfrm>
+            <a:off x="1170348" y="3821049"/>
+            <a:ext cx="1441656" cy="1514439"/>
+          </a:xfrm>
+          <a:prstGeom prst="rect">
+            <a:avLst/>
+          </a:prstGeom>
+          <a:solidFill>
+            <a:schemeClr val="accent2">
+              <a:lumMod val="75000"/>
+            </a:schemeClr>
+          </a:solidFill>
+          <a:ln w="76200">
+            <a:solidFill>
+              <a:schemeClr val="accent2">
+                <a:lumMod val="50000"/>
+              </a:schemeClr>
+            </a:solidFill>
+          </a:ln>
+        </p:spPr>
+        <p:style>
+          <a:lnRef idx="2">
+            <a:schemeClr val="accent1">
+              <a:shade val="50000"/>
+            </a:schemeClr>
+          </a:lnRef>
+          <a:fillRef idx="1">
+            <a:schemeClr val="accent1"/>
+          </a:fillRef>
+          <a:effectRef idx="0">
+            <a:schemeClr val="accent1"/>
+          </a:effectRef>
+          <a:fontRef idx="minor">
+            <a:schemeClr val="lt1"/>
+          </a:fontRef>
+        </p:style>
+        <p:txBody>
+          <a:bodyPr rtlCol="0" anchor="ctr"/>
+          <a:lstStyle/>
+          <a:p>
+            <a:pPr algn="ctr"/>
+            <a:r>
+              <a:rPr lang="en-US" sz="2000" b="1" dirty="0"/>
+              <a:t>Instance</a:t>
+            </a:r>
+            <a:endParaRPr lang="de-DE" sz="2000" b="1" dirty="0"/>
+          </a:p>
+        </p:txBody>
+      </p:sp>
+      <p:sp>
+        <p:nvSpPr>
+          <p:cNvPr id="66" name="Rounded Rectangle 75"/>
+          <p:cNvSpPr/>
+          <p:nvPr/>
+        </p:nvSpPr>
+        <p:spPr>
+          <a:xfrm>
+            <a:off x="2789084" y="3821049"/>
+            <a:ext cx="1441656" cy="1514439"/>
+          </a:xfrm>
+          <a:prstGeom prst="rect">
+            <a:avLst/>
+          </a:prstGeom>
+          <a:solidFill>
+            <a:schemeClr val="accent2">
+              <a:lumMod val="75000"/>
+            </a:schemeClr>
+          </a:solidFill>
+          <a:ln w="76200">
+            <a:solidFill>
+              <a:schemeClr val="accent2">
+                <a:lumMod val="50000"/>
+              </a:schemeClr>
+            </a:solidFill>
+          </a:ln>
+        </p:spPr>
+        <p:style>
+          <a:lnRef idx="2">
+            <a:schemeClr val="accent1">
+              <a:shade val="50000"/>
+            </a:schemeClr>
+          </a:lnRef>
+          <a:fillRef idx="1">
+            <a:schemeClr val="accent1"/>
+          </a:fillRef>
+          <a:effectRef idx="0">
+            <a:schemeClr val="accent1"/>
+          </a:effectRef>
+          <a:fontRef idx="minor">
+            <a:schemeClr val="lt1"/>
+          </a:fontRef>
+        </p:style>
+        <p:txBody>
+          <a:bodyPr rtlCol="0" anchor="ctr"/>
+          <a:lstStyle/>
+          <a:p>
+            <a:pPr algn="ctr"/>
+            <a:r>
+              <a:rPr lang="en-US" sz="2000" b="1" dirty="0"/>
+              <a:t>Instance</a:t>
+            </a:r>
+            <a:endParaRPr lang="de-DE" sz="2000" b="1" dirty="0"/>
+          </a:p>
+        </p:txBody>
+      </p:sp>
+      <p:pic>
+        <p:nvPicPr>
+          <p:cNvPr id="68" name="Picture 67"/>
+          <p:cNvPicPr>
+            <a:picLocks noChangeAspect="1"/>
+          </p:cNvPicPr>
+          <p:nvPr/>
+        </p:nvPicPr>
+        <p:blipFill>
+          <a:blip r:embed="rId2"/>
+          <a:stretch>
+            <a:fillRect/>
+          </a:stretch>
+        </p:blipFill>
+        <p:spPr>
+          <a:xfrm>
+            <a:off x="1913368" y="5616401"/>
+            <a:ext cx="1655807" cy="705924"/>
+          </a:xfrm>
+          <a:prstGeom prst="rect">
+            <a:avLst/>
+          </a:prstGeom>
+        </p:spPr>
+      </p:pic>
+    </p:spTree>
+    <p:extLst>
+      <p:ext uri="{BB962C8B-B14F-4D97-AF65-F5344CB8AC3E}">
+        <p14:creationId xmlns:p14="http://schemas.microsoft.com/office/powerpoint/2010/main" val="81494658"/>
+      </p:ext>
+    </p:extLst>
+  </p:cSld>
+  <p:clrMapOvr>
+    <a:masterClrMapping/>
+  </p:clrMapOvr>
+  <p:timing>
+    <p:tnLst>
+      <p:par>
+        <p:cTn id="1" dur="indefinite" restart="never" nodeType="tmRoot"/>
+      </p:par>
+    </p:tnLst>
+  </p:timing>
+</p:sld>
+</file>
+
+<file path=ppt/slides/slide12.xml><?xml version="1.0" encoding="utf-8"?>
+<p:sld xmlns:a="http://schemas.openxmlformats.org/drawingml/2006/main" xmlns:r="http://schemas.openxmlformats.org/officeDocument/2006/relationships" xmlns:p="http://schemas.openxmlformats.org/presentationml/2006/main">
+  <p:cSld>
+    <p:spTree>
+      <p:nvGrpSpPr>
+        <p:cNvPr id="1" name=""/>
+        <p:cNvGrpSpPr/>
+        <p:nvPr/>
+      </p:nvGrpSpPr>
+      <p:grpSpPr>
+        <a:xfrm>
+          <a:off x="0" y="0"/>
+          <a:ext cx="0" cy="0"/>
+          <a:chOff x="0" y="0"/>
+          <a:chExt cx="0" cy="0"/>
+        </a:xfrm>
+      </p:grpSpPr>
+      <p:pic>
+        <p:nvPicPr>
+          <p:cNvPr id="6" name="Picture 5"/>
+          <p:cNvPicPr>
+            <a:picLocks noChangeAspect="1"/>
+          </p:cNvPicPr>
+          <p:nvPr/>
+        </p:nvPicPr>
+        <p:blipFill>
+          <a:blip r:embed="rId2"/>
+          <a:stretch>
+            <a:fillRect/>
+          </a:stretch>
+        </p:blipFill>
+        <p:spPr>
+          <a:xfrm>
+            <a:off x="7951702" y="2387169"/>
+            <a:ext cx="1655807" cy="705924"/>
+          </a:xfrm>
+          <a:prstGeom prst="rect">
+            <a:avLst/>
+          </a:prstGeom>
+        </p:spPr>
+      </p:pic>
+      <p:sp>
+        <p:nvSpPr>
+          <p:cNvPr id="76" name="Rounded Rectangle 75"/>
+          <p:cNvSpPr/>
+          <p:nvPr/>
+        </p:nvSpPr>
+        <p:spPr>
+          <a:xfrm>
+            <a:off x="8048943" y="814243"/>
+            <a:ext cx="1441656" cy="1514439"/>
+          </a:xfrm>
+          <a:prstGeom prst="rect">
+            <a:avLst/>
+          </a:prstGeom>
+          <a:solidFill>
+            <a:schemeClr val="accent2">
+              <a:lumMod val="75000"/>
+            </a:schemeClr>
+          </a:solidFill>
+          <a:ln w="76200">
+            <a:solidFill>
+              <a:schemeClr val="accent2">
+                <a:lumMod val="50000"/>
+              </a:schemeClr>
+            </a:solidFill>
+          </a:ln>
+        </p:spPr>
+        <p:style>
+          <a:lnRef idx="2">
+            <a:schemeClr val="accent1">
+              <a:shade val="50000"/>
+            </a:schemeClr>
+          </a:lnRef>
+          <a:fillRef idx="1">
+            <a:schemeClr val="accent1"/>
+          </a:fillRef>
+          <a:effectRef idx="0">
+            <a:schemeClr val="accent1"/>
+          </a:effectRef>
+          <a:fontRef idx="minor">
+            <a:schemeClr val="lt1"/>
+          </a:fontRef>
+        </p:style>
+        <p:txBody>
+          <a:bodyPr rtlCol="0" anchor="ctr"/>
+          <a:lstStyle/>
+          <a:p>
+            <a:pPr algn="ctr"/>
+            <a:r>
+              <a:rPr lang="en-US" sz="2000" b="1" dirty="0"/>
+              <a:t>Instance</a:t>
+            </a:r>
+            <a:endParaRPr lang="de-DE" sz="2000" b="1" dirty="0"/>
+          </a:p>
+        </p:txBody>
+      </p:sp>
+      <p:grpSp>
+        <p:nvGrpSpPr>
+          <p:cNvPr id="52" name="Group 51"/>
+          <p:cNvGrpSpPr/>
+          <p:nvPr/>
+        </p:nvGrpSpPr>
+        <p:grpSpPr>
+          <a:xfrm>
+            <a:off x="9778364" y="1238207"/>
+            <a:ext cx="1381738" cy="673166"/>
+            <a:chOff x="2334271" y="318043"/>
+            <a:chExt cx="1457473" cy="673166"/>
+          </a:xfrm>
+        </p:grpSpPr>
+        <p:cxnSp>
+          <p:nvCxnSpPr>
+            <p:cNvPr id="63" name="Straight Arrow Connector 62"/>
+            <p:cNvCxnSpPr/>
+            <p:nvPr/>
+          </p:nvCxnSpPr>
+          <p:spPr>
+            <a:xfrm flipV="1">
+              <a:off x="2346123" y="980728"/>
+              <a:ext cx="1445621" cy="10481"/>
+            </a:xfrm>
+            <a:prstGeom prst="straightConnector1">
+              <a:avLst/>
+            </a:prstGeom>
+            <a:ln w="142875">
+              <a:solidFill>
+                <a:schemeClr val="tx1">
+                  <a:lumMod val="50000"/>
+                  <a:lumOff val="50000"/>
+                </a:schemeClr>
+              </a:solidFill>
+              <a:tailEnd type="triangle"/>
+            </a:ln>
+          </p:spPr>
+          <p:style>
+            <a:lnRef idx="1">
+              <a:schemeClr val="accent1"/>
+            </a:lnRef>
+            <a:fillRef idx="0">
+              <a:schemeClr val="accent1"/>
+            </a:fillRef>
+            <a:effectRef idx="0">
+              <a:schemeClr val="accent1"/>
+            </a:effectRef>
+            <a:fontRef idx="minor">
+              <a:schemeClr val="tx1"/>
+            </a:fontRef>
+          </p:style>
+        </p:cxnSp>
+        <p:sp>
+          <p:nvSpPr>
+            <p:cNvPr id="64" name="TextBox 63"/>
+            <p:cNvSpPr txBox="1"/>
+            <p:nvPr/>
+          </p:nvSpPr>
+          <p:spPr>
+            <a:xfrm>
+              <a:off x="2334271" y="318043"/>
+              <a:ext cx="1408522" cy="523220"/>
+            </a:xfrm>
+            <a:prstGeom prst="rect">
+              <a:avLst/>
+            </a:prstGeom>
+            <a:noFill/>
+          </p:spPr>
+          <p:txBody>
+            <a:bodyPr wrap="square" rtlCol="0">
+              <a:spAutoFit/>
+            </a:bodyPr>
+            <a:lstStyle/>
+            <a:p>
+              <a:pPr algn="ctr"/>
+              <a:r>
+                <a:rPr lang="en-US" sz="2800" b="1" dirty="0"/>
+                <a:t>open</a:t>
+              </a:r>
+              <a:endParaRPr lang="de-DE" sz="2800" b="1" dirty="0"/>
+            </a:p>
+          </p:txBody>
+        </p:sp>
+      </p:grpSp>
+      <p:pic>
+        <p:nvPicPr>
+          <p:cNvPr id="3" name="Picture 2"/>
+          <p:cNvPicPr>
+            <a:picLocks noChangeAspect="1"/>
+          </p:cNvPicPr>
+          <p:nvPr/>
+        </p:nvPicPr>
+        <p:blipFill>
+          <a:blip r:embed="rId3">
+            <a:extLst>
+              <a:ext uri="{28A0092B-C50C-407E-A947-70E740481C1C}">
+                <a14:useLocalDpi xmlns:a14="http://schemas.microsoft.com/office/drawing/2010/main" val="0"/>
+              </a:ext>
+            </a:extLst>
+          </a:blip>
+          <a:stretch>
+            <a:fillRect/>
+          </a:stretch>
+        </p:blipFill>
+        <p:spPr>
+          <a:xfrm>
+            <a:off x="11297689" y="1043141"/>
+            <a:ext cx="2294064" cy="1436808"/>
+          </a:xfrm>
+          <a:prstGeom prst="rect">
+            <a:avLst/>
+          </a:prstGeom>
+        </p:spPr>
+      </p:pic>
+      <p:pic>
+        <p:nvPicPr>
+          <p:cNvPr id="1026" name="Picture 2" descr="Console showing log4J logs"/>
+          <p:cNvPicPr>
+            <a:picLocks noChangeAspect="1" noChangeArrowheads="1"/>
+          </p:cNvPicPr>
+          <p:nvPr/>
+        </p:nvPicPr>
+        <p:blipFill>
+          <a:blip r:embed="rId4">
+            <a:extLst>
+              <a:ext uri="{28A0092B-C50C-407E-A947-70E740481C1C}">
+                <a14:useLocalDpi xmlns:a14="http://schemas.microsoft.com/office/drawing/2010/main" val="0"/>
+              </a:ext>
+            </a:extLst>
+          </a:blip>
+          <a:srcRect/>
+          <a:stretch>
+            <a:fillRect/>
+          </a:stretch>
+        </p:blipFill>
+        <p:spPr bwMode="auto">
+          <a:xfrm>
+            <a:off x="4004236" y="946672"/>
+            <a:ext cx="2241408" cy="1631745"/>
+          </a:xfrm>
+          <a:prstGeom prst="rect">
+            <a:avLst/>
+          </a:prstGeom>
+          <a:noFill/>
+          <a:extLst>
+            <a:ext uri="{909E8E84-426E-40DD-AFC4-6F175D3DCCD1}">
+              <a14:hiddenFill xmlns:a14="http://schemas.microsoft.com/office/drawing/2010/main">
+                <a:solidFill>
+                  <a:srgbClr val="FFFFFF"/>
+                </a:solidFill>
+              </a14:hiddenFill>
+            </a:ext>
+          </a:extLst>
+        </p:spPr>
+      </p:pic>
+      <p:pic>
+        <p:nvPicPr>
+          <p:cNvPr id="61" name="Picture 60"/>
+          <p:cNvPicPr>
+            <a:picLocks noChangeAspect="1"/>
+          </p:cNvPicPr>
+          <p:nvPr/>
+        </p:nvPicPr>
+        <p:blipFill>
+          <a:blip r:embed="rId2"/>
+          <a:stretch>
+            <a:fillRect/>
+          </a:stretch>
+        </p:blipFill>
+        <p:spPr>
+          <a:xfrm>
+            <a:off x="591194" y="2366574"/>
+            <a:ext cx="1655807" cy="705924"/>
+          </a:xfrm>
+          <a:prstGeom prst="rect">
+            <a:avLst/>
+          </a:prstGeom>
+        </p:spPr>
+      </p:pic>
+      <p:sp>
+        <p:nvSpPr>
+          <p:cNvPr id="62" name="Rounded Rectangle 75"/>
+          <p:cNvSpPr/>
+          <p:nvPr/>
+        </p:nvSpPr>
+        <p:spPr>
+          <a:xfrm>
+            <a:off x="688435" y="793648"/>
+            <a:ext cx="1441656" cy="1514439"/>
+          </a:xfrm>
+          <a:prstGeom prst="rect">
+            <a:avLst/>
+          </a:prstGeom>
+          <a:solidFill>
+            <a:schemeClr val="accent2">
+              <a:lumMod val="75000"/>
+            </a:schemeClr>
+          </a:solidFill>
+          <a:ln w="76200">
+            <a:solidFill>
+              <a:schemeClr val="accent2">
+                <a:lumMod val="50000"/>
+              </a:schemeClr>
+            </a:solidFill>
+          </a:ln>
+        </p:spPr>
+        <p:style>
+          <a:lnRef idx="2">
+            <a:schemeClr val="accent1">
+              <a:shade val="50000"/>
+            </a:schemeClr>
+          </a:lnRef>
+          <a:fillRef idx="1">
+            <a:schemeClr val="accent1"/>
+          </a:fillRef>
+          <a:effectRef idx="0">
+            <a:schemeClr val="accent1"/>
+          </a:effectRef>
+          <a:fontRef idx="minor">
+            <a:schemeClr val="lt1"/>
+          </a:fontRef>
+        </p:style>
+        <p:txBody>
+          <a:bodyPr rtlCol="0" anchor="ctr"/>
+          <a:lstStyle/>
+          <a:p>
+            <a:pPr algn="ctr"/>
+            <a:r>
+              <a:rPr lang="en-US" sz="2000" b="1" dirty="0"/>
+              <a:t>Instance</a:t>
+            </a:r>
+            <a:endParaRPr lang="de-DE" sz="2000" b="1" dirty="0"/>
+          </a:p>
+        </p:txBody>
+      </p:sp>
+      <p:grpSp>
+        <p:nvGrpSpPr>
+          <p:cNvPr id="66" name="Group 65"/>
+          <p:cNvGrpSpPr/>
+          <p:nvPr/>
+        </p:nvGrpSpPr>
+        <p:grpSpPr>
+          <a:xfrm>
+            <a:off x="2417856" y="1217612"/>
+            <a:ext cx="1381738" cy="673166"/>
+            <a:chOff x="2334271" y="318043"/>
+            <a:chExt cx="1457473" cy="673166"/>
+          </a:xfrm>
+        </p:grpSpPr>
+        <p:cxnSp>
+          <p:nvCxnSpPr>
+            <p:cNvPr id="68" name="Straight Arrow Connector 67"/>
+            <p:cNvCxnSpPr/>
+            <p:nvPr/>
+          </p:nvCxnSpPr>
+          <p:spPr>
+            <a:xfrm flipV="1">
+              <a:off x="2346123" y="980728"/>
+              <a:ext cx="1445621" cy="10481"/>
+            </a:xfrm>
+            <a:prstGeom prst="straightConnector1">
+              <a:avLst/>
+            </a:prstGeom>
+            <a:ln w="142875">
+              <a:solidFill>
+                <a:schemeClr val="tx1">
+                  <a:lumMod val="50000"/>
+                  <a:lumOff val="50000"/>
+                </a:schemeClr>
+              </a:solidFill>
+              <a:tailEnd type="triangle"/>
+            </a:ln>
+          </p:spPr>
+          <p:style>
+            <a:lnRef idx="1">
+              <a:schemeClr val="accent1"/>
+            </a:lnRef>
+            <a:fillRef idx="0">
+              <a:schemeClr val="accent1"/>
+            </a:fillRef>
+            <a:effectRef idx="0">
+              <a:schemeClr val="accent1"/>
+            </a:effectRef>
+            <a:fontRef idx="minor">
+              <a:schemeClr val="tx1"/>
+            </a:fontRef>
+          </p:style>
+        </p:cxnSp>
+        <p:sp>
+          <p:nvSpPr>
+            <p:cNvPr id="80" name="TextBox 79"/>
+            <p:cNvSpPr txBox="1"/>
+            <p:nvPr/>
+          </p:nvSpPr>
+          <p:spPr>
+            <a:xfrm>
+              <a:off x="2334271" y="318043"/>
+              <a:ext cx="1408522" cy="523220"/>
+            </a:xfrm>
+            <a:prstGeom prst="rect">
+              <a:avLst/>
+            </a:prstGeom>
+            <a:noFill/>
+          </p:spPr>
+          <p:txBody>
+            <a:bodyPr wrap="square" rtlCol="0">
+              <a:spAutoFit/>
+            </a:bodyPr>
+            <a:lstStyle/>
+            <a:p>
+              <a:pPr algn="ctr"/>
+              <a:r>
+                <a:rPr lang="en-US" sz="2800" b="1" dirty="0" smtClean="0"/>
+                <a:t>logs</a:t>
+              </a:r>
+              <a:endParaRPr lang="de-DE" sz="2800" b="1" dirty="0"/>
+            </a:p>
+          </p:txBody>
+        </p:sp>
+      </p:grpSp>
+    </p:spTree>
+    <p:extLst>
+      <p:ext uri="{BB962C8B-B14F-4D97-AF65-F5344CB8AC3E}">
+        <p14:creationId xmlns:p14="http://schemas.microsoft.com/office/powerpoint/2010/main" val="2448315037"/>
+      </p:ext>
+    </p:extLst>
+  </p:cSld>
+  <p:clrMapOvr>
+    <a:masterClrMapping/>
+  </p:clrMapOvr>
+  <p:timing>
+    <p:tnLst>
+      <p:par>
+        <p:cTn id="1" dur="indefinite" restart="never" nodeType="tmRoot"/>
+      </p:par>
+    </p:tnLst>
+  </p:timing>
+</p:sld>
+</file>
+
+<file path=ppt/slides/slide13.xml><?xml version="1.0" encoding="utf-8"?>
+<p:sld xmlns:a="http://schemas.openxmlformats.org/drawingml/2006/main" xmlns:r="http://schemas.openxmlformats.org/officeDocument/2006/relationships" xmlns:p="http://schemas.openxmlformats.org/presentationml/2006/main">
+  <p:cSld>
+    <p:spTree>
+      <p:nvGrpSpPr>
+        <p:cNvPr id="1" name=""/>
+        <p:cNvGrpSpPr/>
+        <p:nvPr/>
+      </p:nvGrpSpPr>
+      <p:grpSpPr>
+        <a:xfrm>
+          <a:off x="0" y="0"/>
+          <a:ext cx="0" cy="0"/>
+          <a:chOff x="0" y="0"/>
+          <a:chExt cx="0" cy="0"/>
+        </a:xfrm>
+      </p:grpSpPr>
+      <p:grpSp>
+        <p:nvGrpSpPr>
+          <p:cNvPr id="82" name="Group 81"/>
+          <p:cNvGrpSpPr/>
+          <p:nvPr/>
+        </p:nvGrpSpPr>
+        <p:grpSpPr>
+          <a:xfrm>
+            <a:off x="2051222" y="509089"/>
+            <a:ext cx="1878227" cy="673166"/>
+            <a:chOff x="2334271" y="318043"/>
+            <a:chExt cx="1457473" cy="673166"/>
+          </a:xfrm>
+        </p:grpSpPr>
+        <p:cxnSp>
+          <p:nvCxnSpPr>
+            <p:cNvPr id="83" name="Straight Arrow Connector 82"/>
+            <p:cNvCxnSpPr/>
+            <p:nvPr/>
+          </p:nvCxnSpPr>
+          <p:spPr>
+            <a:xfrm flipV="1">
+              <a:off x="2346123" y="980728"/>
+              <a:ext cx="1445621" cy="10481"/>
+            </a:xfrm>
+            <a:prstGeom prst="straightConnector1">
+              <a:avLst/>
+            </a:prstGeom>
+            <a:ln w="142875">
+              <a:solidFill>
+                <a:schemeClr val="tx1">
+                  <a:lumMod val="50000"/>
+                  <a:lumOff val="50000"/>
+                </a:schemeClr>
+              </a:solidFill>
+              <a:tailEnd type="triangle"/>
+            </a:ln>
+          </p:spPr>
+          <p:style>
+            <a:lnRef idx="1">
+              <a:schemeClr val="accent1"/>
+            </a:lnRef>
+            <a:fillRef idx="0">
+              <a:schemeClr val="accent1"/>
+            </a:fillRef>
+            <a:effectRef idx="0">
+              <a:schemeClr val="accent1"/>
+            </a:effectRef>
+            <a:fontRef idx="minor">
+              <a:schemeClr val="tx1"/>
+            </a:fontRef>
+          </p:style>
+        </p:cxnSp>
+        <p:sp>
+          <p:nvSpPr>
+            <p:cNvPr id="84" name="TextBox 83"/>
+            <p:cNvSpPr txBox="1"/>
+            <p:nvPr/>
+          </p:nvSpPr>
+          <p:spPr>
+            <a:xfrm>
+              <a:off x="2334271" y="318043"/>
+              <a:ext cx="1408522" cy="523220"/>
+            </a:xfrm>
+            <a:prstGeom prst="rect">
+              <a:avLst/>
+            </a:prstGeom>
+            <a:noFill/>
+          </p:spPr>
+          <p:txBody>
+            <a:bodyPr wrap="square" rtlCol="0">
+              <a:spAutoFit/>
+            </a:bodyPr>
+            <a:lstStyle/>
+            <a:p>
+              <a:pPr algn="ctr"/>
+              <a:endParaRPr lang="de-DE" sz="2800" b="1" dirty="0"/>
+            </a:p>
+          </p:txBody>
+        </p:sp>
+      </p:grpSp>
+      <p:pic>
+        <p:nvPicPr>
+          <p:cNvPr id="85" name="Picture 2" descr="https://a0.awsstatic.com/main/images/logos/aws_logo.png"/>
+          <p:cNvPicPr>
+            <a:picLocks noChangeAspect="1" noChangeArrowheads="1"/>
+          </p:cNvPicPr>
+          <p:nvPr/>
+        </p:nvPicPr>
+        <p:blipFill>
+          <a:blip r:embed="rId2">
+            <a:extLst>
+              <a:ext uri="{28A0092B-C50C-407E-A947-70E740481C1C}">
+                <a14:useLocalDpi xmlns:a14="http://schemas.microsoft.com/office/drawing/2010/main" val="0"/>
+              </a:ext>
+            </a:extLst>
+          </a:blip>
+          <a:srcRect/>
+          <a:stretch>
+            <a:fillRect/>
+          </a:stretch>
+        </p:blipFill>
+        <p:spPr bwMode="auto">
+          <a:xfrm>
+            <a:off x="11353758" y="6017712"/>
+            <a:ext cx="2220092" cy="838701"/>
+          </a:xfrm>
+          <a:prstGeom prst="rect">
+            <a:avLst/>
+          </a:prstGeom>
+          <a:noFill/>
+          <a:extLst>
+            <a:ext uri="{909E8E84-426E-40DD-AFC4-6F175D3DCCD1}">
+              <a14:hiddenFill xmlns:a14="http://schemas.microsoft.com/office/drawing/2010/main">
+                <a:solidFill>
+                  <a:srgbClr val="FFFFFF"/>
+                </a:solidFill>
+              </a14:hiddenFill>
+            </a:ext>
+          </a:extLst>
+        </p:spPr>
+      </p:pic>
+      <p:sp>
+        <p:nvSpPr>
+          <p:cNvPr id="16" name="Rectangle 15"/>
+          <p:cNvSpPr/>
+          <p:nvPr/>
+        </p:nvSpPr>
+        <p:spPr>
+          <a:xfrm>
+            <a:off x="7926012" y="5317103"/>
+            <a:ext cx="2791326" cy="2215991"/>
+          </a:xfrm>
+          <a:prstGeom prst="rect">
+            <a:avLst/>
+          </a:prstGeom>
+        </p:spPr>
+        <p:txBody>
+          <a:bodyPr wrap="square">
+            <a:spAutoFit/>
+          </a:bodyPr>
+          <a:lstStyle/>
+          <a:p>
+            <a:r>
+              <a:rPr lang="de-DE" sz="13800" dirty="0">
+                <a:solidFill>
+                  <a:schemeClr val="tx2">
+                    <a:lumMod val="60000"/>
+                    <a:lumOff val="40000"/>
+                  </a:schemeClr>
+                </a:solidFill>
+                <a:latin typeface="FontAwesome" pitchFamily="2" charset="0"/>
+              </a:rPr>
+              <a:t></a:t>
+            </a:r>
+            <a:endParaRPr lang="de-DE" sz="2400" dirty="0">
+              <a:latin typeface="FontAwesome" pitchFamily="2" charset="0"/>
+            </a:endParaRPr>
+          </a:p>
+        </p:txBody>
+      </p:sp>
+      <p:sp>
+        <p:nvSpPr>
+          <p:cNvPr id="17" name="Rectangle 16"/>
+          <p:cNvSpPr/>
+          <p:nvPr/>
+        </p:nvSpPr>
+        <p:spPr>
+          <a:xfrm>
+            <a:off x="8428894" y="5748821"/>
+            <a:ext cx="1050288" cy="1708160"/>
+          </a:xfrm>
+          <a:prstGeom prst="rect">
+            <a:avLst/>
+          </a:prstGeom>
+        </p:spPr>
+        <p:txBody>
+          <a:bodyPr wrap="none">
+            <a:spAutoFit/>
+          </a:bodyPr>
+          <a:lstStyle/>
+          <a:p>
+            <a:r>
+              <a:rPr lang="de-DE" sz="10500" dirty="0">
+                <a:solidFill>
+                  <a:schemeClr val="tx2"/>
+                </a:solidFill>
+                <a:latin typeface="FontAwesome" pitchFamily="2" charset="0"/>
+              </a:rPr>
+              <a:t></a:t>
+            </a:r>
+            <a:endParaRPr lang="de-DE" sz="10500" dirty="0">
+              <a:solidFill>
+                <a:schemeClr val="tx2"/>
+              </a:solidFill>
+            </a:endParaRPr>
+          </a:p>
+        </p:txBody>
+      </p:sp>
+      <p:sp>
+        <p:nvSpPr>
+          <p:cNvPr id="86" name="TextBox 85"/>
+          <p:cNvSpPr txBox="1"/>
+          <p:nvPr/>
+        </p:nvSpPr>
+        <p:spPr>
+          <a:xfrm>
+            <a:off x="7477384" y="6548681"/>
+            <a:ext cx="2953724" cy="400110"/>
+          </a:xfrm>
+          <a:prstGeom prst="rect">
+            <a:avLst/>
+          </a:prstGeom>
+          <a:noFill/>
+        </p:spPr>
+        <p:txBody>
+          <a:bodyPr wrap="square" rtlCol="0">
+            <a:spAutoFit/>
+          </a:bodyPr>
+          <a:lstStyle/>
+          <a:p>
+            <a:pPr algn="ctr"/>
+            <a:r>
+              <a:rPr lang="en-US" sz="2000" b="1" dirty="0" err="1">
+                <a:solidFill>
+                  <a:schemeClr val="bg1"/>
+                </a:solidFill>
+              </a:rPr>
+              <a:t>Boxfuse</a:t>
+            </a:r>
+            <a:r>
+              <a:rPr lang="en-US" sz="2000" b="1" dirty="0">
+                <a:solidFill>
+                  <a:schemeClr val="bg1"/>
+                </a:solidFill>
+              </a:rPr>
+              <a:t> Vault</a:t>
+            </a:r>
+            <a:endParaRPr lang="de-DE" sz="2000" b="1" dirty="0">
+              <a:solidFill>
+                <a:schemeClr val="bg1"/>
+              </a:solidFill>
+            </a:endParaRPr>
+          </a:p>
+        </p:txBody>
+      </p:sp>
+      <p:sp>
+        <p:nvSpPr>
+          <p:cNvPr id="90" name="TextBox 89"/>
+          <p:cNvSpPr txBox="1"/>
+          <p:nvPr/>
+        </p:nvSpPr>
+        <p:spPr>
+          <a:xfrm rot="33828">
+            <a:off x="2287825" y="599924"/>
+            <a:ext cx="1335331" cy="523220"/>
+          </a:xfrm>
+          <a:prstGeom prst="rect">
+            <a:avLst/>
+          </a:prstGeom>
+          <a:noFill/>
+        </p:spPr>
+        <p:txBody>
+          <a:bodyPr wrap="square" rtlCol="0">
+            <a:spAutoFit/>
+          </a:bodyPr>
+          <a:lstStyle/>
+          <a:p>
+            <a:pPr algn="ctr"/>
+            <a:r>
+              <a:rPr lang="en-US" sz="2800" b="1" dirty="0"/>
+              <a:t>push</a:t>
+            </a:r>
+            <a:endParaRPr lang="de-DE" sz="2800" b="1" dirty="0"/>
+          </a:p>
+        </p:txBody>
+      </p:sp>
+      <p:sp>
+        <p:nvSpPr>
+          <p:cNvPr id="92" name="TextBox 91"/>
+          <p:cNvSpPr txBox="1"/>
+          <p:nvPr/>
+        </p:nvSpPr>
+        <p:spPr>
+          <a:xfrm>
+            <a:off x="9875090" y="5841357"/>
+            <a:ext cx="1335331" cy="523220"/>
+          </a:xfrm>
+          <a:prstGeom prst="rect">
+            <a:avLst/>
+          </a:prstGeom>
+          <a:noFill/>
+        </p:spPr>
+        <p:txBody>
+          <a:bodyPr wrap="square" rtlCol="0">
+            <a:spAutoFit/>
+          </a:bodyPr>
+          <a:lstStyle/>
+          <a:p>
+            <a:pPr algn="ctr"/>
+            <a:r>
+              <a:rPr lang="en-US" sz="2800" b="1" dirty="0"/>
+              <a:t>deploy</a:t>
+            </a:r>
+            <a:endParaRPr lang="de-DE" sz="2800" b="1" dirty="0"/>
+          </a:p>
+        </p:txBody>
+      </p:sp>
+      <p:cxnSp>
+        <p:nvCxnSpPr>
+          <p:cNvPr id="94" name="Straight Arrow Connector 93"/>
+          <p:cNvCxnSpPr/>
+          <p:nvPr/>
+        </p:nvCxnSpPr>
+        <p:spPr>
+          <a:xfrm flipV="1">
+            <a:off x="9917937" y="6529041"/>
+            <a:ext cx="1370502" cy="10481"/>
+          </a:xfrm>
+          <a:prstGeom prst="straightConnector1">
+            <a:avLst/>
+          </a:prstGeom>
+          <a:ln w="142875">
+            <a:solidFill>
+              <a:schemeClr val="tx1">
+                <a:lumMod val="50000"/>
+                <a:lumOff val="50000"/>
+              </a:schemeClr>
+            </a:solidFill>
+            <a:tailEnd type="triangle"/>
+          </a:ln>
+        </p:spPr>
+        <p:style>
+          <a:lnRef idx="1">
+            <a:schemeClr val="accent1"/>
+          </a:lnRef>
+          <a:fillRef idx="0">
+            <a:schemeClr val="accent1"/>
+          </a:fillRef>
+          <a:effectRef idx="0">
+            <a:schemeClr val="accent1"/>
+          </a:effectRef>
+          <a:fontRef idx="minor">
+            <a:schemeClr val="tx1"/>
+          </a:fontRef>
+        </p:style>
+      </p:cxnSp>
+      <p:sp>
+        <p:nvSpPr>
+          <p:cNvPr id="61" name="Rounded Rectangle 25"/>
+          <p:cNvSpPr/>
+          <p:nvPr/>
+        </p:nvSpPr>
+        <p:spPr>
+          <a:xfrm>
+            <a:off x="292637" y="341372"/>
+            <a:ext cx="1610387" cy="1610382"/>
+          </a:xfrm>
+          <a:prstGeom prst="ellipse">
+            <a:avLst/>
+          </a:prstGeom>
+          <a:solidFill>
+            <a:schemeClr val="accent1">
+              <a:lumMod val="75000"/>
+            </a:schemeClr>
+          </a:solidFill>
+          <a:ln w="76200">
+            <a:solidFill>
+              <a:schemeClr val="accent1">
+                <a:lumMod val="50000"/>
+              </a:schemeClr>
+            </a:solidFill>
+          </a:ln>
+        </p:spPr>
+        <p:style>
+          <a:lnRef idx="2">
+            <a:schemeClr val="accent1">
+              <a:shade val="50000"/>
+            </a:schemeClr>
+          </a:lnRef>
+          <a:fillRef idx="1">
+            <a:schemeClr val="accent1"/>
+          </a:fillRef>
+          <a:effectRef idx="0">
+            <a:schemeClr val="accent1"/>
+          </a:effectRef>
+          <a:fontRef idx="minor">
+            <a:schemeClr val="lt1"/>
+          </a:fontRef>
+        </p:style>
+        <p:txBody>
+          <a:bodyPr rtlCol="0" anchor="ctr"/>
+          <a:lstStyle/>
+          <a:p>
+            <a:pPr algn="ctr"/>
+            <a:r>
+              <a:rPr lang="en-US" sz="2000" b="1" dirty="0"/>
+              <a:t>Image</a:t>
+            </a:r>
+            <a:endParaRPr lang="de-DE" sz="2000" b="1" dirty="0"/>
+          </a:p>
+        </p:txBody>
+      </p:sp>
+      <p:sp>
+        <p:nvSpPr>
+          <p:cNvPr id="62" name="Rectangle 61"/>
+          <p:cNvSpPr/>
+          <p:nvPr/>
+        </p:nvSpPr>
+        <p:spPr>
+          <a:xfrm>
+            <a:off x="3901828" y="-91038"/>
+            <a:ext cx="2791326" cy="2215991"/>
+          </a:xfrm>
+          <a:prstGeom prst="rect">
+            <a:avLst/>
+          </a:prstGeom>
+        </p:spPr>
+        <p:txBody>
+          <a:bodyPr wrap="square">
+            <a:spAutoFit/>
+          </a:bodyPr>
+          <a:lstStyle/>
+          <a:p>
+            <a:r>
+              <a:rPr lang="de-DE" sz="13800" dirty="0">
+                <a:solidFill>
+                  <a:schemeClr val="tx2">
+                    <a:lumMod val="60000"/>
+                    <a:lumOff val="40000"/>
+                  </a:schemeClr>
+                </a:solidFill>
+                <a:latin typeface="FontAwesome" pitchFamily="2" charset="0"/>
+              </a:rPr>
+              <a:t></a:t>
+            </a:r>
+            <a:endParaRPr lang="de-DE" sz="2400" dirty="0">
+              <a:latin typeface="FontAwesome" pitchFamily="2" charset="0"/>
+            </a:endParaRPr>
+          </a:p>
+        </p:txBody>
+      </p:sp>
+      <p:sp>
+        <p:nvSpPr>
+          <p:cNvPr id="66" name="Rectangle 65"/>
+          <p:cNvSpPr/>
+          <p:nvPr/>
+        </p:nvSpPr>
+        <p:spPr>
+          <a:xfrm>
+            <a:off x="4404710" y="340680"/>
+            <a:ext cx="1050288" cy="1708160"/>
+          </a:xfrm>
+          <a:prstGeom prst="rect">
+            <a:avLst/>
+          </a:prstGeom>
+        </p:spPr>
+        <p:txBody>
+          <a:bodyPr wrap="none">
+            <a:spAutoFit/>
+          </a:bodyPr>
+          <a:lstStyle/>
+          <a:p>
+            <a:r>
+              <a:rPr lang="de-DE" sz="10500" dirty="0">
+                <a:solidFill>
+                  <a:schemeClr val="tx2"/>
+                </a:solidFill>
+                <a:latin typeface="FontAwesome" pitchFamily="2" charset="0"/>
+              </a:rPr>
+              <a:t></a:t>
+            </a:r>
+            <a:endParaRPr lang="de-DE" sz="10500" dirty="0">
+              <a:solidFill>
+                <a:schemeClr val="tx2"/>
+              </a:solidFill>
+            </a:endParaRPr>
+          </a:p>
+        </p:txBody>
+      </p:sp>
+      <p:sp>
+        <p:nvSpPr>
+          <p:cNvPr id="68" name="TextBox 67"/>
+          <p:cNvSpPr txBox="1"/>
+          <p:nvPr/>
+        </p:nvSpPr>
+        <p:spPr>
+          <a:xfrm>
+            <a:off x="3453200" y="1140540"/>
+            <a:ext cx="2953724" cy="400110"/>
+          </a:xfrm>
+          <a:prstGeom prst="rect">
+            <a:avLst/>
+          </a:prstGeom>
+          <a:noFill/>
+        </p:spPr>
+        <p:txBody>
+          <a:bodyPr wrap="square" rtlCol="0">
+            <a:spAutoFit/>
+          </a:bodyPr>
+          <a:lstStyle/>
+          <a:p>
+            <a:pPr algn="ctr"/>
+            <a:r>
+              <a:rPr lang="en-US" sz="2000" b="1" dirty="0" err="1">
+                <a:solidFill>
+                  <a:schemeClr val="bg1"/>
+                </a:solidFill>
+              </a:rPr>
+              <a:t>Boxfuse</a:t>
+            </a:r>
+            <a:r>
+              <a:rPr lang="en-US" sz="2000" b="1" dirty="0">
+                <a:solidFill>
+                  <a:schemeClr val="bg1"/>
+                </a:solidFill>
+              </a:rPr>
+              <a:t> Vault</a:t>
+            </a:r>
+            <a:endParaRPr lang="de-DE" sz="2000" b="1" dirty="0">
+              <a:solidFill>
+                <a:schemeClr val="bg1"/>
+              </a:solidFill>
+            </a:endParaRPr>
+          </a:p>
+        </p:txBody>
+      </p:sp>
+      <p:grpSp>
+        <p:nvGrpSpPr>
+          <p:cNvPr id="101" name="Group 100"/>
+          <p:cNvGrpSpPr/>
+          <p:nvPr/>
+        </p:nvGrpSpPr>
+        <p:grpSpPr>
+          <a:xfrm rot="10800000">
+            <a:off x="9271710" y="1650036"/>
+            <a:ext cx="1878227" cy="673166"/>
+            <a:chOff x="2334271" y="318043"/>
+            <a:chExt cx="1457473" cy="673166"/>
+          </a:xfrm>
+        </p:grpSpPr>
+        <p:cxnSp>
+          <p:nvCxnSpPr>
+            <p:cNvPr id="102" name="Straight Arrow Connector 101"/>
+            <p:cNvCxnSpPr/>
+            <p:nvPr/>
+          </p:nvCxnSpPr>
+          <p:spPr>
+            <a:xfrm flipV="1">
+              <a:off x="2346123" y="980728"/>
+              <a:ext cx="1445621" cy="10481"/>
+            </a:xfrm>
+            <a:prstGeom prst="straightConnector1">
+              <a:avLst/>
+            </a:prstGeom>
+            <a:ln w="142875">
+              <a:solidFill>
+                <a:schemeClr val="tx1">
+                  <a:lumMod val="50000"/>
+                  <a:lumOff val="50000"/>
+                </a:schemeClr>
+              </a:solidFill>
+              <a:tailEnd type="triangle"/>
+            </a:ln>
+          </p:spPr>
+          <p:style>
+            <a:lnRef idx="1">
+              <a:schemeClr val="accent1"/>
+            </a:lnRef>
+            <a:fillRef idx="0">
+              <a:schemeClr val="accent1"/>
+            </a:fillRef>
+            <a:effectRef idx="0">
+              <a:schemeClr val="accent1"/>
+            </a:effectRef>
+            <a:fontRef idx="minor">
+              <a:schemeClr val="tx1"/>
+            </a:fontRef>
+          </p:style>
+        </p:cxnSp>
+        <p:sp>
+          <p:nvSpPr>
+            <p:cNvPr id="103" name="TextBox 102"/>
+            <p:cNvSpPr txBox="1"/>
+            <p:nvPr/>
+          </p:nvSpPr>
+          <p:spPr>
+            <a:xfrm>
+              <a:off x="2334271" y="318043"/>
+              <a:ext cx="1408522" cy="523220"/>
+            </a:xfrm>
+            <a:prstGeom prst="rect">
+              <a:avLst/>
+            </a:prstGeom>
+            <a:noFill/>
+          </p:spPr>
+          <p:txBody>
+            <a:bodyPr wrap="square" rtlCol="0">
+              <a:spAutoFit/>
+            </a:bodyPr>
+            <a:lstStyle/>
+            <a:p>
+              <a:pPr algn="ctr"/>
+              <a:endParaRPr lang="de-DE" sz="2800" b="1" dirty="0"/>
+            </a:p>
+          </p:txBody>
+        </p:sp>
+      </p:grpSp>
+      <p:sp>
+        <p:nvSpPr>
+          <p:cNvPr id="104" name="TextBox 103"/>
+          <p:cNvSpPr txBox="1"/>
+          <p:nvPr/>
+        </p:nvSpPr>
+        <p:spPr>
+          <a:xfrm rot="33828">
+            <a:off x="9508313" y="1085958"/>
+            <a:ext cx="1335331" cy="523220"/>
+          </a:xfrm>
+          <a:prstGeom prst="rect">
+            <a:avLst/>
+          </a:prstGeom>
+          <a:noFill/>
+        </p:spPr>
+        <p:txBody>
+          <a:bodyPr wrap="square" rtlCol="0">
+            <a:spAutoFit/>
+          </a:bodyPr>
+          <a:lstStyle/>
+          <a:p>
+            <a:pPr algn="ctr"/>
+            <a:r>
+              <a:rPr lang="en-US" sz="2800" b="1" dirty="0" smtClean="0"/>
+              <a:t>pull</a:t>
+            </a:r>
+            <a:endParaRPr lang="de-DE" sz="2800" b="1" dirty="0"/>
+          </a:p>
+        </p:txBody>
+      </p:sp>
+      <p:sp>
+        <p:nvSpPr>
+          <p:cNvPr id="105" name="Rounded Rectangle 25"/>
+          <p:cNvSpPr/>
+          <p:nvPr/>
+        </p:nvSpPr>
+        <p:spPr>
+          <a:xfrm>
+            <a:off x="7513125" y="827406"/>
+            <a:ext cx="1610387" cy="1610382"/>
+          </a:xfrm>
+          <a:prstGeom prst="ellipse">
+            <a:avLst/>
+          </a:prstGeom>
+          <a:solidFill>
+            <a:schemeClr val="accent1">
+              <a:lumMod val="75000"/>
+            </a:schemeClr>
+          </a:solidFill>
+          <a:ln w="76200">
+            <a:solidFill>
+              <a:schemeClr val="accent1">
+                <a:lumMod val="50000"/>
+              </a:schemeClr>
+            </a:solidFill>
+          </a:ln>
+        </p:spPr>
+        <p:style>
+          <a:lnRef idx="2">
+            <a:schemeClr val="accent1">
+              <a:shade val="50000"/>
+            </a:schemeClr>
+          </a:lnRef>
+          <a:fillRef idx="1">
+            <a:schemeClr val="accent1"/>
+          </a:fillRef>
+          <a:effectRef idx="0">
+            <a:schemeClr val="accent1"/>
+          </a:effectRef>
+          <a:fontRef idx="minor">
+            <a:schemeClr val="lt1"/>
+          </a:fontRef>
+        </p:style>
+        <p:txBody>
+          <a:bodyPr rtlCol="0" anchor="ctr"/>
+          <a:lstStyle/>
+          <a:p>
+            <a:pPr algn="ctr"/>
+            <a:r>
+              <a:rPr lang="en-US" sz="2000" b="1" dirty="0"/>
+              <a:t>Image</a:t>
+            </a:r>
+            <a:endParaRPr lang="de-DE" sz="2000" b="1" dirty="0"/>
+          </a:p>
+        </p:txBody>
+      </p:sp>
+      <p:sp>
+        <p:nvSpPr>
+          <p:cNvPr id="106" name="Rectangle 105"/>
+          <p:cNvSpPr/>
+          <p:nvPr/>
+        </p:nvSpPr>
+        <p:spPr>
+          <a:xfrm>
+            <a:off x="11122316" y="394996"/>
+            <a:ext cx="2791326" cy="2215991"/>
+          </a:xfrm>
+          <a:prstGeom prst="rect">
+            <a:avLst/>
+          </a:prstGeom>
+        </p:spPr>
+        <p:txBody>
+          <a:bodyPr wrap="square">
+            <a:spAutoFit/>
+          </a:bodyPr>
+          <a:lstStyle/>
+          <a:p>
+            <a:r>
+              <a:rPr lang="de-DE" sz="13800" dirty="0">
+                <a:solidFill>
+                  <a:schemeClr val="tx2">
+                    <a:lumMod val="60000"/>
+                    <a:lumOff val="40000"/>
+                  </a:schemeClr>
+                </a:solidFill>
+                <a:latin typeface="FontAwesome" pitchFamily="2" charset="0"/>
+              </a:rPr>
+              <a:t></a:t>
+            </a:r>
+            <a:endParaRPr lang="de-DE" sz="2400" dirty="0">
+              <a:latin typeface="FontAwesome" pitchFamily="2" charset="0"/>
+            </a:endParaRPr>
+          </a:p>
+        </p:txBody>
+      </p:sp>
+      <p:sp>
+        <p:nvSpPr>
+          <p:cNvPr id="107" name="Rectangle 106"/>
+          <p:cNvSpPr/>
+          <p:nvPr/>
+        </p:nvSpPr>
+        <p:spPr>
+          <a:xfrm>
+            <a:off x="11625198" y="826714"/>
+            <a:ext cx="1050288" cy="1708160"/>
+          </a:xfrm>
+          <a:prstGeom prst="rect">
+            <a:avLst/>
+          </a:prstGeom>
+        </p:spPr>
+        <p:txBody>
+          <a:bodyPr wrap="none">
+            <a:spAutoFit/>
+          </a:bodyPr>
+          <a:lstStyle/>
+          <a:p>
+            <a:r>
+              <a:rPr lang="de-DE" sz="10500" dirty="0">
+                <a:solidFill>
+                  <a:schemeClr val="tx2"/>
+                </a:solidFill>
+                <a:latin typeface="FontAwesome" pitchFamily="2" charset="0"/>
+              </a:rPr>
+              <a:t></a:t>
+            </a:r>
+            <a:endParaRPr lang="de-DE" sz="10500" dirty="0">
+              <a:solidFill>
+                <a:schemeClr val="tx2"/>
+              </a:solidFill>
+            </a:endParaRPr>
+          </a:p>
+        </p:txBody>
+      </p:sp>
+      <p:sp>
+        <p:nvSpPr>
+          <p:cNvPr id="108" name="TextBox 107"/>
+          <p:cNvSpPr txBox="1"/>
+          <p:nvPr/>
+        </p:nvSpPr>
+        <p:spPr>
+          <a:xfrm>
+            <a:off x="10673688" y="1626574"/>
+            <a:ext cx="2953724" cy="400110"/>
+          </a:xfrm>
+          <a:prstGeom prst="rect">
+            <a:avLst/>
+          </a:prstGeom>
+          <a:noFill/>
+        </p:spPr>
+        <p:txBody>
+          <a:bodyPr wrap="square" rtlCol="0">
+            <a:spAutoFit/>
+          </a:bodyPr>
+          <a:lstStyle/>
+          <a:p>
+            <a:pPr algn="ctr"/>
+            <a:r>
+              <a:rPr lang="en-US" sz="2000" b="1" dirty="0" err="1">
+                <a:solidFill>
+                  <a:schemeClr val="bg1"/>
+                </a:solidFill>
+              </a:rPr>
+              <a:t>Boxfuse</a:t>
+            </a:r>
+            <a:r>
+              <a:rPr lang="en-US" sz="2000" b="1" dirty="0">
+                <a:solidFill>
+                  <a:schemeClr val="bg1"/>
+                </a:solidFill>
+              </a:rPr>
+              <a:t> Vault</a:t>
+            </a:r>
+            <a:endParaRPr lang="de-DE" sz="2000" b="1" dirty="0">
+              <a:solidFill>
+                <a:schemeClr val="bg1"/>
+              </a:solidFill>
+            </a:endParaRPr>
+          </a:p>
+        </p:txBody>
+      </p:sp>
+    </p:spTree>
+    <p:extLst>
+      <p:ext uri="{BB962C8B-B14F-4D97-AF65-F5344CB8AC3E}">
+        <p14:creationId xmlns:p14="http://schemas.microsoft.com/office/powerpoint/2010/main" val="94253552"/>
       </p:ext>
     </p:extLst>
   </p:cSld>
@@ -9298,15 +12084,8 @@
           <a:p>
             <a:pPr algn="ctr"/>
             <a:r>
-              <a:rPr lang="en-US" sz="2000" b="1" dirty="0"/>
-              <a:t>Bootable</a:t>
-            </a:r>
-            <a:br>
-              <a:rPr lang="en-US" sz="2000" b="1" dirty="0"/>
-            </a:br>
-            <a:r>
-              <a:rPr lang="en-US" sz="2000" b="1" dirty="0"/>
-              <a:t>App</a:t>
+              <a:rPr lang="en-US" sz="2000" b="1" dirty="0" smtClean="0"/>
+              <a:t>Image</a:t>
             </a:r>
             <a:endParaRPr lang="de-DE" sz="2000" b="1" dirty="0"/>
           </a:p>

--- a/_sources/GettingStarted.pptx
+++ b/_sources/GettingStarted.pptx
@@ -255,7 +255,7 @@
           <a:p>
             <a:fld id="{9AA7D095-A676-4F6B-9416-D65D798F5244}" type="datetimeFigureOut">
               <a:rPr lang="de-DE" smtClean="0"/>
-              <a:t>03.03.2015</a:t>
+              <a:t>24.03.2015</a:t>
             </a:fld>
             <a:endParaRPr lang="de-DE"/>
           </a:p>
@@ -425,7 +425,7 @@
           <a:p>
             <a:fld id="{9AA7D095-A676-4F6B-9416-D65D798F5244}" type="datetimeFigureOut">
               <a:rPr lang="de-DE" smtClean="0"/>
-              <a:t>03.03.2015</a:t>
+              <a:t>24.03.2015</a:t>
             </a:fld>
             <a:endParaRPr lang="de-DE"/>
           </a:p>
@@ -605,7 +605,7 @@
           <a:p>
             <a:fld id="{9AA7D095-A676-4F6B-9416-D65D798F5244}" type="datetimeFigureOut">
               <a:rPr lang="de-DE" smtClean="0"/>
-              <a:t>03.03.2015</a:t>
+              <a:t>24.03.2015</a:t>
             </a:fld>
             <a:endParaRPr lang="de-DE"/>
           </a:p>
@@ -775,7 +775,7 @@
           <a:p>
             <a:fld id="{9AA7D095-A676-4F6B-9416-D65D798F5244}" type="datetimeFigureOut">
               <a:rPr lang="de-DE" smtClean="0"/>
-              <a:t>03.03.2015</a:t>
+              <a:t>24.03.2015</a:t>
             </a:fld>
             <a:endParaRPr lang="de-DE"/>
           </a:p>
@@ -1021,7 +1021,7 @@
           <a:p>
             <a:fld id="{9AA7D095-A676-4F6B-9416-D65D798F5244}" type="datetimeFigureOut">
               <a:rPr lang="de-DE" smtClean="0"/>
-              <a:t>03.03.2015</a:t>
+              <a:t>24.03.2015</a:t>
             </a:fld>
             <a:endParaRPr lang="de-DE"/>
           </a:p>
@@ -1253,7 +1253,7 @@
           <a:p>
             <a:fld id="{9AA7D095-A676-4F6B-9416-D65D798F5244}" type="datetimeFigureOut">
               <a:rPr lang="de-DE" smtClean="0"/>
-              <a:t>03.03.2015</a:t>
+              <a:t>24.03.2015</a:t>
             </a:fld>
             <a:endParaRPr lang="de-DE"/>
           </a:p>
@@ -1620,7 +1620,7 @@
           <a:p>
             <a:fld id="{9AA7D095-A676-4F6B-9416-D65D798F5244}" type="datetimeFigureOut">
               <a:rPr lang="de-DE" smtClean="0"/>
-              <a:t>03.03.2015</a:t>
+              <a:t>24.03.2015</a:t>
             </a:fld>
             <a:endParaRPr lang="de-DE"/>
           </a:p>
@@ -1738,7 +1738,7 @@
           <a:p>
             <a:fld id="{9AA7D095-A676-4F6B-9416-D65D798F5244}" type="datetimeFigureOut">
               <a:rPr lang="de-DE" smtClean="0"/>
-              <a:t>03.03.2015</a:t>
+              <a:t>24.03.2015</a:t>
             </a:fld>
             <a:endParaRPr lang="de-DE"/>
           </a:p>
@@ -1833,7 +1833,7 @@
           <a:p>
             <a:fld id="{9AA7D095-A676-4F6B-9416-D65D798F5244}" type="datetimeFigureOut">
               <a:rPr lang="de-DE" smtClean="0"/>
-              <a:t>03.03.2015</a:t>
+              <a:t>24.03.2015</a:t>
             </a:fld>
             <a:endParaRPr lang="de-DE"/>
           </a:p>
@@ -2110,7 +2110,7 @@
           <a:p>
             <a:fld id="{9AA7D095-A676-4F6B-9416-D65D798F5244}" type="datetimeFigureOut">
               <a:rPr lang="de-DE" smtClean="0"/>
-              <a:t>03.03.2015</a:t>
+              <a:t>24.03.2015</a:t>
             </a:fld>
             <a:endParaRPr lang="de-DE"/>
           </a:p>
@@ -2367,7 +2367,7 @@
           <a:p>
             <a:fld id="{9AA7D095-A676-4F6B-9416-D65D798F5244}" type="datetimeFigureOut">
               <a:rPr lang="de-DE" smtClean="0"/>
-              <a:t>03.03.2015</a:t>
+              <a:t>24.03.2015</a:t>
             </a:fld>
             <a:endParaRPr lang="de-DE"/>
           </a:p>
@@ -2580,7 +2580,7 @@
           <a:p>
             <a:fld id="{9AA7D095-A676-4F6B-9416-D65D798F5244}" type="datetimeFigureOut">
               <a:rPr lang="de-DE" smtClean="0"/>
-              <a:t>03.03.2015</a:t>
+              <a:t>24.03.2015</a:t>
             </a:fld>
             <a:endParaRPr lang="de-DE"/>
           </a:p>
@@ -11842,88 +11842,6 @@
           <a:chExt cx="0" cy="0"/>
         </a:xfrm>
       </p:grpSpPr>
-      <p:pic>
-        <p:nvPicPr>
-          <p:cNvPr id="6" name="Picture 5"/>
-          <p:cNvPicPr>
-            <a:picLocks noChangeAspect="1"/>
-          </p:cNvPicPr>
-          <p:nvPr/>
-        </p:nvPicPr>
-        <p:blipFill>
-          <a:blip r:embed="rId2"/>
-          <a:stretch>
-            <a:fillRect/>
-          </a:stretch>
-        </p:blipFill>
-        <p:spPr>
-          <a:xfrm>
-            <a:off x="7889919" y="4178898"/>
-            <a:ext cx="1655807" cy="705924"/>
-          </a:xfrm>
-          <a:prstGeom prst="rect">
-            <a:avLst/>
-          </a:prstGeom>
-        </p:spPr>
-      </p:pic>
-      <p:sp>
-        <p:nvSpPr>
-          <p:cNvPr id="79" name="Rounded Rectangle 75"/>
-          <p:cNvSpPr/>
-          <p:nvPr/>
-        </p:nvSpPr>
-        <p:spPr>
-          <a:xfrm>
-            <a:off x="8059356" y="2517568"/>
-            <a:ext cx="1441656" cy="1514439"/>
-          </a:xfrm>
-          <a:prstGeom prst="rect">
-            <a:avLst/>
-          </a:prstGeom>
-          <a:solidFill>
-            <a:schemeClr val="accent2">
-              <a:lumMod val="20000"/>
-              <a:lumOff val="80000"/>
-            </a:schemeClr>
-          </a:solidFill>
-          <a:ln w="76200">
-            <a:solidFill>
-              <a:schemeClr val="accent2">
-                <a:lumMod val="40000"/>
-                <a:lumOff val="60000"/>
-              </a:schemeClr>
-            </a:solidFill>
-          </a:ln>
-        </p:spPr>
-        <p:style>
-          <a:lnRef idx="2">
-            <a:schemeClr val="accent1">
-              <a:shade val="50000"/>
-            </a:schemeClr>
-          </a:lnRef>
-          <a:fillRef idx="1">
-            <a:schemeClr val="accent1"/>
-          </a:fillRef>
-          <a:effectRef idx="0">
-            <a:schemeClr val="accent1"/>
-          </a:effectRef>
-          <a:fontRef idx="minor">
-            <a:schemeClr val="lt1"/>
-          </a:fontRef>
-        </p:style>
-        <p:txBody>
-          <a:bodyPr rtlCol="0" anchor="ctr"/>
-          <a:lstStyle/>
-          <a:p>
-            <a:pPr algn="ctr"/>
-            <a:r>
-              <a:rPr lang="en-US" sz="2000" b="1" dirty="0"/>
-              <a:t>Instance</a:t>
-            </a:r>
-            <a:endParaRPr lang="de-DE" sz="2000" b="1" dirty="0"/>
-          </a:p>
-        </p:txBody>
-      </p:sp>
       <p:grpSp>
         <p:nvGrpSpPr>
           <p:cNvPr id="15" name="Group 14"/>
@@ -11932,7 +11850,7 @@
         </p:nvGrpSpPr>
         <p:grpSpPr>
           <a:xfrm>
-            <a:off x="1243542" y="4524327"/>
+            <a:off x="1169403" y="4820888"/>
             <a:ext cx="1496257" cy="679282"/>
             <a:chOff x="6448425" y="3933827"/>
             <a:chExt cx="2628900" cy="1409700"/>
@@ -12041,7 +11959,7 @@
         </p:nvSpPr>
         <p:spPr>
           <a:xfrm>
-            <a:off x="4366248" y="4999077"/>
+            <a:off x="4366248" y="4887865"/>
             <a:ext cx="1610387" cy="1610382"/>
           </a:xfrm>
           <a:prstGeom prst="ellipse">
@@ -12091,238 +12009,90 @@
           </a:p>
         </p:txBody>
       </p:sp>
-      <p:grpSp>
-        <p:nvGrpSpPr>
-          <p:cNvPr id="2" name="Group 1"/>
-          <p:cNvGrpSpPr/>
-          <p:nvPr/>
-        </p:nvGrpSpPr>
-        <p:grpSpPr>
-          <a:xfrm>
-            <a:off x="679928" y="36204"/>
-            <a:ext cx="3320724" cy="2215991"/>
-            <a:chOff x="-9574" y="-399819"/>
-            <a:chExt cx="3320724" cy="2215991"/>
-          </a:xfrm>
-        </p:grpSpPr>
-        <p:sp>
-          <p:nvSpPr>
-            <p:cNvPr id="5" name="Rectangle 4"/>
-            <p:cNvSpPr/>
-            <p:nvPr/>
-          </p:nvSpPr>
-          <p:spPr>
-            <a:xfrm>
-              <a:off x="-9574" y="-399819"/>
-              <a:ext cx="3320724" cy="2215991"/>
-            </a:xfrm>
-            <a:prstGeom prst="rect">
-              <a:avLst/>
-            </a:prstGeom>
-            <a:ln>
-              <a:noFill/>
-            </a:ln>
-          </p:spPr>
-          <p:txBody>
-            <a:bodyPr wrap="square">
-              <a:spAutoFit/>
-            </a:bodyPr>
-            <a:lstStyle/>
-            <a:p>
-              <a:pPr algn="ctr"/>
-              <a:r>
-                <a:rPr lang="de-DE" sz="13800" dirty="0">
-                  <a:solidFill>
-                    <a:schemeClr val="tx2">
-                      <a:lumMod val="60000"/>
-                      <a:lumOff val="40000"/>
-                    </a:schemeClr>
-                  </a:solidFill>
-                  <a:latin typeface="FontAwesome" pitchFamily="2" charset="0"/>
-                </a:rPr>
-                <a:t></a:t>
-              </a:r>
-              <a:endParaRPr lang="de-DE" sz="13800" dirty="0">
-                <a:solidFill>
-                  <a:schemeClr val="tx2">
-                    <a:lumMod val="60000"/>
-                    <a:lumOff val="40000"/>
-                  </a:schemeClr>
-                </a:solidFill>
-              </a:endParaRPr>
-            </a:p>
-          </p:txBody>
-        </p:sp>
-        <p:sp>
-          <p:nvSpPr>
-            <p:cNvPr id="28" name="TextBox 27"/>
-            <p:cNvSpPr txBox="1"/>
-            <p:nvPr/>
-          </p:nvSpPr>
-          <p:spPr>
-            <a:xfrm>
-              <a:off x="150461" y="418618"/>
-              <a:ext cx="2953724" cy="707886"/>
-            </a:xfrm>
-            <a:prstGeom prst="rect">
-              <a:avLst/>
-            </a:prstGeom>
-            <a:noFill/>
-          </p:spPr>
-          <p:txBody>
-            <a:bodyPr wrap="square" rtlCol="0">
-              <a:spAutoFit/>
-            </a:bodyPr>
-            <a:lstStyle/>
-            <a:p>
-              <a:pPr algn="ctr"/>
-              <a:r>
-                <a:rPr lang="en-US" sz="2000" b="1" dirty="0" err="1">
-                  <a:solidFill>
-                    <a:schemeClr val="bg1"/>
-                  </a:solidFill>
-                </a:rPr>
-                <a:t>Boxfuse</a:t>
-              </a:r>
-              <a:r>
-                <a:rPr lang="en-US" sz="2000" b="1" dirty="0">
-                  <a:solidFill>
-                    <a:schemeClr val="bg1"/>
-                  </a:solidFill>
-                </a:rPr>
-                <a:t/>
-              </a:r>
-              <a:br>
-                <a:rPr lang="en-US" sz="2000" b="1" dirty="0">
-                  <a:solidFill>
-                    <a:schemeClr val="bg1"/>
-                  </a:solidFill>
-                </a:rPr>
-              </a:br>
-              <a:r>
-                <a:rPr lang="en-US" sz="2000" b="1" dirty="0">
-                  <a:solidFill>
-                    <a:schemeClr val="bg1"/>
-                  </a:solidFill>
-                </a:rPr>
-                <a:t>Inventory</a:t>
-              </a:r>
-              <a:endParaRPr lang="de-DE" sz="2000" b="1" dirty="0">
-                <a:solidFill>
-                  <a:schemeClr val="bg1"/>
-                </a:solidFill>
-              </a:endParaRPr>
-            </a:p>
-          </p:txBody>
-        </p:sp>
-      </p:grpSp>
-      <p:grpSp>
-        <p:nvGrpSpPr>
-          <p:cNvPr id="9" name="Group 8"/>
-          <p:cNvGrpSpPr/>
-          <p:nvPr/>
-        </p:nvGrpSpPr>
-        <p:grpSpPr>
-          <a:xfrm>
-            <a:off x="3438379" y="464410"/>
-            <a:ext cx="1457473" cy="673166"/>
-            <a:chOff x="2334271" y="318043"/>
-            <a:chExt cx="1457473" cy="673166"/>
-          </a:xfrm>
-        </p:grpSpPr>
-        <p:cxnSp>
-          <p:nvCxnSpPr>
-            <p:cNvPr id="24" name="Straight Arrow Connector 23"/>
-            <p:cNvCxnSpPr/>
-            <p:nvPr/>
-          </p:nvCxnSpPr>
-          <p:spPr>
-            <a:xfrm flipV="1">
-              <a:off x="2346123" y="980728"/>
-              <a:ext cx="1445621" cy="10481"/>
-            </a:xfrm>
-            <a:prstGeom prst="straightConnector1">
-              <a:avLst/>
-            </a:prstGeom>
-            <a:ln w="142875">
-              <a:solidFill>
-                <a:schemeClr val="tx1">
-                  <a:lumMod val="50000"/>
-                  <a:lumOff val="50000"/>
-                </a:schemeClr>
-              </a:solidFill>
-              <a:tailEnd type="triangle"/>
-            </a:ln>
-          </p:spPr>
-          <p:style>
-            <a:lnRef idx="1">
-              <a:schemeClr val="accent1"/>
-            </a:lnRef>
-            <a:fillRef idx="0">
-              <a:schemeClr val="accent1"/>
-            </a:fillRef>
-            <a:effectRef idx="0">
-              <a:schemeClr val="accent1"/>
-            </a:effectRef>
-            <a:fontRef idx="minor">
-              <a:schemeClr val="tx1"/>
-            </a:fontRef>
-          </p:style>
-        </p:cxnSp>
-        <p:sp>
-          <p:nvSpPr>
-            <p:cNvPr id="7" name="TextBox 6"/>
-            <p:cNvSpPr txBox="1"/>
-            <p:nvPr/>
-          </p:nvSpPr>
-          <p:spPr>
-            <a:xfrm>
-              <a:off x="2334271" y="318043"/>
-              <a:ext cx="1408522" cy="523220"/>
-            </a:xfrm>
-            <a:prstGeom prst="rect">
-              <a:avLst/>
-            </a:prstGeom>
-            <a:noFill/>
-          </p:spPr>
-          <p:txBody>
-            <a:bodyPr wrap="square" rtlCol="0">
-              <a:spAutoFit/>
-            </a:bodyPr>
-            <a:lstStyle/>
-            <a:p>
-              <a:r>
-                <a:rPr lang="en-US" sz="2800" b="1" dirty="0"/>
-                <a:t>versions</a:t>
-              </a:r>
-              <a:endParaRPr lang="de-DE" sz="2800" b="1" dirty="0"/>
-            </a:p>
-          </p:txBody>
-        </p:sp>
-      </p:grpSp>
       <p:sp>
         <p:nvSpPr>
-          <p:cNvPr id="8" name="TextBox 7"/>
+          <p:cNvPr id="7" name="TextBox 6"/>
           <p:cNvSpPr txBox="1"/>
           <p:nvPr/>
         </p:nvSpPr>
         <p:spPr>
           <a:xfrm>
-            <a:off x="5162934" y="470097"/>
-            <a:ext cx="660840" cy="1338828"/>
+            <a:off x="1073759" y="0"/>
+            <a:ext cx="1624914" cy="523220"/>
           </a:xfrm>
           <a:prstGeom prst="rect">
             <a:avLst/>
           </a:prstGeom>
           <a:noFill/>
-          <a:ln>
+        </p:spPr>
+        <p:txBody>
+          <a:bodyPr wrap="square" rtlCol="0">
+            <a:spAutoFit/>
+          </a:bodyPr>
+          <a:lstStyle/>
+          <a:p>
+            <a:r>
+              <a:rPr lang="en-US" sz="2800" b="1" dirty="0" smtClean="0"/>
+              <a:t>inventory</a:t>
+            </a:r>
+            <a:endParaRPr lang="de-DE" sz="2800" b="1" dirty="0"/>
+          </a:p>
+        </p:txBody>
+      </p:sp>
+      <p:cxnSp>
+        <p:nvCxnSpPr>
+          <p:cNvPr id="36" name="Straight Arrow Connector 35"/>
+          <p:cNvCxnSpPr/>
+          <p:nvPr/>
+        </p:nvCxnSpPr>
+        <p:spPr>
+          <a:xfrm rot="19330395" flipV="1">
+            <a:off x="2661973" y="4548151"/>
+            <a:ext cx="1689754" cy="10481"/>
+          </a:xfrm>
+          <a:prstGeom prst="straightConnector1">
+            <a:avLst/>
+          </a:prstGeom>
+          <a:ln w="142875">
             <a:solidFill>
               <a:schemeClr val="tx1">
                 <a:lumMod val="50000"/>
                 <a:lumOff val="50000"/>
               </a:schemeClr>
             </a:solidFill>
+            <a:tailEnd type="triangle"/>
           </a:ln>
+        </p:spPr>
+        <p:style>
+          <a:lnRef idx="1">
+            <a:schemeClr val="accent1"/>
+          </a:lnRef>
+          <a:fillRef idx="0">
+            <a:schemeClr val="accent1"/>
+          </a:fillRef>
+          <a:effectRef idx="0">
+            <a:schemeClr val="accent1"/>
+          </a:effectRef>
+          <a:fontRef idx="minor">
+            <a:schemeClr val="tx1"/>
+          </a:fontRef>
+        </p:style>
+      </p:cxnSp>
+      <p:sp>
+        <p:nvSpPr>
+          <p:cNvPr id="37" name="TextBox 36"/>
+          <p:cNvSpPr txBox="1"/>
+          <p:nvPr/>
+        </p:nvSpPr>
+        <p:spPr>
+          <a:xfrm>
+            <a:off x="2725663" y="3587877"/>
+            <a:ext cx="1646390" cy="523220"/>
+          </a:xfrm>
+          <a:prstGeom prst="rect">
+            <a:avLst/>
+          </a:prstGeom>
+          <a:noFill/>
         </p:spPr>
         <p:txBody>
           <a:bodyPr wrap="square" rtlCol="0">
@@ -12330,148 +12100,15 @@
           </a:bodyPr>
           <a:lstStyle/>
           <a:p>
-            <a:pPr>
-              <a:lnSpc>
-                <a:spcPct val="90000"/>
-              </a:lnSpc>
-            </a:pPr>
+            <a:pPr algn="ctr"/>
             <a:r>
-              <a:rPr lang="en-US" dirty="0"/>
-              <a:t>4.3.5</a:t>
+              <a:rPr lang="en-US" sz="2800" b="1" dirty="0"/>
+              <a:t>fuse</a:t>
             </a:r>
-          </a:p>
-          <a:p>
-            <a:pPr>
-              <a:lnSpc>
-                <a:spcPct val="90000"/>
-              </a:lnSpc>
-            </a:pPr>
-            <a:r>
-              <a:rPr lang="en-US" dirty="0"/>
-              <a:t>4.4</a:t>
-            </a:r>
-          </a:p>
-          <a:p>
-            <a:pPr>
-              <a:lnSpc>
-                <a:spcPct val="90000"/>
-              </a:lnSpc>
-            </a:pPr>
-            <a:r>
-              <a:rPr lang="en-US" dirty="0"/>
-              <a:t>5.0</a:t>
-            </a:r>
-          </a:p>
-          <a:p>
-            <a:pPr>
-              <a:lnSpc>
-                <a:spcPct val="90000"/>
-              </a:lnSpc>
-            </a:pPr>
-            <a:r>
-              <a:rPr lang="en-US" dirty="0"/>
-              <a:t>5.0.1</a:t>
-            </a:r>
-          </a:p>
-          <a:p>
-            <a:pPr>
-              <a:lnSpc>
-                <a:spcPct val="90000"/>
-              </a:lnSpc>
-            </a:pPr>
-            <a:r>
-              <a:rPr lang="en-US" dirty="0"/>
-              <a:t>...</a:t>
-            </a:r>
-            <a:endParaRPr lang="de-DE" dirty="0"/>
+            <a:endParaRPr lang="de-DE" sz="2800" b="1" dirty="0"/>
           </a:p>
         </p:txBody>
       </p:sp>
-      <p:grpSp>
-        <p:nvGrpSpPr>
-          <p:cNvPr id="35" name="Group 34"/>
-          <p:cNvGrpSpPr/>
-          <p:nvPr/>
-        </p:nvGrpSpPr>
-        <p:grpSpPr>
-          <a:xfrm rot="19823684">
-            <a:off x="2596847" y="3678082"/>
-            <a:ext cx="1457473" cy="673166"/>
-            <a:chOff x="2334271" y="318043"/>
-            <a:chExt cx="1457473" cy="673166"/>
-          </a:xfrm>
-        </p:grpSpPr>
-        <p:cxnSp>
-          <p:nvCxnSpPr>
-            <p:cNvPr id="36" name="Straight Arrow Connector 35"/>
-            <p:cNvCxnSpPr/>
-            <p:nvPr/>
-          </p:nvCxnSpPr>
-          <p:spPr>
-            <a:xfrm flipV="1">
-              <a:off x="2346123" y="980728"/>
-              <a:ext cx="1445621" cy="10481"/>
-            </a:xfrm>
-            <a:prstGeom prst="straightConnector1">
-              <a:avLst/>
-            </a:prstGeom>
-            <a:ln w="142875">
-              <a:solidFill>
-                <a:schemeClr val="tx1">
-                  <a:lumMod val="50000"/>
-                  <a:lumOff val="50000"/>
-                </a:schemeClr>
-              </a:solidFill>
-              <a:tailEnd type="triangle"/>
-            </a:ln>
-          </p:spPr>
-          <p:style>
-            <a:lnRef idx="1">
-              <a:schemeClr val="accent1"/>
-            </a:lnRef>
-            <a:fillRef idx="0">
-              <a:schemeClr val="accent1"/>
-            </a:fillRef>
-            <a:effectRef idx="0">
-              <a:schemeClr val="accent1"/>
-            </a:effectRef>
-            <a:fontRef idx="minor">
-              <a:schemeClr val="tx1"/>
-            </a:fontRef>
-          </p:style>
-        </p:cxnSp>
-        <p:sp>
-          <p:nvSpPr>
-            <p:cNvPr id="37" name="TextBox 36"/>
-            <p:cNvSpPr txBox="1"/>
-            <p:nvPr/>
-          </p:nvSpPr>
-          <p:spPr>
-            <a:xfrm>
-              <a:off x="2334271" y="318043"/>
-              <a:ext cx="1408522" cy="523220"/>
-            </a:xfrm>
-            <a:prstGeom prst="rect">
-              <a:avLst/>
-            </a:prstGeom>
-            <a:noFill/>
-          </p:spPr>
-          <p:txBody>
-            <a:bodyPr wrap="square" rtlCol="0">
-              <a:spAutoFit/>
-            </a:bodyPr>
-            <a:lstStyle/>
-            <a:p>
-              <a:pPr algn="ctr"/>
-              <a:r>
-                <a:rPr lang="en-US" sz="2800" b="1" dirty="0"/>
-                <a:t>fuse</a:t>
-              </a:r>
-              <a:endParaRPr lang="de-DE" sz="2800" b="1" dirty="0"/>
-            </a:p>
-          </p:txBody>
-        </p:sp>
-      </p:grpSp>
       <p:sp>
         <p:nvSpPr>
           <p:cNvPr id="38" name="Rounded Rectangle 25"/>
@@ -12528,87 +12165,6 @@
           </a:p>
         </p:txBody>
       </p:sp>
-      <p:grpSp>
-        <p:nvGrpSpPr>
-          <p:cNvPr id="39" name="Group 38"/>
-          <p:cNvGrpSpPr/>
-          <p:nvPr/>
-        </p:nvGrpSpPr>
-        <p:grpSpPr>
-          <a:xfrm rot="1368666">
-            <a:off x="2913952" y="4807356"/>
-            <a:ext cx="1457473" cy="673166"/>
-            <a:chOff x="2334271" y="318043"/>
-            <a:chExt cx="1457473" cy="673166"/>
-          </a:xfrm>
-        </p:grpSpPr>
-        <p:cxnSp>
-          <p:nvCxnSpPr>
-            <p:cNvPr id="40" name="Straight Arrow Connector 39"/>
-            <p:cNvCxnSpPr/>
-            <p:nvPr/>
-          </p:nvCxnSpPr>
-          <p:spPr>
-            <a:xfrm flipV="1">
-              <a:off x="2346123" y="980728"/>
-              <a:ext cx="1445621" cy="10481"/>
-            </a:xfrm>
-            <a:prstGeom prst="straightConnector1">
-              <a:avLst/>
-            </a:prstGeom>
-            <a:ln w="142875">
-              <a:solidFill>
-                <a:schemeClr val="tx1">
-                  <a:lumMod val="50000"/>
-                  <a:lumOff val="50000"/>
-                </a:schemeClr>
-              </a:solidFill>
-              <a:tailEnd type="triangle"/>
-            </a:ln>
-          </p:spPr>
-          <p:style>
-            <a:lnRef idx="1">
-              <a:schemeClr val="accent1"/>
-            </a:lnRef>
-            <a:fillRef idx="0">
-              <a:schemeClr val="accent1"/>
-            </a:fillRef>
-            <a:effectRef idx="0">
-              <a:schemeClr val="accent1"/>
-            </a:effectRef>
-            <a:fontRef idx="minor">
-              <a:schemeClr val="tx1"/>
-            </a:fontRef>
-          </p:style>
-        </p:cxnSp>
-        <p:sp>
-          <p:nvSpPr>
-            <p:cNvPr id="41" name="TextBox 40"/>
-            <p:cNvSpPr txBox="1"/>
-            <p:nvPr/>
-          </p:nvSpPr>
-          <p:spPr>
-            <a:xfrm>
-              <a:off x="2334271" y="318043"/>
-              <a:ext cx="1408522" cy="523220"/>
-            </a:xfrm>
-            <a:prstGeom prst="rect">
-              <a:avLst/>
-            </a:prstGeom>
-            <a:noFill/>
-          </p:spPr>
-          <p:txBody>
-            <a:bodyPr wrap="square" rtlCol="0">
-              <a:spAutoFit/>
-            </a:bodyPr>
-            <a:lstStyle/>
-            <a:p>
-              <a:pPr algn="ctr"/>
-              <a:endParaRPr lang="de-DE" sz="2800" b="1" dirty="0"/>
-            </a:p>
-          </p:txBody>
-        </p:sp>
-      </p:grpSp>
       <p:sp>
         <p:nvSpPr>
           <p:cNvPr id="10" name="Cross 9"/>
@@ -12617,7 +12173,7 @@
         </p:nvSpPr>
         <p:spPr>
           <a:xfrm rot="2669759">
-            <a:off x="4059360" y="4723055"/>
+            <a:off x="4059360" y="4611843"/>
             <a:ext cx="2229507" cy="2238141"/>
           </a:xfrm>
           <a:prstGeom prst="plus">
@@ -12667,7 +12223,7 @@
         </p:nvSpPr>
         <p:spPr>
           <a:xfrm>
-            <a:off x="4465408" y="4955977"/>
+            <a:off x="4465408" y="4844765"/>
             <a:ext cx="1408522" cy="523220"/>
           </a:xfrm>
           <a:prstGeom prst="rect">
@@ -12699,7 +12255,7 @@
         <p:spPr>
           <a:xfrm>
             <a:off x="4256223" y="2952051"/>
-            <a:ext cx="1868556" cy="3839345"/>
+            <a:ext cx="1868556" cy="3739133"/>
           </a:xfrm>
           <a:prstGeom prst="roundRect">
             <a:avLst/>
@@ -12770,343 +12326,335 @@
           </a:p>
         </p:txBody>
       </p:sp>
-      <p:cxnSp>
-        <p:nvCxnSpPr>
-          <p:cNvPr id="67" name="Straight Arrow Connector 66"/>
-          <p:cNvCxnSpPr/>
-          <p:nvPr/>
-        </p:nvCxnSpPr>
-        <p:spPr>
-          <a:xfrm flipV="1">
-            <a:off x="6361072" y="3359792"/>
-            <a:ext cx="1370502" cy="10481"/>
-          </a:xfrm>
-          <a:prstGeom prst="straightConnector1">
-            <a:avLst/>
-          </a:prstGeom>
-          <a:ln w="142875">
-            <a:solidFill>
-              <a:schemeClr val="tx1">
-                <a:lumMod val="50000"/>
-                <a:lumOff val="50000"/>
-              </a:schemeClr>
-            </a:solidFill>
-            <a:tailEnd type="triangle"/>
-          </a:ln>
-        </p:spPr>
-        <p:style>
-          <a:lnRef idx="1">
-            <a:schemeClr val="accent1"/>
-          </a:lnRef>
-          <a:fillRef idx="0">
-            <a:schemeClr val="accent1"/>
-          </a:fillRef>
-          <a:effectRef idx="0">
-            <a:schemeClr val="accent1"/>
-          </a:effectRef>
-          <a:fontRef idx="minor">
-            <a:schemeClr val="tx1"/>
-          </a:fontRef>
-        </p:style>
-      </p:cxnSp>
       <p:grpSp>
         <p:nvGrpSpPr>
-          <p:cNvPr id="69" name="Group 68"/>
+          <p:cNvPr id="21" name="Group 20"/>
           <p:cNvGrpSpPr/>
           <p:nvPr/>
         </p:nvGrpSpPr>
         <p:grpSpPr>
-          <a:xfrm rot="19611581">
-            <a:off x="5999289" y="1881036"/>
-            <a:ext cx="1614441" cy="673166"/>
-            <a:chOff x="2334271" y="318043"/>
-            <a:chExt cx="1457473" cy="673166"/>
+          <a:xfrm>
+            <a:off x="7154693" y="2339074"/>
+            <a:ext cx="2806054" cy="5115953"/>
+            <a:chOff x="7080552" y="-132277"/>
+            <a:chExt cx="2806054" cy="5115953"/>
           </a:xfrm>
         </p:grpSpPr>
-        <p:cxnSp>
-          <p:nvCxnSpPr>
-            <p:cNvPr id="70" name="Straight Arrow Connector 69"/>
-            <p:cNvCxnSpPr/>
+        <p:sp>
+          <p:nvSpPr>
+            <p:cNvPr id="79" name="Rounded Rectangle 75"/>
+            <p:cNvSpPr/>
             <p:nvPr/>
-          </p:nvCxnSpPr>
+          </p:nvSpPr>
           <p:spPr>
-            <a:xfrm flipV="1">
-              <a:off x="2346123" y="980728"/>
-              <a:ext cx="1445621" cy="10481"/>
+            <a:xfrm>
+              <a:off x="8059356" y="2517568"/>
+              <a:ext cx="1441656" cy="1514439"/>
             </a:xfrm>
-            <a:prstGeom prst="straightConnector1">
+            <a:prstGeom prst="rect">
               <a:avLst/>
             </a:prstGeom>
-            <a:ln w="142875">
+            <a:solidFill>
+              <a:schemeClr val="accent2">
+                <a:lumMod val="20000"/>
+                <a:lumOff val="80000"/>
+              </a:schemeClr>
+            </a:solidFill>
+            <a:ln w="76200">
               <a:solidFill>
-                <a:schemeClr val="tx1">
-                  <a:lumMod val="50000"/>
-                  <a:lumOff val="50000"/>
+                <a:schemeClr val="accent2">
+                  <a:lumMod val="40000"/>
+                  <a:lumOff val="60000"/>
                 </a:schemeClr>
               </a:solidFill>
-              <a:tailEnd type="triangle"/>
             </a:ln>
           </p:spPr>
           <p:style>
-            <a:lnRef idx="1">
-              <a:schemeClr val="accent1"/>
+            <a:lnRef idx="2">
+              <a:schemeClr val="accent1">
+                <a:shade val="50000"/>
+              </a:schemeClr>
             </a:lnRef>
-            <a:fillRef idx="0">
+            <a:fillRef idx="1">
               <a:schemeClr val="accent1"/>
             </a:fillRef>
             <a:effectRef idx="0">
               <a:schemeClr val="accent1"/>
             </a:effectRef>
             <a:fontRef idx="minor">
-              <a:schemeClr val="tx1"/>
+              <a:schemeClr val="lt1"/>
             </a:fontRef>
           </p:style>
-        </p:cxnSp>
-        <p:sp>
-          <p:nvSpPr>
-            <p:cNvPr id="71" name="TextBox 70"/>
-            <p:cNvSpPr txBox="1"/>
-            <p:nvPr/>
-          </p:nvSpPr>
-          <p:spPr>
-            <a:xfrm>
-              <a:off x="2334271" y="318043"/>
-              <a:ext cx="1408522" cy="523220"/>
-            </a:xfrm>
-            <a:prstGeom prst="rect">
-              <a:avLst/>
-            </a:prstGeom>
-            <a:noFill/>
-          </p:spPr>
           <p:txBody>
-            <a:bodyPr wrap="square" rtlCol="0">
-              <a:spAutoFit/>
-            </a:bodyPr>
+            <a:bodyPr rtlCol="0" anchor="ctr"/>
             <a:lstStyle/>
             <a:p>
               <a:pPr algn="ctr"/>
-              <a:endParaRPr lang="de-DE" sz="2800" b="1" dirty="0"/>
+              <a:r>
+                <a:rPr lang="en-US" sz="2000" b="1" dirty="0"/>
+                <a:t>Instance</a:t>
+              </a:r>
+              <a:endParaRPr lang="de-DE" sz="2000" b="1" dirty="0"/>
             </a:p>
           </p:txBody>
         </p:sp>
+        <p:grpSp>
+          <p:nvGrpSpPr>
+            <p:cNvPr id="20" name="Group 19"/>
+            <p:cNvGrpSpPr/>
+            <p:nvPr/>
+          </p:nvGrpSpPr>
+          <p:grpSpPr>
+            <a:xfrm>
+              <a:off x="7080552" y="-132277"/>
+              <a:ext cx="2806054" cy="5115953"/>
+              <a:chOff x="7080552" y="-132277"/>
+              <a:chExt cx="2806054" cy="5115953"/>
+            </a:xfrm>
+          </p:grpSpPr>
+          <p:pic>
+            <p:nvPicPr>
+              <p:cNvPr id="6" name="Picture 5"/>
+              <p:cNvPicPr>
+                <a:picLocks noChangeAspect="1"/>
+              </p:cNvPicPr>
+              <p:nvPr/>
+            </p:nvPicPr>
+            <p:blipFill>
+              <a:blip r:embed="rId2"/>
+              <a:stretch>
+                <a:fillRect/>
+              </a:stretch>
+            </p:blipFill>
+            <p:spPr>
+              <a:xfrm>
+                <a:off x="7080552" y="4277752"/>
+                <a:ext cx="1655807" cy="705924"/>
+              </a:xfrm>
+              <a:prstGeom prst="rect">
+                <a:avLst/>
+              </a:prstGeom>
+            </p:spPr>
+          </p:pic>
+          <p:sp>
+            <p:nvSpPr>
+              <p:cNvPr id="72" name="TextBox 71"/>
+              <p:cNvSpPr txBox="1"/>
+              <p:nvPr/>
+            </p:nvSpPr>
+            <p:spPr>
+              <a:xfrm>
+                <a:off x="8017713" y="2503194"/>
+                <a:ext cx="1506963" cy="523220"/>
+              </a:xfrm>
+              <a:prstGeom prst="rect">
+                <a:avLst/>
+              </a:prstGeom>
+              <a:noFill/>
+            </p:spPr>
+            <p:txBody>
+              <a:bodyPr wrap="square" rtlCol="0">
+                <a:spAutoFit/>
+              </a:bodyPr>
+              <a:lstStyle/>
+              <a:p>
+                <a:pPr algn="ctr"/>
+                <a:r>
+                  <a:rPr lang="en-US" sz="2800" b="1" dirty="0"/>
+                  <a:t>kill</a:t>
+                </a:r>
+                <a:endParaRPr lang="de-DE" sz="2800" b="1" dirty="0"/>
+              </a:p>
+            </p:txBody>
+          </p:sp>
+          <p:sp>
+            <p:nvSpPr>
+              <p:cNvPr id="73" name="Rounded Rectangle 72"/>
+              <p:cNvSpPr/>
+              <p:nvPr/>
+            </p:nvSpPr>
+            <p:spPr>
+              <a:xfrm>
+                <a:off x="7809465" y="427153"/>
+                <a:ext cx="1896954" cy="3785823"/>
+              </a:xfrm>
+              <a:prstGeom prst="roundRect">
+                <a:avLst/>
+              </a:prstGeom>
+              <a:noFill/>
+              <a:ln w="57150">
+                <a:solidFill>
+                  <a:schemeClr val="bg1">
+                    <a:lumMod val="50000"/>
+                  </a:schemeClr>
+                </a:solidFill>
+                <a:prstDash val="dash"/>
+              </a:ln>
+            </p:spPr>
+            <p:style>
+              <a:lnRef idx="2">
+                <a:schemeClr val="accent1">
+                  <a:shade val="50000"/>
+                </a:schemeClr>
+              </a:lnRef>
+              <a:fillRef idx="1">
+                <a:schemeClr val="accent1"/>
+              </a:fillRef>
+              <a:effectRef idx="0">
+                <a:schemeClr val="accent1"/>
+              </a:effectRef>
+              <a:fontRef idx="minor">
+                <a:schemeClr val="lt1"/>
+              </a:fontRef>
+            </p:style>
+            <p:txBody>
+              <a:bodyPr rtlCol="0" anchor="ctr"/>
+              <a:lstStyle/>
+              <a:p>
+                <a:pPr algn="ctr"/>
+                <a:endParaRPr lang="de-DE"/>
+              </a:p>
+            </p:txBody>
+          </p:sp>
+          <p:sp>
+            <p:nvSpPr>
+              <p:cNvPr id="74" name="TextBox 73"/>
+              <p:cNvSpPr txBox="1"/>
+              <p:nvPr/>
+            </p:nvSpPr>
+            <p:spPr>
+              <a:xfrm>
+                <a:off x="8045163" y="-132277"/>
+                <a:ext cx="1408522" cy="523220"/>
+              </a:xfrm>
+              <a:prstGeom prst="rect">
+                <a:avLst/>
+              </a:prstGeom>
+              <a:noFill/>
+            </p:spPr>
+            <p:txBody>
+              <a:bodyPr wrap="square" rtlCol="0">
+                <a:spAutoFit/>
+              </a:bodyPr>
+              <a:lstStyle/>
+              <a:p>
+                <a:pPr algn="ctr"/>
+                <a:r>
+                  <a:rPr lang="en-US" sz="2800" b="1" dirty="0" err="1"/>
+                  <a:t>ps</a:t>
+                </a:r>
+                <a:endParaRPr lang="de-DE" sz="2800" b="1" dirty="0"/>
+              </a:p>
+            </p:txBody>
+          </p:sp>
+          <p:sp>
+            <p:nvSpPr>
+              <p:cNvPr id="76" name="Rounded Rectangle 75"/>
+              <p:cNvSpPr/>
+              <p:nvPr/>
+            </p:nvSpPr>
+            <p:spPr>
+              <a:xfrm>
+                <a:off x="8048943" y="604174"/>
+                <a:ext cx="1441656" cy="1514439"/>
+              </a:xfrm>
+              <a:prstGeom prst="rect">
+                <a:avLst/>
+              </a:prstGeom>
+              <a:solidFill>
+                <a:schemeClr val="accent2">
+                  <a:lumMod val="75000"/>
+                </a:schemeClr>
+              </a:solidFill>
+              <a:ln w="76200">
+                <a:solidFill>
+                  <a:schemeClr val="accent2">
+                    <a:lumMod val="50000"/>
+                  </a:schemeClr>
+                </a:solidFill>
+              </a:ln>
+            </p:spPr>
+            <p:style>
+              <a:lnRef idx="2">
+                <a:schemeClr val="accent1">
+                  <a:shade val="50000"/>
+                </a:schemeClr>
+              </a:lnRef>
+              <a:fillRef idx="1">
+                <a:schemeClr val="accent1"/>
+              </a:fillRef>
+              <a:effectRef idx="0">
+                <a:schemeClr val="accent1"/>
+              </a:effectRef>
+              <a:fontRef idx="minor">
+                <a:schemeClr val="lt1"/>
+              </a:fontRef>
+            </p:style>
+            <p:txBody>
+              <a:bodyPr rtlCol="0" anchor="ctr"/>
+              <a:lstStyle/>
+              <a:p>
+                <a:pPr algn="ctr"/>
+                <a:r>
+                  <a:rPr lang="en-US" sz="2000" b="1" dirty="0"/>
+                  <a:t>Instance</a:t>
+                </a:r>
+                <a:endParaRPr lang="de-DE" sz="2000" b="1" dirty="0"/>
+              </a:p>
+            </p:txBody>
+          </p:sp>
+          <p:sp>
+            <p:nvSpPr>
+              <p:cNvPr id="78" name="Cross 77"/>
+              <p:cNvSpPr/>
+              <p:nvPr/>
+            </p:nvSpPr>
+            <p:spPr>
+              <a:xfrm rot="2669759">
+                <a:off x="7657099" y="2146402"/>
+                <a:ext cx="2229507" cy="2238141"/>
+              </a:xfrm>
+              <a:prstGeom prst="plus">
+                <a:avLst>
+                  <a:gd name="adj" fmla="val 47174"/>
+                </a:avLst>
+              </a:prstGeom>
+              <a:solidFill>
+                <a:srgbClr val="FF0000"/>
+              </a:solidFill>
+              <a:ln>
+                <a:solidFill>
+                  <a:srgbClr val="C00000"/>
+                </a:solidFill>
+              </a:ln>
+            </p:spPr>
+            <p:style>
+              <a:lnRef idx="2">
+                <a:schemeClr val="accent1">
+                  <a:shade val="50000"/>
+                </a:schemeClr>
+              </a:lnRef>
+              <a:fillRef idx="1">
+                <a:schemeClr val="accent1"/>
+              </a:fillRef>
+              <a:effectRef idx="0">
+                <a:schemeClr val="accent1"/>
+              </a:effectRef>
+              <a:fontRef idx="minor">
+                <a:schemeClr val="lt1"/>
+              </a:fontRef>
+            </p:style>
+            <p:txBody>
+              <a:bodyPr rtlCol="0" anchor="ctr"/>
+              <a:lstStyle/>
+              <a:p>
+                <a:pPr algn="ctr"/>
+                <a:endParaRPr lang="de-DE"/>
+              </a:p>
+            </p:txBody>
+          </p:sp>
+        </p:grpSp>
       </p:grpSp>
-      <p:sp>
-        <p:nvSpPr>
-          <p:cNvPr id="72" name="TextBox 71"/>
-          <p:cNvSpPr txBox="1"/>
-          <p:nvPr/>
-        </p:nvSpPr>
-        <p:spPr>
-          <a:xfrm>
-            <a:off x="8017713" y="2503194"/>
-            <a:ext cx="1506963" cy="523220"/>
-          </a:xfrm>
-          <a:prstGeom prst="rect">
-            <a:avLst/>
-          </a:prstGeom>
-          <a:noFill/>
-        </p:spPr>
-        <p:txBody>
-          <a:bodyPr wrap="square" rtlCol="0">
-            <a:spAutoFit/>
-          </a:bodyPr>
-          <a:lstStyle/>
-          <a:p>
-            <a:pPr algn="ctr"/>
-            <a:r>
-              <a:rPr lang="en-US" sz="2800" b="1" dirty="0"/>
-              <a:t>kill</a:t>
-            </a:r>
-            <a:endParaRPr lang="de-DE" sz="2800" b="1" dirty="0"/>
-          </a:p>
-        </p:txBody>
-      </p:sp>
-      <p:sp>
-        <p:nvSpPr>
-          <p:cNvPr id="73" name="Rounded Rectangle 72"/>
-          <p:cNvSpPr/>
-          <p:nvPr/>
-        </p:nvSpPr>
-        <p:spPr>
-          <a:xfrm>
-            <a:off x="7809465" y="427153"/>
-            <a:ext cx="1896954" cy="3785823"/>
-          </a:xfrm>
-          <a:prstGeom prst="roundRect">
-            <a:avLst/>
-          </a:prstGeom>
-          <a:noFill/>
-          <a:ln w="57150">
-            <a:solidFill>
-              <a:schemeClr val="bg1">
-                <a:lumMod val="50000"/>
-              </a:schemeClr>
-            </a:solidFill>
-            <a:prstDash val="dash"/>
-          </a:ln>
-        </p:spPr>
-        <p:style>
-          <a:lnRef idx="2">
-            <a:schemeClr val="accent1">
-              <a:shade val="50000"/>
-            </a:schemeClr>
-          </a:lnRef>
-          <a:fillRef idx="1">
-            <a:schemeClr val="accent1"/>
-          </a:fillRef>
-          <a:effectRef idx="0">
-            <a:schemeClr val="accent1"/>
-          </a:effectRef>
-          <a:fontRef idx="minor">
-            <a:schemeClr val="lt1"/>
-          </a:fontRef>
-        </p:style>
-        <p:txBody>
-          <a:bodyPr rtlCol="0" anchor="ctr"/>
-          <a:lstStyle/>
-          <a:p>
-            <a:pPr algn="ctr"/>
-            <a:endParaRPr lang="de-DE"/>
-          </a:p>
-        </p:txBody>
-      </p:sp>
-      <p:sp>
-        <p:nvSpPr>
-          <p:cNvPr id="74" name="TextBox 73"/>
-          <p:cNvSpPr txBox="1"/>
-          <p:nvPr/>
-        </p:nvSpPr>
-        <p:spPr>
-          <a:xfrm>
-            <a:off x="8045163" y="-132277"/>
-            <a:ext cx="1408522" cy="523220"/>
-          </a:xfrm>
-          <a:prstGeom prst="rect">
-            <a:avLst/>
-          </a:prstGeom>
-          <a:noFill/>
-        </p:spPr>
-        <p:txBody>
-          <a:bodyPr wrap="square" rtlCol="0">
-            <a:spAutoFit/>
-          </a:bodyPr>
-          <a:lstStyle/>
-          <a:p>
-            <a:pPr algn="ctr"/>
-            <a:r>
-              <a:rPr lang="en-US" sz="2800" b="1" dirty="0" err="1"/>
-              <a:t>ps</a:t>
-            </a:r>
-            <a:endParaRPr lang="de-DE" sz="2800" b="1" dirty="0"/>
-          </a:p>
-        </p:txBody>
-      </p:sp>
-      <p:sp>
-        <p:nvSpPr>
-          <p:cNvPr id="76" name="Rounded Rectangle 75"/>
-          <p:cNvSpPr/>
-          <p:nvPr/>
-        </p:nvSpPr>
-        <p:spPr>
-          <a:xfrm>
-            <a:off x="8048943" y="604174"/>
-            <a:ext cx="1441656" cy="1514439"/>
-          </a:xfrm>
-          <a:prstGeom prst="rect">
-            <a:avLst/>
-          </a:prstGeom>
-          <a:solidFill>
-            <a:schemeClr val="accent2">
-              <a:lumMod val="75000"/>
-            </a:schemeClr>
-          </a:solidFill>
-          <a:ln w="76200">
-            <a:solidFill>
-              <a:schemeClr val="accent2">
-                <a:lumMod val="50000"/>
-              </a:schemeClr>
-            </a:solidFill>
-          </a:ln>
-        </p:spPr>
-        <p:style>
-          <a:lnRef idx="2">
-            <a:schemeClr val="accent1">
-              <a:shade val="50000"/>
-            </a:schemeClr>
-          </a:lnRef>
-          <a:fillRef idx="1">
-            <a:schemeClr val="accent1"/>
-          </a:fillRef>
-          <a:effectRef idx="0">
-            <a:schemeClr val="accent1"/>
-          </a:effectRef>
-          <a:fontRef idx="minor">
-            <a:schemeClr val="lt1"/>
-          </a:fontRef>
-        </p:style>
-        <p:txBody>
-          <a:bodyPr rtlCol="0" anchor="ctr"/>
-          <a:lstStyle/>
-          <a:p>
-            <a:pPr algn="ctr"/>
-            <a:r>
-              <a:rPr lang="en-US" sz="2000" b="1" dirty="0"/>
-              <a:t>Instance</a:t>
-            </a:r>
-            <a:endParaRPr lang="de-DE" sz="2000" b="1" dirty="0"/>
-          </a:p>
-        </p:txBody>
-      </p:sp>
-      <p:sp>
-        <p:nvSpPr>
-          <p:cNvPr id="78" name="Cross 77"/>
-          <p:cNvSpPr/>
-          <p:nvPr/>
-        </p:nvSpPr>
-        <p:spPr>
-          <a:xfrm rot="2669759">
-            <a:off x="7657099" y="2146402"/>
-            <a:ext cx="2229507" cy="2238141"/>
-          </a:xfrm>
-          <a:prstGeom prst="plus">
-            <a:avLst>
-              <a:gd name="adj" fmla="val 47174"/>
-            </a:avLst>
-          </a:prstGeom>
-          <a:solidFill>
-            <a:srgbClr val="FF0000"/>
-          </a:solidFill>
-          <a:ln>
-            <a:solidFill>
-              <a:srgbClr val="C00000"/>
-            </a:solidFill>
-          </a:ln>
-        </p:spPr>
-        <p:style>
-          <a:lnRef idx="2">
-            <a:schemeClr val="accent1">
-              <a:shade val="50000"/>
-            </a:schemeClr>
-          </a:lnRef>
-          <a:fillRef idx="1">
-            <a:schemeClr val="accent1"/>
-          </a:fillRef>
-          <a:effectRef idx="0">
-            <a:schemeClr val="accent1"/>
-          </a:effectRef>
-          <a:fontRef idx="minor">
-            <a:schemeClr val="lt1"/>
-          </a:fontRef>
-        </p:style>
-        <p:txBody>
-          <a:bodyPr rtlCol="0" anchor="ctr"/>
-          <a:lstStyle/>
-          <a:p>
-            <a:pPr algn="ctr"/>
-            <a:endParaRPr lang="de-DE"/>
-          </a:p>
-        </p:txBody>
-      </p:sp>
       <p:grpSp>
         <p:nvGrpSpPr>
           <p:cNvPr id="52" name="Group 51"/>
@@ -13115,10 +12663,10 @@
         </p:nvGrpSpPr>
         <p:grpSpPr>
           <a:xfrm>
-            <a:off x="9778364" y="1238207"/>
-            <a:ext cx="1381738" cy="673166"/>
-            <a:chOff x="2334271" y="318043"/>
-            <a:chExt cx="1457473" cy="673166"/>
+            <a:off x="9852504" y="3128790"/>
+            <a:ext cx="1554733" cy="592848"/>
+            <a:chOff x="2151794" y="398361"/>
+            <a:chExt cx="1639950" cy="592848"/>
           </a:xfrm>
         </p:grpSpPr>
         <p:cxnSp>
@@ -13168,7 +12716,7 @@
           </p:nvSpPr>
           <p:spPr>
             <a:xfrm>
-              <a:off x="2334271" y="318043"/>
+              <a:off x="2151794" y="398361"/>
               <a:ext cx="1408522" cy="523220"/>
             </a:xfrm>
             <a:prstGeom prst="rect">
@@ -13200,10 +12748,10 @@
         </p:nvGrpSpPr>
         <p:grpSpPr>
           <a:xfrm rot="2145737">
-            <a:off x="9865740" y="2637324"/>
-            <a:ext cx="1614441" cy="673166"/>
-            <a:chOff x="2334271" y="318043"/>
-            <a:chExt cx="1457473" cy="673166"/>
+            <a:off x="9959800" y="4509335"/>
+            <a:ext cx="1747595" cy="562033"/>
+            <a:chOff x="2214063" y="429176"/>
+            <a:chExt cx="1577681" cy="562033"/>
           </a:xfrm>
         </p:grpSpPr>
         <p:cxnSp>
@@ -13253,7 +12801,7 @@
           </p:nvSpPr>
           <p:spPr>
             <a:xfrm>
-              <a:off x="2334271" y="318043"/>
+              <a:off x="2214063" y="429176"/>
               <a:ext cx="1408522" cy="523220"/>
             </a:xfrm>
             <a:prstGeom prst="rect">
@@ -13299,7 +12847,7 @@
         </p:blipFill>
         <p:spPr>
           <a:xfrm>
-            <a:off x="11297689" y="1043141"/>
+            <a:off x="11544824" y="2853406"/>
             <a:ext cx="2294064" cy="1436808"/>
           </a:xfrm>
           <a:prstGeom prst="rect">
@@ -13330,7 +12878,7 @@
         </p:blipFill>
         <p:spPr bwMode="auto">
           <a:xfrm>
-            <a:off x="11356507" y="3170888"/>
+            <a:off x="11603642" y="4981153"/>
             <a:ext cx="2241408" cy="1631745"/>
           </a:xfrm>
           <a:prstGeom prst="rect">
@@ -13348,100 +12896,111 @@
           </a:extLst>
         </p:spPr>
       </p:pic>
-      <p:sp>
-        <p:nvSpPr>
-          <p:cNvPr id="81" name="TextBox 80"/>
-          <p:cNvSpPr txBox="1"/>
-          <p:nvPr/>
-        </p:nvSpPr>
-        <p:spPr>
-          <a:xfrm rot="19515035">
-            <a:off x="6045038" y="1975210"/>
-            <a:ext cx="1335331" cy="523220"/>
-          </a:xfrm>
-          <a:prstGeom prst="rect">
-            <a:avLst/>
-          </a:prstGeom>
-          <a:noFill/>
-        </p:spPr>
-        <p:txBody>
-          <a:bodyPr wrap="square" rtlCol="0">
-            <a:spAutoFit/>
-          </a:bodyPr>
-          <a:lstStyle/>
-          <a:p>
-            <a:pPr algn="ctr"/>
-            <a:r>
-              <a:rPr lang="en-US" sz="2800" b="1" dirty="0"/>
-              <a:t>run</a:t>
-            </a:r>
-            <a:endParaRPr lang="de-DE" sz="2800" b="1" dirty="0"/>
-          </a:p>
-        </p:txBody>
-      </p:sp>
       <p:grpSp>
         <p:nvGrpSpPr>
-          <p:cNvPr id="82" name="Group 81"/>
+          <p:cNvPr id="23" name="Group 22"/>
           <p:cNvGrpSpPr/>
           <p:nvPr/>
         </p:nvGrpSpPr>
         <p:grpSpPr>
-          <a:xfrm rot="2175025">
-            <a:off x="6432325" y="4611533"/>
-            <a:ext cx="2232998" cy="673166"/>
-            <a:chOff x="2334271" y="318043"/>
-            <a:chExt cx="1457473" cy="673166"/>
+          <a:xfrm rot="2019014">
+            <a:off x="6220420" y="3073224"/>
+            <a:ext cx="1560218" cy="962786"/>
+            <a:chOff x="6082866" y="1872306"/>
+            <a:chExt cx="1560218" cy="962786"/>
           </a:xfrm>
         </p:grpSpPr>
-        <p:cxnSp>
-          <p:nvCxnSpPr>
-            <p:cNvPr id="83" name="Straight Arrow Connector 82"/>
-            <p:cNvCxnSpPr/>
+        <p:grpSp>
+          <p:nvGrpSpPr>
+            <p:cNvPr id="69" name="Group 68"/>
+            <p:cNvGrpSpPr/>
             <p:nvPr/>
-          </p:nvCxnSpPr>
-          <p:spPr>
-            <a:xfrm flipV="1">
-              <a:off x="2346123" y="980728"/>
-              <a:ext cx="1445621" cy="10481"/>
+          </p:nvGrpSpPr>
+          <p:grpSpPr>
+            <a:xfrm rot="19611581">
+              <a:off x="6082866" y="1872306"/>
+              <a:ext cx="1560218" cy="962786"/>
+              <a:chOff x="2334271" y="318043"/>
+              <a:chExt cx="1408522" cy="962786"/>
             </a:xfrm>
-            <a:prstGeom prst="straightConnector1">
-              <a:avLst/>
-            </a:prstGeom>
-            <a:ln w="142875">
-              <a:solidFill>
-                <a:schemeClr val="tx1">
-                  <a:lumMod val="50000"/>
-                  <a:lumOff val="50000"/>
-                </a:schemeClr>
-              </a:solidFill>
-              <a:tailEnd type="triangle"/>
-            </a:ln>
-          </p:spPr>
-          <p:style>
-            <a:lnRef idx="1">
-              <a:schemeClr val="accent1"/>
-            </a:lnRef>
-            <a:fillRef idx="0">
-              <a:schemeClr val="accent1"/>
-            </a:fillRef>
-            <a:effectRef idx="0">
-              <a:schemeClr val="accent1"/>
-            </a:effectRef>
-            <a:fontRef idx="minor">
-              <a:schemeClr val="tx1"/>
-            </a:fontRef>
-          </p:style>
-        </p:cxnSp>
+          </p:grpSpPr>
+          <p:cxnSp>
+            <p:nvCxnSpPr>
+              <p:cNvPr id="70" name="Straight Arrow Connector 69"/>
+              <p:cNvCxnSpPr/>
+              <p:nvPr/>
+            </p:nvCxnSpPr>
+            <p:spPr>
+              <a:xfrm rot="21569405">
+                <a:off x="2417352" y="1280829"/>
+                <a:ext cx="1305142" cy="0"/>
+              </a:xfrm>
+              <a:prstGeom prst="straightConnector1">
+                <a:avLst/>
+              </a:prstGeom>
+              <a:ln w="142875">
+                <a:solidFill>
+                  <a:schemeClr val="tx1">
+                    <a:lumMod val="50000"/>
+                    <a:lumOff val="50000"/>
+                  </a:schemeClr>
+                </a:solidFill>
+                <a:tailEnd type="triangle"/>
+              </a:ln>
+            </p:spPr>
+            <p:style>
+              <a:lnRef idx="1">
+                <a:schemeClr val="accent1"/>
+              </a:lnRef>
+              <a:fillRef idx="0">
+                <a:schemeClr val="accent1"/>
+              </a:fillRef>
+              <a:effectRef idx="0">
+                <a:schemeClr val="accent1"/>
+              </a:effectRef>
+              <a:fontRef idx="minor">
+                <a:schemeClr val="tx1"/>
+              </a:fontRef>
+            </p:style>
+          </p:cxnSp>
+          <p:sp>
+            <p:nvSpPr>
+              <p:cNvPr id="71" name="TextBox 70"/>
+              <p:cNvSpPr txBox="1"/>
+              <p:nvPr/>
+            </p:nvSpPr>
+            <p:spPr>
+              <a:xfrm>
+                <a:off x="2334271" y="318043"/>
+                <a:ext cx="1408522" cy="523220"/>
+              </a:xfrm>
+              <a:prstGeom prst="rect">
+                <a:avLst/>
+              </a:prstGeom>
+              <a:noFill/>
+            </p:spPr>
+            <p:txBody>
+              <a:bodyPr wrap="square" rtlCol="0">
+                <a:spAutoFit/>
+              </a:bodyPr>
+              <a:lstStyle/>
+              <a:p>
+                <a:pPr algn="ctr"/>
+                <a:endParaRPr lang="de-DE" sz="2800" b="1" dirty="0"/>
+              </a:p>
+            </p:txBody>
+          </p:sp>
+        </p:grpSp>
         <p:sp>
           <p:nvSpPr>
-            <p:cNvPr id="84" name="TextBox 83"/>
+            <p:cNvPr id="81" name="TextBox 80"/>
             <p:cNvSpPr txBox="1"/>
             <p:nvPr/>
           </p:nvSpPr>
           <p:spPr>
-            <a:xfrm>
-              <a:off x="2334271" y="318043"/>
-              <a:ext cx="1408522" cy="523220"/>
+            <a:xfrm rot="19580986">
+              <a:off x="6232411" y="2229781"/>
+              <a:ext cx="1335331" cy="523220"/>
             </a:xfrm>
             <a:prstGeom prst="rect">
               <a:avLst/>
@@ -13455,6 +13014,10 @@
             <a:lstStyle/>
             <a:p>
               <a:pPr algn="ctr"/>
+              <a:r>
+                <a:rPr lang="en-US" sz="2800" b="1" dirty="0" smtClean="0"/>
+                <a:t>run</a:t>
+              </a:r>
               <a:endParaRPr lang="de-DE" sz="2800" b="1" dirty="0"/>
             </a:p>
           </p:txBody>
@@ -13483,8 +13046,8 @@
         </p:blipFill>
         <p:spPr bwMode="auto">
           <a:xfrm>
-            <a:off x="11353758" y="6017712"/>
-            <a:ext cx="2220092" cy="838701"/>
+            <a:off x="8944190" y="6833789"/>
+            <a:ext cx="1466377" cy="553964"/>
           </a:xfrm>
           <a:prstGeom prst="rect">
             <a:avLst/>
@@ -13501,193 +13064,107 @@
           </a:extLst>
         </p:spPr>
       </p:pic>
-      <p:sp>
-        <p:nvSpPr>
-          <p:cNvPr id="16" name="Rectangle 15"/>
-          <p:cNvSpPr/>
-          <p:nvPr/>
-        </p:nvSpPr>
-        <p:spPr>
-          <a:xfrm>
-            <a:off x="7926012" y="5317103"/>
-            <a:ext cx="2791326" cy="2215991"/>
-          </a:xfrm>
-          <a:prstGeom prst="rect">
-            <a:avLst/>
-          </a:prstGeom>
-        </p:spPr>
-        <p:txBody>
-          <a:bodyPr wrap="square">
-            <a:spAutoFit/>
-          </a:bodyPr>
-          <a:lstStyle/>
-          <a:p>
-            <a:r>
-              <a:rPr lang="de-DE" sz="13800" dirty="0">
-                <a:solidFill>
-                  <a:schemeClr val="tx2">
-                    <a:lumMod val="60000"/>
-                    <a:lumOff val="40000"/>
-                  </a:schemeClr>
-                </a:solidFill>
-                <a:latin typeface="FontAwesome" pitchFamily="2" charset="0"/>
-              </a:rPr>
-              <a:t></a:t>
-            </a:r>
-            <a:endParaRPr lang="de-DE" sz="2400" dirty="0">
-              <a:latin typeface="FontAwesome" pitchFamily="2" charset="0"/>
-            </a:endParaRPr>
-          </a:p>
-        </p:txBody>
-      </p:sp>
-      <p:sp>
-        <p:nvSpPr>
-          <p:cNvPr id="17" name="Rectangle 16"/>
-          <p:cNvSpPr/>
-          <p:nvPr/>
-        </p:nvSpPr>
-        <p:spPr>
-          <a:xfrm>
-            <a:off x="8428894" y="5748821"/>
-            <a:ext cx="1050288" cy="1708160"/>
-          </a:xfrm>
-          <a:prstGeom prst="rect">
-            <a:avLst/>
-          </a:prstGeom>
-        </p:spPr>
-        <p:txBody>
-          <a:bodyPr wrap="none">
-            <a:spAutoFit/>
-          </a:bodyPr>
-          <a:lstStyle/>
-          <a:p>
-            <a:r>
-              <a:rPr lang="de-DE" sz="10500" dirty="0">
-                <a:solidFill>
-                  <a:schemeClr val="tx2"/>
-                </a:solidFill>
-                <a:latin typeface="FontAwesome" pitchFamily="2" charset="0"/>
-              </a:rPr>
-              <a:t></a:t>
-            </a:r>
-            <a:endParaRPr lang="de-DE" sz="10500" dirty="0">
-              <a:solidFill>
-                <a:schemeClr val="tx2"/>
-              </a:solidFill>
-            </a:endParaRPr>
-          </a:p>
-        </p:txBody>
-      </p:sp>
-      <p:sp>
-        <p:nvSpPr>
-          <p:cNvPr id="86" name="TextBox 85"/>
-          <p:cNvSpPr txBox="1"/>
-          <p:nvPr/>
-        </p:nvSpPr>
-        <p:spPr>
-          <a:xfrm>
-            <a:off x="7477384" y="6548681"/>
-            <a:ext cx="2953724" cy="400110"/>
-          </a:xfrm>
-          <a:prstGeom prst="rect">
-            <a:avLst/>
-          </a:prstGeom>
-          <a:noFill/>
-        </p:spPr>
-        <p:txBody>
-          <a:bodyPr wrap="square" rtlCol="0">
-            <a:spAutoFit/>
-          </a:bodyPr>
-          <a:lstStyle/>
-          <a:p>
-            <a:pPr algn="ctr"/>
-            <a:r>
-              <a:rPr lang="en-US" sz="2000" b="1" dirty="0" err="1">
-                <a:solidFill>
-                  <a:schemeClr val="bg1"/>
-                </a:solidFill>
-              </a:rPr>
-              <a:t>Boxfuse</a:t>
-            </a:r>
-            <a:r>
-              <a:rPr lang="en-US" sz="2000" b="1" dirty="0">
-                <a:solidFill>
-                  <a:schemeClr val="bg1"/>
-                </a:solidFill>
-              </a:rPr>
-              <a:t> Vault</a:t>
-            </a:r>
-            <a:endParaRPr lang="de-DE" sz="2000" b="1" dirty="0">
-              <a:solidFill>
-                <a:schemeClr val="bg1"/>
-              </a:solidFill>
-            </a:endParaRPr>
-          </a:p>
-        </p:txBody>
-      </p:sp>
       <p:grpSp>
         <p:nvGrpSpPr>
-          <p:cNvPr id="87" name="Group 86"/>
+          <p:cNvPr id="18" name="Group 17"/>
           <p:cNvGrpSpPr/>
           <p:nvPr/>
         </p:nvGrpSpPr>
         <p:grpSpPr>
-          <a:xfrm rot="12978250">
-            <a:off x="5862829" y="5461764"/>
-            <a:ext cx="2232998" cy="673166"/>
-            <a:chOff x="2334271" y="318043"/>
-            <a:chExt cx="1457473" cy="673166"/>
+          <a:xfrm>
+            <a:off x="7123670" y="-126049"/>
+            <a:ext cx="3239954" cy="2215991"/>
+            <a:chOff x="7477384" y="5317103"/>
+            <a:chExt cx="3239954" cy="2215991"/>
           </a:xfrm>
         </p:grpSpPr>
-        <p:cxnSp>
-          <p:nvCxnSpPr>
-            <p:cNvPr id="88" name="Straight Arrow Connector 87"/>
-            <p:cNvCxnSpPr/>
+        <p:sp>
+          <p:nvSpPr>
+            <p:cNvPr id="16" name="Rectangle 15"/>
+            <p:cNvSpPr/>
             <p:nvPr/>
-          </p:nvCxnSpPr>
+          </p:nvSpPr>
           <p:spPr>
-            <a:xfrm flipV="1">
-              <a:off x="2346123" y="980728"/>
-              <a:ext cx="1445621" cy="10481"/>
+            <a:xfrm>
+              <a:off x="7926012" y="5317103"/>
+              <a:ext cx="2791326" cy="2215991"/>
             </a:xfrm>
-            <a:prstGeom prst="straightConnector1">
+            <a:prstGeom prst="rect">
               <a:avLst/>
             </a:prstGeom>
-            <a:ln w="142875">
-              <a:solidFill>
-                <a:schemeClr val="tx1">
-                  <a:lumMod val="50000"/>
-                  <a:lumOff val="50000"/>
-                </a:schemeClr>
-              </a:solidFill>
-              <a:tailEnd type="triangle"/>
-            </a:ln>
           </p:spPr>
-          <p:style>
-            <a:lnRef idx="1">
-              <a:schemeClr val="accent1"/>
-            </a:lnRef>
-            <a:fillRef idx="0">
-              <a:schemeClr val="accent1"/>
-            </a:fillRef>
-            <a:effectRef idx="0">
-              <a:schemeClr val="accent1"/>
-            </a:effectRef>
-            <a:fontRef idx="minor">
-              <a:schemeClr val="tx1"/>
-            </a:fontRef>
-          </p:style>
-        </p:cxnSp>
+          <p:txBody>
+            <a:bodyPr wrap="square">
+              <a:spAutoFit/>
+            </a:bodyPr>
+            <a:lstStyle/>
+            <a:p>
+              <a:r>
+                <a:rPr lang="de-DE" sz="13800" dirty="0">
+                  <a:solidFill>
+                    <a:schemeClr val="tx2">
+                      <a:lumMod val="60000"/>
+                      <a:lumOff val="40000"/>
+                    </a:schemeClr>
+                  </a:solidFill>
+                  <a:latin typeface="FontAwesome" pitchFamily="2" charset="0"/>
+                </a:rPr>
+                <a:t></a:t>
+              </a:r>
+              <a:endParaRPr lang="de-DE" sz="2400" dirty="0">
+                <a:latin typeface="FontAwesome" pitchFamily="2" charset="0"/>
+              </a:endParaRPr>
+            </a:p>
+          </p:txBody>
+        </p:sp>
         <p:sp>
           <p:nvSpPr>
-            <p:cNvPr id="89" name="TextBox 88"/>
+            <p:cNvPr id="17" name="Rectangle 16"/>
+            <p:cNvSpPr/>
+            <p:nvPr/>
+          </p:nvSpPr>
+          <p:spPr>
+            <a:xfrm>
+              <a:off x="8428894" y="5748821"/>
+              <a:ext cx="1050288" cy="1708160"/>
+            </a:xfrm>
+            <a:prstGeom prst="rect">
+              <a:avLst/>
+            </a:prstGeom>
+          </p:spPr>
+          <p:txBody>
+            <a:bodyPr wrap="none">
+              <a:spAutoFit/>
+            </a:bodyPr>
+            <a:lstStyle/>
+            <a:p>
+              <a:r>
+                <a:rPr lang="de-DE" sz="10500" dirty="0">
+                  <a:solidFill>
+                    <a:schemeClr val="tx2"/>
+                  </a:solidFill>
+                  <a:latin typeface="FontAwesome" pitchFamily="2" charset="0"/>
+                </a:rPr>
+                <a:t></a:t>
+              </a:r>
+              <a:endParaRPr lang="de-DE" sz="10500" dirty="0">
+                <a:solidFill>
+                  <a:schemeClr val="tx2"/>
+                </a:solidFill>
+              </a:endParaRPr>
+            </a:p>
+          </p:txBody>
+        </p:sp>
+        <p:sp>
+          <p:nvSpPr>
+            <p:cNvPr id="86" name="TextBox 85"/>
             <p:cNvSpPr txBox="1"/>
             <p:nvPr/>
           </p:nvSpPr>
           <p:spPr>
             <a:xfrm>
-              <a:off x="2334271" y="318043"/>
-              <a:ext cx="1408522" cy="523220"/>
+              <a:off x="7477384" y="6548681"/>
+              <a:ext cx="2953724" cy="400110"/>
             </a:xfrm>
             <a:prstGeom prst="rect">
               <a:avLst/>
@@ -13701,143 +13178,285 @@
             <a:lstStyle/>
             <a:p>
               <a:pPr algn="ctr"/>
+              <a:r>
+                <a:rPr lang="en-US" sz="2000" b="1" dirty="0" err="1">
+                  <a:solidFill>
+                    <a:schemeClr val="bg1"/>
+                  </a:solidFill>
+                </a:rPr>
+                <a:t>Boxfuse</a:t>
+              </a:r>
+              <a:r>
+                <a:rPr lang="en-US" sz="2000" b="1" dirty="0">
+                  <a:solidFill>
+                    <a:schemeClr val="bg1"/>
+                  </a:solidFill>
+                </a:rPr>
+                <a:t> Vault</a:t>
+              </a:r>
+              <a:endParaRPr lang="de-DE" sz="2000" b="1" dirty="0">
+                <a:solidFill>
+                  <a:schemeClr val="bg1"/>
+                </a:solidFill>
+              </a:endParaRPr>
+            </a:p>
+          </p:txBody>
+        </p:sp>
+      </p:grpSp>
+      <p:grpSp>
+        <p:nvGrpSpPr>
+          <p:cNvPr id="4" name="Group 3"/>
+          <p:cNvGrpSpPr/>
+          <p:nvPr/>
+        </p:nvGrpSpPr>
+        <p:grpSpPr>
+          <a:xfrm rot="16619105">
+            <a:off x="5632642" y="950897"/>
+            <a:ext cx="2158000" cy="1871099"/>
+            <a:chOff x="6193846" y="4323361"/>
+            <a:chExt cx="2158000" cy="1871099"/>
+          </a:xfrm>
+        </p:grpSpPr>
+        <p:grpSp>
+          <p:nvGrpSpPr>
+            <p:cNvPr id="82" name="Group 81"/>
+            <p:cNvGrpSpPr/>
+            <p:nvPr/>
+          </p:nvGrpSpPr>
+          <p:grpSpPr>
+            <a:xfrm rot="2175025">
+              <a:off x="6193846" y="4598766"/>
+              <a:ext cx="2158000" cy="1595694"/>
+              <a:chOff x="2386580" y="381655"/>
+              <a:chExt cx="1408522" cy="1595694"/>
+            </a:xfrm>
+          </p:grpSpPr>
+          <p:cxnSp>
+            <p:nvCxnSpPr>
+              <p:cNvPr id="83" name="Straight Arrow Connector 82"/>
+              <p:cNvCxnSpPr/>
+              <p:nvPr/>
+            </p:nvCxnSpPr>
+            <p:spPr>
+              <a:xfrm rot="2805870" flipV="1">
+                <a:off x="2177790" y="805057"/>
+                <a:ext cx="1595694" cy="748889"/>
+              </a:xfrm>
+              <a:prstGeom prst="straightConnector1">
+                <a:avLst/>
+              </a:prstGeom>
+              <a:ln w="142875">
+                <a:solidFill>
+                  <a:schemeClr val="tx1">
+                    <a:lumMod val="50000"/>
+                    <a:lumOff val="50000"/>
+                  </a:schemeClr>
+                </a:solidFill>
+                <a:tailEnd type="triangle"/>
+              </a:ln>
+            </p:spPr>
+            <p:style>
+              <a:lnRef idx="1">
+                <a:schemeClr val="accent1"/>
+              </a:lnRef>
+              <a:fillRef idx="0">
+                <a:schemeClr val="accent1"/>
+              </a:fillRef>
+              <a:effectRef idx="0">
+                <a:schemeClr val="accent1"/>
+              </a:effectRef>
+              <a:fontRef idx="minor">
+                <a:schemeClr val="tx1"/>
+              </a:fontRef>
+            </p:style>
+          </p:cxnSp>
+          <p:sp>
+            <p:nvSpPr>
+              <p:cNvPr id="84" name="TextBox 83"/>
+              <p:cNvSpPr txBox="1"/>
+              <p:nvPr/>
+            </p:nvSpPr>
+            <p:spPr>
+              <a:xfrm rot="587581">
+                <a:off x="2386580" y="412299"/>
+                <a:ext cx="1408522" cy="523220"/>
+              </a:xfrm>
+              <a:prstGeom prst="rect">
+                <a:avLst/>
+              </a:prstGeom>
+              <a:noFill/>
+            </p:spPr>
+            <p:txBody>
+              <a:bodyPr wrap="square" rtlCol="0">
+                <a:spAutoFit/>
+              </a:bodyPr>
+              <a:lstStyle/>
+              <a:p>
+                <a:pPr algn="ctr"/>
+                <a:endParaRPr lang="de-DE" sz="2800" b="1" dirty="0"/>
+              </a:p>
+            </p:txBody>
+          </p:sp>
+        </p:grpSp>
+        <p:sp>
+          <p:nvSpPr>
+            <p:cNvPr id="90" name="TextBox 89"/>
+            <p:cNvSpPr txBox="1"/>
+            <p:nvPr/>
+          </p:nvSpPr>
+          <p:spPr>
+            <a:xfrm rot="2888955">
+              <a:off x="6614341" y="4729417"/>
+              <a:ext cx="1335331" cy="523220"/>
+            </a:xfrm>
+            <a:prstGeom prst="rect">
+              <a:avLst/>
+            </a:prstGeom>
+            <a:noFill/>
+          </p:spPr>
+          <p:txBody>
+            <a:bodyPr wrap="square" rtlCol="0">
+              <a:spAutoFit/>
+            </a:bodyPr>
+            <a:lstStyle/>
+            <a:p>
+              <a:pPr algn="ctr"/>
+              <a:r>
+                <a:rPr lang="en-US" sz="2800" b="1" dirty="0"/>
+                <a:t>push</a:t>
+              </a:r>
               <a:endParaRPr lang="de-DE" sz="2800" b="1" dirty="0"/>
             </a:p>
           </p:txBody>
         </p:sp>
       </p:grpSp>
-      <p:sp>
-        <p:nvSpPr>
-          <p:cNvPr id="90" name="TextBox 89"/>
-          <p:cNvSpPr txBox="1"/>
+      <p:grpSp>
+        <p:nvGrpSpPr>
+          <p:cNvPr id="12" name="Group 11"/>
+          <p:cNvGrpSpPr/>
           <p:nvPr/>
-        </p:nvSpPr>
-        <p:spPr>
-          <a:xfrm rot="2208853">
-            <a:off x="6835111" y="4702368"/>
-            <a:ext cx="1335331" cy="523220"/>
-          </a:xfrm>
-          <a:prstGeom prst="rect">
-            <a:avLst/>
-          </a:prstGeom>
-          <a:noFill/>
-        </p:spPr>
-        <p:txBody>
-          <a:bodyPr wrap="square" rtlCol="0">
-            <a:spAutoFit/>
-          </a:bodyPr>
-          <a:lstStyle/>
-          <a:p>
-            <a:pPr algn="ctr"/>
-            <a:r>
-              <a:rPr lang="en-US" sz="2800" b="1" dirty="0"/>
-              <a:t>push</a:t>
-            </a:r>
-            <a:endParaRPr lang="de-DE" sz="2800" b="1" dirty="0"/>
-          </a:p>
-        </p:txBody>
-      </p:sp>
-      <p:sp>
-        <p:nvSpPr>
-          <p:cNvPr id="91" name="TextBox 90"/>
-          <p:cNvSpPr txBox="1"/>
-          <p:nvPr/>
-        </p:nvSpPr>
-        <p:spPr>
-          <a:xfrm rot="2208853">
-            <a:off x="6434058" y="5492442"/>
-            <a:ext cx="1335331" cy="523220"/>
-          </a:xfrm>
-          <a:prstGeom prst="rect">
-            <a:avLst/>
-          </a:prstGeom>
-          <a:noFill/>
-        </p:spPr>
-        <p:txBody>
-          <a:bodyPr wrap="square" rtlCol="0">
-            <a:spAutoFit/>
-          </a:bodyPr>
-          <a:lstStyle/>
-          <a:p>
-            <a:pPr algn="ctr"/>
-            <a:r>
-              <a:rPr lang="en-US" sz="2800" b="1" dirty="0"/>
-              <a:t>pull</a:t>
-            </a:r>
-            <a:endParaRPr lang="de-DE" sz="2800" b="1" dirty="0"/>
-          </a:p>
-        </p:txBody>
-      </p:sp>
-      <p:sp>
-        <p:nvSpPr>
-          <p:cNvPr id="92" name="TextBox 91"/>
-          <p:cNvSpPr txBox="1"/>
-          <p:nvPr/>
-        </p:nvSpPr>
-        <p:spPr>
-          <a:xfrm>
-            <a:off x="9875090" y="5841357"/>
-            <a:ext cx="1335331" cy="523220"/>
-          </a:xfrm>
-          <a:prstGeom prst="rect">
-            <a:avLst/>
-          </a:prstGeom>
-          <a:noFill/>
-        </p:spPr>
-        <p:txBody>
-          <a:bodyPr wrap="square" rtlCol="0">
-            <a:spAutoFit/>
-          </a:bodyPr>
-          <a:lstStyle/>
-          <a:p>
-            <a:pPr algn="ctr"/>
-            <a:r>
-              <a:rPr lang="en-US" sz="2800" b="1" dirty="0"/>
-              <a:t>deploy</a:t>
-            </a:r>
-            <a:endParaRPr lang="de-DE" sz="2800" b="1" dirty="0"/>
-          </a:p>
-        </p:txBody>
-      </p:sp>
-      <p:cxnSp>
-        <p:nvCxnSpPr>
-          <p:cNvPr id="94" name="Straight Arrow Connector 93"/>
-          <p:cNvCxnSpPr/>
-          <p:nvPr/>
-        </p:nvCxnSpPr>
-        <p:spPr>
-          <a:xfrm flipV="1">
-            <a:off x="9917937" y="6529041"/>
-            <a:ext cx="1370502" cy="10481"/>
-          </a:xfrm>
-          <a:prstGeom prst="straightConnector1">
-            <a:avLst/>
-          </a:prstGeom>
-          <a:ln w="142875">
-            <a:solidFill>
-              <a:schemeClr val="tx1">
-                <a:lumMod val="50000"/>
-                <a:lumOff val="50000"/>
-              </a:schemeClr>
-            </a:solidFill>
-            <a:tailEnd type="triangle"/>
-          </a:ln>
-        </p:spPr>
-        <p:style>
-          <a:lnRef idx="1">
-            <a:schemeClr val="accent1"/>
-          </a:lnRef>
-          <a:fillRef idx="0">
-            <a:schemeClr val="accent1"/>
-          </a:fillRef>
-          <a:effectRef idx="0">
-            <a:schemeClr val="accent1"/>
-          </a:effectRef>
-          <a:fontRef idx="minor">
-            <a:schemeClr val="tx1"/>
-          </a:fontRef>
-        </p:style>
-      </p:cxnSp>
+        </p:nvGrpSpPr>
+        <p:grpSpPr>
+          <a:xfrm rot="17651277">
+            <a:off x="5756927" y="1995803"/>
+            <a:ext cx="2158000" cy="1172414"/>
+            <a:chOff x="6053845" y="5107898"/>
+            <a:chExt cx="2158000" cy="1172414"/>
+          </a:xfrm>
+        </p:grpSpPr>
+        <p:grpSp>
+          <p:nvGrpSpPr>
+            <p:cNvPr id="87" name="Group 86"/>
+            <p:cNvGrpSpPr/>
+            <p:nvPr/>
+          </p:nvGrpSpPr>
+          <p:grpSpPr>
+            <a:xfrm rot="12978250">
+              <a:off x="6053845" y="5107898"/>
+              <a:ext cx="2158000" cy="1089658"/>
+              <a:chOff x="2334271" y="318043"/>
+              <a:chExt cx="1408522" cy="1089658"/>
+            </a:xfrm>
+          </p:grpSpPr>
+          <p:cxnSp>
+            <p:nvCxnSpPr>
+              <p:cNvPr id="88" name="Straight Arrow Connector 87"/>
+              <p:cNvCxnSpPr/>
+              <p:nvPr/>
+            </p:nvCxnSpPr>
+            <p:spPr>
+              <a:xfrm rot="12570473" flipH="1">
+                <a:off x="2440716" y="440897"/>
+                <a:ext cx="937653" cy="966804"/>
+              </a:xfrm>
+              <a:prstGeom prst="straightConnector1">
+                <a:avLst/>
+              </a:prstGeom>
+              <a:ln w="142875">
+                <a:solidFill>
+                  <a:schemeClr val="tx1">
+                    <a:lumMod val="50000"/>
+                    <a:lumOff val="50000"/>
+                  </a:schemeClr>
+                </a:solidFill>
+                <a:tailEnd type="triangle"/>
+              </a:ln>
+            </p:spPr>
+            <p:style>
+              <a:lnRef idx="1">
+                <a:schemeClr val="accent1"/>
+              </a:lnRef>
+              <a:fillRef idx="0">
+                <a:schemeClr val="accent1"/>
+              </a:fillRef>
+              <a:effectRef idx="0">
+                <a:schemeClr val="accent1"/>
+              </a:effectRef>
+              <a:fontRef idx="minor">
+                <a:schemeClr val="tx1"/>
+              </a:fontRef>
+            </p:style>
+          </p:cxnSp>
+          <p:sp>
+            <p:nvSpPr>
+              <p:cNvPr id="89" name="TextBox 88"/>
+              <p:cNvSpPr txBox="1"/>
+              <p:nvPr/>
+            </p:nvSpPr>
+            <p:spPr>
+              <a:xfrm>
+                <a:off x="2334271" y="318043"/>
+                <a:ext cx="1408522" cy="523220"/>
+              </a:xfrm>
+              <a:prstGeom prst="rect">
+                <a:avLst/>
+              </a:prstGeom>
+              <a:noFill/>
+            </p:spPr>
+            <p:txBody>
+              <a:bodyPr wrap="square" rtlCol="0">
+                <a:spAutoFit/>
+              </a:bodyPr>
+              <a:lstStyle/>
+              <a:p>
+                <a:pPr algn="ctr"/>
+                <a:endParaRPr lang="de-DE" sz="2800" b="1" dirty="0"/>
+              </a:p>
+            </p:txBody>
+          </p:sp>
+        </p:grpSp>
+        <p:sp>
+          <p:nvSpPr>
+            <p:cNvPr id="91" name="TextBox 90"/>
+            <p:cNvSpPr txBox="1"/>
+            <p:nvPr/>
+          </p:nvSpPr>
+          <p:spPr>
+            <a:xfrm rot="1861538">
+              <a:off x="6613888" y="5757092"/>
+              <a:ext cx="1335331" cy="523220"/>
+            </a:xfrm>
+            <a:prstGeom prst="rect">
+              <a:avLst/>
+            </a:prstGeom>
+            <a:noFill/>
+          </p:spPr>
+          <p:txBody>
+            <a:bodyPr wrap="square" rtlCol="0">
+              <a:spAutoFit/>
+            </a:bodyPr>
+            <a:lstStyle/>
+            <a:p>
+              <a:pPr algn="ctr"/>
+              <a:r>
+                <a:rPr lang="en-US" sz="2800" b="1" dirty="0"/>
+                <a:t>pull</a:t>
+              </a:r>
+              <a:endParaRPr lang="de-DE" sz="2800" b="1" dirty="0"/>
+            </a:p>
+          </p:txBody>
+        </p:sp>
+      </p:grpSp>
       <p:grpSp>
         <p:nvGrpSpPr>
           <p:cNvPr id="58" name="Group 57"/>
@@ -13845,9 +13464,9 @@
           <p:nvPr/>
         </p:nvGrpSpPr>
         <p:grpSpPr>
-          <a:xfrm rot="2301636">
-            <a:off x="2823745" y="1860669"/>
-            <a:ext cx="1683509" cy="673166"/>
+          <a:xfrm rot="2542460">
+            <a:off x="2685358" y="2530805"/>
+            <a:ext cx="1920481" cy="673166"/>
             <a:chOff x="2334271" y="318043"/>
             <a:chExt cx="1457473" cy="673166"/>
           </a:xfrm>
@@ -13915,6 +13534,407 @@
             <a:p>
               <a:pPr algn="ctr"/>
               <a:endParaRPr lang="de-DE" sz="2800" b="1" dirty="0"/>
+            </a:p>
+          </p:txBody>
+        </p:sp>
+      </p:grpSp>
+      <p:grpSp>
+        <p:nvGrpSpPr>
+          <p:cNvPr id="32" name="Group 31"/>
+          <p:cNvGrpSpPr/>
+          <p:nvPr/>
+        </p:nvGrpSpPr>
+        <p:grpSpPr>
+          <a:xfrm>
+            <a:off x="265977" y="2266599"/>
+            <a:ext cx="3320724" cy="1569660"/>
+            <a:chOff x="272155" y="308052"/>
+            <a:chExt cx="3320724" cy="1569661"/>
+          </a:xfrm>
+        </p:grpSpPr>
+        <p:sp>
+          <p:nvSpPr>
+            <p:cNvPr id="5" name="Rectangle 4"/>
+            <p:cNvSpPr/>
+            <p:nvPr/>
+          </p:nvSpPr>
+          <p:spPr>
+            <a:xfrm>
+              <a:off x="272155" y="308052"/>
+              <a:ext cx="3320724" cy="1569661"/>
+            </a:xfrm>
+            <a:prstGeom prst="rect">
+              <a:avLst/>
+            </a:prstGeom>
+            <a:ln>
+              <a:noFill/>
+            </a:ln>
+          </p:spPr>
+          <p:txBody>
+            <a:bodyPr wrap="square">
+              <a:spAutoFit/>
+            </a:bodyPr>
+            <a:lstStyle/>
+            <a:p>
+              <a:pPr algn="ctr"/>
+              <a:r>
+                <a:rPr lang="de-DE" sz="9600" dirty="0">
+                  <a:solidFill>
+                    <a:schemeClr val="tx2">
+                      <a:lumMod val="60000"/>
+                      <a:lumOff val="40000"/>
+                    </a:schemeClr>
+                  </a:solidFill>
+                  <a:latin typeface="FontAwesome" pitchFamily="2" charset="0"/>
+                </a:rPr>
+                <a:t></a:t>
+              </a:r>
+              <a:endParaRPr lang="de-DE" sz="9600" dirty="0">
+                <a:solidFill>
+                  <a:schemeClr val="tx2">
+                    <a:lumMod val="60000"/>
+                    <a:lumOff val="40000"/>
+                  </a:schemeClr>
+                </a:solidFill>
+              </a:endParaRPr>
+            </a:p>
+          </p:txBody>
+        </p:sp>
+        <p:sp>
+          <p:nvSpPr>
+            <p:cNvPr id="80" name="Rectangle 79"/>
+            <p:cNvSpPr/>
+            <p:nvPr/>
+          </p:nvSpPr>
+          <p:spPr>
+            <a:xfrm>
+              <a:off x="1505505" y="526031"/>
+              <a:ext cx="777777" cy="1200330"/>
+            </a:xfrm>
+            <a:prstGeom prst="rect">
+              <a:avLst/>
+            </a:prstGeom>
+          </p:spPr>
+          <p:txBody>
+            <a:bodyPr wrap="none">
+              <a:spAutoFit/>
+            </a:bodyPr>
+            <a:lstStyle/>
+            <a:p>
+              <a:r>
+                <a:rPr lang="de-DE" sz="7200" dirty="0">
+                  <a:solidFill>
+                    <a:schemeClr val="tx2"/>
+                  </a:solidFill>
+                  <a:latin typeface="FontAwesome" pitchFamily="2" charset="0"/>
+                </a:rPr>
+                <a:t></a:t>
+              </a:r>
+              <a:endParaRPr lang="de-DE" sz="7200" dirty="0">
+                <a:solidFill>
+                  <a:schemeClr val="tx2"/>
+                </a:solidFill>
+              </a:endParaRPr>
+            </a:p>
+          </p:txBody>
+        </p:sp>
+        <p:sp>
+          <p:nvSpPr>
+            <p:cNvPr id="28" name="TextBox 27"/>
+            <p:cNvSpPr txBox="1"/>
+            <p:nvPr/>
+          </p:nvSpPr>
+          <p:spPr>
+            <a:xfrm>
+              <a:off x="432189" y="953494"/>
+              <a:ext cx="2953723" cy="584775"/>
+            </a:xfrm>
+            <a:prstGeom prst="rect">
+              <a:avLst/>
+            </a:prstGeom>
+            <a:noFill/>
+          </p:spPr>
+          <p:txBody>
+            <a:bodyPr wrap="square" rtlCol="0">
+              <a:spAutoFit/>
+            </a:bodyPr>
+            <a:lstStyle/>
+            <a:p>
+              <a:pPr algn="ctr"/>
+              <a:r>
+                <a:rPr lang="en-US" sz="1600" b="1" dirty="0" err="1" smtClean="0">
+                  <a:solidFill>
+                    <a:schemeClr val="bg1"/>
+                  </a:solidFill>
+                </a:rPr>
+                <a:t>Boxfuse</a:t>
+              </a:r>
+              <a:endParaRPr lang="en-US" sz="1600" b="1" dirty="0">
+                <a:solidFill>
+                  <a:schemeClr val="bg1"/>
+                </a:solidFill>
+              </a:endParaRPr>
+            </a:p>
+            <a:p>
+              <a:pPr algn="ctr"/>
+              <a:r>
+                <a:rPr lang="en-US" sz="1600" b="1" dirty="0" smtClean="0">
+                  <a:solidFill>
+                    <a:schemeClr val="bg1"/>
+                  </a:solidFill>
+                </a:rPr>
+                <a:t>Inventory</a:t>
+              </a:r>
+              <a:endParaRPr lang="de-DE" sz="1600" b="1" dirty="0">
+                <a:solidFill>
+                  <a:schemeClr val="bg1"/>
+                </a:solidFill>
+              </a:endParaRPr>
+            </a:p>
+          </p:txBody>
+        </p:sp>
+      </p:grpSp>
+      <p:sp>
+        <p:nvSpPr>
+          <p:cNvPr id="93" name="Rounded Rectangle 92"/>
+          <p:cNvSpPr/>
+          <p:nvPr/>
+        </p:nvSpPr>
+        <p:spPr>
+          <a:xfrm>
+            <a:off x="1040524" y="520263"/>
+            <a:ext cx="1686910" cy="1901662"/>
+          </a:xfrm>
+          <a:prstGeom prst="roundRect">
+            <a:avLst/>
+          </a:prstGeom>
+          <a:noFill/>
+          <a:ln w="57150">
+            <a:solidFill>
+              <a:schemeClr val="bg1">
+                <a:lumMod val="50000"/>
+              </a:schemeClr>
+            </a:solidFill>
+            <a:prstDash val="dash"/>
+          </a:ln>
+        </p:spPr>
+        <p:style>
+          <a:lnRef idx="2">
+            <a:schemeClr val="accent1">
+              <a:shade val="50000"/>
+            </a:schemeClr>
+          </a:lnRef>
+          <a:fillRef idx="1">
+            <a:schemeClr val="accent1"/>
+          </a:fillRef>
+          <a:effectRef idx="0">
+            <a:schemeClr val="accent1"/>
+          </a:effectRef>
+          <a:fontRef idx="minor">
+            <a:schemeClr val="lt1"/>
+          </a:fontRef>
+        </p:style>
+        <p:txBody>
+          <a:bodyPr rtlCol="0" anchor="ctr"/>
+          <a:lstStyle/>
+          <a:p>
+            <a:pPr algn="ctr"/>
+            <a:endParaRPr lang="de-DE"/>
+          </a:p>
+        </p:txBody>
+      </p:sp>
+      <p:grpSp>
+        <p:nvGrpSpPr>
+          <p:cNvPr id="34" name="Group 33"/>
+          <p:cNvGrpSpPr/>
+          <p:nvPr/>
+        </p:nvGrpSpPr>
+        <p:grpSpPr>
+          <a:xfrm>
+            <a:off x="1155127" y="1575483"/>
+            <a:ext cx="1423555" cy="685800"/>
+            <a:chOff x="1155127" y="1365420"/>
+            <a:chExt cx="1423555" cy="685800"/>
+          </a:xfrm>
+        </p:grpSpPr>
+        <p:sp>
+          <p:nvSpPr>
+            <p:cNvPr id="33" name="Snip Diagonal Corner Rectangle 32"/>
+            <p:cNvSpPr/>
+            <p:nvPr/>
+          </p:nvSpPr>
+          <p:spPr>
+            <a:xfrm>
+              <a:off x="1167714" y="1365420"/>
+              <a:ext cx="1402491" cy="685800"/>
+            </a:xfrm>
+            <a:prstGeom prst="snip2DiagRect">
+              <a:avLst/>
+            </a:prstGeom>
+            <a:ln w="76200"/>
+          </p:spPr>
+          <p:style>
+            <a:lnRef idx="2">
+              <a:schemeClr val="accent4">
+                <a:shade val="50000"/>
+              </a:schemeClr>
+            </a:lnRef>
+            <a:fillRef idx="1">
+              <a:schemeClr val="accent4"/>
+            </a:fillRef>
+            <a:effectRef idx="0">
+              <a:schemeClr val="accent4"/>
+            </a:effectRef>
+            <a:fontRef idx="minor">
+              <a:schemeClr val="lt1"/>
+            </a:fontRef>
+          </p:style>
+          <p:txBody>
+            <a:bodyPr rtlCol="0" anchor="ctr"/>
+            <a:lstStyle/>
+            <a:p>
+              <a:pPr algn="ctr"/>
+              <a:endParaRPr lang="de-DE" dirty="0"/>
+            </a:p>
+          </p:txBody>
+        </p:sp>
+        <p:sp>
+          <p:nvSpPr>
+            <p:cNvPr id="95" name="TextBox 94"/>
+            <p:cNvSpPr txBox="1"/>
+            <p:nvPr/>
+          </p:nvSpPr>
+          <p:spPr>
+            <a:xfrm>
+              <a:off x="1155127" y="1506035"/>
+              <a:ext cx="1423555" cy="400110"/>
+            </a:xfrm>
+            <a:prstGeom prst="rect">
+              <a:avLst/>
+            </a:prstGeom>
+            <a:noFill/>
+            <a:ln w="76200">
+              <a:noFill/>
+            </a:ln>
+          </p:spPr>
+          <p:txBody>
+            <a:bodyPr wrap="square" rtlCol="0">
+              <a:spAutoFit/>
+            </a:bodyPr>
+            <a:lstStyle/>
+            <a:p>
+              <a:pPr algn="ctr"/>
+              <a:r>
+                <a:rPr lang="en-US" sz="2000" b="1" dirty="0" smtClean="0">
+                  <a:solidFill>
+                    <a:schemeClr val="bg1"/>
+                  </a:solidFill>
+                </a:rPr>
+                <a:t>Component</a:t>
+              </a:r>
+              <a:endParaRPr lang="de-DE" sz="2400" b="1" dirty="0">
+                <a:solidFill>
+                  <a:schemeClr val="bg1"/>
+                </a:solidFill>
+              </a:endParaRPr>
+            </a:p>
+          </p:txBody>
+        </p:sp>
+      </p:grpSp>
+      <p:grpSp>
+        <p:nvGrpSpPr>
+          <p:cNvPr id="42" name="Group 41"/>
+          <p:cNvGrpSpPr/>
+          <p:nvPr/>
+        </p:nvGrpSpPr>
+        <p:grpSpPr>
+          <a:xfrm>
+            <a:off x="1159246" y="720809"/>
+            <a:ext cx="1423555" cy="685800"/>
+            <a:chOff x="1159246" y="646669"/>
+            <a:chExt cx="1423555" cy="685800"/>
+          </a:xfrm>
+        </p:grpSpPr>
+        <p:sp>
+          <p:nvSpPr>
+            <p:cNvPr id="96" name="Snip Diagonal Corner Rectangle 95"/>
+            <p:cNvSpPr/>
+            <p:nvPr/>
+          </p:nvSpPr>
+          <p:spPr>
+            <a:xfrm>
+              <a:off x="1171833" y="646669"/>
+              <a:ext cx="1402491" cy="685800"/>
+            </a:xfrm>
+            <a:prstGeom prst="snip2DiagRect">
+              <a:avLst/>
+            </a:prstGeom>
+            <a:ln w="76200"/>
+          </p:spPr>
+          <p:style>
+            <a:lnRef idx="2">
+              <a:schemeClr val="accent4">
+                <a:shade val="50000"/>
+              </a:schemeClr>
+            </a:lnRef>
+            <a:fillRef idx="1">
+              <a:schemeClr val="accent4"/>
+            </a:fillRef>
+            <a:effectRef idx="0">
+              <a:schemeClr val="accent4"/>
+            </a:effectRef>
+            <a:fontRef idx="minor">
+              <a:schemeClr val="lt1"/>
+            </a:fontRef>
+          </p:style>
+          <p:txBody>
+            <a:bodyPr rtlCol="0" anchor="ctr"/>
+            <a:lstStyle/>
+            <a:p>
+              <a:pPr algn="ctr"/>
+              <a:endParaRPr lang="de-DE" dirty="0"/>
+            </a:p>
+          </p:txBody>
+        </p:sp>
+        <p:sp>
+          <p:nvSpPr>
+            <p:cNvPr id="97" name="TextBox 96"/>
+            <p:cNvSpPr txBox="1"/>
+            <p:nvPr/>
+          </p:nvSpPr>
+          <p:spPr>
+            <a:xfrm>
+              <a:off x="1159246" y="793462"/>
+              <a:ext cx="1423555" cy="400110"/>
+            </a:xfrm>
+            <a:prstGeom prst="rect">
+              <a:avLst/>
+            </a:prstGeom>
+            <a:noFill/>
+            <a:ln w="76200">
+              <a:noFill/>
+            </a:ln>
+          </p:spPr>
+          <p:txBody>
+            <a:bodyPr wrap="square" rtlCol="0">
+              <a:spAutoFit/>
+            </a:bodyPr>
+            <a:lstStyle/>
+            <a:p>
+              <a:pPr algn="ctr"/>
+              <a:r>
+                <a:rPr lang="en-US" sz="2000" b="1" dirty="0" smtClean="0">
+                  <a:solidFill>
+                    <a:schemeClr val="bg1"/>
+                  </a:solidFill>
+                </a:rPr>
+                <a:t>Component</a:t>
+              </a:r>
+              <a:endParaRPr lang="de-DE" sz="2400" b="1" dirty="0">
+                <a:solidFill>
+                  <a:schemeClr val="bg1"/>
+                </a:solidFill>
+              </a:endParaRPr>
             </a:p>
           </p:txBody>
         </p:sp>

--- a/_sources/GettingStarted.pptx
+++ b/_sources/GettingStarted.pptx
@@ -3201,15 +3201,346 @@
           <a:chExt cx="0" cy="0"/>
         </a:xfrm>
       </p:grpSpPr>
+      <p:sp>
+        <p:nvSpPr>
+          <p:cNvPr id="62" name="Rounded Rectangle 25"/>
+          <p:cNvSpPr/>
+          <p:nvPr/>
+        </p:nvSpPr>
+        <p:spPr>
+          <a:xfrm>
+            <a:off x="9111242" y="992161"/>
+            <a:ext cx="1610387" cy="1610382"/>
+          </a:xfrm>
+          <a:prstGeom prst="ellipse">
+            <a:avLst/>
+          </a:prstGeom>
+          <a:solidFill>
+            <a:schemeClr val="accent1">
+              <a:lumMod val="75000"/>
+            </a:schemeClr>
+          </a:solidFill>
+          <a:ln w="76200">
+            <a:solidFill>
+              <a:schemeClr val="accent1">
+                <a:lumMod val="50000"/>
+              </a:schemeClr>
+            </a:solidFill>
+          </a:ln>
+        </p:spPr>
+        <p:style>
+          <a:lnRef idx="2">
+            <a:schemeClr val="accent1">
+              <a:shade val="50000"/>
+            </a:schemeClr>
+          </a:lnRef>
+          <a:fillRef idx="1">
+            <a:schemeClr val="accent1"/>
+          </a:fillRef>
+          <a:effectRef idx="0">
+            <a:schemeClr val="accent1"/>
+          </a:effectRef>
+          <a:fontRef idx="minor">
+            <a:schemeClr val="lt1"/>
+          </a:fontRef>
+        </p:style>
+        <p:txBody>
+          <a:bodyPr rtlCol="0" anchor="ctr"/>
+          <a:lstStyle/>
+          <a:p>
+            <a:pPr algn="ctr"/>
+            <a:r>
+              <a:rPr lang="en-US" sz="2000" b="1" dirty="0"/>
+              <a:t>Image</a:t>
+            </a:r>
+            <a:endParaRPr lang="de-DE" sz="2000" b="1" dirty="0"/>
+          </a:p>
+        </p:txBody>
+      </p:sp>
+      <p:sp>
+        <p:nvSpPr>
+          <p:cNvPr id="68" name="Rounded Rectangle 67"/>
+          <p:cNvSpPr/>
+          <p:nvPr/>
+        </p:nvSpPr>
+        <p:spPr>
+          <a:xfrm>
+            <a:off x="8798011" y="801976"/>
+            <a:ext cx="3991231" cy="2015366"/>
+          </a:xfrm>
+          <a:prstGeom prst="roundRect">
+            <a:avLst/>
+          </a:prstGeom>
+          <a:noFill/>
+          <a:ln w="57150">
+            <a:solidFill>
+              <a:schemeClr val="bg1">
+                <a:lumMod val="50000"/>
+              </a:schemeClr>
+            </a:solidFill>
+            <a:prstDash val="dash"/>
+          </a:ln>
+        </p:spPr>
+        <p:style>
+          <a:lnRef idx="2">
+            <a:schemeClr val="accent1">
+              <a:shade val="50000"/>
+            </a:schemeClr>
+          </a:lnRef>
+          <a:fillRef idx="1">
+            <a:schemeClr val="accent1"/>
+          </a:fillRef>
+          <a:effectRef idx="0">
+            <a:schemeClr val="accent1"/>
+          </a:effectRef>
+          <a:fontRef idx="minor">
+            <a:schemeClr val="lt1"/>
+          </a:fontRef>
+        </p:style>
+        <p:txBody>
+          <a:bodyPr rtlCol="0" anchor="ctr"/>
+          <a:lstStyle/>
+          <a:p>
+            <a:pPr algn="ctr"/>
+            <a:endParaRPr lang="de-DE"/>
+          </a:p>
+        </p:txBody>
+      </p:sp>
+      <p:sp>
+        <p:nvSpPr>
+          <p:cNvPr id="80" name="TextBox 79"/>
+          <p:cNvSpPr txBox="1"/>
+          <p:nvPr/>
+        </p:nvSpPr>
+        <p:spPr>
+          <a:xfrm>
+            <a:off x="10065756" y="232140"/>
+            <a:ext cx="1408522" cy="523220"/>
+          </a:xfrm>
+          <a:prstGeom prst="rect">
+            <a:avLst/>
+          </a:prstGeom>
+          <a:noFill/>
+        </p:spPr>
+        <p:txBody>
+          <a:bodyPr wrap="square" rtlCol="0">
+            <a:spAutoFit/>
+          </a:bodyPr>
+          <a:lstStyle/>
+          <a:p>
+            <a:pPr algn="ctr"/>
+            <a:r>
+              <a:rPr lang="en-US" sz="2800" b="1" dirty="0" err="1"/>
+              <a:t>ls</a:t>
+            </a:r>
+            <a:endParaRPr lang="de-DE" sz="2800" b="1" dirty="0"/>
+          </a:p>
+        </p:txBody>
+      </p:sp>
+      <p:sp>
+        <p:nvSpPr>
+          <p:cNvPr id="93" name="Rounded Rectangle 25"/>
+          <p:cNvSpPr/>
+          <p:nvPr/>
+        </p:nvSpPr>
+        <p:spPr>
+          <a:xfrm>
+            <a:off x="10944162" y="983924"/>
+            <a:ext cx="1610387" cy="1610382"/>
+          </a:xfrm>
+          <a:prstGeom prst="ellipse">
+            <a:avLst/>
+          </a:prstGeom>
+          <a:solidFill>
+            <a:schemeClr val="accent1">
+              <a:lumMod val="75000"/>
+            </a:schemeClr>
+          </a:solidFill>
+          <a:ln w="76200">
+            <a:solidFill>
+              <a:schemeClr val="accent1">
+                <a:lumMod val="50000"/>
+              </a:schemeClr>
+            </a:solidFill>
+          </a:ln>
+        </p:spPr>
+        <p:style>
+          <a:lnRef idx="2">
+            <a:schemeClr val="accent1">
+              <a:shade val="50000"/>
+            </a:schemeClr>
+          </a:lnRef>
+          <a:fillRef idx="1">
+            <a:schemeClr val="accent1"/>
+          </a:fillRef>
+          <a:effectRef idx="0">
+            <a:schemeClr val="accent1"/>
+          </a:effectRef>
+          <a:fontRef idx="minor">
+            <a:schemeClr val="lt1"/>
+          </a:fontRef>
+        </p:style>
+        <p:txBody>
+          <a:bodyPr rtlCol="0" anchor="ctr"/>
+          <a:lstStyle/>
+          <a:p>
+            <a:pPr algn="ctr"/>
+            <a:r>
+              <a:rPr lang="en-US" sz="2000" b="1" dirty="0"/>
+              <a:t>Image</a:t>
+            </a:r>
+            <a:endParaRPr lang="de-DE" sz="2000" b="1" dirty="0"/>
+          </a:p>
+        </p:txBody>
+      </p:sp>
+      <p:sp>
+        <p:nvSpPr>
+          <p:cNvPr id="95" name="Rounded Rectangle 25"/>
+          <p:cNvSpPr/>
+          <p:nvPr/>
+        </p:nvSpPr>
+        <p:spPr>
+          <a:xfrm>
+            <a:off x="4366248" y="4999077"/>
+            <a:ext cx="1610387" cy="1610382"/>
+          </a:xfrm>
+          <a:prstGeom prst="ellipse">
+            <a:avLst/>
+          </a:prstGeom>
+          <a:solidFill>
+            <a:schemeClr val="accent1">
+              <a:lumMod val="20000"/>
+              <a:lumOff val="80000"/>
+            </a:schemeClr>
+          </a:solidFill>
+          <a:ln w="76200">
+            <a:solidFill>
+              <a:schemeClr val="accent1">
+                <a:lumMod val="40000"/>
+                <a:lumOff val="60000"/>
+              </a:schemeClr>
+            </a:solidFill>
+          </a:ln>
+        </p:spPr>
+        <p:style>
+          <a:lnRef idx="2">
+            <a:schemeClr val="accent1">
+              <a:shade val="50000"/>
+            </a:schemeClr>
+          </a:lnRef>
+          <a:fillRef idx="1">
+            <a:schemeClr val="accent1"/>
+          </a:fillRef>
+          <a:effectRef idx="0">
+            <a:schemeClr val="accent1"/>
+          </a:effectRef>
+          <a:fontRef idx="minor">
+            <a:schemeClr val="lt1"/>
+          </a:fontRef>
+        </p:style>
+        <p:txBody>
+          <a:bodyPr rtlCol="0" anchor="ctr"/>
+          <a:lstStyle/>
+          <a:p>
+            <a:pPr algn="ctr"/>
+            <a:r>
+              <a:rPr lang="en-US" sz="2000" b="1" dirty="0" smtClean="0"/>
+              <a:t>Image</a:t>
+            </a:r>
+            <a:endParaRPr lang="de-DE" sz="2000" b="1" dirty="0"/>
+          </a:p>
+        </p:txBody>
+      </p:sp>
+      <p:sp>
+        <p:nvSpPr>
+          <p:cNvPr id="96" name="Cross 95"/>
+          <p:cNvSpPr/>
+          <p:nvPr/>
+        </p:nvSpPr>
+        <p:spPr>
+          <a:xfrm rot="2669759">
+            <a:off x="4059360" y="4723055"/>
+            <a:ext cx="2229507" cy="2238141"/>
+          </a:xfrm>
+          <a:prstGeom prst="plus">
+            <a:avLst>
+              <a:gd name="adj" fmla="val 47174"/>
+            </a:avLst>
+          </a:prstGeom>
+          <a:solidFill>
+            <a:srgbClr val="FF0000"/>
+          </a:solidFill>
+          <a:ln>
+            <a:solidFill>
+              <a:srgbClr val="C00000"/>
+            </a:solidFill>
+          </a:ln>
+        </p:spPr>
+        <p:style>
+          <a:lnRef idx="2">
+            <a:schemeClr val="accent1">
+              <a:shade val="50000"/>
+            </a:schemeClr>
+          </a:lnRef>
+          <a:fillRef idx="1">
+            <a:schemeClr val="accent1"/>
+          </a:fillRef>
+          <a:effectRef idx="0">
+            <a:schemeClr val="accent1"/>
+          </a:effectRef>
+          <a:fontRef idx="minor">
+            <a:schemeClr val="lt1"/>
+          </a:fontRef>
+        </p:style>
+        <p:txBody>
+          <a:bodyPr rtlCol="0" anchor="ctr"/>
+          <a:lstStyle/>
+          <a:p>
+            <a:pPr algn="ctr"/>
+            <a:endParaRPr lang="de-DE"/>
+          </a:p>
+        </p:txBody>
+      </p:sp>
+      <p:sp>
+        <p:nvSpPr>
+          <p:cNvPr id="97" name="TextBox 96"/>
+          <p:cNvSpPr txBox="1"/>
+          <p:nvPr/>
+        </p:nvSpPr>
+        <p:spPr>
+          <a:xfrm>
+            <a:off x="4465408" y="4955977"/>
+            <a:ext cx="1408522" cy="523220"/>
+          </a:xfrm>
+          <a:prstGeom prst="rect">
+            <a:avLst/>
+          </a:prstGeom>
+          <a:noFill/>
+        </p:spPr>
+        <p:txBody>
+          <a:bodyPr wrap="square" rtlCol="0">
+            <a:spAutoFit/>
+          </a:bodyPr>
+          <a:lstStyle/>
+          <a:p>
+            <a:pPr algn="ctr"/>
+            <a:r>
+              <a:rPr lang="en-US" sz="2800" b="1" dirty="0" err="1"/>
+              <a:t>rm</a:t>
+            </a:r>
+            <a:endParaRPr lang="de-DE" sz="2800" b="1" dirty="0"/>
+          </a:p>
+        </p:txBody>
+      </p:sp>
       <p:grpSp>
         <p:nvGrpSpPr>
-          <p:cNvPr id="15" name="Group 14"/>
+          <p:cNvPr id="22" name="Group 21"/>
           <p:cNvGrpSpPr/>
           <p:nvPr/>
         </p:nvGrpSpPr>
         <p:grpSpPr>
           <a:xfrm>
-            <a:off x="1601888" y="2868521"/>
+            <a:off x="1169403" y="4820888"/>
             <a:ext cx="1496257" cy="679282"/>
             <a:chOff x="6448425" y="3933827"/>
             <a:chExt cx="2628900" cy="1409700"/>
@@ -3217,7 +3548,7 @@
         </p:grpSpPr>
         <p:sp>
           <p:nvSpPr>
-            <p:cNvPr id="14" name="Rounded Rectangle 13"/>
+            <p:cNvPr id="23" name="Rounded Rectangle 22"/>
             <p:cNvSpPr/>
             <p:nvPr/>
           </p:nvSpPr>
@@ -3269,7 +3600,7 @@
         </p:sp>
         <p:sp>
           <p:nvSpPr>
-            <p:cNvPr id="13" name="TextBox 12"/>
+            <p:cNvPr id="24" name="TextBox 23"/>
             <p:cNvSpPr txBox="1"/>
             <p:nvPr/>
           </p:nvSpPr>
@@ -3310,148 +3641,149 @@
           </p:txBody>
         </p:sp>
       </p:grpSp>
+      <p:cxnSp>
+        <p:nvCxnSpPr>
+          <p:cNvPr id="25" name="Straight Arrow Connector 24"/>
+          <p:cNvCxnSpPr/>
+          <p:nvPr/>
+        </p:nvCxnSpPr>
+        <p:spPr>
+          <a:xfrm rot="19330395" flipV="1">
+            <a:off x="2661973" y="4548151"/>
+            <a:ext cx="1689754" cy="10481"/>
+          </a:xfrm>
+          <a:prstGeom prst="straightConnector1">
+            <a:avLst/>
+          </a:prstGeom>
+          <a:ln w="142875">
+            <a:solidFill>
+              <a:schemeClr val="tx1">
+                <a:lumMod val="50000"/>
+                <a:lumOff val="50000"/>
+              </a:schemeClr>
+            </a:solidFill>
+            <a:tailEnd type="triangle"/>
+          </a:ln>
+        </p:spPr>
+        <p:style>
+          <a:lnRef idx="1">
+            <a:schemeClr val="accent1"/>
+          </a:lnRef>
+          <a:fillRef idx="0">
+            <a:schemeClr val="accent1"/>
+          </a:fillRef>
+          <a:effectRef idx="0">
+            <a:schemeClr val="accent1"/>
+          </a:effectRef>
+          <a:fontRef idx="minor">
+            <a:schemeClr val="tx1"/>
+          </a:fontRef>
+        </p:style>
+      </p:cxnSp>
+      <p:sp>
+        <p:nvSpPr>
+          <p:cNvPr id="26" name="TextBox 25"/>
+          <p:cNvSpPr txBox="1"/>
+          <p:nvPr/>
+        </p:nvSpPr>
+        <p:spPr>
+          <a:xfrm>
+            <a:off x="2725663" y="3587877"/>
+            <a:ext cx="1646390" cy="523220"/>
+          </a:xfrm>
+          <a:prstGeom prst="rect">
+            <a:avLst/>
+          </a:prstGeom>
+          <a:noFill/>
+        </p:spPr>
+        <p:txBody>
+          <a:bodyPr wrap="square" rtlCol="0">
+            <a:spAutoFit/>
+          </a:bodyPr>
+          <a:lstStyle/>
+          <a:p>
+            <a:pPr algn="ctr"/>
+            <a:r>
+              <a:rPr lang="en-US" sz="2800" b="1" dirty="0"/>
+              <a:t>fuse</a:t>
+            </a:r>
+            <a:endParaRPr lang="de-DE" sz="2800" b="1" dirty="0"/>
+          </a:p>
+        </p:txBody>
+      </p:sp>
+      <p:sp>
+        <p:nvSpPr>
+          <p:cNvPr id="27" name="Rounded Rectangle 25"/>
+          <p:cNvSpPr/>
+          <p:nvPr/>
+        </p:nvSpPr>
+        <p:spPr>
+          <a:xfrm>
+            <a:off x="4366248" y="3055740"/>
+            <a:ext cx="1610387" cy="1610382"/>
+          </a:xfrm>
+          <a:prstGeom prst="ellipse">
+            <a:avLst/>
+          </a:prstGeom>
+          <a:solidFill>
+            <a:schemeClr val="accent1">
+              <a:lumMod val="75000"/>
+            </a:schemeClr>
+          </a:solidFill>
+          <a:ln w="76200">
+            <a:solidFill>
+              <a:schemeClr val="accent1">
+                <a:lumMod val="50000"/>
+              </a:schemeClr>
+            </a:solidFill>
+          </a:ln>
+        </p:spPr>
+        <p:style>
+          <a:lnRef idx="2">
+            <a:schemeClr val="accent1">
+              <a:shade val="50000"/>
+            </a:schemeClr>
+          </a:lnRef>
+          <a:fillRef idx="1">
+            <a:schemeClr val="accent1"/>
+          </a:fillRef>
+          <a:effectRef idx="0">
+            <a:schemeClr val="accent1"/>
+          </a:effectRef>
+          <a:fontRef idx="minor">
+            <a:schemeClr val="lt1"/>
+          </a:fontRef>
+        </p:style>
+        <p:txBody>
+          <a:bodyPr rtlCol="0" anchor="ctr"/>
+          <a:lstStyle/>
+          <a:p>
+            <a:pPr algn="ctr"/>
+            <a:r>
+              <a:rPr lang="en-US" sz="2000" b="1" dirty="0"/>
+              <a:t>Image</a:t>
+            </a:r>
+            <a:endParaRPr lang="de-DE" sz="2000" b="1" dirty="0"/>
+          </a:p>
+        </p:txBody>
+      </p:sp>
       <p:grpSp>
         <p:nvGrpSpPr>
-          <p:cNvPr id="2" name="Group 1"/>
+          <p:cNvPr id="29" name="Group 28"/>
           <p:cNvGrpSpPr/>
           <p:nvPr/>
         </p:nvGrpSpPr>
         <p:grpSpPr>
-          <a:xfrm>
-            <a:off x="679928" y="36204"/>
-            <a:ext cx="3320724" cy="2215991"/>
-            <a:chOff x="-9574" y="-399819"/>
-            <a:chExt cx="3320724" cy="2215991"/>
-          </a:xfrm>
-        </p:grpSpPr>
-        <p:sp>
-          <p:nvSpPr>
-            <p:cNvPr id="5" name="Rectangle 4"/>
-            <p:cNvSpPr/>
-            <p:nvPr/>
-          </p:nvSpPr>
-          <p:spPr>
-            <a:xfrm>
-              <a:off x="-9574" y="-399819"/>
-              <a:ext cx="3320724" cy="2215991"/>
-            </a:xfrm>
-            <a:prstGeom prst="rect">
-              <a:avLst/>
-            </a:prstGeom>
-            <a:ln>
-              <a:noFill/>
-            </a:ln>
-          </p:spPr>
-          <p:txBody>
-            <a:bodyPr wrap="square">
-              <a:spAutoFit/>
-            </a:bodyPr>
-            <a:lstStyle/>
-            <a:p>
-              <a:pPr algn="ctr"/>
-              <a:r>
-                <a:rPr lang="de-DE" sz="13800" dirty="0">
-                  <a:solidFill>
-                    <a:schemeClr val="tx2">
-                      <a:lumMod val="60000"/>
-                      <a:lumOff val="40000"/>
-                    </a:schemeClr>
-                  </a:solidFill>
-                  <a:latin typeface="FontAwesome" pitchFamily="2" charset="0"/>
-                </a:rPr>
-                <a:t></a:t>
-              </a:r>
-              <a:endParaRPr lang="de-DE" sz="13800" dirty="0">
-                <a:solidFill>
-                  <a:schemeClr val="tx2">
-                    <a:lumMod val="60000"/>
-                    <a:lumOff val="40000"/>
-                  </a:schemeClr>
-                </a:solidFill>
-              </a:endParaRPr>
-            </a:p>
-          </p:txBody>
-        </p:sp>
-        <p:sp>
-          <p:nvSpPr>
-            <p:cNvPr id="28" name="TextBox 27"/>
-            <p:cNvSpPr txBox="1"/>
-            <p:nvPr/>
-          </p:nvSpPr>
-          <p:spPr>
-            <a:xfrm>
-              <a:off x="150461" y="418618"/>
-              <a:ext cx="2953724" cy="707886"/>
-            </a:xfrm>
-            <a:prstGeom prst="rect">
-              <a:avLst/>
-            </a:prstGeom>
-            <a:noFill/>
-          </p:spPr>
-          <p:txBody>
-            <a:bodyPr wrap="square" rtlCol="0">
-              <a:spAutoFit/>
-            </a:bodyPr>
-            <a:lstStyle/>
-            <a:p>
-              <a:pPr algn="ctr"/>
-              <a:r>
-                <a:rPr lang="en-US" sz="2000" b="1" dirty="0" err="1">
-                  <a:solidFill>
-                    <a:schemeClr val="bg1"/>
-                  </a:solidFill>
-                </a:rPr>
-                <a:t>Boxfuse</a:t>
-              </a:r>
-              <a:r>
-                <a:rPr lang="en-US" sz="2000" b="1" dirty="0">
-                  <a:solidFill>
-                    <a:schemeClr val="bg1"/>
-                  </a:solidFill>
-                </a:rPr>
-                <a:t/>
-              </a:r>
-              <a:br>
-                <a:rPr lang="en-US" sz="2000" b="1" dirty="0">
-                  <a:solidFill>
-                    <a:schemeClr val="bg1"/>
-                  </a:solidFill>
-                </a:rPr>
-              </a:br>
-              <a:r>
-                <a:rPr lang="en-US" sz="2000" b="1" dirty="0">
-                  <a:solidFill>
-                    <a:schemeClr val="bg1"/>
-                  </a:solidFill>
-                </a:rPr>
-                <a:t>Inventory</a:t>
-              </a:r>
-              <a:endParaRPr lang="de-DE" sz="2000" b="1" dirty="0">
-                <a:solidFill>
-                  <a:schemeClr val="bg1"/>
-                </a:solidFill>
-              </a:endParaRPr>
-            </a:p>
-          </p:txBody>
-        </p:sp>
-      </p:grpSp>
-      <p:grpSp>
-        <p:nvGrpSpPr>
-          <p:cNvPr id="35" name="Group 34"/>
-          <p:cNvGrpSpPr/>
-          <p:nvPr/>
-        </p:nvGrpSpPr>
-        <p:grpSpPr>
-          <a:xfrm>
-            <a:off x="3325896" y="2504190"/>
-            <a:ext cx="1457473" cy="673166"/>
+          <a:xfrm rot="2542460">
+            <a:off x="2685358" y="2530805"/>
+            <a:ext cx="1920481" cy="673166"/>
             <a:chOff x="2334271" y="318043"/>
             <a:chExt cx="1457473" cy="673166"/>
           </a:xfrm>
         </p:grpSpPr>
         <p:cxnSp>
           <p:nvCxnSpPr>
-            <p:cNvPr id="36" name="Straight Arrow Connector 35"/>
+            <p:cNvPr id="30" name="Straight Arrow Connector 29"/>
             <p:cNvCxnSpPr/>
             <p:nvPr/>
           </p:nvCxnSpPr>
@@ -3490,148 +3822,7 @@
         </p:cxnSp>
         <p:sp>
           <p:nvSpPr>
-            <p:cNvPr id="37" name="TextBox 36"/>
-            <p:cNvSpPr txBox="1"/>
-            <p:nvPr/>
-          </p:nvSpPr>
-          <p:spPr>
-            <a:xfrm>
-              <a:off x="2334271" y="318043"/>
-              <a:ext cx="1408522" cy="523220"/>
-            </a:xfrm>
-            <a:prstGeom prst="rect">
-              <a:avLst/>
-            </a:prstGeom>
-            <a:noFill/>
-          </p:spPr>
-          <p:txBody>
-            <a:bodyPr wrap="square" rtlCol="0">
-              <a:spAutoFit/>
-            </a:bodyPr>
-            <a:lstStyle/>
-            <a:p>
-              <a:pPr algn="ctr"/>
-              <a:r>
-                <a:rPr lang="en-US" sz="2800" b="1" dirty="0"/>
-                <a:t>fuse</a:t>
-              </a:r>
-              <a:endParaRPr lang="de-DE" sz="2800" b="1" dirty="0"/>
-            </a:p>
-          </p:txBody>
-        </p:sp>
-      </p:grpSp>
-      <p:sp>
-        <p:nvSpPr>
-          <p:cNvPr id="38" name="Rounded Rectangle 25"/>
-          <p:cNvSpPr/>
-          <p:nvPr/>
-        </p:nvSpPr>
-        <p:spPr>
-          <a:xfrm>
-            <a:off x="4959372" y="2128983"/>
-            <a:ext cx="1610387" cy="1610382"/>
-          </a:xfrm>
-          <a:prstGeom prst="ellipse">
-            <a:avLst/>
-          </a:prstGeom>
-          <a:solidFill>
-            <a:schemeClr val="accent1">
-              <a:lumMod val="75000"/>
-            </a:schemeClr>
-          </a:solidFill>
-          <a:ln w="76200">
-            <a:solidFill>
-              <a:schemeClr val="accent1">
-                <a:lumMod val="50000"/>
-              </a:schemeClr>
-            </a:solidFill>
-          </a:ln>
-        </p:spPr>
-        <p:style>
-          <a:lnRef idx="2">
-            <a:schemeClr val="accent1">
-              <a:shade val="50000"/>
-            </a:schemeClr>
-          </a:lnRef>
-          <a:fillRef idx="1">
-            <a:schemeClr val="accent1"/>
-          </a:fillRef>
-          <a:effectRef idx="0">
-            <a:schemeClr val="accent1"/>
-          </a:effectRef>
-          <a:fontRef idx="minor">
-            <a:schemeClr val="lt1"/>
-          </a:fontRef>
-        </p:style>
-        <p:txBody>
-          <a:bodyPr rtlCol="0" anchor="ctr"/>
-          <a:lstStyle/>
-          <a:p>
-            <a:pPr algn="ctr"/>
-            <a:r>
-              <a:rPr lang="en-US" sz="2000" b="1" dirty="0"/>
-              <a:t>Image</a:t>
-            </a:r>
-            <a:endParaRPr lang="de-DE" sz="2000" b="1" dirty="0"/>
-          </a:p>
-        </p:txBody>
-      </p:sp>
-      <p:grpSp>
-        <p:nvGrpSpPr>
-          <p:cNvPr id="58" name="Group 57"/>
-          <p:cNvGrpSpPr/>
-          <p:nvPr/>
-        </p:nvGrpSpPr>
-        <p:grpSpPr>
-          <a:xfrm rot="1430114">
-            <a:off x="3392156" y="1329327"/>
-            <a:ext cx="1683509" cy="673166"/>
-            <a:chOff x="2334271" y="318043"/>
-            <a:chExt cx="1457473" cy="673166"/>
-          </a:xfrm>
-        </p:grpSpPr>
-        <p:cxnSp>
-          <p:nvCxnSpPr>
-            <p:cNvPr id="59" name="Straight Arrow Connector 58"/>
-            <p:cNvCxnSpPr/>
-            <p:nvPr/>
-          </p:nvCxnSpPr>
-          <p:spPr>
-            <a:xfrm flipV="1">
-              <a:off x="2346123" y="980728"/>
-              <a:ext cx="1445621" cy="10481"/>
-            </a:xfrm>
-            <a:prstGeom prst="straightConnector1">
-              <a:avLst/>
-            </a:prstGeom>
-            <a:ln w="142875">
-              <a:solidFill>
-                <a:schemeClr val="tx1">
-                  <a:lumMod val="50000"/>
-                  <a:lumOff val="50000"/>
-                </a:schemeClr>
-              </a:solidFill>
-              <a:tailEnd type="triangle"/>
-            </a:ln>
-          </p:spPr>
-          <p:style>
-            <a:lnRef idx="1">
-              <a:schemeClr val="accent1"/>
-            </a:lnRef>
-            <a:fillRef idx="0">
-              <a:schemeClr val="accent1"/>
-            </a:fillRef>
-            <a:effectRef idx="0">
-              <a:schemeClr val="accent1"/>
-            </a:effectRef>
-            <a:fontRef idx="minor">
-              <a:schemeClr val="tx1"/>
-            </a:fontRef>
-          </p:style>
-        </p:cxnSp>
-        <p:sp>
-          <p:nvSpPr>
-            <p:cNvPr id="60" name="TextBox 59"/>
+            <p:cNvPr id="31" name="TextBox 30"/>
             <p:cNvSpPr txBox="1"/>
             <p:nvPr/>
           </p:nvSpPr>
@@ -3657,72 +3848,172 @@
           </p:txBody>
         </p:sp>
       </p:grpSp>
+      <p:grpSp>
+        <p:nvGrpSpPr>
+          <p:cNvPr id="32" name="Group 31"/>
+          <p:cNvGrpSpPr/>
+          <p:nvPr/>
+        </p:nvGrpSpPr>
+        <p:grpSpPr>
+          <a:xfrm>
+            <a:off x="265977" y="2266599"/>
+            <a:ext cx="3320724" cy="1569660"/>
+            <a:chOff x="272155" y="308052"/>
+            <a:chExt cx="3320724" cy="1569661"/>
+          </a:xfrm>
+        </p:grpSpPr>
+        <p:sp>
+          <p:nvSpPr>
+            <p:cNvPr id="33" name="Rectangle 32"/>
+            <p:cNvSpPr/>
+            <p:nvPr/>
+          </p:nvSpPr>
+          <p:spPr>
+            <a:xfrm>
+              <a:off x="272155" y="308052"/>
+              <a:ext cx="3320724" cy="1569661"/>
+            </a:xfrm>
+            <a:prstGeom prst="rect">
+              <a:avLst/>
+            </a:prstGeom>
+            <a:ln>
+              <a:noFill/>
+            </a:ln>
+          </p:spPr>
+          <p:txBody>
+            <a:bodyPr wrap="square">
+              <a:spAutoFit/>
+            </a:bodyPr>
+            <a:lstStyle/>
+            <a:p>
+              <a:pPr algn="ctr"/>
+              <a:r>
+                <a:rPr lang="de-DE" sz="9600" dirty="0">
+                  <a:solidFill>
+                    <a:schemeClr val="tx2">
+                      <a:lumMod val="60000"/>
+                      <a:lumOff val="40000"/>
+                    </a:schemeClr>
+                  </a:solidFill>
+                  <a:latin typeface="FontAwesome" pitchFamily="2" charset="0"/>
+                </a:rPr>
+                <a:t></a:t>
+              </a:r>
+              <a:endParaRPr lang="de-DE" sz="9600" dirty="0">
+                <a:solidFill>
+                  <a:schemeClr val="tx2">
+                    <a:lumMod val="60000"/>
+                    <a:lumOff val="40000"/>
+                  </a:schemeClr>
+                </a:solidFill>
+              </a:endParaRPr>
+            </a:p>
+          </p:txBody>
+        </p:sp>
+        <p:sp>
+          <p:nvSpPr>
+            <p:cNvPr id="34" name="Rectangle 33"/>
+            <p:cNvSpPr/>
+            <p:nvPr/>
+          </p:nvSpPr>
+          <p:spPr>
+            <a:xfrm>
+              <a:off x="1505505" y="526031"/>
+              <a:ext cx="777777" cy="1200330"/>
+            </a:xfrm>
+            <a:prstGeom prst="rect">
+              <a:avLst/>
+            </a:prstGeom>
+          </p:spPr>
+          <p:txBody>
+            <a:bodyPr wrap="none">
+              <a:spAutoFit/>
+            </a:bodyPr>
+            <a:lstStyle/>
+            <a:p>
+              <a:r>
+                <a:rPr lang="de-DE" sz="7200" dirty="0">
+                  <a:solidFill>
+                    <a:schemeClr val="tx2"/>
+                  </a:solidFill>
+                  <a:latin typeface="FontAwesome" pitchFamily="2" charset="0"/>
+                </a:rPr>
+                <a:t></a:t>
+              </a:r>
+              <a:endParaRPr lang="de-DE" sz="7200" dirty="0">
+                <a:solidFill>
+                  <a:schemeClr val="tx2"/>
+                </a:solidFill>
+              </a:endParaRPr>
+            </a:p>
+          </p:txBody>
+        </p:sp>
+        <p:sp>
+          <p:nvSpPr>
+            <p:cNvPr id="39" name="TextBox 38"/>
+            <p:cNvSpPr txBox="1"/>
+            <p:nvPr/>
+          </p:nvSpPr>
+          <p:spPr>
+            <a:xfrm>
+              <a:off x="432189" y="953494"/>
+              <a:ext cx="2953723" cy="584775"/>
+            </a:xfrm>
+            <a:prstGeom prst="rect">
+              <a:avLst/>
+            </a:prstGeom>
+            <a:noFill/>
+          </p:spPr>
+          <p:txBody>
+            <a:bodyPr wrap="square" rtlCol="0">
+              <a:spAutoFit/>
+            </a:bodyPr>
+            <a:lstStyle/>
+            <a:p>
+              <a:pPr algn="ctr"/>
+              <a:r>
+                <a:rPr lang="en-US" sz="1600" b="1" dirty="0" err="1" smtClean="0">
+                  <a:solidFill>
+                    <a:schemeClr val="bg1"/>
+                  </a:solidFill>
+                </a:rPr>
+                <a:t>Boxfuse</a:t>
+              </a:r>
+              <a:endParaRPr lang="en-US" sz="1600" b="1" dirty="0">
+                <a:solidFill>
+                  <a:schemeClr val="bg1"/>
+                </a:solidFill>
+              </a:endParaRPr>
+            </a:p>
+            <a:p>
+              <a:pPr algn="ctr"/>
+              <a:r>
+                <a:rPr lang="en-US" sz="1600" b="1" dirty="0" smtClean="0">
+                  <a:solidFill>
+                    <a:schemeClr val="bg1"/>
+                  </a:solidFill>
+                </a:rPr>
+                <a:t>Inventory</a:t>
+              </a:r>
+              <a:endParaRPr lang="de-DE" sz="1600" b="1" dirty="0">
+                <a:solidFill>
+                  <a:schemeClr val="bg1"/>
+                </a:solidFill>
+              </a:endParaRPr>
+            </a:p>
+          </p:txBody>
+        </p:sp>
+      </p:grpSp>
       <p:sp>
         <p:nvSpPr>
-          <p:cNvPr id="62" name="Rounded Rectangle 25"/>
+          <p:cNvPr id="40" name="Rounded Rectangle 39"/>
           <p:cNvSpPr/>
           <p:nvPr/>
         </p:nvSpPr>
         <p:spPr>
           <a:xfrm>
-            <a:off x="9111242" y="992161"/>
-            <a:ext cx="1610387" cy="1610382"/>
-          </a:xfrm>
-          <a:prstGeom prst="ellipse">
-            <a:avLst/>
-          </a:prstGeom>
-          <a:solidFill>
-            <a:schemeClr val="accent1">
-              <a:lumMod val="75000"/>
-            </a:schemeClr>
-          </a:solidFill>
-          <a:ln w="76200">
-            <a:solidFill>
-              <a:schemeClr val="accent1">
-                <a:lumMod val="50000"/>
-              </a:schemeClr>
-            </a:solidFill>
-          </a:ln>
-        </p:spPr>
-        <p:style>
-          <a:lnRef idx="2">
-            <a:schemeClr val="accent1">
-              <a:shade val="50000"/>
-            </a:schemeClr>
-          </a:lnRef>
-          <a:fillRef idx="1">
-            <a:schemeClr val="accent1"/>
-          </a:fillRef>
-          <a:effectRef idx="0">
-            <a:schemeClr val="accent1"/>
-          </a:effectRef>
-          <a:fontRef idx="minor">
-            <a:schemeClr val="lt1"/>
-          </a:fontRef>
-        </p:style>
-        <p:txBody>
-          <a:bodyPr rtlCol="0" anchor="ctr"/>
-          <a:lstStyle/>
-          <a:p>
-            <a:pPr algn="ctr"/>
-            <a:r>
-              <a:rPr lang="en-US" sz="2000" b="1" dirty="0"/>
-              <a:t>Image</a:t>
-            </a:r>
-            <a:endParaRPr lang="de-DE" sz="2000" b="1" dirty="0"/>
-          </a:p>
-        </p:txBody>
-      </p:sp>
-      <p:sp>
-        <p:nvSpPr>
-          <p:cNvPr id="68" name="Rounded Rectangle 67"/>
-          <p:cNvSpPr/>
-          <p:nvPr/>
-        </p:nvSpPr>
-        <p:spPr>
-          <a:xfrm>
-            <a:off x="8798011" y="801976"/>
-            <a:ext cx="3991231" cy="2015366"/>
+            <a:off x="1040524" y="520263"/>
+            <a:ext cx="1686910" cy="1901662"/>
           </a:xfrm>
           <a:prstGeom prst="roundRect">
             <a:avLst/>
@@ -3762,232 +4053,202 @@
           </a:p>
         </p:txBody>
       </p:sp>
-      <p:sp>
-        <p:nvSpPr>
-          <p:cNvPr id="80" name="TextBox 79"/>
-          <p:cNvSpPr txBox="1"/>
+      <p:grpSp>
+        <p:nvGrpSpPr>
+          <p:cNvPr id="41" name="Group 40"/>
+          <p:cNvGrpSpPr/>
           <p:nvPr/>
-        </p:nvSpPr>
-        <p:spPr>
+        </p:nvGrpSpPr>
+        <p:grpSpPr>
           <a:xfrm>
-            <a:off x="10065756" y="232140"/>
-            <a:ext cx="1408522" cy="523220"/>
-          </a:xfrm>
-          <a:prstGeom prst="rect">
-            <a:avLst/>
-          </a:prstGeom>
-          <a:noFill/>
-        </p:spPr>
-        <p:txBody>
-          <a:bodyPr wrap="square" rtlCol="0">
-            <a:spAutoFit/>
-          </a:bodyPr>
-          <a:lstStyle/>
-          <a:p>
-            <a:pPr algn="ctr"/>
-            <a:r>
-              <a:rPr lang="en-US" sz="2800" b="1" dirty="0" err="1"/>
-              <a:t>ls</a:t>
-            </a:r>
-            <a:endParaRPr lang="de-DE" sz="2800" b="1" dirty="0"/>
-          </a:p>
-        </p:txBody>
-      </p:sp>
-      <p:sp>
-        <p:nvSpPr>
-          <p:cNvPr id="93" name="Rounded Rectangle 25"/>
-          <p:cNvSpPr/>
+            <a:off x="1155127" y="1575483"/>
+            <a:ext cx="1423555" cy="685800"/>
+            <a:chOff x="1155127" y="1365420"/>
+            <a:chExt cx="1423555" cy="685800"/>
+          </a:xfrm>
+        </p:grpSpPr>
+        <p:sp>
+          <p:nvSpPr>
+            <p:cNvPr id="42" name="Snip Diagonal Corner Rectangle 41"/>
+            <p:cNvSpPr/>
+            <p:nvPr/>
+          </p:nvSpPr>
+          <p:spPr>
+            <a:xfrm>
+              <a:off x="1167714" y="1365420"/>
+              <a:ext cx="1402491" cy="685800"/>
+            </a:xfrm>
+            <a:prstGeom prst="snip2DiagRect">
+              <a:avLst/>
+            </a:prstGeom>
+            <a:ln w="76200"/>
+          </p:spPr>
+          <p:style>
+            <a:lnRef idx="2">
+              <a:schemeClr val="accent4">
+                <a:shade val="50000"/>
+              </a:schemeClr>
+            </a:lnRef>
+            <a:fillRef idx="1">
+              <a:schemeClr val="accent4"/>
+            </a:fillRef>
+            <a:effectRef idx="0">
+              <a:schemeClr val="accent4"/>
+            </a:effectRef>
+            <a:fontRef idx="minor">
+              <a:schemeClr val="lt1"/>
+            </a:fontRef>
+          </p:style>
+          <p:txBody>
+            <a:bodyPr rtlCol="0" anchor="ctr"/>
+            <a:lstStyle/>
+            <a:p>
+              <a:pPr algn="ctr"/>
+              <a:endParaRPr lang="de-DE" dirty="0"/>
+            </a:p>
+          </p:txBody>
+        </p:sp>
+        <p:sp>
+          <p:nvSpPr>
+            <p:cNvPr id="43" name="TextBox 42"/>
+            <p:cNvSpPr txBox="1"/>
+            <p:nvPr/>
+          </p:nvSpPr>
+          <p:spPr>
+            <a:xfrm>
+              <a:off x="1155127" y="1506035"/>
+              <a:ext cx="1423555" cy="400110"/>
+            </a:xfrm>
+            <a:prstGeom prst="rect">
+              <a:avLst/>
+            </a:prstGeom>
+            <a:noFill/>
+            <a:ln w="76200">
+              <a:noFill/>
+            </a:ln>
+          </p:spPr>
+          <p:txBody>
+            <a:bodyPr wrap="square" rtlCol="0">
+              <a:spAutoFit/>
+            </a:bodyPr>
+            <a:lstStyle/>
+            <a:p>
+              <a:pPr algn="ctr"/>
+              <a:r>
+                <a:rPr lang="en-US" sz="2000" b="1" dirty="0" smtClean="0">
+                  <a:solidFill>
+                    <a:schemeClr val="bg1"/>
+                  </a:solidFill>
+                </a:rPr>
+                <a:t>Component</a:t>
+              </a:r>
+              <a:endParaRPr lang="de-DE" sz="2400" b="1" dirty="0">
+                <a:solidFill>
+                  <a:schemeClr val="bg1"/>
+                </a:solidFill>
+              </a:endParaRPr>
+            </a:p>
+          </p:txBody>
+        </p:sp>
+      </p:grpSp>
+      <p:grpSp>
+        <p:nvGrpSpPr>
+          <p:cNvPr id="44" name="Group 43"/>
+          <p:cNvGrpSpPr/>
           <p:nvPr/>
-        </p:nvSpPr>
-        <p:spPr>
+        </p:nvGrpSpPr>
+        <p:grpSpPr>
           <a:xfrm>
-            <a:off x="10944162" y="983924"/>
-            <a:ext cx="1610387" cy="1610382"/>
-          </a:xfrm>
-          <a:prstGeom prst="ellipse">
-            <a:avLst/>
-          </a:prstGeom>
-          <a:solidFill>
-            <a:schemeClr val="accent1">
-              <a:lumMod val="75000"/>
-            </a:schemeClr>
-          </a:solidFill>
-          <a:ln w="76200">
-            <a:solidFill>
-              <a:schemeClr val="accent1">
-                <a:lumMod val="50000"/>
+            <a:off x="1159246" y="720809"/>
+            <a:ext cx="1423555" cy="685800"/>
+            <a:chOff x="1159246" y="646669"/>
+            <a:chExt cx="1423555" cy="685800"/>
+          </a:xfrm>
+        </p:grpSpPr>
+        <p:sp>
+          <p:nvSpPr>
+            <p:cNvPr id="45" name="Snip Diagonal Corner Rectangle 44"/>
+            <p:cNvSpPr/>
+            <p:nvPr/>
+          </p:nvSpPr>
+          <p:spPr>
+            <a:xfrm>
+              <a:off x="1171833" y="646669"/>
+              <a:ext cx="1402491" cy="685800"/>
+            </a:xfrm>
+            <a:prstGeom prst="snip2DiagRect">
+              <a:avLst/>
+            </a:prstGeom>
+            <a:ln w="76200"/>
+          </p:spPr>
+          <p:style>
+            <a:lnRef idx="2">
+              <a:schemeClr val="accent4">
+                <a:shade val="50000"/>
               </a:schemeClr>
-            </a:solidFill>
-          </a:ln>
-        </p:spPr>
-        <p:style>
-          <a:lnRef idx="2">
-            <a:schemeClr val="accent1">
-              <a:shade val="50000"/>
-            </a:schemeClr>
-          </a:lnRef>
-          <a:fillRef idx="1">
-            <a:schemeClr val="accent1"/>
-          </a:fillRef>
-          <a:effectRef idx="0">
-            <a:schemeClr val="accent1"/>
-          </a:effectRef>
-          <a:fontRef idx="minor">
-            <a:schemeClr val="lt1"/>
-          </a:fontRef>
-        </p:style>
-        <p:txBody>
-          <a:bodyPr rtlCol="0" anchor="ctr"/>
-          <a:lstStyle/>
-          <a:p>
-            <a:pPr algn="ctr"/>
-            <a:r>
-              <a:rPr lang="en-US" sz="2000" b="1" dirty="0"/>
-              <a:t>Image</a:t>
-            </a:r>
-            <a:endParaRPr lang="de-DE" sz="2000" b="1" dirty="0"/>
-          </a:p>
-        </p:txBody>
-      </p:sp>
-      <p:sp>
-        <p:nvSpPr>
-          <p:cNvPr id="95" name="Rounded Rectangle 25"/>
-          <p:cNvSpPr/>
-          <p:nvPr/>
-        </p:nvSpPr>
-        <p:spPr>
-          <a:xfrm>
-            <a:off x="4366248" y="4999077"/>
-            <a:ext cx="1610387" cy="1610382"/>
-          </a:xfrm>
-          <a:prstGeom prst="ellipse">
-            <a:avLst/>
-          </a:prstGeom>
-          <a:solidFill>
-            <a:schemeClr val="accent1">
-              <a:lumMod val="20000"/>
-              <a:lumOff val="80000"/>
-            </a:schemeClr>
-          </a:solidFill>
-          <a:ln w="76200">
-            <a:solidFill>
-              <a:schemeClr val="accent1">
-                <a:lumMod val="40000"/>
-                <a:lumOff val="60000"/>
-              </a:schemeClr>
-            </a:solidFill>
-          </a:ln>
-        </p:spPr>
-        <p:style>
-          <a:lnRef idx="2">
-            <a:schemeClr val="accent1">
-              <a:shade val="50000"/>
-            </a:schemeClr>
-          </a:lnRef>
-          <a:fillRef idx="1">
-            <a:schemeClr val="accent1"/>
-          </a:fillRef>
-          <a:effectRef idx="0">
-            <a:schemeClr val="accent1"/>
-          </a:effectRef>
-          <a:fontRef idx="minor">
-            <a:schemeClr val="lt1"/>
-          </a:fontRef>
-        </p:style>
-        <p:txBody>
-          <a:bodyPr rtlCol="0" anchor="ctr"/>
-          <a:lstStyle/>
-          <a:p>
-            <a:pPr algn="ctr"/>
-            <a:r>
-              <a:rPr lang="en-US" sz="2000" b="1" dirty="0" smtClean="0"/>
-              <a:t>Image</a:t>
-            </a:r>
-            <a:endParaRPr lang="de-DE" sz="2000" b="1" dirty="0"/>
-          </a:p>
-        </p:txBody>
-      </p:sp>
-      <p:sp>
-        <p:nvSpPr>
-          <p:cNvPr id="96" name="Cross 95"/>
-          <p:cNvSpPr/>
-          <p:nvPr/>
-        </p:nvSpPr>
-        <p:spPr>
-          <a:xfrm rot="2669759">
-            <a:off x="4059360" y="4723055"/>
-            <a:ext cx="2229507" cy="2238141"/>
-          </a:xfrm>
-          <a:prstGeom prst="plus">
-            <a:avLst>
-              <a:gd name="adj" fmla="val 47174"/>
-            </a:avLst>
-          </a:prstGeom>
-          <a:solidFill>
-            <a:srgbClr val="FF0000"/>
-          </a:solidFill>
-          <a:ln>
-            <a:solidFill>
-              <a:srgbClr val="C00000"/>
-            </a:solidFill>
-          </a:ln>
-        </p:spPr>
-        <p:style>
-          <a:lnRef idx="2">
-            <a:schemeClr val="accent1">
-              <a:shade val="50000"/>
-            </a:schemeClr>
-          </a:lnRef>
-          <a:fillRef idx="1">
-            <a:schemeClr val="accent1"/>
-          </a:fillRef>
-          <a:effectRef idx="0">
-            <a:schemeClr val="accent1"/>
-          </a:effectRef>
-          <a:fontRef idx="minor">
-            <a:schemeClr val="lt1"/>
-          </a:fontRef>
-        </p:style>
-        <p:txBody>
-          <a:bodyPr rtlCol="0" anchor="ctr"/>
-          <a:lstStyle/>
-          <a:p>
-            <a:pPr algn="ctr"/>
-            <a:endParaRPr lang="de-DE"/>
-          </a:p>
-        </p:txBody>
-      </p:sp>
-      <p:sp>
-        <p:nvSpPr>
-          <p:cNvPr id="97" name="TextBox 96"/>
-          <p:cNvSpPr txBox="1"/>
-          <p:nvPr/>
-        </p:nvSpPr>
-        <p:spPr>
-          <a:xfrm>
-            <a:off x="4465408" y="4955977"/>
-            <a:ext cx="1408522" cy="523220"/>
-          </a:xfrm>
-          <a:prstGeom prst="rect">
-            <a:avLst/>
-          </a:prstGeom>
-          <a:noFill/>
-        </p:spPr>
-        <p:txBody>
-          <a:bodyPr wrap="square" rtlCol="0">
-            <a:spAutoFit/>
-          </a:bodyPr>
-          <a:lstStyle/>
-          <a:p>
-            <a:pPr algn="ctr"/>
-            <a:r>
-              <a:rPr lang="en-US" sz="2800" b="1" dirty="0" err="1"/>
-              <a:t>rm</a:t>
-            </a:r>
-            <a:endParaRPr lang="de-DE" sz="2800" b="1" dirty="0"/>
-          </a:p>
-        </p:txBody>
-      </p:sp>
+            </a:lnRef>
+            <a:fillRef idx="1">
+              <a:schemeClr val="accent4"/>
+            </a:fillRef>
+            <a:effectRef idx="0">
+              <a:schemeClr val="accent4"/>
+            </a:effectRef>
+            <a:fontRef idx="minor">
+              <a:schemeClr val="lt1"/>
+            </a:fontRef>
+          </p:style>
+          <p:txBody>
+            <a:bodyPr rtlCol="0" anchor="ctr"/>
+            <a:lstStyle/>
+            <a:p>
+              <a:pPr algn="ctr"/>
+              <a:endParaRPr lang="de-DE" dirty="0"/>
+            </a:p>
+          </p:txBody>
+        </p:sp>
+        <p:sp>
+          <p:nvSpPr>
+            <p:cNvPr id="46" name="TextBox 45"/>
+            <p:cNvSpPr txBox="1"/>
+            <p:nvPr/>
+          </p:nvSpPr>
+          <p:spPr>
+            <a:xfrm>
+              <a:off x="1159246" y="793462"/>
+              <a:ext cx="1423555" cy="400110"/>
+            </a:xfrm>
+            <a:prstGeom prst="rect">
+              <a:avLst/>
+            </a:prstGeom>
+            <a:noFill/>
+            <a:ln w="76200">
+              <a:noFill/>
+            </a:ln>
+          </p:spPr>
+          <p:txBody>
+            <a:bodyPr wrap="square" rtlCol="0">
+              <a:spAutoFit/>
+            </a:bodyPr>
+            <a:lstStyle/>
+            <a:p>
+              <a:pPr algn="ctr"/>
+              <a:r>
+                <a:rPr lang="en-US" sz="2000" b="1" dirty="0" smtClean="0">
+                  <a:solidFill>
+                    <a:schemeClr val="bg1"/>
+                  </a:solidFill>
+                </a:rPr>
+                <a:t>Component</a:t>
+              </a:r>
+              <a:endParaRPr lang="de-DE" sz="2400" b="1" dirty="0">
+                <a:solidFill>
+                  <a:schemeClr val="bg1"/>
+                </a:solidFill>
+              </a:endParaRPr>
+            </a:p>
+          </p:txBody>
+        </p:sp>
+      </p:grpSp>
     </p:spTree>
     <p:extLst>
       <p:ext uri="{BB962C8B-B14F-4D97-AF65-F5344CB8AC3E}">
@@ -4041,7 +4302,7 @@
         </p:blipFill>
         <p:spPr>
           <a:xfrm>
-            <a:off x="7906395" y="4047093"/>
+            <a:off x="7086587" y="4047093"/>
             <a:ext cx="1655807" cy="705924"/>
           </a:xfrm>
           <a:prstGeom prst="rect">
@@ -4065,7 +4326,7 @@
         </p:blipFill>
         <p:spPr>
           <a:xfrm>
-            <a:off x="3985184" y="1991752"/>
+            <a:off x="3181137" y="1991752"/>
             <a:ext cx="1655807" cy="705924"/>
           </a:xfrm>
           <a:prstGeom prst="rect">
@@ -4644,12 +4905,135 @@
         </p:blipFill>
         <p:spPr>
           <a:xfrm>
-            <a:off x="1913368" y="5616401"/>
+            <a:off x="1093559" y="5616401"/>
             <a:ext cx="1655807" cy="705924"/>
           </a:xfrm>
           <a:prstGeom prst="rect">
             <a:avLst/>
           </a:prstGeom>
+        </p:spPr>
+      </p:pic>
+      <p:pic>
+        <p:nvPicPr>
+          <p:cNvPr id="18" name="Picture 2" descr="https://a0.awsstatic.com/main/images/logos/aws_logo.png"/>
+          <p:cNvPicPr>
+            <a:picLocks noChangeAspect="1" noChangeArrowheads="1"/>
+          </p:cNvPicPr>
+          <p:nvPr/>
+        </p:nvPicPr>
+        <p:blipFill>
+          <a:blip r:embed="rId3">
+            <a:extLst>
+              <a:ext uri="{28A0092B-C50C-407E-A947-70E740481C1C}">
+                <a14:useLocalDpi xmlns:a14="http://schemas.microsoft.com/office/drawing/2010/main" val="0"/>
+              </a:ext>
+            </a:extLst>
+          </a:blip>
+          <a:srcRect/>
+          <a:stretch>
+            <a:fillRect/>
+          </a:stretch>
+        </p:blipFill>
+        <p:spPr bwMode="auto">
+          <a:xfrm>
+            <a:off x="4971274" y="2072603"/>
+            <a:ext cx="1466377" cy="553964"/>
+          </a:xfrm>
+          <a:prstGeom prst="rect">
+            <a:avLst/>
+          </a:prstGeom>
+          <a:noFill/>
+          <a:extLst>
+            <a:ext uri="{909E8E84-426E-40DD-AFC4-6F175D3DCCD1}">
+              <a14:hiddenFill xmlns:a14="http://schemas.microsoft.com/office/drawing/2010/main">
+                <a:solidFill>
+                  <a:srgbClr val="FFFFFF"/>
+                </a:solidFill>
+              </a14:hiddenFill>
+            </a:ext>
+          </a:extLst>
+        </p:spPr>
+      </p:pic>
+      <p:pic>
+        <p:nvPicPr>
+          <p:cNvPr id="19" name="Picture 2" descr="https://a0.awsstatic.com/main/images/logos/aws_logo.png"/>
+          <p:cNvPicPr>
+            <a:picLocks noChangeAspect="1" noChangeArrowheads="1"/>
+          </p:cNvPicPr>
+          <p:nvPr/>
+        </p:nvPicPr>
+        <p:blipFill>
+          <a:blip r:embed="rId3">
+            <a:extLst>
+              <a:ext uri="{28A0092B-C50C-407E-A947-70E740481C1C}">
+                <a14:useLocalDpi xmlns:a14="http://schemas.microsoft.com/office/drawing/2010/main" val="0"/>
+              </a:ext>
+            </a:extLst>
+          </a:blip>
+          <a:srcRect/>
+          <a:stretch>
+            <a:fillRect/>
+          </a:stretch>
+        </p:blipFill>
+        <p:spPr bwMode="auto">
+          <a:xfrm>
+            <a:off x="8844335" y="4132631"/>
+            <a:ext cx="1466377" cy="553964"/>
+          </a:xfrm>
+          <a:prstGeom prst="rect">
+            <a:avLst/>
+          </a:prstGeom>
+          <a:noFill/>
+          <a:extLst>
+            <a:ext uri="{909E8E84-426E-40DD-AFC4-6F175D3DCCD1}">
+              <a14:hiddenFill xmlns:a14="http://schemas.microsoft.com/office/drawing/2010/main">
+                <a:solidFill>
+                  <a:srgbClr val="FFFFFF"/>
+                </a:solidFill>
+              </a14:hiddenFill>
+            </a:ext>
+          </a:extLst>
+        </p:spPr>
+      </p:pic>
+      <p:pic>
+        <p:nvPicPr>
+          <p:cNvPr id="20" name="Picture 2" descr="https://a0.awsstatic.com/main/images/logos/aws_logo.png"/>
+          <p:cNvPicPr>
+            <a:picLocks noChangeAspect="1" noChangeArrowheads="1"/>
+          </p:cNvPicPr>
+          <p:nvPr/>
+        </p:nvPicPr>
+        <p:blipFill>
+          <a:blip r:embed="rId3">
+            <a:extLst>
+              <a:ext uri="{28A0092B-C50C-407E-A947-70E740481C1C}">
+                <a14:useLocalDpi xmlns:a14="http://schemas.microsoft.com/office/drawing/2010/main" val="0"/>
+              </a:ext>
+            </a:extLst>
+          </a:blip>
+          <a:srcRect/>
+          <a:stretch>
+            <a:fillRect/>
+          </a:stretch>
+        </p:blipFill>
+        <p:spPr bwMode="auto">
+          <a:xfrm>
+            <a:off x="2911243" y="5672396"/>
+            <a:ext cx="1466377" cy="553964"/>
+          </a:xfrm>
+          <a:prstGeom prst="rect">
+            <a:avLst/>
+          </a:prstGeom>
+          <a:noFill/>
+          <a:extLst>
+            <a:ext uri="{909E8E84-426E-40DD-AFC4-6F175D3DCCD1}">
+              <a14:hiddenFill xmlns:a14="http://schemas.microsoft.com/office/drawing/2010/main">
+                <a:solidFill>
+                  <a:srgbClr val="FFFFFF"/>
+                </a:solidFill>
+              </a14:hiddenFill>
+            </a:ext>
+          </a:extLst>
         </p:spPr>
       </p:pic>
     </p:spTree>
@@ -4705,7 +5089,7 @@
         </p:blipFill>
         <p:spPr>
           <a:xfrm>
-            <a:off x="7951702" y="2387169"/>
+            <a:off x="7116129" y="2371403"/>
             <a:ext cx="1655807" cy="705924"/>
           </a:xfrm>
           <a:prstGeom prst="rect">
@@ -4907,7 +5291,7 @@
         </p:blipFill>
         <p:spPr bwMode="auto">
           <a:xfrm>
-            <a:off x="4004236" y="946672"/>
+            <a:off x="4981698" y="4131307"/>
             <a:ext cx="2241408" cy="1631745"/>
           </a:xfrm>
           <a:prstGeom prst="rect">
@@ -4941,7 +5325,7 @@
         </p:blipFill>
         <p:spPr>
           <a:xfrm>
-            <a:off x="591194" y="2366574"/>
+            <a:off x="733084" y="5519678"/>
             <a:ext cx="1655807" cy="705924"/>
           </a:xfrm>
           <a:prstGeom prst="rect">
@@ -4957,7 +5341,7 @@
         </p:nvSpPr>
         <p:spPr>
           <a:xfrm>
-            <a:off x="688435" y="793648"/>
+            <a:off x="1665897" y="3978283"/>
             <a:ext cx="1441656" cy="1514439"/>
           </a:xfrm>
           <a:prstGeom prst="rect">
@@ -5013,7 +5397,7 @@
         </p:nvGrpSpPr>
         <p:grpSpPr>
           <a:xfrm>
-            <a:off x="2417856" y="1217612"/>
+            <a:off x="3395318" y="4402247"/>
             <a:ext cx="1381738" cy="673166"/>
             <a:chOff x="2334271" y="318043"/>
             <a:chExt cx="1457473" cy="673166"/>
@@ -5090,6 +5474,88 @@
           </p:txBody>
         </p:sp>
       </p:grpSp>
+      <p:pic>
+        <p:nvPicPr>
+          <p:cNvPr id="14" name="Picture 2" descr="https://a0.awsstatic.com/main/images/logos/aws_logo.png"/>
+          <p:cNvPicPr>
+            <a:picLocks noChangeAspect="1" noChangeArrowheads="1"/>
+          </p:cNvPicPr>
+          <p:nvPr/>
+        </p:nvPicPr>
+        <p:blipFill>
+          <a:blip r:embed="rId5">
+            <a:extLst>
+              <a:ext uri="{28A0092B-C50C-407E-A947-70E740481C1C}">
+                <a14:useLocalDpi xmlns:a14="http://schemas.microsoft.com/office/drawing/2010/main" val="0"/>
+              </a:ext>
+            </a:extLst>
+          </a:blip>
+          <a:srcRect/>
+          <a:stretch>
+            <a:fillRect/>
+          </a:stretch>
+        </p:blipFill>
+        <p:spPr bwMode="auto">
+          <a:xfrm>
+            <a:off x="2496088" y="5619844"/>
+            <a:ext cx="1466377" cy="553964"/>
+          </a:xfrm>
+          <a:prstGeom prst="rect">
+            <a:avLst/>
+          </a:prstGeom>
+          <a:noFill/>
+          <a:extLst>
+            <a:ext uri="{909E8E84-426E-40DD-AFC4-6F175D3DCCD1}">
+              <a14:hiddenFill xmlns:a14="http://schemas.microsoft.com/office/drawing/2010/main">
+                <a:solidFill>
+                  <a:srgbClr val="FFFFFF"/>
+                </a:solidFill>
+              </a14:hiddenFill>
+            </a:ext>
+          </a:extLst>
+        </p:spPr>
+      </p:pic>
+      <p:pic>
+        <p:nvPicPr>
+          <p:cNvPr id="15" name="Picture 2" descr="https://a0.awsstatic.com/main/images/logos/aws_logo.png"/>
+          <p:cNvPicPr>
+            <a:picLocks noChangeAspect="1" noChangeArrowheads="1"/>
+          </p:cNvPicPr>
+          <p:nvPr/>
+        </p:nvPicPr>
+        <p:blipFill>
+          <a:blip r:embed="rId5">
+            <a:extLst>
+              <a:ext uri="{28A0092B-C50C-407E-A947-70E740481C1C}">
+                <a14:useLocalDpi xmlns:a14="http://schemas.microsoft.com/office/drawing/2010/main" val="0"/>
+              </a:ext>
+            </a:extLst>
+          </a:blip>
+          <a:srcRect/>
+          <a:stretch>
+            <a:fillRect/>
+          </a:stretch>
+        </p:blipFill>
+        <p:spPr bwMode="auto">
+          <a:xfrm>
+            <a:off x="8860102" y="2414189"/>
+            <a:ext cx="1466377" cy="553964"/>
+          </a:xfrm>
+          <a:prstGeom prst="rect">
+            <a:avLst/>
+          </a:prstGeom>
+          <a:noFill/>
+          <a:extLst>
+            <a:ext uri="{909E8E84-426E-40DD-AFC4-6F175D3DCCD1}">
+              <a14:hiddenFill xmlns:a14="http://schemas.microsoft.com/office/drawing/2010/main">
+                <a:solidFill>
+                  <a:srgbClr val="FFFFFF"/>
+                </a:solidFill>
+              </a14:hiddenFill>
+            </a:ext>
+          </a:extLst>
+        </p:spPr>
+      </p:pic>
     </p:spTree>
     <p:extLst>
       <p:ext uri="{BB962C8B-B14F-4D97-AF65-F5344CB8AC3E}">

--- a/_sources/GettingStarted.pptx
+++ b/_sources/GettingStarted.pptx
@@ -11,13 +11,14 @@
     <p:sldId id="259" r:id="rId5"/>
     <p:sldId id="260" r:id="rId6"/>
     <p:sldId id="261" r:id="rId7"/>
-    <p:sldId id="262" r:id="rId8"/>
-    <p:sldId id="263" r:id="rId9"/>
-    <p:sldId id="264" r:id="rId10"/>
-    <p:sldId id="265" r:id="rId11"/>
-    <p:sldId id="266" r:id="rId12"/>
-    <p:sldId id="267" r:id="rId13"/>
-    <p:sldId id="268" r:id="rId14"/>
+    <p:sldId id="269" r:id="rId8"/>
+    <p:sldId id="262" r:id="rId9"/>
+    <p:sldId id="263" r:id="rId10"/>
+    <p:sldId id="264" r:id="rId11"/>
+    <p:sldId id="265" r:id="rId12"/>
+    <p:sldId id="266" r:id="rId13"/>
+    <p:sldId id="267" r:id="rId14"/>
+    <p:sldId id="268" r:id="rId15"/>
   </p:sldIdLst>
   <p:sldSz cx="14400213" cy="7559675"/>
   <p:notesSz cx="6858000" cy="9144000"/>
@@ -255,7 +256,7 @@
           <a:p>
             <a:fld id="{9AA7D095-A676-4F6B-9416-D65D798F5244}" type="datetimeFigureOut">
               <a:rPr lang="de-DE" smtClean="0"/>
-              <a:t>24.03.2015</a:t>
+              <a:t>11.04.2015</a:t>
             </a:fld>
             <a:endParaRPr lang="de-DE"/>
           </a:p>
@@ -425,7 +426,7 @@
           <a:p>
             <a:fld id="{9AA7D095-A676-4F6B-9416-D65D798F5244}" type="datetimeFigureOut">
               <a:rPr lang="de-DE" smtClean="0"/>
-              <a:t>24.03.2015</a:t>
+              <a:t>11.04.2015</a:t>
             </a:fld>
             <a:endParaRPr lang="de-DE"/>
           </a:p>
@@ -605,7 +606,7 @@
           <a:p>
             <a:fld id="{9AA7D095-A676-4F6B-9416-D65D798F5244}" type="datetimeFigureOut">
               <a:rPr lang="de-DE" smtClean="0"/>
-              <a:t>24.03.2015</a:t>
+              <a:t>11.04.2015</a:t>
             </a:fld>
             <a:endParaRPr lang="de-DE"/>
           </a:p>
@@ -775,7 +776,7 @@
           <a:p>
             <a:fld id="{9AA7D095-A676-4F6B-9416-D65D798F5244}" type="datetimeFigureOut">
               <a:rPr lang="de-DE" smtClean="0"/>
-              <a:t>24.03.2015</a:t>
+              <a:t>11.04.2015</a:t>
             </a:fld>
             <a:endParaRPr lang="de-DE"/>
           </a:p>
@@ -1021,7 +1022,7 @@
           <a:p>
             <a:fld id="{9AA7D095-A676-4F6B-9416-D65D798F5244}" type="datetimeFigureOut">
               <a:rPr lang="de-DE" smtClean="0"/>
-              <a:t>24.03.2015</a:t>
+              <a:t>11.04.2015</a:t>
             </a:fld>
             <a:endParaRPr lang="de-DE"/>
           </a:p>
@@ -1253,7 +1254,7 @@
           <a:p>
             <a:fld id="{9AA7D095-A676-4F6B-9416-D65D798F5244}" type="datetimeFigureOut">
               <a:rPr lang="de-DE" smtClean="0"/>
-              <a:t>24.03.2015</a:t>
+              <a:t>11.04.2015</a:t>
             </a:fld>
             <a:endParaRPr lang="de-DE"/>
           </a:p>
@@ -1620,7 +1621,7 @@
           <a:p>
             <a:fld id="{9AA7D095-A676-4F6B-9416-D65D798F5244}" type="datetimeFigureOut">
               <a:rPr lang="de-DE" smtClean="0"/>
-              <a:t>24.03.2015</a:t>
+              <a:t>11.04.2015</a:t>
             </a:fld>
             <a:endParaRPr lang="de-DE"/>
           </a:p>
@@ -1738,7 +1739,7 @@
           <a:p>
             <a:fld id="{9AA7D095-A676-4F6B-9416-D65D798F5244}" type="datetimeFigureOut">
               <a:rPr lang="de-DE" smtClean="0"/>
-              <a:t>24.03.2015</a:t>
+              <a:t>11.04.2015</a:t>
             </a:fld>
             <a:endParaRPr lang="de-DE"/>
           </a:p>
@@ -1833,7 +1834,7 @@
           <a:p>
             <a:fld id="{9AA7D095-A676-4F6B-9416-D65D798F5244}" type="datetimeFigureOut">
               <a:rPr lang="de-DE" smtClean="0"/>
-              <a:t>24.03.2015</a:t>
+              <a:t>11.04.2015</a:t>
             </a:fld>
             <a:endParaRPr lang="de-DE"/>
           </a:p>
@@ -2110,7 +2111,7 @@
           <a:p>
             <a:fld id="{9AA7D095-A676-4F6B-9416-D65D798F5244}" type="datetimeFigureOut">
               <a:rPr lang="de-DE" smtClean="0"/>
-              <a:t>24.03.2015</a:t>
+              <a:t>11.04.2015</a:t>
             </a:fld>
             <a:endParaRPr lang="de-DE"/>
           </a:p>
@@ -2367,7 +2368,7 @@
           <a:p>
             <a:fld id="{9AA7D095-A676-4F6B-9416-D65D798F5244}" type="datetimeFigureOut">
               <a:rPr lang="de-DE" smtClean="0"/>
-              <a:t>24.03.2015</a:t>
+              <a:t>11.04.2015</a:t>
             </a:fld>
             <a:endParaRPr lang="de-DE"/>
           </a:p>
@@ -2580,7 +2581,7 @@
           <a:p>
             <a:fld id="{9AA7D095-A676-4F6B-9416-D65D798F5244}" type="datetimeFigureOut">
               <a:rPr lang="de-DE" smtClean="0"/>
-              <a:t>24.03.2015</a:t>
+              <a:t>11.04.2015</a:t>
             </a:fld>
             <a:endParaRPr lang="de-DE"/>
           </a:p>
@@ -3201,6 +3202,2132 @@
           <a:chExt cx="0" cy="0"/>
         </a:xfrm>
       </p:grpSpPr>
+      <p:grpSp>
+        <p:nvGrpSpPr>
+          <p:cNvPr id="15" name="Group 14"/>
+          <p:cNvGrpSpPr/>
+          <p:nvPr/>
+        </p:nvGrpSpPr>
+        <p:grpSpPr>
+          <a:xfrm>
+            <a:off x="1169403" y="4820888"/>
+            <a:ext cx="1496257" cy="679282"/>
+            <a:chOff x="6448425" y="3933827"/>
+            <a:chExt cx="2628900" cy="1409700"/>
+          </a:xfrm>
+        </p:grpSpPr>
+        <p:sp>
+          <p:nvSpPr>
+            <p:cNvPr id="14" name="Rounded Rectangle 13"/>
+            <p:cNvSpPr/>
+            <p:nvPr/>
+          </p:nvSpPr>
+          <p:spPr>
+            <a:xfrm>
+              <a:off x="6448425" y="3933827"/>
+              <a:ext cx="2628900" cy="1409700"/>
+            </a:xfrm>
+            <a:prstGeom prst="roundRect">
+              <a:avLst/>
+            </a:prstGeom>
+            <a:solidFill>
+              <a:schemeClr val="accent6">
+                <a:lumMod val="75000"/>
+              </a:schemeClr>
+            </a:solidFill>
+            <a:ln w="76200">
+              <a:solidFill>
+                <a:schemeClr val="accent6">
+                  <a:lumMod val="50000"/>
+                </a:schemeClr>
+              </a:solidFill>
+            </a:ln>
+          </p:spPr>
+          <p:style>
+            <a:lnRef idx="2">
+              <a:schemeClr val="accent1">
+                <a:shade val="50000"/>
+              </a:schemeClr>
+            </a:lnRef>
+            <a:fillRef idx="1">
+              <a:schemeClr val="accent1"/>
+            </a:fillRef>
+            <a:effectRef idx="0">
+              <a:schemeClr val="accent1"/>
+            </a:effectRef>
+            <a:fontRef idx="minor">
+              <a:schemeClr val="lt1"/>
+            </a:fontRef>
+          </p:style>
+          <p:txBody>
+            <a:bodyPr rtlCol="0" anchor="ctr"/>
+            <a:lstStyle/>
+            <a:p>
+              <a:pPr algn="ctr"/>
+              <a:endParaRPr lang="de-DE"/>
+            </a:p>
+          </p:txBody>
+        </p:sp>
+        <p:sp>
+          <p:nvSpPr>
+            <p:cNvPr id="13" name="TextBox 12"/>
+            <p:cNvSpPr txBox="1"/>
+            <p:nvPr/>
+          </p:nvSpPr>
+          <p:spPr>
+            <a:xfrm>
+              <a:off x="6513804" y="4239101"/>
+              <a:ext cx="2501164" cy="830340"/>
+            </a:xfrm>
+            <a:prstGeom prst="rect">
+              <a:avLst/>
+            </a:prstGeom>
+            <a:noFill/>
+            <a:ln w="76200">
+              <a:noFill/>
+            </a:ln>
+          </p:spPr>
+          <p:txBody>
+            <a:bodyPr wrap="square" rtlCol="0">
+              <a:spAutoFit/>
+            </a:bodyPr>
+            <a:lstStyle/>
+            <a:p>
+              <a:pPr algn="ctr"/>
+              <a:r>
+                <a:rPr lang="en-US" sz="2000" b="1" dirty="0">
+                  <a:solidFill>
+                    <a:schemeClr val="bg1"/>
+                  </a:solidFill>
+                </a:rPr>
+                <a:t>Payload</a:t>
+              </a:r>
+              <a:endParaRPr lang="de-DE" sz="2400" b="1" dirty="0">
+                <a:solidFill>
+                  <a:schemeClr val="bg1"/>
+                </a:solidFill>
+              </a:endParaRPr>
+            </a:p>
+          </p:txBody>
+        </p:sp>
+      </p:grpSp>
+      <p:sp>
+        <p:nvSpPr>
+          <p:cNvPr id="26" name="Rounded Rectangle 25"/>
+          <p:cNvSpPr/>
+          <p:nvPr/>
+        </p:nvSpPr>
+        <p:spPr>
+          <a:xfrm>
+            <a:off x="4366248" y="4887865"/>
+            <a:ext cx="1610387" cy="1610382"/>
+          </a:xfrm>
+          <a:prstGeom prst="ellipse">
+            <a:avLst/>
+          </a:prstGeom>
+          <a:solidFill>
+            <a:schemeClr val="accent1">
+              <a:lumMod val="20000"/>
+              <a:lumOff val="80000"/>
+            </a:schemeClr>
+          </a:solidFill>
+          <a:ln w="76200">
+            <a:solidFill>
+              <a:schemeClr val="accent1">
+                <a:lumMod val="40000"/>
+                <a:lumOff val="60000"/>
+              </a:schemeClr>
+            </a:solidFill>
+          </a:ln>
+        </p:spPr>
+        <p:style>
+          <a:lnRef idx="2">
+            <a:schemeClr val="accent1">
+              <a:shade val="50000"/>
+            </a:schemeClr>
+          </a:lnRef>
+          <a:fillRef idx="1">
+            <a:schemeClr val="accent1"/>
+          </a:fillRef>
+          <a:effectRef idx="0">
+            <a:schemeClr val="accent1"/>
+          </a:effectRef>
+          <a:fontRef idx="minor">
+            <a:schemeClr val="lt1"/>
+          </a:fontRef>
+        </p:style>
+        <p:txBody>
+          <a:bodyPr rtlCol="0" anchor="ctr"/>
+          <a:lstStyle/>
+          <a:p>
+            <a:pPr algn="ctr"/>
+            <a:r>
+              <a:rPr lang="en-US" sz="2000" b="1" dirty="0" smtClean="0"/>
+              <a:t>Image</a:t>
+            </a:r>
+            <a:endParaRPr lang="de-DE" sz="2000" b="1" dirty="0"/>
+          </a:p>
+        </p:txBody>
+      </p:sp>
+      <p:sp>
+        <p:nvSpPr>
+          <p:cNvPr id="7" name="TextBox 6"/>
+          <p:cNvSpPr txBox="1"/>
+          <p:nvPr/>
+        </p:nvSpPr>
+        <p:spPr>
+          <a:xfrm>
+            <a:off x="1073759" y="0"/>
+            <a:ext cx="1624914" cy="523220"/>
+          </a:xfrm>
+          <a:prstGeom prst="rect">
+            <a:avLst/>
+          </a:prstGeom>
+          <a:noFill/>
+        </p:spPr>
+        <p:txBody>
+          <a:bodyPr wrap="square" rtlCol="0">
+            <a:spAutoFit/>
+          </a:bodyPr>
+          <a:lstStyle/>
+          <a:p>
+            <a:r>
+              <a:rPr lang="en-US" sz="2800" b="1" dirty="0" smtClean="0"/>
+              <a:t>inventory</a:t>
+            </a:r>
+            <a:endParaRPr lang="de-DE" sz="2800" b="1" dirty="0"/>
+          </a:p>
+        </p:txBody>
+      </p:sp>
+      <p:cxnSp>
+        <p:nvCxnSpPr>
+          <p:cNvPr id="36" name="Straight Arrow Connector 35"/>
+          <p:cNvCxnSpPr/>
+          <p:nvPr/>
+        </p:nvCxnSpPr>
+        <p:spPr>
+          <a:xfrm rot="19330395" flipV="1">
+            <a:off x="2661973" y="4548151"/>
+            <a:ext cx="1689754" cy="10481"/>
+          </a:xfrm>
+          <a:prstGeom prst="straightConnector1">
+            <a:avLst/>
+          </a:prstGeom>
+          <a:ln w="142875">
+            <a:solidFill>
+              <a:schemeClr val="tx1">
+                <a:lumMod val="50000"/>
+                <a:lumOff val="50000"/>
+              </a:schemeClr>
+            </a:solidFill>
+            <a:tailEnd type="triangle"/>
+          </a:ln>
+        </p:spPr>
+        <p:style>
+          <a:lnRef idx="1">
+            <a:schemeClr val="accent1"/>
+          </a:lnRef>
+          <a:fillRef idx="0">
+            <a:schemeClr val="accent1"/>
+          </a:fillRef>
+          <a:effectRef idx="0">
+            <a:schemeClr val="accent1"/>
+          </a:effectRef>
+          <a:fontRef idx="minor">
+            <a:schemeClr val="tx1"/>
+          </a:fontRef>
+        </p:style>
+      </p:cxnSp>
+      <p:sp>
+        <p:nvSpPr>
+          <p:cNvPr id="37" name="TextBox 36"/>
+          <p:cNvSpPr txBox="1"/>
+          <p:nvPr/>
+        </p:nvSpPr>
+        <p:spPr>
+          <a:xfrm>
+            <a:off x="2725663" y="3587877"/>
+            <a:ext cx="1646390" cy="523220"/>
+          </a:xfrm>
+          <a:prstGeom prst="rect">
+            <a:avLst/>
+          </a:prstGeom>
+          <a:noFill/>
+        </p:spPr>
+        <p:txBody>
+          <a:bodyPr wrap="square" rtlCol="0">
+            <a:spAutoFit/>
+          </a:bodyPr>
+          <a:lstStyle/>
+          <a:p>
+            <a:pPr algn="ctr"/>
+            <a:r>
+              <a:rPr lang="en-US" sz="2800" b="1" dirty="0"/>
+              <a:t>fuse</a:t>
+            </a:r>
+            <a:endParaRPr lang="de-DE" sz="2800" b="1" dirty="0"/>
+          </a:p>
+        </p:txBody>
+      </p:sp>
+      <p:sp>
+        <p:nvSpPr>
+          <p:cNvPr id="38" name="Rounded Rectangle 25"/>
+          <p:cNvSpPr/>
+          <p:nvPr/>
+        </p:nvSpPr>
+        <p:spPr>
+          <a:xfrm>
+            <a:off x="4366248" y="3055740"/>
+            <a:ext cx="1610387" cy="1610382"/>
+          </a:xfrm>
+          <a:prstGeom prst="ellipse">
+            <a:avLst/>
+          </a:prstGeom>
+          <a:solidFill>
+            <a:schemeClr val="accent1">
+              <a:lumMod val="75000"/>
+            </a:schemeClr>
+          </a:solidFill>
+          <a:ln w="76200">
+            <a:solidFill>
+              <a:schemeClr val="accent1">
+                <a:lumMod val="50000"/>
+              </a:schemeClr>
+            </a:solidFill>
+          </a:ln>
+        </p:spPr>
+        <p:style>
+          <a:lnRef idx="2">
+            <a:schemeClr val="accent1">
+              <a:shade val="50000"/>
+            </a:schemeClr>
+          </a:lnRef>
+          <a:fillRef idx="1">
+            <a:schemeClr val="accent1"/>
+          </a:fillRef>
+          <a:effectRef idx="0">
+            <a:schemeClr val="accent1"/>
+          </a:effectRef>
+          <a:fontRef idx="minor">
+            <a:schemeClr val="lt1"/>
+          </a:fontRef>
+        </p:style>
+        <p:txBody>
+          <a:bodyPr rtlCol="0" anchor="ctr"/>
+          <a:lstStyle/>
+          <a:p>
+            <a:pPr algn="ctr"/>
+            <a:r>
+              <a:rPr lang="en-US" sz="2000" b="1" dirty="0"/>
+              <a:t>Image</a:t>
+            </a:r>
+            <a:endParaRPr lang="de-DE" sz="2000" b="1" dirty="0"/>
+          </a:p>
+        </p:txBody>
+      </p:sp>
+      <p:sp>
+        <p:nvSpPr>
+          <p:cNvPr id="10" name="Cross 9"/>
+          <p:cNvSpPr/>
+          <p:nvPr/>
+        </p:nvSpPr>
+        <p:spPr>
+          <a:xfrm rot="2669759">
+            <a:off x="4059360" y="4611843"/>
+            <a:ext cx="2229507" cy="2238141"/>
+          </a:xfrm>
+          <a:prstGeom prst="plus">
+            <a:avLst>
+              <a:gd name="adj" fmla="val 47174"/>
+            </a:avLst>
+          </a:prstGeom>
+          <a:solidFill>
+            <a:srgbClr val="FF0000"/>
+          </a:solidFill>
+          <a:ln>
+            <a:solidFill>
+              <a:srgbClr val="C00000"/>
+            </a:solidFill>
+          </a:ln>
+        </p:spPr>
+        <p:style>
+          <a:lnRef idx="2">
+            <a:schemeClr val="accent1">
+              <a:shade val="50000"/>
+            </a:schemeClr>
+          </a:lnRef>
+          <a:fillRef idx="1">
+            <a:schemeClr val="accent1"/>
+          </a:fillRef>
+          <a:effectRef idx="0">
+            <a:schemeClr val="accent1"/>
+          </a:effectRef>
+          <a:fontRef idx="minor">
+            <a:schemeClr val="lt1"/>
+          </a:fontRef>
+        </p:style>
+        <p:txBody>
+          <a:bodyPr rtlCol="0" anchor="ctr"/>
+          <a:lstStyle/>
+          <a:p>
+            <a:pPr algn="ctr"/>
+            <a:endParaRPr lang="de-DE"/>
+          </a:p>
+        </p:txBody>
+      </p:sp>
+      <p:sp>
+        <p:nvSpPr>
+          <p:cNvPr id="43" name="TextBox 42"/>
+          <p:cNvSpPr txBox="1"/>
+          <p:nvPr/>
+        </p:nvSpPr>
+        <p:spPr>
+          <a:xfrm>
+            <a:off x="4465408" y="4844765"/>
+            <a:ext cx="1408522" cy="523220"/>
+          </a:xfrm>
+          <a:prstGeom prst="rect">
+            <a:avLst/>
+          </a:prstGeom>
+          <a:noFill/>
+        </p:spPr>
+        <p:txBody>
+          <a:bodyPr wrap="square" rtlCol="0">
+            <a:spAutoFit/>
+          </a:bodyPr>
+          <a:lstStyle/>
+          <a:p>
+            <a:pPr algn="ctr"/>
+            <a:r>
+              <a:rPr lang="en-US" sz="2800" b="1" dirty="0" err="1"/>
+              <a:t>rm</a:t>
+            </a:r>
+            <a:endParaRPr lang="de-DE" sz="2800" b="1" dirty="0"/>
+          </a:p>
+        </p:txBody>
+      </p:sp>
+      <p:sp>
+        <p:nvSpPr>
+          <p:cNvPr id="11" name="Rounded Rectangle 10"/>
+          <p:cNvSpPr/>
+          <p:nvPr/>
+        </p:nvSpPr>
+        <p:spPr>
+          <a:xfrm>
+            <a:off x="4256223" y="2952051"/>
+            <a:ext cx="1868556" cy="3739133"/>
+          </a:xfrm>
+          <a:prstGeom prst="roundRect">
+            <a:avLst/>
+          </a:prstGeom>
+          <a:noFill/>
+          <a:ln w="57150">
+            <a:solidFill>
+              <a:schemeClr val="bg1">
+                <a:lumMod val="50000"/>
+              </a:schemeClr>
+            </a:solidFill>
+            <a:prstDash val="dash"/>
+          </a:ln>
+        </p:spPr>
+        <p:style>
+          <a:lnRef idx="2">
+            <a:schemeClr val="accent1">
+              <a:shade val="50000"/>
+            </a:schemeClr>
+          </a:lnRef>
+          <a:fillRef idx="1">
+            <a:schemeClr val="accent1"/>
+          </a:fillRef>
+          <a:effectRef idx="0">
+            <a:schemeClr val="accent1"/>
+          </a:effectRef>
+          <a:fontRef idx="minor">
+            <a:schemeClr val="lt1"/>
+          </a:fontRef>
+        </p:style>
+        <p:txBody>
+          <a:bodyPr rtlCol="0" anchor="ctr"/>
+          <a:lstStyle/>
+          <a:p>
+            <a:pPr algn="ctr"/>
+            <a:endParaRPr lang="de-DE"/>
+          </a:p>
+        </p:txBody>
+      </p:sp>
+      <p:sp>
+        <p:nvSpPr>
+          <p:cNvPr id="44" name="TextBox 43"/>
+          <p:cNvSpPr txBox="1"/>
+          <p:nvPr/>
+        </p:nvSpPr>
+        <p:spPr>
+          <a:xfrm>
+            <a:off x="4492859" y="2382216"/>
+            <a:ext cx="1408522" cy="523220"/>
+          </a:xfrm>
+          <a:prstGeom prst="rect">
+            <a:avLst/>
+          </a:prstGeom>
+          <a:noFill/>
+        </p:spPr>
+        <p:txBody>
+          <a:bodyPr wrap="square" rtlCol="0">
+            <a:spAutoFit/>
+          </a:bodyPr>
+          <a:lstStyle/>
+          <a:p>
+            <a:pPr algn="ctr"/>
+            <a:r>
+              <a:rPr lang="en-US" sz="2800" b="1" dirty="0" err="1"/>
+              <a:t>ls</a:t>
+            </a:r>
+            <a:endParaRPr lang="de-DE" sz="2800" b="1" dirty="0"/>
+          </a:p>
+        </p:txBody>
+      </p:sp>
+      <p:grpSp>
+        <p:nvGrpSpPr>
+          <p:cNvPr id="21" name="Group 20"/>
+          <p:cNvGrpSpPr/>
+          <p:nvPr/>
+        </p:nvGrpSpPr>
+        <p:grpSpPr>
+          <a:xfrm>
+            <a:off x="7154693" y="2339074"/>
+            <a:ext cx="2806054" cy="5115953"/>
+            <a:chOff x="7080552" y="-132277"/>
+            <a:chExt cx="2806054" cy="5115953"/>
+          </a:xfrm>
+        </p:grpSpPr>
+        <p:sp>
+          <p:nvSpPr>
+            <p:cNvPr id="79" name="Rounded Rectangle 75"/>
+            <p:cNvSpPr/>
+            <p:nvPr/>
+          </p:nvSpPr>
+          <p:spPr>
+            <a:xfrm>
+              <a:off x="8059356" y="2517568"/>
+              <a:ext cx="1441656" cy="1514439"/>
+            </a:xfrm>
+            <a:prstGeom prst="rect">
+              <a:avLst/>
+            </a:prstGeom>
+            <a:solidFill>
+              <a:schemeClr val="accent2">
+                <a:lumMod val="20000"/>
+                <a:lumOff val="80000"/>
+              </a:schemeClr>
+            </a:solidFill>
+            <a:ln w="76200">
+              <a:solidFill>
+                <a:schemeClr val="accent2">
+                  <a:lumMod val="40000"/>
+                  <a:lumOff val="60000"/>
+                </a:schemeClr>
+              </a:solidFill>
+            </a:ln>
+          </p:spPr>
+          <p:style>
+            <a:lnRef idx="2">
+              <a:schemeClr val="accent1">
+                <a:shade val="50000"/>
+              </a:schemeClr>
+            </a:lnRef>
+            <a:fillRef idx="1">
+              <a:schemeClr val="accent1"/>
+            </a:fillRef>
+            <a:effectRef idx="0">
+              <a:schemeClr val="accent1"/>
+            </a:effectRef>
+            <a:fontRef idx="minor">
+              <a:schemeClr val="lt1"/>
+            </a:fontRef>
+          </p:style>
+          <p:txBody>
+            <a:bodyPr rtlCol="0" anchor="ctr"/>
+            <a:lstStyle/>
+            <a:p>
+              <a:pPr algn="ctr"/>
+              <a:r>
+                <a:rPr lang="en-US" sz="2000" b="1" dirty="0"/>
+                <a:t>Instance</a:t>
+              </a:r>
+              <a:endParaRPr lang="de-DE" sz="2000" b="1" dirty="0"/>
+            </a:p>
+          </p:txBody>
+        </p:sp>
+        <p:grpSp>
+          <p:nvGrpSpPr>
+            <p:cNvPr id="20" name="Group 19"/>
+            <p:cNvGrpSpPr/>
+            <p:nvPr/>
+          </p:nvGrpSpPr>
+          <p:grpSpPr>
+            <a:xfrm>
+              <a:off x="7080552" y="-132277"/>
+              <a:ext cx="2806054" cy="5115953"/>
+              <a:chOff x="7080552" y="-132277"/>
+              <a:chExt cx="2806054" cy="5115953"/>
+            </a:xfrm>
+          </p:grpSpPr>
+          <p:pic>
+            <p:nvPicPr>
+              <p:cNvPr id="6" name="Picture 5"/>
+              <p:cNvPicPr>
+                <a:picLocks noChangeAspect="1"/>
+              </p:cNvPicPr>
+              <p:nvPr/>
+            </p:nvPicPr>
+            <p:blipFill>
+              <a:blip r:embed="rId2"/>
+              <a:stretch>
+                <a:fillRect/>
+              </a:stretch>
+            </p:blipFill>
+            <p:spPr>
+              <a:xfrm>
+                <a:off x="7080552" y="4277752"/>
+                <a:ext cx="1655807" cy="705924"/>
+              </a:xfrm>
+              <a:prstGeom prst="rect">
+                <a:avLst/>
+              </a:prstGeom>
+            </p:spPr>
+          </p:pic>
+          <p:sp>
+            <p:nvSpPr>
+              <p:cNvPr id="72" name="TextBox 71"/>
+              <p:cNvSpPr txBox="1"/>
+              <p:nvPr/>
+            </p:nvSpPr>
+            <p:spPr>
+              <a:xfrm>
+                <a:off x="8017713" y="2503194"/>
+                <a:ext cx="1506963" cy="523220"/>
+              </a:xfrm>
+              <a:prstGeom prst="rect">
+                <a:avLst/>
+              </a:prstGeom>
+              <a:noFill/>
+            </p:spPr>
+            <p:txBody>
+              <a:bodyPr wrap="square" rtlCol="0">
+                <a:spAutoFit/>
+              </a:bodyPr>
+              <a:lstStyle/>
+              <a:p>
+                <a:pPr algn="ctr"/>
+                <a:r>
+                  <a:rPr lang="en-US" sz="2800" b="1" dirty="0"/>
+                  <a:t>kill</a:t>
+                </a:r>
+                <a:endParaRPr lang="de-DE" sz="2800" b="1" dirty="0"/>
+              </a:p>
+            </p:txBody>
+          </p:sp>
+          <p:sp>
+            <p:nvSpPr>
+              <p:cNvPr id="73" name="Rounded Rectangle 72"/>
+              <p:cNvSpPr/>
+              <p:nvPr/>
+            </p:nvSpPr>
+            <p:spPr>
+              <a:xfrm>
+                <a:off x="7809465" y="427153"/>
+                <a:ext cx="1896954" cy="3785823"/>
+              </a:xfrm>
+              <a:prstGeom prst="roundRect">
+                <a:avLst/>
+              </a:prstGeom>
+              <a:noFill/>
+              <a:ln w="57150">
+                <a:solidFill>
+                  <a:schemeClr val="bg1">
+                    <a:lumMod val="50000"/>
+                  </a:schemeClr>
+                </a:solidFill>
+                <a:prstDash val="dash"/>
+              </a:ln>
+            </p:spPr>
+            <p:style>
+              <a:lnRef idx="2">
+                <a:schemeClr val="accent1">
+                  <a:shade val="50000"/>
+                </a:schemeClr>
+              </a:lnRef>
+              <a:fillRef idx="1">
+                <a:schemeClr val="accent1"/>
+              </a:fillRef>
+              <a:effectRef idx="0">
+                <a:schemeClr val="accent1"/>
+              </a:effectRef>
+              <a:fontRef idx="minor">
+                <a:schemeClr val="lt1"/>
+              </a:fontRef>
+            </p:style>
+            <p:txBody>
+              <a:bodyPr rtlCol="0" anchor="ctr"/>
+              <a:lstStyle/>
+              <a:p>
+                <a:pPr algn="ctr"/>
+                <a:endParaRPr lang="de-DE"/>
+              </a:p>
+            </p:txBody>
+          </p:sp>
+          <p:sp>
+            <p:nvSpPr>
+              <p:cNvPr id="74" name="TextBox 73"/>
+              <p:cNvSpPr txBox="1"/>
+              <p:nvPr/>
+            </p:nvSpPr>
+            <p:spPr>
+              <a:xfrm>
+                <a:off x="8045163" y="-132277"/>
+                <a:ext cx="1408522" cy="523220"/>
+              </a:xfrm>
+              <a:prstGeom prst="rect">
+                <a:avLst/>
+              </a:prstGeom>
+              <a:noFill/>
+            </p:spPr>
+            <p:txBody>
+              <a:bodyPr wrap="square" rtlCol="0">
+                <a:spAutoFit/>
+              </a:bodyPr>
+              <a:lstStyle/>
+              <a:p>
+                <a:pPr algn="ctr"/>
+                <a:r>
+                  <a:rPr lang="en-US" sz="2800" b="1" dirty="0" err="1"/>
+                  <a:t>ps</a:t>
+                </a:r>
+                <a:endParaRPr lang="de-DE" sz="2800" b="1" dirty="0"/>
+              </a:p>
+            </p:txBody>
+          </p:sp>
+          <p:sp>
+            <p:nvSpPr>
+              <p:cNvPr id="76" name="Rounded Rectangle 75"/>
+              <p:cNvSpPr/>
+              <p:nvPr/>
+            </p:nvSpPr>
+            <p:spPr>
+              <a:xfrm>
+                <a:off x="8048943" y="604174"/>
+                <a:ext cx="1441656" cy="1514439"/>
+              </a:xfrm>
+              <a:prstGeom prst="rect">
+                <a:avLst/>
+              </a:prstGeom>
+              <a:solidFill>
+                <a:schemeClr val="accent2">
+                  <a:lumMod val="75000"/>
+                </a:schemeClr>
+              </a:solidFill>
+              <a:ln w="76200">
+                <a:solidFill>
+                  <a:schemeClr val="accent2">
+                    <a:lumMod val="50000"/>
+                  </a:schemeClr>
+                </a:solidFill>
+              </a:ln>
+            </p:spPr>
+            <p:style>
+              <a:lnRef idx="2">
+                <a:schemeClr val="accent1">
+                  <a:shade val="50000"/>
+                </a:schemeClr>
+              </a:lnRef>
+              <a:fillRef idx="1">
+                <a:schemeClr val="accent1"/>
+              </a:fillRef>
+              <a:effectRef idx="0">
+                <a:schemeClr val="accent1"/>
+              </a:effectRef>
+              <a:fontRef idx="minor">
+                <a:schemeClr val="lt1"/>
+              </a:fontRef>
+            </p:style>
+            <p:txBody>
+              <a:bodyPr rtlCol="0" anchor="ctr"/>
+              <a:lstStyle/>
+              <a:p>
+                <a:pPr algn="ctr"/>
+                <a:r>
+                  <a:rPr lang="en-US" sz="2000" b="1" dirty="0"/>
+                  <a:t>Instance</a:t>
+                </a:r>
+                <a:endParaRPr lang="de-DE" sz="2000" b="1" dirty="0"/>
+              </a:p>
+            </p:txBody>
+          </p:sp>
+          <p:sp>
+            <p:nvSpPr>
+              <p:cNvPr id="78" name="Cross 77"/>
+              <p:cNvSpPr/>
+              <p:nvPr/>
+            </p:nvSpPr>
+            <p:spPr>
+              <a:xfrm rot="2669759">
+                <a:off x="7657099" y="2146402"/>
+                <a:ext cx="2229507" cy="2238141"/>
+              </a:xfrm>
+              <a:prstGeom prst="plus">
+                <a:avLst>
+                  <a:gd name="adj" fmla="val 47174"/>
+                </a:avLst>
+              </a:prstGeom>
+              <a:solidFill>
+                <a:srgbClr val="FF0000"/>
+              </a:solidFill>
+              <a:ln>
+                <a:solidFill>
+                  <a:srgbClr val="C00000"/>
+                </a:solidFill>
+              </a:ln>
+            </p:spPr>
+            <p:style>
+              <a:lnRef idx="2">
+                <a:schemeClr val="accent1">
+                  <a:shade val="50000"/>
+                </a:schemeClr>
+              </a:lnRef>
+              <a:fillRef idx="1">
+                <a:schemeClr val="accent1"/>
+              </a:fillRef>
+              <a:effectRef idx="0">
+                <a:schemeClr val="accent1"/>
+              </a:effectRef>
+              <a:fontRef idx="minor">
+                <a:schemeClr val="lt1"/>
+              </a:fontRef>
+            </p:style>
+            <p:txBody>
+              <a:bodyPr rtlCol="0" anchor="ctr"/>
+              <a:lstStyle/>
+              <a:p>
+                <a:pPr algn="ctr"/>
+                <a:endParaRPr lang="de-DE"/>
+              </a:p>
+            </p:txBody>
+          </p:sp>
+        </p:grpSp>
+      </p:grpSp>
+      <p:grpSp>
+        <p:nvGrpSpPr>
+          <p:cNvPr id="52" name="Group 51"/>
+          <p:cNvGrpSpPr/>
+          <p:nvPr/>
+        </p:nvGrpSpPr>
+        <p:grpSpPr>
+          <a:xfrm>
+            <a:off x="9852504" y="3128790"/>
+            <a:ext cx="1554733" cy="592848"/>
+            <a:chOff x="2151794" y="398361"/>
+            <a:chExt cx="1639950" cy="592848"/>
+          </a:xfrm>
+        </p:grpSpPr>
+        <p:cxnSp>
+          <p:nvCxnSpPr>
+            <p:cNvPr id="63" name="Straight Arrow Connector 62"/>
+            <p:cNvCxnSpPr/>
+            <p:nvPr/>
+          </p:nvCxnSpPr>
+          <p:spPr>
+            <a:xfrm flipV="1">
+              <a:off x="2346123" y="980728"/>
+              <a:ext cx="1445621" cy="10481"/>
+            </a:xfrm>
+            <a:prstGeom prst="straightConnector1">
+              <a:avLst/>
+            </a:prstGeom>
+            <a:ln w="142875">
+              <a:solidFill>
+                <a:schemeClr val="tx1">
+                  <a:lumMod val="50000"/>
+                  <a:lumOff val="50000"/>
+                </a:schemeClr>
+              </a:solidFill>
+              <a:tailEnd type="triangle"/>
+            </a:ln>
+          </p:spPr>
+          <p:style>
+            <a:lnRef idx="1">
+              <a:schemeClr val="accent1"/>
+            </a:lnRef>
+            <a:fillRef idx="0">
+              <a:schemeClr val="accent1"/>
+            </a:fillRef>
+            <a:effectRef idx="0">
+              <a:schemeClr val="accent1"/>
+            </a:effectRef>
+            <a:fontRef idx="minor">
+              <a:schemeClr val="tx1"/>
+            </a:fontRef>
+          </p:style>
+        </p:cxnSp>
+        <p:sp>
+          <p:nvSpPr>
+            <p:cNvPr id="64" name="TextBox 63"/>
+            <p:cNvSpPr txBox="1"/>
+            <p:nvPr/>
+          </p:nvSpPr>
+          <p:spPr>
+            <a:xfrm>
+              <a:off x="2151794" y="398361"/>
+              <a:ext cx="1408522" cy="523220"/>
+            </a:xfrm>
+            <a:prstGeom prst="rect">
+              <a:avLst/>
+            </a:prstGeom>
+            <a:noFill/>
+          </p:spPr>
+          <p:txBody>
+            <a:bodyPr wrap="square" rtlCol="0">
+              <a:spAutoFit/>
+            </a:bodyPr>
+            <a:lstStyle/>
+            <a:p>
+              <a:pPr algn="ctr"/>
+              <a:r>
+                <a:rPr lang="en-US" sz="2800" b="1" dirty="0"/>
+                <a:t>open</a:t>
+              </a:r>
+              <a:endParaRPr lang="de-DE" sz="2800" b="1" dirty="0"/>
+            </a:p>
+          </p:txBody>
+        </p:sp>
+      </p:grpSp>
+      <p:grpSp>
+        <p:nvGrpSpPr>
+          <p:cNvPr id="65" name="Group 64"/>
+          <p:cNvGrpSpPr/>
+          <p:nvPr/>
+        </p:nvGrpSpPr>
+        <p:grpSpPr>
+          <a:xfrm rot="2145737">
+            <a:off x="9959800" y="4509335"/>
+            <a:ext cx="1747595" cy="562033"/>
+            <a:chOff x="2214063" y="429176"/>
+            <a:chExt cx="1577681" cy="562033"/>
+          </a:xfrm>
+        </p:grpSpPr>
+        <p:cxnSp>
+          <p:nvCxnSpPr>
+            <p:cNvPr id="75" name="Straight Arrow Connector 74"/>
+            <p:cNvCxnSpPr/>
+            <p:nvPr/>
+          </p:nvCxnSpPr>
+          <p:spPr>
+            <a:xfrm flipV="1">
+              <a:off x="2346123" y="980728"/>
+              <a:ext cx="1445621" cy="10481"/>
+            </a:xfrm>
+            <a:prstGeom prst="straightConnector1">
+              <a:avLst/>
+            </a:prstGeom>
+            <a:ln w="142875">
+              <a:solidFill>
+                <a:schemeClr val="tx1">
+                  <a:lumMod val="50000"/>
+                  <a:lumOff val="50000"/>
+                </a:schemeClr>
+              </a:solidFill>
+              <a:tailEnd type="triangle"/>
+            </a:ln>
+          </p:spPr>
+          <p:style>
+            <a:lnRef idx="1">
+              <a:schemeClr val="accent1"/>
+            </a:lnRef>
+            <a:fillRef idx="0">
+              <a:schemeClr val="accent1"/>
+            </a:fillRef>
+            <a:effectRef idx="0">
+              <a:schemeClr val="accent1"/>
+            </a:effectRef>
+            <a:fontRef idx="minor">
+              <a:schemeClr val="tx1"/>
+            </a:fontRef>
+          </p:style>
+        </p:cxnSp>
+        <p:sp>
+          <p:nvSpPr>
+            <p:cNvPr id="77" name="TextBox 76"/>
+            <p:cNvSpPr txBox="1"/>
+            <p:nvPr/>
+          </p:nvSpPr>
+          <p:spPr>
+            <a:xfrm>
+              <a:off x="2214063" y="429176"/>
+              <a:ext cx="1408522" cy="523220"/>
+            </a:xfrm>
+            <a:prstGeom prst="rect">
+              <a:avLst/>
+            </a:prstGeom>
+            <a:noFill/>
+          </p:spPr>
+          <p:txBody>
+            <a:bodyPr wrap="square" rtlCol="0">
+              <a:spAutoFit/>
+            </a:bodyPr>
+            <a:lstStyle/>
+            <a:p>
+              <a:pPr algn="ctr"/>
+              <a:r>
+                <a:rPr lang="en-US" sz="2800" b="1" dirty="0"/>
+                <a:t>logs</a:t>
+              </a:r>
+              <a:endParaRPr lang="de-DE" sz="2800" b="1" dirty="0"/>
+            </a:p>
+          </p:txBody>
+        </p:sp>
+      </p:grpSp>
+      <p:pic>
+        <p:nvPicPr>
+          <p:cNvPr id="3" name="Picture 2"/>
+          <p:cNvPicPr>
+            <a:picLocks noChangeAspect="1"/>
+          </p:cNvPicPr>
+          <p:nvPr/>
+        </p:nvPicPr>
+        <p:blipFill>
+          <a:blip r:embed="rId3">
+            <a:extLst>
+              <a:ext uri="{28A0092B-C50C-407E-A947-70E740481C1C}">
+                <a14:useLocalDpi xmlns:a14="http://schemas.microsoft.com/office/drawing/2010/main" val="0"/>
+              </a:ext>
+            </a:extLst>
+          </a:blip>
+          <a:stretch>
+            <a:fillRect/>
+          </a:stretch>
+        </p:blipFill>
+        <p:spPr>
+          <a:xfrm>
+            <a:off x="11544824" y="2853406"/>
+            <a:ext cx="2294064" cy="1436808"/>
+          </a:xfrm>
+          <a:prstGeom prst="rect">
+            <a:avLst/>
+          </a:prstGeom>
+        </p:spPr>
+      </p:pic>
+      <p:pic>
+        <p:nvPicPr>
+          <p:cNvPr id="1026" name="Picture 2" descr="Console showing log4J logs"/>
+          <p:cNvPicPr>
+            <a:picLocks noChangeAspect="1" noChangeArrowheads="1"/>
+          </p:cNvPicPr>
+          <p:nvPr/>
+        </p:nvPicPr>
+        <p:blipFill>
+          <a:blip r:embed="rId4">
+            <a:extLst>
+              <a:ext uri="{28A0092B-C50C-407E-A947-70E740481C1C}">
+                <a14:useLocalDpi xmlns:a14="http://schemas.microsoft.com/office/drawing/2010/main" val="0"/>
+              </a:ext>
+            </a:extLst>
+          </a:blip>
+          <a:srcRect/>
+          <a:stretch>
+            <a:fillRect/>
+          </a:stretch>
+        </p:blipFill>
+        <p:spPr bwMode="auto">
+          <a:xfrm>
+            <a:off x="11603642" y="4981153"/>
+            <a:ext cx="2241408" cy="1631745"/>
+          </a:xfrm>
+          <a:prstGeom prst="rect">
+            <a:avLst/>
+          </a:prstGeom>
+          <a:noFill/>
+          <a:extLst>
+            <a:ext uri="{909E8E84-426E-40DD-AFC4-6F175D3DCCD1}">
+              <a14:hiddenFill xmlns:a14="http://schemas.microsoft.com/office/drawing/2010/main">
+                <a:solidFill>
+                  <a:srgbClr val="FFFFFF"/>
+                </a:solidFill>
+              </a14:hiddenFill>
+            </a:ext>
+          </a:extLst>
+        </p:spPr>
+      </p:pic>
+      <p:grpSp>
+        <p:nvGrpSpPr>
+          <p:cNvPr id="23" name="Group 22"/>
+          <p:cNvGrpSpPr/>
+          <p:nvPr/>
+        </p:nvGrpSpPr>
+        <p:grpSpPr>
+          <a:xfrm rot="2019014">
+            <a:off x="6220420" y="3073224"/>
+            <a:ext cx="1560218" cy="962786"/>
+            <a:chOff x="6082866" y="1872306"/>
+            <a:chExt cx="1560218" cy="962786"/>
+          </a:xfrm>
+        </p:grpSpPr>
+        <p:grpSp>
+          <p:nvGrpSpPr>
+            <p:cNvPr id="69" name="Group 68"/>
+            <p:cNvGrpSpPr/>
+            <p:nvPr/>
+          </p:nvGrpSpPr>
+          <p:grpSpPr>
+            <a:xfrm rot="19611581">
+              <a:off x="6082866" y="1872306"/>
+              <a:ext cx="1560218" cy="962786"/>
+              <a:chOff x="2334271" y="318043"/>
+              <a:chExt cx="1408522" cy="962786"/>
+            </a:xfrm>
+          </p:grpSpPr>
+          <p:cxnSp>
+            <p:nvCxnSpPr>
+              <p:cNvPr id="70" name="Straight Arrow Connector 69"/>
+              <p:cNvCxnSpPr/>
+              <p:nvPr/>
+            </p:nvCxnSpPr>
+            <p:spPr>
+              <a:xfrm rot="21569405">
+                <a:off x="2417352" y="1280829"/>
+                <a:ext cx="1305142" cy="0"/>
+              </a:xfrm>
+              <a:prstGeom prst="straightConnector1">
+                <a:avLst/>
+              </a:prstGeom>
+              <a:ln w="142875">
+                <a:solidFill>
+                  <a:schemeClr val="tx1">
+                    <a:lumMod val="50000"/>
+                    <a:lumOff val="50000"/>
+                  </a:schemeClr>
+                </a:solidFill>
+                <a:tailEnd type="triangle"/>
+              </a:ln>
+            </p:spPr>
+            <p:style>
+              <a:lnRef idx="1">
+                <a:schemeClr val="accent1"/>
+              </a:lnRef>
+              <a:fillRef idx="0">
+                <a:schemeClr val="accent1"/>
+              </a:fillRef>
+              <a:effectRef idx="0">
+                <a:schemeClr val="accent1"/>
+              </a:effectRef>
+              <a:fontRef idx="minor">
+                <a:schemeClr val="tx1"/>
+              </a:fontRef>
+            </p:style>
+          </p:cxnSp>
+          <p:sp>
+            <p:nvSpPr>
+              <p:cNvPr id="71" name="TextBox 70"/>
+              <p:cNvSpPr txBox="1"/>
+              <p:nvPr/>
+            </p:nvSpPr>
+            <p:spPr>
+              <a:xfrm>
+                <a:off x="2334271" y="318043"/>
+                <a:ext cx="1408522" cy="523220"/>
+              </a:xfrm>
+              <a:prstGeom prst="rect">
+                <a:avLst/>
+              </a:prstGeom>
+              <a:noFill/>
+            </p:spPr>
+            <p:txBody>
+              <a:bodyPr wrap="square" rtlCol="0">
+                <a:spAutoFit/>
+              </a:bodyPr>
+              <a:lstStyle/>
+              <a:p>
+                <a:pPr algn="ctr"/>
+                <a:endParaRPr lang="de-DE" sz="2800" b="1" dirty="0"/>
+              </a:p>
+            </p:txBody>
+          </p:sp>
+        </p:grpSp>
+        <p:sp>
+          <p:nvSpPr>
+            <p:cNvPr id="81" name="TextBox 80"/>
+            <p:cNvSpPr txBox="1"/>
+            <p:nvPr/>
+          </p:nvSpPr>
+          <p:spPr>
+            <a:xfrm rot="19580986">
+              <a:off x="6232411" y="2229781"/>
+              <a:ext cx="1335331" cy="523220"/>
+            </a:xfrm>
+            <a:prstGeom prst="rect">
+              <a:avLst/>
+            </a:prstGeom>
+            <a:noFill/>
+          </p:spPr>
+          <p:txBody>
+            <a:bodyPr wrap="square" rtlCol="0">
+              <a:spAutoFit/>
+            </a:bodyPr>
+            <a:lstStyle/>
+            <a:p>
+              <a:pPr algn="ctr"/>
+              <a:r>
+                <a:rPr lang="en-US" sz="2800" b="1" dirty="0" smtClean="0"/>
+                <a:t>run</a:t>
+              </a:r>
+              <a:endParaRPr lang="de-DE" sz="2800" b="1" dirty="0"/>
+            </a:p>
+          </p:txBody>
+        </p:sp>
+      </p:grpSp>
+      <p:pic>
+        <p:nvPicPr>
+          <p:cNvPr id="85" name="Picture 2" descr="https://a0.awsstatic.com/main/images/logos/aws_logo.png"/>
+          <p:cNvPicPr>
+            <a:picLocks noChangeAspect="1" noChangeArrowheads="1"/>
+          </p:cNvPicPr>
+          <p:nvPr/>
+        </p:nvPicPr>
+        <p:blipFill>
+          <a:blip r:embed="rId5">
+            <a:extLst>
+              <a:ext uri="{28A0092B-C50C-407E-A947-70E740481C1C}">
+                <a14:useLocalDpi xmlns:a14="http://schemas.microsoft.com/office/drawing/2010/main" val="0"/>
+              </a:ext>
+            </a:extLst>
+          </a:blip>
+          <a:srcRect/>
+          <a:stretch>
+            <a:fillRect/>
+          </a:stretch>
+        </p:blipFill>
+        <p:spPr bwMode="auto">
+          <a:xfrm>
+            <a:off x="8944190" y="6833789"/>
+            <a:ext cx="1466377" cy="553964"/>
+          </a:xfrm>
+          <a:prstGeom prst="rect">
+            <a:avLst/>
+          </a:prstGeom>
+          <a:noFill/>
+          <a:extLst>
+            <a:ext uri="{909E8E84-426E-40DD-AFC4-6F175D3DCCD1}">
+              <a14:hiddenFill xmlns:a14="http://schemas.microsoft.com/office/drawing/2010/main">
+                <a:solidFill>
+                  <a:srgbClr val="FFFFFF"/>
+                </a:solidFill>
+              </a14:hiddenFill>
+            </a:ext>
+          </a:extLst>
+        </p:spPr>
+      </p:pic>
+      <p:grpSp>
+        <p:nvGrpSpPr>
+          <p:cNvPr id="18" name="Group 17"/>
+          <p:cNvGrpSpPr/>
+          <p:nvPr/>
+        </p:nvGrpSpPr>
+        <p:grpSpPr>
+          <a:xfrm>
+            <a:off x="7123670" y="-126049"/>
+            <a:ext cx="3239954" cy="2215991"/>
+            <a:chOff x="7477384" y="5317103"/>
+            <a:chExt cx="3239954" cy="2215991"/>
+          </a:xfrm>
+        </p:grpSpPr>
+        <p:sp>
+          <p:nvSpPr>
+            <p:cNvPr id="16" name="Rectangle 15"/>
+            <p:cNvSpPr/>
+            <p:nvPr/>
+          </p:nvSpPr>
+          <p:spPr>
+            <a:xfrm>
+              <a:off x="7926012" y="5317103"/>
+              <a:ext cx="2791326" cy="2215991"/>
+            </a:xfrm>
+            <a:prstGeom prst="rect">
+              <a:avLst/>
+            </a:prstGeom>
+          </p:spPr>
+          <p:txBody>
+            <a:bodyPr wrap="square">
+              <a:spAutoFit/>
+            </a:bodyPr>
+            <a:lstStyle/>
+            <a:p>
+              <a:r>
+                <a:rPr lang="de-DE" sz="13800" dirty="0">
+                  <a:solidFill>
+                    <a:schemeClr val="tx2">
+                      <a:lumMod val="60000"/>
+                      <a:lumOff val="40000"/>
+                    </a:schemeClr>
+                  </a:solidFill>
+                  <a:latin typeface="FontAwesome" pitchFamily="2" charset="0"/>
+                </a:rPr>
+                <a:t></a:t>
+              </a:r>
+              <a:endParaRPr lang="de-DE" sz="2400" dirty="0">
+                <a:latin typeface="FontAwesome" pitchFamily="2" charset="0"/>
+              </a:endParaRPr>
+            </a:p>
+          </p:txBody>
+        </p:sp>
+        <p:sp>
+          <p:nvSpPr>
+            <p:cNvPr id="17" name="Rectangle 16"/>
+            <p:cNvSpPr/>
+            <p:nvPr/>
+          </p:nvSpPr>
+          <p:spPr>
+            <a:xfrm>
+              <a:off x="8428894" y="5748821"/>
+              <a:ext cx="1050288" cy="1708160"/>
+            </a:xfrm>
+            <a:prstGeom prst="rect">
+              <a:avLst/>
+            </a:prstGeom>
+          </p:spPr>
+          <p:txBody>
+            <a:bodyPr wrap="none">
+              <a:spAutoFit/>
+            </a:bodyPr>
+            <a:lstStyle/>
+            <a:p>
+              <a:r>
+                <a:rPr lang="de-DE" sz="10500" dirty="0">
+                  <a:solidFill>
+                    <a:schemeClr val="tx2"/>
+                  </a:solidFill>
+                  <a:latin typeface="FontAwesome" pitchFamily="2" charset="0"/>
+                </a:rPr>
+                <a:t></a:t>
+              </a:r>
+              <a:endParaRPr lang="de-DE" sz="10500" dirty="0">
+                <a:solidFill>
+                  <a:schemeClr val="tx2"/>
+                </a:solidFill>
+              </a:endParaRPr>
+            </a:p>
+          </p:txBody>
+        </p:sp>
+        <p:sp>
+          <p:nvSpPr>
+            <p:cNvPr id="86" name="TextBox 85"/>
+            <p:cNvSpPr txBox="1"/>
+            <p:nvPr/>
+          </p:nvSpPr>
+          <p:spPr>
+            <a:xfrm>
+              <a:off x="7477384" y="6548681"/>
+              <a:ext cx="2953724" cy="400110"/>
+            </a:xfrm>
+            <a:prstGeom prst="rect">
+              <a:avLst/>
+            </a:prstGeom>
+            <a:noFill/>
+          </p:spPr>
+          <p:txBody>
+            <a:bodyPr wrap="square" rtlCol="0">
+              <a:spAutoFit/>
+            </a:bodyPr>
+            <a:lstStyle/>
+            <a:p>
+              <a:pPr algn="ctr"/>
+              <a:r>
+                <a:rPr lang="en-US" sz="2000" b="1" dirty="0">
+                  <a:solidFill>
+                    <a:schemeClr val="bg1"/>
+                  </a:solidFill>
+                </a:rPr>
+                <a:t>Boxfuse Vault</a:t>
+              </a:r>
+              <a:endParaRPr lang="de-DE" sz="2000" b="1" dirty="0">
+                <a:solidFill>
+                  <a:schemeClr val="bg1"/>
+                </a:solidFill>
+              </a:endParaRPr>
+            </a:p>
+          </p:txBody>
+        </p:sp>
+      </p:grpSp>
+      <p:grpSp>
+        <p:nvGrpSpPr>
+          <p:cNvPr id="4" name="Group 3"/>
+          <p:cNvGrpSpPr/>
+          <p:nvPr/>
+        </p:nvGrpSpPr>
+        <p:grpSpPr>
+          <a:xfrm rot="16619105">
+            <a:off x="5632642" y="950897"/>
+            <a:ext cx="2158000" cy="1871099"/>
+            <a:chOff x="6193846" y="4323361"/>
+            <a:chExt cx="2158000" cy="1871099"/>
+          </a:xfrm>
+        </p:grpSpPr>
+        <p:grpSp>
+          <p:nvGrpSpPr>
+            <p:cNvPr id="82" name="Group 81"/>
+            <p:cNvGrpSpPr/>
+            <p:nvPr/>
+          </p:nvGrpSpPr>
+          <p:grpSpPr>
+            <a:xfrm rot="2175025">
+              <a:off x="6193846" y="4598766"/>
+              <a:ext cx="2158000" cy="1595694"/>
+              <a:chOff x="2386580" y="381655"/>
+              <a:chExt cx="1408522" cy="1595694"/>
+            </a:xfrm>
+          </p:grpSpPr>
+          <p:cxnSp>
+            <p:nvCxnSpPr>
+              <p:cNvPr id="83" name="Straight Arrow Connector 82"/>
+              <p:cNvCxnSpPr/>
+              <p:nvPr/>
+            </p:nvCxnSpPr>
+            <p:spPr>
+              <a:xfrm rot="2805870" flipV="1">
+                <a:off x="2177790" y="805057"/>
+                <a:ext cx="1595694" cy="748889"/>
+              </a:xfrm>
+              <a:prstGeom prst="straightConnector1">
+                <a:avLst/>
+              </a:prstGeom>
+              <a:ln w="142875">
+                <a:solidFill>
+                  <a:schemeClr val="tx1">
+                    <a:lumMod val="50000"/>
+                    <a:lumOff val="50000"/>
+                  </a:schemeClr>
+                </a:solidFill>
+                <a:tailEnd type="triangle"/>
+              </a:ln>
+            </p:spPr>
+            <p:style>
+              <a:lnRef idx="1">
+                <a:schemeClr val="accent1"/>
+              </a:lnRef>
+              <a:fillRef idx="0">
+                <a:schemeClr val="accent1"/>
+              </a:fillRef>
+              <a:effectRef idx="0">
+                <a:schemeClr val="accent1"/>
+              </a:effectRef>
+              <a:fontRef idx="minor">
+                <a:schemeClr val="tx1"/>
+              </a:fontRef>
+            </p:style>
+          </p:cxnSp>
+          <p:sp>
+            <p:nvSpPr>
+              <p:cNvPr id="84" name="TextBox 83"/>
+              <p:cNvSpPr txBox="1"/>
+              <p:nvPr/>
+            </p:nvSpPr>
+            <p:spPr>
+              <a:xfrm rot="587581">
+                <a:off x="2386580" y="412299"/>
+                <a:ext cx="1408522" cy="523220"/>
+              </a:xfrm>
+              <a:prstGeom prst="rect">
+                <a:avLst/>
+              </a:prstGeom>
+              <a:noFill/>
+            </p:spPr>
+            <p:txBody>
+              <a:bodyPr wrap="square" rtlCol="0">
+                <a:spAutoFit/>
+              </a:bodyPr>
+              <a:lstStyle/>
+              <a:p>
+                <a:pPr algn="ctr"/>
+                <a:endParaRPr lang="de-DE" sz="2800" b="1" dirty="0"/>
+              </a:p>
+            </p:txBody>
+          </p:sp>
+        </p:grpSp>
+        <p:sp>
+          <p:nvSpPr>
+            <p:cNvPr id="90" name="TextBox 89"/>
+            <p:cNvSpPr txBox="1"/>
+            <p:nvPr/>
+          </p:nvSpPr>
+          <p:spPr>
+            <a:xfrm rot="2888955">
+              <a:off x="6614341" y="4729417"/>
+              <a:ext cx="1335331" cy="523220"/>
+            </a:xfrm>
+            <a:prstGeom prst="rect">
+              <a:avLst/>
+            </a:prstGeom>
+            <a:noFill/>
+          </p:spPr>
+          <p:txBody>
+            <a:bodyPr wrap="square" rtlCol="0">
+              <a:spAutoFit/>
+            </a:bodyPr>
+            <a:lstStyle/>
+            <a:p>
+              <a:pPr algn="ctr"/>
+              <a:r>
+                <a:rPr lang="en-US" sz="2800" b="1" dirty="0"/>
+                <a:t>push</a:t>
+              </a:r>
+              <a:endParaRPr lang="de-DE" sz="2800" b="1" dirty="0"/>
+            </a:p>
+          </p:txBody>
+        </p:sp>
+      </p:grpSp>
+      <p:grpSp>
+        <p:nvGrpSpPr>
+          <p:cNvPr id="12" name="Group 11"/>
+          <p:cNvGrpSpPr/>
+          <p:nvPr/>
+        </p:nvGrpSpPr>
+        <p:grpSpPr>
+          <a:xfrm rot="17651277">
+            <a:off x="5756927" y="1995803"/>
+            <a:ext cx="2158000" cy="1172414"/>
+            <a:chOff x="6053845" y="5107898"/>
+            <a:chExt cx="2158000" cy="1172414"/>
+          </a:xfrm>
+        </p:grpSpPr>
+        <p:grpSp>
+          <p:nvGrpSpPr>
+            <p:cNvPr id="87" name="Group 86"/>
+            <p:cNvGrpSpPr/>
+            <p:nvPr/>
+          </p:nvGrpSpPr>
+          <p:grpSpPr>
+            <a:xfrm rot="12978250">
+              <a:off x="6053845" y="5107898"/>
+              <a:ext cx="2158000" cy="1089658"/>
+              <a:chOff x="2334271" y="318043"/>
+              <a:chExt cx="1408522" cy="1089658"/>
+            </a:xfrm>
+          </p:grpSpPr>
+          <p:cxnSp>
+            <p:nvCxnSpPr>
+              <p:cNvPr id="88" name="Straight Arrow Connector 87"/>
+              <p:cNvCxnSpPr/>
+              <p:nvPr/>
+            </p:nvCxnSpPr>
+            <p:spPr>
+              <a:xfrm rot="12570473" flipH="1">
+                <a:off x="2440716" y="440897"/>
+                <a:ext cx="937653" cy="966804"/>
+              </a:xfrm>
+              <a:prstGeom prst="straightConnector1">
+                <a:avLst/>
+              </a:prstGeom>
+              <a:ln w="142875">
+                <a:solidFill>
+                  <a:schemeClr val="tx1">
+                    <a:lumMod val="50000"/>
+                    <a:lumOff val="50000"/>
+                  </a:schemeClr>
+                </a:solidFill>
+                <a:tailEnd type="triangle"/>
+              </a:ln>
+            </p:spPr>
+            <p:style>
+              <a:lnRef idx="1">
+                <a:schemeClr val="accent1"/>
+              </a:lnRef>
+              <a:fillRef idx="0">
+                <a:schemeClr val="accent1"/>
+              </a:fillRef>
+              <a:effectRef idx="0">
+                <a:schemeClr val="accent1"/>
+              </a:effectRef>
+              <a:fontRef idx="minor">
+                <a:schemeClr val="tx1"/>
+              </a:fontRef>
+            </p:style>
+          </p:cxnSp>
+          <p:sp>
+            <p:nvSpPr>
+              <p:cNvPr id="89" name="TextBox 88"/>
+              <p:cNvSpPr txBox="1"/>
+              <p:nvPr/>
+            </p:nvSpPr>
+            <p:spPr>
+              <a:xfrm>
+                <a:off x="2334271" y="318043"/>
+                <a:ext cx="1408522" cy="523220"/>
+              </a:xfrm>
+              <a:prstGeom prst="rect">
+                <a:avLst/>
+              </a:prstGeom>
+              <a:noFill/>
+            </p:spPr>
+            <p:txBody>
+              <a:bodyPr wrap="square" rtlCol="0">
+                <a:spAutoFit/>
+              </a:bodyPr>
+              <a:lstStyle/>
+              <a:p>
+                <a:pPr algn="ctr"/>
+                <a:endParaRPr lang="de-DE" sz="2800" b="1" dirty="0"/>
+              </a:p>
+            </p:txBody>
+          </p:sp>
+        </p:grpSp>
+        <p:sp>
+          <p:nvSpPr>
+            <p:cNvPr id="91" name="TextBox 90"/>
+            <p:cNvSpPr txBox="1"/>
+            <p:nvPr/>
+          </p:nvSpPr>
+          <p:spPr>
+            <a:xfrm rot="1861538">
+              <a:off x="6613888" y="5757092"/>
+              <a:ext cx="1335331" cy="523220"/>
+            </a:xfrm>
+            <a:prstGeom prst="rect">
+              <a:avLst/>
+            </a:prstGeom>
+            <a:noFill/>
+          </p:spPr>
+          <p:txBody>
+            <a:bodyPr wrap="square" rtlCol="0">
+              <a:spAutoFit/>
+            </a:bodyPr>
+            <a:lstStyle/>
+            <a:p>
+              <a:pPr algn="ctr"/>
+              <a:r>
+                <a:rPr lang="en-US" sz="2800" b="1" dirty="0"/>
+                <a:t>pull</a:t>
+              </a:r>
+              <a:endParaRPr lang="de-DE" sz="2800" b="1" dirty="0"/>
+            </a:p>
+          </p:txBody>
+        </p:sp>
+      </p:grpSp>
+      <p:grpSp>
+        <p:nvGrpSpPr>
+          <p:cNvPr id="58" name="Group 57"/>
+          <p:cNvGrpSpPr/>
+          <p:nvPr/>
+        </p:nvGrpSpPr>
+        <p:grpSpPr>
+          <a:xfrm rot="2542460">
+            <a:off x="2685358" y="2530805"/>
+            <a:ext cx="1920481" cy="673166"/>
+            <a:chOff x="2334271" y="318043"/>
+            <a:chExt cx="1457473" cy="673166"/>
+          </a:xfrm>
+        </p:grpSpPr>
+        <p:cxnSp>
+          <p:nvCxnSpPr>
+            <p:cNvPr id="59" name="Straight Arrow Connector 58"/>
+            <p:cNvCxnSpPr/>
+            <p:nvPr/>
+          </p:nvCxnSpPr>
+          <p:spPr>
+            <a:xfrm flipV="1">
+              <a:off x="2346123" y="980728"/>
+              <a:ext cx="1445621" cy="10481"/>
+            </a:xfrm>
+            <a:prstGeom prst="straightConnector1">
+              <a:avLst/>
+            </a:prstGeom>
+            <a:ln w="142875">
+              <a:solidFill>
+                <a:schemeClr val="tx1">
+                  <a:lumMod val="50000"/>
+                  <a:lumOff val="50000"/>
+                </a:schemeClr>
+              </a:solidFill>
+              <a:tailEnd type="triangle"/>
+            </a:ln>
+          </p:spPr>
+          <p:style>
+            <a:lnRef idx="1">
+              <a:schemeClr val="accent1"/>
+            </a:lnRef>
+            <a:fillRef idx="0">
+              <a:schemeClr val="accent1"/>
+            </a:fillRef>
+            <a:effectRef idx="0">
+              <a:schemeClr val="accent1"/>
+            </a:effectRef>
+            <a:fontRef idx="minor">
+              <a:schemeClr val="tx1"/>
+            </a:fontRef>
+          </p:style>
+        </p:cxnSp>
+        <p:sp>
+          <p:nvSpPr>
+            <p:cNvPr id="60" name="TextBox 59"/>
+            <p:cNvSpPr txBox="1"/>
+            <p:nvPr/>
+          </p:nvSpPr>
+          <p:spPr>
+            <a:xfrm>
+              <a:off x="2334271" y="318043"/>
+              <a:ext cx="1408522" cy="523220"/>
+            </a:xfrm>
+            <a:prstGeom prst="rect">
+              <a:avLst/>
+            </a:prstGeom>
+            <a:noFill/>
+          </p:spPr>
+          <p:txBody>
+            <a:bodyPr wrap="square" rtlCol="0">
+              <a:spAutoFit/>
+            </a:bodyPr>
+            <a:lstStyle/>
+            <a:p>
+              <a:pPr algn="ctr"/>
+              <a:endParaRPr lang="de-DE" sz="2800" b="1" dirty="0"/>
+            </a:p>
+          </p:txBody>
+        </p:sp>
+      </p:grpSp>
+      <p:grpSp>
+        <p:nvGrpSpPr>
+          <p:cNvPr id="32" name="Group 31"/>
+          <p:cNvGrpSpPr/>
+          <p:nvPr/>
+        </p:nvGrpSpPr>
+        <p:grpSpPr>
+          <a:xfrm>
+            <a:off x="265977" y="2266599"/>
+            <a:ext cx="3320724" cy="1569660"/>
+            <a:chOff x="272155" y="308052"/>
+            <a:chExt cx="3320724" cy="1569661"/>
+          </a:xfrm>
+        </p:grpSpPr>
+        <p:sp>
+          <p:nvSpPr>
+            <p:cNvPr id="5" name="Rectangle 4"/>
+            <p:cNvSpPr/>
+            <p:nvPr/>
+          </p:nvSpPr>
+          <p:spPr>
+            <a:xfrm>
+              <a:off x="272155" y="308052"/>
+              <a:ext cx="3320724" cy="1569661"/>
+            </a:xfrm>
+            <a:prstGeom prst="rect">
+              <a:avLst/>
+            </a:prstGeom>
+            <a:ln>
+              <a:noFill/>
+            </a:ln>
+          </p:spPr>
+          <p:txBody>
+            <a:bodyPr wrap="square">
+              <a:spAutoFit/>
+            </a:bodyPr>
+            <a:lstStyle/>
+            <a:p>
+              <a:pPr algn="ctr"/>
+              <a:r>
+                <a:rPr lang="de-DE" sz="9600" dirty="0">
+                  <a:solidFill>
+                    <a:schemeClr val="tx2">
+                      <a:lumMod val="60000"/>
+                      <a:lumOff val="40000"/>
+                    </a:schemeClr>
+                  </a:solidFill>
+                  <a:latin typeface="FontAwesome" pitchFamily="2" charset="0"/>
+                </a:rPr>
+                <a:t></a:t>
+              </a:r>
+              <a:endParaRPr lang="de-DE" sz="9600" dirty="0">
+                <a:solidFill>
+                  <a:schemeClr val="tx2">
+                    <a:lumMod val="60000"/>
+                    <a:lumOff val="40000"/>
+                  </a:schemeClr>
+                </a:solidFill>
+              </a:endParaRPr>
+            </a:p>
+          </p:txBody>
+        </p:sp>
+        <p:sp>
+          <p:nvSpPr>
+            <p:cNvPr id="80" name="Rectangle 79"/>
+            <p:cNvSpPr/>
+            <p:nvPr/>
+          </p:nvSpPr>
+          <p:spPr>
+            <a:xfrm>
+              <a:off x="1505505" y="526031"/>
+              <a:ext cx="777777" cy="1200330"/>
+            </a:xfrm>
+            <a:prstGeom prst="rect">
+              <a:avLst/>
+            </a:prstGeom>
+          </p:spPr>
+          <p:txBody>
+            <a:bodyPr wrap="none">
+              <a:spAutoFit/>
+            </a:bodyPr>
+            <a:lstStyle/>
+            <a:p>
+              <a:r>
+                <a:rPr lang="de-DE" sz="7200" dirty="0">
+                  <a:solidFill>
+                    <a:schemeClr val="tx2"/>
+                  </a:solidFill>
+                  <a:latin typeface="FontAwesome" pitchFamily="2" charset="0"/>
+                </a:rPr>
+                <a:t></a:t>
+              </a:r>
+              <a:endParaRPr lang="de-DE" sz="7200" dirty="0">
+                <a:solidFill>
+                  <a:schemeClr val="tx2"/>
+                </a:solidFill>
+              </a:endParaRPr>
+            </a:p>
+          </p:txBody>
+        </p:sp>
+        <p:sp>
+          <p:nvSpPr>
+            <p:cNvPr id="28" name="TextBox 27"/>
+            <p:cNvSpPr txBox="1"/>
+            <p:nvPr/>
+          </p:nvSpPr>
+          <p:spPr>
+            <a:xfrm>
+              <a:off x="432189" y="953494"/>
+              <a:ext cx="2953723" cy="584775"/>
+            </a:xfrm>
+            <a:prstGeom prst="rect">
+              <a:avLst/>
+            </a:prstGeom>
+            <a:noFill/>
+          </p:spPr>
+          <p:txBody>
+            <a:bodyPr wrap="square" rtlCol="0">
+              <a:spAutoFit/>
+            </a:bodyPr>
+            <a:lstStyle/>
+            <a:p>
+              <a:pPr algn="ctr"/>
+              <a:r>
+                <a:rPr lang="en-US" sz="1600" b="1" dirty="0" smtClean="0">
+                  <a:solidFill>
+                    <a:schemeClr val="bg1"/>
+                  </a:solidFill>
+                </a:rPr>
+                <a:t>Boxfuse</a:t>
+              </a:r>
+              <a:endParaRPr lang="en-US" sz="1600" b="1" dirty="0">
+                <a:solidFill>
+                  <a:schemeClr val="bg1"/>
+                </a:solidFill>
+              </a:endParaRPr>
+            </a:p>
+            <a:p>
+              <a:pPr algn="ctr"/>
+              <a:r>
+                <a:rPr lang="en-US" sz="1600" b="1" dirty="0" smtClean="0">
+                  <a:solidFill>
+                    <a:schemeClr val="bg1"/>
+                  </a:solidFill>
+                </a:rPr>
+                <a:t>Inventory</a:t>
+              </a:r>
+              <a:endParaRPr lang="de-DE" sz="1600" b="1" dirty="0">
+                <a:solidFill>
+                  <a:schemeClr val="bg1"/>
+                </a:solidFill>
+              </a:endParaRPr>
+            </a:p>
+          </p:txBody>
+        </p:sp>
+      </p:grpSp>
+      <p:sp>
+        <p:nvSpPr>
+          <p:cNvPr id="93" name="Rounded Rectangle 92"/>
+          <p:cNvSpPr/>
+          <p:nvPr/>
+        </p:nvSpPr>
+        <p:spPr>
+          <a:xfrm>
+            <a:off x="1040524" y="520263"/>
+            <a:ext cx="1686910" cy="1901662"/>
+          </a:xfrm>
+          <a:prstGeom prst="roundRect">
+            <a:avLst/>
+          </a:prstGeom>
+          <a:noFill/>
+          <a:ln w="57150">
+            <a:solidFill>
+              <a:schemeClr val="bg1">
+                <a:lumMod val="50000"/>
+              </a:schemeClr>
+            </a:solidFill>
+            <a:prstDash val="dash"/>
+          </a:ln>
+        </p:spPr>
+        <p:style>
+          <a:lnRef idx="2">
+            <a:schemeClr val="accent1">
+              <a:shade val="50000"/>
+            </a:schemeClr>
+          </a:lnRef>
+          <a:fillRef idx="1">
+            <a:schemeClr val="accent1"/>
+          </a:fillRef>
+          <a:effectRef idx="0">
+            <a:schemeClr val="accent1"/>
+          </a:effectRef>
+          <a:fontRef idx="minor">
+            <a:schemeClr val="lt1"/>
+          </a:fontRef>
+        </p:style>
+        <p:txBody>
+          <a:bodyPr rtlCol="0" anchor="ctr"/>
+          <a:lstStyle/>
+          <a:p>
+            <a:pPr algn="ctr"/>
+            <a:endParaRPr lang="de-DE"/>
+          </a:p>
+        </p:txBody>
+      </p:sp>
+      <p:grpSp>
+        <p:nvGrpSpPr>
+          <p:cNvPr id="34" name="Group 33"/>
+          <p:cNvGrpSpPr/>
+          <p:nvPr/>
+        </p:nvGrpSpPr>
+        <p:grpSpPr>
+          <a:xfrm>
+            <a:off x="1155127" y="1575483"/>
+            <a:ext cx="1423555" cy="685800"/>
+            <a:chOff x="1155127" y="1365420"/>
+            <a:chExt cx="1423555" cy="685800"/>
+          </a:xfrm>
+        </p:grpSpPr>
+        <p:sp>
+          <p:nvSpPr>
+            <p:cNvPr id="33" name="Snip Diagonal Corner Rectangle 32"/>
+            <p:cNvSpPr/>
+            <p:nvPr/>
+          </p:nvSpPr>
+          <p:spPr>
+            <a:xfrm>
+              <a:off x="1167714" y="1365420"/>
+              <a:ext cx="1402491" cy="685800"/>
+            </a:xfrm>
+            <a:prstGeom prst="snip2DiagRect">
+              <a:avLst/>
+            </a:prstGeom>
+            <a:ln w="76200"/>
+          </p:spPr>
+          <p:style>
+            <a:lnRef idx="2">
+              <a:schemeClr val="accent4">
+                <a:shade val="50000"/>
+              </a:schemeClr>
+            </a:lnRef>
+            <a:fillRef idx="1">
+              <a:schemeClr val="accent4"/>
+            </a:fillRef>
+            <a:effectRef idx="0">
+              <a:schemeClr val="accent4"/>
+            </a:effectRef>
+            <a:fontRef idx="minor">
+              <a:schemeClr val="lt1"/>
+            </a:fontRef>
+          </p:style>
+          <p:txBody>
+            <a:bodyPr rtlCol="0" anchor="ctr"/>
+            <a:lstStyle/>
+            <a:p>
+              <a:pPr algn="ctr"/>
+              <a:endParaRPr lang="de-DE" dirty="0"/>
+            </a:p>
+          </p:txBody>
+        </p:sp>
+        <p:sp>
+          <p:nvSpPr>
+            <p:cNvPr id="95" name="TextBox 94"/>
+            <p:cNvSpPr txBox="1"/>
+            <p:nvPr/>
+          </p:nvSpPr>
+          <p:spPr>
+            <a:xfrm>
+              <a:off x="1155127" y="1506035"/>
+              <a:ext cx="1423555" cy="400110"/>
+            </a:xfrm>
+            <a:prstGeom prst="rect">
+              <a:avLst/>
+            </a:prstGeom>
+            <a:noFill/>
+            <a:ln w="76200">
+              <a:noFill/>
+            </a:ln>
+          </p:spPr>
+          <p:txBody>
+            <a:bodyPr wrap="square" rtlCol="0">
+              <a:spAutoFit/>
+            </a:bodyPr>
+            <a:lstStyle/>
+            <a:p>
+              <a:pPr algn="ctr"/>
+              <a:r>
+                <a:rPr lang="en-US" sz="2000" b="1" dirty="0" smtClean="0">
+                  <a:solidFill>
+                    <a:schemeClr val="bg1"/>
+                  </a:solidFill>
+                </a:rPr>
+                <a:t>Component</a:t>
+              </a:r>
+              <a:endParaRPr lang="de-DE" sz="2400" b="1" dirty="0">
+                <a:solidFill>
+                  <a:schemeClr val="bg1"/>
+                </a:solidFill>
+              </a:endParaRPr>
+            </a:p>
+          </p:txBody>
+        </p:sp>
+      </p:grpSp>
+      <p:grpSp>
+        <p:nvGrpSpPr>
+          <p:cNvPr id="42" name="Group 41"/>
+          <p:cNvGrpSpPr/>
+          <p:nvPr/>
+        </p:nvGrpSpPr>
+        <p:grpSpPr>
+          <a:xfrm>
+            <a:off x="1159246" y="720809"/>
+            <a:ext cx="1423555" cy="685800"/>
+            <a:chOff x="1159246" y="646669"/>
+            <a:chExt cx="1423555" cy="685800"/>
+          </a:xfrm>
+        </p:grpSpPr>
+        <p:sp>
+          <p:nvSpPr>
+            <p:cNvPr id="96" name="Snip Diagonal Corner Rectangle 95"/>
+            <p:cNvSpPr/>
+            <p:nvPr/>
+          </p:nvSpPr>
+          <p:spPr>
+            <a:xfrm>
+              <a:off x="1171833" y="646669"/>
+              <a:ext cx="1402491" cy="685800"/>
+            </a:xfrm>
+            <a:prstGeom prst="snip2DiagRect">
+              <a:avLst/>
+            </a:prstGeom>
+            <a:ln w="76200"/>
+          </p:spPr>
+          <p:style>
+            <a:lnRef idx="2">
+              <a:schemeClr val="accent4">
+                <a:shade val="50000"/>
+              </a:schemeClr>
+            </a:lnRef>
+            <a:fillRef idx="1">
+              <a:schemeClr val="accent4"/>
+            </a:fillRef>
+            <a:effectRef idx="0">
+              <a:schemeClr val="accent4"/>
+            </a:effectRef>
+            <a:fontRef idx="minor">
+              <a:schemeClr val="lt1"/>
+            </a:fontRef>
+          </p:style>
+          <p:txBody>
+            <a:bodyPr rtlCol="0" anchor="ctr"/>
+            <a:lstStyle/>
+            <a:p>
+              <a:pPr algn="ctr"/>
+              <a:endParaRPr lang="de-DE" dirty="0"/>
+            </a:p>
+          </p:txBody>
+        </p:sp>
+        <p:sp>
+          <p:nvSpPr>
+            <p:cNvPr id="97" name="TextBox 96"/>
+            <p:cNvSpPr txBox="1"/>
+            <p:nvPr/>
+          </p:nvSpPr>
+          <p:spPr>
+            <a:xfrm>
+              <a:off x="1159246" y="793462"/>
+              <a:ext cx="1423555" cy="400110"/>
+            </a:xfrm>
+            <a:prstGeom prst="rect">
+              <a:avLst/>
+            </a:prstGeom>
+            <a:noFill/>
+            <a:ln w="76200">
+              <a:noFill/>
+            </a:ln>
+          </p:spPr>
+          <p:txBody>
+            <a:bodyPr wrap="square" rtlCol="0">
+              <a:spAutoFit/>
+            </a:bodyPr>
+            <a:lstStyle/>
+            <a:p>
+              <a:pPr algn="ctr"/>
+              <a:r>
+                <a:rPr lang="en-US" sz="2000" b="1" dirty="0" smtClean="0">
+                  <a:solidFill>
+                    <a:schemeClr val="bg1"/>
+                  </a:solidFill>
+                </a:rPr>
+                <a:t>Component</a:t>
+              </a:r>
+              <a:endParaRPr lang="de-DE" sz="2400" b="1" dirty="0">
+                <a:solidFill>
+                  <a:schemeClr val="bg1"/>
+                </a:solidFill>
+              </a:endParaRPr>
+            </a:p>
+          </p:txBody>
+        </p:sp>
+      </p:grpSp>
+    </p:spTree>
+    <p:extLst>
+      <p:ext uri="{BB962C8B-B14F-4D97-AF65-F5344CB8AC3E}">
+        <p14:creationId xmlns:p14="http://schemas.microsoft.com/office/powerpoint/2010/main" val="970494482"/>
+      </p:ext>
+    </p:extLst>
+  </p:cSld>
+  <p:clrMapOvr>
+    <a:masterClrMapping/>
+  </p:clrMapOvr>
+  <p:timing>
+    <p:tnLst>
+      <p:par>
+        <p:cTn id="1" dur="indefinite" restart="never" nodeType="tmRoot"/>
+      </p:par>
+    </p:tnLst>
+  </p:timing>
+</p:sld>
+</file>
+
+<file path=ppt/slides/slide11.xml><?xml version="1.0" encoding="utf-8"?>
+<p:sld xmlns:a="http://schemas.openxmlformats.org/drawingml/2006/main" xmlns:r="http://schemas.openxmlformats.org/officeDocument/2006/relationships" xmlns:p="http://schemas.openxmlformats.org/presentationml/2006/main">
+  <p:cSld>
+    <p:spTree>
+      <p:nvGrpSpPr>
+        <p:cNvPr id="1" name=""/>
+        <p:cNvGrpSpPr/>
+        <p:nvPr/>
+      </p:nvGrpSpPr>
+      <p:grpSpPr>
+        <a:xfrm>
+          <a:off x="0" y="0"/>
+          <a:ext cx="0" cy="0"/>
+          <a:chOff x="0" y="0"/>
+          <a:chExt cx="0" cy="0"/>
+        </a:xfrm>
+      </p:grpSpPr>
       <p:sp>
         <p:nvSpPr>
           <p:cNvPr id="62" name="Rounded Rectangle 25"/>
@@ -3972,7 +6099,7 @@
             <a:p>
               <a:pPr algn="ctr"/>
               <a:r>
-                <a:rPr lang="en-US" sz="1600" b="1" dirty="0" err="1" smtClean="0">
+                <a:rPr lang="en-US" sz="1600" b="1" dirty="0" smtClean="0">
                   <a:solidFill>
                     <a:schemeClr val="bg1"/>
                   </a:solidFill>
@@ -4269,7 +6396,7 @@
 </p:sld>
 </file>
 
-<file path=ppt/slides/slide11.xml><?xml version="1.0" encoding="utf-8"?>
+<file path=ppt/slides/slide12.xml><?xml version="1.0" encoding="utf-8"?>
 <p:sld xmlns:a="http://schemas.openxmlformats.org/drawingml/2006/main" xmlns:r="http://schemas.openxmlformats.org/officeDocument/2006/relationships" xmlns:p="http://schemas.openxmlformats.org/presentationml/2006/main">
   <p:cSld>
     <p:spTree>
@@ -5056,7 +7183,7 @@
 </p:sld>
 </file>
 
-<file path=ppt/slides/slide12.xml><?xml version="1.0" encoding="utf-8"?>
+<file path=ppt/slides/slide13.xml><?xml version="1.0" encoding="utf-8"?>
 <p:sld xmlns:a="http://schemas.openxmlformats.org/drawingml/2006/main" xmlns:r="http://schemas.openxmlformats.org/officeDocument/2006/relationships" xmlns:p="http://schemas.openxmlformats.org/presentationml/2006/main">
   <p:cSld>
     <p:spTree>
@@ -5576,7 +7703,7 @@
 </p:sld>
 </file>
 
-<file path=ppt/slides/slide13.xml><?xml version="1.0" encoding="utf-8"?>
+<file path=ppt/slides/slide14.xml><?xml version="1.0" encoding="utf-8"?>
 <p:sld xmlns:a="http://schemas.openxmlformats.org/drawingml/2006/main" xmlns:r="http://schemas.openxmlformats.org/officeDocument/2006/relationships" xmlns:p="http://schemas.openxmlformats.org/presentationml/2006/main">
   <p:cSld>
     <p:spTree>
@@ -5816,20 +7943,12 @@
           <a:p>
             <a:pPr algn="ctr"/>
             <a:r>
-              <a:rPr lang="en-US" sz="2000" b="1" dirty="0" err="1">
-                <a:solidFill>
-                  <a:schemeClr val="bg1"/>
-                </a:solidFill>
-              </a:rPr>
-              <a:t>Boxfuse</a:t>
-            </a:r>
-            <a:r>
               <a:rPr lang="en-US" sz="2000" b="1" dirty="0">
                 <a:solidFill>
                   <a:schemeClr val="bg1"/>
                 </a:solidFill>
               </a:rPr>
-              <a:t> Vault</a:t>
+              <a:t>Boxfuse Vault</a:t>
             </a:r>
             <a:endParaRPr lang="de-DE" sz="2000" b="1" dirty="0">
               <a:solidFill>
@@ -6097,20 +8216,12 @@
           <a:p>
             <a:pPr algn="ctr"/>
             <a:r>
-              <a:rPr lang="en-US" sz="2000" b="1" dirty="0" err="1">
-                <a:solidFill>
-                  <a:schemeClr val="bg1"/>
-                </a:solidFill>
-              </a:rPr>
-              <a:t>Boxfuse</a:t>
-            </a:r>
-            <a:r>
               <a:rPr lang="en-US" sz="2000" b="1" dirty="0">
                 <a:solidFill>
                   <a:schemeClr val="bg1"/>
                 </a:solidFill>
               </a:rPr>
-              <a:t> Vault</a:t>
+              <a:t>Boxfuse Vault</a:t>
             </a:r>
             <a:endParaRPr lang="de-DE" sz="2000" b="1" dirty="0">
               <a:solidFill>
@@ -6389,20 +8500,12 @@
           <a:p>
             <a:pPr algn="ctr"/>
             <a:r>
-              <a:rPr lang="en-US" sz="2000" b="1" dirty="0" err="1">
-                <a:solidFill>
-                  <a:schemeClr val="bg1"/>
-                </a:solidFill>
-              </a:rPr>
-              <a:t>Boxfuse</a:t>
-            </a:r>
-            <a:r>
               <a:rPr lang="en-US" sz="2000" b="1" dirty="0">
                 <a:solidFill>
                   <a:schemeClr val="bg1"/>
                 </a:solidFill>
               </a:rPr>
-              <a:t> Vault</a:t>
+              <a:t>Boxfuse Vault</a:t>
             </a:r>
             <a:endParaRPr lang="de-DE" sz="2000" b="1" dirty="0">
               <a:solidFill>
@@ -11232,53 +13335,6 @@
           </a:p>
         </p:txBody>
       </p:sp>
-      <p:sp>
-        <p:nvSpPr>
-          <p:cNvPr id="28" name="TextBox 27"/>
-          <p:cNvSpPr txBox="1"/>
-          <p:nvPr/>
-        </p:nvSpPr>
-        <p:spPr>
-          <a:xfrm>
-            <a:off x="1243207" y="1037756"/>
-            <a:ext cx="2953724" cy="1754326"/>
-          </a:xfrm>
-          <a:prstGeom prst="rect">
-            <a:avLst/>
-          </a:prstGeom>
-          <a:noFill/>
-        </p:spPr>
-        <p:txBody>
-          <a:bodyPr wrap="square" rtlCol="0">
-            <a:spAutoFit/>
-          </a:bodyPr>
-          <a:lstStyle/>
-          <a:p>
-            <a:pPr algn="ctr"/>
-            <a:r>
-              <a:rPr lang="en-US" sz="3600" b="1" dirty="0" err="1">
-                <a:solidFill>
-                  <a:schemeClr val="bg1"/>
-                </a:solidFill>
-              </a:rPr>
-              <a:t>Boxfuse</a:t>
-            </a:r>
-            <a:r>
-              <a:rPr lang="en-US" sz="3600" b="1" dirty="0">
-                <a:solidFill>
-                  <a:schemeClr val="bg1"/>
-                </a:solidFill>
-              </a:rPr>
-              <a:t> Component Inventory</a:t>
-            </a:r>
-            <a:endParaRPr lang="de-DE" sz="3600" b="1" dirty="0">
-              <a:solidFill>
-                <a:schemeClr val="bg1"/>
-              </a:solidFill>
-            </a:endParaRPr>
-          </a:p>
-        </p:txBody>
-      </p:sp>
       <p:cxnSp>
         <p:nvCxnSpPr>
           <p:cNvPr id="29" name="Straight Arrow Connector 28"/>
@@ -11396,6 +13452,44 @@
           </a:fontRef>
         </p:style>
       </p:cxnSp>
+      <p:sp>
+        <p:nvSpPr>
+          <p:cNvPr id="18" name="Rectangle 17"/>
+          <p:cNvSpPr/>
+          <p:nvPr/>
+        </p:nvSpPr>
+        <p:spPr>
+          <a:xfrm>
+            <a:off x="1958159" y="479089"/>
+            <a:ext cx="1677062" cy="2877711"/>
+          </a:xfrm>
+          <a:prstGeom prst="rect">
+            <a:avLst/>
+          </a:prstGeom>
+        </p:spPr>
+        <p:txBody>
+          <a:bodyPr wrap="none">
+            <a:spAutoFit/>
+          </a:bodyPr>
+          <a:lstStyle/>
+          <a:p>
+            <a:r>
+              <a:rPr lang="de-DE" sz="18100" dirty="0">
+                <a:solidFill>
+                  <a:schemeClr val="tx2"/>
+                </a:solidFill>
+                <a:latin typeface="FontAwesome" pitchFamily="2" charset="0"/>
+              </a:rPr>
+              <a:t></a:t>
+            </a:r>
+            <a:endParaRPr lang="de-DE" sz="18100" dirty="0">
+              <a:solidFill>
+                <a:schemeClr val="tx2"/>
+              </a:solidFill>
+            </a:endParaRPr>
+          </a:p>
+        </p:txBody>
+      </p:sp>
       <p:grpSp>
         <p:nvGrpSpPr>
           <p:cNvPr id="32" name="Group 31"/>
@@ -11537,6 +13631,45 @@
           </a:extLst>
         </p:spPr>
       </p:pic>
+      <p:sp>
+        <p:nvSpPr>
+          <p:cNvPr id="28" name="TextBox 27"/>
+          <p:cNvSpPr txBox="1"/>
+          <p:nvPr/>
+        </p:nvSpPr>
+        <p:spPr>
+          <a:xfrm>
+            <a:off x="1322035" y="1006226"/>
+            <a:ext cx="2953724" cy="1754326"/>
+          </a:xfrm>
+          <a:prstGeom prst="rect">
+            <a:avLst/>
+          </a:prstGeom>
+          <a:noFill/>
+        </p:spPr>
+        <p:txBody>
+          <a:bodyPr wrap="square" rtlCol="0">
+            <a:spAutoFit/>
+          </a:bodyPr>
+          <a:lstStyle/>
+          <a:p>
+            <a:pPr algn="ctr"/>
+            <a:r>
+              <a:rPr lang="en-US" sz="3600" b="1" dirty="0">
+                <a:solidFill>
+                  <a:schemeClr val="bg1"/>
+                </a:solidFill>
+              </a:rPr>
+              <a:t>Boxfuse Component Inventory</a:t>
+            </a:r>
+            <a:endParaRPr lang="de-DE" sz="3600" b="1" dirty="0">
+              <a:solidFill>
+                <a:schemeClr val="bg1"/>
+              </a:solidFill>
+            </a:endParaRPr>
+          </a:p>
+        </p:txBody>
+      </p:sp>
     </p:spTree>
     <p:extLst>
       <p:ext uri="{BB962C8B-B14F-4D97-AF65-F5344CB8AC3E}">
@@ -11558,6 +13691,517 @@
 </file>
 
 <file path=ppt/slides/slide7.xml><?xml version="1.0" encoding="utf-8"?>
+<p:sld xmlns:a="http://schemas.openxmlformats.org/drawingml/2006/main" xmlns:r="http://schemas.openxmlformats.org/officeDocument/2006/relationships" xmlns:p="http://schemas.openxmlformats.org/presentationml/2006/main">
+  <p:cSld>
+    <p:spTree>
+      <p:nvGrpSpPr>
+        <p:cNvPr id="1" name=""/>
+        <p:cNvGrpSpPr/>
+        <p:nvPr/>
+      </p:nvGrpSpPr>
+      <p:grpSpPr>
+        <a:xfrm>
+          <a:off x="0" y="0"/>
+          <a:ext cx="0" cy="0"/>
+          <a:chOff x="0" y="0"/>
+          <a:chExt cx="0" cy="0"/>
+        </a:xfrm>
+      </p:grpSpPr>
+      <p:grpSp>
+        <p:nvGrpSpPr>
+          <p:cNvPr id="15" name="Group 14"/>
+          <p:cNvGrpSpPr/>
+          <p:nvPr/>
+        </p:nvGrpSpPr>
+        <p:grpSpPr>
+          <a:xfrm>
+            <a:off x="5726641" y="4722386"/>
+            <a:ext cx="3105150" cy="1409700"/>
+            <a:chOff x="6448425" y="3933826"/>
+            <a:chExt cx="2628900" cy="1409700"/>
+          </a:xfrm>
+        </p:grpSpPr>
+        <p:sp>
+          <p:nvSpPr>
+            <p:cNvPr id="14" name="Rounded Rectangle 13"/>
+            <p:cNvSpPr/>
+            <p:nvPr/>
+          </p:nvSpPr>
+          <p:spPr>
+            <a:xfrm>
+              <a:off x="6448425" y="3933826"/>
+              <a:ext cx="2628900" cy="1409700"/>
+            </a:xfrm>
+            <a:prstGeom prst="roundRect">
+              <a:avLst/>
+            </a:prstGeom>
+            <a:solidFill>
+              <a:schemeClr val="accent6">
+                <a:lumMod val="75000"/>
+              </a:schemeClr>
+            </a:solidFill>
+            <a:ln w="114300">
+              <a:solidFill>
+                <a:schemeClr val="accent6">
+                  <a:lumMod val="50000"/>
+                </a:schemeClr>
+              </a:solidFill>
+            </a:ln>
+          </p:spPr>
+          <p:style>
+            <a:lnRef idx="2">
+              <a:schemeClr val="accent1">
+                <a:shade val="50000"/>
+              </a:schemeClr>
+            </a:lnRef>
+            <a:fillRef idx="1">
+              <a:schemeClr val="accent1"/>
+            </a:fillRef>
+            <a:effectRef idx="0">
+              <a:schemeClr val="accent1"/>
+            </a:effectRef>
+            <a:fontRef idx="minor">
+              <a:schemeClr val="lt1"/>
+            </a:fontRef>
+          </p:style>
+          <p:txBody>
+            <a:bodyPr rtlCol="0" anchor="ctr"/>
+            <a:lstStyle/>
+            <a:p>
+              <a:pPr algn="ctr"/>
+              <a:endParaRPr lang="de-DE"/>
+            </a:p>
+          </p:txBody>
+        </p:sp>
+        <p:sp>
+          <p:nvSpPr>
+            <p:cNvPr id="13" name="TextBox 12"/>
+            <p:cNvSpPr txBox="1"/>
+            <p:nvPr/>
+          </p:nvSpPr>
+          <p:spPr>
+            <a:xfrm>
+              <a:off x="7077075" y="4286250"/>
+              <a:ext cx="1333500" cy="646331"/>
+            </a:xfrm>
+            <a:prstGeom prst="rect">
+              <a:avLst/>
+            </a:prstGeom>
+            <a:noFill/>
+          </p:spPr>
+          <p:txBody>
+            <a:bodyPr wrap="square" rtlCol="0">
+              <a:spAutoFit/>
+            </a:bodyPr>
+            <a:lstStyle/>
+            <a:p>
+              <a:pPr algn="ctr"/>
+              <a:r>
+                <a:rPr lang="en-US" sz="3600" b="1" dirty="0">
+                  <a:solidFill>
+                    <a:schemeClr val="bg1"/>
+                  </a:solidFill>
+                </a:rPr>
+                <a:t>App</a:t>
+              </a:r>
+              <a:endParaRPr lang="de-DE" sz="3600" b="1" dirty="0">
+                <a:solidFill>
+                  <a:schemeClr val="bg1"/>
+                </a:solidFill>
+              </a:endParaRPr>
+            </a:p>
+          </p:txBody>
+        </p:sp>
+      </p:grpSp>
+      <p:cxnSp>
+        <p:nvCxnSpPr>
+          <p:cNvPr id="24" name="Straight Arrow Connector 23"/>
+          <p:cNvCxnSpPr/>
+          <p:nvPr/>
+        </p:nvCxnSpPr>
+        <p:spPr>
+          <a:xfrm>
+            <a:off x="9120341" y="2020649"/>
+            <a:ext cx="2041712" cy="1201831"/>
+          </a:xfrm>
+          <a:prstGeom prst="straightConnector1">
+            <a:avLst/>
+          </a:prstGeom>
+          <a:ln w="254000">
+            <a:solidFill>
+              <a:schemeClr val="tx1">
+                <a:lumMod val="50000"/>
+                <a:lumOff val="50000"/>
+              </a:schemeClr>
+            </a:solidFill>
+            <a:tailEnd type="triangle"/>
+          </a:ln>
+        </p:spPr>
+        <p:style>
+          <a:lnRef idx="1">
+            <a:schemeClr val="accent1"/>
+          </a:lnRef>
+          <a:fillRef idx="0">
+            <a:schemeClr val="accent1"/>
+          </a:fillRef>
+          <a:effectRef idx="0">
+            <a:schemeClr val="accent1"/>
+          </a:effectRef>
+          <a:fontRef idx="minor">
+            <a:schemeClr val="tx1"/>
+          </a:fontRef>
+        </p:style>
+      </p:cxnSp>
+      <p:grpSp>
+        <p:nvGrpSpPr>
+          <p:cNvPr id="25" name="Group 24"/>
+          <p:cNvGrpSpPr/>
+          <p:nvPr/>
+        </p:nvGrpSpPr>
+        <p:grpSpPr>
+          <a:xfrm>
+            <a:off x="11377208" y="2119821"/>
+            <a:ext cx="2839659" cy="2839659"/>
+            <a:chOff x="6448425" y="3933826"/>
+            <a:chExt cx="2628900" cy="1409700"/>
+          </a:xfrm>
+          <a:solidFill>
+            <a:schemeClr val="accent1">
+              <a:lumMod val="75000"/>
+            </a:schemeClr>
+          </a:solidFill>
+        </p:grpSpPr>
+        <p:sp>
+          <p:nvSpPr>
+            <p:cNvPr id="26" name="Rounded Rectangle 25"/>
+            <p:cNvSpPr/>
+            <p:nvPr/>
+          </p:nvSpPr>
+          <p:spPr>
+            <a:xfrm>
+              <a:off x="6448425" y="3933826"/>
+              <a:ext cx="2628900" cy="1409700"/>
+            </a:xfrm>
+            <a:prstGeom prst="ellipse">
+              <a:avLst/>
+            </a:prstGeom>
+            <a:grpFill/>
+            <a:ln w="114300">
+              <a:solidFill>
+                <a:schemeClr val="accent1">
+                  <a:lumMod val="50000"/>
+                </a:schemeClr>
+              </a:solidFill>
+            </a:ln>
+          </p:spPr>
+          <p:style>
+            <a:lnRef idx="2">
+              <a:schemeClr val="accent1">
+                <a:shade val="50000"/>
+              </a:schemeClr>
+            </a:lnRef>
+            <a:fillRef idx="1">
+              <a:schemeClr val="accent1"/>
+            </a:fillRef>
+            <a:effectRef idx="0">
+              <a:schemeClr val="accent1"/>
+            </a:effectRef>
+            <a:fontRef idx="minor">
+              <a:schemeClr val="lt1"/>
+            </a:fontRef>
+          </p:style>
+          <p:txBody>
+            <a:bodyPr rtlCol="0" anchor="ctr"/>
+            <a:lstStyle/>
+            <a:p>
+              <a:pPr algn="ctr"/>
+              <a:endParaRPr lang="de-DE"/>
+            </a:p>
+          </p:txBody>
+        </p:sp>
+        <p:sp>
+          <p:nvSpPr>
+            <p:cNvPr id="27" name="TextBox 26"/>
+            <p:cNvSpPr txBox="1"/>
+            <p:nvPr/>
+          </p:nvSpPr>
+          <p:spPr>
+            <a:xfrm>
+              <a:off x="6496810" y="4229323"/>
+              <a:ext cx="2524067" cy="837924"/>
+            </a:xfrm>
+            <a:prstGeom prst="ellipse">
+              <a:avLst/>
+            </a:prstGeom>
+            <a:grpFill/>
+            <a:ln>
+              <a:noFill/>
+            </a:ln>
+          </p:spPr>
+          <p:txBody>
+            <a:bodyPr wrap="square" rtlCol="0">
+              <a:spAutoFit/>
+            </a:bodyPr>
+            <a:lstStyle/>
+            <a:p>
+              <a:pPr algn="ctr"/>
+              <a:r>
+                <a:rPr lang="en-US" sz="3600" b="1" dirty="0">
+                  <a:solidFill>
+                    <a:schemeClr val="bg1"/>
+                  </a:solidFill>
+                </a:rPr>
+                <a:t>Bootable App</a:t>
+              </a:r>
+              <a:endParaRPr lang="de-DE" sz="3600" b="1" dirty="0">
+                <a:solidFill>
+                  <a:schemeClr val="bg1"/>
+                </a:solidFill>
+              </a:endParaRPr>
+            </a:p>
+          </p:txBody>
+        </p:sp>
+      </p:grpSp>
+      <p:sp>
+        <p:nvSpPr>
+          <p:cNvPr id="5" name="Rectangle 4"/>
+          <p:cNvSpPr/>
+          <p:nvPr/>
+        </p:nvSpPr>
+        <p:spPr>
+          <a:xfrm>
+            <a:off x="5571950" y="-364294"/>
+            <a:ext cx="3469219" cy="3770263"/>
+          </a:xfrm>
+          <a:prstGeom prst="rect">
+            <a:avLst/>
+          </a:prstGeom>
+          <a:ln>
+            <a:noFill/>
+          </a:ln>
+        </p:spPr>
+        <p:txBody>
+          <a:bodyPr wrap="none">
+            <a:spAutoFit/>
+          </a:bodyPr>
+          <a:lstStyle/>
+          <a:p>
+            <a:r>
+              <a:rPr lang="de-DE" sz="23900" dirty="0">
+                <a:solidFill>
+                  <a:schemeClr val="tx2">
+                    <a:lumMod val="60000"/>
+                    <a:lumOff val="40000"/>
+                  </a:schemeClr>
+                </a:solidFill>
+                <a:latin typeface="FontAwesome" pitchFamily="2" charset="0"/>
+              </a:rPr>
+              <a:t></a:t>
+            </a:r>
+            <a:endParaRPr lang="de-DE" sz="23900" dirty="0">
+              <a:solidFill>
+                <a:schemeClr val="tx2">
+                  <a:lumMod val="60000"/>
+                  <a:lumOff val="40000"/>
+                </a:schemeClr>
+              </a:solidFill>
+            </a:endParaRPr>
+          </a:p>
+        </p:txBody>
+      </p:sp>
+      <p:cxnSp>
+        <p:nvCxnSpPr>
+          <p:cNvPr id="29" name="Straight Arrow Connector 28"/>
+          <p:cNvCxnSpPr/>
+          <p:nvPr/>
+        </p:nvCxnSpPr>
+        <p:spPr>
+          <a:xfrm flipV="1">
+            <a:off x="9218955" y="3787256"/>
+            <a:ext cx="1956547" cy="1384487"/>
+          </a:xfrm>
+          <a:prstGeom prst="straightConnector1">
+            <a:avLst/>
+          </a:prstGeom>
+          <a:ln w="254000">
+            <a:solidFill>
+              <a:schemeClr val="tx1">
+                <a:lumMod val="50000"/>
+                <a:lumOff val="50000"/>
+              </a:schemeClr>
+            </a:solidFill>
+            <a:tailEnd type="triangle"/>
+          </a:ln>
+        </p:spPr>
+        <p:style>
+          <a:lnRef idx="1">
+            <a:schemeClr val="accent1"/>
+          </a:lnRef>
+          <a:fillRef idx="0">
+            <a:schemeClr val="accent1"/>
+          </a:fillRef>
+          <a:effectRef idx="0">
+            <a:schemeClr val="accent1"/>
+          </a:effectRef>
+          <a:fontRef idx="minor">
+            <a:schemeClr val="tx1"/>
+          </a:fontRef>
+        </p:style>
+      </p:cxnSp>
+      <p:sp>
+        <p:nvSpPr>
+          <p:cNvPr id="18" name="Rectangle 17"/>
+          <p:cNvSpPr/>
+          <p:nvPr/>
+        </p:nvSpPr>
+        <p:spPr>
+          <a:xfrm>
+            <a:off x="6435575" y="163777"/>
+            <a:ext cx="1677062" cy="2877711"/>
+          </a:xfrm>
+          <a:prstGeom prst="rect">
+            <a:avLst/>
+          </a:prstGeom>
+        </p:spPr>
+        <p:txBody>
+          <a:bodyPr wrap="none">
+            <a:spAutoFit/>
+          </a:bodyPr>
+          <a:lstStyle/>
+          <a:p>
+            <a:r>
+              <a:rPr lang="de-DE" sz="18100" dirty="0">
+                <a:solidFill>
+                  <a:schemeClr val="tx2"/>
+                </a:solidFill>
+                <a:latin typeface="FontAwesome" pitchFamily="2" charset="0"/>
+              </a:rPr>
+              <a:t></a:t>
+            </a:r>
+            <a:endParaRPr lang="de-DE" sz="18100" dirty="0">
+              <a:solidFill>
+                <a:schemeClr val="tx2"/>
+              </a:solidFill>
+            </a:endParaRPr>
+          </a:p>
+        </p:txBody>
+      </p:sp>
+      <p:sp>
+        <p:nvSpPr>
+          <p:cNvPr id="28" name="TextBox 27"/>
+          <p:cNvSpPr txBox="1"/>
+          <p:nvPr/>
+        </p:nvSpPr>
+        <p:spPr>
+          <a:xfrm>
+            <a:off x="5799451" y="690914"/>
+            <a:ext cx="2953724" cy="1754326"/>
+          </a:xfrm>
+          <a:prstGeom prst="rect">
+            <a:avLst/>
+          </a:prstGeom>
+          <a:noFill/>
+        </p:spPr>
+        <p:txBody>
+          <a:bodyPr wrap="square" rtlCol="0">
+            <a:spAutoFit/>
+          </a:bodyPr>
+          <a:lstStyle/>
+          <a:p>
+            <a:pPr algn="ctr"/>
+            <a:r>
+              <a:rPr lang="en-US" sz="3600" b="1" dirty="0">
+                <a:solidFill>
+                  <a:schemeClr val="bg1"/>
+                </a:solidFill>
+              </a:rPr>
+              <a:t>Boxfuse Component Inventory</a:t>
+            </a:r>
+            <a:endParaRPr lang="de-DE" sz="3600" b="1" dirty="0">
+              <a:solidFill>
+                <a:schemeClr val="bg1"/>
+              </a:solidFill>
+            </a:endParaRPr>
+          </a:p>
+        </p:txBody>
+      </p:sp>
+      <p:sp>
+        <p:nvSpPr>
+          <p:cNvPr id="19" name="TextBox 18"/>
+          <p:cNvSpPr txBox="1"/>
+          <p:nvPr/>
+        </p:nvSpPr>
+        <p:spPr>
+          <a:xfrm>
+            <a:off x="7257127" y="6236231"/>
+            <a:ext cx="7141779" cy="1323439"/>
+          </a:xfrm>
+          <a:prstGeom prst="rect">
+            <a:avLst/>
+          </a:prstGeom>
+          <a:noFill/>
+        </p:spPr>
+        <p:txBody>
+          <a:bodyPr wrap="square" rtlCol="0">
+            <a:spAutoFit/>
+          </a:bodyPr>
+          <a:lstStyle/>
+          <a:p>
+            <a:pPr algn="ctr"/>
+            <a:r>
+              <a:rPr lang="en-US" sz="4000" b="1" dirty="0" smtClean="0">
+                <a:solidFill>
+                  <a:schemeClr val="bg1">
+                    <a:lumMod val="50000"/>
+                  </a:schemeClr>
+                </a:solidFill>
+              </a:rPr>
+              <a:t>Boxfuse Image Generation</a:t>
+            </a:r>
+          </a:p>
+          <a:p>
+            <a:pPr algn="ctr"/>
+            <a:r>
+              <a:rPr lang="en-US" sz="4000" b="1" dirty="0" smtClean="0">
+                <a:solidFill>
+                  <a:schemeClr val="bg1">
+                    <a:lumMod val="50000"/>
+                  </a:schemeClr>
+                </a:solidFill>
+              </a:rPr>
+              <a:t>5 Seconds</a:t>
+            </a:r>
+            <a:endParaRPr lang="en-US" sz="4000" b="1" dirty="0">
+              <a:solidFill>
+                <a:schemeClr val="bg1">
+                  <a:lumMod val="50000"/>
+                </a:schemeClr>
+              </a:solidFill>
+            </a:endParaRPr>
+          </a:p>
+        </p:txBody>
+      </p:sp>
+    </p:spTree>
+    <p:extLst>
+      <p:ext uri="{BB962C8B-B14F-4D97-AF65-F5344CB8AC3E}">
+        <p14:creationId xmlns:p14="http://schemas.microsoft.com/office/powerpoint/2010/main" val="4273925918"/>
+      </p:ext>
+    </p:extLst>
+  </p:cSld>
+  <p:clrMapOvr>
+    <a:masterClrMapping/>
+  </p:clrMapOvr>
+  <p:timing>
+    <p:tnLst>
+      <p:par>
+        <p:cTn id="1" dur="indefinite" restart="never" nodeType="tmRoot"/>
+      </p:par>
+    </p:tnLst>
+  </p:timing>
+</p:sld>
+</file>
+
+<file path=ppt/slides/slide8.xml><?xml version="1.0" encoding="utf-8"?>
 <p:sld xmlns:a="http://schemas.openxmlformats.org/drawingml/2006/main" xmlns:r="http://schemas.openxmlformats.org/officeDocument/2006/relationships" xmlns:p="http://schemas.openxmlformats.org/presentationml/2006/main">
   <p:cSld>
     <p:spTree>
@@ -11863,16 +14507,6 @@
           <a:p>
             <a:pPr algn="ctr"/>
             <a:r>
-              <a:rPr lang="en-US" sz="4000" b="1" dirty="0" err="1">
-                <a:solidFill>
-                  <a:schemeClr val="bg1">
-                    <a:lumMod val="50000"/>
-                  </a:schemeClr>
-                </a:solidFill>
-              </a:rPr>
-              <a:t>Boxfuse</a:t>
-            </a:r>
-            <a:r>
               <a:rPr lang="en-US" sz="4000" b="1" dirty="0">
                 <a:solidFill>
                   <a:schemeClr val="bg1">
@@ -11880,7 +14514,7 @@
                   </a:schemeClr>
                 </a:solidFill>
               </a:rPr>
-              <a:t> Micro OS</a:t>
+              <a:t>Boxfuse Micro OS</a:t>
             </a:r>
           </a:p>
           <a:p>
@@ -11925,7 +14559,7 @@
 </p:sld>
 </file>
 
-<file path=ppt/slides/slide8.xml><?xml version="1.0" encoding="utf-8"?>
+<file path=ppt/slides/slide9.xml><?xml version="1.0" encoding="utf-8"?>
 <p:sld xmlns:a="http://schemas.openxmlformats.org/drawingml/2006/main" xmlns:r="http://schemas.openxmlformats.org/officeDocument/2006/relationships" xmlns:p="http://schemas.openxmlformats.org/presentationml/2006/main">
   <p:cSld>
     <p:spTree>
@@ -12275,2140 +14909,6 @@
     <p:extLst>
       <p:ext uri="{BB962C8B-B14F-4D97-AF65-F5344CB8AC3E}">
         <p14:creationId xmlns:p14="http://schemas.microsoft.com/office/powerpoint/2010/main" val="683032843"/>
-      </p:ext>
-    </p:extLst>
-  </p:cSld>
-  <p:clrMapOvr>
-    <a:masterClrMapping/>
-  </p:clrMapOvr>
-  <p:timing>
-    <p:tnLst>
-      <p:par>
-        <p:cTn id="1" dur="indefinite" restart="never" nodeType="tmRoot"/>
-      </p:par>
-    </p:tnLst>
-  </p:timing>
-</p:sld>
-</file>
-
-<file path=ppt/slides/slide9.xml><?xml version="1.0" encoding="utf-8"?>
-<p:sld xmlns:a="http://schemas.openxmlformats.org/drawingml/2006/main" xmlns:r="http://schemas.openxmlformats.org/officeDocument/2006/relationships" xmlns:p="http://schemas.openxmlformats.org/presentationml/2006/main">
-  <p:cSld>
-    <p:spTree>
-      <p:nvGrpSpPr>
-        <p:cNvPr id="1" name=""/>
-        <p:cNvGrpSpPr/>
-        <p:nvPr/>
-      </p:nvGrpSpPr>
-      <p:grpSpPr>
-        <a:xfrm>
-          <a:off x="0" y="0"/>
-          <a:ext cx="0" cy="0"/>
-          <a:chOff x="0" y="0"/>
-          <a:chExt cx="0" cy="0"/>
-        </a:xfrm>
-      </p:grpSpPr>
-      <p:grpSp>
-        <p:nvGrpSpPr>
-          <p:cNvPr id="15" name="Group 14"/>
-          <p:cNvGrpSpPr/>
-          <p:nvPr/>
-        </p:nvGrpSpPr>
-        <p:grpSpPr>
-          <a:xfrm>
-            <a:off x="1169403" y="4820888"/>
-            <a:ext cx="1496257" cy="679282"/>
-            <a:chOff x="6448425" y="3933827"/>
-            <a:chExt cx="2628900" cy="1409700"/>
-          </a:xfrm>
-        </p:grpSpPr>
-        <p:sp>
-          <p:nvSpPr>
-            <p:cNvPr id="14" name="Rounded Rectangle 13"/>
-            <p:cNvSpPr/>
-            <p:nvPr/>
-          </p:nvSpPr>
-          <p:spPr>
-            <a:xfrm>
-              <a:off x="6448425" y="3933827"/>
-              <a:ext cx="2628900" cy="1409700"/>
-            </a:xfrm>
-            <a:prstGeom prst="roundRect">
-              <a:avLst/>
-            </a:prstGeom>
-            <a:solidFill>
-              <a:schemeClr val="accent6">
-                <a:lumMod val="75000"/>
-              </a:schemeClr>
-            </a:solidFill>
-            <a:ln w="76200">
-              <a:solidFill>
-                <a:schemeClr val="accent6">
-                  <a:lumMod val="50000"/>
-                </a:schemeClr>
-              </a:solidFill>
-            </a:ln>
-          </p:spPr>
-          <p:style>
-            <a:lnRef idx="2">
-              <a:schemeClr val="accent1">
-                <a:shade val="50000"/>
-              </a:schemeClr>
-            </a:lnRef>
-            <a:fillRef idx="1">
-              <a:schemeClr val="accent1"/>
-            </a:fillRef>
-            <a:effectRef idx="0">
-              <a:schemeClr val="accent1"/>
-            </a:effectRef>
-            <a:fontRef idx="minor">
-              <a:schemeClr val="lt1"/>
-            </a:fontRef>
-          </p:style>
-          <p:txBody>
-            <a:bodyPr rtlCol="0" anchor="ctr"/>
-            <a:lstStyle/>
-            <a:p>
-              <a:pPr algn="ctr"/>
-              <a:endParaRPr lang="de-DE"/>
-            </a:p>
-          </p:txBody>
-        </p:sp>
-        <p:sp>
-          <p:nvSpPr>
-            <p:cNvPr id="13" name="TextBox 12"/>
-            <p:cNvSpPr txBox="1"/>
-            <p:nvPr/>
-          </p:nvSpPr>
-          <p:spPr>
-            <a:xfrm>
-              <a:off x="6513804" y="4239101"/>
-              <a:ext cx="2501164" cy="830340"/>
-            </a:xfrm>
-            <a:prstGeom prst="rect">
-              <a:avLst/>
-            </a:prstGeom>
-            <a:noFill/>
-            <a:ln w="76200">
-              <a:noFill/>
-            </a:ln>
-          </p:spPr>
-          <p:txBody>
-            <a:bodyPr wrap="square" rtlCol="0">
-              <a:spAutoFit/>
-            </a:bodyPr>
-            <a:lstStyle/>
-            <a:p>
-              <a:pPr algn="ctr"/>
-              <a:r>
-                <a:rPr lang="en-US" sz="2000" b="1" dirty="0">
-                  <a:solidFill>
-                    <a:schemeClr val="bg1"/>
-                  </a:solidFill>
-                </a:rPr>
-                <a:t>Payload</a:t>
-              </a:r>
-              <a:endParaRPr lang="de-DE" sz="2400" b="1" dirty="0">
-                <a:solidFill>
-                  <a:schemeClr val="bg1"/>
-                </a:solidFill>
-              </a:endParaRPr>
-            </a:p>
-          </p:txBody>
-        </p:sp>
-      </p:grpSp>
-      <p:sp>
-        <p:nvSpPr>
-          <p:cNvPr id="26" name="Rounded Rectangle 25"/>
-          <p:cNvSpPr/>
-          <p:nvPr/>
-        </p:nvSpPr>
-        <p:spPr>
-          <a:xfrm>
-            <a:off x="4366248" y="4887865"/>
-            <a:ext cx="1610387" cy="1610382"/>
-          </a:xfrm>
-          <a:prstGeom prst="ellipse">
-            <a:avLst/>
-          </a:prstGeom>
-          <a:solidFill>
-            <a:schemeClr val="accent1">
-              <a:lumMod val="20000"/>
-              <a:lumOff val="80000"/>
-            </a:schemeClr>
-          </a:solidFill>
-          <a:ln w="76200">
-            <a:solidFill>
-              <a:schemeClr val="accent1">
-                <a:lumMod val="40000"/>
-                <a:lumOff val="60000"/>
-              </a:schemeClr>
-            </a:solidFill>
-          </a:ln>
-        </p:spPr>
-        <p:style>
-          <a:lnRef idx="2">
-            <a:schemeClr val="accent1">
-              <a:shade val="50000"/>
-            </a:schemeClr>
-          </a:lnRef>
-          <a:fillRef idx="1">
-            <a:schemeClr val="accent1"/>
-          </a:fillRef>
-          <a:effectRef idx="0">
-            <a:schemeClr val="accent1"/>
-          </a:effectRef>
-          <a:fontRef idx="minor">
-            <a:schemeClr val="lt1"/>
-          </a:fontRef>
-        </p:style>
-        <p:txBody>
-          <a:bodyPr rtlCol="0" anchor="ctr"/>
-          <a:lstStyle/>
-          <a:p>
-            <a:pPr algn="ctr"/>
-            <a:r>
-              <a:rPr lang="en-US" sz="2000" b="1" dirty="0" smtClean="0"/>
-              <a:t>Image</a:t>
-            </a:r>
-            <a:endParaRPr lang="de-DE" sz="2000" b="1" dirty="0"/>
-          </a:p>
-        </p:txBody>
-      </p:sp>
-      <p:sp>
-        <p:nvSpPr>
-          <p:cNvPr id="7" name="TextBox 6"/>
-          <p:cNvSpPr txBox="1"/>
-          <p:nvPr/>
-        </p:nvSpPr>
-        <p:spPr>
-          <a:xfrm>
-            <a:off x="1073759" y="0"/>
-            <a:ext cx="1624914" cy="523220"/>
-          </a:xfrm>
-          <a:prstGeom prst="rect">
-            <a:avLst/>
-          </a:prstGeom>
-          <a:noFill/>
-        </p:spPr>
-        <p:txBody>
-          <a:bodyPr wrap="square" rtlCol="0">
-            <a:spAutoFit/>
-          </a:bodyPr>
-          <a:lstStyle/>
-          <a:p>
-            <a:r>
-              <a:rPr lang="en-US" sz="2800" b="1" dirty="0" smtClean="0"/>
-              <a:t>inventory</a:t>
-            </a:r>
-            <a:endParaRPr lang="de-DE" sz="2800" b="1" dirty="0"/>
-          </a:p>
-        </p:txBody>
-      </p:sp>
-      <p:cxnSp>
-        <p:nvCxnSpPr>
-          <p:cNvPr id="36" name="Straight Arrow Connector 35"/>
-          <p:cNvCxnSpPr/>
-          <p:nvPr/>
-        </p:nvCxnSpPr>
-        <p:spPr>
-          <a:xfrm rot="19330395" flipV="1">
-            <a:off x="2661973" y="4548151"/>
-            <a:ext cx="1689754" cy="10481"/>
-          </a:xfrm>
-          <a:prstGeom prst="straightConnector1">
-            <a:avLst/>
-          </a:prstGeom>
-          <a:ln w="142875">
-            <a:solidFill>
-              <a:schemeClr val="tx1">
-                <a:lumMod val="50000"/>
-                <a:lumOff val="50000"/>
-              </a:schemeClr>
-            </a:solidFill>
-            <a:tailEnd type="triangle"/>
-          </a:ln>
-        </p:spPr>
-        <p:style>
-          <a:lnRef idx="1">
-            <a:schemeClr val="accent1"/>
-          </a:lnRef>
-          <a:fillRef idx="0">
-            <a:schemeClr val="accent1"/>
-          </a:fillRef>
-          <a:effectRef idx="0">
-            <a:schemeClr val="accent1"/>
-          </a:effectRef>
-          <a:fontRef idx="minor">
-            <a:schemeClr val="tx1"/>
-          </a:fontRef>
-        </p:style>
-      </p:cxnSp>
-      <p:sp>
-        <p:nvSpPr>
-          <p:cNvPr id="37" name="TextBox 36"/>
-          <p:cNvSpPr txBox="1"/>
-          <p:nvPr/>
-        </p:nvSpPr>
-        <p:spPr>
-          <a:xfrm>
-            <a:off x="2725663" y="3587877"/>
-            <a:ext cx="1646390" cy="523220"/>
-          </a:xfrm>
-          <a:prstGeom prst="rect">
-            <a:avLst/>
-          </a:prstGeom>
-          <a:noFill/>
-        </p:spPr>
-        <p:txBody>
-          <a:bodyPr wrap="square" rtlCol="0">
-            <a:spAutoFit/>
-          </a:bodyPr>
-          <a:lstStyle/>
-          <a:p>
-            <a:pPr algn="ctr"/>
-            <a:r>
-              <a:rPr lang="en-US" sz="2800" b="1" dirty="0"/>
-              <a:t>fuse</a:t>
-            </a:r>
-            <a:endParaRPr lang="de-DE" sz="2800" b="1" dirty="0"/>
-          </a:p>
-        </p:txBody>
-      </p:sp>
-      <p:sp>
-        <p:nvSpPr>
-          <p:cNvPr id="38" name="Rounded Rectangle 25"/>
-          <p:cNvSpPr/>
-          <p:nvPr/>
-        </p:nvSpPr>
-        <p:spPr>
-          <a:xfrm>
-            <a:off x="4366248" y="3055740"/>
-            <a:ext cx="1610387" cy="1610382"/>
-          </a:xfrm>
-          <a:prstGeom prst="ellipse">
-            <a:avLst/>
-          </a:prstGeom>
-          <a:solidFill>
-            <a:schemeClr val="accent1">
-              <a:lumMod val="75000"/>
-            </a:schemeClr>
-          </a:solidFill>
-          <a:ln w="76200">
-            <a:solidFill>
-              <a:schemeClr val="accent1">
-                <a:lumMod val="50000"/>
-              </a:schemeClr>
-            </a:solidFill>
-          </a:ln>
-        </p:spPr>
-        <p:style>
-          <a:lnRef idx="2">
-            <a:schemeClr val="accent1">
-              <a:shade val="50000"/>
-            </a:schemeClr>
-          </a:lnRef>
-          <a:fillRef idx="1">
-            <a:schemeClr val="accent1"/>
-          </a:fillRef>
-          <a:effectRef idx="0">
-            <a:schemeClr val="accent1"/>
-          </a:effectRef>
-          <a:fontRef idx="minor">
-            <a:schemeClr val="lt1"/>
-          </a:fontRef>
-        </p:style>
-        <p:txBody>
-          <a:bodyPr rtlCol="0" anchor="ctr"/>
-          <a:lstStyle/>
-          <a:p>
-            <a:pPr algn="ctr"/>
-            <a:r>
-              <a:rPr lang="en-US" sz="2000" b="1" dirty="0"/>
-              <a:t>Image</a:t>
-            </a:r>
-            <a:endParaRPr lang="de-DE" sz="2000" b="1" dirty="0"/>
-          </a:p>
-        </p:txBody>
-      </p:sp>
-      <p:sp>
-        <p:nvSpPr>
-          <p:cNvPr id="10" name="Cross 9"/>
-          <p:cNvSpPr/>
-          <p:nvPr/>
-        </p:nvSpPr>
-        <p:spPr>
-          <a:xfrm rot="2669759">
-            <a:off x="4059360" y="4611843"/>
-            <a:ext cx="2229507" cy="2238141"/>
-          </a:xfrm>
-          <a:prstGeom prst="plus">
-            <a:avLst>
-              <a:gd name="adj" fmla="val 47174"/>
-            </a:avLst>
-          </a:prstGeom>
-          <a:solidFill>
-            <a:srgbClr val="FF0000"/>
-          </a:solidFill>
-          <a:ln>
-            <a:solidFill>
-              <a:srgbClr val="C00000"/>
-            </a:solidFill>
-          </a:ln>
-        </p:spPr>
-        <p:style>
-          <a:lnRef idx="2">
-            <a:schemeClr val="accent1">
-              <a:shade val="50000"/>
-            </a:schemeClr>
-          </a:lnRef>
-          <a:fillRef idx="1">
-            <a:schemeClr val="accent1"/>
-          </a:fillRef>
-          <a:effectRef idx="0">
-            <a:schemeClr val="accent1"/>
-          </a:effectRef>
-          <a:fontRef idx="minor">
-            <a:schemeClr val="lt1"/>
-          </a:fontRef>
-        </p:style>
-        <p:txBody>
-          <a:bodyPr rtlCol="0" anchor="ctr"/>
-          <a:lstStyle/>
-          <a:p>
-            <a:pPr algn="ctr"/>
-            <a:endParaRPr lang="de-DE"/>
-          </a:p>
-        </p:txBody>
-      </p:sp>
-      <p:sp>
-        <p:nvSpPr>
-          <p:cNvPr id="43" name="TextBox 42"/>
-          <p:cNvSpPr txBox="1"/>
-          <p:nvPr/>
-        </p:nvSpPr>
-        <p:spPr>
-          <a:xfrm>
-            <a:off x="4465408" y="4844765"/>
-            <a:ext cx="1408522" cy="523220"/>
-          </a:xfrm>
-          <a:prstGeom prst="rect">
-            <a:avLst/>
-          </a:prstGeom>
-          <a:noFill/>
-        </p:spPr>
-        <p:txBody>
-          <a:bodyPr wrap="square" rtlCol="0">
-            <a:spAutoFit/>
-          </a:bodyPr>
-          <a:lstStyle/>
-          <a:p>
-            <a:pPr algn="ctr"/>
-            <a:r>
-              <a:rPr lang="en-US" sz="2800" b="1" dirty="0" err="1"/>
-              <a:t>rm</a:t>
-            </a:r>
-            <a:endParaRPr lang="de-DE" sz="2800" b="1" dirty="0"/>
-          </a:p>
-        </p:txBody>
-      </p:sp>
-      <p:sp>
-        <p:nvSpPr>
-          <p:cNvPr id="11" name="Rounded Rectangle 10"/>
-          <p:cNvSpPr/>
-          <p:nvPr/>
-        </p:nvSpPr>
-        <p:spPr>
-          <a:xfrm>
-            <a:off x="4256223" y="2952051"/>
-            <a:ext cx="1868556" cy="3739133"/>
-          </a:xfrm>
-          <a:prstGeom prst="roundRect">
-            <a:avLst/>
-          </a:prstGeom>
-          <a:noFill/>
-          <a:ln w="57150">
-            <a:solidFill>
-              <a:schemeClr val="bg1">
-                <a:lumMod val="50000"/>
-              </a:schemeClr>
-            </a:solidFill>
-            <a:prstDash val="dash"/>
-          </a:ln>
-        </p:spPr>
-        <p:style>
-          <a:lnRef idx="2">
-            <a:schemeClr val="accent1">
-              <a:shade val="50000"/>
-            </a:schemeClr>
-          </a:lnRef>
-          <a:fillRef idx="1">
-            <a:schemeClr val="accent1"/>
-          </a:fillRef>
-          <a:effectRef idx="0">
-            <a:schemeClr val="accent1"/>
-          </a:effectRef>
-          <a:fontRef idx="minor">
-            <a:schemeClr val="lt1"/>
-          </a:fontRef>
-        </p:style>
-        <p:txBody>
-          <a:bodyPr rtlCol="0" anchor="ctr"/>
-          <a:lstStyle/>
-          <a:p>
-            <a:pPr algn="ctr"/>
-            <a:endParaRPr lang="de-DE"/>
-          </a:p>
-        </p:txBody>
-      </p:sp>
-      <p:sp>
-        <p:nvSpPr>
-          <p:cNvPr id="44" name="TextBox 43"/>
-          <p:cNvSpPr txBox="1"/>
-          <p:nvPr/>
-        </p:nvSpPr>
-        <p:spPr>
-          <a:xfrm>
-            <a:off x="4492859" y="2382216"/>
-            <a:ext cx="1408522" cy="523220"/>
-          </a:xfrm>
-          <a:prstGeom prst="rect">
-            <a:avLst/>
-          </a:prstGeom>
-          <a:noFill/>
-        </p:spPr>
-        <p:txBody>
-          <a:bodyPr wrap="square" rtlCol="0">
-            <a:spAutoFit/>
-          </a:bodyPr>
-          <a:lstStyle/>
-          <a:p>
-            <a:pPr algn="ctr"/>
-            <a:r>
-              <a:rPr lang="en-US" sz="2800" b="1" dirty="0" err="1"/>
-              <a:t>ls</a:t>
-            </a:r>
-            <a:endParaRPr lang="de-DE" sz="2800" b="1" dirty="0"/>
-          </a:p>
-        </p:txBody>
-      </p:sp>
-      <p:grpSp>
-        <p:nvGrpSpPr>
-          <p:cNvPr id="21" name="Group 20"/>
-          <p:cNvGrpSpPr/>
-          <p:nvPr/>
-        </p:nvGrpSpPr>
-        <p:grpSpPr>
-          <a:xfrm>
-            <a:off x="7154693" y="2339074"/>
-            <a:ext cx="2806054" cy="5115953"/>
-            <a:chOff x="7080552" y="-132277"/>
-            <a:chExt cx="2806054" cy="5115953"/>
-          </a:xfrm>
-        </p:grpSpPr>
-        <p:sp>
-          <p:nvSpPr>
-            <p:cNvPr id="79" name="Rounded Rectangle 75"/>
-            <p:cNvSpPr/>
-            <p:nvPr/>
-          </p:nvSpPr>
-          <p:spPr>
-            <a:xfrm>
-              <a:off x="8059356" y="2517568"/>
-              <a:ext cx="1441656" cy="1514439"/>
-            </a:xfrm>
-            <a:prstGeom prst="rect">
-              <a:avLst/>
-            </a:prstGeom>
-            <a:solidFill>
-              <a:schemeClr val="accent2">
-                <a:lumMod val="20000"/>
-                <a:lumOff val="80000"/>
-              </a:schemeClr>
-            </a:solidFill>
-            <a:ln w="76200">
-              <a:solidFill>
-                <a:schemeClr val="accent2">
-                  <a:lumMod val="40000"/>
-                  <a:lumOff val="60000"/>
-                </a:schemeClr>
-              </a:solidFill>
-            </a:ln>
-          </p:spPr>
-          <p:style>
-            <a:lnRef idx="2">
-              <a:schemeClr val="accent1">
-                <a:shade val="50000"/>
-              </a:schemeClr>
-            </a:lnRef>
-            <a:fillRef idx="1">
-              <a:schemeClr val="accent1"/>
-            </a:fillRef>
-            <a:effectRef idx="0">
-              <a:schemeClr val="accent1"/>
-            </a:effectRef>
-            <a:fontRef idx="minor">
-              <a:schemeClr val="lt1"/>
-            </a:fontRef>
-          </p:style>
-          <p:txBody>
-            <a:bodyPr rtlCol="0" anchor="ctr"/>
-            <a:lstStyle/>
-            <a:p>
-              <a:pPr algn="ctr"/>
-              <a:r>
-                <a:rPr lang="en-US" sz="2000" b="1" dirty="0"/>
-                <a:t>Instance</a:t>
-              </a:r>
-              <a:endParaRPr lang="de-DE" sz="2000" b="1" dirty="0"/>
-            </a:p>
-          </p:txBody>
-        </p:sp>
-        <p:grpSp>
-          <p:nvGrpSpPr>
-            <p:cNvPr id="20" name="Group 19"/>
-            <p:cNvGrpSpPr/>
-            <p:nvPr/>
-          </p:nvGrpSpPr>
-          <p:grpSpPr>
-            <a:xfrm>
-              <a:off x="7080552" y="-132277"/>
-              <a:ext cx="2806054" cy="5115953"/>
-              <a:chOff x="7080552" y="-132277"/>
-              <a:chExt cx="2806054" cy="5115953"/>
-            </a:xfrm>
-          </p:grpSpPr>
-          <p:pic>
-            <p:nvPicPr>
-              <p:cNvPr id="6" name="Picture 5"/>
-              <p:cNvPicPr>
-                <a:picLocks noChangeAspect="1"/>
-              </p:cNvPicPr>
-              <p:nvPr/>
-            </p:nvPicPr>
-            <p:blipFill>
-              <a:blip r:embed="rId2"/>
-              <a:stretch>
-                <a:fillRect/>
-              </a:stretch>
-            </p:blipFill>
-            <p:spPr>
-              <a:xfrm>
-                <a:off x="7080552" y="4277752"/>
-                <a:ext cx="1655807" cy="705924"/>
-              </a:xfrm>
-              <a:prstGeom prst="rect">
-                <a:avLst/>
-              </a:prstGeom>
-            </p:spPr>
-          </p:pic>
-          <p:sp>
-            <p:nvSpPr>
-              <p:cNvPr id="72" name="TextBox 71"/>
-              <p:cNvSpPr txBox="1"/>
-              <p:nvPr/>
-            </p:nvSpPr>
-            <p:spPr>
-              <a:xfrm>
-                <a:off x="8017713" y="2503194"/>
-                <a:ext cx="1506963" cy="523220"/>
-              </a:xfrm>
-              <a:prstGeom prst="rect">
-                <a:avLst/>
-              </a:prstGeom>
-              <a:noFill/>
-            </p:spPr>
-            <p:txBody>
-              <a:bodyPr wrap="square" rtlCol="0">
-                <a:spAutoFit/>
-              </a:bodyPr>
-              <a:lstStyle/>
-              <a:p>
-                <a:pPr algn="ctr"/>
-                <a:r>
-                  <a:rPr lang="en-US" sz="2800" b="1" dirty="0"/>
-                  <a:t>kill</a:t>
-                </a:r>
-                <a:endParaRPr lang="de-DE" sz="2800" b="1" dirty="0"/>
-              </a:p>
-            </p:txBody>
-          </p:sp>
-          <p:sp>
-            <p:nvSpPr>
-              <p:cNvPr id="73" name="Rounded Rectangle 72"/>
-              <p:cNvSpPr/>
-              <p:nvPr/>
-            </p:nvSpPr>
-            <p:spPr>
-              <a:xfrm>
-                <a:off x="7809465" y="427153"/>
-                <a:ext cx="1896954" cy="3785823"/>
-              </a:xfrm>
-              <a:prstGeom prst="roundRect">
-                <a:avLst/>
-              </a:prstGeom>
-              <a:noFill/>
-              <a:ln w="57150">
-                <a:solidFill>
-                  <a:schemeClr val="bg1">
-                    <a:lumMod val="50000"/>
-                  </a:schemeClr>
-                </a:solidFill>
-                <a:prstDash val="dash"/>
-              </a:ln>
-            </p:spPr>
-            <p:style>
-              <a:lnRef idx="2">
-                <a:schemeClr val="accent1">
-                  <a:shade val="50000"/>
-                </a:schemeClr>
-              </a:lnRef>
-              <a:fillRef idx="1">
-                <a:schemeClr val="accent1"/>
-              </a:fillRef>
-              <a:effectRef idx="0">
-                <a:schemeClr val="accent1"/>
-              </a:effectRef>
-              <a:fontRef idx="minor">
-                <a:schemeClr val="lt1"/>
-              </a:fontRef>
-            </p:style>
-            <p:txBody>
-              <a:bodyPr rtlCol="0" anchor="ctr"/>
-              <a:lstStyle/>
-              <a:p>
-                <a:pPr algn="ctr"/>
-                <a:endParaRPr lang="de-DE"/>
-              </a:p>
-            </p:txBody>
-          </p:sp>
-          <p:sp>
-            <p:nvSpPr>
-              <p:cNvPr id="74" name="TextBox 73"/>
-              <p:cNvSpPr txBox="1"/>
-              <p:nvPr/>
-            </p:nvSpPr>
-            <p:spPr>
-              <a:xfrm>
-                <a:off x="8045163" y="-132277"/>
-                <a:ext cx="1408522" cy="523220"/>
-              </a:xfrm>
-              <a:prstGeom prst="rect">
-                <a:avLst/>
-              </a:prstGeom>
-              <a:noFill/>
-            </p:spPr>
-            <p:txBody>
-              <a:bodyPr wrap="square" rtlCol="0">
-                <a:spAutoFit/>
-              </a:bodyPr>
-              <a:lstStyle/>
-              <a:p>
-                <a:pPr algn="ctr"/>
-                <a:r>
-                  <a:rPr lang="en-US" sz="2800" b="1" dirty="0" err="1"/>
-                  <a:t>ps</a:t>
-                </a:r>
-                <a:endParaRPr lang="de-DE" sz="2800" b="1" dirty="0"/>
-              </a:p>
-            </p:txBody>
-          </p:sp>
-          <p:sp>
-            <p:nvSpPr>
-              <p:cNvPr id="76" name="Rounded Rectangle 75"/>
-              <p:cNvSpPr/>
-              <p:nvPr/>
-            </p:nvSpPr>
-            <p:spPr>
-              <a:xfrm>
-                <a:off x="8048943" y="604174"/>
-                <a:ext cx="1441656" cy="1514439"/>
-              </a:xfrm>
-              <a:prstGeom prst="rect">
-                <a:avLst/>
-              </a:prstGeom>
-              <a:solidFill>
-                <a:schemeClr val="accent2">
-                  <a:lumMod val="75000"/>
-                </a:schemeClr>
-              </a:solidFill>
-              <a:ln w="76200">
-                <a:solidFill>
-                  <a:schemeClr val="accent2">
-                    <a:lumMod val="50000"/>
-                  </a:schemeClr>
-                </a:solidFill>
-              </a:ln>
-            </p:spPr>
-            <p:style>
-              <a:lnRef idx="2">
-                <a:schemeClr val="accent1">
-                  <a:shade val="50000"/>
-                </a:schemeClr>
-              </a:lnRef>
-              <a:fillRef idx="1">
-                <a:schemeClr val="accent1"/>
-              </a:fillRef>
-              <a:effectRef idx="0">
-                <a:schemeClr val="accent1"/>
-              </a:effectRef>
-              <a:fontRef idx="minor">
-                <a:schemeClr val="lt1"/>
-              </a:fontRef>
-            </p:style>
-            <p:txBody>
-              <a:bodyPr rtlCol="0" anchor="ctr"/>
-              <a:lstStyle/>
-              <a:p>
-                <a:pPr algn="ctr"/>
-                <a:r>
-                  <a:rPr lang="en-US" sz="2000" b="1" dirty="0"/>
-                  <a:t>Instance</a:t>
-                </a:r>
-                <a:endParaRPr lang="de-DE" sz="2000" b="1" dirty="0"/>
-              </a:p>
-            </p:txBody>
-          </p:sp>
-          <p:sp>
-            <p:nvSpPr>
-              <p:cNvPr id="78" name="Cross 77"/>
-              <p:cNvSpPr/>
-              <p:nvPr/>
-            </p:nvSpPr>
-            <p:spPr>
-              <a:xfrm rot="2669759">
-                <a:off x="7657099" y="2146402"/>
-                <a:ext cx="2229507" cy="2238141"/>
-              </a:xfrm>
-              <a:prstGeom prst="plus">
-                <a:avLst>
-                  <a:gd name="adj" fmla="val 47174"/>
-                </a:avLst>
-              </a:prstGeom>
-              <a:solidFill>
-                <a:srgbClr val="FF0000"/>
-              </a:solidFill>
-              <a:ln>
-                <a:solidFill>
-                  <a:srgbClr val="C00000"/>
-                </a:solidFill>
-              </a:ln>
-            </p:spPr>
-            <p:style>
-              <a:lnRef idx="2">
-                <a:schemeClr val="accent1">
-                  <a:shade val="50000"/>
-                </a:schemeClr>
-              </a:lnRef>
-              <a:fillRef idx="1">
-                <a:schemeClr val="accent1"/>
-              </a:fillRef>
-              <a:effectRef idx="0">
-                <a:schemeClr val="accent1"/>
-              </a:effectRef>
-              <a:fontRef idx="minor">
-                <a:schemeClr val="lt1"/>
-              </a:fontRef>
-            </p:style>
-            <p:txBody>
-              <a:bodyPr rtlCol="0" anchor="ctr"/>
-              <a:lstStyle/>
-              <a:p>
-                <a:pPr algn="ctr"/>
-                <a:endParaRPr lang="de-DE"/>
-              </a:p>
-            </p:txBody>
-          </p:sp>
-        </p:grpSp>
-      </p:grpSp>
-      <p:grpSp>
-        <p:nvGrpSpPr>
-          <p:cNvPr id="52" name="Group 51"/>
-          <p:cNvGrpSpPr/>
-          <p:nvPr/>
-        </p:nvGrpSpPr>
-        <p:grpSpPr>
-          <a:xfrm>
-            <a:off x="9852504" y="3128790"/>
-            <a:ext cx="1554733" cy="592848"/>
-            <a:chOff x="2151794" y="398361"/>
-            <a:chExt cx="1639950" cy="592848"/>
-          </a:xfrm>
-        </p:grpSpPr>
-        <p:cxnSp>
-          <p:nvCxnSpPr>
-            <p:cNvPr id="63" name="Straight Arrow Connector 62"/>
-            <p:cNvCxnSpPr/>
-            <p:nvPr/>
-          </p:nvCxnSpPr>
-          <p:spPr>
-            <a:xfrm flipV="1">
-              <a:off x="2346123" y="980728"/>
-              <a:ext cx="1445621" cy="10481"/>
-            </a:xfrm>
-            <a:prstGeom prst="straightConnector1">
-              <a:avLst/>
-            </a:prstGeom>
-            <a:ln w="142875">
-              <a:solidFill>
-                <a:schemeClr val="tx1">
-                  <a:lumMod val="50000"/>
-                  <a:lumOff val="50000"/>
-                </a:schemeClr>
-              </a:solidFill>
-              <a:tailEnd type="triangle"/>
-            </a:ln>
-          </p:spPr>
-          <p:style>
-            <a:lnRef idx="1">
-              <a:schemeClr val="accent1"/>
-            </a:lnRef>
-            <a:fillRef idx="0">
-              <a:schemeClr val="accent1"/>
-            </a:fillRef>
-            <a:effectRef idx="0">
-              <a:schemeClr val="accent1"/>
-            </a:effectRef>
-            <a:fontRef idx="minor">
-              <a:schemeClr val="tx1"/>
-            </a:fontRef>
-          </p:style>
-        </p:cxnSp>
-        <p:sp>
-          <p:nvSpPr>
-            <p:cNvPr id="64" name="TextBox 63"/>
-            <p:cNvSpPr txBox="1"/>
-            <p:nvPr/>
-          </p:nvSpPr>
-          <p:spPr>
-            <a:xfrm>
-              <a:off x="2151794" y="398361"/>
-              <a:ext cx="1408522" cy="523220"/>
-            </a:xfrm>
-            <a:prstGeom prst="rect">
-              <a:avLst/>
-            </a:prstGeom>
-            <a:noFill/>
-          </p:spPr>
-          <p:txBody>
-            <a:bodyPr wrap="square" rtlCol="0">
-              <a:spAutoFit/>
-            </a:bodyPr>
-            <a:lstStyle/>
-            <a:p>
-              <a:pPr algn="ctr"/>
-              <a:r>
-                <a:rPr lang="en-US" sz="2800" b="1" dirty="0"/>
-                <a:t>open</a:t>
-              </a:r>
-              <a:endParaRPr lang="de-DE" sz="2800" b="1" dirty="0"/>
-            </a:p>
-          </p:txBody>
-        </p:sp>
-      </p:grpSp>
-      <p:grpSp>
-        <p:nvGrpSpPr>
-          <p:cNvPr id="65" name="Group 64"/>
-          <p:cNvGrpSpPr/>
-          <p:nvPr/>
-        </p:nvGrpSpPr>
-        <p:grpSpPr>
-          <a:xfrm rot="2145737">
-            <a:off x="9959800" y="4509335"/>
-            <a:ext cx="1747595" cy="562033"/>
-            <a:chOff x="2214063" y="429176"/>
-            <a:chExt cx="1577681" cy="562033"/>
-          </a:xfrm>
-        </p:grpSpPr>
-        <p:cxnSp>
-          <p:nvCxnSpPr>
-            <p:cNvPr id="75" name="Straight Arrow Connector 74"/>
-            <p:cNvCxnSpPr/>
-            <p:nvPr/>
-          </p:nvCxnSpPr>
-          <p:spPr>
-            <a:xfrm flipV="1">
-              <a:off x="2346123" y="980728"/>
-              <a:ext cx="1445621" cy="10481"/>
-            </a:xfrm>
-            <a:prstGeom prst="straightConnector1">
-              <a:avLst/>
-            </a:prstGeom>
-            <a:ln w="142875">
-              <a:solidFill>
-                <a:schemeClr val="tx1">
-                  <a:lumMod val="50000"/>
-                  <a:lumOff val="50000"/>
-                </a:schemeClr>
-              </a:solidFill>
-              <a:tailEnd type="triangle"/>
-            </a:ln>
-          </p:spPr>
-          <p:style>
-            <a:lnRef idx="1">
-              <a:schemeClr val="accent1"/>
-            </a:lnRef>
-            <a:fillRef idx="0">
-              <a:schemeClr val="accent1"/>
-            </a:fillRef>
-            <a:effectRef idx="0">
-              <a:schemeClr val="accent1"/>
-            </a:effectRef>
-            <a:fontRef idx="minor">
-              <a:schemeClr val="tx1"/>
-            </a:fontRef>
-          </p:style>
-        </p:cxnSp>
-        <p:sp>
-          <p:nvSpPr>
-            <p:cNvPr id="77" name="TextBox 76"/>
-            <p:cNvSpPr txBox="1"/>
-            <p:nvPr/>
-          </p:nvSpPr>
-          <p:spPr>
-            <a:xfrm>
-              <a:off x="2214063" y="429176"/>
-              <a:ext cx="1408522" cy="523220"/>
-            </a:xfrm>
-            <a:prstGeom prst="rect">
-              <a:avLst/>
-            </a:prstGeom>
-            <a:noFill/>
-          </p:spPr>
-          <p:txBody>
-            <a:bodyPr wrap="square" rtlCol="0">
-              <a:spAutoFit/>
-            </a:bodyPr>
-            <a:lstStyle/>
-            <a:p>
-              <a:pPr algn="ctr"/>
-              <a:r>
-                <a:rPr lang="en-US" sz="2800" b="1" dirty="0"/>
-                <a:t>logs</a:t>
-              </a:r>
-              <a:endParaRPr lang="de-DE" sz="2800" b="1" dirty="0"/>
-            </a:p>
-          </p:txBody>
-        </p:sp>
-      </p:grpSp>
-      <p:pic>
-        <p:nvPicPr>
-          <p:cNvPr id="3" name="Picture 2"/>
-          <p:cNvPicPr>
-            <a:picLocks noChangeAspect="1"/>
-          </p:cNvPicPr>
-          <p:nvPr/>
-        </p:nvPicPr>
-        <p:blipFill>
-          <a:blip r:embed="rId3">
-            <a:extLst>
-              <a:ext uri="{28A0092B-C50C-407E-A947-70E740481C1C}">
-                <a14:useLocalDpi xmlns:a14="http://schemas.microsoft.com/office/drawing/2010/main" val="0"/>
-              </a:ext>
-            </a:extLst>
-          </a:blip>
-          <a:stretch>
-            <a:fillRect/>
-          </a:stretch>
-        </p:blipFill>
-        <p:spPr>
-          <a:xfrm>
-            <a:off x="11544824" y="2853406"/>
-            <a:ext cx="2294064" cy="1436808"/>
-          </a:xfrm>
-          <a:prstGeom prst="rect">
-            <a:avLst/>
-          </a:prstGeom>
-        </p:spPr>
-      </p:pic>
-      <p:pic>
-        <p:nvPicPr>
-          <p:cNvPr id="1026" name="Picture 2" descr="Console showing log4J logs"/>
-          <p:cNvPicPr>
-            <a:picLocks noChangeAspect="1" noChangeArrowheads="1"/>
-          </p:cNvPicPr>
-          <p:nvPr/>
-        </p:nvPicPr>
-        <p:blipFill>
-          <a:blip r:embed="rId4">
-            <a:extLst>
-              <a:ext uri="{28A0092B-C50C-407E-A947-70E740481C1C}">
-                <a14:useLocalDpi xmlns:a14="http://schemas.microsoft.com/office/drawing/2010/main" val="0"/>
-              </a:ext>
-            </a:extLst>
-          </a:blip>
-          <a:srcRect/>
-          <a:stretch>
-            <a:fillRect/>
-          </a:stretch>
-        </p:blipFill>
-        <p:spPr bwMode="auto">
-          <a:xfrm>
-            <a:off x="11603642" y="4981153"/>
-            <a:ext cx="2241408" cy="1631745"/>
-          </a:xfrm>
-          <a:prstGeom prst="rect">
-            <a:avLst/>
-          </a:prstGeom>
-          <a:noFill/>
-          <a:extLst>
-            <a:ext uri="{909E8E84-426E-40DD-AFC4-6F175D3DCCD1}">
-              <a14:hiddenFill xmlns:a14="http://schemas.microsoft.com/office/drawing/2010/main">
-                <a:solidFill>
-                  <a:srgbClr val="FFFFFF"/>
-                </a:solidFill>
-              </a14:hiddenFill>
-            </a:ext>
-          </a:extLst>
-        </p:spPr>
-      </p:pic>
-      <p:grpSp>
-        <p:nvGrpSpPr>
-          <p:cNvPr id="23" name="Group 22"/>
-          <p:cNvGrpSpPr/>
-          <p:nvPr/>
-        </p:nvGrpSpPr>
-        <p:grpSpPr>
-          <a:xfrm rot="2019014">
-            <a:off x="6220420" y="3073224"/>
-            <a:ext cx="1560218" cy="962786"/>
-            <a:chOff x="6082866" y="1872306"/>
-            <a:chExt cx="1560218" cy="962786"/>
-          </a:xfrm>
-        </p:grpSpPr>
-        <p:grpSp>
-          <p:nvGrpSpPr>
-            <p:cNvPr id="69" name="Group 68"/>
-            <p:cNvGrpSpPr/>
-            <p:nvPr/>
-          </p:nvGrpSpPr>
-          <p:grpSpPr>
-            <a:xfrm rot="19611581">
-              <a:off x="6082866" y="1872306"/>
-              <a:ext cx="1560218" cy="962786"/>
-              <a:chOff x="2334271" y="318043"/>
-              <a:chExt cx="1408522" cy="962786"/>
-            </a:xfrm>
-          </p:grpSpPr>
-          <p:cxnSp>
-            <p:nvCxnSpPr>
-              <p:cNvPr id="70" name="Straight Arrow Connector 69"/>
-              <p:cNvCxnSpPr/>
-              <p:nvPr/>
-            </p:nvCxnSpPr>
-            <p:spPr>
-              <a:xfrm rot="21569405">
-                <a:off x="2417352" y="1280829"/>
-                <a:ext cx="1305142" cy="0"/>
-              </a:xfrm>
-              <a:prstGeom prst="straightConnector1">
-                <a:avLst/>
-              </a:prstGeom>
-              <a:ln w="142875">
-                <a:solidFill>
-                  <a:schemeClr val="tx1">
-                    <a:lumMod val="50000"/>
-                    <a:lumOff val="50000"/>
-                  </a:schemeClr>
-                </a:solidFill>
-                <a:tailEnd type="triangle"/>
-              </a:ln>
-            </p:spPr>
-            <p:style>
-              <a:lnRef idx="1">
-                <a:schemeClr val="accent1"/>
-              </a:lnRef>
-              <a:fillRef idx="0">
-                <a:schemeClr val="accent1"/>
-              </a:fillRef>
-              <a:effectRef idx="0">
-                <a:schemeClr val="accent1"/>
-              </a:effectRef>
-              <a:fontRef idx="minor">
-                <a:schemeClr val="tx1"/>
-              </a:fontRef>
-            </p:style>
-          </p:cxnSp>
-          <p:sp>
-            <p:nvSpPr>
-              <p:cNvPr id="71" name="TextBox 70"/>
-              <p:cNvSpPr txBox="1"/>
-              <p:nvPr/>
-            </p:nvSpPr>
-            <p:spPr>
-              <a:xfrm>
-                <a:off x="2334271" y="318043"/>
-                <a:ext cx="1408522" cy="523220"/>
-              </a:xfrm>
-              <a:prstGeom prst="rect">
-                <a:avLst/>
-              </a:prstGeom>
-              <a:noFill/>
-            </p:spPr>
-            <p:txBody>
-              <a:bodyPr wrap="square" rtlCol="0">
-                <a:spAutoFit/>
-              </a:bodyPr>
-              <a:lstStyle/>
-              <a:p>
-                <a:pPr algn="ctr"/>
-                <a:endParaRPr lang="de-DE" sz="2800" b="1" dirty="0"/>
-              </a:p>
-            </p:txBody>
-          </p:sp>
-        </p:grpSp>
-        <p:sp>
-          <p:nvSpPr>
-            <p:cNvPr id="81" name="TextBox 80"/>
-            <p:cNvSpPr txBox="1"/>
-            <p:nvPr/>
-          </p:nvSpPr>
-          <p:spPr>
-            <a:xfrm rot="19580986">
-              <a:off x="6232411" y="2229781"/>
-              <a:ext cx="1335331" cy="523220"/>
-            </a:xfrm>
-            <a:prstGeom prst="rect">
-              <a:avLst/>
-            </a:prstGeom>
-            <a:noFill/>
-          </p:spPr>
-          <p:txBody>
-            <a:bodyPr wrap="square" rtlCol="0">
-              <a:spAutoFit/>
-            </a:bodyPr>
-            <a:lstStyle/>
-            <a:p>
-              <a:pPr algn="ctr"/>
-              <a:r>
-                <a:rPr lang="en-US" sz="2800" b="1" dirty="0" smtClean="0"/>
-                <a:t>run</a:t>
-              </a:r>
-              <a:endParaRPr lang="de-DE" sz="2800" b="1" dirty="0"/>
-            </a:p>
-          </p:txBody>
-        </p:sp>
-      </p:grpSp>
-      <p:pic>
-        <p:nvPicPr>
-          <p:cNvPr id="85" name="Picture 2" descr="https://a0.awsstatic.com/main/images/logos/aws_logo.png"/>
-          <p:cNvPicPr>
-            <a:picLocks noChangeAspect="1" noChangeArrowheads="1"/>
-          </p:cNvPicPr>
-          <p:nvPr/>
-        </p:nvPicPr>
-        <p:blipFill>
-          <a:blip r:embed="rId5">
-            <a:extLst>
-              <a:ext uri="{28A0092B-C50C-407E-A947-70E740481C1C}">
-                <a14:useLocalDpi xmlns:a14="http://schemas.microsoft.com/office/drawing/2010/main" val="0"/>
-              </a:ext>
-            </a:extLst>
-          </a:blip>
-          <a:srcRect/>
-          <a:stretch>
-            <a:fillRect/>
-          </a:stretch>
-        </p:blipFill>
-        <p:spPr bwMode="auto">
-          <a:xfrm>
-            <a:off x="8944190" y="6833789"/>
-            <a:ext cx="1466377" cy="553964"/>
-          </a:xfrm>
-          <a:prstGeom prst="rect">
-            <a:avLst/>
-          </a:prstGeom>
-          <a:noFill/>
-          <a:extLst>
-            <a:ext uri="{909E8E84-426E-40DD-AFC4-6F175D3DCCD1}">
-              <a14:hiddenFill xmlns:a14="http://schemas.microsoft.com/office/drawing/2010/main">
-                <a:solidFill>
-                  <a:srgbClr val="FFFFFF"/>
-                </a:solidFill>
-              </a14:hiddenFill>
-            </a:ext>
-          </a:extLst>
-        </p:spPr>
-      </p:pic>
-      <p:grpSp>
-        <p:nvGrpSpPr>
-          <p:cNvPr id="18" name="Group 17"/>
-          <p:cNvGrpSpPr/>
-          <p:nvPr/>
-        </p:nvGrpSpPr>
-        <p:grpSpPr>
-          <a:xfrm>
-            <a:off x="7123670" y="-126049"/>
-            <a:ext cx="3239954" cy="2215991"/>
-            <a:chOff x="7477384" y="5317103"/>
-            <a:chExt cx="3239954" cy="2215991"/>
-          </a:xfrm>
-        </p:grpSpPr>
-        <p:sp>
-          <p:nvSpPr>
-            <p:cNvPr id="16" name="Rectangle 15"/>
-            <p:cNvSpPr/>
-            <p:nvPr/>
-          </p:nvSpPr>
-          <p:spPr>
-            <a:xfrm>
-              <a:off x="7926012" y="5317103"/>
-              <a:ext cx="2791326" cy="2215991"/>
-            </a:xfrm>
-            <a:prstGeom prst="rect">
-              <a:avLst/>
-            </a:prstGeom>
-          </p:spPr>
-          <p:txBody>
-            <a:bodyPr wrap="square">
-              <a:spAutoFit/>
-            </a:bodyPr>
-            <a:lstStyle/>
-            <a:p>
-              <a:r>
-                <a:rPr lang="de-DE" sz="13800" dirty="0">
-                  <a:solidFill>
-                    <a:schemeClr val="tx2">
-                      <a:lumMod val="60000"/>
-                      <a:lumOff val="40000"/>
-                    </a:schemeClr>
-                  </a:solidFill>
-                  <a:latin typeface="FontAwesome" pitchFamily="2" charset="0"/>
-                </a:rPr>
-                <a:t></a:t>
-              </a:r>
-              <a:endParaRPr lang="de-DE" sz="2400" dirty="0">
-                <a:latin typeface="FontAwesome" pitchFamily="2" charset="0"/>
-              </a:endParaRPr>
-            </a:p>
-          </p:txBody>
-        </p:sp>
-        <p:sp>
-          <p:nvSpPr>
-            <p:cNvPr id="17" name="Rectangle 16"/>
-            <p:cNvSpPr/>
-            <p:nvPr/>
-          </p:nvSpPr>
-          <p:spPr>
-            <a:xfrm>
-              <a:off x="8428894" y="5748821"/>
-              <a:ext cx="1050288" cy="1708160"/>
-            </a:xfrm>
-            <a:prstGeom prst="rect">
-              <a:avLst/>
-            </a:prstGeom>
-          </p:spPr>
-          <p:txBody>
-            <a:bodyPr wrap="none">
-              <a:spAutoFit/>
-            </a:bodyPr>
-            <a:lstStyle/>
-            <a:p>
-              <a:r>
-                <a:rPr lang="de-DE" sz="10500" dirty="0">
-                  <a:solidFill>
-                    <a:schemeClr val="tx2"/>
-                  </a:solidFill>
-                  <a:latin typeface="FontAwesome" pitchFamily="2" charset="0"/>
-                </a:rPr>
-                <a:t></a:t>
-              </a:r>
-              <a:endParaRPr lang="de-DE" sz="10500" dirty="0">
-                <a:solidFill>
-                  <a:schemeClr val="tx2"/>
-                </a:solidFill>
-              </a:endParaRPr>
-            </a:p>
-          </p:txBody>
-        </p:sp>
-        <p:sp>
-          <p:nvSpPr>
-            <p:cNvPr id="86" name="TextBox 85"/>
-            <p:cNvSpPr txBox="1"/>
-            <p:nvPr/>
-          </p:nvSpPr>
-          <p:spPr>
-            <a:xfrm>
-              <a:off x="7477384" y="6548681"/>
-              <a:ext cx="2953724" cy="400110"/>
-            </a:xfrm>
-            <a:prstGeom prst="rect">
-              <a:avLst/>
-            </a:prstGeom>
-            <a:noFill/>
-          </p:spPr>
-          <p:txBody>
-            <a:bodyPr wrap="square" rtlCol="0">
-              <a:spAutoFit/>
-            </a:bodyPr>
-            <a:lstStyle/>
-            <a:p>
-              <a:pPr algn="ctr"/>
-              <a:r>
-                <a:rPr lang="en-US" sz="2000" b="1" dirty="0" err="1">
-                  <a:solidFill>
-                    <a:schemeClr val="bg1"/>
-                  </a:solidFill>
-                </a:rPr>
-                <a:t>Boxfuse</a:t>
-              </a:r>
-              <a:r>
-                <a:rPr lang="en-US" sz="2000" b="1" dirty="0">
-                  <a:solidFill>
-                    <a:schemeClr val="bg1"/>
-                  </a:solidFill>
-                </a:rPr>
-                <a:t> Vault</a:t>
-              </a:r>
-              <a:endParaRPr lang="de-DE" sz="2000" b="1" dirty="0">
-                <a:solidFill>
-                  <a:schemeClr val="bg1"/>
-                </a:solidFill>
-              </a:endParaRPr>
-            </a:p>
-          </p:txBody>
-        </p:sp>
-      </p:grpSp>
-      <p:grpSp>
-        <p:nvGrpSpPr>
-          <p:cNvPr id="4" name="Group 3"/>
-          <p:cNvGrpSpPr/>
-          <p:nvPr/>
-        </p:nvGrpSpPr>
-        <p:grpSpPr>
-          <a:xfrm rot="16619105">
-            <a:off x="5632642" y="950897"/>
-            <a:ext cx="2158000" cy="1871099"/>
-            <a:chOff x="6193846" y="4323361"/>
-            <a:chExt cx="2158000" cy="1871099"/>
-          </a:xfrm>
-        </p:grpSpPr>
-        <p:grpSp>
-          <p:nvGrpSpPr>
-            <p:cNvPr id="82" name="Group 81"/>
-            <p:cNvGrpSpPr/>
-            <p:nvPr/>
-          </p:nvGrpSpPr>
-          <p:grpSpPr>
-            <a:xfrm rot="2175025">
-              <a:off x="6193846" y="4598766"/>
-              <a:ext cx="2158000" cy="1595694"/>
-              <a:chOff x="2386580" y="381655"/>
-              <a:chExt cx="1408522" cy="1595694"/>
-            </a:xfrm>
-          </p:grpSpPr>
-          <p:cxnSp>
-            <p:nvCxnSpPr>
-              <p:cNvPr id="83" name="Straight Arrow Connector 82"/>
-              <p:cNvCxnSpPr/>
-              <p:nvPr/>
-            </p:nvCxnSpPr>
-            <p:spPr>
-              <a:xfrm rot="2805870" flipV="1">
-                <a:off x="2177790" y="805057"/>
-                <a:ext cx="1595694" cy="748889"/>
-              </a:xfrm>
-              <a:prstGeom prst="straightConnector1">
-                <a:avLst/>
-              </a:prstGeom>
-              <a:ln w="142875">
-                <a:solidFill>
-                  <a:schemeClr val="tx1">
-                    <a:lumMod val="50000"/>
-                    <a:lumOff val="50000"/>
-                  </a:schemeClr>
-                </a:solidFill>
-                <a:tailEnd type="triangle"/>
-              </a:ln>
-            </p:spPr>
-            <p:style>
-              <a:lnRef idx="1">
-                <a:schemeClr val="accent1"/>
-              </a:lnRef>
-              <a:fillRef idx="0">
-                <a:schemeClr val="accent1"/>
-              </a:fillRef>
-              <a:effectRef idx="0">
-                <a:schemeClr val="accent1"/>
-              </a:effectRef>
-              <a:fontRef idx="minor">
-                <a:schemeClr val="tx1"/>
-              </a:fontRef>
-            </p:style>
-          </p:cxnSp>
-          <p:sp>
-            <p:nvSpPr>
-              <p:cNvPr id="84" name="TextBox 83"/>
-              <p:cNvSpPr txBox="1"/>
-              <p:nvPr/>
-            </p:nvSpPr>
-            <p:spPr>
-              <a:xfrm rot="587581">
-                <a:off x="2386580" y="412299"/>
-                <a:ext cx="1408522" cy="523220"/>
-              </a:xfrm>
-              <a:prstGeom prst="rect">
-                <a:avLst/>
-              </a:prstGeom>
-              <a:noFill/>
-            </p:spPr>
-            <p:txBody>
-              <a:bodyPr wrap="square" rtlCol="0">
-                <a:spAutoFit/>
-              </a:bodyPr>
-              <a:lstStyle/>
-              <a:p>
-                <a:pPr algn="ctr"/>
-                <a:endParaRPr lang="de-DE" sz="2800" b="1" dirty="0"/>
-              </a:p>
-            </p:txBody>
-          </p:sp>
-        </p:grpSp>
-        <p:sp>
-          <p:nvSpPr>
-            <p:cNvPr id="90" name="TextBox 89"/>
-            <p:cNvSpPr txBox="1"/>
-            <p:nvPr/>
-          </p:nvSpPr>
-          <p:spPr>
-            <a:xfrm rot="2888955">
-              <a:off x="6614341" y="4729417"/>
-              <a:ext cx="1335331" cy="523220"/>
-            </a:xfrm>
-            <a:prstGeom prst="rect">
-              <a:avLst/>
-            </a:prstGeom>
-            <a:noFill/>
-          </p:spPr>
-          <p:txBody>
-            <a:bodyPr wrap="square" rtlCol="0">
-              <a:spAutoFit/>
-            </a:bodyPr>
-            <a:lstStyle/>
-            <a:p>
-              <a:pPr algn="ctr"/>
-              <a:r>
-                <a:rPr lang="en-US" sz="2800" b="1" dirty="0"/>
-                <a:t>push</a:t>
-              </a:r>
-              <a:endParaRPr lang="de-DE" sz="2800" b="1" dirty="0"/>
-            </a:p>
-          </p:txBody>
-        </p:sp>
-      </p:grpSp>
-      <p:grpSp>
-        <p:nvGrpSpPr>
-          <p:cNvPr id="12" name="Group 11"/>
-          <p:cNvGrpSpPr/>
-          <p:nvPr/>
-        </p:nvGrpSpPr>
-        <p:grpSpPr>
-          <a:xfrm rot="17651277">
-            <a:off x="5756927" y="1995803"/>
-            <a:ext cx="2158000" cy="1172414"/>
-            <a:chOff x="6053845" y="5107898"/>
-            <a:chExt cx="2158000" cy="1172414"/>
-          </a:xfrm>
-        </p:grpSpPr>
-        <p:grpSp>
-          <p:nvGrpSpPr>
-            <p:cNvPr id="87" name="Group 86"/>
-            <p:cNvGrpSpPr/>
-            <p:nvPr/>
-          </p:nvGrpSpPr>
-          <p:grpSpPr>
-            <a:xfrm rot="12978250">
-              <a:off x="6053845" y="5107898"/>
-              <a:ext cx="2158000" cy="1089658"/>
-              <a:chOff x="2334271" y="318043"/>
-              <a:chExt cx="1408522" cy="1089658"/>
-            </a:xfrm>
-          </p:grpSpPr>
-          <p:cxnSp>
-            <p:nvCxnSpPr>
-              <p:cNvPr id="88" name="Straight Arrow Connector 87"/>
-              <p:cNvCxnSpPr/>
-              <p:nvPr/>
-            </p:nvCxnSpPr>
-            <p:spPr>
-              <a:xfrm rot="12570473" flipH="1">
-                <a:off x="2440716" y="440897"/>
-                <a:ext cx="937653" cy="966804"/>
-              </a:xfrm>
-              <a:prstGeom prst="straightConnector1">
-                <a:avLst/>
-              </a:prstGeom>
-              <a:ln w="142875">
-                <a:solidFill>
-                  <a:schemeClr val="tx1">
-                    <a:lumMod val="50000"/>
-                    <a:lumOff val="50000"/>
-                  </a:schemeClr>
-                </a:solidFill>
-                <a:tailEnd type="triangle"/>
-              </a:ln>
-            </p:spPr>
-            <p:style>
-              <a:lnRef idx="1">
-                <a:schemeClr val="accent1"/>
-              </a:lnRef>
-              <a:fillRef idx="0">
-                <a:schemeClr val="accent1"/>
-              </a:fillRef>
-              <a:effectRef idx="0">
-                <a:schemeClr val="accent1"/>
-              </a:effectRef>
-              <a:fontRef idx="minor">
-                <a:schemeClr val="tx1"/>
-              </a:fontRef>
-            </p:style>
-          </p:cxnSp>
-          <p:sp>
-            <p:nvSpPr>
-              <p:cNvPr id="89" name="TextBox 88"/>
-              <p:cNvSpPr txBox="1"/>
-              <p:nvPr/>
-            </p:nvSpPr>
-            <p:spPr>
-              <a:xfrm>
-                <a:off x="2334271" y="318043"/>
-                <a:ext cx="1408522" cy="523220"/>
-              </a:xfrm>
-              <a:prstGeom prst="rect">
-                <a:avLst/>
-              </a:prstGeom>
-              <a:noFill/>
-            </p:spPr>
-            <p:txBody>
-              <a:bodyPr wrap="square" rtlCol="0">
-                <a:spAutoFit/>
-              </a:bodyPr>
-              <a:lstStyle/>
-              <a:p>
-                <a:pPr algn="ctr"/>
-                <a:endParaRPr lang="de-DE" sz="2800" b="1" dirty="0"/>
-              </a:p>
-            </p:txBody>
-          </p:sp>
-        </p:grpSp>
-        <p:sp>
-          <p:nvSpPr>
-            <p:cNvPr id="91" name="TextBox 90"/>
-            <p:cNvSpPr txBox="1"/>
-            <p:nvPr/>
-          </p:nvSpPr>
-          <p:spPr>
-            <a:xfrm rot="1861538">
-              <a:off x="6613888" y="5757092"/>
-              <a:ext cx="1335331" cy="523220"/>
-            </a:xfrm>
-            <a:prstGeom prst="rect">
-              <a:avLst/>
-            </a:prstGeom>
-            <a:noFill/>
-          </p:spPr>
-          <p:txBody>
-            <a:bodyPr wrap="square" rtlCol="0">
-              <a:spAutoFit/>
-            </a:bodyPr>
-            <a:lstStyle/>
-            <a:p>
-              <a:pPr algn="ctr"/>
-              <a:r>
-                <a:rPr lang="en-US" sz="2800" b="1" dirty="0"/>
-                <a:t>pull</a:t>
-              </a:r>
-              <a:endParaRPr lang="de-DE" sz="2800" b="1" dirty="0"/>
-            </a:p>
-          </p:txBody>
-        </p:sp>
-      </p:grpSp>
-      <p:grpSp>
-        <p:nvGrpSpPr>
-          <p:cNvPr id="58" name="Group 57"/>
-          <p:cNvGrpSpPr/>
-          <p:nvPr/>
-        </p:nvGrpSpPr>
-        <p:grpSpPr>
-          <a:xfrm rot="2542460">
-            <a:off x="2685358" y="2530805"/>
-            <a:ext cx="1920481" cy="673166"/>
-            <a:chOff x="2334271" y="318043"/>
-            <a:chExt cx="1457473" cy="673166"/>
-          </a:xfrm>
-        </p:grpSpPr>
-        <p:cxnSp>
-          <p:nvCxnSpPr>
-            <p:cNvPr id="59" name="Straight Arrow Connector 58"/>
-            <p:cNvCxnSpPr/>
-            <p:nvPr/>
-          </p:nvCxnSpPr>
-          <p:spPr>
-            <a:xfrm flipV="1">
-              <a:off x="2346123" y="980728"/>
-              <a:ext cx="1445621" cy="10481"/>
-            </a:xfrm>
-            <a:prstGeom prst="straightConnector1">
-              <a:avLst/>
-            </a:prstGeom>
-            <a:ln w="142875">
-              <a:solidFill>
-                <a:schemeClr val="tx1">
-                  <a:lumMod val="50000"/>
-                  <a:lumOff val="50000"/>
-                </a:schemeClr>
-              </a:solidFill>
-              <a:tailEnd type="triangle"/>
-            </a:ln>
-          </p:spPr>
-          <p:style>
-            <a:lnRef idx="1">
-              <a:schemeClr val="accent1"/>
-            </a:lnRef>
-            <a:fillRef idx="0">
-              <a:schemeClr val="accent1"/>
-            </a:fillRef>
-            <a:effectRef idx="0">
-              <a:schemeClr val="accent1"/>
-            </a:effectRef>
-            <a:fontRef idx="minor">
-              <a:schemeClr val="tx1"/>
-            </a:fontRef>
-          </p:style>
-        </p:cxnSp>
-        <p:sp>
-          <p:nvSpPr>
-            <p:cNvPr id="60" name="TextBox 59"/>
-            <p:cNvSpPr txBox="1"/>
-            <p:nvPr/>
-          </p:nvSpPr>
-          <p:spPr>
-            <a:xfrm>
-              <a:off x="2334271" y="318043"/>
-              <a:ext cx="1408522" cy="523220"/>
-            </a:xfrm>
-            <a:prstGeom prst="rect">
-              <a:avLst/>
-            </a:prstGeom>
-            <a:noFill/>
-          </p:spPr>
-          <p:txBody>
-            <a:bodyPr wrap="square" rtlCol="0">
-              <a:spAutoFit/>
-            </a:bodyPr>
-            <a:lstStyle/>
-            <a:p>
-              <a:pPr algn="ctr"/>
-              <a:endParaRPr lang="de-DE" sz="2800" b="1" dirty="0"/>
-            </a:p>
-          </p:txBody>
-        </p:sp>
-      </p:grpSp>
-      <p:grpSp>
-        <p:nvGrpSpPr>
-          <p:cNvPr id="32" name="Group 31"/>
-          <p:cNvGrpSpPr/>
-          <p:nvPr/>
-        </p:nvGrpSpPr>
-        <p:grpSpPr>
-          <a:xfrm>
-            <a:off x="265977" y="2266599"/>
-            <a:ext cx="3320724" cy="1569660"/>
-            <a:chOff x="272155" y="308052"/>
-            <a:chExt cx="3320724" cy="1569661"/>
-          </a:xfrm>
-        </p:grpSpPr>
-        <p:sp>
-          <p:nvSpPr>
-            <p:cNvPr id="5" name="Rectangle 4"/>
-            <p:cNvSpPr/>
-            <p:nvPr/>
-          </p:nvSpPr>
-          <p:spPr>
-            <a:xfrm>
-              <a:off x="272155" y="308052"/>
-              <a:ext cx="3320724" cy="1569661"/>
-            </a:xfrm>
-            <a:prstGeom prst="rect">
-              <a:avLst/>
-            </a:prstGeom>
-            <a:ln>
-              <a:noFill/>
-            </a:ln>
-          </p:spPr>
-          <p:txBody>
-            <a:bodyPr wrap="square">
-              <a:spAutoFit/>
-            </a:bodyPr>
-            <a:lstStyle/>
-            <a:p>
-              <a:pPr algn="ctr"/>
-              <a:r>
-                <a:rPr lang="de-DE" sz="9600" dirty="0">
-                  <a:solidFill>
-                    <a:schemeClr val="tx2">
-                      <a:lumMod val="60000"/>
-                      <a:lumOff val="40000"/>
-                    </a:schemeClr>
-                  </a:solidFill>
-                  <a:latin typeface="FontAwesome" pitchFamily="2" charset="0"/>
-                </a:rPr>
-                <a:t></a:t>
-              </a:r>
-              <a:endParaRPr lang="de-DE" sz="9600" dirty="0">
-                <a:solidFill>
-                  <a:schemeClr val="tx2">
-                    <a:lumMod val="60000"/>
-                    <a:lumOff val="40000"/>
-                  </a:schemeClr>
-                </a:solidFill>
-              </a:endParaRPr>
-            </a:p>
-          </p:txBody>
-        </p:sp>
-        <p:sp>
-          <p:nvSpPr>
-            <p:cNvPr id="80" name="Rectangle 79"/>
-            <p:cNvSpPr/>
-            <p:nvPr/>
-          </p:nvSpPr>
-          <p:spPr>
-            <a:xfrm>
-              <a:off x="1505505" y="526031"/>
-              <a:ext cx="777777" cy="1200330"/>
-            </a:xfrm>
-            <a:prstGeom prst="rect">
-              <a:avLst/>
-            </a:prstGeom>
-          </p:spPr>
-          <p:txBody>
-            <a:bodyPr wrap="none">
-              <a:spAutoFit/>
-            </a:bodyPr>
-            <a:lstStyle/>
-            <a:p>
-              <a:r>
-                <a:rPr lang="de-DE" sz="7200" dirty="0">
-                  <a:solidFill>
-                    <a:schemeClr val="tx2"/>
-                  </a:solidFill>
-                  <a:latin typeface="FontAwesome" pitchFamily="2" charset="0"/>
-                </a:rPr>
-                <a:t></a:t>
-              </a:r>
-              <a:endParaRPr lang="de-DE" sz="7200" dirty="0">
-                <a:solidFill>
-                  <a:schemeClr val="tx2"/>
-                </a:solidFill>
-              </a:endParaRPr>
-            </a:p>
-          </p:txBody>
-        </p:sp>
-        <p:sp>
-          <p:nvSpPr>
-            <p:cNvPr id="28" name="TextBox 27"/>
-            <p:cNvSpPr txBox="1"/>
-            <p:nvPr/>
-          </p:nvSpPr>
-          <p:spPr>
-            <a:xfrm>
-              <a:off x="432189" y="953494"/>
-              <a:ext cx="2953723" cy="584775"/>
-            </a:xfrm>
-            <a:prstGeom prst="rect">
-              <a:avLst/>
-            </a:prstGeom>
-            <a:noFill/>
-          </p:spPr>
-          <p:txBody>
-            <a:bodyPr wrap="square" rtlCol="0">
-              <a:spAutoFit/>
-            </a:bodyPr>
-            <a:lstStyle/>
-            <a:p>
-              <a:pPr algn="ctr"/>
-              <a:r>
-                <a:rPr lang="en-US" sz="1600" b="1" dirty="0" err="1" smtClean="0">
-                  <a:solidFill>
-                    <a:schemeClr val="bg1"/>
-                  </a:solidFill>
-                </a:rPr>
-                <a:t>Boxfuse</a:t>
-              </a:r>
-              <a:endParaRPr lang="en-US" sz="1600" b="1" dirty="0">
-                <a:solidFill>
-                  <a:schemeClr val="bg1"/>
-                </a:solidFill>
-              </a:endParaRPr>
-            </a:p>
-            <a:p>
-              <a:pPr algn="ctr"/>
-              <a:r>
-                <a:rPr lang="en-US" sz="1600" b="1" dirty="0" smtClean="0">
-                  <a:solidFill>
-                    <a:schemeClr val="bg1"/>
-                  </a:solidFill>
-                </a:rPr>
-                <a:t>Inventory</a:t>
-              </a:r>
-              <a:endParaRPr lang="de-DE" sz="1600" b="1" dirty="0">
-                <a:solidFill>
-                  <a:schemeClr val="bg1"/>
-                </a:solidFill>
-              </a:endParaRPr>
-            </a:p>
-          </p:txBody>
-        </p:sp>
-      </p:grpSp>
-      <p:sp>
-        <p:nvSpPr>
-          <p:cNvPr id="93" name="Rounded Rectangle 92"/>
-          <p:cNvSpPr/>
-          <p:nvPr/>
-        </p:nvSpPr>
-        <p:spPr>
-          <a:xfrm>
-            <a:off x="1040524" y="520263"/>
-            <a:ext cx="1686910" cy="1901662"/>
-          </a:xfrm>
-          <a:prstGeom prst="roundRect">
-            <a:avLst/>
-          </a:prstGeom>
-          <a:noFill/>
-          <a:ln w="57150">
-            <a:solidFill>
-              <a:schemeClr val="bg1">
-                <a:lumMod val="50000"/>
-              </a:schemeClr>
-            </a:solidFill>
-            <a:prstDash val="dash"/>
-          </a:ln>
-        </p:spPr>
-        <p:style>
-          <a:lnRef idx="2">
-            <a:schemeClr val="accent1">
-              <a:shade val="50000"/>
-            </a:schemeClr>
-          </a:lnRef>
-          <a:fillRef idx="1">
-            <a:schemeClr val="accent1"/>
-          </a:fillRef>
-          <a:effectRef idx="0">
-            <a:schemeClr val="accent1"/>
-          </a:effectRef>
-          <a:fontRef idx="minor">
-            <a:schemeClr val="lt1"/>
-          </a:fontRef>
-        </p:style>
-        <p:txBody>
-          <a:bodyPr rtlCol="0" anchor="ctr"/>
-          <a:lstStyle/>
-          <a:p>
-            <a:pPr algn="ctr"/>
-            <a:endParaRPr lang="de-DE"/>
-          </a:p>
-        </p:txBody>
-      </p:sp>
-      <p:grpSp>
-        <p:nvGrpSpPr>
-          <p:cNvPr id="34" name="Group 33"/>
-          <p:cNvGrpSpPr/>
-          <p:nvPr/>
-        </p:nvGrpSpPr>
-        <p:grpSpPr>
-          <a:xfrm>
-            <a:off x="1155127" y="1575483"/>
-            <a:ext cx="1423555" cy="685800"/>
-            <a:chOff x="1155127" y="1365420"/>
-            <a:chExt cx="1423555" cy="685800"/>
-          </a:xfrm>
-        </p:grpSpPr>
-        <p:sp>
-          <p:nvSpPr>
-            <p:cNvPr id="33" name="Snip Diagonal Corner Rectangle 32"/>
-            <p:cNvSpPr/>
-            <p:nvPr/>
-          </p:nvSpPr>
-          <p:spPr>
-            <a:xfrm>
-              <a:off x="1167714" y="1365420"/>
-              <a:ext cx="1402491" cy="685800"/>
-            </a:xfrm>
-            <a:prstGeom prst="snip2DiagRect">
-              <a:avLst/>
-            </a:prstGeom>
-            <a:ln w="76200"/>
-          </p:spPr>
-          <p:style>
-            <a:lnRef idx="2">
-              <a:schemeClr val="accent4">
-                <a:shade val="50000"/>
-              </a:schemeClr>
-            </a:lnRef>
-            <a:fillRef idx="1">
-              <a:schemeClr val="accent4"/>
-            </a:fillRef>
-            <a:effectRef idx="0">
-              <a:schemeClr val="accent4"/>
-            </a:effectRef>
-            <a:fontRef idx="minor">
-              <a:schemeClr val="lt1"/>
-            </a:fontRef>
-          </p:style>
-          <p:txBody>
-            <a:bodyPr rtlCol="0" anchor="ctr"/>
-            <a:lstStyle/>
-            <a:p>
-              <a:pPr algn="ctr"/>
-              <a:endParaRPr lang="de-DE" dirty="0"/>
-            </a:p>
-          </p:txBody>
-        </p:sp>
-        <p:sp>
-          <p:nvSpPr>
-            <p:cNvPr id="95" name="TextBox 94"/>
-            <p:cNvSpPr txBox="1"/>
-            <p:nvPr/>
-          </p:nvSpPr>
-          <p:spPr>
-            <a:xfrm>
-              <a:off x="1155127" y="1506035"/>
-              <a:ext cx="1423555" cy="400110"/>
-            </a:xfrm>
-            <a:prstGeom prst="rect">
-              <a:avLst/>
-            </a:prstGeom>
-            <a:noFill/>
-            <a:ln w="76200">
-              <a:noFill/>
-            </a:ln>
-          </p:spPr>
-          <p:txBody>
-            <a:bodyPr wrap="square" rtlCol="0">
-              <a:spAutoFit/>
-            </a:bodyPr>
-            <a:lstStyle/>
-            <a:p>
-              <a:pPr algn="ctr"/>
-              <a:r>
-                <a:rPr lang="en-US" sz="2000" b="1" dirty="0" smtClean="0">
-                  <a:solidFill>
-                    <a:schemeClr val="bg1"/>
-                  </a:solidFill>
-                </a:rPr>
-                <a:t>Component</a:t>
-              </a:r>
-              <a:endParaRPr lang="de-DE" sz="2400" b="1" dirty="0">
-                <a:solidFill>
-                  <a:schemeClr val="bg1"/>
-                </a:solidFill>
-              </a:endParaRPr>
-            </a:p>
-          </p:txBody>
-        </p:sp>
-      </p:grpSp>
-      <p:grpSp>
-        <p:nvGrpSpPr>
-          <p:cNvPr id="42" name="Group 41"/>
-          <p:cNvGrpSpPr/>
-          <p:nvPr/>
-        </p:nvGrpSpPr>
-        <p:grpSpPr>
-          <a:xfrm>
-            <a:off x="1159246" y="720809"/>
-            <a:ext cx="1423555" cy="685800"/>
-            <a:chOff x="1159246" y="646669"/>
-            <a:chExt cx="1423555" cy="685800"/>
-          </a:xfrm>
-        </p:grpSpPr>
-        <p:sp>
-          <p:nvSpPr>
-            <p:cNvPr id="96" name="Snip Diagonal Corner Rectangle 95"/>
-            <p:cNvSpPr/>
-            <p:nvPr/>
-          </p:nvSpPr>
-          <p:spPr>
-            <a:xfrm>
-              <a:off x="1171833" y="646669"/>
-              <a:ext cx="1402491" cy="685800"/>
-            </a:xfrm>
-            <a:prstGeom prst="snip2DiagRect">
-              <a:avLst/>
-            </a:prstGeom>
-            <a:ln w="76200"/>
-          </p:spPr>
-          <p:style>
-            <a:lnRef idx="2">
-              <a:schemeClr val="accent4">
-                <a:shade val="50000"/>
-              </a:schemeClr>
-            </a:lnRef>
-            <a:fillRef idx="1">
-              <a:schemeClr val="accent4"/>
-            </a:fillRef>
-            <a:effectRef idx="0">
-              <a:schemeClr val="accent4"/>
-            </a:effectRef>
-            <a:fontRef idx="minor">
-              <a:schemeClr val="lt1"/>
-            </a:fontRef>
-          </p:style>
-          <p:txBody>
-            <a:bodyPr rtlCol="0" anchor="ctr"/>
-            <a:lstStyle/>
-            <a:p>
-              <a:pPr algn="ctr"/>
-              <a:endParaRPr lang="de-DE" dirty="0"/>
-            </a:p>
-          </p:txBody>
-        </p:sp>
-        <p:sp>
-          <p:nvSpPr>
-            <p:cNvPr id="97" name="TextBox 96"/>
-            <p:cNvSpPr txBox="1"/>
-            <p:nvPr/>
-          </p:nvSpPr>
-          <p:spPr>
-            <a:xfrm>
-              <a:off x="1159246" y="793462"/>
-              <a:ext cx="1423555" cy="400110"/>
-            </a:xfrm>
-            <a:prstGeom prst="rect">
-              <a:avLst/>
-            </a:prstGeom>
-            <a:noFill/>
-            <a:ln w="76200">
-              <a:noFill/>
-            </a:ln>
-          </p:spPr>
-          <p:txBody>
-            <a:bodyPr wrap="square" rtlCol="0">
-              <a:spAutoFit/>
-            </a:bodyPr>
-            <a:lstStyle/>
-            <a:p>
-              <a:pPr algn="ctr"/>
-              <a:r>
-                <a:rPr lang="en-US" sz="2000" b="1" dirty="0" smtClean="0">
-                  <a:solidFill>
-                    <a:schemeClr val="bg1"/>
-                  </a:solidFill>
-                </a:rPr>
-                <a:t>Component</a:t>
-              </a:r>
-              <a:endParaRPr lang="de-DE" sz="2400" b="1" dirty="0">
-                <a:solidFill>
-                  <a:schemeClr val="bg1"/>
-                </a:solidFill>
-              </a:endParaRPr>
-            </a:p>
-          </p:txBody>
-        </p:sp>
-      </p:grpSp>
-    </p:spTree>
-    <p:extLst>
-      <p:ext uri="{BB962C8B-B14F-4D97-AF65-F5344CB8AC3E}">
-        <p14:creationId xmlns:p14="http://schemas.microsoft.com/office/powerpoint/2010/main" val="970494482"/>
       </p:ext>
     </p:extLst>
   </p:cSld>

--- a/_sources/GettingStarted.pptx
+++ b/_sources/GettingStarted.pptx
@@ -256,7 +256,7 @@
           <a:p>
             <a:fld id="{9AA7D095-A676-4F6B-9416-D65D798F5244}" type="datetimeFigureOut">
               <a:rPr lang="de-DE" smtClean="0"/>
-              <a:t>11.04.2015</a:t>
+              <a:t>15.04.2015</a:t>
             </a:fld>
             <a:endParaRPr lang="de-DE"/>
           </a:p>
@@ -426,7 +426,7 @@
           <a:p>
             <a:fld id="{9AA7D095-A676-4F6B-9416-D65D798F5244}" type="datetimeFigureOut">
               <a:rPr lang="de-DE" smtClean="0"/>
-              <a:t>11.04.2015</a:t>
+              <a:t>15.04.2015</a:t>
             </a:fld>
             <a:endParaRPr lang="de-DE"/>
           </a:p>
@@ -606,7 +606,7 @@
           <a:p>
             <a:fld id="{9AA7D095-A676-4F6B-9416-D65D798F5244}" type="datetimeFigureOut">
               <a:rPr lang="de-DE" smtClean="0"/>
-              <a:t>11.04.2015</a:t>
+              <a:t>15.04.2015</a:t>
             </a:fld>
             <a:endParaRPr lang="de-DE"/>
           </a:p>
@@ -776,7 +776,7 @@
           <a:p>
             <a:fld id="{9AA7D095-A676-4F6B-9416-D65D798F5244}" type="datetimeFigureOut">
               <a:rPr lang="de-DE" smtClean="0"/>
-              <a:t>11.04.2015</a:t>
+              <a:t>15.04.2015</a:t>
             </a:fld>
             <a:endParaRPr lang="de-DE"/>
           </a:p>
@@ -1022,7 +1022,7 @@
           <a:p>
             <a:fld id="{9AA7D095-A676-4F6B-9416-D65D798F5244}" type="datetimeFigureOut">
               <a:rPr lang="de-DE" smtClean="0"/>
-              <a:t>11.04.2015</a:t>
+              <a:t>15.04.2015</a:t>
             </a:fld>
             <a:endParaRPr lang="de-DE"/>
           </a:p>
@@ -1254,7 +1254,7 @@
           <a:p>
             <a:fld id="{9AA7D095-A676-4F6B-9416-D65D798F5244}" type="datetimeFigureOut">
               <a:rPr lang="de-DE" smtClean="0"/>
-              <a:t>11.04.2015</a:t>
+              <a:t>15.04.2015</a:t>
             </a:fld>
             <a:endParaRPr lang="de-DE"/>
           </a:p>
@@ -1621,7 +1621,7 @@
           <a:p>
             <a:fld id="{9AA7D095-A676-4F6B-9416-D65D798F5244}" type="datetimeFigureOut">
               <a:rPr lang="de-DE" smtClean="0"/>
-              <a:t>11.04.2015</a:t>
+              <a:t>15.04.2015</a:t>
             </a:fld>
             <a:endParaRPr lang="de-DE"/>
           </a:p>
@@ -1739,7 +1739,7 @@
           <a:p>
             <a:fld id="{9AA7D095-A676-4F6B-9416-D65D798F5244}" type="datetimeFigureOut">
               <a:rPr lang="de-DE" smtClean="0"/>
-              <a:t>11.04.2015</a:t>
+              <a:t>15.04.2015</a:t>
             </a:fld>
             <a:endParaRPr lang="de-DE"/>
           </a:p>
@@ -1834,7 +1834,7 @@
           <a:p>
             <a:fld id="{9AA7D095-A676-4F6B-9416-D65D798F5244}" type="datetimeFigureOut">
               <a:rPr lang="de-DE" smtClean="0"/>
-              <a:t>11.04.2015</a:t>
+              <a:t>15.04.2015</a:t>
             </a:fld>
             <a:endParaRPr lang="de-DE"/>
           </a:p>
@@ -2111,7 +2111,7 @@
           <a:p>
             <a:fld id="{9AA7D095-A676-4F6B-9416-D65D798F5244}" type="datetimeFigureOut">
               <a:rPr lang="de-DE" smtClean="0"/>
-              <a:t>11.04.2015</a:t>
+              <a:t>15.04.2015</a:t>
             </a:fld>
             <a:endParaRPr lang="de-DE"/>
           </a:p>
@@ -2368,7 +2368,7 @@
           <a:p>
             <a:fld id="{9AA7D095-A676-4F6B-9416-D65D798F5244}" type="datetimeFigureOut">
               <a:rPr lang="de-DE" smtClean="0"/>
-              <a:t>11.04.2015</a:t>
+              <a:t>15.04.2015</a:t>
             </a:fld>
             <a:endParaRPr lang="de-DE"/>
           </a:p>
@@ -2581,7 +2581,7 @@
           <a:p>
             <a:fld id="{9AA7D095-A676-4F6B-9416-D65D798F5244}" type="datetimeFigureOut">
               <a:rPr lang="de-DE" smtClean="0"/>
-              <a:t>11.04.2015</a:t>
+              <a:t>15.04.2015</a:t>
             </a:fld>
             <a:endParaRPr lang="de-DE"/>
           </a:p>
@@ -14226,10 +14226,10 @@
         </p:nvGrpSpPr>
         <p:grpSpPr>
           <a:xfrm>
-            <a:off x="9574339" y="3521515"/>
-            <a:ext cx="2486527" cy="2282669"/>
-            <a:chOff x="6356047" y="3933826"/>
-            <a:chExt cx="2863679" cy="1409700"/>
+            <a:off x="10421009" y="4443499"/>
+            <a:ext cx="1765988" cy="1360685"/>
+            <a:chOff x="6081914" y="3933826"/>
+            <a:chExt cx="3411961" cy="1409700"/>
           </a:xfrm>
           <a:solidFill>
             <a:schemeClr val="accent1">
@@ -14293,8 +14293,8 @@
           </p:nvSpPr>
           <p:spPr>
             <a:xfrm>
-              <a:off x="6356047" y="4172392"/>
-              <a:ext cx="2863679" cy="935473"/>
+              <a:off x="6081914" y="4139724"/>
+              <a:ext cx="3411961" cy="1120955"/>
             </a:xfrm>
             <a:prstGeom prst="ellipse">
               <a:avLst/>
@@ -14312,14 +14312,14 @@
             <a:p>
               <a:pPr algn="ctr"/>
               <a:r>
-                <a:rPr lang="en-US" sz="3200" b="1" dirty="0">
+                <a:rPr lang="en-US" sz="2200" b="1" dirty="0">
                   <a:solidFill>
                     <a:schemeClr val="bg1"/>
                   </a:solidFill>
                 </a:rPr>
                 <a:t>Bootable App</a:t>
               </a:r>
-              <a:endParaRPr lang="de-DE" sz="3200" b="1" dirty="0">
+              <a:endParaRPr lang="de-DE" sz="2200" b="1" dirty="0">
                 <a:solidFill>
                   <a:schemeClr val="bg1"/>
                 </a:solidFill>
@@ -14336,8 +14336,8 @@
         </p:nvGrpSpPr>
         <p:grpSpPr>
           <a:xfrm>
-            <a:off x="2677235" y="12984"/>
-            <a:ext cx="3105150" cy="5791199"/>
+            <a:off x="204944" y="12984"/>
+            <a:ext cx="5896303" cy="5791199"/>
             <a:chOff x="6448425" y="3933826"/>
             <a:chExt cx="2628900" cy="1409700"/>
           </a:xfrm>
@@ -14402,8 +14402,8 @@
           </p:nvSpPr>
           <p:spPr>
             <a:xfrm>
-              <a:off x="6496810" y="4492603"/>
-              <a:ext cx="2524067" cy="292185"/>
+              <a:off x="6496810" y="4534818"/>
+              <a:ext cx="2524067" cy="202282"/>
             </a:xfrm>
             <a:prstGeom prst="rect">
               <a:avLst/>
@@ -14418,14 +14418,14 @@
             <a:p>
               <a:pPr algn="ctr"/>
               <a:r>
-                <a:rPr lang="en-US" sz="3600" b="1" dirty="0">
+                <a:rPr lang="en-US" sz="4800" b="1" dirty="0">
                   <a:solidFill>
                     <a:schemeClr val="bg1"/>
                   </a:solidFill>
                 </a:rPr>
                 <a:t>Machine Image</a:t>
               </a:r>
-              <a:endParaRPr lang="de-DE" sz="3600" b="1" dirty="0">
+              <a:endParaRPr lang="de-DE" sz="4800" b="1" dirty="0">
                 <a:solidFill>
                   <a:schemeClr val="bg1"/>
                 </a:solidFill>
@@ -14442,7 +14442,7 @@
         </p:nvSpPr>
         <p:spPr>
           <a:xfrm>
-            <a:off x="2323306" y="5864497"/>
+            <a:off x="1314306" y="5864497"/>
             <a:ext cx="3801979" cy="1323439"/>
           </a:xfrm>
           <a:prstGeom prst="rect">
@@ -14491,7 +14491,7 @@
         </p:nvSpPr>
         <p:spPr>
           <a:xfrm>
-            <a:off x="7697412" y="5923440"/>
+            <a:off x="8249210" y="5923440"/>
             <a:ext cx="6136103" cy="1323439"/>
           </a:xfrm>
           <a:prstGeom prst="rect">
@@ -14514,7 +14514,27 @@
                   </a:schemeClr>
                 </a:solidFill>
               </a:rPr>
-              <a:t>Boxfuse Micro OS</a:t>
+              <a:t>Boxfuse </a:t>
+            </a:r>
+            <a:r>
+              <a:rPr lang="en-US" sz="4000" b="1" dirty="0" smtClean="0">
+                <a:solidFill>
+                  <a:schemeClr val="bg1">
+                    <a:lumMod val="50000"/>
+                  </a:schemeClr>
+                </a:solidFill>
+              </a:rPr>
+              <a:t>Secure Micro </a:t>
+            </a:r>
+            <a:r>
+              <a:rPr lang="en-US" sz="4000" b="1" dirty="0">
+                <a:solidFill>
+                  <a:schemeClr val="bg1">
+                    <a:lumMod val="50000"/>
+                  </a:schemeClr>
+                </a:solidFill>
+              </a:rPr>
+              <a:t>OS</a:t>
             </a:r>
           </a:p>
           <a:p>

--- a/_sources/GettingStarted.pptx
+++ b/_sources/GettingStarted.pptx
@@ -19,6 +19,8 @@
     <p:sldId id="266" r:id="rId13"/>
     <p:sldId id="267" r:id="rId14"/>
     <p:sldId id="268" r:id="rId15"/>
+    <p:sldId id="270" r:id="rId16"/>
+    <p:sldId id="271" r:id="rId17"/>
   </p:sldIdLst>
   <p:sldSz cx="14400213" cy="7559675"/>
   <p:notesSz cx="6858000" cy="9144000"/>
@@ -256,7 +258,7 @@
           <a:p>
             <a:fld id="{9AA7D095-A676-4F6B-9416-D65D798F5244}" type="datetimeFigureOut">
               <a:rPr lang="de-DE" smtClean="0"/>
-              <a:t>15.04.2015</a:t>
+              <a:t>25.04.2015</a:t>
             </a:fld>
             <a:endParaRPr lang="de-DE"/>
           </a:p>
@@ -426,7 +428,7 @@
           <a:p>
             <a:fld id="{9AA7D095-A676-4F6B-9416-D65D798F5244}" type="datetimeFigureOut">
               <a:rPr lang="de-DE" smtClean="0"/>
-              <a:t>15.04.2015</a:t>
+              <a:t>25.04.2015</a:t>
             </a:fld>
             <a:endParaRPr lang="de-DE"/>
           </a:p>
@@ -606,7 +608,7 @@
           <a:p>
             <a:fld id="{9AA7D095-A676-4F6B-9416-D65D798F5244}" type="datetimeFigureOut">
               <a:rPr lang="de-DE" smtClean="0"/>
-              <a:t>15.04.2015</a:t>
+              <a:t>25.04.2015</a:t>
             </a:fld>
             <a:endParaRPr lang="de-DE"/>
           </a:p>
@@ -776,7 +778,7 @@
           <a:p>
             <a:fld id="{9AA7D095-A676-4F6B-9416-D65D798F5244}" type="datetimeFigureOut">
               <a:rPr lang="de-DE" smtClean="0"/>
-              <a:t>15.04.2015</a:t>
+              <a:t>25.04.2015</a:t>
             </a:fld>
             <a:endParaRPr lang="de-DE"/>
           </a:p>
@@ -1022,7 +1024,7 @@
           <a:p>
             <a:fld id="{9AA7D095-A676-4F6B-9416-D65D798F5244}" type="datetimeFigureOut">
               <a:rPr lang="de-DE" smtClean="0"/>
-              <a:t>15.04.2015</a:t>
+              <a:t>25.04.2015</a:t>
             </a:fld>
             <a:endParaRPr lang="de-DE"/>
           </a:p>
@@ -1254,7 +1256,7 @@
           <a:p>
             <a:fld id="{9AA7D095-A676-4F6B-9416-D65D798F5244}" type="datetimeFigureOut">
               <a:rPr lang="de-DE" smtClean="0"/>
-              <a:t>15.04.2015</a:t>
+              <a:t>25.04.2015</a:t>
             </a:fld>
             <a:endParaRPr lang="de-DE"/>
           </a:p>
@@ -1621,7 +1623,7 @@
           <a:p>
             <a:fld id="{9AA7D095-A676-4F6B-9416-D65D798F5244}" type="datetimeFigureOut">
               <a:rPr lang="de-DE" smtClean="0"/>
-              <a:t>15.04.2015</a:t>
+              <a:t>25.04.2015</a:t>
             </a:fld>
             <a:endParaRPr lang="de-DE"/>
           </a:p>
@@ -1739,7 +1741,7 @@
           <a:p>
             <a:fld id="{9AA7D095-A676-4F6B-9416-D65D798F5244}" type="datetimeFigureOut">
               <a:rPr lang="de-DE" smtClean="0"/>
-              <a:t>15.04.2015</a:t>
+              <a:t>25.04.2015</a:t>
             </a:fld>
             <a:endParaRPr lang="de-DE"/>
           </a:p>
@@ -1834,7 +1836,7 @@
           <a:p>
             <a:fld id="{9AA7D095-A676-4F6B-9416-D65D798F5244}" type="datetimeFigureOut">
               <a:rPr lang="de-DE" smtClean="0"/>
-              <a:t>15.04.2015</a:t>
+              <a:t>25.04.2015</a:t>
             </a:fld>
             <a:endParaRPr lang="de-DE"/>
           </a:p>
@@ -2111,7 +2113,7 @@
           <a:p>
             <a:fld id="{9AA7D095-A676-4F6B-9416-D65D798F5244}" type="datetimeFigureOut">
               <a:rPr lang="de-DE" smtClean="0"/>
-              <a:t>15.04.2015</a:t>
+              <a:t>25.04.2015</a:t>
             </a:fld>
             <a:endParaRPr lang="de-DE"/>
           </a:p>
@@ -2368,7 +2370,7 @@
           <a:p>
             <a:fld id="{9AA7D095-A676-4F6B-9416-D65D798F5244}" type="datetimeFigureOut">
               <a:rPr lang="de-DE" smtClean="0"/>
-              <a:t>15.04.2015</a:t>
+              <a:t>25.04.2015</a:t>
             </a:fld>
             <a:endParaRPr lang="de-DE"/>
           </a:p>
@@ -2581,7 +2583,7 @@
           <a:p>
             <a:fld id="{9AA7D095-A676-4F6B-9416-D65D798F5244}" type="datetimeFigureOut">
               <a:rPr lang="de-DE" smtClean="0"/>
-              <a:t>15.04.2015</a:t>
+              <a:t>25.04.2015</a:t>
             </a:fld>
             <a:endParaRPr lang="de-DE"/>
           </a:p>
@@ -8115,122 +8117,137 @@
           </a:p>
         </p:txBody>
       </p:sp>
-      <p:sp>
-        <p:nvSpPr>
-          <p:cNvPr id="62" name="Rectangle 61"/>
-          <p:cNvSpPr/>
+      <p:grpSp>
+        <p:nvGrpSpPr>
+          <p:cNvPr id="2" name="Group 1"/>
+          <p:cNvGrpSpPr/>
           <p:nvPr/>
-        </p:nvSpPr>
-        <p:spPr>
+        </p:nvGrpSpPr>
+        <p:grpSpPr>
           <a:xfrm>
-            <a:off x="3901828" y="-91038"/>
-            <a:ext cx="2791326" cy="2215991"/>
-          </a:xfrm>
-          <a:prstGeom prst="rect">
-            <a:avLst/>
-          </a:prstGeom>
-        </p:spPr>
-        <p:txBody>
-          <a:bodyPr wrap="square">
-            <a:spAutoFit/>
-          </a:bodyPr>
-          <a:lstStyle/>
-          <a:p>
-            <a:r>
-              <a:rPr lang="de-DE" sz="13800" dirty="0">
-                <a:solidFill>
-                  <a:schemeClr val="tx2">
-                    <a:lumMod val="60000"/>
-                    <a:lumOff val="40000"/>
-                  </a:schemeClr>
-                </a:solidFill>
+            <a:off x="3453200" y="-91038"/>
+            <a:ext cx="3239954" cy="2215991"/>
+            <a:chOff x="3453200" y="-91038"/>
+            <a:chExt cx="3239954" cy="2215991"/>
+          </a:xfrm>
+        </p:grpSpPr>
+        <p:sp>
+          <p:nvSpPr>
+            <p:cNvPr id="62" name="Rectangle 61"/>
+            <p:cNvSpPr/>
+            <p:nvPr/>
+          </p:nvSpPr>
+          <p:spPr>
+            <a:xfrm>
+              <a:off x="3901828" y="-91038"/>
+              <a:ext cx="2791326" cy="2215991"/>
+            </a:xfrm>
+            <a:prstGeom prst="rect">
+              <a:avLst/>
+            </a:prstGeom>
+          </p:spPr>
+          <p:txBody>
+            <a:bodyPr wrap="square">
+              <a:spAutoFit/>
+            </a:bodyPr>
+            <a:lstStyle/>
+            <a:p>
+              <a:r>
+                <a:rPr lang="de-DE" sz="13800" dirty="0">
+                  <a:solidFill>
+                    <a:schemeClr val="tx2">
+                      <a:lumMod val="60000"/>
+                      <a:lumOff val="40000"/>
+                    </a:schemeClr>
+                  </a:solidFill>
+                  <a:latin typeface="FontAwesome" pitchFamily="2" charset="0"/>
+                </a:rPr>
+                <a:t></a:t>
+              </a:r>
+              <a:endParaRPr lang="de-DE" sz="2400" dirty="0">
                 <a:latin typeface="FontAwesome" pitchFamily="2" charset="0"/>
-              </a:rPr>
-              <a:t></a:t>
-            </a:r>
-            <a:endParaRPr lang="de-DE" sz="2400" dirty="0">
-              <a:latin typeface="FontAwesome" pitchFamily="2" charset="0"/>
-            </a:endParaRPr>
-          </a:p>
-        </p:txBody>
-      </p:sp>
-      <p:sp>
-        <p:nvSpPr>
-          <p:cNvPr id="66" name="Rectangle 65"/>
-          <p:cNvSpPr/>
-          <p:nvPr/>
-        </p:nvSpPr>
-        <p:spPr>
-          <a:xfrm>
-            <a:off x="4404710" y="340680"/>
-            <a:ext cx="1050288" cy="1708160"/>
-          </a:xfrm>
-          <a:prstGeom prst="rect">
-            <a:avLst/>
-          </a:prstGeom>
-        </p:spPr>
-        <p:txBody>
-          <a:bodyPr wrap="none">
-            <a:spAutoFit/>
-          </a:bodyPr>
-          <a:lstStyle/>
-          <a:p>
-            <a:r>
-              <a:rPr lang="de-DE" sz="10500" dirty="0">
+              </a:endParaRPr>
+            </a:p>
+          </p:txBody>
+        </p:sp>
+        <p:sp>
+          <p:nvSpPr>
+            <p:cNvPr id="66" name="Rectangle 65"/>
+            <p:cNvSpPr/>
+            <p:nvPr/>
+          </p:nvSpPr>
+          <p:spPr>
+            <a:xfrm>
+              <a:off x="4404710" y="340680"/>
+              <a:ext cx="1050288" cy="1708160"/>
+            </a:xfrm>
+            <a:prstGeom prst="rect">
+              <a:avLst/>
+            </a:prstGeom>
+          </p:spPr>
+          <p:txBody>
+            <a:bodyPr wrap="none">
+              <a:spAutoFit/>
+            </a:bodyPr>
+            <a:lstStyle/>
+            <a:p>
+              <a:r>
+                <a:rPr lang="de-DE" sz="10500" dirty="0">
+                  <a:solidFill>
+                    <a:schemeClr val="tx2"/>
+                  </a:solidFill>
+                  <a:latin typeface="FontAwesome" pitchFamily="2" charset="0"/>
+                </a:rPr>
+                <a:t></a:t>
+              </a:r>
+              <a:endParaRPr lang="de-DE" sz="10500" dirty="0">
                 <a:solidFill>
                   <a:schemeClr val="tx2"/>
                 </a:solidFill>
-                <a:latin typeface="FontAwesome" pitchFamily="2" charset="0"/>
-              </a:rPr>
-              <a:t></a:t>
-            </a:r>
-            <a:endParaRPr lang="de-DE" sz="10500" dirty="0">
-              <a:solidFill>
-                <a:schemeClr val="tx2"/>
-              </a:solidFill>
-            </a:endParaRPr>
-          </a:p>
-        </p:txBody>
-      </p:sp>
-      <p:sp>
-        <p:nvSpPr>
-          <p:cNvPr id="68" name="TextBox 67"/>
-          <p:cNvSpPr txBox="1"/>
-          <p:nvPr/>
-        </p:nvSpPr>
-        <p:spPr>
-          <a:xfrm>
-            <a:off x="3453200" y="1140540"/>
-            <a:ext cx="2953724" cy="400110"/>
-          </a:xfrm>
-          <a:prstGeom prst="rect">
-            <a:avLst/>
-          </a:prstGeom>
-          <a:noFill/>
-        </p:spPr>
-        <p:txBody>
-          <a:bodyPr wrap="square" rtlCol="0">
-            <a:spAutoFit/>
-          </a:bodyPr>
-          <a:lstStyle/>
-          <a:p>
-            <a:pPr algn="ctr"/>
-            <a:r>
-              <a:rPr lang="en-US" sz="2000" b="1" dirty="0">
+              </a:endParaRPr>
+            </a:p>
+          </p:txBody>
+        </p:sp>
+        <p:sp>
+          <p:nvSpPr>
+            <p:cNvPr id="68" name="TextBox 67"/>
+            <p:cNvSpPr txBox="1"/>
+            <p:nvPr/>
+          </p:nvSpPr>
+          <p:spPr>
+            <a:xfrm>
+              <a:off x="3453200" y="1140540"/>
+              <a:ext cx="2953724" cy="400110"/>
+            </a:xfrm>
+            <a:prstGeom prst="rect">
+              <a:avLst/>
+            </a:prstGeom>
+            <a:noFill/>
+          </p:spPr>
+          <p:txBody>
+            <a:bodyPr wrap="square" rtlCol="0">
+              <a:spAutoFit/>
+            </a:bodyPr>
+            <a:lstStyle/>
+            <a:p>
+              <a:pPr algn="ctr"/>
+              <a:r>
+                <a:rPr lang="en-US" sz="2000" b="1" dirty="0">
+                  <a:solidFill>
+                    <a:schemeClr val="bg1"/>
+                  </a:solidFill>
+                </a:rPr>
+                <a:t>Boxfuse Vault</a:t>
+              </a:r>
+              <a:endParaRPr lang="de-DE" sz="2000" b="1" dirty="0">
                 <a:solidFill>
                   <a:schemeClr val="bg1"/>
                 </a:solidFill>
-              </a:rPr>
-              <a:t>Boxfuse Vault</a:t>
-            </a:r>
-            <a:endParaRPr lang="de-DE" sz="2000" b="1" dirty="0">
-              <a:solidFill>
-                <a:schemeClr val="bg1"/>
-              </a:solidFill>
-            </a:endParaRPr>
-          </a:p>
-        </p:txBody>
-      </p:sp>
+              </a:endParaRPr>
+            </a:p>
+          </p:txBody>
+        </p:sp>
+      </p:grpSp>
       <p:grpSp>
         <p:nvGrpSpPr>
           <p:cNvPr id="101" name="Group 100"/>
@@ -8519,6 +8536,1130 @@
     <p:extLst>
       <p:ext uri="{BB962C8B-B14F-4D97-AF65-F5344CB8AC3E}">
         <p14:creationId xmlns:p14="http://schemas.microsoft.com/office/powerpoint/2010/main" val="94253552"/>
+      </p:ext>
+    </p:extLst>
+  </p:cSld>
+  <p:clrMapOvr>
+    <a:masterClrMapping/>
+  </p:clrMapOvr>
+  <p:timing>
+    <p:tnLst>
+      <p:par>
+        <p:cTn id="1" dur="indefinite" restart="never" nodeType="tmRoot"/>
+      </p:par>
+    </p:tnLst>
+  </p:timing>
+</p:sld>
+</file>
+
+<file path=ppt/slides/slide15.xml><?xml version="1.0" encoding="utf-8"?>
+<p:sld xmlns:a="http://schemas.openxmlformats.org/drawingml/2006/main" xmlns:r="http://schemas.openxmlformats.org/officeDocument/2006/relationships" xmlns:p="http://schemas.openxmlformats.org/presentationml/2006/main">
+  <p:cSld>
+    <p:spTree>
+      <p:nvGrpSpPr>
+        <p:cNvPr id="1" name=""/>
+        <p:cNvGrpSpPr/>
+        <p:nvPr/>
+      </p:nvGrpSpPr>
+      <p:grpSpPr>
+        <a:xfrm>
+          <a:off x="0" y="0"/>
+          <a:ext cx="0" cy="0"/>
+          <a:chOff x="0" y="0"/>
+          <a:chExt cx="0" cy="0"/>
+        </a:xfrm>
+      </p:grpSpPr>
+      <p:pic>
+        <p:nvPicPr>
+          <p:cNvPr id="5" name="Picture 4"/>
+          <p:cNvPicPr>
+            <a:picLocks noChangeAspect="1"/>
+          </p:cNvPicPr>
+          <p:nvPr/>
+        </p:nvPicPr>
+        <p:blipFill>
+          <a:blip r:embed="rId2">
+            <a:extLst>
+              <a:ext uri="{28A0092B-C50C-407E-A947-70E740481C1C}">
+                <a14:useLocalDpi xmlns:a14="http://schemas.microsoft.com/office/drawing/2010/main" val="0"/>
+              </a:ext>
+            </a:extLst>
+          </a:blip>
+          <a:stretch>
+            <a:fillRect/>
+          </a:stretch>
+        </p:blipFill>
+        <p:spPr>
+          <a:xfrm>
+            <a:off x="636688" y="2546776"/>
+            <a:ext cx="514422" cy="952633"/>
+          </a:xfrm>
+          <a:prstGeom prst="rect">
+            <a:avLst/>
+          </a:prstGeom>
+        </p:spPr>
+      </p:pic>
+      <p:pic>
+        <p:nvPicPr>
+          <p:cNvPr id="6" name="Picture 5"/>
+          <p:cNvPicPr>
+            <a:picLocks noChangeAspect="1"/>
+          </p:cNvPicPr>
+          <p:nvPr/>
+        </p:nvPicPr>
+        <p:blipFill>
+          <a:blip r:embed="rId3">
+            <a:extLst>
+              <a:ext uri="{28A0092B-C50C-407E-A947-70E740481C1C}">
+                <a14:useLocalDpi xmlns:a14="http://schemas.microsoft.com/office/drawing/2010/main" val="0"/>
+              </a:ext>
+            </a:extLst>
+          </a:blip>
+          <a:stretch>
+            <a:fillRect/>
+          </a:stretch>
+        </p:blipFill>
+        <p:spPr>
+          <a:xfrm>
+            <a:off x="488731" y="1281764"/>
+            <a:ext cx="788468" cy="914623"/>
+          </a:xfrm>
+          <a:prstGeom prst="rect">
+            <a:avLst/>
+          </a:prstGeom>
+        </p:spPr>
+      </p:pic>
+      <p:pic>
+        <p:nvPicPr>
+          <p:cNvPr id="7" name="Picture 6"/>
+          <p:cNvPicPr>
+            <a:picLocks noChangeAspect="1"/>
+          </p:cNvPicPr>
+          <p:nvPr/>
+        </p:nvPicPr>
+        <p:blipFill>
+          <a:blip r:embed="rId4">
+            <a:extLst>
+              <a:ext uri="{28A0092B-C50C-407E-A947-70E740481C1C}">
+                <a14:useLocalDpi xmlns:a14="http://schemas.microsoft.com/office/drawing/2010/main" val="0"/>
+              </a:ext>
+            </a:extLst>
+          </a:blip>
+          <a:stretch>
+            <a:fillRect/>
+          </a:stretch>
+        </p:blipFill>
+        <p:spPr>
+          <a:xfrm>
+            <a:off x="561954" y="3901939"/>
+            <a:ext cx="695422" cy="1143160"/>
+          </a:xfrm>
+          <a:prstGeom prst="rect">
+            <a:avLst/>
+          </a:prstGeom>
+        </p:spPr>
+      </p:pic>
+      <p:pic>
+        <p:nvPicPr>
+          <p:cNvPr id="9" name="Picture 8"/>
+          <p:cNvPicPr>
+            <a:picLocks noChangeAspect="1"/>
+          </p:cNvPicPr>
+          <p:nvPr/>
+        </p:nvPicPr>
+        <p:blipFill>
+          <a:blip r:embed="rId5">
+            <a:extLst>
+              <a:ext uri="{28A0092B-C50C-407E-A947-70E740481C1C}">
+                <a14:useLocalDpi xmlns:a14="http://schemas.microsoft.com/office/drawing/2010/main" val="0"/>
+              </a:ext>
+            </a:extLst>
+          </a:blip>
+          <a:stretch>
+            <a:fillRect/>
+          </a:stretch>
+        </p:blipFill>
+        <p:spPr>
+          <a:xfrm>
+            <a:off x="9854185" y="3878844"/>
+            <a:ext cx="1538745" cy="615498"/>
+          </a:xfrm>
+          <a:prstGeom prst="rect">
+            <a:avLst/>
+          </a:prstGeom>
+        </p:spPr>
+      </p:pic>
+      <p:pic>
+        <p:nvPicPr>
+          <p:cNvPr id="10" name="Picture 9"/>
+          <p:cNvPicPr>
+            <a:picLocks noChangeAspect="1"/>
+          </p:cNvPicPr>
+          <p:nvPr/>
+        </p:nvPicPr>
+        <p:blipFill>
+          <a:blip r:embed="rId6">
+            <a:extLst>
+              <a:ext uri="{28A0092B-C50C-407E-A947-70E740481C1C}">
+                <a14:useLocalDpi xmlns:a14="http://schemas.microsoft.com/office/drawing/2010/main" val="0"/>
+              </a:ext>
+            </a:extLst>
+          </a:blip>
+          <a:stretch>
+            <a:fillRect/>
+          </a:stretch>
+        </p:blipFill>
+        <p:spPr>
+          <a:xfrm>
+            <a:off x="7351291" y="1428916"/>
+            <a:ext cx="809738" cy="952633"/>
+          </a:xfrm>
+          <a:prstGeom prst="rect">
+            <a:avLst/>
+          </a:prstGeom>
+        </p:spPr>
+      </p:pic>
+      <p:grpSp>
+        <p:nvGrpSpPr>
+          <p:cNvPr id="11" name="Group 10"/>
+          <p:cNvGrpSpPr/>
+          <p:nvPr/>
+        </p:nvGrpSpPr>
+        <p:grpSpPr>
+          <a:xfrm>
+            <a:off x="1395783" y="2499274"/>
+            <a:ext cx="1155887" cy="673166"/>
+            <a:chOff x="2334271" y="318043"/>
+            <a:chExt cx="1457473" cy="673166"/>
+          </a:xfrm>
+        </p:grpSpPr>
+        <p:cxnSp>
+          <p:nvCxnSpPr>
+            <p:cNvPr id="12" name="Straight Arrow Connector 11"/>
+            <p:cNvCxnSpPr/>
+            <p:nvPr/>
+          </p:nvCxnSpPr>
+          <p:spPr>
+            <a:xfrm flipV="1">
+              <a:off x="2346123" y="980728"/>
+              <a:ext cx="1445621" cy="10481"/>
+            </a:xfrm>
+            <a:prstGeom prst="straightConnector1">
+              <a:avLst/>
+            </a:prstGeom>
+            <a:ln w="142875">
+              <a:solidFill>
+                <a:schemeClr val="tx1">
+                  <a:lumMod val="50000"/>
+                  <a:lumOff val="50000"/>
+                </a:schemeClr>
+              </a:solidFill>
+              <a:tailEnd type="triangle"/>
+            </a:ln>
+          </p:spPr>
+          <p:style>
+            <a:lnRef idx="1">
+              <a:schemeClr val="accent1"/>
+            </a:lnRef>
+            <a:fillRef idx="0">
+              <a:schemeClr val="accent1"/>
+            </a:fillRef>
+            <a:effectRef idx="0">
+              <a:schemeClr val="accent1"/>
+            </a:effectRef>
+            <a:fontRef idx="minor">
+              <a:schemeClr val="tx1"/>
+            </a:fontRef>
+          </p:style>
+        </p:cxnSp>
+        <p:sp>
+          <p:nvSpPr>
+            <p:cNvPr id="13" name="TextBox 12"/>
+            <p:cNvSpPr txBox="1"/>
+            <p:nvPr/>
+          </p:nvSpPr>
+          <p:spPr>
+            <a:xfrm>
+              <a:off x="2334271" y="318043"/>
+              <a:ext cx="1408522" cy="523220"/>
+            </a:xfrm>
+            <a:prstGeom prst="rect">
+              <a:avLst/>
+            </a:prstGeom>
+            <a:noFill/>
+          </p:spPr>
+          <p:txBody>
+            <a:bodyPr wrap="square" rtlCol="0">
+              <a:spAutoFit/>
+            </a:bodyPr>
+            <a:lstStyle/>
+            <a:p>
+              <a:pPr algn="ctr"/>
+              <a:endParaRPr lang="de-DE" sz="2800" b="1" dirty="0"/>
+            </a:p>
+          </p:txBody>
+        </p:sp>
+      </p:grpSp>
+      <p:grpSp>
+        <p:nvGrpSpPr>
+          <p:cNvPr id="14" name="Group 13"/>
+          <p:cNvGrpSpPr/>
+          <p:nvPr/>
+        </p:nvGrpSpPr>
+        <p:grpSpPr>
+          <a:xfrm rot="1893237">
+            <a:off x="1484536" y="1840598"/>
+            <a:ext cx="1288610" cy="673166"/>
+            <a:chOff x="2334271" y="318043"/>
+            <a:chExt cx="1457473" cy="673166"/>
+          </a:xfrm>
+        </p:grpSpPr>
+        <p:cxnSp>
+          <p:nvCxnSpPr>
+            <p:cNvPr id="15" name="Straight Arrow Connector 14"/>
+            <p:cNvCxnSpPr/>
+            <p:nvPr/>
+          </p:nvCxnSpPr>
+          <p:spPr>
+            <a:xfrm flipV="1">
+              <a:off x="2346123" y="980728"/>
+              <a:ext cx="1445621" cy="10481"/>
+            </a:xfrm>
+            <a:prstGeom prst="straightConnector1">
+              <a:avLst/>
+            </a:prstGeom>
+            <a:ln w="142875">
+              <a:solidFill>
+                <a:schemeClr val="tx1">
+                  <a:lumMod val="50000"/>
+                  <a:lumOff val="50000"/>
+                </a:schemeClr>
+              </a:solidFill>
+              <a:tailEnd type="triangle"/>
+            </a:ln>
+          </p:spPr>
+          <p:style>
+            <a:lnRef idx="1">
+              <a:schemeClr val="accent1"/>
+            </a:lnRef>
+            <a:fillRef idx="0">
+              <a:schemeClr val="accent1"/>
+            </a:fillRef>
+            <a:effectRef idx="0">
+              <a:schemeClr val="accent1"/>
+            </a:effectRef>
+            <a:fontRef idx="minor">
+              <a:schemeClr val="tx1"/>
+            </a:fontRef>
+          </p:style>
+        </p:cxnSp>
+        <p:sp>
+          <p:nvSpPr>
+            <p:cNvPr id="16" name="TextBox 15"/>
+            <p:cNvSpPr txBox="1"/>
+            <p:nvPr/>
+          </p:nvSpPr>
+          <p:spPr>
+            <a:xfrm>
+              <a:off x="2334271" y="318043"/>
+              <a:ext cx="1408522" cy="523220"/>
+            </a:xfrm>
+            <a:prstGeom prst="rect">
+              <a:avLst/>
+            </a:prstGeom>
+            <a:noFill/>
+          </p:spPr>
+          <p:txBody>
+            <a:bodyPr wrap="square" rtlCol="0">
+              <a:spAutoFit/>
+            </a:bodyPr>
+            <a:lstStyle/>
+            <a:p>
+              <a:pPr algn="ctr"/>
+              <a:endParaRPr lang="de-DE" sz="2800" b="1" dirty="0"/>
+            </a:p>
+          </p:txBody>
+        </p:sp>
+      </p:grpSp>
+      <p:grpSp>
+        <p:nvGrpSpPr>
+          <p:cNvPr id="17" name="Group 16"/>
+          <p:cNvGrpSpPr/>
+          <p:nvPr/>
+        </p:nvGrpSpPr>
+        <p:grpSpPr>
+          <a:xfrm rot="19944874">
+            <a:off x="1230853" y="3238515"/>
+            <a:ext cx="1237567" cy="673166"/>
+            <a:chOff x="2334271" y="318043"/>
+            <a:chExt cx="1457473" cy="673166"/>
+          </a:xfrm>
+        </p:grpSpPr>
+        <p:cxnSp>
+          <p:nvCxnSpPr>
+            <p:cNvPr id="18" name="Straight Arrow Connector 17"/>
+            <p:cNvCxnSpPr/>
+            <p:nvPr/>
+          </p:nvCxnSpPr>
+          <p:spPr>
+            <a:xfrm flipV="1">
+              <a:off x="2346123" y="980728"/>
+              <a:ext cx="1445621" cy="10481"/>
+            </a:xfrm>
+            <a:prstGeom prst="straightConnector1">
+              <a:avLst/>
+            </a:prstGeom>
+            <a:ln w="142875">
+              <a:solidFill>
+                <a:schemeClr val="tx1">
+                  <a:lumMod val="50000"/>
+                  <a:lumOff val="50000"/>
+                </a:schemeClr>
+              </a:solidFill>
+              <a:tailEnd type="triangle"/>
+            </a:ln>
+          </p:spPr>
+          <p:style>
+            <a:lnRef idx="1">
+              <a:schemeClr val="accent1"/>
+            </a:lnRef>
+            <a:fillRef idx="0">
+              <a:schemeClr val="accent1"/>
+            </a:fillRef>
+            <a:effectRef idx="0">
+              <a:schemeClr val="accent1"/>
+            </a:effectRef>
+            <a:fontRef idx="minor">
+              <a:schemeClr val="tx1"/>
+            </a:fontRef>
+          </p:style>
+        </p:cxnSp>
+        <p:sp>
+          <p:nvSpPr>
+            <p:cNvPr id="19" name="TextBox 18"/>
+            <p:cNvSpPr txBox="1"/>
+            <p:nvPr/>
+          </p:nvSpPr>
+          <p:spPr>
+            <a:xfrm>
+              <a:off x="2334271" y="318043"/>
+              <a:ext cx="1408522" cy="523220"/>
+            </a:xfrm>
+            <a:prstGeom prst="rect">
+              <a:avLst/>
+            </a:prstGeom>
+            <a:noFill/>
+          </p:spPr>
+          <p:txBody>
+            <a:bodyPr wrap="square" rtlCol="0">
+              <a:spAutoFit/>
+            </a:bodyPr>
+            <a:lstStyle/>
+            <a:p>
+              <a:pPr algn="ctr"/>
+              <a:endParaRPr lang="de-DE" sz="2800" b="1" dirty="0"/>
+            </a:p>
+          </p:txBody>
+        </p:sp>
+      </p:grpSp>
+      <p:pic>
+        <p:nvPicPr>
+          <p:cNvPr id="1026" name="Picture 2" descr="Boxfuse"/>
+          <p:cNvPicPr>
+            <a:picLocks noChangeAspect="1" noChangeArrowheads="1"/>
+          </p:cNvPicPr>
+          <p:nvPr/>
+        </p:nvPicPr>
+        <p:blipFill rotWithShape="1">
+          <a:blip r:embed="rId7">
+            <a:extLst>
+              <a:ext uri="{28A0092B-C50C-407E-A947-70E740481C1C}">
+                <a14:useLocalDpi xmlns:a14="http://schemas.microsoft.com/office/drawing/2010/main" val="0"/>
+              </a:ext>
+            </a:extLst>
+          </a:blip>
+          <a:srcRect l="15312" r="15715" b="25189"/>
+          <a:stretch/>
+        </p:blipFill>
+        <p:spPr bwMode="auto">
+          <a:xfrm>
+            <a:off x="2617203" y="2576385"/>
+            <a:ext cx="1139251" cy="1235676"/>
+          </a:xfrm>
+          <a:prstGeom prst="rect">
+            <a:avLst/>
+          </a:prstGeom>
+          <a:noFill/>
+          <a:extLst>
+            <a:ext uri="{909E8E84-426E-40DD-AFC4-6F175D3DCCD1}">
+              <a14:hiddenFill xmlns:a14="http://schemas.microsoft.com/office/drawing/2010/main">
+                <a:solidFill>
+                  <a:srgbClr val="FFFFFF"/>
+                </a:solidFill>
+              </a14:hiddenFill>
+            </a:ext>
+          </a:extLst>
+        </p:spPr>
+      </p:pic>
+      <p:grpSp>
+        <p:nvGrpSpPr>
+          <p:cNvPr id="25" name="Group 24"/>
+          <p:cNvGrpSpPr/>
+          <p:nvPr/>
+        </p:nvGrpSpPr>
+        <p:grpSpPr>
+          <a:xfrm>
+            <a:off x="3815647" y="2478679"/>
+            <a:ext cx="1151769" cy="673166"/>
+            <a:chOff x="2334271" y="318043"/>
+            <a:chExt cx="1457473" cy="673166"/>
+          </a:xfrm>
+        </p:grpSpPr>
+        <p:cxnSp>
+          <p:nvCxnSpPr>
+            <p:cNvPr id="26" name="Straight Arrow Connector 25"/>
+            <p:cNvCxnSpPr/>
+            <p:nvPr/>
+          </p:nvCxnSpPr>
+          <p:spPr>
+            <a:xfrm flipV="1">
+              <a:off x="2346123" y="980728"/>
+              <a:ext cx="1445621" cy="10481"/>
+            </a:xfrm>
+            <a:prstGeom prst="straightConnector1">
+              <a:avLst/>
+            </a:prstGeom>
+            <a:ln w="142875">
+              <a:solidFill>
+                <a:schemeClr val="tx1">
+                  <a:lumMod val="50000"/>
+                  <a:lumOff val="50000"/>
+                </a:schemeClr>
+              </a:solidFill>
+              <a:tailEnd type="triangle"/>
+            </a:ln>
+          </p:spPr>
+          <p:style>
+            <a:lnRef idx="1">
+              <a:schemeClr val="accent1"/>
+            </a:lnRef>
+            <a:fillRef idx="0">
+              <a:schemeClr val="accent1"/>
+            </a:fillRef>
+            <a:effectRef idx="0">
+              <a:schemeClr val="accent1"/>
+            </a:effectRef>
+            <a:fontRef idx="minor">
+              <a:schemeClr val="tx1"/>
+            </a:fontRef>
+          </p:style>
+        </p:cxnSp>
+        <p:sp>
+          <p:nvSpPr>
+            <p:cNvPr id="27" name="TextBox 26"/>
+            <p:cNvSpPr txBox="1"/>
+            <p:nvPr/>
+          </p:nvSpPr>
+          <p:spPr>
+            <a:xfrm>
+              <a:off x="2334271" y="318043"/>
+              <a:ext cx="1408522" cy="523220"/>
+            </a:xfrm>
+            <a:prstGeom prst="rect">
+              <a:avLst/>
+            </a:prstGeom>
+            <a:noFill/>
+          </p:spPr>
+          <p:txBody>
+            <a:bodyPr wrap="square" rtlCol="0">
+              <a:spAutoFit/>
+            </a:bodyPr>
+            <a:lstStyle/>
+            <a:p>
+              <a:pPr algn="ctr"/>
+              <a:endParaRPr lang="de-DE" sz="2800" b="1" dirty="0"/>
+            </a:p>
+          </p:txBody>
+        </p:sp>
+      </p:grpSp>
+      <p:sp>
+        <p:nvSpPr>
+          <p:cNvPr id="28" name="Rounded Rectangle 25"/>
+          <p:cNvSpPr/>
+          <p:nvPr/>
+        </p:nvSpPr>
+        <p:spPr>
+          <a:xfrm>
+            <a:off x="5140411" y="2668364"/>
+            <a:ext cx="963911" cy="963908"/>
+          </a:xfrm>
+          <a:prstGeom prst="ellipse">
+            <a:avLst/>
+          </a:prstGeom>
+          <a:solidFill>
+            <a:schemeClr val="accent1">
+              <a:lumMod val="75000"/>
+            </a:schemeClr>
+          </a:solidFill>
+          <a:ln w="76200">
+            <a:solidFill>
+              <a:schemeClr val="accent1">
+                <a:lumMod val="50000"/>
+              </a:schemeClr>
+            </a:solidFill>
+          </a:ln>
+        </p:spPr>
+        <p:style>
+          <a:lnRef idx="2">
+            <a:schemeClr val="accent1">
+              <a:shade val="50000"/>
+            </a:schemeClr>
+          </a:lnRef>
+          <a:fillRef idx="1">
+            <a:schemeClr val="accent1"/>
+          </a:fillRef>
+          <a:effectRef idx="0">
+            <a:schemeClr val="accent1"/>
+          </a:effectRef>
+          <a:fontRef idx="minor">
+            <a:schemeClr val="lt1"/>
+          </a:fontRef>
+        </p:style>
+        <p:txBody>
+          <a:bodyPr rtlCol="0" anchor="ctr"/>
+          <a:lstStyle/>
+          <a:p>
+            <a:pPr algn="ctr"/>
+            <a:r>
+              <a:rPr lang="en-US" sz="1400" b="1" dirty="0" smtClean="0"/>
+              <a:t>Image</a:t>
+            </a:r>
+            <a:endParaRPr lang="de-DE" sz="1400" b="1" dirty="0"/>
+          </a:p>
+        </p:txBody>
+      </p:sp>
+      <p:sp>
+        <p:nvSpPr>
+          <p:cNvPr id="29" name="TextBox 28"/>
+          <p:cNvSpPr txBox="1"/>
+          <p:nvPr/>
+        </p:nvSpPr>
+        <p:spPr>
+          <a:xfrm>
+            <a:off x="4967416" y="3624649"/>
+            <a:ext cx="1346885" cy="1015663"/>
+          </a:xfrm>
+          <a:prstGeom prst="rect">
+            <a:avLst/>
+          </a:prstGeom>
+          <a:noFill/>
+        </p:spPr>
+        <p:txBody>
+          <a:bodyPr wrap="square" rtlCol="0">
+            <a:spAutoFit/>
+          </a:bodyPr>
+          <a:lstStyle/>
+          <a:p>
+            <a:pPr algn="ctr"/>
+            <a:r>
+              <a:rPr lang="en-US" sz="2000" dirty="0" smtClean="0">
+                <a:solidFill>
+                  <a:schemeClr val="tx1">
+                    <a:lumMod val="50000"/>
+                    <a:lumOff val="50000"/>
+                  </a:schemeClr>
+                </a:solidFill>
+              </a:rPr>
+              <a:t>Minimal</a:t>
+            </a:r>
+          </a:p>
+          <a:p>
+            <a:pPr algn="ctr"/>
+            <a:r>
+              <a:rPr lang="en-US" sz="2000" dirty="0" smtClean="0">
+                <a:solidFill>
+                  <a:schemeClr val="tx1">
+                    <a:lumMod val="50000"/>
+                    <a:lumOff val="50000"/>
+                  </a:schemeClr>
+                </a:solidFill>
+              </a:rPr>
+              <a:t>Secure</a:t>
+            </a:r>
+          </a:p>
+          <a:p>
+            <a:pPr algn="ctr"/>
+            <a:r>
+              <a:rPr lang="en-US" sz="2000" dirty="0" smtClean="0">
+                <a:solidFill>
+                  <a:schemeClr val="tx1">
+                    <a:lumMod val="50000"/>
+                    <a:lumOff val="50000"/>
+                  </a:schemeClr>
+                </a:solidFill>
+              </a:rPr>
+              <a:t>Portable</a:t>
+            </a:r>
+            <a:endParaRPr lang="de-DE" sz="2000" dirty="0">
+              <a:solidFill>
+                <a:schemeClr val="tx1">
+                  <a:lumMod val="50000"/>
+                  <a:lumOff val="50000"/>
+                </a:schemeClr>
+              </a:solidFill>
+            </a:endParaRPr>
+          </a:p>
+        </p:txBody>
+      </p:sp>
+      <p:grpSp>
+        <p:nvGrpSpPr>
+          <p:cNvPr id="33" name="Group 32"/>
+          <p:cNvGrpSpPr/>
+          <p:nvPr/>
+        </p:nvGrpSpPr>
+        <p:grpSpPr>
+          <a:xfrm rot="19944874">
+            <a:off x="5986145" y="1908104"/>
+            <a:ext cx="1237567" cy="673166"/>
+            <a:chOff x="2334271" y="318043"/>
+            <a:chExt cx="1457473" cy="673166"/>
+          </a:xfrm>
+        </p:grpSpPr>
+        <p:cxnSp>
+          <p:nvCxnSpPr>
+            <p:cNvPr id="34" name="Straight Arrow Connector 33"/>
+            <p:cNvCxnSpPr/>
+            <p:nvPr/>
+          </p:nvCxnSpPr>
+          <p:spPr>
+            <a:xfrm flipV="1">
+              <a:off x="2346123" y="980728"/>
+              <a:ext cx="1445621" cy="10481"/>
+            </a:xfrm>
+            <a:prstGeom prst="straightConnector1">
+              <a:avLst/>
+            </a:prstGeom>
+            <a:ln w="142875">
+              <a:solidFill>
+                <a:schemeClr val="tx1">
+                  <a:lumMod val="50000"/>
+                  <a:lumOff val="50000"/>
+                </a:schemeClr>
+              </a:solidFill>
+              <a:tailEnd type="triangle"/>
+            </a:ln>
+          </p:spPr>
+          <p:style>
+            <a:lnRef idx="1">
+              <a:schemeClr val="accent1"/>
+            </a:lnRef>
+            <a:fillRef idx="0">
+              <a:schemeClr val="accent1"/>
+            </a:fillRef>
+            <a:effectRef idx="0">
+              <a:schemeClr val="accent1"/>
+            </a:effectRef>
+            <a:fontRef idx="minor">
+              <a:schemeClr val="tx1"/>
+            </a:fontRef>
+          </p:style>
+        </p:cxnSp>
+        <p:sp>
+          <p:nvSpPr>
+            <p:cNvPr id="35" name="TextBox 34"/>
+            <p:cNvSpPr txBox="1"/>
+            <p:nvPr/>
+          </p:nvSpPr>
+          <p:spPr>
+            <a:xfrm>
+              <a:off x="2334271" y="318043"/>
+              <a:ext cx="1408522" cy="523220"/>
+            </a:xfrm>
+            <a:prstGeom prst="rect">
+              <a:avLst/>
+            </a:prstGeom>
+            <a:noFill/>
+          </p:spPr>
+          <p:txBody>
+            <a:bodyPr wrap="square" rtlCol="0">
+              <a:spAutoFit/>
+            </a:bodyPr>
+            <a:lstStyle/>
+            <a:p>
+              <a:pPr algn="ctr"/>
+              <a:endParaRPr lang="de-DE" sz="2800" b="1" dirty="0"/>
+            </a:p>
+          </p:txBody>
+        </p:sp>
+      </p:grpSp>
+      <p:grpSp>
+        <p:nvGrpSpPr>
+          <p:cNvPr id="36" name="Group 35"/>
+          <p:cNvGrpSpPr/>
+          <p:nvPr/>
+        </p:nvGrpSpPr>
+        <p:grpSpPr>
+          <a:xfrm rot="1893237">
+            <a:off x="6332504" y="3074215"/>
+            <a:ext cx="1288610" cy="673166"/>
+            <a:chOff x="2334271" y="318043"/>
+            <a:chExt cx="1457473" cy="673166"/>
+          </a:xfrm>
+        </p:grpSpPr>
+        <p:cxnSp>
+          <p:nvCxnSpPr>
+            <p:cNvPr id="37" name="Straight Arrow Connector 36"/>
+            <p:cNvCxnSpPr/>
+            <p:nvPr/>
+          </p:nvCxnSpPr>
+          <p:spPr>
+            <a:xfrm flipV="1">
+              <a:off x="2346123" y="980728"/>
+              <a:ext cx="1445621" cy="10481"/>
+            </a:xfrm>
+            <a:prstGeom prst="straightConnector1">
+              <a:avLst/>
+            </a:prstGeom>
+            <a:ln w="142875">
+              <a:solidFill>
+                <a:schemeClr val="tx1">
+                  <a:lumMod val="50000"/>
+                  <a:lumOff val="50000"/>
+                </a:schemeClr>
+              </a:solidFill>
+              <a:tailEnd type="triangle"/>
+            </a:ln>
+          </p:spPr>
+          <p:style>
+            <a:lnRef idx="1">
+              <a:schemeClr val="accent1"/>
+            </a:lnRef>
+            <a:fillRef idx="0">
+              <a:schemeClr val="accent1"/>
+            </a:fillRef>
+            <a:effectRef idx="0">
+              <a:schemeClr val="accent1"/>
+            </a:effectRef>
+            <a:fontRef idx="minor">
+              <a:schemeClr val="tx1"/>
+            </a:fontRef>
+          </p:style>
+        </p:cxnSp>
+        <p:sp>
+          <p:nvSpPr>
+            <p:cNvPr id="38" name="TextBox 37"/>
+            <p:cNvSpPr txBox="1"/>
+            <p:nvPr/>
+          </p:nvSpPr>
+          <p:spPr>
+            <a:xfrm>
+              <a:off x="2334271" y="318043"/>
+              <a:ext cx="1408522" cy="523220"/>
+            </a:xfrm>
+            <a:prstGeom prst="rect">
+              <a:avLst/>
+            </a:prstGeom>
+            <a:noFill/>
+          </p:spPr>
+          <p:txBody>
+            <a:bodyPr wrap="square" rtlCol="0">
+              <a:spAutoFit/>
+            </a:bodyPr>
+            <a:lstStyle/>
+            <a:p>
+              <a:pPr algn="ctr"/>
+              <a:endParaRPr lang="de-DE" sz="2800" b="1" dirty="0"/>
+            </a:p>
+          </p:txBody>
+        </p:sp>
+      </p:grpSp>
+      <p:pic>
+        <p:nvPicPr>
+          <p:cNvPr id="24" name="Picture 23"/>
+          <p:cNvPicPr>
+            <a:picLocks noChangeAspect="1"/>
+          </p:cNvPicPr>
+          <p:nvPr/>
+        </p:nvPicPr>
+        <p:blipFill>
+          <a:blip r:embed="rId8"/>
+          <a:stretch>
+            <a:fillRect/>
+          </a:stretch>
+        </p:blipFill>
+        <p:spPr>
+          <a:xfrm>
+            <a:off x="6615293" y="3237470"/>
+            <a:ext cx="2626907" cy="2426685"/>
+          </a:xfrm>
+          <a:prstGeom prst="rect">
+            <a:avLst/>
+          </a:prstGeom>
+        </p:spPr>
+      </p:pic>
+      <p:grpSp>
+        <p:nvGrpSpPr>
+          <p:cNvPr id="45" name="Group 44"/>
+          <p:cNvGrpSpPr/>
+          <p:nvPr/>
+        </p:nvGrpSpPr>
+        <p:grpSpPr>
+          <a:xfrm>
+            <a:off x="8589474" y="3496052"/>
+            <a:ext cx="1151769" cy="673166"/>
+            <a:chOff x="2334271" y="318043"/>
+            <a:chExt cx="1457473" cy="673166"/>
+          </a:xfrm>
+        </p:grpSpPr>
+        <p:cxnSp>
+          <p:nvCxnSpPr>
+            <p:cNvPr id="46" name="Straight Arrow Connector 45"/>
+            <p:cNvCxnSpPr/>
+            <p:nvPr/>
+          </p:nvCxnSpPr>
+          <p:spPr>
+            <a:xfrm flipV="1">
+              <a:off x="2346123" y="980728"/>
+              <a:ext cx="1445621" cy="10481"/>
+            </a:xfrm>
+            <a:prstGeom prst="straightConnector1">
+              <a:avLst/>
+            </a:prstGeom>
+            <a:ln w="142875">
+              <a:solidFill>
+                <a:schemeClr val="tx1">
+                  <a:lumMod val="50000"/>
+                  <a:lumOff val="50000"/>
+                </a:schemeClr>
+              </a:solidFill>
+              <a:tailEnd type="triangle"/>
+            </a:ln>
+          </p:spPr>
+          <p:style>
+            <a:lnRef idx="1">
+              <a:schemeClr val="accent1"/>
+            </a:lnRef>
+            <a:fillRef idx="0">
+              <a:schemeClr val="accent1"/>
+            </a:fillRef>
+            <a:effectRef idx="0">
+              <a:schemeClr val="accent1"/>
+            </a:effectRef>
+            <a:fontRef idx="minor">
+              <a:schemeClr val="tx1"/>
+            </a:fontRef>
+          </p:style>
+        </p:cxnSp>
+        <p:sp>
+          <p:nvSpPr>
+            <p:cNvPr id="47" name="TextBox 46"/>
+            <p:cNvSpPr txBox="1"/>
+            <p:nvPr/>
+          </p:nvSpPr>
+          <p:spPr>
+            <a:xfrm>
+              <a:off x="2334271" y="318043"/>
+              <a:ext cx="1408522" cy="523220"/>
+            </a:xfrm>
+            <a:prstGeom prst="rect">
+              <a:avLst/>
+            </a:prstGeom>
+            <a:noFill/>
+          </p:spPr>
+          <p:txBody>
+            <a:bodyPr wrap="square" rtlCol="0">
+              <a:spAutoFit/>
+            </a:bodyPr>
+            <a:lstStyle/>
+            <a:p>
+              <a:pPr algn="ctr"/>
+              <a:endParaRPr lang="de-DE" sz="2800" b="1" dirty="0"/>
+            </a:p>
+          </p:txBody>
+        </p:sp>
+      </p:grpSp>
+    </p:spTree>
+    <p:extLst>
+      <p:ext uri="{BB962C8B-B14F-4D97-AF65-F5344CB8AC3E}">
+        <p14:creationId xmlns:p14="http://schemas.microsoft.com/office/powerpoint/2010/main" val="4213274243"/>
+      </p:ext>
+    </p:extLst>
+  </p:cSld>
+  <p:clrMapOvr>
+    <a:masterClrMapping/>
+  </p:clrMapOvr>
+  <p:timing>
+    <p:tnLst>
+      <p:par>
+        <p:cTn id="1" dur="indefinite" restart="never" nodeType="tmRoot"/>
+      </p:par>
+    </p:tnLst>
+  </p:timing>
+</p:sld>
+</file>
+
+<file path=ppt/slides/slide16.xml><?xml version="1.0" encoding="utf-8"?>
+<p:sld xmlns:a="http://schemas.openxmlformats.org/drawingml/2006/main" xmlns:r="http://schemas.openxmlformats.org/officeDocument/2006/relationships" xmlns:p="http://schemas.openxmlformats.org/presentationml/2006/main">
+  <p:cSld>
+    <p:spTree>
+      <p:nvGrpSpPr>
+        <p:cNvPr id="1" name=""/>
+        <p:cNvGrpSpPr/>
+        <p:nvPr/>
+      </p:nvGrpSpPr>
+      <p:grpSpPr>
+        <a:xfrm>
+          <a:off x="0" y="0"/>
+          <a:ext cx="0" cy="0"/>
+          <a:chOff x="0" y="0"/>
+          <a:chExt cx="0" cy="0"/>
+        </a:xfrm>
+      </p:grpSpPr>
+      <p:pic>
+        <p:nvPicPr>
+          <p:cNvPr id="7" name="Picture 6"/>
+          <p:cNvPicPr>
+            <a:picLocks noChangeAspect="1"/>
+          </p:cNvPicPr>
+          <p:nvPr/>
+        </p:nvPicPr>
+        <p:blipFill>
+          <a:blip r:embed="rId2">
+            <a:extLst>
+              <a:ext uri="{28A0092B-C50C-407E-A947-70E740481C1C}">
+                <a14:useLocalDpi xmlns:a14="http://schemas.microsoft.com/office/drawing/2010/main" val="0"/>
+              </a:ext>
+            </a:extLst>
+          </a:blip>
+          <a:stretch>
+            <a:fillRect/>
+          </a:stretch>
+        </p:blipFill>
+        <p:spPr>
+          <a:xfrm>
+            <a:off x="7679446" y="3636268"/>
+            <a:ext cx="695422" cy="1143160"/>
+          </a:xfrm>
+          <a:prstGeom prst="rect">
+            <a:avLst/>
+          </a:prstGeom>
+        </p:spPr>
+      </p:pic>
+      <p:pic>
+        <p:nvPicPr>
+          <p:cNvPr id="9" name="Picture 8"/>
+          <p:cNvPicPr>
+            <a:picLocks noChangeAspect="1"/>
+          </p:cNvPicPr>
+          <p:nvPr/>
+        </p:nvPicPr>
+        <p:blipFill>
+          <a:blip r:embed="rId3">
+            <a:extLst>
+              <a:ext uri="{28A0092B-C50C-407E-A947-70E740481C1C}">
+                <a14:useLocalDpi xmlns:a14="http://schemas.microsoft.com/office/drawing/2010/main" val="0"/>
+              </a:ext>
+            </a:extLst>
+          </a:blip>
+          <a:stretch>
+            <a:fillRect/>
+          </a:stretch>
+        </p:blipFill>
+        <p:spPr>
+          <a:xfrm>
+            <a:off x="9854185" y="3878844"/>
+            <a:ext cx="1538745" cy="615498"/>
+          </a:xfrm>
+          <a:prstGeom prst="rect">
+            <a:avLst/>
+          </a:prstGeom>
+        </p:spPr>
+      </p:pic>
+      <p:grpSp>
+        <p:nvGrpSpPr>
+          <p:cNvPr id="45" name="Group 44"/>
+          <p:cNvGrpSpPr/>
+          <p:nvPr/>
+        </p:nvGrpSpPr>
+        <p:grpSpPr>
+          <a:xfrm>
+            <a:off x="8589474" y="3496052"/>
+            <a:ext cx="1151769" cy="673166"/>
+            <a:chOff x="2334271" y="318043"/>
+            <a:chExt cx="1457473" cy="673166"/>
+          </a:xfrm>
+        </p:grpSpPr>
+        <p:cxnSp>
+          <p:nvCxnSpPr>
+            <p:cNvPr id="46" name="Straight Arrow Connector 45"/>
+            <p:cNvCxnSpPr/>
+            <p:nvPr/>
+          </p:nvCxnSpPr>
+          <p:spPr>
+            <a:xfrm flipV="1">
+              <a:off x="2346123" y="980728"/>
+              <a:ext cx="1445621" cy="10481"/>
+            </a:xfrm>
+            <a:prstGeom prst="straightConnector1">
+              <a:avLst/>
+            </a:prstGeom>
+            <a:ln w="142875">
+              <a:solidFill>
+                <a:schemeClr val="tx1">
+                  <a:lumMod val="50000"/>
+                  <a:lumOff val="50000"/>
+                </a:schemeClr>
+              </a:solidFill>
+              <a:tailEnd type="triangle"/>
+            </a:ln>
+          </p:spPr>
+          <p:style>
+            <a:lnRef idx="1">
+              <a:schemeClr val="accent1"/>
+            </a:lnRef>
+            <a:fillRef idx="0">
+              <a:schemeClr val="accent1"/>
+            </a:fillRef>
+            <a:effectRef idx="0">
+              <a:schemeClr val="accent1"/>
+            </a:effectRef>
+            <a:fontRef idx="minor">
+              <a:schemeClr val="tx1"/>
+            </a:fontRef>
+          </p:style>
+        </p:cxnSp>
+        <p:sp>
+          <p:nvSpPr>
+            <p:cNvPr id="47" name="TextBox 46"/>
+            <p:cNvSpPr txBox="1"/>
+            <p:nvPr/>
+          </p:nvSpPr>
+          <p:spPr>
+            <a:xfrm>
+              <a:off x="2334271" y="318043"/>
+              <a:ext cx="1408522" cy="523220"/>
+            </a:xfrm>
+            <a:prstGeom prst="rect">
+              <a:avLst/>
+            </a:prstGeom>
+            <a:noFill/>
+          </p:spPr>
+          <p:txBody>
+            <a:bodyPr wrap="square" rtlCol="0">
+              <a:spAutoFit/>
+            </a:bodyPr>
+            <a:lstStyle/>
+            <a:p>
+              <a:pPr algn="ctr"/>
+              <a:endParaRPr lang="de-DE" sz="2800" b="1" dirty="0"/>
+            </a:p>
+          </p:txBody>
+        </p:sp>
+      </p:grpSp>
+    </p:spTree>
+    <p:extLst>
+      <p:ext uri="{BB962C8B-B14F-4D97-AF65-F5344CB8AC3E}">
+        <p14:creationId xmlns:p14="http://schemas.microsoft.com/office/powerpoint/2010/main" val="1635227564"/>
       </p:ext>
     </p:extLst>
   </p:cSld>

--- a/_sources/GettingStarted.pptx
+++ b/_sources/GettingStarted.pptx
@@ -20,7 +20,8 @@
     <p:sldId id="267" r:id="rId14"/>
     <p:sldId id="268" r:id="rId15"/>
     <p:sldId id="270" r:id="rId16"/>
-    <p:sldId id="271" r:id="rId17"/>
+    <p:sldId id="272" r:id="rId17"/>
+    <p:sldId id="271" r:id="rId18"/>
   </p:sldIdLst>
   <p:sldSz cx="14400213" cy="7559675"/>
   <p:notesSz cx="6858000" cy="9144000"/>
@@ -125,6 +126,2795 @@
     </p:ext>
   </p:extLst>
 </p:presentation>
+</file>
+
+<file path=ppt/diagrams/colors1.xml><?xml version="1.0" encoding="utf-8"?>
+<dgm:colorsDef xmlns:dgm="http://schemas.openxmlformats.org/drawingml/2006/diagram" xmlns:a="http://schemas.openxmlformats.org/drawingml/2006/main" uniqueId="urn:microsoft.com/office/officeart/2005/8/colors/accent1_2">
+  <dgm:title val=""/>
+  <dgm:desc val=""/>
+  <dgm:catLst>
+    <dgm:cat type="accent1" pri="11200"/>
+  </dgm:catLst>
+  <dgm:styleLbl name="node0">
+    <dgm:fillClrLst meth="repeat">
+      <a:schemeClr val="accent1"/>
+    </dgm:fillClrLst>
+    <dgm:linClrLst meth="repeat">
+      <a:schemeClr val="lt1"/>
+    </dgm:linClrLst>
+    <dgm:effectClrLst/>
+    <dgm:txLinClrLst/>
+    <dgm:txFillClrLst/>
+    <dgm:txEffectClrLst/>
+  </dgm:styleLbl>
+  <dgm:styleLbl name="alignNode1">
+    <dgm:fillClrLst meth="repeat">
+      <a:schemeClr val="accent1"/>
+    </dgm:fillClrLst>
+    <dgm:linClrLst meth="repeat">
+      <a:schemeClr val="accent1"/>
+    </dgm:linClrLst>
+    <dgm:effectClrLst/>
+    <dgm:txLinClrLst/>
+    <dgm:txFillClrLst/>
+    <dgm:txEffectClrLst/>
+  </dgm:styleLbl>
+  <dgm:styleLbl name="node1">
+    <dgm:fillClrLst meth="repeat">
+      <a:schemeClr val="accent1"/>
+    </dgm:fillClrLst>
+    <dgm:linClrLst meth="repeat">
+      <a:schemeClr val="lt1"/>
+    </dgm:linClrLst>
+    <dgm:effectClrLst/>
+    <dgm:txLinClrLst/>
+    <dgm:txFillClrLst/>
+    <dgm:txEffectClrLst/>
+  </dgm:styleLbl>
+  <dgm:styleLbl name="lnNode1">
+    <dgm:fillClrLst meth="repeat">
+      <a:schemeClr val="accent1"/>
+    </dgm:fillClrLst>
+    <dgm:linClrLst meth="repeat">
+      <a:schemeClr val="lt1"/>
+    </dgm:linClrLst>
+    <dgm:effectClrLst/>
+    <dgm:txLinClrLst/>
+    <dgm:txFillClrLst/>
+    <dgm:txEffectClrLst/>
+  </dgm:styleLbl>
+  <dgm:styleLbl name="vennNode1">
+    <dgm:fillClrLst meth="repeat">
+      <a:schemeClr val="accent1">
+        <a:alpha val="50000"/>
+      </a:schemeClr>
+    </dgm:fillClrLst>
+    <dgm:linClrLst meth="repeat">
+      <a:schemeClr val="lt1"/>
+    </dgm:linClrLst>
+    <dgm:effectClrLst/>
+    <dgm:txLinClrLst/>
+    <dgm:txFillClrLst/>
+    <dgm:txEffectClrLst/>
+  </dgm:styleLbl>
+  <dgm:styleLbl name="node2">
+    <dgm:fillClrLst meth="repeat">
+      <a:schemeClr val="accent1"/>
+    </dgm:fillClrLst>
+    <dgm:linClrLst meth="repeat">
+      <a:schemeClr val="lt1"/>
+    </dgm:linClrLst>
+    <dgm:effectClrLst/>
+    <dgm:txLinClrLst/>
+    <dgm:txFillClrLst/>
+    <dgm:txEffectClrLst/>
+  </dgm:styleLbl>
+  <dgm:styleLbl name="node3">
+    <dgm:fillClrLst meth="repeat">
+      <a:schemeClr val="accent1"/>
+    </dgm:fillClrLst>
+    <dgm:linClrLst meth="repeat">
+      <a:schemeClr val="lt1"/>
+    </dgm:linClrLst>
+    <dgm:effectClrLst/>
+    <dgm:txLinClrLst/>
+    <dgm:txFillClrLst/>
+    <dgm:txEffectClrLst/>
+  </dgm:styleLbl>
+  <dgm:styleLbl name="node4">
+    <dgm:fillClrLst meth="repeat">
+      <a:schemeClr val="accent1"/>
+    </dgm:fillClrLst>
+    <dgm:linClrLst meth="repeat">
+      <a:schemeClr val="lt1"/>
+    </dgm:linClrLst>
+    <dgm:effectClrLst/>
+    <dgm:txLinClrLst/>
+    <dgm:txFillClrLst/>
+    <dgm:txEffectClrLst/>
+  </dgm:styleLbl>
+  <dgm:styleLbl name="fgImgPlace1">
+    <dgm:fillClrLst meth="repeat">
+      <a:schemeClr val="accent1">
+        <a:tint val="50000"/>
+      </a:schemeClr>
+    </dgm:fillClrLst>
+    <dgm:linClrLst meth="repeat">
+      <a:schemeClr val="lt1"/>
+    </dgm:linClrLst>
+    <dgm:effectClrLst/>
+    <dgm:txLinClrLst/>
+    <dgm:txFillClrLst meth="repeat">
+      <a:schemeClr val="lt1"/>
+    </dgm:txFillClrLst>
+    <dgm:txEffectClrLst/>
+  </dgm:styleLbl>
+  <dgm:styleLbl name="alignImgPlace1">
+    <dgm:fillClrLst meth="repeat">
+      <a:schemeClr val="accent1">
+        <a:tint val="50000"/>
+      </a:schemeClr>
+    </dgm:fillClrLst>
+    <dgm:linClrLst meth="repeat">
+      <a:schemeClr val="lt1"/>
+    </dgm:linClrLst>
+    <dgm:effectClrLst/>
+    <dgm:txLinClrLst/>
+    <dgm:txFillClrLst meth="repeat">
+      <a:schemeClr val="lt1"/>
+    </dgm:txFillClrLst>
+    <dgm:txEffectClrLst/>
+  </dgm:styleLbl>
+  <dgm:styleLbl name="bgImgPlace1">
+    <dgm:fillClrLst meth="repeat">
+      <a:schemeClr val="accent1">
+        <a:tint val="50000"/>
+      </a:schemeClr>
+    </dgm:fillClrLst>
+    <dgm:linClrLst meth="repeat">
+      <a:schemeClr val="lt1"/>
+    </dgm:linClrLst>
+    <dgm:effectClrLst/>
+    <dgm:txLinClrLst/>
+    <dgm:txFillClrLst meth="repeat">
+      <a:schemeClr val="lt1"/>
+    </dgm:txFillClrLst>
+    <dgm:txEffectClrLst/>
+  </dgm:styleLbl>
+  <dgm:styleLbl name="sibTrans2D1">
+    <dgm:fillClrLst meth="repeat">
+      <a:schemeClr val="accent1">
+        <a:tint val="60000"/>
+      </a:schemeClr>
+    </dgm:fillClrLst>
+    <dgm:linClrLst meth="repeat">
+      <a:schemeClr val="accent1">
+        <a:tint val="60000"/>
+      </a:schemeClr>
+    </dgm:linClrLst>
+    <dgm:effectClrLst/>
+    <dgm:txLinClrLst/>
+    <dgm:txFillClrLst/>
+    <dgm:txEffectClrLst/>
+  </dgm:styleLbl>
+  <dgm:styleLbl name="fgSibTrans2D1">
+    <dgm:fillClrLst meth="repeat">
+      <a:schemeClr val="accent1">
+        <a:tint val="60000"/>
+      </a:schemeClr>
+    </dgm:fillClrLst>
+    <dgm:linClrLst meth="repeat">
+      <a:schemeClr val="accent1">
+        <a:tint val="60000"/>
+      </a:schemeClr>
+    </dgm:linClrLst>
+    <dgm:effectClrLst/>
+    <dgm:txLinClrLst/>
+    <dgm:txFillClrLst/>
+    <dgm:txEffectClrLst/>
+  </dgm:styleLbl>
+  <dgm:styleLbl name="bgSibTrans2D1">
+    <dgm:fillClrLst meth="repeat">
+      <a:schemeClr val="accent1">
+        <a:tint val="60000"/>
+      </a:schemeClr>
+    </dgm:fillClrLst>
+    <dgm:linClrLst meth="repeat">
+      <a:schemeClr val="accent1">
+        <a:tint val="60000"/>
+      </a:schemeClr>
+    </dgm:linClrLst>
+    <dgm:effectClrLst/>
+    <dgm:txLinClrLst/>
+    <dgm:txFillClrLst/>
+    <dgm:txEffectClrLst/>
+  </dgm:styleLbl>
+  <dgm:styleLbl name="sibTrans1D1">
+    <dgm:fillClrLst meth="repeat">
+      <a:schemeClr val="accent1"/>
+    </dgm:fillClrLst>
+    <dgm:linClrLst meth="repeat">
+      <a:schemeClr val="accent1"/>
+    </dgm:linClrLst>
+    <dgm:effectClrLst/>
+    <dgm:txLinClrLst/>
+    <dgm:txFillClrLst meth="repeat">
+      <a:schemeClr val="tx1"/>
+    </dgm:txFillClrLst>
+    <dgm:txEffectClrLst/>
+  </dgm:styleLbl>
+  <dgm:styleLbl name="callout">
+    <dgm:fillClrLst meth="repeat">
+      <a:schemeClr val="accent1"/>
+    </dgm:fillClrLst>
+    <dgm:linClrLst meth="repeat">
+      <a:schemeClr val="accent1">
+        <a:tint val="50000"/>
+      </a:schemeClr>
+    </dgm:linClrLst>
+    <dgm:effectClrLst/>
+    <dgm:txLinClrLst/>
+    <dgm:txFillClrLst meth="repeat">
+      <a:schemeClr val="tx1"/>
+    </dgm:txFillClrLst>
+    <dgm:txEffectClrLst/>
+  </dgm:styleLbl>
+  <dgm:styleLbl name="asst0">
+    <dgm:fillClrLst meth="repeat">
+      <a:schemeClr val="accent1"/>
+    </dgm:fillClrLst>
+    <dgm:linClrLst meth="repeat">
+      <a:schemeClr val="lt1"/>
+    </dgm:linClrLst>
+    <dgm:effectClrLst/>
+    <dgm:txLinClrLst/>
+    <dgm:txFillClrLst/>
+    <dgm:txEffectClrLst/>
+  </dgm:styleLbl>
+  <dgm:styleLbl name="asst1">
+    <dgm:fillClrLst meth="repeat">
+      <a:schemeClr val="accent1"/>
+    </dgm:fillClrLst>
+    <dgm:linClrLst meth="repeat">
+      <a:schemeClr val="lt1"/>
+    </dgm:linClrLst>
+    <dgm:effectClrLst/>
+    <dgm:txLinClrLst/>
+    <dgm:txFillClrLst/>
+    <dgm:txEffectClrLst/>
+  </dgm:styleLbl>
+  <dgm:styleLbl name="asst2">
+    <dgm:fillClrLst meth="repeat">
+      <a:schemeClr val="accent1"/>
+    </dgm:fillClrLst>
+    <dgm:linClrLst meth="repeat">
+      <a:schemeClr val="lt1"/>
+    </dgm:linClrLst>
+    <dgm:effectClrLst/>
+    <dgm:txLinClrLst/>
+    <dgm:txFillClrLst/>
+    <dgm:txEffectClrLst/>
+  </dgm:styleLbl>
+  <dgm:styleLbl name="asst3">
+    <dgm:fillClrLst meth="repeat">
+      <a:schemeClr val="accent1"/>
+    </dgm:fillClrLst>
+    <dgm:linClrLst meth="repeat">
+      <a:schemeClr val="lt1"/>
+    </dgm:linClrLst>
+    <dgm:effectClrLst/>
+    <dgm:txLinClrLst/>
+    <dgm:txFillClrLst/>
+    <dgm:txEffectClrLst/>
+  </dgm:styleLbl>
+  <dgm:styleLbl name="asst4">
+    <dgm:fillClrLst meth="repeat">
+      <a:schemeClr val="accent1"/>
+    </dgm:fillClrLst>
+    <dgm:linClrLst meth="repeat">
+      <a:schemeClr val="lt1"/>
+    </dgm:linClrLst>
+    <dgm:effectClrLst/>
+    <dgm:txLinClrLst/>
+    <dgm:txFillClrLst/>
+    <dgm:txEffectClrLst/>
+  </dgm:styleLbl>
+  <dgm:styleLbl name="parChTrans2D1">
+    <dgm:fillClrLst meth="repeat">
+      <a:schemeClr val="accent1">
+        <a:tint val="60000"/>
+      </a:schemeClr>
+    </dgm:fillClrLst>
+    <dgm:linClrLst meth="repeat">
+      <a:schemeClr val="accent1">
+        <a:tint val="60000"/>
+      </a:schemeClr>
+    </dgm:linClrLst>
+    <dgm:effectClrLst/>
+    <dgm:txLinClrLst/>
+    <dgm:txFillClrLst meth="repeat">
+      <a:schemeClr val="lt1"/>
+    </dgm:txFillClrLst>
+    <dgm:txEffectClrLst/>
+  </dgm:styleLbl>
+  <dgm:styleLbl name="parChTrans2D2">
+    <dgm:fillClrLst meth="repeat">
+      <a:schemeClr val="accent1"/>
+    </dgm:fillClrLst>
+    <dgm:linClrLst meth="repeat">
+      <a:schemeClr val="accent1"/>
+    </dgm:linClrLst>
+    <dgm:effectClrLst/>
+    <dgm:txLinClrLst/>
+    <dgm:txFillClrLst meth="repeat">
+      <a:schemeClr val="lt1"/>
+    </dgm:txFillClrLst>
+    <dgm:txEffectClrLst/>
+  </dgm:styleLbl>
+  <dgm:styleLbl name="parChTrans2D3">
+    <dgm:fillClrLst meth="repeat">
+      <a:schemeClr val="accent1"/>
+    </dgm:fillClrLst>
+    <dgm:linClrLst meth="repeat">
+      <a:schemeClr val="accent1"/>
+    </dgm:linClrLst>
+    <dgm:effectClrLst/>
+    <dgm:txLinClrLst/>
+    <dgm:txFillClrLst meth="repeat">
+      <a:schemeClr val="lt1"/>
+    </dgm:txFillClrLst>
+    <dgm:txEffectClrLst/>
+  </dgm:styleLbl>
+  <dgm:styleLbl name="parChTrans2D4">
+    <dgm:fillClrLst meth="repeat">
+      <a:schemeClr val="accent1"/>
+    </dgm:fillClrLst>
+    <dgm:linClrLst meth="repeat">
+      <a:schemeClr val="accent1"/>
+    </dgm:linClrLst>
+    <dgm:effectClrLst/>
+    <dgm:txLinClrLst/>
+    <dgm:txFillClrLst meth="repeat">
+      <a:schemeClr val="lt1"/>
+    </dgm:txFillClrLst>
+    <dgm:txEffectClrLst/>
+  </dgm:styleLbl>
+  <dgm:styleLbl name="parChTrans1D1">
+    <dgm:fillClrLst meth="repeat">
+      <a:schemeClr val="accent1"/>
+    </dgm:fillClrLst>
+    <dgm:linClrLst meth="repeat">
+      <a:schemeClr val="accent1">
+        <a:shade val="60000"/>
+      </a:schemeClr>
+    </dgm:linClrLst>
+    <dgm:effectClrLst/>
+    <dgm:txLinClrLst/>
+    <dgm:txFillClrLst meth="repeat">
+      <a:schemeClr val="tx1"/>
+    </dgm:txFillClrLst>
+    <dgm:txEffectClrLst/>
+  </dgm:styleLbl>
+  <dgm:styleLbl name="parChTrans1D2">
+    <dgm:fillClrLst meth="repeat">
+      <a:schemeClr val="accent1"/>
+    </dgm:fillClrLst>
+    <dgm:linClrLst meth="repeat">
+      <a:schemeClr val="accent1">
+        <a:shade val="60000"/>
+      </a:schemeClr>
+    </dgm:linClrLst>
+    <dgm:effectClrLst/>
+    <dgm:txLinClrLst/>
+    <dgm:txFillClrLst meth="repeat">
+      <a:schemeClr val="tx1"/>
+    </dgm:txFillClrLst>
+    <dgm:txEffectClrLst/>
+  </dgm:styleLbl>
+  <dgm:styleLbl name="parChTrans1D3">
+    <dgm:fillClrLst meth="repeat">
+      <a:schemeClr val="accent1"/>
+    </dgm:fillClrLst>
+    <dgm:linClrLst meth="repeat">
+      <a:schemeClr val="accent1">
+        <a:shade val="80000"/>
+      </a:schemeClr>
+    </dgm:linClrLst>
+    <dgm:effectClrLst/>
+    <dgm:txLinClrLst/>
+    <dgm:txFillClrLst meth="repeat">
+      <a:schemeClr val="tx1"/>
+    </dgm:txFillClrLst>
+    <dgm:txEffectClrLst/>
+  </dgm:styleLbl>
+  <dgm:styleLbl name="parChTrans1D4">
+    <dgm:fillClrLst meth="repeat">
+      <a:schemeClr val="accent1"/>
+    </dgm:fillClrLst>
+    <dgm:linClrLst meth="repeat">
+      <a:schemeClr val="accent1">
+        <a:shade val="80000"/>
+      </a:schemeClr>
+    </dgm:linClrLst>
+    <dgm:effectClrLst/>
+    <dgm:txLinClrLst/>
+    <dgm:txFillClrLst meth="repeat">
+      <a:schemeClr val="tx1"/>
+    </dgm:txFillClrLst>
+    <dgm:txEffectClrLst/>
+  </dgm:styleLbl>
+  <dgm:styleLbl name="fgAcc1">
+    <dgm:fillClrLst meth="repeat">
+      <a:schemeClr val="lt1">
+        <a:alpha val="90000"/>
+      </a:schemeClr>
+    </dgm:fillClrLst>
+    <dgm:linClrLst meth="repeat">
+      <a:schemeClr val="accent1"/>
+    </dgm:linClrLst>
+    <dgm:effectClrLst/>
+    <dgm:txLinClrLst/>
+    <dgm:txFillClrLst meth="repeat">
+      <a:schemeClr val="dk1"/>
+    </dgm:txFillClrLst>
+    <dgm:txEffectClrLst/>
+  </dgm:styleLbl>
+  <dgm:styleLbl name="conFgAcc1">
+    <dgm:fillClrLst meth="repeat">
+      <a:schemeClr val="lt1">
+        <a:alpha val="90000"/>
+      </a:schemeClr>
+    </dgm:fillClrLst>
+    <dgm:linClrLst meth="repeat">
+      <a:schemeClr val="accent1"/>
+    </dgm:linClrLst>
+    <dgm:effectClrLst/>
+    <dgm:txLinClrLst/>
+    <dgm:txFillClrLst meth="repeat">
+      <a:schemeClr val="dk1"/>
+    </dgm:txFillClrLst>
+    <dgm:txEffectClrLst/>
+  </dgm:styleLbl>
+  <dgm:styleLbl name="alignAcc1">
+    <dgm:fillClrLst meth="repeat">
+      <a:schemeClr val="lt1">
+        <a:alpha val="90000"/>
+      </a:schemeClr>
+    </dgm:fillClrLst>
+    <dgm:linClrLst meth="repeat">
+      <a:schemeClr val="accent1"/>
+    </dgm:linClrLst>
+    <dgm:effectClrLst/>
+    <dgm:txLinClrLst/>
+    <dgm:txFillClrLst meth="repeat">
+      <a:schemeClr val="dk1"/>
+    </dgm:txFillClrLst>
+    <dgm:txEffectClrLst/>
+  </dgm:styleLbl>
+  <dgm:styleLbl name="trAlignAcc1">
+    <dgm:fillClrLst meth="repeat">
+      <a:schemeClr val="lt1">
+        <a:alpha val="40000"/>
+      </a:schemeClr>
+    </dgm:fillClrLst>
+    <dgm:linClrLst meth="repeat">
+      <a:schemeClr val="accent1"/>
+    </dgm:linClrLst>
+    <dgm:effectClrLst/>
+    <dgm:txLinClrLst/>
+    <dgm:txFillClrLst meth="repeat">
+      <a:schemeClr val="dk1"/>
+    </dgm:txFillClrLst>
+    <dgm:txEffectClrLst/>
+  </dgm:styleLbl>
+  <dgm:styleLbl name="bgAcc1">
+    <dgm:fillClrLst meth="repeat">
+      <a:schemeClr val="lt1">
+        <a:alpha val="90000"/>
+      </a:schemeClr>
+    </dgm:fillClrLst>
+    <dgm:linClrLst meth="repeat">
+      <a:schemeClr val="accent1"/>
+    </dgm:linClrLst>
+    <dgm:effectClrLst/>
+    <dgm:txLinClrLst/>
+    <dgm:txFillClrLst meth="repeat">
+      <a:schemeClr val="dk1"/>
+    </dgm:txFillClrLst>
+    <dgm:txEffectClrLst/>
+  </dgm:styleLbl>
+  <dgm:styleLbl name="solidFgAcc1">
+    <dgm:fillClrLst meth="repeat">
+      <a:schemeClr val="lt1"/>
+    </dgm:fillClrLst>
+    <dgm:linClrLst meth="repeat">
+      <a:schemeClr val="accent1"/>
+    </dgm:linClrLst>
+    <dgm:effectClrLst/>
+    <dgm:txLinClrLst/>
+    <dgm:txFillClrLst meth="repeat">
+      <a:schemeClr val="dk1"/>
+    </dgm:txFillClrLst>
+    <dgm:txEffectClrLst/>
+  </dgm:styleLbl>
+  <dgm:styleLbl name="solidAlignAcc1">
+    <dgm:fillClrLst meth="repeat">
+      <a:schemeClr val="lt1"/>
+    </dgm:fillClrLst>
+    <dgm:linClrLst meth="repeat">
+      <a:schemeClr val="accent1"/>
+    </dgm:linClrLst>
+    <dgm:effectClrLst/>
+    <dgm:txLinClrLst/>
+    <dgm:txFillClrLst meth="repeat">
+      <a:schemeClr val="dk1"/>
+    </dgm:txFillClrLst>
+    <dgm:txEffectClrLst/>
+  </dgm:styleLbl>
+  <dgm:styleLbl name="solidBgAcc1">
+    <dgm:fillClrLst meth="repeat">
+      <a:schemeClr val="lt1"/>
+    </dgm:fillClrLst>
+    <dgm:linClrLst meth="repeat">
+      <a:schemeClr val="accent1"/>
+    </dgm:linClrLst>
+    <dgm:effectClrLst/>
+    <dgm:txLinClrLst/>
+    <dgm:txFillClrLst meth="repeat">
+      <a:schemeClr val="dk1"/>
+    </dgm:txFillClrLst>
+    <dgm:txEffectClrLst/>
+  </dgm:styleLbl>
+  <dgm:styleLbl name="fgAccFollowNode1">
+    <dgm:fillClrLst meth="repeat">
+      <a:schemeClr val="accent1">
+        <a:alpha val="90000"/>
+        <a:tint val="40000"/>
+      </a:schemeClr>
+    </dgm:fillClrLst>
+    <dgm:linClrLst meth="repeat">
+      <a:schemeClr val="accent1">
+        <a:alpha val="90000"/>
+        <a:tint val="40000"/>
+      </a:schemeClr>
+    </dgm:linClrLst>
+    <dgm:effectClrLst/>
+    <dgm:txLinClrLst/>
+    <dgm:txFillClrLst meth="repeat">
+      <a:schemeClr val="dk1"/>
+    </dgm:txFillClrLst>
+    <dgm:txEffectClrLst/>
+  </dgm:styleLbl>
+  <dgm:styleLbl name="alignAccFollowNode1">
+    <dgm:fillClrLst meth="repeat">
+      <a:schemeClr val="accent1">
+        <a:alpha val="90000"/>
+        <a:tint val="40000"/>
+      </a:schemeClr>
+    </dgm:fillClrLst>
+    <dgm:linClrLst meth="repeat">
+      <a:schemeClr val="accent1">
+        <a:alpha val="90000"/>
+        <a:tint val="40000"/>
+      </a:schemeClr>
+    </dgm:linClrLst>
+    <dgm:effectClrLst/>
+    <dgm:txLinClrLst/>
+    <dgm:txFillClrLst meth="repeat">
+      <a:schemeClr val="dk1"/>
+    </dgm:txFillClrLst>
+    <dgm:txEffectClrLst/>
+  </dgm:styleLbl>
+  <dgm:styleLbl name="bgAccFollowNode1">
+    <dgm:fillClrLst meth="repeat">
+      <a:schemeClr val="accent1">
+        <a:alpha val="90000"/>
+        <a:tint val="40000"/>
+      </a:schemeClr>
+    </dgm:fillClrLst>
+    <dgm:linClrLst meth="repeat">
+      <a:schemeClr val="accent1">
+        <a:alpha val="90000"/>
+        <a:tint val="40000"/>
+      </a:schemeClr>
+    </dgm:linClrLst>
+    <dgm:effectClrLst/>
+    <dgm:txLinClrLst/>
+    <dgm:txFillClrLst meth="repeat">
+      <a:schemeClr val="dk1"/>
+    </dgm:txFillClrLst>
+    <dgm:txEffectClrLst/>
+  </dgm:styleLbl>
+  <dgm:styleLbl name="fgAcc0">
+    <dgm:fillClrLst meth="repeat">
+      <a:schemeClr val="lt1">
+        <a:alpha val="90000"/>
+      </a:schemeClr>
+    </dgm:fillClrLst>
+    <dgm:linClrLst meth="repeat">
+      <a:schemeClr val="accent1"/>
+    </dgm:linClrLst>
+    <dgm:effectClrLst/>
+    <dgm:txLinClrLst/>
+    <dgm:txFillClrLst meth="repeat">
+      <a:schemeClr val="dk1"/>
+    </dgm:txFillClrLst>
+    <dgm:txEffectClrLst/>
+  </dgm:styleLbl>
+  <dgm:styleLbl name="fgAcc2">
+    <dgm:fillClrLst meth="repeat">
+      <a:schemeClr val="lt1">
+        <a:alpha val="90000"/>
+      </a:schemeClr>
+    </dgm:fillClrLst>
+    <dgm:linClrLst meth="repeat">
+      <a:schemeClr val="accent1"/>
+    </dgm:linClrLst>
+    <dgm:effectClrLst/>
+    <dgm:txLinClrLst/>
+    <dgm:txFillClrLst meth="repeat">
+      <a:schemeClr val="dk1"/>
+    </dgm:txFillClrLst>
+    <dgm:txEffectClrLst/>
+  </dgm:styleLbl>
+  <dgm:styleLbl name="fgAcc3">
+    <dgm:fillClrLst meth="repeat">
+      <a:schemeClr val="lt1">
+        <a:alpha val="90000"/>
+      </a:schemeClr>
+    </dgm:fillClrLst>
+    <dgm:linClrLst meth="repeat">
+      <a:schemeClr val="accent1"/>
+    </dgm:linClrLst>
+    <dgm:effectClrLst/>
+    <dgm:txLinClrLst/>
+    <dgm:txFillClrLst meth="repeat">
+      <a:schemeClr val="dk1"/>
+    </dgm:txFillClrLst>
+    <dgm:txEffectClrLst/>
+  </dgm:styleLbl>
+  <dgm:styleLbl name="fgAcc4">
+    <dgm:fillClrLst meth="repeat">
+      <a:schemeClr val="lt1">
+        <a:alpha val="90000"/>
+      </a:schemeClr>
+    </dgm:fillClrLst>
+    <dgm:linClrLst meth="repeat">
+      <a:schemeClr val="accent1"/>
+    </dgm:linClrLst>
+    <dgm:effectClrLst/>
+    <dgm:txLinClrLst/>
+    <dgm:txFillClrLst meth="repeat">
+      <a:schemeClr val="dk1"/>
+    </dgm:txFillClrLst>
+    <dgm:txEffectClrLst/>
+  </dgm:styleLbl>
+  <dgm:styleLbl name="bgShp">
+    <dgm:fillClrLst meth="repeat">
+      <a:schemeClr val="accent1">
+        <a:tint val="40000"/>
+      </a:schemeClr>
+    </dgm:fillClrLst>
+    <dgm:linClrLst meth="repeat">
+      <a:schemeClr val="accent1"/>
+    </dgm:linClrLst>
+    <dgm:effectClrLst/>
+    <dgm:txLinClrLst/>
+    <dgm:txFillClrLst meth="repeat">
+      <a:schemeClr val="dk1"/>
+    </dgm:txFillClrLst>
+    <dgm:txEffectClrLst/>
+  </dgm:styleLbl>
+  <dgm:styleLbl name="dkBgShp">
+    <dgm:fillClrLst meth="repeat">
+      <a:schemeClr val="accent1">
+        <a:shade val="80000"/>
+      </a:schemeClr>
+    </dgm:fillClrLst>
+    <dgm:linClrLst meth="repeat">
+      <a:schemeClr val="accent1"/>
+    </dgm:linClrLst>
+    <dgm:effectClrLst/>
+    <dgm:txLinClrLst/>
+    <dgm:txFillClrLst meth="repeat">
+      <a:schemeClr val="lt1"/>
+    </dgm:txFillClrLst>
+    <dgm:txEffectClrLst/>
+  </dgm:styleLbl>
+  <dgm:styleLbl name="trBgShp">
+    <dgm:fillClrLst meth="repeat">
+      <a:schemeClr val="accent1">
+        <a:tint val="50000"/>
+        <a:alpha val="40000"/>
+      </a:schemeClr>
+    </dgm:fillClrLst>
+    <dgm:linClrLst meth="repeat">
+      <a:schemeClr val="accent1"/>
+    </dgm:linClrLst>
+    <dgm:effectClrLst/>
+    <dgm:txLinClrLst/>
+    <dgm:txFillClrLst meth="repeat">
+      <a:schemeClr val="lt1"/>
+    </dgm:txFillClrLst>
+    <dgm:txEffectClrLst/>
+  </dgm:styleLbl>
+  <dgm:styleLbl name="fgShp">
+    <dgm:fillClrLst meth="repeat">
+      <a:schemeClr val="accent1">
+        <a:tint val="60000"/>
+      </a:schemeClr>
+    </dgm:fillClrLst>
+    <dgm:linClrLst meth="repeat">
+      <a:schemeClr val="lt1"/>
+    </dgm:linClrLst>
+    <dgm:effectClrLst/>
+    <dgm:txLinClrLst/>
+    <dgm:txFillClrLst meth="repeat">
+      <a:schemeClr val="dk1"/>
+    </dgm:txFillClrLst>
+    <dgm:txEffectClrLst/>
+  </dgm:styleLbl>
+  <dgm:styleLbl name="revTx">
+    <dgm:fillClrLst meth="repeat">
+      <a:schemeClr val="lt1">
+        <a:alpha val="0"/>
+      </a:schemeClr>
+    </dgm:fillClrLst>
+    <dgm:linClrLst meth="repeat">
+      <a:schemeClr val="dk1">
+        <a:alpha val="0"/>
+      </a:schemeClr>
+    </dgm:linClrLst>
+    <dgm:effectClrLst/>
+    <dgm:txLinClrLst/>
+    <dgm:txFillClrLst meth="repeat">
+      <a:schemeClr val="tx1"/>
+    </dgm:txFillClrLst>
+    <dgm:txEffectClrLst/>
+  </dgm:styleLbl>
+</dgm:colorsDef>
+</file>
+
+<file path=ppt/diagrams/data1.xml><?xml version="1.0" encoding="utf-8"?>
+<dgm:dataModel xmlns:dgm="http://schemas.openxmlformats.org/drawingml/2006/diagram" xmlns:a="http://schemas.openxmlformats.org/drawingml/2006/main">
+  <dgm:ptLst>
+    <dgm:pt modelId="{88A279F5-7EB5-4E96-9F7B-7496F28D7A8F}" type="doc">
+      <dgm:prSet loTypeId="urn:microsoft.com/office/officeart/2005/8/layout/chevron1" loCatId="process" qsTypeId="urn:microsoft.com/office/officeart/2005/8/quickstyle/simple1" qsCatId="simple" csTypeId="urn:microsoft.com/office/officeart/2005/8/colors/accent1_2" csCatId="accent1" phldr="1"/>
+      <dgm:spPr/>
+    </dgm:pt>
+    <dgm:pt modelId="{89A25868-2A83-4B1C-9589-084F96ECC5FA}">
+      <dgm:prSet phldrT="[Text]" custT="1"/>
+      <dgm:spPr>
+        <a:solidFill>
+          <a:schemeClr val="tx2">
+            <a:lumMod val="75000"/>
+          </a:schemeClr>
+        </a:solidFill>
+      </dgm:spPr>
+      <dgm:t>
+        <a:bodyPr/>
+        <a:lstStyle/>
+        <a:p>
+          <a:r>
+            <a:rPr lang="en-US" sz="1400" b="1" dirty="0" smtClean="0"/>
+            <a:t>package</a:t>
+          </a:r>
+          <a:endParaRPr lang="de-DE" sz="1400" b="1" dirty="0"/>
+        </a:p>
+      </dgm:t>
+    </dgm:pt>
+    <dgm:pt modelId="{318960B0-2EAA-4919-9032-BD16785419A8}" type="parTrans" cxnId="{5D46DE91-375A-4696-8D02-EDBFD2EF7480}">
+      <dgm:prSet/>
+      <dgm:spPr/>
+      <dgm:t>
+        <a:bodyPr/>
+        <a:lstStyle/>
+        <a:p>
+          <a:endParaRPr lang="de-DE" sz="1400" b="1"/>
+        </a:p>
+      </dgm:t>
+    </dgm:pt>
+    <dgm:pt modelId="{2DCEDA11-AF4A-475D-A66D-2E9523CAABC4}" type="sibTrans" cxnId="{5D46DE91-375A-4696-8D02-EDBFD2EF7480}">
+      <dgm:prSet/>
+      <dgm:spPr/>
+      <dgm:t>
+        <a:bodyPr/>
+        <a:lstStyle/>
+        <a:p>
+          <a:endParaRPr lang="de-DE" sz="1400" b="1"/>
+        </a:p>
+      </dgm:t>
+    </dgm:pt>
+    <dgm:pt modelId="{73805C4B-7D98-4362-A8FD-44E28FFCD44B}">
+      <dgm:prSet phldrT="[Text]" custT="1"/>
+      <dgm:spPr>
+        <a:solidFill>
+          <a:schemeClr val="tx2">
+            <a:lumMod val="75000"/>
+          </a:schemeClr>
+        </a:solidFill>
+      </dgm:spPr>
+      <dgm:t>
+        <a:bodyPr/>
+        <a:lstStyle/>
+        <a:p>
+          <a:r>
+            <a:rPr lang="en-US" sz="1400" b="1" dirty="0" smtClean="0"/>
+            <a:t>pre-integration-test</a:t>
+          </a:r>
+          <a:endParaRPr lang="de-DE" sz="1400" b="1" dirty="0"/>
+        </a:p>
+      </dgm:t>
+    </dgm:pt>
+    <dgm:pt modelId="{90EAC645-6FE6-4B62-8ED9-2D637F117228}" type="parTrans" cxnId="{74734019-3F03-40C5-BD6A-8F158F06259E}">
+      <dgm:prSet/>
+      <dgm:spPr/>
+      <dgm:t>
+        <a:bodyPr/>
+        <a:lstStyle/>
+        <a:p>
+          <a:endParaRPr lang="de-DE" sz="1400" b="1"/>
+        </a:p>
+      </dgm:t>
+    </dgm:pt>
+    <dgm:pt modelId="{FCB00572-1C8F-4B6D-968B-B082338556BC}" type="sibTrans" cxnId="{74734019-3F03-40C5-BD6A-8F158F06259E}">
+      <dgm:prSet/>
+      <dgm:spPr/>
+      <dgm:t>
+        <a:bodyPr/>
+        <a:lstStyle/>
+        <a:p>
+          <a:endParaRPr lang="de-DE" sz="1400" b="1"/>
+        </a:p>
+      </dgm:t>
+    </dgm:pt>
+    <dgm:pt modelId="{C53F7CE2-31BC-48F5-A2F3-D03B5B9BF278}">
+      <dgm:prSet phldrT="[Text]" custT="1"/>
+      <dgm:spPr>
+        <a:solidFill>
+          <a:schemeClr val="tx2">
+            <a:lumMod val="75000"/>
+          </a:schemeClr>
+        </a:solidFill>
+      </dgm:spPr>
+      <dgm:t>
+        <a:bodyPr/>
+        <a:lstStyle/>
+        <a:p>
+          <a:r>
+            <a:rPr lang="en-US" sz="1400" b="1" dirty="0" smtClean="0"/>
+            <a:t>integration-test</a:t>
+          </a:r>
+          <a:endParaRPr lang="de-DE" sz="1400" b="1" dirty="0"/>
+        </a:p>
+      </dgm:t>
+    </dgm:pt>
+    <dgm:pt modelId="{37D91C21-A23F-4BDF-9629-740E04ADE85A}" type="parTrans" cxnId="{051DADB8-E59A-459E-A282-F6BEF7FEFAF7}">
+      <dgm:prSet/>
+      <dgm:spPr/>
+      <dgm:t>
+        <a:bodyPr/>
+        <a:lstStyle/>
+        <a:p>
+          <a:endParaRPr lang="de-DE" sz="1400" b="1"/>
+        </a:p>
+      </dgm:t>
+    </dgm:pt>
+    <dgm:pt modelId="{1D3C9E28-C2BE-4DF6-99F3-BB5CC8E8C51A}" type="sibTrans" cxnId="{051DADB8-E59A-459E-A282-F6BEF7FEFAF7}">
+      <dgm:prSet/>
+      <dgm:spPr/>
+      <dgm:t>
+        <a:bodyPr/>
+        <a:lstStyle/>
+        <a:p>
+          <a:endParaRPr lang="de-DE" sz="1400" b="1"/>
+        </a:p>
+      </dgm:t>
+    </dgm:pt>
+    <dgm:pt modelId="{A26FF0B8-21EE-440A-A1E5-B58854861A1B}">
+      <dgm:prSet phldrT="[Text]" custT="1"/>
+      <dgm:spPr>
+        <a:solidFill>
+          <a:schemeClr val="tx2">
+            <a:lumMod val="75000"/>
+          </a:schemeClr>
+        </a:solidFill>
+      </dgm:spPr>
+      <dgm:t>
+        <a:bodyPr/>
+        <a:lstStyle/>
+        <a:p>
+          <a:r>
+            <a:rPr lang="en-US" sz="1400" b="1" dirty="0" smtClean="0"/>
+            <a:t>post-integration-test</a:t>
+          </a:r>
+          <a:endParaRPr lang="de-DE" sz="1400" b="1" dirty="0"/>
+        </a:p>
+      </dgm:t>
+    </dgm:pt>
+    <dgm:pt modelId="{9C3E234D-86CF-4441-AD6C-5E0BD9F7940C}" type="parTrans" cxnId="{12D6D7A4-7E1A-402F-A697-0A52FEE372BD}">
+      <dgm:prSet/>
+      <dgm:spPr/>
+      <dgm:t>
+        <a:bodyPr/>
+        <a:lstStyle/>
+        <a:p>
+          <a:endParaRPr lang="de-DE" sz="1400" b="1"/>
+        </a:p>
+      </dgm:t>
+    </dgm:pt>
+    <dgm:pt modelId="{84265283-6A79-49F9-86CC-89FACB483873}" type="sibTrans" cxnId="{12D6D7A4-7E1A-402F-A697-0A52FEE372BD}">
+      <dgm:prSet/>
+      <dgm:spPr/>
+      <dgm:t>
+        <a:bodyPr/>
+        <a:lstStyle/>
+        <a:p>
+          <a:endParaRPr lang="de-DE" sz="1400" b="1"/>
+        </a:p>
+      </dgm:t>
+    </dgm:pt>
+    <dgm:pt modelId="{F08B1DBD-768B-4021-B324-619C7AE9BCDD}">
+      <dgm:prSet phldrT="[Text]" custT="1"/>
+      <dgm:spPr>
+        <a:solidFill>
+          <a:schemeClr val="tx2">
+            <a:lumMod val="75000"/>
+          </a:schemeClr>
+        </a:solidFill>
+      </dgm:spPr>
+      <dgm:t>
+        <a:bodyPr/>
+        <a:lstStyle/>
+        <a:p>
+          <a:r>
+            <a:rPr lang="en-US" sz="1400" b="1" dirty="0" smtClean="0"/>
+            <a:t>deploy</a:t>
+          </a:r>
+          <a:endParaRPr lang="de-DE" sz="1400" b="1" dirty="0"/>
+        </a:p>
+      </dgm:t>
+    </dgm:pt>
+    <dgm:pt modelId="{171AF7EF-C367-442A-A21C-F76F0AA02179}" type="parTrans" cxnId="{1F1B2787-FB06-4198-8718-4400C492D4E6}">
+      <dgm:prSet/>
+      <dgm:spPr/>
+      <dgm:t>
+        <a:bodyPr/>
+        <a:lstStyle/>
+        <a:p>
+          <a:endParaRPr lang="de-DE" sz="1400" b="1"/>
+        </a:p>
+      </dgm:t>
+    </dgm:pt>
+    <dgm:pt modelId="{F834BEDF-43AA-4613-8A4C-4716A1D96B70}" type="sibTrans" cxnId="{1F1B2787-FB06-4198-8718-4400C492D4E6}">
+      <dgm:prSet/>
+      <dgm:spPr/>
+      <dgm:t>
+        <a:bodyPr/>
+        <a:lstStyle/>
+        <a:p>
+          <a:endParaRPr lang="de-DE" sz="1400" b="1"/>
+        </a:p>
+      </dgm:t>
+    </dgm:pt>
+    <dgm:pt modelId="{6B56D85D-4488-48A3-B443-ED31385606F1}" type="pres">
+      <dgm:prSet presAssocID="{88A279F5-7EB5-4E96-9F7B-7496F28D7A8F}" presName="Name0" presStyleCnt="0">
+        <dgm:presLayoutVars>
+          <dgm:dir/>
+          <dgm:animLvl val="lvl"/>
+          <dgm:resizeHandles val="exact"/>
+        </dgm:presLayoutVars>
+      </dgm:prSet>
+      <dgm:spPr/>
+    </dgm:pt>
+    <dgm:pt modelId="{6D72C3A5-1474-40AD-9A10-2534C79C4517}" type="pres">
+      <dgm:prSet presAssocID="{89A25868-2A83-4B1C-9589-084F96ECC5FA}" presName="parTxOnly" presStyleLbl="node1" presStyleIdx="0" presStyleCnt="5">
+        <dgm:presLayoutVars>
+          <dgm:chMax val="0"/>
+          <dgm:chPref val="0"/>
+          <dgm:bulletEnabled val="1"/>
+        </dgm:presLayoutVars>
+      </dgm:prSet>
+      <dgm:spPr/>
+      <dgm:t>
+        <a:bodyPr/>
+        <a:lstStyle/>
+        <a:p>
+          <a:endParaRPr lang="de-DE"/>
+        </a:p>
+      </dgm:t>
+    </dgm:pt>
+    <dgm:pt modelId="{9F477FD7-EE8B-449F-9A31-7EBE455C9E41}" type="pres">
+      <dgm:prSet presAssocID="{2DCEDA11-AF4A-475D-A66D-2E9523CAABC4}" presName="parTxOnlySpace" presStyleCnt="0"/>
+      <dgm:spPr/>
+    </dgm:pt>
+    <dgm:pt modelId="{086EE9E9-692A-4D05-A349-CBDF03FDA677}" type="pres">
+      <dgm:prSet presAssocID="{73805C4B-7D98-4362-A8FD-44E28FFCD44B}" presName="parTxOnly" presStyleLbl="node1" presStyleIdx="1" presStyleCnt="5">
+        <dgm:presLayoutVars>
+          <dgm:chMax val="0"/>
+          <dgm:chPref val="0"/>
+          <dgm:bulletEnabled val="1"/>
+        </dgm:presLayoutVars>
+      </dgm:prSet>
+      <dgm:spPr/>
+    </dgm:pt>
+    <dgm:pt modelId="{EEA037F7-AE2F-4302-AA11-228240B9A75D}" type="pres">
+      <dgm:prSet presAssocID="{FCB00572-1C8F-4B6D-968B-B082338556BC}" presName="parTxOnlySpace" presStyleCnt="0"/>
+      <dgm:spPr/>
+    </dgm:pt>
+    <dgm:pt modelId="{17AF3B93-FA57-409F-9FAF-CA14FC2BCCDA}" type="pres">
+      <dgm:prSet presAssocID="{C53F7CE2-31BC-48F5-A2F3-D03B5B9BF278}" presName="parTxOnly" presStyleLbl="node1" presStyleIdx="2" presStyleCnt="5">
+        <dgm:presLayoutVars>
+          <dgm:chMax val="0"/>
+          <dgm:chPref val="0"/>
+          <dgm:bulletEnabled val="1"/>
+        </dgm:presLayoutVars>
+      </dgm:prSet>
+      <dgm:spPr/>
+    </dgm:pt>
+    <dgm:pt modelId="{C865F029-8CEF-4314-9C3B-0D8926907D83}" type="pres">
+      <dgm:prSet presAssocID="{1D3C9E28-C2BE-4DF6-99F3-BB5CC8E8C51A}" presName="parTxOnlySpace" presStyleCnt="0"/>
+      <dgm:spPr/>
+    </dgm:pt>
+    <dgm:pt modelId="{DEAC2976-8EFE-4204-9FE4-0A0AE01A3B2B}" type="pres">
+      <dgm:prSet presAssocID="{A26FF0B8-21EE-440A-A1E5-B58854861A1B}" presName="parTxOnly" presStyleLbl="node1" presStyleIdx="3" presStyleCnt="5">
+        <dgm:presLayoutVars>
+          <dgm:chMax val="0"/>
+          <dgm:chPref val="0"/>
+          <dgm:bulletEnabled val="1"/>
+        </dgm:presLayoutVars>
+      </dgm:prSet>
+      <dgm:spPr/>
+    </dgm:pt>
+    <dgm:pt modelId="{48E0258A-CCF0-4FE0-A8A2-A7F4B1729A29}" type="pres">
+      <dgm:prSet presAssocID="{84265283-6A79-49F9-86CC-89FACB483873}" presName="parTxOnlySpace" presStyleCnt="0"/>
+      <dgm:spPr/>
+    </dgm:pt>
+    <dgm:pt modelId="{99F52057-642D-4027-97D5-D26EF2913281}" type="pres">
+      <dgm:prSet presAssocID="{F08B1DBD-768B-4021-B324-619C7AE9BCDD}" presName="parTxOnly" presStyleLbl="node1" presStyleIdx="4" presStyleCnt="5">
+        <dgm:presLayoutVars>
+          <dgm:chMax val="0"/>
+          <dgm:chPref val="0"/>
+          <dgm:bulletEnabled val="1"/>
+        </dgm:presLayoutVars>
+      </dgm:prSet>
+      <dgm:spPr/>
+    </dgm:pt>
+  </dgm:ptLst>
+  <dgm:cxnLst>
+    <dgm:cxn modelId="{051DADB8-E59A-459E-A282-F6BEF7FEFAF7}" srcId="{88A279F5-7EB5-4E96-9F7B-7496F28D7A8F}" destId="{C53F7CE2-31BC-48F5-A2F3-D03B5B9BF278}" srcOrd="2" destOrd="0" parTransId="{37D91C21-A23F-4BDF-9629-740E04ADE85A}" sibTransId="{1D3C9E28-C2BE-4DF6-99F3-BB5CC8E8C51A}"/>
+    <dgm:cxn modelId="{1F1B2787-FB06-4198-8718-4400C492D4E6}" srcId="{88A279F5-7EB5-4E96-9F7B-7496F28D7A8F}" destId="{F08B1DBD-768B-4021-B324-619C7AE9BCDD}" srcOrd="4" destOrd="0" parTransId="{171AF7EF-C367-442A-A21C-F76F0AA02179}" sibTransId="{F834BEDF-43AA-4613-8A4C-4716A1D96B70}"/>
+    <dgm:cxn modelId="{5D46DE91-375A-4696-8D02-EDBFD2EF7480}" srcId="{88A279F5-7EB5-4E96-9F7B-7496F28D7A8F}" destId="{89A25868-2A83-4B1C-9589-084F96ECC5FA}" srcOrd="0" destOrd="0" parTransId="{318960B0-2EAA-4919-9032-BD16785419A8}" sibTransId="{2DCEDA11-AF4A-475D-A66D-2E9523CAABC4}"/>
+    <dgm:cxn modelId="{CB6B619F-6395-46A7-8EB0-BD70AE48CC3A}" type="presOf" srcId="{88A279F5-7EB5-4E96-9F7B-7496F28D7A8F}" destId="{6B56D85D-4488-48A3-B443-ED31385606F1}" srcOrd="0" destOrd="0" presId="urn:microsoft.com/office/officeart/2005/8/layout/chevron1"/>
+    <dgm:cxn modelId="{12D6D7A4-7E1A-402F-A697-0A52FEE372BD}" srcId="{88A279F5-7EB5-4E96-9F7B-7496F28D7A8F}" destId="{A26FF0B8-21EE-440A-A1E5-B58854861A1B}" srcOrd="3" destOrd="0" parTransId="{9C3E234D-86CF-4441-AD6C-5E0BD9F7940C}" sibTransId="{84265283-6A79-49F9-86CC-89FACB483873}"/>
+    <dgm:cxn modelId="{B14D75CA-A94B-4DDA-824B-F69333FC21A9}" type="presOf" srcId="{C53F7CE2-31BC-48F5-A2F3-D03B5B9BF278}" destId="{17AF3B93-FA57-409F-9FAF-CA14FC2BCCDA}" srcOrd="0" destOrd="0" presId="urn:microsoft.com/office/officeart/2005/8/layout/chevron1"/>
+    <dgm:cxn modelId="{307BCC6B-08E2-41DD-AA81-6001933DFDC7}" type="presOf" srcId="{F08B1DBD-768B-4021-B324-619C7AE9BCDD}" destId="{99F52057-642D-4027-97D5-D26EF2913281}" srcOrd="0" destOrd="0" presId="urn:microsoft.com/office/officeart/2005/8/layout/chevron1"/>
+    <dgm:cxn modelId="{1CD9CE8A-B346-4678-8331-010EC9C8B801}" type="presOf" srcId="{A26FF0B8-21EE-440A-A1E5-B58854861A1B}" destId="{DEAC2976-8EFE-4204-9FE4-0A0AE01A3B2B}" srcOrd="0" destOrd="0" presId="urn:microsoft.com/office/officeart/2005/8/layout/chevron1"/>
+    <dgm:cxn modelId="{B596800D-F3DE-4533-A550-2BCAFD578C84}" type="presOf" srcId="{73805C4B-7D98-4362-A8FD-44E28FFCD44B}" destId="{086EE9E9-692A-4D05-A349-CBDF03FDA677}" srcOrd="0" destOrd="0" presId="urn:microsoft.com/office/officeart/2005/8/layout/chevron1"/>
+    <dgm:cxn modelId="{74734019-3F03-40C5-BD6A-8F158F06259E}" srcId="{88A279F5-7EB5-4E96-9F7B-7496F28D7A8F}" destId="{73805C4B-7D98-4362-A8FD-44E28FFCD44B}" srcOrd="1" destOrd="0" parTransId="{90EAC645-6FE6-4B62-8ED9-2D637F117228}" sibTransId="{FCB00572-1C8F-4B6D-968B-B082338556BC}"/>
+    <dgm:cxn modelId="{DEF3569A-244B-4C66-9E63-E2A2E4AD5E58}" type="presOf" srcId="{89A25868-2A83-4B1C-9589-084F96ECC5FA}" destId="{6D72C3A5-1474-40AD-9A10-2534C79C4517}" srcOrd="0" destOrd="0" presId="urn:microsoft.com/office/officeart/2005/8/layout/chevron1"/>
+    <dgm:cxn modelId="{79158879-106A-4178-B689-5F9CFDE94412}" type="presParOf" srcId="{6B56D85D-4488-48A3-B443-ED31385606F1}" destId="{6D72C3A5-1474-40AD-9A10-2534C79C4517}" srcOrd="0" destOrd="0" presId="urn:microsoft.com/office/officeart/2005/8/layout/chevron1"/>
+    <dgm:cxn modelId="{BE4FE79A-D8D6-415A-827A-7E3171452CF2}" type="presParOf" srcId="{6B56D85D-4488-48A3-B443-ED31385606F1}" destId="{9F477FD7-EE8B-449F-9A31-7EBE455C9E41}" srcOrd="1" destOrd="0" presId="urn:microsoft.com/office/officeart/2005/8/layout/chevron1"/>
+    <dgm:cxn modelId="{9A145BA1-BFBC-440A-876B-55DCF30228C9}" type="presParOf" srcId="{6B56D85D-4488-48A3-B443-ED31385606F1}" destId="{086EE9E9-692A-4D05-A349-CBDF03FDA677}" srcOrd="2" destOrd="0" presId="urn:microsoft.com/office/officeart/2005/8/layout/chevron1"/>
+    <dgm:cxn modelId="{52F07B8F-2A94-4C8C-8627-EACAA5E387BC}" type="presParOf" srcId="{6B56D85D-4488-48A3-B443-ED31385606F1}" destId="{EEA037F7-AE2F-4302-AA11-228240B9A75D}" srcOrd="3" destOrd="0" presId="urn:microsoft.com/office/officeart/2005/8/layout/chevron1"/>
+    <dgm:cxn modelId="{9B4A557B-C1EE-46AB-88BE-47FC893DFC3F}" type="presParOf" srcId="{6B56D85D-4488-48A3-B443-ED31385606F1}" destId="{17AF3B93-FA57-409F-9FAF-CA14FC2BCCDA}" srcOrd="4" destOrd="0" presId="urn:microsoft.com/office/officeart/2005/8/layout/chevron1"/>
+    <dgm:cxn modelId="{AA62617B-8BD8-4410-A87F-C23C9410754D}" type="presParOf" srcId="{6B56D85D-4488-48A3-B443-ED31385606F1}" destId="{C865F029-8CEF-4314-9C3B-0D8926907D83}" srcOrd="5" destOrd="0" presId="urn:microsoft.com/office/officeart/2005/8/layout/chevron1"/>
+    <dgm:cxn modelId="{4E0C1548-8C02-475C-814B-557CC5016655}" type="presParOf" srcId="{6B56D85D-4488-48A3-B443-ED31385606F1}" destId="{DEAC2976-8EFE-4204-9FE4-0A0AE01A3B2B}" srcOrd="6" destOrd="0" presId="urn:microsoft.com/office/officeart/2005/8/layout/chevron1"/>
+    <dgm:cxn modelId="{9FE3B372-9691-42D5-808A-ECAC95AAF766}" type="presParOf" srcId="{6B56D85D-4488-48A3-B443-ED31385606F1}" destId="{48E0258A-CCF0-4FE0-A8A2-A7F4B1729A29}" srcOrd="7" destOrd="0" presId="urn:microsoft.com/office/officeart/2005/8/layout/chevron1"/>
+    <dgm:cxn modelId="{CAC57C8B-847A-4377-932D-0408CE7944E7}" type="presParOf" srcId="{6B56D85D-4488-48A3-B443-ED31385606F1}" destId="{99F52057-642D-4027-97D5-D26EF2913281}" srcOrd="8" destOrd="0" presId="urn:microsoft.com/office/officeart/2005/8/layout/chevron1"/>
+  </dgm:cxnLst>
+  <dgm:bg/>
+  <dgm:whole/>
+  <dgm:extLst>
+    <a:ext uri="http://schemas.microsoft.com/office/drawing/2008/diagram">
+      <dsp:dataModelExt xmlns:dsp="http://schemas.microsoft.com/office/drawing/2008/diagram" relId="rId10" minVer="http://schemas.openxmlformats.org/drawingml/2006/diagram"/>
+    </a:ext>
+  </dgm:extLst>
+</dgm:dataModel>
+</file>
+
+<file path=ppt/diagrams/drawing1.xml><?xml version="1.0" encoding="utf-8"?>
+<dsp:drawing xmlns:dgm="http://schemas.openxmlformats.org/drawingml/2006/diagram" xmlns:dsp="http://schemas.microsoft.com/office/drawing/2008/diagram" xmlns:a="http://schemas.openxmlformats.org/drawingml/2006/main">
+  <dsp:spTree>
+    <dsp:nvGrpSpPr>
+      <dsp:cNvPr id="0" name=""/>
+      <dsp:cNvGrpSpPr/>
+    </dsp:nvGrpSpPr>
+    <dsp:grpSpPr/>
+    <dsp:sp modelId="{6D72C3A5-1474-40AD-9A10-2534C79C4517}">
+      <dsp:nvSpPr>
+        <dsp:cNvPr id="0" name=""/>
+        <dsp:cNvSpPr/>
+      </dsp:nvSpPr>
+      <dsp:spPr>
+        <a:xfrm>
+          <a:off x="2112" y="562235"/>
+          <a:ext cx="1880185" cy="752074"/>
+        </a:xfrm>
+        <a:prstGeom prst="chevron">
+          <a:avLst/>
+        </a:prstGeom>
+        <a:solidFill>
+          <a:schemeClr val="tx2">
+            <a:lumMod val="75000"/>
+          </a:schemeClr>
+        </a:solidFill>
+        <a:ln w="12700" cap="flat" cmpd="sng" algn="ctr">
+          <a:solidFill>
+            <a:schemeClr val="lt1">
+              <a:hueOff val="0"/>
+              <a:satOff val="0"/>
+              <a:lumOff val="0"/>
+              <a:alphaOff val="0"/>
+            </a:schemeClr>
+          </a:solidFill>
+          <a:prstDash val="solid"/>
+          <a:miter lim="800000"/>
+        </a:ln>
+        <a:effectLst/>
+      </dsp:spPr>
+      <dsp:style>
+        <a:lnRef idx="2">
+          <a:scrgbClr r="0" g="0" b="0"/>
+        </a:lnRef>
+        <a:fillRef idx="1">
+          <a:scrgbClr r="0" g="0" b="0"/>
+        </a:fillRef>
+        <a:effectRef idx="0">
+          <a:scrgbClr r="0" g="0" b="0"/>
+        </a:effectRef>
+        <a:fontRef idx="minor">
+          <a:schemeClr val="lt1"/>
+        </a:fontRef>
+      </dsp:style>
+      <dsp:txBody>
+        <a:bodyPr spcFirstLastPara="0" vert="horz" wrap="square" lIns="56007" tIns="18669" rIns="18669" bIns="18669" numCol="1" spcCol="1270" anchor="ctr" anchorCtr="0">
+          <a:noAutofit/>
+        </a:bodyPr>
+        <a:lstStyle/>
+        <a:p>
+          <a:pPr lvl="0" algn="ctr" defTabSz="622300">
+            <a:lnSpc>
+              <a:spcPct val="90000"/>
+            </a:lnSpc>
+            <a:spcBef>
+              <a:spcPct val="0"/>
+            </a:spcBef>
+            <a:spcAft>
+              <a:spcPct val="35000"/>
+            </a:spcAft>
+          </a:pPr>
+          <a:r>
+            <a:rPr lang="en-US" sz="1400" b="1" kern="1200" dirty="0" smtClean="0"/>
+            <a:t>package</a:t>
+          </a:r>
+          <a:endParaRPr lang="de-DE" sz="1400" b="1" kern="1200" dirty="0"/>
+        </a:p>
+      </dsp:txBody>
+      <dsp:txXfrm>
+        <a:off x="378149" y="562235"/>
+        <a:ext cx="1128111" cy="752074"/>
+      </dsp:txXfrm>
+    </dsp:sp>
+    <dsp:sp modelId="{086EE9E9-692A-4D05-A349-CBDF03FDA677}">
+      <dsp:nvSpPr>
+        <dsp:cNvPr id="0" name=""/>
+        <dsp:cNvSpPr/>
+      </dsp:nvSpPr>
+      <dsp:spPr>
+        <a:xfrm>
+          <a:off x="1694279" y="562235"/>
+          <a:ext cx="1880185" cy="752074"/>
+        </a:xfrm>
+        <a:prstGeom prst="chevron">
+          <a:avLst/>
+        </a:prstGeom>
+        <a:solidFill>
+          <a:schemeClr val="tx2">
+            <a:lumMod val="75000"/>
+          </a:schemeClr>
+        </a:solidFill>
+        <a:ln w="12700" cap="flat" cmpd="sng" algn="ctr">
+          <a:solidFill>
+            <a:schemeClr val="lt1">
+              <a:hueOff val="0"/>
+              <a:satOff val="0"/>
+              <a:lumOff val="0"/>
+              <a:alphaOff val="0"/>
+            </a:schemeClr>
+          </a:solidFill>
+          <a:prstDash val="solid"/>
+          <a:miter lim="800000"/>
+        </a:ln>
+        <a:effectLst/>
+      </dsp:spPr>
+      <dsp:style>
+        <a:lnRef idx="2">
+          <a:scrgbClr r="0" g="0" b="0"/>
+        </a:lnRef>
+        <a:fillRef idx="1">
+          <a:scrgbClr r="0" g="0" b="0"/>
+        </a:fillRef>
+        <a:effectRef idx="0">
+          <a:scrgbClr r="0" g="0" b="0"/>
+        </a:effectRef>
+        <a:fontRef idx="minor">
+          <a:schemeClr val="lt1"/>
+        </a:fontRef>
+      </dsp:style>
+      <dsp:txBody>
+        <a:bodyPr spcFirstLastPara="0" vert="horz" wrap="square" lIns="56007" tIns="18669" rIns="18669" bIns="18669" numCol="1" spcCol="1270" anchor="ctr" anchorCtr="0">
+          <a:noAutofit/>
+        </a:bodyPr>
+        <a:lstStyle/>
+        <a:p>
+          <a:pPr lvl="0" algn="ctr" defTabSz="622300">
+            <a:lnSpc>
+              <a:spcPct val="90000"/>
+            </a:lnSpc>
+            <a:spcBef>
+              <a:spcPct val="0"/>
+            </a:spcBef>
+            <a:spcAft>
+              <a:spcPct val="35000"/>
+            </a:spcAft>
+          </a:pPr>
+          <a:r>
+            <a:rPr lang="en-US" sz="1400" b="1" kern="1200" dirty="0" smtClean="0"/>
+            <a:t>pre-integration-test</a:t>
+          </a:r>
+          <a:endParaRPr lang="de-DE" sz="1400" b="1" kern="1200" dirty="0"/>
+        </a:p>
+      </dsp:txBody>
+      <dsp:txXfrm>
+        <a:off x="2070316" y="562235"/>
+        <a:ext cx="1128111" cy="752074"/>
+      </dsp:txXfrm>
+    </dsp:sp>
+    <dsp:sp modelId="{17AF3B93-FA57-409F-9FAF-CA14FC2BCCDA}">
+      <dsp:nvSpPr>
+        <dsp:cNvPr id="0" name=""/>
+        <dsp:cNvSpPr/>
+      </dsp:nvSpPr>
+      <dsp:spPr>
+        <a:xfrm>
+          <a:off x="3386445" y="562235"/>
+          <a:ext cx="1880185" cy="752074"/>
+        </a:xfrm>
+        <a:prstGeom prst="chevron">
+          <a:avLst/>
+        </a:prstGeom>
+        <a:solidFill>
+          <a:schemeClr val="tx2">
+            <a:lumMod val="75000"/>
+          </a:schemeClr>
+        </a:solidFill>
+        <a:ln w="12700" cap="flat" cmpd="sng" algn="ctr">
+          <a:solidFill>
+            <a:schemeClr val="lt1">
+              <a:hueOff val="0"/>
+              <a:satOff val="0"/>
+              <a:lumOff val="0"/>
+              <a:alphaOff val="0"/>
+            </a:schemeClr>
+          </a:solidFill>
+          <a:prstDash val="solid"/>
+          <a:miter lim="800000"/>
+        </a:ln>
+        <a:effectLst/>
+      </dsp:spPr>
+      <dsp:style>
+        <a:lnRef idx="2">
+          <a:scrgbClr r="0" g="0" b="0"/>
+        </a:lnRef>
+        <a:fillRef idx="1">
+          <a:scrgbClr r="0" g="0" b="0"/>
+        </a:fillRef>
+        <a:effectRef idx="0">
+          <a:scrgbClr r="0" g="0" b="0"/>
+        </a:effectRef>
+        <a:fontRef idx="minor">
+          <a:schemeClr val="lt1"/>
+        </a:fontRef>
+      </dsp:style>
+      <dsp:txBody>
+        <a:bodyPr spcFirstLastPara="0" vert="horz" wrap="square" lIns="56007" tIns="18669" rIns="18669" bIns="18669" numCol="1" spcCol="1270" anchor="ctr" anchorCtr="0">
+          <a:noAutofit/>
+        </a:bodyPr>
+        <a:lstStyle/>
+        <a:p>
+          <a:pPr lvl="0" algn="ctr" defTabSz="622300">
+            <a:lnSpc>
+              <a:spcPct val="90000"/>
+            </a:lnSpc>
+            <a:spcBef>
+              <a:spcPct val="0"/>
+            </a:spcBef>
+            <a:spcAft>
+              <a:spcPct val="35000"/>
+            </a:spcAft>
+          </a:pPr>
+          <a:r>
+            <a:rPr lang="en-US" sz="1400" b="1" kern="1200" dirty="0" smtClean="0"/>
+            <a:t>integration-test</a:t>
+          </a:r>
+          <a:endParaRPr lang="de-DE" sz="1400" b="1" kern="1200" dirty="0"/>
+        </a:p>
+      </dsp:txBody>
+      <dsp:txXfrm>
+        <a:off x="3762482" y="562235"/>
+        <a:ext cx="1128111" cy="752074"/>
+      </dsp:txXfrm>
+    </dsp:sp>
+    <dsp:sp modelId="{DEAC2976-8EFE-4204-9FE4-0A0AE01A3B2B}">
+      <dsp:nvSpPr>
+        <dsp:cNvPr id="0" name=""/>
+        <dsp:cNvSpPr/>
+      </dsp:nvSpPr>
+      <dsp:spPr>
+        <a:xfrm>
+          <a:off x="5078612" y="562235"/>
+          <a:ext cx="1880185" cy="752074"/>
+        </a:xfrm>
+        <a:prstGeom prst="chevron">
+          <a:avLst/>
+        </a:prstGeom>
+        <a:solidFill>
+          <a:schemeClr val="tx2">
+            <a:lumMod val="75000"/>
+          </a:schemeClr>
+        </a:solidFill>
+        <a:ln w="12700" cap="flat" cmpd="sng" algn="ctr">
+          <a:solidFill>
+            <a:schemeClr val="lt1">
+              <a:hueOff val="0"/>
+              <a:satOff val="0"/>
+              <a:lumOff val="0"/>
+              <a:alphaOff val="0"/>
+            </a:schemeClr>
+          </a:solidFill>
+          <a:prstDash val="solid"/>
+          <a:miter lim="800000"/>
+        </a:ln>
+        <a:effectLst/>
+      </dsp:spPr>
+      <dsp:style>
+        <a:lnRef idx="2">
+          <a:scrgbClr r="0" g="0" b="0"/>
+        </a:lnRef>
+        <a:fillRef idx="1">
+          <a:scrgbClr r="0" g="0" b="0"/>
+        </a:fillRef>
+        <a:effectRef idx="0">
+          <a:scrgbClr r="0" g="0" b="0"/>
+        </a:effectRef>
+        <a:fontRef idx="minor">
+          <a:schemeClr val="lt1"/>
+        </a:fontRef>
+      </dsp:style>
+      <dsp:txBody>
+        <a:bodyPr spcFirstLastPara="0" vert="horz" wrap="square" lIns="56007" tIns="18669" rIns="18669" bIns="18669" numCol="1" spcCol="1270" anchor="ctr" anchorCtr="0">
+          <a:noAutofit/>
+        </a:bodyPr>
+        <a:lstStyle/>
+        <a:p>
+          <a:pPr lvl="0" algn="ctr" defTabSz="622300">
+            <a:lnSpc>
+              <a:spcPct val="90000"/>
+            </a:lnSpc>
+            <a:spcBef>
+              <a:spcPct val="0"/>
+            </a:spcBef>
+            <a:spcAft>
+              <a:spcPct val="35000"/>
+            </a:spcAft>
+          </a:pPr>
+          <a:r>
+            <a:rPr lang="en-US" sz="1400" b="1" kern="1200" dirty="0" smtClean="0"/>
+            <a:t>post-integration-test</a:t>
+          </a:r>
+          <a:endParaRPr lang="de-DE" sz="1400" b="1" kern="1200" dirty="0"/>
+        </a:p>
+      </dsp:txBody>
+      <dsp:txXfrm>
+        <a:off x="5454649" y="562235"/>
+        <a:ext cx="1128111" cy="752074"/>
+      </dsp:txXfrm>
+    </dsp:sp>
+    <dsp:sp modelId="{99F52057-642D-4027-97D5-D26EF2913281}">
+      <dsp:nvSpPr>
+        <dsp:cNvPr id="0" name=""/>
+        <dsp:cNvSpPr/>
+      </dsp:nvSpPr>
+      <dsp:spPr>
+        <a:xfrm>
+          <a:off x="6770779" y="562235"/>
+          <a:ext cx="1880185" cy="752074"/>
+        </a:xfrm>
+        <a:prstGeom prst="chevron">
+          <a:avLst/>
+        </a:prstGeom>
+        <a:solidFill>
+          <a:schemeClr val="tx2">
+            <a:lumMod val="75000"/>
+          </a:schemeClr>
+        </a:solidFill>
+        <a:ln w="12700" cap="flat" cmpd="sng" algn="ctr">
+          <a:solidFill>
+            <a:schemeClr val="lt1">
+              <a:hueOff val="0"/>
+              <a:satOff val="0"/>
+              <a:lumOff val="0"/>
+              <a:alphaOff val="0"/>
+            </a:schemeClr>
+          </a:solidFill>
+          <a:prstDash val="solid"/>
+          <a:miter lim="800000"/>
+        </a:ln>
+        <a:effectLst/>
+      </dsp:spPr>
+      <dsp:style>
+        <a:lnRef idx="2">
+          <a:scrgbClr r="0" g="0" b="0"/>
+        </a:lnRef>
+        <a:fillRef idx="1">
+          <a:scrgbClr r="0" g="0" b="0"/>
+        </a:fillRef>
+        <a:effectRef idx="0">
+          <a:scrgbClr r="0" g="0" b="0"/>
+        </a:effectRef>
+        <a:fontRef idx="minor">
+          <a:schemeClr val="lt1"/>
+        </a:fontRef>
+      </dsp:style>
+      <dsp:txBody>
+        <a:bodyPr spcFirstLastPara="0" vert="horz" wrap="square" lIns="56007" tIns="18669" rIns="18669" bIns="18669" numCol="1" spcCol="1270" anchor="ctr" anchorCtr="0">
+          <a:noAutofit/>
+        </a:bodyPr>
+        <a:lstStyle/>
+        <a:p>
+          <a:pPr lvl="0" algn="ctr" defTabSz="622300">
+            <a:lnSpc>
+              <a:spcPct val="90000"/>
+            </a:lnSpc>
+            <a:spcBef>
+              <a:spcPct val="0"/>
+            </a:spcBef>
+            <a:spcAft>
+              <a:spcPct val="35000"/>
+            </a:spcAft>
+          </a:pPr>
+          <a:r>
+            <a:rPr lang="en-US" sz="1400" b="1" kern="1200" dirty="0" smtClean="0"/>
+            <a:t>deploy</a:t>
+          </a:r>
+          <a:endParaRPr lang="de-DE" sz="1400" b="1" kern="1200" dirty="0"/>
+        </a:p>
+      </dsp:txBody>
+      <dsp:txXfrm>
+        <a:off x="7146816" y="562235"/>
+        <a:ext cx="1128111" cy="752074"/>
+      </dsp:txXfrm>
+    </dsp:sp>
+  </dsp:spTree>
+</dsp:drawing>
+</file>
+
+<file path=ppt/diagrams/layout1.xml><?xml version="1.0" encoding="utf-8"?>
+<dgm:layoutDef xmlns:dgm="http://schemas.openxmlformats.org/drawingml/2006/diagram" xmlns:a="http://schemas.openxmlformats.org/drawingml/2006/main" uniqueId="urn:microsoft.com/office/officeart/2005/8/layout/chevron1">
+  <dgm:title val=""/>
+  <dgm:desc val=""/>
+  <dgm:catLst>
+    <dgm:cat type="process" pri="9000"/>
+  </dgm:catLst>
+  <dgm:sampData useDef="1">
+    <dgm:dataModel>
+      <dgm:ptLst/>
+      <dgm:bg/>
+      <dgm:whole/>
+    </dgm:dataModel>
+  </dgm:sampData>
+  <dgm:styleData>
+    <dgm:dataModel>
+      <dgm:ptLst>
+        <dgm:pt modelId="0" type="doc"/>
+        <dgm:pt modelId="1"/>
+        <dgm:pt modelId="2"/>
+      </dgm:ptLst>
+      <dgm:cxnLst>
+        <dgm:cxn modelId="3" srcId="0" destId="1" srcOrd="0" destOrd="0"/>
+        <dgm:cxn modelId="4" srcId="0" destId="2" srcOrd="1" destOrd="0"/>
+      </dgm:cxnLst>
+      <dgm:bg/>
+      <dgm:whole/>
+    </dgm:dataModel>
+  </dgm:styleData>
+  <dgm:clrData>
+    <dgm:dataModel>
+      <dgm:ptLst>
+        <dgm:pt modelId="0" type="doc"/>
+        <dgm:pt modelId="1"/>
+        <dgm:pt modelId="2"/>
+        <dgm:pt modelId="3"/>
+        <dgm:pt modelId="4"/>
+      </dgm:ptLst>
+      <dgm:cxnLst>
+        <dgm:cxn modelId="5" srcId="0" destId="1" srcOrd="0" destOrd="0"/>
+        <dgm:cxn modelId="6" srcId="0" destId="2" srcOrd="1" destOrd="0"/>
+        <dgm:cxn modelId="7" srcId="0" destId="3" srcOrd="2" destOrd="0"/>
+        <dgm:cxn modelId="8" srcId="0" destId="4" srcOrd="3" destOrd="0"/>
+      </dgm:cxnLst>
+      <dgm:bg/>
+      <dgm:whole/>
+    </dgm:dataModel>
+  </dgm:clrData>
+  <dgm:layoutNode name="Name0">
+    <dgm:varLst>
+      <dgm:dir/>
+      <dgm:animLvl val="lvl"/>
+      <dgm:resizeHandles val="exact"/>
+    </dgm:varLst>
+    <dgm:choose name="Name1">
+      <dgm:if name="Name2" func="var" arg="dir" op="equ" val="norm">
+        <dgm:alg type="lin"/>
+      </dgm:if>
+      <dgm:else name="Name3">
+        <dgm:alg type="lin">
+          <dgm:param type="linDir" val="fromR"/>
+        </dgm:alg>
+      </dgm:else>
+    </dgm:choose>
+    <dgm:shape xmlns:r="http://schemas.openxmlformats.org/officeDocument/2006/relationships" r:blip="">
+      <dgm:adjLst/>
+    </dgm:shape>
+    <dgm:presOf/>
+    <dgm:choose name="Name4">
+      <dgm:if name="Name5" axis="des" func="maxDepth" op="gte" val="2">
+        <dgm:constrLst>
+          <dgm:constr type="h" for="ch" forName="composite" refType="h"/>
+          <dgm:constr type="w" for="ch" forName="composite" refType="w"/>
+          <dgm:constr type="w" for="des" forName="parTx"/>
+          <dgm:constr type="h" for="des" forName="parTx" op="equ"/>
+          <dgm:constr type="w" for="des" forName="desTx"/>
+          <dgm:constr type="h" for="des" forName="desTx" op="equ"/>
+          <dgm:constr type="primFontSz" for="des" forName="parTx" val="65"/>
+          <dgm:constr type="secFontSz" for="des" forName="desTx" refType="primFontSz" refFor="des" refForName="parTx" op="equ"/>
+          <dgm:constr type="h" for="des" forName="parTx" refType="primFontSz" refFor="des" refForName="parTx" fact="1.5"/>
+          <dgm:constr type="h" for="des" forName="desTx" refType="primFontSz" refFor="des" refForName="parTx" fact="0.5"/>
+          <dgm:constr type="w" for="ch" forName="space" op="equ" val="-6"/>
+        </dgm:constrLst>
+        <dgm:ruleLst>
+          <dgm:rule type="w" for="ch" forName="composite" val="0" fact="NaN" max="NaN"/>
+          <dgm:rule type="primFontSz" for="des" forName="parTx" val="5" fact="NaN" max="NaN"/>
+        </dgm:ruleLst>
+        <dgm:forEach name="Name6" axis="ch" ptType="node">
+          <dgm:layoutNode name="composite">
+            <dgm:alg type="composite"/>
+            <dgm:shape xmlns:r="http://schemas.openxmlformats.org/officeDocument/2006/relationships" r:blip="">
+              <dgm:adjLst/>
+            </dgm:shape>
+            <dgm:presOf/>
+            <dgm:choose name="Name7">
+              <dgm:if name="Name8" func="var" arg="dir" op="equ" val="norm">
+                <dgm:constrLst>
+                  <dgm:constr type="l" for="ch" forName="parTx"/>
+                  <dgm:constr type="w" for="ch" forName="parTx" refType="w"/>
+                  <dgm:constr type="t" for="ch" forName="parTx"/>
+                  <dgm:constr type="l" for="ch" forName="desTx"/>
+                  <dgm:constr type="w" for="ch" forName="desTx" refType="w" refFor="ch" refForName="parTx" fact="0.8"/>
+                  <dgm:constr type="t" for="ch" forName="desTx" refType="h" refFor="ch" refForName="parTx" fact="1.125"/>
+                </dgm:constrLst>
+              </dgm:if>
+              <dgm:else name="Name9">
+                <dgm:constrLst>
+                  <dgm:constr type="l" for="ch" forName="parTx"/>
+                  <dgm:constr type="w" for="ch" forName="parTx" refType="w"/>
+                  <dgm:constr type="t" for="ch" forName="parTx"/>
+                  <dgm:constr type="l" for="ch" forName="desTx" refType="w" fact="0.2"/>
+                  <dgm:constr type="w" for="ch" forName="desTx" refType="w" refFor="ch" refForName="parTx" fact="0.8"/>
+                  <dgm:constr type="t" for="ch" forName="desTx" refType="h" refFor="ch" refForName="parTx" fact="1.125"/>
+                </dgm:constrLst>
+              </dgm:else>
+            </dgm:choose>
+            <dgm:ruleLst>
+              <dgm:rule type="h" val="INF" fact="NaN" max="NaN"/>
+            </dgm:ruleLst>
+            <dgm:layoutNode name="parTx">
+              <dgm:varLst>
+                <dgm:chMax val="0"/>
+                <dgm:chPref val="0"/>
+                <dgm:bulletEnabled val="1"/>
+              </dgm:varLst>
+              <dgm:alg type="tx"/>
+              <dgm:choose name="Name10">
+                <dgm:if name="Name11" func="var" arg="dir" op="equ" val="norm">
+                  <dgm:shape xmlns:r="http://schemas.openxmlformats.org/officeDocument/2006/relationships" type="chevron" r:blip="">
+                    <dgm:adjLst/>
+                  </dgm:shape>
+                </dgm:if>
+                <dgm:else name="Name12">
+                  <dgm:shape xmlns:r="http://schemas.openxmlformats.org/officeDocument/2006/relationships" rot="180" type="chevron" r:blip="">
+                    <dgm:adjLst/>
+                  </dgm:shape>
+                </dgm:else>
+              </dgm:choose>
+              <dgm:presOf axis="self" ptType="node"/>
+              <dgm:choose name="Name13">
+                <dgm:if name="Name14" func="var" arg="dir" op="equ" val="norm">
+                  <dgm:constrLst>
+                    <dgm:constr type="h" refType="w" op="lte" fact="0.4"/>
+                    <dgm:constr type="h"/>
+                    <dgm:constr type="tMarg" refType="primFontSz" fact="0.105"/>
+                    <dgm:constr type="bMarg" refType="primFontSz" fact="0.105"/>
+                    <dgm:constr type="lMarg" refType="primFontSz" fact="0.315"/>
+                    <dgm:constr type="rMarg" refType="primFontSz" fact="0.105"/>
+                  </dgm:constrLst>
+                </dgm:if>
+                <dgm:else name="Name15">
+                  <dgm:constrLst>
+                    <dgm:constr type="h" refType="w" op="lte" fact="0.4"/>
+                    <dgm:constr type="h"/>
+                    <dgm:constr type="tMarg" refType="primFontSz" fact="0.105"/>
+                    <dgm:constr type="bMarg" refType="primFontSz" fact="0.105"/>
+                    <dgm:constr type="lMarg" refType="primFontSz" fact="0.105"/>
+                    <dgm:constr type="rMarg" refType="primFontSz" fact="0.315"/>
+                  </dgm:constrLst>
+                </dgm:else>
+              </dgm:choose>
+              <dgm:ruleLst>
+                <dgm:rule type="h" val="INF" fact="NaN" max="NaN"/>
+              </dgm:ruleLst>
+            </dgm:layoutNode>
+            <dgm:layoutNode name="desTx" styleLbl="revTx">
+              <dgm:varLst>
+                <dgm:bulletEnabled val="1"/>
+              </dgm:varLst>
+              <dgm:alg type="tx">
+                <dgm:param type="stBulletLvl" val="1"/>
+              </dgm:alg>
+              <dgm:choose name="Name16">
+                <dgm:if name="Name17" axis="ch" ptType="node" func="cnt" op="gte" val="1">
+                  <dgm:shape xmlns:r="http://schemas.openxmlformats.org/officeDocument/2006/relationships" type="rect" r:blip="">
+                    <dgm:adjLst/>
+                  </dgm:shape>
+                </dgm:if>
+                <dgm:else name="Name18">
+                  <dgm:shape xmlns:r="http://schemas.openxmlformats.org/officeDocument/2006/relationships" type="rect" r:blip="" hideGeom="1">
+                    <dgm:adjLst/>
+                  </dgm:shape>
+                </dgm:else>
+              </dgm:choose>
+              <dgm:presOf axis="des" ptType="node"/>
+              <dgm:constrLst>
+                <dgm:constr type="secFontSz" val="65"/>
+                <dgm:constr type="primFontSz" refType="secFontSz"/>
+                <dgm:constr type="h"/>
+                <dgm:constr type="tMarg"/>
+                <dgm:constr type="bMarg"/>
+                <dgm:constr type="rMarg"/>
+                <dgm:constr type="lMarg"/>
+              </dgm:constrLst>
+              <dgm:ruleLst>
+                <dgm:rule type="h" val="INF" fact="NaN" max="NaN"/>
+              </dgm:ruleLst>
+            </dgm:layoutNode>
+          </dgm:layoutNode>
+          <dgm:forEach name="Name19" axis="followSib" ptType="sibTrans" cnt="1">
+            <dgm:layoutNode name="space">
+              <dgm:alg type="sp"/>
+              <dgm:shape xmlns:r="http://schemas.openxmlformats.org/officeDocument/2006/relationships" r:blip="">
+                <dgm:adjLst/>
+              </dgm:shape>
+              <dgm:presOf/>
+              <dgm:constrLst/>
+              <dgm:ruleLst/>
+            </dgm:layoutNode>
+          </dgm:forEach>
+        </dgm:forEach>
+      </dgm:if>
+      <dgm:else name="Name20">
+        <dgm:constrLst>
+          <dgm:constr type="w" for="ch" forName="parTxOnly" refType="w"/>
+          <dgm:constr type="h" for="des" forName="parTxOnly" op="equ"/>
+          <dgm:constr type="primFontSz" for="des" forName="parTxOnly" op="equ" val="65"/>
+          <dgm:constr type="w" for="ch" forName="parTxOnlySpace" refType="w" refFor="ch" refForName="parTxOnly" fact="-0.1"/>
+        </dgm:constrLst>
+        <dgm:ruleLst/>
+        <dgm:forEach name="Name21" axis="ch" ptType="node">
+          <dgm:layoutNode name="parTxOnly">
+            <dgm:varLst>
+              <dgm:chMax val="0"/>
+              <dgm:chPref val="0"/>
+              <dgm:bulletEnabled val="1"/>
+            </dgm:varLst>
+            <dgm:alg type="tx"/>
+            <dgm:choose name="Name22">
+              <dgm:if name="Name23" func="var" arg="dir" op="equ" val="norm">
+                <dgm:shape xmlns:r="http://schemas.openxmlformats.org/officeDocument/2006/relationships" type="chevron" r:blip="">
+                  <dgm:adjLst/>
+                </dgm:shape>
+              </dgm:if>
+              <dgm:else name="Name24">
+                <dgm:shape xmlns:r="http://schemas.openxmlformats.org/officeDocument/2006/relationships" rot="180" type="chevron" r:blip="">
+                  <dgm:adjLst/>
+                </dgm:shape>
+              </dgm:else>
+            </dgm:choose>
+            <dgm:presOf axis="self" ptType="node"/>
+            <dgm:choose name="Name25">
+              <dgm:if name="Name26" func="var" arg="dir" op="equ" val="norm">
+                <dgm:constrLst>
+                  <dgm:constr type="h" refType="w" op="equ" fact="0.4"/>
+                  <dgm:constr type="tMarg" refType="primFontSz" fact="0.105"/>
+                  <dgm:constr type="bMarg" refType="primFontSz" fact="0.105"/>
+                  <dgm:constr type="lMarg" refType="primFontSz" fact="0.315"/>
+                  <dgm:constr type="rMarg" refType="primFontSz" fact="0.105"/>
+                </dgm:constrLst>
+              </dgm:if>
+              <dgm:else name="Name27">
+                <dgm:constrLst>
+                  <dgm:constr type="h" refType="w" op="equ" fact="0.4"/>
+                  <dgm:constr type="tMarg" refType="primFontSz" fact="0.105"/>
+                  <dgm:constr type="bMarg" refType="primFontSz" fact="0.105"/>
+                  <dgm:constr type="lMarg" refType="primFontSz" fact="0.105"/>
+                  <dgm:constr type="rMarg" refType="primFontSz" fact="0.315"/>
+                </dgm:constrLst>
+              </dgm:else>
+            </dgm:choose>
+            <dgm:ruleLst>
+              <dgm:rule type="primFontSz" val="5" fact="NaN" max="NaN"/>
+            </dgm:ruleLst>
+          </dgm:layoutNode>
+          <dgm:forEach name="Name28" axis="followSib" ptType="sibTrans" cnt="1">
+            <dgm:layoutNode name="parTxOnlySpace">
+              <dgm:alg type="sp"/>
+              <dgm:shape xmlns:r="http://schemas.openxmlformats.org/officeDocument/2006/relationships" r:blip="">
+                <dgm:adjLst/>
+              </dgm:shape>
+              <dgm:presOf/>
+              <dgm:constrLst/>
+              <dgm:ruleLst/>
+            </dgm:layoutNode>
+          </dgm:forEach>
+        </dgm:forEach>
+      </dgm:else>
+    </dgm:choose>
+  </dgm:layoutNode>
+</dgm:layoutDef>
+</file>
+
+<file path=ppt/diagrams/quickStyle1.xml><?xml version="1.0" encoding="utf-8"?>
+<dgm:styleDef xmlns:dgm="http://schemas.openxmlformats.org/drawingml/2006/diagram" xmlns:a="http://schemas.openxmlformats.org/drawingml/2006/main" uniqueId="urn:microsoft.com/office/officeart/2005/8/quickstyle/simple1">
+  <dgm:title val=""/>
+  <dgm:desc val=""/>
+  <dgm:catLst>
+    <dgm:cat type="simple" pri="10100"/>
+  </dgm:catLst>
+  <dgm:scene3d>
+    <a:camera prst="orthographicFront"/>
+    <a:lightRig rig="threePt" dir="t"/>
+  </dgm:scene3d>
+  <dgm:styleLbl name="node0">
+    <dgm:scene3d>
+      <a:camera prst="orthographicFront"/>
+      <a:lightRig rig="threePt" dir="t"/>
+    </dgm:scene3d>
+    <dgm:sp3d/>
+    <dgm:txPr/>
+    <dgm:style>
+      <a:lnRef idx="2">
+        <a:scrgbClr r="0" g="0" b="0"/>
+      </a:lnRef>
+      <a:fillRef idx="1">
+        <a:scrgbClr r="0" g="0" b="0"/>
+      </a:fillRef>
+      <a:effectRef idx="0">
+        <a:scrgbClr r="0" g="0" b="0"/>
+      </a:effectRef>
+      <a:fontRef idx="minor">
+        <a:schemeClr val="lt1"/>
+      </a:fontRef>
+    </dgm:style>
+  </dgm:styleLbl>
+  <dgm:styleLbl name="lnNode1">
+    <dgm:scene3d>
+      <a:camera prst="orthographicFront"/>
+      <a:lightRig rig="threePt" dir="t"/>
+    </dgm:scene3d>
+    <dgm:sp3d/>
+    <dgm:txPr/>
+    <dgm:style>
+      <a:lnRef idx="2">
+        <a:scrgbClr r="0" g="0" b="0"/>
+      </a:lnRef>
+      <a:fillRef idx="1">
+        <a:scrgbClr r="0" g="0" b="0"/>
+      </a:fillRef>
+      <a:effectRef idx="0">
+        <a:scrgbClr r="0" g="0" b="0"/>
+      </a:effectRef>
+      <a:fontRef idx="minor">
+        <a:schemeClr val="lt1"/>
+      </a:fontRef>
+    </dgm:style>
+  </dgm:styleLbl>
+  <dgm:styleLbl name="vennNode1">
+    <dgm:scene3d>
+      <a:camera prst="orthographicFront"/>
+      <a:lightRig rig="threePt" dir="t"/>
+    </dgm:scene3d>
+    <dgm:sp3d/>
+    <dgm:txPr/>
+    <dgm:style>
+      <a:lnRef idx="2">
+        <a:scrgbClr r="0" g="0" b="0"/>
+      </a:lnRef>
+      <a:fillRef idx="1">
+        <a:scrgbClr r="0" g="0" b="0"/>
+      </a:fillRef>
+      <a:effectRef idx="0">
+        <a:scrgbClr r="0" g="0" b="0"/>
+      </a:effectRef>
+      <a:fontRef idx="minor">
+        <a:schemeClr val="tx1"/>
+      </a:fontRef>
+    </dgm:style>
+  </dgm:styleLbl>
+  <dgm:styleLbl name="alignNode1">
+    <dgm:scene3d>
+      <a:camera prst="orthographicFront"/>
+      <a:lightRig rig="threePt" dir="t"/>
+    </dgm:scene3d>
+    <dgm:sp3d/>
+    <dgm:txPr/>
+    <dgm:style>
+      <a:lnRef idx="2">
+        <a:scrgbClr r="0" g="0" b="0"/>
+      </a:lnRef>
+      <a:fillRef idx="1">
+        <a:scrgbClr r="0" g="0" b="0"/>
+      </a:fillRef>
+      <a:effectRef idx="0">
+        <a:scrgbClr r="0" g="0" b="0"/>
+      </a:effectRef>
+      <a:fontRef idx="minor">
+        <a:schemeClr val="lt1"/>
+      </a:fontRef>
+    </dgm:style>
+  </dgm:styleLbl>
+  <dgm:styleLbl name="node1">
+    <dgm:scene3d>
+      <a:camera prst="orthographicFront"/>
+      <a:lightRig rig="threePt" dir="t"/>
+    </dgm:scene3d>
+    <dgm:sp3d/>
+    <dgm:txPr/>
+    <dgm:style>
+      <a:lnRef idx="2">
+        <a:scrgbClr r="0" g="0" b="0"/>
+      </a:lnRef>
+      <a:fillRef idx="1">
+        <a:scrgbClr r="0" g="0" b="0"/>
+      </a:fillRef>
+      <a:effectRef idx="0">
+        <a:scrgbClr r="0" g="0" b="0"/>
+      </a:effectRef>
+      <a:fontRef idx="minor">
+        <a:schemeClr val="lt1"/>
+      </a:fontRef>
+    </dgm:style>
+  </dgm:styleLbl>
+  <dgm:styleLbl name="node2">
+    <dgm:scene3d>
+      <a:camera prst="orthographicFront"/>
+      <a:lightRig rig="threePt" dir="t"/>
+    </dgm:scene3d>
+    <dgm:sp3d/>
+    <dgm:txPr/>
+    <dgm:style>
+      <a:lnRef idx="2">
+        <a:scrgbClr r="0" g="0" b="0"/>
+      </a:lnRef>
+      <a:fillRef idx="1">
+        <a:scrgbClr r="0" g="0" b="0"/>
+      </a:fillRef>
+      <a:effectRef idx="0">
+        <a:scrgbClr r="0" g="0" b="0"/>
+      </a:effectRef>
+      <a:fontRef idx="minor">
+        <a:schemeClr val="lt1"/>
+      </a:fontRef>
+    </dgm:style>
+  </dgm:styleLbl>
+  <dgm:styleLbl name="node3">
+    <dgm:scene3d>
+      <a:camera prst="orthographicFront"/>
+      <a:lightRig rig="threePt" dir="t"/>
+    </dgm:scene3d>
+    <dgm:sp3d/>
+    <dgm:txPr/>
+    <dgm:style>
+      <a:lnRef idx="2">
+        <a:scrgbClr r="0" g="0" b="0"/>
+      </a:lnRef>
+      <a:fillRef idx="1">
+        <a:scrgbClr r="0" g="0" b="0"/>
+      </a:fillRef>
+      <a:effectRef idx="0">
+        <a:scrgbClr r="0" g="0" b="0"/>
+      </a:effectRef>
+      <a:fontRef idx="minor">
+        <a:schemeClr val="lt1"/>
+      </a:fontRef>
+    </dgm:style>
+  </dgm:styleLbl>
+  <dgm:styleLbl name="node4">
+    <dgm:scene3d>
+      <a:camera prst="orthographicFront"/>
+      <a:lightRig rig="threePt" dir="t"/>
+    </dgm:scene3d>
+    <dgm:sp3d/>
+    <dgm:txPr/>
+    <dgm:style>
+      <a:lnRef idx="2">
+        <a:scrgbClr r="0" g="0" b="0"/>
+      </a:lnRef>
+      <a:fillRef idx="1">
+        <a:scrgbClr r="0" g="0" b="0"/>
+      </a:fillRef>
+      <a:effectRef idx="0">
+        <a:scrgbClr r="0" g="0" b="0"/>
+      </a:effectRef>
+      <a:fontRef idx="minor">
+        <a:schemeClr val="lt1"/>
+      </a:fontRef>
+    </dgm:style>
+  </dgm:styleLbl>
+  <dgm:styleLbl name="fgImgPlace1">
+    <dgm:scene3d>
+      <a:camera prst="orthographicFront"/>
+      <a:lightRig rig="threePt" dir="t"/>
+    </dgm:scene3d>
+    <dgm:sp3d/>
+    <dgm:txPr/>
+    <dgm:style>
+      <a:lnRef idx="2">
+        <a:scrgbClr r="0" g="0" b="0"/>
+      </a:lnRef>
+      <a:fillRef idx="1">
+        <a:scrgbClr r="0" g="0" b="0"/>
+      </a:fillRef>
+      <a:effectRef idx="0">
+        <a:scrgbClr r="0" g="0" b="0"/>
+      </a:effectRef>
+      <a:fontRef idx="minor"/>
+    </dgm:style>
+  </dgm:styleLbl>
+  <dgm:styleLbl name="alignImgPlace1">
+    <dgm:scene3d>
+      <a:camera prst="orthographicFront"/>
+      <a:lightRig rig="threePt" dir="t"/>
+    </dgm:scene3d>
+    <dgm:sp3d/>
+    <dgm:txPr/>
+    <dgm:style>
+      <a:lnRef idx="2">
+        <a:scrgbClr r="0" g="0" b="0"/>
+      </a:lnRef>
+      <a:fillRef idx="1">
+        <a:scrgbClr r="0" g="0" b="0"/>
+      </a:fillRef>
+      <a:effectRef idx="0">
+        <a:scrgbClr r="0" g="0" b="0"/>
+      </a:effectRef>
+      <a:fontRef idx="minor"/>
+    </dgm:style>
+  </dgm:styleLbl>
+  <dgm:styleLbl name="bgImgPlace1">
+    <dgm:scene3d>
+      <a:camera prst="orthographicFront"/>
+      <a:lightRig rig="threePt" dir="t"/>
+    </dgm:scene3d>
+    <dgm:sp3d/>
+    <dgm:txPr/>
+    <dgm:style>
+      <a:lnRef idx="2">
+        <a:scrgbClr r="0" g="0" b="0"/>
+      </a:lnRef>
+      <a:fillRef idx="1">
+        <a:scrgbClr r="0" g="0" b="0"/>
+      </a:fillRef>
+      <a:effectRef idx="0">
+        <a:scrgbClr r="0" g="0" b="0"/>
+      </a:effectRef>
+      <a:fontRef idx="minor"/>
+    </dgm:style>
+  </dgm:styleLbl>
+  <dgm:styleLbl name="sibTrans2D1">
+    <dgm:scene3d>
+      <a:camera prst="orthographicFront"/>
+      <a:lightRig rig="threePt" dir="t"/>
+    </dgm:scene3d>
+    <dgm:sp3d/>
+    <dgm:txPr/>
+    <dgm:style>
+      <a:lnRef idx="0">
+        <a:scrgbClr r="0" g="0" b="0"/>
+      </a:lnRef>
+      <a:fillRef idx="1">
+        <a:scrgbClr r="0" g="0" b="0"/>
+      </a:fillRef>
+      <a:effectRef idx="0">
+        <a:scrgbClr r="0" g="0" b="0"/>
+      </a:effectRef>
+      <a:fontRef idx="minor">
+        <a:schemeClr val="lt1"/>
+      </a:fontRef>
+    </dgm:style>
+  </dgm:styleLbl>
+  <dgm:styleLbl name="fgSibTrans2D1">
+    <dgm:scene3d>
+      <a:camera prst="orthographicFront"/>
+      <a:lightRig rig="threePt" dir="t"/>
+    </dgm:scene3d>
+    <dgm:sp3d/>
+    <dgm:txPr/>
+    <dgm:style>
+      <a:lnRef idx="0">
+        <a:scrgbClr r="0" g="0" b="0"/>
+      </a:lnRef>
+      <a:fillRef idx="1">
+        <a:scrgbClr r="0" g="0" b="0"/>
+      </a:fillRef>
+      <a:effectRef idx="0">
+        <a:scrgbClr r="0" g="0" b="0"/>
+      </a:effectRef>
+      <a:fontRef idx="minor">
+        <a:schemeClr val="lt1"/>
+      </a:fontRef>
+    </dgm:style>
+  </dgm:styleLbl>
+  <dgm:styleLbl name="bgSibTrans2D1">
+    <dgm:scene3d>
+      <a:camera prst="orthographicFront"/>
+      <a:lightRig rig="threePt" dir="t"/>
+    </dgm:scene3d>
+    <dgm:sp3d/>
+    <dgm:txPr/>
+    <dgm:style>
+      <a:lnRef idx="0">
+        <a:scrgbClr r="0" g="0" b="0"/>
+      </a:lnRef>
+      <a:fillRef idx="1">
+        <a:scrgbClr r="0" g="0" b="0"/>
+      </a:fillRef>
+      <a:effectRef idx="0">
+        <a:scrgbClr r="0" g="0" b="0"/>
+      </a:effectRef>
+      <a:fontRef idx="minor">
+        <a:schemeClr val="lt1"/>
+      </a:fontRef>
+    </dgm:style>
+  </dgm:styleLbl>
+  <dgm:styleLbl name="sibTrans1D1">
+    <dgm:scene3d>
+      <a:camera prst="orthographicFront"/>
+      <a:lightRig rig="threePt" dir="t"/>
+    </dgm:scene3d>
+    <dgm:sp3d/>
+    <dgm:txPr/>
+    <dgm:style>
+      <a:lnRef idx="1">
+        <a:scrgbClr r="0" g="0" b="0"/>
+      </a:lnRef>
+      <a:fillRef idx="0">
+        <a:scrgbClr r="0" g="0" b="0"/>
+      </a:fillRef>
+      <a:effectRef idx="0">
+        <a:scrgbClr r="0" g="0" b="0"/>
+      </a:effectRef>
+      <a:fontRef idx="minor"/>
+    </dgm:style>
+  </dgm:styleLbl>
+  <dgm:styleLbl name="callout">
+    <dgm:scene3d>
+      <a:camera prst="orthographicFront"/>
+      <a:lightRig rig="threePt" dir="t"/>
+    </dgm:scene3d>
+    <dgm:sp3d/>
+    <dgm:txPr/>
+    <dgm:style>
+      <a:lnRef idx="2">
+        <a:scrgbClr r="0" g="0" b="0"/>
+      </a:lnRef>
+      <a:fillRef idx="1">
+        <a:scrgbClr r="0" g="0" b="0"/>
+      </a:fillRef>
+      <a:effectRef idx="0">
+        <a:scrgbClr r="0" g="0" b="0"/>
+      </a:effectRef>
+      <a:fontRef idx="minor"/>
+    </dgm:style>
+  </dgm:styleLbl>
+  <dgm:styleLbl name="asst0">
+    <dgm:scene3d>
+      <a:camera prst="orthographicFront"/>
+      <a:lightRig rig="threePt" dir="t"/>
+    </dgm:scene3d>
+    <dgm:sp3d/>
+    <dgm:txPr/>
+    <dgm:style>
+      <a:lnRef idx="2">
+        <a:scrgbClr r="0" g="0" b="0"/>
+      </a:lnRef>
+      <a:fillRef idx="1">
+        <a:scrgbClr r="0" g="0" b="0"/>
+      </a:fillRef>
+      <a:effectRef idx="0">
+        <a:scrgbClr r="0" g="0" b="0"/>
+      </a:effectRef>
+      <a:fontRef idx="minor">
+        <a:schemeClr val="lt1"/>
+      </a:fontRef>
+    </dgm:style>
+  </dgm:styleLbl>
+  <dgm:styleLbl name="asst1">
+    <dgm:scene3d>
+      <a:camera prst="orthographicFront"/>
+      <a:lightRig rig="threePt" dir="t"/>
+    </dgm:scene3d>
+    <dgm:sp3d/>
+    <dgm:txPr/>
+    <dgm:style>
+      <a:lnRef idx="2">
+        <a:scrgbClr r="0" g="0" b="0"/>
+      </a:lnRef>
+      <a:fillRef idx="1">
+        <a:scrgbClr r="0" g="0" b="0"/>
+      </a:fillRef>
+      <a:effectRef idx="0">
+        <a:scrgbClr r="0" g="0" b="0"/>
+      </a:effectRef>
+      <a:fontRef idx="minor">
+        <a:schemeClr val="lt1"/>
+      </a:fontRef>
+    </dgm:style>
+  </dgm:styleLbl>
+  <dgm:styleLbl name="asst2">
+    <dgm:scene3d>
+      <a:camera prst="orthographicFront"/>
+      <a:lightRig rig="threePt" dir="t"/>
+    </dgm:scene3d>
+    <dgm:sp3d/>
+    <dgm:txPr/>
+    <dgm:style>
+      <a:lnRef idx="2">
+        <a:scrgbClr r="0" g="0" b="0"/>
+      </a:lnRef>
+      <a:fillRef idx="1">
+        <a:scrgbClr r="0" g="0" b="0"/>
+      </a:fillRef>
+      <a:effectRef idx="0">
+        <a:scrgbClr r="0" g="0" b="0"/>
+      </a:effectRef>
+      <a:fontRef idx="minor">
+        <a:schemeClr val="lt1"/>
+      </a:fontRef>
+    </dgm:style>
+  </dgm:styleLbl>
+  <dgm:styleLbl name="asst3">
+    <dgm:scene3d>
+      <a:camera prst="orthographicFront"/>
+      <a:lightRig rig="threePt" dir="t"/>
+    </dgm:scene3d>
+    <dgm:sp3d/>
+    <dgm:txPr/>
+    <dgm:style>
+      <a:lnRef idx="2">
+        <a:scrgbClr r="0" g="0" b="0"/>
+      </a:lnRef>
+      <a:fillRef idx="1">
+        <a:scrgbClr r="0" g="0" b="0"/>
+      </a:fillRef>
+      <a:effectRef idx="0">
+        <a:scrgbClr r="0" g="0" b="0"/>
+      </a:effectRef>
+      <a:fontRef idx="minor">
+        <a:schemeClr val="lt1"/>
+      </a:fontRef>
+    </dgm:style>
+  </dgm:styleLbl>
+  <dgm:styleLbl name="asst4">
+    <dgm:scene3d>
+      <a:camera prst="orthographicFront"/>
+      <a:lightRig rig="threePt" dir="t"/>
+    </dgm:scene3d>
+    <dgm:sp3d/>
+    <dgm:txPr/>
+    <dgm:style>
+      <a:lnRef idx="2">
+        <a:scrgbClr r="0" g="0" b="0"/>
+      </a:lnRef>
+      <a:fillRef idx="1">
+        <a:scrgbClr r="0" g="0" b="0"/>
+      </a:fillRef>
+      <a:effectRef idx="0">
+        <a:scrgbClr r="0" g="0" b="0"/>
+      </a:effectRef>
+      <a:fontRef idx="minor">
+        <a:schemeClr val="lt1"/>
+      </a:fontRef>
+    </dgm:style>
+  </dgm:styleLbl>
+  <dgm:styleLbl name="parChTrans2D1">
+    <dgm:scene3d>
+      <a:camera prst="orthographicFront"/>
+      <a:lightRig rig="threePt" dir="t"/>
+    </dgm:scene3d>
+    <dgm:sp3d/>
+    <dgm:txPr/>
+    <dgm:style>
+      <a:lnRef idx="2">
+        <a:scrgbClr r="0" g="0" b="0"/>
+      </a:lnRef>
+      <a:fillRef idx="1">
+        <a:scrgbClr r="0" g="0" b="0"/>
+      </a:fillRef>
+      <a:effectRef idx="0">
+        <a:scrgbClr r="0" g="0" b="0"/>
+      </a:effectRef>
+      <a:fontRef idx="minor">
+        <a:schemeClr val="lt1"/>
+      </a:fontRef>
+    </dgm:style>
+  </dgm:styleLbl>
+  <dgm:styleLbl name="parChTrans2D2">
+    <dgm:scene3d>
+      <a:camera prst="orthographicFront"/>
+      <a:lightRig rig="threePt" dir="t"/>
+    </dgm:scene3d>
+    <dgm:sp3d/>
+    <dgm:txPr/>
+    <dgm:style>
+      <a:lnRef idx="2">
+        <a:scrgbClr r="0" g="0" b="0"/>
+      </a:lnRef>
+      <a:fillRef idx="1">
+        <a:scrgbClr r="0" g="0" b="0"/>
+      </a:fillRef>
+      <a:effectRef idx="0">
+        <a:scrgbClr r="0" g="0" b="0"/>
+      </a:effectRef>
+      <a:fontRef idx="minor">
+        <a:schemeClr val="lt1"/>
+      </a:fontRef>
+    </dgm:style>
+  </dgm:styleLbl>
+  <dgm:styleLbl name="parChTrans2D3">
+    <dgm:scene3d>
+      <a:camera prst="orthographicFront"/>
+      <a:lightRig rig="threePt" dir="t"/>
+    </dgm:scene3d>
+    <dgm:sp3d/>
+    <dgm:txPr/>
+    <dgm:style>
+      <a:lnRef idx="2">
+        <a:scrgbClr r="0" g="0" b="0"/>
+      </a:lnRef>
+      <a:fillRef idx="1">
+        <a:scrgbClr r="0" g="0" b="0"/>
+      </a:fillRef>
+      <a:effectRef idx="0">
+        <a:scrgbClr r="0" g="0" b="0"/>
+      </a:effectRef>
+      <a:fontRef idx="minor">
+        <a:schemeClr val="lt1"/>
+      </a:fontRef>
+    </dgm:style>
+  </dgm:styleLbl>
+  <dgm:styleLbl name="parChTrans2D4">
+    <dgm:scene3d>
+      <a:camera prst="orthographicFront"/>
+      <a:lightRig rig="threePt" dir="t"/>
+    </dgm:scene3d>
+    <dgm:sp3d/>
+    <dgm:txPr/>
+    <dgm:style>
+      <a:lnRef idx="2">
+        <a:scrgbClr r="0" g="0" b="0"/>
+      </a:lnRef>
+      <a:fillRef idx="1">
+        <a:scrgbClr r="0" g="0" b="0"/>
+      </a:fillRef>
+      <a:effectRef idx="0">
+        <a:scrgbClr r="0" g="0" b="0"/>
+      </a:effectRef>
+      <a:fontRef idx="minor">
+        <a:schemeClr val="lt1"/>
+      </a:fontRef>
+    </dgm:style>
+  </dgm:styleLbl>
+  <dgm:styleLbl name="parChTrans1D1">
+    <dgm:scene3d>
+      <a:camera prst="orthographicFront"/>
+      <a:lightRig rig="threePt" dir="t"/>
+    </dgm:scene3d>
+    <dgm:sp3d/>
+    <dgm:txPr/>
+    <dgm:style>
+      <a:lnRef idx="2">
+        <a:scrgbClr r="0" g="0" b="0"/>
+      </a:lnRef>
+      <a:fillRef idx="0">
+        <a:scrgbClr r="0" g="0" b="0"/>
+      </a:fillRef>
+      <a:effectRef idx="0">
+        <a:scrgbClr r="0" g="0" b="0"/>
+      </a:effectRef>
+      <a:fontRef idx="minor"/>
+    </dgm:style>
+  </dgm:styleLbl>
+  <dgm:styleLbl name="parChTrans1D2">
+    <dgm:scene3d>
+      <a:camera prst="orthographicFront"/>
+      <a:lightRig rig="threePt" dir="t"/>
+    </dgm:scene3d>
+    <dgm:sp3d/>
+    <dgm:txPr/>
+    <dgm:style>
+      <a:lnRef idx="2">
+        <a:scrgbClr r="0" g="0" b="0"/>
+      </a:lnRef>
+      <a:fillRef idx="0">
+        <a:scrgbClr r="0" g="0" b="0"/>
+      </a:fillRef>
+      <a:effectRef idx="0">
+        <a:scrgbClr r="0" g="0" b="0"/>
+      </a:effectRef>
+      <a:fontRef idx="minor"/>
+    </dgm:style>
+  </dgm:styleLbl>
+  <dgm:styleLbl name="parChTrans1D3">
+    <dgm:scene3d>
+      <a:camera prst="orthographicFront"/>
+      <a:lightRig rig="threePt" dir="t"/>
+    </dgm:scene3d>
+    <dgm:sp3d/>
+    <dgm:txPr/>
+    <dgm:style>
+      <a:lnRef idx="2">
+        <a:scrgbClr r="0" g="0" b="0"/>
+      </a:lnRef>
+      <a:fillRef idx="0">
+        <a:scrgbClr r="0" g="0" b="0"/>
+      </a:fillRef>
+      <a:effectRef idx="0">
+        <a:scrgbClr r="0" g="0" b="0"/>
+      </a:effectRef>
+      <a:fontRef idx="minor"/>
+    </dgm:style>
+  </dgm:styleLbl>
+  <dgm:styleLbl name="parChTrans1D4">
+    <dgm:scene3d>
+      <a:camera prst="orthographicFront"/>
+      <a:lightRig rig="threePt" dir="t"/>
+    </dgm:scene3d>
+    <dgm:sp3d/>
+    <dgm:txPr/>
+    <dgm:style>
+      <a:lnRef idx="2">
+        <a:scrgbClr r="0" g="0" b="0"/>
+      </a:lnRef>
+      <a:fillRef idx="0">
+        <a:scrgbClr r="0" g="0" b="0"/>
+      </a:fillRef>
+      <a:effectRef idx="0">
+        <a:scrgbClr r="0" g="0" b="0"/>
+      </a:effectRef>
+      <a:fontRef idx="minor"/>
+    </dgm:style>
+  </dgm:styleLbl>
+  <dgm:styleLbl name="fgAcc1">
+    <dgm:scene3d>
+      <a:camera prst="orthographicFront"/>
+      <a:lightRig rig="threePt" dir="t"/>
+    </dgm:scene3d>
+    <dgm:sp3d/>
+    <dgm:txPr/>
+    <dgm:style>
+      <a:lnRef idx="2">
+        <a:scrgbClr r="0" g="0" b="0"/>
+      </a:lnRef>
+      <a:fillRef idx="1">
+        <a:scrgbClr r="0" g="0" b="0"/>
+      </a:fillRef>
+      <a:effectRef idx="0">
+        <a:scrgbClr r="0" g="0" b="0"/>
+      </a:effectRef>
+      <a:fontRef idx="minor"/>
+    </dgm:style>
+  </dgm:styleLbl>
+  <dgm:styleLbl name="conFgAcc1">
+    <dgm:scene3d>
+      <a:camera prst="orthographicFront"/>
+      <a:lightRig rig="threePt" dir="t"/>
+    </dgm:scene3d>
+    <dgm:sp3d/>
+    <dgm:txPr/>
+    <dgm:style>
+      <a:lnRef idx="2">
+        <a:scrgbClr r="0" g="0" b="0"/>
+      </a:lnRef>
+      <a:fillRef idx="1">
+        <a:scrgbClr r="0" g="0" b="0"/>
+      </a:fillRef>
+      <a:effectRef idx="0">
+        <a:scrgbClr r="0" g="0" b="0"/>
+      </a:effectRef>
+      <a:fontRef idx="minor"/>
+    </dgm:style>
+  </dgm:styleLbl>
+  <dgm:styleLbl name="alignAcc1">
+    <dgm:scene3d>
+      <a:camera prst="orthographicFront"/>
+      <a:lightRig rig="threePt" dir="t"/>
+    </dgm:scene3d>
+    <dgm:sp3d/>
+    <dgm:txPr/>
+    <dgm:style>
+      <a:lnRef idx="2">
+        <a:scrgbClr r="0" g="0" b="0"/>
+      </a:lnRef>
+      <a:fillRef idx="1">
+        <a:scrgbClr r="0" g="0" b="0"/>
+      </a:fillRef>
+      <a:effectRef idx="0">
+        <a:scrgbClr r="0" g="0" b="0"/>
+      </a:effectRef>
+      <a:fontRef idx="minor"/>
+    </dgm:style>
+  </dgm:styleLbl>
+  <dgm:styleLbl name="trAlignAcc1">
+    <dgm:scene3d>
+      <a:camera prst="orthographicFront"/>
+      <a:lightRig rig="threePt" dir="t"/>
+    </dgm:scene3d>
+    <dgm:sp3d/>
+    <dgm:txPr/>
+    <dgm:style>
+      <a:lnRef idx="1">
+        <a:scrgbClr r="0" g="0" b="0"/>
+      </a:lnRef>
+      <a:fillRef idx="1">
+        <a:scrgbClr r="0" g="0" b="0"/>
+      </a:fillRef>
+      <a:effectRef idx="0">
+        <a:scrgbClr r="0" g="0" b="0"/>
+      </a:effectRef>
+      <a:fontRef idx="minor"/>
+    </dgm:style>
+  </dgm:styleLbl>
+  <dgm:styleLbl name="bgAcc1">
+    <dgm:scene3d>
+      <a:camera prst="orthographicFront"/>
+      <a:lightRig rig="threePt" dir="t"/>
+    </dgm:scene3d>
+    <dgm:sp3d/>
+    <dgm:txPr/>
+    <dgm:style>
+      <a:lnRef idx="2">
+        <a:scrgbClr r="0" g="0" b="0"/>
+      </a:lnRef>
+      <a:fillRef idx="1">
+        <a:scrgbClr r="0" g="0" b="0"/>
+      </a:fillRef>
+      <a:effectRef idx="0">
+        <a:scrgbClr r="0" g="0" b="0"/>
+      </a:effectRef>
+      <a:fontRef idx="minor"/>
+    </dgm:style>
+  </dgm:styleLbl>
+  <dgm:styleLbl name="solidFgAcc1">
+    <dgm:scene3d>
+      <a:camera prst="orthographicFront"/>
+      <a:lightRig rig="threePt" dir="t"/>
+    </dgm:scene3d>
+    <dgm:sp3d/>
+    <dgm:txPr/>
+    <dgm:style>
+      <a:lnRef idx="2">
+        <a:scrgbClr r="0" g="0" b="0"/>
+      </a:lnRef>
+      <a:fillRef idx="1">
+        <a:scrgbClr r="0" g="0" b="0"/>
+      </a:fillRef>
+      <a:effectRef idx="0">
+        <a:scrgbClr r="0" g="0" b="0"/>
+      </a:effectRef>
+      <a:fontRef idx="minor"/>
+    </dgm:style>
+  </dgm:styleLbl>
+  <dgm:styleLbl name="solidAlignAcc1">
+    <dgm:scene3d>
+      <a:camera prst="orthographicFront"/>
+      <a:lightRig rig="threePt" dir="t"/>
+    </dgm:scene3d>
+    <dgm:sp3d/>
+    <dgm:txPr/>
+    <dgm:style>
+      <a:lnRef idx="2">
+        <a:scrgbClr r="0" g="0" b="0"/>
+      </a:lnRef>
+      <a:fillRef idx="1">
+        <a:scrgbClr r="0" g="0" b="0"/>
+      </a:fillRef>
+      <a:effectRef idx="0">
+        <a:scrgbClr r="0" g="0" b="0"/>
+      </a:effectRef>
+      <a:fontRef idx="minor"/>
+    </dgm:style>
+  </dgm:styleLbl>
+  <dgm:styleLbl name="solidBgAcc1">
+    <dgm:scene3d>
+      <a:camera prst="orthographicFront"/>
+      <a:lightRig rig="threePt" dir="t"/>
+    </dgm:scene3d>
+    <dgm:sp3d/>
+    <dgm:txPr/>
+    <dgm:style>
+      <a:lnRef idx="2">
+        <a:scrgbClr r="0" g="0" b="0"/>
+      </a:lnRef>
+      <a:fillRef idx="1">
+        <a:scrgbClr r="0" g="0" b="0"/>
+      </a:fillRef>
+      <a:effectRef idx="0">
+        <a:scrgbClr r="0" g="0" b="0"/>
+      </a:effectRef>
+      <a:fontRef idx="minor"/>
+    </dgm:style>
+  </dgm:styleLbl>
+  <dgm:styleLbl name="fgAccFollowNode1">
+    <dgm:scene3d>
+      <a:camera prst="orthographicFront"/>
+      <a:lightRig rig="threePt" dir="t"/>
+    </dgm:scene3d>
+    <dgm:sp3d/>
+    <dgm:txPr/>
+    <dgm:style>
+      <a:lnRef idx="2">
+        <a:scrgbClr r="0" g="0" b="0"/>
+      </a:lnRef>
+      <a:fillRef idx="1">
+        <a:scrgbClr r="0" g="0" b="0"/>
+      </a:fillRef>
+      <a:effectRef idx="0">
+        <a:scrgbClr r="0" g="0" b="0"/>
+      </a:effectRef>
+      <a:fontRef idx="minor"/>
+    </dgm:style>
+  </dgm:styleLbl>
+  <dgm:styleLbl name="alignAccFollowNode1">
+    <dgm:scene3d>
+      <a:camera prst="orthographicFront"/>
+      <a:lightRig rig="threePt" dir="t"/>
+    </dgm:scene3d>
+    <dgm:sp3d/>
+    <dgm:txPr/>
+    <dgm:style>
+      <a:lnRef idx="2">
+        <a:scrgbClr r="0" g="0" b="0"/>
+      </a:lnRef>
+      <a:fillRef idx="1">
+        <a:scrgbClr r="0" g="0" b="0"/>
+      </a:fillRef>
+      <a:effectRef idx="0">
+        <a:scrgbClr r="0" g="0" b="0"/>
+      </a:effectRef>
+      <a:fontRef idx="minor"/>
+    </dgm:style>
+  </dgm:styleLbl>
+  <dgm:styleLbl name="bgAccFollowNode1">
+    <dgm:scene3d>
+      <a:camera prst="orthographicFront"/>
+      <a:lightRig rig="threePt" dir="t"/>
+    </dgm:scene3d>
+    <dgm:sp3d/>
+    <dgm:txPr/>
+    <dgm:style>
+      <a:lnRef idx="2">
+        <a:scrgbClr r="0" g="0" b="0"/>
+      </a:lnRef>
+      <a:fillRef idx="1">
+        <a:scrgbClr r="0" g="0" b="0"/>
+      </a:fillRef>
+      <a:effectRef idx="0">
+        <a:scrgbClr r="0" g="0" b="0"/>
+      </a:effectRef>
+      <a:fontRef idx="minor"/>
+    </dgm:style>
+  </dgm:styleLbl>
+  <dgm:styleLbl name="fgAcc0">
+    <dgm:scene3d>
+      <a:camera prst="orthographicFront"/>
+      <a:lightRig rig="threePt" dir="t"/>
+    </dgm:scene3d>
+    <dgm:sp3d/>
+    <dgm:txPr/>
+    <dgm:style>
+      <a:lnRef idx="2">
+        <a:scrgbClr r="0" g="0" b="0"/>
+      </a:lnRef>
+      <a:fillRef idx="1">
+        <a:scrgbClr r="0" g="0" b="0"/>
+      </a:fillRef>
+      <a:effectRef idx="0">
+        <a:scrgbClr r="0" g="0" b="0"/>
+      </a:effectRef>
+      <a:fontRef idx="minor"/>
+    </dgm:style>
+  </dgm:styleLbl>
+  <dgm:styleLbl name="fgAcc2">
+    <dgm:scene3d>
+      <a:camera prst="orthographicFront"/>
+      <a:lightRig rig="threePt" dir="t"/>
+    </dgm:scene3d>
+    <dgm:sp3d/>
+    <dgm:txPr/>
+    <dgm:style>
+      <a:lnRef idx="2">
+        <a:scrgbClr r="0" g="0" b="0"/>
+      </a:lnRef>
+      <a:fillRef idx="1">
+        <a:scrgbClr r="0" g="0" b="0"/>
+      </a:fillRef>
+      <a:effectRef idx="0">
+        <a:scrgbClr r="0" g="0" b="0"/>
+      </a:effectRef>
+      <a:fontRef idx="minor"/>
+    </dgm:style>
+  </dgm:styleLbl>
+  <dgm:styleLbl name="fgAcc3">
+    <dgm:scene3d>
+      <a:camera prst="orthographicFront"/>
+      <a:lightRig rig="threePt" dir="t"/>
+    </dgm:scene3d>
+    <dgm:sp3d/>
+    <dgm:txPr/>
+    <dgm:style>
+      <a:lnRef idx="2">
+        <a:scrgbClr r="0" g="0" b="0"/>
+      </a:lnRef>
+      <a:fillRef idx="1">
+        <a:scrgbClr r="0" g="0" b="0"/>
+      </a:fillRef>
+      <a:effectRef idx="0">
+        <a:scrgbClr r="0" g="0" b="0"/>
+      </a:effectRef>
+      <a:fontRef idx="minor"/>
+    </dgm:style>
+  </dgm:styleLbl>
+  <dgm:styleLbl name="fgAcc4">
+    <dgm:scene3d>
+      <a:camera prst="orthographicFront"/>
+      <a:lightRig rig="threePt" dir="t"/>
+    </dgm:scene3d>
+    <dgm:sp3d/>
+    <dgm:txPr/>
+    <dgm:style>
+      <a:lnRef idx="2">
+        <a:scrgbClr r="0" g="0" b="0"/>
+      </a:lnRef>
+      <a:fillRef idx="1">
+        <a:scrgbClr r="0" g="0" b="0"/>
+      </a:fillRef>
+      <a:effectRef idx="0">
+        <a:scrgbClr r="0" g="0" b="0"/>
+      </a:effectRef>
+      <a:fontRef idx="minor"/>
+    </dgm:style>
+  </dgm:styleLbl>
+  <dgm:styleLbl name="bgShp">
+    <dgm:scene3d>
+      <a:camera prst="orthographicFront"/>
+      <a:lightRig rig="threePt" dir="t"/>
+    </dgm:scene3d>
+    <dgm:sp3d/>
+    <dgm:txPr/>
+    <dgm:style>
+      <a:lnRef idx="0">
+        <a:scrgbClr r="0" g="0" b="0"/>
+      </a:lnRef>
+      <a:fillRef idx="1">
+        <a:scrgbClr r="0" g="0" b="0"/>
+      </a:fillRef>
+      <a:effectRef idx="0">
+        <a:scrgbClr r="0" g="0" b="0"/>
+      </a:effectRef>
+      <a:fontRef idx="minor"/>
+    </dgm:style>
+  </dgm:styleLbl>
+  <dgm:styleLbl name="dkBgShp">
+    <dgm:scene3d>
+      <a:camera prst="orthographicFront"/>
+      <a:lightRig rig="threePt" dir="t"/>
+    </dgm:scene3d>
+    <dgm:sp3d/>
+    <dgm:txPr/>
+    <dgm:style>
+      <a:lnRef idx="0">
+        <a:scrgbClr r="0" g="0" b="0"/>
+      </a:lnRef>
+      <a:fillRef idx="1">
+        <a:scrgbClr r="0" g="0" b="0"/>
+      </a:fillRef>
+      <a:effectRef idx="0">
+        <a:scrgbClr r="0" g="0" b="0"/>
+      </a:effectRef>
+      <a:fontRef idx="minor"/>
+    </dgm:style>
+  </dgm:styleLbl>
+  <dgm:styleLbl name="trBgShp">
+    <dgm:scene3d>
+      <a:camera prst="orthographicFront"/>
+      <a:lightRig rig="threePt" dir="t"/>
+    </dgm:scene3d>
+    <dgm:sp3d/>
+    <dgm:txPr/>
+    <dgm:style>
+      <a:lnRef idx="0">
+        <a:scrgbClr r="0" g="0" b="0"/>
+      </a:lnRef>
+      <a:fillRef idx="1">
+        <a:scrgbClr r="0" g="0" b="0"/>
+      </a:fillRef>
+      <a:effectRef idx="0">
+        <a:scrgbClr r="0" g="0" b="0"/>
+      </a:effectRef>
+      <a:fontRef idx="minor"/>
+    </dgm:style>
+  </dgm:styleLbl>
+  <dgm:styleLbl name="fgShp">
+    <dgm:scene3d>
+      <a:camera prst="orthographicFront"/>
+      <a:lightRig rig="threePt" dir="t"/>
+    </dgm:scene3d>
+    <dgm:sp3d/>
+    <dgm:txPr/>
+    <dgm:style>
+      <a:lnRef idx="2">
+        <a:scrgbClr r="0" g="0" b="0"/>
+      </a:lnRef>
+      <a:fillRef idx="1">
+        <a:scrgbClr r="0" g="0" b="0"/>
+      </a:fillRef>
+      <a:effectRef idx="0">
+        <a:scrgbClr r="0" g="0" b="0"/>
+      </a:effectRef>
+      <a:fontRef idx="minor"/>
+    </dgm:style>
+  </dgm:styleLbl>
+  <dgm:styleLbl name="revTx">
+    <dgm:scene3d>
+      <a:camera prst="orthographicFront"/>
+      <a:lightRig rig="threePt" dir="t"/>
+    </dgm:scene3d>
+    <dgm:sp3d/>
+    <dgm:txPr/>
+    <dgm:style>
+      <a:lnRef idx="0">
+        <a:scrgbClr r="0" g="0" b="0"/>
+      </a:lnRef>
+      <a:fillRef idx="0">
+        <a:scrgbClr r="0" g="0" b="0"/>
+      </a:fillRef>
+      <a:effectRef idx="0">
+        <a:scrgbClr r="0" g="0" b="0"/>
+      </a:effectRef>
+      <a:fontRef idx="minor"/>
+    </dgm:style>
+  </dgm:styleLbl>
+</dgm:styleDef>
 </file>
 
 <file path=ppt/slideLayouts/slideLayout1.xml><?xml version="1.0" encoding="utf-8"?>
@@ -258,7 +3048,7 @@
           <a:p>
             <a:fld id="{9AA7D095-A676-4F6B-9416-D65D798F5244}" type="datetimeFigureOut">
               <a:rPr lang="de-DE" smtClean="0"/>
-              <a:t>25.04.2015</a:t>
+              <a:t>30.04.2015</a:t>
             </a:fld>
             <a:endParaRPr lang="de-DE"/>
           </a:p>
@@ -428,7 +3218,7 @@
           <a:p>
             <a:fld id="{9AA7D095-A676-4F6B-9416-D65D798F5244}" type="datetimeFigureOut">
               <a:rPr lang="de-DE" smtClean="0"/>
-              <a:t>25.04.2015</a:t>
+              <a:t>30.04.2015</a:t>
             </a:fld>
             <a:endParaRPr lang="de-DE"/>
           </a:p>
@@ -608,7 +3398,7 @@
           <a:p>
             <a:fld id="{9AA7D095-A676-4F6B-9416-D65D798F5244}" type="datetimeFigureOut">
               <a:rPr lang="de-DE" smtClean="0"/>
-              <a:t>25.04.2015</a:t>
+              <a:t>30.04.2015</a:t>
             </a:fld>
             <a:endParaRPr lang="de-DE"/>
           </a:p>
@@ -778,7 +3568,7 @@
           <a:p>
             <a:fld id="{9AA7D095-A676-4F6B-9416-D65D798F5244}" type="datetimeFigureOut">
               <a:rPr lang="de-DE" smtClean="0"/>
-              <a:t>25.04.2015</a:t>
+              <a:t>30.04.2015</a:t>
             </a:fld>
             <a:endParaRPr lang="de-DE"/>
           </a:p>
@@ -1024,7 +3814,7 @@
           <a:p>
             <a:fld id="{9AA7D095-A676-4F6B-9416-D65D798F5244}" type="datetimeFigureOut">
               <a:rPr lang="de-DE" smtClean="0"/>
-              <a:t>25.04.2015</a:t>
+              <a:t>30.04.2015</a:t>
             </a:fld>
             <a:endParaRPr lang="de-DE"/>
           </a:p>
@@ -1256,7 +4046,7 @@
           <a:p>
             <a:fld id="{9AA7D095-A676-4F6B-9416-D65D798F5244}" type="datetimeFigureOut">
               <a:rPr lang="de-DE" smtClean="0"/>
-              <a:t>25.04.2015</a:t>
+              <a:t>30.04.2015</a:t>
             </a:fld>
             <a:endParaRPr lang="de-DE"/>
           </a:p>
@@ -1623,7 +4413,7 @@
           <a:p>
             <a:fld id="{9AA7D095-A676-4F6B-9416-D65D798F5244}" type="datetimeFigureOut">
               <a:rPr lang="de-DE" smtClean="0"/>
-              <a:t>25.04.2015</a:t>
+              <a:t>30.04.2015</a:t>
             </a:fld>
             <a:endParaRPr lang="de-DE"/>
           </a:p>
@@ -1741,7 +4531,7 @@
           <a:p>
             <a:fld id="{9AA7D095-A676-4F6B-9416-D65D798F5244}" type="datetimeFigureOut">
               <a:rPr lang="de-DE" smtClean="0"/>
-              <a:t>25.04.2015</a:t>
+              <a:t>30.04.2015</a:t>
             </a:fld>
             <a:endParaRPr lang="de-DE"/>
           </a:p>
@@ -1836,7 +4626,7 @@
           <a:p>
             <a:fld id="{9AA7D095-A676-4F6B-9416-D65D798F5244}" type="datetimeFigureOut">
               <a:rPr lang="de-DE" smtClean="0"/>
-              <a:t>25.04.2015</a:t>
+              <a:t>30.04.2015</a:t>
             </a:fld>
             <a:endParaRPr lang="de-DE"/>
           </a:p>
@@ -2113,7 +4903,7 @@
           <a:p>
             <a:fld id="{9AA7D095-A676-4F6B-9416-D65D798F5244}" type="datetimeFigureOut">
               <a:rPr lang="de-DE" smtClean="0"/>
-              <a:t>25.04.2015</a:t>
+              <a:t>30.04.2015</a:t>
             </a:fld>
             <a:endParaRPr lang="de-DE"/>
           </a:p>
@@ -2370,7 +5160,7 @@
           <a:p>
             <a:fld id="{9AA7D095-A676-4F6B-9416-D65D798F5244}" type="datetimeFigureOut">
               <a:rPr lang="de-DE" smtClean="0"/>
-              <a:t>25.04.2015</a:t>
+              <a:t>30.04.2015</a:t>
             </a:fld>
             <a:endParaRPr lang="de-DE"/>
           </a:p>
@@ -2583,7 +5373,7 @@
           <a:p>
             <a:fld id="{9AA7D095-A676-4F6B-9416-D65D798F5244}" type="datetimeFigureOut">
               <a:rPr lang="de-DE" smtClean="0"/>
-              <a:t>25.04.2015</a:t>
+              <a:t>30.04.2015</a:t>
             </a:fld>
             <a:endParaRPr lang="de-DE"/>
           </a:p>
@@ -9537,7 +12327,7 @@
         </p:blipFill>
         <p:spPr>
           <a:xfrm>
-            <a:off x="7679446" y="3636268"/>
+            <a:off x="685523" y="5539209"/>
             <a:ext cx="695422" cy="1143160"/>
           </a:xfrm>
           <a:prstGeom prst="rect">
@@ -9567,7 +12357,502 @@
         </p:blipFill>
         <p:spPr>
           <a:xfrm>
-            <a:off x="9854185" y="3878844"/>
+            <a:off x="12444593" y="4107447"/>
+            <a:ext cx="1538745" cy="615498"/>
+          </a:xfrm>
+          <a:prstGeom prst="rect">
+            <a:avLst/>
+          </a:prstGeom>
+        </p:spPr>
+      </p:pic>
+      <p:pic>
+        <p:nvPicPr>
+          <p:cNvPr id="10" name="Picture 9"/>
+          <p:cNvPicPr>
+            <a:picLocks noChangeAspect="1"/>
+          </p:cNvPicPr>
+          <p:nvPr/>
+        </p:nvPicPr>
+        <p:blipFill>
+          <a:blip r:embed="rId4">
+            <a:extLst>
+              <a:ext uri="{28A0092B-C50C-407E-A947-70E740481C1C}">
+                <a14:useLocalDpi xmlns:a14="http://schemas.microsoft.com/office/drawing/2010/main" val="0"/>
+              </a:ext>
+            </a:extLst>
+          </a:blip>
+          <a:stretch>
+            <a:fillRect/>
+          </a:stretch>
+        </p:blipFill>
+        <p:spPr>
+          <a:xfrm>
+            <a:off x="5318605" y="3789056"/>
+            <a:ext cx="809738" cy="952633"/>
+          </a:xfrm>
+          <a:prstGeom prst="rect">
+            <a:avLst/>
+          </a:prstGeom>
+        </p:spPr>
+      </p:pic>
+      <p:cxnSp>
+        <p:nvCxnSpPr>
+          <p:cNvPr id="12" name="Straight Arrow Connector 11"/>
+          <p:cNvCxnSpPr/>
+          <p:nvPr/>
+        </p:nvCxnSpPr>
+        <p:spPr>
+          <a:xfrm flipH="1" flipV="1">
+            <a:off x="5733537" y="4806778"/>
+            <a:ext cx="18566" cy="874085"/>
+          </a:xfrm>
+          <a:prstGeom prst="straightConnector1">
+            <a:avLst/>
+          </a:prstGeom>
+          <a:ln w="111125">
+            <a:solidFill>
+              <a:schemeClr val="accent2">
+                <a:lumMod val="75000"/>
+              </a:schemeClr>
+            </a:solidFill>
+            <a:headEnd type="triangle"/>
+            <a:tailEnd type="triangle"/>
+          </a:ln>
+        </p:spPr>
+        <p:style>
+          <a:lnRef idx="1">
+            <a:schemeClr val="accent1"/>
+          </a:lnRef>
+          <a:fillRef idx="0">
+            <a:schemeClr val="accent1"/>
+          </a:fillRef>
+          <a:effectRef idx="0">
+            <a:schemeClr val="accent1"/>
+          </a:effectRef>
+          <a:fontRef idx="minor">
+            <a:schemeClr val="tx1"/>
+          </a:fontRef>
+        </p:style>
+      </p:cxnSp>
+      <p:sp>
+        <p:nvSpPr>
+          <p:cNvPr id="28" name="Rounded Rectangle 25"/>
+          <p:cNvSpPr/>
+          <p:nvPr/>
+        </p:nvSpPr>
+        <p:spPr>
+          <a:xfrm>
+            <a:off x="2699953" y="4670158"/>
+            <a:ext cx="963911" cy="963908"/>
+          </a:xfrm>
+          <a:prstGeom prst="ellipse">
+            <a:avLst/>
+          </a:prstGeom>
+          <a:solidFill>
+            <a:schemeClr val="accent1">
+              <a:lumMod val="75000"/>
+            </a:schemeClr>
+          </a:solidFill>
+          <a:ln w="76200">
+            <a:solidFill>
+              <a:schemeClr val="accent1">
+                <a:lumMod val="50000"/>
+              </a:schemeClr>
+            </a:solidFill>
+          </a:ln>
+        </p:spPr>
+        <p:style>
+          <a:lnRef idx="2">
+            <a:schemeClr val="accent1">
+              <a:shade val="50000"/>
+            </a:schemeClr>
+          </a:lnRef>
+          <a:fillRef idx="1">
+            <a:schemeClr val="accent1"/>
+          </a:fillRef>
+          <a:effectRef idx="0">
+            <a:schemeClr val="accent1"/>
+          </a:effectRef>
+          <a:fontRef idx="minor">
+            <a:schemeClr val="lt1"/>
+          </a:fontRef>
+        </p:style>
+        <p:txBody>
+          <a:bodyPr rtlCol="0" anchor="ctr"/>
+          <a:lstStyle/>
+          <a:p>
+            <a:pPr algn="ctr"/>
+            <a:r>
+              <a:rPr lang="en-US" sz="1400" b="1" dirty="0" smtClean="0"/>
+              <a:t>Image</a:t>
+            </a:r>
+            <a:endParaRPr lang="de-DE" sz="1400" b="1" dirty="0"/>
+          </a:p>
+        </p:txBody>
+      </p:sp>
+      <p:cxnSp>
+        <p:nvCxnSpPr>
+          <p:cNvPr id="34" name="Straight Arrow Connector 33"/>
+          <p:cNvCxnSpPr/>
+          <p:nvPr/>
+        </p:nvCxnSpPr>
+        <p:spPr>
+          <a:xfrm rot="18847739" flipV="1">
+            <a:off x="4224536" y="5117063"/>
+            <a:ext cx="1227503" cy="10481"/>
+          </a:xfrm>
+          <a:prstGeom prst="straightConnector1">
+            <a:avLst/>
+          </a:prstGeom>
+          <a:ln w="111125">
+            <a:solidFill>
+              <a:schemeClr val="tx1">
+                <a:lumMod val="50000"/>
+                <a:lumOff val="50000"/>
+              </a:schemeClr>
+            </a:solidFill>
+            <a:tailEnd type="triangle"/>
+          </a:ln>
+        </p:spPr>
+        <p:style>
+          <a:lnRef idx="1">
+            <a:schemeClr val="accent1"/>
+          </a:lnRef>
+          <a:fillRef idx="0">
+            <a:schemeClr val="accent1"/>
+          </a:fillRef>
+          <a:effectRef idx="0">
+            <a:schemeClr val="accent1"/>
+          </a:effectRef>
+          <a:fontRef idx="minor">
+            <a:schemeClr val="tx1"/>
+          </a:fontRef>
+        </p:style>
+      </p:cxnSp>
+      <p:cxnSp>
+        <p:nvCxnSpPr>
+          <p:cNvPr id="37" name="Straight Arrow Connector 36"/>
+          <p:cNvCxnSpPr/>
+          <p:nvPr/>
+        </p:nvCxnSpPr>
+        <p:spPr>
+          <a:xfrm rot="2883253" flipV="1">
+            <a:off x="6076264" y="5163168"/>
+            <a:ext cx="1278131" cy="10481"/>
+          </a:xfrm>
+          <a:prstGeom prst="straightConnector1">
+            <a:avLst/>
+          </a:prstGeom>
+          <a:ln w="111125">
+            <a:solidFill>
+              <a:schemeClr val="tx1">
+                <a:lumMod val="50000"/>
+                <a:lumOff val="50000"/>
+              </a:schemeClr>
+            </a:solidFill>
+            <a:tailEnd type="triangle"/>
+          </a:ln>
+        </p:spPr>
+        <p:style>
+          <a:lnRef idx="1">
+            <a:schemeClr val="accent1"/>
+          </a:lnRef>
+          <a:fillRef idx="0">
+            <a:schemeClr val="accent1"/>
+          </a:fillRef>
+          <a:effectRef idx="0">
+            <a:schemeClr val="accent1"/>
+          </a:effectRef>
+          <a:fontRef idx="minor">
+            <a:schemeClr val="tx1"/>
+          </a:fontRef>
+        </p:style>
+      </p:cxnSp>
+      <p:pic>
+        <p:nvPicPr>
+          <p:cNvPr id="24" name="Picture 23"/>
+          <p:cNvPicPr>
+            <a:picLocks noChangeAspect="1"/>
+          </p:cNvPicPr>
+          <p:nvPr/>
+        </p:nvPicPr>
+        <p:blipFill>
+          <a:blip r:embed="rId5"/>
+          <a:stretch>
+            <a:fillRect/>
+          </a:stretch>
+        </p:blipFill>
+        <p:spPr>
+          <a:xfrm>
+            <a:off x="9290532" y="3361037"/>
+            <a:ext cx="2626907" cy="2426685"/>
+          </a:xfrm>
+          <a:prstGeom prst="rect">
+            <a:avLst/>
+          </a:prstGeom>
+        </p:spPr>
+      </p:pic>
+      <p:cxnSp>
+        <p:nvCxnSpPr>
+          <p:cNvPr id="46" name="Straight Arrow Connector 45"/>
+          <p:cNvCxnSpPr/>
+          <p:nvPr/>
+        </p:nvCxnSpPr>
+        <p:spPr>
+          <a:xfrm flipV="1">
+            <a:off x="11410065" y="4430586"/>
+            <a:ext cx="946691" cy="10481"/>
+          </a:xfrm>
+          <a:prstGeom prst="straightConnector1">
+            <a:avLst/>
+          </a:prstGeom>
+          <a:ln w="111125">
+            <a:solidFill>
+              <a:schemeClr val="tx1">
+                <a:lumMod val="50000"/>
+                <a:lumOff val="50000"/>
+              </a:schemeClr>
+            </a:solidFill>
+            <a:tailEnd type="triangle"/>
+          </a:ln>
+        </p:spPr>
+        <p:style>
+          <a:lnRef idx="1">
+            <a:schemeClr val="accent1"/>
+          </a:lnRef>
+          <a:fillRef idx="0">
+            <a:schemeClr val="accent1"/>
+          </a:fillRef>
+          <a:effectRef idx="0">
+            <a:schemeClr val="accent1"/>
+          </a:effectRef>
+          <a:fontRef idx="minor">
+            <a:schemeClr val="tx1"/>
+          </a:fontRef>
+        </p:style>
+      </p:cxnSp>
+      <p:graphicFrame>
+        <p:nvGraphicFramePr>
+          <p:cNvPr id="21" name="Diagram 20"/>
+          <p:cNvGraphicFramePr/>
+          <p:nvPr>
+            <p:extLst>
+              <p:ext uri="{D42A27DB-BD31-4B8C-83A1-F6EECF244321}">
+                <p14:modId xmlns:p14="http://schemas.microsoft.com/office/powerpoint/2010/main" val="2839590977"/>
+              </p:ext>
+            </p:extLst>
+          </p:nvPr>
+        </p:nvGraphicFramePr>
+        <p:xfrm>
+          <a:off x="1547427" y="5196015"/>
+          <a:ext cx="8653077" cy="1876545"/>
+        </p:xfrm>
+        <a:graphic>
+          <a:graphicData uri="http://schemas.openxmlformats.org/drawingml/2006/diagram">
+            <dgm:relIds xmlns:dgm="http://schemas.openxmlformats.org/drawingml/2006/diagram" xmlns:r="http://schemas.openxmlformats.org/officeDocument/2006/relationships" r:dm="rId6" r:lo="rId7" r:qs="rId8" r:cs="rId9"/>
+          </a:graphicData>
+        </a:graphic>
+      </p:graphicFrame>
+      <p:cxnSp>
+        <p:nvCxnSpPr>
+          <p:cNvPr id="40" name="Straight Arrow Connector 39"/>
+          <p:cNvCxnSpPr/>
+          <p:nvPr/>
+        </p:nvCxnSpPr>
+        <p:spPr>
+          <a:xfrm rot="18847739" flipV="1">
+            <a:off x="8819190" y="5145896"/>
+            <a:ext cx="1227503" cy="10481"/>
+          </a:xfrm>
+          <a:prstGeom prst="straightConnector1">
+            <a:avLst/>
+          </a:prstGeom>
+          <a:ln w="111125">
+            <a:solidFill>
+              <a:schemeClr val="tx1">
+                <a:lumMod val="50000"/>
+                <a:lumOff val="50000"/>
+              </a:schemeClr>
+            </a:solidFill>
+            <a:tailEnd type="triangle"/>
+          </a:ln>
+        </p:spPr>
+        <p:style>
+          <a:lnRef idx="1">
+            <a:schemeClr val="accent1"/>
+          </a:lnRef>
+          <a:fillRef idx="0">
+            <a:schemeClr val="accent1"/>
+          </a:fillRef>
+          <a:effectRef idx="0">
+            <a:schemeClr val="accent1"/>
+          </a:effectRef>
+          <a:fontRef idx="minor">
+            <a:schemeClr val="tx1"/>
+          </a:fontRef>
+        </p:style>
+      </p:cxnSp>
+      <p:pic>
+        <p:nvPicPr>
+          <p:cNvPr id="51" name="Picture 2" descr="Logo"/>
+          <p:cNvPicPr>
+            <a:picLocks noChangeAspect="1" noChangeArrowheads="1"/>
+          </p:cNvPicPr>
+          <p:nvPr/>
+        </p:nvPicPr>
+        <p:blipFill>
+          <a:blip r:embed="rId11">
+            <a:extLst>
+              <a:ext uri="{28A0092B-C50C-407E-A947-70E740481C1C}">
+                <a14:useLocalDpi xmlns:a14="http://schemas.microsoft.com/office/drawing/2010/main" val="0"/>
+              </a:ext>
+            </a:extLst>
+          </a:blip>
+          <a:srcRect/>
+          <a:stretch>
+            <a:fillRect/>
+          </a:stretch>
+        </p:blipFill>
+        <p:spPr bwMode="auto">
+          <a:xfrm>
+            <a:off x="4190056" y="6848377"/>
+            <a:ext cx="1648513" cy="374662"/>
+          </a:xfrm>
+          <a:prstGeom prst="rect">
+            <a:avLst/>
+          </a:prstGeom>
+          <a:noFill/>
+          <a:extLst>
+            <a:ext uri="{909E8E84-426E-40DD-AFC4-6F175D3DCCD1}">
+              <a14:hiddenFill xmlns:a14="http://schemas.microsoft.com/office/drawing/2010/main">
+                <a:solidFill>
+                  <a:srgbClr val="FFFFFF"/>
+                </a:solidFill>
+              </a14:hiddenFill>
+            </a:ext>
+          </a:extLst>
+        </p:spPr>
+      </p:pic>
+      <p:pic>
+        <p:nvPicPr>
+          <p:cNvPr id="30" name="Picture 29"/>
+          <p:cNvPicPr>
+            <a:picLocks noChangeAspect="1"/>
+          </p:cNvPicPr>
+          <p:nvPr/>
+        </p:nvPicPr>
+        <p:blipFill>
+          <a:blip r:embed="rId12" cstate="print">
+            <a:extLst>
+              <a:ext uri="{28A0092B-C50C-407E-A947-70E740481C1C}">
+                <a14:useLocalDpi xmlns:a14="http://schemas.microsoft.com/office/drawing/2010/main" val="0"/>
+              </a:ext>
+            </a:extLst>
+          </a:blip>
+          <a:stretch>
+            <a:fillRect/>
+          </a:stretch>
+        </p:blipFill>
+        <p:spPr>
+          <a:xfrm>
+            <a:off x="5943600" y="6787738"/>
+            <a:ext cx="1482810" cy="458528"/>
+          </a:xfrm>
+          <a:prstGeom prst="rect">
+            <a:avLst/>
+          </a:prstGeom>
+        </p:spPr>
+      </p:pic>
+    </p:spTree>
+    <p:extLst>
+      <p:ext uri="{BB962C8B-B14F-4D97-AF65-F5344CB8AC3E}">
+        <p14:creationId xmlns:p14="http://schemas.microsoft.com/office/powerpoint/2010/main" val="1264328124"/>
+      </p:ext>
+    </p:extLst>
+  </p:cSld>
+  <p:clrMapOvr>
+    <a:masterClrMapping/>
+  </p:clrMapOvr>
+  <p:timing>
+    <p:tnLst>
+      <p:par>
+        <p:cTn id="1" dur="indefinite" restart="never" nodeType="tmRoot"/>
+      </p:par>
+    </p:tnLst>
+  </p:timing>
+</p:sld>
+</file>
+
+<file path=ppt/slides/slide17.xml><?xml version="1.0" encoding="utf-8"?>
+<p:sld xmlns:a="http://schemas.openxmlformats.org/drawingml/2006/main" xmlns:r="http://schemas.openxmlformats.org/officeDocument/2006/relationships" xmlns:p="http://schemas.openxmlformats.org/presentationml/2006/main">
+  <p:cSld>
+    <p:spTree>
+      <p:nvGrpSpPr>
+        <p:cNvPr id="1" name=""/>
+        <p:cNvGrpSpPr/>
+        <p:nvPr/>
+      </p:nvGrpSpPr>
+      <p:grpSpPr>
+        <a:xfrm>
+          <a:off x="0" y="0"/>
+          <a:ext cx="0" cy="0"/>
+          <a:chOff x="0" y="0"/>
+          <a:chExt cx="0" cy="0"/>
+        </a:xfrm>
+      </p:grpSpPr>
+      <p:pic>
+        <p:nvPicPr>
+          <p:cNvPr id="7" name="Picture 6"/>
+          <p:cNvPicPr>
+            <a:picLocks noChangeAspect="1"/>
+          </p:cNvPicPr>
+          <p:nvPr/>
+        </p:nvPicPr>
+        <p:blipFill>
+          <a:blip r:embed="rId2">
+            <a:extLst>
+              <a:ext uri="{28A0092B-C50C-407E-A947-70E740481C1C}">
+                <a14:useLocalDpi xmlns:a14="http://schemas.microsoft.com/office/drawing/2010/main" val="0"/>
+              </a:ext>
+            </a:extLst>
+          </a:blip>
+          <a:stretch>
+            <a:fillRect/>
+          </a:stretch>
+        </p:blipFill>
+        <p:spPr>
+          <a:xfrm>
+            <a:off x="7691802" y="516187"/>
+            <a:ext cx="695422" cy="1143160"/>
+          </a:xfrm>
+          <a:prstGeom prst="rect">
+            <a:avLst/>
+          </a:prstGeom>
+        </p:spPr>
+      </p:pic>
+      <p:pic>
+        <p:nvPicPr>
+          <p:cNvPr id="9" name="Picture 8"/>
+          <p:cNvPicPr>
+            <a:picLocks noChangeAspect="1"/>
+          </p:cNvPicPr>
+          <p:nvPr/>
+        </p:nvPicPr>
+        <p:blipFill>
+          <a:blip r:embed="rId3">
+            <a:extLst>
+              <a:ext uri="{28A0092B-C50C-407E-A947-70E740481C1C}">
+                <a14:useLocalDpi xmlns:a14="http://schemas.microsoft.com/office/drawing/2010/main" val="0"/>
+              </a:ext>
+            </a:extLst>
+          </a:blip>
+          <a:stretch>
+            <a:fillRect/>
+          </a:stretch>
+        </p:blipFill>
+        <p:spPr>
+          <a:xfrm>
+            <a:off x="9823294" y="758763"/>
             <a:ext cx="1538745" cy="615498"/>
           </a:xfrm>
           <a:prstGeom prst="rect">
@@ -9583,7 +12868,7 @@
         </p:nvGrpSpPr>
         <p:grpSpPr>
           <a:xfrm>
-            <a:off x="8589474" y="3496052"/>
+            <a:off x="8558583" y="375971"/>
             <a:ext cx="1151769" cy="673166"/>
             <a:chOff x="2334271" y="318043"/>
             <a:chExt cx="1457473" cy="673166"/>
@@ -9656,6 +12941,188 @@
           </p:txBody>
         </p:sp>
       </p:grpSp>
+      <p:pic>
+        <p:nvPicPr>
+          <p:cNvPr id="8" name="Picture 7"/>
+          <p:cNvPicPr>
+            <a:picLocks noChangeAspect="1"/>
+          </p:cNvPicPr>
+          <p:nvPr/>
+        </p:nvPicPr>
+        <p:blipFill>
+          <a:blip r:embed="rId2">
+            <a:extLst>
+              <a:ext uri="{28A0092B-C50C-407E-A947-70E740481C1C}">
+                <a14:useLocalDpi xmlns:a14="http://schemas.microsoft.com/office/drawing/2010/main" val="0"/>
+              </a:ext>
+            </a:extLst>
+          </a:blip>
+          <a:stretch>
+            <a:fillRect/>
+          </a:stretch>
+        </p:blipFill>
+        <p:spPr>
+          <a:xfrm>
+            <a:off x="1054165" y="612982"/>
+            <a:ext cx="695422" cy="1143160"/>
+          </a:xfrm>
+          <a:prstGeom prst="rect">
+            <a:avLst/>
+          </a:prstGeom>
+        </p:spPr>
+      </p:pic>
+      <p:pic>
+        <p:nvPicPr>
+          <p:cNvPr id="10" name="Picture 9"/>
+          <p:cNvPicPr>
+            <a:picLocks noChangeAspect="1"/>
+          </p:cNvPicPr>
+          <p:nvPr/>
+        </p:nvPicPr>
+        <p:blipFill>
+          <a:blip r:embed="rId3">
+            <a:extLst>
+              <a:ext uri="{28A0092B-C50C-407E-A947-70E740481C1C}">
+                <a14:useLocalDpi xmlns:a14="http://schemas.microsoft.com/office/drawing/2010/main" val="0"/>
+              </a:ext>
+            </a:extLst>
+          </a:blip>
+          <a:stretch>
+            <a:fillRect/>
+          </a:stretch>
+        </p:blipFill>
+        <p:spPr>
+          <a:xfrm>
+            <a:off x="3228904" y="855558"/>
+            <a:ext cx="1538745" cy="615498"/>
+          </a:xfrm>
+          <a:prstGeom prst="rect">
+            <a:avLst/>
+          </a:prstGeom>
+        </p:spPr>
+      </p:pic>
+      <p:grpSp>
+        <p:nvGrpSpPr>
+          <p:cNvPr id="11" name="Group 10"/>
+          <p:cNvGrpSpPr/>
+          <p:nvPr/>
+        </p:nvGrpSpPr>
+        <p:grpSpPr>
+          <a:xfrm>
+            <a:off x="1964193" y="472766"/>
+            <a:ext cx="1151769" cy="673166"/>
+            <a:chOff x="2334271" y="318043"/>
+            <a:chExt cx="1457473" cy="673166"/>
+          </a:xfrm>
+        </p:grpSpPr>
+        <p:cxnSp>
+          <p:nvCxnSpPr>
+            <p:cNvPr id="12" name="Straight Arrow Connector 11"/>
+            <p:cNvCxnSpPr/>
+            <p:nvPr/>
+          </p:nvCxnSpPr>
+          <p:spPr>
+            <a:xfrm flipV="1">
+              <a:off x="2346123" y="980728"/>
+              <a:ext cx="1445621" cy="10481"/>
+            </a:xfrm>
+            <a:prstGeom prst="straightConnector1">
+              <a:avLst/>
+            </a:prstGeom>
+            <a:ln w="142875">
+              <a:solidFill>
+                <a:schemeClr val="tx1">
+                  <a:lumMod val="50000"/>
+                  <a:lumOff val="50000"/>
+                </a:schemeClr>
+              </a:solidFill>
+              <a:tailEnd type="triangle"/>
+            </a:ln>
+          </p:spPr>
+          <p:style>
+            <a:lnRef idx="1">
+              <a:schemeClr val="accent1"/>
+            </a:lnRef>
+            <a:fillRef idx="0">
+              <a:schemeClr val="accent1"/>
+            </a:fillRef>
+            <a:effectRef idx="0">
+              <a:schemeClr val="accent1"/>
+            </a:effectRef>
+            <a:fontRef idx="minor">
+              <a:schemeClr val="tx1"/>
+            </a:fontRef>
+          </p:style>
+        </p:cxnSp>
+        <p:sp>
+          <p:nvSpPr>
+            <p:cNvPr id="13" name="TextBox 12"/>
+            <p:cNvSpPr txBox="1"/>
+            <p:nvPr/>
+          </p:nvSpPr>
+          <p:spPr>
+            <a:xfrm>
+              <a:off x="2334271" y="318043"/>
+              <a:ext cx="1408522" cy="523220"/>
+            </a:xfrm>
+            <a:prstGeom prst="rect">
+              <a:avLst/>
+            </a:prstGeom>
+            <a:noFill/>
+          </p:spPr>
+          <p:txBody>
+            <a:bodyPr wrap="square" rtlCol="0">
+              <a:spAutoFit/>
+            </a:bodyPr>
+            <a:lstStyle/>
+            <a:p>
+              <a:pPr algn="ctr"/>
+              <a:endParaRPr lang="de-DE" sz="2800" b="1" dirty="0"/>
+            </a:p>
+          </p:txBody>
+        </p:sp>
+      </p:grpSp>
+      <p:pic>
+        <p:nvPicPr>
+          <p:cNvPr id="1026" name="Picture 2" descr="Logo"/>
+          <p:cNvPicPr>
+            <a:picLocks noChangeAspect="1" noChangeArrowheads="1"/>
+          </p:cNvPicPr>
+          <p:nvPr/>
+        </p:nvPicPr>
+        <p:blipFill>
+          <a:blip r:embed="rId4">
+            <a:extLst>
+              <a:ext uri="{28A0092B-C50C-407E-A947-70E740481C1C}">
+                <a14:useLocalDpi xmlns:a14="http://schemas.microsoft.com/office/drawing/2010/main" val="0"/>
+              </a:ext>
+            </a:extLst>
+          </a:blip>
+          <a:srcRect/>
+          <a:stretch>
+            <a:fillRect/>
+          </a:stretch>
+        </p:blipFill>
+        <p:spPr bwMode="auto">
+          <a:xfrm>
+            <a:off x="8292499" y="1182804"/>
+            <a:ext cx="1648513" cy="374662"/>
+          </a:xfrm>
+          <a:prstGeom prst="rect">
+            <a:avLst/>
+          </a:prstGeom>
+          <a:noFill/>
+          <a:extLst>
+            <a:ext uri="{909E8E84-426E-40DD-AFC4-6F175D3DCCD1}">
+              <a14:hiddenFill xmlns:a14="http://schemas.microsoft.com/office/drawing/2010/main">
+                <a:solidFill>
+                  <a:srgbClr val="FFFFFF"/>
+                </a:solidFill>
+              </a14:hiddenFill>
+            </a:ext>
+          </a:extLst>
+        </p:spPr>
+      </p:pic>
     </p:spTree>
     <p:extLst>
       <p:ext uri="{BB962C8B-B14F-4D97-AF65-F5344CB8AC3E}">

--- a/_sources/GettingStarted.pptx
+++ b/_sources/GettingStarted.pptx
@@ -15,13 +15,14 @@
     <p:sldId id="262" r:id="rId9"/>
     <p:sldId id="263" r:id="rId10"/>
     <p:sldId id="264" r:id="rId11"/>
-    <p:sldId id="265" r:id="rId12"/>
-    <p:sldId id="266" r:id="rId13"/>
-    <p:sldId id="267" r:id="rId14"/>
-    <p:sldId id="268" r:id="rId15"/>
-    <p:sldId id="270" r:id="rId16"/>
-    <p:sldId id="272" r:id="rId17"/>
-    <p:sldId id="271" r:id="rId18"/>
+    <p:sldId id="273" r:id="rId12"/>
+    <p:sldId id="265" r:id="rId13"/>
+    <p:sldId id="266" r:id="rId14"/>
+    <p:sldId id="267" r:id="rId15"/>
+    <p:sldId id="268" r:id="rId16"/>
+    <p:sldId id="270" r:id="rId17"/>
+    <p:sldId id="272" r:id="rId18"/>
+    <p:sldId id="271" r:id="rId19"/>
   </p:sldIdLst>
   <p:sldSz cx="14400213" cy="7559675"/>
   <p:notesSz cx="6858000" cy="9144000"/>
@@ -1137,6 +1138,13 @@
         </dgm:presLayoutVars>
       </dgm:prSet>
       <dgm:spPr/>
+      <dgm:t>
+        <a:bodyPr/>
+        <a:lstStyle/>
+        <a:p>
+          <a:endParaRPr lang="de-DE"/>
+        </a:p>
+      </dgm:t>
     </dgm:pt>
     <dgm:pt modelId="{EEA037F7-AE2F-4302-AA11-228240B9A75D}" type="pres">
       <dgm:prSet presAssocID="{FCB00572-1C8F-4B6D-968B-B082338556BC}" presName="parTxOnlySpace" presStyleCnt="0"/>
@@ -1151,6 +1159,13 @@
         </dgm:presLayoutVars>
       </dgm:prSet>
       <dgm:spPr/>
+      <dgm:t>
+        <a:bodyPr/>
+        <a:lstStyle/>
+        <a:p>
+          <a:endParaRPr lang="de-DE"/>
+        </a:p>
+      </dgm:t>
     </dgm:pt>
     <dgm:pt modelId="{C865F029-8CEF-4314-9C3B-0D8926907D83}" type="pres">
       <dgm:prSet presAssocID="{1D3C9E28-C2BE-4DF6-99F3-BB5CC8E8C51A}" presName="parTxOnlySpace" presStyleCnt="0"/>
@@ -1165,6 +1180,13 @@
         </dgm:presLayoutVars>
       </dgm:prSet>
       <dgm:spPr/>
+      <dgm:t>
+        <a:bodyPr/>
+        <a:lstStyle/>
+        <a:p>
+          <a:endParaRPr lang="de-DE"/>
+        </a:p>
+      </dgm:t>
     </dgm:pt>
     <dgm:pt modelId="{48E0258A-CCF0-4FE0-A8A2-A7F4B1729A29}" type="pres">
       <dgm:prSet presAssocID="{84265283-6A79-49F9-86CC-89FACB483873}" presName="parTxOnlySpace" presStyleCnt="0"/>
@@ -1179,6 +1201,13 @@
         </dgm:presLayoutVars>
       </dgm:prSet>
       <dgm:spPr/>
+      <dgm:t>
+        <a:bodyPr/>
+        <a:lstStyle/>
+        <a:p>
+          <a:endParaRPr lang="de-DE"/>
+        </a:p>
+      </dgm:t>
     </dgm:pt>
   </dgm:ptLst>
   <dgm:cxnLst>
@@ -1221,381 +1250,6 @@
       <dsp:cNvGrpSpPr/>
     </dsp:nvGrpSpPr>
     <dsp:grpSpPr/>
-    <dsp:sp modelId="{6D72C3A5-1474-40AD-9A10-2534C79C4517}">
-      <dsp:nvSpPr>
-        <dsp:cNvPr id="0" name=""/>
-        <dsp:cNvSpPr/>
-      </dsp:nvSpPr>
-      <dsp:spPr>
-        <a:xfrm>
-          <a:off x="2112" y="562235"/>
-          <a:ext cx="1880185" cy="752074"/>
-        </a:xfrm>
-        <a:prstGeom prst="chevron">
-          <a:avLst/>
-        </a:prstGeom>
-        <a:solidFill>
-          <a:schemeClr val="tx2">
-            <a:lumMod val="75000"/>
-          </a:schemeClr>
-        </a:solidFill>
-        <a:ln w="12700" cap="flat" cmpd="sng" algn="ctr">
-          <a:solidFill>
-            <a:schemeClr val="lt1">
-              <a:hueOff val="0"/>
-              <a:satOff val="0"/>
-              <a:lumOff val="0"/>
-              <a:alphaOff val="0"/>
-            </a:schemeClr>
-          </a:solidFill>
-          <a:prstDash val="solid"/>
-          <a:miter lim="800000"/>
-        </a:ln>
-        <a:effectLst/>
-      </dsp:spPr>
-      <dsp:style>
-        <a:lnRef idx="2">
-          <a:scrgbClr r="0" g="0" b="0"/>
-        </a:lnRef>
-        <a:fillRef idx="1">
-          <a:scrgbClr r="0" g="0" b="0"/>
-        </a:fillRef>
-        <a:effectRef idx="0">
-          <a:scrgbClr r="0" g="0" b="0"/>
-        </a:effectRef>
-        <a:fontRef idx="minor">
-          <a:schemeClr val="lt1"/>
-        </a:fontRef>
-      </dsp:style>
-      <dsp:txBody>
-        <a:bodyPr spcFirstLastPara="0" vert="horz" wrap="square" lIns="56007" tIns="18669" rIns="18669" bIns="18669" numCol="1" spcCol="1270" anchor="ctr" anchorCtr="0">
-          <a:noAutofit/>
-        </a:bodyPr>
-        <a:lstStyle/>
-        <a:p>
-          <a:pPr lvl="0" algn="ctr" defTabSz="622300">
-            <a:lnSpc>
-              <a:spcPct val="90000"/>
-            </a:lnSpc>
-            <a:spcBef>
-              <a:spcPct val="0"/>
-            </a:spcBef>
-            <a:spcAft>
-              <a:spcPct val="35000"/>
-            </a:spcAft>
-          </a:pPr>
-          <a:r>
-            <a:rPr lang="en-US" sz="1400" b="1" kern="1200" dirty="0" smtClean="0"/>
-            <a:t>package</a:t>
-          </a:r>
-          <a:endParaRPr lang="de-DE" sz="1400" b="1" kern="1200" dirty="0"/>
-        </a:p>
-      </dsp:txBody>
-      <dsp:txXfrm>
-        <a:off x="378149" y="562235"/>
-        <a:ext cx="1128111" cy="752074"/>
-      </dsp:txXfrm>
-    </dsp:sp>
-    <dsp:sp modelId="{086EE9E9-692A-4D05-A349-CBDF03FDA677}">
-      <dsp:nvSpPr>
-        <dsp:cNvPr id="0" name=""/>
-        <dsp:cNvSpPr/>
-      </dsp:nvSpPr>
-      <dsp:spPr>
-        <a:xfrm>
-          <a:off x="1694279" y="562235"/>
-          <a:ext cx="1880185" cy="752074"/>
-        </a:xfrm>
-        <a:prstGeom prst="chevron">
-          <a:avLst/>
-        </a:prstGeom>
-        <a:solidFill>
-          <a:schemeClr val="tx2">
-            <a:lumMod val="75000"/>
-          </a:schemeClr>
-        </a:solidFill>
-        <a:ln w="12700" cap="flat" cmpd="sng" algn="ctr">
-          <a:solidFill>
-            <a:schemeClr val="lt1">
-              <a:hueOff val="0"/>
-              <a:satOff val="0"/>
-              <a:lumOff val="0"/>
-              <a:alphaOff val="0"/>
-            </a:schemeClr>
-          </a:solidFill>
-          <a:prstDash val="solid"/>
-          <a:miter lim="800000"/>
-        </a:ln>
-        <a:effectLst/>
-      </dsp:spPr>
-      <dsp:style>
-        <a:lnRef idx="2">
-          <a:scrgbClr r="0" g="0" b="0"/>
-        </a:lnRef>
-        <a:fillRef idx="1">
-          <a:scrgbClr r="0" g="0" b="0"/>
-        </a:fillRef>
-        <a:effectRef idx="0">
-          <a:scrgbClr r="0" g="0" b="0"/>
-        </a:effectRef>
-        <a:fontRef idx="minor">
-          <a:schemeClr val="lt1"/>
-        </a:fontRef>
-      </dsp:style>
-      <dsp:txBody>
-        <a:bodyPr spcFirstLastPara="0" vert="horz" wrap="square" lIns="56007" tIns="18669" rIns="18669" bIns="18669" numCol="1" spcCol="1270" anchor="ctr" anchorCtr="0">
-          <a:noAutofit/>
-        </a:bodyPr>
-        <a:lstStyle/>
-        <a:p>
-          <a:pPr lvl="0" algn="ctr" defTabSz="622300">
-            <a:lnSpc>
-              <a:spcPct val="90000"/>
-            </a:lnSpc>
-            <a:spcBef>
-              <a:spcPct val="0"/>
-            </a:spcBef>
-            <a:spcAft>
-              <a:spcPct val="35000"/>
-            </a:spcAft>
-          </a:pPr>
-          <a:r>
-            <a:rPr lang="en-US" sz="1400" b="1" kern="1200" dirty="0" smtClean="0"/>
-            <a:t>pre-integration-test</a:t>
-          </a:r>
-          <a:endParaRPr lang="de-DE" sz="1400" b="1" kern="1200" dirty="0"/>
-        </a:p>
-      </dsp:txBody>
-      <dsp:txXfrm>
-        <a:off x="2070316" y="562235"/>
-        <a:ext cx="1128111" cy="752074"/>
-      </dsp:txXfrm>
-    </dsp:sp>
-    <dsp:sp modelId="{17AF3B93-FA57-409F-9FAF-CA14FC2BCCDA}">
-      <dsp:nvSpPr>
-        <dsp:cNvPr id="0" name=""/>
-        <dsp:cNvSpPr/>
-      </dsp:nvSpPr>
-      <dsp:spPr>
-        <a:xfrm>
-          <a:off x="3386445" y="562235"/>
-          <a:ext cx="1880185" cy="752074"/>
-        </a:xfrm>
-        <a:prstGeom prst="chevron">
-          <a:avLst/>
-        </a:prstGeom>
-        <a:solidFill>
-          <a:schemeClr val="tx2">
-            <a:lumMod val="75000"/>
-          </a:schemeClr>
-        </a:solidFill>
-        <a:ln w="12700" cap="flat" cmpd="sng" algn="ctr">
-          <a:solidFill>
-            <a:schemeClr val="lt1">
-              <a:hueOff val="0"/>
-              <a:satOff val="0"/>
-              <a:lumOff val="0"/>
-              <a:alphaOff val="0"/>
-            </a:schemeClr>
-          </a:solidFill>
-          <a:prstDash val="solid"/>
-          <a:miter lim="800000"/>
-        </a:ln>
-        <a:effectLst/>
-      </dsp:spPr>
-      <dsp:style>
-        <a:lnRef idx="2">
-          <a:scrgbClr r="0" g="0" b="0"/>
-        </a:lnRef>
-        <a:fillRef idx="1">
-          <a:scrgbClr r="0" g="0" b="0"/>
-        </a:fillRef>
-        <a:effectRef idx="0">
-          <a:scrgbClr r="0" g="0" b="0"/>
-        </a:effectRef>
-        <a:fontRef idx="minor">
-          <a:schemeClr val="lt1"/>
-        </a:fontRef>
-      </dsp:style>
-      <dsp:txBody>
-        <a:bodyPr spcFirstLastPara="0" vert="horz" wrap="square" lIns="56007" tIns="18669" rIns="18669" bIns="18669" numCol="1" spcCol="1270" anchor="ctr" anchorCtr="0">
-          <a:noAutofit/>
-        </a:bodyPr>
-        <a:lstStyle/>
-        <a:p>
-          <a:pPr lvl="0" algn="ctr" defTabSz="622300">
-            <a:lnSpc>
-              <a:spcPct val="90000"/>
-            </a:lnSpc>
-            <a:spcBef>
-              <a:spcPct val="0"/>
-            </a:spcBef>
-            <a:spcAft>
-              <a:spcPct val="35000"/>
-            </a:spcAft>
-          </a:pPr>
-          <a:r>
-            <a:rPr lang="en-US" sz="1400" b="1" kern="1200" dirty="0" smtClean="0"/>
-            <a:t>integration-test</a:t>
-          </a:r>
-          <a:endParaRPr lang="de-DE" sz="1400" b="1" kern="1200" dirty="0"/>
-        </a:p>
-      </dsp:txBody>
-      <dsp:txXfrm>
-        <a:off x="3762482" y="562235"/>
-        <a:ext cx="1128111" cy="752074"/>
-      </dsp:txXfrm>
-    </dsp:sp>
-    <dsp:sp modelId="{DEAC2976-8EFE-4204-9FE4-0A0AE01A3B2B}">
-      <dsp:nvSpPr>
-        <dsp:cNvPr id="0" name=""/>
-        <dsp:cNvSpPr/>
-      </dsp:nvSpPr>
-      <dsp:spPr>
-        <a:xfrm>
-          <a:off x="5078612" y="562235"/>
-          <a:ext cx="1880185" cy="752074"/>
-        </a:xfrm>
-        <a:prstGeom prst="chevron">
-          <a:avLst/>
-        </a:prstGeom>
-        <a:solidFill>
-          <a:schemeClr val="tx2">
-            <a:lumMod val="75000"/>
-          </a:schemeClr>
-        </a:solidFill>
-        <a:ln w="12700" cap="flat" cmpd="sng" algn="ctr">
-          <a:solidFill>
-            <a:schemeClr val="lt1">
-              <a:hueOff val="0"/>
-              <a:satOff val="0"/>
-              <a:lumOff val="0"/>
-              <a:alphaOff val="0"/>
-            </a:schemeClr>
-          </a:solidFill>
-          <a:prstDash val="solid"/>
-          <a:miter lim="800000"/>
-        </a:ln>
-        <a:effectLst/>
-      </dsp:spPr>
-      <dsp:style>
-        <a:lnRef idx="2">
-          <a:scrgbClr r="0" g="0" b="0"/>
-        </a:lnRef>
-        <a:fillRef idx="1">
-          <a:scrgbClr r="0" g="0" b="0"/>
-        </a:fillRef>
-        <a:effectRef idx="0">
-          <a:scrgbClr r="0" g="0" b="0"/>
-        </a:effectRef>
-        <a:fontRef idx="minor">
-          <a:schemeClr val="lt1"/>
-        </a:fontRef>
-      </dsp:style>
-      <dsp:txBody>
-        <a:bodyPr spcFirstLastPara="0" vert="horz" wrap="square" lIns="56007" tIns="18669" rIns="18669" bIns="18669" numCol="1" spcCol="1270" anchor="ctr" anchorCtr="0">
-          <a:noAutofit/>
-        </a:bodyPr>
-        <a:lstStyle/>
-        <a:p>
-          <a:pPr lvl="0" algn="ctr" defTabSz="622300">
-            <a:lnSpc>
-              <a:spcPct val="90000"/>
-            </a:lnSpc>
-            <a:spcBef>
-              <a:spcPct val="0"/>
-            </a:spcBef>
-            <a:spcAft>
-              <a:spcPct val="35000"/>
-            </a:spcAft>
-          </a:pPr>
-          <a:r>
-            <a:rPr lang="en-US" sz="1400" b="1" kern="1200" dirty="0" smtClean="0"/>
-            <a:t>post-integration-test</a:t>
-          </a:r>
-          <a:endParaRPr lang="de-DE" sz="1400" b="1" kern="1200" dirty="0"/>
-        </a:p>
-      </dsp:txBody>
-      <dsp:txXfrm>
-        <a:off x="5454649" y="562235"/>
-        <a:ext cx="1128111" cy="752074"/>
-      </dsp:txXfrm>
-    </dsp:sp>
-    <dsp:sp modelId="{99F52057-642D-4027-97D5-D26EF2913281}">
-      <dsp:nvSpPr>
-        <dsp:cNvPr id="0" name=""/>
-        <dsp:cNvSpPr/>
-      </dsp:nvSpPr>
-      <dsp:spPr>
-        <a:xfrm>
-          <a:off x="6770779" y="562235"/>
-          <a:ext cx="1880185" cy="752074"/>
-        </a:xfrm>
-        <a:prstGeom prst="chevron">
-          <a:avLst/>
-        </a:prstGeom>
-        <a:solidFill>
-          <a:schemeClr val="tx2">
-            <a:lumMod val="75000"/>
-          </a:schemeClr>
-        </a:solidFill>
-        <a:ln w="12700" cap="flat" cmpd="sng" algn="ctr">
-          <a:solidFill>
-            <a:schemeClr val="lt1">
-              <a:hueOff val="0"/>
-              <a:satOff val="0"/>
-              <a:lumOff val="0"/>
-              <a:alphaOff val="0"/>
-            </a:schemeClr>
-          </a:solidFill>
-          <a:prstDash val="solid"/>
-          <a:miter lim="800000"/>
-        </a:ln>
-        <a:effectLst/>
-      </dsp:spPr>
-      <dsp:style>
-        <a:lnRef idx="2">
-          <a:scrgbClr r="0" g="0" b="0"/>
-        </a:lnRef>
-        <a:fillRef idx="1">
-          <a:scrgbClr r="0" g="0" b="0"/>
-        </a:fillRef>
-        <a:effectRef idx="0">
-          <a:scrgbClr r="0" g="0" b="0"/>
-        </a:effectRef>
-        <a:fontRef idx="minor">
-          <a:schemeClr val="lt1"/>
-        </a:fontRef>
-      </dsp:style>
-      <dsp:txBody>
-        <a:bodyPr spcFirstLastPara="0" vert="horz" wrap="square" lIns="56007" tIns="18669" rIns="18669" bIns="18669" numCol="1" spcCol="1270" anchor="ctr" anchorCtr="0">
-          <a:noAutofit/>
-        </a:bodyPr>
-        <a:lstStyle/>
-        <a:p>
-          <a:pPr lvl="0" algn="ctr" defTabSz="622300">
-            <a:lnSpc>
-              <a:spcPct val="90000"/>
-            </a:lnSpc>
-            <a:spcBef>
-              <a:spcPct val="0"/>
-            </a:spcBef>
-            <a:spcAft>
-              <a:spcPct val="35000"/>
-            </a:spcAft>
-          </a:pPr>
-          <a:r>
-            <a:rPr lang="en-US" sz="1400" b="1" kern="1200" dirty="0" smtClean="0"/>
-            <a:t>deploy</a:t>
-          </a:r>
-          <a:endParaRPr lang="de-DE" sz="1400" b="1" kern="1200" dirty="0"/>
-        </a:p>
-      </dsp:txBody>
-      <dsp:txXfrm>
-        <a:off x="7146816" y="562235"/>
-        <a:ext cx="1128111" cy="752074"/>
-      </dsp:txXfrm>
-    </dsp:sp>
   </dsp:spTree>
 </dsp:drawing>
 </file>
@@ -3048,7 +2702,7 @@
           <a:p>
             <a:fld id="{9AA7D095-A676-4F6B-9416-D65D798F5244}" type="datetimeFigureOut">
               <a:rPr lang="de-DE" smtClean="0"/>
-              <a:t>30.04.2015</a:t>
+              <a:t>07.05.2015</a:t>
             </a:fld>
             <a:endParaRPr lang="de-DE"/>
           </a:p>
@@ -3218,7 +2872,7 @@
           <a:p>
             <a:fld id="{9AA7D095-A676-4F6B-9416-D65D798F5244}" type="datetimeFigureOut">
               <a:rPr lang="de-DE" smtClean="0"/>
-              <a:t>30.04.2015</a:t>
+              <a:t>07.05.2015</a:t>
             </a:fld>
             <a:endParaRPr lang="de-DE"/>
           </a:p>
@@ -3398,7 +3052,7 @@
           <a:p>
             <a:fld id="{9AA7D095-A676-4F6B-9416-D65D798F5244}" type="datetimeFigureOut">
               <a:rPr lang="de-DE" smtClean="0"/>
-              <a:t>30.04.2015</a:t>
+              <a:t>07.05.2015</a:t>
             </a:fld>
             <a:endParaRPr lang="de-DE"/>
           </a:p>
@@ -3568,7 +3222,7 @@
           <a:p>
             <a:fld id="{9AA7D095-A676-4F6B-9416-D65D798F5244}" type="datetimeFigureOut">
               <a:rPr lang="de-DE" smtClean="0"/>
-              <a:t>30.04.2015</a:t>
+              <a:t>07.05.2015</a:t>
             </a:fld>
             <a:endParaRPr lang="de-DE"/>
           </a:p>
@@ -3814,7 +3468,7 @@
           <a:p>
             <a:fld id="{9AA7D095-A676-4F6B-9416-D65D798F5244}" type="datetimeFigureOut">
               <a:rPr lang="de-DE" smtClean="0"/>
-              <a:t>30.04.2015</a:t>
+              <a:t>07.05.2015</a:t>
             </a:fld>
             <a:endParaRPr lang="de-DE"/>
           </a:p>
@@ -4046,7 +3700,7 @@
           <a:p>
             <a:fld id="{9AA7D095-A676-4F6B-9416-D65D798F5244}" type="datetimeFigureOut">
               <a:rPr lang="de-DE" smtClean="0"/>
-              <a:t>30.04.2015</a:t>
+              <a:t>07.05.2015</a:t>
             </a:fld>
             <a:endParaRPr lang="de-DE"/>
           </a:p>
@@ -4413,7 +4067,7 @@
           <a:p>
             <a:fld id="{9AA7D095-A676-4F6B-9416-D65D798F5244}" type="datetimeFigureOut">
               <a:rPr lang="de-DE" smtClean="0"/>
-              <a:t>30.04.2015</a:t>
+              <a:t>07.05.2015</a:t>
             </a:fld>
             <a:endParaRPr lang="de-DE"/>
           </a:p>
@@ -4531,7 +4185,7 @@
           <a:p>
             <a:fld id="{9AA7D095-A676-4F6B-9416-D65D798F5244}" type="datetimeFigureOut">
               <a:rPr lang="de-DE" smtClean="0"/>
-              <a:t>30.04.2015</a:t>
+              <a:t>07.05.2015</a:t>
             </a:fld>
             <a:endParaRPr lang="de-DE"/>
           </a:p>
@@ -4626,7 +4280,7 @@
           <a:p>
             <a:fld id="{9AA7D095-A676-4F6B-9416-D65D798F5244}" type="datetimeFigureOut">
               <a:rPr lang="de-DE" smtClean="0"/>
-              <a:t>30.04.2015</a:t>
+              <a:t>07.05.2015</a:t>
             </a:fld>
             <a:endParaRPr lang="de-DE"/>
           </a:p>
@@ -4903,7 +4557,7 @@
           <a:p>
             <a:fld id="{9AA7D095-A676-4F6B-9416-D65D798F5244}" type="datetimeFigureOut">
               <a:rPr lang="de-DE" smtClean="0"/>
-              <a:t>30.04.2015</a:t>
+              <a:t>07.05.2015</a:t>
             </a:fld>
             <a:endParaRPr lang="de-DE"/>
           </a:p>
@@ -5160,7 +4814,7 @@
           <a:p>
             <a:fld id="{9AA7D095-A676-4F6B-9416-D65D798F5244}" type="datetimeFigureOut">
               <a:rPr lang="de-DE" smtClean="0"/>
-              <a:t>30.04.2015</a:t>
+              <a:t>07.05.2015</a:t>
             </a:fld>
             <a:endParaRPr lang="de-DE"/>
           </a:p>
@@ -5373,7 +5027,7 @@
           <a:p>
             <a:fld id="{9AA7D095-A676-4F6B-9416-D65D798F5244}" type="datetimeFigureOut">
               <a:rPr lang="de-DE" smtClean="0"/>
-              <a:t>30.04.2015</a:t>
+              <a:t>07.05.2015</a:t>
             </a:fld>
             <a:endParaRPr lang="de-DE"/>
           </a:p>
@@ -8120,6 +7774,893 @@
           <a:chExt cx="0" cy="0"/>
         </a:xfrm>
       </p:grpSpPr>
+      <p:pic>
+        <p:nvPicPr>
+          <p:cNvPr id="6" name="Picture 5"/>
+          <p:cNvPicPr>
+            <a:picLocks noChangeAspect="1"/>
+          </p:cNvPicPr>
+          <p:nvPr/>
+        </p:nvPicPr>
+        <p:blipFill>
+          <a:blip r:embed="rId2"/>
+          <a:stretch>
+            <a:fillRect/>
+          </a:stretch>
+        </p:blipFill>
+        <p:spPr>
+          <a:xfrm>
+            <a:off x="2172790" y="6575683"/>
+            <a:ext cx="1655807" cy="705924"/>
+          </a:xfrm>
+          <a:prstGeom prst="rect">
+            <a:avLst/>
+          </a:prstGeom>
+        </p:spPr>
+      </p:pic>
+      <p:pic>
+        <p:nvPicPr>
+          <p:cNvPr id="85" name="Picture 2" descr="https://a0.awsstatic.com/main/images/logos/aws_logo.png"/>
+          <p:cNvPicPr>
+            <a:picLocks noChangeAspect="1" noChangeArrowheads="1"/>
+          </p:cNvPicPr>
+          <p:nvPr/>
+        </p:nvPicPr>
+        <p:blipFill>
+          <a:blip r:embed="rId3">
+            <a:extLst>
+              <a:ext uri="{28A0092B-C50C-407E-A947-70E740481C1C}">
+                <a14:useLocalDpi xmlns:a14="http://schemas.microsoft.com/office/drawing/2010/main" val="0"/>
+              </a:ext>
+            </a:extLst>
+          </a:blip>
+          <a:srcRect/>
+          <a:stretch>
+            <a:fillRect/>
+          </a:stretch>
+        </p:blipFill>
+        <p:spPr bwMode="auto">
+          <a:xfrm>
+            <a:off x="8991486" y="6660368"/>
+            <a:ext cx="1466377" cy="553964"/>
+          </a:xfrm>
+          <a:prstGeom prst="rect">
+            <a:avLst/>
+          </a:prstGeom>
+          <a:noFill/>
+          <a:extLst>
+            <a:ext uri="{909E8E84-426E-40DD-AFC4-6F175D3DCCD1}">
+              <a14:hiddenFill xmlns:a14="http://schemas.microsoft.com/office/drawing/2010/main">
+                <a:solidFill>
+                  <a:srgbClr val="FFFFFF"/>
+                </a:solidFill>
+              </a14:hiddenFill>
+            </a:ext>
+          </a:extLst>
+        </p:spPr>
+      </p:pic>
+      <p:grpSp>
+        <p:nvGrpSpPr>
+          <p:cNvPr id="8" name="Group 7"/>
+          <p:cNvGrpSpPr/>
+          <p:nvPr/>
+        </p:nvGrpSpPr>
+        <p:grpSpPr>
+          <a:xfrm>
+            <a:off x="2081896" y="2097338"/>
+            <a:ext cx="1896954" cy="4439845"/>
+            <a:chOff x="2081896" y="2055296"/>
+            <a:chExt cx="1896954" cy="4439845"/>
+          </a:xfrm>
+        </p:grpSpPr>
+        <p:grpSp>
+          <p:nvGrpSpPr>
+            <p:cNvPr id="2" name="Group 1"/>
+            <p:cNvGrpSpPr/>
+            <p:nvPr/>
+          </p:nvGrpSpPr>
+          <p:grpSpPr>
+            <a:xfrm>
+              <a:off x="2081896" y="2709318"/>
+              <a:ext cx="1896954" cy="3785823"/>
+              <a:chOff x="2081896" y="2709318"/>
+              <a:chExt cx="1896954" cy="3785823"/>
+            </a:xfrm>
+          </p:grpSpPr>
+          <p:sp>
+            <p:nvSpPr>
+              <p:cNvPr id="73" name="Rounded Rectangle 72"/>
+              <p:cNvSpPr/>
+              <p:nvPr/>
+            </p:nvSpPr>
+            <p:spPr>
+              <a:xfrm>
+                <a:off x="2081896" y="2709318"/>
+                <a:ext cx="1896954" cy="3785823"/>
+              </a:xfrm>
+              <a:prstGeom prst="roundRect">
+                <a:avLst/>
+              </a:prstGeom>
+              <a:noFill/>
+              <a:ln w="57150">
+                <a:solidFill>
+                  <a:schemeClr val="bg1">
+                    <a:lumMod val="50000"/>
+                  </a:schemeClr>
+                </a:solidFill>
+                <a:prstDash val="dash"/>
+              </a:ln>
+            </p:spPr>
+            <p:style>
+              <a:lnRef idx="2">
+                <a:schemeClr val="accent1">
+                  <a:shade val="50000"/>
+                </a:schemeClr>
+              </a:lnRef>
+              <a:fillRef idx="1">
+                <a:schemeClr val="accent1"/>
+              </a:fillRef>
+              <a:effectRef idx="0">
+                <a:schemeClr val="accent1"/>
+              </a:effectRef>
+              <a:fontRef idx="minor">
+                <a:schemeClr val="lt1"/>
+              </a:fontRef>
+            </p:style>
+            <p:txBody>
+              <a:bodyPr rtlCol="0" anchor="ctr"/>
+              <a:lstStyle/>
+              <a:p>
+                <a:pPr algn="ctr"/>
+                <a:endParaRPr lang="de-DE"/>
+              </a:p>
+            </p:txBody>
+          </p:sp>
+          <p:sp>
+            <p:nvSpPr>
+              <p:cNvPr id="76" name="Rounded Rectangle 75"/>
+              <p:cNvSpPr/>
+              <p:nvPr/>
+            </p:nvSpPr>
+            <p:spPr>
+              <a:xfrm>
+                <a:off x="2321374" y="2949403"/>
+                <a:ext cx="1441656" cy="1514439"/>
+              </a:xfrm>
+              <a:prstGeom prst="rect">
+                <a:avLst/>
+              </a:prstGeom>
+              <a:solidFill>
+                <a:schemeClr val="accent2">
+                  <a:lumMod val="75000"/>
+                </a:schemeClr>
+              </a:solidFill>
+              <a:ln w="76200">
+                <a:solidFill>
+                  <a:schemeClr val="accent2">
+                    <a:lumMod val="50000"/>
+                  </a:schemeClr>
+                </a:solidFill>
+              </a:ln>
+            </p:spPr>
+            <p:style>
+              <a:lnRef idx="2">
+                <a:schemeClr val="accent1">
+                  <a:shade val="50000"/>
+                </a:schemeClr>
+              </a:lnRef>
+              <a:fillRef idx="1">
+                <a:schemeClr val="accent1"/>
+              </a:fillRef>
+              <a:effectRef idx="0">
+                <a:schemeClr val="accent1"/>
+              </a:effectRef>
+              <a:fontRef idx="minor">
+                <a:schemeClr val="lt1"/>
+              </a:fontRef>
+            </p:style>
+            <p:txBody>
+              <a:bodyPr rtlCol="0" anchor="ctr"/>
+              <a:lstStyle/>
+              <a:p>
+                <a:pPr algn="ctr"/>
+                <a:r>
+                  <a:rPr lang="en-US" sz="2000" b="1" dirty="0"/>
+                  <a:t>Instance</a:t>
+                </a:r>
+                <a:endParaRPr lang="de-DE" sz="2000" b="1" dirty="0"/>
+              </a:p>
+            </p:txBody>
+          </p:sp>
+          <p:sp>
+            <p:nvSpPr>
+              <p:cNvPr id="66" name="Rounded Rectangle 75"/>
+              <p:cNvSpPr/>
+              <p:nvPr/>
+            </p:nvSpPr>
+            <p:spPr>
+              <a:xfrm>
+                <a:off x="2316119" y="4709885"/>
+                <a:ext cx="1441656" cy="1514439"/>
+              </a:xfrm>
+              <a:prstGeom prst="rect">
+                <a:avLst/>
+              </a:prstGeom>
+              <a:solidFill>
+                <a:schemeClr val="accent2">
+                  <a:lumMod val="75000"/>
+                </a:schemeClr>
+              </a:solidFill>
+              <a:ln w="76200">
+                <a:solidFill>
+                  <a:schemeClr val="accent2">
+                    <a:lumMod val="50000"/>
+                  </a:schemeClr>
+                </a:solidFill>
+              </a:ln>
+            </p:spPr>
+            <p:style>
+              <a:lnRef idx="2">
+                <a:schemeClr val="accent1">
+                  <a:shade val="50000"/>
+                </a:schemeClr>
+              </a:lnRef>
+              <a:fillRef idx="1">
+                <a:schemeClr val="accent1"/>
+              </a:fillRef>
+              <a:effectRef idx="0">
+                <a:schemeClr val="accent1"/>
+              </a:effectRef>
+              <a:fontRef idx="minor">
+                <a:schemeClr val="lt1"/>
+              </a:fontRef>
+            </p:style>
+            <p:txBody>
+              <a:bodyPr rtlCol="0" anchor="ctr"/>
+              <a:lstStyle/>
+              <a:p>
+                <a:pPr algn="ctr"/>
+                <a:r>
+                  <a:rPr lang="en-US" sz="2000" b="1" dirty="0"/>
+                  <a:t>Instance</a:t>
+                </a:r>
+                <a:endParaRPr lang="de-DE" sz="2000" b="1" dirty="0"/>
+              </a:p>
+            </p:txBody>
+          </p:sp>
+        </p:grpSp>
+        <p:sp>
+          <p:nvSpPr>
+            <p:cNvPr id="67" name="TextBox 66"/>
+            <p:cNvSpPr txBox="1"/>
+            <p:nvPr/>
+          </p:nvSpPr>
+          <p:spPr>
+            <a:xfrm>
+              <a:off x="2333359" y="2055296"/>
+              <a:ext cx="1408522" cy="646331"/>
+            </a:xfrm>
+            <a:prstGeom prst="rect">
+              <a:avLst/>
+            </a:prstGeom>
+            <a:noFill/>
+          </p:spPr>
+          <p:txBody>
+            <a:bodyPr wrap="square" rtlCol="0">
+              <a:spAutoFit/>
+            </a:bodyPr>
+            <a:lstStyle/>
+            <a:p>
+              <a:pPr algn="ctr"/>
+              <a:r>
+                <a:rPr lang="en-US" sz="3600" b="1" dirty="0" smtClean="0"/>
+                <a:t>dev</a:t>
+              </a:r>
+              <a:endParaRPr lang="de-DE" sz="3600" b="1" dirty="0"/>
+            </a:p>
+          </p:txBody>
+        </p:sp>
+      </p:grpSp>
+      <p:grpSp>
+        <p:nvGrpSpPr>
+          <p:cNvPr id="92" name="Group 91"/>
+          <p:cNvGrpSpPr/>
+          <p:nvPr/>
+        </p:nvGrpSpPr>
+        <p:grpSpPr>
+          <a:xfrm>
+            <a:off x="5442578" y="2097338"/>
+            <a:ext cx="1896954" cy="4439845"/>
+            <a:chOff x="2081896" y="2055296"/>
+            <a:chExt cx="1896954" cy="4439845"/>
+          </a:xfrm>
+        </p:grpSpPr>
+        <p:grpSp>
+          <p:nvGrpSpPr>
+            <p:cNvPr id="94" name="Group 93"/>
+            <p:cNvGrpSpPr/>
+            <p:nvPr/>
+          </p:nvGrpSpPr>
+          <p:grpSpPr>
+            <a:xfrm>
+              <a:off x="2081896" y="2709318"/>
+              <a:ext cx="1896954" cy="3785823"/>
+              <a:chOff x="2081896" y="2709318"/>
+              <a:chExt cx="1896954" cy="3785823"/>
+            </a:xfrm>
+          </p:grpSpPr>
+          <p:sp>
+            <p:nvSpPr>
+              <p:cNvPr id="99" name="Rounded Rectangle 98"/>
+              <p:cNvSpPr/>
+              <p:nvPr/>
+            </p:nvSpPr>
+            <p:spPr>
+              <a:xfrm>
+                <a:off x="2081896" y="2709318"/>
+                <a:ext cx="1896954" cy="3785823"/>
+              </a:xfrm>
+              <a:prstGeom prst="roundRect">
+                <a:avLst/>
+              </a:prstGeom>
+              <a:noFill/>
+              <a:ln w="57150">
+                <a:solidFill>
+                  <a:schemeClr val="bg1">
+                    <a:lumMod val="50000"/>
+                  </a:schemeClr>
+                </a:solidFill>
+                <a:prstDash val="dash"/>
+              </a:ln>
+            </p:spPr>
+            <p:style>
+              <a:lnRef idx="2">
+                <a:schemeClr val="accent1">
+                  <a:shade val="50000"/>
+                </a:schemeClr>
+              </a:lnRef>
+              <a:fillRef idx="1">
+                <a:schemeClr val="accent1"/>
+              </a:fillRef>
+              <a:effectRef idx="0">
+                <a:schemeClr val="accent1"/>
+              </a:effectRef>
+              <a:fontRef idx="minor">
+                <a:schemeClr val="lt1"/>
+              </a:fontRef>
+            </p:style>
+            <p:txBody>
+              <a:bodyPr rtlCol="0" anchor="ctr"/>
+              <a:lstStyle/>
+              <a:p>
+                <a:pPr algn="ctr"/>
+                <a:endParaRPr lang="de-DE"/>
+              </a:p>
+            </p:txBody>
+          </p:sp>
+          <p:sp>
+            <p:nvSpPr>
+              <p:cNvPr id="100" name="Rounded Rectangle 75"/>
+              <p:cNvSpPr/>
+              <p:nvPr/>
+            </p:nvSpPr>
+            <p:spPr>
+              <a:xfrm>
+                <a:off x="2321374" y="2949403"/>
+                <a:ext cx="1441656" cy="1514439"/>
+              </a:xfrm>
+              <a:prstGeom prst="rect">
+                <a:avLst/>
+              </a:prstGeom>
+              <a:solidFill>
+                <a:schemeClr val="accent2">
+                  <a:lumMod val="75000"/>
+                </a:schemeClr>
+              </a:solidFill>
+              <a:ln w="76200">
+                <a:solidFill>
+                  <a:schemeClr val="accent2">
+                    <a:lumMod val="50000"/>
+                  </a:schemeClr>
+                </a:solidFill>
+              </a:ln>
+            </p:spPr>
+            <p:style>
+              <a:lnRef idx="2">
+                <a:schemeClr val="accent1">
+                  <a:shade val="50000"/>
+                </a:schemeClr>
+              </a:lnRef>
+              <a:fillRef idx="1">
+                <a:schemeClr val="accent1"/>
+              </a:fillRef>
+              <a:effectRef idx="0">
+                <a:schemeClr val="accent1"/>
+              </a:effectRef>
+              <a:fontRef idx="minor">
+                <a:schemeClr val="lt1"/>
+              </a:fontRef>
+            </p:style>
+            <p:txBody>
+              <a:bodyPr rtlCol="0" anchor="ctr"/>
+              <a:lstStyle/>
+              <a:p>
+                <a:pPr algn="ctr"/>
+                <a:r>
+                  <a:rPr lang="en-US" sz="2000" b="1" dirty="0"/>
+                  <a:t>Instance</a:t>
+                </a:r>
+                <a:endParaRPr lang="de-DE" sz="2000" b="1" dirty="0"/>
+              </a:p>
+            </p:txBody>
+          </p:sp>
+          <p:sp>
+            <p:nvSpPr>
+              <p:cNvPr id="101" name="Rounded Rectangle 75"/>
+              <p:cNvSpPr/>
+              <p:nvPr/>
+            </p:nvSpPr>
+            <p:spPr>
+              <a:xfrm>
+                <a:off x="2316119" y="4709885"/>
+                <a:ext cx="1441656" cy="1514439"/>
+              </a:xfrm>
+              <a:prstGeom prst="rect">
+                <a:avLst/>
+              </a:prstGeom>
+              <a:solidFill>
+                <a:schemeClr val="accent2">
+                  <a:lumMod val="75000"/>
+                </a:schemeClr>
+              </a:solidFill>
+              <a:ln w="76200">
+                <a:solidFill>
+                  <a:schemeClr val="accent2">
+                    <a:lumMod val="50000"/>
+                  </a:schemeClr>
+                </a:solidFill>
+              </a:ln>
+            </p:spPr>
+            <p:style>
+              <a:lnRef idx="2">
+                <a:schemeClr val="accent1">
+                  <a:shade val="50000"/>
+                </a:schemeClr>
+              </a:lnRef>
+              <a:fillRef idx="1">
+                <a:schemeClr val="accent1"/>
+              </a:fillRef>
+              <a:effectRef idx="0">
+                <a:schemeClr val="accent1"/>
+              </a:effectRef>
+              <a:fontRef idx="minor">
+                <a:schemeClr val="lt1"/>
+              </a:fontRef>
+            </p:style>
+            <p:txBody>
+              <a:bodyPr rtlCol="0" anchor="ctr"/>
+              <a:lstStyle/>
+              <a:p>
+                <a:pPr algn="ctr"/>
+                <a:r>
+                  <a:rPr lang="en-US" sz="2000" b="1" dirty="0"/>
+                  <a:t>Instance</a:t>
+                </a:r>
+                <a:endParaRPr lang="de-DE" sz="2000" b="1" dirty="0"/>
+              </a:p>
+            </p:txBody>
+          </p:sp>
+        </p:grpSp>
+        <p:sp>
+          <p:nvSpPr>
+            <p:cNvPr id="98" name="TextBox 97"/>
+            <p:cNvSpPr txBox="1"/>
+            <p:nvPr/>
+          </p:nvSpPr>
+          <p:spPr>
+            <a:xfrm>
+              <a:off x="2333359" y="2055296"/>
+              <a:ext cx="1408522" cy="646331"/>
+            </a:xfrm>
+            <a:prstGeom prst="rect">
+              <a:avLst/>
+            </a:prstGeom>
+            <a:noFill/>
+          </p:spPr>
+          <p:txBody>
+            <a:bodyPr wrap="square" rtlCol="0">
+              <a:spAutoFit/>
+            </a:bodyPr>
+            <a:lstStyle/>
+            <a:p>
+              <a:pPr algn="ctr"/>
+              <a:r>
+                <a:rPr lang="en-US" sz="3600" b="1" dirty="0" smtClean="0"/>
+                <a:t>test</a:t>
+              </a:r>
+              <a:endParaRPr lang="de-DE" sz="3600" b="1" dirty="0"/>
+            </a:p>
+          </p:txBody>
+        </p:sp>
+      </p:grpSp>
+      <p:grpSp>
+        <p:nvGrpSpPr>
+          <p:cNvPr id="102" name="Group 101"/>
+          <p:cNvGrpSpPr/>
+          <p:nvPr/>
+        </p:nvGrpSpPr>
+        <p:grpSpPr>
+          <a:xfrm>
+            <a:off x="8803261" y="2097338"/>
+            <a:ext cx="1896954" cy="4439845"/>
+            <a:chOff x="2081896" y="2055296"/>
+            <a:chExt cx="1896954" cy="4439845"/>
+          </a:xfrm>
+        </p:grpSpPr>
+        <p:grpSp>
+          <p:nvGrpSpPr>
+            <p:cNvPr id="103" name="Group 102"/>
+            <p:cNvGrpSpPr/>
+            <p:nvPr/>
+          </p:nvGrpSpPr>
+          <p:grpSpPr>
+            <a:xfrm>
+              <a:off x="2081896" y="2709318"/>
+              <a:ext cx="1896954" cy="3785823"/>
+              <a:chOff x="2081896" y="2709318"/>
+              <a:chExt cx="1896954" cy="3785823"/>
+            </a:xfrm>
+          </p:grpSpPr>
+          <p:sp>
+            <p:nvSpPr>
+              <p:cNvPr id="105" name="Rounded Rectangle 104"/>
+              <p:cNvSpPr/>
+              <p:nvPr/>
+            </p:nvSpPr>
+            <p:spPr>
+              <a:xfrm>
+                <a:off x="2081896" y="2709318"/>
+                <a:ext cx="1896954" cy="3785823"/>
+              </a:xfrm>
+              <a:prstGeom prst="roundRect">
+                <a:avLst/>
+              </a:prstGeom>
+              <a:noFill/>
+              <a:ln w="57150">
+                <a:solidFill>
+                  <a:schemeClr val="bg1">
+                    <a:lumMod val="50000"/>
+                  </a:schemeClr>
+                </a:solidFill>
+                <a:prstDash val="dash"/>
+              </a:ln>
+            </p:spPr>
+            <p:style>
+              <a:lnRef idx="2">
+                <a:schemeClr val="accent1">
+                  <a:shade val="50000"/>
+                </a:schemeClr>
+              </a:lnRef>
+              <a:fillRef idx="1">
+                <a:schemeClr val="accent1"/>
+              </a:fillRef>
+              <a:effectRef idx="0">
+                <a:schemeClr val="accent1"/>
+              </a:effectRef>
+              <a:fontRef idx="minor">
+                <a:schemeClr val="lt1"/>
+              </a:fontRef>
+            </p:style>
+            <p:txBody>
+              <a:bodyPr rtlCol="0" anchor="ctr"/>
+              <a:lstStyle/>
+              <a:p>
+                <a:pPr algn="ctr"/>
+                <a:endParaRPr lang="de-DE"/>
+              </a:p>
+            </p:txBody>
+          </p:sp>
+          <p:sp>
+            <p:nvSpPr>
+              <p:cNvPr id="106" name="Rounded Rectangle 75"/>
+              <p:cNvSpPr/>
+              <p:nvPr/>
+            </p:nvSpPr>
+            <p:spPr>
+              <a:xfrm>
+                <a:off x="2321374" y="2949403"/>
+                <a:ext cx="1441656" cy="1514439"/>
+              </a:xfrm>
+              <a:prstGeom prst="rect">
+                <a:avLst/>
+              </a:prstGeom>
+              <a:solidFill>
+                <a:schemeClr val="accent2">
+                  <a:lumMod val="75000"/>
+                </a:schemeClr>
+              </a:solidFill>
+              <a:ln w="76200">
+                <a:solidFill>
+                  <a:schemeClr val="accent2">
+                    <a:lumMod val="50000"/>
+                  </a:schemeClr>
+                </a:solidFill>
+              </a:ln>
+            </p:spPr>
+            <p:style>
+              <a:lnRef idx="2">
+                <a:schemeClr val="accent1">
+                  <a:shade val="50000"/>
+                </a:schemeClr>
+              </a:lnRef>
+              <a:fillRef idx="1">
+                <a:schemeClr val="accent1"/>
+              </a:fillRef>
+              <a:effectRef idx="0">
+                <a:schemeClr val="accent1"/>
+              </a:effectRef>
+              <a:fontRef idx="minor">
+                <a:schemeClr val="lt1"/>
+              </a:fontRef>
+            </p:style>
+            <p:txBody>
+              <a:bodyPr rtlCol="0" anchor="ctr"/>
+              <a:lstStyle/>
+              <a:p>
+                <a:pPr algn="ctr"/>
+                <a:r>
+                  <a:rPr lang="en-US" sz="2000" b="1" dirty="0"/>
+                  <a:t>Instance</a:t>
+                </a:r>
+                <a:endParaRPr lang="de-DE" sz="2000" b="1" dirty="0"/>
+              </a:p>
+            </p:txBody>
+          </p:sp>
+          <p:sp>
+            <p:nvSpPr>
+              <p:cNvPr id="107" name="Rounded Rectangle 75"/>
+              <p:cNvSpPr/>
+              <p:nvPr/>
+            </p:nvSpPr>
+            <p:spPr>
+              <a:xfrm>
+                <a:off x="2316119" y="4709885"/>
+                <a:ext cx="1441656" cy="1514439"/>
+              </a:xfrm>
+              <a:prstGeom prst="rect">
+                <a:avLst/>
+              </a:prstGeom>
+              <a:solidFill>
+                <a:schemeClr val="accent2">
+                  <a:lumMod val="75000"/>
+                </a:schemeClr>
+              </a:solidFill>
+              <a:ln w="76200">
+                <a:solidFill>
+                  <a:schemeClr val="accent2">
+                    <a:lumMod val="50000"/>
+                  </a:schemeClr>
+                </a:solidFill>
+              </a:ln>
+            </p:spPr>
+            <p:style>
+              <a:lnRef idx="2">
+                <a:schemeClr val="accent1">
+                  <a:shade val="50000"/>
+                </a:schemeClr>
+              </a:lnRef>
+              <a:fillRef idx="1">
+                <a:schemeClr val="accent1"/>
+              </a:fillRef>
+              <a:effectRef idx="0">
+                <a:schemeClr val="accent1"/>
+              </a:effectRef>
+              <a:fontRef idx="minor">
+                <a:schemeClr val="lt1"/>
+              </a:fontRef>
+            </p:style>
+            <p:txBody>
+              <a:bodyPr rtlCol="0" anchor="ctr"/>
+              <a:lstStyle/>
+              <a:p>
+                <a:pPr algn="ctr"/>
+                <a:r>
+                  <a:rPr lang="en-US" sz="2000" b="1" dirty="0"/>
+                  <a:t>Instance</a:t>
+                </a:r>
+                <a:endParaRPr lang="de-DE" sz="2000" b="1" dirty="0"/>
+              </a:p>
+            </p:txBody>
+          </p:sp>
+        </p:grpSp>
+        <p:sp>
+          <p:nvSpPr>
+            <p:cNvPr id="104" name="TextBox 103"/>
+            <p:cNvSpPr txBox="1"/>
+            <p:nvPr/>
+          </p:nvSpPr>
+          <p:spPr>
+            <a:xfrm>
+              <a:off x="2333359" y="2055296"/>
+              <a:ext cx="1408522" cy="646331"/>
+            </a:xfrm>
+            <a:prstGeom prst="rect">
+              <a:avLst/>
+            </a:prstGeom>
+            <a:noFill/>
+          </p:spPr>
+          <p:txBody>
+            <a:bodyPr wrap="square" rtlCol="0">
+              <a:spAutoFit/>
+            </a:bodyPr>
+            <a:lstStyle/>
+            <a:p>
+              <a:pPr algn="ctr"/>
+              <a:r>
+                <a:rPr lang="en-US" sz="3600" b="1" dirty="0" smtClean="0"/>
+                <a:t>prod</a:t>
+              </a:r>
+              <a:endParaRPr lang="de-DE" sz="3600" b="1" dirty="0"/>
+            </a:p>
+          </p:txBody>
+        </p:sp>
+      </p:grpSp>
+      <p:pic>
+        <p:nvPicPr>
+          <p:cNvPr id="108" name="Picture 2" descr="https://a0.awsstatic.com/main/images/logos/aws_logo.png"/>
+          <p:cNvPicPr>
+            <a:picLocks noChangeAspect="1" noChangeArrowheads="1"/>
+          </p:cNvPicPr>
+          <p:nvPr/>
+        </p:nvPicPr>
+        <p:blipFill>
+          <a:blip r:embed="rId3">
+            <a:extLst>
+              <a:ext uri="{28A0092B-C50C-407E-A947-70E740481C1C}">
+                <a14:useLocalDpi xmlns:a14="http://schemas.microsoft.com/office/drawing/2010/main" val="0"/>
+              </a:ext>
+            </a:extLst>
+          </a:blip>
+          <a:srcRect/>
+          <a:stretch>
+            <a:fillRect/>
+          </a:stretch>
+        </p:blipFill>
+        <p:spPr bwMode="auto">
+          <a:xfrm>
+            <a:off x="5643941" y="6655113"/>
+            <a:ext cx="1466377" cy="553964"/>
+          </a:xfrm>
+          <a:prstGeom prst="rect">
+            <a:avLst/>
+          </a:prstGeom>
+          <a:noFill/>
+          <a:extLst>
+            <a:ext uri="{909E8E84-426E-40DD-AFC4-6F175D3DCCD1}">
+              <a14:hiddenFill xmlns:a14="http://schemas.microsoft.com/office/drawing/2010/main">
+                <a:solidFill>
+                  <a:srgbClr val="FFFFFF"/>
+                </a:solidFill>
+              </a14:hiddenFill>
+            </a:ext>
+          </a:extLst>
+        </p:spPr>
+      </p:pic>
+      <p:cxnSp>
+        <p:nvCxnSpPr>
+          <p:cNvPr id="110" name="Straight Arrow Connector 109"/>
+          <p:cNvCxnSpPr/>
+          <p:nvPr/>
+        </p:nvCxnSpPr>
+        <p:spPr>
+          <a:xfrm flipV="1">
+            <a:off x="4146331" y="4630813"/>
+            <a:ext cx="1128120" cy="8626"/>
+          </a:xfrm>
+          <a:prstGeom prst="straightConnector1">
+            <a:avLst/>
+          </a:prstGeom>
+          <a:ln w="142875">
+            <a:solidFill>
+              <a:schemeClr val="tx1">
+                <a:lumMod val="50000"/>
+                <a:lumOff val="50000"/>
+              </a:schemeClr>
+            </a:solidFill>
+            <a:tailEnd type="triangle"/>
+          </a:ln>
+        </p:spPr>
+        <p:style>
+          <a:lnRef idx="1">
+            <a:schemeClr val="accent1"/>
+          </a:lnRef>
+          <a:fillRef idx="0">
+            <a:schemeClr val="accent1"/>
+          </a:fillRef>
+          <a:effectRef idx="0">
+            <a:schemeClr val="accent1"/>
+          </a:effectRef>
+          <a:fontRef idx="minor">
+            <a:schemeClr val="tx1"/>
+          </a:fontRef>
+        </p:style>
+      </p:cxnSp>
+      <p:cxnSp>
+        <p:nvCxnSpPr>
+          <p:cNvPr id="112" name="Straight Arrow Connector 111"/>
+          <p:cNvCxnSpPr/>
+          <p:nvPr/>
+        </p:nvCxnSpPr>
+        <p:spPr>
+          <a:xfrm flipV="1">
+            <a:off x="7499131" y="4630813"/>
+            <a:ext cx="1128120" cy="8626"/>
+          </a:xfrm>
+          <a:prstGeom prst="straightConnector1">
+            <a:avLst/>
+          </a:prstGeom>
+          <a:ln w="142875">
+            <a:solidFill>
+              <a:schemeClr val="tx1">
+                <a:lumMod val="50000"/>
+                <a:lumOff val="50000"/>
+              </a:schemeClr>
+            </a:solidFill>
+            <a:tailEnd type="triangle"/>
+          </a:ln>
+        </p:spPr>
+        <p:style>
+          <a:lnRef idx="1">
+            <a:schemeClr val="accent1"/>
+          </a:lnRef>
+          <a:fillRef idx="0">
+            <a:schemeClr val="accent1"/>
+          </a:fillRef>
+          <a:effectRef idx="0">
+            <a:schemeClr val="accent1"/>
+          </a:effectRef>
+          <a:fontRef idx="minor">
+            <a:schemeClr val="tx1"/>
+          </a:fontRef>
+        </p:style>
+      </p:cxnSp>
+    </p:spTree>
+    <p:extLst>
+      <p:ext uri="{BB962C8B-B14F-4D97-AF65-F5344CB8AC3E}">
+        <p14:creationId xmlns:p14="http://schemas.microsoft.com/office/powerpoint/2010/main" val="3547680725"/>
+      </p:ext>
+    </p:extLst>
+  </p:cSld>
+  <p:clrMapOvr>
+    <a:masterClrMapping/>
+  </p:clrMapOvr>
+  <p:timing>
+    <p:tnLst>
+      <p:par>
+        <p:cTn id="1" dur="indefinite" restart="never" nodeType="tmRoot"/>
+      </p:par>
+    </p:tnLst>
+  </p:timing>
+</p:sld>
+</file>
+
+<file path=ppt/slides/slide12.xml><?xml version="1.0" encoding="utf-8"?>
+<p:sld xmlns:a="http://schemas.openxmlformats.org/drawingml/2006/main" xmlns:r="http://schemas.openxmlformats.org/officeDocument/2006/relationships" xmlns:p="http://schemas.openxmlformats.org/presentationml/2006/main">
+  <p:cSld>
+    <p:spTree>
+      <p:nvGrpSpPr>
+        <p:cNvPr id="1" name=""/>
+        <p:cNvGrpSpPr/>
+        <p:nvPr/>
+      </p:nvGrpSpPr>
+      <p:grpSpPr>
+        <a:xfrm>
+          <a:off x="0" y="0"/>
+          <a:ext cx="0" cy="0"/>
+          <a:chOff x="0" y="0"/>
+          <a:chExt cx="0" cy="0"/>
+        </a:xfrm>
+      </p:grpSpPr>
       <p:sp>
         <p:nvSpPr>
           <p:cNvPr id="62" name="Rounded Rectangle 25"/>
@@ -9188,7 +9729,7 @@
 </p:sld>
 </file>
 
-<file path=ppt/slides/slide12.xml><?xml version="1.0" encoding="utf-8"?>
+<file path=ppt/slides/slide13.xml><?xml version="1.0" encoding="utf-8"?>
 <p:sld xmlns:a="http://schemas.openxmlformats.org/drawingml/2006/main" xmlns:r="http://schemas.openxmlformats.org/officeDocument/2006/relationships" xmlns:p="http://schemas.openxmlformats.org/presentationml/2006/main">
   <p:cSld>
     <p:spTree>
@@ -9975,7 +10516,7 @@
 </p:sld>
 </file>
 
-<file path=ppt/slides/slide13.xml><?xml version="1.0" encoding="utf-8"?>
+<file path=ppt/slides/slide14.xml><?xml version="1.0" encoding="utf-8"?>
 <p:sld xmlns:a="http://schemas.openxmlformats.org/drawingml/2006/main" xmlns:r="http://schemas.openxmlformats.org/officeDocument/2006/relationships" xmlns:p="http://schemas.openxmlformats.org/presentationml/2006/main">
   <p:cSld>
     <p:spTree>
@@ -10495,7 +11036,7 @@
 </p:sld>
 </file>
 
-<file path=ppt/slides/slide14.xml><?xml version="1.0" encoding="utf-8"?>
+<file path=ppt/slides/slide15.xml><?xml version="1.0" encoding="utf-8"?>
 <p:sld xmlns:a="http://schemas.openxmlformats.org/drawingml/2006/main" xmlns:r="http://schemas.openxmlformats.org/officeDocument/2006/relationships" xmlns:p="http://schemas.openxmlformats.org/presentationml/2006/main">
   <p:cSld>
     <p:spTree>
@@ -11342,7 +11883,7 @@
 </p:sld>
 </file>
 
-<file path=ppt/slides/slide15.xml><?xml version="1.0" encoding="utf-8"?>
+<file path=ppt/slides/slide16.xml><?xml version="1.0" encoding="utf-8"?>
 <p:sld xmlns:a="http://schemas.openxmlformats.org/drawingml/2006/main" xmlns:r="http://schemas.openxmlformats.org/officeDocument/2006/relationships" xmlns:p="http://schemas.openxmlformats.org/presentationml/2006/main">
   <p:cSld>
     <p:spTree>
@@ -12288,7 +12829,7 @@
 </p:sld>
 </file>
 
-<file path=ppt/slides/slide16.xml><?xml version="1.0" encoding="utf-8"?>
+<file path=ppt/slides/slide17.xml><?xml version="1.0" encoding="utf-8"?>
 <p:sld xmlns:a="http://schemas.openxmlformats.org/drawingml/2006/main" xmlns:r="http://schemas.openxmlformats.org/officeDocument/2006/relationships" xmlns:p="http://schemas.openxmlformats.org/presentationml/2006/main">
   <p:cSld>
     <p:spTree>
@@ -12783,7 +13324,7 @@
 </p:sld>
 </file>
 
-<file path=ppt/slides/slide17.xml><?xml version="1.0" encoding="utf-8"?>
+<file path=ppt/slides/slide18.xml><?xml version="1.0" encoding="utf-8"?>
 <p:sld xmlns:a="http://schemas.openxmlformats.org/drawingml/2006/main" xmlns:r="http://schemas.openxmlformats.org/officeDocument/2006/relationships" xmlns:p="http://schemas.openxmlformats.org/presentationml/2006/main">
   <p:cSld>
     <p:spTree>

--- a/_sources/GettingStarted.pptx
+++ b/_sources/GettingStarted.pptx
@@ -1250,6 +1250,381 @@
       <dsp:cNvGrpSpPr/>
     </dsp:nvGrpSpPr>
     <dsp:grpSpPr/>
+    <dsp:sp modelId="{6D72C3A5-1474-40AD-9A10-2534C79C4517}">
+      <dsp:nvSpPr>
+        <dsp:cNvPr id="0" name=""/>
+        <dsp:cNvSpPr/>
+      </dsp:nvSpPr>
+      <dsp:spPr>
+        <a:xfrm>
+          <a:off x="2112" y="562235"/>
+          <a:ext cx="1880185" cy="752074"/>
+        </a:xfrm>
+        <a:prstGeom prst="chevron">
+          <a:avLst/>
+        </a:prstGeom>
+        <a:solidFill>
+          <a:schemeClr val="tx2">
+            <a:lumMod val="75000"/>
+          </a:schemeClr>
+        </a:solidFill>
+        <a:ln w="12700" cap="flat" cmpd="sng" algn="ctr">
+          <a:solidFill>
+            <a:schemeClr val="lt1">
+              <a:hueOff val="0"/>
+              <a:satOff val="0"/>
+              <a:lumOff val="0"/>
+              <a:alphaOff val="0"/>
+            </a:schemeClr>
+          </a:solidFill>
+          <a:prstDash val="solid"/>
+          <a:miter lim="800000"/>
+        </a:ln>
+        <a:effectLst/>
+      </dsp:spPr>
+      <dsp:style>
+        <a:lnRef idx="2">
+          <a:scrgbClr r="0" g="0" b="0"/>
+        </a:lnRef>
+        <a:fillRef idx="1">
+          <a:scrgbClr r="0" g="0" b="0"/>
+        </a:fillRef>
+        <a:effectRef idx="0">
+          <a:scrgbClr r="0" g="0" b="0"/>
+        </a:effectRef>
+        <a:fontRef idx="minor">
+          <a:schemeClr val="lt1"/>
+        </a:fontRef>
+      </dsp:style>
+      <dsp:txBody>
+        <a:bodyPr spcFirstLastPara="0" vert="horz" wrap="square" lIns="56007" tIns="18669" rIns="18669" bIns="18669" numCol="1" spcCol="1270" anchor="ctr" anchorCtr="0">
+          <a:noAutofit/>
+        </a:bodyPr>
+        <a:lstStyle/>
+        <a:p>
+          <a:pPr lvl="0" algn="ctr" defTabSz="622300">
+            <a:lnSpc>
+              <a:spcPct val="90000"/>
+            </a:lnSpc>
+            <a:spcBef>
+              <a:spcPct val="0"/>
+            </a:spcBef>
+            <a:spcAft>
+              <a:spcPct val="35000"/>
+            </a:spcAft>
+          </a:pPr>
+          <a:r>
+            <a:rPr lang="en-US" sz="1400" b="1" kern="1200" dirty="0" smtClean="0"/>
+            <a:t>package</a:t>
+          </a:r>
+          <a:endParaRPr lang="de-DE" sz="1400" b="1" kern="1200" dirty="0"/>
+        </a:p>
+      </dsp:txBody>
+      <dsp:txXfrm>
+        <a:off x="378149" y="562235"/>
+        <a:ext cx="1128111" cy="752074"/>
+      </dsp:txXfrm>
+    </dsp:sp>
+    <dsp:sp modelId="{086EE9E9-692A-4D05-A349-CBDF03FDA677}">
+      <dsp:nvSpPr>
+        <dsp:cNvPr id="0" name=""/>
+        <dsp:cNvSpPr/>
+      </dsp:nvSpPr>
+      <dsp:spPr>
+        <a:xfrm>
+          <a:off x="1694279" y="562235"/>
+          <a:ext cx="1880185" cy="752074"/>
+        </a:xfrm>
+        <a:prstGeom prst="chevron">
+          <a:avLst/>
+        </a:prstGeom>
+        <a:solidFill>
+          <a:schemeClr val="tx2">
+            <a:lumMod val="75000"/>
+          </a:schemeClr>
+        </a:solidFill>
+        <a:ln w="12700" cap="flat" cmpd="sng" algn="ctr">
+          <a:solidFill>
+            <a:schemeClr val="lt1">
+              <a:hueOff val="0"/>
+              <a:satOff val="0"/>
+              <a:lumOff val="0"/>
+              <a:alphaOff val="0"/>
+            </a:schemeClr>
+          </a:solidFill>
+          <a:prstDash val="solid"/>
+          <a:miter lim="800000"/>
+        </a:ln>
+        <a:effectLst/>
+      </dsp:spPr>
+      <dsp:style>
+        <a:lnRef idx="2">
+          <a:scrgbClr r="0" g="0" b="0"/>
+        </a:lnRef>
+        <a:fillRef idx="1">
+          <a:scrgbClr r="0" g="0" b="0"/>
+        </a:fillRef>
+        <a:effectRef idx="0">
+          <a:scrgbClr r="0" g="0" b="0"/>
+        </a:effectRef>
+        <a:fontRef idx="minor">
+          <a:schemeClr val="lt1"/>
+        </a:fontRef>
+      </dsp:style>
+      <dsp:txBody>
+        <a:bodyPr spcFirstLastPara="0" vert="horz" wrap="square" lIns="56007" tIns="18669" rIns="18669" bIns="18669" numCol="1" spcCol="1270" anchor="ctr" anchorCtr="0">
+          <a:noAutofit/>
+        </a:bodyPr>
+        <a:lstStyle/>
+        <a:p>
+          <a:pPr lvl="0" algn="ctr" defTabSz="622300">
+            <a:lnSpc>
+              <a:spcPct val="90000"/>
+            </a:lnSpc>
+            <a:spcBef>
+              <a:spcPct val="0"/>
+            </a:spcBef>
+            <a:spcAft>
+              <a:spcPct val="35000"/>
+            </a:spcAft>
+          </a:pPr>
+          <a:r>
+            <a:rPr lang="en-US" sz="1400" b="1" kern="1200" dirty="0" smtClean="0"/>
+            <a:t>pre-integration-test</a:t>
+          </a:r>
+          <a:endParaRPr lang="de-DE" sz="1400" b="1" kern="1200" dirty="0"/>
+        </a:p>
+      </dsp:txBody>
+      <dsp:txXfrm>
+        <a:off x="2070316" y="562235"/>
+        <a:ext cx="1128111" cy="752074"/>
+      </dsp:txXfrm>
+    </dsp:sp>
+    <dsp:sp modelId="{17AF3B93-FA57-409F-9FAF-CA14FC2BCCDA}">
+      <dsp:nvSpPr>
+        <dsp:cNvPr id="0" name=""/>
+        <dsp:cNvSpPr/>
+      </dsp:nvSpPr>
+      <dsp:spPr>
+        <a:xfrm>
+          <a:off x="3386445" y="562235"/>
+          <a:ext cx="1880185" cy="752074"/>
+        </a:xfrm>
+        <a:prstGeom prst="chevron">
+          <a:avLst/>
+        </a:prstGeom>
+        <a:solidFill>
+          <a:schemeClr val="tx2">
+            <a:lumMod val="75000"/>
+          </a:schemeClr>
+        </a:solidFill>
+        <a:ln w="12700" cap="flat" cmpd="sng" algn="ctr">
+          <a:solidFill>
+            <a:schemeClr val="lt1">
+              <a:hueOff val="0"/>
+              <a:satOff val="0"/>
+              <a:lumOff val="0"/>
+              <a:alphaOff val="0"/>
+            </a:schemeClr>
+          </a:solidFill>
+          <a:prstDash val="solid"/>
+          <a:miter lim="800000"/>
+        </a:ln>
+        <a:effectLst/>
+      </dsp:spPr>
+      <dsp:style>
+        <a:lnRef idx="2">
+          <a:scrgbClr r="0" g="0" b="0"/>
+        </a:lnRef>
+        <a:fillRef idx="1">
+          <a:scrgbClr r="0" g="0" b="0"/>
+        </a:fillRef>
+        <a:effectRef idx="0">
+          <a:scrgbClr r="0" g="0" b="0"/>
+        </a:effectRef>
+        <a:fontRef idx="minor">
+          <a:schemeClr val="lt1"/>
+        </a:fontRef>
+      </dsp:style>
+      <dsp:txBody>
+        <a:bodyPr spcFirstLastPara="0" vert="horz" wrap="square" lIns="56007" tIns="18669" rIns="18669" bIns="18669" numCol="1" spcCol="1270" anchor="ctr" anchorCtr="0">
+          <a:noAutofit/>
+        </a:bodyPr>
+        <a:lstStyle/>
+        <a:p>
+          <a:pPr lvl="0" algn="ctr" defTabSz="622300">
+            <a:lnSpc>
+              <a:spcPct val="90000"/>
+            </a:lnSpc>
+            <a:spcBef>
+              <a:spcPct val="0"/>
+            </a:spcBef>
+            <a:spcAft>
+              <a:spcPct val="35000"/>
+            </a:spcAft>
+          </a:pPr>
+          <a:r>
+            <a:rPr lang="en-US" sz="1400" b="1" kern="1200" dirty="0" smtClean="0"/>
+            <a:t>integration-test</a:t>
+          </a:r>
+          <a:endParaRPr lang="de-DE" sz="1400" b="1" kern="1200" dirty="0"/>
+        </a:p>
+      </dsp:txBody>
+      <dsp:txXfrm>
+        <a:off x="3762482" y="562235"/>
+        <a:ext cx="1128111" cy="752074"/>
+      </dsp:txXfrm>
+    </dsp:sp>
+    <dsp:sp modelId="{DEAC2976-8EFE-4204-9FE4-0A0AE01A3B2B}">
+      <dsp:nvSpPr>
+        <dsp:cNvPr id="0" name=""/>
+        <dsp:cNvSpPr/>
+      </dsp:nvSpPr>
+      <dsp:spPr>
+        <a:xfrm>
+          <a:off x="5078612" y="562235"/>
+          <a:ext cx="1880185" cy="752074"/>
+        </a:xfrm>
+        <a:prstGeom prst="chevron">
+          <a:avLst/>
+        </a:prstGeom>
+        <a:solidFill>
+          <a:schemeClr val="tx2">
+            <a:lumMod val="75000"/>
+          </a:schemeClr>
+        </a:solidFill>
+        <a:ln w="12700" cap="flat" cmpd="sng" algn="ctr">
+          <a:solidFill>
+            <a:schemeClr val="lt1">
+              <a:hueOff val="0"/>
+              <a:satOff val="0"/>
+              <a:lumOff val="0"/>
+              <a:alphaOff val="0"/>
+            </a:schemeClr>
+          </a:solidFill>
+          <a:prstDash val="solid"/>
+          <a:miter lim="800000"/>
+        </a:ln>
+        <a:effectLst/>
+      </dsp:spPr>
+      <dsp:style>
+        <a:lnRef idx="2">
+          <a:scrgbClr r="0" g="0" b="0"/>
+        </a:lnRef>
+        <a:fillRef idx="1">
+          <a:scrgbClr r="0" g="0" b="0"/>
+        </a:fillRef>
+        <a:effectRef idx="0">
+          <a:scrgbClr r="0" g="0" b="0"/>
+        </a:effectRef>
+        <a:fontRef idx="minor">
+          <a:schemeClr val="lt1"/>
+        </a:fontRef>
+      </dsp:style>
+      <dsp:txBody>
+        <a:bodyPr spcFirstLastPara="0" vert="horz" wrap="square" lIns="56007" tIns="18669" rIns="18669" bIns="18669" numCol="1" spcCol="1270" anchor="ctr" anchorCtr="0">
+          <a:noAutofit/>
+        </a:bodyPr>
+        <a:lstStyle/>
+        <a:p>
+          <a:pPr lvl="0" algn="ctr" defTabSz="622300">
+            <a:lnSpc>
+              <a:spcPct val="90000"/>
+            </a:lnSpc>
+            <a:spcBef>
+              <a:spcPct val="0"/>
+            </a:spcBef>
+            <a:spcAft>
+              <a:spcPct val="35000"/>
+            </a:spcAft>
+          </a:pPr>
+          <a:r>
+            <a:rPr lang="en-US" sz="1400" b="1" kern="1200" dirty="0" smtClean="0"/>
+            <a:t>post-integration-test</a:t>
+          </a:r>
+          <a:endParaRPr lang="de-DE" sz="1400" b="1" kern="1200" dirty="0"/>
+        </a:p>
+      </dsp:txBody>
+      <dsp:txXfrm>
+        <a:off x="5454649" y="562235"/>
+        <a:ext cx="1128111" cy="752074"/>
+      </dsp:txXfrm>
+    </dsp:sp>
+    <dsp:sp modelId="{99F52057-642D-4027-97D5-D26EF2913281}">
+      <dsp:nvSpPr>
+        <dsp:cNvPr id="0" name=""/>
+        <dsp:cNvSpPr/>
+      </dsp:nvSpPr>
+      <dsp:spPr>
+        <a:xfrm>
+          <a:off x="6770779" y="562235"/>
+          <a:ext cx="1880185" cy="752074"/>
+        </a:xfrm>
+        <a:prstGeom prst="chevron">
+          <a:avLst/>
+        </a:prstGeom>
+        <a:solidFill>
+          <a:schemeClr val="tx2">
+            <a:lumMod val="75000"/>
+          </a:schemeClr>
+        </a:solidFill>
+        <a:ln w="12700" cap="flat" cmpd="sng" algn="ctr">
+          <a:solidFill>
+            <a:schemeClr val="lt1">
+              <a:hueOff val="0"/>
+              <a:satOff val="0"/>
+              <a:lumOff val="0"/>
+              <a:alphaOff val="0"/>
+            </a:schemeClr>
+          </a:solidFill>
+          <a:prstDash val="solid"/>
+          <a:miter lim="800000"/>
+        </a:ln>
+        <a:effectLst/>
+      </dsp:spPr>
+      <dsp:style>
+        <a:lnRef idx="2">
+          <a:scrgbClr r="0" g="0" b="0"/>
+        </a:lnRef>
+        <a:fillRef idx="1">
+          <a:scrgbClr r="0" g="0" b="0"/>
+        </a:fillRef>
+        <a:effectRef idx="0">
+          <a:scrgbClr r="0" g="0" b="0"/>
+        </a:effectRef>
+        <a:fontRef idx="minor">
+          <a:schemeClr val="lt1"/>
+        </a:fontRef>
+      </dsp:style>
+      <dsp:txBody>
+        <a:bodyPr spcFirstLastPara="0" vert="horz" wrap="square" lIns="56007" tIns="18669" rIns="18669" bIns="18669" numCol="1" spcCol="1270" anchor="ctr" anchorCtr="0">
+          <a:noAutofit/>
+        </a:bodyPr>
+        <a:lstStyle/>
+        <a:p>
+          <a:pPr lvl="0" algn="ctr" defTabSz="622300">
+            <a:lnSpc>
+              <a:spcPct val="90000"/>
+            </a:lnSpc>
+            <a:spcBef>
+              <a:spcPct val="0"/>
+            </a:spcBef>
+            <a:spcAft>
+              <a:spcPct val="35000"/>
+            </a:spcAft>
+          </a:pPr>
+          <a:r>
+            <a:rPr lang="en-US" sz="1400" b="1" kern="1200" dirty="0" smtClean="0"/>
+            <a:t>deploy</a:t>
+          </a:r>
+          <a:endParaRPr lang="de-DE" sz="1400" b="1" kern="1200" dirty="0"/>
+        </a:p>
+      </dsp:txBody>
+      <dsp:txXfrm>
+        <a:off x="7146816" y="562235"/>
+        <a:ext cx="1128111" cy="752074"/>
+      </dsp:txXfrm>
+    </dsp:sp>
   </dsp:spTree>
 </dsp:drawing>
 </file>
@@ -2702,7 +3077,7 @@
           <a:p>
             <a:fld id="{9AA7D095-A676-4F6B-9416-D65D798F5244}" type="datetimeFigureOut">
               <a:rPr lang="de-DE" smtClean="0"/>
-              <a:t>07.05.2015</a:t>
+              <a:t>08.05.2015</a:t>
             </a:fld>
             <a:endParaRPr lang="de-DE"/>
           </a:p>
@@ -2872,7 +3247,7 @@
           <a:p>
             <a:fld id="{9AA7D095-A676-4F6B-9416-D65D798F5244}" type="datetimeFigureOut">
               <a:rPr lang="de-DE" smtClean="0"/>
-              <a:t>07.05.2015</a:t>
+              <a:t>08.05.2015</a:t>
             </a:fld>
             <a:endParaRPr lang="de-DE"/>
           </a:p>
@@ -3052,7 +3427,7 @@
           <a:p>
             <a:fld id="{9AA7D095-A676-4F6B-9416-D65D798F5244}" type="datetimeFigureOut">
               <a:rPr lang="de-DE" smtClean="0"/>
-              <a:t>07.05.2015</a:t>
+              <a:t>08.05.2015</a:t>
             </a:fld>
             <a:endParaRPr lang="de-DE"/>
           </a:p>
@@ -3222,7 +3597,7 @@
           <a:p>
             <a:fld id="{9AA7D095-A676-4F6B-9416-D65D798F5244}" type="datetimeFigureOut">
               <a:rPr lang="de-DE" smtClean="0"/>
-              <a:t>07.05.2015</a:t>
+              <a:t>08.05.2015</a:t>
             </a:fld>
             <a:endParaRPr lang="de-DE"/>
           </a:p>
@@ -3468,7 +3843,7 @@
           <a:p>
             <a:fld id="{9AA7D095-A676-4F6B-9416-D65D798F5244}" type="datetimeFigureOut">
               <a:rPr lang="de-DE" smtClean="0"/>
-              <a:t>07.05.2015</a:t>
+              <a:t>08.05.2015</a:t>
             </a:fld>
             <a:endParaRPr lang="de-DE"/>
           </a:p>
@@ -3700,7 +4075,7 @@
           <a:p>
             <a:fld id="{9AA7D095-A676-4F6B-9416-D65D798F5244}" type="datetimeFigureOut">
               <a:rPr lang="de-DE" smtClean="0"/>
-              <a:t>07.05.2015</a:t>
+              <a:t>08.05.2015</a:t>
             </a:fld>
             <a:endParaRPr lang="de-DE"/>
           </a:p>
@@ -4067,7 +4442,7 @@
           <a:p>
             <a:fld id="{9AA7D095-A676-4F6B-9416-D65D798F5244}" type="datetimeFigureOut">
               <a:rPr lang="de-DE" smtClean="0"/>
-              <a:t>07.05.2015</a:t>
+              <a:t>08.05.2015</a:t>
             </a:fld>
             <a:endParaRPr lang="de-DE"/>
           </a:p>
@@ -4185,7 +4560,7 @@
           <a:p>
             <a:fld id="{9AA7D095-A676-4F6B-9416-D65D798F5244}" type="datetimeFigureOut">
               <a:rPr lang="de-DE" smtClean="0"/>
-              <a:t>07.05.2015</a:t>
+              <a:t>08.05.2015</a:t>
             </a:fld>
             <a:endParaRPr lang="de-DE"/>
           </a:p>
@@ -4280,7 +4655,7 @@
           <a:p>
             <a:fld id="{9AA7D095-A676-4F6B-9416-D65D798F5244}" type="datetimeFigureOut">
               <a:rPr lang="de-DE" smtClean="0"/>
-              <a:t>07.05.2015</a:t>
+              <a:t>08.05.2015</a:t>
             </a:fld>
             <a:endParaRPr lang="de-DE"/>
           </a:p>
@@ -4557,7 +4932,7 @@
           <a:p>
             <a:fld id="{9AA7D095-A676-4F6B-9416-D65D798F5244}" type="datetimeFigureOut">
               <a:rPr lang="de-DE" smtClean="0"/>
-              <a:t>07.05.2015</a:t>
+              <a:t>08.05.2015</a:t>
             </a:fld>
             <a:endParaRPr lang="de-DE"/>
           </a:p>
@@ -4814,7 +5189,7 @@
           <a:p>
             <a:fld id="{9AA7D095-A676-4F6B-9416-D65D798F5244}" type="datetimeFigureOut">
               <a:rPr lang="de-DE" smtClean="0"/>
-              <a:t>07.05.2015</a:t>
+              <a:t>08.05.2015</a:t>
             </a:fld>
             <a:endParaRPr lang="de-DE"/>
           </a:p>
@@ -5027,7 +5402,7 @@
           <a:p>
             <a:fld id="{9AA7D095-A676-4F6B-9416-D65D798F5244}" type="datetimeFigureOut">
               <a:rPr lang="de-DE" smtClean="0"/>
-              <a:t>07.05.2015</a:t>
+              <a:t>08.05.2015</a:t>
             </a:fld>
             <a:endParaRPr lang="de-DE"/>
           </a:p>
@@ -13664,6 +14039,297 @@
           </a:extLst>
         </p:spPr>
       </p:pic>
+      <p:pic>
+        <p:nvPicPr>
+          <p:cNvPr id="14" name="Picture 13"/>
+          <p:cNvPicPr>
+            <a:picLocks noChangeAspect="1"/>
+          </p:cNvPicPr>
+          <p:nvPr/>
+        </p:nvPicPr>
+        <p:blipFill>
+          <a:blip r:embed="rId2">
+            <a:extLst>
+              <a:ext uri="{28A0092B-C50C-407E-A947-70E740481C1C}">
+                <a14:useLocalDpi xmlns:a14="http://schemas.microsoft.com/office/drawing/2010/main" val="0"/>
+              </a:ext>
+            </a:extLst>
+          </a:blip>
+          <a:stretch>
+            <a:fillRect/>
+          </a:stretch>
+        </p:blipFill>
+        <p:spPr>
+          <a:xfrm>
+            <a:off x="5941262" y="4598035"/>
+            <a:ext cx="695422" cy="1143160"/>
+          </a:xfrm>
+          <a:prstGeom prst="rect">
+            <a:avLst/>
+          </a:prstGeom>
+        </p:spPr>
+      </p:pic>
+      <p:pic>
+        <p:nvPicPr>
+          <p:cNvPr id="15" name="Picture 14"/>
+          <p:cNvPicPr>
+            <a:picLocks noChangeAspect="1"/>
+          </p:cNvPicPr>
+          <p:nvPr/>
+        </p:nvPicPr>
+        <p:blipFill>
+          <a:blip r:embed="rId3">
+            <a:extLst>
+              <a:ext uri="{28A0092B-C50C-407E-A947-70E740481C1C}">
+                <a14:useLocalDpi xmlns:a14="http://schemas.microsoft.com/office/drawing/2010/main" val="0"/>
+              </a:ext>
+            </a:extLst>
+          </a:blip>
+          <a:stretch>
+            <a:fillRect/>
+          </a:stretch>
+        </p:blipFill>
+        <p:spPr>
+          <a:xfrm>
+            <a:off x="8072754" y="4840611"/>
+            <a:ext cx="1538745" cy="615498"/>
+          </a:xfrm>
+          <a:prstGeom prst="rect">
+            <a:avLst/>
+          </a:prstGeom>
+        </p:spPr>
+      </p:pic>
+      <p:cxnSp>
+        <p:nvCxnSpPr>
+          <p:cNvPr id="17" name="Straight Arrow Connector 16"/>
+          <p:cNvCxnSpPr/>
+          <p:nvPr/>
+        </p:nvCxnSpPr>
+        <p:spPr>
+          <a:xfrm flipV="1">
+            <a:off x="6798874" y="5122564"/>
+            <a:ext cx="1142403" cy="10481"/>
+          </a:xfrm>
+          <a:prstGeom prst="straightConnector1">
+            <a:avLst/>
+          </a:prstGeom>
+          <a:ln w="142875">
+            <a:solidFill>
+              <a:schemeClr val="tx1">
+                <a:lumMod val="50000"/>
+                <a:lumOff val="50000"/>
+              </a:schemeClr>
+            </a:solidFill>
+            <a:tailEnd type="triangle"/>
+          </a:ln>
+        </p:spPr>
+        <p:style>
+          <a:lnRef idx="1">
+            <a:schemeClr val="accent1"/>
+          </a:lnRef>
+          <a:fillRef idx="0">
+            <a:schemeClr val="accent1"/>
+          </a:fillRef>
+          <a:effectRef idx="0">
+            <a:schemeClr val="accent1"/>
+          </a:effectRef>
+          <a:fontRef idx="minor">
+            <a:schemeClr val="tx1"/>
+          </a:fontRef>
+        </p:style>
+      </p:cxnSp>
+      <p:pic>
+        <p:nvPicPr>
+          <p:cNvPr id="19" name="Picture 2" descr="Logo"/>
+          <p:cNvPicPr>
+            <a:picLocks noChangeAspect="1" noChangeArrowheads="1"/>
+          </p:cNvPicPr>
+          <p:nvPr/>
+        </p:nvPicPr>
+        <p:blipFill>
+          <a:blip r:embed="rId4">
+            <a:extLst>
+              <a:ext uri="{28A0092B-C50C-407E-A947-70E740481C1C}">
+                <a14:useLocalDpi xmlns:a14="http://schemas.microsoft.com/office/drawing/2010/main" val="0"/>
+              </a:ext>
+            </a:extLst>
+          </a:blip>
+          <a:srcRect/>
+          <a:stretch>
+            <a:fillRect/>
+          </a:stretch>
+        </p:blipFill>
+        <p:spPr bwMode="auto">
+          <a:xfrm>
+            <a:off x="6541959" y="5264652"/>
+            <a:ext cx="1648513" cy="374662"/>
+          </a:xfrm>
+          <a:prstGeom prst="rect">
+            <a:avLst/>
+          </a:prstGeom>
+          <a:noFill/>
+          <a:extLst>
+            <a:ext uri="{909E8E84-426E-40DD-AFC4-6F175D3DCCD1}">
+              <a14:hiddenFill xmlns:a14="http://schemas.microsoft.com/office/drawing/2010/main">
+                <a:solidFill>
+                  <a:srgbClr val="FFFFFF"/>
+                </a:solidFill>
+              </a14:hiddenFill>
+            </a:ext>
+          </a:extLst>
+        </p:spPr>
+      </p:pic>
+      <p:pic>
+        <p:nvPicPr>
+          <p:cNvPr id="23" name="Picture 22"/>
+          <p:cNvPicPr>
+            <a:picLocks noChangeAspect="1"/>
+          </p:cNvPicPr>
+          <p:nvPr/>
+        </p:nvPicPr>
+        <p:blipFill>
+          <a:blip r:embed="rId5" cstate="print">
+            <a:extLst>
+              <a:ext uri="{28A0092B-C50C-407E-A947-70E740481C1C}">
+                <a14:useLocalDpi xmlns:a14="http://schemas.microsoft.com/office/drawing/2010/main" val="0"/>
+              </a:ext>
+            </a:extLst>
+          </a:blip>
+          <a:stretch>
+            <a:fillRect/>
+          </a:stretch>
+        </p:blipFill>
+        <p:spPr>
+          <a:xfrm>
+            <a:off x="6810478" y="4602693"/>
+            <a:ext cx="1116380" cy="345217"/>
+          </a:xfrm>
+          <a:prstGeom prst="rect">
+            <a:avLst/>
+          </a:prstGeom>
+        </p:spPr>
+      </p:pic>
+      <p:pic>
+        <p:nvPicPr>
+          <p:cNvPr id="2" name="Picture 2" descr="https://assets-cdn.github.com/images/modules/logos_page/Octocat.png"/>
+          <p:cNvPicPr>
+            <a:picLocks noChangeAspect="1" noChangeArrowheads="1"/>
+          </p:cNvPicPr>
+          <p:nvPr/>
+        </p:nvPicPr>
+        <p:blipFill>
+          <a:blip r:embed="rId6" cstate="print">
+            <a:extLst>
+              <a:ext uri="{28A0092B-C50C-407E-A947-70E740481C1C}">
+                <a14:useLocalDpi xmlns:a14="http://schemas.microsoft.com/office/drawing/2010/main" val="0"/>
+              </a:ext>
+            </a:extLst>
+          </a:blip>
+          <a:srcRect/>
+          <a:stretch>
+            <a:fillRect/>
+          </a:stretch>
+        </p:blipFill>
+        <p:spPr bwMode="auto">
+          <a:xfrm>
+            <a:off x="3311436" y="4590536"/>
+            <a:ext cx="1472772" cy="1218385"/>
+          </a:xfrm>
+          <a:prstGeom prst="rect">
+            <a:avLst/>
+          </a:prstGeom>
+          <a:noFill/>
+          <a:extLst>
+            <a:ext uri="{909E8E84-426E-40DD-AFC4-6F175D3DCCD1}">
+              <a14:hiddenFill xmlns:a14="http://schemas.microsoft.com/office/drawing/2010/main">
+                <a:solidFill>
+                  <a:srgbClr val="FFFFFF"/>
+                </a:solidFill>
+              </a14:hiddenFill>
+            </a:ext>
+          </a:extLst>
+        </p:spPr>
+      </p:pic>
+      <p:pic>
+        <p:nvPicPr>
+          <p:cNvPr id="1028" name="Picture 4" descr="https://travis-ci.com/img/brand-standards/logo-downloads/TravisCI-Full-Color-vertical.png"/>
+          <p:cNvPicPr>
+            <a:picLocks noChangeAspect="1" noChangeArrowheads="1"/>
+          </p:cNvPicPr>
+          <p:nvPr/>
+        </p:nvPicPr>
+        <p:blipFill>
+          <a:blip r:embed="rId7">
+            <a:extLst>
+              <a:ext uri="{28A0092B-C50C-407E-A947-70E740481C1C}">
+                <a14:useLocalDpi xmlns:a14="http://schemas.microsoft.com/office/drawing/2010/main" val="0"/>
+              </a:ext>
+            </a:extLst>
+          </a:blip>
+          <a:srcRect/>
+          <a:stretch>
+            <a:fillRect/>
+          </a:stretch>
+        </p:blipFill>
+        <p:spPr bwMode="auto">
+          <a:xfrm>
+            <a:off x="4936524" y="4554365"/>
+            <a:ext cx="478494" cy="611147"/>
+          </a:xfrm>
+          <a:prstGeom prst="rect">
+            <a:avLst/>
+          </a:prstGeom>
+          <a:noFill/>
+          <a:extLst>
+            <a:ext uri="{909E8E84-426E-40DD-AFC4-6F175D3DCCD1}">
+              <a14:hiddenFill xmlns:a14="http://schemas.microsoft.com/office/drawing/2010/main">
+                <a:solidFill>
+                  <a:srgbClr val="FFFFFF"/>
+                </a:solidFill>
+              </a14:hiddenFill>
+            </a:ext>
+          </a:extLst>
+        </p:spPr>
+      </p:pic>
+      <p:cxnSp>
+        <p:nvCxnSpPr>
+          <p:cNvPr id="21" name="Straight Arrow Connector 20"/>
+          <p:cNvCxnSpPr/>
+          <p:nvPr/>
+        </p:nvCxnSpPr>
+        <p:spPr>
+          <a:xfrm flipV="1">
+            <a:off x="4764126" y="5122564"/>
+            <a:ext cx="1142403" cy="10481"/>
+          </a:xfrm>
+          <a:prstGeom prst="straightConnector1">
+            <a:avLst/>
+          </a:prstGeom>
+          <a:ln w="142875">
+            <a:solidFill>
+              <a:schemeClr val="tx1">
+                <a:lumMod val="50000"/>
+                <a:lumOff val="50000"/>
+              </a:schemeClr>
+            </a:solidFill>
+            <a:tailEnd type="triangle"/>
+          </a:ln>
+        </p:spPr>
+        <p:style>
+          <a:lnRef idx="1">
+            <a:schemeClr val="accent1"/>
+          </a:lnRef>
+          <a:fillRef idx="0">
+            <a:schemeClr val="accent1"/>
+          </a:fillRef>
+          <a:effectRef idx="0">
+            <a:schemeClr val="accent1"/>
+          </a:effectRef>
+          <a:fontRef idx="minor">
+            <a:schemeClr val="tx1"/>
+          </a:fontRef>
+        </p:style>
+      </p:cxnSp>
     </p:spTree>
     <p:extLst>
       <p:ext uri="{BB962C8B-B14F-4D97-AF65-F5344CB8AC3E}">

--- a/_sources/GettingStarted.pptx
+++ b/_sources/GettingStarted.pptx
@@ -23,6 +23,7 @@
     <p:sldId id="270" r:id="rId17"/>
     <p:sldId id="272" r:id="rId18"/>
     <p:sldId id="271" r:id="rId19"/>
+    <p:sldId id="274" r:id="rId20"/>
   </p:sldIdLst>
   <p:sldSz cx="14400213" cy="7559675"/>
   <p:notesSz cx="6858000" cy="9144000"/>
@@ -1250,381 +1251,6 @@
       <dsp:cNvGrpSpPr/>
     </dsp:nvGrpSpPr>
     <dsp:grpSpPr/>
-    <dsp:sp modelId="{6D72C3A5-1474-40AD-9A10-2534C79C4517}">
-      <dsp:nvSpPr>
-        <dsp:cNvPr id="0" name=""/>
-        <dsp:cNvSpPr/>
-      </dsp:nvSpPr>
-      <dsp:spPr>
-        <a:xfrm>
-          <a:off x="2112" y="562235"/>
-          <a:ext cx="1880185" cy="752074"/>
-        </a:xfrm>
-        <a:prstGeom prst="chevron">
-          <a:avLst/>
-        </a:prstGeom>
-        <a:solidFill>
-          <a:schemeClr val="tx2">
-            <a:lumMod val="75000"/>
-          </a:schemeClr>
-        </a:solidFill>
-        <a:ln w="12700" cap="flat" cmpd="sng" algn="ctr">
-          <a:solidFill>
-            <a:schemeClr val="lt1">
-              <a:hueOff val="0"/>
-              <a:satOff val="0"/>
-              <a:lumOff val="0"/>
-              <a:alphaOff val="0"/>
-            </a:schemeClr>
-          </a:solidFill>
-          <a:prstDash val="solid"/>
-          <a:miter lim="800000"/>
-        </a:ln>
-        <a:effectLst/>
-      </dsp:spPr>
-      <dsp:style>
-        <a:lnRef idx="2">
-          <a:scrgbClr r="0" g="0" b="0"/>
-        </a:lnRef>
-        <a:fillRef idx="1">
-          <a:scrgbClr r="0" g="0" b="0"/>
-        </a:fillRef>
-        <a:effectRef idx="0">
-          <a:scrgbClr r="0" g="0" b="0"/>
-        </a:effectRef>
-        <a:fontRef idx="minor">
-          <a:schemeClr val="lt1"/>
-        </a:fontRef>
-      </dsp:style>
-      <dsp:txBody>
-        <a:bodyPr spcFirstLastPara="0" vert="horz" wrap="square" lIns="56007" tIns="18669" rIns="18669" bIns="18669" numCol="1" spcCol="1270" anchor="ctr" anchorCtr="0">
-          <a:noAutofit/>
-        </a:bodyPr>
-        <a:lstStyle/>
-        <a:p>
-          <a:pPr lvl="0" algn="ctr" defTabSz="622300">
-            <a:lnSpc>
-              <a:spcPct val="90000"/>
-            </a:lnSpc>
-            <a:spcBef>
-              <a:spcPct val="0"/>
-            </a:spcBef>
-            <a:spcAft>
-              <a:spcPct val="35000"/>
-            </a:spcAft>
-          </a:pPr>
-          <a:r>
-            <a:rPr lang="en-US" sz="1400" b="1" kern="1200" dirty="0" smtClean="0"/>
-            <a:t>package</a:t>
-          </a:r>
-          <a:endParaRPr lang="de-DE" sz="1400" b="1" kern="1200" dirty="0"/>
-        </a:p>
-      </dsp:txBody>
-      <dsp:txXfrm>
-        <a:off x="378149" y="562235"/>
-        <a:ext cx="1128111" cy="752074"/>
-      </dsp:txXfrm>
-    </dsp:sp>
-    <dsp:sp modelId="{086EE9E9-692A-4D05-A349-CBDF03FDA677}">
-      <dsp:nvSpPr>
-        <dsp:cNvPr id="0" name=""/>
-        <dsp:cNvSpPr/>
-      </dsp:nvSpPr>
-      <dsp:spPr>
-        <a:xfrm>
-          <a:off x="1694279" y="562235"/>
-          <a:ext cx="1880185" cy="752074"/>
-        </a:xfrm>
-        <a:prstGeom prst="chevron">
-          <a:avLst/>
-        </a:prstGeom>
-        <a:solidFill>
-          <a:schemeClr val="tx2">
-            <a:lumMod val="75000"/>
-          </a:schemeClr>
-        </a:solidFill>
-        <a:ln w="12700" cap="flat" cmpd="sng" algn="ctr">
-          <a:solidFill>
-            <a:schemeClr val="lt1">
-              <a:hueOff val="0"/>
-              <a:satOff val="0"/>
-              <a:lumOff val="0"/>
-              <a:alphaOff val="0"/>
-            </a:schemeClr>
-          </a:solidFill>
-          <a:prstDash val="solid"/>
-          <a:miter lim="800000"/>
-        </a:ln>
-        <a:effectLst/>
-      </dsp:spPr>
-      <dsp:style>
-        <a:lnRef idx="2">
-          <a:scrgbClr r="0" g="0" b="0"/>
-        </a:lnRef>
-        <a:fillRef idx="1">
-          <a:scrgbClr r="0" g="0" b="0"/>
-        </a:fillRef>
-        <a:effectRef idx="0">
-          <a:scrgbClr r="0" g="0" b="0"/>
-        </a:effectRef>
-        <a:fontRef idx="minor">
-          <a:schemeClr val="lt1"/>
-        </a:fontRef>
-      </dsp:style>
-      <dsp:txBody>
-        <a:bodyPr spcFirstLastPara="0" vert="horz" wrap="square" lIns="56007" tIns="18669" rIns="18669" bIns="18669" numCol="1" spcCol="1270" anchor="ctr" anchorCtr="0">
-          <a:noAutofit/>
-        </a:bodyPr>
-        <a:lstStyle/>
-        <a:p>
-          <a:pPr lvl="0" algn="ctr" defTabSz="622300">
-            <a:lnSpc>
-              <a:spcPct val="90000"/>
-            </a:lnSpc>
-            <a:spcBef>
-              <a:spcPct val="0"/>
-            </a:spcBef>
-            <a:spcAft>
-              <a:spcPct val="35000"/>
-            </a:spcAft>
-          </a:pPr>
-          <a:r>
-            <a:rPr lang="en-US" sz="1400" b="1" kern="1200" dirty="0" smtClean="0"/>
-            <a:t>pre-integration-test</a:t>
-          </a:r>
-          <a:endParaRPr lang="de-DE" sz="1400" b="1" kern="1200" dirty="0"/>
-        </a:p>
-      </dsp:txBody>
-      <dsp:txXfrm>
-        <a:off x="2070316" y="562235"/>
-        <a:ext cx="1128111" cy="752074"/>
-      </dsp:txXfrm>
-    </dsp:sp>
-    <dsp:sp modelId="{17AF3B93-FA57-409F-9FAF-CA14FC2BCCDA}">
-      <dsp:nvSpPr>
-        <dsp:cNvPr id="0" name=""/>
-        <dsp:cNvSpPr/>
-      </dsp:nvSpPr>
-      <dsp:spPr>
-        <a:xfrm>
-          <a:off x="3386445" y="562235"/>
-          <a:ext cx="1880185" cy="752074"/>
-        </a:xfrm>
-        <a:prstGeom prst="chevron">
-          <a:avLst/>
-        </a:prstGeom>
-        <a:solidFill>
-          <a:schemeClr val="tx2">
-            <a:lumMod val="75000"/>
-          </a:schemeClr>
-        </a:solidFill>
-        <a:ln w="12700" cap="flat" cmpd="sng" algn="ctr">
-          <a:solidFill>
-            <a:schemeClr val="lt1">
-              <a:hueOff val="0"/>
-              <a:satOff val="0"/>
-              <a:lumOff val="0"/>
-              <a:alphaOff val="0"/>
-            </a:schemeClr>
-          </a:solidFill>
-          <a:prstDash val="solid"/>
-          <a:miter lim="800000"/>
-        </a:ln>
-        <a:effectLst/>
-      </dsp:spPr>
-      <dsp:style>
-        <a:lnRef idx="2">
-          <a:scrgbClr r="0" g="0" b="0"/>
-        </a:lnRef>
-        <a:fillRef idx="1">
-          <a:scrgbClr r="0" g="0" b="0"/>
-        </a:fillRef>
-        <a:effectRef idx="0">
-          <a:scrgbClr r="0" g="0" b="0"/>
-        </a:effectRef>
-        <a:fontRef idx="minor">
-          <a:schemeClr val="lt1"/>
-        </a:fontRef>
-      </dsp:style>
-      <dsp:txBody>
-        <a:bodyPr spcFirstLastPara="0" vert="horz" wrap="square" lIns="56007" tIns="18669" rIns="18669" bIns="18669" numCol="1" spcCol="1270" anchor="ctr" anchorCtr="0">
-          <a:noAutofit/>
-        </a:bodyPr>
-        <a:lstStyle/>
-        <a:p>
-          <a:pPr lvl="0" algn="ctr" defTabSz="622300">
-            <a:lnSpc>
-              <a:spcPct val="90000"/>
-            </a:lnSpc>
-            <a:spcBef>
-              <a:spcPct val="0"/>
-            </a:spcBef>
-            <a:spcAft>
-              <a:spcPct val="35000"/>
-            </a:spcAft>
-          </a:pPr>
-          <a:r>
-            <a:rPr lang="en-US" sz="1400" b="1" kern="1200" dirty="0" smtClean="0"/>
-            <a:t>integration-test</a:t>
-          </a:r>
-          <a:endParaRPr lang="de-DE" sz="1400" b="1" kern="1200" dirty="0"/>
-        </a:p>
-      </dsp:txBody>
-      <dsp:txXfrm>
-        <a:off x="3762482" y="562235"/>
-        <a:ext cx="1128111" cy="752074"/>
-      </dsp:txXfrm>
-    </dsp:sp>
-    <dsp:sp modelId="{DEAC2976-8EFE-4204-9FE4-0A0AE01A3B2B}">
-      <dsp:nvSpPr>
-        <dsp:cNvPr id="0" name=""/>
-        <dsp:cNvSpPr/>
-      </dsp:nvSpPr>
-      <dsp:spPr>
-        <a:xfrm>
-          <a:off x="5078612" y="562235"/>
-          <a:ext cx="1880185" cy="752074"/>
-        </a:xfrm>
-        <a:prstGeom prst="chevron">
-          <a:avLst/>
-        </a:prstGeom>
-        <a:solidFill>
-          <a:schemeClr val="tx2">
-            <a:lumMod val="75000"/>
-          </a:schemeClr>
-        </a:solidFill>
-        <a:ln w="12700" cap="flat" cmpd="sng" algn="ctr">
-          <a:solidFill>
-            <a:schemeClr val="lt1">
-              <a:hueOff val="0"/>
-              <a:satOff val="0"/>
-              <a:lumOff val="0"/>
-              <a:alphaOff val="0"/>
-            </a:schemeClr>
-          </a:solidFill>
-          <a:prstDash val="solid"/>
-          <a:miter lim="800000"/>
-        </a:ln>
-        <a:effectLst/>
-      </dsp:spPr>
-      <dsp:style>
-        <a:lnRef idx="2">
-          <a:scrgbClr r="0" g="0" b="0"/>
-        </a:lnRef>
-        <a:fillRef idx="1">
-          <a:scrgbClr r="0" g="0" b="0"/>
-        </a:fillRef>
-        <a:effectRef idx="0">
-          <a:scrgbClr r="0" g="0" b="0"/>
-        </a:effectRef>
-        <a:fontRef idx="minor">
-          <a:schemeClr val="lt1"/>
-        </a:fontRef>
-      </dsp:style>
-      <dsp:txBody>
-        <a:bodyPr spcFirstLastPara="0" vert="horz" wrap="square" lIns="56007" tIns="18669" rIns="18669" bIns="18669" numCol="1" spcCol="1270" anchor="ctr" anchorCtr="0">
-          <a:noAutofit/>
-        </a:bodyPr>
-        <a:lstStyle/>
-        <a:p>
-          <a:pPr lvl="0" algn="ctr" defTabSz="622300">
-            <a:lnSpc>
-              <a:spcPct val="90000"/>
-            </a:lnSpc>
-            <a:spcBef>
-              <a:spcPct val="0"/>
-            </a:spcBef>
-            <a:spcAft>
-              <a:spcPct val="35000"/>
-            </a:spcAft>
-          </a:pPr>
-          <a:r>
-            <a:rPr lang="en-US" sz="1400" b="1" kern="1200" dirty="0" smtClean="0"/>
-            <a:t>post-integration-test</a:t>
-          </a:r>
-          <a:endParaRPr lang="de-DE" sz="1400" b="1" kern="1200" dirty="0"/>
-        </a:p>
-      </dsp:txBody>
-      <dsp:txXfrm>
-        <a:off x="5454649" y="562235"/>
-        <a:ext cx="1128111" cy="752074"/>
-      </dsp:txXfrm>
-    </dsp:sp>
-    <dsp:sp modelId="{99F52057-642D-4027-97D5-D26EF2913281}">
-      <dsp:nvSpPr>
-        <dsp:cNvPr id="0" name=""/>
-        <dsp:cNvSpPr/>
-      </dsp:nvSpPr>
-      <dsp:spPr>
-        <a:xfrm>
-          <a:off x="6770779" y="562235"/>
-          <a:ext cx="1880185" cy="752074"/>
-        </a:xfrm>
-        <a:prstGeom prst="chevron">
-          <a:avLst/>
-        </a:prstGeom>
-        <a:solidFill>
-          <a:schemeClr val="tx2">
-            <a:lumMod val="75000"/>
-          </a:schemeClr>
-        </a:solidFill>
-        <a:ln w="12700" cap="flat" cmpd="sng" algn="ctr">
-          <a:solidFill>
-            <a:schemeClr val="lt1">
-              <a:hueOff val="0"/>
-              <a:satOff val="0"/>
-              <a:lumOff val="0"/>
-              <a:alphaOff val="0"/>
-            </a:schemeClr>
-          </a:solidFill>
-          <a:prstDash val="solid"/>
-          <a:miter lim="800000"/>
-        </a:ln>
-        <a:effectLst/>
-      </dsp:spPr>
-      <dsp:style>
-        <a:lnRef idx="2">
-          <a:scrgbClr r="0" g="0" b="0"/>
-        </a:lnRef>
-        <a:fillRef idx="1">
-          <a:scrgbClr r="0" g="0" b="0"/>
-        </a:fillRef>
-        <a:effectRef idx="0">
-          <a:scrgbClr r="0" g="0" b="0"/>
-        </a:effectRef>
-        <a:fontRef idx="minor">
-          <a:schemeClr val="lt1"/>
-        </a:fontRef>
-      </dsp:style>
-      <dsp:txBody>
-        <a:bodyPr spcFirstLastPara="0" vert="horz" wrap="square" lIns="56007" tIns="18669" rIns="18669" bIns="18669" numCol="1" spcCol="1270" anchor="ctr" anchorCtr="0">
-          <a:noAutofit/>
-        </a:bodyPr>
-        <a:lstStyle/>
-        <a:p>
-          <a:pPr lvl="0" algn="ctr" defTabSz="622300">
-            <a:lnSpc>
-              <a:spcPct val="90000"/>
-            </a:lnSpc>
-            <a:spcBef>
-              <a:spcPct val="0"/>
-            </a:spcBef>
-            <a:spcAft>
-              <a:spcPct val="35000"/>
-            </a:spcAft>
-          </a:pPr>
-          <a:r>
-            <a:rPr lang="en-US" sz="1400" b="1" kern="1200" dirty="0" smtClean="0"/>
-            <a:t>deploy</a:t>
-          </a:r>
-          <a:endParaRPr lang="de-DE" sz="1400" b="1" kern="1200" dirty="0"/>
-        </a:p>
-      </dsp:txBody>
-      <dsp:txXfrm>
-        <a:off x="7146816" y="562235"/>
-        <a:ext cx="1128111" cy="752074"/>
-      </dsp:txXfrm>
-    </dsp:sp>
   </dsp:spTree>
 </dsp:drawing>
 </file>
@@ -3077,7 +2703,7 @@
           <a:p>
             <a:fld id="{9AA7D095-A676-4F6B-9416-D65D798F5244}" type="datetimeFigureOut">
               <a:rPr lang="de-DE" smtClean="0"/>
-              <a:t>08.05.2015</a:t>
+              <a:t>18.05.2015</a:t>
             </a:fld>
             <a:endParaRPr lang="de-DE"/>
           </a:p>
@@ -3247,7 +2873,7 @@
           <a:p>
             <a:fld id="{9AA7D095-A676-4F6B-9416-D65D798F5244}" type="datetimeFigureOut">
               <a:rPr lang="de-DE" smtClean="0"/>
-              <a:t>08.05.2015</a:t>
+              <a:t>18.05.2015</a:t>
             </a:fld>
             <a:endParaRPr lang="de-DE"/>
           </a:p>
@@ -3427,7 +3053,7 @@
           <a:p>
             <a:fld id="{9AA7D095-A676-4F6B-9416-D65D798F5244}" type="datetimeFigureOut">
               <a:rPr lang="de-DE" smtClean="0"/>
-              <a:t>08.05.2015</a:t>
+              <a:t>18.05.2015</a:t>
             </a:fld>
             <a:endParaRPr lang="de-DE"/>
           </a:p>
@@ -3597,7 +3223,7 @@
           <a:p>
             <a:fld id="{9AA7D095-A676-4F6B-9416-D65D798F5244}" type="datetimeFigureOut">
               <a:rPr lang="de-DE" smtClean="0"/>
-              <a:t>08.05.2015</a:t>
+              <a:t>18.05.2015</a:t>
             </a:fld>
             <a:endParaRPr lang="de-DE"/>
           </a:p>
@@ -3843,7 +3469,7 @@
           <a:p>
             <a:fld id="{9AA7D095-A676-4F6B-9416-D65D798F5244}" type="datetimeFigureOut">
               <a:rPr lang="de-DE" smtClean="0"/>
-              <a:t>08.05.2015</a:t>
+              <a:t>18.05.2015</a:t>
             </a:fld>
             <a:endParaRPr lang="de-DE"/>
           </a:p>
@@ -4075,7 +3701,7 @@
           <a:p>
             <a:fld id="{9AA7D095-A676-4F6B-9416-D65D798F5244}" type="datetimeFigureOut">
               <a:rPr lang="de-DE" smtClean="0"/>
-              <a:t>08.05.2015</a:t>
+              <a:t>18.05.2015</a:t>
             </a:fld>
             <a:endParaRPr lang="de-DE"/>
           </a:p>
@@ -4442,7 +4068,7 @@
           <a:p>
             <a:fld id="{9AA7D095-A676-4F6B-9416-D65D798F5244}" type="datetimeFigureOut">
               <a:rPr lang="de-DE" smtClean="0"/>
-              <a:t>08.05.2015</a:t>
+              <a:t>18.05.2015</a:t>
             </a:fld>
             <a:endParaRPr lang="de-DE"/>
           </a:p>
@@ -4560,7 +4186,7 @@
           <a:p>
             <a:fld id="{9AA7D095-A676-4F6B-9416-D65D798F5244}" type="datetimeFigureOut">
               <a:rPr lang="de-DE" smtClean="0"/>
-              <a:t>08.05.2015</a:t>
+              <a:t>18.05.2015</a:t>
             </a:fld>
             <a:endParaRPr lang="de-DE"/>
           </a:p>
@@ -4655,7 +4281,7 @@
           <a:p>
             <a:fld id="{9AA7D095-A676-4F6B-9416-D65D798F5244}" type="datetimeFigureOut">
               <a:rPr lang="de-DE" smtClean="0"/>
-              <a:t>08.05.2015</a:t>
+              <a:t>18.05.2015</a:t>
             </a:fld>
             <a:endParaRPr lang="de-DE"/>
           </a:p>
@@ -4932,7 +4558,7 @@
           <a:p>
             <a:fld id="{9AA7D095-A676-4F6B-9416-D65D798F5244}" type="datetimeFigureOut">
               <a:rPr lang="de-DE" smtClean="0"/>
-              <a:t>08.05.2015</a:t>
+              <a:t>18.05.2015</a:t>
             </a:fld>
             <a:endParaRPr lang="de-DE"/>
           </a:p>
@@ -5189,7 +4815,7 @@
           <a:p>
             <a:fld id="{9AA7D095-A676-4F6B-9416-D65D798F5244}" type="datetimeFigureOut">
               <a:rPr lang="de-DE" smtClean="0"/>
-              <a:t>08.05.2015</a:t>
+              <a:t>18.05.2015</a:t>
             </a:fld>
             <a:endParaRPr lang="de-DE"/>
           </a:p>
@@ -5402,7 +5028,7 @@
           <a:p>
             <a:fld id="{9AA7D095-A676-4F6B-9416-D65D798F5244}" type="datetimeFigureOut">
               <a:rPr lang="de-DE" smtClean="0"/>
-              <a:t>08.05.2015</a:t>
+              <a:t>18.05.2015</a:t>
             </a:fld>
             <a:endParaRPr lang="de-DE"/>
           </a:p>
@@ -14334,6 +13960,337 @@
     <p:extLst>
       <p:ext uri="{BB962C8B-B14F-4D97-AF65-F5344CB8AC3E}">
         <p14:creationId xmlns:p14="http://schemas.microsoft.com/office/powerpoint/2010/main" val="1635227564"/>
+      </p:ext>
+    </p:extLst>
+  </p:cSld>
+  <p:clrMapOvr>
+    <a:masterClrMapping/>
+  </p:clrMapOvr>
+  <p:timing>
+    <p:tnLst>
+      <p:par>
+        <p:cTn id="1" dur="indefinite" restart="never" nodeType="tmRoot"/>
+      </p:par>
+    </p:tnLst>
+  </p:timing>
+</p:sld>
+</file>
+
+<file path=ppt/slides/slide19.xml><?xml version="1.0" encoding="utf-8"?>
+<p:sld xmlns:a="http://schemas.openxmlformats.org/drawingml/2006/main" xmlns:r="http://schemas.openxmlformats.org/officeDocument/2006/relationships" xmlns:p="http://schemas.openxmlformats.org/presentationml/2006/main">
+  <p:cSld>
+    <p:spTree>
+      <p:nvGrpSpPr>
+        <p:cNvPr id="1" name=""/>
+        <p:cNvGrpSpPr/>
+        <p:nvPr/>
+      </p:nvGrpSpPr>
+      <p:grpSpPr>
+        <a:xfrm>
+          <a:off x="0" y="0"/>
+          <a:ext cx="0" cy="0"/>
+          <a:chOff x="0" y="0"/>
+          <a:chExt cx="0" cy="0"/>
+        </a:xfrm>
+      </p:grpSpPr>
+      <p:sp>
+        <p:nvSpPr>
+          <p:cNvPr id="6" name="Rounded Rectangle 75"/>
+          <p:cNvSpPr/>
+          <p:nvPr/>
+        </p:nvSpPr>
+        <p:spPr>
+          <a:xfrm>
+            <a:off x="1738157" y="1766426"/>
+            <a:ext cx="1441656" cy="1514439"/>
+          </a:xfrm>
+          <a:prstGeom prst="rect">
+            <a:avLst/>
+          </a:prstGeom>
+          <a:solidFill>
+            <a:schemeClr val="accent2">
+              <a:lumMod val="75000"/>
+            </a:schemeClr>
+          </a:solidFill>
+          <a:ln w="76200">
+            <a:solidFill>
+              <a:schemeClr val="accent2">
+                <a:lumMod val="50000"/>
+              </a:schemeClr>
+            </a:solidFill>
+          </a:ln>
+        </p:spPr>
+        <p:style>
+          <a:lnRef idx="2">
+            <a:schemeClr val="accent1">
+              <a:shade val="50000"/>
+            </a:schemeClr>
+          </a:lnRef>
+          <a:fillRef idx="1">
+            <a:schemeClr val="accent1"/>
+          </a:fillRef>
+          <a:effectRef idx="0">
+            <a:schemeClr val="accent1"/>
+          </a:effectRef>
+          <a:fontRef idx="minor">
+            <a:schemeClr val="lt1"/>
+          </a:fontRef>
+        </p:style>
+        <p:txBody>
+          <a:bodyPr rtlCol="0" anchor="ctr"/>
+          <a:lstStyle/>
+          <a:p>
+            <a:pPr algn="ctr"/>
+            <a:r>
+              <a:rPr lang="en-US" sz="2000" b="1" dirty="0"/>
+              <a:t>Instance</a:t>
+            </a:r>
+            <a:endParaRPr lang="de-DE" sz="2000" b="1" dirty="0"/>
+          </a:p>
+        </p:txBody>
+      </p:sp>
+      <p:grpSp>
+        <p:nvGrpSpPr>
+          <p:cNvPr id="22" name="Group 21"/>
+          <p:cNvGrpSpPr/>
+          <p:nvPr/>
+        </p:nvGrpSpPr>
+        <p:grpSpPr>
+          <a:xfrm>
+            <a:off x="5279415" y="133588"/>
+            <a:ext cx="2242751" cy="1789646"/>
+            <a:chOff x="1294361" y="4557307"/>
+            <a:chExt cx="2242751" cy="1789646"/>
+          </a:xfrm>
+        </p:grpSpPr>
+        <p:pic>
+          <p:nvPicPr>
+            <p:cNvPr id="4" name="Picture 2" descr="Console showing log4J logs"/>
+            <p:cNvPicPr>
+              <a:picLocks noChangeAspect="1" noChangeArrowheads="1"/>
+            </p:cNvPicPr>
+            <p:nvPr/>
+          </p:nvPicPr>
+          <p:blipFill>
+            <a:blip r:embed="rId2">
+              <a:extLst>
+                <a:ext uri="{28A0092B-C50C-407E-A947-70E740481C1C}">
+                  <a14:useLocalDpi xmlns:a14="http://schemas.microsoft.com/office/drawing/2010/main" val="0"/>
+                </a:ext>
+              </a:extLst>
+            </a:blip>
+            <a:srcRect/>
+            <a:stretch>
+              <a:fillRect/>
+            </a:stretch>
+          </p:blipFill>
+          <p:spPr bwMode="auto">
+            <a:xfrm>
+              <a:off x="1421028" y="4557307"/>
+              <a:ext cx="2004202" cy="1459059"/>
+            </a:xfrm>
+            <a:prstGeom prst="rect">
+              <a:avLst/>
+            </a:prstGeom>
+            <a:noFill/>
+            <a:extLst>
+              <a:ext uri="{909E8E84-426E-40DD-AFC4-6F175D3DCCD1}">
+                <a14:hiddenFill xmlns:a14="http://schemas.microsoft.com/office/drawing/2010/main">
+                  <a:solidFill>
+                    <a:srgbClr val="FFFFFF"/>
+                  </a:solidFill>
+                </a14:hiddenFill>
+              </a:ext>
+            </a:extLst>
+          </p:spPr>
+        </p:pic>
+        <p:sp>
+          <p:nvSpPr>
+            <p:cNvPr id="9" name="TextBox 8"/>
+            <p:cNvSpPr txBox="1"/>
+            <p:nvPr/>
+          </p:nvSpPr>
+          <p:spPr>
+            <a:xfrm>
+              <a:off x="1294361" y="5946843"/>
+              <a:ext cx="2242751" cy="400110"/>
+            </a:xfrm>
+            <a:prstGeom prst="rect">
+              <a:avLst/>
+            </a:prstGeom>
+            <a:noFill/>
+          </p:spPr>
+          <p:txBody>
+            <a:bodyPr wrap="square" rtlCol="0">
+              <a:spAutoFit/>
+            </a:bodyPr>
+            <a:lstStyle/>
+            <a:p>
+              <a:pPr algn="ctr"/>
+              <a:r>
+                <a:rPr lang="en-US" sz="2000" b="1" dirty="0"/>
+                <a:t>I</a:t>
+              </a:r>
+              <a:r>
+                <a:rPr lang="en-US" sz="2000" b="1" dirty="0" smtClean="0"/>
+                <a:t>nstance Boot logs</a:t>
+              </a:r>
+              <a:endParaRPr lang="de-DE" sz="2000" b="1" dirty="0"/>
+            </a:p>
+          </p:txBody>
+        </p:sp>
+      </p:grpSp>
+      <p:cxnSp>
+        <p:nvCxnSpPr>
+          <p:cNvPr id="11" name="Straight Arrow Connector 10"/>
+          <p:cNvCxnSpPr/>
+          <p:nvPr/>
+        </p:nvCxnSpPr>
+        <p:spPr>
+          <a:xfrm>
+            <a:off x="3354363" y="2909124"/>
+            <a:ext cx="1823118" cy="699049"/>
+          </a:xfrm>
+          <a:prstGeom prst="straightConnector1">
+            <a:avLst/>
+          </a:prstGeom>
+          <a:ln w="142875">
+            <a:solidFill>
+              <a:schemeClr val="tx1">
+                <a:lumMod val="50000"/>
+                <a:lumOff val="50000"/>
+              </a:schemeClr>
+            </a:solidFill>
+            <a:tailEnd type="triangle"/>
+          </a:ln>
+        </p:spPr>
+        <p:style>
+          <a:lnRef idx="1">
+            <a:schemeClr val="accent1"/>
+          </a:lnRef>
+          <a:fillRef idx="0">
+            <a:schemeClr val="accent1"/>
+          </a:fillRef>
+          <a:effectRef idx="0">
+            <a:schemeClr val="accent1"/>
+          </a:effectRef>
+          <a:fontRef idx="minor">
+            <a:schemeClr val="tx1"/>
+          </a:fontRef>
+        </p:style>
+      </p:cxnSp>
+      <p:cxnSp>
+        <p:nvCxnSpPr>
+          <p:cNvPr id="15" name="Straight Arrow Connector 14"/>
+          <p:cNvCxnSpPr/>
+          <p:nvPr/>
+        </p:nvCxnSpPr>
+        <p:spPr>
+          <a:xfrm flipV="1">
+            <a:off x="3391929" y="1241855"/>
+            <a:ext cx="1822623" cy="908221"/>
+          </a:xfrm>
+          <a:prstGeom prst="straightConnector1">
+            <a:avLst/>
+          </a:prstGeom>
+          <a:ln w="142875">
+            <a:solidFill>
+              <a:schemeClr val="tx1">
+                <a:lumMod val="50000"/>
+                <a:lumOff val="50000"/>
+              </a:schemeClr>
+            </a:solidFill>
+            <a:tailEnd type="triangle"/>
+          </a:ln>
+        </p:spPr>
+        <p:style>
+          <a:lnRef idx="1">
+            <a:schemeClr val="accent1"/>
+          </a:lnRef>
+          <a:fillRef idx="0">
+            <a:schemeClr val="accent1"/>
+          </a:fillRef>
+          <a:effectRef idx="0">
+            <a:schemeClr val="accent1"/>
+          </a:effectRef>
+          <a:fontRef idx="minor">
+            <a:schemeClr val="tx1"/>
+          </a:fontRef>
+        </p:style>
+      </p:cxnSp>
+      <p:grpSp>
+        <p:nvGrpSpPr>
+          <p:cNvPr id="21" name="Group 20"/>
+          <p:cNvGrpSpPr/>
+          <p:nvPr/>
+        </p:nvGrpSpPr>
+        <p:grpSpPr>
+          <a:xfrm>
+            <a:off x="5302071" y="2991597"/>
+            <a:ext cx="2254085" cy="1814879"/>
+            <a:chOff x="5246466" y="1076300"/>
+            <a:chExt cx="2254085" cy="1814879"/>
+          </a:xfrm>
+        </p:grpSpPr>
+        <p:pic>
+          <p:nvPicPr>
+            <p:cNvPr id="19" name="Picture 18"/>
+            <p:cNvPicPr>
+              <a:picLocks noChangeAspect="1"/>
+            </p:cNvPicPr>
+            <p:nvPr/>
+          </p:nvPicPr>
+          <p:blipFill rotWithShape="1">
+            <a:blip r:embed="rId3"/>
+            <a:srcRect l="861" t="13474" r="845" b="1728"/>
+            <a:stretch/>
+          </p:blipFill>
+          <p:spPr>
+            <a:xfrm>
+              <a:off x="5251619" y="1076300"/>
+              <a:ext cx="2248932" cy="1454185"/>
+            </a:xfrm>
+            <a:prstGeom prst="rect">
+              <a:avLst/>
+            </a:prstGeom>
+          </p:spPr>
+        </p:pic>
+        <p:sp>
+          <p:nvSpPr>
+            <p:cNvPr id="20" name="TextBox 19"/>
+            <p:cNvSpPr txBox="1"/>
+            <p:nvPr/>
+          </p:nvSpPr>
+          <p:spPr>
+            <a:xfrm>
+              <a:off x="5246466" y="2491069"/>
+              <a:ext cx="2242751" cy="400110"/>
+            </a:xfrm>
+            <a:prstGeom prst="rect">
+              <a:avLst/>
+            </a:prstGeom>
+            <a:noFill/>
+          </p:spPr>
+          <p:txBody>
+            <a:bodyPr wrap="square" rtlCol="0">
+              <a:spAutoFit/>
+            </a:bodyPr>
+            <a:lstStyle/>
+            <a:p>
+              <a:pPr algn="ctr"/>
+              <a:r>
+                <a:rPr lang="en-US" sz="2000" b="1" dirty="0" smtClean="0"/>
+                <a:t>Application logs</a:t>
+              </a:r>
+              <a:endParaRPr lang="de-DE" sz="2000" b="1" dirty="0"/>
+            </a:p>
+          </p:txBody>
+        </p:sp>
+      </p:grpSp>
+    </p:spTree>
+    <p:extLst>
+      <p:ext uri="{BB962C8B-B14F-4D97-AF65-F5344CB8AC3E}">
+        <p14:creationId xmlns:p14="http://schemas.microsoft.com/office/powerpoint/2010/main" val="2730884054"/>
       </p:ext>
     </p:extLst>
   </p:cSld>

--- a/_sources/GettingStarted.pptx
+++ b/_sources/GettingStarted.pptx
@@ -8,22 +8,23 @@
     <p:sldId id="256" r:id="rId2"/>
     <p:sldId id="258" r:id="rId3"/>
     <p:sldId id="257" r:id="rId4"/>
-    <p:sldId id="259" r:id="rId5"/>
-    <p:sldId id="260" r:id="rId6"/>
-    <p:sldId id="261" r:id="rId7"/>
-    <p:sldId id="269" r:id="rId8"/>
-    <p:sldId id="262" r:id="rId9"/>
-    <p:sldId id="263" r:id="rId10"/>
-    <p:sldId id="264" r:id="rId11"/>
-    <p:sldId id="273" r:id="rId12"/>
-    <p:sldId id="265" r:id="rId13"/>
-    <p:sldId id="266" r:id="rId14"/>
-    <p:sldId id="267" r:id="rId15"/>
-    <p:sldId id="268" r:id="rId16"/>
-    <p:sldId id="270" r:id="rId17"/>
-    <p:sldId id="272" r:id="rId18"/>
-    <p:sldId id="271" r:id="rId19"/>
-    <p:sldId id="274" r:id="rId20"/>
+    <p:sldId id="275" r:id="rId5"/>
+    <p:sldId id="259" r:id="rId6"/>
+    <p:sldId id="260" r:id="rId7"/>
+    <p:sldId id="261" r:id="rId8"/>
+    <p:sldId id="269" r:id="rId9"/>
+    <p:sldId id="262" r:id="rId10"/>
+    <p:sldId id="263" r:id="rId11"/>
+    <p:sldId id="264" r:id="rId12"/>
+    <p:sldId id="273" r:id="rId13"/>
+    <p:sldId id="265" r:id="rId14"/>
+    <p:sldId id="266" r:id="rId15"/>
+    <p:sldId id="267" r:id="rId16"/>
+    <p:sldId id="268" r:id="rId17"/>
+    <p:sldId id="270" r:id="rId18"/>
+    <p:sldId id="272" r:id="rId19"/>
+    <p:sldId id="271" r:id="rId20"/>
+    <p:sldId id="274" r:id="rId21"/>
   </p:sldIdLst>
   <p:sldSz cx="14400213" cy="7559675"/>
   <p:notesSz cx="6858000" cy="9144000"/>
@@ -2703,7 +2704,7 @@
           <a:p>
             <a:fld id="{9AA7D095-A676-4F6B-9416-D65D798F5244}" type="datetimeFigureOut">
               <a:rPr lang="de-DE" smtClean="0"/>
-              <a:t>18.05.2015</a:t>
+              <a:t>09.06.2015</a:t>
             </a:fld>
             <a:endParaRPr lang="de-DE"/>
           </a:p>
@@ -2745,7 +2746,7 @@
           <a:p>
             <a:fld id="{7CA376D3-3280-4351-90C7-FED229B337FE}" type="slidenum">
               <a:rPr lang="de-DE" smtClean="0"/>
-              <a:t>‹#›</a:t>
+              <a:t>‹Nr.›</a:t>
             </a:fld>
             <a:endParaRPr lang="de-DE"/>
           </a:p>
@@ -2873,7 +2874,7 @@
           <a:p>
             <a:fld id="{9AA7D095-A676-4F6B-9416-D65D798F5244}" type="datetimeFigureOut">
               <a:rPr lang="de-DE" smtClean="0"/>
-              <a:t>18.05.2015</a:t>
+              <a:t>09.06.2015</a:t>
             </a:fld>
             <a:endParaRPr lang="de-DE"/>
           </a:p>
@@ -2915,7 +2916,7 @@
           <a:p>
             <a:fld id="{7CA376D3-3280-4351-90C7-FED229B337FE}" type="slidenum">
               <a:rPr lang="de-DE" smtClean="0"/>
-              <a:t>‹#›</a:t>
+              <a:t>‹Nr.›</a:t>
             </a:fld>
             <a:endParaRPr lang="de-DE"/>
           </a:p>
@@ -3053,7 +3054,7 @@
           <a:p>
             <a:fld id="{9AA7D095-A676-4F6B-9416-D65D798F5244}" type="datetimeFigureOut">
               <a:rPr lang="de-DE" smtClean="0"/>
-              <a:t>18.05.2015</a:t>
+              <a:t>09.06.2015</a:t>
             </a:fld>
             <a:endParaRPr lang="de-DE"/>
           </a:p>
@@ -3095,7 +3096,7 @@
           <a:p>
             <a:fld id="{7CA376D3-3280-4351-90C7-FED229B337FE}" type="slidenum">
               <a:rPr lang="de-DE" smtClean="0"/>
-              <a:t>‹#›</a:t>
+              <a:t>‹Nr.›</a:t>
             </a:fld>
             <a:endParaRPr lang="de-DE"/>
           </a:p>
@@ -3223,7 +3224,7 @@
           <a:p>
             <a:fld id="{9AA7D095-A676-4F6B-9416-D65D798F5244}" type="datetimeFigureOut">
               <a:rPr lang="de-DE" smtClean="0"/>
-              <a:t>18.05.2015</a:t>
+              <a:t>09.06.2015</a:t>
             </a:fld>
             <a:endParaRPr lang="de-DE"/>
           </a:p>
@@ -3265,7 +3266,7 @@
           <a:p>
             <a:fld id="{7CA376D3-3280-4351-90C7-FED229B337FE}" type="slidenum">
               <a:rPr lang="de-DE" smtClean="0"/>
-              <a:t>‹#›</a:t>
+              <a:t>‹Nr.›</a:t>
             </a:fld>
             <a:endParaRPr lang="de-DE"/>
           </a:p>
@@ -3469,7 +3470,7 @@
           <a:p>
             <a:fld id="{9AA7D095-A676-4F6B-9416-D65D798F5244}" type="datetimeFigureOut">
               <a:rPr lang="de-DE" smtClean="0"/>
-              <a:t>18.05.2015</a:t>
+              <a:t>09.06.2015</a:t>
             </a:fld>
             <a:endParaRPr lang="de-DE"/>
           </a:p>
@@ -3511,7 +3512,7 @@
           <a:p>
             <a:fld id="{7CA376D3-3280-4351-90C7-FED229B337FE}" type="slidenum">
               <a:rPr lang="de-DE" smtClean="0"/>
-              <a:t>‹#›</a:t>
+              <a:t>‹Nr.›</a:t>
             </a:fld>
             <a:endParaRPr lang="de-DE"/>
           </a:p>
@@ -3701,7 +3702,7 @@
           <a:p>
             <a:fld id="{9AA7D095-A676-4F6B-9416-D65D798F5244}" type="datetimeFigureOut">
               <a:rPr lang="de-DE" smtClean="0"/>
-              <a:t>18.05.2015</a:t>
+              <a:t>09.06.2015</a:t>
             </a:fld>
             <a:endParaRPr lang="de-DE"/>
           </a:p>
@@ -3743,7 +3744,7 @@
           <a:p>
             <a:fld id="{7CA376D3-3280-4351-90C7-FED229B337FE}" type="slidenum">
               <a:rPr lang="de-DE" smtClean="0"/>
-              <a:t>‹#›</a:t>
+              <a:t>‹Nr.›</a:t>
             </a:fld>
             <a:endParaRPr lang="de-DE"/>
           </a:p>
@@ -4068,7 +4069,7 @@
           <a:p>
             <a:fld id="{9AA7D095-A676-4F6B-9416-D65D798F5244}" type="datetimeFigureOut">
               <a:rPr lang="de-DE" smtClean="0"/>
-              <a:t>18.05.2015</a:t>
+              <a:t>09.06.2015</a:t>
             </a:fld>
             <a:endParaRPr lang="de-DE"/>
           </a:p>
@@ -4110,7 +4111,7 @@
           <a:p>
             <a:fld id="{7CA376D3-3280-4351-90C7-FED229B337FE}" type="slidenum">
               <a:rPr lang="de-DE" smtClean="0"/>
-              <a:t>‹#›</a:t>
+              <a:t>‹Nr.›</a:t>
             </a:fld>
             <a:endParaRPr lang="de-DE"/>
           </a:p>
@@ -4186,7 +4187,7 @@
           <a:p>
             <a:fld id="{9AA7D095-A676-4F6B-9416-D65D798F5244}" type="datetimeFigureOut">
               <a:rPr lang="de-DE" smtClean="0"/>
-              <a:t>18.05.2015</a:t>
+              <a:t>09.06.2015</a:t>
             </a:fld>
             <a:endParaRPr lang="de-DE"/>
           </a:p>
@@ -4228,7 +4229,7 @@
           <a:p>
             <a:fld id="{7CA376D3-3280-4351-90C7-FED229B337FE}" type="slidenum">
               <a:rPr lang="de-DE" smtClean="0"/>
-              <a:t>‹#›</a:t>
+              <a:t>‹Nr.›</a:t>
             </a:fld>
             <a:endParaRPr lang="de-DE"/>
           </a:p>
@@ -4281,7 +4282,7 @@
           <a:p>
             <a:fld id="{9AA7D095-A676-4F6B-9416-D65D798F5244}" type="datetimeFigureOut">
               <a:rPr lang="de-DE" smtClean="0"/>
-              <a:t>18.05.2015</a:t>
+              <a:t>09.06.2015</a:t>
             </a:fld>
             <a:endParaRPr lang="de-DE"/>
           </a:p>
@@ -4323,7 +4324,7 @@
           <a:p>
             <a:fld id="{7CA376D3-3280-4351-90C7-FED229B337FE}" type="slidenum">
               <a:rPr lang="de-DE" smtClean="0"/>
-              <a:t>‹#›</a:t>
+              <a:t>‹Nr.›</a:t>
             </a:fld>
             <a:endParaRPr lang="de-DE"/>
           </a:p>
@@ -4558,7 +4559,7 @@
           <a:p>
             <a:fld id="{9AA7D095-A676-4F6B-9416-D65D798F5244}" type="datetimeFigureOut">
               <a:rPr lang="de-DE" smtClean="0"/>
-              <a:t>18.05.2015</a:t>
+              <a:t>09.06.2015</a:t>
             </a:fld>
             <a:endParaRPr lang="de-DE"/>
           </a:p>
@@ -4600,7 +4601,7 @@
           <a:p>
             <a:fld id="{7CA376D3-3280-4351-90C7-FED229B337FE}" type="slidenum">
               <a:rPr lang="de-DE" smtClean="0"/>
-              <a:t>‹#›</a:t>
+              <a:t>‹Nr.›</a:t>
             </a:fld>
             <a:endParaRPr lang="de-DE"/>
           </a:p>
@@ -4815,7 +4816,7 @@
           <a:p>
             <a:fld id="{9AA7D095-A676-4F6B-9416-D65D798F5244}" type="datetimeFigureOut">
               <a:rPr lang="de-DE" smtClean="0"/>
-              <a:t>18.05.2015</a:t>
+              <a:t>09.06.2015</a:t>
             </a:fld>
             <a:endParaRPr lang="de-DE"/>
           </a:p>
@@ -4857,7 +4858,7 @@
           <a:p>
             <a:fld id="{7CA376D3-3280-4351-90C7-FED229B337FE}" type="slidenum">
               <a:rPr lang="de-DE" smtClean="0"/>
-              <a:t>‹#›</a:t>
+              <a:t>‹Nr.›</a:t>
             </a:fld>
             <a:endParaRPr lang="de-DE"/>
           </a:p>
@@ -5028,7 +5029,7 @@
           <a:p>
             <a:fld id="{9AA7D095-A676-4F6B-9416-D65D798F5244}" type="datetimeFigureOut">
               <a:rPr lang="de-DE" smtClean="0"/>
-              <a:t>18.05.2015</a:t>
+              <a:t>09.06.2015</a:t>
             </a:fld>
             <a:endParaRPr lang="de-DE"/>
           </a:p>
@@ -5106,7 +5107,7 @@
           <a:p>
             <a:fld id="{7CA376D3-3280-4351-90C7-FED229B337FE}" type="slidenum">
               <a:rPr lang="de-DE" smtClean="0"/>
-              <a:t>‹#›</a:t>
+              <a:t>‹Nr.›</a:t>
             </a:fld>
             <a:endParaRPr lang="de-DE"/>
           </a:p>
@@ -5633,6 +5634,372 @@
 </file>
 
 <file path=ppt/slides/slide10.xml><?xml version="1.0" encoding="utf-8"?>
+<p:sld xmlns:a="http://schemas.openxmlformats.org/drawingml/2006/main" xmlns:r="http://schemas.openxmlformats.org/officeDocument/2006/relationships" xmlns:p="http://schemas.openxmlformats.org/presentationml/2006/main">
+  <p:cSld>
+    <p:spTree>
+      <p:nvGrpSpPr>
+        <p:cNvPr id="1" name=""/>
+        <p:cNvGrpSpPr/>
+        <p:nvPr/>
+      </p:nvGrpSpPr>
+      <p:grpSpPr>
+        <a:xfrm>
+          <a:off x="0" y="0"/>
+          <a:ext cx="0" cy="0"/>
+          <a:chOff x="0" y="0"/>
+          <a:chExt cx="0" cy="0"/>
+        </a:xfrm>
+      </p:grpSpPr>
+      <p:grpSp>
+        <p:nvGrpSpPr>
+          <p:cNvPr id="25" name="Group 24"/>
+          <p:cNvGrpSpPr/>
+          <p:nvPr/>
+        </p:nvGrpSpPr>
+        <p:grpSpPr>
+          <a:xfrm>
+            <a:off x="2921350" y="2435133"/>
+            <a:ext cx="2839659" cy="2839659"/>
+            <a:chOff x="6448425" y="3933826"/>
+            <a:chExt cx="2628900" cy="1409700"/>
+          </a:xfrm>
+          <a:solidFill>
+            <a:schemeClr val="accent1">
+              <a:lumMod val="75000"/>
+            </a:schemeClr>
+          </a:solidFill>
+        </p:grpSpPr>
+        <p:sp>
+          <p:nvSpPr>
+            <p:cNvPr id="26" name="Rounded Rectangle 25"/>
+            <p:cNvSpPr/>
+            <p:nvPr/>
+          </p:nvSpPr>
+          <p:spPr>
+            <a:xfrm>
+              <a:off x="6448425" y="3933826"/>
+              <a:ext cx="2628900" cy="1409700"/>
+            </a:xfrm>
+            <a:prstGeom prst="ellipse">
+              <a:avLst/>
+            </a:prstGeom>
+            <a:grpFill/>
+            <a:ln w="114300">
+              <a:solidFill>
+                <a:schemeClr val="accent1">
+                  <a:lumMod val="50000"/>
+                </a:schemeClr>
+              </a:solidFill>
+            </a:ln>
+          </p:spPr>
+          <p:style>
+            <a:lnRef idx="2">
+              <a:schemeClr val="accent1">
+                <a:shade val="50000"/>
+              </a:schemeClr>
+            </a:lnRef>
+            <a:fillRef idx="1">
+              <a:schemeClr val="accent1"/>
+            </a:fillRef>
+            <a:effectRef idx="0">
+              <a:schemeClr val="accent1"/>
+            </a:effectRef>
+            <a:fontRef idx="minor">
+              <a:schemeClr val="lt1"/>
+            </a:fontRef>
+          </p:style>
+          <p:txBody>
+            <a:bodyPr rtlCol="0" anchor="ctr"/>
+            <a:lstStyle/>
+            <a:p>
+              <a:pPr algn="ctr"/>
+              <a:endParaRPr lang="de-DE"/>
+            </a:p>
+          </p:txBody>
+        </p:sp>
+        <p:sp>
+          <p:nvSpPr>
+            <p:cNvPr id="27" name="TextBox 26"/>
+            <p:cNvSpPr txBox="1"/>
+            <p:nvPr/>
+          </p:nvSpPr>
+          <p:spPr>
+            <a:xfrm>
+              <a:off x="6496810" y="4229323"/>
+              <a:ext cx="2524067" cy="837924"/>
+            </a:xfrm>
+            <a:prstGeom prst="ellipse">
+              <a:avLst/>
+            </a:prstGeom>
+            <a:grpFill/>
+            <a:ln>
+              <a:noFill/>
+            </a:ln>
+          </p:spPr>
+          <p:txBody>
+            <a:bodyPr wrap="square" rtlCol="0">
+              <a:spAutoFit/>
+            </a:bodyPr>
+            <a:lstStyle/>
+            <a:p>
+              <a:pPr algn="ctr"/>
+              <a:r>
+                <a:rPr lang="en-US" sz="3600" b="1" dirty="0">
+                  <a:solidFill>
+                    <a:schemeClr val="bg1"/>
+                  </a:solidFill>
+                </a:rPr>
+                <a:t>Bootable App</a:t>
+              </a:r>
+              <a:endParaRPr lang="de-DE" sz="3600" b="1" dirty="0">
+                <a:solidFill>
+                  <a:schemeClr val="bg1"/>
+                </a:solidFill>
+              </a:endParaRPr>
+            </a:p>
+          </p:txBody>
+        </p:sp>
+      </p:grpSp>
+      <p:cxnSp>
+        <p:nvCxnSpPr>
+          <p:cNvPr id="30" name="Straight Arrow Connector 29"/>
+          <p:cNvCxnSpPr/>
+          <p:nvPr/>
+        </p:nvCxnSpPr>
+        <p:spPr>
+          <a:xfrm>
+            <a:off x="5819191" y="4545761"/>
+            <a:ext cx="2247191" cy="1115015"/>
+          </a:xfrm>
+          <a:prstGeom prst="straightConnector1">
+            <a:avLst/>
+          </a:prstGeom>
+          <a:ln w="254000">
+            <a:solidFill>
+              <a:schemeClr val="tx1">
+                <a:lumMod val="50000"/>
+                <a:lumOff val="50000"/>
+              </a:schemeClr>
+            </a:solidFill>
+            <a:tailEnd type="triangle"/>
+          </a:ln>
+        </p:spPr>
+        <p:style>
+          <a:lnRef idx="1">
+            <a:schemeClr val="accent1"/>
+          </a:lnRef>
+          <a:fillRef idx="0">
+            <a:schemeClr val="accent1"/>
+          </a:fillRef>
+          <a:effectRef idx="0">
+            <a:schemeClr val="accent1"/>
+          </a:effectRef>
+          <a:fontRef idx="minor">
+            <a:schemeClr val="tx1"/>
+          </a:fontRef>
+        </p:style>
+      </p:cxnSp>
+      <p:cxnSp>
+        <p:nvCxnSpPr>
+          <p:cNvPr id="31" name="Straight Arrow Connector 30"/>
+          <p:cNvCxnSpPr/>
+          <p:nvPr/>
+        </p:nvCxnSpPr>
+        <p:spPr>
+          <a:xfrm flipV="1">
+            <a:off x="5837118" y="2031721"/>
+            <a:ext cx="2059640" cy="1133477"/>
+          </a:xfrm>
+          <a:prstGeom prst="straightConnector1">
+            <a:avLst/>
+          </a:prstGeom>
+          <a:ln w="254000">
+            <a:solidFill>
+              <a:schemeClr val="tx1">
+                <a:lumMod val="50000"/>
+                <a:lumOff val="50000"/>
+              </a:schemeClr>
+            </a:solidFill>
+            <a:tailEnd type="triangle"/>
+          </a:ln>
+        </p:spPr>
+        <p:style>
+          <a:lnRef idx="1">
+            <a:schemeClr val="accent1"/>
+          </a:lnRef>
+          <a:fillRef idx="0">
+            <a:schemeClr val="accent1"/>
+          </a:fillRef>
+          <a:effectRef idx="0">
+            <a:schemeClr val="accent1"/>
+          </a:effectRef>
+          <a:fontRef idx="minor">
+            <a:schemeClr val="tx1"/>
+          </a:fontRef>
+        </p:style>
+      </p:cxnSp>
+      <p:grpSp>
+        <p:nvGrpSpPr>
+          <p:cNvPr id="32" name="Group 31"/>
+          <p:cNvGrpSpPr/>
+          <p:nvPr/>
+        </p:nvGrpSpPr>
+        <p:grpSpPr>
+          <a:xfrm>
+            <a:off x="7472822" y="559386"/>
+            <a:ext cx="4056006" cy="2230805"/>
+            <a:chOff x="996328" y="4911830"/>
+            <a:chExt cx="2857500" cy="1571626"/>
+          </a:xfrm>
+        </p:grpSpPr>
+        <p:pic>
+          <p:nvPicPr>
+            <p:cNvPr id="33" name="Picture 2" descr="http://www.discoposse.com/wp-content/uploads/2013/07/virtualbox-logo.png"/>
+            <p:cNvPicPr>
+              <a:picLocks noChangeAspect="1" noChangeArrowheads="1"/>
+            </p:cNvPicPr>
+            <p:nvPr/>
+          </p:nvPicPr>
+          <p:blipFill rotWithShape="1">
+            <a:blip r:embed="rId2">
+              <a:duotone>
+                <a:prstClr val="black"/>
+                <a:schemeClr val="accent3">
+                  <a:tint val="45000"/>
+                  <a:satMod val="400000"/>
+                </a:schemeClr>
+              </a:duotone>
+              <a:extLst>
+                <a:ext uri="{28A0092B-C50C-407E-A947-70E740481C1C}">
+                  <a14:useLocalDpi xmlns:a14="http://schemas.microsoft.com/office/drawing/2010/main" val="0"/>
+                </a:ext>
+              </a:extLst>
+            </a:blip>
+            <a:srcRect l="41418"/>
+            <a:stretch/>
+          </p:blipFill>
+          <p:spPr bwMode="auto">
+            <a:xfrm>
+              <a:off x="2179864" y="4911830"/>
+              <a:ext cx="1673964" cy="1571626"/>
+            </a:xfrm>
+            <a:prstGeom prst="rect">
+              <a:avLst/>
+            </a:prstGeom>
+            <a:noFill/>
+            <a:extLst>
+              <a:ext uri="{909E8E84-426E-40DD-AFC4-6F175D3DCCD1}">
+                <a14:hiddenFill xmlns:a14="http://schemas.microsoft.com/office/drawing/2010/main">
+                  <a:solidFill>
+                    <a:srgbClr val="FFFFFF"/>
+                  </a:solidFill>
+                </a14:hiddenFill>
+              </a:ext>
+            </a:extLst>
+          </p:spPr>
+        </p:pic>
+        <p:pic>
+          <p:nvPicPr>
+            <p:cNvPr id="34" name="Picture 2" descr="http://www.discoposse.com/wp-content/uploads/2013/07/virtualbox-logo.png"/>
+            <p:cNvPicPr>
+              <a:picLocks noChangeAspect="1" noChangeArrowheads="1"/>
+            </p:cNvPicPr>
+            <p:nvPr/>
+          </p:nvPicPr>
+          <p:blipFill rotWithShape="1">
+            <a:blip r:embed="rId2">
+              <a:extLst>
+                <a:ext uri="{28A0092B-C50C-407E-A947-70E740481C1C}">
+                  <a14:useLocalDpi xmlns:a14="http://schemas.microsoft.com/office/drawing/2010/main" val="0"/>
+                </a:ext>
+              </a:extLst>
+            </a:blip>
+            <a:srcRect r="59153"/>
+            <a:stretch/>
+          </p:blipFill>
+          <p:spPr bwMode="auto">
+            <a:xfrm>
+              <a:off x="996328" y="4911830"/>
+              <a:ext cx="1167208" cy="1571626"/>
+            </a:xfrm>
+            <a:prstGeom prst="rect">
+              <a:avLst/>
+            </a:prstGeom>
+            <a:noFill/>
+            <a:extLst>
+              <a:ext uri="{909E8E84-426E-40DD-AFC4-6F175D3DCCD1}">
+                <a14:hiddenFill xmlns:a14="http://schemas.microsoft.com/office/drawing/2010/main">
+                  <a:solidFill>
+                    <a:srgbClr val="FFFFFF"/>
+                  </a:solidFill>
+                </a14:hiddenFill>
+              </a:ext>
+            </a:extLst>
+          </p:spPr>
+        </p:pic>
+      </p:grpSp>
+      <p:pic>
+        <p:nvPicPr>
+          <p:cNvPr id="1026" name="Picture 2" descr="https://a0.awsstatic.com/main/images/logos/aws_logo.png"/>
+          <p:cNvPicPr>
+            <a:picLocks noChangeAspect="1" noChangeArrowheads="1"/>
+          </p:cNvPicPr>
+          <p:nvPr/>
+        </p:nvPicPr>
+        <p:blipFill>
+          <a:blip r:embed="rId3">
+            <a:extLst>
+              <a:ext uri="{28A0092B-C50C-407E-A947-70E740481C1C}">
+                <a14:useLocalDpi xmlns:a14="http://schemas.microsoft.com/office/drawing/2010/main" val="0"/>
+              </a:ext>
+            </a:extLst>
+          </a:blip>
+          <a:srcRect/>
+          <a:stretch>
+            <a:fillRect/>
+          </a:stretch>
+        </p:blipFill>
+        <p:spPr bwMode="auto">
+          <a:xfrm>
+            <a:off x="8177422" y="5464259"/>
+            <a:ext cx="2729664" cy="1031206"/>
+          </a:xfrm>
+          <a:prstGeom prst="rect">
+            <a:avLst/>
+          </a:prstGeom>
+          <a:noFill/>
+          <a:extLst>
+            <a:ext uri="{909E8E84-426E-40DD-AFC4-6F175D3DCCD1}">
+              <a14:hiddenFill xmlns:a14="http://schemas.microsoft.com/office/drawing/2010/main">
+                <a:solidFill>
+                  <a:srgbClr val="FFFFFF"/>
+                </a:solidFill>
+              </a14:hiddenFill>
+            </a:ext>
+          </a:extLst>
+        </p:spPr>
+      </p:pic>
+    </p:spTree>
+    <p:extLst>
+      <p:ext uri="{BB962C8B-B14F-4D97-AF65-F5344CB8AC3E}">
+        <p14:creationId xmlns:p14="http://schemas.microsoft.com/office/powerpoint/2010/main" val="683032843"/>
+      </p:ext>
+    </p:extLst>
+  </p:cSld>
+  <p:clrMapOvr>
+    <a:masterClrMapping/>
+  </p:clrMapOvr>
+  <p:timing>
+    <p:tnLst>
+      <p:par>
+        <p:cTn id="1" dur="indefinite" restart="never" nodeType="tmRoot"/>
+      </p:par>
+    </p:tnLst>
+  </p:timing>
+</p:sld>
+</file>
+
+<file path=ppt/slides/slide11.xml><?xml version="1.0" encoding="utf-8"?>
 <p:sld xmlns:a="http://schemas.openxmlformats.org/drawingml/2006/main" xmlns:r="http://schemas.openxmlformats.org/officeDocument/2006/relationships" xmlns:p="http://schemas.openxmlformats.org/presentationml/2006/main">
   <p:cSld>
     <p:spTree>
@@ -7738,6 +8105,181 @@
           </p:txBody>
         </p:sp>
       </p:grpSp>
+      <p:grpSp>
+        <p:nvGrpSpPr>
+          <p:cNvPr id="66" name="Group 41"/>
+          <p:cNvGrpSpPr/>
+          <p:nvPr/>
+        </p:nvGrpSpPr>
+        <p:grpSpPr>
+          <a:xfrm>
+            <a:off x="4477826" y="666512"/>
+            <a:ext cx="1423555" cy="685800"/>
+            <a:chOff x="1159246" y="646669"/>
+            <a:chExt cx="1423555" cy="685800"/>
+          </a:xfrm>
+        </p:grpSpPr>
+        <p:sp>
+          <p:nvSpPr>
+            <p:cNvPr id="67" name="Snip Diagonal Corner Rectangle 95"/>
+            <p:cNvSpPr/>
+            <p:nvPr/>
+          </p:nvSpPr>
+          <p:spPr>
+            <a:xfrm>
+              <a:off x="1171833" y="646669"/>
+              <a:ext cx="1402491" cy="685800"/>
+            </a:xfrm>
+            <a:prstGeom prst="snip2SameRect">
+              <a:avLst/>
+            </a:prstGeom>
+            <a:solidFill>
+              <a:srgbClr val="996633"/>
+            </a:solidFill>
+            <a:ln w="76200">
+              <a:solidFill>
+                <a:srgbClr val="663300"/>
+              </a:solidFill>
+            </a:ln>
+          </p:spPr>
+          <p:style>
+            <a:lnRef idx="2">
+              <a:schemeClr val="accent4">
+                <a:shade val="50000"/>
+              </a:schemeClr>
+            </a:lnRef>
+            <a:fillRef idx="1">
+              <a:schemeClr val="accent4"/>
+            </a:fillRef>
+            <a:effectRef idx="0">
+              <a:schemeClr val="accent4"/>
+            </a:effectRef>
+            <a:fontRef idx="minor">
+              <a:schemeClr val="lt1"/>
+            </a:fontRef>
+          </p:style>
+          <p:txBody>
+            <a:bodyPr rtlCol="0" anchor="ctr"/>
+            <a:lstStyle/>
+            <a:p>
+              <a:pPr algn="ctr"/>
+              <a:endParaRPr lang="de-DE" dirty="0"/>
+            </a:p>
+          </p:txBody>
+        </p:sp>
+        <p:sp>
+          <p:nvSpPr>
+            <p:cNvPr id="68" name="TextBox 96"/>
+            <p:cNvSpPr txBox="1"/>
+            <p:nvPr/>
+          </p:nvSpPr>
+          <p:spPr>
+            <a:xfrm>
+              <a:off x="1159246" y="793462"/>
+              <a:ext cx="1423555" cy="442674"/>
+            </a:xfrm>
+            <a:prstGeom prst="snip2SameRect">
+              <a:avLst/>
+            </a:prstGeom>
+            <a:noFill/>
+            <a:ln w="76200">
+              <a:noFill/>
+            </a:ln>
+          </p:spPr>
+          <p:txBody>
+            <a:bodyPr wrap="square" rtlCol="0">
+              <a:spAutoFit/>
+            </a:bodyPr>
+            <a:lstStyle/>
+            <a:p>
+              <a:pPr algn="ctr"/>
+              <a:r>
+                <a:rPr lang="en-US" sz="2000" b="1" dirty="0" smtClean="0">
+                  <a:solidFill>
+                    <a:schemeClr val="bg1"/>
+                  </a:solidFill>
+                </a:rPr>
+                <a:t>App</a:t>
+              </a:r>
+              <a:endParaRPr lang="de-DE" sz="2400" b="1" dirty="0">
+                <a:solidFill>
+                  <a:schemeClr val="bg1"/>
+                </a:solidFill>
+              </a:endParaRPr>
+            </a:p>
+          </p:txBody>
+        </p:sp>
+      </p:grpSp>
+      <p:cxnSp>
+        <p:nvCxnSpPr>
+          <p:cNvPr id="92" name="Straight Arrow Connector 62"/>
+          <p:cNvCxnSpPr/>
+          <p:nvPr/>
+        </p:nvCxnSpPr>
+        <p:spPr>
+          <a:xfrm flipV="1">
+            <a:off x="6148582" y="998999"/>
+            <a:ext cx="1370502" cy="10481"/>
+          </a:xfrm>
+          <a:prstGeom prst="straightConnector1">
+            <a:avLst/>
+          </a:prstGeom>
+          <a:ln w="142875">
+            <a:solidFill>
+              <a:schemeClr val="tx1">
+                <a:lumMod val="50000"/>
+                <a:lumOff val="50000"/>
+              </a:schemeClr>
+            </a:solidFill>
+            <a:tailEnd type="triangle"/>
+          </a:ln>
+        </p:spPr>
+        <p:style>
+          <a:lnRef idx="1">
+            <a:schemeClr val="accent1"/>
+          </a:lnRef>
+          <a:fillRef idx="0">
+            <a:schemeClr val="accent1"/>
+          </a:fillRef>
+          <a:effectRef idx="0">
+            <a:schemeClr val="accent1"/>
+          </a:effectRef>
+          <a:fontRef idx="minor">
+            <a:schemeClr val="tx1"/>
+          </a:fontRef>
+        </p:style>
+      </p:cxnSp>
+      <p:sp>
+        <p:nvSpPr>
+          <p:cNvPr id="94" name="TextBox 63"/>
+          <p:cNvSpPr txBox="1"/>
+          <p:nvPr/>
+        </p:nvSpPr>
+        <p:spPr>
+          <a:xfrm>
+            <a:off x="6124779" y="335412"/>
+            <a:ext cx="1335331" cy="523220"/>
+          </a:xfrm>
+          <a:prstGeom prst="rect">
+            <a:avLst/>
+          </a:prstGeom>
+          <a:noFill/>
+        </p:spPr>
+        <p:txBody>
+          <a:bodyPr wrap="square" rtlCol="0">
+            <a:spAutoFit/>
+          </a:bodyPr>
+          <a:lstStyle/>
+          <a:p>
+            <a:pPr algn="ctr"/>
+            <a:r>
+              <a:rPr lang="en-US" sz="2800" b="1" dirty="0" smtClean="0"/>
+              <a:t>create</a:t>
+            </a:r>
+            <a:endParaRPr lang="de-DE" sz="2800" b="1" dirty="0"/>
+          </a:p>
+        </p:txBody>
+      </p:sp>
     </p:spTree>
     <p:extLst>
       <p:ext uri="{BB962C8B-B14F-4D97-AF65-F5344CB8AC3E}">
@@ -7758,7 +8300,7 @@
 </p:sld>
 </file>
 
-<file path=ppt/slides/slide11.xml><?xml version="1.0" encoding="utf-8"?>
+<file path=ppt/slides/slide12.xml><?xml version="1.0" encoding="utf-8"?>
 <p:sld xmlns:a="http://schemas.openxmlformats.org/drawingml/2006/main" xmlns:r="http://schemas.openxmlformats.org/officeDocument/2006/relationships" xmlns:p="http://schemas.openxmlformats.org/presentationml/2006/main">
   <p:cSld>
     <p:spTree>
@@ -8645,7 +9187,7 @@
 </p:sld>
 </file>
 
-<file path=ppt/slides/slide12.xml><?xml version="1.0" encoding="utf-8"?>
+<file path=ppt/slides/slide13.xml><?xml version="1.0" encoding="utf-8"?>
 <p:sld xmlns:a="http://schemas.openxmlformats.org/drawingml/2006/main" xmlns:r="http://schemas.openxmlformats.org/officeDocument/2006/relationships" xmlns:p="http://schemas.openxmlformats.org/presentationml/2006/main">
   <p:cSld>
     <p:spTree>
@@ -9710,6 +10252,312 @@
           </p:txBody>
         </p:sp>
       </p:grpSp>
+      <p:grpSp>
+        <p:nvGrpSpPr>
+          <p:cNvPr id="35" name="Group 17"/>
+          <p:cNvGrpSpPr/>
+          <p:nvPr/>
+        </p:nvGrpSpPr>
+        <p:grpSpPr>
+          <a:xfrm>
+            <a:off x="10157777" y="4473617"/>
+            <a:ext cx="3239954" cy="2215991"/>
+            <a:chOff x="7477384" y="5317103"/>
+            <a:chExt cx="3239954" cy="2215991"/>
+          </a:xfrm>
+        </p:grpSpPr>
+        <p:sp>
+          <p:nvSpPr>
+            <p:cNvPr id="36" name="Rectangle 15"/>
+            <p:cNvSpPr/>
+            <p:nvPr/>
+          </p:nvSpPr>
+          <p:spPr>
+            <a:xfrm>
+              <a:off x="7926012" y="5317103"/>
+              <a:ext cx="2791326" cy="2215991"/>
+            </a:xfrm>
+            <a:prstGeom prst="rect">
+              <a:avLst/>
+            </a:prstGeom>
+          </p:spPr>
+          <p:txBody>
+            <a:bodyPr wrap="square">
+              <a:spAutoFit/>
+            </a:bodyPr>
+            <a:lstStyle/>
+            <a:p>
+              <a:r>
+                <a:rPr lang="de-DE" sz="13800" dirty="0">
+                  <a:solidFill>
+                    <a:schemeClr val="tx2">
+                      <a:lumMod val="60000"/>
+                      <a:lumOff val="40000"/>
+                    </a:schemeClr>
+                  </a:solidFill>
+                  <a:latin typeface="FontAwesome" pitchFamily="2" charset="0"/>
+                </a:rPr>
+                <a:t></a:t>
+              </a:r>
+              <a:endParaRPr lang="de-DE" sz="2400" dirty="0">
+                <a:latin typeface="FontAwesome" pitchFamily="2" charset="0"/>
+              </a:endParaRPr>
+            </a:p>
+          </p:txBody>
+        </p:sp>
+        <p:sp>
+          <p:nvSpPr>
+            <p:cNvPr id="37" name="Rectangle 16"/>
+            <p:cNvSpPr/>
+            <p:nvPr/>
+          </p:nvSpPr>
+          <p:spPr>
+            <a:xfrm>
+              <a:off x="8428894" y="5748821"/>
+              <a:ext cx="1050288" cy="1708160"/>
+            </a:xfrm>
+            <a:prstGeom prst="rect">
+              <a:avLst/>
+            </a:prstGeom>
+          </p:spPr>
+          <p:txBody>
+            <a:bodyPr wrap="none">
+              <a:spAutoFit/>
+            </a:bodyPr>
+            <a:lstStyle/>
+            <a:p>
+              <a:r>
+                <a:rPr lang="de-DE" sz="10500" dirty="0">
+                  <a:solidFill>
+                    <a:schemeClr val="tx2"/>
+                  </a:solidFill>
+                  <a:latin typeface="FontAwesome" pitchFamily="2" charset="0"/>
+                </a:rPr>
+                <a:t></a:t>
+              </a:r>
+              <a:endParaRPr lang="de-DE" sz="10500" dirty="0">
+                <a:solidFill>
+                  <a:schemeClr val="tx2"/>
+                </a:solidFill>
+              </a:endParaRPr>
+            </a:p>
+          </p:txBody>
+        </p:sp>
+        <p:sp>
+          <p:nvSpPr>
+            <p:cNvPr id="38" name="TextBox 85"/>
+            <p:cNvSpPr txBox="1"/>
+            <p:nvPr/>
+          </p:nvSpPr>
+          <p:spPr>
+            <a:xfrm>
+              <a:off x="7477384" y="6548681"/>
+              <a:ext cx="2953724" cy="400110"/>
+            </a:xfrm>
+            <a:prstGeom prst="rect">
+              <a:avLst/>
+            </a:prstGeom>
+            <a:noFill/>
+          </p:spPr>
+          <p:txBody>
+            <a:bodyPr wrap="square" rtlCol="0">
+              <a:spAutoFit/>
+            </a:bodyPr>
+            <a:lstStyle/>
+            <a:p>
+              <a:pPr algn="ctr"/>
+              <a:r>
+                <a:rPr lang="en-US" sz="2000" b="1" dirty="0">
+                  <a:solidFill>
+                    <a:schemeClr val="bg1"/>
+                  </a:solidFill>
+                </a:rPr>
+                <a:t>Boxfuse Vault</a:t>
+              </a:r>
+              <a:endParaRPr lang="de-DE" sz="2000" b="1" dirty="0">
+                <a:solidFill>
+                  <a:schemeClr val="bg1"/>
+                </a:solidFill>
+              </a:endParaRPr>
+            </a:p>
+          </p:txBody>
+        </p:sp>
+      </p:grpSp>
+      <p:grpSp>
+        <p:nvGrpSpPr>
+          <p:cNvPr id="47" name="Group 41"/>
+          <p:cNvGrpSpPr/>
+          <p:nvPr/>
+        </p:nvGrpSpPr>
+        <p:grpSpPr>
+          <a:xfrm>
+            <a:off x="7511933" y="5458683"/>
+            <a:ext cx="1423555" cy="685800"/>
+            <a:chOff x="1159246" y="646669"/>
+            <a:chExt cx="1423555" cy="685800"/>
+          </a:xfrm>
+        </p:grpSpPr>
+        <p:sp>
+          <p:nvSpPr>
+            <p:cNvPr id="48" name="Snip Diagonal Corner Rectangle 95"/>
+            <p:cNvSpPr/>
+            <p:nvPr/>
+          </p:nvSpPr>
+          <p:spPr>
+            <a:xfrm>
+              <a:off x="1171833" y="646669"/>
+              <a:ext cx="1402491" cy="685800"/>
+            </a:xfrm>
+            <a:prstGeom prst="snip2SameRect">
+              <a:avLst/>
+            </a:prstGeom>
+            <a:solidFill>
+              <a:srgbClr val="996633"/>
+            </a:solidFill>
+            <a:ln w="76200">
+              <a:solidFill>
+                <a:srgbClr val="663300"/>
+              </a:solidFill>
+            </a:ln>
+          </p:spPr>
+          <p:style>
+            <a:lnRef idx="2">
+              <a:schemeClr val="accent4">
+                <a:shade val="50000"/>
+              </a:schemeClr>
+            </a:lnRef>
+            <a:fillRef idx="1">
+              <a:schemeClr val="accent4"/>
+            </a:fillRef>
+            <a:effectRef idx="0">
+              <a:schemeClr val="accent4"/>
+            </a:effectRef>
+            <a:fontRef idx="minor">
+              <a:schemeClr val="lt1"/>
+            </a:fontRef>
+          </p:style>
+          <p:txBody>
+            <a:bodyPr rtlCol="0" anchor="ctr"/>
+            <a:lstStyle/>
+            <a:p>
+              <a:pPr algn="ctr"/>
+              <a:endParaRPr lang="de-DE" dirty="0"/>
+            </a:p>
+          </p:txBody>
+        </p:sp>
+        <p:sp>
+          <p:nvSpPr>
+            <p:cNvPr id="49" name="TextBox 96"/>
+            <p:cNvSpPr txBox="1"/>
+            <p:nvPr/>
+          </p:nvSpPr>
+          <p:spPr>
+            <a:xfrm>
+              <a:off x="1159246" y="793462"/>
+              <a:ext cx="1423555" cy="442674"/>
+            </a:xfrm>
+            <a:prstGeom prst="snip2SameRect">
+              <a:avLst/>
+            </a:prstGeom>
+            <a:noFill/>
+            <a:ln w="76200">
+              <a:noFill/>
+            </a:ln>
+          </p:spPr>
+          <p:txBody>
+            <a:bodyPr wrap="square" rtlCol="0">
+              <a:spAutoFit/>
+            </a:bodyPr>
+            <a:lstStyle/>
+            <a:p>
+              <a:pPr algn="ctr"/>
+              <a:r>
+                <a:rPr lang="en-US" sz="2000" b="1" dirty="0" smtClean="0">
+                  <a:solidFill>
+                    <a:schemeClr val="bg1"/>
+                  </a:solidFill>
+                </a:rPr>
+                <a:t>App</a:t>
+              </a:r>
+              <a:endParaRPr lang="de-DE" sz="2400" b="1" dirty="0">
+                <a:solidFill>
+                  <a:schemeClr val="bg1"/>
+                </a:solidFill>
+              </a:endParaRPr>
+            </a:p>
+          </p:txBody>
+        </p:sp>
+      </p:grpSp>
+      <p:cxnSp>
+        <p:nvCxnSpPr>
+          <p:cNvPr id="50" name="Straight Arrow Connector 62"/>
+          <p:cNvCxnSpPr/>
+          <p:nvPr/>
+        </p:nvCxnSpPr>
+        <p:spPr>
+          <a:xfrm flipV="1">
+            <a:off x="9182689" y="5791170"/>
+            <a:ext cx="1370502" cy="10481"/>
+          </a:xfrm>
+          <a:prstGeom prst="straightConnector1">
+            <a:avLst/>
+          </a:prstGeom>
+          <a:ln w="142875">
+            <a:solidFill>
+              <a:schemeClr val="tx1">
+                <a:lumMod val="50000"/>
+                <a:lumOff val="50000"/>
+              </a:schemeClr>
+            </a:solidFill>
+            <a:tailEnd type="triangle"/>
+          </a:ln>
+        </p:spPr>
+        <p:style>
+          <a:lnRef idx="1">
+            <a:schemeClr val="accent1"/>
+          </a:lnRef>
+          <a:fillRef idx="0">
+            <a:schemeClr val="accent1"/>
+          </a:fillRef>
+          <a:effectRef idx="0">
+            <a:schemeClr val="accent1"/>
+          </a:effectRef>
+          <a:fontRef idx="minor">
+            <a:schemeClr val="tx1"/>
+          </a:fontRef>
+        </p:style>
+      </p:cxnSp>
+      <p:sp>
+        <p:nvSpPr>
+          <p:cNvPr id="51" name="TextBox 63"/>
+          <p:cNvSpPr txBox="1"/>
+          <p:nvPr/>
+        </p:nvSpPr>
+        <p:spPr>
+          <a:xfrm>
+            <a:off x="9158886" y="5127583"/>
+            <a:ext cx="1335331" cy="523220"/>
+          </a:xfrm>
+          <a:prstGeom prst="rect">
+            <a:avLst/>
+          </a:prstGeom>
+          <a:noFill/>
+        </p:spPr>
+        <p:txBody>
+          <a:bodyPr wrap="square" rtlCol="0">
+            <a:spAutoFit/>
+          </a:bodyPr>
+          <a:lstStyle/>
+          <a:p>
+            <a:pPr algn="ctr"/>
+            <a:r>
+              <a:rPr lang="en-US" sz="2800" b="1" dirty="0" smtClean="0"/>
+              <a:t>create</a:t>
+            </a:r>
+            <a:endParaRPr lang="de-DE" sz="2800" b="1" dirty="0"/>
+          </a:p>
+        </p:txBody>
+      </p:sp>
     </p:spTree>
     <p:extLst>
       <p:ext uri="{BB962C8B-B14F-4D97-AF65-F5344CB8AC3E}">
@@ -9730,7 +10578,7 @@
 </p:sld>
 </file>
 
-<file path=ppt/slides/slide13.xml><?xml version="1.0" encoding="utf-8"?>
+<file path=ppt/slides/slide14.xml><?xml version="1.0" encoding="utf-8"?>
 <p:sld xmlns:a="http://schemas.openxmlformats.org/drawingml/2006/main" xmlns:r="http://schemas.openxmlformats.org/officeDocument/2006/relationships" xmlns:p="http://schemas.openxmlformats.org/presentationml/2006/main">
   <p:cSld>
     <p:spTree>
@@ -10517,7 +11365,7 @@
 </p:sld>
 </file>
 
-<file path=ppt/slides/slide14.xml><?xml version="1.0" encoding="utf-8"?>
+<file path=ppt/slides/slide15.xml><?xml version="1.0" encoding="utf-8"?>
 <p:sld xmlns:a="http://schemas.openxmlformats.org/drawingml/2006/main" xmlns:r="http://schemas.openxmlformats.org/officeDocument/2006/relationships" xmlns:p="http://schemas.openxmlformats.org/presentationml/2006/main">
   <p:cSld>
     <p:spTree>
@@ -11037,7 +11885,7 @@
 </p:sld>
 </file>
 
-<file path=ppt/slides/slide15.xml><?xml version="1.0" encoding="utf-8"?>
+<file path=ppt/slides/slide16.xml><?xml version="1.0" encoding="utf-8"?>
 <p:sld xmlns:a="http://schemas.openxmlformats.org/drawingml/2006/main" xmlns:r="http://schemas.openxmlformats.org/officeDocument/2006/relationships" xmlns:p="http://schemas.openxmlformats.org/presentationml/2006/main">
   <p:cSld>
     <p:spTree>
@@ -11884,7 +12732,7 @@
 </p:sld>
 </file>
 
-<file path=ppt/slides/slide16.xml><?xml version="1.0" encoding="utf-8"?>
+<file path=ppt/slides/slide17.xml><?xml version="1.0" encoding="utf-8"?>
 <p:sld xmlns:a="http://schemas.openxmlformats.org/drawingml/2006/main" xmlns:r="http://schemas.openxmlformats.org/officeDocument/2006/relationships" xmlns:p="http://schemas.openxmlformats.org/presentationml/2006/main">
   <p:cSld>
     <p:spTree>
@@ -12830,7 +13678,7 @@
 </p:sld>
 </file>
 
-<file path=ppt/slides/slide17.xml><?xml version="1.0" encoding="utf-8"?>
+<file path=ppt/slides/slide18.xml><?xml version="1.0" encoding="utf-8"?>
 <p:sld xmlns:a="http://schemas.openxmlformats.org/drawingml/2006/main" xmlns:r="http://schemas.openxmlformats.org/officeDocument/2006/relationships" xmlns:p="http://schemas.openxmlformats.org/presentationml/2006/main">
   <p:cSld>
     <p:spTree>
@@ -13325,7 +14173,7 @@
 </p:sld>
 </file>
 
-<file path=ppt/slides/slide18.xml><?xml version="1.0" encoding="utf-8"?>
+<file path=ppt/slides/slide19.xml><?xml version="1.0" encoding="utf-8"?>
 <p:sld xmlns:a="http://schemas.openxmlformats.org/drawingml/2006/main" xmlns:r="http://schemas.openxmlformats.org/officeDocument/2006/relationships" xmlns:p="http://schemas.openxmlformats.org/presentationml/2006/main">
   <p:cSld>
     <p:spTree>
@@ -13976,337 +14824,6 @@
 </p:sld>
 </file>
 
-<file path=ppt/slides/slide19.xml><?xml version="1.0" encoding="utf-8"?>
-<p:sld xmlns:a="http://schemas.openxmlformats.org/drawingml/2006/main" xmlns:r="http://schemas.openxmlformats.org/officeDocument/2006/relationships" xmlns:p="http://schemas.openxmlformats.org/presentationml/2006/main">
-  <p:cSld>
-    <p:spTree>
-      <p:nvGrpSpPr>
-        <p:cNvPr id="1" name=""/>
-        <p:cNvGrpSpPr/>
-        <p:nvPr/>
-      </p:nvGrpSpPr>
-      <p:grpSpPr>
-        <a:xfrm>
-          <a:off x="0" y="0"/>
-          <a:ext cx="0" cy="0"/>
-          <a:chOff x="0" y="0"/>
-          <a:chExt cx="0" cy="0"/>
-        </a:xfrm>
-      </p:grpSpPr>
-      <p:sp>
-        <p:nvSpPr>
-          <p:cNvPr id="6" name="Rounded Rectangle 75"/>
-          <p:cNvSpPr/>
-          <p:nvPr/>
-        </p:nvSpPr>
-        <p:spPr>
-          <a:xfrm>
-            <a:off x="1738157" y="1766426"/>
-            <a:ext cx="1441656" cy="1514439"/>
-          </a:xfrm>
-          <a:prstGeom prst="rect">
-            <a:avLst/>
-          </a:prstGeom>
-          <a:solidFill>
-            <a:schemeClr val="accent2">
-              <a:lumMod val="75000"/>
-            </a:schemeClr>
-          </a:solidFill>
-          <a:ln w="76200">
-            <a:solidFill>
-              <a:schemeClr val="accent2">
-                <a:lumMod val="50000"/>
-              </a:schemeClr>
-            </a:solidFill>
-          </a:ln>
-        </p:spPr>
-        <p:style>
-          <a:lnRef idx="2">
-            <a:schemeClr val="accent1">
-              <a:shade val="50000"/>
-            </a:schemeClr>
-          </a:lnRef>
-          <a:fillRef idx="1">
-            <a:schemeClr val="accent1"/>
-          </a:fillRef>
-          <a:effectRef idx="0">
-            <a:schemeClr val="accent1"/>
-          </a:effectRef>
-          <a:fontRef idx="minor">
-            <a:schemeClr val="lt1"/>
-          </a:fontRef>
-        </p:style>
-        <p:txBody>
-          <a:bodyPr rtlCol="0" anchor="ctr"/>
-          <a:lstStyle/>
-          <a:p>
-            <a:pPr algn="ctr"/>
-            <a:r>
-              <a:rPr lang="en-US" sz="2000" b="1" dirty="0"/>
-              <a:t>Instance</a:t>
-            </a:r>
-            <a:endParaRPr lang="de-DE" sz="2000" b="1" dirty="0"/>
-          </a:p>
-        </p:txBody>
-      </p:sp>
-      <p:grpSp>
-        <p:nvGrpSpPr>
-          <p:cNvPr id="22" name="Group 21"/>
-          <p:cNvGrpSpPr/>
-          <p:nvPr/>
-        </p:nvGrpSpPr>
-        <p:grpSpPr>
-          <a:xfrm>
-            <a:off x="5279415" y="133588"/>
-            <a:ext cx="2242751" cy="1789646"/>
-            <a:chOff x="1294361" y="4557307"/>
-            <a:chExt cx="2242751" cy="1789646"/>
-          </a:xfrm>
-        </p:grpSpPr>
-        <p:pic>
-          <p:nvPicPr>
-            <p:cNvPr id="4" name="Picture 2" descr="Console showing log4J logs"/>
-            <p:cNvPicPr>
-              <a:picLocks noChangeAspect="1" noChangeArrowheads="1"/>
-            </p:cNvPicPr>
-            <p:nvPr/>
-          </p:nvPicPr>
-          <p:blipFill>
-            <a:blip r:embed="rId2">
-              <a:extLst>
-                <a:ext uri="{28A0092B-C50C-407E-A947-70E740481C1C}">
-                  <a14:useLocalDpi xmlns:a14="http://schemas.microsoft.com/office/drawing/2010/main" val="0"/>
-                </a:ext>
-              </a:extLst>
-            </a:blip>
-            <a:srcRect/>
-            <a:stretch>
-              <a:fillRect/>
-            </a:stretch>
-          </p:blipFill>
-          <p:spPr bwMode="auto">
-            <a:xfrm>
-              <a:off x="1421028" y="4557307"/>
-              <a:ext cx="2004202" cy="1459059"/>
-            </a:xfrm>
-            <a:prstGeom prst="rect">
-              <a:avLst/>
-            </a:prstGeom>
-            <a:noFill/>
-            <a:extLst>
-              <a:ext uri="{909E8E84-426E-40DD-AFC4-6F175D3DCCD1}">
-                <a14:hiddenFill xmlns:a14="http://schemas.microsoft.com/office/drawing/2010/main">
-                  <a:solidFill>
-                    <a:srgbClr val="FFFFFF"/>
-                  </a:solidFill>
-                </a14:hiddenFill>
-              </a:ext>
-            </a:extLst>
-          </p:spPr>
-        </p:pic>
-        <p:sp>
-          <p:nvSpPr>
-            <p:cNvPr id="9" name="TextBox 8"/>
-            <p:cNvSpPr txBox="1"/>
-            <p:nvPr/>
-          </p:nvSpPr>
-          <p:spPr>
-            <a:xfrm>
-              <a:off x="1294361" y="5946843"/>
-              <a:ext cx="2242751" cy="400110"/>
-            </a:xfrm>
-            <a:prstGeom prst="rect">
-              <a:avLst/>
-            </a:prstGeom>
-            <a:noFill/>
-          </p:spPr>
-          <p:txBody>
-            <a:bodyPr wrap="square" rtlCol="0">
-              <a:spAutoFit/>
-            </a:bodyPr>
-            <a:lstStyle/>
-            <a:p>
-              <a:pPr algn="ctr"/>
-              <a:r>
-                <a:rPr lang="en-US" sz="2000" b="1" dirty="0"/>
-                <a:t>I</a:t>
-              </a:r>
-              <a:r>
-                <a:rPr lang="en-US" sz="2000" b="1" dirty="0" smtClean="0"/>
-                <a:t>nstance Boot logs</a:t>
-              </a:r>
-              <a:endParaRPr lang="de-DE" sz="2000" b="1" dirty="0"/>
-            </a:p>
-          </p:txBody>
-        </p:sp>
-      </p:grpSp>
-      <p:cxnSp>
-        <p:nvCxnSpPr>
-          <p:cNvPr id="11" name="Straight Arrow Connector 10"/>
-          <p:cNvCxnSpPr/>
-          <p:nvPr/>
-        </p:nvCxnSpPr>
-        <p:spPr>
-          <a:xfrm>
-            <a:off x="3354363" y="2909124"/>
-            <a:ext cx="1823118" cy="699049"/>
-          </a:xfrm>
-          <a:prstGeom prst="straightConnector1">
-            <a:avLst/>
-          </a:prstGeom>
-          <a:ln w="142875">
-            <a:solidFill>
-              <a:schemeClr val="tx1">
-                <a:lumMod val="50000"/>
-                <a:lumOff val="50000"/>
-              </a:schemeClr>
-            </a:solidFill>
-            <a:tailEnd type="triangle"/>
-          </a:ln>
-        </p:spPr>
-        <p:style>
-          <a:lnRef idx="1">
-            <a:schemeClr val="accent1"/>
-          </a:lnRef>
-          <a:fillRef idx="0">
-            <a:schemeClr val="accent1"/>
-          </a:fillRef>
-          <a:effectRef idx="0">
-            <a:schemeClr val="accent1"/>
-          </a:effectRef>
-          <a:fontRef idx="minor">
-            <a:schemeClr val="tx1"/>
-          </a:fontRef>
-        </p:style>
-      </p:cxnSp>
-      <p:cxnSp>
-        <p:nvCxnSpPr>
-          <p:cNvPr id="15" name="Straight Arrow Connector 14"/>
-          <p:cNvCxnSpPr/>
-          <p:nvPr/>
-        </p:nvCxnSpPr>
-        <p:spPr>
-          <a:xfrm flipV="1">
-            <a:off x="3391929" y="1241855"/>
-            <a:ext cx="1822623" cy="908221"/>
-          </a:xfrm>
-          <a:prstGeom prst="straightConnector1">
-            <a:avLst/>
-          </a:prstGeom>
-          <a:ln w="142875">
-            <a:solidFill>
-              <a:schemeClr val="tx1">
-                <a:lumMod val="50000"/>
-                <a:lumOff val="50000"/>
-              </a:schemeClr>
-            </a:solidFill>
-            <a:tailEnd type="triangle"/>
-          </a:ln>
-        </p:spPr>
-        <p:style>
-          <a:lnRef idx="1">
-            <a:schemeClr val="accent1"/>
-          </a:lnRef>
-          <a:fillRef idx="0">
-            <a:schemeClr val="accent1"/>
-          </a:fillRef>
-          <a:effectRef idx="0">
-            <a:schemeClr val="accent1"/>
-          </a:effectRef>
-          <a:fontRef idx="minor">
-            <a:schemeClr val="tx1"/>
-          </a:fontRef>
-        </p:style>
-      </p:cxnSp>
-      <p:grpSp>
-        <p:nvGrpSpPr>
-          <p:cNvPr id="21" name="Group 20"/>
-          <p:cNvGrpSpPr/>
-          <p:nvPr/>
-        </p:nvGrpSpPr>
-        <p:grpSpPr>
-          <a:xfrm>
-            <a:off x="5302071" y="2991597"/>
-            <a:ext cx="2254085" cy="1814879"/>
-            <a:chOff x="5246466" y="1076300"/>
-            <a:chExt cx="2254085" cy="1814879"/>
-          </a:xfrm>
-        </p:grpSpPr>
-        <p:pic>
-          <p:nvPicPr>
-            <p:cNvPr id="19" name="Picture 18"/>
-            <p:cNvPicPr>
-              <a:picLocks noChangeAspect="1"/>
-            </p:cNvPicPr>
-            <p:nvPr/>
-          </p:nvPicPr>
-          <p:blipFill rotWithShape="1">
-            <a:blip r:embed="rId3"/>
-            <a:srcRect l="861" t="13474" r="845" b="1728"/>
-            <a:stretch/>
-          </p:blipFill>
-          <p:spPr>
-            <a:xfrm>
-              <a:off x="5251619" y="1076300"/>
-              <a:ext cx="2248932" cy="1454185"/>
-            </a:xfrm>
-            <a:prstGeom prst="rect">
-              <a:avLst/>
-            </a:prstGeom>
-          </p:spPr>
-        </p:pic>
-        <p:sp>
-          <p:nvSpPr>
-            <p:cNvPr id="20" name="TextBox 19"/>
-            <p:cNvSpPr txBox="1"/>
-            <p:nvPr/>
-          </p:nvSpPr>
-          <p:spPr>
-            <a:xfrm>
-              <a:off x="5246466" y="2491069"/>
-              <a:ext cx="2242751" cy="400110"/>
-            </a:xfrm>
-            <a:prstGeom prst="rect">
-              <a:avLst/>
-            </a:prstGeom>
-            <a:noFill/>
-          </p:spPr>
-          <p:txBody>
-            <a:bodyPr wrap="square" rtlCol="0">
-              <a:spAutoFit/>
-            </a:bodyPr>
-            <a:lstStyle/>
-            <a:p>
-              <a:pPr algn="ctr"/>
-              <a:r>
-                <a:rPr lang="en-US" sz="2000" b="1" dirty="0" smtClean="0"/>
-                <a:t>Application logs</a:t>
-              </a:r>
-              <a:endParaRPr lang="de-DE" sz="2000" b="1" dirty="0"/>
-            </a:p>
-          </p:txBody>
-        </p:sp>
-      </p:grpSp>
-    </p:spTree>
-    <p:extLst>
-      <p:ext uri="{BB962C8B-B14F-4D97-AF65-F5344CB8AC3E}">
-        <p14:creationId xmlns:p14="http://schemas.microsoft.com/office/powerpoint/2010/main" val="2730884054"/>
-      </p:ext>
-    </p:extLst>
-  </p:cSld>
-  <p:clrMapOvr>
-    <a:masterClrMapping/>
-  </p:clrMapOvr>
-  <p:timing>
-    <p:tnLst>
-      <p:par>
-        <p:cTn id="1" dur="indefinite" restart="never" nodeType="tmRoot"/>
-      </p:par>
-    </p:tnLst>
-  </p:timing>
-</p:sld>
-</file>
-
 <file path=ppt/slides/slide2.xml><?xml version="1.0" encoding="utf-8"?>
 <p:sld xmlns:a="http://schemas.openxmlformats.org/drawingml/2006/main" xmlns:r="http://schemas.openxmlformats.org/officeDocument/2006/relationships" xmlns:p="http://schemas.openxmlformats.org/presentationml/2006/main">
   <p:cSld>
@@ -14879,6 +15396,477 @@
   <p:clrMapOvr>
     <a:masterClrMapping/>
   </p:clrMapOvr>
+</p:sld>
+</file>
+
+<file path=ppt/slides/slide20.xml><?xml version="1.0" encoding="utf-8"?>
+<p:sld xmlns:a="http://schemas.openxmlformats.org/drawingml/2006/main" xmlns:r="http://schemas.openxmlformats.org/officeDocument/2006/relationships" xmlns:p="http://schemas.openxmlformats.org/presentationml/2006/main">
+  <p:cSld>
+    <p:spTree>
+      <p:nvGrpSpPr>
+        <p:cNvPr id="1" name=""/>
+        <p:cNvGrpSpPr/>
+        <p:nvPr/>
+      </p:nvGrpSpPr>
+      <p:grpSpPr>
+        <a:xfrm>
+          <a:off x="0" y="0"/>
+          <a:ext cx="0" cy="0"/>
+          <a:chOff x="0" y="0"/>
+          <a:chExt cx="0" cy="0"/>
+        </a:xfrm>
+      </p:grpSpPr>
+      <p:sp>
+        <p:nvSpPr>
+          <p:cNvPr id="6" name="Rounded Rectangle 75"/>
+          <p:cNvSpPr/>
+          <p:nvPr/>
+        </p:nvSpPr>
+        <p:spPr>
+          <a:xfrm>
+            <a:off x="1738157" y="1766426"/>
+            <a:ext cx="1441656" cy="1514439"/>
+          </a:xfrm>
+          <a:prstGeom prst="rect">
+            <a:avLst/>
+          </a:prstGeom>
+          <a:solidFill>
+            <a:schemeClr val="accent2">
+              <a:lumMod val="75000"/>
+            </a:schemeClr>
+          </a:solidFill>
+          <a:ln w="76200">
+            <a:solidFill>
+              <a:schemeClr val="accent2">
+                <a:lumMod val="50000"/>
+              </a:schemeClr>
+            </a:solidFill>
+          </a:ln>
+        </p:spPr>
+        <p:style>
+          <a:lnRef idx="2">
+            <a:schemeClr val="accent1">
+              <a:shade val="50000"/>
+            </a:schemeClr>
+          </a:lnRef>
+          <a:fillRef idx="1">
+            <a:schemeClr val="accent1"/>
+          </a:fillRef>
+          <a:effectRef idx="0">
+            <a:schemeClr val="accent1"/>
+          </a:effectRef>
+          <a:fontRef idx="minor">
+            <a:schemeClr val="lt1"/>
+          </a:fontRef>
+        </p:style>
+        <p:txBody>
+          <a:bodyPr rtlCol="0" anchor="ctr"/>
+          <a:lstStyle/>
+          <a:p>
+            <a:pPr algn="ctr"/>
+            <a:r>
+              <a:rPr lang="en-US" sz="2000" b="1" dirty="0"/>
+              <a:t>Instance</a:t>
+            </a:r>
+            <a:endParaRPr lang="de-DE" sz="2000" b="1" dirty="0"/>
+          </a:p>
+        </p:txBody>
+      </p:sp>
+      <p:grpSp>
+        <p:nvGrpSpPr>
+          <p:cNvPr id="22" name="Group 21"/>
+          <p:cNvGrpSpPr/>
+          <p:nvPr/>
+        </p:nvGrpSpPr>
+        <p:grpSpPr>
+          <a:xfrm>
+            <a:off x="5279415" y="133588"/>
+            <a:ext cx="2242751" cy="1789646"/>
+            <a:chOff x="1294361" y="4557307"/>
+            <a:chExt cx="2242751" cy="1789646"/>
+          </a:xfrm>
+        </p:grpSpPr>
+        <p:pic>
+          <p:nvPicPr>
+            <p:cNvPr id="4" name="Picture 2" descr="Console showing log4J logs"/>
+            <p:cNvPicPr>
+              <a:picLocks noChangeAspect="1" noChangeArrowheads="1"/>
+            </p:cNvPicPr>
+            <p:nvPr/>
+          </p:nvPicPr>
+          <p:blipFill>
+            <a:blip r:embed="rId2">
+              <a:extLst>
+                <a:ext uri="{28A0092B-C50C-407E-A947-70E740481C1C}">
+                  <a14:useLocalDpi xmlns:a14="http://schemas.microsoft.com/office/drawing/2010/main" val="0"/>
+                </a:ext>
+              </a:extLst>
+            </a:blip>
+            <a:srcRect/>
+            <a:stretch>
+              <a:fillRect/>
+            </a:stretch>
+          </p:blipFill>
+          <p:spPr bwMode="auto">
+            <a:xfrm>
+              <a:off x="1421028" y="4557307"/>
+              <a:ext cx="2004202" cy="1459059"/>
+            </a:xfrm>
+            <a:prstGeom prst="rect">
+              <a:avLst/>
+            </a:prstGeom>
+            <a:noFill/>
+            <a:extLst>
+              <a:ext uri="{909E8E84-426E-40DD-AFC4-6F175D3DCCD1}">
+                <a14:hiddenFill xmlns:a14="http://schemas.microsoft.com/office/drawing/2010/main">
+                  <a:solidFill>
+                    <a:srgbClr val="FFFFFF"/>
+                  </a:solidFill>
+                </a14:hiddenFill>
+              </a:ext>
+            </a:extLst>
+          </p:spPr>
+        </p:pic>
+        <p:sp>
+          <p:nvSpPr>
+            <p:cNvPr id="9" name="TextBox 8"/>
+            <p:cNvSpPr txBox="1"/>
+            <p:nvPr/>
+          </p:nvSpPr>
+          <p:spPr>
+            <a:xfrm>
+              <a:off x="1294361" y="5946843"/>
+              <a:ext cx="2242751" cy="400110"/>
+            </a:xfrm>
+            <a:prstGeom prst="rect">
+              <a:avLst/>
+            </a:prstGeom>
+            <a:noFill/>
+          </p:spPr>
+          <p:txBody>
+            <a:bodyPr wrap="square" rtlCol="0">
+              <a:spAutoFit/>
+            </a:bodyPr>
+            <a:lstStyle/>
+            <a:p>
+              <a:pPr algn="ctr"/>
+              <a:r>
+                <a:rPr lang="en-US" sz="2000" b="1" dirty="0"/>
+                <a:t>I</a:t>
+              </a:r>
+              <a:r>
+                <a:rPr lang="en-US" sz="2000" b="1" dirty="0" smtClean="0"/>
+                <a:t>nstance Boot logs</a:t>
+              </a:r>
+              <a:endParaRPr lang="de-DE" sz="2000" b="1" dirty="0"/>
+            </a:p>
+          </p:txBody>
+        </p:sp>
+      </p:grpSp>
+      <p:cxnSp>
+        <p:nvCxnSpPr>
+          <p:cNvPr id="11" name="Straight Arrow Connector 10"/>
+          <p:cNvCxnSpPr/>
+          <p:nvPr/>
+        </p:nvCxnSpPr>
+        <p:spPr>
+          <a:xfrm>
+            <a:off x="3354363" y="2909124"/>
+            <a:ext cx="1823118" cy="699049"/>
+          </a:xfrm>
+          <a:prstGeom prst="straightConnector1">
+            <a:avLst/>
+          </a:prstGeom>
+          <a:ln w="142875">
+            <a:solidFill>
+              <a:schemeClr val="tx1">
+                <a:lumMod val="50000"/>
+                <a:lumOff val="50000"/>
+              </a:schemeClr>
+            </a:solidFill>
+            <a:tailEnd type="triangle"/>
+          </a:ln>
+        </p:spPr>
+        <p:style>
+          <a:lnRef idx="1">
+            <a:schemeClr val="accent1"/>
+          </a:lnRef>
+          <a:fillRef idx="0">
+            <a:schemeClr val="accent1"/>
+          </a:fillRef>
+          <a:effectRef idx="0">
+            <a:schemeClr val="accent1"/>
+          </a:effectRef>
+          <a:fontRef idx="minor">
+            <a:schemeClr val="tx1"/>
+          </a:fontRef>
+        </p:style>
+      </p:cxnSp>
+      <p:cxnSp>
+        <p:nvCxnSpPr>
+          <p:cNvPr id="15" name="Straight Arrow Connector 14"/>
+          <p:cNvCxnSpPr/>
+          <p:nvPr/>
+        </p:nvCxnSpPr>
+        <p:spPr>
+          <a:xfrm flipV="1">
+            <a:off x="3391929" y="1241855"/>
+            <a:ext cx="1822623" cy="908221"/>
+          </a:xfrm>
+          <a:prstGeom prst="straightConnector1">
+            <a:avLst/>
+          </a:prstGeom>
+          <a:ln w="142875">
+            <a:solidFill>
+              <a:schemeClr val="tx1">
+                <a:lumMod val="50000"/>
+                <a:lumOff val="50000"/>
+              </a:schemeClr>
+            </a:solidFill>
+            <a:tailEnd type="triangle"/>
+          </a:ln>
+        </p:spPr>
+        <p:style>
+          <a:lnRef idx="1">
+            <a:schemeClr val="accent1"/>
+          </a:lnRef>
+          <a:fillRef idx="0">
+            <a:schemeClr val="accent1"/>
+          </a:fillRef>
+          <a:effectRef idx="0">
+            <a:schemeClr val="accent1"/>
+          </a:effectRef>
+          <a:fontRef idx="minor">
+            <a:schemeClr val="tx1"/>
+          </a:fontRef>
+        </p:style>
+      </p:cxnSp>
+      <p:grpSp>
+        <p:nvGrpSpPr>
+          <p:cNvPr id="21" name="Group 20"/>
+          <p:cNvGrpSpPr/>
+          <p:nvPr/>
+        </p:nvGrpSpPr>
+        <p:grpSpPr>
+          <a:xfrm>
+            <a:off x="5302071" y="2991597"/>
+            <a:ext cx="2254085" cy="1814879"/>
+            <a:chOff x="5246466" y="1076300"/>
+            <a:chExt cx="2254085" cy="1814879"/>
+          </a:xfrm>
+        </p:grpSpPr>
+        <p:pic>
+          <p:nvPicPr>
+            <p:cNvPr id="19" name="Picture 18"/>
+            <p:cNvPicPr>
+              <a:picLocks noChangeAspect="1"/>
+            </p:cNvPicPr>
+            <p:nvPr/>
+          </p:nvPicPr>
+          <p:blipFill rotWithShape="1">
+            <a:blip r:embed="rId3"/>
+            <a:srcRect l="861" t="13474" r="845" b="1728"/>
+            <a:stretch/>
+          </p:blipFill>
+          <p:spPr>
+            <a:xfrm>
+              <a:off x="5251619" y="1076300"/>
+              <a:ext cx="2248932" cy="1454185"/>
+            </a:xfrm>
+            <a:prstGeom prst="rect">
+              <a:avLst/>
+            </a:prstGeom>
+          </p:spPr>
+        </p:pic>
+        <p:sp>
+          <p:nvSpPr>
+            <p:cNvPr id="20" name="TextBox 19"/>
+            <p:cNvSpPr txBox="1"/>
+            <p:nvPr/>
+          </p:nvSpPr>
+          <p:spPr>
+            <a:xfrm>
+              <a:off x="5246466" y="2491069"/>
+              <a:ext cx="2242751" cy="400110"/>
+            </a:xfrm>
+            <a:prstGeom prst="rect">
+              <a:avLst/>
+            </a:prstGeom>
+            <a:noFill/>
+          </p:spPr>
+          <p:txBody>
+            <a:bodyPr wrap="square" rtlCol="0">
+              <a:spAutoFit/>
+            </a:bodyPr>
+            <a:lstStyle/>
+            <a:p>
+              <a:pPr algn="ctr"/>
+              <a:r>
+                <a:rPr lang="en-US" sz="2000" b="1" dirty="0" smtClean="0"/>
+                <a:t>Application logs</a:t>
+              </a:r>
+              <a:endParaRPr lang="de-DE" sz="2000" b="1" dirty="0"/>
+            </a:p>
+          </p:txBody>
+        </p:sp>
+      </p:grpSp>
+      <p:pic>
+        <p:nvPicPr>
+          <p:cNvPr id="13" name="Picture 14"/>
+          <p:cNvPicPr>
+            <a:picLocks noChangeAspect="1"/>
+          </p:cNvPicPr>
+          <p:nvPr/>
+        </p:nvPicPr>
+        <p:blipFill>
+          <a:blip r:embed="rId4">
+            <a:extLst>
+              <a:ext uri="{28A0092B-C50C-407E-A947-70E740481C1C}">
+                <a14:useLocalDpi xmlns:a14="http://schemas.microsoft.com/office/drawing/2010/main" val="0"/>
+              </a:ext>
+            </a:extLst>
+          </a:blip>
+          <a:stretch>
+            <a:fillRect/>
+          </a:stretch>
+        </p:blipFill>
+        <p:spPr>
+          <a:xfrm>
+            <a:off x="11487162" y="5696645"/>
+            <a:ext cx="1538745" cy="615498"/>
+          </a:xfrm>
+          <a:prstGeom prst="rect">
+            <a:avLst/>
+          </a:prstGeom>
+        </p:spPr>
+      </p:pic>
+      <p:cxnSp>
+        <p:nvCxnSpPr>
+          <p:cNvPr id="14" name="Straight Arrow Connector 16"/>
+          <p:cNvCxnSpPr/>
+          <p:nvPr/>
+        </p:nvCxnSpPr>
+        <p:spPr>
+          <a:xfrm flipV="1">
+            <a:off x="10213282" y="5978598"/>
+            <a:ext cx="1142403" cy="10481"/>
+          </a:xfrm>
+          <a:prstGeom prst="straightConnector1">
+            <a:avLst/>
+          </a:prstGeom>
+          <a:ln w="142875">
+            <a:solidFill>
+              <a:schemeClr val="tx1">
+                <a:lumMod val="50000"/>
+                <a:lumOff val="50000"/>
+              </a:schemeClr>
+            </a:solidFill>
+            <a:tailEnd type="triangle"/>
+          </a:ln>
+        </p:spPr>
+        <p:style>
+          <a:lnRef idx="1">
+            <a:schemeClr val="accent1"/>
+          </a:lnRef>
+          <a:fillRef idx="0">
+            <a:schemeClr val="accent1"/>
+          </a:fillRef>
+          <a:effectRef idx="0">
+            <a:schemeClr val="accent1"/>
+          </a:effectRef>
+          <a:fontRef idx="minor">
+            <a:schemeClr val="tx1"/>
+          </a:fontRef>
+        </p:style>
+      </p:cxnSp>
+      <p:pic>
+        <p:nvPicPr>
+          <p:cNvPr id="17" name="Picture 22"/>
+          <p:cNvPicPr>
+            <a:picLocks noChangeAspect="1"/>
+          </p:cNvPicPr>
+          <p:nvPr/>
+        </p:nvPicPr>
+        <p:blipFill>
+          <a:blip r:embed="rId5" cstate="print">
+            <a:extLst>
+              <a:ext uri="{28A0092B-C50C-407E-A947-70E740481C1C}">
+                <a14:useLocalDpi xmlns:a14="http://schemas.microsoft.com/office/drawing/2010/main" val="0"/>
+              </a:ext>
+            </a:extLst>
+          </a:blip>
+          <a:stretch>
+            <a:fillRect/>
+          </a:stretch>
+        </p:blipFill>
+        <p:spPr>
+          <a:xfrm>
+            <a:off x="10224886" y="5458727"/>
+            <a:ext cx="1116380" cy="345217"/>
+          </a:xfrm>
+          <a:prstGeom prst="rect">
+            <a:avLst/>
+          </a:prstGeom>
+        </p:spPr>
+      </p:pic>
+      <p:pic>
+        <p:nvPicPr>
+          <p:cNvPr id="1026" name="Picture 2" descr="http://localhost:4000/assets/img/springboot.png"/>
+          <p:cNvPicPr>
+            <a:picLocks noChangeAspect="1" noChangeArrowheads="1"/>
+          </p:cNvPicPr>
+          <p:nvPr/>
+        </p:nvPicPr>
+        <p:blipFill>
+          <a:blip r:embed="rId6">
+            <a:extLst>
+              <a:ext uri="{28A0092B-C50C-407E-A947-70E740481C1C}">
+                <a14:useLocalDpi xmlns:a14="http://schemas.microsoft.com/office/drawing/2010/main" val="0"/>
+              </a:ext>
+            </a:extLst>
+          </a:blip>
+          <a:srcRect/>
+          <a:stretch>
+            <a:fillRect/>
+          </a:stretch>
+        </p:blipFill>
+        <p:spPr bwMode="auto">
+          <a:xfrm>
+            <a:off x="9384568" y="5696644"/>
+            <a:ext cx="682818" cy="615499"/>
+          </a:xfrm>
+          <a:prstGeom prst="rect">
+            <a:avLst/>
+          </a:prstGeom>
+          <a:noFill/>
+          <a:extLst>
+            <a:ext uri="{909E8E84-426E-40DD-AFC4-6F175D3DCCD1}">
+              <a14:hiddenFill xmlns:a14="http://schemas.microsoft.com/office/drawing/2010/main">
+                <a:solidFill>
+                  <a:srgbClr val="FFFFFF"/>
+                </a:solidFill>
+              </a14:hiddenFill>
+            </a:ext>
+          </a:extLst>
+        </p:spPr>
+      </p:pic>
+    </p:spTree>
+    <p:extLst>
+      <p:ext uri="{BB962C8B-B14F-4D97-AF65-F5344CB8AC3E}">
+        <p14:creationId xmlns:p14="http://schemas.microsoft.com/office/powerpoint/2010/main" val="2730884054"/>
+      </p:ext>
+    </p:extLst>
+  </p:cSld>
+  <p:clrMapOvr>
+    <a:masterClrMapping/>
+  </p:clrMapOvr>
+  <p:timing>
+    <p:tnLst>
+      <p:par>
+        <p:cTn id="1" dur="indefinite" restart="never" nodeType="tmRoot"/>
+      </p:par>
+    </p:tnLst>
+  </p:timing>
 </p:sld>
 </file>
 
@@ -17320,6 +18308,2168 @@
       </p:grpSpPr>
       <p:grpSp>
         <p:nvGrpSpPr>
+          <p:cNvPr id="27" name="Group 26"/>
+          <p:cNvGrpSpPr/>
+          <p:nvPr/>
+        </p:nvGrpSpPr>
+        <p:grpSpPr>
+          <a:xfrm>
+            <a:off x="91206" y="212283"/>
+            <a:ext cx="3790954" cy="7019356"/>
+            <a:chOff x="57150" y="-755957"/>
+            <a:chExt cx="3790954" cy="7019356"/>
+          </a:xfrm>
+        </p:grpSpPr>
+        <p:grpSp>
+          <p:nvGrpSpPr>
+            <p:cNvPr id="6" name="Group 5"/>
+            <p:cNvGrpSpPr/>
+            <p:nvPr/>
+          </p:nvGrpSpPr>
+          <p:grpSpPr>
+            <a:xfrm>
+              <a:off x="114300" y="95250"/>
+              <a:ext cx="3676650" cy="6168149"/>
+              <a:chOff x="733425" y="285750"/>
+              <a:chExt cx="3676650" cy="6168149"/>
+            </a:xfrm>
+          </p:grpSpPr>
+          <p:sp>
+            <p:nvSpPr>
+              <p:cNvPr id="5" name="Rounded Rectangle 4"/>
+              <p:cNvSpPr/>
+              <p:nvPr/>
+            </p:nvSpPr>
+            <p:spPr>
+              <a:xfrm>
+                <a:off x="733425" y="285750"/>
+                <a:ext cx="3676650" cy="1838327"/>
+              </a:xfrm>
+              <a:prstGeom prst="roundRect">
+                <a:avLst>
+                  <a:gd name="adj" fmla="val 9672"/>
+                </a:avLst>
+              </a:prstGeom>
+              <a:solidFill>
+                <a:schemeClr val="bg2">
+                  <a:lumMod val="90000"/>
+                </a:schemeClr>
+              </a:solidFill>
+              <a:ln w="114300">
+                <a:solidFill>
+                  <a:schemeClr val="bg1">
+                    <a:lumMod val="50000"/>
+                  </a:schemeClr>
+                </a:solidFill>
+              </a:ln>
+            </p:spPr>
+            <p:style>
+              <a:lnRef idx="2">
+                <a:schemeClr val="accent1">
+                  <a:shade val="50000"/>
+                </a:schemeClr>
+              </a:lnRef>
+              <a:fillRef idx="1">
+                <a:schemeClr val="accent1"/>
+              </a:fillRef>
+              <a:effectRef idx="0">
+                <a:schemeClr val="accent1"/>
+              </a:effectRef>
+              <a:fontRef idx="minor">
+                <a:schemeClr val="lt1"/>
+              </a:fontRef>
+            </p:style>
+            <p:txBody>
+              <a:bodyPr rtlCol="0" anchor="ctr"/>
+              <a:lstStyle/>
+              <a:p>
+                <a:pPr algn="ctr"/>
+                <a:endParaRPr lang="de-DE"/>
+              </a:p>
+            </p:txBody>
+          </p:sp>
+          <p:grpSp>
+            <p:nvGrpSpPr>
+              <p:cNvPr id="4" name="Group 3"/>
+              <p:cNvGrpSpPr/>
+              <p:nvPr/>
+            </p:nvGrpSpPr>
+            <p:grpSpPr>
+              <a:xfrm>
+                <a:off x="1019175" y="504826"/>
+                <a:ext cx="3105150" cy="5949073"/>
+                <a:chOff x="1019175" y="504826"/>
+                <a:chExt cx="3105150" cy="5949073"/>
+              </a:xfrm>
+            </p:grpSpPr>
+            <p:grpSp>
+              <p:nvGrpSpPr>
+                <p:cNvPr id="15" name="Group 14"/>
+                <p:cNvGrpSpPr/>
+                <p:nvPr/>
+              </p:nvGrpSpPr>
+              <p:grpSpPr>
+                <a:xfrm>
+                  <a:off x="1019175" y="504826"/>
+                  <a:ext cx="3105150" cy="1409700"/>
+                  <a:chOff x="6448425" y="3933826"/>
+                  <a:chExt cx="2628900" cy="1409700"/>
+                </a:xfrm>
+              </p:grpSpPr>
+              <p:sp>
+                <p:nvSpPr>
+                  <p:cNvPr id="14" name="Rounded Rectangle 13"/>
+                  <p:cNvSpPr/>
+                  <p:nvPr/>
+                </p:nvSpPr>
+                <p:spPr>
+                  <a:xfrm>
+                    <a:off x="6448425" y="3933826"/>
+                    <a:ext cx="2628900" cy="1409700"/>
+                  </a:xfrm>
+                  <a:prstGeom prst="rect">
+                    <a:avLst/>
+                  </a:prstGeom>
+                  <a:solidFill>
+                    <a:schemeClr val="accent6">
+                      <a:lumMod val="75000"/>
+                    </a:schemeClr>
+                  </a:solidFill>
+                  <a:ln w="114300">
+                    <a:solidFill>
+                      <a:schemeClr val="accent6">
+                        <a:lumMod val="50000"/>
+                      </a:schemeClr>
+                    </a:solidFill>
+                  </a:ln>
+                </p:spPr>
+                <p:style>
+                  <a:lnRef idx="2">
+                    <a:schemeClr val="accent1">
+                      <a:shade val="50000"/>
+                    </a:schemeClr>
+                  </a:lnRef>
+                  <a:fillRef idx="1">
+                    <a:schemeClr val="accent1"/>
+                  </a:fillRef>
+                  <a:effectRef idx="0">
+                    <a:schemeClr val="accent1"/>
+                  </a:effectRef>
+                  <a:fontRef idx="minor">
+                    <a:schemeClr val="lt1"/>
+                  </a:fontRef>
+                </p:style>
+                <p:txBody>
+                  <a:bodyPr rtlCol="0" anchor="ctr"/>
+                  <a:lstStyle/>
+                  <a:p>
+                    <a:pPr algn="ctr"/>
+                    <a:endParaRPr lang="de-DE"/>
+                  </a:p>
+                </p:txBody>
+              </p:sp>
+              <p:sp>
+                <p:nvSpPr>
+                  <p:cNvPr id="13" name="TextBox 12"/>
+                  <p:cNvSpPr txBox="1"/>
+                  <p:nvPr/>
+                </p:nvSpPr>
+                <p:spPr>
+                  <a:xfrm>
+                    <a:off x="7077075" y="4286250"/>
+                    <a:ext cx="1333500" cy="646331"/>
+                  </a:xfrm>
+                  <a:prstGeom prst="rect">
+                    <a:avLst/>
+                  </a:prstGeom>
+                  <a:noFill/>
+                </p:spPr>
+                <p:txBody>
+                  <a:bodyPr wrap="square" rtlCol="0">
+                    <a:spAutoFit/>
+                  </a:bodyPr>
+                  <a:lstStyle/>
+                  <a:p>
+                    <a:pPr algn="ctr"/>
+                    <a:r>
+                      <a:rPr lang="en-US" sz="3600" b="1" dirty="0">
+                        <a:solidFill>
+                          <a:schemeClr val="bg1"/>
+                        </a:solidFill>
+                      </a:rPr>
+                      <a:t>App</a:t>
+                    </a:r>
+                    <a:endParaRPr lang="de-DE" sz="3600" b="1" dirty="0">
+                      <a:solidFill>
+                        <a:schemeClr val="bg1"/>
+                      </a:solidFill>
+                    </a:endParaRPr>
+                  </a:p>
+                </p:txBody>
+              </p:sp>
+            </p:grpSp>
+            <p:grpSp>
+              <p:nvGrpSpPr>
+                <p:cNvPr id="7" name="Group 6"/>
+                <p:cNvGrpSpPr/>
+                <p:nvPr/>
+              </p:nvGrpSpPr>
+              <p:grpSpPr>
+                <a:xfrm>
+                  <a:off x="1019175" y="2386725"/>
+                  <a:ext cx="3105150" cy="885824"/>
+                  <a:chOff x="6448425" y="4351806"/>
+                  <a:chExt cx="2628900" cy="1409700"/>
+                </a:xfrm>
+              </p:grpSpPr>
+              <p:sp>
+                <p:nvSpPr>
+                  <p:cNvPr id="9" name="Rectangle 8"/>
+                  <p:cNvSpPr/>
+                  <p:nvPr/>
+                </p:nvSpPr>
+                <p:spPr>
+                  <a:xfrm>
+                    <a:off x="6448425" y="4351806"/>
+                    <a:ext cx="2628900" cy="1409700"/>
+                  </a:xfrm>
+                  <a:prstGeom prst="rect">
+                    <a:avLst/>
+                  </a:prstGeom>
+                  <a:solidFill>
+                    <a:schemeClr val="bg2">
+                      <a:lumMod val="50000"/>
+                    </a:schemeClr>
+                  </a:solidFill>
+                  <a:ln w="114300">
+                    <a:solidFill>
+                      <a:schemeClr val="bg2">
+                        <a:lumMod val="25000"/>
+                      </a:schemeClr>
+                    </a:solidFill>
+                  </a:ln>
+                </p:spPr>
+                <p:style>
+                  <a:lnRef idx="2">
+                    <a:schemeClr val="accent1">
+                      <a:shade val="50000"/>
+                    </a:schemeClr>
+                  </a:lnRef>
+                  <a:fillRef idx="1">
+                    <a:schemeClr val="accent1"/>
+                  </a:fillRef>
+                  <a:effectRef idx="0">
+                    <a:schemeClr val="accent1"/>
+                  </a:effectRef>
+                  <a:fontRef idx="minor">
+                    <a:schemeClr val="lt1"/>
+                  </a:fontRef>
+                </p:style>
+                <p:txBody>
+                  <a:bodyPr rtlCol="0" anchor="ctr"/>
+                  <a:lstStyle/>
+                  <a:p>
+                    <a:pPr algn="ctr"/>
+                    <a:endParaRPr lang="de-DE"/>
+                  </a:p>
+                </p:txBody>
+              </p:sp>
+              <p:sp>
+                <p:nvSpPr>
+                  <p:cNvPr id="11" name="TextBox 10"/>
+                  <p:cNvSpPr txBox="1"/>
+                  <p:nvPr/>
+                </p:nvSpPr>
+                <p:spPr>
+                  <a:xfrm>
+                    <a:off x="6496809" y="4537491"/>
+                    <a:ext cx="2524067" cy="1028571"/>
+                  </a:xfrm>
+                  <a:prstGeom prst="rect">
+                    <a:avLst/>
+                  </a:prstGeom>
+                  <a:noFill/>
+                </p:spPr>
+                <p:txBody>
+                  <a:bodyPr wrap="square" rtlCol="0">
+                    <a:spAutoFit/>
+                  </a:bodyPr>
+                  <a:lstStyle/>
+                  <a:p>
+                    <a:pPr algn="ctr"/>
+                    <a:r>
+                      <a:rPr lang="en-US" sz="3600" b="1" dirty="0">
+                        <a:solidFill>
+                          <a:schemeClr val="bg2">
+                            <a:lumMod val="75000"/>
+                          </a:schemeClr>
+                        </a:solidFill>
+                      </a:rPr>
+                      <a:t>App Server</a:t>
+                    </a:r>
+                    <a:endParaRPr lang="de-DE" sz="3600" b="1" dirty="0">
+                      <a:solidFill>
+                        <a:schemeClr val="bg2">
+                          <a:lumMod val="75000"/>
+                        </a:schemeClr>
+                      </a:solidFill>
+                    </a:endParaRPr>
+                  </a:p>
+                </p:txBody>
+              </p:sp>
+            </p:grpSp>
+            <p:grpSp>
+              <p:nvGrpSpPr>
+                <p:cNvPr id="12" name="Group 11"/>
+                <p:cNvGrpSpPr/>
+                <p:nvPr/>
+              </p:nvGrpSpPr>
+              <p:grpSpPr>
+                <a:xfrm>
+                  <a:off x="1019175" y="5568075"/>
+                  <a:ext cx="3105150" cy="885824"/>
+                  <a:chOff x="6448425" y="4351806"/>
+                  <a:chExt cx="2628900" cy="1409700"/>
+                </a:xfrm>
+              </p:grpSpPr>
+              <p:sp>
+                <p:nvSpPr>
+                  <p:cNvPr id="16" name="Rectangle 15"/>
+                  <p:cNvSpPr/>
+                  <p:nvPr/>
+                </p:nvSpPr>
+                <p:spPr>
+                  <a:xfrm>
+                    <a:off x="6448425" y="4351806"/>
+                    <a:ext cx="2628900" cy="1409700"/>
+                  </a:xfrm>
+                  <a:prstGeom prst="rect">
+                    <a:avLst/>
+                  </a:prstGeom>
+                  <a:solidFill>
+                    <a:schemeClr val="bg2">
+                      <a:lumMod val="50000"/>
+                    </a:schemeClr>
+                  </a:solidFill>
+                  <a:ln w="114300">
+                    <a:solidFill>
+                      <a:schemeClr val="bg2">
+                        <a:lumMod val="25000"/>
+                      </a:schemeClr>
+                    </a:solidFill>
+                  </a:ln>
+                </p:spPr>
+                <p:style>
+                  <a:lnRef idx="2">
+                    <a:schemeClr val="accent1">
+                      <a:shade val="50000"/>
+                    </a:schemeClr>
+                  </a:lnRef>
+                  <a:fillRef idx="1">
+                    <a:schemeClr val="accent1"/>
+                  </a:fillRef>
+                  <a:effectRef idx="0">
+                    <a:schemeClr val="accent1"/>
+                  </a:effectRef>
+                  <a:fontRef idx="minor">
+                    <a:schemeClr val="lt1"/>
+                  </a:fontRef>
+                </p:style>
+                <p:txBody>
+                  <a:bodyPr rtlCol="0" anchor="ctr"/>
+                  <a:lstStyle/>
+                  <a:p>
+                    <a:pPr algn="ctr"/>
+                    <a:endParaRPr lang="de-DE"/>
+                  </a:p>
+                </p:txBody>
+              </p:sp>
+              <p:sp>
+                <p:nvSpPr>
+                  <p:cNvPr id="17" name="TextBox 16"/>
+                  <p:cNvSpPr txBox="1"/>
+                  <p:nvPr/>
+                </p:nvSpPr>
+                <p:spPr>
+                  <a:xfrm>
+                    <a:off x="6496809" y="4537491"/>
+                    <a:ext cx="2524067" cy="1028571"/>
+                  </a:xfrm>
+                  <a:prstGeom prst="rect">
+                    <a:avLst/>
+                  </a:prstGeom>
+                  <a:noFill/>
+                </p:spPr>
+                <p:txBody>
+                  <a:bodyPr wrap="square" rtlCol="0">
+                    <a:spAutoFit/>
+                  </a:bodyPr>
+                  <a:lstStyle/>
+                  <a:p>
+                    <a:pPr algn="ctr"/>
+                    <a:r>
+                      <a:rPr lang="en-US" sz="3600" b="1" dirty="0">
+                        <a:solidFill>
+                          <a:schemeClr val="bg2">
+                            <a:lumMod val="75000"/>
+                          </a:schemeClr>
+                        </a:solidFill>
+                      </a:rPr>
+                      <a:t>OS Kernel</a:t>
+                    </a:r>
+                    <a:endParaRPr lang="de-DE" sz="3600" b="1" dirty="0">
+                      <a:solidFill>
+                        <a:schemeClr val="bg2">
+                          <a:lumMod val="75000"/>
+                        </a:schemeClr>
+                      </a:solidFill>
+                    </a:endParaRPr>
+                  </a:p>
+                </p:txBody>
+              </p:sp>
+            </p:grpSp>
+            <p:grpSp>
+              <p:nvGrpSpPr>
+                <p:cNvPr id="18" name="Group 17"/>
+                <p:cNvGrpSpPr/>
+                <p:nvPr/>
+              </p:nvGrpSpPr>
+              <p:grpSpPr>
+                <a:xfrm>
+                  <a:off x="1019175" y="4510800"/>
+                  <a:ext cx="3105150" cy="885824"/>
+                  <a:chOff x="6448425" y="4351806"/>
+                  <a:chExt cx="2628900" cy="1409700"/>
+                </a:xfrm>
+              </p:grpSpPr>
+              <p:sp>
+                <p:nvSpPr>
+                  <p:cNvPr id="19" name="Rectangle 18"/>
+                  <p:cNvSpPr/>
+                  <p:nvPr/>
+                </p:nvSpPr>
+                <p:spPr>
+                  <a:xfrm>
+                    <a:off x="6448425" y="4351806"/>
+                    <a:ext cx="2628900" cy="1409700"/>
+                  </a:xfrm>
+                  <a:prstGeom prst="rect">
+                    <a:avLst/>
+                  </a:prstGeom>
+                  <a:solidFill>
+                    <a:schemeClr val="bg2">
+                      <a:lumMod val="50000"/>
+                    </a:schemeClr>
+                  </a:solidFill>
+                  <a:ln w="114300">
+                    <a:solidFill>
+                      <a:schemeClr val="bg2">
+                        <a:lumMod val="25000"/>
+                      </a:schemeClr>
+                    </a:solidFill>
+                  </a:ln>
+                </p:spPr>
+                <p:style>
+                  <a:lnRef idx="2">
+                    <a:schemeClr val="accent1">
+                      <a:shade val="50000"/>
+                    </a:schemeClr>
+                  </a:lnRef>
+                  <a:fillRef idx="1">
+                    <a:schemeClr val="accent1"/>
+                  </a:fillRef>
+                  <a:effectRef idx="0">
+                    <a:schemeClr val="accent1"/>
+                  </a:effectRef>
+                  <a:fontRef idx="minor">
+                    <a:schemeClr val="lt1"/>
+                  </a:fontRef>
+                </p:style>
+                <p:txBody>
+                  <a:bodyPr rtlCol="0" anchor="ctr"/>
+                  <a:lstStyle/>
+                  <a:p>
+                    <a:pPr algn="ctr"/>
+                    <a:endParaRPr lang="de-DE"/>
+                  </a:p>
+                </p:txBody>
+              </p:sp>
+              <p:sp>
+                <p:nvSpPr>
+                  <p:cNvPr id="20" name="TextBox 19"/>
+                  <p:cNvSpPr txBox="1"/>
+                  <p:nvPr/>
+                </p:nvSpPr>
+                <p:spPr>
+                  <a:xfrm>
+                    <a:off x="6496809" y="4537491"/>
+                    <a:ext cx="2524067" cy="1028571"/>
+                  </a:xfrm>
+                  <a:prstGeom prst="rect">
+                    <a:avLst/>
+                  </a:prstGeom>
+                  <a:noFill/>
+                </p:spPr>
+                <p:txBody>
+                  <a:bodyPr wrap="square" rtlCol="0">
+                    <a:spAutoFit/>
+                  </a:bodyPr>
+                  <a:lstStyle/>
+                  <a:p>
+                    <a:pPr algn="ctr"/>
+                    <a:r>
+                      <a:rPr lang="en-US" sz="3600" b="1" dirty="0">
+                        <a:solidFill>
+                          <a:schemeClr val="bg2">
+                            <a:lumMod val="75000"/>
+                          </a:schemeClr>
+                        </a:solidFill>
+                      </a:rPr>
+                      <a:t>Libraries</a:t>
+                    </a:r>
+                    <a:endParaRPr lang="de-DE" sz="3600" b="1" dirty="0">
+                      <a:solidFill>
+                        <a:schemeClr val="bg2">
+                          <a:lumMod val="75000"/>
+                        </a:schemeClr>
+                      </a:solidFill>
+                    </a:endParaRPr>
+                  </a:p>
+                </p:txBody>
+              </p:sp>
+            </p:grpSp>
+            <p:grpSp>
+              <p:nvGrpSpPr>
+                <p:cNvPr id="21" name="Group 20"/>
+                <p:cNvGrpSpPr/>
+                <p:nvPr/>
+              </p:nvGrpSpPr>
+              <p:grpSpPr>
+                <a:xfrm>
+                  <a:off x="1019175" y="3444000"/>
+                  <a:ext cx="3105150" cy="885824"/>
+                  <a:chOff x="6448425" y="4351806"/>
+                  <a:chExt cx="2628900" cy="1409700"/>
+                </a:xfrm>
+              </p:grpSpPr>
+              <p:sp>
+                <p:nvSpPr>
+                  <p:cNvPr id="22" name="Rectangle 21"/>
+                  <p:cNvSpPr/>
+                  <p:nvPr/>
+                </p:nvSpPr>
+                <p:spPr>
+                  <a:xfrm>
+                    <a:off x="6448425" y="4351806"/>
+                    <a:ext cx="2628900" cy="1409700"/>
+                  </a:xfrm>
+                  <a:prstGeom prst="rect">
+                    <a:avLst/>
+                  </a:prstGeom>
+                  <a:solidFill>
+                    <a:schemeClr val="bg2">
+                      <a:lumMod val="50000"/>
+                    </a:schemeClr>
+                  </a:solidFill>
+                  <a:ln w="114300">
+                    <a:solidFill>
+                      <a:schemeClr val="bg2">
+                        <a:lumMod val="25000"/>
+                      </a:schemeClr>
+                    </a:solidFill>
+                  </a:ln>
+                </p:spPr>
+                <p:style>
+                  <a:lnRef idx="2">
+                    <a:schemeClr val="accent1">
+                      <a:shade val="50000"/>
+                    </a:schemeClr>
+                  </a:lnRef>
+                  <a:fillRef idx="1">
+                    <a:schemeClr val="accent1"/>
+                  </a:fillRef>
+                  <a:effectRef idx="0">
+                    <a:schemeClr val="accent1"/>
+                  </a:effectRef>
+                  <a:fontRef idx="minor">
+                    <a:schemeClr val="lt1"/>
+                  </a:fontRef>
+                </p:style>
+                <p:txBody>
+                  <a:bodyPr rtlCol="0" anchor="ctr"/>
+                  <a:lstStyle/>
+                  <a:p>
+                    <a:pPr algn="ctr"/>
+                    <a:endParaRPr lang="de-DE"/>
+                  </a:p>
+                </p:txBody>
+              </p:sp>
+              <p:sp>
+                <p:nvSpPr>
+                  <p:cNvPr id="23" name="TextBox 22"/>
+                  <p:cNvSpPr txBox="1"/>
+                  <p:nvPr/>
+                </p:nvSpPr>
+                <p:spPr>
+                  <a:xfrm>
+                    <a:off x="6496809" y="4537491"/>
+                    <a:ext cx="2524067" cy="1028571"/>
+                  </a:xfrm>
+                  <a:prstGeom prst="rect">
+                    <a:avLst/>
+                  </a:prstGeom>
+                  <a:noFill/>
+                </p:spPr>
+                <p:txBody>
+                  <a:bodyPr wrap="square" rtlCol="0">
+                    <a:spAutoFit/>
+                  </a:bodyPr>
+                  <a:lstStyle/>
+                  <a:p>
+                    <a:pPr algn="ctr"/>
+                    <a:r>
+                      <a:rPr lang="en-US" sz="3600" b="1" dirty="0" smtClean="0">
+                        <a:solidFill>
+                          <a:schemeClr val="bg2">
+                            <a:lumMod val="75000"/>
+                          </a:schemeClr>
+                        </a:solidFill>
+                      </a:rPr>
+                      <a:t>JVM</a:t>
+                    </a:r>
+                    <a:endParaRPr lang="de-DE" sz="3600" b="1" dirty="0">
+                      <a:solidFill>
+                        <a:schemeClr val="bg2">
+                          <a:lumMod val="75000"/>
+                        </a:schemeClr>
+                      </a:solidFill>
+                    </a:endParaRPr>
+                  </a:p>
+                </p:txBody>
+              </p:sp>
+            </p:grpSp>
+          </p:grpSp>
+        </p:grpSp>
+        <p:sp>
+          <p:nvSpPr>
+            <p:cNvPr id="25" name="TextBox 24"/>
+            <p:cNvSpPr txBox="1"/>
+            <p:nvPr/>
+          </p:nvSpPr>
+          <p:spPr>
+            <a:xfrm>
+              <a:off x="57150" y="-755957"/>
+              <a:ext cx="3790954" cy="830997"/>
+            </a:xfrm>
+            <a:prstGeom prst="rect">
+              <a:avLst/>
+            </a:prstGeom>
+            <a:noFill/>
+          </p:spPr>
+          <p:txBody>
+            <a:bodyPr wrap="square" rtlCol="0">
+              <a:spAutoFit/>
+            </a:bodyPr>
+            <a:lstStyle/>
+            <a:p>
+              <a:pPr algn="ctr"/>
+              <a:r>
+                <a:rPr lang="en-US" sz="4800" b="1" dirty="0" smtClean="0">
+                  <a:solidFill>
+                    <a:schemeClr val="bg1">
+                      <a:lumMod val="50000"/>
+                    </a:schemeClr>
+                  </a:solidFill>
+                </a:rPr>
+                <a:t>War File</a:t>
+              </a:r>
+              <a:endParaRPr lang="de-DE" sz="4800" b="1" dirty="0">
+                <a:solidFill>
+                  <a:schemeClr val="bg1">
+                    <a:lumMod val="50000"/>
+                  </a:schemeClr>
+                </a:solidFill>
+              </a:endParaRPr>
+            </a:p>
+          </p:txBody>
+        </p:sp>
+      </p:grpSp>
+      <p:grpSp>
+        <p:nvGrpSpPr>
+          <p:cNvPr id="72" name="Group 26"/>
+          <p:cNvGrpSpPr/>
+          <p:nvPr/>
+        </p:nvGrpSpPr>
+        <p:grpSpPr>
+          <a:xfrm>
+            <a:off x="5467359" y="212283"/>
+            <a:ext cx="3790954" cy="7019356"/>
+            <a:chOff x="57150" y="-755957"/>
+            <a:chExt cx="3790954" cy="7019356"/>
+          </a:xfrm>
+        </p:grpSpPr>
+        <p:grpSp>
+          <p:nvGrpSpPr>
+            <p:cNvPr id="73" name="Group 5"/>
+            <p:cNvGrpSpPr/>
+            <p:nvPr/>
+          </p:nvGrpSpPr>
+          <p:grpSpPr>
+            <a:xfrm>
+              <a:off x="114300" y="95250"/>
+              <a:ext cx="3676650" cy="6168149"/>
+              <a:chOff x="733425" y="285750"/>
+              <a:chExt cx="3676650" cy="6168149"/>
+            </a:xfrm>
+          </p:grpSpPr>
+          <p:sp>
+            <p:nvSpPr>
+              <p:cNvPr id="76" name="Rounded Rectangle 4"/>
+              <p:cNvSpPr/>
+              <p:nvPr/>
+            </p:nvSpPr>
+            <p:spPr>
+              <a:xfrm>
+                <a:off x="733425" y="285750"/>
+                <a:ext cx="3676650" cy="2977274"/>
+              </a:xfrm>
+              <a:prstGeom prst="roundRect">
+                <a:avLst>
+                  <a:gd name="adj" fmla="val 9672"/>
+                </a:avLst>
+              </a:prstGeom>
+              <a:solidFill>
+                <a:schemeClr val="bg2">
+                  <a:lumMod val="90000"/>
+                </a:schemeClr>
+              </a:solidFill>
+              <a:ln w="114300">
+                <a:solidFill>
+                  <a:schemeClr val="bg1">
+                    <a:lumMod val="50000"/>
+                  </a:schemeClr>
+                </a:solidFill>
+              </a:ln>
+            </p:spPr>
+            <p:style>
+              <a:lnRef idx="2">
+                <a:schemeClr val="accent1">
+                  <a:shade val="50000"/>
+                </a:schemeClr>
+              </a:lnRef>
+              <a:fillRef idx="1">
+                <a:schemeClr val="accent1"/>
+              </a:fillRef>
+              <a:effectRef idx="0">
+                <a:schemeClr val="accent1"/>
+              </a:effectRef>
+              <a:fontRef idx="minor">
+                <a:schemeClr val="lt1"/>
+              </a:fontRef>
+            </p:style>
+            <p:txBody>
+              <a:bodyPr rtlCol="0" anchor="ctr"/>
+              <a:lstStyle/>
+              <a:p>
+                <a:pPr algn="ctr"/>
+                <a:endParaRPr lang="de-DE"/>
+              </a:p>
+            </p:txBody>
+          </p:sp>
+          <p:grpSp>
+            <p:nvGrpSpPr>
+              <p:cNvPr id="77" name="Group 3"/>
+              <p:cNvGrpSpPr/>
+              <p:nvPr/>
+            </p:nvGrpSpPr>
+            <p:grpSpPr>
+              <a:xfrm>
+                <a:off x="1019175" y="504826"/>
+                <a:ext cx="3105150" cy="5949073"/>
+                <a:chOff x="1019175" y="504826"/>
+                <a:chExt cx="3105150" cy="5949073"/>
+              </a:xfrm>
+            </p:grpSpPr>
+            <p:grpSp>
+              <p:nvGrpSpPr>
+                <p:cNvPr id="86" name="Group 14"/>
+                <p:cNvGrpSpPr/>
+                <p:nvPr/>
+              </p:nvGrpSpPr>
+              <p:grpSpPr>
+                <a:xfrm>
+                  <a:off x="1019175" y="504826"/>
+                  <a:ext cx="3105150" cy="1409700"/>
+                  <a:chOff x="6448425" y="3933826"/>
+                  <a:chExt cx="2628900" cy="1409700"/>
+                </a:xfrm>
+              </p:grpSpPr>
+              <p:sp>
+                <p:nvSpPr>
+                  <p:cNvPr id="99" name="Rounded Rectangle 13"/>
+                  <p:cNvSpPr/>
+                  <p:nvPr/>
+                </p:nvSpPr>
+                <p:spPr>
+                  <a:xfrm>
+                    <a:off x="6448425" y="3933826"/>
+                    <a:ext cx="2628900" cy="1409700"/>
+                  </a:xfrm>
+                  <a:prstGeom prst="rect">
+                    <a:avLst/>
+                  </a:prstGeom>
+                  <a:solidFill>
+                    <a:schemeClr val="accent6">
+                      <a:lumMod val="75000"/>
+                    </a:schemeClr>
+                  </a:solidFill>
+                  <a:ln w="114300">
+                    <a:solidFill>
+                      <a:schemeClr val="accent6">
+                        <a:lumMod val="50000"/>
+                      </a:schemeClr>
+                    </a:solidFill>
+                  </a:ln>
+                </p:spPr>
+                <p:style>
+                  <a:lnRef idx="2">
+                    <a:schemeClr val="accent1">
+                      <a:shade val="50000"/>
+                    </a:schemeClr>
+                  </a:lnRef>
+                  <a:fillRef idx="1">
+                    <a:schemeClr val="accent1"/>
+                  </a:fillRef>
+                  <a:effectRef idx="0">
+                    <a:schemeClr val="accent1"/>
+                  </a:effectRef>
+                  <a:fontRef idx="minor">
+                    <a:schemeClr val="lt1"/>
+                  </a:fontRef>
+                </p:style>
+                <p:txBody>
+                  <a:bodyPr rtlCol="0" anchor="ctr"/>
+                  <a:lstStyle/>
+                  <a:p>
+                    <a:pPr algn="ctr"/>
+                    <a:endParaRPr lang="de-DE"/>
+                  </a:p>
+                </p:txBody>
+              </p:sp>
+              <p:sp>
+                <p:nvSpPr>
+                  <p:cNvPr id="100" name="TextBox 12"/>
+                  <p:cNvSpPr txBox="1"/>
+                  <p:nvPr/>
+                </p:nvSpPr>
+                <p:spPr>
+                  <a:xfrm>
+                    <a:off x="7077075" y="4286250"/>
+                    <a:ext cx="1333500" cy="646331"/>
+                  </a:xfrm>
+                  <a:prstGeom prst="rect">
+                    <a:avLst/>
+                  </a:prstGeom>
+                  <a:noFill/>
+                </p:spPr>
+                <p:txBody>
+                  <a:bodyPr wrap="square" rtlCol="0">
+                    <a:spAutoFit/>
+                  </a:bodyPr>
+                  <a:lstStyle/>
+                  <a:p>
+                    <a:pPr algn="ctr"/>
+                    <a:r>
+                      <a:rPr lang="en-US" sz="3600" b="1" dirty="0">
+                        <a:solidFill>
+                          <a:schemeClr val="bg1"/>
+                        </a:solidFill>
+                      </a:rPr>
+                      <a:t>App</a:t>
+                    </a:r>
+                    <a:endParaRPr lang="de-DE" sz="3600" b="1" dirty="0">
+                      <a:solidFill>
+                        <a:schemeClr val="bg1"/>
+                      </a:solidFill>
+                    </a:endParaRPr>
+                  </a:p>
+                </p:txBody>
+              </p:sp>
+            </p:grpSp>
+            <p:grpSp>
+              <p:nvGrpSpPr>
+                <p:cNvPr id="87" name="Group 6"/>
+                <p:cNvGrpSpPr/>
+                <p:nvPr/>
+              </p:nvGrpSpPr>
+              <p:grpSpPr>
+                <a:xfrm>
+                  <a:off x="1019175" y="2153260"/>
+                  <a:ext cx="3105150" cy="885824"/>
+                  <a:chOff x="6448425" y="3980269"/>
+                  <a:chExt cx="2628900" cy="1409700"/>
+                </a:xfrm>
+              </p:grpSpPr>
+              <p:sp>
+                <p:nvSpPr>
+                  <p:cNvPr id="97" name="Rectangle 8"/>
+                  <p:cNvSpPr/>
+                  <p:nvPr/>
+                </p:nvSpPr>
+                <p:spPr>
+                  <a:xfrm>
+                    <a:off x="6448425" y="3980269"/>
+                    <a:ext cx="2628900" cy="1409700"/>
+                  </a:xfrm>
+                  <a:prstGeom prst="rect">
+                    <a:avLst/>
+                  </a:prstGeom>
+                  <a:solidFill>
+                    <a:schemeClr val="accent4">
+                      <a:lumMod val="75000"/>
+                    </a:schemeClr>
+                  </a:solidFill>
+                  <a:ln w="114300">
+                    <a:solidFill>
+                      <a:schemeClr val="accent4">
+                        <a:lumMod val="50000"/>
+                      </a:schemeClr>
+                    </a:solidFill>
+                  </a:ln>
+                </p:spPr>
+                <p:style>
+                  <a:lnRef idx="2">
+                    <a:schemeClr val="accent1">
+                      <a:shade val="50000"/>
+                    </a:schemeClr>
+                  </a:lnRef>
+                  <a:fillRef idx="1">
+                    <a:schemeClr val="accent1"/>
+                  </a:fillRef>
+                  <a:effectRef idx="0">
+                    <a:schemeClr val="accent1"/>
+                  </a:effectRef>
+                  <a:fontRef idx="minor">
+                    <a:schemeClr val="lt1"/>
+                  </a:fontRef>
+                </p:style>
+                <p:txBody>
+                  <a:bodyPr rtlCol="0" anchor="ctr"/>
+                  <a:lstStyle/>
+                  <a:p>
+                    <a:pPr algn="ctr"/>
+                    <a:endParaRPr lang="de-DE"/>
+                  </a:p>
+                </p:txBody>
+              </p:sp>
+              <p:sp>
+                <p:nvSpPr>
+                  <p:cNvPr id="98" name="TextBox 10"/>
+                  <p:cNvSpPr txBox="1"/>
+                  <p:nvPr/>
+                </p:nvSpPr>
+                <p:spPr>
+                  <a:xfrm>
+                    <a:off x="6496809" y="4165955"/>
+                    <a:ext cx="2524067" cy="1028571"/>
+                  </a:xfrm>
+                  <a:prstGeom prst="rect">
+                    <a:avLst/>
+                  </a:prstGeom>
+                  <a:noFill/>
+                </p:spPr>
+                <p:txBody>
+                  <a:bodyPr wrap="square" rtlCol="0">
+                    <a:spAutoFit/>
+                  </a:bodyPr>
+                  <a:lstStyle/>
+                  <a:p>
+                    <a:pPr algn="ctr"/>
+                    <a:r>
+                      <a:rPr lang="en-US" sz="3600" b="1" dirty="0">
+                        <a:solidFill>
+                          <a:schemeClr val="bg1"/>
+                        </a:solidFill>
+                      </a:rPr>
+                      <a:t>App Server</a:t>
+                    </a:r>
+                    <a:endParaRPr lang="de-DE" sz="3600" b="1" dirty="0">
+                      <a:solidFill>
+                        <a:schemeClr val="bg1"/>
+                      </a:solidFill>
+                    </a:endParaRPr>
+                  </a:p>
+                </p:txBody>
+              </p:sp>
+            </p:grpSp>
+            <p:grpSp>
+              <p:nvGrpSpPr>
+                <p:cNvPr id="88" name="Group 11"/>
+                <p:cNvGrpSpPr/>
+                <p:nvPr/>
+              </p:nvGrpSpPr>
+              <p:grpSpPr>
+                <a:xfrm>
+                  <a:off x="1019175" y="5568075"/>
+                  <a:ext cx="3105150" cy="885824"/>
+                  <a:chOff x="6448425" y="4351806"/>
+                  <a:chExt cx="2628900" cy="1409700"/>
+                </a:xfrm>
+              </p:grpSpPr>
+              <p:sp>
+                <p:nvSpPr>
+                  <p:cNvPr id="95" name="Rectangle 15"/>
+                  <p:cNvSpPr/>
+                  <p:nvPr/>
+                </p:nvSpPr>
+                <p:spPr>
+                  <a:xfrm>
+                    <a:off x="6448425" y="4351806"/>
+                    <a:ext cx="2628900" cy="1409700"/>
+                  </a:xfrm>
+                  <a:prstGeom prst="rect">
+                    <a:avLst/>
+                  </a:prstGeom>
+                  <a:solidFill>
+                    <a:schemeClr val="bg2">
+                      <a:lumMod val="50000"/>
+                    </a:schemeClr>
+                  </a:solidFill>
+                  <a:ln w="114300">
+                    <a:solidFill>
+                      <a:schemeClr val="bg2">
+                        <a:lumMod val="25000"/>
+                      </a:schemeClr>
+                    </a:solidFill>
+                  </a:ln>
+                </p:spPr>
+                <p:style>
+                  <a:lnRef idx="2">
+                    <a:schemeClr val="accent1">
+                      <a:shade val="50000"/>
+                    </a:schemeClr>
+                  </a:lnRef>
+                  <a:fillRef idx="1">
+                    <a:schemeClr val="accent1"/>
+                  </a:fillRef>
+                  <a:effectRef idx="0">
+                    <a:schemeClr val="accent1"/>
+                  </a:effectRef>
+                  <a:fontRef idx="minor">
+                    <a:schemeClr val="lt1"/>
+                  </a:fontRef>
+                </p:style>
+                <p:txBody>
+                  <a:bodyPr rtlCol="0" anchor="ctr"/>
+                  <a:lstStyle/>
+                  <a:p>
+                    <a:pPr algn="ctr"/>
+                    <a:endParaRPr lang="de-DE"/>
+                  </a:p>
+                </p:txBody>
+              </p:sp>
+              <p:sp>
+                <p:nvSpPr>
+                  <p:cNvPr id="96" name="TextBox 16"/>
+                  <p:cNvSpPr txBox="1"/>
+                  <p:nvPr/>
+                </p:nvSpPr>
+                <p:spPr>
+                  <a:xfrm>
+                    <a:off x="6496809" y="4537491"/>
+                    <a:ext cx="2524067" cy="1028571"/>
+                  </a:xfrm>
+                  <a:prstGeom prst="rect">
+                    <a:avLst/>
+                  </a:prstGeom>
+                  <a:noFill/>
+                </p:spPr>
+                <p:txBody>
+                  <a:bodyPr wrap="square" rtlCol="0">
+                    <a:spAutoFit/>
+                  </a:bodyPr>
+                  <a:lstStyle/>
+                  <a:p>
+                    <a:pPr algn="ctr"/>
+                    <a:r>
+                      <a:rPr lang="en-US" sz="3600" b="1" dirty="0">
+                        <a:solidFill>
+                          <a:schemeClr val="bg2">
+                            <a:lumMod val="75000"/>
+                          </a:schemeClr>
+                        </a:solidFill>
+                      </a:rPr>
+                      <a:t>OS Kernel</a:t>
+                    </a:r>
+                    <a:endParaRPr lang="de-DE" sz="3600" b="1" dirty="0">
+                      <a:solidFill>
+                        <a:schemeClr val="bg2">
+                          <a:lumMod val="75000"/>
+                        </a:schemeClr>
+                      </a:solidFill>
+                    </a:endParaRPr>
+                  </a:p>
+                </p:txBody>
+              </p:sp>
+            </p:grpSp>
+            <p:grpSp>
+              <p:nvGrpSpPr>
+                <p:cNvPr id="89" name="Group 17"/>
+                <p:cNvGrpSpPr/>
+                <p:nvPr/>
+              </p:nvGrpSpPr>
+              <p:grpSpPr>
+                <a:xfrm>
+                  <a:off x="1019175" y="4510800"/>
+                  <a:ext cx="3105150" cy="885824"/>
+                  <a:chOff x="6448425" y="4351806"/>
+                  <a:chExt cx="2628900" cy="1409700"/>
+                </a:xfrm>
+              </p:grpSpPr>
+              <p:sp>
+                <p:nvSpPr>
+                  <p:cNvPr id="93" name="Rectangle 18"/>
+                  <p:cNvSpPr/>
+                  <p:nvPr/>
+                </p:nvSpPr>
+                <p:spPr>
+                  <a:xfrm>
+                    <a:off x="6448425" y="4351806"/>
+                    <a:ext cx="2628900" cy="1409700"/>
+                  </a:xfrm>
+                  <a:prstGeom prst="rect">
+                    <a:avLst/>
+                  </a:prstGeom>
+                  <a:solidFill>
+                    <a:schemeClr val="bg2">
+                      <a:lumMod val="50000"/>
+                    </a:schemeClr>
+                  </a:solidFill>
+                  <a:ln w="114300">
+                    <a:solidFill>
+                      <a:schemeClr val="bg2">
+                        <a:lumMod val="25000"/>
+                      </a:schemeClr>
+                    </a:solidFill>
+                  </a:ln>
+                </p:spPr>
+                <p:style>
+                  <a:lnRef idx="2">
+                    <a:schemeClr val="accent1">
+                      <a:shade val="50000"/>
+                    </a:schemeClr>
+                  </a:lnRef>
+                  <a:fillRef idx="1">
+                    <a:schemeClr val="accent1"/>
+                  </a:fillRef>
+                  <a:effectRef idx="0">
+                    <a:schemeClr val="accent1"/>
+                  </a:effectRef>
+                  <a:fontRef idx="minor">
+                    <a:schemeClr val="lt1"/>
+                  </a:fontRef>
+                </p:style>
+                <p:txBody>
+                  <a:bodyPr rtlCol="0" anchor="ctr"/>
+                  <a:lstStyle/>
+                  <a:p>
+                    <a:pPr algn="ctr"/>
+                    <a:endParaRPr lang="de-DE"/>
+                  </a:p>
+                </p:txBody>
+              </p:sp>
+              <p:sp>
+                <p:nvSpPr>
+                  <p:cNvPr id="94" name="TextBox 19"/>
+                  <p:cNvSpPr txBox="1"/>
+                  <p:nvPr/>
+                </p:nvSpPr>
+                <p:spPr>
+                  <a:xfrm>
+                    <a:off x="6496809" y="4537491"/>
+                    <a:ext cx="2524067" cy="1028571"/>
+                  </a:xfrm>
+                  <a:prstGeom prst="rect">
+                    <a:avLst/>
+                  </a:prstGeom>
+                  <a:noFill/>
+                </p:spPr>
+                <p:txBody>
+                  <a:bodyPr wrap="square" rtlCol="0">
+                    <a:spAutoFit/>
+                  </a:bodyPr>
+                  <a:lstStyle/>
+                  <a:p>
+                    <a:pPr algn="ctr"/>
+                    <a:r>
+                      <a:rPr lang="en-US" sz="3600" b="1" dirty="0">
+                        <a:solidFill>
+                          <a:schemeClr val="bg2">
+                            <a:lumMod val="75000"/>
+                          </a:schemeClr>
+                        </a:solidFill>
+                      </a:rPr>
+                      <a:t>Libraries</a:t>
+                    </a:r>
+                    <a:endParaRPr lang="de-DE" sz="3600" b="1" dirty="0">
+                      <a:solidFill>
+                        <a:schemeClr val="bg2">
+                          <a:lumMod val="75000"/>
+                        </a:schemeClr>
+                      </a:solidFill>
+                    </a:endParaRPr>
+                  </a:p>
+                </p:txBody>
+              </p:sp>
+            </p:grpSp>
+            <p:grpSp>
+              <p:nvGrpSpPr>
+                <p:cNvPr id="90" name="Group 20"/>
+                <p:cNvGrpSpPr/>
+                <p:nvPr/>
+              </p:nvGrpSpPr>
+              <p:grpSpPr>
+                <a:xfrm>
+                  <a:off x="1019175" y="3444000"/>
+                  <a:ext cx="3105150" cy="885824"/>
+                  <a:chOff x="6448425" y="4351806"/>
+                  <a:chExt cx="2628900" cy="1409700"/>
+                </a:xfrm>
+              </p:grpSpPr>
+              <p:sp>
+                <p:nvSpPr>
+                  <p:cNvPr id="91" name="Rectangle 21"/>
+                  <p:cNvSpPr/>
+                  <p:nvPr/>
+                </p:nvSpPr>
+                <p:spPr>
+                  <a:xfrm>
+                    <a:off x="6448425" y="4351806"/>
+                    <a:ext cx="2628900" cy="1409700"/>
+                  </a:xfrm>
+                  <a:prstGeom prst="rect">
+                    <a:avLst/>
+                  </a:prstGeom>
+                  <a:solidFill>
+                    <a:schemeClr val="bg2">
+                      <a:lumMod val="50000"/>
+                    </a:schemeClr>
+                  </a:solidFill>
+                  <a:ln w="114300">
+                    <a:solidFill>
+                      <a:schemeClr val="bg2">
+                        <a:lumMod val="25000"/>
+                      </a:schemeClr>
+                    </a:solidFill>
+                  </a:ln>
+                </p:spPr>
+                <p:style>
+                  <a:lnRef idx="2">
+                    <a:schemeClr val="accent1">
+                      <a:shade val="50000"/>
+                    </a:schemeClr>
+                  </a:lnRef>
+                  <a:fillRef idx="1">
+                    <a:schemeClr val="accent1"/>
+                  </a:fillRef>
+                  <a:effectRef idx="0">
+                    <a:schemeClr val="accent1"/>
+                  </a:effectRef>
+                  <a:fontRef idx="minor">
+                    <a:schemeClr val="lt1"/>
+                  </a:fontRef>
+                </p:style>
+                <p:txBody>
+                  <a:bodyPr rtlCol="0" anchor="ctr"/>
+                  <a:lstStyle/>
+                  <a:p>
+                    <a:pPr algn="ctr"/>
+                    <a:endParaRPr lang="de-DE"/>
+                  </a:p>
+                </p:txBody>
+              </p:sp>
+              <p:sp>
+                <p:nvSpPr>
+                  <p:cNvPr id="92" name="TextBox 22"/>
+                  <p:cNvSpPr txBox="1"/>
+                  <p:nvPr/>
+                </p:nvSpPr>
+                <p:spPr>
+                  <a:xfrm>
+                    <a:off x="6496809" y="4537491"/>
+                    <a:ext cx="2524067" cy="1028571"/>
+                  </a:xfrm>
+                  <a:prstGeom prst="rect">
+                    <a:avLst/>
+                  </a:prstGeom>
+                  <a:noFill/>
+                </p:spPr>
+                <p:txBody>
+                  <a:bodyPr wrap="square" rtlCol="0">
+                    <a:spAutoFit/>
+                  </a:bodyPr>
+                  <a:lstStyle/>
+                  <a:p>
+                    <a:pPr algn="ctr"/>
+                    <a:r>
+                      <a:rPr lang="en-US" sz="3600" b="1" dirty="0" smtClean="0">
+                        <a:solidFill>
+                          <a:schemeClr val="bg2">
+                            <a:lumMod val="75000"/>
+                          </a:schemeClr>
+                        </a:solidFill>
+                      </a:rPr>
+                      <a:t>JVM</a:t>
+                    </a:r>
+                    <a:endParaRPr lang="de-DE" sz="3600" b="1" dirty="0">
+                      <a:solidFill>
+                        <a:schemeClr val="bg2">
+                          <a:lumMod val="75000"/>
+                        </a:schemeClr>
+                      </a:solidFill>
+                    </a:endParaRPr>
+                  </a:p>
+                </p:txBody>
+              </p:sp>
+            </p:grpSp>
+          </p:grpSp>
+        </p:grpSp>
+        <p:sp>
+          <p:nvSpPr>
+            <p:cNvPr id="74" name="TextBox 24"/>
+            <p:cNvSpPr txBox="1"/>
+            <p:nvPr/>
+          </p:nvSpPr>
+          <p:spPr>
+            <a:xfrm>
+              <a:off x="57150" y="-755957"/>
+              <a:ext cx="3790954" cy="830997"/>
+            </a:xfrm>
+            <a:prstGeom prst="rect">
+              <a:avLst/>
+            </a:prstGeom>
+            <a:noFill/>
+          </p:spPr>
+          <p:txBody>
+            <a:bodyPr wrap="square" rtlCol="0">
+              <a:spAutoFit/>
+            </a:bodyPr>
+            <a:lstStyle/>
+            <a:p>
+              <a:pPr algn="ctr"/>
+              <a:r>
+                <a:rPr lang="en-US" sz="4800" b="1" dirty="0" smtClean="0">
+                  <a:solidFill>
+                    <a:schemeClr val="bg1">
+                      <a:lumMod val="50000"/>
+                    </a:schemeClr>
+                  </a:solidFill>
+                </a:rPr>
+                <a:t>Spring Boot</a:t>
+              </a:r>
+              <a:endParaRPr lang="de-DE" sz="4800" b="1" dirty="0">
+                <a:solidFill>
+                  <a:schemeClr val="bg1">
+                    <a:lumMod val="50000"/>
+                  </a:schemeClr>
+                </a:solidFill>
+              </a:endParaRPr>
+            </a:p>
+          </p:txBody>
+        </p:sp>
+      </p:grpSp>
+      <p:cxnSp>
+        <p:nvCxnSpPr>
+          <p:cNvPr id="75" name="Straight Arrow Connector 74"/>
+          <p:cNvCxnSpPr/>
+          <p:nvPr/>
+        </p:nvCxnSpPr>
+        <p:spPr>
+          <a:xfrm>
+            <a:off x="3970421" y="2001703"/>
+            <a:ext cx="1383632" cy="0"/>
+          </a:xfrm>
+          <a:prstGeom prst="straightConnector1">
+            <a:avLst/>
+          </a:prstGeom>
+          <a:ln w="228600">
+            <a:solidFill>
+              <a:schemeClr val="accent5">
+                <a:lumMod val="75000"/>
+              </a:schemeClr>
+            </a:solidFill>
+            <a:tailEnd type="triangle"/>
+          </a:ln>
+        </p:spPr>
+        <p:style>
+          <a:lnRef idx="1">
+            <a:schemeClr val="accent1"/>
+          </a:lnRef>
+          <a:fillRef idx="0">
+            <a:schemeClr val="accent1"/>
+          </a:fillRef>
+          <a:effectRef idx="0">
+            <a:schemeClr val="accent1"/>
+          </a:effectRef>
+          <a:fontRef idx="minor">
+            <a:schemeClr val="tx1"/>
+          </a:fontRef>
+        </p:style>
+      </p:cxnSp>
+      <p:grpSp>
+        <p:nvGrpSpPr>
+          <p:cNvPr id="101" name="Group 26"/>
+          <p:cNvGrpSpPr/>
+          <p:nvPr/>
+        </p:nvGrpSpPr>
+        <p:grpSpPr>
+          <a:xfrm>
+            <a:off x="10843512" y="212283"/>
+            <a:ext cx="3790954" cy="7019356"/>
+            <a:chOff x="57150" y="-755957"/>
+            <a:chExt cx="3790954" cy="7019356"/>
+          </a:xfrm>
+        </p:grpSpPr>
+        <p:grpSp>
+          <p:nvGrpSpPr>
+            <p:cNvPr id="102" name="Group 5"/>
+            <p:cNvGrpSpPr/>
+            <p:nvPr/>
+          </p:nvGrpSpPr>
+          <p:grpSpPr>
+            <a:xfrm>
+              <a:off x="114300" y="95249"/>
+              <a:ext cx="3676650" cy="6168150"/>
+              <a:chOff x="733425" y="285749"/>
+              <a:chExt cx="3676650" cy="6168150"/>
+            </a:xfrm>
+          </p:grpSpPr>
+          <p:sp>
+            <p:nvSpPr>
+              <p:cNvPr id="104" name="Rounded Rectangle 4"/>
+              <p:cNvSpPr/>
+              <p:nvPr/>
+            </p:nvSpPr>
+            <p:spPr>
+              <a:xfrm>
+                <a:off x="733425" y="285749"/>
+                <a:ext cx="3676650" cy="6168150"/>
+              </a:xfrm>
+              <a:prstGeom prst="roundRect">
+                <a:avLst>
+                  <a:gd name="adj" fmla="val 9672"/>
+                </a:avLst>
+              </a:prstGeom>
+              <a:solidFill>
+                <a:schemeClr val="bg2">
+                  <a:lumMod val="90000"/>
+                </a:schemeClr>
+              </a:solidFill>
+              <a:ln w="114300">
+                <a:solidFill>
+                  <a:schemeClr val="bg1">
+                    <a:lumMod val="50000"/>
+                  </a:schemeClr>
+                </a:solidFill>
+              </a:ln>
+            </p:spPr>
+            <p:style>
+              <a:lnRef idx="2">
+                <a:schemeClr val="accent1">
+                  <a:shade val="50000"/>
+                </a:schemeClr>
+              </a:lnRef>
+              <a:fillRef idx="1">
+                <a:schemeClr val="accent1"/>
+              </a:fillRef>
+              <a:effectRef idx="0">
+                <a:schemeClr val="accent1"/>
+              </a:effectRef>
+              <a:fontRef idx="minor">
+                <a:schemeClr val="lt1"/>
+              </a:fontRef>
+            </p:style>
+            <p:txBody>
+              <a:bodyPr rtlCol="0" anchor="ctr"/>
+              <a:lstStyle/>
+              <a:p>
+                <a:pPr algn="ctr"/>
+                <a:endParaRPr lang="de-DE"/>
+              </a:p>
+            </p:txBody>
+          </p:sp>
+          <p:grpSp>
+            <p:nvGrpSpPr>
+              <p:cNvPr id="105" name="Group 3"/>
+              <p:cNvGrpSpPr/>
+              <p:nvPr/>
+            </p:nvGrpSpPr>
+            <p:grpSpPr>
+              <a:xfrm>
+                <a:off x="1019175" y="504826"/>
+                <a:ext cx="3105150" cy="5720728"/>
+                <a:chOff x="1019175" y="504826"/>
+                <a:chExt cx="3105150" cy="5720728"/>
+              </a:xfrm>
+            </p:grpSpPr>
+            <p:grpSp>
+              <p:nvGrpSpPr>
+                <p:cNvPr id="106" name="Group 14"/>
+                <p:cNvGrpSpPr/>
+                <p:nvPr/>
+              </p:nvGrpSpPr>
+              <p:grpSpPr>
+                <a:xfrm>
+                  <a:off x="1019175" y="504826"/>
+                  <a:ext cx="3105150" cy="1409700"/>
+                  <a:chOff x="6448425" y="3933826"/>
+                  <a:chExt cx="2628900" cy="1409700"/>
+                </a:xfrm>
+              </p:grpSpPr>
+              <p:sp>
+                <p:nvSpPr>
+                  <p:cNvPr id="119" name="Rounded Rectangle 13"/>
+                  <p:cNvSpPr/>
+                  <p:nvPr/>
+                </p:nvSpPr>
+                <p:spPr>
+                  <a:xfrm>
+                    <a:off x="6448425" y="3933826"/>
+                    <a:ext cx="2628900" cy="1409700"/>
+                  </a:xfrm>
+                  <a:prstGeom prst="rect">
+                    <a:avLst/>
+                  </a:prstGeom>
+                  <a:solidFill>
+                    <a:schemeClr val="accent6">
+                      <a:lumMod val="75000"/>
+                    </a:schemeClr>
+                  </a:solidFill>
+                  <a:ln w="114300">
+                    <a:solidFill>
+                      <a:schemeClr val="accent6">
+                        <a:lumMod val="50000"/>
+                      </a:schemeClr>
+                    </a:solidFill>
+                  </a:ln>
+                </p:spPr>
+                <p:style>
+                  <a:lnRef idx="2">
+                    <a:schemeClr val="accent1">
+                      <a:shade val="50000"/>
+                    </a:schemeClr>
+                  </a:lnRef>
+                  <a:fillRef idx="1">
+                    <a:schemeClr val="accent1"/>
+                  </a:fillRef>
+                  <a:effectRef idx="0">
+                    <a:schemeClr val="accent1"/>
+                  </a:effectRef>
+                  <a:fontRef idx="minor">
+                    <a:schemeClr val="lt1"/>
+                  </a:fontRef>
+                </p:style>
+                <p:txBody>
+                  <a:bodyPr rtlCol="0" anchor="ctr"/>
+                  <a:lstStyle/>
+                  <a:p>
+                    <a:pPr algn="ctr"/>
+                    <a:endParaRPr lang="de-DE"/>
+                  </a:p>
+                </p:txBody>
+              </p:sp>
+              <p:sp>
+                <p:nvSpPr>
+                  <p:cNvPr id="120" name="TextBox 12"/>
+                  <p:cNvSpPr txBox="1"/>
+                  <p:nvPr/>
+                </p:nvSpPr>
+                <p:spPr>
+                  <a:xfrm>
+                    <a:off x="7077075" y="4286250"/>
+                    <a:ext cx="1333500" cy="646331"/>
+                  </a:xfrm>
+                  <a:prstGeom prst="rect">
+                    <a:avLst/>
+                  </a:prstGeom>
+                  <a:noFill/>
+                </p:spPr>
+                <p:txBody>
+                  <a:bodyPr wrap="square" rtlCol="0">
+                    <a:spAutoFit/>
+                  </a:bodyPr>
+                  <a:lstStyle/>
+                  <a:p>
+                    <a:pPr algn="ctr"/>
+                    <a:r>
+                      <a:rPr lang="en-US" sz="3600" b="1" dirty="0">
+                        <a:solidFill>
+                          <a:schemeClr val="bg1"/>
+                        </a:solidFill>
+                      </a:rPr>
+                      <a:t>App</a:t>
+                    </a:r>
+                    <a:endParaRPr lang="de-DE" sz="3600" b="1" dirty="0">
+                      <a:solidFill>
+                        <a:schemeClr val="bg1"/>
+                      </a:solidFill>
+                    </a:endParaRPr>
+                  </a:p>
+                </p:txBody>
+              </p:sp>
+            </p:grpSp>
+            <p:grpSp>
+              <p:nvGrpSpPr>
+                <p:cNvPr id="107" name="Group 6"/>
+                <p:cNvGrpSpPr/>
+                <p:nvPr/>
+              </p:nvGrpSpPr>
+              <p:grpSpPr>
+                <a:xfrm>
+                  <a:off x="1019175" y="2153260"/>
+                  <a:ext cx="3105150" cy="885824"/>
+                  <a:chOff x="6448425" y="3980269"/>
+                  <a:chExt cx="2628900" cy="1409700"/>
+                </a:xfrm>
+              </p:grpSpPr>
+              <p:sp>
+                <p:nvSpPr>
+                  <p:cNvPr id="117" name="Rectangle 8"/>
+                  <p:cNvSpPr/>
+                  <p:nvPr/>
+                </p:nvSpPr>
+                <p:spPr>
+                  <a:xfrm>
+                    <a:off x="6448425" y="3980269"/>
+                    <a:ext cx="2628900" cy="1409700"/>
+                  </a:xfrm>
+                  <a:prstGeom prst="rect">
+                    <a:avLst/>
+                  </a:prstGeom>
+                  <a:solidFill>
+                    <a:schemeClr val="accent4">
+                      <a:lumMod val="75000"/>
+                    </a:schemeClr>
+                  </a:solidFill>
+                  <a:ln w="114300">
+                    <a:solidFill>
+                      <a:schemeClr val="accent4">
+                        <a:lumMod val="50000"/>
+                      </a:schemeClr>
+                    </a:solidFill>
+                  </a:ln>
+                </p:spPr>
+                <p:style>
+                  <a:lnRef idx="2">
+                    <a:schemeClr val="accent1">
+                      <a:shade val="50000"/>
+                    </a:schemeClr>
+                  </a:lnRef>
+                  <a:fillRef idx="1">
+                    <a:schemeClr val="accent1"/>
+                  </a:fillRef>
+                  <a:effectRef idx="0">
+                    <a:schemeClr val="accent1"/>
+                  </a:effectRef>
+                  <a:fontRef idx="minor">
+                    <a:schemeClr val="lt1"/>
+                  </a:fontRef>
+                </p:style>
+                <p:txBody>
+                  <a:bodyPr rtlCol="0" anchor="ctr"/>
+                  <a:lstStyle/>
+                  <a:p>
+                    <a:pPr algn="ctr"/>
+                    <a:endParaRPr lang="de-DE"/>
+                  </a:p>
+                </p:txBody>
+              </p:sp>
+              <p:sp>
+                <p:nvSpPr>
+                  <p:cNvPr id="118" name="TextBox 10"/>
+                  <p:cNvSpPr txBox="1"/>
+                  <p:nvPr/>
+                </p:nvSpPr>
+                <p:spPr>
+                  <a:xfrm>
+                    <a:off x="6496809" y="4165955"/>
+                    <a:ext cx="2524067" cy="1028571"/>
+                  </a:xfrm>
+                  <a:prstGeom prst="rect">
+                    <a:avLst/>
+                  </a:prstGeom>
+                  <a:noFill/>
+                </p:spPr>
+                <p:txBody>
+                  <a:bodyPr wrap="square" rtlCol="0">
+                    <a:spAutoFit/>
+                  </a:bodyPr>
+                  <a:lstStyle/>
+                  <a:p>
+                    <a:pPr algn="ctr"/>
+                    <a:r>
+                      <a:rPr lang="en-US" sz="3600" b="1" dirty="0">
+                        <a:solidFill>
+                          <a:schemeClr val="bg1"/>
+                        </a:solidFill>
+                      </a:rPr>
+                      <a:t>App Server</a:t>
+                    </a:r>
+                    <a:endParaRPr lang="de-DE" sz="3600" b="1" dirty="0">
+                      <a:solidFill>
+                        <a:schemeClr val="bg1"/>
+                      </a:solidFill>
+                    </a:endParaRPr>
+                  </a:p>
+                </p:txBody>
+              </p:sp>
+            </p:grpSp>
+            <p:grpSp>
+              <p:nvGrpSpPr>
+                <p:cNvPr id="108" name="Group 11"/>
+                <p:cNvGrpSpPr/>
+                <p:nvPr/>
+              </p:nvGrpSpPr>
+              <p:grpSpPr>
+                <a:xfrm>
+                  <a:off x="1019175" y="5339730"/>
+                  <a:ext cx="3105150" cy="885824"/>
+                  <a:chOff x="6448425" y="3988416"/>
+                  <a:chExt cx="2628900" cy="1409700"/>
+                </a:xfrm>
+              </p:grpSpPr>
+              <p:sp>
+                <p:nvSpPr>
+                  <p:cNvPr id="115" name="Rectangle 15"/>
+                  <p:cNvSpPr/>
+                  <p:nvPr/>
+                </p:nvSpPr>
+                <p:spPr>
+                  <a:xfrm>
+                    <a:off x="6448425" y="3988416"/>
+                    <a:ext cx="2628900" cy="1409700"/>
+                  </a:xfrm>
+                  <a:prstGeom prst="rect">
+                    <a:avLst/>
+                  </a:prstGeom>
+                  <a:solidFill>
+                    <a:schemeClr val="accent1">
+                      <a:lumMod val="75000"/>
+                    </a:schemeClr>
+                  </a:solidFill>
+                  <a:ln w="114300">
+                    <a:solidFill>
+                      <a:schemeClr val="accent1">
+                        <a:lumMod val="50000"/>
+                      </a:schemeClr>
+                    </a:solidFill>
+                  </a:ln>
+                </p:spPr>
+                <p:style>
+                  <a:lnRef idx="2">
+                    <a:schemeClr val="accent1">
+                      <a:shade val="50000"/>
+                    </a:schemeClr>
+                  </a:lnRef>
+                  <a:fillRef idx="1">
+                    <a:schemeClr val="accent1"/>
+                  </a:fillRef>
+                  <a:effectRef idx="0">
+                    <a:schemeClr val="accent1"/>
+                  </a:effectRef>
+                  <a:fontRef idx="minor">
+                    <a:schemeClr val="lt1"/>
+                  </a:fontRef>
+                </p:style>
+                <p:txBody>
+                  <a:bodyPr rtlCol="0" anchor="ctr"/>
+                  <a:lstStyle/>
+                  <a:p>
+                    <a:pPr algn="ctr"/>
+                    <a:endParaRPr lang="de-DE">
+                      <a:solidFill>
+                        <a:schemeClr val="bg1"/>
+                      </a:solidFill>
+                    </a:endParaRPr>
+                  </a:p>
+                </p:txBody>
+              </p:sp>
+              <p:sp>
+                <p:nvSpPr>
+                  <p:cNvPr id="116" name="TextBox 16"/>
+                  <p:cNvSpPr txBox="1"/>
+                  <p:nvPr/>
+                </p:nvSpPr>
+                <p:spPr>
+                  <a:xfrm>
+                    <a:off x="6496809" y="4174102"/>
+                    <a:ext cx="2524067" cy="1028571"/>
+                  </a:xfrm>
+                  <a:prstGeom prst="rect">
+                    <a:avLst/>
+                  </a:prstGeom>
+                  <a:noFill/>
+                </p:spPr>
+                <p:txBody>
+                  <a:bodyPr wrap="square" rtlCol="0">
+                    <a:spAutoFit/>
+                  </a:bodyPr>
+                  <a:lstStyle/>
+                  <a:p>
+                    <a:pPr algn="ctr"/>
+                    <a:r>
+                      <a:rPr lang="en-US" sz="3600" b="1" dirty="0">
+                        <a:solidFill>
+                          <a:schemeClr val="bg1"/>
+                        </a:solidFill>
+                      </a:rPr>
+                      <a:t>OS Kernel</a:t>
+                    </a:r>
+                    <a:endParaRPr lang="de-DE" sz="3600" b="1" dirty="0">
+                      <a:solidFill>
+                        <a:schemeClr val="bg1"/>
+                      </a:solidFill>
+                    </a:endParaRPr>
+                  </a:p>
+                </p:txBody>
+              </p:sp>
+            </p:grpSp>
+            <p:grpSp>
+              <p:nvGrpSpPr>
+                <p:cNvPr id="109" name="Group 17"/>
+                <p:cNvGrpSpPr/>
+                <p:nvPr/>
+              </p:nvGrpSpPr>
+              <p:grpSpPr>
+                <a:xfrm>
+                  <a:off x="1019175" y="4282455"/>
+                  <a:ext cx="3105150" cy="885824"/>
+                  <a:chOff x="6448425" y="3988416"/>
+                  <a:chExt cx="2628900" cy="1409700"/>
+                </a:xfrm>
+              </p:grpSpPr>
+              <p:sp>
+                <p:nvSpPr>
+                  <p:cNvPr id="113" name="Rectangle 18"/>
+                  <p:cNvSpPr/>
+                  <p:nvPr/>
+                </p:nvSpPr>
+                <p:spPr>
+                  <a:xfrm>
+                    <a:off x="6448425" y="3988416"/>
+                    <a:ext cx="2628900" cy="1409700"/>
+                  </a:xfrm>
+                  <a:prstGeom prst="rect">
+                    <a:avLst/>
+                  </a:prstGeom>
+                  <a:solidFill>
+                    <a:schemeClr val="accent1">
+                      <a:lumMod val="75000"/>
+                    </a:schemeClr>
+                  </a:solidFill>
+                  <a:ln w="114300">
+                    <a:solidFill>
+                      <a:schemeClr val="accent1">
+                        <a:lumMod val="50000"/>
+                      </a:schemeClr>
+                    </a:solidFill>
+                  </a:ln>
+                </p:spPr>
+                <p:style>
+                  <a:lnRef idx="2">
+                    <a:schemeClr val="accent1">
+                      <a:shade val="50000"/>
+                    </a:schemeClr>
+                  </a:lnRef>
+                  <a:fillRef idx="1">
+                    <a:schemeClr val="accent1"/>
+                  </a:fillRef>
+                  <a:effectRef idx="0">
+                    <a:schemeClr val="accent1"/>
+                  </a:effectRef>
+                  <a:fontRef idx="minor">
+                    <a:schemeClr val="lt1"/>
+                  </a:fontRef>
+                </p:style>
+                <p:txBody>
+                  <a:bodyPr rtlCol="0" anchor="ctr"/>
+                  <a:lstStyle/>
+                  <a:p>
+                    <a:pPr algn="ctr"/>
+                    <a:endParaRPr lang="de-DE">
+                      <a:solidFill>
+                        <a:schemeClr val="bg1"/>
+                      </a:solidFill>
+                    </a:endParaRPr>
+                  </a:p>
+                </p:txBody>
+              </p:sp>
+              <p:sp>
+                <p:nvSpPr>
+                  <p:cNvPr id="114" name="TextBox 19"/>
+                  <p:cNvSpPr txBox="1"/>
+                  <p:nvPr/>
+                </p:nvSpPr>
+                <p:spPr>
+                  <a:xfrm>
+                    <a:off x="6496809" y="4174102"/>
+                    <a:ext cx="2524067" cy="1028571"/>
+                  </a:xfrm>
+                  <a:prstGeom prst="rect">
+                    <a:avLst/>
+                  </a:prstGeom>
+                  <a:noFill/>
+                </p:spPr>
+                <p:txBody>
+                  <a:bodyPr wrap="square" rtlCol="0">
+                    <a:spAutoFit/>
+                  </a:bodyPr>
+                  <a:lstStyle/>
+                  <a:p>
+                    <a:pPr algn="ctr"/>
+                    <a:r>
+                      <a:rPr lang="en-US" sz="3600" b="1" dirty="0">
+                        <a:solidFill>
+                          <a:schemeClr val="bg1"/>
+                        </a:solidFill>
+                      </a:rPr>
+                      <a:t>Libraries</a:t>
+                    </a:r>
+                    <a:endParaRPr lang="de-DE" sz="3600" b="1" dirty="0">
+                      <a:solidFill>
+                        <a:schemeClr val="bg1"/>
+                      </a:solidFill>
+                    </a:endParaRPr>
+                  </a:p>
+                </p:txBody>
+              </p:sp>
+            </p:grpSp>
+            <p:grpSp>
+              <p:nvGrpSpPr>
+                <p:cNvPr id="110" name="Group 20"/>
+                <p:cNvGrpSpPr/>
+                <p:nvPr/>
+              </p:nvGrpSpPr>
+              <p:grpSpPr>
+                <a:xfrm>
+                  <a:off x="1019175" y="3215655"/>
+                  <a:ext cx="3105150" cy="885824"/>
+                  <a:chOff x="6448425" y="3988416"/>
+                  <a:chExt cx="2628900" cy="1409700"/>
+                </a:xfrm>
+              </p:grpSpPr>
+              <p:sp>
+                <p:nvSpPr>
+                  <p:cNvPr id="111" name="Rectangle 21"/>
+                  <p:cNvSpPr/>
+                  <p:nvPr/>
+                </p:nvSpPr>
+                <p:spPr>
+                  <a:xfrm>
+                    <a:off x="6448425" y="3988416"/>
+                    <a:ext cx="2628900" cy="1409700"/>
+                  </a:xfrm>
+                  <a:prstGeom prst="rect">
+                    <a:avLst/>
+                  </a:prstGeom>
+                  <a:solidFill>
+                    <a:schemeClr val="accent1">
+                      <a:lumMod val="75000"/>
+                    </a:schemeClr>
+                  </a:solidFill>
+                  <a:ln w="114300">
+                    <a:solidFill>
+                      <a:schemeClr val="accent1">
+                        <a:lumMod val="50000"/>
+                      </a:schemeClr>
+                    </a:solidFill>
+                  </a:ln>
+                </p:spPr>
+                <p:style>
+                  <a:lnRef idx="2">
+                    <a:schemeClr val="accent1">
+                      <a:shade val="50000"/>
+                    </a:schemeClr>
+                  </a:lnRef>
+                  <a:fillRef idx="1">
+                    <a:schemeClr val="accent1"/>
+                  </a:fillRef>
+                  <a:effectRef idx="0">
+                    <a:schemeClr val="accent1"/>
+                  </a:effectRef>
+                  <a:fontRef idx="minor">
+                    <a:schemeClr val="lt1"/>
+                  </a:fontRef>
+                </p:style>
+                <p:txBody>
+                  <a:bodyPr rtlCol="0" anchor="ctr"/>
+                  <a:lstStyle/>
+                  <a:p>
+                    <a:pPr algn="ctr"/>
+                    <a:endParaRPr lang="de-DE">
+                      <a:solidFill>
+                        <a:schemeClr val="bg1"/>
+                      </a:solidFill>
+                    </a:endParaRPr>
+                  </a:p>
+                </p:txBody>
+              </p:sp>
+              <p:sp>
+                <p:nvSpPr>
+                  <p:cNvPr id="112" name="TextBox 22"/>
+                  <p:cNvSpPr txBox="1"/>
+                  <p:nvPr/>
+                </p:nvSpPr>
+                <p:spPr>
+                  <a:xfrm>
+                    <a:off x="6496809" y="4174101"/>
+                    <a:ext cx="2524067" cy="1028571"/>
+                  </a:xfrm>
+                  <a:prstGeom prst="rect">
+                    <a:avLst/>
+                  </a:prstGeom>
+                  <a:noFill/>
+                </p:spPr>
+                <p:txBody>
+                  <a:bodyPr wrap="square" rtlCol="0">
+                    <a:spAutoFit/>
+                  </a:bodyPr>
+                  <a:lstStyle/>
+                  <a:p>
+                    <a:pPr algn="ctr"/>
+                    <a:r>
+                      <a:rPr lang="en-US" sz="3600" b="1" dirty="0" smtClean="0">
+                        <a:solidFill>
+                          <a:schemeClr val="bg1"/>
+                        </a:solidFill>
+                      </a:rPr>
+                      <a:t>JVM</a:t>
+                    </a:r>
+                    <a:endParaRPr lang="de-DE" sz="3600" b="1" dirty="0">
+                      <a:solidFill>
+                        <a:schemeClr val="bg1"/>
+                      </a:solidFill>
+                    </a:endParaRPr>
+                  </a:p>
+                </p:txBody>
+              </p:sp>
+            </p:grpSp>
+          </p:grpSp>
+        </p:grpSp>
+        <p:sp>
+          <p:nvSpPr>
+            <p:cNvPr id="103" name="TextBox 24"/>
+            <p:cNvSpPr txBox="1"/>
+            <p:nvPr/>
+          </p:nvSpPr>
+          <p:spPr>
+            <a:xfrm>
+              <a:off x="57150" y="-755957"/>
+              <a:ext cx="3790954" cy="830997"/>
+            </a:xfrm>
+            <a:prstGeom prst="rect">
+              <a:avLst/>
+            </a:prstGeom>
+            <a:noFill/>
+          </p:spPr>
+          <p:txBody>
+            <a:bodyPr wrap="square" rtlCol="0">
+              <a:spAutoFit/>
+            </a:bodyPr>
+            <a:lstStyle/>
+            <a:p>
+              <a:pPr algn="ctr"/>
+              <a:r>
+                <a:rPr lang="en-US" sz="4800" b="1" dirty="0" smtClean="0">
+                  <a:solidFill>
+                    <a:schemeClr val="bg1">
+                      <a:lumMod val="50000"/>
+                    </a:schemeClr>
+                  </a:solidFill>
+                </a:rPr>
+                <a:t>Boxfuse</a:t>
+              </a:r>
+              <a:endParaRPr lang="de-DE" sz="4800" b="1" dirty="0">
+                <a:solidFill>
+                  <a:schemeClr val="bg1">
+                    <a:lumMod val="50000"/>
+                  </a:schemeClr>
+                </a:solidFill>
+              </a:endParaRPr>
+            </a:p>
+          </p:txBody>
+        </p:sp>
+      </p:grpSp>
+      <p:cxnSp>
+        <p:nvCxnSpPr>
+          <p:cNvPr id="121" name="Straight Arrow Connector 74"/>
+          <p:cNvCxnSpPr/>
+          <p:nvPr/>
+        </p:nvCxnSpPr>
+        <p:spPr>
+          <a:xfrm>
+            <a:off x="9348281" y="2001703"/>
+            <a:ext cx="1404000" cy="0"/>
+          </a:xfrm>
+          <a:prstGeom prst="straightConnector1">
+            <a:avLst/>
+          </a:prstGeom>
+          <a:ln w="228600">
+            <a:solidFill>
+              <a:schemeClr val="accent5">
+                <a:lumMod val="75000"/>
+              </a:schemeClr>
+            </a:solidFill>
+            <a:tailEnd type="triangle"/>
+          </a:ln>
+        </p:spPr>
+        <p:style>
+          <a:lnRef idx="1">
+            <a:schemeClr val="accent1"/>
+          </a:lnRef>
+          <a:fillRef idx="0">
+            <a:schemeClr val="accent1"/>
+          </a:fillRef>
+          <a:effectRef idx="0">
+            <a:schemeClr val="accent1"/>
+          </a:effectRef>
+          <a:fontRef idx="minor">
+            <a:schemeClr val="tx1"/>
+          </a:fontRef>
+        </p:style>
+      </p:cxnSp>
+    </p:spTree>
+    <p:extLst>
+      <p:ext uri="{BB962C8B-B14F-4D97-AF65-F5344CB8AC3E}">
+        <p14:creationId xmlns:p14="http://schemas.microsoft.com/office/powerpoint/2010/main" val="3771349959"/>
+      </p:ext>
+    </p:extLst>
+  </p:cSld>
+  <p:clrMapOvr>
+    <a:masterClrMapping/>
+  </p:clrMapOvr>
+</p:sld>
+</file>
+
+<file path=ppt/slides/slide5.xml><?xml version="1.0" encoding="utf-8"?>
+<p:sld xmlns:a="http://schemas.openxmlformats.org/drawingml/2006/main" xmlns:r="http://schemas.openxmlformats.org/officeDocument/2006/relationships" xmlns:p="http://schemas.openxmlformats.org/presentationml/2006/main">
+  <p:cSld>
+    <p:spTree>
+      <p:nvGrpSpPr>
+        <p:cNvPr id="1" name=""/>
+        <p:cNvGrpSpPr/>
+        <p:nvPr/>
+      </p:nvGrpSpPr>
+      <p:grpSpPr>
+        <a:xfrm>
+          <a:off x="0" y="0"/>
+          <a:ext cx="0" cy="0"/>
+          <a:chOff x="0" y="0"/>
+          <a:chExt cx="0" cy="0"/>
+        </a:xfrm>
+      </p:grpSpPr>
+      <p:grpSp>
+        <p:nvGrpSpPr>
           <p:cNvPr id="4" name="Group 3"/>
           <p:cNvGrpSpPr/>
           <p:nvPr/>
@@ -18026,7 +21176,7 @@
 </p:sld>
 </file>
 
-<file path=ppt/slides/slide5.xml><?xml version="1.0" encoding="utf-8"?>
+<file path=ppt/slides/slide6.xml><?xml version="1.0" encoding="utf-8"?>
 <p:sld xmlns:a="http://schemas.openxmlformats.org/drawingml/2006/main" xmlns:r="http://schemas.openxmlformats.org/officeDocument/2006/relationships" xmlns:p="http://schemas.openxmlformats.org/presentationml/2006/main">
   <p:cSld>
     <p:spTree>
@@ -18788,7 +21938,7 @@
 </p:sld>
 </file>
 
-<file path=ppt/slides/slide6.xml><?xml version="1.0" encoding="utf-8"?>
+<file path=ppt/slides/slide7.xml><?xml version="1.0" encoding="utf-8"?>
 <p:sld xmlns:a="http://schemas.openxmlformats.org/drawingml/2006/main" xmlns:r="http://schemas.openxmlformats.org/officeDocument/2006/relationships" xmlns:p="http://schemas.openxmlformats.org/presentationml/2006/main">
   <p:cSld>
     <p:spTree>
@@ -19462,7 +22612,7 @@
 </p:sld>
 </file>
 
-<file path=ppt/slides/slide7.xml><?xml version="1.0" encoding="utf-8"?>
+<file path=ppt/slides/slide8.xml><?xml version="1.0" encoding="utf-8"?>
 <p:sld xmlns:a="http://schemas.openxmlformats.org/drawingml/2006/main" xmlns:r="http://schemas.openxmlformats.org/officeDocument/2006/relationships" xmlns:p="http://schemas.openxmlformats.org/presentationml/2006/main">
   <p:cSld>
     <p:spTree>
@@ -19973,7 +23123,7 @@
 </p:sld>
 </file>
 
-<file path=ppt/slides/slide8.xml><?xml version="1.0" encoding="utf-8"?>
+<file path=ppt/slides/slide9.xml><?xml version="1.0" encoding="utf-8"?>
 <p:sld xmlns:a="http://schemas.openxmlformats.org/drawingml/2006/main" xmlns:r="http://schemas.openxmlformats.org/officeDocument/2006/relationships" xmlns:p="http://schemas.openxmlformats.org/presentationml/2006/main">
   <p:cSld>
     <p:spTree>
@@ -20351,372 +23501,6 @@
 </p:sld>
 </file>
 
-<file path=ppt/slides/slide9.xml><?xml version="1.0" encoding="utf-8"?>
-<p:sld xmlns:a="http://schemas.openxmlformats.org/drawingml/2006/main" xmlns:r="http://schemas.openxmlformats.org/officeDocument/2006/relationships" xmlns:p="http://schemas.openxmlformats.org/presentationml/2006/main">
-  <p:cSld>
-    <p:spTree>
-      <p:nvGrpSpPr>
-        <p:cNvPr id="1" name=""/>
-        <p:cNvGrpSpPr/>
-        <p:nvPr/>
-      </p:nvGrpSpPr>
-      <p:grpSpPr>
-        <a:xfrm>
-          <a:off x="0" y="0"/>
-          <a:ext cx="0" cy="0"/>
-          <a:chOff x="0" y="0"/>
-          <a:chExt cx="0" cy="0"/>
-        </a:xfrm>
-      </p:grpSpPr>
-      <p:grpSp>
-        <p:nvGrpSpPr>
-          <p:cNvPr id="25" name="Group 24"/>
-          <p:cNvGrpSpPr/>
-          <p:nvPr/>
-        </p:nvGrpSpPr>
-        <p:grpSpPr>
-          <a:xfrm>
-            <a:off x="2921350" y="2435133"/>
-            <a:ext cx="2839659" cy="2839659"/>
-            <a:chOff x="6448425" y="3933826"/>
-            <a:chExt cx="2628900" cy="1409700"/>
-          </a:xfrm>
-          <a:solidFill>
-            <a:schemeClr val="accent1">
-              <a:lumMod val="75000"/>
-            </a:schemeClr>
-          </a:solidFill>
-        </p:grpSpPr>
-        <p:sp>
-          <p:nvSpPr>
-            <p:cNvPr id="26" name="Rounded Rectangle 25"/>
-            <p:cNvSpPr/>
-            <p:nvPr/>
-          </p:nvSpPr>
-          <p:spPr>
-            <a:xfrm>
-              <a:off x="6448425" y="3933826"/>
-              <a:ext cx="2628900" cy="1409700"/>
-            </a:xfrm>
-            <a:prstGeom prst="ellipse">
-              <a:avLst/>
-            </a:prstGeom>
-            <a:grpFill/>
-            <a:ln w="114300">
-              <a:solidFill>
-                <a:schemeClr val="accent1">
-                  <a:lumMod val="50000"/>
-                </a:schemeClr>
-              </a:solidFill>
-            </a:ln>
-          </p:spPr>
-          <p:style>
-            <a:lnRef idx="2">
-              <a:schemeClr val="accent1">
-                <a:shade val="50000"/>
-              </a:schemeClr>
-            </a:lnRef>
-            <a:fillRef idx="1">
-              <a:schemeClr val="accent1"/>
-            </a:fillRef>
-            <a:effectRef idx="0">
-              <a:schemeClr val="accent1"/>
-            </a:effectRef>
-            <a:fontRef idx="minor">
-              <a:schemeClr val="lt1"/>
-            </a:fontRef>
-          </p:style>
-          <p:txBody>
-            <a:bodyPr rtlCol="0" anchor="ctr"/>
-            <a:lstStyle/>
-            <a:p>
-              <a:pPr algn="ctr"/>
-              <a:endParaRPr lang="de-DE"/>
-            </a:p>
-          </p:txBody>
-        </p:sp>
-        <p:sp>
-          <p:nvSpPr>
-            <p:cNvPr id="27" name="TextBox 26"/>
-            <p:cNvSpPr txBox="1"/>
-            <p:nvPr/>
-          </p:nvSpPr>
-          <p:spPr>
-            <a:xfrm>
-              <a:off x="6496810" y="4229323"/>
-              <a:ext cx="2524067" cy="837924"/>
-            </a:xfrm>
-            <a:prstGeom prst="ellipse">
-              <a:avLst/>
-            </a:prstGeom>
-            <a:grpFill/>
-            <a:ln>
-              <a:noFill/>
-            </a:ln>
-          </p:spPr>
-          <p:txBody>
-            <a:bodyPr wrap="square" rtlCol="0">
-              <a:spAutoFit/>
-            </a:bodyPr>
-            <a:lstStyle/>
-            <a:p>
-              <a:pPr algn="ctr"/>
-              <a:r>
-                <a:rPr lang="en-US" sz="3600" b="1" dirty="0">
-                  <a:solidFill>
-                    <a:schemeClr val="bg1"/>
-                  </a:solidFill>
-                </a:rPr>
-                <a:t>Bootable App</a:t>
-              </a:r>
-              <a:endParaRPr lang="de-DE" sz="3600" b="1" dirty="0">
-                <a:solidFill>
-                  <a:schemeClr val="bg1"/>
-                </a:solidFill>
-              </a:endParaRPr>
-            </a:p>
-          </p:txBody>
-        </p:sp>
-      </p:grpSp>
-      <p:cxnSp>
-        <p:nvCxnSpPr>
-          <p:cNvPr id="30" name="Straight Arrow Connector 29"/>
-          <p:cNvCxnSpPr/>
-          <p:nvPr/>
-        </p:nvCxnSpPr>
-        <p:spPr>
-          <a:xfrm>
-            <a:off x="5819191" y="4545761"/>
-            <a:ext cx="2247191" cy="1115015"/>
-          </a:xfrm>
-          <a:prstGeom prst="straightConnector1">
-            <a:avLst/>
-          </a:prstGeom>
-          <a:ln w="254000">
-            <a:solidFill>
-              <a:schemeClr val="tx1">
-                <a:lumMod val="50000"/>
-                <a:lumOff val="50000"/>
-              </a:schemeClr>
-            </a:solidFill>
-            <a:tailEnd type="triangle"/>
-          </a:ln>
-        </p:spPr>
-        <p:style>
-          <a:lnRef idx="1">
-            <a:schemeClr val="accent1"/>
-          </a:lnRef>
-          <a:fillRef idx="0">
-            <a:schemeClr val="accent1"/>
-          </a:fillRef>
-          <a:effectRef idx="0">
-            <a:schemeClr val="accent1"/>
-          </a:effectRef>
-          <a:fontRef idx="minor">
-            <a:schemeClr val="tx1"/>
-          </a:fontRef>
-        </p:style>
-      </p:cxnSp>
-      <p:cxnSp>
-        <p:nvCxnSpPr>
-          <p:cNvPr id="31" name="Straight Arrow Connector 30"/>
-          <p:cNvCxnSpPr/>
-          <p:nvPr/>
-        </p:nvCxnSpPr>
-        <p:spPr>
-          <a:xfrm flipV="1">
-            <a:off x="5837118" y="2031721"/>
-            <a:ext cx="2059640" cy="1133477"/>
-          </a:xfrm>
-          <a:prstGeom prst="straightConnector1">
-            <a:avLst/>
-          </a:prstGeom>
-          <a:ln w="254000">
-            <a:solidFill>
-              <a:schemeClr val="tx1">
-                <a:lumMod val="50000"/>
-                <a:lumOff val="50000"/>
-              </a:schemeClr>
-            </a:solidFill>
-            <a:tailEnd type="triangle"/>
-          </a:ln>
-        </p:spPr>
-        <p:style>
-          <a:lnRef idx="1">
-            <a:schemeClr val="accent1"/>
-          </a:lnRef>
-          <a:fillRef idx="0">
-            <a:schemeClr val="accent1"/>
-          </a:fillRef>
-          <a:effectRef idx="0">
-            <a:schemeClr val="accent1"/>
-          </a:effectRef>
-          <a:fontRef idx="minor">
-            <a:schemeClr val="tx1"/>
-          </a:fontRef>
-        </p:style>
-      </p:cxnSp>
-      <p:grpSp>
-        <p:nvGrpSpPr>
-          <p:cNvPr id="32" name="Group 31"/>
-          <p:cNvGrpSpPr/>
-          <p:nvPr/>
-        </p:nvGrpSpPr>
-        <p:grpSpPr>
-          <a:xfrm>
-            <a:off x="7472822" y="559386"/>
-            <a:ext cx="4056006" cy="2230805"/>
-            <a:chOff x="996328" y="4911830"/>
-            <a:chExt cx="2857500" cy="1571626"/>
-          </a:xfrm>
-        </p:grpSpPr>
-        <p:pic>
-          <p:nvPicPr>
-            <p:cNvPr id="33" name="Picture 2" descr="http://www.discoposse.com/wp-content/uploads/2013/07/virtualbox-logo.png"/>
-            <p:cNvPicPr>
-              <a:picLocks noChangeAspect="1" noChangeArrowheads="1"/>
-            </p:cNvPicPr>
-            <p:nvPr/>
-          </p:nvPicPr>
-          <p:blipFill rotWithShape="1">
-            <a:blip r:embed="rId2">
-              <a:duotone>
-                <a:prstClr val="black"/>
-                <a:schemeClr val="accent3">
-                  <a:tint val="45000"/>
-                  <a:satMod val="400000"/>
-                </a:schemeClr>
-              </a:duotone>
-              <a:extLst>
-                <a:ext uri="{28A0092B-C50C-407E-A947-70E740481C1C}">
-                  <a14:useLocalDpi xmlns:a14="http://schemas.microsoft.com/office/drawing/2010/main" val="0"/>
-                </a:ext>
-              </a:extLst>
-            </a:blip>
-            <a:srcRect l="41418"/>
-            <a:stretch/>
-          </p:blipFill>
-          <p:spPr bwMode="auto">
-            <a:xfrm>
-              <a:off x="2179864" y="4911830"/>
-              <a:ext cx="1673964" cy="1571626"/>
-            </a:xfrm>
-            <a:prstGeom prst="rect">
-              <a:avLst/>
-            </a:prstGeom>
-            <a:noFill/>
-            <a:extLst>
-              <a:ext uri="{909E8E84-426E-40DD-AFC4-6F175D3DCCD1}">
-                <a14:hiddenFill xmlns:a14="http://schemas.microsoft.com/office/drawing/2010/main">
-                  <a:solidFill>
-                    <a:srgbClr val="FFFFFF"/>
-                  </a:solidFill>
-                </a14:hiddenFill>
-              </a:ext>
-            </a:extLst>
-          </p:spPr>
-        </p:pic>
-        <p:pic>
-          <p:nvPicPr>
-            <p:cNvPr id="34" name="Picture 2" descr="http://www.discoposse.com/wp-content/uploads/2013/07/virtualbox-logo.png"/>
-            <p:cNvPicPr>
-              <a:picLocks noChangeAspect="1" noChangeArrowheads="1"/>
-            </p:cNvPicPr>
-            <p:nvPr/>
-          </p:nvPicPr>
-          <p:blipFill rotWithShape="1">
-            <a:blip r:embed="rId2">
-              <a:extLst>
-                <a:ext uri="{28A0092B-C50C-407E-A947-70E740481C1C}">
-                  <a14:useLocalDpi xmlns:a14="http://schemas.microsoft.com/office/drawing/2010/main" val="0"/>
-                </a:ext>
-              </a:extLst>
-            </a:blip>
-            <a:srcRect r="59153"/>
-            <a:stretch/>
-          </p:blipFill>
-          <p:spPr bwMode="auto">
-            <a:xfrm>
-              <a:off x="996328" y="4911830"/>
-              <a:ext cx="1167208" cy="1571626"/>
-            </a:xfrm>
-            <a:prstGeom prst="rect">
-              <a:avLst/>
-            </a:prstGeom>
-            <a:noFill/>
-            <a:extLst>
-              <a:ext uri="{909E8E84-426E-40DD-AFC4-6F175D3DCCD1}">
-                <a14:hiddenFill xmlns:a14="http://schemas.microsoft.com/office/drawing/2010/main">
-                  <a:solidFill>
-                    <a:srgbClr val="FFFFFF"/>
-                  </a:solidFill>
-                </a14:hiddenFill>
-              </a:ext>
-            </a:extLst>
-          </p:spPr>
-        </p:pic>
-      </p:grpSp>
-      <p:pic>
-        <p:nvPicPr>
-          <p:cNvPr id="1026" name="Picture 2" descr="https://a0.awsstatic.com/main/images/logos/aws_logo.png"/>
-          <p:cNvPicPr>
-            <a:picLocks noChangeAspect="1" noChangeArrowheads="1"/>
-          </p:cNvPicPr>
-          <p:nvPr/>
-        </p:nvPicPr>
-        <p:blipFill>
-          <a:blip r:embed="rId3">
-            <a:extLst>
-              <a:ext uri="{28A0092B-C50C-407E-A947-70E740481C1C}">
-                <a14:useLocalDpi xmlns:a14="http://schemas.microsoft.com/office/drawing/2010/main" val="0"/>
-              </a:ext>
-            </a:extLst>
-          </a:blip>
-          <a:srcRect/>
-          <a:stretch>
-            <a:fillRect/>
-          </a:stretch>
-        </p:blipFill>
-        <p:spPr bwMode="auto">
-          <a:xfrm>
-            <a:off x="8177422" y="5464259"/>
-            <a:ext cx="2729664" cy="1031206"/>
-          </a:xfrm>
-          <a:prstGeom prst="rect">
-            <a:avLst/>
-          </a:prstGeom>
-          <a:noFill/>
-          <a:extLst>
-            <a:ext uri="{909E8E84-426E-40DD-AFC4-6F175D3DCCD1}">
-              <a14:hiddenFill xmlns:a14="http://schemas.microsoft.com/office/drawing/2010/main">
-                <a:solidFill>
-                  <a:srgbClr val="FFFFFF"/>
-                </a:solidFill>
-              </a14:hiddenFill>
-            </a:ext>
-          </a:extLst>
-        </p:spPr>
-      </p:pic>
-    </p:spTree>
-    <p:extLst>
-      <p:ext uri="{BB962C8B-B14F-4D97-AF65-F5344CB8AC3E}">
-        <p14:creationId xmlns:p14="http://schemas.microsoft.com/office/powerpoint/2010/main" val="683032843"/>
-      </p:ext>
-    </p:extLst>
-  </p:cSld>
-  <p:clrMapOvr>
-    <a:masterClrMapping/>
-  </p:clrMapOvr>
-  <p:timing>
-    <p:tnLst>
-      <p:par>
-        <p:cTn id="1" dur="indefinite" restart="never" nodeType="tmRoot"/>
-      </p:par>
-    </p:tnLst>
-  </p:timing>
-</p:sld>
-</file>
-
 <file path=ppt/theme/theme1.xml><?xml version="1.0" encoding="utf-8"?>
 <a:theme xmlns:a="http://schemas.openxmlformats.org/drawingml/2006/main" name="Office Theme">
   <a:themeElements>

--- a/_sources/GettingStarted.pptx
+++ b/_sources/GettingStarted.pptx
@@ -2,7 +2,7 @@
 <file path=ppt/presentation.xml><?xml version="1.0" encoding="utf-8"?>
 <p:presentation xmlns:a="http://schemas.openxmlformats.org/drawingml/2006/main" xmlns:r="http://schemas.openxmlformats.org/officeDocument/2006/relationships" xmlns:p="http://schemas.openxmlformats.org/presentationml/2006/main" saveSubsetFonts="1">
   <p:sldMasterIdLst>
-    <p:sldMasterId id="2147483672" r:id="rId1"/>
+    <p:sldMasterId id="2147483684" r:id="rId1"/>
   </p:sldMasterIdLst>
   <p:sldIdLst>
     <p:sldId id="256" r:id="rId2"/>
@@ -26,7 +26,7 @@
     <p:sldId id="271" r:id="rId20"/>
     <p:sldId id="274" r:id="rId21"/>
   </p:sldIdLst>
-  <p:sldSz cx="14400213" cy="7559675"/>
+  <p:sldSz cx="14400213" cy="10799763"/>
   <p:notesSz cx="6858000" cy="9144000"/>
   <p:defaultTextStyle>
     <a:defPPr>
@@ -1252,6 +1252,381 @@
       <dsp:cNvGrpSpPr/>
     </dsp:nvGrpSpPr>
     <dsp:grpSpPr/>
+    <dsp:sp modelId="{6D72C3A5-1474-40AD-9A10-2534C79C4517}">
+      <dsp:nvSpPr>
+        <dsp:cNvPr id="0" name=""/>
+        <dsp:cNvSpPr/>
+      </dsp:nvSpPr>
+      <dsp:spPr>
+        <a:xfrm>
+          <a:off x="2112" y="562235"/>
+          <a:ext cx="1880185" cy="752074"/>
+        </a:xfrm>
+        <a:prstGeom prst="chevron">
+          <a:avLst/>
+        </a:prstGeom>
+        <a:solidFill>
+          <a:schemeClr val="tx2">
+            <a:lumMod val="75000"/>
+          </a:schemeClr>
+        </a:solidFill>
+        <a:ln w="12700" cap="flat" cmpd="sng" algn="ctr">
+          <a:solidFill>
+            <a:schemeClr val="lt1">
+              <a:hueOff val="0"/>
+              <a:satOff val="0"/>
+              <a:lumOff val="0"/>
+              <a:alphaOff val="0"/>
+            </a:schemeClr>
+          </a:solidFill>
+          <a:prstDash val="solid"/>
+          <a:miter lim="800000"/>
+        </a:ln>
+        <a:effectLst/>
+      </dsp:spPr>
+      <dsp:style>
+        <a:lnRef idx="2">
+          <a:scrgbClr r="0" g="0" b="0"/>
+        </a:lnRef>
+        <a:fillRef idx="1">
+          <a:scrgbClr r="0" g="0" b="0"/>
+        </a:fillRef>
+        <a:effectRef idx="0">
+          <a:scrgbClr r="0" g="0" b="0"/>
+        </a:effectRef>
+        <a:fontRef idx="minor">
+          <a:schemeClr val="lt1"/>
+        </a:fontRef>
+      </dsp:style>
+      <dsp:txBody>
+        <a:bodyPr spcFirstLastPara="0" vert="horz" wrap="square" lIns="56007" tIns="18669" rIns="18669" bIns="18669" numCol="1" spcCol="1270" anchor="ctr" anchorCtr="0">
+          <a:noAutofit/>
+        </a:bodyPr>
+        <a:lstStyle/>
+        <a:p>
+          <a:pPr lvl="0" algn="ctr" defTabSz="622300">
+            <a:lnSpc>
+              <a:spcPct val="90000"/>
+            </a:lnSpc>
+            <a:spcBef>
+              <a:spcPct val="0"/>
+            </a:spcBef>
+            <a:spcAft>
+              <a:spcPct val="35000"/>
+            </a:spcAft>
+          </a:pPr>
+          <a:r>
+            <a:rPr lang="en-US" sz="1400" b="1" kern="1200" dirty="0" smtClean="0"/>
+            <a:t>package</a:t>
+          </a:r>
+          <a:endParaRPr lang="de-DE" sz="1400" b="1" kern="1200" dirty="0"/>
+        </a:p>
+      </dsp:txBody>
+      <dsp:txXfrm>
+        <a:off x="378149" y="562235"/>
+        <a:ext cx="1128111" cy="752074"/>
+      </dsp:txXfrm>
+    </dsp:sp>
+    <dsp:sp modelId="{086EE9E9-692A-4D05-A349-CBDF03FDA677}">
+      <dsp:nvSpPr>
+        <dsp:cNvPr id="0" name=""/>
+        <dsp:cNvSpPr/>
+      </dsp:nvSpPr>
+      <dsp:spPr>
+        <a:xfrm>
+          <a:off x="1694279" y="562235"/>
+          <a:ext cx="1880185" cy="752074"/>
+        </a:xfrm>
+        <a:prstGeom prst="chevron">
+          <a:avLst/>
+        </a:prstGeom>
+        <a:solidFill>
+          <a:schemeClr val="tx2">
+            <a:lumMod val="75000"/>
+          </a:schemeClr>
+        </a:solidFill>
+        <a:ln w="12700" cap="flat" cmpd="sng" algn="ctr">
+          <a:solidFill>
+            <a:schemeClr val="lt1">
+              <a:hueOff val="0"/>
+              <a:satOff val="0"/>
+              <a:lumOff val="0"/>
+              <a:alphaOff val="0"/>
+            </a:schemeClr>
+          </a:solidFill>
+          <a:prstDash val="solid"/>
+          <a:miter lim="800000"/>
+        </a:ln>
+        <a:effectLst/>
+      </dsp:spPr>
+      <dsp:style>
+        <a:lnRef idx="2">
+          <a:scrgbClr r="0" g="0" b="0"/>
+        </a:lnRef>
+        <a:fillRef idx="1">
+          <a:scrgbClr r="0" g="0" b="0"/>
+        </a:fillRef>
+        <a:effectRef idx="0">
+          <a:scrgbClr r="0" g="0" b="0"/>
+        </a:effectRef>
+        <a:fontRef idx="minor">
+          <a:schemeClr val="lt1"/>
+        </a:fontRef>
+      </dsp:style>
+      <dsp:txBody>
+        <a:bodyPr spcFirstLastPara="0" vert="horz" wrap="square" lIns="56007" tIns="18669" rIns="18669" bIns="18669" numCol="1" spcCol="1270" anchor="ctr" anchorCtr="0">
+          <a:noAutofit/>
+        </a:bodyPr>
+        <a:lstStyle/>
+        <a:p>
+          <a:pPr lvl="0" algn="ctr" defTabSz="622300">
+            <a:lnSpc>
+              <a:spcPct val="90000"/>
+            </a:lnSpc>
+            <a:spcBef>
+              <a:spcPct val="0"/>
+            </a:spcBef>
+            <a:spcAft>
+              <a:spcPct val="35000"/>
+            </a:spcAft>
+          </a:pPr>
+          <a:r>
+            <a:rPr lang="en-US" sz="1400" b="1" kern="1200" dirty="0" smtClean="0"/>
+            <a:t>pre-integration-test</a:t>
+          </a:r>
+          <a:endParaRPr lang="de-DE" sz="1400" b="1" kern="1200" dirty="0"/>
+        </a:p>
+      </dsp:txBody>
+      <dsp:txXfrm>
+        <a:off x="2070316" y="562235"/>
+        <a:ext cx="1128111" cy="752074"/>
+      </dsp:txXfrm>
+    </dsp:sp>
+    <dsp:sp modelId="{17AF3B93-FA57-409F-9FAF-CA14FC2BCCDA}">
+      <dsp:nvSpPr>
+        <dsp:cNvPr id="0" name=""/>
+        <dsp:cNvSpPr/>
+      </dsp:nvSpPr>
+      <dsp:spPr>
+        <a:xfrm>
+          <a:off x="3386445" y="562235"/>
+          <a:ext cx="1880185" cy="752074"/>
+        </a:xfrm>
+        <a:prstGeom prst="chevron">
+          <a:avLst/>
+        </a:prstGeom>
+        <a:solidFill>
+          <a:schemeClr val="tx2">
+            <a:lumMod val="75000"/>
+          </a:schemeClr>
+        </a:solidFill>
+        <a:ln w="12700" cap="flat" cmpd="sng" algn="ctr">
+          <a:solidFill>
+            <a:schemeClr val="lt1">
+              <a:hueOff val="0"/>
+              <a:satOff val="0"/>
+              <a:lumOff val="0"/>
+              <a:alphaOff val="0"/>
+            </a:schemeClr>
+          </a:solidFill>
+          <a:prstDash val="solid"/>
+          <a:miter lim="800000"/>
+        </a:ln>
+        <a:effectLst/>
+      </dsp:spPr>
+      <dsp:style>
+        <a:lnRef idx="2">
+          <a:scrgbClr r="0" g="0" b="0"/>
+        </a:lnRef>
+        <a:fillRef idx="1">
+          <a:scrgbClr r="0" g="0" b="0"/>
+        </a:fillRef>
+        <a:effectRef idx="0">
+          <a:scrgbClr r="0" g="0" b="0"/>
+        </a:effectRef>
+        <a:fontRef idx="minor">
+          <a:schemeClr val="lt1"/>
+        </a:fontRef>
+      </dsp:style>
+      <dsp:txBody>
+        <a:bodyPr spcFirstLastPara="0" vert="horz" wrap="square" lIns="56007" tIns="18669" rIns="18669" bIns="18669" numCol="1" spcCol="1270" anchor="ctr" anchorCtr="0">
+          <a:noAutofit/>
+        </a:bodyPr>
+        <a:lstStyle/>
+        <a:p>
+          <a:pPr lvl="0" algn="ctr" defTabSz="622300">
+            <a:lnSpc>
+              <a:spcPct val="90000"/>
+            </a:lnSpc>
+            <a:spcBef>
+              <a:spcPct val="0"/>
+            </a:spcBef>
+            <a:spcAft>
+              <a:spcPct val="35000"/>
+            </a:spcAft>
+          </a:pPr>
+          <a:r>
+            <a:rPr lang="en-US" sz="1400" b="1" kern="1200" dirty="0" smtClean="0"/>
+            <a:t>integration-test</a:t>
+          </a:r>
+          <a:endParaRPr lang="de-DE" sz="1400" b="1" kern="1200" dirty="0"/>
+        </a:p>
+      </dsp:txBody>
+      <dsp:txXfrm>
+        <a:off x="3762482" y="562235"/>
+        <a:ext cx="1128111" cy="752074"/>
+      </dsp:txXfrm>
+    </dsp:sp>
+    <dsp:sp modelId="{DEAC2976-8EFE-4204-9FE4-0A0AE01A3B2B}">
+      <dsp:nvSpPr>
+        <dsp:cNvPr id="0" name=""/>
+        <dsp:cNvSpPr/>
+      </dsp:nvSpPr>
+      <dsp:spPr>
+        <a:xfrm>
+          <a:off x="5078612" y="562235"/>
+          <a:ext cx="1880185" cy="752074"/>
+        </a:xfrm>
+        <a:prstGeom prst="chevron">
+          <a:avLst/>
+        </a:prstGeom>
+        <a:solidFill>
+          <a:schemeClr val="tx2">
+            <a:lumMod val="75000"/>
+          </a:schemeClr>
+        </a:solidFill>
+        <a:ln w="12700" cap="flat" cmpd="sng" algn="ctr">
+          <a:solidFill>
+            <a:schemeClr val="lt1">
+              <a:hueOff val="0"/>
+              <a:satOff val="0"/>
+              <a:lumOff val="0"/>
+              <a:alphaOff val="0"/>
+            </a:schemeClr>
+          </a:solidFill>
+          <a:prstDash val="solid"/>
+          <a:miter lim="800000"/>
+        </a:ln>
+        <a:effectLst/>
+      </dsp:spPr>
+      <dsp:style>
+        <a:lnRef idx="2">
+          <a:scrgbClr r="0" g="0" b="0"/>
+        </a:lnRef>
+        <a:fillRef idx="1">
+          <a:scrgbClr r="0" g="0" b="0"/>
+        </a:fillRef>
+        <a:effectRef idx="0">
+          <a:scrgbClr r="0" g="0" b="0"/>
+        </a:effectRef>
+        <a:fontRef idx="minor">
+          <a:schemeClr val="lt1"/>
+        </a:fontRef>
+      </dsp:style>
+      <dsp:txBody>
+        <a:bodyPr spcFirstLastPara="0" vert="horz" wrap="square" lIns="56007" tIns="18669" rIns="18669" bIns="18669" numCol="1" spcCol="1270" anchor="ctr" anchorCtr="0">
+          <a:noAutofit/>
+        </a:bodyPr>
+        <a:lstStyle/>
+        <a:p>
+          <a:pPr lvl="0" algn="ctr" defTabSz="622300">
+            <a:lnSpc>
+              <a:spcPct val="90000"/>
+            </a:lnSpc>
+            <a:spcBef>
+              <a:spcPct val="0"/>
+            </a:spcBef>
+            <a:spcAft>
+              <a:spcPct val="35000"/>
+            </a:spcAft>
+          </a:pPr>
+          <a:r>
+            <a:rPr lang="en-US" sz="1400" b="1" kern="1200" dirty="0" smtClean="0"/>
+            <a:t>post-integration-test</a:t>
+          </a:r>
+          <a:endParaRPr lang="de-DE" sz="1400" b="1" kern="1200" dirty="0"/>
+        </a:p>
+      </dsp:txBody>
+      <dsp:txXfrm>
+        <a:off x="5454649" y="562235"/>
+        <a:ext cx="1128111" cy="752074"/>
+      </dsp:txXfrm>
+    </dsp:sp>
+    <dsp:sp modelId="{99F52057-642D-4027-97D5-D26EF2913281}">
+      <dsp:nvSpPr>
+        <dsp:cNvPr id="0" name=""/>
+        <dsp:cNvSpPr/>
+      </dsp:nvSpPr>
+      <dsp:spPr>
+        <a:xfrm>
+          <a:off x="6770779" y="562235"/>
+          <a:ext cx="1880185" cy="752074"/>
+        </a:xfrm>
+        <a:prstGeom prst="chevron">
+          <a:avLst/>
+        </a:prstGeom>
+        <a:solidFill>
+          <a:schemeClr val="tx2">
+            <a:lumMod val="75000"/>
+          </a:schemeClr>
+        </a:solidFill>
+        <a:ln w="12700" cap="flat" cmpd="sng" algn="ctr">
+          <a:solidFill>
+            <a:schemeClr val="lt1">
+              <a:hueOff val="0"/>
+              <a:satOff val="0"/>
+              <a:lumOff val="0"/>
+              <a:alphaOff val="0"/>
+            </a:schemeClr>
+          </a:solidFill>
+          <a:prstDash val="solid"/>
+          <a:miter lim="800000"/>
+        </a:ln>
+        <a:effectLst/>
+      </dsp:spPr>
+      <dsp:style>
+        <a:lnRef idx="2">
+          <a:scrgbClr r="0" g="0" b="0"/>
+        </a:lnRef>
+        <a:fillRef idx="1">
+          <a:scrgbClr r="0" g="0" b="0"/>
+        </a:fillRef>
+        <a:effectRef idx="0">
+          <a:scrgbClr r="0" g="0" b="0"/>
+        </a:effectRef>
+        <a:fontRef idx="minor">
+          <a:schemeClr val="lt1"/>
+        </a:fontRef>
+      </dsp:style>
+      <dsp:txBody>
+        <a:bodyPr spcFirstLastPara="0" vert="horz" wrap="square" lIns="56007" tIns="18669" rIns="18669" bIns="18669" numCol="1" spcCol="1270" anchor="ctr" anchorCtr="0">
+          <a:noAutofit/>
+        </a:bodyPr>
+        <a:lstStyle/>
+        <a:p>
+          <a:pPr lvl="0" algn="ctr" defTabSz="622300">
+            <a:lnSpc>
+              <a:spcPct val="90000"/>
+            </a:lnSpc>
+            <a:spcBef>
+              <a:spcPct val="0"/>
+            </a:spcBef>
+            <a:spcAft>
+              <a:spcPct val="35000"/>
+            </a:spcAft>
+          </a:pPr>
+          <a:r>
+            <a:rPr lang="en-US" sz="1400" b="1" kern="1200" dirty="0" smtClean="0"/>
+            <a:t>deploy</a:t>
+          </a:r>
+          <a:endParaRPr lang="de-DE" sz="1400" b="1" kern="1200" dirty="0"/>
+        </a:p>
+      </dsp:txBody>
+      <dsp:txXfrm>
+        <a:off x="7146816" y="562235"/>
+        <a:ext cx="1128111" cy="752074"/>
+      </dsp:txXfrm>
+    </dsp:sp>
   </dsp:spTree>
 </dsp:drawing>
 </file>
@@ -2602,15 +2977,15 @@
         </p:nvSpPr>
         <p:spPr>
           <a:xfrm>
-            <a:off x="1800027" y="1237197"/>
-            <a:ext cx="10800160" cy="2631887"/>
+            <a:off x="1080016" y="1767462"/>
+            <a:ext cx="12240181" cy="3759917"/>
           </a:xfrm>
         </p:spPr>
         <p:txBody>
           <a:bodyPr anchor="b"/>
           <a:lstStyle>
             <a:lvl1pPr algn="ctr">
-              <a:defRPr sz="6614"/>
+              <a:defRPr sz="9449"/>
             </a:lvl1pPr>
           </a:lstStyle>
           <a:p>
@@ -2634,8 +3009,8 @@
         </p:nvSpPr>
         <p:spPr>
           <a:xfrm>
-            <a:off x="1800027" y="3970580"/>
-            <a:ext cx="10800160" cy="1825171"/>
+            <a:off x="1800027" y="5672376"/>
+            <a:ext cx="10800160" cy="2607442"/>
           </a:xfrm>
         </p:spPr>
         <p:txBody>
@@ -2643,39 +3018,39 @@
           <a:lstStyle>
             <a:lvl1pPr marL="0" indent="0" algn="ctr">
               <a:buNone/>
-              <a:defRPr sz="2646"/>
+              <a:defRPr sz="3780"/>
             </a:lvl1pPr>
-            <a:lvl2pPr marL="503972" indent="0" algn="ctr">
+            <a:lvl2pPr marL="719999" indent="0" algn="ctr">
               <a:buNone/>
-              <a:defRPr sz="2205"/>
+              <a:defRPr sz="3150"/>
             </a:lvl2pPr>
-            <a:lvl3pPr marL="1007943" indent="0" algn="ctr">
+            <a:lvl3pPr marL="1439997" indent="0" algn="ctr">
               <a:buNone/>
-              <a:defRPr sz="1984"/>
+              <a:defRPr sz="2835"/>
             </a:lvl3pPr>
-            <a:lvl4pPr marL="1511915" indent="0" algn="ctr">
+            <a:lvl4pPr marL="2159996" indent="0" algn="ctr">
               <a:buNone/>
-              <a:defRPr sz="1764"/>
+              <a:defRPr sz="2520"/>
             </a:lvl4pPr>
-            <a:lvl5pPr marL="2015886" indent="0" algn="ctr">
+            <a:lvl5pPr marL="2879994" indent="0" algn="ctr">
               <a:buNone/>
-              <a:defRPr sz="1764"/>
+              <a:defRPr sz="2520"/>
             </a:lvl5pPr>
-            <a:lvl6pPr marL="2519858" indent="0" algn="ctr">
+            <a:lvl6pPr marL="3599993" indent="0" algn="ctr">
               <a:buNone/>
-              <a:defRPr sz="1764"/>
+              <a:defRPr sz="2520"/>
             </a:lvl6pPr>
-            <a:lvl7pPr marL="3023829" indent="0" algn="ctr">
+            <a:lvl7pPr marL="4319991" indent="0" algn="ctr">
               <a:buNone/>
-              <a:defRPr sz="1764"/>
+              <a:defRPr sz="2520"/>
             </a:lvl7pPr>
-            <a:lvl8pPr marL="3527801" indent="0" algn="ctr">
+            <a:lvl8pPr marL="5039990" indent="0" algn="ctr">
               <a:buNone/>
-              <a:defRPr sz="1764"/>
+              <a:defRPr sz="2520"/>
             </a:lvl8pPr>
-            <a:lvl9pPr marL="4031772" indent="0" algn="ctr">
+            <a:lvl9pPr marL="5759988" indent="0" algn="ctr">
               <a:buNone/>
-              <a:defRPr sz="1764"/>
+              <a:defRPr sz="2520"/>
             </a:lvl9pPr>
           </a:lstStyle>
           <a:p>
@@ -2704,7 +3079,7 @@
           <a:p>
             <a:fld id="{9AA7D095-A676-4F6B-9416-D65D798F5244}" type="datetimeFigureOut">
               <a:rPr lang="de-DE" smtClean="0"/>
-              <a:t>09.06.2015</a:t>
+              <a:t>06.07.2015</a:t>
             </a:fld>
             <a:endParaRPr lang="de-DE"/>
           </a:p>
@@ -2746,7 +3121,7 @@
           <a:p>
             <a:fld id="{7CA376D3-3280-4351-90C7-FED229B337FE}" type="slidenum">
               <a:rPr lang="de-DE" smtClean="0"/>
-              <a:t>‹Nr.›</a:t>
+              <a:t>‹#›</a:t>
             </a:fld>
             <a:endParaRPr lang="de-DE"/>
           </a:p>
@@ -2755,7 +3130,7 @@
     </p:spTree>
     <p:extLst>
       <p:ext uri="{BB962C8B-B14F-4D97-AF65-F5344CB8AC3E}">
-        <p14:creationId xmlns:p14="http://schemas.microsoft.com/office/powerpoint/2010/main" val="2939726394"/>
+        <p14:creationId xmlns:p14="http://schemas.microsoft.com/office/powerpoint/2010/main" val="2124586092"/>
       </p:ext>
     </p:extLst>
   </p:cSld>
@@ -2874,7 +3249,7 @@
           <a:p>
             <a:fld id="{9AA7D095-A676-4F6B-9416-D65D798F5244}" type="datetimeFigureOut">
               <a:rPr lang="de-DE" smtClean="0"/>
-              <a:t>09.06.2015</a:t>
+              <a:t>06.07.2015</a:t>
             </a:fld>
             <a:endParaRPr lang="de-DE"/>
           </a:p>
@@ -2916,7 +3291,7 @@
           <a:p>
             <a:fld id="{7CA376D3-3280-4351-90C7-FED229B337FE}" type="slidenum">
               <a:rPr lang="de-DE" smtClean="0"/>
-              <a:t>‹Nr.›</a:t>
+              <a:t>‹#›</a:t>
             </a:fld>
             <a:endParaRPr lang="de-DE"/>
           </a:p>
@@ -2925,7 +3300,7 @@
     </p:spTree>
     <p:extLst>
       <p:ext uri="{BB962C8B-B14F-4D97-AF65-F5344CB8AC3E}">
-        <p14:creationId xmlns:p14="http://schemas.microsoft.com/office/powerpoint/2010/main" val="4048851320"/>
+        <p14:creationId xmlns:p14="http://schemas.microsoft.com/office/powerpoint/2010/main" val="78158211"/>
       </p:ext>
     </p:extLst>
   </p:cSld>
@@ -2964,8 +3339,8 @@
         </p:nvSpPr>
         <p:spPr>
           <a:xfrm>
-            <a:off x="10305152" y="402483"/>
-            <a:ext cx="3105046" cy="6406475"/>
+            <a:off x="10305153" y="574987"/>
+            <a:ext cx="3105046" cy="9152300"/>
           </a:xfrm>
         </p:spPr>
         <p:txBody>
@@ -2992,8 +3367,8 @@
         </p:nvSpPr>
         <p:spPr>
           <a:xfrm>
-            <a:off x="990015" y="402483"/>
-            <a:ext cx="9135135" cy="6406475"/>
+            <a:off x="990015" y="574987"/>
+            <a:ext cx="9135135" cy="9152300"/>
           </a:xfrm>
         </p:spPr>
         <p:txBody>
@@ -3054,7 +3429,7 @@
           <a:p>
             <a:fld id="{9AA7D095-A676-4F6B-9416-D65D798F5244}" type="datetimeFigureOut">
               <a:rPr lang="de-DE" smtClean="0"/>
-              <a:t>09.06.2015</a:t>
+              <a:t>06.07.2015</a:t>
             </a:fld>
             <a:endParaRPr lang="de-DE"/>
           </a:p>
@@ -3096,7 +3471,7 @@
           <a:p>
             <a:fld id="{7CA376D3-3280-4351-90C7-FED229B337FE}" type="slidenum">
               <a:rPr lang="de-DE" smtClean="0"/>
-              <a:t>‹Nr.›</a:t>
+              <a:t>‹#›</a:t>
             </a:fld>
             <a:endParaRPr lang="de-DE"/>
           </a:p>
@@ -3105,7 +3480,7 @@
     </p:spTree>
     <p:extLst>
       <p:ext uri="{BB962C8B-B14F-4D97-AF65-F5344CB8AC3E}">
-        <p14:creationId xmlns:p14="http://schemas.microsoft.com/office/powerpoint/2010/main" val="1838585099"/>
+        <p14:creationId xmlns:p14="http://schemas.microsoft.com/office/powerpoint/2010/main" val="100550416"/>
       </p:ext>
     </p:extLst>
   </p:cSld>
@@ -3224,7 +3599,7 @@
           <a:p>
             <a:fld id="{9AA7D095-A676-4F6B-9416-D65D798F5244}" type="datetimeFigureOut">
               <a:rPr lang="de-DE" smtClean="0"/>
-              <a:t>09.06.2015</a:t>
+              <a:t>06.07.2015</a:t>
             </a:fld>
             <a:endParaRPr lang="de-DE"/>
           </a:p>
@@ -3266,7 +3641,7 @@
           <a:p>
             <a:fld id="{7CA376D3-3280-4351-90C7-FED229B337FE}" type="slidenum">
               <a:rPr lang="de-DE" smtClean="0"/>
-              <a:t>‹Nr.›</a:t>
+              <a:t>‹#›</a:t>
             </a:fld>
             <a:endParaRPr lang="de-DE"/>
           </a:p>
@@ -3275,7 +3650,7 @@
     </p:spTree>
     <p:extLst>
       <p:ext uri="{BB962C8B-B14F-4D97-AF65-F5344CB8AC3E}">
-        <p14:creationId xmlns:p14="http://schemas.microsoft.com/office/powerpoint/2010/main" val="3210985616"/>
+        <p14:creationId xmlns:p14="http://schemas.microsoft.com/office/powerpoint/2010/main" val="307971582"/>
       </p:ext>
     </p:extLst>
   </p:cSld>
@@ -3314,15 +3689,15 @@
         </p:nvSpPr>
         <p:spPr>
           <a:xfrm>
-            <a:off x="982514" y="1884670"/>
-            <a:ext cx="12420184" cy="3144614"/>
+            <a:off x="982515" y="2692444"/>
+            <a:ext cx="12420184" cy="4492401"/>
           </a:xfrm>
         </p:spPr>
         <p:txBody>
           <a:bodyPr anchor="b"/>
           <a:lstStyle>
             <a:lvl1pPr>
-              <a:defRPr sz="6614"/>
+              <a:defRPr sz="9449"/>
             </a:lvl1pPr>
           </a:lstStyle>
           <a:p>
@@ -3346,8 +3721,8 @@
         </p:nvSpPr>
         <p:spPr>
           <a:xfrm>
-            <a:off x="982514" y="5059034"/>
-            <a:ext cx="12420184" cy="1653678"/>
+            <a:off x="982515" y="7227345"/>
+            <a:ext cx="12420184" cy="2362447"/>
           </a:xfrm>
         </p:spPr>
         <p:txBody>
@@ -3355,17 +3730,15 @@
           <a:lstStyle>
             <a:lvl1pPr marL="0" indent="0">
               <a:buNone/>
-              <a:defRPr sz="2646">
+              <a:defRPr sz="3780">
                 <a:solidFill>
-                  <a:schemeClr val="tx1">
-                    <a:tint val="75000"/>
-                  </a:schemeClr>
+                  <a:schemeClr val="tx1"/>
                 </a:solidFill>
               </a:defRPr>
             </a:lvl1pPr>
-            <a:lvl2pPr marL="503972" indent="0">
+            <a:lvl2pPr marL="719999" indent="0">
               <a:buNone/>
-              <a:defRPr sz="2205">
+              <a:defRPr sz="3150">
                 <a:solidFill>
                   <a:schemeClr val="tx1">
                     <a:tint val="75000"/>
@@ -3373,9 +3746,9 @@
                 </a:solidFill>
               </a:defRPr>
             </a:lvl2pPr>
-            <a:lvl3pPr marL="1007943" indent="0">
+            <a:lvl3pPr marL="1439997" indent="0">
               <a:buNone/>
-              <a:defRPr sz="1984">
+              <a:defRPr sz="2835">
                 <a:solidFill>
                   <a:schemeClr val="tx1">
                     <a:tint val="75000"/>
@@ -3383,9 +3756,9 @@
                 </a:solidFill>
               </a:defRPr>
             </a:lvl3pPr>
-            <a:lvl4pPr marL="1511915" indent="0">
+            <a:lvl4pPr marL="2159996" indent="0">
               <a:buNone/>
-              <a:defRPr sz="1764">
+              <a:defRPr sz="2520">
                 <a:solidFill>
                   <a:schemeClr val="tx1">
                     <a:tint val="75000"/>
@@ -3393,9 +3766,9 @@
                 </a:solidFill>
               </a:defRPr>
             </a:lvl4pPr>
-            <a:lvl5pPr marL="2015886" indent="0">
+            <a:lvl5pPr marL="2879994" indent="0">
               <a:buNone/>
-              <a:defRPr sz="1764">
+              <a:defRPr sz="2520">
                 <a:solidFill>
                   <a:schemeClr val="tx1">
                     <a:tint val="75000"/>
@@ -3403,9 +3776,9 @@
                 </a:solidFill>
               </a:defRPr>
             </a:lvl5pPr>
-            <a:lvl6pPr marL="2519858" indent="0">
+            <a:lvl6pPr marL="3599993" indent="0">
               <a:buNone/>
-              <a:defRPr sz="1764">
+              <a:defRPr sz="2520">
                 <a:solidFill>
                   <a:schemeClr val="tx1">
                     <a:tint val="75000"/>
@@ -3413,9 +3786,9 @@
                 </a:solidFill>
               </a:defRPr>
             </a:lvl6pPr>
-            <a:lvl7pPr marL="3023829" indent="0">
+            <a:lvl7pPr marL="4319991" indent="0">
               <a:buNone/>
-              <a:defRPr sz="1764">
+              <a:defRPr sz="2520">
                 <a:solidFill>
                   <a:schemeClr val="tx1">
                     <a:tint val="75000"/>
@@ -3423,9 +3796,9 @@
                 </a:solidFill>
               </a:defRPr>
             </a:lvl7pPr>
-            <a:lvl8pPr marL="3527801" indent="0">
+            <a:lvl8pPr marL="5039990" indent="0">
               <a:buNone/>
-              <a:defRPr sz="1764">
+              <a:defRPr sz="2520">
                 <a:solidFill>
                   <a:schemeClr val="tx1">
                     <a:tint val="75000"/>
@@ -3433,9 +3806,9 @@
                 </a:solidFill>
               </a:defRPr>
             </a:lvl8pPr>
-            <a:lvl9pPr marL="4031772" indent="0">
+            <a:lvl9pPr marL="5759988" indent="0">
               <a:buNone/>
-              <a:defRPr sz="1764">
+              <a:defRPr sz="2520">
                 <a:solidFill>
                   <a:schemeClr val="tx1">
                     <a:tint val="75000"/>
@@ -3470,7 +3843,7 @@
           <a:p>
             <a:fld id="{9AA7D095-A676-4F6B-9416-D65D798F5244}" type="datetimeFigureOut">
               <a:rPr lang="de-DE" smtClean="0"/>
-              <a:t>09.06.2015</a:t>
+              <a:t>06.07.2015</a:t>
             </a:fld>
             <a:endParaRPr lang="de-DE"/>
           </a:p>
@@ -3512,7 +3885,7 @@
           <a:p>
             <a:fld id="{7CA376D3-3280-4351-90C7-FED229B337FE}" type="slidenum">
               <a:rPr lang="de-DE" smtClean="0"/>
-              <a:t>‹Nr.›</a:t>
+              <a:t>‹#›</a:t>
             </a:fld>
             <a:endParaRPr lang="de-DE"/>
           </a:p>
@@ -3521,7 +3894,7 @@
     </p:spTree>
     <p:extLst>
       <p:ext uri="{BB962C8B-B14F-4D97-AF65-F5344CB8AC3E}">
-        <p14:creationId xmlns:p14="http://schemas.microsoft.com/office/powerpoint/2010/main" val="2858481983"/>
+        <p14:creationId xmlns:p14="http://schemas.microsoft.com/office/powerpoint/2010/main" val="3101533496"/>
       </p:ext>
     </p:extLst>
   </p:cSld>
@@ -3583,8 +3956,8 @@
         </p:nvSpPr>
         <p:spPr>
           <a:xfrm>
-            <a:off x="990014" y="2012414"/>
-            <a:ext cx="6120091" cy="4796544"/>
+            <a:off x="990014" y="2874937"/>
+            <a:ext cx="6120091" cy="6852350"/>
           </a:xfrm>
         </p:spPr>
         <p:txBody>
@@ -3640,8 +4013,8 @@
         </p:nvSpPr>
         <p:spPr>
           <a:xfrm>
-            <a:off x="7290108" y="2012414"/>
-            <a:ext cx="6120091" cy="4796544"/>
+            <a:off x="7290108" y="2874937"/>
+            <a:ext cx="6120091" cy="6852350"/>
           </a:xfrm>
         </p:spPr>
         <p:txBody>
@@ -3702,7 +4075,7 @@
           <a:p>
             <a:fld id="{9AA7D095-A676-4F6B-9416-D65D798F5244}" type="datetimeFigureOut">
               <a:rPr lang="de-DE" smtClean="0"/>
-              <a:t>09.06.2015</a:t>
+              <a:t>06.07.2015</a:t>
             </a:fld>
             <a:endParaRPr lang="de-DE"/>
           </a:p>
@@ -3744,7 +4117,7 @@
           <a:p>
             <a:fld id="{7CA376D3-3280-4351-90C7-FED229B337FE}" type="slidenum">
               <a:rPr lang="de-DE" smtClean="0"/>
-              <a:t>‹Nr.›</a:t>
+              <a:t>‹#›</a:t>
             </a:fld>
             <a:endParaRPr lang="de-DE"/>
           </a:p>
@@ -3753,7 +4126,7 @@
     </p:spTree>
     <p:extLst>
       <p:ext uri="{BB962C8B-B14F-4D97-AF65-F5344CB8AC3E}">
-        <p14:creationId xmlns:p14="http://schemas.microsoft.com/office/powerpoint/2010/main" val="4121089347"/>
+        <p14:creationId xmlns:p14="http://schemas.microsoft.com/office/powerpoint/2010/main" val="2843906405"/>
       </p:ext>
     </p:extLst>
   </p:cSld>
@@ -3792,8 +4165,8 @@
         </p:nvSpPr>
         <p:spPr>
           <a:xfrm>
-            <a:off x="991890" y="402483"/>
-            <a:ext cx="12420184" cy="1461188"/>
+            <a:off x="991890" y="574990"/>
+            <a:ext cx="12420184" cy="2087455"/>
           </a:xfrm>
         </p:spPr>
         <p:txBody>
@@ -3820,8 +4193,8 @@
         </p:nvSpPr>
         <p:spPr>
           <a:xfrm>
-            <a:off x="991891" y="1853171"/>
-            <a:ext cx="6091965" cy="908210"/>
+            <a:off x="991892" y="2647443"/>
+            <a:ext cx="6091964" cy="1297471"/>
           </a:xfrm>
         </p:spPr>
         <p:txBody>
@@ -3829,39 +4202,39 @@
           <a:lstStyle>
             <a:lvl1pPr marL="0" indent="0">
               <a:buNone/>
-              <a:defRPr sz="2646" b="1"/>
+              <a:defRPr sz="3780" b="1"/>
             </a:lvl1pPr>
-            <a:lvl2pPr marL="503972" indent="0">
+            <a:lvl2pPr marL="719999" indent="0">
               <a:buNone/>
-              <a:defRPr sz="2205" b="1"/>
+              <a:defRPr sz="3150" b="1"/>
             </a:lvl2pPr>
-            <a:lvl3pPr marL="1007943" indent="0">
+            <a:lvl3pPr marL="1439997" indent="0">
               <a:buNone/>
-              <a:defRPr sz="1984" b="1"/>
+              <a:defRPr sz="2835" b="1"/>
             </a:lvl3pPr>
-            <a:lvl4pPr marL="1511915" indent="0">
+            <a:lvl4pPr marL="2159996" indent="0">
               <a:buNone/>
-              <a:defRPr sz="1764" b="1"/>
+              <a:defRPr sz="2520" b="1"/>
             </a:lvl4pPr>
-            <a:lvl5pPr marL="2015886" indent="0">
+            <a:lvl5pPr marL="2879994" indent="0">
               <a:buNone/>
-              <a:defRPr sz="1764" b="1"/>
+              <a:defRPr sz="2520" b="1"/>
             </a:lvl5pPr>
-            <a:lvl6pPr marL="2519858" indent="0">
+            <a:lvl6pPr marL="3599993" indent="0">
               <a:buNone/>
-              <a:defRPr sz="1764" b="1"/>
+              <a:defRPr sz="2520" b="1"/>
             </a:lvl6pPr>
-            <a:lvl7pPr marL="3023829" indent="0">
+            <a:lvl7pPr marL="4319991" indent="0">
               <a:buNone/>
-              <a:defRPr sz="1764" b="1"/>
+              <a:defRPr sz="2520" b="1"/>
             </a:lvl7pPr>
-            <a:lvl8pPr marL="3527801" indent="0">
+            <a:lvl8pPr marL="5039990" indent="0">
               <a:buNone/>
-              <a:defRPr sz="1764" b="1"/>
+              <a:defRPr sz="2520" b="1"/>
             </a:lvl8pPr>
-            <a:lvl9pPr marL="4031772" indent="0">
+            <a:lvl9pPr marL="5759988" indent="0">
               <a:buNone/>
-              <a:defRPr sz="1764" b="1"/>
+              <a:defRPr sz="2520" b="1"/>
             </a:lvl9pPr>
           </a:lstStyle>
           <a:p>
@@ -3885,8 +4258,8 @@
         </p:nvSpPr>
         <p:spPr>
           <a:xfrm>
-            <a:off x="991891" y="2761381"/>
-            <a:ext cx="6091965" cy="4061576"/>
+            <a:off x="991892" y="3944914"/>
+            <a:ext cx="6091964" cy="5802373"/>
           </a:xfrm>
         </p:spPr>
         <p:txBody>
@@ -3942,8 +4315,8 @@
         </p:nvSpPr>
         <p:spPr>
           <a:xfrm>
-            <a:off x="7290108" y="1853171"/>
-            <a:ext cx="6121966" cy="908210"/>
+            <a:off x="7290109" y="2647443"/>
+            <a:ext cx="6121966" cy="1297471"/>
           </a:xfrm>
         </p:spPr>
         <p:txBody>
@@ -3951,39 +4324,39 @@
           <a:lstStyle>
             <a:lvl1pPr marL="0" indent="0">
               <a:buNone/>
-              <a:defRPr sz="2646" b="1"/>
+              <a:defRPr sz="3780" b="1"/>
             </a:lvl1pPr>
-            <a:lvl2pPr marL="503972" indent="0">
+            <a:lvl2pPr marL="719999" indent="0">
               <a:buNone/>
-              <a:defRPr sz="2205" b="1"/>
+              <a:defRPr sz="3150" b="1"/>
             </a:lvl2pPr>
-            <a:lvl3pPr marL="1007943" indent="0">
+            <a:lvl3pPr marL="1439997" indent="0">
               <a:buNone/>
-              <a:defRPr sz="1984" b="1"/>
+              <a:defRPr sz="2835" b="1"/>
             </a:lvl3pPr>
-            <a:lvl4pPr marL="1511915" indent="0">
+            <a:lvl4pPr marL="2159996" indent="0">
               <a:buNone/>
-              <a:defRPr sz="1764" b="1"/>
+              <a:defRPr sz="2520" b="1"/>
             </a:lvl4pPr>
-            <a:lvl5pPr marL="2015886" indent="0">
+            <a:lvl5pPr marL="2879994" indent="0">
               <a:buNone/>
-              <a:defRPr sz="1764" b="1"/>
+              <a:defRPr sz="2520" b="1"/>
             </a:lvl5pPr>
-            <a:lvl6pPr marL="2519858" indent="0">
+            <a:lvl6pPr marL="3599993" indent="0">
               <a:buNone/>
-              <a:defRPr sz="1764" b="1"/>
+              <a:defRPr sz="2520" b="1"/>
             </a:lvl6pPr>
-            <a:lvl7pPr marL="3023829" indent="0">
+            <a:lvl7pPr marL="4319991" indent="0">
               <a:buNone/>
-              <a:defRPr sz="1764" b="1"/>
+              <a:defRPr sz="2520" b="1"/>
             </a:lvl7pPr>
-            <a:lvl8pPr marL="3527801" indent="0">
+            <a:lvl8pPr marL="5039990" indent="0">
               <a:buNone/>
-              <a:defRPr sz="1764" b="1"/>
+              <a:defRPr sz="2520" b="1"/>
             </a:lvl8pPr>
-            <a:lvl9pPr marL="4031772" indent="0">
+            <a:lvl9pPr marL="5759988" indent="0">
               <a:buNone/>
-              <a:defRPr sz="1764" b="1"/>
+              <a:defRPr sz="2520" b="1"/>
             </a:lvl9pPr>
           </a:lstStyle>
           <a:p>
@@ -4007,8 +4380,8 @@
         </p:nvSpPr>
         <p:spPr>
           <a:xfrm>
-            <a:off x="7290108" y="2761381"/>
-            <a:ext cx="6121966" cy="4061576"/>
+            <a:off x="7290109" y="3944914"/>
+            <a:ext cx="6121966" cy="5802373"/>
           </a:xfrm>
         </p:spPr>
         <p:txBody>
@@ -4069,7 +4442,7 @@
           <a:p>
             <a:fld id="{9AA7D095-A676-4F6B-9416-D65D798F5244}" type="datetimeFigureOut">
               <a:rPr lang="de-DE" smtClean="0"/>
-              <a:t>09.06.2015</a:t>
+              <a:t>06.07.2015</a:t>
             </a:fld>
             <a:endParaRPr lang="de-DE"/>
           </a:p>
@@ -4111,7 +4484,7 @@
           <a:p>
             <a:fld id="{7CA376D3-3280-4351-90C7-FED229B337FE}" type="slidenum">
               <a:rPr lang="de-DE" smtClean="0"/>
-              <a:t>‹Nr.›</a:t>
+              <a:t>‹#›</a:t>
             </a:fld>
             <a:endParaRPr lang="de-DE"/>
           </a:p>
@@ -4120,7 +4493,7 @@
     </p:spTree>
     <p:extLst>
       <p:ext uri="{BB962C8B-B14F-4D97-AF65-F5344CB8AC3E}">
-        <p14:creationId xmlns:p14="http://schemas.microsoft.com/office/powerpoint/2010/main" val="4123215921"/>
+        <p14:creationId xmlns:p14="http://schemas.microsoft.com/office/powerpoint/2010/main" val="509631957"/>
       </p:ext>
     </p:extLst>
   </p:cSld>
@@ -4187,7 +4560,7 @@
           <a:p>
             <a:fld id="{9AA7D095-A676-4F6B-9416-D65D798F5244}" type="datetimeFigureOut">
               <a:rPr lang="de-DE" smtClean="0"/>
-              <a:t>09.06.2015</a:t>
+              <a:t>06.07.2015</a:t>
             </a:fld>
             <a:endParaRPr lang="de-DE"/>
           </a:p>
@@ -4229,7 +4602,7 @@
           <a:p>
             <a:fld id="{7CA376D3-3280-4351-90C7-FED229B337FE}" type="slidenum">
               <a:rPr lang="de-DE" smtClean="0"/>
-              <a:t>‹Nr.›</a:t>
+              <a:t>‹#›</a:t>
             </a:fld>
             <a:endParaRPr lang="de-DE"/>
           </a:p>
@@ -4238,7 +4611,7 @@
     </p:spTree>
     <p:extLst>
       <p:ext uri="{BB962C8B-B14F-4D97-AF65-F5344CB8AC3E}">
-        <p14:creationId xmlns:p14="http://schemas.microsoft.com/office/powerpoint/2010/main" val="2762899395"/>
+        <p14:creationId xmlns:p14="http://schemas.microsoft.com/office/powerpoint/2010/main" val="1009935721"/>
       </p:ext>
     </p:extLst>
   </p:cSld>
@@ -4282,7 +4655,7 @@
           <a:p>
             <a:fld id="{9AA7D095-A676-4F6B-9416-D65D798F5244}" type="datetimeFigureOut">
               <a:rPr lang="de-DE" smtClean="0"/>
-              <a:t>09.06.2015</a:t>
+              <a:t>06.07.2015</a:t>
             </a:fld>
             <a:endParaRPr lang="de-DE"/>
           </a:p>
@@ -4324,7 +4697,7 @@
           <a:p>
             <a:fld id="{7CA376D3-3280-4351-90C7-FED229B337FE}" type="slidenum">
               <a:rPr lang="de-DE" smtClean="0"/>
-              <a:t>‹Nr.›</a:t>
+              <a:t>‹#›</a:t>
             </a:fld>
             <a:endParaRPr lang="de-DE"/>
           </a:p>
@@ -4333,7 +4706,7 @@
     </p:spTree>
     <p:extLst>
       <p:ext uri="{BB962C8B-B14F-4D97-AF65-F5344CB8AC3E}">
-        <p14:creationId xmlns:p14="http://schemas.microsoft.com/office/powerpoint/2010/main" val="3386911302"/>
+        <p14:creationId xmlns:p14="http://schemas.microsoft.com/office/powerpoint/2010/main" val="2228466645"/>
       </p:ext>
     </p:extLst>
   </p:cSld>
@@ -4372,15 +4745,15 @@
         </p:nvSpPr>
         <p:spPr>
           <a:xfrm>
-            <a:off x="991891" y="503978"/>
-            <a:ext cx="4644443" cy="1763924"/>
+            <a:off x="991890" y="719984"/>
+            <a:ext cx="4644444" cy="2519945"/>
           </a:xfrm>
         </p:spPr>
         <p:txBody>
           <a:bodyPr anchor="b"/>
           <a:lstStyle>
             <a:lvl1pPr>
-              <a:defRPr sz="3527"/>
+              <a:defRPr sz="5039"/>
             </a:lvl1pPr>
           </a:lstStyle>
           <a:p>
@@ -4404,39 +4777,39 @@
         </p:nvSpPr>
         <p:spPr>
           <a:xfrm>
-            <a:off x="6121966" y="1088454"/>
-            <a:ext cx="7290108" cy="5372269"/>
+            <a:off x="6121966" y="1554968"/>
+            <a:ext cx="7290108" cy="7674832"/>
           </a:xfrm>
         </p:spPr>
         <p:txBody>
           <a:bodyPr/>
           <a:lstStyle>
             <a:lvl1pPr>
-              <a:defRPr sz="3527"/>
+              <a:defRPr sz="5039"/>
             </a:lvl1pPr>
             <a:lvl2pPr>
-              <a:defRPr sz="3086"/>
+              <a:defRPr sz="4409"/>
             </a:lvl2pPr>
             <a:lvl3pPr>
-              <a:defRPr sz="2646"/>
+              <a:defRPr sz="3780"/>
             </a:lvl3pPr>
             <a:lvl4pPr>
-              <a:defRPr sz="2205"/>
+              <a:defRPr sz="3150"/>
             </a:lvl4pPr>
             <a:lvl5pPr>
-              <a:defRPr sz="2205"/>
+              <a:defRPr sz="3150"/>
             </a:lvl5pPr>
             <a:lvl6pPr>
-              <a:defRPr sz="2205"/>
+              <a:defRPr sz="3150"/>
             </a:lvl6pPr>
             <a:lvl7pPr>
-              <a:defRPr sz="2205"/>
+              <a:defRPr sz="3150"/>
             </a:lvl7pPr>
             <a:lvl8pPr>
-              <a:defRPr sz="2205"/>
+              <a:defRPr sz="3150"/>
             </a:lvl8pPr>
             <a:lvl9pPr>
-              <a:defRPr sz="2205"/>
+              <a:defRPr sz="3150"/>
             </a:lvl9pPr>
           </a:lstStyle>
           <a:p>
@@ -4489,8 +4862,8 @@
         </p:nvSpPr>
         <p:spPr>
           <a:xfrm>
-            <a:off x="991891" y="2267902"/>
-            <a:ext cx="4644443" cy="4201570"/>
+            <a:off x="991890" y="3239929"/>
+            <a:ext cx="4644444" cy="6002369"/>
           </a:xfrm>
         </p:spPr>
         <p:txBody>
@@ -4498,39 +4871,39 @@
           <a:lstStyle>
             <a:lvl1pPr marL="0" indent="0">
               <a:buNone/>
-              <a:defRPr sz="1764"/>
+              <a:defRPr sz="2520"/>
             </a:lvl1pPr>
-            <a:lvl2pPr marL="503972" indent="0">
+            <a:lvl2pPr marL="719999" indent="0">
               <a:buNone/>
-              <a:defRPr sz="1543"/>
+              <a:defRPr sz="2205"/>
             </a:lvl2pPr>
-            <a:lvl3pPr marL="1007943" indent="0">
+            <a:lvl3pPr marL="1439997" indent="0">
               <a:buNone/>
-              <a:defRPr sz="1323"/>
+              <a:defRPr sz="1890"/>
             </a:lvl3pPr>
-            <a:lvl4pPr marL="1511915" indent="0">
+            <a:lvl4pPr marL="2159996" indent="0">
               <a:buNone/>
-              <a:defRPr sz="1102"/>
+              <a:defRPr sz="1575"/>
             </a:lvl4pPr>
-            <a:lvl5pPr marL="2015886" indent="0">
+            <a:lvl5pPr marL="2879994" indent="0">
               <a:buNone/>
-              <a:defRPr sz="1102"/>
+              <a:defRPr sz="1575"/>
             </a:lvl5pPr>
-            <a:lvl6pPr marL="2519858" indent="0">
+            <a:lvl6pPr marL="3599993" indent="0">
               <a:buNone/>
-              <a:defRPr sz="1102"/>
+              <a:defRPr sz="1575"/>
             </a:lvl6pPr>
-            <a:lvl7pPr marL="3023829" indent="0">
+            <a:lvl7pPr marL="4319991" indent="0">
               <a:buNone/>
-              <a:defRPr sz="1102"/>
+              <a:defRPr sz="1575"/>
             </a:lvl7pPr>
-            <a:lvl8pPr marL="3527801" indent="0">
+            <a:lvl8pPr marL="5039990" indent="0">
               <a:buNone/>
-              <a:defRPr sz="1102"/>
+              <a:defRPr sz="1575"/>
             </a:lvl8pPr>
-            <a:lvl9pPr marL="4031772" indent="0">
+            <a:lvl9pPr marL="5759988" indent="0">
               <a:buNone/>
-              <a:defRPr sz="1102"/>
+              <a:defRPr sz="1575"/>
             </a:lvl9pPr>
           </a:lstStyle>
           <a:p>
@@ -4559,7 +4932,7 @@
           <a:p>
             <a:fld id="{9AA7D095-A676-4F6B-9416-D65D798F5244}" type="datetimeFigureOut">
               <a:rPr lang="de-DE" smtClean="0"/>
-              <a:t>09.06.2015</a:t>
+              <a:t>06.07.2015</a:t>
             </a:fld>
             <a:endParaRPr lang="de-DE"/>
           </a:p>
@@ -4601,7 +4974,7 @@
           <a:p>
             <a:fld id="{7CA376D3-3280-4351-90C7-FED229B337FE}" type="slidenum">
               <a:rPr lang="de-DE" smtClean="0"/>
-              <a:t>‹Nr.›</a:t>
+              <a:t>‹#›</a:t>
             </a:fld>
             <a:endParaRPr lang="de-DE"/>
           </a:p>
@@ -4610,7 +4983,7 @@
     </p:spTree>
     <p:extLst>
       <p:ext uri="{BB962C8B-B14F-4D97-AF65-F5344CB8AC3E}">
-        <p14:creationId xmlns:p14="http://schemas.microsoft.com/office/powerpoint/2010/main" val="4047538936"/>
+        <p14:creationId xmlns:p14="http://schemas.microsoft.com/office/powerpoint/2010/main" val="3514035514"/>
       </p:ext>
     </p:extLst>
   </p:cSld>
@@ -4649,15 +5022,15 @@
         </p:nvSpPr>
         <p:spPr>
           <a:xfrm>
-            <a:off x="991891" y="503978"/>
-            <a:ext cx="4644443" cy="1763924"/>
+            <a:off x="991890" y="719984"/>
+            <a:ext cx="4644444" cy="2519945"/>
           </a:xfrm>
         </p:spPr>
         <p:txBody>
           <a:bodyPr anchor="b"/>
           <a:lstStyle>
             <a:lvl1pPr>
-              <a:defRPr sz="3527"/>
+              <a:defRPr sz="5039"/>
             </a:lvl1pPr>
           </a:lstStyle>
           <a:p>
@@ -4681,8 +5054,8 @@
         </p:nvSpPr>
         <p:spPr>
           <a:xfrm>
-            <a:off x="6121966" y="1088454"/>
-            <a:ext cx="7290108" cy="5372269"/>
+            <a:off x="6121966" y="1554968"/>
+            <a:ext cx="7290108" cy="7674832"/>
           </a:xfrm>
         </p:spPr>
         <p:txBody>
@@ -4690,39 +5063,39 @@
           <a:lstStyle>
             <a:lvl1pPr marL="0" indent="0">
               <a:buNone/>
-              <a:defRPr sz="3527"/>
+              <a:defRPr sz="5039"/>
             </a:lvl1pPr>
-            <a:lvl2pPr marL="503972" indent="0">
+            <a:lvl2pPr marL="719999" indent="0">
               <a:buNone/>
-              <a:defRPr sz="3086"/>
+              <a:defRPr sz="4409"/>
             </a:lvl2pPr>
-            <a:lvl3pPr marL="1007943" indent="0">
+            <a:lvl3pPr marL="1439997" indent="0">
               <a:buNone/>
-              <a:defRPr sz="2646"/>
+              <a:defRPr sz="3780"/>
             </a:lvl3pPr>
-            <a:lvl4pPr marL="1511915" indent="0">
+            <a:lvl4pPr marL="2159996" indent="0">
               <a:buNone/>
-              <a:defRPr sz="2205"/>
+              <a:defRPr sz="3150"/>
             </a:lvl4pPr>
-            <a:lvl5pPr marL="2015886" indent="0">
+            <a:lvl5pPr marL="2879994" indent="0">
               <a:buNone/>
-              <a:defRPr sz="2205"/>
+              <a:defRPr sz="3150"/>
             </a:lvl5pPr>
-            <a:lvl6pPr marL="2519858" indent="0">
+            <a:lvl6pPr marL="3599993" indent="0">
               <a:buNone/>
-              <a:defRPr sz="2205"/>
+              <a:defRPr sz="3150"/>
             </a:lvl6pPr>
-            <a:lvl7pPr marL="3023829" indent="0">
+            <a:lvl7pPr marL="4319991" indent="0">
               <a:buNone/>
-              <a:defRPr sz="2205"/>
+              <a:defRPr sz="3150"/>
             </a:lvl7pPr>
-            <a:lvl8pPr marL="3527801" indent="0">
+            <a:lvl8pPr marL="5039990" indent="0">
               <a:buNone/>
-              <a:defRPr sz="2205"/>
+              <a:defRPr sz="3150"/>
             </a:lvl8pPr>
-            <a:lvl9pPr marL="4031772" indent="0">
+            <a:lvl9pPr marL="5759988" indent="0">
               <a:buNone/>
-              <a:defRPr sz="2205"/>
+              <a:defRPr sz="3150"/>
             </a:lvl9pPr>
           </a:lstStyle>
           <a:p>
@@ -4746,8 +5119,8 @@
         </p:nvSpPr>
         <p:spPr>
           <a:xfrm>
-            <a:off x="991891" y="2267902"/>
-            <a:ext cx="4644443" cy="4201570"/>
+            <a:off x="991890" y="3239929"/>
+            <a:ext cx="4644444" cy="6002369"/>
           </a:xfrm>
         </p:spPr>
         <p:txBody>
@@ -4755,39 +5128,39 @@
           <a:lstStyle>
             <a:lvl1pPr marL="0" indent="0">
               <a:buNone/>
-              <a:defRPr sz="1764"/>
+              <a:defRPr sz="2520"/>
             </a:lvl1pPr>
-            <a:lvl2pPr marL="503972" indent="0">
+            <a:lvl2pPr marL="719999" indent="0">
               <a:buNone/>
-              <a:defRPr sz="1543"/>
+              <a:defRPr sz="2205"/>
             </a:lvl2pPr>
-            <a:lvl3pPr marL="1007943" indent="0">
+            <a:lvl3pPr marL="1439997" indent="0">
               <a:buNone/>
-              <a:defRPr sz="1323"/>
+              <a:defRPr sz="1890"/>
             </a:lvl3pPr>
-            <a:lvl4pPr marL="1511915" indent="0">
+            <a:lvl4pPr marL="2159996" indent="0">
               <a:buNone/>
-              <a:defRPr sz="1102"/>
+              <a:defRPr sz="1575"/>
             </a:lvl4pPr>
-            <a:lvl5pPr marL="2015886" indent="0">
+            <a:lvl5pPr marL="2879994" indent="0">
               <a:buNone/>
-              <a:defRPr sz="1102"/>
+              <a:defRPr sz="1575"/>
             </a:lvl5pPr>
-            <a:lvl6pPr marL="2519858" indent="0">
+            <a:lvl6pPr marL="3599993" indent="0">
               <a:buNone/>
-              <a:defRPr sz="1102"/>
+              <a:defRPr sz="1575"/>
             </a:lvl6pPr>
-            <a:lvl7pPr marL="3023829" indent="0">
+            <a:lvl7pPr marL="4319991" indent="0">
               <a:buNone/>
-              <a:defRPr sz="1102"/>
+              <a:defRPr sz="1575"/>
             </a:lvl7pPr>
-            <a:lvl8pPr marL="3527801" indent="0">
+            <a:lvl8pPr marL="5039990" indent="0">
               <a:buNone/>
-              <a:defRPr sz="1102"/>
+              <a:defRPr sz="1575"/>
             </a:lvl8pPr>
-            <a:lvl9pPr marL="4031772" indent="0">
+            <a:lvl9pPr marL="5759988" indent="0">
               <a:buNone/>
-              <a:defRPr sz="1102"/>
+              <a:defRPr sz="1575"/>
             </a:lvl9pPr>
           </a:lstStyle>
           <a:p>
@@ -4816,7 +5189,7 @@
           <a:p>
             <a:fld id="{9AA7D095-A676-4F6B-9416-D65D798F5244}" type="datetimeFigureOut">
               <a:rPr lang="de-DE" smtClean="0"/>
-              <a:t>09.06.2015</a:t>
+              <a:t>06.07.2015</a:t>
             </a:fld>
             <a:endParaRPr lang="de-DE"/>
           </a:p>
@@ -4858,7 +5231,7 @@
           <a:p>
             <a:fld id="{7CA376D3-3280-4351-90C7-FED229B337FE}" type="slidenum">
               <a:rPr lang="de-DE" smtClean="0"/>
-              <a:t>‹Nr.›</a:t>
+              <a:t>‹#›</a:t>
             </a:fld>
             <a:endParaRPr lang="de-DE"/>
           </a:p>
@@ -4867,7 +5240,7 @@
     </p:spTree>
     <p:extLst>
       <p:ext uri="{BB962C8B-B14F-4D97-AF65-F5344CB8AC3E}">
-        <p14:creationId xmlns:p14="http://schemas.microsoft.com/office/powerpoint/2010/main" val="2356070797"/>
+        <p14:creationId xmlns:p14="http://schemas.microsoft.com/office/powerpoint/2010/main" val="1769217817"/>
       </p:ext>
     </p:extLst>
   </p:cSld>
@@ -4911,8 +5284,8 @@
         </p:nvSpPr>
         <p:spPr>
           <a:xfrm>
-            <a:off x="990015" y="402483"/>
-            <a:ext cx="12420184" cy="1461188"/>
+            <a:off x="990015" y="574990"/>
+            <a:ext cx="12420184" cy="2087455"/>
           </a:xfrm>
           <a:prstGeom prst="rect">
             <a:avLst/>
@@ -4944,8 +5317,8 @@
         </p:nvSpPr>
         <p:spPr>
           <a:xfrm>
-            <a:off x="990015" y="2012414"/>
-            <a:ext cx="12420184" cy="4796544"/>
+            <a:off x="990015" y="2874937"/>
+            <a:ext cx="12420184" cy="6852350"/>
           </a:xfrm>
           <a:prstGeom prst="rect">
             <a:avLst/>
@@ -5006,8 +5379,8 @@
         </p:nvSpPr>
         <p:spPr>
           <a:xfrm>
-            <a:off x="990015" y="7006699"/>
-            <a:ext cx="3240048" cy="402483"/>
+            <a:off x="990015" y="10009783"/>
+            <a:ext cx="3240048" cy="574987"/>
           </a:xfrm>
           <a:prstGeom prst="rect">
             <a:avLst/>
@@ -5017,7 +5390,7 @@
           <a:bodyPr vert="horz" lIns="91440" tIns="45720" rIns="91440" bIns="45720" rtlCol="0" anchor="ctr"/>
           <a:lstStyle>
             <a:lvl1pPr algn="l">
-              <a:defRPr sz="1323">
+              <a:defRPr sz="1890">
                 <a:solidFill>
                   <a:schemeClr val="tx1">
                     <a:tint val="75000"/>
@@ -5029,7 +5402,7 @@
           <a:p>
             <a:fld id="{9AA7D095-A676-4F6B-9416-D65D798F5244}" type="datetimeFigureOut">
               <a:rPr lang="de-DE" smtClean="0"/>
-              <a:t>09.06.2015</a:t>
+              <a:t>06.07.2015</a:t>
             </a:fld>
             <a:endParaRPr lang="de-DE"/>
           </a:p>
@@ -5047,8 +5420,8 @@
         </p:nvSpPr>
         <p:spPr>
           <a:xfrm>
-            <a:off x="4770071" y="7006699"/>
-            <a:ext cx="4860072" cy="402483"/>
+            <a:off x="4770071" y="10009783"/>
+            <a:ext cx="4860072" cy="574987"/>
           </a:xfrm>
           <a:prstGeom prst="rect">
             <a:avLst/>
@@ -5058,7 +5431,7 @@
           <a:bodyPr vert="horz" lIns="91440" tIns="45720" rIns="91440" bIns="45720" rtlCol="0" anchor="ctr"/>
           <a:lstStyle>
             <a:lvl1pPr algn="ctr">
-              <a:defRPr sz="1323">
+              <a:defRPr sz="1890">
                 <a:solidFill>
                   <a:schemeClr val="tx1">
                     <a:tint val="75000"/>
@@ -5084,8 +5457,8 @@
         </p:nvSpPr>
         <p:spPr>
           <a:xfrm>
-            <a:off x="10170150" y="7006699"/>
-            <a:ext cx="3240048" cy="402483"/>
+            <a:off x="10170150" y="10009783"/>
+            <a:ext cx="3240048" cy="574987"/>
           </a:xfrm>
           <a:prstGeom prst="rect">
             <a:avLst/>
@@ -5095,7 +5468,7 @@
           <a:bodyPr vert="horz" lIns="91440" tIns="45720" rIns="91440" bIns="45720" rtlCol="0" anchor="ctr"/>
           <a:lstStyle>
             <a:lvl1pPr algn="r">
-              <a:defRPr sz="1323">
+              <a:defRPr sz="1890">
                 <a:solidFill>
                   <a:schemeClr val="tx1">
                     <a:tint val="75000"/>
@@ -5107,7 +5480,7 @@
           <a:p>
             <a:fld id="{7CA376D3-3280-4351-90C7-FED229B337FE}" type="slidenum">
               <a:rPr lang="de-DE" smtClean="0"/>
-              <a:t>‹Nr.›</a:t>
+              <a:t>‹#›</a:t>
             </a:fld>
             <a:endParaRPr lang="de-DE"/>
           </a:p>
@@ -5116,27 +5489,27 @@
     </p:spTree>
     <p:extLst>
       <p:ext uri="{BB962C8B-B14F-4D97-AF65-F5344CB8AC3E}">
-        <p14:creationId xmlns:p14="http://schemas.microsoft.com/office/powerpoint/2010/main" val="2346701237"/>
+        <p14:creationId xmlns:p14="http://schemas.microsoft.com/office/powerpoint/2010/main" val="1338746637"/>
       </p:ext>
     </p:extLst>
   </p:cSld>
   <p:clrMap bg1="lt1" tx1="dk1" bg2="lt2" tx2="dk2" accent1="accent1" accent2="accent2" accent3="accent3" accent4="accent4" accent5="accent5" accent6="accent6" hlink="hlink" folHlink="folHlink"/>
   <p:sldLayoutIdLst>
-    <p:sldLayoutId id="2147483673" r:id="rId1"/>
-    <p:sldLayoutId id="2147483674" r:id="rId2"/>
-    <p:sldLayoutId id="2147483675" r:id="rId3"/>
-    <p:sldLayoutId id="2147483676" r:id="rId4"/>
-    <p:sldLayoutId id="2147483677" r:id="rId5"/>
-    <p:sldLayoutId id="2147483678" r:id="rId6"/>
-    <p:sldLayoutId id="2147483679" r:id="rId7"/>
-    <p:sldLayoutId id="2147483680" r:id="rId8"/>
-    <p:sldLayoutId id="2147483681" r:id="rId9"/>
-    <p:sldLayoutId id="2147483682" r:id="rId10"/>
-    <p:sldLayoutId id="2147483683" r:id="rId11"/>
+    <p:sldLayoutId id="2147483685" r:id="rId1"/>
+    <p:sldLayoutId id="2147483686" r:id="rId2"/>
+    <p:sldLayoutId id="2147483687" r:id="rId3"/>
+    <p:sldLayoutId id="2147483688" r:id="rId4"/>
+    <p:sldLayoutId id="2147483689" r:id="rId5"/>
+    <p:sldLayoutId id="2147483690" r:id="rId6"/>
+    <p:sldLayoutId id="2147483691" r:id="rId7"/>
+    <p:sldLayoutId id="2147483692" r:id="rId8"/>
+    <p:sldLayoutId id="2147483693" r:id="rId9"/>
+    <p:sldLayoutId id="2147483694" r:id="rId10"/>
+    <p:sldLayoutId id="2147483695" r:id="rId11"/>
   </p:sldLayoutIdLst>
   <p:txStyles>
     <p:titleStyle>
-      <a:lvl1pPr algn="l" defTabSz="1007943" rtl="0" eaLnBrk="1" latinLnBrk="0" hangingPunct="1">
+      <a:lvl1pPr algn="l" defTabSz="1439997" rtl="0" eaLnBrk="1" latinLnBrk="0" hangingPunct="1">
         <a:lnSpc>
           <a:spcPct val="90000"/>
         </a:lnSpc>
@@ -5144,7 +5517,7 @@
           <a:spcPct val="0"/>
         </a:spcBef>
         <a:buNone/>
-        <a:defRPr sz="4850" kern="1200">
+        <a:defRPr sz="6929" kern="1200">
           <a:solidFill>
             <a:schemeClr val="tx1"/>
           </a:solidFill>
@@ -5155,16 +5528,16 @@
       </a:lvl1pPr>
     </p:titleStyle>
     <p:bodyStyle>
-      <a:lvl1pPr marL="251986" indent="-251986" algn="l" defTabSz="1007943" rtl="0" eaLnBrk="1" latinLnBrk="0" hangingPunct="1">
+      <a:lvl1pPr marL="359999" indent="-359999" algn="l" defTabSz="1439997" rtl="0" eaLnBrk="1" latinLnBrk="0" hangingPunct="1">
         <a:lnSpc>
           <a:spcPct val="90000"/>
         </a:lnSpc>
         <a:spcBef>
-          <a:spcPts val="1102"/>
+          <a:spcPts val="1575"/>
         </a:spcBef>
         <a:buFont typeface="Arial" panose="020B0604020202020204" pitchFamily="34" charset="0"/>
         <a:buChar char="•"/>
-        <a:defRPr sz="3086" kern="1200">
+        <a:defRPr sz="4409" kern="1200">
           <a:solidFill>
             <a:schemeClr val="tx1"/>
           </a:solidFill>
@@ -5173,16 +5546,16 @@
           <a:cs typeface="+mn-cs"/>
         </a:defRPr>
       </a:lvl1pPr>
-      <a:lvl2pPr marL="755957" indent="-251986" algn="l" defTabSz="1007943" rtl="0" eaLnBrk="1" latinLnBrk="0" hangingPunct="1">
+      <a:lvl2pPr marL="1079998" indent="-359999" algn="l" defTabSz="1439997" rtl="0" eaLnBrk="1" latinLnBrk="0" hangingPunct="1">
         <a:lnSpc>
           <a:spcPct val="90000"/>
         </a:lnSpc>
         <a:spcBef>
-          <a:spcPts val="551"/>
+          <a:spcPts val="787"/>
         </a:spcBef>
         <a:buFont typeface="Arial" panose="020B0604020202020204" pitchFamily="34" charset="0"/>
         <a:buChar char="•"/>
-        <a:defRPr sz="2646" kern="1200">
+        <a:defRPr sz="3780" kern="1200">
           <a:solidFill>
             <a:schemeClr val="tx1"/>
           </a:solidFill>
@@ -5191,16 +5564,16 @@
           <a:cs typeface="+mn-cs"/>
         </a:defRPr>
       </a:lvl2pPr>
-      <a:lvl3pPr marL="1259929" indent="-251986" algn="l" defTabSz="1007943" rtl="0" eaLnBrk="1" latinLnBrk="0" hangingPunct="1">
+      <a:lvl3pPr marL="1799996" indent="-359999" algn="l" defTabSz="1439997" rtl="0" eaLnBrk="1" latinLnBrk="0" hangingPunct="1">
         <a:lnSpc>
           <a:spcPct val="90000"/>
         </a:lnSpc>
         <a:spcBef>
-          <a:spcPts val="551"/>
+          <a:spcPts val="787"/>
         </a:spcBef>
         <a:buFont typeface="Arial" panose="020B0604020202020204" pitchFamily="34" charset="0"/>
         <a:buChar char="•"/>
-        <a:defRPr sz="2205" kern="1200">
+        <a:defRPr sz="3150" kern="1200">
           <a:solidFill>
             <a:schemeClr val="tx1"/>
           </a:solidFill>
@@ -5209,16 +5582,16 @@
           <a:cs typeface="+mn-cs"/>
         </a:defRPr>
       </a:lvl3pPr>
-      <a:lvl4pPr marL="1763900" indent="-251986" algn="l" defTabSz="1007943" rtl="0" eaLnBrk="1" latinLnBrk="0" hangingPunct="1">
+      <a:lvl4pPr marL="2519995" indent="-359999" algn="l" defTabSz="1439997" rtl="0" eaLnBrk="1" latinLnBrk="0" hangingPunct="1">
         <a:lnSpc>
           <a:spcPct val="90000"/>
         </a:lnSpc>
         <a:spcBef>
-          <a:spcPts val="551"/>
+          <a:spcPts val="787"/>
         </a:spcBef>
         <a:buFont typeface="Arial" panose="020B0604020202020204" pitchFamily="34" charset="0"/>
         <a:buChar char="•"/>
-        <a:defRPr sz="1984" kern="1200">
+        <a:defRPr sz="2835" kern="1200">
           <a:solidFill>
             <a:schemeClr val="tx1"/>
           </a:solidFill>
@@ -5227,16 +5600,16 @@
           <a:cs typeface="+mn-cs"/>
         </a:defRPr>
       </a:lvl4pPr>
-      <a:lvl5pPr marL="2267872" indent="-251986" algn="l" defTabSz="1007943" rtl="0" eaLnBrk="1" latinLnBrk="0" hangingPunct="1">
+      <a:lvl5pPr marL="3239994" indent="-359999" algn="l" defTabSz="1439997" rtl="0" eaLnBrk="1" latinLnBrk="0" hangingPunct="1">
         <a:lnSpc>
           <a:spcPct val="90000"/>
         </a:lnSpc>
         <a:spcBef>
-          <a:spcPts val="551"/>
+          <a:spcPts val="787"/>
         </a:spcBef>
         <a:buFont typeface="Arial" panose="020B0604020202020204" pitchFamily="34" charset="0"/>
         <a:buChar char="•"/>
-        <a:defRPr sz="1984" kern="1200">
+        <a:defRPr sz="2835" kern="1200">
           <a:solidFill>
             <a:schemeClr val="tx1"/>
           </a:solidFill>
@@ -5245,16 +5618,16 @@
           <a:cs typeface="+mn-cs"/>
         </a:defRPr>
       </a:lvl5pPr>
-      <a:lvl6pPr marL="2771844" indent="-251986" algn="l" defTabSz="1007943" rtl="0" eaLnBrk="1" latinLnBrk="0" hangingPunct="1">
+      <a:lvl6pPr marL="3959992" indent="-359999" algn="l" defTabSz="1439997" rtl="0" eaLnBrk="1" latinLnBrk="0" hangingPunct="1">
         <a:lnSpc>
           <a:spcPct val="90000"/>
         </a:lnSpc>
         <a:spcBef>
-          <a:spcPts val="551"/>
+          <a:spcPts val="787"/>
         </a:spcBef>
         <a:buFont typeface="Arial" panose="020B0604020202020204" pitchFamily="34" charset="0"/>
         <a:buChar char="•"/>
-        <a:defRPr sz="1984" kern="1200">
+        <a:defRPr sz="2835" kern="1200">
           <a:solidFill>
             <a:schemeClr val="tx1"/>
           </a:solidFill>
@@ -5263,16 +5636,16 @@
           <a:cs typeface="+mn-cs"/>
         </a:defRPr>
       </a:lvl6pPr>
-      <a:lvl7pPr marL="3275815" indent="-251986" algn="l" defTabSz="1007943" rtl="0" eaLnBrk="1" latinLnBrk="0" hangingPunct="1">
+      <a:lvl7pPr marL="4679991" indent="-359999" algn="l" defTabSz="1439997" rtl="0" eaLnBrk="1" latinLnBrk="0" hangingPunct="1">
         <a:lnSpc>
           <a:spcPct val="90000"/>
         </a:lnSpc>
         <a:spcBef>
-          <a:spcPts val="551"/>
+          <a:spcPts val="787"/>
         </a:spcBef>
         <a:buFont typeface="Arial" panose="020B0604020202020204" pitchFamily="34" charset="0"/>
         <a:buChar char="•"/>
-        <a:defRPr sz="1984" kern="1200">
+        <a:defRPr sz="2835" kern="1200">
           <a:solidFill>
             <a:schemeClr val="tx1"/>
           </a:solidFill>
@@ -5281,16 +5654,16 @@
           <a:cs typeface="+mn-cs"/>
         </a:defRPr>
       </a:lvl7pPr>
-      <a:lvl8pPr marL="3779787" indent="-251986" algn="l" defTabSz="1007943" rtl="0" eaLnBrk="1" latinLnBrk="0" hangingPunct="1">
+      <a:lvl8pPr marL="5399989" indent="-359999" algn="l" defTabSz="1439997" rtl="0" eaLnBrk="1" latinLnBrk="0" hangingPunct="1">
         <a:lnSpc>
           <a:spcPct val="90000"/>
         </a:lnSpc>
         <a:spcBef>
-          <a:spcPts val="551"/>
+          <a:spcPts val="787"/>
         </a:spcBef>
         <a:buFont typeface="Arial" panose="020B0604020202020204" pitchFamily="34" charset="0"/>
         <a:buChar char="•"/>
-        <a:defRPr sz="1984" kern="1200">
+        <a:defRPr sz="2835" kern="1200">
           <a:solidFill>
             <a:schemeClr val="tx1"/>
           </a:solidFill>
@@ -5299,16 +5672,16 @@
           <a:cs typeface="+mn-cs"/>
         </a:defRPr>
       </a:lvl8pPr>
-      <a:lvl9pPr marL="4283758" indent="-251986" algn="l" defTabSz="1007943" rtl="0" eaLnBrk="1" latinLnBrk="0" hangingPunct="1">
+      <a:lvl9pPr marL="6119988" indent="-359999" algn="l" defTabSz="1439997" rtl="0" eaLnBrk="1" latinLnBrk="0" hangingPunct="1">
         <a:lnSpc>
           <a:spcPct val="90000"/>
         </a:lnSpc>
         <a:spcBef>
-          <a:spcPts val="551"/>
+          <a:spcPts val="787"/>
         </a:spcBef>
         <a:buFont typeface="Arial" panose="020B0604020202020204" pitchFamily="34" charset="0"/>
         <a:buChar char="•"/>
-        <a:defRPr sz="1984" kern="1200">
+        <a:defRPr sz="2835" kern="1200">
           <a:solidFill>
             <a:schemeClr val="tx1"/>
           </a:solidFill>
@@ -5322,8 +5695,8 @@
       <a:defPPr>
         <a:defRPr lang="en-US"/>
       </a:defPPr>
-      <a:lvl1pPr marL="0" algn="l" defTabSz="1007943" rtl="0" eaLnBrk="1" latinLnBrk="0" hangingPunct="1">
-        <a:defRPr sz="1984" kern="1200">
+      <a:lvl1pPr marL="0" algn="l" defTabSz="1439997" rtl="0" eaLnBrk="1" latinLnBrk="0" hangingPunct="1">
+        <a:defRPr sz="2835" kern="1200">
           <a:solidFill>
             <a:schemeClr val="tx1"/>
           </a:solidFill>
@@ -5332,8 +5705,8 @@
           <a:cs typeface="+mn-cs"/>
         </a:defRPr>
       </a:lvl1pPr>
-      <a:lvl2pPr marL="503972" algn="l" defTabSz="1007943" rtl="0" eaLnBrk="1" latinLnBrk="0" hangingPunct="1">
-        <a:defRPr sz="1984" kern="1200">
+      <a:lvl2pPr marL="719999" algn="l" defTabSz="1439997" rtl="0" eaLnBrk="1" latinLnBrk="0" hangingPunct="1">
+        <a:defRPr sz="2835" kern="1200">
           <a:solidFill>
             <a:schemeClr val="tx1"/>
           </a:solidFill>
@@ -5342,8 +5715,8 @@
           <a:cs typeface="+mn-cs"/>
         </a:defRPr>
       </a:lvl2pPr>
-      <a:lvl3pPr marL="1007943" algn="l" defTabSz="1007943" rtl="0" eaLnBrk="1" latinLnBrk="0" hangingPunct="1">
-        <a:defRPr sz="1984" kern="1200">
+      <a:lvl3pPr marL="1439997" algn="l" defTabSz="1439997" rtl="0" eaLnBrk="1" latinLnBrk="0" hangingPunct="1">
+        <a:defRPr sz="2835" kern="1200">
           <a:solidFill>
             <a:schemeClr val="tx1"/>
           </a:solidFill>
@@ -5352,8 +5725,8 @@
           <a:cs typeface="+mn-cs"/>
         </a:defRPr>
       </a:lvl3pPr>
-      <a:lvl4pPr marL="1511915" algn="l" defTabSz="1007943" rtl="0" eaLnBrk="1" latinLnBrk="0" hangingPunct="1">
-        <a:defRPr sz="1984" kern="1200">
+      <a:lvl4pPr marL="2159996" algn="l" defTabSz="1439997" rtl="0" eaLnBrk="1" latinLnBrk="0" hangingPunct="1">
+        <a:defRPr sz="2835" kern="1200">
           <a:solidFill>
             <a:schemeClr val="tx1"/>
           </a:solidFill>
@@ -5362,8 +5735,8 @@
           <a:cs typeface="+mn-cs"/>
         </a:defRPr>
       </a:lvl4pPr>
-      <a:lvl5pPr marL="2015886" algn="l" defTabSz="1007943" rtl="0" eaLnBrk="1" latinLnBrk="0" hangingPunct="1">
-        <a:defRPr sz="1984" kern="1200">
+      <a:lvl5pPr marL="2879994" algn="l" defTabSz="1439997" rtl="0" eaLnBrk="1" latinLnBrk="0" hangingPunct="1">
+        <a:defRPr sz="2835" kern="1200">
           <a:solidFill>
             <a:schemeClr val="tx1"/>
           </a:solidFill>
@@ -5372,8 +5745,8 @@
           <a:cs typeface="+mn-cs"/>
         </a:defRPr>
       </a:lvl5pPr>
-      <a:lvl6pPr marL="2519858" algn="l" defTabSz="1007943" rtl="0" eaLnBrk="1" latinLnBrk="0" hangingPunct="1">
-        <a:defRPr sz="1984" kern="1200">
+      <a:lvl6pPr marL="3599993" algn="l" defTabSz="1439997" rtl="0" eaLnBrk="1" latinLnBrk="0" hangingPunct="1">
+        <a:defRPr sz="2835" kern="1200">
           <a:solidFill>
             <a:schemeClr val="tx1"/>
           </a:solidFill>
@@ -5382,8 +5755,8 @@
           <a:cs typeface="+mn-cs"/>
         </a:defRPr>
       </a:lvl6pPr>
-      <a:lvl7pPr marL="3023829" algn="l" defTabSz="1007943" rtl="0" eaLnBrk="1" latinLnBrk="0" hangingPunct="1">
-        <a:defRPr sz="1984" kern="1200">
+      <a:lvl7pPr marL="4319991" algn="l" defTabSz="1439997" rtl="0" eaLnBrk="1" latinLnBrk="0" hangingPunct="1">
+        <a:defRPr sz="2835" kern="1200">
           <a:solidFill>
             <a:schemeClr val="tx1"/>
           </a:solidFill>
@@ -5392,8 +5765,8 @@
           <a:cs typeface="+mn-cs"/>
         </a:defRPr>
       </a:lvl7pPr>
-      <a:lvl8pPr marL="3527801" algn="l" defTabSz="1007943" rtl="0" eaLnBrk="1" latinLnBrk="0" hangingPunct="1">
-        <a:defRPr sz="1984" kern="1200">
+      <a:lvl8pPr marL="5039990" algn="l" defTabSz="1439997" rtl="0" eaLnBrk="1" latinLnBrk="0" hangingPunct="1">
+        <a:defRPr sz="2835" kern="1200">
           <a:solidFill>
             <a:schemeClr val="tx1"/>
           </a:solidFill>
@@ -5402,8 +5775,8 @@
           <a:cs typeface="+mn-cs"/>
         </a:defRPr>
       </a:lvl8pPr>
-      <a:lvl9pPr marL="4031772" algn="l" defTabSz="1007943" rtl="0" eaLnBrk="1" latinLnBrk="0" hangingPunct="1">
-        <a:defRPr sz="1984" kern="1200">
+      <a:lvl9pPr marL="5759988" algn="l" defTabSz="1439997" rtl="0" eaLnBrk="1" latinLnBrk="0" hangingPunct="1">
+        <a:defRPr sz="2835" kern="1200">
           <a:solidFill>
             <a:schemeClr val="tx1"/>
           </a:solidFill>
@@ -5442,7 +5815,7 @@
         </p:nvSpPr>
         <p:spPr>
           <a:xfrm>
-            <a:off x="1627565" y="2556948"/>
+            <a:off x="1627566" y="4176993"/>
             <a:ext cx="1701107" cy="2215991"/>
           </a:xfrm>
           <a:prstGeom prst="rect">
@@ -5476,7 +5849,7 @@
         </p:nvCxnSpPr>
         <p:spPr>
           <a:xfrm>
-            <a:off x="3990183" y="3694112"/>
+            <a:off x="3990184" y="5314156"/>
             <a:ext cx="3057525" cy="0"/>
           </a:xfrm>
           <a:prstGeom prst="straightConnector1">
@@ -5515,7 +5888,7 @@
         </p:nvGrpSpPr>
         <p:grpSpPr>
           <a:xfrm>
-            <a:off x="7743031" y="2951163"/>
+            <a:off x="7743031" y="4571207"/>
             <a:ext cx="3105150" cy="1409700"/>
             <a:chOff x="6448425" y="3933826"/>
             <a:chExt cx="2628900" cy="1409700"/>
@@ -5658,7 +6031,7 @@
         </p:nvGrpSpPr>
         <p:grpSpPr>
           <a:xfrm>
-            <a:off x="2921350" y="2435133"/>
+            <a:off x="2921351" y="4055178"/>
             <a:ext cx="2839659" cy="2839659"/>
             <a:chOff x="6448425" y="3933826"/>
             <a:chExt cx="2628900" cy="1409700"/>
@@ -5768,7 +6141,7 @@
         </p:nvCxnSpPr>
         <p:spPr>
           <a:xfrm>
-            <a:off x="5819191" y="4545761"/>
+            <a:off x="5819192" y="6165806"/>
             <a:ext cx="2247191" cy="1115015"/>
           </a:xfrm>
           <a:prstGeom prst="straightConnector1">
@@ -5807,7 +6180,7 @@
         </p:nvCxnSpPr>
         <p:spPr>
           <a:xfrm flipV="1">
-            <a:off x="5837118" y="2031721"/>
+            <a:off x="5837118" y="3651766"/>
             <a:ext cx="2059640" cy="1133477"/>
           </a:xfrm>
           <a:prstGeom prst="straightConnector1">
@@ -5846,7 +6219,7 @@
         </p:nvGrpSpPr>
         <p:grpSpPr>
           <a:xfrm>
-            <a:off x="7472822" y="559386"/>
+            <a:off x="7472822" y="2179431"/>
             <a:ext cx="4056006" cy="2230805"/>
             <a:chOff x="996328" y="4911830"/>
             <a:chExt cx="2857500" cy="1571626"/>
@@ -5961,7 +6334,7 @@
         </p:blipFill>
         <p:spPr bwMode="auto">
           <a:xfrm>
-            <a:off x="8177422" y="5464259"/>
+            <a:off x="8177422" y="7084303"/>
             <a:ext cx="2729664" cy="1031206"/>
           </a:xfrm>
           <a:prstGeom prst="rect">
@@ -6024,7 +6397,7 @@
         </p:nvGrpSpPr>
         <p:grpSpPr>
           <a:xfrm>
-            <a:off x="1169403" y="4820888"/>
+            <a:off x="1169404" y="6440932"/>
             <a:ext cx="1496257" cy="679282"/>
             <a:chOff x="6448425" y="3933827"/>
             <a:chExt cx="2628900" cy="1409700"/>
@@ -6133,7 +6506,7 @@
         </p:nvSpPr>
         <p:spPr>
           <a:xfrm>
-            <a:off x="4366248" y="4887865"/>
+            <a:off x="4366249" y="6507909"/>
             <a:ext cx="1610387" cy="1610382"/>
           </a:xfrm>
           <a:prstGeom prst="ellipse">
@@ -6176,7 +6549,7 @@
           <a:p>
             <a:pPr algn="ctr"/>
             <a:r>
-              <a:rPr lang="en-US" sz="2000" b="1" dirty="0" smtClean="0"/>
+              <a:rPr lang="en-US" sz="2000" b="1" dirty="0"/>
               <a:t>Image</a:t>
             </a:r>
             <a:endParaRPr lang="de-DE" sz="2000" b="1" dirty="0"/>
@@ -6191,7 +6564,7 @@
         </p:nvSpPr>
         <p:spPr>
           <a:xfrm>
-            <a:off x="1073759" y="0"/>
+            <a:off x="1073759" y="1620044"/>
             <a:ext cx="1624914" cy="523220"/>
           </a:xfrm>
           <a:prstGeom prst="rect">
@@ -6206,7 +6579,7 @@
           <a:lstStyle/>
           <a:p>
             <a:r>
-              <a:rPr lang="en-US" sz="2800" b="1" dirty="0" smtClean="0"/>
+              <a:rPr lang="en-US" sz="2800" b="1" dirty="0"/>
               <a:t>inventory</a:t>
             </a:r>
             <a:endParaRPr lang="de-DE" sz="2800" b="1" dirty="0"/>
@@ -6221,7 +6594,7 @@
         </p:nvCxnSpPr>
         <p:spPr>
           <a:xfrm rot="19330395" flipV="1">
-            <a:off x="2661973" y="4548151"/>
+            <a:off x="2661973" y="6168196"/>
             <a:ext cx="1689754" cy="10481"/>
           </a:xfrm>
           <a:prstGeom prst="straightConnector1">
@@ -6260,7 +6633,7 @@
         </p:nvSpPr>
         <p:spPr>
           <a:xfrm>
-            <a:off x="2725663" y="3587877"/>
+            <a:off x="2725663" y="5207921"/>
             <a:ext cx="1646390" cy="523220"/>
           </a:xfrm>
           <a:prstGeom prst="rect">
@@ -6291,7 +6664,7 @@
         </p:nvSpPr>
         <p:spPr>
           <a:xfrm>
-            <a:off x="4366248" y="3055740"/>
+            <a:off x="4366249" y="4675784"/>
             <a:ext cx="1610387" cy="1610382"/>
           </a:xfrm>
           <a:prstGeom prst="ellipse">
@@ -6347,7 +6720,7 @@
         </p:nvSpPr>
         <p:spPr>
           <a:xfrm rot="2669759">
-            <a:off x="4059360" y="4611843"/>
+            <a:off x="4059361" y="6231888"/>
             <a:ext cx="2229507" cy="2238141"/>
           </a:xfrm>
           <a:prstGeom prst="plus">
@@ -6397,7 +6770,7 @@
         </p:nvSpPr>
         <p:spPr>
           <a:xfrm>
-            <a:off x="4465408" y="4844765"/>
+            <a:off x="4465408" y="6464809"/>
             <a:ext cx="1408522" cy="523220"/>
           </a:xfrm>
           <a:prstGeom prst="rect">
@@ -6428,7 +6801,7 @@
         </p:nvSpPr>
         <p:spPr>
           <a:xfrm>
-            <a:off x="4256223" y="2952051"/>
+            <a:off x="4256223" y="4572096"/>
             <a:ext cx="1868556" cy="3739133"/>
           </a:xfrm>
           <a:prstGeom prst="roundRect">
@@ -6477,7 +6850,7 @@
         </p:nvSpPr>
         <p:spPr>
           <a:xfrm>
-            <a:off x="4492859" y="2382216"/>
+            <a:off x="4492859" y="4002260"/>
             <a:ext cx="1408522" cy="523220"/>
           </a:xfrm>
           <a:prstGeom prst="rect">
@@ -6508,7 +6881,7 @@
         </p:nvGrpSpPr>
         <p:grpSpPr>
           <a:xfrm>
-            <a:off x="7154693" y="2339074"/>
+            <a:off x="7154693" y="3959119"/>
             <a:ext cx="2806054" cy="5115953"/>
             <a:chOff x="7080552" y="-132277"/>
             <a:chExt cx="2806054" cy="5115953"/>
@@ -6837,7 +7210,7 @@
         </p:nvGrpSpPr>
         <p:grpSpPr>
           <a:xfrm>
-            <a:off x="9852504" y="3128790"/>
+            <a:off x="9852505" y="5082943"/>
             <a:ext cx="1554733" cy="592848"/>
             <a:chOff x="2151794" y="398361"/>
             <a:chExt cx="1639950" cy="592848"/>
@@ -6922,7 +7295,7 @@
         </p:nvGrpSpPr>
         <p:grpSpPr>
           <a:xfrm rot="2145737">
-            <a:off x="9959800" y="4509335"/>
+            <a:off x="9959801" y="6463489"/>
             <a:ext cx="1747595" cy="562033"/>
             <a:chOff x="2214063" y="429176"/>
             <a:chExt cx="1577681" cy="562033"/>
@@ -7021,7 +7394,7 @@
         </p:blipFill>
         <p:spPr>
           <a:xfrm>
-            <a:off x="11544824" y="2853406"/>
+            <a:off x="11544824" y="4807559"/>
             <a:ext cx="2294064" cy="1436808"/>
           </a:xfrm>
           <a:prstGeom prst="rect">
@@ -7052,7 +7425,7 @@
         </p:blipFill>
         <p:spPr bwMode="auto">
           <a:xfrm>
-            <a:off x="11603642" y="4981153"/>
+            <a:off x="11603642" y="6935307"/>
             <a:ext cx="2241408" cy="1631745"/>
           </a:xfrm>
           <a:prstGeom prst="rect">
@@ -7078,7 +7451,7 @@
         </p:nvGrpSpPr>
         <p:grpSpPr>
           <a:xfrm rot="2019014">
-            <a:off x="6220420" y="3073224"/>
+            <a:off x="6220420" y="4693268"/>
             <a:ext cx="1560218" cy="962786"/>
             <a:chOff x="6082866" y="1872306"/>
             <a:chExt cx="1560218" cy="962786"/>
@@ -7189,7 +7562,7 @@
             <a:p>
               <a:pPr algn="ctr"/>
               <a:r>
-                <a:rPr lang="en-US" sz="2800" b="1" dirty="0" smtClean="0"/>
+                <a:rPr lang="en-US" sz="2800" b="1" dirty="0"/>
                 <a:t>run</a:t>
               </a:r>
               <a:endParaRPr lang="de-DE" sz="2800" b="1" dirty="0"/>
@@ -7220,7 +7593,7 @@
         </p:blipFill>
         <p:spPr bwMode="auto">
           <a:xfrm>
-            <a:off x="8944190" y="6833789"/>
+            <a:off x="8944191" y="8453833"/>
             <a:ext cx="1466377" cy="553964"/>
           </a:xfrm>
           <a:prstGeom prst="rect">
@@ -7246,7 +7619,7 @@
         </p:nvGrpSpPr>
         <p:grpSpPr>
           <a:xfrm>
-            <a:off x="7123670" y="-126049"/>
+            <a:off x="5409169" y="685104"/>
             <a:ext cx="3239954" cy="2215991"/>
             <a:chOff x="7477384" y="5317103"/>
             <a:chExt cx="3239954" cy="2215991"/>
@@ -7376,8 +7749,8 @@
           <p:nvPr/>
         </p:nvGrpSpPr>
         <p:grpSpPr>
-          <a:xfrm rot="16619105">
-            <a:off x="5632642" y="950897"/>
+          <a:xfrm rot="14630594">
+            <a:off x="4920464" y="2465435"/>
             <a:ext cx="2158000" cy="1871099"/>
             <a:chOff x="6193846" y="4323361"/>
             <a:chExt cx="2158000" cy="1871099"/>
@@ -7503,8 +7876,8 @@
           <p:nvPr/>
         </p:nvGrpSpPr>
         <p:grpSpPr>
-          <a:xfrm rot="17651277">
-            <a:off x="5756927" y="1995803"/>
+          <a:xfrm rot="15586793">
+            <a:off x="5431612" y="3334495"/>
             <a:ext cx="2158000" cy="1172414"/>
             <a:chOff x="6053845" y="5107898"/>
             <a:chExt cx="2158000" cy="1172414"/>
@@ -7598,7 +7971,7 @@
             <p:nvPr/>
           </p:nvSpPr>
           <p:spPr>
-            <a:xfrm rot="1861538">
+            <a:xfrm rot="1915980">
               <a:off x="6613888" y="5757092"/>
               <a:ext cx="1335331" cy="523220"/>
             </a:xfrm>
@@ -7631,7 +8004,7 @@
         </p:nvGrpSpPr>
         <p:grpSpPr>
           <a:xfrm rot="2542460">
-            <a:off x="2685358" y="2530805"/>
+            <a:off x="2685359" y="4150849"/>
             <a:ext cx="1920481" cy="673166"/>
             <a:chOff x="2334271" y="318043"/>
             <a:chExt cx="1457473" cy="673166"/>
@@ -7712,7 +8085,7 @@
         </p:nvGrpSpPr>
         <p:grpSpPr>
           <a:xfrm>
-            <a:off x="265977" y="2266599"/>
+            <a:off x="265977" y="3886643"/>
             <a:ext cx="3320724" cy="1569660"/>
             <a:chOff x="272155" y="308052"/>
             <a:chExt cx="3320724" cy="1569661"/>
@@ -7828,7 +8201,7 @@
             <a:p>
               <a:pPr algn="ctr"/>
               <a:r>
-                <a:rPr lang="en-US" sz="1600" b="1" dirty="0" smtClean="0">
+                <a:rPr lang="en-US" sz="1600" b="1" dirty="0">
                   <a:solidFill>
                     <a:schemeClr val="bg1"/>
                   </a:solidFill>
@@ -7844,7 +8217,7 @@
             <a:p>
               <a:pPr algn="ctr"/>
               <a:r>
-                <a:rPr lang="en-US" sz="1600" b="1" dirty="0" smtClean="0">
+                <a:rPr lang="en-US" sz="1600" b="1" dirty="0">
                   <a:solidFill>
                     <a:schemeClr val="bg1"/>
                   </a:solidFill>
@@ -7868,7 +8241,7 @@
         </p:nvSpPr>
         <p:spPr>
           <a:xfrm>
-            <a:off x="1040524" y="520263"/>
+            <a:off x="1040524" y="2140307"/>
             <a:ext cx="1686910" cy="1901662"/>
           </a:xfrm>
           <a:prstGeom prst="roundRect">
@@ -7917,7 +8290,7 @@
         </p:nvGrpSpPr>
         <p:grpSpPr>
           <a:xfrm>
-            <a:off x="1155127" y="1575483"/>
+            <a:off x="1155128" y="3195527"/>
             <a:ext cx="1423555" cy="685800"/>
             <a:chOff x="1155127" y="1365420"/>
             <a:chExt cx="1423555" cy="685800"/>
@@ -7991,7 +8364,7 @@
             <a:p>
               <a:pPr algn="ctr"/>
               <a:r>
-                <a:rPr lang="en-US" sz="2000" b="1" dirty="0" smtClean="0">
+                <a:rPr lang="en-US" sz="2000" b="1" dirty="0">
                   <a:solidFill>
                     <a:schemeClr val="bg1"/>
                   </a:solidFill>
@@ -8015,7 +8388,7 @@
         </p:nvGrpSpPr>
         <p:grpSpPr>
           <a:xfrm>
-            <a:off x="1159246" y="720809"/>
+            <a:off x="1159247" y="2340853"/>
             <a:ext cx="1423555" cy="685800"/>
             <a:chOff x="1159246" y="646669"/>
             <a:chExt cx="1423555" cy="685800"/>
@@ -8089,7 +8462,7 @@
             <a:p>
               <a:pPr algn="ctr"/>
               <a:r>
-                <a:rPr lang="en-US" sz="2000" b="1" dirty="0" smtClean="0">
+                <a:rPr lang="en-US" sz="2000" b="1" dirty="0">
                   <a:solidFill>
                     <a:schemeClr val="bg1"/>
                   </a:solidFill>
@@ -8113,7 +8486,7 @@
         </p:nvGrpSpPr>
         <p:grpSpPr>
           <a:xfrm>
-            <a:off x="4477826" y="666512"/>
+            <a:off x="2904003" y="598432"/>
             <a:ext cx="1423555" cy="685800"/>
             <a:chOff x="1159246" y="646669"/>
             <a:chExt cx="1423555" cy="685800"/>
@@ -8194,7 +8567,7 @@
             <a:p>
               <a:pPr algn="ctr"/>
               <a:r>
-                <a:rPr lang="en-US" sz="2000" b="1" dirty="0" smtClean="0">
+                <a:rPr lang="en-US" sz="2000" b="1" dirty="0">
                   <a:solidFill>
                     <a:schemeClr val="bg1"/>
                   </a:solidFill>
@@ -8210,20 +8583,528 @@
           </p:txBody>
         </p:sp>
       </p:grpSp>
-      <p:cxnSp>
-        <p:nvCxnSpPr>
-          <p:cNvPr id="92" name="Straight Arrow Connector 62"/>
-          <p:cNvCxnSpPr/>
+      <p:grpSp>
+        <p:nvGrpSpPr>
+          <p:cNvPr id="8" name="Group 7"/>
+          <p:cNvGrpSpPr/>
           <p:nvPr/>
-        </p:nvCxnSpPr>
+        </p:nvGrpSpPr>
+        <p:grpSpPr>
+          <a:xfrm rot="20429919">
+            <a:off x="4592343" y="768494"/>
+            <a:ext cx="1390661" cy="1007553"/>
+            <a:chOff x="2789920" y="566271"/>
+            <a:chExt cx="1390661" cy="1007553"/>
+          </a:xfrm>
+        </p:grpSpPr>
+        <p:cxnSp>
+          <p:nvCxnSpPr>
+            <p:cNvPr id="92" name="Straight Arrow Connector 62"/>
+            <p:cNvCxnSpPr/>
+            <p:nvPr/>
+          </p:nvCxnSpPr>
+          <p:spPr>
+            <a:xfrm>
+              <a:off x="2789920" y="704012"/>
+              <a:ext cx="1368841" cy="869812"/>
+            </a:xfrm>
+            <a:prstGeom prst="straightConnector1">
+              <a:avLst/>
+            </a:prstGeom>
+            <a:ln w="142875">
+              <a:solidFill>
+                <a:schemeClr val="tx1">
+                  <a:lumMod val="50000"/>
+                  <a:lumOff val="50000"/>
+                </a:schemeClr>
+              </a:solidFill>
+              <a:tailEnd type="triangle"/>
+            </a:ln>
+          </p:spPr>
+          <p:style>
+            <a:lnRef idx="1">
+              <a:schemeClr val="accent1"/>
+            </a:lnRef>
+            <a:fillRef idx="0">
+              <a:schemeClr val="accent1"/>
+            </a:fillRef>
+            <a:effectRef idx="0">
+              <a:schemeClr val="accent1"/>
+            </a:effectRef>
+            <a:fontRef idx="minor">
+              <a:schemeClr val="tx1"/>
+            </a:fontRef>
+          </p:style>
+        </p:cxnSp>
+        <p:sp>
+          <p:nvSpPr>
+            <p:cNvPr id="94" name="TextBox 63"/>
+            <p:cNvSpPr txBox="1"/>
+            <p:nvPr/>
+          </p:nvSpPr>
+          <p:spPr>
+            <a:xfrm rot="1947300">
+              <a:off x="2845250" y="566271"/>
+              <a:ext cx="1335331" cy="523220"/>
+            </a:xfrm>
+            <a:prstGeom prst="rect">
+              <a:avLst/>
+            </a:prstGeom>
+            <a:noFill/>
+          </p:spPr>
+          <p:txBody>
+            <a:bodyPr wrap="square" rtlCol="0">
+              <a:spAutoFit/>
+            </a:bodyPr>
+            <a:lstStyle/>
+            <a:p>
+              <a:pPr algn="ctr"/>
+              <a:r>
+                <a:rPr lang="en-US" sz="2800" b="1" dirty="0"/>
+                <a:t>create</a:t>
+              </a:r>
+              <a:endParaRPr lang="de-DE" sz="2800" b="1" dirty="0"/>
+            </a:p>
+          </p:txBody>
+        </p:sp>
+      </p:grpSp>
+      <p:sp>
+        <p:nvSpPr>
+          <p:cNvPr id="31" name="Freeform 30"/>
+          <p:cNvSpPr/>
+          <p:nvPr/>
+        </p:nvSpPr>
         <p:spPr>
-          <a:xfrm flipV="1">
-            <a:off x="6148582" y="998999"/>
-            <a:ext cx="1370502" cy="10481"/>
+          <a:xfrm rot="16444475">
+            <a:off x="9445546" y="3774523"/>
+            <a:ext cx="1035917" cy="1080499"/>
           </a:xfrm>
-          <a:prstGeom prst="straightConnector1">
+          <a:custGeom>
             <a:avLst/>
-          </a:prstGeom>
+            <a:gdLst>
+              <a:gd name="connsiteX0" fmla="*/ 105508 w 2166585"/>
+              <a:gd name="connsiteY0" fmla="*/ 0 h 2444531"/>
+              <a:gd name="connsiteX1" fmla="*/ 2127738 w 2166585"/>
+              <a:gd name="connsiteY1" fmla="*/ 1345223 h 2444531"/>
+              <a:gd name="connsiteX2" fmla="*/ 1345223 w 2166585"/>
+              <a:gd name="connsiteY2" fmla="*/ 2444261 h 2444531"/>
+              <a:gd name="connsiteX3" fmla="*/ 211015 w 2166585"/>
+              <a:gd name="connsiteY3" fmla="*/ 1248508 h 2444531"/>
+              <a:gd name="connsiteX4" fmla="*/ 0 w 2166585"/>
+              <a:gd name="connsiteY4" fmla="*/ 870438 h 2444531"/>
+              <a:gd name="connsiteX0" fmla="*/ 105508 w 1719547"/>
+              <a:gd name="connsiteY0" fmla="*/ 0 h 2452308"/>
+              <a:gd name="connsiteX1" fmla="*/ 1645704 w 1719547"/>
+              <a:gd name="connsiteY1" fmla="*/ 590519 h 2452308"/>
+              <a:gd name="connsiteX2" fmla="*/ 1345223 w 1719547"/>
+              <a:gd name="connsiteY2" fmla="*/ 2444261 h 2452308"/>
+              <a:gd name="connsiteX3" fmla="*/ 211015 w 1719547"/>
+              <a:gd name="connsiteY3" fmla="*/ 1248508 h 2452308"/>
+              <a:gd name="connsiteX4" fmla="*/ 0 w 1719547"/>
+              <a:gd name="connsiteY4" fmla="*/ 870438 h 2452308"/>
+              <a:gd name="connsiteX0" fmla="*/ 105508 w 1773053"/>
+              <a:gd name="connsiteY0" fmla="*/ 0 h 2452306"/>
+              <a:gd name="connsiteX1" fmla="*/ 1645704 w 1773053"/>
+              <a:gd name="connsiteY1" fmla="*/ 590519 h 2452306"/>
+              <a:gd name="connsiteX2" fmla="*/ 1345223 w 1773053"/>
+              <a:gd name="connsiteY2" fmla="*/ 2444261 h 2452306"/>
+              <a:gd name="connsiteX3" fmla="*/ 211015 w 1773053"/>
+              <a:gd name="connsiteY3" fmla="*/ 1248508 h 2452306"/>
+              <a:gd name="connsiteX4" fmla="*/ 0 w 1773053"/>
+              <a:gd name="connsiteY4" fmla="*/ 870438 h 2452306"/>
+              <a:gd name="connsiteX0" fmla="*/ 272767 w 1707833"/>
+              <a:gd name="connsiteY0" fmla="*/ -1 h 2769509"/>
+              <a:gd name="connsiteX1" fmla="*/ 1645704 w 1707833"/>
+              <a:gd name="connsiteY1" fmla="*/ 907720 h 2769509"/>
+              <a:gd name="connsiteX2" fmla="*/ 1345223 w 1707833"/>
+              <a:gd name="connsiteY2" fmla="*/ 2761462 h 2769509"/>
+              <a:gd name="connsiteX3" fmla="*/ 211015 w 1707833"/>
+              <a:gd name="connsiteY3" fmla="*/ 1565709 h 2769509"/>
+              <a:gd name="connsiteX4" fmla="*/ 0 w 1707833"/>
+              <a:gd name="connsiteY4" fmla="*/ 1187639 h 2769509"/>
+              <a:gd name="connsiteX0" fmla="*/ 272767 w 1707833"/>
+              <a:gd name="connsiteY0" fmla="*/ 1 h 2769509"/>
+              <a:gd name="connsiteX1" fmla="*/ 1645704 w 1707833"/>
+              <a:gd name="connsiteY1" fmla="*/ 907722 h 2769509"/>
+              <a:gd name="connsiteX2" fmla="*/ 1345223 w 1707833"/>
+              <a:gd name="connsiteY2" fmla="*/ 2761464 h 2769509"/>
+              <a:gd name="connsiteX3" fmla="*/ 211015 w 1707833"/>
+              <a:gd name="connsiteY3" fmla="*/ 1565711 h 2769509"/>
+              <a:gd name="connsiteX4" fmla="*/ 0 w 1707833"/>
+              <a:gd name="connsiteY4" fmla="*/ 1187641 h 2769509"/>
+              <a:gd name="connsiteX0" fmla="*/ 272767 w 1668896"/>
+              <a:gd name="connsiteY0" fmla="*/ -1 h 2135095"/>
+              <a:gd name="connsiteX1" fmla="*/ 1645704 w 1668896"/>
+              <a:gd name="connsiteY1" fmla="*/ 907720 h 2135095"/>
+              <a:gd name="connsiteX2" fmla="*/ 1069305 w 1668896"/>
+              <a:gd name="connsiteY2" fmla="*/ 2119739 h 2135095"/>
+              <a:gd name="connsiteX3" fmla="*/ 211015 w 1668896"/>
+              <a:gd name="connsiteY3" fmla="*/ 1565709 h 2135095"/>
+              <a:gd name="connsiteX4" fmla="*/ 0 w 1668896"/>
+              <a:gd name="connsiteY4" fmla="*/ 1187639 h 2135095"/>
+              <a:gd name="connsiteX0" fmla="*/ 272767 w 1674676"/>
+              <a:gd name="connsiteY0" fmla="*/ 1 h 2137565"/>
+              <a:gd name="connsiteX1" fmla="*/ 1645704 w 1674676"/>
+              <a:gd name="connsiteY1" fmla="*/ 907722 h 2137565"/>
+              <a:gd name="connsiteX2" fmla="*/ 1069305 w 1674676"/>
+              <a:gd name="connsiteY2" fmla="*/ 2119741 h 2137565"/>
+              <a:gd name="connsiteX3" fmla="*/ 211015 w 1674676"/>
+              <a:gd name="connsiteY3" fmla="*/ 1565711 h 2137565"/>
+              <a:gd name="connsiteX4" fmla="*/ 0 w 1674676"/>
+              <a:gd name="connsiteY4" fmla="*/ 1187641 h 2137565"/>
+              <a:gd name="connsiteX0" fmla="*/ 272767 w 1571106"/>
+              <a:gd name="connsiteY0" fmla="*/ -1 h 2129034"/>
+              <a:gd name="connsiteX1" fmla="*/ 1543936 w 1571106"/>
+              <a:gd name="connsiteY1" fmla="*/ 1075043 h 2129034"/>
+              <a:gd name="connsiteX2" fmla="*/ 1069305 w 1571106"/>
+              <a:gd name="connsiteY2" fmla="*/ 2119739 h 2129034"/>
+              <a:gd name="connsiteX3" fmla="*/ 211015 w 1571106"/>
+              <a:gd name="connsiteY3" fmla="*/ 1565709 h 2129034"/>
+              <a:gd name="connsiteX4" fmla="*/ 0 w 1571106"/>
+              <a:gd name="connsiteY4" fmla="*/ 1187639 h 2129034"/>
+              <a:gd name="connsiteX0" fmla="*/ 300185 w 1598524"/>
+              <a:gd name="connsiteY0" fmla="*/ 1 h 2129150"/>
+              <a:gd name="connsiteX1" fmla="*/ 1571354 w 1598524"/>
+              <a:gd name="connsiteY1" fmla="*/ 1075045 h 2129150"/>
+              <a:gd name="connsiteX2" fmla="*/ 1096723 w 1598524"/>
+              <a:gd name="connsiteY2" fmla="*/ 2119741 h 2129150"/>
+              <a:gd name="connsiteX3" fmla="*/ 238433 w 1598524"/>
+              <a:gd name="connsiteY3" fmla="*/ 1565711 h 2129150"/>
+              <a:gd name="connsiteX4" fmla="*/ 0 w 1598524"/>
+              <a:gd name="connsiteY4" fmla="*/ 1146568 h 2129150"/>
+              <a:gd name="connsiteX0" fmla="*/ 537478 w 1840027"/>
+              <a:gd name="connsiteY0" fmla="*/ -1 h 2132910"/>
+              <a:gd name="connsiteX1" fmla="*/ 1808647 w 1840027"/>
+              <a:gd name="connsiteY1" fmla="*/ 1075043 h 2132910"/>
+              <a:gd name="connsiteX2" fmla="*/ 1334016 w 1840027"/>
+              <a:gd name="connsiteY2" fmla="*/ 2119739 h 2132910"/>
+              <a:gd name="connsiteX3" fmla="*/ 43983 w 1840027"/>
+              <a:gd name="connsiteY3" fmla="*/ 1630294 h 2132910"/>
+              <a:gd name="connsiteX4" fmla="*/ 237293 w 1840027"/>
+              <a:gd name="connsiteY4" fmla="*/ 1146566 h 2132910"/>
+              <a:gd name="connsiteX0" fmla="*/ 836307 w 2138856"/>
+              <a:gd name="connsiteY0" fmla="*/ 1 h 2132969"/>
+              <a:gd name="connsiteX1" fmla="*/ 2107476 w 2138856"/>
+              <a:gd name="connsiteY1" fmla="*/ 1075045 h 2132969"/>
+              <a:gd name="connsiteX2" fmla="*/ 1632845 w 2138856"/>
+              <a:gd name="connsiteY2" fmla="*/ 2119741 h 2132969"/>
+              <a:gd name="connsiteX3" fmla="*/ 342812 w 2138856"/>
+              <a:gd name="connsiteY3" fmla="*/ 1630296 h 2132969"/>
+              <a:gd name="connsiteX4" fmla="*/ 0 w 2138856"/>
+              <a:gd name="connsiteY4" fmla="*/ 1133101 h 2132969"/>
+              <a:gd name="connsiteX0" fmla="*/ 836307 w 2117242"/>
+              <a:gd name="connsiteY0" fmla="*/ -1 h 2267967"/>
+              <a:gd name="connsiteX1" fmla="*/ 2107476 w 2117242"/>
+              <a:gd name="connsiteY1" fmla="*/ 1075043 h 2267967"/>
+              <a:gd name="connsiteX2" fmla="*/ 1367414 w 2117242"/>
+              <a:gd name="connsiteY2" fmla="*/ 2257253 h 2267967"/>
+              <a:gd name="connsiteX3" fmla="*/ 342812 w 2117242"/>
+              <a:gd name="connsiteY3" fmla="*/ 1630294 h 2267967"/>
+              <a:gd name="connsiteX4" fmla="*/ 0 w 2117242"/>
+              <a:gd name="connsiteY4" fmla="*/ 1133099 h 2267967"/>
+              <a:gd name="connsiteX0" fmla="*/ 836307 w 2116587"/>
+              <a:gd name="connsiteY0" fmla="*/ 1 h 2257694"/>
+              <a:gd name="connsiteX1" fmla="*/ 2107476 w 2116587"/>
+              <a:gd name="connsiteY1" fmla="*/ 1075045 h 2257694"/>
+              <a:gd name="connsiteX2" fmla="*/ 1367414 w 2116587"/>
+              <a:gd name="connsiteY2" fmla="*/ 2257255 h 2257694"/>
+              <a:gd name="connsiteX3" fmla="*/ 342812 w 2116587"/>
+              <a:gd name="connsiteY3" fmla="*/ 1630296 h 2257694"/>
+              <a:gd name="connsiteX4" fmla="*/ 0 w 2116587"/>
+              <a:gd name="connsiteY4" fmla="*/ 1133101 h 2257694"/>
+              <a:gd name="connsiteX0" fmla="*/ 836307 w 1939952"/>
+              <a:gd name="connsiteY0" fmla="*/ -1 h 2264771"/>
+              <a:gd name="connsiteX1" fmla="*/ 1926982 w 1939952"/>
+              <a:gd name="connsiteY1" fmla="*/ 1176644 h 2264771"/>
+              <a:gd name="connsiteX2" fmla="*/ 1367414 w 1939952"/>
+              <a:gd name="connsiteY2" fmla="*/ 2257253 h 2264771"/>
+              <a:gd name="connsiteX3" fmla="*/ 342812 w 1939952"/>
+              <a:gd name="connsiteY3" fmla="*/ 1630294 h 2264771"/>
+              <a:gd name="connsiteX4" fmla="*/ 0 w 1939952"/>
+              <a:gd name="connsiteY4" fmla="*/ 1133099 h 2264771"/>
+              <a:gd name="connsiteX0" fmla="*/ 836307 w 1942784"/>
+              <a:gd name="connsiteY0" fmla="*/ 1 h 2076708"/>
+              <a:gd name="connsiteX1" fmla="*/ 1926982 w 1942784"/>
+              <a:gd name="connsiteY1" fmla="*/ 1176646 h 2076708"/>
+              <a:gd name="connsiteX2" fmla="*/ 1405487 w 1942784"/>
+              <a:gd name="connsiteY2" fmla="*/ 2066305 h 2076708"/>
+              <a:gd name="connsiteX3" fmla="*/ 342812 w 1942784"/>
+              <a:gd name="connsiteY3" fmla="*/ 1630296 h 2076708"/>
+              <a:gd name="connsiteX4" fmla="*/ 0 w 1942784"/>
+              <a:gd name="connsiteY4" fmla="*/ 1133101 h 2076708"/>
+              <a:gd name="connsiteX0" fmla="*/ 836307 w 1942783"/>
+              <a:gd name="connsiteY0" fmla="*/ -1 h 2076706"/>
+              <a:gd name="connsiteX1" fmla="*/ 1926982 w 1942783"/>
+              <a:gd name="connsiteY1" fmla="*/ 1176645 h 2076706"/>
+              <a:gd name="connsiteX2" fmla="*/ 1405487 w 1942783"/>
+              <a:gd name="connsiteY2" fmla="*/ 2066303 h 2076706"/>
+              <a:gd name="connsiteX3" fmla="*/ 342812 w 1942783"/>
+              <a:gd name="connsiteY3" fmla="*/ 1630294 h 2076706"/>
+              <a:gd name="connsiteX4" fmla="*/ 0 w 1942783"/>
+              <a:gd name="connsiteY4" fmla="*/ 1133099 h 2076706"/>
+              <a:gd name="connsiteX0" fmla="*/ 836307 w 1934818"/>
+              <a:gd name="connsiteY0" fmla="*/ 1 h 2076708"/>
+              <a:gd name="connsiteX1" fmla="*/ 1926982 w 1934818"/>
+              <a:gd name="connsiteY1" fmla="*/ 1176647 h 2076708"/>
+              <a:gd name="connsiteX2" fmla="*/ 1405487 w 1934818"/>
+              <a:gd name="connsiteY2" fmla="*/ 2066305 h 2076708"/>
+              <a:gd name="connsiteX3" fmla="*/ 342812 w 1934818"/>
+              <a:gd name="connsiteY3" fmla="*/ 1630296 h 2076708"/>
+              <a:gd name="connsiteX4" fmla="*/ 0 w 1934818"/>
+              <a:gd name="connsiteY4" fmla="*/ 1133101 h 2076708"/>
+              <a:gd name="connsiteX0" fmla="*/ 836307 w 1936612"/>
+              <a:gd name="connsiteY0" fmla="*/ -1 h 2183647"/>
+              <a:gd name="connsiteX1" fmla="*/ 1926982 w 1936612"/>
+              <a:gd name="connsiteY1" fmla="*/ 1176645 h 2183647"/>
+              <a:gd name="connsiteX2" fmla="*/ 1312576 w 1936612"/>
+              <a:gd name="connsiteY2" fmla="*/ 2175110 h 2183647"/>
+              <a:gd name="connsiteX3" fmla="*/ 342812 w 1936612"/>
+              <a:gd name="connsiteY3" fmla="*/ 1630294 h 2183647"/>
+              <a:gd name="connsiteX4" fmla="*/ 0 w 1936612"/>
+              <a:gd name="connsiteY4" fmla="*/ 1133099 h 2183647"/>
+              <a:gd name="connsiteX0" fmla="*/ 836307 w 1936644"/>
+              <a:gd name="connsiteY0" fmla="*/ 1 h 2178750"/>
+              <a:gd name="connsiteX1" fmla="*/ 1926982 w 1936644"/>
+              <a:gd name="connsiteY1" fmla="*/ 1176647 h 2178750"/>
+              <a:gd name="connsiteX2" fmla="*/ 1312576 w 1936644"/>
+              <a:gd name="connsiteY2" fmla="*/ 2175112 h 2178750"/>
+              <a:gd name="connsiteX3" fmla="*/ 342812 w 1936644"/>
+              <a:gd name="connsiteY3" fmla="*/ 1630296 h 2178750"/>
+              <a:gd name="connsiteX4" fmla="*/ 0 w 1936644"/>
+              <a:gd name="connsiteY4" fmla="*/ 1133101 h 2178750"/>
+              <a:gd name="connsiteX0" fmla="*/ 836307 w 1969946"/>
+              <a:gd name="connsiteY0" fmla="*/ -1 h 2177152"/>
+              <a:gd name="connsiteX1" fmla="*/ 1926982 w 1969946"/>
+              <a:gd name="connsiteY1" fmla="*/ 1176645 h 2177152"/>
+              <a:gd name="connsiteX2" fmla="*/ 1708299 w 1969946"/>
+              <a:gd name="connsiteY2" fmla="*/ 1791462 h 2177152"/>
+              <a:gd name="connsiteX3" fmla="*/ 1312576 w 1969946"/>
+              <a:gd name="connsiteY3" fmla="*/ 2175110 h 2177152"/>
+              <a:gd name="connsiteX4" fmla="*/ 342812 w 1969946"/>
+              <a:gd name="connsiteY4" fmla="*/ 1630294 h 2177152"/>
+              <a:gd name="connsiteX5" fmla="*/ 0 w 1969946"/>
+              <a:gd name="connsiteY5" fmla="*/ 1133099 h 2177152"/>
+              <a:gd name="connsiteX0" fmla="*/ 836307 w 1993189"/>
+              <a:gd name="connsiteY0" fmla="*/ 1 h 2179871"/>
+              <a:gd name="connsiteX1" fmla="*/ 1926982 w 1993189"/>
+              <a:gd name="connsiteY1" fmla="*/ 1176647 h 2179871"/>
+              <a:gd name="connsiteX2" fmla="*/ 1811798 w 1993189"/>
+              <a:gd name="connsiteY2" fmla="*/ 1855141 h 2179871"/>
+              <a:gd name="connsiteX3" fmla="*/ 1312576 w 1993189"/>
+              <a:gd name="connsiteY3" fmla="*/ 2175112 h 2179871"/>
+              <a:gd name="connsiteX4" fmla="*/ 342812 w 1993189"/>
+              <a:gd name="connsiteY4" fmla="*/ 1630296 h 2179871"/>
+              <a:gd name="connsiteX5" fmla="*/ 0 w 1993189"/>
+              <a:gd name="connsiteY5" fmla="*/ 1133101 h 2179871"/>
+              <a:gd name="connsiteX0" fmla="*/ 836307 w 2008017"/>
+              <a:gd name="connsiteY0" fmla="*/ -1 h 2179869"/>
+              <a:gd name="connsiteX1" fmla="*/ 1926982 w 2008017"/>
+              <a:gd name="connsiteY1" fmla="*/ 1176645 h 2179869"/>
+              <a:gd name="connsiteX2" fmla="*/ 1811798 w 2008017"/>
+              <a:gd name="connsiteY2" fmla="*/ 1855139 h 2179869"/>
+              <a:gd name="connsiteX3" fmla="*/ 1312576 w 2008017"/>
+              <a:gd name="connsiteY3" fmla="*/ 2175110 h 2179869"/>
+              <a:gd name="connsiteX4" fmla="*/ 342812 w 2008017"/>
+              <a:gd name="connsiteY4" fmla="*/ 1630294 h 2179869"/>
+              <a:gd name="connsiteX5" fmla="*/ 0 w 2008017"/>
+              <a:gd name="connsiteY5" fmla="*/ 1133099 h 2179869"/>
+              <a:gd name="connsiteX0" fmla="*/ 836307 w 1936612"/>
+              <a:gd name="connsiteY0" fmla="*/ 1 h 2175111"/>
+              <a:gd name="connsiteX1" fmla="*/ 1926982 w 1936612"/>
+              <a:gd name="connsiteY1" fmla="*/ 1176647 h 2175111"/>
+              <a:gd name="connsiteX2" fmla="*/ 1312576 w 1936612"/>
+              <a:gd name="connsiteY2" fmla="*/ 2175112 h 2175111"/>
+              <a:gd name="connsiteX3" fmla="*/ 342812 w 1936612"/>
+              <a:gd name="connsiteY3" fmla="*/ 1630296 h 2175111"/>
+              <a:gd name="connsiteX4" fmla="*/ 0 w 1936612"/>
+              <a:gd name="connsiteY4" fmla="*/ 1133101 h 2175111"/>
+              <a:gd name="connsiteX0" fmla="*/ 836307 w 1927580"/>
+              <a:gd name="connsiteY0" fmla="*/ -1 h 2175111"/>
+              <a:gd name="connsiteX1" fmla="*/ 1926982 w 1927580"/>
+              <a:gd name="connsiteY1" fmla="*/ 1176645 h 2175111"/>
+              <a:gd name="connsiteX2" fmla="*/ 1312576 w 1927580"/>
+              <a:gd name="connsiteY2" fmla="*/ 2175110 h 2175111"/>
+              <a:gd name="connsiteX3" fmla="*/ 342812 w 1927580"/>
+              <a:gd name="connsiteY3" fmla="*/ 1630294 h 2175111"/>
+              <a:gd name="connsiteX4" fmla="*/ 0 w 1927580"/>
+              <a:gd name="connsiteY4" fmla="*/ 1133099 h 2175111"/>
+              <a:gd name="connsiteX0" fmla="*/ 836307 w 1941789"/>
+              <a:gd name="connsiteY0" fmla="*/ 1 h 1630497"/>
+              <a:gd name="connsiteX1" fmla="*/ 1926982 w 1941789"/>
+              <a:gd name="connsiteY1" fmla="*/ 1176647 h 1630497"/>
+              <a:gd name="connsiteX2" fmla="*/ 342812 w 1941789"/>
+              <a:gd name="connsiteY2" fmla="*/ 1630296 h 1630497"/>
+              <a:gd name="connsiteX3" fmla="*/ 0 w 1941789"/>
+              <a:gd name="connsiteY3" fmla="*/ 1133101 h 1630497"/>
+              <a:gd name="connsiteX0" fmla="*/ 836307 w 1739079"/>
+              <a:gd name="connsiteY0" fmla="*/ -1 h 1980188"/>
+              <a:gd name="connsiteX1" fmla="*/ 1709229 w 1739079"/>
+              <a:gd name="connsiteY1" fmla="*/ 1888071 h 1980188"/>
+              <a:gd name="connsiteX2" fmla="*/ 342812 w 1739079"/>
+              <a:gd name="connsiteY2" fmla="*/ 1630294 h 1980188"/>
+              <a:gd name="connsiteX3" fmla="*/ 0 w 1739079"/>
+              <a:gd name="connsiteY3" fmla="*/ 1133099 h 1980188"/>
+              <a:gd name="connsiteX0" fmla="*/ 836307 w 1797551"/>
+              <a:gd name="connsiteY0" fmla="*/ 1 h 1949383"/>
+              <a:gd name="connsiteX1" fmla="*/ 1709229 w 1797551"/>
+              <a:gd name="connsiteY1" fmla="*/ 1888073 h 1949383"/>
+              <a:gd name="connsiteX2" fmla="*/ 342812 w 1797551"/>
+              <a:gd name="connsiteY2" fmla="*/ 1630296 h 1949383"/>
+              <a:gd name="connsiteX3" fmla="*/ 0 w 1797551"/>
+              <a:gd name="connsiteY3" fmla="*/ 1133101 h 1949383"/>
+              <a:gd name="connsiteX0" fmla="*/ 836307 w 1559121"/>
+              <a:gd name="connsiteY0" fmla="*/ -1 h 1699925"/>
+              <a:gd name="connsiteX1" fmla="*/ 1390793 w 1559121"/>
+              <a:gd name="connsiteY1" fmla="*/ 1567680 h 1699925"/>
+              <a:gd name="connsiteX2" fmla="*/ 342812 w 1559121"/>
+              <a:gd name="connsiteY2" fmla="*/ 1630294 h 1699925"/>
+              <a:gd name="connsiteX3" fmla="*/ 0 w 1559121"/>
+              <a:gd name="connsiteY3" fmla="*/ 1133099 h 1699925"/>
+              <a:gd name="connsiteX0" fmla="*/ 836307 w 1486683"/>
+              <a:gd name="connsiteY0" fmla="*/ 1 h 2035859"/>
+              <a:gd name="connsiteX1" fmla="*/ 1390793 w 1486683"/>
+              <a:gd name="connsiteY1" fmla="*/ 1567682 h 2035859"/>
+              <a:gd name="connsiteX2" fmla="*/ 516148 w 1486683"/>
+              <a:gd name="connsiteY2" fmla="*/ 2020464 h 2035859"/>
+              <a:gd name="connsiteX3" fmla="*/ 0 w 1486683"/>
+              <a:gd name="connsiteY3" fmla="*/ 1133101 h 2035859"/>
+              <a:gd name="connsiteX0" fmla="*/ 836307 w 1623736"/>
+              <a:gd name="connsiteY0" fmla="*/ -1 h 2031585"/>
+              <a:gd name="connsiteX1" fmla="*/ 1587202 w 1623736"/>
+              <a:gd name="connsiteY1" fmla="*/ 1522555 h 2031585"/>
+              <a:gd name="connsiteX2" fmla="*/ 516148 w 1623736"/>
+              <a:gd name="connsiteY2" fmla="*/ 2020462 h 2031585"/>
+              <a:gd name="connsiteX3" fmla="*/ 0 w 1623736"/>
+              <a:gd name="connsiteY3" fmla="*/ 1133099 h 2031585"/>
+              <a:gd name="connsiteX0" fmla="*/ 836307 w 1610590"/>
+              <a:gd name="connsiteY0" fmla="*/ 1 h 2035476"/>
+              <a:gd name="connsiteX1" fmla="*/ 1587202 w 1610590"/>
+              <a:gd name="connsiteY1" fmla="*/ 1522557 h 2035476"/>
+              <a:gd name="connsiteX2" fmla="*/ 516148 w 1610590"/>
+              <a:gd name="connsiteY2" fmla="*/ 2020464 h 2035476"/>
+              <a:gd name="connsiteX3" fmla="*/ 0 w 1610590"/>
+              <a:gd name="connsiteY3" fmla="*/ 1133101 h 2035476"/>
+              <a:gd name="connsiteX0" fmla="*/ 547864 w 1587365"/>
+              <a:gd name="connsiteY0" fmla="*/ 0 h 1862355"/>
+              <a:gd name="connsiteX1" fmla="*/ 1587202 w 1587365"/>
+              <a:gd name="connsiteY1" fmla="*/ 1354247 h 1862355"/>
+              <a:gd name="connsiteX2" fmla="*/ 516148 w 1587365"/>
+              <a:gd name="connsiteY2" fmla="*/ 1852154 h 1862355"/>
+              <a:gd name="connsiteX3" fmla="*/ 0 w 1587365"/>
+              <a:gd name="connsiteY3" fmla="*/ 964791 h 1862355"/>
+              <a:gd name="connsiteX0" fmla="*/ 547864 w 1385579"/>
+              <a:gd name="connsiteY0" fmla="*/ 0 h 1856283"/>
+              <a:gd name="connsiteX1" fmla="*/ 1381088 w 1385579"/>
+              <a:gd name="connsiteY1" fmla="*/ 1241269 h 1856283"/>
+              <a:gd name="connsiteX2" fmla="*/ 516148 w 1385579"/>
+              <a:gd name="connsiteY2" fmla="*/ 1852154 h 1856283"/>
+              <a:gd name="connsiteX3" fmla="*/ 0 w 1385579"/>
+              <a:gd name="connsiteY3" fmla="*/ 964791 h 1856283"/>
+              <a:gd name="connsiteX0" fmla="*/ 547864 w 1381526"/>
+              <a:gd name="connsiteY0" fmla="*/ 0 h 1660131"/>
+              <a:gd name="connsiteX1" fmla="*/ 1381088 w 1381526"/>
+              <a:gd name="connsiteY1" fmla="*/ 1241269 h 1660131"/>
+              <a:gd name="connsiteX2" fmla="*/ 653310 w 1381526"/>
+              <a:gd name="connsiteY2" fmla="*/ 1653013 h 1660131"/>
+              <a:gd name="connsiteX3" fmla="*/ 0 w 1381526"/>
+              <a:gd name="connsiteY3" fmla="*/ 964791 h 1660131"/>
+              <a:gd name="connsiteX0" fmla="*/ 547864 w 1406646"/>
+              <a:gd name="connsiteY0" fmla="*/ 0 h 1659185"/>
+              <a:gd name="connsiteX1" fmla="*/ 1381088 w 1406646"/>
+              <a:gd name="connsiteY1" fmla="*/ 1241269 h 1659185"/>
+              <a:gd name="connsiteX2" fmla="*/ 653310 w 1406646"/>
+              <a:gd name="connsiteY2" fmla="*/ 1653013 h 1659185"/>
+              <a:gd name="connsiteX3" fmla="*/ 0 w 1406646"/>
+              <a:gd name="connsiteY3" fmla="*/ 964791 h 1659185"/>
+              <a:gd name="connsiteX0" fmla="*/ 547864 w 1432357"/>
+              <a:gd name="connsiteY0" fmla="*/ 0 h 1659301"/>
+              <a:gd name="connsiteX1" fmla="*/ 1381088 w 1432357"/>
+              <a:gd name="connsiteY1" fmla="*/ 1241269 h 1659301"/>
+              <a:gd name="connsiteX2" fmla="*/ 653310 w 1432357"/>
+              <a:gd name="connsiteY2" fmla="*/ 1653013 h 1659301"/>
+              <a:gd name="connsiteX3" fmla="*/ 0 w 1432357"/>
+              <a:gd name="connsiteY3" fmla="*/ 964791 h 1659301"/>
+              <a:gd name="connsiteX0" fmla="*/ 547864 w 1432357"/>
+              <a:gd name="connsiteY0" fmla="*/ 0 h 1690857"/>
+              <a:gd name="connsiteX1" fmla="*/ 1381088 w 1432357"/>
+              <a:gd name="connsiteY1" fmla="*/ 1241269 h 1690857"/>
+              <a:gd name="connsiteX2" fmla="*/ 653310 w 1432357"/>
+              <a:gd name="connsiteY2" fmla="*/ 1653013 h 1690857"/>
+              <a:gd name="connsiteX3" fmla="*/ 0 w 1432357"/>
+              <a:gd name="connsiteY3" fmla="*/ 964791 h 1690857"/>
+              <a:gd name="connsiteX0" fmla="*/ 571720 w 1456213"/>
+              <a:gd name="connsiteY0" fmla="*/ 0 h 1667442"/>
+              <a:gd name="connsiteX1" fmla="*/ 1404944 w 1456213"/>
+              <a:gd name="connsiteY1" fmla="*/ 1241269 h 1667442"/>
+              <a:gd name="connsiteX2" fmla="*/ 677166 w 1456213"/>
+              <a:gd name="connsiteY2" fmla="*/ 1653013 h 1667442"/>
+              <a:gd name="connsiteX3" fmla="*/ -1 w 1456213"/>
+              <a:gd name="connsiteY3" fmla="*/ 778960 h 1667442"/>
+              <a:gd name="connsiteX0" fmla="*/ 571721 w 1405090"/>
+              <a:gd name="connsiteY0" fmla="*/ 0 h 1769961"/>
+              <a:gd name="connsiteX1" fmla="*/ 1404945 w 1405090"/>
+              <a:gd name="connsiteY1" fmla="*/ 1241269 h 1769961"/>
+              <a:gd name="connsiteX2" fmla="*/ 633799 w 1405090"/>
+              <a:gd name="connsiteY2" fmla="*/ 1757726 h 1769961"/>
+              <a:gd name="connsiteX3" fmla="*/ 0 w 1405090"/>
+              <a:gd name="connsiteY3" fmla="*/ 778960 h 1769961"/>
+              <a:gd name="connsiteX0" fmla="*/ 571721 w 1426634"/>
+              <a:gd name="connsiteY0" fmla="*/ 0 h 1771108"/>
+              <a:gd name="connsiteX1" fmla="*/ 1404945 w 1426634"/>
+              <a:gd name="connsiteY1" fmla="*/ 1241269 h 1771108"/>
+              <a:gd name="connsiteX2" fmla="*/ 633799 w 1426634"/>
+              <a:gd name="connsiteY2" fmla="*/ 1757726 h 1771108"/>
+              <a:gd name="connsiteX3" fmla="*/ 0 w 1426634"/>
+              <a:gd name="connsiteY3" fmla="*/ 778960 h 1771108"/>
+              <a:gd name="connsiteX0" fmla="*/ 571721 w 1463015"/>
+              <a:gd name="connsiteY0" fmla="*/ 0 h 1770849"/>
+              <a:gd name="connsiteX1" fmla="*/ 1404945 w 1463015"/>
+              <a:gd name="connsiteY1" fmla="*/ 1241269 h 1770849"/>
+              <a:gd name="connsiteX2" fmla="*/ 633799 w 1463015"/>
+              <a:gd name="connsiteY2" fmla="*/ 1757726 h 1770849"/>
+              <a:gd name="connsiteX3" fmla="*/ 0 w 1463015"/>
+              <a:gd name="connsiteY3" fmla="*/ 778960 h 1770849"/>
+            </a:gdLst>
+            <a:ahLst/>
+            <a:cxnLst>
+              <a:cxn ang="0">
+                <a:pos x="connsiteX0" y="connsiteY0"/>
+              </a:cxn>
+              <a:cxn ang="0">
+                <a:pos x="connsiteX1" y="connsiteY1"/>
+              </a:cxn>
+              <a:cxn ang="0">
+                <a:pos x="connsiteX2" y="connsiteY2"/>
+              </a:cxn>
+              <a:cxn ang="0">
+                <a:pos x="connsiteX3" y="connsiteY3"/>
+              </a:cxn>
+            </a:cxnLst>
+            <a:rect l="l" t="t" r="r" b="b"/>
+            <a:pathLst>
+              <a:path w="1463015" h="1770849">
+                <a:moveTo>
+                  <a:pt x="571721" y="0"/>
+                </a:moveTo>
+                <a:cubicBezTo>
+                  <a:pt x="1498156" y="164007"/>
+                  <a:pt x="1542345" y="921658"/>
+                  <a:pt x="1404945" y="1241269"/>
+                </a:cubicBezTo>
+                <a:cubicBezTo>
+                  <a:pt x="1267545" y="1560880"/>
+                  <a:pt x="867956" y="1834777"/>
+                  <a:pt x="633799" y="1757726"/>
+                </a:cubicBezTo>
+                <a:cubicBezTo>
+                  <a:pt x="399642" y="1680675"/>
+                  <a:pt x="74734" y="887399"/>
+                  <a:pt x="0" y="778960"/>
+                </a:cubicBezTo>
+              </a:path>
+            </a:pathLst>
+          </a:custGeom>
+          <a:noFill/>
           <a:ln w="142875">
             <a:solidFill>
               <a:schemeClr val="tx1">
@@ -8235,29 +9116,39 @@
           </a:ln>
         </p:spPr>
         <p:style>
-          <a:lnRef idx="1">
-            <a:schemeClr val="accent1"/>
+          <a:lnRef idx="2">
+            <a:schemeClr val="accent1">
+              <a:shade val="50000"/>
+            </a:schemeClr>
           </a:lnRef>
-          <a:fillRef idx="0">
+          <a:fillRef idx="1">
             <a:schemeClr val="accent1"/>
           </a:fillRef>
           <a:effectRef idx="0">
             <a:schemeClr val="accent1"/>
           </a:effectRef>
           <a:fontRef idx="minor">
-            <a:schemeClr val="tx1"/>
+            <a:schemeClr val="lt1"/>
           </a:fontRef>
         </p:style>
-      </p:cxnSp>
+        <p:txBody>
+          <a:bodyPr rtlCol="0" anchor="ctr"/>
+          <a:lstStyle/>
+          <a:p>
+            <a:pPr algn="ctr"/>
+            <a:endParaRPr lang="de-DE"/>
+          </a:p>
+        </p:txBody>
+      </p:sp>
       <p:sp>
         <p:nvSpPr>
-          <p:cNvPr id="94" name="TextBox 63"/>
+          <p:cNvPr id="100" name="TextBox 99"/>
           <p:cNvSpPr txBox="1"/>
           <p:nvPr/>
         </p:nvSpPr>
         <p:spPr>
           <a:xfrm>
-            <a:off x="6124779" y="335412"/>
+            <a:off x="9306143" y="3978497"/>
             <a:ext cx="1335331" cy="523220"/>
           </a:xfrm>
           <a:prstGeom prst="rect">
@@ -8274,7 +9165,7 @@
             <a:pPr algn="ctr"/>
             <a:r>
               <a:rPr lang="en-US" sz="2800" b="1" dirty="0" smtClean="0"/>
-              <a:t>create</a:t>
+              <a:t>scale</a:t>
             </a:r>
             <a:endParaRPr lang="de-DE" sz="2800" b="1" dirty="0"/>
           </a:p>
@@ -8333,7 +9224,7 @@
         </p:blipFill>
         <p:spPr>
           <a:xfrm>
-            <a:off x="2172790" y="6575683"/>
+            <a:off x="2172791" y="8195727"/>
             <a:ext cx="1655807" cy="705924"/>
           </a:xfrm>
           <a:prstGeom prst="rect">
@@ -8364,7 +9255,7 @@
         </p:blipFill>
         <p:spPr bwMode="auto">
           <a:xfrm>
-            <a:off x="8991486" y="6660368"/>
+            <a:off x="8991487" y="8280412"/>
             <a:ext cx="1466377" cy="553964"/>
           </a:xfrm>
           <a:prstGeom prst="rect">
@@ -8390,7 +9281,7 @@
         </p:nvGrpSpPr>
         <p:grpSpPr>
           <a:xfrm>
-            <a:off x="2081896" y="2097338"/>
+            <a:off x="2081896" y="3717383"/>
             <a:ext cx="1896954" cy="4439845"/>
             <a:chOff x="2081896" y="2055296"/>
             <a:chExt cx="1896954" cy="4439845"/>
@@ -8596,7 +9487,7 @@
             <a:p>
               <a:pPr algn="ctr"/>
               <a:r>
-                <a:rPr lang="en-US" sz="3600" b="1" dirty="0" smtClean="0"/>
+                <a:rPr lang="en-US" sz="3600" b="1" dirty="0"/>
                 <a:t>dev</a:t>
               </a:r>
               <a:endParaRPr lang="de-DE" sz="3600" b="1" dirty="0"/>
@@ -8612,7 +9503,7 @@
         </p:nvGrpSpPr>
         <p:grpSpPr>
           <a:xfrm>
-            <a:off x="5442578" y="2097338"/>
+            <a:off x="5442578" y="3717383"/>
             <a:ext cx="1896954" cy="4439845"/>
             <a:chOff x="2081896" y="2055296"/>
             <a:chExt cx="1896954" cy="4439845"/>
@@ -8818,7 +9709,7 @@
             <a:p>
               <a:pPr algn="ctr"/>
               <a:r>
-                <a:rPr lang="en-US" sz="3600" b="1" dirty="0" smtClean="0"/>
+                <a:rPr lang="en-US" sz="3600" b="1" dirty="0"/>
                 <a:t>test</a:t>
               </a:r>
               <a:endParaRPr lang="de-DE" sz="3600" b="1" dirty="0"/>
@@ -8834,7 +9725,7 @@
         </p:nvGrpSpPr>
         <p:grpSpPr>
           <a:xfrm>
-            <a:off x="8803261" y="2097338"/>
+            <a:off x="8803261" y="3717383"/>
             <a:ext cx="1896954" cy="4439845"/>
             <a:chOff x="2081896" y="2055296"/>
             <a:chExt cx="1896954" cy="4439845"/>
@@ -9040,7 +9931,7 @@
             <a:p>
               <a:pPr algn="ctr"/>
               <a:r>
-                <a:rPr lang="en-US" sz="3600" b="1" dirty="0" smtClean="0"/>
+                <a:rPr lang="en-US" sz="3600" b="1" dirty="0"/>
                 <a:t>prod</a:t>
               </a:r>
               <a:endParaRPr lang="de-DE" sz="3600" b="1" dirty="0"/>
@@ -9071,7 +9962,7 @@
         </p:blipFill>
         <p:spPr bwMode="auto">
           <a:xfrm>
-            <a:off x="5643941" y="6655113"/>
+            <a:off x="5643942" y="8275157"/>
             <a:ext cx="1466377" cy="553964"/>
           </a:xfrm>
           <a:prstGeom prst="rect">
@@ -9097,7 +9988,7 @@
         </p:nvCxnSpPr>
         <p:spPr>
           <a:xfrm flipV="1">
-            <a:off x="4146331" y="4630813"/>
+            <a:off x="4146331" y="6250857"/>
             <a:ext cx="1128120" cy="8626"/>
           </a:xfrm>
           <a:prstGeom prst="straightConnector1">
@@ -9136,7 +10027,7 @@
         </p:nvCxnSpPr>
         <p:spPr>
           <a:xfrm flipV="1">
-            <a:off x="7499131" y="4630813"/>
+            <a:off x="7499131" y="6250857"/>
             <a:ext cx="1128120" cy="8626"/>
           </a:xfrm>
           <a:prstGeom prst="straightConnector1">
@@ -9212,7 +10103,7 @@
         </p:nvSpPr>
         <p:spPr>
           <a:xfrm>
-            <a:off x="9111242" y="992161"/>
+            <a:off x="9111243" y="2612205"/>
             <a:ext cx="1610387" cy="1610382"/>
           </a:xfrm>
           <a:prstGeom prst="ellipse">
@@ -9268,7 +10159,7 @@
         </p:nvSpPr>
         <p:spPr>
           <a:xfrm>
-            <a:off x="8798011" y="801976"/>
+            <a:off x="8798012" y="2422020"/>
             <a:ext cx="3991231" cy="2015366"/>
           </a:xfrm>
           <a:prstGeom prst="roundRect">
@@ -9317,7 +10208,7 @@
         </p:nvSpPr>
         <p:spPr>
           <a:xfrm>
-            <a:off x="10065756" y="232140"/>
+            <a:off x="10065756" y="1852184"/>
             <a:ext cx="1408522" cy="523220"/>
           </a:xfrm>
           <a:prstGeom prst="rect">
@@ -9348,7 +10239,7 @@
         </p:nvSpPr>
         <p:spPr>
           <a:xfrm>
-            <a:off x="10944162" y="983924"/>
+            <a:off x="10944163" y="2603968"/>
             <a:ext cx="1610387" cy="1610382"/>
           </a:xfrm>
           <a:prstGeom prst="ellipse">
@@ -9404,7 +10295,7 @@
         </p:nvSpPr>
         <p:spPr>
           <a:xfrm>
-            <a:off x="4366248" y="4999077"/>
+            <a:off x="4366249" y="6619121"/>
             <a:ext cx="1610387" cy="1610382"/>
           </a:xfrm>
           <a:prstGeom prst="ellipse">
@@ -9447,7 +10338,7 @@
           <a:p>
             <a:pPr algn="ctr"/>
             <a:r>
-              <a:rPr lang="en-US" sz="2000" b="1" dirty="0" smtClean="0"/>
+              <a:rPr lang="en-US" sz="2000" b="1" dirty="0"/>
               <a:t>Image</a:t>
             </a:r>
             <a:endParaRPr lang="de-DE" sz="2000" b="1" dirty="0"/>
@@ -9462,7 +10353,7 @@
         </p:nvSpPr>
         <p:spPr>
           <a:xfrm rot="2669759">
-            <a:off x="4059360" y="4723055"/>
+            <a:off x="4059361" y="6343100"/>
             <a:ext cx="2229507" cy="2238141"/>
           </a:xfrm>
           <a:prstGeom prst="plus">
@@ -9512,7 +10403,7 @@
         </p:nvSpPr>
         <p:spPr>
           <a:xfrm>
-            <a:off x="4465408" y="4955977"/>
+            <a:off x="4465408" y="6576021"/>
             <a:ext cx="1408522" cy="523220"/>
           </a:xfrm>
           <a:prstGeom prst="rect">
@@ -9543,7 +10434,7 @@
         </p:nvGrpSpPr>
         <p:grpSpPr>
           <a:xfrm>
-            <a:off x="1169403" y="4820888"/>
+            <a:off x="1169404" y="6440932"/>
             <a:ext cx="1496257" cy="679282"/>
             <a:chOff x="6448425" y="3933827"/>
             <a:chExt cx="2628900" cy="1409700"/>
@@ -9652,7 +10543,7 @@
         </p:nvCxnSpPr>
         <p:spPr>
           <a:xfrm rot="19330395" flipV="1">
-            <a:off x="2661973" y="4548151"/>
+            <a:off x="2661973" y="6168196"/>
             <a:ext cx="1689754" cy="10481"/>
           </a:xfrm>
           <a:prstGeom prst="straightConnector1">
@@ -9691,7 +10582,7 @@
         </p:nvSpPr>
         <p:spPr>
           <a:xfrm>
-            <a:off x="2725663" y="3587877"/>
+            <a:off x="2725663" y="5207921"/>
             <a:ext cx="1646390" cy="523220"/>
           </a:xfrm>
           <a:prstGeom prst="rect">
@@ -9722,7 +10613,7 @@
         </p:nvSpPr>
         <p:spPr>
           <a:xfrm>
-            <a:off x="4366248" y="3055740"/>
+            <a:off x="4366249" y="4675784"/>
             <a:ext cx="1610387" cy="1610382"/>
           </a:xfrm>
           <a:prstGeom prst="ellipse">
@@ -9778,7 +10669,7 @@
         </p:nvGrpSpPr>
         <p:grpSpPr>
           <a:xfrm rot="2542460">
-            <a:off x="2685358" y="2530805"/>
+            <a:off x="2685359" y="4150849"/>
             <a:ext cx="1920481" cy="673166"/>
             <a:chOff x="2334271" y="318043"/>
             <a:chExt cx="1457473" cy="673166"/>
@@ -9859,7 +10750,7 @@
         </p:nvGrpSpPr>
         <p:grpSpPr>
           <a:xfrm>
-            <a:off x="265977" y="2266599"/>
+            <a:off x="265977" y="3886643"/>
             <a:ext cx="3320724" cy="1569660"/>
             <a:chOff x="272155" y="308052"/>
             <a:chExt cx="3320724" cy="1569661"/>
@@ -9975,7 +10866,7 @@
             <a:p>
               <a:pPr algn="ctr"/>
               <a:r>
-                <a:rPr lang="en-US" sz="1600" b="1" dirty="0" smtClean="0">
+                <a:rPr lang="en-US" sz="1600" b="1" dirty="0">
                   <a:solidFill>
                     <a:schemeClr val="bg1"/>
                   </a:solidFill>
@@ -9991,7 +10882,7 @@
             <a:p>
               <a:pPr algn="ctr"/>
               <a:r>
-                <a:rPr lang="en-US" sz="1600" b="1" dirty="0" smtClean="0">
+                <a:rPr lang="en-US" sz="1600" b="1" dirty="0">
                   <a:solidFill>
                     <a:schemeClr val="bg1"/>
                   </a:solidFill>
@@ -10015,7 +10906,7 @@
         </p:nvSpPr>
         <p:spPr>
           <a:xfrm>
-            <a:off x="1040524" y="520263"/>
+            <a:off x="1040524" y="2140307"/>
             <a:ext cx="1686910" cy="1901662"/>
           </a:xfrm>
           <a:prstGeom prst="roundRect">
@@ -10064,7 +10955,7 @@
         </p:nvGrpSpPr>
         <p:grpSpPr>
           <a:xfrm>
-            <a:off x="1155127" y="1575483"/>
+            <a:off x="1155128" y="3195527"/>
             <a:ext cx="1423555" cy="685800"/>
             <a:chOff x="1155127" y="1365420"/>
             <a:chExt cx="1423555" cy="685800"/>
@@ -10138,7 +11029,7 @@
             <a:p>
               <a:pPr algn="ctr"/>
               <a:r>
-                <a:rPr lang="en-US" sz="2000" b="1" dirty="0" smtClean="0">
+                <a:rPr lang="en-US" sz="2000" b="1" dirty="0">
                   <a:solidFill>
                     <a:schemeClr val="bg1"/>
                   </a:solidFill>
@@ -10162,7 +11053,7 @@
         </p:nvGrpSpPr>
         <p:grpSpPr>
           <a:xfrm>
-            <a:off x="1159246" y="720809"/>
+            <a:off x="1159247" y="2340853"/>
             <a:ext cx="1423555" cy="685800"/>
             <a:chOff x="1159246" y="646669"/>
             <a:chExt cx="1423555" cy="685800"/>
@@ -10236,7 +11127,7 @@
             <a:p>
               <a:pPr algn="ctr"/>
               <a:r>
-                <a:rPr lang="en-US" sz="2000" b="1" dirty="0" smtClean="0">
+                <a:rPr lang="en-US" sz="2000" b="1" dirty="0">
                   <a:solidFill>
                     <a:schemeClr val="bg1"/>
                   </a:solidFill>
@@ -10260,7 +11151,7 @@
         </p:nvGrpSpPr>
         <p:grpSpPr>
           <a:xfrm>
-            <a:off x="10157777" y="4473617"/>
+            <a:off x="10157777" y="6093662"/>
             <a:ext cx="3239954" cy="2215991"/>
             <a:chOff x="7477384" y="5317103"/>
             <a:chExt cx="3239954" cy="2215991"/>
@@ -10391,7 +11282,7 @@
         </p:nvGrpSpPr>
         <p:grpSpPr>
           <a:xfrm>
-            <a:off x="7511933" y="5458683"/>
+            <a:off x="7511934" y="7078727"/>
             <a:ext cx="1423555" cy="685800"/>
             <a:chOff x="1159246" y="646669"/>
             <a:chExt cx="1423555" cy="685800"/>
@@ -10472,7 +11363,7 @@
             <a:p>
               <a:pPr algn="ctr"/>
               <a:r>
-                <a:rPr lang="en-US" sz="2000" b="1" dirty="0" smtClean="0">
+                <a:rPr lang="en-US" sz="2000" b="1" dirty="0">
                   <a:solidFill>
                     <a:schemeClr val="bg1"/>
                   </a:solidFill>
@@ -10496,7 +11387,7 @@
         </p:nvCxnSpPr>
         <p:spPr>
           <a:xfrm flipV="1">
-            <a:off x="9182689" y="5791170"/>
+            <a:off x="9182689" y="7411215"/>
             <a:ext cx="1370502" cy="10481"/>
           </a:xfrm>
           <a:prstGeom prst="straightConnector1">
@@ -10535,7 +11426,7 @@
         </p:nvSpPr>
         <p:spPr>
           <a:xfrm>
-            <a:off x="9158886" y="5127583"/>
+            <a:off x="9158887" y="6747627"/>
             <a:ext cx="1335331" cy="523220"/>
           </a:xfrm>
           <a:prstGeom prst="rect">
@@ -10551,7 +11442,7 @@
           <a:p>
             <a:pPr algn="ctr"/>
             <a:r>
-              <a:rPr lang="en-US" sz="2800" b="1" dirty="0" smtClean="0"/>
+              <a:rPr lang="en-US" sz="2800" b="1" dirty="0"/>
               <a:t>create</a:t>
             </a:r>
             <a:endParaRPr lang="de-DE" sz="2800" b="1" dirty="0"/>
@@ -10611,7 +11502,7 @@
         </p:blipFill>
         <p:spPr>
           <a:xfrm>
-            <a:off x="7086587" y="4047093"/>
+            <a:off x="7086588" y="5667137"/>
             <a:ext cx="1655807" cy="705924"/>
           </a:xfrm>
           <a:prstGeom prst="rect">
@@ -10635,7 +11526,7 @@
         </p:blipFill>
         <p:spPr>
           <a:xfrm>
-            <a:off x="3181137" y="1991752"/>
+            <a:off x="3181138" y="3611796"/>
             <a:ext cx="1655807" cy="705924"/>
           </a:xfrm>
           <a:prstGeom prst="rect">
@@ -10651,7 +11542,7 @@
         </p:nvSpPr>
         <p:spPr>
           <a:xfrm>
-            <a:off x="8059356" y="2517568"/>
+            <a:off x="8059356" y="4137613"/>
             <a:ext cx="1441656" cy="1514439"/>
           </a:xfrm>
           <a:prstGeom prst="rect">
@@ -10709,7 +11600,7 @@
         </p:nvSpPr>
         <p:spPr>
           <a:xfrm>
-            <a:off x="276162" y="361967"/>
+            <a:off x="276163" y="1982011"/>
             <a:ext cx="1610387" cy="1610382"/>
           </a:xfrm>
           <a:prstGeom prst="ellipse">
@@ -10765,7 +11656,7 @@
         </p:nvSpPr>
         <p:spPr>
           <a:xfrm>
-            <a:off x="8017713" y="2503194"/>
+            <a:off x="8017714" y="4123238"/>
             <a:ext cx="1506963" cy="523220"/>
           </a:xfrm>
           <a:prstGeom prst="rect">
@@ -10796,7 +11687,7 @@
         </p:nvSpPr>
         <p:spPr>
           <a:xfrm>
-            <a:off x="827903" y="3553413"/>
+            <a:off x="827904" y="5173457"/>
             <a:ext cx="3707027" cy="2031842"/>
           </a:xfrm>
           <a:prstGeom prst="roundRect">
@@ -10845,7 +11736,7 @@
         </p:nvSpPr>
         <p:spPr>
           <a:xfrm>
-            <a:off x="2052136" y="2993982"/>
+            <a:off x="2052136" y="4614026"/>
             <a:ext cx="1408522" cy="523220"/>
           </a:xfrm>
           <a:prstGeom prst="rect">
@@ -10876,7 +11767,7 @@
         </p:nvSpPr>
         <p:spPr>
           <a:xfrm>
-            <a:off x="4119494" y="431179"/>
+            <a:off x="4119494" y="2051224"/>
             <a:ext cx="1441656" cy="1514439"/>
           </a:xfrm>
           <a:prstGeom prst="rect">
@@ -10932,7 +11823,7 @@
         </p:nvSpPr>
         <p:spPr>
           <a:xfrm rot="2669759">
-            <a:off x="7657099" y="2146402"/>
+            <a:off x="7657100" y="3766447"/>
             <a:ext cx="2229507" cy="2238141"/>
           </a:xfrm>
           <a:prstGeom prst="plus">
@@ -10982,7 +11873,7 @@
         </p:nvGrpSpPr>
         <p:grpSpPr>
           <a:xfrm>
-            <a:off x="2219806" y="547021"/>
+            <a:off x="2219807" y="2167065"/>
             <a:ext cx="1614441" cy="673166"/>
             <a:chOff x="2334271" y="318043"/>
             <a:chExt cx="1457473" cy="673166"/>
@@ -11063,7 +11954,7 @@
         </p:nvSpPr>
         <p:spPr>
           <a:xfrm>
-            <a:off x="2267013" y="657342"/>
+            <a:off x="2267014" y="2277386"/>
             <a:ext cx="1335331" cy="523220"/>
           </a:xfrm>
           <a:prstGeom prst="rect">
@@ -11094,7 +11985,7 @@
         </p:nvSpPr>
         <p:spPr>
           <a:xfrm>
-            <a:off x="1170348" y="3821049"/>
+            <a:off x="1170348" y="5441094"/>
             <a:ext cx="1441656" cy="1514439"/>
           </a:xfrm>
           <a:prstGeom prst="rect">
@@ -11150,7 +12041,7 @@
         </p:nvSpPr>
         <p:spPr>
           <a:xfrm>
-            <a:off x="2789084" y="3821049"/>
+            <a:off x="2789084" y="5441094"/>
             <a:ext cx="1441656" cy="1514439"/>
           </a:xfrm>
           <a:prstGeom prst="rect">
@@ -11214,7 +12105,7 @@
         </p:blipFill>
         <p:spPr>
           <a:xfrm>
-            <a:off x="1093559" y="5616401"/>
+            <a:off x="1093560" y="7236445"/>
             <a:ext cx="1655807" cy="705924"/>
           </a:xfrm>
           <a:prstGeom prst="rect">
@@ -11245,7 +12136,7 @@
         </p:blipFill>
         <p:spPr bwMode="auto">
           <a:xfrm>
-            <a:off x="4971274" y="2072603"/>
+            <a:off x="4971275" y="3692647"/>
             <a:ext cx="1466377" cy="553964"/>
           </a:xfrm>
           <a:prstGeom prst="rect">
@@ -11286,7 +12177,7 @@
         </p:blipFill>
         <p:spPr bwMode="auto">
           <a:xfrm>
-            <a:off x="8844335" y="4132631"/>
+            <a:off x="8844336" y="5752675"/>
             <a:ext cx="1466377" cy="553964"/>
           </a:xfrm>
           <a:prstGeom prst="rect">
@@ -11327,7 +12218,7 @@
         </p:blipFill>
         <p:spPr bwMode="auto">
           <a:xfrm>
-            <a:off x="2911243" y="5672396"/>
+            <a:off x="2911244" y="7292440"/>
             <a:ext cx="1466377" cy="553964"/>
           </a:xfrm>
           <a:prstGeom prst="rect">
@@ -11398,7 +12289,7 @@
         </p:blipFill>
         <p:spPr>
           <a:xfrm>
-            <a:off x="7116129" y="2371403"/>
+            <a:off x="7116130" y="3991447"/>
             <a:ext cx="1655807" cy="705924"/>
           </a:xfrm>
           <a:prstGeom prst="rect">
@@ -11414,7 +12305,7 @@
         </p:nvSpPr>
         <p:spPr>
           <a:xfrm>
-            <a:off x="8048943" y="814243"/>
+            <a:off x="8048943" y="2434288"/>
             <a:ext cx="1441656" cy="1514439"/>
           </a:xfrm>
           <a:prstGeom prst="rect">
@@ -11470,7 +12361,7 @@
         </p:nvGrpSpPr>
         <p:grpSpPr>
           <a:xfrm>
-            <a:off x="9778364" y="1238207"/>
+            <a:off x="9778364" y="2858251"/>
             <a:ext cx="1381738" cy="673166"/>
             <a:chOff x="2334271" y="318043"/>
             <a:chExt cx="1457473" cy="673166"/>
@@ -11569,7 +12460,7 @@
         </p:blipFill>
         <p:spPr>
           <a:xfrm>
-            <a:off x="11297689" y="1043141"/>
+            <a:off x="11297689" y="2663185"/>
             <a:ext cx="2294064" cy="1436808"/>
           </a:xfrm>
           <a:prstGeom prst="rect">
@@ -11600,7 +12491,7 @@
         </p:blipFill>
         <p:spPr bwMode="auto">
           <a:xfrm>
-            <a:off x="4981698" y="4131307"/>
+            <a:off x="4981698" y="5751352"/>
             <a:ext cx="2241408" cy="1631745"/>
           </a:xfrm>
           <a:prstGeom prst="rect">
@@ -11634,7 +12525,7 @@
         </p:blipFill>
         <p:spPr>
           <a:xfrm>
-            <a:off x="733084" y="5519678"/>
+            <a:off x="733085" y="7139722"/>
             <a:ext cx="1655807" cy="705924"/>
           </a:xfrm>
           <a:prstGeom prst="rect">
@@ -11650,7 +12541,7 @@
         </p:nvSpPr>
         <p:spPr>
           <a:xfrm>
-            <a:off x="1665897" y="3978283"/>
+            <a:off x="1665897" y="5598328"/>
             <a:ext cx="1441656" cy="1514439"/>
           </a:xfrm>
           <a:prstGeom prst="rect">
@@ -11706,7 +12597,7 @@
         </p:nvGrpSpPr>
         <p:grpSpPr>
           <a:xfrm>
-            <a:off x="3395318" y="4402247"/>
+            <a:off x="3395318" y="6022291"/>
             <a:ext cx="1381738" cy="673166"/>
             <a:chOff x="2334271" y="318043"/>
             <a:chExt cx="1457473" cy="673166"/>
@@ -11775,7 +12666,7 @@
             <a:p>
               <a:pPr algn="ctr"/>
               <a:r>
-                <a:rPr lang="en-US" sz="2800" b="1" dirty="0" smtClean="0"/>
+                <a:rPr lang="en-US" sz="2800" b="1" dirty="0"/>
                 <a:t>logs</a:t>
               </a:r>
               <a:endParaRPr lang="de-DE" sz="2800" b="1" dirty="0"/>
@@ -11806,7 +12697,7 @@
         </p:blipFill>
         <p:spPr bwMode="auto">
           <a:xfrm>
-            <a:off x="2496088" y="5619844"/>
+            <a:off x="2496089" y="7239888"/>
             <a:ext cx="1466377" cy="553964"/>
           </a:xfrm>
           <a:prstGeom prst="rect">
@@ -11847,7 +12738,7 @@
         </p:blipFill>
         <p:spPr bwMode="auto">
           <a:xfrm>
-            <a:off x="8860102" y="2414189"/>
+            <a:off x="8860103" y="4034233"/>
             <a:ext cx="1466377" cy="553964"/>
           </a:xfrm>
           <a:prstGeom prst="rect">
@@ -11865,6 +12756,259 @@
           </a:extLst>
         </p:spPr>
       </p:pic>
+      <p:sp>
+        <p:nvSpPr>
+          <p:cNvPr id="17" name="Rounded Rectangle 75"/>
+          <p:cNvSpPr/>
+          <p:nvPr/>
+        </p:nvSpPr>
+        <p:spPr>
+          <a:xfrm>
+            <a:off x="7306408" y="8598877"/>
+            <a:ext cx="1176176" cy="1198475"/>
+          </a:xfrm>
+          <a:prstGeom prst="rect">
+            <a:avLst/>
+          </a:prstGeom>
+          <a:solidFill>
+            <a:schemeClr val="accent2">
+              <a:lumMod val="75000"/>
+            </a:schemeClr>
+          </a:solidFill>
+          <a:ln w="76200">
+            <a:solidFill>
+              <a:schemeClr val="accent2">
+                <a:lumMod val="50000"/>
+              </a:schemeClr>
+            </a:solidFill>
+          </a:ln>
+        </p:spPr>
+        <p:style>
+          <a:lnRef idx="2">
+            <a:schemeClr val="accent1">
+              <a:shade val="50000"/>
+            </a:schemeClr>
+          </a:lnRef>
+          <a:fillRef idx="1">
+            <a:schemeClr val="accent1"/>
+          </a:fillRef>
+          <a:effectRef idx="0">
+            <a:schemeClr val="accent1"/>
+          </a:effectRef>
+          <a:fontRef idx="minor">
+            <a:schemeClr val="lt1"/>
+          </a:fontRef>
+        </p:style>
+        <p:txBody>
+          <a:bodyPr rtlCol="0" anchor="ctr"/>
+          <a:lstStyle/>
+          <a:p>
+            <a:pPr algn="ctr"/>
+            <a:r>
+              <a:rPr lang="en-US" sz="2000" b="1" dirty="0"/>
+              <a:t>Instance</a:t>
+            </a:r>
+            <a:endParaRPr lang="de-DE" sz="2000" b="1" dirty="0"/>
+          </a:p>
+        </p:txBody>
+      </p:sp>
+      <p:grpSp>
+        <p:nvGrpSpPr>
+          <p:cNvPr id="18" name="Group 17"/>
+          <p:cNvGrpSpPr/>
+          <p:nvPr/>
+        </p:nvGrpSpPr>
+        <p:grpSpPr>
+          <a:xfrm>
+            <a:off x="8752764" y="8548614"/>
+            <a:ext cx="1381738" cy="673166"/>
+            <a:chOff x="2334271" y="318043"/>
+            <a:chExt cx="1457473" cy="673166"/>
+          </a:xfrm>
+        </p:grpSpPr>
+        <p:cxnSp>
+          <p:nvCxnSpPr>
+            <p:cNvPr id="19" name="Straight Arrow Connector 18"/>
+            <p:cNvCxnSpPr/>
+            <p:nvPr/>
+          </p:nvCxnSpPr>
+          <p:spPr>
+            <a:xfrm flipV="1">
+              <a:off x="2346123" y="980728"/>
+              <a:ext cx="1445621" cy="10481"/>
+            </a:xfrm>
+            <a:prstGeom prst="straightConnector1">
+              <a:avLst/>
+            </a:prstGeom>
+            <a:ln w="142875">
+              <a:solidFill>
+                <a:schemeClr val="tx1">
+                  <a:lumMod val="50000"/>
+                  <a:lumOff val="50000"/>
+                </a:schemeClr>
+              </a:solidFill>
+              <a:tailEnd type="triangle"/>
+            </a:ln>
+          </p:spPr>
+          <p:style>
+            <a:lnRef idx="1">
+              <a:schemeClr val="accent1"/>
+            </a:lnRef>
+            <a:fillRef idx="0">
+              <a:schemeClr val="accent1"/>
+            </a:fillRef>
+            <a:effectRef idx="0">
+              <a:schemeClr val="accent1"/>
+            </a:effectRef>
+            <a:fontRef idx="minor">
+              <a:schemeClr val="tx1"/>
+            </a:fontRef>
+          </p:style>
+        </p:cxnSp>
+        <p:sp>
+          <p:nvSpPr>
+            <p:cNvPr id="20" name="TextBox 19"/>
+            <p:cNvSpPr txBox="1"/>
+            <p:nvPr/>
+          </p:nvSpPr>
+          <p:spPr>
+            <a:xfrm>
+              <a:off x="2334271" y="318043"/>
+              <a:ext cx="1408522" cy="523220"/>
+            </a:xfrm>
+            <a:prstGeom prst="rect">
+              <a:avLst/>
+            </a:prstGeom>
+            <a:noFill/>
+          </p:spPr>
+          <p:txBody>
+            <a:bodyPr wrap="square" rtlCol="0">
+              <a:spAutoFit/>
+            </a:bodyPr>
+            <a:lstStyle/>
+            <a:p>
+              <a:pPr algn="ctr"/>
+              <a:r>
+                <a:rPr lang="en-US" sz="2800" b="1" dirty="0" smtClean="0"/>
+                <a:t>scale</a:t>
+              </a:r>
+              <a:endParaRPr lang="de-DE" sz="2800" b="1" dirty="0"/>
+            </a:p>
+          </p:txBody>
+        </p:sp>
+      </p:grpSp>
+      <p:sp>
+        <p:nvSpPr>
+          <p:cNvPr id="21" name="Rounded Rectangle 75"/>
+          <p:cNvSpPr/>
+          <p:nvPr/>
+        </p:nvSpPr>
+        <p:spPr>
+          <a:xfrm>
+            <a:off x="10305804" y="7617629"/>
+            <a:ext cx="1441656" cy="1514439"/>
+          </a:xfrm>
+          <a:prstGeom prst="rect">
+            <a:avLst/>
+          </a:prstGeom>
+          <a:solidFill>
+            <a:schemeClr val="accent2">
+              <a:lumMod val="75000"/>
+            </a:schemeClr>
+          </a:solidFill>
+          <a:ln w="76200">
+            <a:solidFill>
+              <a:schemeClr val="accent2">
+                <a:lumMod val="50000"/>
+              </a:schemeClr>
+            </a:solidFill>
+          </a:ln>
+        </p:spPr>
+        <p:style>
+          <a:lnRef idx="2">
+            <a:schemeClr val="accent1">
+              <a:shade val="50000"/>
+            </a:schemeClr>
+          </a:lnRef>
+          <a:fillRef idx="1">
+            <a:schemeClr val="accent1"/>
+          </a:fillRef>
+          <a:effectRef idx="0">
+            <a:schemeClr val="accent1"/>
+          </a:effectRef>
+          <a:fontRef idx="minor">
+            <a:schemeClr val="lt1"/>
+          </a:fontRef>
+        </p:style>
+        <p:txBody>
+          <a:bodyPr rtlCol="0" anchor="ctr"/>
+          <a:lstStyle/>
+          <a:p>
+            <a:pPr algn="ctr"/>
+            <a:r>
+              <a:rPr lang="en-US" sz="2000" b="1" dirty="0"/>
+              <a:t>Instance</a:t>
+            </a:r>
+            <a:endParaRPr lang="de-DE" sz="2000" b="1" dirty="0"/>
+          </a:p>
+        </p:txBody>
+      </p:sp>
+      <p:sp>
+        <p:nvSpPr>
+          <p:cNvPr id="22" name="Rounded Rectangle 75"/>
+          <p:cNvSpPr/>
+          <p:nvPr/>
+        </p:nvSpPr>
+        <p:spPr>
+          <a:xfrm>
+            <a:off x="10308735" y="9285324"/>
+            <a:ext cx="1441656" cy="1514439"/>
+          </a:xfrm>
+          <a:prstGeom prst="rect">
+            <a:avLst/>
+          </a:prstGeom>
+          <a:solidFill>
+            <a:schemeClr val="accent2">
+              <a:lumMod val="75000"/>
+            </a:schemeClr>
+          </a:solidFill>
+          <a:ln w="76200">
+            <a:solidFill>
+              <a:schemeClr val="accent2">
+                <a:lumMod val="50000"/>
+              </a:schemeClr>
+            </a:solidFill>
+          </a:ln>
+        </p:spPr>
+        <p:style>
+          <a:lnRef idx="2">
+            <a:schemeClr val="accent1">
+              <a:shade val="50000"/>
+            </a:schemeClr>
+          </a:lnRef>
+          <a:fillRef idx="1">
+            <a:schemeClr val="accent1"/>
+          </a:fillRef>
+          <a:effectRef idx="0">
+            <a:schemeClr val="accent1"/>
+          </a:effectRef>
+          <a:fontRef idx="minor">
+            <a:schemeClr val="lt1"/>
+          </a:fontRef>
+        </p:style>
+        <p:txBody>
+          <a:bodyPr rtlCol="0" anchor="ctr"/>
+          <a:lstStyle/>
+          <a:p>
+            <a:pPr algn="ctr"/>
+            <a:r>
+              <a:rPr lang="en-US" sz="2000" b="1" dirty="0"/>
+              <a:t>Instance</a:t>
+            </a:r>
+            <a:endParaRPr lang="de-DE" sz="2000" b="1" dirty="0"/>
+          </a:p>
+        </p:txBody>
+      </p:sp>
     </p:spTree>
     <p:extLst>
       <p:ext uri="{BB962C8B-B14F-4D97-AF65-F5344CB8AC3E}">
@@ -11910,7 +13054,7 @@
         </p:nvGrpSpPr>
         <p:grpSpPr>
           <a:xfrm>
-            <a:off x="2051222" y="509089"/>
+            <a:off x="2051223" y="2129133"/>
             <a:ext cx="1878227" cy="673166"/>
             <a:chOff x="2334271" y="318043"/>
             <a:chExt cx="1457473" cy="673166"/>
@@ -12006,7 +13150,7 @@
         </p:blipFill>
         <p:spPr bwMode="auto">
           <a:xfrm>
-            <a:off x="11353758" y="6017712"/>
+            <a:off x="11353758" y="7637757"/>
             <a:ext cx="2220092" cy="838701"/>
           </a:xfrm>
           <a:prstGeom prst="rect">
@@ -12032,7 +13176,7 @@
         </p:nvSpPr>
         <p:spPr>
           <a:xfrm>
-            <a:off x="7926012" y="5317103"/>
+            <a:off x="7926012" y="6937148"/>
             <a:ext cx="2791326" cy="2215991"/>
           </a:xfrm>
           <a:prstGeom prst="rect">
@@ -12071,7 +13215,7 @@
         </p:nvSpPr>
         <p:spPr>
           <a:xfrm>
-            <a:off x="8428894" y="5748821"/>
+            <a:off x="8428894" y="7368865"/>
             <a:ext cx="1050288" cy="1708160"/>
           </a:xfrm>
           <a:prstGeom prst="rect">
@@ -12109,7 +13253,7 @@
         </p:nvSpPr>
         <p:spPr>
           <a:xfrm>
-            <a:off x="7477384" y="6548681"/>
+            <a:off x="7477384" y="8168725"/>
             <a:ext cx="2953724" cy="400110"/>
           </a:xfrm>
           <a:prstGeom prst="rect">
@@ -12148,7 +13292,7 @@
         </p:nvSpPr>
         <p:spPr>
           <a:xfrm rot="33828">
-            <a:off x="2287825" y="599924"/>
+            <a:off x="2287826" y="2219968"/>
             <a:ext cx="1335331" cy="523220"/>
           </a:xfrm>
           <a:prstGeom prst="rect">
@@ -12179,7 +13323,7 @@
         </p:nvSpPr>
         <p:spPr>
           <a:xfrm>
-            <a:off x="9875090" y="5841357"/>
+            <a:off x="9875091" y="7461401"/>
             <a:ext cx="1335331" cy="523220"/>
           </a:xfrm>
           <a:prstGeom prst="rect">
@@ -12210,7 +13354,7 @@
         </p:nvCxnSpPr>
         <p:spPr>
           <a:xfrm flipV="1">
-            <a:off x="9917937" y="6529041"/>
+            <a:off x="9917937" y="8149086"/>
             <a:ext cx="1370502" cy="10481"/>
           </a:xfrm>
           <a:prstGeom prst="straightConnector1">
@@ -12249,7 +13393,7 @@
         </p:nvSpPr>
         <p:spPr>
           <a:xfrm>
-            <a:off x="292637" y="341372"/>
+            <a:off x="292638" y="1961416"/>
             <a:ext cx="1610387" cy="1610382"/>
           </a:xfrm>
           <a:prstGeom prst="ellipse">
@@ -12305,7 +13449,7 @@
         </p:nvGrpSpPr>
         <p:grpSpPr>
           <a:xfrm>
-            <a:off x="3453200" y="-91038"/>
+            <a:off x="3453200" y="1529007"/>
             <a:ext cx="3239954" cy="2215991"/>
             <a:chOff x="3453200" y="-91038"/>
             <a:chExt cx="3239954" cy="2215991"/>
@@ -12436,7 +13580,7 @@
         </p:nvGrpSpPr>
         <p:grpSpPr>
           <a:xfrm rot="10800000">
-            <a:off x="9271710" y="1650036"/>
+            <a:off x="9271711" y="3270080"/>
             <a:ext cx="1878227" cy="673166"/>
             <a:chOff x="2334271" y="318043"/>
             <a:chExt cx="1457473" cy="673166"/>
@@ -12517,7 +13661,7 @@
         </p:nvSpPr>
         <p:spPr>
           <a:xfrm rot="33828">
-            <a:off x="9508313" y="1085958"/>
+            <a:off x="9508314" y="2706002"/>
             <a:ext cx="1335331" cy="523220"/>
           </a:xfrm>
           <a:prstGeom prst="rect">
@@ -12533,7 +13677,7 @@
           <a:p>
             <a:pPr algn="ctr"/>
             <a:r>
-              <a:rPr lang="en-US" sz="2800" b="1" dirty="0" smtClean="0"/>
+              <a:rPr lang="en-US" sz="2800" b="1" dirty="0"/>
               <a:t>pull</a:t>
             </a:r>
             <a:endParaRPr lang="de-DE" sz="2800" b="1" dirty="0"/>
@@ -12548,7 +13692,7 @@
         </p:nvSpPr>
         <p:spPr>
           <a:xfrm>
-            <a:off x="7513125" y="827406"/>
+            <a:off x="7513126" y="2447450"/>
             <a:ext cx="1610387" cy="1610382"/>
           </a:xfrm>
           <a:prstGeom prst="ellipse">
@@ -12604,7 +13748,7 @@
         </p:nvSpPr>
         <p:spPr>
           <a:xfrm>
-            <a:off x="11122316" y="394996"/>
+            <a:off x="11122316" y="2015041"/>
             <a:ext cx="2791326" cy="2215991"/>
           </a:xfrm>
           <a:prstGeom prst="rect">
@@ -12643,7 +13787,7 @@
         </p:nvSpPr>
         <p:spPr>
           <a:xfrm>
-            <a:off x="11625198" y="826714"/>
+            <a:off x="11625198" y="2446758"/>
             <a:ext cx="1050288" cy="1708160"/>
           </a:xfrm>
           <a:prstGeom prst="rect">
@@ -12681,7 +13825,7 @@
         </p:nvSpPr>
         <p:spPr>
           <a:xfrm>
-            <a:off x="10673688" y="1626574"/>
+            <a:off x="10673688" y="3246618"/>
             <a:ext cx="2953724" cy="400110"/>
           </a:xfrm>
           <a:prstGeom prst="rect">
@@ -12771,7 +13915,7 @@
         </p:blipFill>
         <p:spPr>
           <a:xfrm>
-            <a:off x="636688" y="2546776"/>
+            <a:off x="636688" y="4166821"/>
             <a:ext cx="514422" cy="952633"/>
           </a:xfrm>
           <a:prstGeom prst="rect">
@@ -12801,7 +13945,7 @@
         </p:blipFill>
         <p:spPr>
           <a:xfrm>
-            <a:off x="488731" y="1281764"/>
+            <a:off x="488731" y="2901809"/>
             <a:ext cx="788468" cy="914623"/>
           </a:xfrm>
           <a:prstGeom prst="rect">
@@ -12831,7 +13975,7 @@
         </p:blipFill>
         <p:spPr>
           <a:xfrm>
-            <a:off x="561954" y="3901939"/>
+            <a:off x="561954" y="5521983"/>
             <a:ext cx="695422" cy="1143160"/>
           </a:xfrm>
           <a:prstGeom prst="rect">
@@ -12861,7 +14005,7 @@
         </p:blipFill>
         <p:spPr>
           <a:xfrm>
-            <a:off x="9854185" y="3878844"/>
+            <a:off x="9854186" y="5498888"/>
             <a:ext cx="1538745" cy="615498"/>
           </a:xfrm>
           <a:prstGeom prst="rect">
@@ -12891,7 +14035,7 @@
         </p:blipFill>
         <p:spPr>
           <a:xfrm>
-            <a:off x="7351291" y="1428916"/>
+            <a:off x="7351291" y="3048961"/>
             <a:ext cx="809738" cy="952633"/>
           </a:xfrm>
           <a:prstGeom prst="rect">
@@ -12907,7 +14051,7 @@
         </p:nvGrpSpPr>
         <p:grpSpPr>
           <a:xfrm>
-            <a:off x="1395783" y="2499274"/>
+            <a:off x="1395784" y="4119318"/>
             <a:ext cx="1155887" cy="673166"/>
             <a:chOff x="2334271" y="318043"/>
             <a:chExt cx="1457473" cy="673166"/>
@@ -12988,7 +14132,7 @@
         </p:nvGrpSpPr>
         <p:grpSpPr>
           <a:xfrm rot="1893237">
-            <a:off x="1484536" y="1840598"/>
+            <a:off x="1484536" y="3460642"/>
             <a:ext cx="1288610" cy="673166"/>
             <a:chOff x="2334271" y="318043"/>
             <a:chExt cx="1457473" cy="673166"/>
@@ -13069,7 +14213,7 @@
         </p:nvGrpSpPr>
         <p:grpSpPr>
           <a:xfrm rot="19944874">
-            <a:off x="1230853" y="3238515"/>
+            <a:off x="1230854" y="4858559"/>
             <a:ext cx="1237567" cy="673166"/>
             <a:chOff x="2334271" y="318043"/>
             <a:chExt cx="1457473" cy="673166"/>
@@ -13163,7 +14307,7 @@
         </p:blipFill>
         <p:spPr bwMode="auto">
           <a:xfrm>
-            <a:off x="2617203" y="2576385"/>
+            <a:off x="2617204" y="4196429"/>
             <a:ext cx="1139251" cy="1235676"/>
           </a:xfrm>
           <a:prstGeom prst="rect">
@@ -13189,7 +14333,7 @@
         </p:nvGrpSpPr>
         <p:grpSpPr>
           <a:xfrm>
-            <a:off x="3815647" y="2478679"/>
+            <a:off x="3815648" y="4098723"/>
             <a:ext cx="1151769" cy="673166"/>
             <a:chOff x="2334271" y="318043"/>
             <a:chExt cx="1457473" cy="673166"/>
@@ -13270,7 +14414,7 @@
         </p:nvSpPr>
         <p:spPr>
           <a:xfrm>
-            <a:off x="5140411" y="2668364"/>
+            <a:off x="5140412" y="4288408"/>
             <a:ext cx="963911" cy="963908"/>
           </a:xfrm>
           <a:prstGeom prst="ellipse">
@@ -13311,7 +14455,7 @@
           <a:p>
             <a:pPr algn="ctr"/>
             <a:r>
-              <a:rPr lang="en-US" sz="1400" b="1" dirty="0" smtClean="0"/>
+              <a:rPr lang="en-US" sz="1400" b="1" dirty="0"/>
               <a:t>Image</a:t>
             </a:r>
             <a:endParaRPr lang="de-DE" sz="1400" b="1" dirty="0"/>
@@ -13326,7 +14470,7 @@
         </p:nvSpPr>
         <p:spPr>
           <a:xfrm>
-            <a:off x="4967416" y="3624649"/>
+            <a:off x="4967417" y="5244694"/>
             <a:ext cx="1346885" cy="1015663"/>
           </a:xfrm>
           <a:prstGeom prst="rect">
@@ -13342,7 +14486,7 @@
           <a:p>
             <a:pPr algn="ctr"/>
             <a:r>
-              <a:rPr lang="en-US" sz="2000" dirty="0" smtClean="0">
+              <a:rPr lang="en-US" sz="2000" dirty="0">
                 <a:solidFill>
                   <a:schemeClr val="tx1">
                     <a:lumMod val="50000"/>
@@ -13356,7 +14500,7 @@
           <a:p>
             <a:pPr algn="ctr"/>
             <a:r>
-              <a:rPr lang="en-US" sz="2000" dirty="0" smtClean="0">
+              <a:rPr lang="en-US" sz="2000" dirty="0">
                 <a:solidFill>
                   <a:schemeClr val="tx1">
                     <a:lumMod val="50000"/>
@@ -13370,7 +14514,7 @@
           <a:p>
             <a:pPr algn="ctr"/>
             <a:r>
-              <a:rPr lang="en-US" sz="2000" dirty="0" smtClean="0">
+              <a:rPr lang="en-US" sz="2000" dirty="0">
                 <a:solidFill>
                   <a:schemeClr val="tx1">
                     <a:lumMod val="50000"/>
@@ -13399,7 +14543,7 @@
         </p:nvGrpSpPr>
         <p:grpSpPr>
           <a:xfrm rot="19944874">
-            <a:off x="5986145" y="1908104"/>
+            <a:off x="5986146" y="3528148"/>
             <a:ext cx="1237567" cy="673166"/>
             <a:chOff x="2334271" y="318043"/>
             <a:chExt cx="1457473" cy="673166"/>
@@ -13480,7 +14624,7 @@
         </p:nvGrpSpPr>
         <p:grpSpPr>
           <a:xfrm rot="1893237">
-            <a:off x="6332504" y="3074215"/>
+            <a:off x="6332504" y="4694259"/>
             <a:ext cx="1288610" cy="673166"/>
             <a:chOff x="2334271" y="318043"/>
             <a:chExt cx="1457473" cy="673166"/>
@@ -13569,7 +14713,7 @@
         </p:blipFill>
         <p:spPr>
           <a:xfrm>
-            <a:off x="6615293" y="3237470"/>
+            <a:off x="6615294" y="4857515"/>
             <a:ext cx="2626907" cy="2426685"/>
           </a:xfrm>
           <a:prstGeom prst="rect">
@@ -13585,7 +14729,7 @@
         </p:nvGrpSpPr>
         <p:grpSpPr>
           <a:xfrm>
-            <a:off x="8589474" y="3496052"/>
+            <a:off x="8589475" y="5116096"/>
             <a:ext cx="1151769" cy="673166"/>
             <a:chOff x="2334271" y="318043"/>
             <a:chExt cx="1457473" cy="673166"/>
@@ -13717,7 +14861,7 @@
         </p:blipFill>
         <p:spPr>
           <a:xfrm>
-            <a:off x="685523" y="5539209"/>
+            <a:off x="685523" y="7159253"/>
             <a:ext cx="695422" cy="1143160"/>
           </a:xfrm>
           <a:prstGeom prst="rect">
@@ -13747,7 +14891,7 @@
         </p:blipFill>
         <p:spPr>
           <a:xfrm>
-            <a:off x="12444593" y="4107447"/>
+            <a:off x="12444594" y="5727491"/>
             <a:ext cx="1538745" cy="615498"/>
           </a:xfrm>
           <a:prstGeom prst="rect">
@@ -13777,7 +14921,7 @@
         </p:blipFill>
         <p:spPr>
           <a:xfrm>
-            <a:off x="5318605" y="3789056"/>
+            <a:off x="5318605" y="5409101"/>
             <a:ext cx="809738" cy="952633"/>
           </a:xfrm>
           <a:prstGeom prst="rect">
@@ -13793,7 +14937,7 @@
         </p:nvCxnSpPr>
         <p:spPr>
           <a:xfrm flipH="1" flipV="1">
-            <a:off x="5733537" y="4806778"/>
+            <a:off x="5733537" y="6426823"/>
             <a:ext cx="18566" cy="874085"/>
           </a:xfrm>
           <a:prstGeom prst="straightConnector1">
@@ -13832,7 +14976,7 @@
         </p:nvSpPr>
         <p:spPr>
           <a:xfrm>
-            <a:off x="2699953" y="4670158"/>
+            <a:off x="2699954" y="6290202"/>
             <a:ext cx="963911" cy="963908"/>
           </a:xfrm>
           <a:prstGeom prst="ellipse">
@@ -13873,7 +15017,7 @@
           <a:p>
             <a:pPr algn="ctr"/>
             <a:r>
-              <a:rPr lang="en-US" sz="1400" b="1" dirty="0" smtClean="0"/>
+              <a:rPr lang="en-US" sz="1400" b="1" dirty="0"/>
               <a:t>Image</a:t>
             </a:r>
             <a:endParaRPr lang="de-DE" sz="1400" b="1" dirty="0"/>
@@ -13888,7 +15032,7 @@
         </p:nvCxnSpPr>
         <p:spPr>
           <a:xfrm rot="18847739" flipV="1">
-            <a:off x="4224536" y="5117063"/>
+            <a:off x="4224537" y="6737108"/>
             <a:ext cx="1227503" cy="10481"/>
           </a:xfrm>
           <a:prstGeom prst="straightConnector1">
@@ -13927,7 +15071,7 @@
         </p:nvCxnSpPr>
         <p:spPr>
           <a:xfrm rot="2883253" flipV="1">
-            <a:off x="6076264" y="5163168"/>
+            <a:off x="6076265" y="6783213"/>
             <a:ext cx="1278131" cy="10481"/>
           </a:xfrm>
           <a:prstGeom prst="straightConnector1">
@@ -13974,7 +15118,7 @@
         </p:blipFill>
         <p:spPr>
           <a:xfrm>
-            <a:off x="9290532" y="3361037"/>
+            <a:off x="9290533" y="4981082"/>
             <a:ext cx="2626907" cy="2426685"/>
           </a:xfrm>
           <a:prstGeom prst="rect">
@@ -13990,7 +15134,7 @@
         </p:nvCxnSpPr>
         <p:spPr>
           <a:xfrm flipV="1">
-            <a:off x="11410065" y="4430586"/>
+            <a:off x="11410066" y="6050631"/>
             <a:ext cx="946691" cy="10481"/>
           </a:xfrm>
           <a:prstGeom prst="straightConnector1">
@@ -14034,7 +15178,7 @@
           </p:nvPr>
         </p:nvGraphicFramePr>
         <p:xfrm>
-          <a:off x="1547427" y="5196015"/>
+          <a:off x="1547428" y="6816060"/>
           <a:ext cx="8653077" cy="1876545"/>
         </p:xfrm>
         <a:graphic>
@@ -14051,7 +15195,7 @@
         </p:nvCxnSpPr>
         <p:spPr>
           <a:xfrm rot="18847739" flipV="1">
-            <a:off x="8819190" y="5145896"/>
+            <a:off x="8819191" y="6765941"/>
             <a:ext cx="1227503" cy="10481"/>
           </a:xfrm>
           <a:prstGeom prst="straightConnector1">
@@ -14105,7 +15249,7 @@
         </p:blipFill>
         <p:spPr bwMode="auto">
           <a:xfrm>
-            <a:off x="4190056" y="6848377"/>
+            <a:off x="4190057" y="8468421"/>
             <a:ext cx="1648513" cy="374662"/>
           </a:xfrm>
           <a:prstGeom prst="rect">
@@ -14145,7 +15289,7 @@
         </p:blipFill>
         <p:spPr>
           <a:xfrm>
-            <a:off x="5943600" y="6787738"/>
+            <a:off x="5943600" y="8407782"/>
             <a:ext cx="1482810" cy="458528"/>
           </a:xfrm>
           <a:prstGeom prst="rect">
@@ -14212,7 +15356,7 @@
         </p:blipFill>
         <p:spPr>
           <a:xfrm>
-            <a:off x="7691802" y="516187"/>
+            <a:off x="7691802" y="2136231"/>
             <a:ext cx="695422" cy="1143160"/>
           </a:xfrm>
           <a:prstGeom prst="rect">
@@ -14242,7 +15386,7 @@
         </p:blipFill>
         <p:spPr>
           <a:xfrm>
-            <a:off x="9823294" y="758763"/>
+            <a:off x="9823295" y="2378807"/>
             <a:ext cx="1538745" cy="615498"/>
           </a:xfrm>
           <a:prstGeom prst="rect">
@@ -14258,7 +15402,7 @@
         </p:nvGrpSpPr>
         <p:grpSpPr>
           <a:xfrm>
-            <a:off x="8558583" y="375971"/>
+            <a:off x="8558584" y="1996015"/>
             <a:ext cx="1151769" cy="673166"/>
             <a:chOff x="2334271" y="318043"/>
             <a:chExt cx="1457473" cy="673166"/>
@@ -14353,7 +15497,7 @@
         </p:blipFill>
         <p:spPr>
           <a:xfrm>
-            <a:off x="1054165" y="612982"/>
+            <a:off x="1054165" y="2233026"/>
             <a:ext cx="695422" cy="1143160"/>
           </a:xfrm>
           <a:prstGeom prst="rect">
@@ -14383,7 +15527,7 @@
         </p:blipFill>
         <p:spPr>
           <a:xfrm>
-            <a:off x="3228904" y="855558"/>
+            <a:off x="3228905" y="2475602"/>
             <a:ext cx="1538745" cy="615498"/>
           </a:xfrm>
           <a:prstGeom prst="rect">
@@ -14399,7 +15543,7 @@
         </p:nvGrpSpPr>
         <p:grpSpPr>
           <a:xfrm>
-            <a:off x="1964193" y="472766"/>
+            <a:off x="1964194" y="2092810"/>
             <a:ext cx="1151769" cy="673166"/>
             <a:chOff x="2334271" y="318043"/>
             <a:chExt cx="1457473" cy="673166"/>
@@ -14495,7 +15639,7 @@
         </p:blipFill>
         <p:spPr bwMode="auto">
           <a:xfrm>
-            <a:off x="8292499" y="1182804"/>
+            <a:off x="8292500" y="2802848"/>
             <a:ext cx="1648513" cy="374662"/>
           </a:xfrm>
           <a:prstGeom prst="rect">
@@ -14535,7 +15679,7 @@
         </p:blipFill>
         <p:spPr>
           <a:xfrm>
-            <a:off x="5941262" y="4598035"/>
+            <a:off x="5941262" y="6218079"/>
             <a:ext cx="695422" cy="1143160"/>
           </a:xfrm>
           <a:prstGeom prst="rect">
@@ -14565,7 +15709,7 @@
         </p:blipFill>
         <p:spPr>
           <a:xfrm>
-            <a:off x="8072754" y="4840611"/>
+            <a:off x="8072755" y="6460655"/>
             <a:ext cx="1538745" cy="615498"/>
           </a:xfrm>
           <a:prstGeom prst="rect">
@@ -14581,7 +15725,7 @@
         </p:nvCxnSpPr>
         <p:spPr>
           <a:xfrm flipV="1">
-            <a:off x="6798874" y="5122564"/>
+            <a:off x="6798875" y="6742609"/>
             <a:ext cx="1142403" cy="10481"/>
           </a:xfrm>
           <a:prstGeom prst="straightConnector1">
@@ -14635,7 +15779,7 @@
         </p:blipFill>
         <p:spPr bwMode="auto">
           <a:xfrm>
-            <a:off x="6541959" y="5264652"/>
+            <a:off x="6541960" y="6884696"/>
             <a:ext cx="1648513" cy="374662"/>
           </a:xfrm>
           <a:prstGeom prst="rect">
@@ -14675,7 +15819,7 @@
         </p:blipFill>
         <p:spPr>
           <a:xfrm>
-            <a:off x="6810478" y="4602693"/>
+            <a:off x="6810478" y="6222738"/>
             <a:ext cx="1116380" cy="345217"/>
           </a:xfrm>
           <a:prstGeom prst="rect">
@@ -14706,7 +15850,7 @@
         </p:blipFill>
         <p:spPr bwMode="auto">
           <a:xfrm>
-            <a:off x="3311436" y="4590536"/>
+            <a:off x="3311436" y="6210581"/>
             <a:ext cx="1472772" cy="1218385"/>
           </a:xfrm>
           <a:prstGeom prst="rect">
@@ -14747,7 +15891,7 @@
         </p:blipFill>
         <p:spPr bwMode="auto">
           <a:xfrm>
-            <a:off x="4936524" y="4554365"/>
+            <a:off x="4936524" y="6174410"/>
             <a:ext cx="478494" cy="611147"/>
           </a:xfrm>
           <a:prstGeom prst="rect">
@@ -14773,7 +15917,7 @@
         </p:nvCxnSpPr>
         <p:spPr>
           <a:xfrm flipV="1">
-            <a:off x="4764126" y="5122564"/>
+            <a:off x="4764127" y="6742609"/>
             <a:ext cx="1142403" cy="10481"/>
           </a:xfrm>
           <a:prstGeom prst="straightConnector1">
@@ -14849,7 +15993,7 @@
         </p:nvGrpSpPr>
         <p:grpSpPr>
           <a:xfrm>
-            <a:off x="2123281" y="855665"/>
+            <a:off x="2123281" y="2475710"/>
             <a:ext cx="3105150" cy="5686425"/>
             <a:chOff x="1019175" y="504826"/>
             <a:chExt cx="3105150" cy="5686425"/>
@@ -15424,7 +16568,7 @@
         </p:nvSpPr>
         <p:spPr>
           <a:xfrm>
-            <a:off x="1738157" y="1766426"/>
+            <a:off x="1738157" y="3386471"/>
             <a:ext cx="1441656" cy="1514439"/>
           </a:xfrm>
           <a:prstGeom prst="rect">
@@ -15480,7 +16624,7 @@
         </p:nvGrpSpPr>
         <p:grpSpPr>
           <a:xfrm>
-            <a:off x="5279415" y="133588"/>
+            <a:off x="5279416" y="1753632"/>
             <a:ext cx="2242751" cy="1789646"/>
             <a:chOff x="1294361" y="4557307"/>
             <a:chExt cx="2242751" cy="1789646"/>
@@ -15555,7 +16699,7 @@
                 <a:t>I</a:t>
               </a:r>
               <a:r>
-                <a:rPr lang="en-US" sz="2000" b="1" dirty="0" smtClean="0"/>
+                <a:rPr lang="en-US" sz="2000" b="1" dirty="0"/>
                 <a:t>nstance Boot logs</a:t>
               </a:r>
               <a:endParaRPr lang="de-DE" sz="2000" b="1" dirty="0"/>
@@ -15571,7 +16715,7 @@
         </p:nvCxnSpPr>
         <p:spPr>
           <a:xfrm>
-            <a:off x="3354363" y="2909124"/>
+            <a:off x="3354363" y="4529169"/>
             <a:ext cx="1823118" cy="699049"/>
           </a:xfrm>
           <a:prstGeom prst="straightConnector1">
@@ -15610,7 +16754,7 @@
         </p:nvCxnSpPr>
         <p:spPr>
           <a:xfrm flipV="1">
-            <a:off x="3391929" y="1241855"/>
+            <a:off x="3391930" y="2861900"/>
             <a:ext cx="1822623" cy="908221"/>
           </a:xfrm>
           <a:prstGeom prst="straightConnector1">
@@ -15649,7 +16793,7 @@
         </p:nvGrpSpPr>
         <p:grpSpPr>
           <a:xfrm>
-            <a:off x="5302071" y="2991597"/>
+            <a:off x="5302072" y="4611642"/>
             <a:ext cx="2254085" cy="1814879"/>
             <a:chOff x="5246466" y="1076300"/>
             <a:chExt cx="2254085" cy="1814879"/>
@@ -15702,7 +16846,7 @@
             <a:p>
               <a:pPr algn="ctr"/>
               <a:r>
-                <a:rPr lang="en-US" sz="2000" b="1" dirty="0" smtClean="0"/>
+                <a:rPr lang="en-US" sz="2000" b="1" dirty="0"/>
                 <a:t>Application logs</a:t>
               </a:r>
               <a:endParaRPr lang="de-DE" sz="2000" b="1" dirty="0"/>
@@ -15732,7 +16876,7 @@
         </p:blipFill>
         <p:spPr>
           <a:xfrm>
-            <a:off x="11487162" y="5696645"/>
+            <a:off x="11487163" y="7316689"/>
             <a:ext cx="1538745" cy="615498"/>
           </a:xfrm>
           <a:prstGeom prst="rect">
@@ -15748,7 +16892,7 @@
         </p:nvCxnSpPr>
         <p:spPr>
           <a:xfrm flipV="1">
-            <a:off x="10213282" y="5978598"/>
+            <a:off x="10213283" y="7598643"/>
             <a:ext cx="1142403" cy="10481"/>
           </a:xfrm>
           <a:prstGeom prst="straightConnector1">
@@ -15801,7 +16945,7 @@
         </p:blipFill>
         <p:spPr>
           <a:xfrm>
-            <a:off x="10224886" y="5458727"/>
+            <a:off x="10224886" y="7078772"/>
             <a:ext cx="1116380" cy="345217"/>
           </a:xfrm>
           <a:prstGeom prst="rect">
@@ -15832,7 +16976,7 @@
         </p:blipFill>
         <p:spPr bwMode="auto">
           <a:xfrm>
-            <a:off x="9384568" y="5696644"/>
+            <a:off x="9384568" y="7316689"/>
             <a:ext cx="682818" cy="615499"/>
           </a:xfrm>
           <a:prstGeom prst="rect">
@@ -15895,7 +17039,7 @@
         </p:nvGrpSpPr>
         <p:grpSpPr>
           <a:xfrm>
-            <a:off x="1218406" y="460374"/>
+            <a:off x="1218406" y="2080418"/>
             <a:ext cx="3676650" cy="6917472"/>
             <a:chOff x="114300" y="95250"/>
             <a:chExt cx="3676650" cy="6917472"/>
@@ -16567,7 +17711,7 @@
         </p:nvGrpSpPr>
         <p:grpSpPr>
           <a:xfrm>
-            <a:off x="6523833" y="460374"/>
+            <a:off x="6523834" y="2080418"/>
             <a:ext cx="3800475" cy="6917472"/>
             <a:chOff x="57150" y="95250"/>
             <a:chExt cx="3800475" cy="6917472"/>
@@ -17239,7 +18383,7 @@
         </p:nvGrpSpPr>
         <p:grpSpPr>
           <a:xfrm>
-            <a:off x="11886406" y="460374"/>
+            <a:off x="11886406" y="2080418"/>
             <a:ext cx="3790950" cy="6917472"/>
             <a:chOff x="57150" y="95250"/>
             <a:chExt cx="3790950" cy="6917472"/>
@@ -17911,7 +19055,7 @@
         </p:nvCxnSpPr>
         <p:spPr>
           <a:xfrm>
-            <a:off x="10100468" y="1398587"/>
+            <a:off x="10100468" y="3018631"/>
             <a:ext cx="2019300" cy="0"/>
           </a:xfrm>
           <a:prstGeom prst="straightConnector1">
@@ -17950,7 +19094,7 @@
         </p:nvCxnSpPr>
         <p:spPr>
           <a:xfrm>
-            <a:off x="4709321" y="1398587"/>
+            <a:off x="4709322" y="3018631"/>
             <a:ext cx="2047875" cy="0"/>
           </a:xfrm>
           <a:prstGeom prst="straightConnector1">
@@ -17988,7 +19132,7 @@
         </p:nvCxnSpPr>
         <p:spPr>
           <a:xfrm>
-            <a:off x="4709321" y="2732087"/>
+            <a:off x="4709322" y="4352131"/>
             <a:ext cx="2047875" cy="0"/>
           </a:xfrm>
           <a:prstGeom prst="straightConnector1">
@@ -18025,7 +19169,7 @@
         </p:nvCxnSpPr>
         <p:spPr>
           <a:xfrm>
-            <a:off x="4709321" y="3794124"/>
+            <a:off x="4709322" y="5414168"/>
             <a:ext cx="2047875" cy="0"/>
           </a:xfrm>
           <a:prstGeom prst="straightConnector1">
@@ -18062,7 +19206,7 @@
         </p:nvCxnSpPr>
         <p:spPr>
           <a:xfrm>
-            <a:off x="4709321" y="4832349"/>
+            <a:off x="4709322" y="6452393"/>
             <a:ext cx="2047875" cy="0"/>
           </a:xfrm>
           <a:prstGeom prst="straightConnector1">
@@ -18099,7 +19243,7 @@
         </p:nvCxnSpPr>
         <p:spPr>
           <a:xfrm>
-            <a:off x="4709321" y="5899149"/>
+            <a:off x="4709322" y="7519193"/>
             <a:ext cx="2047875" cy="0"/>
           </a:xfrm>
           <a:prstGeom prst="straightConnector1">
@@ -18136,7 +19280,7 @@
         </p:nvCxnSpPr>
         <p:spPr>
           <a:xfrm>
-            <a:off x="10086183" y="5899149"/>
+            <a:off x="10086184" y="7519193"/>
             <a:ext cx="2047875" cy="0"/>
           </a:xfrm>
           <a:prstGeom prst="straightConnector1">
@@ -18173,7 +19317,7 @@
         </p:nvCxnSpPr>
         <p:spPr>
           <a:xfrm>
-            <a:off x="10086183" y="4832349"/>
+            <a:off x="10086184" y="6452393"/>
             <a:ext cx="2047875" cy="0"/>
           </a:xfrm>
           <a:prstGeom prst="straightConnector1">
@@ -18210,7 +19354,7 @@
         </p:nvCxnSpPr>
         <p:spPr>
           <a:xfrm>
-            <a:off x="10086183" y="3794124"/>
+            <a:off x="10086184" y="5414168"/>
             <a:ext cx="2047875" cy="0"/>
           </a:xfrm>
           <a:prstGeom prst="straightConnector1">
@@ -18247,7 +19391,7 @@
         </p:nvCxnSpPr>
         <p:spPr>
           <a:xfrm>
-            <a:off x="10086183" y="2732087"/>
+            <a:off x="10086184" y="4352131"/>
             <a:ext cx="2047875" cy="0"/>
           </a:xfrm>
           <a:prstGeom prst="straightConnector1">
@@ -18314,7 +19458,7 @@
         </p:nvGrpSpPr>
         <p:grpSpPr>
           <a:xfrm>
-            <a:off x="91206" y="212283"/>
+            <a:off x="91206" y="1832327"/>
             <a:ext cx="3790954" cy="7019356"/>
             <a:chOff x="57150" y="-755957"/>
             <a:chExt cx="3790954" cy="7019356"/>
@@ -18928,7 +20072,7 @@
                   <a:p>
                     <a:pPr algn="ctr"/>
                     <a:r>
-                      <a:rPr lang="en-US" sz="3600" b="1" dirty="0" smtClean="0">
+                      <a:rPr lang="en-US" sz="3600" b="1" dirty="0">
                         <a:solidFill>
                           <a:schemeClr val="bg2">
                             <a:lumMod val="75000"/>
@@ -18974,7 +20118,7 @@
             <a:p>
               <a:pPr algn="ctr"/>
               <a:r>
-                <a:rPr lang="en-US" sz="4800" b="1" dirty="0" smtClean="0">
+                <a:rPr lang="en-US" sz="4800" b="1" dirty="0">
                   <a:solidFill>
                     <a:schemeClr val="bg1">
                       <a:lumMod val="50000"/>
@@ -19002,7 +20146,7 @@
         </p:nvGrpSpPr>
         <p:grpSpPr>
           <a:xfrm>
-            <a:off x="5467359" y="212283"/>
+            <a:off x="5467359" y="1832327"/>
             <a:ext cx="3790954" cy="7019356"/>
             <a:chOff x="57150" y="-755957"/>
             <a:chExt cx="3790954" cy="7019356"/>
@@ -19612,7 +20756,7 @@
                   <a:p>
                     <a:pPr algn="ctr"/>
                     <a:r>
-                      <a:rPr lang="en-US" sz="3600" b="1" dirty="0" smtClean="0">
+                      <a:rPr lang="en-US" sz="3600" b="1" dirty="0">
                         <a:solidFill>
                           <a:schemeClr val="bg2">
                             <a:lumMod val="75000"/>
@@ -19658,7 +20802,7 @@
             <a:p>
               <a:pPr algn="ctr"/>
               <a:r>
-                <a:rPr lang="en-US" sz="4800" b="1" dirty="0" smtClean="0">
+                <a:rPr lang="en-US" sz="4800" b="1" dirty="0">
                   <a:solidFill>
                     <a:schemeClr val="bg1">
                       <a:lumMod val="50000"/>
@@ -19686,7 +20830,7 @@
         </p:nvCxnSpPr>
         <p:spPr>
           <a:xfrm>
-            <a:off x="3970421" y="2001703"/>
+            <a:off x="3970421" y="3621747"/>
             <a:ext cx="1383632" cy="0"/>
           </a:xfrm>
           <a:prstGeom prst="straightConnector1">
@@ -19724,7 +20868,7 @@
         </p:nvGrpSpPr>
         <p:grpSpPr>
           <a:xfrm>
-            <a:off x="10843512" y="212283"/>
+            <a:off x="10843512" y="1832327"/>
             <a:ext cx="3790954" cy="7019356"/>
             <a:chOff x="57150" y="-755957"/>
             <a:chExt cx="3790954" cy="7019356"/>
@@ -20338,7 +21482,7 @@
                   <a:p>
                     <a:pPr algn="ctr"/>
                     <a:r>
-                      <a:rPr lang="en-US" sz="3600" b="1" dirty="0" smtClean="0">
+                      <a:rPr lang="en-US" sz="3600" b="1" dirty="0">
                         <a:solidFill>
                           <a:schemeClr val="bg1"/>
                         </a:solidFill>
@@ -20380,7 +21524,7 @@
             <a:p>
               <a:pPr algn="ctr"/>
               <a:r>
-                <a:rPr lang="en-US" sz="4800" b="1" dirty="0" smtClean="0">
+                <a:rPr lang="en-US" sz="4800" b="1" dirty="0">
                   <a:solidFill>
                     <a:schemeClr val="bg1">
                       <a:lumMod val="50000"/>
@@ -20408,7 +21552,7 @@
         </p:nvCxnSpPr>
         <p:spPr>
           <a:xfrm>
-            <a:off x="9348281" y="2001703"/>
+            <a:off x="9348281" y="3621747"/>
             <a:ext cx="1404000" cy="0"/>
           </a:xfrm>
           <a:prstGeom prst="straightConnector1">
@@ -20476,7 +21620,7 @@
         </p:nvGrpSpPr>
         <p:grpSpPr>
           <a:xfrm>
-            <a:off x="2123281" y="855665"/>
+            <a:off x="2123281" y="2475710"/>
             <a:ext cx="3105150" cy="5686425"/>
             <a:chOff x="1019175" y="504826"/>
             <a:chExt cx="3105150" cy="5686425"/>
@@ -21021,7 +22165,7 @@
         </p:nvCxnSpPr>
         <p:spPr>
           <a:xfrm>
-            <a:off x="6095208" y="3694112"/>
+            <a:off x="6095209" y="5314156"/>
             <a:ext cx="3057525" cy="0"/>
           </a:xfrm>
           <a:prstGeom prst="straightConnector1">
@@ -21060,7 +22204,7 @@
         </p:nvGrpSpPr>
         <p:grpSpPr>
           <a:xfrm>
-            <a:off x="9848056" y="827090"/>
+            <a:off x="9848056" y="2447135"/>
             <a:ext cx="3105150" cy="5791199"/>
             <a:chOff x="6448425" y="3933826"/>
             <a:chExt cx="2628900" cy="1409700"/>
@@ -21201,7 +22345,7 @@
         </p:nvGrpSpPr>
         <p:grpSpPr>
           <a:xfrm>
-            <a:off x="1218406" y="460374"/>
+            <a:off x="1218406" y="2080418"/>
             <a:ext cx="3676650" cy="6917472"/>
             <a:chOff x="114300" y="95250"/>
             <a:chExt cx="3676650" cy="6917472"/>
@@ -21313,7 +22457,7 @@
         </p:nvGrpSpPr>
         <p:grpSpPr>
           <a:xfrm>
-            <a:off x="1494631" y="641353"/>
+            <a:off x="1494631" y="2261398"/>
             <a:ext cx="3105150" cy="5791199"/>
             <a:chOff x="6448425" y="3933826"/>
             <a:chExt cx="2628900" cy="1409700"/>
@@ -21417,7 +22561,7 @@
         </p:nvGrpSpPr>
         <p:grpSpPr>
           <a:xfrm>
-            <a:off x="6523833" y="460374"/>
+            <a:off x="6523834" y="2080418"/>
             <a:ext cx="3800475" cy="6917472"/>
             <a:chOff x="57150" y="95250"/>
             <a:chExt cx="3800475" cy="6917472"/>
@@ -21529,7 +22673,7 @@
         </p:nvGrpSpPr>
         <p:grpSpPr>
           <a:xfrm>
-            <a:off x="11886406" y="460374"/>
+            <a:off x="11886406" y="2080418"/>
             <a:ext cx="3790950" cy="6917472"/>
             <a:chOff x="57150" y="95250"/>
             <a:chExt cx="3790950" cy="6917472"/>
@@ -21641,7 +22785,7 @@
         </p:nvCxnSpPr>
         <p:spPr>
           <a:xfrm>
-            <a:off x="10100468" y="3536949"/>
+            <a:off x="10100468" y="5156993"/>
             <a:ext cx="2019300" cy="0"/>
           </a:xfrm>
           <a:prstGeom prst="straightConnector1">
@@ -21680,7 +22824,7 @@
         </p:nvCxnSpPr>
         <p:spPr>
           <a:xfrm>
-            <a:off x="4709321" y="3536949"/>
+            <a:off x="4709322" y="5156993"/>
             <a:ext cx="2047875" cy="0"/>
           </a:xfrm>
           <a:prstGeom prst="straightConnector1">
@@ -21718,7 +22862,7 @@
         </p:nvGrpSpPr>
         <p:grpSpPr>
           <a:xfrm>
-            <a:off x="6866731" y="641353"/>
+            <a:off x="6866731" y="2261398"/>
             <a:ext cx="3105150" cy="5791199"/>
             <a:chOff x="6448425" y="3933826"/>
             <a:chExt cx="2628900" cy="1409700"/>
@@ -21822,7 +22966,7 @@
         </p:nvGrpSpPr>
         <p:grpSpPr>
           <a:xfrm>
-            <a:off x="12238830" y="641353"/>
+            <a:off x="12238830" y="2261398"/>
             <a:ext cx="3105150" cy="5791199"/>
             <a:chOff x="6448424" y="3933826"/>
             <a:chExt cx="2628900" cy="1409700"/>
@@ -21963,7 +23107,7 @@
         </p:nvGrpSpPr>
         <p:grpSpPr>
           <a:xfrm>
-            <a:off x="1249225" y="5037698"/>
+            <a:off x="1249225" y="6657742"/>
             <a:ext cx="3105150" cy="1409700"/>
             <a:chOff x="6448425" y="3933826"/>
             <a:chExt cx="2628900" cy="1409700"/>
@@ -22069,7 +23213,7 @@
         </p:nvCxnSpPr>
         <p:spPr>
           <a:xfrm>
-            <a:off x="4642925" y="2335961"/>
+            <a:off x="4642925" y="3956006"/>
             <a:ext cx="2041712" cy="1201831"/>
           </a:xfrm>
           <a:prstGeom prst="straightConnector1">
@@ -22108,7 +23252,7 @@
         </p:nvGrpSpPr>
         <p:grpSpPr>
           <a:xfrm>
-            <a:off x="6899792" y="2435133"/>
+            <a:off x="6899793" y="4055178"/>
             <a:ext cx="2839659" cy="2839659"/>
             <a:chOff x="6448425" y="3933826"/>
             <a:chExt cx="2628900" cy="1409700"/>
@@ -22218,7 +23362,7 @@
         </p:nvSpPr>
         <p:spPr>
           <a:xfrm>
-            <a:off x="1094534" y="-48982"/>
+            <a:off x="1094535" y="1571063"/>
             <a:ext cx="3469219" cy="3770263"/>
           </a:xfrm>
           <a:prstGeom prst="rect">
@@ -22265,7 +23409,7 @@
         </p:nvCxnSpPr>
         <p:spPr>
           <a:xfrm flipV="1">
-            <a:off x="4741539" y="4102568"/>
+            <a:off x="4741540" y="5722613"/>
             <a:ext cx="1956547" cy="1384487"/>
           </a:xfrm>
           <a:prstGeom prst="straightConnector1">
@@ -22304,7 +23448,7 @@
         </p:nvCxnSpPr>
         <p:spPr>
           <a:xfrm>
-            <a:off x="9797633" y="4545761"/>
+            <a:off x="9797634" y="6165806"/>
             <a:ext cx="2247191" cy="1115015"/>
           </a:xfrm>
           <a:prstGeom prst="straightConnector1">
@@ -22343,7 +23487,7 @@
         </p:nvCxnSpPr>
         <p:spPr>
           <a:xfrm flipV="1">
-            <a:off x="9815560" y="2031721"/>
+            <a:off x="9815560" y="3651766"/>
             <a:ext cx="2059640" cy="1133477"/>
           </a:xfrm>
           <a:prstGeom prst="straightConnector1">
@@ -22382,7 +23526,7 @@
         </p:nvSpPr>
         <p:spPr>
           <a:xfrm>
-            <a:off x="1958159" y="479089"/>
+            <a:off x="1958159" y="2099134"/>
             <a:ext cx="1677062" cy="2877711"/>
           </a:xfrm>
           <a:prstGeom prst="rect">
@@ -22420,7 +23564,7 @@
         </p:nvGrpSpPr>
         <p:grpSpPr>
           <a:xfrm>
-            <a:off x="11451264" y="559386"/>
+            <a:off x="11451264" y="2179431"/>
             <a:ext cx="4056006" cy="2230805"/>
             <a:chOff x="996328" y="4911830"/>
             <a:chExt cx="2857500" cy="1571626"/>
@@ -22535,7 +23679,7 @@
         </p:blipFill>
         <p:spPr bwMode="auto">
           <a:xfrm>
-            <a:off x="12155864" y="5464259"/>
+            <a:off x="12155864" y="7084303"/>
             <a:ext cx="2729664" cy="1031206"/>
           </a:xfrm>
           <a:prstGeom prst="rect">
@@ -22561,7 +23705,7 @@
         </p:nvSpPr>
         <p:spPr>
           <a:xfrm>
-            <a:off x="1322035" y="1006226"/>
+            <a:off x="1322035" y="2626270"/>
             <a:ext cx="2953724" cy="1754326"/>
           </a:xfrm>
           <a:prstGeom prst="rect">
@@ -22637,7 +23781,7 @@
         </p:nvGrpSpPr>
         <p:grpSpPr>
           <a:xfrm>
-            <a:off x="5726641" y="4722386"/>
+            <a:off x="5726641" y="6342430"/>
             <a:ext cx="3105150" cy="1409700"/>
             <a:chOff x="6448425" y="3933826"/>
             <a:chExt cx="2628900" cy="1409700"/>
@@ -22743,7 +23887,7 @@
         </p:nvCxnSpPr>
         <p:spPr>
           <a:xfrm>
-            <a:off x="9120341" y="2020649"/>
+            <a:off x="9120341" y="3640694"/>
             <a:ext cx="2041712" cy="1201831"/>
           </a:xfrm>
           <a:prstGeom prst="straightConnector1">
@@ -22782,7 +23926,7 @@
         </p:nvGrpSpPr>
         <p:grpSpPr>
           <a:xfrm>
-            <a:off x="11377208" y="2119821"/>
+            <a:off x="11377209" y="3739866"/>
             <a:ext cx="2839659" cy="2839659"/>
             <a:chOff x="6448425" y="3933826"/>
             <a:chExt cx="2628900" cy="1409700"/>
@@ -22892,7 +24036,7 @@
         </p:nvSpPr>
         <p:spPr>
           <a:xfrm>
-            <a:off x="5571950" y="-364294"/>
+            <a:off x="5571951" y="1255751"/>
             <a:ext cx="3469219" cy="3770263"/>
           </a:xfrm>
           <a:prstGeom prst="rect">
@@ -22939,7 +24083,7 @@
         </p:nvCxnSpPr>
         <p:spPr>
           <a:xfrm flipV="1">
-            <a:off x="9218955" y="3787256"/>
+            <a:off x="9218956" y="5407301"/>
             <a:ext cx="1956547" cy="1384487"/>
           </a:xfrm>
           <a:prstGeom prst="straightConnector1">
@@ -22978,7 +24122,7 @@
         </p:nvSpPr>
         <p:spPr>
           <a:xfrm>
-            <a:off x="6435575" y="163777"/>
+            <a:off x="6435575" y="1783822"/>
             <a:ext cx="1677062" cy="2877711"/>
           </a:xfrm>
           <a:prstGeom prst="rect">
@@ -23016,7 +24160,7 @@
         </p:nvSpPr>
         <p:spPr>
           <a:xfrm>
-            <a:off x="5799451" y="690914"/>
+            <a:off x="5799451" y="2310958"/>
             <a:ext cx="2953724" cy="1754326"/>
           </a:xfrm>
           <a:prstGeom prst="rect">
@@ -23055,7 +24199,7 @@
         </p:nvSpPr>
         <p:spPr>
           <a:xfrm>
-            <a:off x="7257127" y="6236231"/>
+            <a:off x="7257128" y="7856276"/>
             <a:ext cx="7141779" cy="1323439"/>
           </a:xfrm>
           <a:prstGeom prst="rect">
@@ -23071,7 +24215,7 @@
           <a:p>
             <a:pPr algn="ctr"/>
             <a:r>
-              <a:rPr lang="en-US" sz="4000" b="1" dirty="0" smtClean="0">
+              <a:rPr lang="en-US" sz="4000" b="1" dirty="0">
                 <a:solidFill>
                   <a:schemeClr val="bg1">
                     <a:lumMod val="50000"/>
@@ -23084,7 +24228,7 @@
           <a:p>
             <a:pPr algn="ctr"/>
             <a:r>
-              <a:rPr lang="en-US" sz="4000" b="1" dirty="0" smtClean="0">
+              <a:rPr lang="en-US" sz="4000" b="1" dirty="0">
                 <a:solidFill>
                   <a:schemeClr val="bg1">
                     <a:lumMod val="50000"/>
@@ -23148,7 +24292,7 @@
         </p:nvGrpSpPr>
         <p:grpSpPr>
           <a:xfrm>
-            <a:off x="10421009" y="4443499"/>
+            <a:off x="10421009" y="6063544"/>
             <a:ext cx="1765988" cy="1360685"/>
             <a:chOff x="6081914" y="3933826"/>
             <a:chExt cx="3411961" cy="1409700"/>
@@ -23258,7 +24402,7 @@
         </p:nvGrpSpPr>
         <p:grpSpPr>
           <a:xfrm>
-            <a:off x="204944" y="12984"/>
+            <a:off x="204945" y="1633029"/>
             <a:ext cx="5896303" cy="5791199"/>
             <a:chOff x="6448425" y="3933826"/>
             <a:chExt cx="2628900" cy="1409700"/>
@@ -23364,7 +24508,7 @@
         </p:nvSpPr>
         <p:spPr>
           <a:xfrm>
-            <a:off x="1314306" y="5864497"/>
+            <a:off x="1314307" y="7484542"/>
             <a:ext cx="3801979" cy="1323439"/>
           </a:xfrm>
           <a:prstGeom prst="rect">
@@ -23413,7 +24557,7 @@
         </p:nvSpPr>
         <p:spPr>
           <a:xfrm>
-            <a:off x="8249210" y="5923440"/>
+            <a:off x="8249211" y="7543485"/>
             <a:ext cx="6136103" cy="1323439"/>
           </a:xfrm>
           <a:prstGeom prst="rect">
@@ -23439,7 +24583,7 @@
               <a:t>Boxfuse </a:t>
             </a:r>
             <a:r>
-              <a:rPr lang="en-US" sz="4000" b="1" dirty="0" smtClean="0">
+              <a:rPr lang="en-US" sz="4000" b="1" dirty="0">
                 <a:solidFill>
                   <a:schemeClr val="bg1">
                     <a:lumMod val="50000"/>

--- a/_sources/GettingStarted.pptx
+++ b/_sources/GettingStarted.pptx
@@ -16,21 +16,22 @@
     <p:sldId id="262" r:id="rId10"/>
     <p:sldId id="263" r:id="rId11"/>
     <p:sldId id="264" r:id="rId12"/>
-    <p:sldId id="273" r:id="rId13"/>
-    <p:sldId id="265" r:id="rId14"/>
-    <p:sldId id="266" r:id="rId15"/>
-    <p:sldId id="267" r:id="rId16"/>
-    <p:sldId id="268" r:id="rId17"/>
-    <p:sldId id="270" r:id="rId18"/>
-    <p:sldId id="272" r:id="rId19"/>
-    <p:sldId id="271" r:id="rId20"/>
-    <p:sldId id="274" r:id="rId21"/>
-    <p:sldId id="276" r:id="rId22"/>
-    <p:sldId id="277" r:id="rId23"/>
-    <p:sldId id="278" r:id="rId24"/>
-    <p:sldId id="279" r:id="rId25"/>
-    <p:sldId id="280" r:id="rId26"/>
-    <p:sldId id="281" r:id="rId27"/>
+    <p:sldId id="282" r:id="rId13"/>
+    <p:sldId id="273" r:id="rId14"/>
+    <p:sldId id="265" r:id="rId15"/>
+    <p:sldId id="266" r:id="rId16"/>
+    <p:sldId id="267" r:id="rId17"/>
+    <p:sldId id="268" r:id="rId18"/>
+    <p:sldId id="270" r:id="rId19"/>
+    <p:sldId id="272" r:id="rId20"/>
+    <p:sldId id="271" r:id="rId21"/>
+    <p:sldId id="274" r:id="rId22"/>
+    <p:sldId id="276" r:id="rId23"/>
+    <p:sldId id="277" r:id="rId24"/>
+    <p:sldId id="278" r:id="rId25"/>
+    <p:sldId id="279" r:id="rId26"/>
+    <p:sldId id="280" r:id="rId27"/>
+    <p:sldId id="281" r:id="rId28"/>
   </p:sldIdLst>
   <p:sldSz cx="14400213" cy="10799763"/>
   <p:notesSz cx="6858000" cy="9144000"/>
@@ -3085,7 +3086,7 @@
           <a:p>
             <a:fld id="{9AA7D095-A676-4F6B-9416-D65D798F5244}" type="datetimeFigureOut">
               <a:rPr lang="de-DE" smtClean="0"/>
-              <a:t>10.07.2015</a:t>
+              <a:t>23.07.2015</a:t>
             </a:fld>
             <a:endParaRPr lang="de-DE"/>
           </a:p>
@@ -3255,7 +3256,7 @@
           <a:p>
             <a:fld id="{9AA7D095-A676-4F6B-9416-D65D798F5244}" type="datetimeFigureOut">
               <a:rPr lang="de-DE" smtClean="0"/>
-              <a:t>10.07.2015</a:t>
+              <a:t>23.07.2015</a:t>
             </a:fld>
             <a:endParaRPr lang="de-DE"/>
           </a:p>
@@ -3435,7 +3436,7 @@
           <a:p>
             <a:fld id="{9AA7D095-A676-4F6B-9416-D65D798F5244}" type="datetimeFigureOut">
               <a:rPr lang="de-DE" smtClean="0"/>
-              <a:t>10.07.2015</a:t>
+              <a:t>23.07.2015</a:t>
             </a:fld>
             <a:endParaRPr lang="de-DE"/>
           </a:p>
@@ -3605,7 +3606,7 @@
           <a:p>
             <a:fld id="{9AA7D095-A676-4F6B-9416-D65D798F5244}" type="datetimeFigureOut">
               <a:rPr lang="de-DE" smtClean="0"/>
-              <a:t>10.07.2015</a:t>
+              <a:t>23.07.2015</a:t>
             </a:fld>
             <a:endParaRPr lang="de-DE"/>
           </a:p>
@@ -3849,7 +3850,7 @@
           <a:p>
             <a:fld id="{9AA7D095-A676-4F6B-9416-D65D798F5244}" type="datetimeFigureOut">
               <a:rPr lang="de-DE" smtClean="0"/>
-              <a:t>10.07.2015</a:t>
+              <a:t>23.07.2015</a:t>
             </a:fld>
             <a:endParaRPr lang="de-DE"/>
           </a:p>
@@ -4081,7 +4082,7 @@
           <a:p>
             <a:fld id="{9AA7D095-A676-4F6B-9416-D65D798F5244}" type="datetimeFigureOut">
               <a:rPr lang="de-DE" smtClean="0"/>
-              <a:t>10.07.2015</a:t>
+              <a:t>23.07.2015</a:t>
             </a:fld>
             <a:endParaRPr lang="de-DE"/>
           </a:p>
@@ -4448,7 +4449,7 @@
           <a:p>
             <a:fld id="{9AA7D095-A676-4F6B-9416-D65D798F5244}" type="datetimeFigureOut">
               <a:rPr lang="de-DE" smtClean="0"/>
-              <a:t>10.07.2015</a:t>
+              <a:t>23.07.2015</a:t>
             </a:fld>
             <a:endParaRPr lang="de-DE"/>
           </a:p>
@@ -4566,7 +4567,7 @@
           <a:p>
             <a:fld id="{9AA7D095-A676-4F6B-9416-D65D798F5244}" type="datetimeFigureOut">
               <a:rPr lang="de-DE" smtClean="0"/>
-              <a:t>10.07.2015</a:t>
+              <a:t>23.07.2015</a:t>
             </a:fld>
             <a:endParaRPr lang="de-DE"/>
           </a:p>
@@ -4661,7 +4662,7 @@
           <a:p>
             <a:fld id="{9AA7D095-A676-4F6B-9416-D65D798F5244}" type="datetimeFigureOut">
               <a:rPr lang="de-DE" smtClean="0"/>
-              <a:t>10.07.2015</a:t>
+              <a:t>23.07.2015</a:t>
             </a:fld>
             <a:endParaRPr lang="de-DE"/>
           </a:p>
@@ -4938,7 +4939,7 @@
           <a:p>
             <a:fld id="{9AA7D095-A676-4F6B-9416-D65D798F5244}" type="datetimeFigureOut">
               <a:rPr lang="de-DE" smtClean="0"/>
-              <a:t>10.07.2015</a:t>
+              <a:t>23.07.2015</a:t>
             </a:fld>
             <a:endParaRPr lang="de-DE"/>
           </a:p>
@@ -5195,7 +5196,7 @@
           <a:p>
             <a:fld id="{9AA7D095-A676-4F6B-9416-D65D798F5244}" type="datetimeFigureOut">
               <a:rPr lang="de-DE" smtClean="0"/>
-              <a:t>10.07.2015</a:t>
+              <a:t>23.07.2015</a:t>
             </a:fld>
             <a:endParaRPr lang="de-DE"/>
           </a:p>
@@ -5408,7 +5409,7 @@
           <a:p>
             <a:fld id="{9AA7D095-A676-4F6B-9416-D65D798F5244}" type="datetimeFigureOut">
               <a:rPr lang="de-DE" smtClean="0"/>
-              <a:t>10.07.2015</a:t>
+              <a:t>23.07.2015</a:t>
             </a:fld>
             <a:endParaRPr lang="de-DE"/>
           </a:p>
@@ -9209,6 +9210,519 @@
           <a:chExt cx="0" cy="0"/>
         </a:xfrm>
       </p:grpSpPr>
+      <p:sp>
+        <p:nvSpPr>
+          <p:cNvPr id="76" name="Rounded Rectangle 75"/>
+          <p:cNvSpPr/>
+          <p:nvPr/>
+        </p:nvSpPr>
+        <p:spPr>
+          <a:xfrm>
+            <a:off x="8362570" y="5218084"/>
+            <a:ext cx="1441656" cy="1514439"/>
+          </a:xfrm>
+          <a:prstGeom prst="rect">
+            <a:avLst/>
+          </a:prstGeom>
+          <a:solidFill>
+            <a:schemeClr val="accent1">
+              <a:lumMod val="75000"/>
+            </a:schemeClr>
+          </a:solidFill>
+          <a:ln w="76200">
+            <a:solidFill>
+              <a:schemeClr val="accent1">
+                <a:lumMod val="50000"/>
+              </a:schemeClr>
+            </a:solidFill>
+          </a:ln>
+        </p:spPr>
+        <p:style>
+          <a:lnRef idx="2">
+            <a:schemeClr val="accent1">
+              <a:shade val="50000"/>
+            </a:schemeClr>
+          </a:lnRef>
+          <a:fillRef idx="1">
+            <a:schemeClr val="accent1"/>
+          </a:fillRef>
+          <a:effectRef idx="0">
+            <a:schemeClr val="accent1"/>
+          </a:effectRef>
+          <a:fontRef idx="minor">
+            <a:schemeClr val="lt1"/>
+          </a:fontRef>
+        </p:style>
+        <p:txBody>
+          <a:bodyPr rtlCol="0" anchor="ctr"/>
+          <a:lstStyle/>
+          <a:p>
+            <a:pPr algn="ctr"/>
+            <a:r>
+              <a:rPr lang="en-US" sz="2000" b="1" dirty="0" smtClean="0"/>
+              <a:t>V1</a:t>
+            </a:r>
+          </a:p>
+          <a:p>
+            <a:pPr algn="ctr"/>
+            <a:r>
+              <a:rPr lang="en-US" sz="2000" b="1" dirty="0" smtClean="0"/>
+              <a:t>Instance</a:t>
+            </a:r>
+            <a:endParaRPr lang="de-DE" sz="2000" b="1" dirty="0"/>
+          </a:p>
+        </p:txBody>
+      </p:sp>
+      <p:pic>
+        <p:nvPicPr>
+          <p:cNvPr id="85" name="Picture 2" descr="https://a0.awsstatic.com/main/images/logos/aws_logo.png"/>
+          <p:cNvPicPr>
+            <a:picLocks noChangeAspect="1" noChangeArrowheads="1"/>
+          </p:cNvPicPr>
+          <p:nvPr/>
+        </p:nvPicPr>
+        <p:blipFill>
+          <a:blip r:embed="rId2">
+            <a:extLst>
+              <a:ext uri="{28A0092B-C50C-407E-A947-70E740481C1C}">
+                <a14:useLocalDpi xmlns:a14="http://schemas.microsoft.com/office/drawing/2010/main" val="0"/>
+              </a:ext>
+            </a:extLst>
+          </a:blip>
+          <a:srcRect/>
+          <a:stretch>
+            <a:fillRect/>
+          </a:stretch>
+        </p:blipFill>
+        <p:spPr bwMode="auto">
+          <a:xfrm>
+            <a:off x="9501456" y="4382995"/>
+            <a:ext cx="1466377" cy="553964"/>
+          </a:xfrm>
+          <a:prstGeom prst="rect">
+            <a:avLst/>
+          </a:prstGeom>
+          <a:noFill/>
+          <a:extLst>
+            <a:ext uri="{909E8E84-426E-40DD-AFC4-6F175D3DCCD1}">
+              <a14:hiddenFill xmlns:a14="http://schemas.microsoft.com/office/drawing/2010/main">
+                <a:solidFill>
+                  <a:srgbClr val="FFFFFF"/>
+                </a:solidFill>
+              </a14:hiddenFill>
+            </a:ext>
+          </a:extLst>
+        </p:spPr>
+      </p:pic>
+      <p:grpSp>
+        <p:nvGrpSpPr>
+          <p:cNvPr id="66" name="Group 41"/>
+          <p:cNvGrpSpPr/>
+          <p:nvPr/>
+        </p:nvGrpSpPr>
+        <p:grpSpPr>
+          <a:xfrm>
+            <a:off x="8974017" y="3256641"/>
+            <a:ext cx="2634343" cy="708691"/>
+            <a:chOff x="671873" y="646669"/>
+            <a:chExt cx="2634343" cy="708691"/>
+          </a:xfrm>
+        </p:grpSpPr>
+        <p:sp>
+          <p:nvSpPr>
+            <p:cNvPr id="67" name="Snip Diagonal Corner Rectangle 95"/>
+            <p:cNvSpPr/>
+            <p:nvPr/>
+          </p:nvSpPr>
+          <p:spPr>
+            <a:xfrm>
+              <a:off x="671873" y="646669"/>
+              <a:ext cx="2634342" cy="708691"/>
+            </a:xfrm>
+            <a:prstGeom prst="roundRect">
+              <a:avLst/>
+            </a:prstGeom>
+            <a:solidFill>
+              <a:srgbClr val="996633"/>
+            </a:solidFill>
+            <a:ln w="76200">
+              <a:solidFill>
+                <a:srgbClr val="663300"/>
+              </a:solidFill>
+            </a:ln>
+          </p:spPr>
+          <p:style>
+            <a:lnRef idx="2">
+              <a:schemeClr val="accent4">
+                <a:shade val="50000"/>
+              </a:schemeClr>
+            </a:lnRef>
+            <a:fillRef idx="1">
+              <a:schemeClr val="accent4"/>
+            </a:fillRef>
+            <a:effectRef idx="0">
+              <a:schemeClr val="accent4"/>
+            </a:effectRef>
+            <a:fontRef idx="minor">
+              <a:schemeClr val="lt1"/>
+            </a:fontRef>
+          </p:style>
+          <p:txBody>
+            <a:bodyPr rtlCol="0" anchor="ctr"/>
+            <a:lstStyle/>
+            <a:p>
+              <a:pPr algn="ctr"/>
+              <a:endParaRPr lang="de-DE" dirty="0"/>
+            </a:p>
+          </p:txBody>
+        </p:sp>
+        <p:sp>
+          <p:nvSpPr>
+            <p:cNvPr id="68" name="TextBox 96"/>
+            <p:cNvSpPr txBox="1"/>
+            <p:nvPr/>
+          </p:nvSpPr>
+          <p:spPr>
+            <a:xfrm>
+              <a:off x="715416" y="793462"/>
+              <a:ext cx="2590800" cy="434935"/>
+            </a:xfrm>
+            <a:prstGeom prst="snip2SameRect">
+              <a:avLst/>
+            </a:prstGeom>
+            <a:noFill/>
+            <a:ln w="76200">
+              <a:noFill/>
+            </a:ln>
+          </p:spPr>
+          <p:txBody>
+            <a:bodyPr wrap="square" rtlCol="0">
+              <a:spAutoFit/>
+            </a:bodyPr>
+            <a:lstStyle/>
+            <a:p>
+              <a:pPr algn="ctr"/>
+              <a:r>
+                <a:rPr lang="en-US" sz="2000" b="1" dirty="0" smtClean="0">
+                  <a:solidFill>
+                    <a:schemeClr val="bg1"/>
+                  </a:solidFill>
+                </a:rPr>
+                <a:t>Elastic Load Balancer</a:t>
+              </a:r>
+              <a:endParaRPr lang="de-DE" sz="2400" b="1" dirty="0">
+                <a:solidFill>
+                  <a:schemeClr val="bg1"/>
+                </a:solidFill>
+              </a:endParaRPr>
+            </a:p>
+          </p:txBody>
+        </p:sp>
+      </p:grpSp>
+      <p:sp>
+        <p:nvSpPr>
+          <p:cNvPr id="98" name="Rounded Rectangle 75"/>
+          <p:cNvSpPr/>
+          <p:nvPr/>
+        </p:nvSpPr>
+        <p:spPr>
+          <a:xfrm>
+            <a:off x="8180863" y="5370484"/>
+            <a:ext cx="1441656" cy="1514439"/>
+          </a:xfrm>
+          <a:prstGeom prst="rect">
+            <a:avLst/>
+          </a:prstGeom>
+          <a:solidFill>
+            <a:schemeClr val="accent1">
+              <a:lumMod val="75000"/>
+            </a:schemeClr>
+          </a:solidFill>
+          <a:ln w="76200">
+            <a:solidFill>
+              <a:schemeClr val="accent1">
+                <a:lumMod val="50000"/>
+              </a:schemeClr>
+            </a:solidFill>
+          </a:ln>
+        </p:spPr>
+        <p:style>
+          <a:lnRef idx="2">
+            <a:schemeClr val="accent1">
+              <a:shade val="50000"/>
+            </a:schemeClr>
+          </a:lnRef>
+          <a:fillRef idx="1">
+            <a:schemeClr val="accent1"/>
+          </a:fillRef>
+          <a:effectRef idx="0">
+            <a:schemeClr val="accent1"/>
+          </a:effectRef>
+          <a:fontRef idx="minor">
+            <a:schemeClr val="lt1"/>
+          </a:fontRef>
+        </p:style>
+        <p:txBody>
+          <a:bodyPr rtlCol="0" anchor="ctr"/>
+          <a:lstStyle/>
+          <a:p>
+            <a:pPr algn="ctr"/>
+            <a:r>
+              <a:rPr lang="en-US" sz="2000" b="1" dirty="0" smtClean="0"/>
+              <a:t>V1</a:t>
+            </a:r>
+          </a:p>
+          <a:p>
+            <a:pPr algn="ctr"/>
+            <a:r>
+              <a:rPr lang="en-US" sz="2000" b="1" dirty="0" smtClean="0"/>
+              <a:t>Instance</a:t>
+            </a:r>
+            <a:endParaRPr lang="de-DE" sz="2000" b="1" dirty="0"/>
+          </a:p>
+        </p:txBody>
+      </p:sp>
+      <p:sp>
+        <p:nvSpPr>
+          <p:cNvPr id="99" name="Rounded Rectangle 75"/>
+          <p:cNvSpPr/>
+          <p:nvPr/>
+        </p:nvSpPr>
+        <p:spPr>
+          <a:xfrm>
+            <a:off x="10899360" y="5218084"/>
+            <a:ext cx="1441656" cy="1514439"/>
+          </a:xfrm>
+          <a:prstGeom prst="rect">
+            <a:avLst/>
+          </a:prstGeom>
+          <a:solidFill>
+            <a:schemeClr val="accent6">
+              <a:lumMod val="75000"/>
+            </a:schemeClr>
+          </a:solidFill>
+          <a:ln w="76200">
+            <a:solidFill>
+              <a:schemeClr val="accent6">
+                <a:lumMod val="50000"/>
+              </a:schemeClr>
+            </a:solidFill>
+          </a:ln>
+        </p:spPr>
+        <p:style>
+          <a:lnRef idx="2">
+            <a:schemeClr val="accent1">
+              <a:shade val="50000"/>
+            </a:schemeClr>
+          </a:lnRef>
+          <a:fillRef idx="1">
+            <a:schemeClr val="accent1"/>
+          </a:fillRef>
+          <a:effectRef idx="0">
+            <a:schemeClr val="accent1"/>
+          </a:effectRef>
+          <a:fontRef idx="minor">
+            <a:schemeClr val="lt1"/>
+          </a:fontRef>
+        </p:style>
+        <p:txBody>
+          <a:bodyPr rtlCol="0" anchor="ctr"/>
+          <a:lstStyle/>
+          <a:p>
+            <a:pPr algn="ctr"/>
+            <a:r>
+              <a:rPr lang="en-US" sz="2000" b="1" dirty="0" smtClean="0"/>
+              <a:t>V1</a:t>
+            </a:r>
+          </a:p>
+          <a:p>
+            <a:pPr algn="ctr"/>
+            <a:r>
+              <a:rPr lang="en-US" sz="2000" b="1" dirty="0" smtClean="0"/>
+              <a:t>Instance</a:t>
+            </a:r>
+            <a:endParaRPr lang="de-DE" sz="2000" b="1" dirty="0"/>
+          </a:p>
+        </p:txBody>
+      </p:sp>
+      <p:sp>
+        <p:nvSpPr>
+          <p:cNvPr id="101" name="Rounded Rectangle 75"/>
+          <p:cNvSpPr/>
+          <p:nvPr/>
+        </p:nvSpPr>
+        <p:spPr>
+          <a:xfrm>
+            <a:off x="10739424" y="5392256"/>
+            <a:ext cx="1441656" cy="1514439"/>
+          </a:xfrm>
+          <a:prstGeom prst="rect">
+            <a:avLst/>
+          </a:prstGeom>
+          <a:solidFill>
+            <a:schemeClr val="accent6">
+              <a:lumMod val="75000"/>
+            </a:schemeClr>
+          </a:solidFill>
+          <a:ln w="76200">
+            <a:solidFill>
+              <a:schemeClr val="accent6">
+                <a:lumMod val="50000"/>
+              </a:schemeClr>
+            </a:solidFill>
+          </a:ln>
+        </p:spPr>
+        <p:style>
+          <a:lnRef idx="2">
+            <a:schemeClr val="accent1">
+              <a:shade val="50000"/>
+            </a:schemeClr>
+          </a:lnRef>
+          <a:fillRef idx="1">
+            <a:schemeClr val="accent1"/>
+          </a:fillRef>
+          <a:effectRef idx="0">
+            <a:schemeClr val="accent1"/>
+          </a:effectRef>
+          <a:fontRef idx="minor">
+            <a:schemeClr val="lt1"/>
+          </a:fontRef>
+        </p:style>
+        <p:txBody>
+          <a:bodyPr rtlCol="0" anchor="ctr"/>
+          <a:lstStyle/>
+          <a:p>
+            <a:pPr algn="ctr"/>
+            <a:r>
+              <a:rPr lang="en-US" sz="2000" b="1" dirty="0" smtClean="0"/>
+              <a:t>V2</a:t>
+            </a:r>
+          </a:p>
+          <a:p>
+            <a:pPr algn="ctr"/>
+            <a:r>
+              <a:rPr lang="en-US" sz="2000" b="1" dirty="0" smtClean="0"/>
+              <a:t>Instance</a:t>
+            </a:r>
+            <a:endParaRPr lang="de-DE" sz="2000" b="1" dirty="0"/>
+          </a:p>
+        </p:txBody>
+      </p:sp>
+      <p:cxnSp>
+        <p:nvCxnSpPr>
+          <p:cNvPr id="102" name="Straight Arrow Connector 101"/>
+          <p:cNvCxnSpPr/>
+          <p:nvPr/>
+        </p:nvCxnSpPr>
+        <p:spPr>
+          <a:xfrm flipH="1">
+            <a:off x="9066040" y="4088423"/>
+            <a:ext cx="517575" cy="1055293"/>
+          </a:xfrm>
+          <a:prstGeom prst="straightConnector1">
+            <a:avLst/>
+          </a:prstGeom>
+          <a:ln w="142875">
+            <a:solidFill>
+              <a:schemeClr val="tx1">
+                <a:lumMod val="50000"/>
+                <a:lumOff val="50000"/>
+              </a:schemeClr>
+            </a:solidFill>
+            <a:tailEnd type="triangle"/>
+          </a:ln>
+        </p:spPr>
+        <p:style>
+          <a:lnRef idx="1">
+            <a:schemeClr val="accent1"/>
+          </a:lnRef>
+          <a:fillRef idx="0">
+            <a:schemeClr val="accent1"/>
+          </a:fillRef>
+          <a:effectRef idx="0">
+            <a:schemeClr val="accent1"/>
+          </a:effectRef>
+          <a:fontRef idx="minor">
+            <a:schemeClr val="tx1"/>
+          </a:fontRef>
+        </p:style>
+      </p:cxnSp>
+      <p:cxnSp>
+        <p:nvCxnSpPr>
+          <p:cNvPr id="103" name="Straight Arrow Connector 102"/>
+          <p:cNvCxnSpPr/>
+          <p:nvPr/>
+        </p:nvCxnSpPr>
+        <p:spPr>
+          <a:xfrm>
+            <a:off x="10946423" y="4106007"/>
+            <a:ext cx="478887" cy="1040640"/>
+          </a:xfrm>
+          <a:prstGeom prst="straightConnector1">
+            <a:avLst/>
+          </a:prstGeom>
+          <a:ln w="142875">
+            <a:solidFill>
+              <a:schemeClr val="bg1">
+                <a:lumMod val="75000"/>
+              </a:schemeClr>
+            </a:solidFill>
+            <a:prstDash val="sysDot"/>
+            <a:tailEnd type="triangle"/>
+          </a:ln>
+        </p:spPr>
+        <p:style>
+          <a:lnRef idx="1">
+            <a:schemeClr val="accent1"/>
+          </a:lnRef>
+          <a:fillRef idx="0">
+            <a:schemeClr val="accent1"/>
+          </a:fillRef>
+          <a:effectRef idx="0">
+            <a:schemeClr val="accent1"/>
+          </a:effectRef>
+          <a:fontRef idx="minor">
+            <a:schemeClr val="tx1"/>
+          </a:fontRef>
+        </p:style>
+      </p:cxnSp>
+    </p:spTree>
+    <p:extLst>
+      <p:ext uri="{BB962C8B-B14F-4D97-AF65-F5344CB8AC3E}">
+        <p14:creationId xmlns:p14="http://schemas.microsoft.com/office/powerpoint/2010/main" val="1215393091"/>
+      </p:ext>
+    </p:extLst>
+  </p:cSld>
+  <p:clrMapOvr>
+    <a:masterClrMapping/>
+  </p:clrMapOvr>
+  <p:timing>
+    <p:tnLst>
+      <p:par>
+        <p:cTn id="1" dur="indefinite" restart="never" nodeType="tmRoot"/>
+      </p:par>
+    </p:tnLst>
+  </p:timing>
+</p:sld>
+</file>
+
+<file path=ppt/slides/slide13.xml><?xml version="1.0" encoding="utf-8"?>
+<p:sld xmlns:a="http://schemas.openxmlformats.org/drawingml/2006/main" xmlns:r="http://schemas.openxmlformats.org/officeDocument/2006/relationships" xmlns:p="http://schemas.openxmlformats.org/presentationml/2006/main">
+  <p:cSld>
+    <p:spTree>
+      <p:nvGrpSpPr>
+        <p:cNvPr id="1" name=""/>
+        <p:cNvGrpSpPr/>
+        <p:nvPr/>
+      </p:nvGrpSpPr>
+      <p:grpSpPr>
+        <a:xfrm>
+          <a:off x="0" y="0"/>
+          <a:ext cx="0" cy="0"/>
+          <a:chOff x="0" y="0"/>
+          <a:chExt cx="0" cy="0"/>
+        </a:xfrm>
+      </p:grpSpPr>
       <p:pic>
         <p:nvPicPr>
           <p:cNvPr id="6" name="Picture 5"/>
@@ -10079,7 +10593,7 @@
 </p:sld>
 </file>
 
-<file path=ppt/slides/slide13.xml><?xml version="1.0" encoding="utf-8"?>
+<file path=ppt/slides/slide14.xml><?xml version="1.0" encoding="utf-8"?>
 <p:sld xmlns:a="http://schemas.openxmlformats.org/drawingml/2006/main" xmlns:r="http://schemas.openxmlformats.org/officeDocument/2006/relationships" xmlns:p="http://schemas.openxmlformats.org/presentationml/2006/main">
   <p:cSld>
     <p:spTree>
@@ -11465,7 +11979,7 @@
 </p:sld>
 </file>
 
-<file path=ppt/slides/slide14.xml><?xml version="1.0" encoding="utf-8"?>
+<file path=ppt/slides/slide15.xml><?xml version="1.0" encoding="utf-8"?>
 <p:sld xmlns:a="http://schemas.openxmlformats.org/drawingml/2006/main" xmlns:r="http://schemas.openxmlformats.org/officeDocument/2006/relationships" xmlns:p="http://schemas.openxmlformats.org/presentationml/2006/main">
   <p:cSld>
     <p:spTree>
@@ -12252,7 +12766,7 @@
 </p:sld>
 </file>
 
-<file path=ppt/slides/slide15.xml><?xml version="1.0" encoding="utf-8"?>
+<file path=ppt/slides/slide16.xml><?xml version="1.0" encoding="utf-8"?>
 <p:sld xmlns:a="http://schemas.openxmlformats.org/drawingml/2006/main" xmlns:r="http://schemas.openxmlformats.org/officeDocument/2006/relationships" xmlns:p="http://schemas.openxmlformats.org/presentationml/2006/main">
   <p:cSld>
     <p:spTree>
@@ -13025,7 +13539,7 @@
 </p:sld>
 </file>
 
-<file path=ppt/slides/slide16.xml><?xml version="1.0" encoding="utf-8"?>
+<file path=ppt/slides/slide17.xml><?xml version="1.0" encoding="utf-8"?>
 <p:sld xmlns:a="http://schemas.openxmlformats.org/drawingml/2006/main" xmlns:r="http://schemas.openxmlformats.org/officeDocument/2006/relationships" xmlns:p="http://schemas.openxmlformats.org/presentationml/2006/main">
   <p:cSld>
     <p:spTree>
@@ -13872,7 +14386,7 @@
 </p:sld>
 </file>
 
-<file path=ppt/slides/slide17.xml><?xml version="1.0" encoding="utf-8"?>
+<file path=ppt/slides/slide18.xml><?xml version="1.0" encoding="utf-8"?>
 <p:sld xmlns:a="http://schemas.openxmlformats.org/drawingml/2006/main" xmlns:r="http://schemas.openxmlformats.org/officeDocument/2006/relationships" xmlns:p="http://schemas.openxmlformats.org/presentationml/2006/main">
   <p:cSld>
     <p:spTree>
@@ -14818,7 +15332,7 @@
 </p:sld>
 </file>
 
-<file path=ppt/slides/slide18.xml><?xml version="1.0" encoding="utf-8"?>
+<file path=ppt/slides/slide19.xml><?xml version="1.0" encoding="utf-8"?>
 <p:sld xmlns:a="http://schemas.openxmlformats.org/drawingml/2006/main" xmlns:r="http://schemas.openxmlformats.org/officeDocument/2006/relationships" xmlns:p="http://schemas.openxmlformats.org/presentationml/2006/main">
   <p:cSld>
     <p:spTree>
@@ -15297,657 +15811,6 @@
     <p:extLst>
       <p:ext uri="{BB962C8B-B14F-4D97-AF65-F5344CB8AC3E}">
         <p14:creationId xmlns:p14="http://schemas.microsoft.com/office/powerpoint/2010/main" val="1264328124"/>
-      </p:ext>
-    </p:extLst>
-  </p:cSld>
-  <p:clrMapOvr>
-    <a:masterClrMapping/>
-  </p:clrMapOvr>
-  <p:timing>
-    <p:tnLst>
-      <p:par>
-        <p:cTn id="1" dur="indefinite" restart="never" nodeType="tmRoot"/>
-      </p:par>
-    </p:tnLst>
-  </p:timing>
-</p:sld>
-</file>
-
-<file path=ppt/slides/slide19.xml><?xml version="1.0" encoding="utf-8"?>
-<p:sld xmlns:a="http://schemas.openxmlformats.org/drawingml/2006/main" xmlns:r="http://schemas.openxmlformats.org/officeDocument/2006/relationships" xmlns:p="http://schemas.openxmlformats.org/presentationml/2006/main">
-  <p:cSld>
-    <p:spTree>
-      <p:nvGrpSpPr>
-        <p:cNvPr id="1" name=""/>
-        <p:cNvGrpSpPr/>
-        <p:nvPr/>
-      </p:nvGrpSpPr>
-      <p:grpSpPr>
-        <a:xfrm>
-          <a:off x="0" y="0"/>
-          <a:ext cx="0" cy="0"/>
-          <a:chOff x="0" y="0"/>
-          <a:chExt cx="0" cy="0"/>
-        </a:xfrm>
-      </p:grpSpPr>
-      <p:pic>
-        <p:nvPicPr>
-          <p:cNvPr id="7" name="Picture 6"/>
-          <p:cNvPicPr>
-            <a:picLocks noChangeAspect="1"/>
-          </p:cNvPicPr>
-          <p:nvPr/>
-        </p:nvPicPr>
-        <p:blipFill>
-          <a:blip r:embed="rId2">
-            <a:extLst>
-              <a:ext uri="{28A0092B-C50C-407E-A947-70E740481C1C}">
-                <a14:useLocalDpi xmlns:a14="http://schemas.microsoft.com/office/drawing/2010/main" val="0"/>
-              </a:ext>
-            </a:extLst>
-          </a:blip>
-          <a:stretch>
-            <a:fillRect/>
-          </a:stretch>
-        </p:blipFill>
-        <p:spPr>
-          <a:xfrm>
-            <a:off x="7691802" y="2136231"/>
-            <a:ext cx="695422" cy="1143160"/>
-          </a:xfrm>
-          <a:prstGeom prst="rect">
-            <a:avLst/>
-          </a:prstGeom>
-        </p:spPr>
-      </p:pic>
-      <p:pic>
-        <p:nvPicPr>
-          <p:cNvPr id="9" name="Picture 8"/>
-          <p:cNvPicPr>
-            <a:picLocks noChangeAspect="1"/>
-          </p:cNvPicPr>
-          <p:nvPr/>
-        </p:nvPicPr>
-        <p:blipFill>
-          <a:blip r:embed="rId3">
-            <a:extLst>
-              <a:ext uri="{28A0092B-C50C-407E-A947-70E740481C1C}">
-                <a14:useLocalDpi xmlns:a14="http://schemas.microsoft.com/office/drawing/2010/main" val="0"/>
-              </a:ext>
-            </a:extLst>
-          </a:blip>
-          <a:stretch>
-            <a:fillRect/>
-          </a:stretch>
-        </p:blipFill>
-        <p:spPr>
-          <a:xfrm>
-            <a:off x="9823295" y="2378807"/>
-            <a:ext cx="1538745" cy="615498"/>
-          </a:xfrm>
-          <a:prstGeom prst="rect">
-            <a:avLst/>
-          </a:prstGeom>
-        </p:spPr>
-      </p:pic>
-      <p:grpSp>
-        <p:nvGrpSpPr>
-          <p:cNvPr id="45" name="Group 44"/>
-          <p:cNvGrpSpPr/>
-          <p:nvPr/>
-        </p:nvGrpSpPr>
-        <p:grpSpPr>
-          <a:xfrm>
-            <a:off x="8558584" y="1996015"/>
-            <a:ext cx="1151769" cy="673166"/>
-            <a:chOff x="2334271" y="318043"/>
-            <a:chExt cx="1457473" cy="673166"/>
-          </a:xfrm>
-        </p:grpSpPr>
-        <p:cxnSp>
-          <p:nvCxnSpPr>
-            <p:cNvPr id="46" name="Straight Arrow Connector 45"/>
-            <p:cNvCxnSpPr/>
-            <p:nvPr/>
-          </p:nvCxnSpPr>
-          <p:spPr>
-            <a:xfrm flipV="1">
-              <a:off x="2346123" y="980728"/>
-              <a:ext cx="1445621" cy="10481"/>
-            </a:xfrm>
-            <a:prstGeom prst="straightConnector1">
-              <a:avLst/>
-            </a:prstGeom>
-            <a:ln w="142875">
-              <a:solidFill>
-                <a:schemeClr val="tx1">
-                  <a:lumMod val="50000"/>
-                  <a:lumOff val="50000"/>
-                </a:schemeClr>
-              </a:solidFill>
-              <a:tailEnd type="triangle"/>
-            </a:ln>
-          </p:spPr>
-          <p:style>
-            <a:lnRef idx="1">
-              <a:schemeClr val="accent1"/>
-            </a:lnRef>
-            <a:fillRef idx="0">
-              <a:schemeClr val="accent1"/>
-            </a:fillRef>
-            <a:effectRef idx="0">
-              <a:schemeClr val="accent1"/>
-            </a:effectRef>
-            <a:fontRef idx="minor">
-              <a:schemeClr val="tx1"/>
-            </a:fontRef>
-          </p:style>
-        </p:cxnSp>
-        <p:sp>
-          <p:nvSpPr>
-            <p:cNvPr id="47" name="TextBox 46"/>
-            <p:cNvSpPr txBox="1"/>
-            <p:nvPr/>
-          </p:nvSpPr>
-          <p:spPr>
-            <a:xfrm>
-              <a:off x="2334271" y="318043"/>
-              <a:ext cx="1408522" cy="523220"/>
-            </a:xfrm>
-            <a:prstGeom prst="rect">
-              <a:avLst/>
-            </a:prstGeom>
-            <a:noFill/>
-          </p:spPr>
-          <p:txBody>
-            <a:bodyPr wrap="square" rtlCol="0">
-              <a:spAutoFit/>
-            </a:bodyPr>
-            <a:lstStyle/>
-            <a:p>
-              <a:pPr algn="ctr"/>
-              <a:endParaRPr lang="de-DE" sz="2800" b="1" dirty="0"/>
-            </a:p>
-          </p:txBody>
-        </p:sp>
-      </p:grpSp>
-      <p:pic>
-        <p:nvPicPr>
-          <p:cNvPr id="8" name="Picture 7"/>
-          <p:cNvPicPr>
-            <a:picLocks noChangeAspect="1"/>
-          </p:cNvPicPr>
-          <p:nvPr/>
-        </p:nvPicPr>
-        <p:blipFill>
-          <a:blip r:embed="rId2">
-            <a:extLst>
-              <a:ext uri="{28A0092B-C50C-407E-A947-70E740481C1C}">
-                <a14:useLocalDpi xmlns:a14="http://schemas.microsoft.com/office/drawing/2010/main" val="0"/>
-              </a:ext>
-            </a:extLst>
-          </a:blip>
-          <a:stretch>
-            <a:fillRect/>
-          </a:stretch>
-        </p:blipFill>
-        <p:spPr>
-          <a:xfrm>
-            <a:off x="1054165" y="2233026"/>
-            <a:ext cx="695422" cy="1143160"/>
-          </a:xfrm>
-          <a:prstGeom prst="rect">
-            <a:avLst/>
-          </a:prstGeom>
-        </p:spPr>
-      </p:pic>
-      <p:pic>
-        <p:nvPicPr>
-          <p:cNvPr id="10" name="Picture 9"/>
-          <p:cNvPicPr>
-            <a:picLocks noChangeAspect="1"/>
-          </p:cNvPicPr>
-          <p:nvPr/>
-        </p:nvPicPr>
-        <p:blipFill>
-          <a:blip r:embed="rId3">
-            <a:extLst>
-              <a:ext uri="{28A0092B-C50C-407E-A947-70E740481C1C}">
-                <a14:useLocalDpi xmlns:a14="http://schemas.microsoft.com/office/drawing/2010/main" val="0"/>
-              </a:ext>
-            </a:extLst>
-          </a:blip>
-          <a:stretch>
-            <a:fillRect/>
-          </a:stretch>
-        </p:blipFill>
-        <p:spPr>
-          <a:xfrm>
-            <a:off x="3228905" y="2475602"/>
-            <a:ext cx="1538745" cy="615498"/>
-          </a:xfrm>
-          <a:prstGeom prst="rect">
-            <a:avLst/>
-          </a:prstGeom>
-        </p:spPr>
-      </p:pic>
-      <p:grpSp>
-        <p:nvGrpSpPr>
-          <p:cNvPr id="11" name="Group 10"/>
-          <p:cNvGrpSpPr/>
-          <p:nvPr/>
-        </p:nvGrpSpPr>
-        <p:grpSpPr>
-          <a:xfrm>
-            <a:off x="1964194" y="2092810"/>
-            <a:ext cx="1151769" cy="673166"/>
-            <a:chOff x="2334271" y="318043"/>
-            <a:chExt cx="1457473" cy="673166"/>
-          </a:xfrm>
-        </p:grpSpPr>
-        <p:cxnSp>
-          <p:nvCxnSpPr>
-            <p:cNvPr id="12" name="Straight Arrow Connector 11"/>
-            <p:cNvCxnSpPr/>
-            <p:nvPr/>
-          </p:nvCxnSpPr>
-          <p:spPr>
-            <a:xfrm flipV="1">
-              <a:off x="2346123" y="980728"/>
-              <a:ext cx="1445621" cy="10481"/>
-            </a:xfrm>
-            <a:prstGeom prst="straightConnector1">
-              <a:avLst/>
-            </a:prstGeom>
-            <a:ln w="142875">
-              <a:solidFill>
-                <a:schemeClr val="tx1">
-                  <a:lumMod val="50000"/>
-                  <a:lumOff val="50000"/>
-                </a:schemeClr>
-              </a:solidFill>
-              <a:tailEnd type="triangle"/>
-            </a:ln>
-          </p:spPr>
-          <p:style>
-            <a:lnRef idx="1">
-              <a:schemeClr val="accent1"/>
-            </a:lnRef>
-            <a:fillRef idx="0">
-              <a:schemeClr val="accent1"/>
-            </a:fillRef>
-            <a:effectRef idx="0">
-              <a:schemeClr val="accent1"/>
-            </a:effectRef>
-            <a:fontRef idx="minor">
-              <a:schemeClr val="tx1"/>
-            </a:fontRef>
-          </p:style>
-        </p:cxnSp>
-        <p:sp>
-          <p:nvSpPr>
-            <p:cNvPr id="13" name="TextBox 12"/>
-            <p:cNvSpPr txBox="1"/>
-            <p:nvPr/>
-          </p:nvSpPr>
-          <p:spPr>
-            <a:xfrm>
-              <a:off x="2334271" y="318043"/>
-              <a:ext cx="1408522" cy="523220"/>
-            </a:xfrm>
-            <a:prstGeom prst="rect">
-              <a:avLst/>
-            </a:prstGeom>
-            <a:noFill/>
-          </p:spPr>
-          <p:txBody>
-            <a:bodyPr wrap="square" rtlCol="0">
-              <a:spAutoFit/>
-            </a:bodyPr>
-            <a:lstStyle/>
-            <a:p>
-              <a:pPr algn="ctr"/>
-              <a:endParaRPr lang="de-DE" sz="2800" b="1" dirty="0"/>
-            </a:p>
-          </p:txBody>
-        </p:sp>
-      </p:grpSp>
-      <p:pic>
-        <p:nvPicPr>
-          <p:cNvPr id="1026" name="Picture 2" descr="Logo"/>
-          <p:cNvPicPr>
-            <a:picLocks noChangeAspect="1" noChangeArrowheads="1"/>
-          </p:cNvPicPr>
-          <p:nvPr/>
-        </p:nvPicPr>
-        <p:blipFill>
-          <a:blip r:embed="rId4">
-            <a:extLst>
-              <a:ext uri="{28A0092B-C50C-407E-A947-70E740481C1C}">
-                <a14:useLocalDpi xmlns:a14="http://schemas.microsoft.com/office/drawing/2010/main" val="0"/>
-              </a:ext>
-            </a:extLst>
-          </a:blip>
-          <a:srcRect/>
-          <a:stretch>
-            <a:fillRect/>
-          </a:stretch>
-        </p:blipFill>
-        <p:spPr bwMode="auto">
-          <a:xfrm>
-            <a:off x="8292500" y="2802848"/>
-            <a:ext cx="1648513" cy="374662"/>
-          </a:xfrm>
-          <a:prstGeom prst="rect">
-            <a:avLst/>
-          </a:prstGeom>
-          <a:noFill/>
-          <a:extLst>
-            <a:ext uri="{909E8E84-426E-40DD-AFC4-6F175D3DCCD1}">
-              <a14:hiddenFill xmlns:a14="http://schemas.microsoft.com/office/drawing/2010/main">
-                <a:solidFill>
-                  <a:srgbClr val="FFFFFF"/>
-                </a:solidFill>
-              </a14:hiddenFill>
-            </a:ext>
-          </a:extLst>
-        </p:spPr>
-      </p:pic>
-      <p:pic>
-        <p:nvPicPr>
-          <p:cNvPr id="14" name="Picture 13"/>
-          <p:cNvPicPr>
-            <a:picLocks noChangeAspect="1"/>
-          </p:cNvPicPr>
-          <p:nvPr/>
-        </p:nvPicPr>
-        <p:blipFill>
-          <a:blip r:embed="rId2">
-            <a:extLst>
-              <a:ext uri="{28A0092B-C50C-407E-A947-70E740481C1C}">
-                <a14:useLocalDpi xmlns:a14="http://schemas.microsoft.com/office/drawing/2010/main" val="0"/>
-              </a:ext>
-            </a:extLst>
-          </a:blip>
-          <a:stretch>
-            <a:fillRect/>
-          </a:stretch>
-        </p:blipFill>
-        <p:spPr>
-          <a:xfrm>
-            <a:off x="5941262" y="6218079"/>
-            <a:ext cx="695422" cy="1143160"/>
-          </a:xfrm>
-          <a:prstGeom prst="rect">
-            <a:avLst/>
-          </a:prstGeom>
-        </p:spPr>
-      </p:pic>
-      <p:pic>
-        <p:nvPicPr>
-          <p:cNvPr id="15" name="Picture 14"/>
-          <p:cNvPicPr>
-            <a:picLocks noChangeAspect="1"/>
-          </p:cNvPicPr>
-          <p:nvPr/>
-        </p:nvPicPr>
-        <p:blipFill>
-          <a:blip r:embed="rId3">
-            <a:extLst>
-              <a:ext uri="{28A0092B-C50C-407E-A947-70E740481C1C}">
-                <a14:useLocalDpi xmlns:a14="http://schemas.microsoft.com/office/drawing/2010/main" val="0"/>
-              </a:ext>
-            </a:extLst>
-          </a:blip>
-          <a:stretch>
-            <a:fillRect/>
-          </a:stretch>
-        </p:blipFill>
-        <p:spPr>
-          <a:xfrm>
-            <a:off x="8072755" y="6460655"/>
-            <a:ext cx="1538745" cy="615498"/>
-          </a:xfrm>
-          <a:prstGeom prst="rect">
-            <a:avLst/>
-          </a:prstGeom>
-        </p:spPr>
-      </p:pic>
-      <p:cxnSp>
-        <p:nvCxnSpPr>
-          <p:cNvPr id="17" name="Straight Arrow Connector 16"/>
-          <p:cNvCxnSpPr/>
-          <p:nvPr/>
-        </p:nvCxnSpPr>
-        <p:spPr>
-          <a:xfrm flipV="1">
-            <a:off x="6798875" y="6742609"/>
-            <a:ext cx="1142403" cy="10481"/>
-          </a:xfrm>
-          <a:prstGeom prst="straightConnector1">
-            <a:avLst/>
-          </a:prstGeom>
-          <a:ln w="142875">
-            <a:solidFill>
-              <a:schemeClr val="tx1">
-                <a:lumMod val="50000"/>
-                <a:lumOff val="50000"/>
-              </a:schemeClr>
-            </a:solidFill>
-            <a:tailEnd type="triangle"/>
-          </a:ln>
-        </p:spPr>
-        <p:style>
-          <a:lnRef idx="1">
-            <a:schemeClr val="accent1"/>
-          </a:lnRef>
-          <a:fillRef idx="0">
-            <a:schemeClr val="accent1"/>
-          </a:fillRef>
-          <a:effectRef idx="0">
-            <a:schemeClr val="accent1"/>
-          </a:effectRef>
-          <a:fontRef idx="minor">
-            <a:schemeClr val="tx1"/>
-          </a:fontRef>
-        </p:style>
-      </p:cxnSp>
-      <p:pic>
-        <p:nvPicPr>
-          <p:cNvPr id="19" name="Picture 2" descr="Logo"/>
-          <p:cNvPicPr>
-            <a:picLocks noChangeAspect="1" noChangeArrowheads="1"/>
-          </p:cNvPicPr>
-          <p:nvPr/>
-        </p:nvPicPr>
-        <p:blipFill>
-          <a:blip r:embed="rId4">
-            <a:extLst>
-              <a:ext uri="{28A0092B-C50C-407E-A947-70E740481C1C}">
-                <a14:useLocalDpi xmlns:a14="http://schemas.microsoft.com/office/drawing/2010/main" val="0"/>
-              </a:ext>
-            </a:extLst>
-          </a:blip>
-          <a:srcRect/>
-          <a:stretch>
-            <a:fillRect/>
-          </a:stretch>
-        </p:blipFill>
-        <p:spPr bwMode="auto">
-          <a:xfrm>
-            <a:off x="6541960" y="6884696"/>
-            <a:ext cx="1648513" cy="374662"/>
-          </a:xfrm>
-          <a:prstGeom prst="rect">
-            <a:avLst/>
-          </a:prstGeom>
-          <a:noFill/>
-          <a:extLst>
-            <a:ext uri="{909E8E84-426E-40DD-AFC4-6F175D3DCCD1}">
-              <a14:hiddenFill xmlns:a14="http://schemas.microsoft.com/office/drawing/2010/main">
-                <a:solidFill>
-                  <a:srgbClr val="FFFFFF"/>
-                </a:solidFill>
-              </a14:hiddenFill>
-            </a:ext>
-          </a:extLst>
-        </p:spPr>
-      </p:pic>
-      <p:pic>
-        <p:nvPicPr>
-          <p:cNvPr id="23" name="Picture 22"/>
-          <p:cNvPicPr>
-            <a:picLocks noChangeAspect="1"/>
-          </p:cNvPicPr>
-          <p:nvPr/>
-        </p:nvPicPr>
-        <p:blipFill>
-          <a:blip r:embed="rId5" cstate="print">
-            <a:extLst>
-              <a:ext uri="{28A0092B-C50C-407E-A947-70E740481C1C}">
-                <a14:useLocalDpi xmlns:a14="http://schemas.microsoft.com/office/drawing/2010/main" val="0"/>
-              </a:ext>
-            </a:extLst>
-          </a:blip>
-          <a:stretch>
-            <a:fillRect/>
-          </a:stretch>
-        </p:blipFill>
-        <p:spPr>
-          <a:xfrm>
-            <a:off x="6810478" y="6222738"/>
-            <a:ext cx="1116380" cy="345217"/>
-          </a:xfrm>
-          <a:prstGeom prst="rect">
-            <a:avLst/>
-          </a:prstGeom>
-        </p:spPr>
-      </p:pic>
-      <p:pic>
-        <p:nvPicPr>
-          <p:cNvPr id="2" name="Picture 2" descr="https://assets-cdn.github.com/images/modules/logos_page/Octocat.png"/>
-          <p:cNvPicPr>
-            <a:picLocks noChangeAspect="1" noChangeArrowheads="1"/>
-          </p:cNvPicPr>
-          <p:nvPr/>
-        </p:nvPicPr>
-        <p:blipFill>
-          <a:blip r:embed="rId6" cstate="print">
-            <a:extLst>
-              <a:ext uri="{28A0092B-C50C-407E-A947-70E740481C1C}">
-                <a14:useLocalDpi xmlns:a14="http://schemas.microsoft.com/office/drawing/2010/main" val="0"/>
-              </a:ext>
-            </a:extLst>
-          </a:blip>
-          <a:srcRect/>
-          <a:stretch>
-            <a:fillRect/>
-          </a:stretch>
-        </p:blipFill>
-        <p:spPr bwMode="auto">
-          <a:xfrm>
-            <a:off x="3311436" y="6210581"/>
-            <a:ext cx="1472772" cy="1218385"/>
-          </a:xfrm>
-          <a:prstGeom prst="rect">
-            <a:avLst/>
-          </a:prstGeom>
-          <a:noFill/>
-          <a:extLst>
-            <a:ext uri="{909E8E84-426E-40DD-AFC4-6F175D3DCCD1}">
-              <a14:hiddenFill xmlns:a14="http://schemas.microsoft.com/office/drawing/2010/main">
-                <a:solidFill>
-                  <a:srgbClr val="FFFFFF"/>
-                </a:solidFill>
-              </a14:hiddenFill>
-            </a:ext>
-          </a:extLst>
-        </p:spPr>
-      </p:pic>
-      <p:pic>
-        <p:nvPicPr>
-          <p:cNvPr id="1028" name="Picture 4" descr="https://travis-ci.com/img/brand-standards/logo-downloads/TravisCI-Full-Color-vertical.png"/>
-          <p:cNvPicPr>
-            <a:picLocks noChangeAspect="1" noChangeArrowheads="1"/>
-          </p:cNvPicPr>
-          <p:nvPr/>
-        </p:nvPicPr>
-        <p:blipFill>
-          <a:blip r:embed="rId7">
-            <a:extLst>
-              <a:ext uri="{28A0092B-C50C-407E-A947-70E740481C1C}">
-                <a14:useLocalDpi xmlns:a14="http://schemas.microsoft.com/office/drawing/2010/main" val="0"/>
-              </a:ext>
-            </a:extLst>
-          </a:blip>
-          <a:srcRect/>
-          <a:stretch>
-            <a:fillRect/>
-          </a:stretch>
-        </p:blipFill>
-        <p:spPr bwMode="auto">
-          <a:xfrm>
-            <a:off x="4936524" y="6174410"/>
-            <a:ext cx="478494" cy="611147"/>
-          </a:xfrm>
-          <a:prstGeom prst="rect">
-            <a:avLst/>
-          </a:prstGeom>
-          <a:noFill/>
-          <a:extLst>
-            <a:ext uri="{909E8E84-426E-40DD-AFC4-6F175D3DCCD1}">
-              <a14:hiddenFill xmlns:a14="http://schemas.microsoft.com/office/drawing/2010/main">
-                <a:solidFill>
-                  <a:srgbClr val="FFFFFF"/>
-                </a:solidFill>
-              </a14:hiddenFill>
-            </a:ext>
-          </a:extLst>
-        </p:spPr>
-      </p:pic>
-      <p:cxnSp>
-        <p:nvCxnSpPr>
-          <p:cNvPr id="21" name="Straight Arrow Connector 20"/>
-          <p:cNvCxnSpPr/>
-          <p:nvPr/>
-        </p:nvCxnSpPr>
-        <p:spPr>
-          <a:xfrm flipV="1">
-            <a:off x="4764127" y="6742609"/>
-            <a:ext cx="1142403" cy="10481"/>
-          </a:xfrm>
-          <a:prstGeom prst="straightConnector1">
-            <a:avLst/>
-          </a:prstGeom>
-          <a:ln w="142875">
-            <a:solidFill>
-              <a:schemeClr val="tx1">
-                <a:lumMod val="50000"/>
-                <a:lumOff val="50000"/>
-              </a:schemeClr>
-            </a:solidFill>
-            <a:tailEnd type="triangle"/>
-          </a:ln>
-        </p:spPr>
-        <p:style>
-          <a:lnRef idx="1">
-            <a:schemeClr val="accent1"/>
-          </a:lnRef>
-          <a:fillRef idx="0">
-            <a:schemeClr val="accent1"/>
-          </a:fillRef>
-          <a:effectRef idx="0">
-            <a:schemeClr val="accent1"/>
-          </a:effectRef>
-          <a:fontRef idx="minor">
-            <a:schemeClr val="tx1"/>
-          </a:fontRef>
-        </p:style>
-      </p:cxnSp>
-    </p:spTree>
-    <p:extLst>
-      <p:ext uri="{BB962C8B-B14F-4D97-AF65-F5344CB8AC3E}">
-        <p14:creationId xmlns:p14="http://schemas.microsoft.com/office/powerpoint/2010/main" val="1635227564"/>
       </p:ext>
     </p:extLst>
   </p:cSld>
@@ -16563,6 +16426,657 @@
           <a:chExt cx="0" cy="0"/>
         </a:xfrm>
       </p:grpSpPr>
+      <p:pic>
+        <p:nvPicPr>
+          <p:cNvPr id="7" name="Picture 6"/>
+          <p:cNvPicPr>
+            <a:picLocks noChangeAspect="1"/>
+          </p:cNvPicPr>
+          <p:nvPr/>
+        </p:nvPicPr>
+        <p:blipFill>
+          <a:blip r:embed="rId2">
+            <a:extLst>
+              <a:ext uri="{28A0092B-C50C-407E-A947-70E740481C1C}">
+                <a14:useLocalDpi xmlns:a14="http://schemas.microsoft.com/office/drawing/2010/main" val="0"/>
+              </a:ext>
+            </a:extLst>
+          </a:blip>
+          <a:stretch>
+            <a:fillRect/>
+          </a:stretch>
+        </p:blipFill>
+        <p:spPr>
+          <a:xfrm>
+            <a:off x="7691802" y="2136231"/>
+            <a:ext cx="695422" cy="1143160"/>
+          </a:xfrm>
+          <a:prstGeom prst="rect">
+            <a:avLst/>
+          </a:prstGeom>
+        </p:spPr>
+      </p:pic>
+      <p:pic>
+        <p:nvPicPr>
+          <p:cNvPr id="9" name="Picture 8"/>
+          <p:cNvPicPr>
+            <a:picLocks noChangeAspect="1"/>
+          </p:cNvPicPr>
+          <p:nvPr/>
+        </p:nvPicPr>
+        <p:blipFill>
+          <a:blip r:embed="rId3">
+            <a:extLst>
+              <a:ext uri="{28A0092B-C50C-407E-A947-70E740481C1C}">
+                <a14:useLocalDpi xmlns:a14="http://schemas.microsoft.com/office/drawing/2010/main" val="0"/>
+              </a:ext>
+            </a:extLst>
+          </a:blip>
+          <a:stretch>
+            <a:fillRect/>
+          </a:stretch>
+        </p:blipFill>
+        <p:spPr>
+          <a:xfrm>
+            <a:off x="9823295" y="2378807"/>
+            <a:ext cx="1538745" cy="615498"/>
+          </a:xfrm>
+          <a:prstGeom prst="rect">
+            <a:avLst/>
+          </a:prstGeom>
+        </p:spPr>
+      </p:pic>
+      <p:grpSp>
+        <p:nvGrpSpPr>
+          <p:cNvPr id="45" name="Group 44"/>
+          <p:cNvGrpSpPr/>
+          <p:nvPr/>
+        </p:nvGrpSpPr>
+        <p:grpSpPr>
+          <a:xfrm>
+            <a:off x="8558584" y="1996015"/>
+            <a:ext cx="1151769" cy="673166"/>
+            <a:chOff x="2334271" y="318043"/>
+            <a:chExt cx="1457473" cy="673166"/>
+          </a:xfrm>
+        </p:grpSpPr>
+        <p:cxnSp>
+          <p:nvCxnSpPr>
+            <p:cNvPr id="46" name="Straight Arrow Connector 45"/>
+            <p:cNvCxnSpPr/>
+            <p:nvPr/>
+          </p:nvCxnSpPr>
+          <p:spPr>
+            <a:xfrm flipV="1">
+              <a:off x="2346123" y="980728"/>
+              <a:ext cx="1445621" cy="10481"/>
+            </a:xfrm>
+            <a:prstGeom prst="straightConnector1">
+              <a:avLst/>
+            </a:prstGeom>
+            <a:ln w="142875">
+              <a:solidFill>
+                <a:schemeClr val="tx1">
+                  <a:lumMod val="50000"/>
+                  <a:lumOff val="50000"/>
+                </a:schemeClr>
+              </a:solidFill>
+              <a:tailEnd type="triangle"/>
+            </a:ln>
+          </p:spPr>
+          <p:style>
+            <a:lnRef idx="1">
+              <a:schemeClr val="accent1"/>
+            </a:lnRef>
+            <a:fillRef idx="0">
+              <a:schemeClr val="accent1"/>
+            </a:fillRef>
+            <a:effectRef idx="0">
+              <a:schemeClr val="accent1"/>
+            </a:effectRef>
+            <a:fontRef idx="minor">
+              <a:schemeClr val="tx1"/>
+            </a:fontRef>
+          </p:style>
+        </p:cxnSp>
+        <p:sp>
+          <p:nvSpPr>
+            <p:cNvPr id="47" name="TextBox 46"/>
+            <p:cNvSpPr txBox="1"/>
+            <p:nvPr/>
+          </p:nvSpPr>
+          <p:spPr>
+            <a:xfrm>
+              <a:off x="2334271" y="318043"/>
+              <a:ext cx="1408522" cy="523220"/>
+            </a:xfrm>
+            <a:prstGeom prst="rect">
+              <a:avLst/>
+            </a:prstGeom>
+            <a:noFill/>
+          </p:spPr>
+          <p:txBody>
+            <a:bodyPr wrap="square" rtlCol="0">
+              <a:spAutoFit/>
+            </a:bodyPr>
+            <a:lstStyle/>
+            <a:p>
+              <a:pPr algn="ctr"/>
+              <a:endParaRPr lang="de-DE" sz="2800" b="1" dirty="0"/>
+            </a:p>
+          </p:txBody>
+        </p:sp>
+      </p:grpSp>
+      <p:pic>
+        <p:nvPicPr>
+          <p:cNvPr id="8" name="Picture 7"/>
+          <p:cNvPicPr>
+            <a:picLocks noChangeAspect="1"/>
+          </p:cNvPicPr>
+          <p:nvPr/>
+        </p:nvPicPr>
+        <p:blipFill>
+          <a:blip r:embed="rId2">
+            <a:extLst>
+              <a:ext uri="{28A0092B-C50C-407E-A947-70E740481C1C}">
+                <a14:useLocalDpi xmlns:a14="http://schemas.microsoft.com/office/drawing/2010/main" val="0"/>
+              </a:ext>
+            </a:extLst>
+          </a:blip>
+          <a:stretch>
+            <a:fillRect/>
+          </a:stretch>
+        </p:blipFill>
+        <p:spPr>
+          <a:xfrm>
+            <a:off x="1054165" y="2233026"/>
+            <a:ext cx="695422" cy="1143160"/>
+          </a:xfrm>
+          <a:prstGeom prst="rect">
+            <a:avLst/>
+          </a:prstGeom>
+        </p:spPr>
+      </p:pic>
+      <p:pic>
+        <p:nvPicPr>
+          <p:cNvPr id="10" name="Picture 9"/>
+          <p:cNvPicPr>
+            <a:picLocks noChangeAspect="1"/>
+          </p:cNvPicPr>
+          <p:nvPr/>
+        </p:nvPicPr>
+        <p:blipFill>
+          <a:blip r:embed="rId3">
+            <a:extLst>
+              <a:ext uri="{28A0092B-C50C-407E-A947-70E740481C1C}">
+                <a14:useLocalDpi xmlns:a14="http://schemas.microsoft.com/office/drawing/2010/main" val="0"/>
+              </a:ext>
+            </a:extLst>
+          </a:blip>
+          <a:stretch>
+            <a:fillRect/>
+          </a:stretch>
+        </p:blipFill>
+        <p:spPr>
+          <a:xfrm>
+            <a:off x="3228905" y="2475602"/>
+            <a:ext cx="1538745" cy="615498"/>
+          </a:xfrm>
+          <a:prstGeom prst="rect">
+            <a:avLst/>
+          </a:prstGeom>
+        </p:spPr>
+      </p:pic>
+      <p:grpSp>
+        <p:nvGrpSpPr>
+          <p:cNvPr id="11" name="Group 10"/>
+          <p:cNvGrpSpPr/>
+          <p:nvPr/>
+        </p:nvGrpSpPr>
+        <p:grpSpPr>
+          <a:xfrm>
+            <a:off x="1964194" y="2092810"/>
+            <a:ext cx="1151769" cy="673166"/>
+            <a:chOff x="2334271" y="318043"/>
+            <a:chExt cx="1457473" cy="673166"/>
+          </a:xfrm>
+        </p:grpSpPr>
+        <p:cxnSp>
+          <p:nvCxnSpPr>
+            <p:cNvPr id="12" name="Straight Arrow Connector 11"/>
+            <p:cNvCxnSpPr/>
+            <p:nvPr/>
+          </p:nvCxnSpPr>
+          <p:spPr>
+            <a:xfrm flipV="1">
+              <a:off x="2346123" y="980728"/>
+              <a:ext cx="1445621" cy="10481"/>
+            </a:xfrm>
+            <a:prstGeom prst="straightConnector1">
+              <a:avLst/>
+            </a:prstGeom>
+            <a:ln w="142875">
+              <a:solidFill>
+                <a:schemeClr val="tx1">
+                  <a:lumMod val="50000"/>
+                  <a:lumOff val="50000"/>
+                </a:schemeClr>
+              </a:solidFill>
+              <a:tailEnd type="triangle"/>
+            </a:ln>
+          </p:spPr>
+          <p:style>
+            <a:lnRef idx="1">
+              <a:schemeClr val="accent1"/>
+            </a:lnRef>
+            <a:fillRef idx="0">
+              <a:schemeClr val="accent1"/>
+            </a:fillRef>
+            <a:effectRef idx="0">
+              <a:schemeClr val="accent1"/>
+            </a:effectRef>
+            <a:fontRef idx="minor">
+              <a:schemeClr val="tx1"/>
+            </a:fontRef>
+          </p:style>
+        </p:cxnSp>
+        <p:sp>
+          <p:nvSpPr>
+            <p:cNvPr id="13" name="TextBox 12"/>
+            <p:cNvSpPr txBox="1"/>
+            <p:nvPr/>
+          </p:nvSpPr>
+          <p:spPr>
+            <a:xfrm>
+              <a:off x="2334271" y="318043"/>
+              <a:ext cx="1408522" cy="523220"/>
+            </a:xfrm>
+            <a:prstGeom prst="rect">
+              <a:avLst/>
+            </a:prstGeom>
+            <a:noFill/>
+          </p:spPr>
+          <p:txBody>
+            <a:bodyPr wrap="square" rtlCol="0">
+              <a:spAutoFit/>
+            </a:bodyPr>
+            <a:lstStyle/>
+            <a:p>
+              <a:pPr algn="ctr"/>
+              <a:endParaRPr lang="de-DE" sz="2800" b="1" dirty="0"/>
+            </a:p>
+          </p:txBody>
+        </p:sp>
+      </p:grpSp>
+      <p:pic>
+        <p:nvPicPr>
+          <p:cNvPr id="1026" name="Picture 2" descr="Logo"/>
+          <p:cNvPicPr>
+            <a:picLocks noChangeAspect="1" noChangeArrowheads="1"/>
+          </p:cNvPicPr>
+          <p:nvPr/>
+        </p:nvPicPr>
+        <p:blipFill>
+          <a:blip r:embed="rId4">
+            <a:extLst>
+              <a:ext uri="{28A0092B-C50C-407E-A947-70E740481C1C}">
+                <a14:useLocalDpi xmlns:a14="http://schemas.microsoft.com/office/drawing/2010/main" val="0"/>
+              </a:ext>
+            </a:extLst>
+          </a:blip>
+          <a:srcRect/>
+          <a:stretch>
+            <a:fillRect/>
+          </a:stretch>
+        </p:blipFill>
+        <p:spPr bwMode="auto">
+          <a:xfrm>
+            <a:off x="8292500" y="2802848"/>
+            <a:ext cx="1648513" cy="374662"/>
+          </a:xfrm>
+          <a:prstGeom prst="rect">
+            <a:avLst/>
+          </a:prstGeom>
+          <a:noFill/>
+          <a:extLst>
+            <a:ext uri="{909E8E84-426E-40DD-AFC4-6F175D3DCCD1}">
+              <a14:hiddenFill xmlns:a14="http://schemas.microsoft.com/office/drawing/2010/main">
+                <a:solidFill>
+                  <a:srgbClr val="FFFFFF"/>
+                </a:solidFill>
+              </a14:hiddenFill>
+            </a:ext>
+          </a:extLst>
+        </p:spPr>
+      </p:pic>
+      <p:pic>
+        <p:nvPicPr>
+          <p:cNvPr id="14" name="Picture 13"/>
+          <p:cNvPicPr>
+            <a:picLocks noChangeAspect="1"/>
+          </p:cNvPicPr>
+          <p:nvPr/>
+        </p:nvPicPr>
+        <p:blipFill>
+          <a:blip r:embed="rId2">
+            <a:extLst>
+              <a:ext uri="{28A0092B-C50C-407E-A947-70E740481C1C}">
+                <a14:useLocalDpi xmlns:a14="http://schemas.microsoft.com/office/drawing/2010/main" val="0"/>
+              </a:ext>
+            </a:extLst>
+          </a:blip>
+          <a:stretch>
+            <a:fillRect/>
+          </a:stretch>
+        </p:blipFill>
+        <p:spPr>
+          <a:xfrm>
+            <a:off x="5941262" y="6218079"/>
+            <a:ext cx="695422" cy="1143160"/>
+          </a:xfrm>
+          <a:prstGeom prst="rect">
+            <a:avLst/>
+          </a:prstGeom>
+        </p:spPr>
+      </p:pic>
+      <p:pic>
+        <p:nvPicPr>
+          <p:cNvPr id="15" name="Picture 14"/>
+          <p:cNvPicPr>
+            <a:picLocks noChangeAspect="1"/>
+          </p:cNvPicPr>
+          <p:nvPr/>
+        </p:nvPicPr>
+        <p:blipFill>
+          <a:blip r:embed="rId3">
+            <a:extLst>
+              <a:ext uri="{28A0092B-C50C-407E-A947-70E740481C1C}">
+                <a14:useLocalDpi xmlns:a14="http://schemas.microsoft.com/office/drawing/2010/main" val="0"/>
+              </a:ext>
+            </a:extLst>
+          </a:blip>
+          <a:stretch>
+            <a:fillRect/>
+          </a:stretch>
+        </p:blipFill>
+        <p:spPr>
+          <a:xfrm>
+            <a:off x="8072755" y="6460655"/>
+            <a:ext cx="1538745" cy="615498"/>
+          </a:xfrm>
+          <a:prstGeom prst="rect">
+            <a:avLst/>
+          </a:prstGeom>
+        </p:spPr>
+      </p:pic>
+      <p:cxnSp>
+        <p:nvCxnSpPr>
+          <p:cNvPr id="17" name="Straight Arrow Connector 16"/>
+          <p:cNvCxnSpPr/>
+          <p:nvPr/>
+        </p:nvCxnSpPr>
+        <p:spPr>
+          <a:xfrm flipV="1">
+            <a:off x="6798875" y="6742609"/>
+            <a:ext cx="1142403" cy="10481"/>
+          </a:xfrm>
+          <a:prstGeom prst="straightConnector1">
+            <a:avLst/>
+          </a:prstGeom>
+          <a:ln w="142875">
+            <a:solidFill>
+              <a:schemeClr val="tx1">
+                <a:lumMod val="50000"/>
+                <a:lumOff val="50000"/>
+              </a:schemeClr>
+            </a:solidFill>
+            <a:tailEnd type="triangle"/>
+          </a:ln>
+        </p:spPr>
+        <p:style>
+          <a:lnRef idx="1">
+            <a:schemeClr val="accent1"/>
+          </a:lnRef>
+          <a:fillRef idx="0">
+            <a:schemeClr val="accent1"/>
+          </a:fillRef>
+          <a:effectRef idx="0">
+            <a:schemeClr val="accent1"/>
+          </a:effectRef>
+          <a:fontRef idx="minor">
+            <a:schemeClr val="tx1"/>
+          </a:fontRef>
+        </p:style>
+      </p:cxnSp>
+      <p:pic>
+        <p:nvPicPr>
+          <p:cNvPr id="19" name="Picture 2" descr="Logo"/>
+          <p:cNvPicPr>
+            <a:picLocks noChangeAspect="1" noChangeArrowheads="1"/>
+          </p:cNvPicPr>
+          <p:nvPr/>
+        </p:nvPicPr>
+        <p:blipFill>
+          <a:blip r:embed="rId4">
+            <a:extLst>
+              <a:ext uri="{28A0092B-C50C-407E-A947-70E740481C1C}">
+                <a14:useLocalDpi xmlns:a14="http://schemas.microsoft.com/office/drawing/2010/main" val="0"/>
+              </a:ext>
+            </a:extLst>
+          </a:blip>
+          <a:srcRect/>
+          <a:stretch>
+            <a:fillRect/>
+          </a:stretch>
+        </p:blipFill>
+        <p:spPr bwMode="auto">
+          <a:xfrm>
+            <a:off x="6541960" y="6884696"/>
+            <a:ext cx="1648513" cy="374662"/>
+          </a:xfrm>
+          <a:prstGeom prst="rect">
+            <a:avLst/>
+          </a:prstGeom>
+          <a:noFill/>
+          <a:extLst>
+            <a:ext uri="{909E8E84-426E-40DD-AFC4-6F175D3DCCD1}">
+              <a14:hiddenFill xmlns:a14="http://schemas.microsoft.com/office/drawing/2010/main">
+                <a:solidFill>
+                  <a:srgbClr val="FFFFFF"/>
+                </a:solidFill>
+              </a14:hiddenFill>
+            </a:ext>
+          </a:extLst>
+        </p:spPr>
+      </p:pic>
+      <p:pic>
+        <p:nvPicPr>
+          <p:cNvPr id="23" name="Picture 22"/>
+          <p:cNvPicPr>
+            <a:picLocks noChangeAspect="1"/>
+          </p:cNvPicPr>
+          <p:nvPr/>
+        </p:nvPicPr>
+        <p:blipFill>
+          <a:blip r:embed="rId5" cstate="print">
+            <a:extLst>
+              <a:ext uri="{28A0092B-C50C-407E-A947-70E740481C1C}">
+                <a14:useLocalDpi xmlns:a14="http://schemas.microsoft.com/office/drawing/2010/main" val="0"/>
+              </a:ext>
+            </a:extLst>
+          </a:blip>
+          <a:stretch>
+            <a:fillRect/>
+          </a:stretch>
+        </p:blipFill>
+        <p:spPr>
+          <a:xfrm>
+            <a:off x="6810478" y="6222738"/>
+            <a:ext cx="1116380" cy="345217"/>
+          </a:xfrm>
+          <a:prstGeom prst="rect">
+            <a:avLst/>
+          </a:prstGeom>
+        </p:spPr>
+      </p:pic>
+      <p:pic>
+        <p:nvPicPr>
+          <p:cNvPr id="2" name="Picture 2" descr="https://assets-cdn.github.com/images/modules/logos_page/Octocat.png"/>
+          <p:cNvPicPr>
+            <a:picLocks noChangeAspect="1" noChangeArrowheads="1"/>
+          </p:cNvPicPr>
+          <p:nvPr/>
+        </p:nvPicPr>
+        <p:blipFill>
+          <a:blip r:embed="rId6" cstate="print">
+            <a:extLst>
+              <a:ext uri="{28A0092B-C50C-407E-A947-70E740481C1C}">
+                <a14:useLocalDpi xmlns:a14="http://schemas.microsoft.com/office/drawing/2010/main" val="0"/>
+              </a:ext>
+            </a:extLst>
+          </a:blip>
+          <a:srcRect/>
+          <a:stretch>
+            <a:fillRect/>
+          </a:stretch>
+        </p:blipFill>
+        <p:spPr bwMode="auto">
+          <a:xfrm>
+            <a:off x="3311436" y="6210581"/>
+            <a:ext cx="1472772" cy="1218385"/>
+          </a:xfrm>
+          <a:prstGeom prst="rect">
+            <a:avLst/>
+          </a:prstGeom>
+          <a:noFill/>
+          <a:extLst>
+            <a:ext uri="{909E8E84-426E-40DD-AFC4-6F175D3DCCD1}">
+              <a14:hiddenFill xmlns:a14="http://schemas.microsoft.com/office/drawing/2010/main">
+                <a:solidFill>
+                  <a:srgbClr val="FFFFFF"/>
+                </a:solidFill>
+              </a14:hiddenFill>
+            </a:ext>
+          </a:extLst>
+        </p:spPr>
+      </p:pic>
+      <p:pic>
+        <p:nvPicPr>
+          <p:cNvPr id="1028" name="Picture 4" descr="https://travis-ci.com/img/brand-standards/logo-downloads/TravisCI-Full-Color-vertical.png"/>
+          <p:cNvPicPr>
+            <a:picLocks noChangeAspect="1" noChangeArrowheads="1"/>
+          </p:cNvPicPr>
+          <p:nvPr/>
+        </p:nvPicPr>
+        <p:blipFill>
+          <a:blip r:embed="rId7">
+            <a:extLst>
+              <a:ext uri="{28A0092B-C50C-407E-A947-70E740481C1C}">
+                <a14:useLocalDpi xmlns:a14="http://schemas.microsoft.com/office/drawing/2010/main" val="0"/>
+              </a:ext>
+            </a:extLst>
+          </a:blip>
+          <a:srcRect/>
+          <a:stretch>
+            <a:fillRect/>
+          </a:stretch>
+        </p:blipFill>
+        <p:spPr bwMode="auto">
+          <a:xfrm>
+            <a:off x="4936524" y="6174410"/>
+            <a:ext cx="478494" cy="611147"/>
+          </a:xfrm>
+          <a:prstGeom prst="rect">
+            <a:avLst/>
+          </a:prstGeom>
+          <a:noFill/>
+          <a:extLst>
+            <a:ext uri="{909E8E84-426E-40DD-AFC4-6F175D3DCCD1}">
+              <a14:hiddenFill xmlns:a14="http://schemas.microsoft.com/office/drawing/2010/main">
+                <a:solidFill>
+                  <a:srgbClr val="FFFFFF"/>
+                </a:solidFill>
+              </a14:hiddenFill>
+            </a:ext>
+          </a:extLst>
+        </p:spPr>
+      </p:pic>
+      <p:cxnSp>
+        <p:nvCxnSpPr>
+          <p:cNvPr id="21" name="Straight Arrow Connector 20"/>
+          <p:cNvCxnSpPr/>
+          <p:nvPr/>
+        </p:nvCxnSpPr>
+        <p:spPr>
+          <a:xfrm flipV="1">
+            <a:off x="4764127" y="6742609"/>
+            <a:ext cx="1142403" cy="10481"/>
+          </a:xfrm>
+          <a:prstGeom prst="straightConnector1">
+            <a:avLst/>
+          </a:prstGeom>
+          <a:ln w="142875">
+            <a:solidFill>
+              <a:schemeClr val="tx1">
+                <a:lumMod val="50000"/>
+                <a:lumOff val="50000"/>
+              </a:schemeClr>
+            </a:solidFill>
+            <a:tailEnd type="triangle"/>
+          </a:ln>
+        </p:spPr>
+        <p:style>
+          <a:lnRef idx="1">
+            <a:schemeClr val="accent1"/>
+          </a:lnRef>
+          <a:fillRef idx="0">
+            <a:schemeClr val="accent1"/>
+          </a:fillRef>
+          <a:effectRef idx="0">
+            <a:schemeClr val="accent1"/>
+          </a:effectRef>
+          <a:fontRef idx="minor">
+            <a:schemeClr val="tx1"/>
+          </a:fontRef>
+        </p:style>
+      </p:cxnSp>
+    </p:spTree>
+    <p:extLst>
+      <p:ext uri="{BB962C8B-B14F-4D97-AF65-F5344CB8AC3E}">
+        <p14:creationId xmlns:p14="http://schemas.microsoft.com/office/powerpoint/2010/main" val="1635227564"/>
+      </p:ext>
+    </p:extLst>
+  </p:cSld>
+  <p:clrMapOvr>
+    <a:masterClrMapping/>
+  </p:clrMapOvr>
+  <p:timing>
+    <p:tnLst>
+      <p:par>
+        <p:cTn id="1" dur="indefinite" restart="never" nodeType="tmRoot"/>
+      </p:par>
+    </p:tnLst>
+  </p:timing>
+</p:sld>
+</file>
+
+<file path=ppt/slides/slide21.xml><?xml version="1.0" encoding="utf-8"?>
+<p:sld xmlns:a="http://schemas.openxmlformats.org/drawingml/2006/main" xmlns:r="http://schemas.openxmlformats.org/officeDocument/2006/relationships" xmlns:p="http://schemas.openxmlformats.org/presentationml/2006/main">
+  <p:cSld>
+    <p:spTree>
+      <p:nvGrpSpPr>
+        <p:cNvPr id="1" name=""/>
+        <p:cNvGrpSpPr/>
+        <p:nvPr/>
+      </p:nvGrpSpPr>
+      <p:grpSpPr>
+        <a:xfrm>
+          <a:off x="0" y="0"/>
+          <a:ext cx="0" cy="0"/>
+          <a:chOff x="0" y="0"/>
+          <a:chExt cx="0" cy="0"/>
+        </a:xfrm>
+      </p:grpSpPr>
       <p:sp>
         <p:nvSpPr>
           <p:cNvPr id="6" name="Rounded Rectangle 75"/>
@@ -17013,7 +17527,7 @@
 </p:sld>
 </file>
 
-<file path=ppt/slides/slide21.xml><?xml version="1.0" encoding="utf-8"?>
+<file path=ppt/slides/slide22.xml><?xml version="1.0" encoding="utf-8"?>
 <p:sld xmlns:a="http://schemas.openxmlformats.org/drawingml/2006/main" xmlns:r="http://schemas.openxmlformats.org/officeDocument/2006/relationships" xmlns:p="http://schemas.openxmlformats.org/presentationml/2006/main">
   <p:cSld>
     <p:spTree>
@@ -17770,7 +18284,7 @@
 </p:sld>
 </file>
 
-<file path=ppt/slides/slide22.xml><?xml version="1.0" encoding="utf-8"?>
+<file path=ppt/slides/slide23.xml><?xml version="1.0" encoding="utf-8"?>
 <p:sld xmlns:a="http://schemas.openxmlformats.org/drawingml/2006/main" xmlns:r="http://schemas.openxmlformats.org/officeDocument/2006/relationships" xmlns:p="http://schemas.openxmlformats.org/presentationml/2006/main">
   <p:cSld>
     <p:spTree>
@@ -19999,7 +20513,7 @@
 </p:sld>
 </file>
 
-<file path=ppt/slides/slide23.xml><?xml version="1.0" encoding="utf-8"?>
+<file path=ppt/slides/slide24.xml><?xml version="1.0" encoding="utf-8"?>
 <p:sld xmlns:a="http://schemas.openxmlformats.org/drawingml/2006/main" xmlns:r="http://schemas.openxmlformats.org/officeDocument/2006/relationships" xmlns:p="http://schemas.openxmlformats.org/presentationml/2006/main">
   <p:cSld>
     <p:spTree>
@@ -22249,7 +22763,7 @@
 </p:sld>
 </file>
 
-<file path=ppt/slides/slide24.xml><?xml version="1.0" encoding="utf-8"?>
+<file path=ppt/slides/slide25.xml><?xml version="1.0" encoding="utf-8"?>
 <p:sld xmlns:a="http://schemas.openxmlformats.org/drawingml/2006/main" xmlns:r="http://schemas.openxmlformats.org/officeDocument/2006/relationships" xmlns:p="http://schemas.openxmlformats.org/presentationml/2006/main">
   <p:cSld>
     <p:spTree>
@@ -24982,7 +25496,7 @@
 </p:sld>
 </file>
 
-<file path=ppt/slides/slide25.xml><?xml version="1.0" encoding="utf-8"?>
+<file path=ppt/slides/slide26.xml><?xml version="1.0" encoding="utf-8"?>
 <p:sld xmlns:a="http://schemas.openxmlformats.org/drawingml/2006/main" xmlns:r="http://schemas.openxmlformats.org/officeDocument/2006/relationships" xmlns:p="http://schemas.openxmlformats.org/presentationml/2006/main">
   <p:cSld>
     <p:spTree>
@@ -25106,7 +25620,7 @@
 </p:sld>
 </file>
 
-<file path=ppt/slides/slide26.xml><?xml version="1.0" encoding="utf-8"?>
+<file path=ppt/slides/slide27.xml><?xml version="1.0" encoding="utf-8"?>
 <p:sld xmlns:a="http://schemas.openxmlformats.org/drawingml/2006/main" xmlns:r="http://schemas.openxmlformats.org/officeDocument/2006/relationships" xmlns:p="http://schemas.openxmlformats.org/presentationml/2006/main">
   <p:cSld>
     <p:spTree>

--- a/_sources/GettingStarted.pptx
+++ b/_sources/GettingStarted.pptx
@@ -1259,381 +1259,6 @@
       <dsp:cNvGrpSpPr/>
     </dsp:nvGrpSpPr>
     <dsp:grpSpPr/>
-    <dsp:sp modelId="{6D72C3A5-1474-40AD-9A10-2534C79C4517}">
-      <dsp:nvSpPr>
-        <dsp:cNvPr id="0" name=""/>
-        <dsp:cNvSpPr/>
-      </dsp:nvSpPr>
-      <dsp:spPr>
-        <a:xfrm>
-          <a:off x="2112" y="562235"/>
-          <a:ext cx="1880185" cy="752074"/>
-        </a:xfrm>
-        <a:prstGeom prst="chevron">
-          <a:avLst/>
-        </a:prstGeom>
-        <a:solidFill>
-          <a:schemeClr val="tx2">
-            <a:lumMod val="75000"/>
-          </a:schemeClr>
-        </a:solidFill>
-        <a:ln w="12700" cap="flat" cmpd="sng" algn="ctr">
-          <a:solidFill>
-            <a:schemeClr val="lt1">
-              <a:hueOff val="0"/>
-              <a:satOff val="0"/>
-              <a:lumOff val="0"/>
-              <a:alphaOff val="0"/>
-            </a:schemeClr>
-          </a:solidFill>
-          <a:prstDash val="solid"/>
-          <a:miter lim="800000"/>
-        </a:ln>
-        <a:effectLst/>
-      </dsp:spPr>
-      <dsp:style>
-        <a:lnRef idx="2">
-          <a:scrgbClr r="0" g="0" b="0"/>
-        </a:lnRef>
-        <a:fillRef idx="1">
-          <a:scrgbClr r="0" g="0" b="0"/>
-        </a:fillRef>
-        <a:effectRef idx="0">
-          <a:scrgbClr r="0" g="0" b="0"/>
-        </a:effectRef>
-        <a:fontRef idx="minor">
-          <a:schemeClr val="lt1"/>
-        </a:fontRef>
-      </dsp:style>
-      <dsp:txBody>
-        <a:bodyPr spcFirstLastPara="0" vert="horz" wrap="square" lIns="56007" tIns="18669" rIns="18669" bIns="18669" numCol="1" spcCol="1270" anchor="ctr" anchorCtr="0">
-          <a:noAutofit/>
-        </a:bodyPr>
-        <a:lstStyle/>
-        <a:p>
-          <a:pPr lvl="0" algn="ctr" defTabSz="622300">
-            <a:lnSpc>
-              <a:spcPct val="90000"/>
-            </a:lnSpc>
-            <a:spcBef>
-              <a:spcPct val="0"/>
-            </a:spcBef>
-            <a:spcAft>
-              <a:spcPct val="35000"/>
-            </a:spcAft>
-          </a:pPr>
-          <a:r>
-            <a:rPr lang="en-US" sz="1400" b="1" kern="1200" dirty="0" smtClean="0"/>
-            <a:t>package</a:t>
-          </a:r>
-          <a:endParaRPr lang="de-DE" sz="1400" b="1" kern="1200" dirty="0"/>
-        </a:p>
-      </dsp:txBody>
-      <dsp:txXfrm>
-        <a:off x="378149" y="562235"/>
-        <a:ext cx="1128111" cy="752074"/>
-      </dsp:txXfrm>
-    </dsp:sp>
-    <dsp:sp modelId="{086EE9E9-692A-4D05-A349-CBDF03FDA677}">
-      <dsp:nvSpPr>
-        <dsp:cNvPr id="0" name=""/>
-        <dsp:cNvSpPr/>
-      </dsp:nvSpPr>
-      <dsp:spPr>
-        <a:xfrm>
-          <a:off x="1694279" y="562235"/>
-          <a:ext cx="1880185" cy="752074"/>
-        </a:xfrm>
-        <a:prstGeom prst="chevron">
-          <a:avLst/>
-        </a:prstGeom>
-        <a:solidFill>
-          <a:schemeClr val="tx2">
-            <a:lumMod val="75000"/>
-          </a:schemeClr>
-        </a:solidFill>
-        <a:ln w="12700" cap="flat" cmpd="sng" algn="ctr">
-          <a:solidFill>
-            <a:schemeClr val="lt1">
-              <a:hueOff val="0"/>
-              <a:satOff val="0"/>
-              <a:lumOff val="0"/>
-              <a:alphaOff val="0"/>
-            </a:schemeClr>
-          </a:solidFill>
-          <a:prstDash val="solid"/>
-          <a:miter lim="800000"/>
-        </a:ln>
-        <a:effectLst/>
-      </dsp:spPr>
-      <dsp:style>
-        <a:lnRef idx="2">
-          <a:scrgbClr r="0" g="0" b="0"/>
-        </a:lnRef>
-        <a:fillRef idx="1">
-          <a:scrgbClr r="0" g="0" b="0"/>
-        </a:fillRef>
-        <a:effectRef idx="0">
-          <a:scrgbClr r="0" g="0" b="0"/>
-        </a:effectRef>
-        <a:fontRef idx="minor">
-          <a:schemeClr val="lt1"/>
-        </a:fontRef>
-      </dsp:style>
-      <dsp:txBody>
-        <a:bodyPr spcFirstLastPara="0" vert="horz" wrap="square" lIns="56007" tIns="18669" rIns="18669" bIns="18669" numCol="1" spcCol="1270" anchor="ctr" anchorCtr="0">
-          <a:noAutofit/>
-        </a:bodyPr>
-        <a:lstStyle/>
-        <a:p>
-          <a:pPr lvl="0" algn="ctr" defTabSz="622300">
-            <a:lnSpc>
-              <a:spcPct val="90000"/>
-            </a:lnSpc>
-            <a:spcBef>
-              <a:spcPct val="0"/>
-            </a:spcBef>
-            <a:spcAft>
-              <a:spcPct val="35000"/>
-            </a:spcAft>
-          </a:pPr>
-          <a:r>
-            <a:rPr lang="en-US" sz="1400" b="1" kern="1200" dirty="0" smtClean="0"/>
-            <a:t>pre-integration-test</a:t>
-          </a:r>
-          <a:endParaRPr lang="de-DE" sz="1400" b="1" kern="1200" dirty="0"/>
-        </a:p>
-      </dsp:txBody>
-      <dsp:txXfrm>
-        <a:off x="2070316" y="562235"/>
-        <a:ext cx="1128111" cy="752074"/>
-      </dsp:txXfrm>
-    </dsp:sp>
-    <dsp:sp modelId="{17AF3B93-FA57-409F-9FAF-CA14FC2BCCDA}">
-      <dsp:nvSpPr>
-        <dsp:cNvPr id="0" name=""/>
-        <dsp:cNvSpPr/>
-      </dsp:nvSpPr>
-      <dsp:spPr>
-        <a:xfrm>
-          <a:off x="3386445" y="562235"/>
-          <a:ext cx="1880185" cy="752074"/>
-        </a:xfrm>
-        <a:prstGeom prst="chevron">
-          <a:avLst/>
-        </a:prstGeom>
-        <a:solidFill>
-          <a:schemeClr val="tx2">
-            <a:lumMod val="75000"/>
-          </a:schemeClr>
-        </a:solidFill>
-        <a:ln w="12700" cap="flat" cmpd="sng" algn="ctr">
-          <a:solidFill>
-            <a:schemeClr val="lt1">
-              <a:hueOff val="0"/>
-              <a:satOff val="0"/>
-              <a:lumOff val="0"/>
-              <a:alphaOff val="0"/>
-            </a:schemeClr>
-          </a:solidFill>
-          <a:prstDash val="solid"/>
-          <a:miter lim="800000"/>
-        </a:ln>
-        <a:effectLst/>
-      </dsp:spPr>
-      <dsp:style>
-        <a:lnRef idx="2">
-          <a:scrgbClr r="0" g="0" b="0"/>
-        </a:lnRef>
-        <a:fillRef idx="1">
-          <a:scrgbClr r="0" g="0" b="0"/>
-        </a:fillRef>
-        <a:effectRef idx="0">
-          <a:scrgbClr r="0" g="0" b="0"/>
-        </a:effectRef>
-        <a:fontRef idx="minor">
-          <a:schemeClr val="lt1"/>
-        </a:fontRef>
-      </dsp:style>
-      <dsp:txBody>
-        <a:bodyPr spcFirstLastPara="0" vert="horz" wrap="square" lIns="56007" tIns="18669" rIns="18669" bIns="18669" numCol="1" spcCol="1270" anchor="ctr" anchorCtr="0">
-          <a:noAutofit/>
-        </a:bodyPr>
-        <a:lstStyle/>
-        <a:p>
-          <a:pPr lvl="0" algn="ctr" defTabSz="622300">
-            <a:lnSpc>
-              <a:spcPct val="90000"/>
-            </a:lnSpc>
-            <a:spcBef>
-              <a:spcPct val="0"/>
-            </a:spcBef>
-            <a:spcAft>
-              <a:spcPct val="35000"/>
-            </a:spcAft>
-          </a:pPr>
-          <a:r>
-            <a:rPr lang="en-US" sz="1400" b="1" kern="1200" dirty="0" smtClean="0"/>
-            <a:t>integration-test</a:t>
-          </a:r>
-          <a:endParaRPr lang="de-DE" sz="1400" b="1" kern="1200" dirty="0"/>
-        </a:p>
-      </dsp:txBody>
-      <dsp:txXfrm>
-        <a:off x="3762482" y="562235"/>
-        <a:ext cx="1128111" cy="752074"/>
-      </dsp:txXfrm>
-    </dsp:sp>
-    <dsp:sp modelId="{DEAC2976-8EFE-4204-9FE4-0A0AE01A3B2B}">
-      <dsp:nvSpPr>
-        <dsp:cNvPr id="0" name=""/>
-        <dsp:cNvSpPr/>
-      </dsp:nvSpPr>
-      <dsp:spPr>
-        <a:xfrm>
-          <a:off x="5078612" y="562235"/>
-          <a:ext cx="1880185" cy="752074"/>
-        </a:xfrm>
-        <a:prstGeom prst="chevron">
-          <a:avLst/>
-        </a:prstGeom>
-        <a:solidFill>
-          <a:schemeClr val="tx2">
-            <a:lumMod val="75000"/>
-          </a:schemeClr>
-        </a:solidFill>
-        <a:ln w="12700" cap="flat" cmpd="sng" algn="ctr">
-          <a:solidFill>
-            <a:schemeClr val="lt1">
-              <a:hueOff val="0"/>
-              <a:satOff val="0"/>
-              <a:lumOff val="0"/>
-              <a:alphaOff val="0"/>
-            </a:schemeClr>
-          </a:solidFill>
-          <a:prstDash val="solid"/>
-          <a:miter lim="800000"/>
-        </a:ln>
-        <a:effectLst/>
-      </dsp:spPr>
-      <dsp:style>
-        <a:lnRef idx="2">
-          <a:scrgbClr r="0" g="0" b="0"/>
-        </a:lnRef>
-        <a:fillRef idx="1">
-          <a:scrgbClr r="0" g="0" b="0"/>
-        </a:fillRef>
-        <a:effectRef idx="0">
-          <a:scrgbClr r="0" g="0" b="0"/>
-        </a:effectRef>
-        <a:fontRef idx="minor">
-          <a:schemeClr val="lt1"/>
-        </a:fontRef>
-      </dsp:style>
-      <dsp:txBody>
-        <a:bodyPr spcFirstLastPara="0" vert="horz" wrap="square" lIns="56007" tIns="18669" rIns="18669" bIns="18669" numCol="1" spcCol="1270" anchor="ctr" anchorCtr="0">
-          <a:noAutofit/>
-        </a:bodyPr>
-        <a:lstStyle/>
-        <a:p>
-          <a:pPr lvl="0" algn="ctr" defTabSz="622300">
-            <a:lnSpc>
-              <a:spcPct val="90000"/>
-            </a:lnSpc>
-            <a:spcBef>
-              <a:spcPct val="0"/>
-            </a:spcBef>
-            <a:spcAft>
-              <a:spcPct val="35000"/>
-            </a:spcAft>
-          </a:pPr>
-          <a:r>
-            <a:rPr lang="en-US" sz="1400" b="1" kern="1200" dirty="0" smtClean="0"/>
-            <a:t>post-integration-test</a:t>
-          </a:r>
-          <a:endParaRPr lang="de-DE" sz="1400" b="1" kern="1200" dirty="0"/>
-        </a:p>
-      </dsp:txBody>
-      <dsp:txXfrm>
-        <a:off x="5454649" y="562235"/>
-        <a:ext cx="1128111" cy="752074"/>
-      </dsp:txXfrm>
-    </dsp:sp>
-    <dsp:sp modelId="{99F52057-642D-4027-97D5-D26EF2913281}">
-      <dsp:nvSpPr>
-        <dsp:cNvPr id="0" name=""/>
-        <dsp:cNvSpPr/>
-      </dsp:nvSpPr>
-      <dsp:spPr>
-        <a:xfrm>
-          <a:off x="6770779" y="562235"/>
-          <a:ext cx="1880185" cy="752074"/>
-        </a:xfrm>
-        <a:prstGeom prst="chevron">
-          <a:avLst/>
-        </a:prstGeom>
-        <a:solidFill>
-          <a:schemeClr val="tx2">
-            <a:lumMod val="75000"/>
-          </a:schemeClr>
-        </a:solidFill>
-        <a:ln w="12700" cap="flat" cmpd="sng" algn="ctr">
-          <a:solidFill>
-            <a:schemeClr val="lt1">
-              <a:hueOff val="0"/>
-              <a:satOff val="0"/>
-              <a:lumOff val="0"/>
-              <a:alphaOff val="0"/>
-            </a:schemeClr>
-          </a:solidFill>
-          <a:prstDash val="solid"/>
-          <a:miter lim="800000"/>
-        </a:ln>
-        <a:effectLst/>
-      </dsp:spPr>
-      <dsp:style>
-        <a:lnRef idx="2">
-          <a:scrgbClr r="0" g="0" b="0"/>
-        </a:lnRef>
-        <a:fillRef idx="1">
-          <a:scrgbClr r="0" g="0" b="0"/>
-        </a:fillRef>
-        <a:effectRef idx="0">
-          <a:scrgbClr r="0" g="0" b="0"/>
-        </a:effectRef>
-        <a:fontRef idx="minor">
-          <a:schemeClr val="lt1"/>
-        </a:fontRef>
-      </dsp:style>
-      <dsp:txBody>
-        <a:bodyPr spcFirstLastPara="0" vert="horz" wrap="square" lIns="56007" tIns="18669" rIns="18669" bIns="18669" numCol="1" spcCol="1270" anchor="ctr" anchorCtr="0">
-          <a:noAutofit/>
-        </a:bodyPr>
-        <a:lstStyle/>
-        <a:p>
-          <a:pPr lvl="0" algn="ctr" defTabSz="622300">
-            <a:lnSpc>
-              <a:spcPct val="90000"/>
-            </a:lnSpc>
-            <a:spcBef>
-              <a:spcPct val="0"/>
-            </a:spcBef>
-            <a:spcAft>
-              <a:spcPct val="35000"/>
-            </a:spcAft>
-          </a:pPr>
-          <a:r>
-            <a:rPr lang="en-US" sz="1400" b="1" kern="1200" dirty="0" smtClean="0"/>
-            <a:t>deploy</a:t>
-          </a:r>
-          <a:endParaRPr lang="de-DE" sz="1400" b="1" kern="1200" dirty="0"/>
-        </a:p>
-      </dsp:txBody>
-      <dsp:txXfrm>
-        <a:off x="7146816" y="562235"/>
-        <a:ext cx="1128111" cy="752074"/>
-      </dsp:txXfrm>
-    </dsp:sp>
   </dsp:spTree>
 </dsp:drawing>
 </file>
@@ -3086,7 +2711,7 @@
           <a:p>
             <a:fld id="{9AA7D095-A676-4F6B-9416-D65D798F5244}" type="datetimeFigureOut">
               <a:rPr lang="de-DE" smtClean="0"/>
-              <a:t>23.07.2015</a:t>
+              <a:t>14.08.2015</a:t>
             </a:fld>
             <a:endParaRPr lang="de-DE"/>
           </a:p>
@@ -3256,7 +2881,7 @@
           <a:p>
             <a:fld id="{9AA7D095-A676-4F6B-9416-D65D798F5244}" type="datetimeFigureOut">
               <a:rPr lang="de-DE" smtClean="0"/>
-              <a:t>23.07.2015</a:t>
+              <a:t>14.08.2015</a:t>
             </a:fld>
             <a:endParaRPr lang="de-DE"/>
           </a:p>
@@ -3436,7 +3061,7 @@
           <a:p>
             <a:fld id="{9AA7D095-A676-4F6B-9416-D65D798F5244}" type="datetimeFigureOut">
               <a:rPr lang="de-DE" smtClean="0"/>
-              <a:t>23.07.2015</a:t>
+              <a:t>14.08.2015</a:t>
             </a:fld>
             <a:endParaRPr lang="de-DE"/>
           </a:p>
@@ -3606,7 +3231,7 @@
           <a:p>
             <a:fld id="{9AA7D095-A676-4F6B-9416-D65D798F5244}" type="datetimeFigureOut">
               <a:rPr lang="de-DE" smtClean="0"/>
-              <a:t>23.07.2015</a:t>
+              <a:t>14.08.2015</a:t>
             </a:fld>
             <a:endParaRPr lang="de-DE"/>
           </a:p>
@@ -3850,7 +3475,7 @@
           <a:p>
             <a:fld id="{9AA7D095-A676-4F6B-9416-D65D798F5244}" type="datetimeFigureOut">
               <a:rPr lang="de-DE" smtClean="0"/>
-              <a:t>23.07.2015</a:t>
+              <a:t>14.08.2015</a:t>
             </a:fld>
             <a:endParaRPr lang="de-DE"/>
           </a:p>
@@ -4082,7 +3707,7 @@
           <a:p>
             <a:fld id="{9AA7D095-A676-4F6B-9416-D65D798F5244}" type="datetimeFigureOut">
               <a:rPr lang="de-DE" smtClean="0"/>
-              <a:t>23.07.2015</a:t>
+              <a:t>14.08.2015</a:t>
             </a:fld>
             <a:endParaRPr lang="de-DE"/>
           </a:p>
@@ -4449,7 +4074,7 @@
           <a:p>
             <a:fld id="{9AA7D095-A676-4F6B-9416-D65D798F5244}" type="datetimeFigureOut">
               <a:rPr lang="de-DE" smtClean="0"/>
-              <a:t>23.07.2015</a:t>
+              <a:t>14.08.2015</a:t>
             </a:fld>
             <a:endParaRPr lang="de-DE"/>
           </a:p>
@@ -4567,7 +4192,7 @@
           <a:p>
             <a:fld id="{9AA7D095-A676-4F6B-9416-D65D798F5244}" type="datetimeFigureOut">
               <a:rPr lang="de-DE" smtClean="0"/>
-              <a:t>23.07.2015</a:t>
+              <a:t>14.08.2015</a:t>
             </a:fld>
             <a:endParaRPr lang="de-DE"/>
           </a:p>
@@ -4662,7 +4287,7 @@
           <a:p>
             <a:fld id="{9AA7D095-A676-4F6B-9416-D65D798F5244}" type="datetimeFigureOut">
               <a:rPr lang="de-DE" smtClean="0"/>
-              <a:t>23.07.2015</a:t>
+              <a:t>14.08.2015</a:t>
             </a:fld>
             <a:endParaRPr lang="de-DE"/>
           </a:p>
@@ -4939,7 +4564,7 @@
           <a:p>
             <a:fld id="{9AA7D095-A676-4F6B-9416-D65D798F5244}" type="datetimeFigureOut">
               <a:rPr lang="de-DE" smtClean="0"/>
-              <a:t>23.07.2015</a:t>
+              <a:t>14.08.2015</a:t>
             </a:fld>
             <a:endParaRPr lang="de-DE"/>
           </a:p>
@@ -5196,7 +4821,7 @@
           <a:p>
             <a:fld id="{9AA7D095-A676-4F6B-9416-D65D798F5244}" type="datetimeFigureOut">
               <a:rPr lang="de-DE" smtClean="0"/>
-              <a:t>23.07.2015</a:t>
+              <a:t>14.08.2015</a:t>
             </a:fld>
             <a:endParaRPr lang="de-DE"/>
           </a:p>
@@ -5409,7 +5034,7 @@
           <a:p>
             <a:fld id="{9AA7D095-A676-4F6B-9416-D65D798F5244}" type="datetimeFigureOut">
               <a:rPr lang="de-DE" smtClean="0"/>
-              <a:t>23.07.2015</a:t>
+              <a:t>14.08.2015</a:t>
             </a:fld>
             <a:endParaRPr lang="de-DE"/>
           </a:p>
@@ -9173,6 +8798,117 @@
           </a:p>
         </p:txBody>
       </p:sp>
+      <p:cxnSp>
+        <p:nvCxnSpPr>
+          <p:cNvPr id="98" name="Straight Arrow Connector 97"/>
+          <p:cNvCxnSpPr/>
+          <p:nvPr/>
+        </p:nvCxnSpPr>
+        <p:spPr>
+          <a:xfrm>
+            <a:off x="7955255" y="1825828"/>
+            <a:ext cx="1601983" cy="0"/>
+          </a:xfrm>
+          <a:prstGeom prst="straightConnector1">
+            <a:avLst/>
+          </a:prstGeom>
+          <a:ln w="142875">
+            <a:solidFill>
+              <a:schemeClr val="tx1">
+                <a:lumMod val="50000"/>
+                <a:lumOff val="50000"/>
+              </a:schemeClr>
+            </a:solidFill>
+            <a:tailEnd type="triangle"/>
+          </a:ln>
+        </p:spPr>
+        <p:style>
+          <a:lnRef idx="1">
+            <a:schemeClr val="accent1"/>
+          </a:lnRef>
+          <a:fillRef idx="0">
+            <a:schemeClr val="accent1"/>
+          </a:fillRef>
+          <a:effectRef idx="0">
+            <a:schemeClr val="accent1"/>
+          </a:effectRef>
+          <a:fontRef idx="minor">
+            <a:schemeClr val="tx1"/>
+          </a:fontRef>
+        </p:style>
+      </p:cxnSp>
+      <p:sp>
+        <p:nvSpPr>
+          <p:cNvPr id="99" name="TextBox 98"/>
+          <p:cNvSpPr txBox="1"/>
+          <p:nvPr/>
+        </p:nvSpPr>
+        <p:spPr>
+          <a:xfrm>
+            <a:off x="7855411" y="1279260"/>
+            <a:ext cx="1335331" cy="523220"/>
+          </a:xfrm>
+          <a:prstGeom prst="rect">
+            <a:avLst/>
+          </a:prstGeom>
+          <a:noFill/>
+        </p:spPr>
+        <p:txBody>
+          <a:bodyPr wrap="square" rtlCol="0">
+            <a:spAutoFit/>
+          </a:bodyPr>
+          <a:lstStyle/>
+          <a:p>
+            <a:pPr algn="ctr"/>
+            <a:r>
+              <a:rPr lang="en-US" sz="2800" b="1" dirty="0" smtClean="0"/>
+              <a:t>convert</a:t>
+            </a:r>
+            <a:endParaRPr lang="de-DE" sz="2800" b="1" dirty="0"/>
+          </a:p>
+        </p:txBody>
+      </p:sp>
+      <p:pic>
+        <p:nvPicPr>
+          <p:cNvPr id="101" name="Picture 2" descr="https://a0.awsstatic.com/main/images/logos/aws_logo.png"/>
+          <p:cNvPicPr>
+            <a:picLocks noChangeAspect="1" noChangeArrowheads="1"/>
+          </p:cNvPicPr>
+          <p:nvPr/>
+        </p:nvPicPr>
+        <p:blipFill>
+          <a:blip r:embed="rId5">
+            <a:extLst>
+              <a:ext uri="{28A0092B-C50C-407E-A947-70E740481C1C}">
+                <a14:useLocalDpi xmlns:a14="http://schemas.microsoft.com/office/drawing/2010/main" val="0"/>
+              </a:ext>
+            </a:extLst>
+          </a:blip>
+          <a:srcRect/>
+          <a:stretch>
+            <a:fillRect/>
+          </a:stretch>
+        </p:blipFill>
+        <p:spPr bwMode="auto">
+          <a:xfrm>
+            <a:off x="9650507" y="1546010"/>
+            <a:ext cx="1466377" cy="553964"/>
+          </a:xfrm>
+          <a:prstGeom prst="rect">
+            <a:avLst/>
+          </a:prstGeom>
+          <a:noFill/>
+          <a:extLst>
+            <a:ext uri="{909E8E84-426E-40DD-AFC4-6F175D3DCCD1}">
+              <a14:hiddenFill xmlns:a14="http://schemas.microsoft.com/office/drawing/2010/main">
+                <a:solidFill>
+                  <a:srgbClr val="FFFFFF"/>
+                </a:solidFill>
+              </a14:hiddenFill>
+            </a:ext>
+          </a:extLst>
+        </p:spPr>
+      </p:pic>
     </p:spTree>
     <p:extLst>
       <p:ext uri="{BB962C8B-B14F-4D97-AF65-F5344CB8AC3E}">
@@ -12729,6 +12465,248 @@
         <p:spPr bwMode="auto">
           <a:xfrm>
             <a:off x="2911244" y="7292440"/>
+            <a:ext cx="1466377" cy="553964"/>
+          </a:xfrm>
+          <a:prstGeom prst="rect">
+            <a:avLst/>
+          </a:prstGeom>
+          <a:noFill/>
+          <a:extLst>
+            <a:ext uri="{909E8E84-426E-40DD-AFC4-6F175D3DCCD1}">
+              <a14:hiddenFill xmlns:a14="http://schemas.microsoft.com/office/drawing/2010/main">
+                <a:solidFill>
+                  <a:srgbClr val="FFFFFF"/>
+                </a:solidFill>
+              </a14:hiddenFill>
+            </a:ext>
+          </a:extLst>
+        </p:spPr>
+      </p:pic>
+      <p:grpSp>
+        <p:nvGrpSpPr>
+          <p:cNvPr id="21" name="Group 20"/>
+          <p:cNvGrpSpPr/>
+          <p:nvPr/>
+        </p:nvGrpSpPr>
+        <p:grpSpPr>
+          <a:xfrm>
+            <a:off x="7325892" y="676312"/>
+            <a:ext cx="3239954" cy="2215991"/>
+            <a:chOff x="7477384" y="5317103"/>
+            <a:chExt cx="3239954" cy="2215991"/>
+          </a:xfrm>
+        </p:grpSpPr>
+        <p:sp>
+          <p:nvSpPr>
+            <p:cNvPr id="22" name="Rectangle 21"/>
+            <p:cNvSpPr/>
+            <p:nvPr/>
+          </p:nvSpPr>
+          <p:spPr>
+            <a:xfrm>
+              <a:off x="7926012" y="5317103"/>
+              <a:ext cx="2791326" cy="2215991"/>
+            </a:xfrm>
+            <a:prstGeom prst="rect">
+              <a:avLst/>
+            </a:prstGeom>
+          </p:spPr>
+          <p:txBody>
+            <a:bodyPr wrap="square">
+              <a:spAutoFit/>
+            </a:bodyPr>
+            <a:lstStyle/>
+            <a:p>
+              <a:r>
+                <a:rPr lang="de-DE" sz="13800" dirty="0">
+                  <a:solidFill>
+                    <a:schemeClr val="tx2">
+                      <a:lumMod val="60000"/>
+                      <a:lumOff val="40000"/>
+                    </a:schemeClr>
+                  </a:solidFill>
+                  <a:latin typeface="FontAwesome" pitchFamily="2" charset="0"/>
+                </a:rPr>
+                <a:t></a:t>
+              </a:r>
+              <a:endParaRPr lang="de-DE" sz="2400" dirty="0">
+                <a:latin typeface="FontAwesome" pitchFamily="2" charset="0"/>
+              </a:endParaRPr>
+            </a:p>
+          </p:txBody>
+        </p:sp>
+        <p:sp>
+          <p:nvSpPr>
+            <p:cNvPr id="23" name="Rectangle 22"/>
+            <p:cNvSpPr/>
+            <p:nvPr/>
+          </p:nvSpPr>
+          <p:spPr>
+            <a:xfrm>
+              <a:off x="8428894" y="5748821"/>
+              <a:ext cx="1050288" cy="1708160"/>
+            </a:xfrm>
+            <a:prstGeom prst="rect">
+              <a:avLst/>
+            </a:prstGeom>
+          </p:spPr>
+          <p:txBody>
+            <a:bodyPr wrap="none">
+              <a:spAutoFit/>
+            </a:bodyPr>
+            <a:lstStyle/>
+            <a:p>
+              <a:r>
+                <a:rPr lang="de-DE" sz="10500" dirty="0">
+                  <a:solidFill>
+                    <a:schemeClr val="tx2"/>
+                  </a:solidFill>
+                  <a:latin typeface="FontAwesome" pitchFamily="2" charset="0"/>
+                </a:rPr>
+                <a:t></a:t>
+              </a:r>
+              <a:endParaRPr lang="de-DE" sz="10500" dirty="0">
+                <a:solidFill>
+                  <a:schemeClr val="tx2"/>
+                </a:solidFill>
+              </a:endParaRPr>
+            </a:p>
+          </p:txBody>
+        </p:sp>
+        <p:sp>
+          <p:nvSpPr>
+            <p:cNvPr id="24" name="TextBox 23"/>
+            <p:cNvSpPr txBox="1"/>
+            <p:nvPr/>
+          </p:nvSpPr>
+          <p:spPr>
+            <a:xfrm>
+              <a:off x="7477384" y="6548681"/>
+              <a:ext cx="2953724" cy="400110"/>
+            </a:xfrm>
+            <a:prstGeom prst="rect">
+              <a:avLst/>
+            </a:prstGeom>
+            <a:noFill/>
+          </p:spPr>
+          <p:txBody>
+            <a:bodyPr wrap="square" rtlCol="0">
+              <a:spAutoFit/>
+            </a:bodyPr>
+            <a:lstStyle/>
+            <a:p>
+              <a:pPr algn="ctr"/>
+              <a:r>
+                <a:rPr lang="en-US" sz="2000" b="1" dirty="0">
+                  <a:solidFill>
+                    <a:schemeClr val="bg1"/>
+                  </a:solidFill>
+                </a:rPr>
+                <a:t>Boxfuse Vault</a:t>
+              </a:r>
+              <a:endParaRPr lang="de-DE" sz="2000" b="1" dirty="0">
+                <a:solidFill>
+                  <a:schemeClr val="bg1"/>
+                </a:solidFill>
+              </a:endParaRPr>
+            </a:p>
+          </p:txBody>
+        </p:sp>
+      </p:grpSp>
+      <p:cxnSp>
+        <p:nvCxnSpPr>
+          <p:cNvPr id="25" name="Straight Arrow Connector 24"/>
+          <p:cNvCxnSpPr/>
+          <p:nvPr/>
+        </p:nvCxnSpPr>
+        <p:spPr>
+          <a:xfrm>
+            <a:off x="9871978" y="1817036"/>
+            <a:ext cx="1601983" cy="0"/>
+          </a:xfrm>
+          <a:prstGeom prst="straightConnector1">
+            <a:avLst/>
+          </a:prstGeom>
+          <a:ln w="142875">
+            <a:solidFill>
+              <a:schemeClr val="tx1">
+                <a:lumMod val="50000"/>
+                <a:lumOff val="50000"/>
+              </a:schemeClr>
+            </a:solidFill>
+            <a:tailEnd type="triangle"/>
+          </a:ln>
+        </p:spPr>
+        <p:style>
+          <a:lnRef idx="1">
+            <a:schemeClr val="accent1"/>
+          </a:lnRef>
+          <a:fillRef idx="0">
+            <a:schemeClr val="accent1"/>
+          </a:fillRef>
+          <a:effectRef idx="0">
+            <a:schemeClr val="accent1"/>
+          </a:effectRef>
+          <a:fontRef idx="minor">
+            <a:schemeClr val="tx1"/>
+          </a:fontRef>
+        </p:style>
+      </p:cxnSp>
+      <p:sp>
+        <p:nvSpPr>
+          <p:cNvPr id="26" name="TextBox 25"/>
+          <p:cNvSpPr txBox="1"/>
+          <p:nvPr/>
+        </p:nvSpPr>
+        <p:spPr>
+          <a:xfrm>
+            <a:off x="9772134" y="1270468"/>
+            <a:ext cx="1335331" cy="523220"/>
+          </a:xfrm>
+          <a:prstGeom prst="rect">
+            <a:avLst/>
+          </a:prstGeom>
+          <a:noFill/>
+        </p:spPr>
+        <p:txBody>
+          <a:bodyPr wrap="square" rtlCol="0">
+            <a:spAutoFit/>
+          </a:bodyPr>
+          <a:lstStyle/>
+          <a:p>
+            <a:pPr algn="ctr"/>
+            <a:r>
+              <a:rPr lang="en-US" sz="2800" b="1" dirty="0" smtClean="0"/>
+              <a:t>convert</a:t>
+            </a:r>
+            <a:endParaRPr lang="de-DE" sz="2800" b="1" dirty="0"/>
+          </a:p>
+        </p:txBody>
+      </p:sp>
+      <p:pic>
+        <p:nvPicPr>
+          <p:cNvPr id="27" name="Picture 2" descr="https://a0.awsstatic.com/main/images/logos/aws_logo.png"/>
+          <p:cNvPicPr>
+            <a:picLocks noChangeAspect="1" noChangeArrowheads="1"/>
+          </p:cNvPicPr>
+          <p:nvPr/>
+        </p:nvPicPr>
+        <p:blipFill>
+          <a:blip r:embed="rId3">
+            <a:extLst>
+              <a:ext uri="{28A0092B-C50C-407E-A947-70E740481C1C}">
+                <a14:useLocalDpi xmlns:a14="http://schemas.microsoft.com/office/drawing/2010/main" val="0"/>
+              </a:ext>
+            </a:extLst>
+          </a:blip>
+          <a:srcRect/>
+          <a:stretch>
+            <a:fillRect/>
+          </a:stretch>
+        </p:blipFill>
+        <p:spPr bwMode="auto">
+          <a:xfrm>
+            <a:off x="11567230" y="1537218"/>
             <a:ext cx="1466377" cy="553964"/>
           </a:xfrm>
           <a:prstGeom prst="rect">

--- a/_sources/GettingStarted.pptx
+++ b/_sources/GettingStarted.pptx
@@ -1259,6 +1259,381 @@
       <dsp:cNvGrpSpPr/>
     </dsp:nvGrpSpPr>
     <dsp:grpSpPr/>
+    <dsp:sp modelId="{6D72C3A5-1474-40AD-9A10-2534C79C4517}">
+      <dsp:nvSpPr>
+        <dsp:cNvPr id="0" name=""/>
+        <dsp:cNvSpPr/>
+      </dsp:nvSpPr>
+      <dsp:spPr>
+        <a:xfrm>
+          <a:off x="2112" y="562235"/>
+          <a:ext cx="1880185" cy="752074"/>
+        </a:xfrm>
+        <a:prstGeom prst="chevron">
+          <a:avLst/>
+        </a:prstGeom>
+        <a:solidFill>
+          <a:schemeClr val="tx2">
+            <a:lumMod val="75000"/>
+          </a:schemeClr>
+        </a:solidFill>
+        <a:ln w="12700" cap="flat" cmpd="sng" algn="ctr">
+          <a:solidFill>
+            <a:schemeClr val="lt1">
+              <a:hueOff val="0"/>
+              <a:satOff val="0"/>
+              <a:lumOff val="0"/>
+              <a:alphaOff val="0"/>
+            </a:schemeClr>
+          </a:solidFill>
+          <a:prstDash val="solid"/>
+          <a:miter lim="800000"/>
+        </a:ln>
+        <a:effectLst/>
+      </dsp:spPr>
+      <dsp:style>
+        <a:lnRef idx="2">
+          <a:scrgbClr r="0" g="0" b="0"/>
+        </a:lnRef>
+        <a:fillRef idx="1">
+          <a:scrgbClr r="0" g="0" b="0"/>
+        </a:fillRef>
+        <a:effectRef idx="0">
+          <a:scrgbClr r="0" g="0" b="0"/>
+        </a:effectRef>
+        <a:fontRef idx="minor">
+          <a:schemeClr val="lt1"/>
+        </a:fontRef>
+      </dsp:style>
+      <dsp:txBody>
+        <a:bodyPr spcFirstLastPara="0" vert="horz" wrap="square" lIns="56007" tIns="18669" rIns="18669" bIns="18669" numCol="1" spcCol="1270" anchor="ctr" anchorCtr="0">
+          <a:noAutofit/>
+        </a:bodyPr>
+        <a:lstStyle/>
+        <a:p>
+          <a:pPr lvl="0" algn="ctr" defTabSz="622300">
+            <a:lnSpc>
+              <a:spcPct val="90000"/>
+            </a:lnSpc>
+            <a:spcBef>
+              <a:spcPct val="0"/>
+            </a:spcBef>
+            <a:spcAft>
+              <a:spcPct val="35000"/>
+            </a:spcAft>
+          </a:pPr>
+          <a:r>
+            <a:rPr lang="en-US" sz="1400" b="1" kern="1200" dirty="0" smtClean="0"/>
+            <a:t>package</a:t>
+          </a:r>
+          <a:endParaRPr lang="de-DE" sz="1400" b="1" kern="1200" dirty="0"/>
+        </a:p>
+      </dsp:txBody>
+      <dsp:txXfrm>
+        <a:off x="378149" y="562235"/>
+        <a:ext cx="1128111" cy="752074"/>
+      </dsp:txXfrm>
+    </dsp:sp>
+    <dsp:sp modelId="{086EE9E9-692A-4D05-A349-CBDF03FDA677}">
+      <dsp:nvSpPr>
+        <dsp:cNvPr id="0" name=""/>
+        <dsp:cNvSpPr/>
+      </dsp:nvSpPr>
+      <dsp:spPr>
+        <a:xfrm>
+          <a:off x="1694279" y="562235"/>
+          <a:ext cx="1880185" cy="752074"/>
+        </a:xfrm>
+        <a:prstGeom prst="chevron">
+          <a:avLst/>
+        </a:prstGeom>
+        <a:solidFill>
+          <a:schemeClr val="tx2">
+            <a:lumMod val="75000"/>
+          </a:schemeClr>
+        </a:solidFill>
+        <a:ln w="12700" cap="flat" cmpd="sng" algn="ctr">
+          <a:solidFill>
+            <a:schemeClr val="lt1">
+              <a:hueOff val="0"/>
+              <a:satOff val="0"/>
+              <a:lumOff val="0"/>
+              <a:alphaOff val="0"/>
+            </a:schemeClr>
+          </a:solidFill>
+          <a:prstDash val="solid"/>
+          <a:miter lim="800000"/>
+        </a:ln>
+        <a:effectLst/>
+      </dsp:spPr>
+      <dsp:style>
+        <a:lnRef idx="2">
+          <a:scrgbClr r="0" g="0" b="0"/>
+        </a:lnRef>
+        <a:fillRef idx="1">
+          <a:scrgbClr r="0" g="0" b="0"/>
+        </a:fillRef>
+        <a:effectRef idx="0">
+          <a:scrgbClr r="0" g="0" b="0"/>
+        </a:effectRef>
+        <a:fontRef idx="minor">
+          <a:schemeClr val="lt1"/>
+        </a:fontRef>
+      </dsp:style>
+      <dsp:txBody>
+        <a:bodyPr spcFirstLastPara="0" vert="horz" wrap="square" lIns="56007" tIns="18669" rIns="18669" bIns="18669" numCol="1" spcCol="1270" anchor="ctr" anchorCtr="0">
+          <a:noAutofit/>
+        </a:bodyPr>
+        <a:lstStyle/>
+        <a:p>
+          <a:pPr lvl="0" algn="ctr" defTabSz="622300">
+            <a:lnSpc>
+              <a:spcPct val="90000"/>
+            </a:lnSpc>
+            <a:spcBef>
+              <a:spcPct val="0"/>
+            </a:spcBef>
+            <a:spcAft>
+              <a:spcPct val="35000"/>
+            </a:spcAft>
+          </a:pPr>
+          <a:r>
+            <a:rPr lang="en-US" sz="1400" b="1" kern="1200" dirty="0" smtClean="0"/>
+            <a:t>pre-integration-test</a:t>
+          </a:r>
+          <a:endParaRPr lang="de-DE" sz="1400" b="1" kern="1200" dirty="0"/>
+        </a:p>
+      </dsp:txBody>
+      <dsp:txXfrm>
+        <a:off x="2070316" y="562235"/>
+        <a:ext cx="1128111" cy="752074"/>
+      </dsp:txXfrm>
+    </dsp:sp>
+    <dsp:sp modelId="{17AF3B93-FA57-409F-9FAF-CA14FC2BCCDA}">
+      <dsp:nvSpPr>
+        <dsp:cNvPr id="0" name=""/>
+        <dsp:cNvSpPr/>
+      </dsp:nvSpPr>
+      <dsp:spPr>
+        <a:xfrm>
+          <a:off x="3386445" y="562235"/>
+          <a:ext cx="1880185" cy="752074"/>
+        </a:xfrm>
+        <a:prstGeom prst="chevron">
+          <a:avLst/>
+        </a:prstGeom>
+        <a:solidFill>
+          <a:schemeClr val="tx2">
+            <a:lumMod val="75000"/>
+          </a:schemeClr>
+        </a:solidFill>
+        <a:ln w="12700" cap="flat" cmpd="sng" algn="ctr">
+          <a:solidFill>
+            <a:schemeClr val="lt1">
+              <a:hueOff val="0"/>
+              <a:satOff val="0"/>
+              <a:lumOff val="0"/>
+              <a:alphaOff val="0"/>
+            </a:schemeClr>
+          </a:solidFill>
+          <a:prstDash val="solid"/>
+          <a:miter lim="800000"/>
+        </a:ln>
+        <a:effectLst/>
+      </dsp:spPr>
+      <dsp:style>
+        <a:lnRef idx="2">
+          <a:scrgbClr r="0" g="0" b="0"/>
+        </a:lnRef>
+        <a:fillRef idx="1">
+          <a:scrgbClr r="0" g="0" b="0"/>
+        </a:fillRef>
+        <a:effectRef idx="0">
+          <a:scrgbClr r="0" g="0" b="0"/>
+        </a:effectRef>
+        <a:fontRef idx="minor">
+          <a:schemeClr val="lt1"/>
+        </a:fontRef>
+      </dsp:style>
+      <dsp:txBody>
+        <a:bodyPr spcFirstLastPara="0" vert="horz" wrap="square" lIns="56007" tIns="18669" rIns="18669" bIns="18669" numCol="1" spcCol="1270" anchor="ctr" anchorCtr="0">
+          <a:noAutofit/>
+        </a:bodyPr>
+        <a:lstStyle/>
+        <a:p>
+          <a:pPr lvl="0" algn="ctr" defTabSz="622300">
+            <a:lnSpc>
+              <a:spcPct val="90000"/>
+            </a:lnSpc>
+            <a:spcBef>
+              <a:spcPct val="0"/>
+            </a:spcBef>
+            <a:spcAft>
+              <a:spcPct val="35000"/>
+            </a:spcAft>
+          </a:pPr>
+          <a:r>
+            <a:rPr lang="en-US" sz="1400" b="1" kern="1200" dirty="0" smtClean="0"/>
+            <a:t>integration-test</a:t>
+          </a:r>
+          <a:endParaRPr lang="de-DE" sz="1400" b="1" kern="1200" dirty="0"/>
+        </a:p>
+      </dsp:txBody>
+      <dsp:txXfrm>
+        <a:off x="3762482" y="562235"/>
+        <a:ext cx="1128111" cy="752074"/>
+      </dsp:txXfrm>
+    </dsp:sp>
+    <dsp:sp modelId="{DEAC2976-8EFE-4204-9FE4-0A0AE01A3B2B}">
+      <dsp:nvSpPr>
+        <dsp:cNvPr id="0" name=""/>
+        <dsp:cNvSpPr/>
+      </dsp:nvSpPr>
+      <dsp:spPr>
+        <a:xfrm>
+          <a:off x="5078612" y="562235"/>
+          <a:ext cx="1880185" cy="752074"/>
+        </a:xfrm>
+        <a:prstGeom prst="chevron">
+          <a:avLst/>
+        </a:prstGeom>
+        <a:solidFill>
+          <a:schemeClr val="tx2">
+            <a:lumMod val="75000"/>
+          </a:schemeClr>
+        </a:solidFill>
+        <a:ln w="12700" cap="flat" cmpd="sng" algn="ctr">
+          <a:solidFill>
+            <a:schemeClr val="lt1">
+              <a:hueOff val="0"/>
+              <a:satOff val="0"/>
+              <a:lumOff val="0"/>
+              <a:alphaOff val="0"/>
+            </a:schemeClr>
+          </a:solidFill>
+          <a:prstDash val="solid"/>
+          <a:miter lim="800000"/>
+        </a:ln>
+        <a:effectLst/>
+      </dsp:spPr>
+      <dsp:style>
+        <a:lnRef idx="2">
+          <a:scrgbClr r="0" g="0" b="0"/>
+        </a:lnRef>
+        <a:fillRef idx="1">
+          <a:scrgbClr r="0" g="0" b="0"/>
+        </a:fillRef>
+        <a:effectRef idx="0">
+          <a:scrgbClr r="0" g="0" b="0"/>
+        </a:effectRef>
+        <a:fontRef idx="minor">
+          <a:schemeClr val="lt1"/>
+        </a:fontRef>
+      </dsp:style>
+      <dsp:txBody>
+        <a:bodyPr spcFirstLastPara="0" vert="horz" wrap="square" lIns="56007" tIns="18669" rIns="18669" bIns="18669" numCol="1" spcCol="1270" anchor="ctr" anchorCtr="0">
+          <a:noAutofit/>
+        </a:bodyPr>
+        <a:lstStyle/>
+        <a:p>
+          <a:pPr lvl="0" algn="ctr" defTabSz="622300">
+            <a:lnSpc>
+              <a:spcPct val="90000"/>
+            </a:lnSpc>
+            <a:spcBef>
+              <a:spcPct val="0"/>
+            </a:spcBef>
+            <a:spcAft>
+              <a:spcPct val="35000"/>
+            </a:spcAft>
+          </a:pPr>
+          <a:r>
+            <a:rPr lang="en-US" sz="1400" b="1" kern="1200" dirty="0" smtClean="0"/>
+            <a:t>post-integration-test</a:t>
+          </a:r>
+          <a:endParaRPr lang="de-DE" sz="1400" b="1" kern="1200" dirty="0"/>
+        </a:p>
+      </dsp:txBody>
+      <dsp:txXfrm>
+        <a:off x="5454649" y="562235"/>
+        <a:ext cx="1128111" cy="752074"/>
+      </dsp:txXfrm>
+    </dsp:sp>
+    <dsp:sp modelId="{99F52057-642D-4027-97D5-D26EF2913281}">
+      <dsp:nvSpPr>
+        <dsp:cNvPr id="0" name=""/>
+        <dsp:cNvSpPr/>
+      </dsp:nvSpPr>
+      <dsp:spPr>
+        <a:xfrm>
+          <a:off x="6770779" y="562235"/>
+          <a:ext cx="1880185" cy="752074"/>
+        </a:xfrm>
+        <a:prstGeom prst="chevron">
+          <a:avLst/>
+        </a:prstGeom>
+        <a:solidFill>
+          <a:schemeClr val="tx2">
+            <a:lumMod val="75000"/>
+          </a:schemeClr>
+        </a:solidFill>
+        <a:ln w="12700" cap="flat" cmpd="sng" algn="ctr">
+          <a:solidFill>
+            <a:schemeClr val="lt1">
+              <a:hueOff val="0"/>
+              <a:satOff val="0"/>
+              <a:lumOff val="0"/>
+              <a:alphaOff val="0"/>
+            </a:schemeClr>
+          </a:solidFill>
+          <a:prstDash val="solid"/>
+          <a:miter lim="800000"/>
+        </a:ln>
+        <a:effectLst/>
+      </dsp:spPr>
+      <dsp:style>
+        <a:lnRef idx="2">
+          <a:scrgbClr r="0" g="0" b="0"/>
+        </a:lnRef>
+        <a:fillRef idx="1">
+          <a:scrgbClr r="0" g="0" b="0"/>
+        </a:fillRef>
+        <a:effectRef idx="0">
+          <a:scrgbClr r="0" g="0" b="0"/>
+        </a:effectRef>
+        <a:fontRef idx="minor">
+          <a:schemeClr val="lt1"/>
+        </a:fontRef>
+      </dsp:style>
+      <dsp:txBody>
+        <a:bodyPr spcFirstLastPara="0" vert="horz" wrap="square" lIns="56007" tIns="18669" rIns="18669" bIns="18669" numCol="1" spcCol="1270" anchor="ctr" anchorCtr="0">
+          <a:noAutofit/>
+        </a:bodyPr>
+        <a:lstStyle/>
+        <a:p>
+          <a:pPr lvl="0" algn="ctr" defTabSz="622300">
+            <a:lnSpc>
+              <a:spcPct val="90000"/>
+            </a:lnSpc>
+            <a:spcBef>
+              <a:spcPct val="0"/>
+            </a:spcBef>
+            <a:spcAft>
+              <a:spcPct val="35000"/>
+            </a:spcAft>
+          </a:pPr>
+          <a:r>
+            <a:rPr lang="en-US" sz="1400" b="1" kern="1200" dirty="0" smtClean="0"/>
+            <a:t>deploy</a:t>
+          </a:r>
+          <a:endParaRPr lang="de-DE" sz="1400" b="1" kern="1200" dirty="0"/>
+        </a:p>
+      </dsp:txBody>
+      <dsp:txXfrm>
+        <a:off x="7146816" y="562235"/>
+        <a:ext cx="1128111" cy="752074"/>
+      </dsp:txXfrm>
+    </dsp:sp>
   </dsp:spTree>
 </dsp:drawing>
 </file>
@@ -2711,7 +3086,7 @@
           <a:p>
             <a:fld id="{9AA7D095-A676-4F6B-9416-D65D798F5244}" type="datetimeFigureOut">
               <a:rPr lang="de-DE" smtClean="0"/>
-              <a:t>14.08.2015</a:t>
+              <a:t>19.08.2015</a:t>
             </a:fld>
             <a:endParaRPr lang="de-DE"/>
           </a:p>
@@ -2881,7 +3256,7 @@
           <a:p>
             <a:fld id="{9AA7D095-A676-4F6B-9416-D65D798F5244}" type="datetimeFigureOut">
               <a:rPr lang="de-DE" smtClean="0"/>
-              <a:t>14.08.2015</a:t>
+              <a:t>19.08.2015</a:t>
             </a:fld>
             <a:endParaRPr lang="de-DE"/>
           </a:p>
@@ -3061,7 +3436,7 @@
           <a:p>
             <a:fld id="{9AA7D095-A676-4F6B-9416-D65D798F5244}" type="datetimeFigureOut">
               <a:rPr lang="de-DE" smtClean="0"/>
-              <a:t>14.08.2015</a:t>
+              <a:t>19.08.2015</a:t>
             </a:fld>
             <a:endParaRPr lang="de-DE"/>
           </a:p>
@@ -3231,7 +3606,7 @@
           <a:p>
             <a:fld id="{9AA7D095-A676-4F6B-9416-D65D798F5244}" type="datetimeFigureOut">
               <a:rPr lang="de-DE" smtClean="0"/>
-              <a:t>14.08.2015</a:t>
+              <a:t>19.08.2015</a:t>
             </a:fld>
             <a:endParaRPr lang="de-DE"/>
           </a:p>
@@ -3475,7 +3850,7 @@
           <a:p>
             <a:fld id="{9AA7D095-A676-4F6B-9416-D65D798F5244}" type="datetimeFigureOut">
               <a:rPr lang="de-DE" smtClean="0"/>
-              <a:t>14.08.2015</a:t>
+              <a:t>19.08.2015</a:t>
             </a:fld>
             <a:endParaRPr lang="de-DE"/>
           </a:p>
@@ -3707,7 +4082,7 @@
           <a:p>
             <a:fld id="{9AA7D095-A676-4F6B-9416-D65D798F5244}" type="datetimeFigureOut">
               <a:rPr lang="de-DE" smtClean="0"/>
-              <a:t>14.08.2015</a:t>
+              <a:t>19.08.2015</a:t>
             </a:fld>
             <a:endParaRPr lang="de-DE"/>
           </a:p>
@@ -4074,7 +4449,7 @@
           <a:p>
             <a:fld id="{9AA7D095-A676-4F6B-9416-D65D798F5244}" type="datetimeFigureOut">
               <a:rPr lang="de-DE" smtClean="0"/>
-              <a:t>14.08.2015</a:t>
+              <a:t>19.08.2015</a:t>
             </a:fld>
             <a:endParaRPr lang="de-DE"/>
           </a:p>
@@ -4192,7 +4567,7 @@
           <a:p>
             <a:fld id="{9AA7D095-A676-4F6B-9416-D65D798F5244}" type="datetimeFigureOut">
               <a:rPr lang="de-DE" smtClean="0"/>
-              <a:t>14.08.2015</a:t>
+              <a:t>19.08.2015</a:t>
             </a:fld>
             <a:endParaRPr lang="de-DE"/>
           </a:p>
@@ -4287,7 +4662,7 @@
           <a:p>
             <a:fld id="{9AA7D095-A676-4F6B-9416-D65D798F5244}" type="datetimeFigureOut">
               <a:rPr lang="de-DE" smtClean="0"/>
-              <a:t>14.08.2015</a:t>
+              <a:t>19.08.2015</a:t>
             </a:fld>
             <a:endParaRPr lang="de-DE"/>
           </a:p>
@@ -4564,7 +4939,7 @@
           <a:p>
             <a:fld id="{9AA7D095-A676-4F6B-9416-D65D798F5244}" type="datetimeFigureOut">
               <a:rPr lang="de-DE" smtClean="0"/>
-              <a:t>14.08.2015</a:t>
+              <a:t>19.08.2015</a:t>
             </a:fld>
             <a:endParaRPr lang="de-DE"/>
           </a:p>
@@ -4821,7 +5196,7 @@
           <a:p>
             <a:fld id="{9AA7D095-A676-4F6B-9416-D65D798F5244}" type="datetimeFigureOut">
               <a:rPr lang="de-DE" smtClean="0"/>
-              <a:t>14.08.2015</a:t>
+              <a:t>19.08.2015</a:t>
             </a:fld>
             <a:endParaRPr lang="de-DE"/>
           </a:p>
@@ -5034,7 +5409,7 @@
           <a:p>
             <a:fld id="{9AA7D095-A676-4F6B-9416-D65D798F5244}" type="datetimeFigureOut">
               <a:rPr lang="de-DE" smtClean="0"/>
-              <a:t>14.08.2015</a:t>
+              <a:t>19.08.2015</a:t>
             </a:fld>
             <a:endParaRPr lang="de-DE"/>
           </a:p>
@@ -12724,6 +13099,602 @@
           </a:extLst>
         </p:spPr>
       </p:pic>
+      <p:grpSp>
+        <p:nvGrpSpPr>
+          <p:cNvPr id="28" name="Group 27"/>
+          <p:cNvGrpSpPr/>
+          <p:nvPr/>
+        </p:nvGrpSpPr>
+        <p:grpSpPr>
+          <a:xfrm>
+            <a:off x="5372128" y="8787541"/>
+            <a:ext cx="1496257" cy="679282"/>
+            <a:chOff x="6448425" y="3933827"/>
+            <a:chExt cx="2628900" cy="1409700"/>
+          </a:xfrm>
+        </p:grpSpPr>
+        <p:sp>
+          <p:nvSpPr>
+            <p:cNvPr id="29" name="Rounded Rectangle 28"/>
+            <p:cNvSpPr/>
+            <p:nvPr/>
+          </p:nvSpPr>
+          <p:spPr>
+            <a:xfrm>
+              <a:off x="6448425" y="3933827"/>
+              <a:ext cx="2628900" cy="1409700"/>
+            </a:xfrm>
+            <a:prstGeom prst="roundRect">
+              <a:avLst/>
+            </a:prstGeom>
+            <a:solidFill>
+              <a:schemeClr val="accent6">
+                <a:lumMod val="75000"/>
+              </a:schemeClr>
+            </a:solidFill>
+            <a:ln w="76200">
+              <a:solidFill>
+                <a:schemeClr val="accent6">
+                  <a:lumMod val="50000"/>
+                </a:schemeClr>
+              </a:solidFill>
+            </a:ln>
+          </p:spPr>
+          <p:style>
+            <a:lnRef idx="2">
+              <a:schemeClr val="accent1">
+                <a:shade val="50000"/>
+              </a:schemeClr>
+            </a:lnRef>
+            <a:fillRef idx="1">
+              <a:schemeClr val="accent1"/>
+            </a:fillRef>
+            <a:effectRef idx="0">
+              <a:schemeClr val="accent1"/>
+            </a:effectRef>
+            <a:fontRef idx="minor">
+              <a:schemeClr val="lt1"/>
+            </a:fontRef>
+          </p:style>
+          <p:txBody>
+            <a:bodyPr rtlCol="0" anchor="ctr"/>
+            <a:lstStyle/>
+            <a:p>
+              <a:pPr algn="ctr"/>
+              <a:endParaRPr lang="de-DE"/>
+            </a:p>
+          </p:txBody>
+        </p:sp>
+        <p:sp>
+          <p:nvSpPr>
+            <p:cNvPr id="30" name="TextBox 29"/>
+            <p:cNvSpPr txBox="1"/>
+            <p:nvPr/>
+          </p:nvSpPr>
+          <p:spPr>
+            <a:xfrm>
+              <a:off x="6513804" y="4239101"/>
+              <a:ext cx="2501164" cy="830340"/>
+            </a:xfrm>
+            <a:prstGeom prst="rect">
+              <a:avLst/>
+            </a:prstGeom>
+            <a:noFill/>
+            <a:ln w="76200">
+              <a:noFill/>
+            </a:ln>
+          </p:spPr>
+          <p:txBody>
+            <a:bodyPr wrap="square" rtlCol="0">
+              <a:spAutoFit/>
+            </a:bodyPr>
+            <a:lstStyle/>
+            <a:p>
+              <a:pPr algn="ctr"/>
+              <a:r>
+                <a:rPr lang="en-US" sz="2000" b="1" dirty="0" smtClean="0">
+                  <a:solidFill>
+                    <a:schemeClr val="bg1"/>
+                  </a:solidFill>
+                </a:rPr>
+                <a:t>App</a:t>
+              </a:r>
+              <a:endParaRPr lang="de-DE" sz="2400" b="1" dirty="0">
+                <a:solidFill>
+                  <a:schemeClr val="bg1"/>
+                </a:solidFill>
+              </a:endParaRPr>
+            </a:p>
+          </p:txBody>
+        </p:sp>
+      </p:grpSp>
+      <p:cxnSp>
+        <p:nvCxnSpPr>
+          <p:cNvPr id="36" name="Straight Arrow Connector 35"/>
+          <p:cNvCxnSpPr/>
+          <p:nvPr/>
+        </p:nvCxnSpPr>
+        <p:spPr>
+          <a:xfrm flipV="1">
+            <a:off x="10597351" y="9121942"/>
+            <a:ext cx="1601313" cy="10481"/>
+          </a:xfrm>
+          <a:prstGeom prst="straightConnector1">
+            <a:avLst/>
+          </a:prstGeom>
+          <a:ln w="142875">
+            <a:solidFill>
+              <a:schemeClr val="tx1">
+                <a:lumMod val="50000"/>
+                <a:lumOff val="50000"/>
+              </a:schemeClr>
+            </a:solidFill>
+            <a:tailEnd type="triangle"/>
+          </a:ln>
+        </p:spPr>
+        <p:style>
+          <a:lnRef idx="1">
+            <a:schemeClr val="accent1"/>
+          </a:lnRef>
+          <a:fillRef idx="0">
+            <a:schemeClr val="accent1"/>
+          </a:fillRef>
+          <a:effectRef idx="0">
+            <a:schemeClr val="accent1"/>
+          </a:effectRef>
+          <a:fontRef idx="minor">
+            <a:schemeClr val="tx1"/>
+          </a:fontRef>
+        </p:style>
+      </p:cxnSp>
+      <p:sp>
+        <p:nvSpPr>
+          <p:cNvPr id="32" name="Rounded Rectangle 25"/>
+          <p:cNvSpPr/>
+          <p:nvPr/>
+        </p:nvSpPr>
+        <p:spPr>
+          <a:xfrm>
+            <a:off x="8806365" y="8321991"/>
+            <a:ext cx="1610387" cy="1610382"/>
+          </a:xfrm>
+          <a:prstGeom prst="ellipse">
+            <a:avLst/>
+          </a:prstGeom>
+          <a:solidFill>
+            <a:schemeClr val="accent1">
+              <a:lumMod val="75000"/>
+            </a:schemeClr>
+          </a:solidFill>
+          <a:ln w="76200">
+            <a:solidFill>
+              <a:schemeClr val="accent1">
+                <a:lumMod val="50000"/>
+              </a:schemeClr>
+            </a:solidFill>
+          </a:ln>
+        </p:spPr>
+        <p:style>
+          <a:lnRef idx="2">
+            <a:schemeClr val="accent1">
+              <a:shade val="50000"/>
+            </a:schemeClr>
+          </a:lnRef>
+          <a:fillRef idx="1">
+            <a:schemeClr val="accent1"/>
+          </a:fillRef>
+          <a:effectRef idx="0">
+            <a:schemeClr val="accent1"/>
+          </a:effectRef>
+          <a:fontRef idx="minor">
+            <a:schemeClr val="lt1"/>
+          </a:fontRef>
+        </p:style>
+        <p:txBody>
+          <a:bodyPr rtlCol="0" anchor="ctr"/>
+          <a:lstStyle/>
+          <a:p>
+            <a:pPr algn="ctr"/>
+            <a:endParaRPr lang="en-US" sz="2000" b="1" dirty="0" smtClean="0"/>
+          </a:p>
+          <a:p>
+            <a:pPr algn="ctr"/>
+            <a:endParaRPr lang="en-US" sz="2000" b="1" dirty="0"/>
+          </a:p>
+          <a:p>
+            <a:pPr algn="ctr"/>
+            <a:r>
+              <a:rPr lang="en-US" sz="2000" b="1" dirty="0" smtClean="0"/>
+              <a:t>AMI</a:t>
+            </a:r>
+            <a:endParaRPr lang="de-DE" sz="2000" b="1" dirty="0"/>
+          </a:p>
+        </p:txBody>
+      </p:sp>
+      <p:grpSp>
+        <p:nvGrpSpPr>
+          <p:cNvPr id="4" name="Group 3"/>
+          <p:cNvGrpSpPr/>
+          <p:nvPr/>
+        </p:nvGrpSpPr>
+        <p:grpSpPr>
+          <a:xfrm>
+            <a:off x="12360816" y="8217563"/>
+            <a:ext cx="1746456" cy="1819239"/>
+            <a:chOff x="12360816" y="8217563"/>
+            <a:chExt cx="1746456" cy="1819239"/>
+          </a:xfrm>
+        </p:grpSpPr>
+        <p:sp>
+          <p:nvSpPr>
+            <p:cNvPr id="34" name="Rounded Rectangle 75"/>
+            <p:cNvSpPr/>
+            <p:nvPr/>
+          </p:nvSpPr>
+          <p:spPr>
+            <a:xfrm>
+              <a:off x="12360816" y="8217563"/>
+              <a:ext cx="1441656" cy="1514439"/>
+            </a:xfrm>
+            <a:prstGeom prst="rect">
+              <a:avLst/>
+            </a:prstGeom>
+            <a:solidFill>
+              <a:schemeClr val="accent2">
+                <a:lumMod val="75000"/>
+              </a:schemeClr>
+            </a:solidFill>
+            <a:ln w="76200">
+              <a:solidFill>
+                <a:schemeClr val="accent2">
+                  <a:lumMod val="50000"/>
+                </a:schemeClr>
+              </a:solidFill>
+            </a:ln>
+          </p:spPr>
+          <p:style>
+            <a:lnRef idx="2">
+              <a:schemeClr val="accent1">
+                <a:shade val="50000"/>
+              </a:schemeClr>
+            </a:lnRef>
+            <a:fillRef idx="1">
+              <a:schemeClr val="accent1"/>
+            </a:fillRef>
+            <a:effectRef idx="0">
+              <a:schemeClr val="accent1"/>
+            </a:effectRef>
+            <a:fontRef idx="minor">
+              <a:schemeClr val="lt1"/>
+            </a:fontRef>
+          </p:style>
+          <p:txBody>
+            <a:bodyPr rtlCol="0" anchor="ctr"/>
+            <a:lstStyle/>
+            <a:p>
+              <a:pPr algn="ctr"/>
+              <a:r>
+                <a:rPr lang="en-US" sz="2000" b="1" dirty="0"/>
+                <a:t>Instance</a:t>
+              </a:r>
+              <a:endParaRPr lang="de-DE" sz="2000" b="1" dirty="0"/>
+            </a:p>
+          </p:txBody>
+        </p:sp>
+        <p:sp>
+          <p:nvSpPr>
+            <p:cNvPr id="40" name="Rounded Rectangle 75"/>
+            <p:cNvSpPr/>
+            <p:nvPr/>
+          </p:nvSpPr>
+          <p:spPr>
+            <a:xfrm>
+              <a:off x="12513216" y="8369963"/>
+              <a:ext cx="1441656" cy="1514439"/>
+            </a:xfrm>
+            <a:prstGeom prst="rect">
+              <a:avLst/>
+            </a:prstGeom>
+            <a:solidFill>
+              <a:schemeClr val="accent2">
+                <a:lumMod val="75000"/>
+              </a:schemeClr>
+            </a:solidFill>
+            <a:ln w="76200">
+              <a:solidFill>
+                <a:schemeClr val="accent2">
+                  <a:lumMod val="50000"/>
+                </a:schemeClr>
+              </a:solidFill>
+            </a:ln>
+          </p:spPr>
+          <p:style>
+            <a:lnRef idx="2">
+              <a:schemeClr val="accent1">
+                <a:shade val="50000"/>
+              </a:schemeClr>
+            </a:lnRef>
+            <a:fillRef idx="1">
+              <a:schemeClr val="accent1"/>
+            </a:fillRef>
+            <a:effectRef idx="0">
+              <a:schemeClr val="accent1"/>
+            </a:effectRef>
+            <a:fontRef idx="minor">
+              <a:schemeClr val="lt1"/>
+            </a:fontRef>
+          </p:style>
+          <p:txBody>
+            <a:bodyPr rtlCol="0" anchor="ctr"/>
+            <a:lstStyle/>
+            <a:p>
+              <a:pPr algn="ctr"/>
+              <a:r>
+                <a:rPr lang="en-US" sz="2000" b="1" dirty="0"/>
+                <a:t>Instance</a:t>
+              </a:r>
+              <a:endParaRPr lang="de-DE" sz="2000" b="1" dirty="0"/>
+            </a:p>
+          </p:txBody>
+        </p:sp>
+        <p:sp>
+          <p:nvSpPr>
+            <p:cNvPr id="41" name="Rounded Rectangle 75"/>
+            <p:cNvSpPr/>
+            <p:nvPr/>
+          </p:nvSpPr>
+          <p:spPr>
+            <a:xfrm>
+              <a:off x="12665616" y="8522363"/>
+              <a:ext cx="1441656" cy="1514439"/>
+            </a:xfrm>
+            <a:prstGeom prst="rect">
+              <a:avLst/>
+            </a:prstGeom>
+            <a:solidFill>
+              <a:schemeClr val="accent2">
+                <a:lumMod val="75000"/>
+              </a:schemeClr>
+            </a:solidFill>
+            <a:ln w="76200">
+              <a:solidFill>
+                <a:schemeClr val="accent2">
+                  <a:lumMod val="50000"/>
+                </a:schemeClr>
+              </a:solidFill>
+            </a:ln>
+          </p:spPr>
+          <p:style>
+            <a:lnRef idx="2">
+              <a:schemeClr val="accent1">
+                <a:shade val="50000"/>
+              </a:schemeClr>
+            </a:lnRef>
+            <a:fillRef idx="1">
+              <a:schemeClr val="accent1"/>
+            </a:fillRef>
+            <a:effectRef idx="0">
+              <a:schemeClr val="accent1"/>
+            </a:effectRef>
+            <a:fontRef idx="minor">
+              <a:schemeClr val="lt1"/>
+            </a:fontRef>
+          </p:style>
+          <p:txBody>
+            <a:bodyPr rtlCol="0" anchor="ctr"/>
+            <a:lstStyle/>
+            <a:p>
+              <a:pPr algn="ctr"/>
+              <a:endParaRPr lang="en-US" sz="2000" b="1" dirty="0" smtClean="0"/>
+            </a:p>
+            <a:p>
+              <a:pPr algn="ctr"/>
+              <a:r>
+                <a:rPr lang="en-US" sz="2000" b="1" dirty="0" smtClean="0"/>
+                <a:t>Instance</a:t>
+              </a:r>
+              <a:endParaRPr lang="de-DE" sz="2000" b="1" dirty="0"/>
+            </a:p>
+          </p:txBody>
+        </p:sp>
+      </p:grpSp>
+      <p:sp>
+        <p:nvSpPr>
+          <p:cNvPr id="44" name="TextBox 43"/>
+          <p:cNvSpPr txBox="1"/>
+          <p:nvPr/>
+        </p:nvSpPr>
+        <p:spPr>
+          <a:xfrm>
+            <a:off x="7123302" y="9174954"/>
+            <a:ext cx="1335331" cy="954107"/>
+          </a:xfrm>
+          <a:prstGeom prst="rect">
+            <a:avLst/>
+          </a:prstGeom>
+          <a:noFill/>
+        </p:spPr>
+        <p:txBody>
+          <a:bodyPr wrap="square" rtlCol="0">
+            <a:spAutoFit/>
+          </a:bodyPr>
+          <a:lstStyle/>
+          <a:p>
+            <a:pPr algn="ctr"/>
+            <a:r>
+              <a:rPr lang="en-US" sz="2800" b="1" dirty="0" smtClean="0"/>
+              <a:t>create</a:t>
+            </a:r>
+          </a:p>
+          <a:p>
+            <a:pPr algn="ctr"/>
+            <a:r>
+              <a:rPr lang="en-US" sz="2800" b="1" dirty="0" smtClean="0"/>
+              <a:t>AMI</a:t>
+            </a:r>
+            <a:endParaRPr lang="de-DE" sz="2800" b="1" dirty="0"/>
+          </a:p>
+        </p:txBody>
+      </p:sp>
+      <p:sp>
+        <p:nvSpPr>
+          <p:cNvPr id="45" name="TextBox 44"/>
+          <p:cNvSpPr txBox="1"/>
+          <p:nvPr/>
+        </p:nvSpPr>
+        <p:spPr>
+          <a:xfrm>
+            <a:off x="10410096" y="9174954"/>
+            <a:ext cx="1749669" cy="954107"/>
+          </a:xfrm>
+          <a:prstGeom prst="rect">
+            <a:avLst/>
+          </a:prstGeom>
+          <a:noFill/>
+        </p:spPr>
+        <p:txBody>
+          <a:bodyPr wrap="square" rtlCol="0">
+            <a:spAutoFit/>
+          </a:bodyPr>
+          <a:lstStyle/>
+          <a:p>
+            <a:pPr algn="ctr"/>
+            <a:r>
+              <a:rPr lang="en-US" sz="2800" b="1" dirty="0" smtClean="0"/>
+              <a:t>launch</a:t>
+            </a:r>
+          </a:p>
+          <a:p>
+            <a:pPr algn="ctr"/>
+            <a:r>
+              <a:rPr lang="en-US" sz="2800" b="1" dirty="0" smtClean="0"/>
+              <a:t>instances</a:t>
+            </a:r>
+            <a:endParaRPr lang="de-DE" sz="2800" b="1" dirty="0"/>
+          </a:p>
+        </p:txBody>
+      </p:sp>
+      <p:cxnSp>
+        <p:nvCxnSpPr>
+          <p:cNvPr id="47" name="Straight Arrow Connector 46"/>
+          <p:cNvCxnSpPr/>
+          <p:nvPr/>
+        </p:nvCxnSpPr>
+        <p:spPr>
+          <a:xfrm flipV="1">
+            <a:off x="7092150" y="9121942"/>
+            <a:ext cx="1601313" cy="10481"/>
+          </a:xfrm>
+          <a:prstGeom prst="straightConnector1">
+            <a:avLst/>
+          </a:prstGeom>
+          <a:ln w="142875">
+            <a:solidFill>
+              <a:schemeClr val="tx1">
+                <a:lumMod val="50000"/>
+                <a:lumOff val="50000"/>
+              </a:schemeClr>
+            </a:solidFill>
+            <a:tailEnd type="triangle"/>
+          </a:ln>
+        </p:spPr>
+        <p:style>
+          <a:lnRef idx="1">
+            <a:schemeClr val="accent1"/>
+          </a:lnRef>
+          <a:fillRef idx="0">
+            <a:schemeClr val="accent1"/>
+          </a:fillRef>
+          <a:effectRef idx="0">
+            <a:schemeClr val="accent1"/>
+          </a:effectRef>
+          <a:fontRef idx="minor">
+            <a:schemeClr val="tx1"/>
+          </a:fontRef>
+        </p:style>
+      </p:cxnSp>
+      <p:pic>
+        <p:nvPicPr>
+          <p:cNvPr id="1026" name="Picture 2" descr="http://miamitom.net/content/wp-content/uploads/2015/04/aws-logo-large_white-300x111.png"/>
+          <p:cNvPicPr>
+            <a:picLocks noChangeAspect="1" noChangeArrowheads="1"/>
+          </p:cNvPicPr>
+          <p:nvPr/>
+        </p:nvPicPr>
+        <p:blipFill>
+          <a:blip r:embed="rId4">
+            <a:extLst>
+              <a:ext uri="{28A0092B-C50C-407E-A947-70E740481C1C}">
+                <a14:useLocalDpi xmlns:a14="http://schemas.microsoft.com/office/drawing/2010/main" val="0"/>
+              </a:ext>
+            </a:extLst>
+          </a:blip>
+          <a:srcRect/>
+          <a:stretch>
+            <a:fillRect/>
+          </a:stretch>
+        </p:blipFill>
+        <p:spPr bwMode="auto">
+          <a:xfrm>
+            <a:off x="8994530" y="8715083"/>
+            <a:ext cx="1254614" cy="464208"/>
+          </a:xfrm>
+          <a:prstGeom prst="rect">
+            <a:avLst/>
+          </a:prstGeom>
+          <a:noFill/>
+          <a:extLst>
+            <a:ext uri="{909E8E84-426E-40DD-AFC4-6F175D3DCCD1}">
+              <a14:hiddenFill xmlns:a14="http://schemas.microsoft.com/office/drawing/2010/main">
+                <a:solidFill>
+                  <a:srgbClr val="FFFFFF"/>
+                </a:solidFill>
+              </a14:hiddenFill>
+            </a:ext>
+          </a:extLst>
+        </p:spPr>
+      </p:pic>
+      <p:pic>
+        <p:nvPicPr>
+          <p:cNvPr id="53" name="Picture 2" descr="http://miamitom.net/content/wp-content/uploads/2015/04/aws-logo-large_white-300x111.png"/>
+          <p:cNvPicPr>
+            <a:picLocks noChangeAspect="1" noChangeArrowheads="1"/>
+          </p:cNvPicPr>
+          <p:nvPr/>
+        </p:nvPicPr>
+        <p:blipFill>
+          <a:blip r:embed="rId4">
+            <a:extLst>
+              <a:ext uri="{28A0092B-C50C-407E-A947-70E740481C1C}">
+                <a14:useLocalDpi xmlns:a14="http://schemas.microsoft.com/office/drawing/2010/main" val="0"/>
+              </a:ext>
+            </a:extLst>
+          </a:blip>
+          <a:srcRect/>
+          <a:stretch>
+            <a:fillRect/>
+          </a:stretch>
+        </p:blipFill>
+        <p:spPr bwMode="auto">
+          <a:xfrm>
+            <a:off x="12760568" y="8770768"/>
+            <a:ext cx="1254614" cy="464208"/>
+          </a:xfrm>
+          <a:prstGeom prst="rect">
+            <a:avLst/>
+          </a:prstGeom>
+          <a:noFill/>
+          <a:extLst>
+            <a:ext uri="{909E8E84-426E-40DD-AFC4-6F175D3DCCD1}">
+              <a14:hiddenFill xmlns:a14="http://schemas.microsoft.com/office/drawing/2010/main">
+                <a:solidFill>
+                  <a:srgbClr val="FFFFFF"/>
+                </a:solidFill>
+              </a14:hiddenFill>
+            </a:ext>
+          </a:extLst>
+        </p:spPr>
+      </p:pic>
     </p:spTree>
     <p:extLst>
       <p:ext uri="{BB962C8B-B14F-4D97-AF65-F5344CB8AC3E}">
@@ -12777,7 +13748,7 @@
         </p:blipFill>
         <p:spPr>
           <a:xfrm>
-            <a:off x="7116130" y="3991447"/>
+            <a:off x="7766761" y="5187200"/>
             <a:ext cx="1655807" cy="705924"/>
           </a:xfrm>
           <a:prstGeom prst="rect">
@@ -12793,7 +13764,7 @@
         </p:nvSpPr>
         <p:spPr>
           <a:xfrm>
-            <a:off x="8048943" y="2434288"/>
+            <a:off x="8699574" y="3630041"/>
             <a:ext cx="1441656" cy="1514439"/>
           </a:xfrm>
           <a:prstGeom prst="rect">
@@ -12849,7 +13820,7 @@
         </p:nvGrpSpPr>
         <p:grpSpPr>
           <a:xfrm>
-            <a:off x="9778364" y="2858251"/>
+            <a:off x="10428995" y="4054004"/>
             <a:ext cx="1381738" cy="673166"/>
             <a:chOff x="2334271" y="318043"/>
             <a:chExt cx="1457473" cy="673166"/>
@@ -12948,7 +13919,7 @@
         </p:blipFill>
         <p:spPr>
           <a:xfrm>
-            <a:off x="11297689" y="2663185"/>
+            <a:off x="11948320" y="3858938"/>
             <a:ext cx="2294064" cy="1436808"/>
           </a:xfrm>
           <a:prstGeom prst="rect">
@@ -13226,7 +14197,7 @@
         </p:blipFill>
         <p:spPr bwMode="auto">
           <a:xfrm>
-            <a:off x="8860103" y="4034233"/>
+            <a:off x="9510734" y="5229986"/>
             <a:ext cx="1466377" cy="553964"/>
           </a:xfrm>
           <a:prstGeom prst="rect">
@@ -13497,6 +14468,643 @@
           </a:p>
         </p:txBody>
       </p:sp>
+      <p:grpSp>
+        <p:nvGrpSpPr>
+          <p:cNvPr id="23" name="Group 22"/>
+          <p:cNvGrpSpPr/>
+          <p:nvPr/>
+        </p:nvGrpSpPr>
+        <p:grpSpPr>
+          <a:xfrm>
+            <a:off x="272589" y="874464"/>
+            <a:ext cx="1496257" cy="679282"/>
+            <a:chOff x="6448425" y="3933827"/>
+            <a:chExt cx="2628900" cy="1409700"/>
+          </a:xfrm>
+        </p:grpSpPr>
+        <p:sp>
+          <p:nvSpPr>
+            <p:cNvPr id="24" name="Rounded Rectangle 23"/>
+            <p:cNvSpPr/>
+            <p:nvPr/>
+          </p:nvSpPr>
+          <p:spPr>
+            <a:xfrm>
+              <a:off x="6448425" y="3933827"/>
+              <a:ext cx="2628900" cy="1409700"/>
+            </a:xfrm>
+            <a:prstGeom prst="roundRect">
+              <a:avLst/>
+            </a:prstGeom>
+            <a:solidFill>
+              <a:schemeClr val="accent6">
+                <a:lumMod val="75000"/>
+              </a:schemeClr>
+            </a:solidFill>
+            <a:ln w="76200">
+              <a:solidFill>
+                <a:schemeClr val="accent6">
+                  <a:lumMod val="50000"/>
+                </a:schemeClr>
+              </a:solidFill>
+            </a:ln>
+          </p:spPr>
+          <p:style>
+            <a:lnRef idx="2">
+              <a:schemeClr val="accent1">
+                <a:shade val="50000"/>
+              </a:schemeClr>
+            </a:lnRef>
+            <a:fillRef idx="1">
+              <a:schemeClr val="accent1"/>
+            </a:fillRef>
+            <a:effectRef idx="0">
+              <a:schemeClr val="accent1"/>
+            </a:effectRef>
+            <a:fontRef idx="minor">
+              <a:schemeClr val="lt1"/>
+            </a:fontRef>
+          </p:style>
+          <p:txBody>
+            <a:bodyPr rtlCol="0" anchor="ctr"/>
+            <a:lstStyle/>
+            <a:p>
+              <a:pPr algn="ctr"/>
+              <a:endParaRPr lang="de-DE"/>
+            </a:p>
+          </p:txBody>
+        </p:sp>
+        <p:sp>
+          <p:nvSpPr>
+            <p:cNvPr id="25" name="TextBox 24"/>
+            <p:cNvSpPr txBox="1"/>
+            <p:nvPr/>
+          </p:nvSpPr>
+          <p:spPr>
+            <a:xfrm>
+              <a:off x="6513804" y="4239101"/>
+              <a:ext cx="2501164" cy="830340"/>
+            </a:xfrm>
+            <a:prstGeom prst="rect">
+              <a:avLst/>
+            </a:prstGeom>
+            <a:noFill/>
+            <a:ln w="76200">
+              <a:noFill/>
+            </a:ln>
+          </p:spPr>
+          <p:txBody>
+            <a:bodyPr wrap="square" rtlCol="0">
+              <a:spAutoFit/>
+            </a:bodyPr>
+            <a:lstStyle/>
+            <a:p>
+              <a:pPr algn="ctr"/>
+              <a:r>
+                <a:rPr lang="en-US" sz="2000" b="1" dirty="0" smtClean="0">
+                  <a:solidFill>
+                    <a:schemeClr val="bg1"/>
+                  </a:solidFill>
+                </a:rPr>
+                <a:t>App</a:t>
+              </a:r>
+              <a:endParaRPr lang="de-DE" sz="2400" b="1" dirty="0">
+                <a:solidFill>
+                  <a:schemeClr val="bg1"/>
+                </a:solidFill>
+              </a:endParaRPr>
+            </a:p>
+          </p:txBody>
+        </p:sp>
+      </p:grpSp>
+      <p:cxnSp>
+        <p:nvCxnSpPr>
+          <p:cNvPr id="26" name="Straight Arrow Connector 25"/>
+          <p:cNvCxnSpPr/>
+          <p:nvPr/>
+        </p:nvCxnSpPr>
+        <p:spPr>
+          <a:xfrm flipV="1">
+            <a:off x="5497812" y="1208865"/>
+            <a:ext cx="1601313" cy="10481"/>
+          </a:xfrm>
+          <a:prstGeom prst="straightConnector1">
+            <a:avLst/>
+          </a:prstGeom>
+          <a:ln w="142875">
+            <a:solidFill>
+              <a:schemeClr val="bg2">
+                <a:lumMod val="90000"/>
+              </a:schemeClr>
+            </a:solidFill>
+            <a:tailEnd type="triangle"/>
+          </a:ln>
+        </p:spPr>
+        <p:style>
+          <a:lnRef idx="1">
+            <a:schemeClr val="accent1"/>
+          </a:lnRef>
+          <a:fillRef idx="0">
+            <a:schemeClr val="accent1"/>
+          </a:fillRef>
+          <a:effectRef idx="0">
+            <a:schemeClr val="accent1"/>
+          </a:effectRef>
+          <a:fontRef idx="minor">
+            <a:schemeClr val="tx1"/>
+          </a:fontRef>
+        </p:style>
+      </p:cxnSp>
+      <p:sp>
+        <p:nvSpPr>
+          <p:cNvPr id="27" name="Rounded Rectangle 25"/>
+          <p:cNvSpPr/>
+          <p:nvPr/>
+        </p:nvSpPr>
+        <p:spPr>
+          <a:xfrm>
+            <a:off x="3706826" y="408914"/>
+            <a:ext cx="1610387" cy="1610382"/>
+          </a:xfrm>
+          <a:prstGeom prst="ellipse">
+            <a:avLst/>
+          </a:prstGeom>
+          <a:solidFill>
+            <a:schemeClr val="accent1">
+              <a:lumMod val="75000"/>
+            </a:schemeClr>
+          </a:solidFill>
+          <a:ln w="76200">
+            <a:solidFill>
+              <a:schemeClr val="accent1">
+                <a:lumMod val="50000"/>
+              </a:schemeClr>
+            </a:solidFill>
+          </a:ln>
+        </p:spPr>
+        <p:style>
+          <a:lnRef idx="2">
+            <a:schemeClr val="accent1">
+              <a:shade val="50000"/>
+            </a:schemeClr>
+          </a:lnRef>
+          <a:fillRef idx="1">
+            <a:schemeClr val="accent1"/>
+          </a:fillRef>
+          <a:effectRef idx="0">
+            <a:schemeClr val="accent1"/>
+          </a:effectRef>
+          <a:fontRef idx="minor">
+            <a:schemeClr val="lt1"/>
+          </a:fontRef>
+        </p:style>
+        <p:txBody>
+          <a:bodyPr rtlCol="0" anchor="ctr"/>
+          <a:lstStyle/>
+          <a:p>
+            <a:pPr algn="ctr"/>
+            <a:endParaRPr lang="en-US" sz="2000" b="1" dirty="0" smtClean="0"/>
+          </a:p>
+          <a:p>
+            <a:pPr algn="ctr"/>
+            <a:endParaRPr lang="en-US" sz="2000" b="1" dirty="0"/>
+          </a:p>
+          <a:p>
+            <a:pPr algn="ctr"/>
+            <a:r>
+              <a:rPr lang="en-US" sz="2000" b="1" dirty="0" smtClean="0"/>
+              <a:t>AMI</a:t>
+            </a:r>
+            <a:endParaRPr lang="de-DE" sz="2000" b="1" dirty="0"/>
+          </a:p>
+        </p:txBody>
+      </p:sp>
+      <p:grpSp>
+        <p:nvGrpSpPr>
+          <p:cNvPr id="28" name="Group 27"/>
+          <p:cNvGrpSpPr/>
+          <p:nvPr/>
+        </p:nvGrpSpPr>
+        <p:grpSpPr>
+          <a:xfrm>
+            <a:off x="7261277" y="304486"/>
+            <a:ext cx="1746456" cy="1819239"/>
+            <a:chOff x="12360816" y="8217563"/>
+            <a:chExt cx="1746456" cy="1819239"/>
+          </a:xfrm>
+        </p:grpSpPr>
+        <p:sp>
+          <p:nvSpPr>
+            <p:cNvPr id="29" name="Rounded Rectangle 75"/>
+            <p:cNvSpPr/>
+            <p:nvPr/>
+          </p:nvSpPr>
+          <p:spPr>
+            <a:xfrm>
+              <a:off x="12360816" y="8217563"/>
+              <a:ext cx="1441656" cy="1514439"/>
+            </a:xfrm>
+            <a:prstGeom prst="rect">
+              <a:avLst/>
+            </a:prstGeom>
+            <a:solidFill>
+              <a:schemeClr val="bg2">
+                <a:lumMod val="90000"/>
+              </a:schemeClr>
+            </a:solidFill>
+            <a:ln w="76200">
+              <a:solidFill>
+                <a:schemeClr val="bg2">
+                  <a:lumMod val="75000"/>
+                </a:schemeClr>
+              </a:solidFill>
+            </a:ln>
+          </p:spPr>
+          <p:style>
+            <a:lnRef idx="2">
+              <a:schemeClr val="accent1">
+                <a:shade val="50000"/>
+              </a:schemeClr>
+            </a:lnRef>
+            <a:fillRef idx="1">
+              <a:schemeClr val="accent1"/>
+            </a:fillRef>
+            <a:effectRef idx="0">
+              <a:schemeClr val="accent1"/>
+            </a:effectRef>
+            <a:fontRef idx="minor">
+              <a:schemeClr val="lt1"/>
+            </a:fontRef>
+          </p:style>
+          <p:txBody>
+            <a:bodyPr rtlCol="0" anchor="ctr"/>
+            <a:lstStyle/>
+            <a:p>
+              <a:pPr algn="ctr"/>
+              <a:r>
+                <a:rPr lang="en-US" sz="2000" b="1" dirty="0"/>
+                <a:t>Instance</a:t>
+              </a:r>
+              <a:endParaRPr lang="de-DE" sz="2000" b="1" dirty="0"/>
+            </a:p>
+          </p:txBody>
+        </p:sp>
+        <p:sp>
+          <p:nvSpPr>
+            <p:cNvPr id="30" name="Rounded Rectangle 75"/>
+            <p:cNvSpPr/>
+            <p:nvPr/>
+          </p:nvSpPr>
+          <p:spPr>
+            <a:xfrm>
+              <a:off x="12513216" y="8369963"/>
+              <a:ext cx="1441656" cy="1514439"/>
+            </a:xfrm>
+            <a:prstGeom prst="rect">
+              <a:avLst/>
+            </a:prstGeom>
+            <a:solidFill>
+              <a:schemeClr val="bg2">
+                <a:lumMod val="90000"/>
+              </a:schemeClr>
+            </a:solidFill>
+            <a:ln w="76200">
+              <a:solidFill>
+                <a:schemeClr val="bg2">
+                  <a:lumMod val="75000"/>
+                </a:schemeClr>
+              </a:solidFill>
+            </a:ln>
+          </p:spPr>
+          <p:style>
+            <a:lnRef idx="2">
+              <a:schemeClr val="accent1">
+                <a:shade val="50000"/>
+              </a:schemeClr>
+            </a:lnRef>
+            <a:fillRef idx="1">
+              <a:schemeClr val="accent1"/>
+            </a:fillRef>
+            <a:effectRef idx="0">
+              <a:schemeClr val="accent1"/>
+            </a:effectRef>
+            <a:fontRef idx="minor">
+              <a:schemeClr val="lt1"/>
+            </a:fontRef>
+          </p:style>
+          <p:txBody>
+            <a:bodyPr rtlCol="0" anchor="ctr"/>
+            <a:lstStyle/>
+            <a:p>
+              <a:pPr algn="ctr"/>
+              <a:r>
+                <a:rPr lang="en-US" sz="2000" b="1" dirty="0"/>
+                <a:t>Instance</a:t>
+              </a:r>
+              <a:endParaRPr lang="de-DE" sz="2000" b="1" dirty="0"/>
+            </a:p>
+          </p:txBody>
+        </p:sp>
+        <p:sp>
+          <p:nvSpPr>
+            <p:cNvPr id="31" name="Rounded Rectangle 75"/>
+            <p:cNvSpPr/>
+            <p:nvPr/>
+          </p:nvSpPr>
+          <p:spPr>
+            <a:xfrm>
+              <a:off x="12665616" y="8522363"/>
+              <a:ext cx="1441656" cy="1514439"/>
+            </a:xfrm>
+            <a:prstGeom prst="rect">
+              <a:avLst/>
+            </a:prstGeom>
+            <a:solidFill>
+              <a:schemeClr val="bg2">
+                <a:lumMod val="90000"/>
+              </a:schemeClr>
+            </a:solidFill>
+            <a:ln w="76200">
+              <a:solidFill>
+                <a:schemeClr val="bg2">
+                  <a:lumMod val="75000"/>
+                </a:schemeClr>
+              </a:solidFill>
+            </a:ln>
+          </p:spPr>
+          <p:style>
+            <a:lnRef idx="2">
+              <a:schemeClr val="accent1">
+                <a:shade val="50000"/>
+              </a:schemeClr>
+            </a:lnRef>
+            <a:fillRef idx="1">
+              <a:schemeClr val="accent1"/>
+            </a:fillRef>
+            <a:effectRef idx="0">
+              <a:schemeClr val="accent1"/>
+            </a:effectRef>
+            <a:fontRef idx="minor">
+              <a:schemeClr val="lt1"/>
+            </a:fontRef>
+          </p:style>
+          <p:txBody>
+            <a:bodyPr rtlCol="0" anchor="ctr"/>
+            <a:lstStyle/>
+            <a:p>
+              <a:pPr algn="ctr"/>
+              <a:endParaRPr lang="en-US" sz="2000" b="1" dirty="0" smtClean="0"/>
+            </a:p>
+            <a:p>
+              <a:pPr algn="ctr"/>
+              <a:r>
+                <a:rPr lang="en-US" sz="2000" b="1" dirty="0" smtClean="0"/>
+                <a:t>Instance</a:t>
+              </a:r>
+              <a:endParaRPr lang="de-DE" sz="2000" b="1" dirty="0"/>
+            </a:p>
+          </p:txBody>
+        </p:sp>
+      </p:grpSp>
+      <p:sp>
+        <p:nvSpPr>
+          <p:cNvPr id="32" name="TextBox 31"/>
+          <p:cNvSpPr txBox="1"/>
+          <p:nvPr/>
+        </p:nvSpPr>
+        <p:spPr>
+          <a:xfrm>
+            <a:off x="2120479" y="1297045"/>
+            <a:ext cx="1335331" cy="523220"/>
+          </a:xfrm>
+          <a:prstGeom prst="rect">
+            <a:avLst/>
+          </a:prstGeom>
+          <a:noFill/>
+        </p:spPr>
+        <p:txBody>
+          <a:bodyPr wrap="square" rtlCol="0">
+            <a:spAutoFit/>
+          </a:bodyPr>
+          <a:lstStyle/>
+          <a:p>
+            <a:pPr algn="ctr"/>
+            <a:r>
+              <a:rPr lang="en-US" sz="2800" b="1" dirty="0" smtClean="0"/>
+              <a:t>convert</a:t>
+            </a:r>
+            <a:endParaRPr lang="de-DE" sz="2800" b="1" dirty="0"/>
+          </a:p>
+        </p:txBody>
+      </p:sp>
+      <p:sp>
+        <p:nvSpPr>
+          <p:cNvPr id="33" name="TextBox 32"/>
+          <p:cNvSpPr txBox="1"/>
+          <p:nvPr/>
+        </p:nvSpPr>
+        <p:spPr>
+          <a:xfrm>
+            <a:off x="5292972" y="241969"/>
+            <a:ext cx="1749669" cy="954107"/>
+          </a:xfrm>
+          <a:prstGeom prst="rect">
+            <a:avLst/>
+          </a:prstGeom>
+          <a:noFill/>
+        </p:spPr>
+        <p:txBody>
+          <a:bodyPr wrap="square" rtlCol="0">
+            <a:spAutoFit/>
+          </a:bodyPr>
+          <a:lstStyle/>
+          <a:p>
+            <a:pPr algn="ctr"/>
+            <a:r>
+              <a:rPr lang="en-US" sz="2800" b="1" dirty="0" smtClean="0">
+                <a:solidFill>
+                  <a:schemeClr val="bg2">
+                    <a:lumMod val="75000"/>
+                  </a:schemeClr>
+                </a:solidFill>
+              </a:rPr>
+              <a:t>other</a:t>
+            </a:r>
+          </a:p>
+          <a:p>
+            <a:pPr algn="ctr"/>
+            <a:r>
+              <a:rPr lang="en-US" sz="2800" b="1" dirty="0" smtClean="0">
+                <a:solidFill>
+                  <a:schemeClr val="bg2">
+                    <a:lumMod val="75000"/>
+                  </a:schemeClr>
+                </a:solidFill>
+              </a:rPr>
+              <a:t>tools</a:t>
+            </a:r>
+            <a:endParaRPr lang="de-DE" sz="2800" b="1" dirty="0">
+              <a:solidFill>
+                <a:schemeClr val="bg2">
+                  <a:lumMod val="75000"/>
+                </a:schemeClr>
+              </a:solidFill>
+            </a:endParaRPr>
+          </a:p>
+        </p:txBody>
+      </p:sp>
+      <p:cxnSp>
+        <p:nvCxnSpPr>
+          <p:cNvPr id="34" name="Straight Arrow Connector 33"/>
+          <p:cNvCxnSpPr/>
+          <p:nvPr/>
+        </p:nvCxnSpPr>
+        <p:spPr>
+          <a:xfrm flipV="1">
+            <a:off x="1948649" y="1208865"/>
+            <a:ext cx="1601313" cy="10481"/>
+          </a:xfrm>
+          <a:prstGeom prst="straightConnector1">
+            <a:avLst/>
+          </a:prstGeom>
+          <a:ln w="142875">
+            <a:solidFill>
+              <a:schemeClr val="tx1">
+                <a:lumMod val="50000"/>
+                <a:lumOff val="50000"/>
+              </a:schemeClr>
+            </a:solidFill>
+            <a:tailEnd type="triangle"/>
+          </a:ln>
+        </p:spPr>
+        <p:style>
+          <a:lnRef idx="1">
+            <a:schemeClr val="accent1"/>
+          </a:lnRef>
+          <a:fillRef idx="0">
+            <a:schemeClr val="accent1"/>
+          </a:fillRef>
+          <a:effectRef idx="0">
+            <a:schemeClr val="accent1"/>
+          </a:effectRef>
+          <a:fontRef idx="minor">
+            <a:schemeClr val="tx1"/>
+          </a:fontRef>
+        </p:style>
+      </p:cxnSp>
+      <p:pic>
+        <p:nvPicPr>
+          <p:cNvPr id="35" name="Picture 2" descr="http://miamitom.net/content/wp-content/uploads/2015/04/aws-logo-large_white-300x111.png"/>
+          <p:cNvPicPr>
+            <a:picLocks noChangeAspect="1" noChangeArrowheads="1"/>
+          </p:cNvPicPr>
+          <p:nvPr/>
+        </p:nvPicPr>
+        <p:blipFill>
+          <a:blip r:embed="rId6">
+            <a:extLst>
+              <a:ext uri="{28A0092B-C50C-407E-A947-70E740481C1C}">
+                <a14:useLocalDpi xmlns:a14="http://schemas.microsoft.com/office/drawing/2010/main" val="0"/>
+              </a:ext>
+            </a:extLst>
+          </a:blip>
+          <a:srcRect/>
+          <a:stretch>
+            <a:fillRect/>
+          </a:stretch>
+        </p:blipFill>
+        <p:spPr bwMode="auto">
+          <a:xfrm>
+            <a:off x="3894991" y="802006"/>
+            <a:ext cx="1254614" cy="464208"/>
+          </a:xfrm>
+          <a:prstGeom prst="rect">
+            <a:avLst/>
+          </a:prstGeom>
+          <a:noFill/>
+          <a:extLst>
+            <a:ext uri="{909E8E84-426E-40DD-AFC4-6F175D3DCCD1}">
+              <a14:hiddenFill xmlns:a14="http://schemas.microsoft.com/office/drawing/2010/main">
+                <a:solidFill>
+                  <a:srgbClr val="FFFFFF"/>
+                </a:solidFill>
+              </a14:hiddenFill>
+            </a:ext>
+          </a:extLst>
+        </p:spPr>
+      </p:pic>
+      <p:pic>
+        <p:nvPicPr>
+          <p:cNvPr id="36" name="Picture 2" descr="http://miamitom.net/content/wp-content/uploads/2015/04/aws-logo-large_white-300x111.png"/>
+          <p:cNvPicPr>
+            <a:picLocks noChangeAspect="1" noChangeArrowheads="1"/>
+          </p:cNvPicPr>
+          <p:nvPr/>
+        </p:nvPicPr>
+        <p:blipFill>
+          <a:blip r:embed="rId6">
+            <a:biLevel thresh="50000"/>
+            <a:extLst>
+              <a:ext uri="{28A0092B-C50C-407E-A947-70E740481C1C}">
+                <a14:useLocalDpi xmlns:a14="http://schemas.microsoft.com/office/drawing/2010/main" val="0"/>
+              </a:ext>
+            </a:extLst>
+          </a:blip>
+          <a:srcRect/>
+          <a:stretch>
+            <a:fillRect/>
+          </a:stretch>
+        </p:blipFill>
+        <p:spPr bwMode="auto">
+          <a:xfrm>
+            <a:off x="7661029" y="857691"/>
+            <a:ext cx="1254614" cy="464208"/>
+          </a:xfrm>
+          <a:prstGeom prst="rect">
+            <a:avLst/>
+          </a:prstGeom>
+          <a:noFill/>
+          <a:extLst>
+            <a:ext uri="{909E8E84-426E-40DD-AFC4-6F175D3DCCD1}">
+              <a14:hiddenFill xmlns:a14="http://schemas.microsoft.com/office/drawing/2010/main">
+                <a:solidFill>
+                  <a:srgbClr val="FFFFFF"/>
+                </a:solidFill>
+              </a14:hiddenFill>
+            </a:ext>
+          </a:extLst>
+        </p:spPr>
+      </p:pic>
+      <p:pic>
+        <p:nvPicPr>
+          <p:cNvPr id="37" name="Picture 36"/>
+          <p:cNvPicPr>
+            <a:picLocks noChangeAspect="1"/>
+          </p:cNvPicPr>
+          <p:nvPr/>
+        </p:nvPicPr>
+        <p:blipFill>
+          <a:blip r:embed="rId7" cstate="print">
+            <a:extLst>
+              <a:ext uri="{28A0092B-C50C-407E-A947-70E740481C1C}">
+                <a14:useLocalDpi xmlns:a14="http://schemas.microsoft.com/office/drawing/2010/main" val="0"/>
+              </a:ext>
+            </a:extLst>
+          </a:blip>
+          <a:stretch>
+            <a:fillRect/>
+          </a:stretch>
+        </p:blipFill>
+        <p:spPr>
+          <a:xfrm>
+            <a:off x="1960684" y="547457"/>
+            <a:ext cx="1584702" cy="490036"/>
+          </a:xfrm>
+          <a:prstGeom prst="rect">
+            <a:avLst/>
+          </a:prstGeom>
+        </p:spPr>
+      </p:pic>
     </p:spTree>
     <p:extLst>
       <p:ext uri="{BB962C8B-B14F-4D97-AF65-F5344CB8AC3E}">

--- a/_sources/GettingStarted.pptx
+++ b/_sources/GettingStarted.pptx
@@ -9,29 +9,30 @@
     <p:sldId id="258" r:id="rId3"/>
     <p:sldId id="257" r:id="rId4"/>
     <p:sldId id="275" r:id="rId5"/>
-    <p:sldId id="259" r:id="rId6"/>
-    <p:sldId id="260" r:id="rId7"/>
-    <p:sldId id="261" r:id="rId8"/>
-    <p:sldId id="269" r:id="rId9"/>
-    <p:sldId id="262" r:id="rId10"/>
-    <p:sldId id="263" r:id="rId11"/>
-    <p:sldId id="264" r:id="rId12"/>
-    <p:sldId id="282" r:id="rId13"/>
-    <p:sldId id="273" r:id="rId14"/>
-    <p:sldId id="265" r:id="rId15"/>
-    <p:sldId id="266" r:id="rId16"/>
-    <p:sldId id="267" r:id="rId17"/>
-    <p:sldId id="268" r:id="rId18"/>
-    <p:sldId id="270" r:id="rId19"/>
-    <p:sldId id="272" r:id="rId20"/>
-    <p:sldId id="271" r:id="rId21"/>
-    <p:sldId id="274" r:id="rId22"/>
-    <p:sldId id="276" r:id="rId23"/>
-    <p:sldId id="277" r:id="rId24"/>
-    <p:sldId id="278" r:id="rId25"/>
-    <p:sldId id="279" r:id="rId26"/>
-    <p:sldId id="280" r:id="rId27"/>
-    <p:sldId id="281" r:id="rId28"/>
+    <p:sldId id="283" r:id="rId6"/>
+    <p:sldId id="259" r:id="rId7"/>
+    <p:sldId id="260" r:id="rId8"/>
+    <p:sldId id="261" r:id="rId9"/>
+    <p:sldId id="269" r:id="rId10"/>
+    <p:sldId id="262" r:id="rId11"/>
+    <p:sldId id="263" r:id="rId12"/>
+    <p:sldId id="264" r:id="rId13"/>
+    <p:sldId id="282" r:id="rId14"/>
+    <p:sldId id="273" r:id="rId15"/>
+    <p:sldId id="265" r:id="rId16"/>
+    <p:sldId id="266" r:id="rId17"/>
+    <p:sldId id="267" r:id="rId18"/>
+    <p:sldId id="268" r:id="rId19"/>
+    <p:sldId id="270" r:id="rId20"/>
+    <p:sldId id="272" r:id="rId21"/>
+    <p:sldId id="271" r:id="rId22"/>
+    <p:sldId id="274" r:id="rId23"/>
+    <p:sldId id="276" r:id="rId24"/>
+    <p:sldId id="277" r:id="rId25"/>
+    <p:sldId id="278" r:id="rId26"/>
+    <p:sldId id="279" r:id="rId27"/>
+    <p:sldId id="280" r:id="rId28"/>
+    <p:sldId id="281" r:id="rId29"/>
   </p:sldIdLst>
   <p:sldSz cx="19199225" cy="10799763"/>
   <p:notesSz cx="6858000" cy="9144000"/>
@@ -1259,381 +1260,6 @@
       <dsp:cNvGrpSpPr/>
     </dsp:nvGrpSpPr>
     <dsp:grpSpPr/>
-    <dsp:sp modelId="{6D72C3A5-1474-40AD-9A10-2534C79C4517}">
-      <dsp:nvSpPr>
-        <dsp:cNvPr id="0" name=""/>
-        <dsp:cNvSpPr/>
-      </dsp:nvSpPr>
-      <dsp:spPr>
-        <a:xfrm>
-          <a:off x="2112" y="562235"/>
-          <a:ext cx="1880185" cy="752074"/>
-        </a:xfrm>
-        <a:prstGeom prst="chevron">
-          <a:avLst/>
-        </a:prstGeom>
-        <a:solidFill>
-          <a:schemeClr val="tx2">
-            <a:lumMod val="75000"/>
-          </a:schemeClr>
-        </a:solidFill>
-        <a:ln w="12700" cap="flat" cmpd="sng" algn="ctr">
-          <a:solidFill>
-            <a:schemeClr val="lt1">
-              <a:hueOff val="0"/>
-              <a:satOff val="0"/>
-              <a:lumOff val="0"/>
-              <a:alphaOff val="0"/>
-            </a:schemeClr>
-          </a:solidFill>
-          <a:prstDash val="solid"/>
-          <a:miter lim="800000"/>
-        </a:ln>
-        <a:effectLst/>
-      </dsp:spPr>
-      <dsp:style>
-        <a:lnRef idx="2">
-          <a:scrgbClr r="0" g="0" b="0"/>
-        </a:lnRef>
-        <a:fillRef idx="1">
-          <a:scrgbClr r="0" g="0" b="0"/>
-        </a:fillRef>
-        <a:effectRef idx="0">
-          <a:scrgbClr r="0" g="0" b="0"/>
-        </a:effectRef>
-        <a:fontRef idx="minor">
-          <a:schemeClr val="lt1"/>
-        </a:fontRef>
-      </dsp:style>
-      <dsp:txBody>
-        <a:bodyPr spcFirstLastPara="0" vert="horz" wrap="square" lIns="56007" tIns="18669" rIns="18669" bIns="18669" numCol="1" spcCol="1270" anchor="ctr" anchorCtr="0">
-          <a:noAutofit/>
-        </a:bodyPr>
-        <a:lstStyle/>
-        <a:p>
-          <a:pPr lvl="0" algn="ctr" defTabSz="622300">
-            <a:lnSpc>
-              <a:spcPct val="90000"/>
-            </a:lnSpc>
-            <a:spcBef>
-              <a:spcPct val="0"/>
-            </a:spcBef>
-            <a:spcAft>
-              <a:spcPct val="35000"/>
-            </a:spcAft>
-          </a:pPr>
-          <a:r>
-            <a:rPr lang="en-US" sz="1400" b="1" kern="1200" dirty="0" smtClean="0"/>
-            <a:t>package</a:t>
-          </a:r>
-          <a:endParaRPr lang="de-DE" sz="1400" b="1" kern="1200" dirty="0"/>
-        </a:p>
-      </dsp:txBody>
-      <dsp:txXfrm>
-        <a:off x="378149" y="562235"/>
-        <a:ext cx="1128111" cy="752074"/>
-      </dsp:txXfrm>
-    </dsp:sp>
-    <dsp:sp modelId="{086EE9E9-692A-4D05-A349-CBDF03FDA677}">
-      <dsp:nvSpPr>
-        <dsp:cNvPr id="0" name=""/>
-        <dsp:cNvSpPr/>
-      </dsp:nvSpPr>
-      <dsp:spPr>
-        <a:xfrm>
-          <a:off x="1694279" y="562235"/>
-          <a:ext cx="1880185" cy="752074"/>
-        </a:xfrm>
-        <a:prstGeom prst="chevron">
-          <a:avLst/>
-        </a:prstGeom>
-        <a:solidFill>
-          <a:schemeClr val="tx2">
-            <a:lumMod val="75000"/>
-          </a:schemeClr>
-        </a:solidFill>
-        <a:ln w="12700" cap="flat" cmpd="sng" algn="ctr">
-          <a:solidFill>
-            <a:schemeClr val="lt1">
-              <a:hueOff val="0"/>
-              <a:satOff val="0"/>
-              <a:lumOff val="0"/>
-              <a:alphaOff val="0"/>
-            </a:schemeClr>
-          </a:solidFill>
-          <a:prstDash val="solid"/>
-          <a:miter lim="800000"/>
-        </a:ln>
-        <a:effectLst/>
-      </dsp:spPr>
-      <dsp:style>
-        <a:lnRef idx="2">
-          <a:scrgbClr r="0" g="0" b="0"/>
-        </a:lnRef>
-        <a:fillRef idx="1">
-          <a:scrgbClr r="0" g="0" b="0"/>
-        </a:fillRef>
-        <a:effectRef idx="0">
-          <a:scrgbClr r="0" g="0" b="0"/>
-        </a:effectRef>
-        <a:fontRef idx="minor">
-          <a:schemeClr val="lt1"/>
-        </a:fontRef>
-      </dsp:style>
-      <dsp:txBody>
-        <a:bodyPr spcFirstLastPara="0" vert="horz" wrap="square" lIns="56007" tIns="18669" rIns="18669" bIns="18669" numCol="1" spcCol="1270" anchor="ctr" anchorCtr="0">
-          <a:noAutofit/>
-        </a:bodyPr>
-        <a:lstStyle/>
-        <a:p>
-          <a:pPr lvl="0" algn="ctr" defTabSz="622300">
-            <a:lnSpc>
-              <a:spcPct val="90000"/>
-            </a:lnSpc>
-            <a:spcBef>
-              <a:spcPct val="0"/>
-            </a:spcBef>
-            <a:spcAft>
-              <a:spcPct val="35000"/>
-            </a:spcAft>
-          </a:pPr>
-          <a:r>
-            <a:rPr lang="en-US" sz="1400" b="1" kern="1200" dirty="0" smtClean="0"/>
-            <a:t>pre-integration-test</a:t>
-          </a:r>
-          <a:endParaRPr lang="de-DE" sz="1400" b="1" kern="1200" dirty="0"/>
-        </a:p>
-      </dsp:txBody>
-      <dsp:txXfrm>
-        <a:off x="2070316" y="562235"/>
-        <a:ext cx="1128111" cy="752074"/>
-      </dsp:txXfrm>
-    </dsp:sp>
-    <dsp:sp modelId="{17AF3B93-FA57-409F-9FAF-CA14FC2BCCDA}">
-      <dsp:nvSpPr>
-        <dsp:cNvPr id="0" name=""/>
-        <dsp:cNvSpPr/>
-      </dsp:nvSpPr>
-      <dsp:spPr>
-        <a:xfrm>
-          <a:off x="3386445" y="562235"/>
-          <a:ext cx="1880185" cy="752074"/>
-        </a:xfrm>
-        <a:prstGeom prst="chevron">
-          <a:avLst/>
-        </a:prstGeom>
-        <a:solidFill>
-          <a:schemeClr val="tx2">
-            <a:lumMod val="75000"/>
-          </a:schemeClr>
-        </a:solidFill>
-        <a:ln w="12700" cap="flat" cmpd="sng" algn="ctr">
-          <a:solidFill>
-            <a:schemeClr val="lt1">
-              <a:hueOff val="0"/>
-              <a:satOff val="0"/>
-              <a:lumOff val="0"/>
-              <a:alphaOff val="0"/>
-            </a:schemeClr>
-          </a:solidFill>
-          <a:prstDash val="solid"/>
-          <a:miter lim="800000"/>
-        </a:ln>
-        <a:effectLst/>
-      </dsp:spPr>
-      <dsp:style>
-        <a:lnRef idx="2">
-          <a:scrgbClr r="0" g="0" b="0"/>
-        </a:lnRef>
-        <a:fillRef idx="1">
-          <a:scrgbClr r="0" g="0" b="0"/>
-        </a:fillRef>
-        <a:effectRef idx="0">
-          <a:scrgbClr r="0" g="0" b="0"/>
-        </a:effectRef>
-        <a:fontRef idx="minor">
-          <a:schemeClr val="lt1"/>
-        </a:fontRef>
-      </dsp:style>
-      <dsp:txBody>
-        <a:bodyPr spcFirstLastPara="0" vert="horz" wrap="square" lIns="56007" tIns="18669" rIns="18669" bIns="18669" numCol="1" spcCol="1270" anchor="ctr" anchorCtr="0">
-          <a:noAutofit/>
-        </a:bodyPr>
-        <a:lstStyle/>
-        <a:p>
-          <a:pPr lvl="0" algn="ctr" defTabSz="622300">
-            <a:lnSpc>
-              <a:spcPct val="90000"/>
-            </a:lnSpc>
-            <a:spcBef>
-              <a:spcPct val="0"/>
-            </a:spcBef>
-            <a:spcAft>
-              <a:spcPct val="35000"/>
-            </a:spcAft>
-          </a:pPr>
-          <a:r>
-            <a:rPr lang="en-US" sz="1400" b="1" kern="1200" dirty="0" smtClean="0"/>
-            <a:t>integration-test</a:t>
-          </a:r>
-          <a:endParaRPr lang="de-DE" sz="1400" b="1" kern="1200" dirty="0"/>
-        </a:p>
-      </dsp:txBody>
-      <dsp:txXfrm>
-        <a:off x="3762482" y="562235"/>
-        <a:ext cx="1128111" cy="752074"/>
-      </dsp:txXfrm>
-    </dsp:sp>
-    <dsp:sp modelId="{DEAC2976-8EFE-4204-9FE4-0A0AE01A3B2B}">
-      <dsp:nvSpPr>
-        <dsp:cNvPr id="0" name=""/>
-        <dsp:cNvSpPr/>
-      </dsp:nvSpPr>
-      <dsp:spPr>
-        <a:xfrm>
-          <a:off x="5078612" y="562235"/>
-          <a:ext cx="1880185" cy="752074"/>
-        </a:xfrm>
-        <a:prstGeom prst="chevron">
-          <a:avLst/>
-        </a:prstGeom>
-        <a:solidFill>
-          <a:schemeClr val="tx2">
-            <a:lumMod val="75000"/>
-          </a:schemeClr>
-        </a:solidFill>
-        <a:ln w="12700" cap="flat" cmpd="sng" algn="ctr">
-          <a:solidFill>
-            <a:schemeClr val="lt1">
-              <a:hueOff val="0"/>
-              <a:satOff val="0"/>
-              <a:lumOff val="0"/>
-              <a:alphaOff val="0"/>
-            </a:schemeClr>
-          </a:solidFill>
-          <a:prstDash val="solid"/>
-          <a:miter lim="800000"/>
-        </a:ln>
-        <a:effectLst/>
-      </dsp:spPr>
-      <dsp:style>
-        <a:lnRef idx="2">
-          <a:scrgbClr r="0" g="0" b="0"/>
-        </a:lnRef>
-        <a:fillRef idx="1">
-          <a:scrgbClr r="0" g="0" b="0"/>
-        </a:fillRef>
-        <a:effectRef idx="0">
-          <a:scrgbClr r="0" g="0" b="0"/>
-        </a:effectRef>
-        <a:fontRef idx="minor">
-          <a:schemeClr val="lt1"/>
-        </a:fontRef>
-      </dsp:style>
-      <dsp:txBody>
-        <a:bodyPr spcFirstLastPara="0" vert="horz" wrap="square" lIns="56007" tIns="18669" rIns="18669" bIns="18669" numCol="1" spcCol="1270" anchor="ctr" anchorCtr="0">
-          <a:noAutofit/>
-        </a:bodyPr>
-        <a:lstStyle/>
-        <a:p>
-          <a:pPr lvl="0" algn="ctr" defTabSz="622300">
-            <a:lnSpc>
-              <a:spcPct val="90000"/>
-            </a:lnSpc>
-            <a:spcBef>
-              <a:spcPct val="0"/>
-            </a:spcBef>
-            <a:spcAft>
-              <a:spcPct val="35000"/>
-            </a:spcAft>
-          </a:pPr>
-          <a:r>
-            <a:rPr lang="en-US" sz="1400" b="1" kern="1200" dirty="0" smtClean="0"/>
-            <a:t>post-integration-test</a:t>
-          </a:r>
-          <a:endParaRPr lang="de-DE" sz="1400" b="1" kern="1200" dirty="0"/>
-        </a:p>
-      </dsp:txBody>
-      <dsp:txXfrm>
-        <a:off x="5454649" y="562235"/>
-        <a:ext cx="1128111" cy="752074"/>
-      </dsp:txXfrm>
-    </dsp:sp>
-    <dsp:sp modelId="{99F52057-642D-4027-97D5-D26EF2913281}">
-      <dsp:nvSpPr>
-        <dsp:cNvPr id="0" name=""/>
-        <dsp:cNvSpPr/>
-      </dsp:nvSpPr>
-      <dsp:spPr>
-        <a:xfrm>
-          <a:off x="6770779" y="562235"/>
-          <a:ext cx="1880185" cy="752074"/>
-        </a:xfrm>
-        <a:prstGeom prst="chevron">
-          <a:avLst/>
-        </a:prstGeom>
-        <a:solidFill>
-          <a:schemeClr val="tx2">
-            <a:lumMod val="75000"/>
-          </a:schemeClr>
-        </a:solidFill>
-        <a:ln w="12700" cap="flat" cmpd="sng" algn="ctr">
-          <a:solidFill>
-            <a:schemeClr val="lt1">
-              <a:hueOff val="0"/>
-              <a:satOff val="0"/>
-              <a:lumOff val="0"/>
-              <a:alphaOff val="0"/>
-            </a:schemeClr>
-          </a:solidFill>
-          <a:prstDash val="solid"/>
-          <a:miter lim="800000"/>
-        </a:ln>
-        <a:effectLst/>
-      </dsp:spPr>
-      <dsp:style>
-        <a:lnRef idx="2">
-          <a:scrgbClr r="0" g="0" b="0"/>
-        </a:lnRef>
-        <a:fillRef idx="1">
-          <a:scrgbClr r="0" g="0" b="0"/>
-        </a:fillRef>
-        <a:effectRef idx="0">
-          <a:scrgbClr r="0" g="0" b="0"/>
-        </a:effectRef>
-        <a:fontRef idx="minor">
-          <a:schemeClr val="lt1"/>
-        </a:fontRef>
-      </dsp:style>
-      <dsp:txBody>
-        <a:bodyPr spcFirstLastPara="0" vert="horz" wrap="square" lIns="56007" tIns="18669" rIns="18669" bIns="18669" numCol="1" spcCol="1270" anchor="ctr" anchorCtr="0">
-          <a:noAutofit/>
-        </a:bodyPr>
-        <a:lstStyle/>
-        <a:p>
-          <a:pPr lvl="0" algn="ctr" defTabSz="622300">
-            <a:lnSpc>
-              <a:spcPct val="90000"/>
-            </a:lnSpc>
-            <a:spcBef>
-              <a:spcPct val="0"/>
-            </a:spcBef>
-            <a:spcAft>
-              <a:spcPct val="35000"/>
-            </a:spcAft>
-          </a:pPr>
-          <a:r>
-            <a:rPr lang="en-US" sz="1400" b="1" kern="1200" dirty="0" smtClean="0"/>
-            <a:t>deploy</a:t>
-          </a:r>
-          <a:endParaRPr lang="de-DE" sz="1400" b="1" kern="1200" dirty="0"/>
-        </a:p>
-      </dsp:txBody>
-      <dsp:txXfrm>
-        <a:off x="7146816" y="562235"/>
-        <a:ext cx="1128111" cy="752074"/>
-      </dsp:txXfrm>
-    </dsp:sp>
   </dsp:spTree>
 </dsp:drawing>
 </file>
@@ -3086,7 +2712,7 @@
           <a:p>
             <a:fld id="{9AA7D095-A676-4F6B-9416-D65D798F5244}" type="datetimeFigureOut">
               <a:rPr lang="de-DE" smtClean="0"/>
-              <a:t>07.09.2015</a:t>
+              <a:t>28.09.2015</a:t>
             </a:fld>
             <a:endParaRPr lang="de-DE"/>
           </a:p>
@@ -3256,7 +2882,7 @@
           <a:p>
             <a:fld id="{9AA7D095-A676-4F6B-9416-D65D798F5244}" type="datetimeFigureOut">
               <a:rPr lang="de-DE" smtClean="0"/>
-              <a:t>07.09.2015</a:t>
+              <a:t>28.09.2015</a:t>
             </a:fld>
             <a:endParaRPr lang="de-DE"/>
           </a:p>
@@ -3436,7 +3062,7 @@
           <a:p>
             <a:fld id="{9AA7D095-A676-4F6B-9416-D65D798F5244}" type="datetimeFigureOut">
               <a:rPr lang="de-DE" smtClean="0"/>
-              <a:t>07.09.2015</a:t>
+              <a:t>28.09.2015</a:t>
             </a:fld>
             <a:endParaRPr lang="de-DE"/>
           </a:p>
@@ -3606,7 +3232,7 @@
           <a:p>
             <a:fld id="{9AA7D095-A676-4F6B-9416-D65D798F5244}" type="datetimeFigureOut">
               <a:rPr lang="de-DE" smtClean="0"/>
-              <a:t>07.09.2015</a:t>
+              <a:t>28.09.2015</a:t>
             </a:fld>
             <a:endParaRPr lang="de-DE"/>
           </a:p>
@@ -3852,7 +3478,7 @@
           <a:p>
             <a:fld id="{9AA7D095-A676-4F6B-9416-D65D798F5244}" type="datetimeFigureOut">
               <a:rPr lang="de-DE" smtClean="0"/>
-              <a:t>07.09.2015</a:t>
+              <a:t>28.09.2015</a:t>
             </a:fld>
             <a:endParaRPr lang="de-DE"/>
           </a:p>
@@ -4084,7 +3710,7 @@
           <a:p>
             <a:fld id="{9AA7D095-A676-4F6B-9416-D65D798F5244}" type="datetimeFigureOut">
               <a:rPr lang="de-DE" smtClean="0"/>
-              <a:t>07.09.2015</a:t>
+              <a:t>28.09.2015</a:t>
             </a:fld>
             <a:endParaRPr lang="de-DE"/>
           </a:p>
@@ -4451,7 +4077,7 @@
           <a:p>
             <a:fld id="{9AA7D095-A676-4F6B-9416-D65D798F5244}" type="datetimeFigureOut">
               <a:rPr lang="de-DE" smtClean="0"/>
-              <a:t>07.09.2015</a:t>
+              <a:t>28.09.2015</a:t>
             </a:fld>
             <a:endParaRPr lang="de-DE"/>
           </a:p>
@@ -4569,7 +4195,7 @@
           <a:p>
             <a:fld id="{9AA7D095-A676-4F6B-9416-D65D798F5244}" type="datetimeFigureOut">
               <a:rPr lang="de-DE" smtClean="0"/>
-              <a:t>07.09.2015</a:t>
+              <a:t>28.09.2015</a:t>
             </a:fld>
             <a:endParaRPr lang="de-DE"/>
           </a:p>
@@ -4664,7 +4290,7 @@
           <a:p>
             <a:fld id="{9AA7D095-A676-4F6B-9416-D65D798F5244}" type="datetimeFigureOut">
               <a:rPr lang="de-DE" smtClean="0"/>
-              <a:t>07.09.2015</a:t>
+              <a:t>28.09.2015</a:t>
             </a:fld>
             <a:endParaRPr lang="de-DE"/>
           </a:p>
@@ -4941,7 +4567,7 @@
           <a:p>
             <a:fld id="{9AA7D095-A676-4F6B-9416-D65D798F5244}" type="datetimeFigureOut">
               <a:rPr lang="de-DE" smtClean="0"/>
-              <a:t>07.09.2015</a:t>
+              <a:t>28.09.2015</a:t>
             </a:fld>
             <a:endParaRPr lang="de-DE"/>
           </a:p>
@@ -5198,7 +4824,7 @@
           <a:p>
             <a:fld id="{9AA7D095-A676-4F6B-9416-D65D798F5244}" type="datetimeFigureOut">
               <a:rPr lang="de-DE" smtClean="0"/>
-              <a:t>07.09.2015</a:t>
+              <a:t>28.09.2015</a:t>
             </a:fld>
             <a:endParaRPr lang="de-DE"/>
           </a:p>
@@ -5411,7 +5037,7 @@
           <a:p>
             <a:fld id="{9AA7D095-A676-4F6B-9416-D65D798F5244}" type="datetimeFigureOut">
               <a:rPr lang="de-DE" smtClean="0"/>
-              <a:t>07.09.2015</a:t>
+              <a:t>28.09.2015</a:t>
             </a:fld>
             <a:endParaRPr lang="de-DE"/>
           </a:p>
@@ -6040,6 +5666,364 @@
         </p:nvGrpSpPr>
         <p:grpSpPr>
           <a:xfrm>
+            <a:off x="12820515" y="6063545"/>
+            <a:ext cx="1765988" cy="1360685"/>
+            <a:chOff x="6081914" y="3933826"/>
+            <a:chExt cx="3411961" cy="1409700"/>
+          </a:xfrm>
+          <a:solidFill>
+            <a:schemeClr val="accent1">
+              <a:lumMod val="75000"/>
+            </a:schemeClr>
+          </a:solidFill>
+        </p:grpSpPr>
+        <p:sp>
+          <p:nvSpPr>
+            <p:cNvPr id="26" name="Rounded Rectangle 25"/>
+            <p:cNvSpPr/>
+            <p:nvPr/>
+          </p:nvSpPr>
+          <p:spPr>
+            <a:xfrm>
+              <a:off x="6448425" y="3933826"/>
+              <a:ext cx="2628900" cy="1409700"/>
+            </a:xfrm>
+            <a:prstGeom prst="ellipse">
+              <a:avLst/>
+            </a:prstGeom>
+            <a:grpFill/>
+            <a:ln w="114300">
+              <a:solidFill>
+                <a:schemeClr val="accent1">
+                  <a:lumMod val="50000"/>
+                </a:schemeClr>
+              </a:solidFill>
+            </a:ln>
+          </p:spPr>
+          <p:style>
+            <a:lnRef idx="2">
+              <a:schemeClr val="accent1">
+                <a:shade val="50000"/>
+              </a:schemeClr>
+            </a:lnRef>
+            <a:fillRef idx="1">
+              <a:schemeClr val="accent1"/>
+            </a:fillRef>
+            <a:effectRef idx="0">
+              <a:schemeClr val="accent1"/>
+            </a:effectRef>
+            <a:fontRef idx="minor">
+              <a:schemeClr val="lt1"/>
+            </a:fontRef>
+          </p:style>
+          <p:txBody>
+            <a:bodyPr rtlCol="0" anchor="ctr"/>
+            <a:lstStyle/>
+            <a:p>
+              <a:pPr algn="ctr"/>
+              <a:endParaRPr lang="de-DE"/>
+            </a:p>
+          </p:txBody>
+        </p:sp>
+        <p:sp>
+          <p:nvSpPr>
+            <p:cNvPr id="27" name="TextBox 26"/>
+            <p:cNvSpPr txBox="1"/>
+            <p:nvPr/>
+          </p:nvSpPr>
+          <p:spPr>
+            <a:xfrm>
+              <a:off x="6081914" y="4139724"/>
+              <a:ext cx="3411961" cy="1120955"/>
+            </a:xfrm>
+            <a:prstGeom prst="ellipse">
+              <a:avLst/>
+            </a:prstGeom>
+            <a:noFill/>
+            <a:ln>
+              <a:noFill/>
+            </a:ln>
+          </p:spPr>
+          <p:txBody>
+            <a:bodyPr wrap="square" rtlCol="0">
+              <a:spAutoFit/>
+            </a:bodyPr>
+            <a:lstStyle/>
+            <a:p>
+              <a:pPr algn="ctr"/>
+              <a:r>
+                <a:rPr lang="en-US" sz="2200" b="1" dirty="0">
+                  <a:solidFill>
+                    <a:schemeClr val="bg1"/>
+                  </a:solidFill>
+                </a:rPr>
+                <a:t>Bootable App</a:t>
+              </a:r>
+              <a:endParaRPr lang="de-DE" sz="2200" b="1" dirty="0">
+                <a:solidFill>
+                  <a:schemeClr val="bg1"/>
+                </a:solidFill>
+              </a:endParaRPr>
+            </a:p>
+          </p:txBody>
+        </p:sp>
+      </p:grpSp>
+      <p:grpSp>
+        <p:nvGrpSpPr>
+          <p:cNvPr id="18" name="Group 17"/>
+          <p:cNvGrpSpPr/>
+          <p:nvPr/>
+        </p:nvGrpSpPr>
+        <p:grpSpPr>
+          <a:xfrm>
+            <a:off x="2604452" y="1633030"/>
+            <a:ext cx="5896303" cy="5791199"/>
+            <a:chOff x="6448425" y="3933826"/>
+            <a:chExt cx="2628900" cy="1409700"/>
+          </a:xfrm>
+        </p:grpSpPr>
+        <p:sp>
+          <p:nvSpPr>
+            <p:cNvPr id="19" name="Rounded Rectangle 18"/>
+            <p:cNvSpPr/>
+            <p:nvPr/>
+          </p:nvSpPr>
+          <p:spPr>
+            <a:xfrm>
+              <a:off x="6448425" y="3933826"/>
+              <a:ext cx="2628900" cy="1409700"/>
+            </a:xfrm>
+            <a:prstGeom prst="roundRect">
+              <a:avLst/>
+            </a:prstGeom>
+            <a:solidFill>
+              <a:schemeClr val="accent1">
+                <a:lumMod val="50000"/>
+              </a:schemeClr>
+            </a:solidFill>
+            <a:ln w="114300">
+              <a:solidFill>
+                <a:schemeClr val="accent5">
+                  <a:lumMod val="50000"/>
+                </a:schemeClr>
+              </a:solidFill>
+            </a:ln>
+          </p:spPr>
+          <p:style>
+            <a:lnRef idx="2">
+              <a:schemeClr val="accent1">
+                <a:shade val="50000"/>
+              </a:schemeClr>
+            </a:lnRef>
+            <a:fillRef idx="1">
+              <a:schemeClr val="accent1"/>
+            </a:fillRef>
+            <a:effectRef idx="0">
+              <a:schemeClr val="accent1"/>
+            </a:effectRef>
+            <a:fontRef idx="minor">
+              <a:schemeClr val="lt1"/>
+            </a:fontRef>
+          </p:style>
+          <p:txBody>
+            <a:bodyPr rtlCol="0" anchor="ctr"/>
+            <a:lstStyle/>
+            <a:p>
+              <a:pPr algn="ctr"/>
+              <a:endParaRPr lang="de-DE"/>
+            </a:p>
+          </p:txBody>
+        </p:sp>
+        <p:sp>
+          <p:nvSpPr>
+            <p:cNvPr id="20" name="TextBox 19"/>
+            <p:cNvSpPr txBox="1"/>
+            <p:nvPr/>
+          </p:nvSpPr>
+          <p:spPr>
+            <a:xfrm>
+              <a:off x="6496810" y="4534818"/>
+              <a:ext cx="2524067" cy="202282"/>
+            </a:xfrm>
+            <a:prstGeom prst="rect">
+              <a:avLst/>
+            </a:prstGeom>
+            <a:noFill/>
+          </p:spPr>
+          <p:txBody>
+            <a:bodyPr wrap="square" rtlCol="0">
+              <a:spAutoFit/>
+            </a:bodyPr>
+            <a:lstStyle/>
+            <a:p>
+              <a:pPr algn="ctr"/>
+              <a:r>
+                <a:rPr lang="en-US" sz="4800" b="1" dirty="0">
+                  <a:solidFill>
+                    <a:schemeClr val="bg1"/>
+                  </a:solidFill>
+                </a:rPr>
+                <a:t>Machine Image</a:t>
+              </a:r>
+              <a:endParaRPr lang="de-DE" sz="4800" b="1" dirty="0">
+                <a:solidFill>
+                  <a:schemeClr val="bg1"/>
+                </a:solidFill>
+              </a:endParaRPr>
+            </a:p>
+          </p:txBody>
+        </p:sp>
+      </p:grpSp>
+      <p:sp>
+        <p:nvSpPr>
+          <p:cNvPr id="21" name="TextBox 20"/>
+          <p:cNvSpPr txBox="1"/>
+          <p:nvPr/>
+        </p:nvSpPr>
+        <p:spPr>
+          <a:xfrm>
+            <a:off x="3713814" y="7484543"/>
+            <a:ext cx="3801979" cy="1323439"/>
+          </a:xfrm>
+          <a:prstGeom prst="rect">
+            <a:avLst/>
+          </a:prstGeom>
+          <a:noFill/>
+        </p:spPr>
+        <p:txBody>
+          <a:bodyPr wrap="square" rtlCol="0">
+            <a:spAutoFit/>
+          </a:bodyPr>
+          <a:lstStyle/>
+          <a:p>
+            <a:pPr algn="ctr"/>
+            <a:r>
+              <a:rPr lang="en-US" sz="4000" b="1" dirty="0">
+                <a:solidFill>
+                  <a:schemeClr val="bg1">
+                    <a:lumMod val="50000"/>
+                  </a:schemeClr>
+                </a:solidFill>
+              </a:rPr>
+              <a:t>Legacy OS</a:t>
+            </a:r>
+          </a:p>
+          <a:p>
+            <a:pPr algn="ctr"/>
+            <a:r>
+              <a:rPr lang="en-US" sz="4000" b="1" dirty="0">
+                <a:solidFill>
+                  <a:schemeClr val="bg1">
+                    <a:lumMod val="50000"/>
+                  </a:schemeClr>
+                </a:solidFill>
+              </a:rPr>
+              <a:t>Multiple GBs</a:t>
+            </a:r>
+          </a:p>
+        </p:txBody>
+      </p:sp>
+      <p:sp>
+        <p:nvSpPr>
+          <p:cNvPr id="22" name="TextBox 21"/>
+          <p:cNvSpPr txBox="1"/>
+          <p:nvPr/>
+        </p:nvSpPr>
+        <p:spPr>
+          <a:xfrm>
+            <a:off x="10648718" y="7543486"/>
+            <a:ext cx="6136103" cy="1323439"/>
+          </a:xfrm>
+          <a:prstGeom prst="rect">
+            <a:avLst/>
+          </a:prstGeom>
+          <a:noFill/>
+        </p:spPr>
+        <p:txBody>
+          <a:bodyPr wrap="square" rtlCol="0">
+            <a:spAutoFit/>
+          </a:bodyPr>
+          <a:lstStyle/>
+          <a:p>
+            <a:pPr algn="ctr"/>
+            <a:r>
+              <a:rPr lang="en-US" sz="4000" b="1" dirty="0">
+                <a:solidFill>
+                  <a:schemeClr val="bg1">
+                    <a:lumMod val="50000"/>
+                  </a:schemeClr>
+                </a:solidFill>
+              </a:rPr>
+              <a:t>Boxfuse Secure Micro OS</a:t>
+            </a:r>
+          </a:p>
+          <a:p>
+            <a:pPr algn="ctr"/>
+            <a:r>
+              <a:rPr lang="en-US" sz="4000" b="1" dirty="0">
+                <a:solidFill>
+                  <a:schemeClr val="bg1">
+                    <a:lumMod val="50000"/>
+                  </a:schemeClr>
+                </a:solidFill>
+              </a:rPr>
+              <a:t>Few MBs</a:t>
+            </a:r>
+            <a:endParaRPr lang="de-DE" sz="4000" b="1" dirty="0">
+              <a:solidFill>
+                <a:schemeClr val="bg1">
+                  <a:lumMod val="50000"/>
+                </a:schemeClr>
+              </a:solidFill>
+            </a:endParaRPr>
+          </a:p>
+        </p:txBody>
+      </p:sp>
+    </p:spTree>
+    <p:extLst>
+      <p:ext uri="{BB962C8B-B14F-4D97-AF65-F5344CB8AC3E}">
+        <p14:creationId xmlns:p14="http://schemas.microsoft.com/office/powerpoint/2010/main" val="4154683558"/>
+      </p:ext>
+    </p:extLst>
+  </p:cSld>
+  <p:clrMapOvr>
+    <a:masterClrMapping/>
+  </p:clrMapOvr>
+  <p:timing>
+    <p:tnLst>
+      <p:par>
+        <p:cTn id="1" dur="indefinite" restart="never" nodeType="tmRoot"/>
+      </p:par>
+    </p:tnLst>
+  </p:timing>
+</p:sld>
+</file>
+
+<file path=ppt/slides/slide11.xml><?xml version="1.0" encoding="utf-8"?>
+<p:sld xmlns:a="http://schemas.openxmlformats.org/drawingml/2006/main" xmlns:r="http://schemas.openxmlformats.org/officeDocument/2006/relationships" xmlns:p="http://schemas.openxmlformats.org/presentationml/2006/main">
+  <p:cSld>
+    <p:spTree>
+      <p:nvGrpSpPr>
+        <p:cNvPr id="1" name=""/>
+        <p:cNvGrpSpPr/>
+        <p:nvPr/>
+      </p:nvGrpSpPr>
+      <p:grpSpPr>
+        <a:xfrm>
+          <a:off x="0" y="0"/>
+          <a:ext cx="0" cy="0"/>
+          <a:chOff x="0" y="0"/>
+          <a:chExt cx="0" cy="0"/>
+        </a:xfrm>
+      </p:grpSpPr>
+      <p:grpSp>
+        <p:nvGrpSpPr>
+          <p:cNvPr id="25" name="Group 24"/>
+          <p:cNvGrpSpPr/>
+          <p:nvPr/>
+        </p:nvGrpSpPr>
+        <p:grpSpPr>
+          <a:xfrm>
             <a:off x="5320858" y="4055179"/>
             <a:ext cx="2839659" cy="2839659"/>
             <a:chOff x="6448425" y="3933826"/>
@@ -6381,7 +6365,7 @@
 </p:sld>
 </file>
 
-<file path=ppt/slides/slide11.xml><?xml version="1.0" encoding="utf-8"?>
+<file path=ppt/slides/slide12.xml><?xml version="1.0" encoding="utf-8"?>
 <p:sld xmlns:a="http://schemas.openxmlformats.org/drawingml/2006/main" xmlns:r="http://schemas.openxmlformats.org/officeDocument/2006/relationships" xmlns:p="http://schemas.openxmlformats.org/presentationml/2006/main">
   <p:cSld>
     <p:spTree>
@@ -10814,7 +10798,7 @@
 </p:sld>
 </file>
 
-<file path=ppt/slides/slide12.xml><?xml version="1.0" encoding="utf-8"?>
+<file path=ppt/slides/slide13.xml><?xml version="1.0" encoding="utf-8"?>
 <p:sld xmlns:a="http://schemas.openxmlformats.org/drawingml/2006/main" xmlns:r="http://schemas.openxmlformats.org/officeDocument/2006/relationships" xmlns:p="http://schemas.openxmlformats.org/presentationml/2006/main">
   <p:cSld>
     <p:spTree>
@@ -11950,7 +11934,7 @@
 </p:sld>
 </file>
 
-<file path=ppt/slides/slide13.xml><?xml version="1.0" encoding="utf-8"?>
+<file path=ppt/slides/slide14.xml><?xml version="1.0" encoding="utf-8"?>
 <p:sld xmlns:a="http://schemas.openxmlformats.org/drawingml/2006/main" xmlns:r="http://schemas.openxmlformats.org/officeDocument/2006/relationships" xmlns:p="http://schemas.openxmlformats.org/presentationml/2006/main">
   <p:cSld>
     <p:spTree>
@@ -12837,7 +12821,7 @@
 </p:sld>
 </file>
 
-<file path=ppt/slides/slide14.xml><?xml version="1.0" encoding="utf-8"?>
+<file path=ppt/slides/slide15.xml><?xml version="1.0" encoding="utf-8"?>
 <p:sld xmlns:a="http://schemas.openxmlformats.org/drawingml/2006/main" xmlns:r="http://schemas.openxmlformats.org/officeDocument/2006/relationships" xmlns:p="http://schemas.openxmlformats.org/presentationml/2006/main">
   <p:cSld>
     <p:spTree>
@@ -14223,7 +14207,7 @@
 </p:sld>
 </file>
 
-<file path=ppt/slides/slide15.xml><?xml version="1.0" encoding="utf-8"?>
+<file path=ppt/slides/slide16.xml><?xml version="1.0" encoding="utf-8"?>
 <p:sld xmlns:a="http://schemas.openxmlformats.org/drawingml/2006/main" xmlns:r="http://schemas.openxmlformats.org/officeDocument/2006/relationships" xmlns:p="http://schemas.openxmlformats.org/presentationml/2006/main">
   <p:cSld>
     <p:spTree>
@@ -15863,7 +15847,7 @@
 </p:sld>
 </file>
 
-<file path=ppt/slides/slide16.xml><?xml version="1.0" encoding="utf-8"?>
+<file path=ppt/slides/slide17.xml><?xml version="1.0" encoding="utf-8"?>
 <p:sld xmlns:a="http://schemas.openxmlformats.org/drawingml/2006/main" xmlns:r="http://schemas.openxmlformats.org/officeDocument/2006/relationships" xmlns:p="http://schemas.openxmlformats.org/presentationml/2006/main">
   <p:cSld>
     <p:spTree>
@@ -17273,7 +17257,7 @@
 </p:sld>
 </file>
 
-<file path=ppt/slides/slide17.xml><?xml version="1.0" encoding="utf-8"?>
+<file path=ppt/slides/slide18.xml><?xml version="1.0" encoding="utf-8"?>
 <p:sld xmlns:a="http://schemas.openxmlformats.org/drawingml/2006/main" xmlns:r="http://schemas.openxmlformats.org/officeDocument/2006/relationships" xmlns:p="http://schemas.openxmlformats.org/presentationml/2006/main">
   <p:cSld>
     <p:spTree>
@@ -18120,7 +18104,7 @@
 </p:sld>
 </file>
 
-<file path=ppt/slides/slide18.xml><?xml version="1.0" encoding="utf-8"?>
+<file path=ppt/slides/slide19.xml><?xml version="1.0" encoding="utf-8"?>
 <p:sld xmlns:a="http://schemas.openxmlformats.org/drawingml/2006/main" xmlns:r="http://schemas.openxmlformats.org/officeDocument/2006/relationships" xmlns:p="http://schemas.openxmlformats.org/presentationml/2006/main">
   <p:cSld>
     <p:spTree>
@@ -19050,501 +19034,6 @@
     <p:extLst>
       <p:ext uri="{BB962C8B-B14F-4D97-AF65-F5344CB8AC3E}">
         <p14:creationId xmlns:p14="http://schemas.microsoft.com/office/powerpoint/2010/main" val="4213274243"/>
-      </p:ext>
-    </p:extLst>
-  </p:cSld>
-  <p:clrMapOvr>
-    <a:masterClrMapping/>
-  </p:clrMapOvr>
-  <p:timing>
-    <p:tnLst>
-      <p:par>
-        <p:cTn id="1" dur="indefinite" restart="never" nodeType="tmRoot"/>
-      </p:par>
-    </p:tnLst>
-  </p:timing>
-</p:sld>
-</file>
-
-<file path=ppt/slides/slide19.xml><?xml version="1.0" encoding="utf-8"?>
-<p:sld xmlns:a="http://schemas.openxmlformats.org/drawingml/2006/main" xmlns:r="http://schemas.openxmlformats.org/officeDocument/2006/relationships" xmlns:p="http://schemas.openxmlformats.org/presentationml/2006/main">
-  <p:cSld>
-    <p:spTree>
-      <p:nvGrpSpPr>
-        <p:cNvPr id="1" name=""/>
-        <p:cNvGrpSpPr/>
-        <p:nvPr/>
-      </p:nvGrpSpPr>
-      <p:grpSpPr>
-        <a:xfrm>
-          <a:off x="0" y="0"/>
-          <a:ext cx="0" cy="0"/>
-          <a:chOff x="0" y="0"/>
-          <a:chExt cx="0" cy="0"/>
-        </a:xfrm>
-      </p:grpSpPr>
-      <p:pic>
-        <p:nvPicPr>
-          <p:cNvPr id="7" name="Picture 6"/>
-          <p:cNvPicPr>
-            <a:picLocks noChangeAspect="1"/>
-          </p:cNvPicPr>
-          <p:nvPr/>
-        </p:nvPicPr>
-        <p:blipFill>
-          <a:blip r:embed="rId2">
-            <a:extLst>
-              <a:ext uri="{28A0092B-C50C-407E-A947-70E740481C1C}">
-                <a14:useLocalDpi xmlns:a14="http://schemas.microsoft.com/office/drawing/2010/main" val="0"/>
-              </a:ext>
-            </a:extLst>
-          </a:blip>
-          <a:stretch>
-            <a:fillRect/>
-          </a:stretch>
-        </p:blipFill>
-        <p:spPr>
-          <a:xfrm>
-            <a:off x="3085029" y="7159253"/>
-            <a:ext cx="695422" cy="1143160"/>
-          </a:xfrm>
-          <a:prstGeom prst="rect">
-            <a:avLst/>
-          </a:prstGeom>
-        </p:spPr>
-      </p:pic>
-      <p:pic>
-        <p:nvPicPr>
-          <p:cNvPr id="9" name="Picture 8"/>
-          <p:cNvPicPr>
-            <a:picLocks noChangeAspect="1"/>
-          </p:cNvPicPr>
-          <p:nvPr/>
-        </p:nvPicPr>
-        <p:blipFill>
-          <a:blip r:embed="rId3">
-            <a:extLst>
-              <a:ext uri="{28A0092B-C50C-407E-A947-70E740481C1C}">
-                <a14:useLocalDpi xmlns:a14="http://schemas.microsoft.com/office/drawing/2010/main" val="0"/>
-              </a:ext>
-            </a:extLst>
-          </a:blip>
-          <a:stretch>
-            <a:fillRect/>
-          </a:stretch>
-        </p:blipFill>
-        <p:spPr>
-          <a:xfrm>
-            <a:off x="14844101" y="5727491"/>
-            <a:ext cx="1538745" cy="615498"/>
-          </a:xfrm>
-          <a:prstGeom prst="rect">
-            <a:avLst/>
-          </a:prstGeom>
-        </p:spPr>
-      </p:pic>
-      <p:pic>
-        <p:nvPicPr>
-          <p:cNvPr id="10" name="Picture 9"/>
-          <p:cNvPicPr>
-            <a:picLocks noChangeAspect="1"/>
-          </p:cNvPicPr>
-          <p:nvPr/>
-        </p:nvPicPr>
-        <p:blipFill>
-          <a:blip r:embed="rId4">
-            <a:extLst>
-              <a:ext uri="{28A0092B-C50C-407E-A947-70E740481C1C}">
-                <a14:useLocalDpi xmlns:a14="http://schemas.microsoft.com/office/drawing/2010/main" val="0"/>
-              </a:ext>
-            </a:extLst>
-          </a:blip>
-          <a:stretch>
-            <a:fillRect/>
-          </a:stretch>
-        </p:blipFill>
-        <p:spPr>
-          <a:xfrm>
-            <a:off x="7718111" y="5409102"/>
-            <a:ext cx="809738" cy="952633"/>
-          </a:xfrm>
-          <a:prstGeom prst="rect">
-            <a:avLst/>
-          </a:prstGeom>
-        </p:spPr>
-      </p:pic>
-      <p:cxnSp>
-        <p:nvCxnSpPr>
-          <p:cNvPr id="12" name="Straight Arrow Connector 11"/>
-          <p:cNvCxnSpPr/>
-          <p:nvPr/>
-        </p:nvCxnSpPr>
-        <p:spPr>
-          <a:xfrm flipH="1" flipV="1">
-            <a:off x="8133043" y="6426824"/>
-            <a:ext cx="18566" cy="874085"/>
-          </a:xfrm>
-          <a:prstGeom prst="straightConnector1">
-            <a:avLst/>
-          </a:prstGeom>
-          <a:ln w="111125">
-            <a:solidFill>
-              <a:schemeClr val="accent2">
-                <a:lumMod val="75000"/>
-              </a:schemeClr>
-            </a:solidFill>
-            <a:headEnd type="triangle"/>
-            <a:tailEnd type="triangle"/>
-          </a:ln>
-        </p:spPr>
-        <p:style>
-          <a:lnRef idx="1">
-            <a:schemeClr val="accent1"/>
-          </a:lnRef>
-          <a:fillRef idx="0">
-            <a:schemeClr val="accent1"/>
-          </a:fillRef>
-          <a:effectRef idx="0">
-            <a:schemeClr val="accent1"/>
-          </a:effectRef>
-          <a:fontRef idx="minor">
-            <a:schemeClr val="tx1"/>
-          </a:fontRef>
-        </p:style>
-      </p:cxnSp>
-      <p:sp>
-        <p:nvSpPr>
-          <p:cNvPr id="28" name="Rounded Rectangle 25"/>
-          <p:cNvSpPr/>
-          <p:nvPr/>
-        </p:nvSpPr>
-        <p:spPr>
-          <a:xfrm>
-            <a:off x="5099461" y="6290202"/>
-            <a:ext cx="963911" cy="963908"/>
-          </a:xfrm>
-          <a:prstGeom prst="ellipse">
-            <a:avLst/>
-          </a:prstGeom>
-          <a:solidFill>
-            <a:schemeClr val="accent1">
-              <a:lumMod val="75000"/>
-            </a:schemeClr>
-          </a:solidFill>
-          <a:ln w="76200">
-            <a:solidFill>
-              <a:schemeClr val="accent1">
-                <a:lumMod val="50000"/>
-              </a:schemeClr>
-            </a:solidFill>
-          </a:ln>
-        </p:spPr>
-        <p:style>
-          <a:lnRef idx="2">
-            <a:schemeClr val="accent1">
-              <a:shade val="50000"/>
-            </a:schemeClr>
-          </a:lnRef>
-          <a:fillRef idx="1">
-            <a:schemeClr val="accent1"/>
-          </a:fillRef>
-          <a:effectRef idx="0">
-            <a:schemeClr val="accent1"/>
-          </a:effectRef>
-          <a:fontRef idx="minor">
-            <a:schemeClr val="lt1"/>
-          </a:fontRef>
-        </p:style>
-        <p:txBody>
-          <a:bodyPr rtlCol="0" anchor="ctr"/>
-          <a:lstStyle/>
-          <a:p>
-            <a:pPr algn="ctr"/>
-            <a:r>
-              <a:rPr lang="en-US" sz="1400" b="1" dirty="0"/>
-              <a:t>Image</a:t>
-            </a:r>
-            <a:endParaRPr lang="de-DE" sz="1400" b="1" dirty="0"/>
-          </a:p>
-        </p:txBody>
-      </p:sp>
-      <p:cxnSp>
-        <p:nvCxnSpPr>
-          <p:cNvPr id="34" name="Straight Arrow Connector 33"/>
-          <p:cNvCxnSpPr/>
-          <p:nvPr/>
-        </p:nvCxnSpPr>
-        <p:spPr>
-          <a:xfrm rot="18847739" flipV="1">
-            <a:off x="6624044" y="6737109"/>
-            <a:ext cx="1227503" cy="10481"/>
-          </a:xfrm>
-          <a:prstGeom prst="straightConnector1">
-            <a:avLst/>
-          </a:prstGeom>
-          <a:ln w="111125">
-            <a:solidFill>
-              <a:schemeClr val="tx1">
-                <a:lumMod val="50000"/>
-                <a:lumOff val="50000"/>
-              </a:schemeClr>
-            </a:solidFill>
-            <a:tailEnd type="triangle"/>
-          </a:ln>
-        </p:spPr>
-        <p:style>
-          <a:lnRef idx="1">
-            <a:schemeClr val="accent1"/>
-          </a:lnRef>
-          <a:fillRef idx="0">
-            <a:schemeClr val="accent1"/>
-          </a:fillRef>
-          <a:effectRef idx="0">
-            <a:schemeClr val="accent1"/>
-          </a:effectRef>
-          <a:fontRef idx="minor">
-            <a:schemeClr val="tx1"/>
-          </a:fontRef>
-        </p:style>
-      </p:cxnSp>
-      <p:cxnSp>
-        <p:nvCxnSpPr>
-          <p:cNvPr id="37" name="Straight Arrow Connector 36"/>
-          <p:cNvCxnSpPr/>
-          <p:nvPr/>
-        </p:nvCxnSpPr>
-        <p:spPr>
-          <a:xfrm rot="2883253" flipV="1">
-            <a:off x="8475772" y="6783214"/>
-            <a:ext cx="1278131" cy="10481"/>
-          </a:xfrm>
-          <a:prstGeom prst="straightConnector1">
-            <a:avLst/>
-          </a:prstGeom>
-          <a:ln w="111125">
-            <a:solidFill>
-              <a:schemeClr val="tx1">
-                <a:lumMod val="50000"/>
-                <a:lumOff val="50000"/>
-              </a:schemeClr>
-            </a:solidFill>
-            <a:tailEnd type="triangle"/>
-          </a:ln>
-        </p:spPr>
-        <p:style>
-          <a:lnRef idx="1">
-            <a:schemeClr val="accent1"/>
-          </a:lnRef>
-          <a:fillRef idx="0">
-            <a:schemeClr val="accent1"/>
-          </a:fillRef>
-          <a:effectRef idx="0">
-            <a:schemeClr val="accent1"/>
-          </a:effectRef>
-          <a:fontRef idx="minor">
-            <a:schemeClr val="tx1"/>
-          </a:fontRef>
-        </p:style>
-      </p:cxnSp>
-      <p:pic>
-        <p:nvPicPr>
-          <p:cNvPr id="24" name="Picture 23"/>
-          <p:cNvPicPr>
-            <a:picLocks noChangeAspect="1"/>
-          </p:cNvPicPr>
-          <p:nvPr/>
-        </p:nvPicPr>
-        <p:blipFill>
-          <a:blip r:embed="rId5"/>
-          <a:stretch>
-            <a:fillRect/>
-          </a:stretch>
-        </p:blipFill>
-        <p:spPr>
-          <a:xfrm>
-            <a:off x="11690040" y="4981083"/>
-            <a:ext cx="2626907" cy="2426685"/>
-          </a:xfrm>
-          <a:prstGeom prst="rect">
-            <a:avLst/>
-          </a:prstGeom>
-        </p:spPr>
-      </p:pic>
-      <p:cxnSp>
-        <p:nvCxnSpPr>
-          <p:cNvPr id="46" name="Straight Arrow Connector 45"/>
-          <p:cNvCxnSpPr/>
-          <p:nvPr/>
-        </p:nvCxnSpPr>
-        <p:spPr>
-          <a:xfrm flipV="1">
-            <a:off x="13809573" y="6050632"/>
-            <a:ext cx="946691" cy="10481"/>
-          </a:xfrm>
-          <a:prstGeom prst="straightConnector1">
-            <a:avLst/>
-          </a:prstGeom>
-          <a:ln w="111125">
-            <a:solidFill>
-              <a:schemeClr val="tx1">
-                <a:lumMod val="50000"/>
-                <a:lumOff val="50000"/>
-              </a:schemeClr>
-            </a:solidFill>
-            <a:tailEnd type="triangle"/>
-          </a:ln>
-        </p:spPr>
-        <p:style>
-          <a:lnRef idx="1">
-            <a:schemeClr val="accent1"/>
-          </a:lnRef>
-          <a:fillRef idx="0">
-            <a:schemeClr val="accent1"/>
-          </a:fillRef>
-          <a:effectRef idx="0">
-            <a:schemeClr val="accent1"/>
-          </a:effectRef>
-          <a:fontRef idx="minor">
-            <a:schemeClr val="tx1"/>
-          </a:fontRef>
-        </p:style>
-      </p:cxnSp>
-      <p:graphicFrame>
-        <p:nvGraphicFramePr>
-          <p:cNvPr id="21" name="Diagram 20"/>
-          <p:cNvGraphicFramePr/>
-          <p:nvPr>
-            <p:extLst>
-              <p:ext uri="{D42A27DB-BD31-4B8C-83A1-F6EECF244321}">
-                <p14:modId xmlns:p14="http://schemas.microsoft.com/office/powerpoint/2010/main" val="2839590977"/>
-              </p:ext>
-            </p:extLst>
-          </p:nvPr>
-        </p:nvGraphicFramePr>
-        <p:xfrm>
-          <a:off x="3946935" y="6816061"/>
-          <a:ext cx="8653077" cy="1876545"/>
-        </p:xfrm>
-        <a:graphic>
-          <a:graphicData uri="http://schemas.openxmlformats.org/drawingml/2006/diagram">
-            <dgm:relIds xmlns:dgm="http://schemas.openxmlformats.org/drawingml/2006/diagram" xmlns:r="http://schemas.openxmlformats.org/officeDocument/2006/relationships" r:dm="rId6" r:lo="rId7" r:qs="rId8" r:cs="rId9"/>
-          </a:graphicData>
-        </a:graphic>
-      </p:graphicFrame>
-      <p:cxnSp>
-        <p:nvCxnSpPr>
-          <p:cNvPr id="40" name="Straight Arrow Connector 39"/>
-          <p:cNvCxnSpPr/>
-          <p:nvPr/>
-        </p:nvCxnSpPr>
-        <p:spPr>
-          <a:xfrm rot="18847739" flipV="1">
-            <a:off x="11218698" y="6765942"/>
-            <a:ext cx="1227503" cy="10481"/>
-          </a:xfrm>
-          <a:prstGeom prst="straightConnector1">
-            <a:avLst/>
-          </a:prstGeom>
-          <a:ln w="111125">
-            <a:solidFill>
-              <a:schemeClr val="tx1">
-                <a:lumMod val="50000"/>
-                <a:lumOff val="50000"/>
-              </a:schemeClr>
-            </a:solidFill>
-            <a:tailEnd type="triangle"/>
-          </a:ln>
-        </p:spPr>
-        <p:style>
-          <a:lnRef idx="1">
-            <a:schemeClr val="accent1"/>
-          </a:lnRef>
-          <a:fillRef idx="0">
-            <a:schemeClr val="accent1"/>
-          </a:fillRef>
-          <a:effectRef idx="0">
-            <a:schemeClr val="accent1"/>
-          </a:effectRef>
-          <a:fontRef idx="minor">
-            <a:schemeClr val="tx1"/>
-          </a:fontRef>
-        </p:style>
-      </p:cxnSp>
-      <p:pic>
-        <p:nvPicPr>
-          <p:cNvPr id="51" name="Picture 2" descr="Logo"/>
-          <p:cNvPicPr>
-            <a:picLocks noChangeAspect="1" noChangeArrowheads="1"/>
-          </p:cNvPicPr>
-          <p:nvPr/>
-        </p:nvPicPr>
-        <p:blipFill>
-          <a:blip r:embed="rId11">
-            <a:extLst>
-              <a:ext uri="{28A0092B-C50C-407E-A947-70E740481C1C}">
-                <a14:useLocalDpi xmlns:a14="http://schemas.microsoft.com/office/drawing/2010/main" val="0"/>
-              </a:ext>
-            </a:extLst>
-          </a:blip>
-          <a:srcRect/>
-          <a:stretch>
-            <a:fillRect/>
-          </a:stretch>
-        </p:blipFill>
-        <p:spPr bwMode="auto">
-          <a:xfrm>
-            <a:off x="6589564" y="8468421"/>
-            <a:ext cx="1648513" cy="374662"/>
-          </a:xfrm>
-          <a:prstGeom prst="rect">
-            <a:avLst/>
-          </a:prstGeom>
-          <a:noFill/>
-          <a:extLst>
-            <a:ext uri="{909E8E84-426E-40DD-AFC4-6F175D3DCCD1}">
-              <a14:hiddenFill xmlns:a14="http://schemas.microsoft.com/office/drawing/2010/main">
-                <a:solidFill>
-                  <a:srgbClr val="FFFFFF"/>
-                </a:solidFill>
-              </a14:hiddenFill>
-            </a:ext>
-          </a:extLst>
-        </p:spPr>
-      </p:pic>
-      <p:pic>
-        <p:nvPicPr>
-          <p:cNvPr id="30" name="Picture 29"/>
-          <p:cNvPicPr>
-            <a:picLocks noChangeAspect="1"/>
-          </p:cNvPicPr>
-          <p:nvPr/>
-        </p:nvPicPr>
-        <p:blipFill>
-          <a:blip r:embed="rId12" cstate="print">
-            <a:extLst>
-              <a:ext uri="{28A0092B-C50C-407E-A947-70E740481C1C}">
-                <a14:useLocalDpi xmlns:a14="http://schemas.microsoft.com/office/drawing/2010/main" val="0"/>
-              </a:ext>
-            </a:extLst>
-          </a:blip>
-          <a:stretch>
-            <a:fillRect/>
-          </a:stretch>
-        </p:blipFill>
-        <p:spPr>
-          <a:xfrm>
-            <a:off x="8343106" y="8407782"/>
-            <a:ext cx="1482810" cy="458528"/>
-          </a:xfrm>
-          <a:prstGeom prst="rect">
-            <a:avLst/>
-          </a:prstGeom>
-        </p:spPr>
-      </p:pic>
-    </p:spTree>
-    <p:extLst>
-      <p:ext uri="{BB962C8B-B14F-4D97-AF65-F5344CB8AC3E}">
-        <p14:creationId xmlns:p14="http://schemas.microsoft.com/office/powerpoint/2010/main" val="1264328124"/>
       </p:ext>
     </p:extLst>
   </p:cSld>
@@ -20182,6 +19671,501 @@
         </p:blipFill>
         <p:spPr>
           <a:xfrm>
+            <a:off x="3085029" y="7159253"/>
+            <a:ext cx="695422" cy="1143160"/>
+          </a:xfrm>
+          <a:prstGeom prst="rect">
+            <a:avLst/>
+          </a:prstGeom>
+        </p:spPr>
+      </p:pic>
+      <p:pic>
+        <p:nvPicPr>
+          <p:cNvPr id="9" name="Picture 8"/>
+          <p:cNvPicPr>
+            <a:picLocks noChangeAspect="1"/>
+          </p:cNvPicPr>
+          <p:nvPr/>
+        </p:nvPicPr>
+        <p:blipFill>
+          <a:blip r:embed="rId3">
+            <a:extLst>
+              <a:ext uri="{28A0092B-C50C-407E-A947-70E740481C1C}">
+                <a14:useLocalDpi xmlns:a14="http://schemas.microsoft.com/office/drawing/2010/main" val="0"/>
+              </a:ext>
+            </a:extLst>
+          </a:blip>
+          <a:stretch>
+            <a:fillRect/>
+          </a:stretch>
+        </p:blipFill>
+        <p:spPr>
+          <a:xfrm>
+            <a:off x="14844101" y="5727491"/>
+            <a:ext cx="1538745" cy="615498"/>
+          </a:xfrm>
+          <a:prstGeom prst="rect">
+            <a:avLst/>
+          </a:prstGeom>
+        </p:spPr>
+      </p:pic>
+      <p:pic>
+        <p:nvPicPr>
+          <p:cNvPr id="10" name="Picture 9"/>
+          <p:cNvPicPr>
+            <a:picLocks noChangeAspect="1"/>
+          </p:cNvPicPr>
+          <p:nvPr/>
+        </p:nvPicPr>
+        <p:blipFill>
+          <a:blip r:embed="rId4">
+            <a:extLst>
+              <a:ext uri="{28A0092B-C50C-407E-A947-70E740481C1C}">
+                <a14:useLocalDpi xmlns:a14="http://schemas.microsoft.com/office/drawing/2010/main" val="0"/>
+              </a:ext>
+            </a:extLst>
+          </a:blip>
+          <a:stretch>
+            <a:fillRect/>
+          </a:stretch>
+        </p:blipFill>
+        <p:spPr>
+          <a:xfrm>
+            <a:off x="7718111" y="5409102"/>
+            <a:ext cx="809738" cy="952633"/>
+          </a:xfrm>
+          <a:prstGeom prst="rect">
+            <a:avLst/>
+          </a:prstGeom>
+        </p:spPr>
+      </p:pic>
+      <p:cxnSp>
+        <p:nvCxnSpPr>
+          <p:cNvPr id="12" name="Straight Arrow Connector 11"/>
+          <p:cNvCxnSpPr/>
+          <p:nvPr/>
+        </p:nvCxnSpPr>
+        <p:spPr>
+          <a:xfrm flipH="1" flipV="1">
+            <a:off x="8133043" y="6426824"/>
+            <a:ext cx="18566" cy="874085"/>
+          </a:xfrm>
+          <a:prstGeom prst="straightConnector1">
+            <a:avLst/>
+          </a:prstGeom>
+          <a:ln w="111125">
+            <a:solidFill>
+              <a:schemeClr val="accent2">
+                <a:lumMod val="75000"/>
+              </a:schemeClr>
+            </a:solidFill>
+            <a:headEnd type="triangle"/>
+            <a:tailEnd type="triangle"/>
+          </a:ln>
+        </p:spPr>
+        <p:style>
+          <a:lnRef idx="1">
+            <a:schemeClr val="accent1"/>
+          </a:lnRef>
+          <a:fillRef idx="0">
+            <a:schemeClr val="accent1"/>
+          </a:fillRef>
+          <a:effectRef idx="0">
+            <a:schemeClr val="accent1"/>
+          </a:effectRef>
+          <a:fontRef idx="minor">
+            <a:schemeClr val="tx1"/>
+          </a:fontRef>
+        </p:style>
+      </p:cxnSp>
+      <p:sp>
+        <p:nvSpPr>
+          <p:cNvPr id="28" name="Rounded Rectangle 25"/>
+          <p:cNvSpPr/>
+          <p:nvPr/>
+        </p:nvSpPr>
+        <p:spPr>
+          <a:xfrm>
+            <a:off x="5099461" y="6290202"/>
+            <a:ext cx="963911" cy="963908"/>
+          </a:xfrm>
+          <a:prstGeom prst="ellipse">
+            <a:avLst/>
+          </a:prstGeom>
+          <a:solidFill>
+            <a:schemeClr val="accent1">
+              <a:lumMod val="75000"/>
+            </a:schemeClr>
+          </a:solidFill>
+          <a:ln w="76200">
+            <a:solidFill>
+              <a:schemeClr val="accent1">
+                <a:lumMod val="50000"/>
+              </a:schemeClr>
+            </a:solidFill>
+          </a:ln>
+        </p:spPr>
+        <p:style>
+          <a:lnRef idx="2">
+            <a:schemeClr val="accent1">
+              <a:shade val="50000"/>
+            </a:schemeClr>
+          </a:lnRef>
+          <a:fillRef idx="1">
+            <a:schemeClr val="accent1"/>
+          </a:fillRef>
+          <a:effectRef idx="0">
+            <a:schemeClr val="accent1"/>
+          </a:effectRef>
+          <a:fontRef idx="minor">
+            <a:schemeClr val="lt1"/>
+          </a:fontRef>
+        </p:style>
+        <p:txBody>
+          <a:bodyPr rtlCol="0" anchor="ctr"/>
+          <a:lstStyle/>
+          <a:p>
+            <a:pPr algn="ctr"/>
+            <a:r>
+              <a:rPr lang="en-US" sz="1400" b="1" dirty="0"/>
+              <a:t>Image</a:t>
+            </a:r>
+            <a:endParaRPr lang="de-DE" sz="1400" b="1" dirty="0"/>
+          </a:p>
+        </p:txBody>
+      </p:sp>
+      <p:cxnSp>
+        <p:nvCxnSpPr>
+          <p:cNvPr id="34" name="Straight Arrow Connector 33"/>
+          <p:cNvCxnSpPr/>
+          <p:nvPr/>
+        </p:nvCxnSpPr>
+        <p:spPr>
+          <a:xfrm rot="18847739" flipV="1">
+            <a:off x="6624044" y="6737109"/>
+            <a:ext cx="1227503" cy="10481"/>
+          </a:xfrm>
+          <a:prstGeom prst="straightConnector1">
+            <a:avLst/>
+          </a:prstGeom>
+          <a:ln w="111125">
+            <a:solidFill>
+              <a:schemeClr val="tx1">
+                <a:lumMod val="50000"/>
+                <a:lumOff val="50000"/>
+              </a:schemeClr>
+            </a:solidFill>
+            <a:tailEnd type="triangle"/>
+          </a:ln>
+        </p:spPr>
+        <p:style>
+          <a:lnRef idx="1">
+            <a:schemeClr val="accent1"/>
+          </a:lnRef>
+          <a:fillRef idx="0">
+            <a:schemeClr val="accent1"/>
+          </a:fillRef>
+          <a:effectRef idx="0">
+            <a:schemeClr val="accent1"/>
+          </a:effectRef>
+          <a:fontRef idx="minor">
+            <a:schemeClr val="tx1"/>
+          </a:fontRef>
+        </p:style>
+      </p:cxnSp>
+      <p:cxnSp>
+        <p:nvCxnSpPr>
+          <p:cNvPr id="37" name="Straight Arrow Connector 36"/>
+          <p:cNvCxnSpPr/>
+          <p:nvPr/>
+        </p:nvCxnSpPr>
+        <p:spPr>
+          <a:xfrm rot="2883253" flipV="1">
+            <a:off x="8475772" y="6783214"/>
+            <a:ext cx="1278131" cy="10481"/>
+          </a:xfrm>
+          <a:prstGeom prst="straightConnector1">
+            <a:avLst/>
+          </a:prstGeom>
+          <a:ln w="111125">
+            <a:solidFill>
+              <a:schemeClr val="tx1">
+                <a:lumMod val="50000"/>
+                <a:lumOff val="50000"/>
+              </a:schemeClr>
+            </a:solidFill>
+            <a:tailEnd type="triangle"/>
+          </a:ln>
+        </p:spPr>
+        <p:style>
+          <a:lnRef idx="1">
+            <a:schemeClr val="accent1"/>
+          </a:lnRef>
+          <a:fillRef idx="0">
+            <a:schemeClr val="accent1"/>
+          </a:fillRef>
+          <a:effectRef idx="0">
+            <a:schemeClr val="accent1"/>
+          </a:effectRef>
+          <a:fontRef idx="minor">
+            <a:schemeClr val="tx1"/>
+          </a:fontRef>
+        </p:style>
+      </p:cxnSp>
+      <p:pic>
+        <p:nvPicPr>
+          <p:cNvPr id="24" name="Picture 23"/>
+          <p:cNvPicPr>
+            <a:picLocks noChangeAspect="1"/>
+          </p:cNvPicPr>
+          <p:nvPr/>
+        </p:nvPicPr>
+        <p:blipFill>
+          <a:blip r:embed="rId5"/>
+          <a:stretch>
+            <a:fillRect/>
+          </a:stretch>
+        </p:blipFill>
+        <p:spPr>
+          <a:xfrm>
+            <a:off x="11690040" y="4981083"/>
+            <a:ext cx="2626907" cy="2426685"/>
+          </a:xfrm>
+          <a:prstGeom prst="rect">
+            <a:avLst/>
+          </a:prstGeom>
+        </p:spPr>
+      </p:pic>
+      <p:cxnSp>
+        <p:nvCxnSpPr>
+          <p:cNvPr id="46" name="Straight Arrow Connector 45"/>
+          <p:cNvCxnSpPr/>
+          <p:nvPr/>
+        </p:nvCxnSpPr>
+        <p:spPr>
+          <a:xfrm flipV="1">
+            <a:off x="13809573" y="6050632"/>
+            <a:ext cx="946691" cy="10481"/>
+          </a:xfrm>
+          <a:prstGeom prst="straightConnector1">
+            <a:avLst/>
+          </a:prstGeom>
+          <a:ln w="111125">
+            <a:solidFill>
+              <a:schemeClr val="tx1">
+                <a:lumMod val="50000"/>
+                <a:lumOff val="50000"/>
+              </a:schemeClr>
+            </a:solidFill>
+            <a:tailEnd type="triangle"/>
+          </a:ln>
+        </p:spPr>
+        <p:style>
+          <a:lnRef idx="1">
+            <a:schemeClr val="accent1"/>
+          </a:lnRef>
+          <a:fillRef idx="0">
+            <a:schemeClr val="accent1"/>
+          </a:fillRef>
+          <a:effectRef idx="0">
+            <a:schemeClr val="accent1"/>
+          </a:effectRef>
+          <a:fontRef idx="minor">
+            <a:schemeClr val="tx1"/>
+          </a:fontRef>
+        </p:style>
+      </p:cxnSp>
+      <p:graphicFrame>
+        <p:nvGraphicFramePr>
+          <p:cNvPr id="21" name="Diagram 20"/>
+          <p:cNvGraphicFramePr/>
+          <p:nvPr>
+            <p:extLst>
+              <p:ext uri="{D42A27DB-BD31-4B8C-83A1-F6EECF244321}">
+                <p14:modId xmlns:p14="http://schemas.microsoft.com/office/powerpoint/2010/main" val="2839590977"/>
+              </p:ext>
+            </p:extLst>
+          </p:nvPr>
+        </p:nvGraphicFramePr>
+        <p:xfrm>
+          <a:off x="3946935" y="6816061"/>
+          <a:ext cx="8653077" cy="1876545"/>
+        </p:xfrm>
+        <a:graphic>
+          <a:graphicData uri="http://schemas.openxmlformats.org/drawingml/2006/diagram">
+            <dgm:relIds xmlns:dgm="http://schemas.openxmlformats.org/drawingml/2006/diagram" xmlns:r="http://schemas.openxmlformats.org/officeDocument/2006/relationships" r:dm="rId6" r:lo="rId7" r:qs="rId8" r:cs="rId9"/>
+          </a:graphicData>
+        </a:graphic>
+      </p:graphicFrame>
+      <p:cxnSp>
+        <p:nvCxnSpPr>
+          <p:cNvPr id="40" name="Straight Arrow Connector 39"/>
+          <p:cNvCxnSpPr/>
+          <p:nvPr/>
+        </p:nvCxnSpPr>
+        <p:spPr>
+          <a:xfrm rot="18847739" flipV="1">
+            <a:off x="11218698" y="6765942"/>
+            <a:ext cx="1227503" cy="10481"/>
+          </a:xfrm>
+          <a:prstGeom prst="straightConnector1">
+            <a:avLst/>
+          </a:prstGeom>
+          <a:ln w="111125">
+            <a:solidFill>
+              <a:schemeClr val="tx1">
+                <a:lumMod val="50000"/>
+                <a:lumOff val="50000"/>
+              </a:schemeClr>
+            </a:solidFill>
+            <a:tailEnd type="triangle"/>
+          </a:ln>
+        </p:spPr>
+        <p:style>
+          <a:lnRef idx="1">
+            <a:schemeClr val="accent1"/>
+          </a:lnRef>
+          <a:fillRef idx="0">
+            <a:schemeClr val="accent1"/>
+          </a:fillRef>
+          <a:effectRef idx="0">
+            <a:schemeClr val="accent1"/>
+          </a:effectRef>
+          <a:fontRef idx="minor">
+            <a:schemeClr val="tx1"/>
+          </a:fontRef>
+        </p:style>
+      </p:cxnSp>
+      <p:pic>
+        <p:nvPicPr>
+          <p:cNvPr id="51" name="Picture 2" descr="Logo"/>
+          <p:cNvPicPr>
+            <a:picLocks noChangeAspect="1" noChangeArrowheads="1"/>
+          </p:cNvPicPr>
+          <p:nvPr/>
+        </p:nvPicPr>
+        <p:blipFill>
+          <a:blip r:embed="rId11">
+            <a:extLst>
+              <a:ext uri="{28A0092B-C50C-407E-A947-70E740481C1C}">
+                <a14:useLocalDpi xmlns:a14="http://schemas.microsoft.com/office/drawing/2010/main" val="0"/>
+              </a:ext>
+            </a:extLst>
+          </a:blip>
+          <a:srcRect/>
+          <a:stretch>
+            <a:fillRect/>
+          </a:stretch>
+        </p:blipFill>
+        <p:spPr bwMode="auto">
+          <a:xfrm>
+            <a:off x="6589564" y="8468421"/>
+            <a:ext cx="1648513" cy="374662"/>
+          </a:xfrm>
+          <a:prstGeom prst="rect">
+            <a:avLst/>
+          </a:prstGeom>
+          <a:noFill/>
+          <a:extLst>
+            <a:ext uri="{909E8E84-426E-40DD-AFC4-6F175D3DCCD1}">
+              <a14:hiddenFill xmlns:a14="http://schemas.microsoft.com/office/drawing/2010/main">
+                <a:solidFill>
+                  <a:srgbClr val="FFFFFF"/>
+                </a:solidFill>
+              </a14:hiddenFill>
+            </a:ext>
+          </a:extLst>
+        </p:spPr>
+      </p:pic>
+      <p:pic>
+        <p:nvPicPr>
+          <p:cNvPr id="30" name="Picture 29"/>
+          <p:cNvPicPr>
+            <a:picLocks noChangeAspect="1"/>
+          </p:cNvPicPr>
+          <p:nvPr/>
+        </p:nvPicPr>
+        <p:blipFill>
+          <a:blip r:embed="rId12" cstate="print">
+            <a:extLst>
+              <a:ext uri="{28A0092B-C50C-407E-A947-70E740481C1C}">
+                <a14:useLocalDpi xmlns:a14="http://schemas.microsoft.com/office/drawing/2010/main" val="0"/>
+              </a:ext>
+            </a:extLst>
+          </a:blip>
+          <a:stretch>
+            <a:fillRect/>
+          </a:stretch>
+        </p:blipFill>
+        <p:spPr>
+          <a:xfrm>
+            <a:off x="8343106" y="8407782"/>
+            <a:ext cx="1482810" cy="458528"/>
+          </a:xfrm>
+          <a:prstGeom prst="rect">
+            <a:avLst/>
+          </a:prstGeom>
+        </p:spPr>
+      </p:pic>
+    </p:spTree>
+    <p:extLst>
+      <p:ext uri="{BB962C8B-B14F-4D97-AF65-F5344CB8AC3E}">
+        <p14:creationId xmlns:p14="http://schemas.microsoft.com/office/powerpoint/2010/main" val="1264328124"/>
+      </p:ext>
+    </p:extLst>
+  </p:cSld>
+  <p:clrMapOvr>
+    <a:masterClrMapping/>
+  </p:clrMapOvr>
+  <p:timing>
+    <p:tnLst>
+      <p:par>
+        <p:cTn id="1" dur="indefinite" restart="never" nodeType="tmRoot"/>
+      </p:par>
+    </p:tnLst>
+  </p:timing>
+</p:sld>
+</file>
+
+<file path=ppt/slides/slide21.xml><?xml version="1.0" encoding="utf-8"?>
+<p:sld xmlns:a="http://schemas.openxmlformats.org/drawingml/2006/main" xmlns:r="http://schemas.openxmlformats.org/officeDocument/2006/relationships" xmlns:p="http://schemas.openxmlformats.org/presentationml/2006/main">
+  <p:cSld>
+    <p:spTree>
+      <p:nvGrpSpPr>
+        <p:cNvPr id="1" name=""/>
+        <p:cNvGrpSpPr/>
+        <p:nvPr/>
+      </p:nvGrpSpPr>
+      <p:grpSpPr>
+        <a:xfrm>
+          <a:off x="0" y="0"/>
+          <a:ext cx="0" cy="0"/>
+          <a:chOff x="0" y="0"/>
+          <a:chExt cx="0" cy="0"/>
+        </a:xfrm>
+      </p:grpSpPr>
+      <p:pic>
+        <p:nvPicPr>
+          <p:cNvPr id="7" name="Picture 6"/>
+          <p:cNvPicPr>
+            <a:picLocks noChangeAspect="1"/>
+          </p:cNvPicPr>
+          <p:nvPr/>
+        </p:nvPicPr>
+        <p:blipFill>
+          <a:blip r:embed="rId2">
+            <a:extLst>
+              <a:ext uri="{28A0092B-C50C-407E-A947-70E740481C1C}">
+                <a14:useLocalDpi xmlns:a14="http://schemas.microsoft.com/office/drawing/2010/main" val="0"/>
+              </a:ext>
+            </a:extLst>
+          </a:blip>
+          <a:stretch>
+            <a:fillRect/>
+          </a:stretch>
+        </p:blipFill>
+        <p:spPr>
+          <a:xfrm>
             <a:off x="10091308" y="2136231"/>
             <a:ext cx="695422" cy="1143160"/>
           </a:xfrm>
@@ -20774,6 +20758,177 @@
           </a:fontRef>
         </p:style>
       </p:cxnSp>
+      <p:pic>
+        <p:nvPicPr>
+          <p:cNvPr id="24" name="Picture 23"/>
+          <p:cNvPicPr>
+            <a:picLocks noChangeAspect="1"/>
+          </p:cNvPicPr>
+          <p:nvPr/>
+        </p:nvPicPr>
+        <p:blipFill>
+          <a:blip r:embed="rId3">
+            <a:extLst>
+              <a:ext uri="{28A0092B-C50C-407E-A947-70E740481C1C}">
+                <a14:useLocalDpi xmlns:a14="http://schemas.microsoft.com/office/drawing/2010/main" val="0"/>
+              </a:ext>
+            </a:extLst>
+          </a:blip>
+          <a:stretch>
+            <a:fillRect/>
+          </a:stretch>
+        </p:blipFill>
+        <p:spPr>
+          <a:xfrm>
+            <a:off x="3371719" y="8870541"/>
+            <a:ext cx="1538745" cy="615498"/>
+          </a:xfrm>
+          <a:prstGeom prst="rect">
+            <a:avLst/>
+          </a:prstGeom>
+        </p:spPr>
+      </p:pic>
+      <p:grpSp>
+        <p:nvGrpSpPr>
+          <p:cNvPr id="25" name="Group 24"/>
+          <p:cNvGrpSpPr/>
+          <p:nvPr/>
+        </p:nvGrpSpPr>
+        <p:grpSpPr>
+          <a:xfrm>
+            <a:off x="2107008" y="8487749"/>
+            <a:ext cx="1151769" cy="673166"/>
+            <a:chOff x="2334271" y="318043"/>
+            <a:chExt cx="1457473" cy="673166"/>
+          </a:xfrm>
+        </p:grpSpPr>
+        <p:cxnSp>
+          <p:nvCxnSpPr>
+            <p:cNvPr id="26" name="Straight Arrow Connector 25"/>
+            <p:cNvCxnSpPr/>
+            <p:nvPr/>
+          </p:nvCxnSpPr>
+          <p:spPr>
+            <a:xfrm flipV="1">
+              <a:off x="2346123" y="980728"/>
+              <a:ext cx="1445621" cy="10481"/>
+            </a:xfrm>
+            <a:prstGeom prst="straightConnector1">
+              <a:avLst/>
+            </a:prstGeom>
+            <a:ln w="142875">
+              <a:solidFill>
+                <a:schemeClr val="tx1">
+                  <a:lumMod val="50000"/>
+                  <a:lumOff val="50000"/>
+                </a:schemeClr>
+              </a:solidFill>
+              <a:tailEnd type="triangle"/>
+            </a:ln>
+          </p:spPr>
+          <p:style>
+            <a:lnRef idx="1">
+              <a:schemeClr val="accent1"/>
+            </a:lnRef>
+            <a:fillRef idx="0">
+              <a:schemeClr val="accent1"/>
+            </a:fillRef>
+            <a:effectRef idx="0">
+              <a:schemeClr val="accent1"/>
+            </a:effectRef>
+            <a:fontRef idx="minor">
+              <a:schemeClr val="tx1"/>
+            </a:fontRef>
+          </p:style>
+        </p:cxnSp>
+        <p:sp>
+          <p:nvSpPr>
+            <p:cNvPr id="27" name="TextBox 26"/>
+            <p:cNvSpPr txBox="1"/>
+            <p:nvPr/>
+          </p:nvSpPr>
+          <p:spPr>
+            <a:xfrm>
+              <a:off x="2334271" y="318043"/>
+              <a:ext cx="1408522" cy="523220"/>
+            </a:xfrm>
+            <a:prstGeom prst="rect">
+              <a:avLst/>
+            </a:prstGeom>
+            <a:noFill/>
+          </p:spPr>
+          <p:txBody>
+            <a:bodyPr wrap="square" rtlCol="0">
+              <a:spAutoFit/>
+            </a:bodyPr>
+            <a:lstStyle/>
+            <a:p>
+              <a:pPr algn="ctr"/>
+              <a:endParaRPr lang="de-DE" sz="2800" b="1" dirty="0"/>
+            </a:p>
+          </p:txBody>
+        </p:sp>
+      </p:grpSp>
+      <p:pic>
+        <p:nvPicPr>
+          <p:cNvPr id="28" name="Picture 27"/>
+          <p:cNvPicPr>
+            <a:picLocks noChangeAspect="1"/>
+          </p:cNvPicPr>
+          <p:nvPr/>
+        </p:nvPicPr>
+        <p:blipFill>
+          <a:blip r:embed="rId5" cstate="print">
+            <a:extLst>
+              <a:ext uri="{28A0092B-C50C-407E-A947-70E740481C1C}">
+                <a14:useLocalDpi xmlns:a14="http://schemas.microsoft.com/office/drawing/2010/main" val="0"/>
+              </a:ext>
+            </a:extLst>
+          </a:blip>
+          <a:stretch>
+            <a:fillRect/>
+          </a:stretch>
+        </p:blipFill>
+        <p:spPr>
+          <a:xfrm>
+            <a:off x="2108730" y="8643554"/>
+            <a:ext cx="1116380" cy="345217"/>
+          </a:xfrm>
+          <a:prstGeom prst="rect">
+            <a:avLst/>
+          </a:prstGeom>
+        </p:spPr>
+      </p:pic>
+      <p:pic>
+        <p:nvPicPr>
+          <p:cNvPr id="3" name="Picture 2"/>
+          <p:cNvPicPr>
+            <a:picLocks noChangeAspect="1"/>
+          </p:cNvPicPr>
+          <p:nvPr/>
+        </p:nvPicPr>
+        <p:blipFill>
+          <a:blip r:embed="rId8">
+            <a:extLst>
+              <a:ext uri="{28A0092B-C50C-407E-A947-70E740481C1C}">
+                <a14:useLocalDpi xmlns:a14="http://schemas.microsoft.com/office/drawing/2010/main" val="0"/>
+              </a:ext>
+            </a:extLst>
+          </a:blip>
+          <a:stretch>
+            <a:fillRect/>
+          </a:stretch>
+        </p:blipFill>
+        <p:spPr>
+          <a:xfrm>
+            <a:off x="774221" y="8809892"/>
+            <a:ext cx="1234388" cy="877527"/>
+          </a:xfrm>
+          <a:prstGeom prst="rect">
+            <a:avLst/>
+          </a:prstGeom>
+        </p:spPr>
+      </p:pic>
     </p:spTree>
     <p:extLst>
       <p:ext uri="{BB962C8B-B14F-4D97-AF65-F5344CB8AC3E}">
@@ -20794,7 +20949,7 @@
 </p:sld>
 </file>
 
-<file path=ppt/slides/slide21.xml><?xml version="1.0" encoding="utf-8"?>
+<file path=ppt/slides/slide22.xml><?xml version="1.0" encoding="utf-8"?>
 <p:sld xmlns:a="http://schemas.openxmlformats.org/drawingml/2006/main" xmlns:r="http://schemas.openxmlformats.org/officeDocument/2006/relationships" xmlns:p="http://schemas.openxmlformats.org/presentationml/2006/main">
   <p:cSld>
     <p:spTree>
@@ -21261,7 +21416,7 @@
 </p:sld>
 </file>
 
-<file path=ppt/slides/slide22.xml><?xml version="1.0" encoding="utf-8"?>
+<file path=ppt/slides/slide23.xml><?xml version="1.0" encoding="utf-8"?>
 <p:sld xmlns:a="http://schemas.openxmlformats.org/drawingml/2006/main" xmlns:r="http://schemas.openxmlformats.org/officeDocument/2006/relationships" xmlns:p="http://schemas.openxmlformats.org/presentationml/2006/main">
   <p:cSld>
     <p:spTree>
@@ -22018,7 +22173,7 @@
 </p:sld>
 </file>
 
-<file path=ppt/slides/slide23.xml><?xml version="1.0" encoding="utf-8"?>
+<file path=ppt/slides/slide24.xml><?xml version="1.0" encoding="utf-8"?>
 <p:sld xmlns:a="http://schemas.openxmlformats.org/drawingml/2006/main" xmlns:r="http://schemas.openxmlformats.org/officeDocument/2006/relationships" xmlns:p="http://schemas.openxmlformats.org/presentationml/2006/main">
   <p:cSld>
     <p:spTree>
@@ -24247,7 +24402,7 @@
 </p:sld>
 </file>
 
-<file path=ppt/slides/slide24.xml><?xml version="1.0" encoding="utf-8"?>
+<file path=ppt/slides/slide25.xml><?xml version="1.0" encoding="utf-8"?>
 <p:sld xmlns:a="http://schemas.openxmlformats.org/drawingml/2006/main" xmlns:r="http://schemas.openxmlformats.org/officeDocument/2006/relationships" xmlns:p="http://schemas.openxmlformats.org/presentationml/2006/main">
   <p:cSld>
     <p:spTree>
@@ -26497,7 +26652,7 @@
 </p:sld>
 </file>
 
-<file path=ppt/slides/slide25.xml><?xml version="1.0" encoding="utf-8"?>
+<file path=ppt/slides/slide26.xml><?xml version="1.0" encoding="utf-8"?>
 <p:sld xmlns:a="http://schemas.openxmlformats.org/drawingml/2006/main" xmlns:r="http://schemas.openxmlformats.org/officeDocument/2006/relationships" xmlns:p="http://schemas.openxmlformats.org/presentationml/2006/main">
   <p:cSld>
     <p:spTree>
@@ -29230,7 +29385,7 @@
 </p:sld>
 </file>
 
-<file path=ppt/slides/slide26.xml><?xml version="1.0" encoding="utf-8"?>
+<file path=ppt/slides/slide27.xml><?xml version="1.0" encoding="utf-8"?>
 <p:sld xmlns:a="http://schemas.openxmlformats.org/drawingml/2006/main" xmlns:r="http://schemas.openxmlformats.org/officeDocument/2006/relationships" xmlns:p="http://schemas.openxmlformats.org/presentationml/2006/main">
   <p:cSld>
     <p:spTree>
@@ -29354,7 +29509,7 @@
 </p:sld>
 </file>
 
-<file path=ppt/slides/slide27.xml><?xml version="1.0" encoding="utf-8"?>
+<file path=ppt/slides/slide28.xml><?xml version="1.0" encoding="utf-8"?>
 <p:sld xmlns:a="http://schemas.openxmlformats.org/drawingml/2006/main" xmlns:r="http://schemas.openxmlformats.org/officeDocument/2006/relationships" xmlns:p="http://schemas.openxmlformats.org/presentationml/2006/main">
   <p:cSld>
     <p:spTree>
@@ -37090,6 +37245,1740 @@
       </p:grpSpPr>
       <p:grpSp>
         <p:nvGrpSpPr>
+          <p:cNvPr id="27" name="Group 26"/>
+          <p:cNvGrpSpPr/>
+          <p:nvPr/>
+        </p:nvGrpSpPr>
+        <p:grpSpPr>
+          <a:xfrm>
+            <a:off x="2490712" y="1832327"/>
+            <a:ext cx="3790954" cy="7019356"/>
+            <a:chOff x="57150" y="-755957"/>
+            <a:chExt cx="3790954" cy="7019356"/>
+          </a:xfrm>
+        </p:grpSpPr>
+        <p:grpSp>
+          <p:nvGrpSpPr>
+            <p:cNvPr id="6" name="Group 5"/>
+            <p:cNvGrpSpPr/>
+            <p:nvPr/>
+          </p:nvGrpSpPr>
+          <p:grpSpPr>
+            <a:xfrm>
+              <a:off x="114300" y="95250"/>
+              <a:ext cx="3676650" cy="6168149"/>
+              <a:chOff x="733425" y="285750"/>
+              <a:chExt cx="3676650" cy="6168149"/>
+            </a:xfrm>
+          </p:grpSpPr>
+          <p:sp>
+            <p:nvSpPr>
+              <p:cNvPr id="5" name="Rounded Rectangle 4"/>
+              <p:cNvSpPr/>
+              <p:nvPr/>
+            </p:nvSpPr>
+            <p:spPr>
+              <a:xfrm>
+                <a:off x="733425" y="285750"/>
+                <a:ext cx="3676650" cy="1838327"/>
+              </a:xfrm>
+              <a:prstGeom prst="roundRect">
+                <a:avLst>
+                  <a:gd name="adj" fmla="val 9672"/>
+                </a:avLst>
+              </a:prstGeom>
+              <a:solidFill>
+                <a:schemeClr val="bg2">
+                  <a:lumMod val="90000"/>
+                </a:schemeClr>
+              </a:solidFill>
+              <a:ln w="114300">
+                <a:solidFill>
+                  <a:schemeClr val="tx1">
+                    <a:lumMod val="50000"/>
+                    <a:lumOff val="50000"/>
+                  </a:schemeClr>
+                </a:solidFill>
+              </a:ln>
+            </p:spPr>
+            <p:style>
+              <a:lnRef idx="2">
+                <a:schemeClr val="accent1">
+                  <a:shade val="50000"/>
+                </a:schemeClr>
+              </a:lnRef>
+              <a:fillRef idx="1">
+                <a:schemeClr val="accent1"/>
+              </a:fillRef>
+              <a:effectRef idx="0">
+                <a:schemeClr val="accent1"/>
+              </a:effectRef>
+              <a:fontRef idx="minor">
+                <a:schemeClr val="lt1"/>
+              </a:fontRef>
+            </p:style>
+            <p:txBody>
+              <a:bodyPr rtlCol="0" anchor="ctr"/>
+              <a:lstStyle/>
+              <a:p>
+                <a:pPr algn="ctr"/>
+                <a:endParaRPr lang="de-DE"/>
+              </a:p>
+            </p:txBody>
+          </p:sp>
+          <p:grpSp>
+            <p:nvGrpSpPr>
+              <p:cNvPr id="4" name="Group 3"/>
+              <p:cNvGrpSpPr/>
+              <p:nvPr/>
+            </p:nvGrpSpPr>
+            <p:grpSpPr>
+              <a:xfrm>
+                <a:off x="1019175" y="504826"/>
+                <a:ext cx="3105150" cy="5949073"/>
+                <a:chOff x="1019175" y="504826"/>
+                <a:chExt cx="3105150" cy="5949073"/>
+              </a:xfrm>
+            </p:grpSpPr>
+            <p:grpSp>
+              <p:nvGrpSpPr>
+                <p:cNvPr id="15" name="Group 14"/>
+                <p:cNvGrpSpPr/>
+                <p:nvPr/>
+              </p:nvGrpSpPr>
+              <p:grpSpPr>
+                <a:xfrm>
+                  <a:off x="1019175" y="504826"/>
+                  <a:ext cx="3105150" cy="1409700"/>
+                  <a:chOff x="6448425" y="3933826"/>
+                  <a:chExt cx="2628900" cy="1409700"/>
+                </a:xfrm>
+              </p:grpSpPr>
+              <p:sp>
+                <p:nvSpPr>
+                  <p:cNvPr id="14" name="Rounded Rectangle 13"/>
+                  <p:cNvSpPr/>
+                  <p:nvPr/>
+                </p:nvSpPr>
+                <p:spPr>
+                  <a:xfrm>
+                    <a:off x="6448425" y="3933826"/>
+                    <a:ext cx="2628900" cy="1409700"/>
+                  </a:xfrm>
+                  <a:prstGeom prst="rect">
+                    <a:avLst/>
+                  </a:prstGeom>
+                  <a:solidFill>
+                    <a:schemeClr val="accent6">
+                      <a:lumMod val="75000"/>
+                    </a:schemeClr>
+                  </a:solidFill>
+                  <a:ln w="114300">
+                    <a:solidFill>
+                      <a:schemeClr val="accent6">
+                        <a:lumMod val="50000"/>
+                      </a:schemeClr>
+                    </a:solidFill>
+                  </a:ln>
+                </p:spPr>
+                <p:style>
+                  <a:lnRef idx="2">
+                    <a:schemeClr val="accent1">
+                      <a:shade val="50000"/>
+                    </a:schemeClr>
+                  </a:lnRef>
+                  <a:fillRef idx="1">
+                    <a:schemeClr val="accent1"/>
+                  </a:fillRef>
+                  <a:effectRef idx="0">
+                    <a:schemeClr val="accent1"/>
+                  </a:effectRef>
+                  <a:fontRef idx="minor">
+                    <a:schemeClr val="lt1"/>
+                  </a:fontRef>
+                </p:style>
+                <p:txBody>
+                  <a:bodyPr rtlCol="0" anchor="ctr"/>
+                  <a:lstStyle/>
+                  <a:p>
+                    <a:pPr algn="ctr"/>
+                    <a:endParaRPr lang="de-DE"/>
+                  </a:p>
+                </p:txBody>
+              </p:sp>
+              <p:sp>
+                <p:nvSpPr>
+                  <p:cNvPr id="13" name="TextBox 12"/>
+                  <p:cNvSpPr txBox="1"/>
+                  <p:nvPr/>
+                </p:nvSpPr>
+                <p:spPr>
+                  <a:xfrm>
+                    <a:off x="7077075" y="4286250"/>
+                    <a:ext cx="1333500" cy="646331"/>
+                  </a:xfrm>
+                  <a:prstGeom prst="rect">
+                    <a:avLst/>
+                  </a:prstGeom>
+                  <a:noFill/>
+                </p:spPr>
+                <p:txBody>
+                  <a:bodyPr wrap="square" rtlCol="0">
+                    <a:spAutoFit/>
+                  </a:bodyPr>
+                  <a:lstStyle/>
+                  <a:p>
+                    <a:pPr algn="ctr"/>
+                    <a:r>
+                      <a:rPr lang="en-US" sz="3600" b="1" dirty="0">
+                        <a:solidFill>
+                          <a:schemeClr val="bg1"/>
+                        </a:solidFill>
+                      </a:rPr>
+                      <a:t>App</a:t>
+                    </a:r>
+                    <a:endParaRPr lang="de-DE" sz="3600" b="1" dirty="0">
+                      <a:solidFill>
+                        <a:schemeClr val="bg1"/>
+                      </a:solidFill>
+                    </a:endParaRPr>
+                  </a:p>
+                </p:txBody>
+              </p:sp>
+            </p:grpSp>
+            <p:grpSp>
+              <p:nvGrpSpPr>
+                <p:cNvPr id="7" name="Group 6"/>
+                <p:cNvGrpSpPr/>
+                <p:nvPr/>
+              </p:nvGrpSpPr>
+              <p:grpSpPr>
+                <a:xfrm>
+                  <a:off x="1019175" y="2386725"/>
+                  <a:ext cx="3105150" cy="885824"/>
+                  <a:chOff x="6448425" y="4351806"/>
+                  <a:chExt cx="2628900" cy="1409700"/>
+                </a:xfrm>
+              </p:grpSpPr>
+              <p:sp>
+                <p:nvSpPr>
+                  <p:cNvPr id="9" name="Rectangle 8"/>
+                  <p:cNvSpPr/>
+                  <p:nvPr/>
+                </p:nvSpPr>
+                <p:spPr>
+                  <a:xfrm>
+                    <a:off x="6448425" y="4351806"/>
+                    <a:ext cx="2628900" cy="1409700"/>
+                  </a:xfrm>
+                  <a:prstGeom prst="rect">
+                    <a:avLst/>
+                  </a:prstGeom>
+                  <a:solidFill>
+                    <a:schemeClr val="bg2">
+                      <a:lumMod val="50000"/>
+                    </a:schemeClr>
+                  </a:solidFill>
+                  <a:ln w="114300">
+                    <a:solidFill>
+                      <a:schemeClr val="bg2">
+                        <a:lumMod val="25000"/>
+                      </a:schemeClr>
+                    </a:solidFill>
+                  </a:ln>
+                </p:spPr>
+                <p:style>
+                  <a:lnRef idx="2">
+                    <a:schemeClr val="accent1">
+                      <a:shade val="50000"/>
+                    </a:schemeClr>
+                  </a:lnRef>
+                  <a:fillRef idx="1">
+                    <a:schemeClr val="accent1"/>
+                  </a:fillRef>
+                  <a:effectRef idx="0">
+                    <a:schemeClr val="accent1"/>
+                  </a:effectRef>
+                  <a:fontRef idx="minor">
+                    <a:schemeClr val="lt1"/>
+                  </a:fontRef>
+                </p:style>
+                <p:txBody>
+                  <a:bodyPr rtlCol="0" anchor="ctr"/>
+                  <a:lstStyle/>
+                  <a:p>
+                    <a:pPr algn="ctr"/>
+                    <a:endParaRPr lang="de-DE"/>
+                  </a:p>
+                </p:txBody>
+              </p:sp>
+              <p:sp>
+                <p:nvSpPr>
+                  <p:cNvPr id="11" name="TextBox 10"/>
+                  <p:cNvSpPr txBox="1"/>
+                  <p:nvPr/>
+                </p:nvSpPr>
+                <p:spPr>
+                  <a:xfrm>
+                    <a:off x="6496809" y="4537491"/>
+                    <a:ext cx="2524067" cy="1028571"/>
+                  </a:xfrm>
+                  <a:prstGeom prst="rect">
+                    <a:avLst/>
+                  </a:prstGeom>
+                  <a:noFill/>
+                </p:spPr>
+                <p:txBody>
+                  <a:bodyPr wrap="square" rtlCol="0">
+                    <a:spAutoFit/>
+                  </a:bodyPr>
+                  <a:lstStyle/>
+                  <a:p>
+                    <a:pPr algn="ctr"/>
+                    <a:r>
+                      <a:rPr lang="en-US" sz="3600" b="1" dirty="0" err="1" smtClean="0">
+                        <a:solidFill>
+                          <a:schemeClr val="bg2">
+                            <a:lumMod val="75000"/>
+                          </a:schemeClr>
+                        </a:solidFill>
+                      </a:rPr>
+                      <a:t>TomEE</a:t>
+                    </a:r>
+                    <a:endParaRPr lang="de-DE" sz="3600" b="1" dirty="0">
+                      <a:solidFill>
+                        <a:schemeClr val="bg2">
+                          <a:lumMod val="75000"/>
+                        </a:schemeClr>
+                      </a:solidFill>
+                    </a:endParaRPr>
+                  </a:p>
+                </p:txBody>
+              </p:sp>
+            </p:grpSp>
+            <p:grpSp>
+              <p:nvGrpSpPr>
+                <p:cNvPr id="12" name="Group 11"/>
+                <p:cNvGrpSpPr/>
+                <p:nvPr/>
+              </p:nvGrpSpPr>
+              <p:grpSpPr>
+                <a:xfrm>
+                  <a:off x="1019175" y="5568075"/>
+                  <a:ext cx="3105150" cy="885824"/>
+                  <a:chOff x="6448425" y="4351806"/>
+                  <a:chExt cx="2628900" cy="1409700"/>
+                </a:xfrm>
+              </p:grpSpPr>
+              <p:sp>
+                <p:nvSpPr>
+                  <p:cNvPr id="16" name="Rectangle 15"/>
+                  <p:cNvSpPr/>
+                  <p:nvPr/>
+                </p:nvSpPr>
+                <p:spPr>
+                  <a:xfrm>
+                    <a:off x="6448425" y="4351806"/>
+                    <a:ext cx="2628900" cy="1409700"/>
+                  </a:xfrm>
+                  <a:prstGeom prst="rect">
+                    <a:avLst/>
+                  </a:prstGeom>
+                  <a:solidFill>
+                    <a:schemeClr val="bg2">
+                      <a:lumMod val="50000"/>
+                    </a:schemeClr>
+                  </a:solidFill>
+                  <a:ln w="114300">
+                    <a:solidFill>
+                      <a:schemeClr val="bg2">
+                        <a:lumMod val="25000"/>
+                      </a:schemeClr>
+                    </a:solidFill>
+                  </a:ln>
+                </p:spPr>
+                <p:style>
+                  <a:lnRef idx="2">
+                    <a:schemeClr val="accent1">
+                      <a:shade val="50000"/>
+                    </a:schemeClr>
+                  </a:lnRef>
+                  <a:fillRef idx="1">
+                    <a:schemeClr val="accent1"/>
+                  </a:fillRef>
+                  <a:effectRef idx="0">
+                    <a:schemeClr val="accent1"/>
+                  </a:effectRef>
+                  <a:fontRef idx="minor">
+                    <a:schemeClr val="lt1"/>
+                  </a:fontRef>
+                </p:style>
+                <p:txBody>
+                  <a:bodyPr rtlCol="0" anchor="ctr"/>
+                  <a:lstStyle/>
+                  <a:p>
+                    <a:pPr algn="ctr"/>
+                    <a:endParaRPr lang="de-DE"/>
+                  </a:p>
+                </p:txBody>
+              </p:sp>
+              <p:sp>
+                <p:nvSpPr>
+                  <p:cNvPr id="17" name="TextBox 16"/>
+                  <p:cNvSpPr txBox="1"/>
+                  <p:nvPr/>
+                </p:nvSpPr>
+                <p:spPr>
+                  <a:xfrm>
+                    <a:off x="6496809" y="4537491"/>
+                    <a:ext cx="2524067" cy="1028571"/>
+                  </a:xfrm>
+                  <a:prstGeom prst="rect">
+                    <a:avLst/>
+                  </a:prstGeom>
+                  <a:noFill/>
+                </p:spPr>
+                <p:txBody>
+                  <a:bodyPr wrap="square" rtlCol="0">
+                    <a:spAutoFit/>
+                  </a:bodyPr>
+                  <a:lstStyle/>
+                  <a:p>
+                    <a:pPr algn="ctr"/>
+                    <a:r>
+                      <a:rPr lang="en-US" sz="3600" b="1" dirty="0">
+                        <a:solidFill>
+                          <a:schemeClr val="bg2">
+                            <a:lumMod val="75000"/>
+                          </a:schemeClr>
+                        </a:solidFill>
+                      </a:rPr>
+                      <a:t>OS Kernel</a:t>
+                    </a:r>
+                    <a:endParaRPr lang="de-DE" sz="3600" b="1" dirty="0">
+                      <a:solidFill>
+                        <a:schemeClr val="bg2">
+                          <a:lumMod val="75000"/>
+                        </a:schemeClr>
+                      </a:solidFill>
+                    </a:endParaRPr>
+                  </a:p>
+                </p:txBody>
+              </p:sp>
+            </p:grpSp>
+            <p:grpSp>
+              <p:nvGrpSpPr>
+                <p:cNvPr id="18" name="Group 17"/>
+                <p:cNvGrpSpPr/>
+                <p:nvPr/>
+              </p:nvGrpSpPr>
+              <p:grpSpPr>
+                <a:xfrm>
+                  <a:off x="1019175" y="4510800"/>
+                  <a:ext cx="3105150" cy="885824"/>
+                  <a:chOff x="6448425" y="4351806"/>
+                  <a:chExt cx="2628900" cy="1409700"/>
+                </a:xfrm>
+              </p:grpSpPr>
+              <p:sp>
+                <p:nvSpPr>
+                  <p:cNvPr id="19" name="Rectangle 18"/>
+                  <p:cNvSpPr/>
+                  <p:nvPr/>
+                </p:nvSpPr>
+                <p:spPr>
+                  <a:xfrm>
+                    <a:off x="6448425" y="4351806"/>
+                    <a:ext cx="2628900" cy="1409700"/>
+                  </a:xfrm>
+                  <a:prstGeom prst="rect">
+                    <a:avLst/>
+                  </a:prstGeom>
+                  <a:solidFill>
+                    <a:schemeClr val="bg2">
+                      <a:lumMod val="50000"/>
+                    </a:schemeClr>
+                  </a:solidFill>
+                  <a:ln w="114300">
+                    <a:solidFill>
+                      <a:schemeClr val="bg2">
+                        <a:lumMod val="25000"/>
+                      </a:schemeClr>
+                    </a:solidFill>
+                  </a:ln>
+                </p:spPr>
+                <p:style>
+                  <a:lnRef idx="2">
+                    <a:schemeClr val="accent1">
+                      <a:shade val="50000"/>
+                    </a:schemeClr>
+                  </a:lnRef>
+                  <a:fillRef idx="1">
+                    <a:schemeClr val="accent1"/>
+                  </a:fillRef>
+                  <a:effectRef idx="0">
+                    <a:schemeClr val="accent1"/>
+                  </a:effectRef>
+                  <a:fontRef idx="minor">
+                    <a:schemeClr val="lt1"/>
+                  </a:fontRef>
+                </p:style>
+                <p:txBody>
+                  <a:bodyPr rtlCol="0" anchor="ctr"/>
+                  <a:lstStyle/>
+                  <a:p>
+                    <a:pPr algn="ctr"/>
+                    <a:endParaRPr lang="de-DE"/>
+                  </a:p>
+                </p:txBody>
+              </p:sp>
+              <p:sp>
+                <p:nvSpPr>
+                  <p:cNvPr id="20" name="TextBox 19"/>
+                  <p:cNvSpPr txBox="1"/>
+                  <p:nvPr/>
+                </p:nvSpPr>
+                <p:spPr>
+                  <a:xfrm>
+                    <a:off x="6496809" y="4537491"/>
+                    <a:ext cx="2524067" cy="1028571"/>
+                  </a:xfrm>
+                  <a:prstGeom prst="rect">
+                    <a:avLst/>
+                  </a:prstGeom>
+                  <a:noFill/>
+                </p:spPr>
+                <p:txBody>
+                  <a:bodyPr wrap="square" rtlCol="0">
+                    <a:spAutoFit/>
+                  </a:bodyPr>
+                  <a:lstStyle/>
+                  <a:p>
+                    <a:pPr algn="ctr"/>
+                    <a:r>
+                      <a:rPr lang="en-US" sz="3600" b="1" dirty="0">
+                        <a:solidFill>
+                          <a:schemeClr val="bg2">
+                            <a:lumMod val="75000"/>
+                          </a:schemeClr>
+                        </a:solidFill>
+                      </a:rPr>
+                      <a:t>Libraries</a:t>
+                    </a:r>
+                    <a:endParaRPr lang="de-DE" sz="3600" b="1" dirty="0">
+                      <a:solidFill>
+                        <a:schemeClr val="bg2">
+                          <a:lumMod val="75000"/>
+                        </a:schemeClr>
+                      </a:solidFill>
+                    </a:endParaRPr>
+                  </a:p>
+                </p:txBody>
+              </p:sp>
+            </p:grpSp>
+            <p:grpSp>
+              <p:nvGrpSpPr>
+                <p:cNvPr id="21" name="Group 20"/>
+                <p:cNvGrpSpPr/>
+                <p:nvPr/>
+              </p:nvGrpSpPr>
+              <p:grpSpPr>
+                <a:xfrm>
+                  <a:off x="1019175" y="3444000"/>
+                  <a:ext cx="3105150" cy="885824"/>
+                  <a:chOff x="6448425" y="4351806"/>
+                  <a:chExt cx="2628900" cy="1409700"/>
+                </a:xfrm>
+              </p:grpSpPr>
+              <p:sp>
+                <p:nvSpPr>
+                  <p:cNvPr id="22" name="Rectangle 21"/>
+                  <p:cNvSpPr/>
+                  <p:nvPr/>
+                </p:nvSpPr>
+                <p:spPr>
+                  <a:xfrm>
+                    <a:off x="6448425" y="4351806"/>
+                    <a:ext cx="2628900" cy="1409700"/>
+                  </a:xfrm>
+                  <a:prstGeom prst="rect">
+                    <a:avLst/>
+                  </a:prstGeom>
+                  <a:solidFill>
+                    <a:schemeClr val="bg2">
+                      <a:lumMod val="50000"/>
+                    </a:schemeClr>
+                  </a:solidFill>
+                  <a:ln w="114300">
+                    <a:solidFill>
+                      <a:schemeClr val="bg2">
+                        <a:lumMod val="25000"/>
+                      </a:schemeClr>
+                    </a:solidFill>
+                  </a:ln>
+                </p:spPr>
+                <p:style>
+                  <a:lnRef idx="2">
+                    <a:schemeClr val="accent1">
+                      <a:shade val="50000"/>
+                    </a:schemeClr>
+                  </a:lnRef>
+                  <a:fillRef idx="1">
+                    <a:schemeClr val="accent1"/>
+                  </a:fillRef>
+                  <a:effectRef idx="0">
+                    <a:schemeClr val="accent1"/>
+                  </a:effectRef>
+                  <a:fontRef idx="minor">
+                    <a:schemeClr val="lt1"/>
+                  </a:fontRef>
+                </p:style>
+                <p:txBody>
+                  <a:bodyPr rtlCol="0" anchor="ctr"/>
+                  <a:lstStyle/>
+                  <a:p>
+                    <a:pPr algn="ctr"/>
+                    <a:endParaRPr lang="de-DE"/>
+                  </a:p>
+                </p:txBody>
+              </p:sp>
+              <p:sp>
+                <p:nvSpPr>
+                  <p:cNvPr id="23" name="TextBox 22"/>
+                  <p:cNvSpPr txBox="1"/>
+                  <p:nvPr/>
+                </p:nvSpPr>
+                <p:spPr>
+                  <a:xfrm>
+                    <a:off x="6496809" y="4537491"/>
+                    <a:ext cx="2524067" cy="1028571"/>
+                  </a:xfrm>
+                  <a:prstGeom prst="rect">
+                    <a:avLst/>
+                  </a:prstGeom>
+                  <a:noFill/>
+                </p:spPr>
+                <p:txBody>
+                  <a:bodyPr wrap="square" rtlCol="0">
+                    <a:spAutoFit/>
+                  </a:bodyPr>
+                  <a:lstStyle/>
+                  <a:p>
+                    <a:pPr algn="ctr"/>
+                    <a:r>
+                      <a:rPr lang="en-US" sz="3600" b="1" dirty="0">
+                        <a:solidFill>
+                          <a:schemeClr val="bg2">
+                            <a:lumMod val="75000"/>
+                          </a:schemeClr>
+                        </a:solidFill>
+                      </a:rPr>
+                      <a:t>JVM</a:t>
+                    </a:r>
+                    <a:endParaRPr lang="de-DE" sz="3600" b="1" dirty="0">
+                      <a:solidFill>
+                        <a:schemeClr val="bg2">
+                          <a:lumMod val="75000"/>
+                        </a:schemeClr>
+                      </a:solidFill>
+                    </a:endParaRPr>
+                  </a:p>
+                </p:txBody>
+              </p:sp>
+            </p:grpSp>
+          </p:grpSp>
+        </p:grpSp>
+        <p:sp>
+          <p:nvSpPr>
+            <p:cNvPr id="25" name="TextBox 24"/>
+            <p:cNvSpPr txBox="1"/>
+            <p:nvPr/>
+          </p:nvSpPr>
+          <p:spPr>
+            <a:xfrm>
+              <a:off x="57150" y="-755957"/>
+              <a:ext cx="3790954" cy="769441"/>
+            </a:xfrm>
+            <a:prstGeom prst="rect">
+              <a:avLst/>
+            </a:prstGeom>
+            <a:noFill/>
+          </p:spPr>
+          <p:txBody>
+            <a:bodyPr wrap="square" rtlCol="0">
+              <a:spAutoFit/>
+            </a:bodyPr>
+            <a:lstStyle/>
+            <a:p>
+              <a:pPr algn="ctr"/>
+              <a:r>
+                <a:rPr lang="en-US" sz="4400" b="1" dirty="0" err="1" smtClean="0">
+                  <a:solidFill>
+                    <a:schemeClr val="tx1">
+                      <a:lumMod val="75000"/>
+                      <a:lumOff val="25000"/>
+                    </a:schemeClr>
+                  </a:solidFill>
+                </a:rPr>
+                <a:t>TomEE</a:t>
+              </a:r>
+              <a:r>
+                <a:rPr lang="en-US" sz="4400" b="1" dirty="0" smtClean="0">
+                  <a:solidFill>
+                    <a:schemeClr val="tx1">
+                      <a:lumMod val="75000"/>
+                      <a:lumOff val="25000"/>
+                    </a:schemeClr>
+                  </a:solidFill>
+                </a:rPr>
+                <a:t> War </a:t>
+              </a:r>
+              <a:r>
+                <a:rPr lang="en-US" sz="4400" b="1" dirty="0">
+                  <a:solidFill>
+                    <a:schemeClr val="tx1">
+                      <a:lumMod val="75000"/>
+                      <a:lumOff val="25000"/>
+                    </a:schemeClr>
+                  </a:solidFill>
+                </a:rPr>
+                <a:t>File</a:t>
+              </a:r>
+              <a:endParaRPr lang="de-DE" sz="4400" b="1" dirty="0">
+                <a:solidFill>
+                  <a:schemeClr val="tx1">
+                    <a:lumMod val="75000"/>
+                    <a:lumOff val="25000"/>
+                  </a:schemeClr>
+                </a:solidFill>
+              </a:endParaRPr>
+            </a:p>
+          </p:txBody>
+        </p:sp>
+      </p:grpSp>
+      <p:cxnSp>
+        <p:nvCxnSpPr>
+          <p:cNvPr id="75" name="Straight Arrow Connector 74"/>
+          <p:cNvCxnSpPr/>
+          <p:nvPr/>
+        </p:nvCxnSpPr>
+        <p:spPr>
+          <a:xfrm>
+            <a:off x="6435969" y="3636401"/>
+            <a:ext cx="1792374" cy="0"/>
+          </a:xfrm>
+          <a:prstGeom prst="straightConnector1">
+            <a:avLst/>
+          </a:prstGeom>
+          <a:ln w="228600">
+            <a:solidFill>
+              <a:schemeClr val="bg2">
+                <a:lumMod val="75000"/>
+              </a:schemeClr>
+            </a:solidFill>
+            <a:tailEnd type="triangle"/>
+          </a:ln>
+        </p:spPr>
+        <p:style>
+          <a:lnRef idx="1">
+            <a:schemeClr val="accent1"/>
+          </a:lnRef>
+          <a:fillRef idx="0">
+            <a:schemeClr val="accent1"/>
+          </a:fillRef>
+          <a:effectRef idx="0">
+            <a:schemeClr val="accent1"/>
+          </a:effectRef>
+          <a:fontRef idx="minor">
+            <a:schemeClr val="tx1"/>
+          </a:fontRef>
+        </p:style>
+      </p:cxnSp>
+      <p:grpSp>
+        <p:nvGrpSpPr>
+          <p:cNvPr id="101" name="Group 26"/>
+          <p:cNvGrpSpPr/>
+          <p:nvPr/>
+        </p:nvGrpSpPr>
+        <p:grpSpPr>
+          <a:xfrm>
+            <a:off x="8354498" y="1823535"/>
+            <a:ext cx="3790954" cy="7019356"/>
+            <a:chOff x="57150" y="-755957"/>
+            <a:chExt cx="3790954" cy="7019356"/>
+          </a:xfrm>
+        </p:grpSpPr>
+        <p:grpSp>
+          <p:nvGrpSpPr>
+            <p:cNvPr id="102" name="Group 5"/>
+            <p:cNvGrpSpPr/>
+            <p:nvPr/>
+          </p:nvGrpSpPr>
+          <p:grpSpPr>
+            <a:xfrm>
+              <a:off x="114300" y="95249"/>
+              <a:ext cx="3676650" cy="6168150"/>
+              <a:chOff x="733425" y="285749"/>
+              <a:chExt cx="3676650" cy="6168150"/>
+            </a:xfrm>
+          </p:grpSpPr>
+          <p:sp>
+            <p:nvSpPr>
+              <p:cNvPr id="104" name="Rounded Rectangle 4"/>
+              <p:cNvSpPr/>
+              <p:nvPr/>
+            </p:nvSpPr>
+            <p:spPr>
+              <a:xfrm>
+                <a:off x="733425" y="285749"/>
+                <a:ext cx="3676650" cy="6168150"/>
+              </a:xfrm>
+              <a:prstGeom prst="roundRect">
+                <a:avLst>
+                  <a:gd name="adj" fmla="val 9672"/>
+                </a:avLst>
+              </a:prstGeom>
+              <a:solidFill>
+                <a:schemeClr val="bg2">
+                  <a:lumMod val="90000"/>
+                </a:schemeClr>
+              </a:solidFill>
+              <a:ln w="114300">
+                <a:solidFill>
+                  <a:schemeClr val="tx1">
+                    <a:lumMod val="50000"/>
+                    <a:lumOff val="50000"/>
+                  </a:schemeClr>
+                </a:solidFill>
+              </a:ln>
+            </p:spPr>
+            <p:style>
+              <a:lnRef idx="2">
+                <a:schemeClr val="accent1">
+                  <a:shade val="50000"/>
+                </a:schemeClr>
+              </a:lnRef>
+              <a:fillRef idx="1">
+                <a:schemeClr val="accent1"/>
+              </a:fillRef>
+              <a:effectRef idx="0">
+                <a:schemeClr val="accent1"/>
+              </a:effectRef>
+              <a:fontRef idx="minor">
+                <a:schemeClr val="lt1"/>
+              </a:fontRef>
+            </p:style>
+            <p:txBody>
+              <a:bodyPr rtlCol="0" anchor="ctr"/>
+              <a:lstStyle/>
+              <a:p>
+                <a:pPr algn="ctr"/>
+                <a:endParaRPr lang="de-DE"/>
+              </a:p>
+            </p:txBody>
+          </p:sp>
+          <p:grpSp>
+            <p:nvGrpSpPr>
+              <p:cNvPr id="105" name="Group 3"/>
+              <p:cNvGrpSpPr/>
+              <p:nvPr/>
+            </p:nvGrpSpPr>
+            <p:grpSpPr>
+              <a:xfrm>
+                <a:off x="1019175" y="504826"/>
+                <a:ext cx="3105150" cy="5720728"/>
+                <a:chOff x="1019175" y="504826"/>
+                <a:chExt cx="3105150" cy="5720728"/>
+              </a:xfrm>
+            </p:grpSpPr>
+            <p:grpSp>
+              <p:nvGrpSpPr>
+                <p:cNvPr id="106" name="Group 14"/>
+                <p:cNvGrpSpPr/>
+                <p:nvPr/>
+              </p:nvGrpSpPr>
+              <p:grpSpPr>
+                <a:xfrm>
+                  <a:off x="1019175" y="504826"/>
+                  <a:ext cx="3105150" cy="1409700"/>
+                  <a:chOff x="6448425" y="3933826"/>
+                  <a:chExt cx="2628900" cy="1409700"/>
+                </a:xfrm>
+              </p:grpSpPr>
+              <p:sp>
+                <p:nvSpPr>
+                  <p:cNvPr id="119" name="Rounded Rectangle 13"/>
+                  <p:cNvSpPr/>
+                  <p:nvPr/>
+                </p:nvSpPr>
+                <p:spPr>
+                  <a:xfrm>
+                    <a:off x="6448425" y="3933826"/>
+                    <a:ext cx="2628900" cy="1409700"/>
+                  </a:xfrm>
+                  <a:prstGeom prst="rect">
+                    <a:avLst/>
+                  </a:prstGeom>
+                  <a:solidFill>
+                    <a:schemeClr val="accent6">
+                      <a:lumMod val="75000"/>
+                    </a:schemeClr>
+                  </a:solidFill>
+                  <a:ln w="114300">
+                    <a:solidFill>
+                      <a:schemeClr val="accent6">
+                        <a:lumMod val="50000"/>
+                      </a:schemeClr>
+                    </a:solidFill>
+                  </a:ln>
+                </p:spPr>
+                <p:style>
+                  <a:lnRef idx="2">
+                    <a:schemeClr val="accent1">
+                      <a:shade val="50000"/>
+                    </a:schemeClr>
+                  </a:lnRef>
+                  <a:fillRef idx="1">
+                    <a:schemeClr val="accent1"/>
+                  </a:fillRef>
+                  <a:effectRef idx="0">
+                    <a:schemeClr val="accent1"/>
+                  </a:effectRef>
+                  <a:fontRef idx="minor">
+                    <a:schemeClr val="lt1"/>
+                  </a:fontRef>
+                </p:style>
+                <p:txBody>
+                  <a:bodyPr rtlCol="0" anchor="ctr"/>
+                  <a:lstStyle/>
+                  <a:p>
+                    <a:pPr algn="ctr"/>
+                    <a:endParaRPr lang="de-DE"/>
+                  </a:p>
+                </p:txBody>
+              </p:sp>
+              <p:sp>
+                <p:nvSpPr>
+                  <p:cNvPr id="120" name="TextBox 12"/>
+                  <p:cNvSpPr txBox="1"/>
+                  <p:nvPr/>
+                </p:nvSpPr>
+                <p:spPr>
+                  <a:xfrm>
+                    <a:off x="7077075" y="4286250"/>
+                    <a:ext cx="1333500" cy="646331"/>
+                  </a:xfrm>
+                  <a:prstGeom prst="rect">
+                    <a:avLst/>
+                  </a:prstGeom>
+                  <a:noFill/>
+                </p:spPr>
+                <p:txBody>
+                  <a:bodyPr wrap="square" rtlCol="0">
+                    <a:spAutoFit/>
+                  </a:bodyPr>
+                  <a:lstStyle/>
+                  <a:p>
+                    <a:pPr algn="ctr"/>
+                    <a:r>
+                      <a:rPr lang="en-US" sz="3600" b="1" dirty="0">
+                        <a:solidFill>
+                          <a:schemeClr val="bg1"/>
+                        </a:solidFill>
+                      </a:rPr>
+                      <a:t>App</a:t>
+                    </a:r>
+                    <a:endParaRPr lang="de-DE" sz="3600" b="1" dirty="0">
+                      <a:solidFill>
+                        <a:schemeClr val="bg1"/>
+                      </a:solidFill>
+                    </a:endParaRPr>
+                  </a:p>
+                </p:txBody>
+              </p:sp>
+            </p:grpSp>
+            <p:grpSp>
+              <p:nvGrpSpPr>
+                <p:cNvPr id="107" name="Group 6"/>
+                <p:cNvGrpSpPr/>
+                <p:nvPr/>
+              </p:nvGrpSpPr>
+              <p:grpSpPr>
+                <a:xfrm>
+                  <a:off x="1019175" y="2153260"/>
+                  <a:ext cx="3105150" cy="885824"/>
+                  <a:chOff x="6448425" y="3980269"/>
+                  <a:chExt cx="2628900" cy="1409700"/>
+                </a:xfrm>
+              </p:grpSpPr>
+              <p:sp>
+                <p:nvSpPr>
+                  <p:cNvPr id="117" name="Rectangle 8"/>
+                  <p:cNvSpPr/>
+                  <p:nvPr/>
+                </p:nvSpPr>
+                <p:spPr>
+                  <a:xfrm>
+                    <a:off x="6448425" y="3980269"/>
+                    <a:ext cx="2628900" cy="1409700"/>
+                  </a:xfrm>
+                  <a:prstGeom prst="rect">
+                    <a:avLst/>
+                  </a:prstGeom>
+                  <a:solidFill>
+                    <a:schemeClr val="accent4">
+                      <a:lumMod val="75000"/>
+                    </a:schemeClr>
+                  </a:solidFill>
+                  <a:ln w="114300">
+                    <a:solidFill>
+                      <a:schemeClr val="accent4">
+                        <a:lumMod val="50000"/>
+                      </a:schemeClr>
+                    </a:solidFill>
+                  </a:ln>
+                </p:spPr>
+                <p:style>
+                  <a:lnRef idx="2">
+                    <a:schemeClr val="accent1">
+                      <a:shade val="50000"/>
+                    </a:schemeClr>
+                  </a:lnRef>
+                  <a:fillRef idx="1">
+                    <a:schemeClr val="accent1"/>
+                  </a:fillRef>
+                  <a:effectRef idx="0">
+                    <a:schemeClr val="accent1"/>
+                  </a:effectRef>
+                  <a:fontRef idx="minor">
+                    <a:schemeClr val="lt1"/>
+                  </a:fontRef>
+                </p:style>
+                <p:txBody>
+                  <a:bodyPr rtlCol="0" anchor="ctr"/>
+                  <a:lstStyle/>
+                  <a:p>
+                    <a:pPr algn="ctr"/>
+                    <a:endParaRPr lang="de-DE"/>
+                  </a:p>
+                </p:txBody>
+              </p:sp>
+              <p:sp>
+                <p:nvSpPr>
+                  <p:cNvPr id="118" name="TextBox 10"/>
+                  <p:cNvSpPr txBox="1"/>
+                  <p:nvPr/>
+                </p:nvSpPr>
+                <p:spPr>
+                  <a:xfrm>
+                    <a:off x="6496809" y="4165955"/>
+                    <a:ext cx="2524067" cy="1028571"/>
+                  </a:xfrm>
+                  <a:prstGeom prst="rect">
+                    <a:avLst/>
+                  </a:prstGeom>
+                  <a:noFill/>
+                </p:spPr>
+                <p:txBody>
+                  <a:bodyPr wrap="square" rtlCol="0">
+                    <a:spAutoFit/>
+                  </a:bodyPr>
+                  <a:lstStyle/>
+                  <a:p>
+                    <a:pPr algn="ctr"/>
+                    <a:r>
+                      <a:rPr lang="en-US" sz="3600" b="1" dirty="0" err="1" smtClean="0">
+                        <a:solidFill>
+                          <a:schemeClr val="bg1"/>
+                        </a:solidFill>
+                      </a:rPr>
+                      <a:t>TomEE</a:t>
+                    </a:r>
+                    <a:endParaRPr lang="de-DE" sz="3600" b="1" dirty="0">
+                      <a:solidFill>
+                        <a:schemeClr val="bg1"/>
+                      </a:solidFill>
+                    </a:endParaRPr>
+                  </a:p>
+                </p:txBody>
+              </p:sp>
+            </p:grpSp>
+            <p:grpSp>
+              <p:nvGrpSpPr>
+                <p:cNvPr id="108" name="Group 11"/>
+                <p:cNvGrpSpPr/>
+                <p:nvPr/>
+              </p:nvGrpSpPr>
+              <p:grpSpPr>
+                <a:xfrm>
+                  <a:off x="1019175" y="5339730"/>
+                  <a:ext cx="3105150" cy="885824"/>
+                  <a:chOff x="6448425" y="3988416"/>
+                  <a:chExt cx="2628900" cy="1409700"/>
+                </a:xfrm>
+              </p:grpSpPr>
+              <p:sp>
+                <p:nvSpPr>
+                  <p:cNvPr id="115" name="Rectangle 15"/>
+                  <p:cNvSpPr/>
+                  <p:nvPr/>
+                </p:nvSpPr>
+                <p:spPr>
+                  <a:xfrm>
+                    <a:off x="6448425" y="3988416"/>
+                    <a:ext cx="2628900" cy="1409700"/>
+                  </a:xfrm>
+                  <a:prstGeom prst="rect">
+                    <a:avLst/>
+                  </a:prstGeom>
+                  <a:solidFill>
+                    <a:schemeClr val="accent1">
+                      <a:lumMod val="75000"/>
+                    </a:schemeClr>
+                  </a:solidFill>
+                  <a:ln w="114300">
+                    <a:solidFill>
+                      <a:schemeClr val="accent1">
+                        <a:lumMod val="50000"/>
+                      </a:schemeClr>
+                    </a:solidFill>
+                  </a:ln>
+                </p:spPr>
+                <p:style>
+                  <a:lnRef idx="2">
+                    <a:schemeClr val="accent1">
+                      <a:shade val="50000"/>
+                    </a:schemeClr>
+                  </a:lnRef>
+                  <a:fillRef idx="1">
+                    <a:schemeClr val="accent1"/>
+                  </a:fillRef>
+                  <a:effectRef idx="0">
+                    <a:schemeClr val="accent1"/>
+                  </a:effectRef>
+                  <a:fontRef idx="minor">
+                    <a:schemeClr val="lt1"/>
+                  </a:fontRef>
+                </p:style>
+                <p:txBody>
+                  <a:bodyPr rtlCol="0" anchor="ctr"/>
+                  <a:lstStyle/>
+                  <a:p>
+                    <a:pPr algn="ctr"/>
+                    <a:endParaRPr lang="de-DE">
+                      <a:solidFill>
+                        <a:schemeClr val="bg1"/>
+                      </a:solidFill>
+                    </a:endParaRPr>
+                  </a:p>
+                </p:txBody>
+              </p:sp>
+              <p:sp>
+                <p:nvSpPr>
+                  <p:cNvPr id="116" name="TextBox 16"/>
+                  <p:cNvSpPr txBox="1"/>
+                  <p:nvPr/>
+                </p:nvSpPr>
+                <p:spPr>
+                  <a:xfrm>
+                    <a:off x="6496809" y="4174102"/>
+                    <a:ext cx="2524067" cy="1028571"/>
+                  </a:xfrm>
+                  <a:prstGeom prst="rect">
+                    <a:avLst/>
+                  </a:prstGeom>
+                  <a:noFill/>
+                </p:spPr>
+                <p:txBody>
+                  <a:bodyPr wrap="square" rtlCol="0">
+                    <a:spAutoFit/>
+                  </a:bodyPr>
+                  <a:lstStyle/>
+                  <a:p>
+                    <a:pPr algn="ctr"/>
+                    <a:r>
+                      <a:rPr lang="en-US" sz="3600" b="1" dirty="0">
+                        <a:solidFill>
+                          <a:schemeClr val="bg1"/>
+                        </a:solidFill>
+                      </a:rPr>
+                      <a:t>OS Kernel</a:t>
+                    </a:r>
+                    <a:endParaRPr lang="de-DE" sz="3600" b="1" dirty="0">
+                      <a:solidFill>
+                        <a:schemeClr val="bg1"/>
+                      </a:solidFill>
+                    </a:endParaRPr>
+                  </a:p>
+                </p:txBody>
+              </p:sp>
+            </p:grpSp>
+            <p:grpSp>
+              <p:nvGrpSpPr>
+                <p:cNvPr id="109" name="Group 17"/>
+                <p:cNvGrpSpPr/>
+                <p:nvPr/>
+              </p:nvGrpSpPr>
+              <p:grpSpPr>
+                <a:xfrm>
+                  <a:off x="1019175" y="4282455"/>
+                  <a:ext cx="3105150" cy="885824"/>
+                  <a:chOff x="6448425" y="3988416"/>
+                  <a:chExt cx="2628900" cy="1409700"/>
+                </a:xfrm>
+              </p:grpSpPr>
+              <p:sp>
+                <p:nvSpPr>
+                  <p:cNvPr id="113" name="Rectangle 18"/>
+                  <p:cNvSpPr/>
+                  <p:nvPr/>
+                </p:nvSpPr>
+                <p:spPr>
+                  <a:xfrm>
+                    <a:off x="6448425" y="3988416"/>
+                    <a:ext cx="2628900" cy="1409700"/>
+                  </a:xfrm>
+                  <a:prstGeom prst="rect">
+                    <a:avLst/>
+                  </a:prstGeom>
+                  <a:solidFill>
+                    <a:schemeClr val="accent1">
+                      <a:lumMod val="75000"/>
+                    </a:schemeClr>
+                  </a:solidFill>
+                  <a:ln w="114300">
+                    <a:solidFill>
+                      <a:schemeClr val="accent1">
+                        <a:lumMod val="50000"/>
+                      </a:schemeClr>
+                    </a:solidFill>
+                  </a:ln>
+                </p:spPr>
+                <p:style>
+                  <a:lnRef idx="2">
+                    <a:schemeClr val="accent1">
+                      <a:shade val="50000"/>
+                    </a:schemeClr>
+                  </a:lnRef>
+                  <a:fillRef idx="1">
+                    <a:schemeClr val="accent1"/>
+                  </a:fillRef>
+                  <a:effectRef idx="0">
+                    <a:schemeClr val="accent1"/>
+                  </a:effectRef>
+                  <a:fontRef idx="minor">
+                    <a:schemeClr val="lt1"/>
+                  </a:fontRef>
+                </p:style>
+                <p:txBody>
+                  <a:bodyPr rtlCol="0" anchor="ctr"/>
+                  <a:lstStyle/>
+                  <a:p>
+                    <a:pPr algn="ctr"/>
+                    <a:endParaRPr lang="de-DE">
+                      <a:solidFill>
+                        <a:schemeClr val="bg1"/>
+                      </a:solidFill>
+                    </a:endParaRPr>
+                  </a:p>
+                </p:txBody>
+              </p:sp>
+              <p:sp>
+                <p:nvSpPr>
+                  <p:cNvPr id="114" name="TextBox 19"/>
+                  <p:cNvSpPr txBox="1"/>
+                  <p:nvPr/>
+                </p:nvSpPr>
+                <p:spPr>
+                  <a:xfrm>
+                    <a:off x="6496809" y="4174102"/>
+                    <a:ext cx="2524067" cy="1028571"/>
+                  </a:xfrm>
+                  <a:prstGeom prst="rect">
+                    <a:avLst/>
+                  </a:prstGeom>
+                  <a:noFill/>
+                </p:spPr>
+                <p:txBody>
+                  <a:bodyPr wrap="square" rtlCol="0">
+                    <a:spAutoFit/>
+                  </a:bodyPr>
+                  <a:lstStyle/>
+                  <a:p>
+                    <a:pPr algn="ctr"/>
+                    <a:r>
+                      <a:rPr lang="en-US" sz="3600" b="1" dirty="0">
+                        <a:solidFill>
+                          <a:schemeClr val="bg1"/>
+                        </a:solidFill>
+                      </a:rPr>
+                      <a:t>Libraries</a:t>
+                    </a:r>
+                    <a:endParaRPr lang="de-DE" sz="3600" b="1" dirty="0">
+                      <a:solidFill>
+                        <a:schemeClr val="bg1"/>
+                      </a:solidFill>
+                    </a:endParaRPr>
+                  </a:p>
+                </p:txBody>
+              </p:sp>
+            </p:grpSp>
+            <p:grpSp>
+              <p:nvGrpSpPr>
+                <p:cNvPr id="110" name="Group 20"/>
+                <p:cNvGrpSpPr/>
+                <p:nvPr/>
+              </p:nvGrpSpPr>
+              <p:grpSpPr>
+                <a:xfrm>
+                  <a:off x="1019175" y="3215655"/>
+                  <a:ext cx="3105150" cy="885824"/>
+                  <a:chOff x="6448425" y="3988416"/>
+                  <a:chExt cx="2628900" cy="1409700"/>
+                </a:xfrm>
+              </p:grpSpPr>
+              <p:sp>
+                <p:nvSpPr>
+                  <p:cNvPr id="111" name="Rectangle 21"/>
+                  <p:cNvSpPr/>
+                  <p:nvPr/>
+                </p:nvSpPr>
+                <p:spPr>
+                  <a:xfrm>
+                    <a:off x="6448425" y="3988416"/>
+                    <a:ext cx="2628900" cy="1409700"/>
+                  </a:xfrm>
+                  <a:prstGeom prst="rect">
+                    <a:avLst/>
+                  </a:prstGeom>
+                  <a:solidFill>
+                    <a:schemeClr val="accent1">
+                      <a:lumMod val="75000"/>
+                    </a:schemeClr>
+                  </a:solidFill>
+                  <a:ln w="114300">
+                    <a:solidFill>
+                      <a:schemeClr val="accent1">
+                        <a:lumMod val="50000"/>
+                      </a:schemeClr>
+                    </a:solidFill>
+                  </a:ln>
+                </p:spPr>
+                <p:style>
+                  <a:lnRef idx="2">
+                    <a:schemeClr val="accent1">
+                      <a:shade val="50000"/>
+                    </a:schemeClr>
+                  </a:lnRef>
+                  <a:fillRef idx="1">
+                    <a:schemeClr val="accent1"/>
+                  </a:fillRef>
+                  <a:effectRef idx="0">
+                    <a:schemeClr val="accent1"/>
+                  </a:effectRef>
+                  <a:fontRef idx="minor">
+                    <a:schemeClr val="lt1"/>
+                  </a:fontRef>
+                </p:style>
+                <p:txBody>
+                  <a:bodyPr rtlCol="0" anchor="ctr"/>
+                  <a:lstStyle/>
+                  <a:p>
+                    <a:pPr algn="ctr"/>
+                    <a:endParaRPr lang="de-DE">
+                      <a:solidFill>
+                        <a:schemeClr val="bg1"/>
+                      </a:solidFill>
+                    </a:endParaRPr>
+                  </a:p>
+                </p:txBody>
+              </p:sp>
+              <p:sp>
+                <p:nvSpPr>
+                  <p:cNvPr id="112" name="TextBox 22"/>
+                  <p:cNvSpPr txBox="1"/>
+                  <p:nvPr/>
+                </p:nvSpPr>
+                <p:spPr>
+                  <a:xfrm>
+                    <a:off x="6496809" y="4174101"/>
+                    <a:ext cx="2524067" cy="1028571"/>
+                  </a:xfrm>
+                  <a:prstGeom prst="rect">
+                    <a:avLst/>
+                  </a:prstGeom>
+                  <a:noFill/>
+                </p:spPr>
+                <p:txBody>
+                  <a:bodyPr wrap="square" rtlCol="0">
+                    <a:spAutoFit/>
+                  </a:bodyPr>
+                  <a:lstStyle/>
+                  <a:p>
+                    <a:pPr algn="ctr"/>
+                    <a:r>
+                      <a:rPr lang="en-US" sz="3600" b="1" dirty="0">
+                        <a:solidFill>
+                          <a:schemeClr val="bg1"/>
+                        </a:solidFill>
+                      </a:rPr>
+                      <a:t>JVM</a:t>
+                    </a:r>
+                    <a:endParaRPr lang="de-DE" sz="3600" b="1" dirty="0">
+                      <a:solidFill>
+                        <a:schemeClr val="bg1"/>
+                      </a:solidFill>
+                    </a:endParaRPr>
+                  </a:p>
+                </p:txBody>
+              </p:sp>
+            </p:grpSp>
+          </p:grpSp>
+        </p:grpSp>
+        <p:sp>
+          <p:nvSpPr>
+            <p:cNvPr id="103" name="TextBox 24"/>
+            <p:cNvSpPr txBox="1"/>
+            <p:nvPr/>
+          </p:nvSpPr>
+          <p:spPr>
+            <a:xfrm>
+              <a:off x="57150" y="-755957"/>
+              <a:ext cx="3790954" cy="769441"/>
+            </a:xfrm>
+            <a:prstGeom prst="rect">
+              <a:avLst/>
+            </a:prstGeom>
+            <a:noFill/>
+          </p:spPr>
+          <p:txBody>
+            <a:bodyPr wrap="square" rtlCol="0">
+              <a:spAutoFit/>
+            </a:bodyPr>
+            <a:lstStyle/>
+            <a:p>
+              <a:pPr algn="ctr"/>
+              <a:r>
+                <a:rPr lang="en-US" sz="4400" b="1" dirty="0" smtClean="0">
+                  <a:solidFill>
+                    <a:schemeClr val="tx1">
+                      <a:lumMod val="75000"/>
+                      <a:lumOff val="25000"/>
+                    </a:schemeClr>
+                  </a:solidFill>
+                </a:rPr>
+                <a:t>Boxfuse Image</a:t>
+              </a:r>
+              <a:endParaRPr lang="de-DE" sz="4400" b="1" dirty="0">
+                <a:solidFill>
+                  <a:schemeClr val="tx1">
+                    <a:lumMod val="75000"/>
+                    <a:lumOff val="25000"/>
+                  </a:schemeClr>
+                </a:solidFill>
+              </a:endParaRPr>
+            </a:p>
+          </p:txBody>
+        </p:sp>
+      </p:grpSp>
+      <p:grpSp>
+        <p:nvGrpSpPr>
+          <p:cNvPr id="66" name="Group 65"/>
+          <p:cNvGrpSpPr/>
+          <p:nvPr/>
+        </p:nvGrpSpPr>
+        <p:grpSpPr>
+          <a:xfrm>
+            <a:off x="14347084" y="2678410"/>
+            <a:ext cx="4011254" cy="4178422"/>
+            <a:chOff x="12360816" y="8217563"/>
+            <a:chExt cx="1746456" cy="1819239"/>
+          </a:xfrm>
+        </p:grpSpPr>
+        <p:sp>
+          <p:nvSpPr>
+            <p:cNvPr id="67" name="Rounded Rectangle 75"/>
+            <p:cNvSpPr/>
+            <p:nvPr/>
+          </p:nvSpPr>
+          <p:spPr>
+            <a:xfrm>
+              <a:off x="12360816" y="8217563"/>
+              <a:ext cx="1441656" cy="1514439"/>
+            </a:xfrm>
+            <a:prstGeom prst="rect">
+              <a:avLst/>
+            </a:prstGeom>
+            <a:solidFill>
+              <a:schemeClr val="accent2">
+                <a:lumMod val="75000"/>
+              </a:schemeClr>
+            </a:solidFill>
+            <a:ln w="76200">
+              <a:solidFill>
+                <a:schemeClr val="accent2">
+                  <a:lumMod val="50000"/>
+                </a:schemeClr>
+              </a:solidFill>
+            </a:ln>
+          </p:spPr>
+          <p:style>
+            <a:lnRef idx="2">
+              <a:schemeClr val="accent1">
+                <a:shade val="50000"/>
+              </a:schemeClr>
+            </a:lnRef>
+            <a:fillRef idx="1">
+              <a:schemeClr val="accent1"/>
+            </a:fillRef>
+            <a:effectRef idx="0">
+              <a:schemeClr val="accent1"/>
+            </a:effectRef>
+            <a:fontRef idx="minor">
+              <a:schemeClr val="lt1"/>
+            </a:fontRef>
+          </p:style>
+          <p:txBody>
+            <a:bodyPr rtlCol="0" anchor="ctr"/>
+            <a:lstStyle/>
+            <a:p>
+              <a:pPr algn="ctr"/>
+              <a:r>
+                <a:rPr lang="en-US" sz="2000" b="1" dirty="0"/>
+                <a:t>Instance</a:t>
+              </a:r>
+              <a:endParaRPr lang="de-DE" sz="2000" b="1" dirty="0"/>
+            </a:p>
+          </p:txBody>
+        </p:sp>
+        <p:sp>
+          <p:nvSpPr>
+            <p:cNvPr id="68" name="Rounded Rectangle 75"/>
+            <p:cNvSpPr/>
+            <p:nvPr/>
+          </p:nvSpPr>
+          <p:spPr>
+            <a:xfrm>
+              <a:off x="12513216" y="8369963"/>
+              <a:ext cx="1441656" cy="1514439"/>
+            </a:xfrm>
+            <a:prstGeom prst="rect">
+              <a:avLst/>
+            </a:prstGeom>
+            <a:solidFill>
+              <a:schemeClr val="accent2">
+                <a:lumMod val="75000"/>
+              </a:schemeClr>
+            </a:solidFill>
+            <a:ln w="76200">
+              <a:solidFill>
+                <a:schemeClr val="accent2">
+                  <a:lumMod val="50000"/>
+                </a:schemeClr>
+              </a:solidFill>
+            </a:ln>
+          </p:spPr>
+          <p:style>
+            <a:lnRef idx="2">
+              <a:schemeClr val="accent1">
+                <a:shade val="50000"/>
+              </a:schemeClr>
+            </a:lnRef>
+            <a:fillRef idx="1">
+              <a:schemeClr val="accent1"/>
+            </a:fillRef>
+            <a:effectRef idx="0">
+              <a:schemeClr val="accent1"/>
+            </a:effectRef>
+            <a:fontRef idx="minor">
+              <a:schemeClr val="lt1"/>
+            </a:fontRef>
+          </p:style>
+          <p:txBody>
+            <a:bodyPr rtlCol="0" anchor="ctr"/>
+            <a:lstStyle/>
+            <a:p>
+              <a:pPr algn="ctr"/>
+              <a:r>
+                <a:rPr lang="en-US" sz="2000" b="1" dirty="0"/>
+                <a:t>Instance</a:t>
+              </a:r>
+              <a:endParaRPr lang="de-DE" sz="2000" b="1" dirty="0"/>
+            </a:p>
+          </p:txBody>
+        </p:sp>
+        <p:sp>
+          <p:nvSpPr>
+            <p:cNvPr id="69" name="Rounded Rectangle 75"/>
+            <p:cNvSpPr/>
+            <p:nvPr/>
+          </p:nvSpPr>
+          <p:spPr>
+            <a:xfrm>
+              <a:off x="12665616" y="8522363"/>
+              <a:ext cx="1441656" cy="1514439"/>
+            </a:xfrm>
+            <a:prstGeom prst="rect">
+              <a:avLst/>
+            </a:prstGeom>
+            <a:solidFill>
+              <a:schemeClr val="accent2">
+                <a:lumMod val="75000"/>
+              </a:schemeClr>
+            </a:solidFill>
+            <a:ln w="76200">
+              <a:solidFill>
+                <a:schemeClr val="accent2">
+                  <a:lumMod val="50000"/>
+                </a:schemeClr>
+              </a:solidFill>
+            </a:ln>
+          </p:spPr>
+          <p:style>
+            <a:lnRef idx="2">
+              <a:schemeClr val="accent1">
+                <a:shade val="50000"/>
+              </a:schemeClr>
+            </a:lnRef>
+            <a:fillRef idx="1">
+              <a:schemeClr val="accent1"/>
+            </a:fillRef>
+            <a:effectRef idx="0">
+              <a:schemeClr val="accent1"/>
+            </a:effectRef>
+            <a:fontRef idx="minor">
+              <a:schemeClr val="lt1"/>
+            </a:fontRef>
+          </p:style>
+          <p:txBody>
+            <a:bodyPr rtlCol="0" anchor="ctr"/>
+            <a:lstStyle/>
+            <a:p>
+              <a:pPr algn="ctr"/>
+              <a:endParaRPr lang="en-US" sz="3600" b="1" dirty="0"/>
+            </a:p>
+            <a:p>
+              <a:pPr algn="ctr"/>
+              <a:r>
+                <a:rPr lang="en-US" sz="3600" b="1" dirty="0"/>
+                <a:t>Instance</a:t>
+              </a:r>
+              <a:endParaRPr lang="de-DE" sz="3600" b="1" dirty="0"/>
+            </a:p>
+          </p:txBody>
+        </p:sp>
+      </p:grpSp>
+      <p:pic>
+        <p:nvPicPr>
+          <p:cNvPr id="71" name="Picture 2" descr="http://miamitom.net/content/wp-content/uploads/2015/04/aws-logo-large_white-300x111.png"/>
+          <p:cNvPicPr>
+            <a:picLocks noChangeAspect="1" noChangeArrowheads="1"/>
+          </p:cNvPicPr>
+          <p:nvPr/>
+        </p:nvPicPr>
+        <p:blipFill>
+          <a:blip r:embed="rId2">
+            <a:extLst>
+              <a:ext uri="{28A0092B-C50C-407E-A947-70E740481C1C}">
+                <a14:useLocalDpi xmlns:a14="http://schemas.microsoft.com/office/drawing/2010/main" val="0"/>
+              </a:ext>
+            </a:extLst>
+          </a:blip>
+          <a:srcRect/>
+          <a:stretch>
+            <a:fillRect/>
+          </a:stretch>
+        </p:blipFill>
+        <p:spPr bwMode="auto">
+          <a:xfrm>
+            <a:off x="15256789" y="3961374"/>
+            <a:ext cx="2881593" cy="1066191"/>
+          </a:xfrm>
+          <a:prstGeom prst="rect">
+            <a:avLst/>
+          </a:prstGeom>
+          <a:noFill/>
+          <a:extLst>
+            <a:ext uri="{909E8E84-426E-40DD-AFC4-6F175D3DCCD1}">
+              <a14:hiddenFill xmlns:a14="http://schemas.microsoft.com/office/drawing/2010/main">
+                <a:solidFill>
+                  <a:srgbClr val="FFFFFF"/>
+                </a:solidFill>
+              </a14:hiddenFill>
+            </a:ext>
+          </a:extLst>
+        </p:spPr>
+      </p:pic>
+      <p:cxnSp>
+        <p:nvCxnSpPr>
+          <p:cNvPr id="78" name="Straight Arrow Connector 77"/>
+          <p:cNvCxnSpPr/>
+          <p:nvPr/>
+        </p:nvCxnSpPr>
+        <p:spPr>
+          <a:xfrm>
+            <a:off x="12347330" y="3636401"/>
+            <a:ext cx="1792374" cy="0"/>
+          </a:xfrm>
+          <a:prstGeom prst="straightConnector1">
+            <a:avLst/>
+          </a:prstGeom>
+          <a:ln w="228600">
+            <a:solidFill>
+              <a:schemeClr val="bg2">
+                <a:lumMod val="75000"/>
+              </a:schemeClr>
+            </a:solidFill>
+            <a:tailEnd type="triangle"/>
+          </a:ln>
+        </p:spPr>
+        <p:style>
+          <a:lnRef idx="1">
+            <a:schemeClr val="accent1"/>
+          </a:lnRef>
+          <a:fillRef idx="0">
+            <a:schemeClr val="accent1"/>
+          </a:fillRef>
+          <a:effectRef idx="0">
+            <a:schemeClr val="accent1"/>
+          </a:effectRef>
+          <a:fontRef idx="minor">
+            <a:schemeClr val="tx1"/>
+          </a:fontRef>
+        </p:style>
+      </p:cxnSp>
+    </p:spTree>
+    <p:extLst>
+      <p:ext uri="{BB962C8B-B14F-4D97-AF65-F5344CB8AC3E}">
+        <p14:creationId xmlns:p14="http://schemas.microsoft.com/office/powerpoint/2010/main" val="2819173523"/>
+      </p:ext>
+    </p:extLst>
+  </p:cSld>
+  <p:clrMapOvr>
+    <a:masterClrMapping/>
+  </p:clrMapOvr>
+</p:sld>
+</file>
+
+<file path=ppt/slides/slide6.xml><?xml version="1.0" encoding="utf-8"?>
+<p:sld xmlns:a="http://schemas.openxmlformats.org/drawingml/2006/main" xmlns:r="http://schemas.openxmlformats.org/officeDocument/2006/relationships" xmlns:p="http://schemas.openxmlformats.org/presentationml/2006/main">
+  <p:cSld>
+    <p:spTree>
+      <p:nvGrpSpPr>
+        <p:cNvPr id="1" name=""/>
+        <p:cNvGrpSpPr/>
+        <p:nvPr/>
+      </p:nvGrpSpPr>
+      <p:grpSpPr>
+        <a:xfrm>
+          <a:off x="0" y="0"/>
+          <a:ext cx="0" cy="0"/>
+          <a:chOff x="0" y="0"/>
+          <a:chExt cx="0" cy="0"/>
+        </a:xfrm>
+      </p:grpSpPr>
+      <p:grpSp>
+        <p:nvGrpSpPr>
           <p:cNvPr id="4" name="Group 3"/>
           <p:cNvGrpSpPr/>
           <p:nvPr/>
@@ -37796,7 +39685,7 @@
 </p:sld>
 </file>
 
-<file path=ppt/slides/slide6.xml><?xml version="1.0" encoding="utf-8"?>
+<file path=ppt/slides/slide7.xml><?xml version="1.0" encoding="utf-8"?>
 <p:sld xmlns:a="http://schemas.openxmlformats.org/drawingml/2006/main" xmlns:r="http://schemas.openxmlformats.org/officeDocument/2006/relationships" xmlns:p="http://schemas.openxmlformats.org/presentationml/2006/main">
   <p:cSld>
     <p:spTree>
@@ -38558,7 +40447,7 @@
 </p:sld>
 </file>
 
-<file path=ppt/slides/slide7.xml><?xml version="1.0" encoding="utf-8"?>
+<file path=ppt/slides/slide8.xml><?xml version="1.0" encoding="utf-8"?>
 <p:sld xmlns:a="http://schemas.openxmlformats.org/drawingml/2006/main" xmlns:r="http://schemas.openxmlformats.org/officeDocument/2006/relationships" xmlns:p="http://schemas.openxmlformats.org/presentationml/2006/main">
   <p:cSld>
     <p:spTree>
@@ -39232,7 +41121,7 @@
 </p:sld>
 </file>
 
-<file path=ppt/slides/slide8.xml><?xml version="1.0" encoding="utf-8"?>
+<file path=ppt/slides/slide9.xml><?xml version="1.0" encoding="utf-8"?>
 <p:sld xmlns:a="http://schemas.openxmlformats.org/drawingml/2006/main" xmlns:r="http://schemas.openxmlformats.org/officeDocument/2006/relationships" xmlns:p="http://schemas.openxmlformats.org/presentationml/2006/main">
   <p:cSld>
     <p:spTree>
@@ -39720,364 +41609,6 @@
     <p:extLst>
       <p:ext uri="{BB962C8B-B14F-4D97-AF65-F5344CB8AC3E}">
         <p14:creationId xmlns:p14="http://schemas.microsoft.com/office/powerpoint/2010/main" val="4273925918"/>
-      </p:ext>
-    </p:extLst>
-  </p:cSld>
-  <p:clrMapOvr>
-    <a:masterClrMapping/>
-  </p:clrMapOvr>
-  <p:timing>
-    <p:tnLst>
-      <p:par>
-        <p:cTn id="1" dur="indefinite" restart="never" nodeType="tmRoot"/>
-      </p:par>
-    </p:tnLst>
-  </p:timing>
-</p:sld>
-</file>
-
-<file path=ppt/slides/slide9.xml><?xml version="1.0" encoding="utf-8"?>
-<p:sld xmlns:a="http://schemas.openxmlformats.org/drawingml/2006/main" xmlns:r="http://schemas.openxmlformats.org/officeDocument/2006/relationships" xmlns:p="http://schemas.openxmlformats.org/presentationml/2006/main">
-  <p:cSld>
-    <p:spTree>
-      <p:nvGrpSpPr>
-        <p:cNvPr id="1" name=""/>
-        <p:cNvGrpSpPr/>
-        <p:nvPr/>
-      </p:nvGrpSpPr>
-      <p:grpSpPr>
-        <a:xfrm>
-          <a:off x="0" y="0"/>
-          <a:ext cx="0" cy="0"/>
-          <a:chOff x="0" y="0"/>
-          <a:chExt cx="0" cy="0"/>
-        </a:xfrm>
-      </p:grpSpPr>
-      <p:grpSp>
-        <p:nvGrpSpPr>
-          <p:cNvPr id="25" name="Group 24"/>
-          <p:cNvGrpSpPr/>
-          <p:nvPr/>
-        </p:nvGrpSpPr>
-        <p:grpSpPr>
-          <a:xfrm>
-            <a:off x="12820515" y="6063545"/>
-            <a:ext cx="1765988" cy="1360685"/>
-            <a:chOff x="6081914" y="3933826"/>
-            <a:chExt cx="3411961" cy="1409700"/>
-          </a:xfrm>
-          <a:solidFill>
-            <a:schemeClr val="accent1">
-              <a:lumMod val="75000"/>
-            </a:schemeClr>
-          </a:solidFill>
-        </p:grpSpPr>
-        <p:sp>
-          <p:nvSpPr>
-            <p:cNvPr id="26" name="Rounded Rectangle 25"/>
-            <p:cNvSpPr/>
-            <p:nvPr/>
-          </p:nvSpPr>
-          <p:spPr>
-            <a:xfrm>
-              <a:off x="6448425" y="3933826"/>
-              <a:ext cx="2628900" cy="1409700"/>
-            </a:xfrm>
-            <a:prstGeom prst="ellipse">
-              <a:avLst/>
-            </a:prstGeom>
-            <a:grpFill/>
-            <a:ln w="114300">
-              <a:solidFill>
-                <a:schemeClr val="accent1">
-                  <a:lumMod val="50000"/>
-                </a:schemeClr>
-              </a:solidFill>
-            </a:ln>
-          </p:spPr>
-          <p:style>
-            <a:lnRef idx="2">
-              <a:schemeClr val="accent1">
-                <a:shade val="50000"/>
-              </a:schemeClr>
-            </a:lnRef>
-            <a:fillRef idx="1">
-              <a:schemeClr val="accent1"/>
-            </a:fillRef>
-            <a:effectRef idx="0">
-              <a:schemeClr val="accent1"/>
-            </a:effectRef>
-            <a:fontRef idx="minor">
-              <a:schemeClr val="lt1"/>
-            </a:fontRef>
-          </p:style>
-          <p:txBody>
-            <a:bodyPr rtlCol="0" anchor="ctr"/>
-            <a:lstStyle/>
-            <a:p>
-              <a:pPr algn="ctr"/>
-              <a:endParaRPr lang="de-DE"/>
-            </a:p>
-          </p:txBody>
-        </p:sp>
-        <p:sp>
-          <p:nvSpPr>
-            <p:cNvPr id="27" name="TextBox 26"/>
-            <p:cNvSpPr txBox="1"/>
-            <p:nvPr/>
-          </p:nvSpPr>
-          <p:spPr>
-            <a:xfrm>
-              <a:off x="6081914" y="4139724"/>
-              <a:ext cx="3411961" cy="1120955"/>
-            </a:xfrm>
-            <a:prstGeom prst="ellipse">
-              <a:avLst/>
-            </a:prstGeom>
-            <a:noFill/>
-            <a:ln>
-              <a:noFill/>
-            </a:ln>
-          </p:spPr>
-          <p:txBody>
-            <a:bodyPr wrap="square" rtlCol="0">
-              <a:spAutoFit/>
-            </a:bodyPr>
-            <a:lstStyle/>
-            <a:p>
-              <a:pPr algn="ctr"/>
-              <a:r>
-                <a:rPr lang="en-US" sz="2200" b="1" dirty="0">
-                  <a:solidFill>
-                    <a:schemeClr val="bg1"/>
-                  </a:solidFill>
-                </a:rPr>
-                <a:t>Bootable App</a:t>
-              </a:r>
-              <a:endParaRPr lang="de-DE" sz="2200" b="1" dirty="0">
-                <a:solidFill>
-                  <a:schemeClr val="bg1"/>
-                </a:solidFill>
-              </a:endParaRPr>
-            </a:p>
-          </p:txBody>
-        </p:sp>
-      </p:grpSp>
-      <p:grpSp>
-        <p:nvGrpSpPr>
-          <p:cNvPr id="18" name="Group 17"/>
-          <p:cNvGrpSpPr/>
-          <p:nvPr/>
-        </p:nvGrpSpPr>
-        <p:grpSpPr>
-          <a:xfrm>
-            <a:off x="2604452" y="1633030"/>
-            <a:ext cx="5896303" cy="5791199"/>
-            <a:chOff x="6448425" y="3933826"/>
-            <a:chExt cx="2628900" cy="1409700"/>
-          </a:xfrm>
-        </p:grpSpPr>
-        <p:sp>
-          <p:nvSpPr>
-            <p:cNvPr id="19" name="Rounded Rectangle 18"/>
-            <p:cNvSpPr/>
-            <p:nvPr/>
-          </p:nvSpPr>
-          <p:spPr>
-            <a:xfrm>
-              <a:off x="6448425" y="3933826"/>
-              <a:ext cx="2628900" cy="1409700"/>
-            </a:xfrm>
-            <a:prstGeom prst="roundRect">
-              <a:avLst/>
-            </a:prstGeom>
-            <a:solidFill>
-              <a:schemeClr val="accent1">
-                <a:lumMod val="50000"/>
-              </a:schemeClr>
-            </a:solidFill>
-            <a:ln w="114300">
-              <a:solidFill>
-                <a:schemeClr val="accent5">
-                  <a:lumMod val="50000"/>
-                </a:schemeClr>
-              </a:solidFill>
-            </a:ln>
-          </p:spPr>
-          <p:style>
-            <a:lnRef idx="2">
-              <a:schemeClr val="accent1">
-                <a:shade val="50000"/>
-              </a:schemeClr>
-            </a:lnRef>
-            <a:fillRef idx="1">
-              <a:schemeClr val="accent1"/>
-            </a:fillRef>
-            <a:effectRef idx="0">
-              <a:schemeClr val="accent1"/>
-            </a:effectRef>
-            <a:fontRef idx="minor">
-              <a:schemeClr val="lt1"/>
-            </a:fontRef>
-          </p:style>
-          <p:txBody>
-            <a:bodyPr rtlCol="0" anchor="ctr"/>
-            <a:lstStyle/>
-            <a:p>
-              <a:pPr algn="ctr"/>
-              <a:endParaRPr lang="de-DE"/>
-            </a:p>
-          </p:txBody>
-        </p:sp>
-        <p:sp>
-          <p:nvSpPr>
-            <p:cNvPr id="20" name="TextBox 19"/>
-            <p:cNvSpPr txBox="1"/>
-            <p:nvPr/>
-          </p:nvSpPr>
-          <p:spPr>
-            <a:xfrm>
-              <a:off x="6496810" y="4534818"/>
-              <a:ext cx="2524067" cy="202282"/>
-            </a:xfrm>
-            <a:prstGeom prst="rect">
-              <a:avLst/>
-            </a:prstGeom>
-            <a:noFill/>
-          </p:spPr>
-          <p:txBody>
-            <a:bodyPr wrap="square" rtlCol="0">
-              <a:spAutoFit/>
-            </a:bodyPr>
-            <a:lstStyle/>
-            <a:p>
-              <a:pPr algn="ctr"/>
-              <a:r>
-                <a:rPr lang="en-US" sz="4800" b="1" dirty="0">
-                  <a:solidFill>
-                    <a:schemeClr val="bg1"/>
-                  </a:solidFill>
-                </a:rPr>
-                <a:t>Machine Image</a:t>
-              </a:r>
-              <a:endParaRPr lang="de-DE" sz="4800" b="1" dirty="0">
-                <a:solidFill>
-                  <a:schemeClr val="bg1"/>
-                </a:solidFill>
-              </a:endParaRPr>
-            </a:p>
-          </p:txBody>
-        </p:sp>
-      </p:grpSp>
-      <p:sp>
-        <p:nvSpPr>
-          <p:cNvPr id="21" name="TextBox 20"/>
-          <p:cNvSpPr txBox="1"/>
-          <p:nvPr/>
-        </p:nvSpPr>
-        <p:spPr>
-          <a:xfrm>
-            <a:off x="3713814" y="7484543"/>
-            <a:ext cx="3801979" cy="1323439"/>
-          </a:xfrm>
-          <a:prstGeom prst="rect">
-            <a:avLst/>
-          </a:prstGeom>
-          <a:noFill/>
-        </p:spPr>
-        <p:txBody>
-          <a:bodyPr wrap="square" rtlCol="0">
-            <a:spAutoFit/>
-          </a:bodyPr>
-          <a:lstStyle/>
-          <a:p>
-            <a:pPr algn="ctr"/>
-            <a:r>
-              <a:rPr lang="en-US" sz="4000" b="1" dirty="0">
-                <a:solidFill>
-                  <a:schemeClr val="bg1">
-                    <a:lumMod val="50000"/>
-                  </a:schemeClr>
-                </a:solidFill>
-              </a:rPr>
-              <a:t>Legacy OS</a:t>
-            </a:r>
-          </a:p>
-          <a:p>
-            <a:pPr algn="ctr"/>
-            <a:r>
-              <a:rPr lang="en-US" sz="4000" b="1" dirty="0">
-                <a:solidFill>
-                  <a:schemeClr val="bg1">
-                    <a:lumMod val="50000"/>
-                  </a:schemeClr>
-                </a:solidFill>
-              </a:rPr>
-              <a:t>Multiple GBs</a:t>
-            </a:r>
-          </a:p>
-        </p:txBody>
-      </p:sp>
-      <p:sp>
-        <p:nvSpPr>
-          <p:cNvPr id="22" name="TextBox 21"/>
-          <p:cNvSpPr txBox="1"/>
-          <p:nvPr/>
-        </p:nvSpPr>
-        <p:spPr>
-          <a:xfrm>
-            <a:off x="10648718" y="7543486"/>
-            <a:ext cx="6136103" cy="1323439"/>
-          </a:xfrm>
-          <a:prstGeom prst="rect">
-            <a:avLst/>
-          </a:prstGeom>
-          <a:noFill/>
-        </p:spPr>
-        <p:txBody>
-          <a:bodyPr wrap="square" rtlCol="0">
-            <a:spAutoFit/>
-          </a:bodyPr>
-          <a:lstStyle/>
-          <a:p>
-            <a:pPr algn="ctr"/>
-            <a:r>
-              <a:rPr lang="en-US" sz="4000" b="1" dirty="0">
-                <a:solidFill>
-                  <a:schemeClr val="bg1">
-                    <a:lumMod val="50000"/>
-                  </a:schemeClr>
-                </a:solidFill>
-              </a:rPr>
-              <a:t>Boxfuse Secure Micro OS</a:t>
-            </a:r>
-          </a:p>
-          <a:p>
-            <a:pPr algn="ctr"/>
-            <a:r>
-              <a:rPr lang="en-US" sz="4000" b="1" dirty="0">
-                <a:solidFill>
-                  <a:schemeClr val="bg1">
-                    <a:lumMod val="50000"/>
-                  </a:schemeClr>
-                </a:solidFill>
-              </a:rPr>
-              <a:t>Few MBs</a:t>
-            </a:r>
-            <a:endParaRPr lang="de-DE" sz="4000" b="1" dirty="0">
-              <a:solidFill>
-                <a:schemeClr val="bg1">
-                  <a:lumMod val="50000"/>
-                </a:schemeClr>
-              </a:solidFill>
-            </a:endParaRPr>
-          </a:p>
-        </p:txBody>
-      </p:sp>
-    </p:spTree>
-    <p:extLst>
-      <p:ext uri="{BB962C8B-B14F-4D97-AF65-F5344CB8AC3E}">
-        <p14:creationId xmlns:p14="http://schemas.microsoft.com/office/powerpoint/2010/main" val="4154683558"/>
       </p:ext>
     </p:extLst>
   </p:cSld>

--- a/_sources/GettingStarted.pptx
+++ b/_sources/GettingStarted.pptx
@@ -12,29 +12,30 @@
     <p:sldId id="283" r:id="rId6"/>
     <p:sldId id="284" r:id="rId7"/>
     <p:sldId id="285" r:id="rId8"/>
-    <p:sldId id="259" r:id="rId9"/>
-    <p:sldId id="260" r:id="rId10"/>
-    <p:sldId id="261" r:id="rId11"/>
-    <p:sldId id="269" r:id="rId12"/>
-    <p:sldId id="262" r:id="rId13"/>
-    <p:sldId id="263" r:id="rId14"/>
-    <p:sldId id="264" r:id="rId15"/>
-    <p:sldId id="282" r:id="rId16"/>
-    <p:sldId id="273" r:id="rId17"/>
-    <p:sldId id="265" r:id="rId18"/>
-    <p:sldId id="266" r:id="rId19"/>
-    <p:sldId id="267" r:id="rId20"/>
-    <p:sldId id="268" r:id="rId21"/>
-    <p:sldId id="270" r:id="rId22"/>
-    <p:sldId id="272" r:id="rId23"/>
-    <p:sldId id="271" r:id="rId24"/>
-    <p:sldId id="274" r:id="rId25"/>
-    <p:sldId id="276" r:id="rId26"/>
-    <p:sldId id="277" r:id="rId27"/>
-    <p:sldId id="278" r:id="rId28"/>
-    <p:sldId id="279" r:id="rId29"/>
-    <p:sldId id="280" r:id="rId30"/>
-    <p:sldId id="281" r:id="rId31"/>
+    <p:sldId id="286" r:id="rId9"/>
+    <p:sldId id="259" r:id="rId10"/>
+    <p:sldId id="260" r:id="rId11"/>
+    <p:sldId id="261" r:id="rId12"/>
+    <p:sldId id="269" r:id="rId13"/>
+    <p:sldId id="262" r:id="rId14"/>
+    <p:sldId id="263" r:id="rId15"/>
+    <p:sldId id="264" r:id="rId16"/>
+    <p:sldId id="282" r:id="rId17"/>
+    <p:sldId id="273" r:id="rId18"/>
+    <p:sldId id="265" r:id="rId19"/>
+    <p:sldId id="266" r:id="rId20"/>
+    <p:sldId id="267" r:id="rId21"/>
+    <p:sldId id="268" r:id="rId22"/>
+    <p:sldId id="270" r:id="rId23"/>
+    <p:sldId id="272" r:id="rId24"/>
+    <p:sldId id="271" r:id="rId25"/>
+    <p:sldId id="274" r:id="rId26"/>
+    <p:sldId id="276" r:id="rId27"/>
+    <p:sldId id="277" r:id="rId28"/>
+    <p:sldId id="278" r:id="rId29"/>
+    <p:sldId id="279" r:id="rId30"/>
+    <p:sldId id="280" r:id="rId31"/>
+    <p:sldId id="281" r:id="rId32"/>
   </p:sldIdLst>
   <p:sldSz cx="19199225" cy="10799763"/>
   <p:notesSz cx="6858000" cy="9144000"/>
@@ -2714,7 +2715,7 @@
           <a:p>
             <a:fld id="{9AA7D095-A676-4F6B-9416-D65D798F5244}" type="datetimeFigureOut">
               <a:rPr lang="de-DE" smtClean="0"/>
-              <a:t>20.10.2015</a:t>
+              <a:t>23.10.2015</a:t>
             </a:fld>
             <a:endParaRPr lang="de-DE"/>
           </a:p>
@@ -2884,7 +2885,7 @@
           <a:p>
             <a:fld id="{9AA7D095-A676-4F6B-9416-D65D798F5244}" type="datetimeFigureOut">
               <a:rPr lang="de-DE" smtClean="0"/>
-              <a:t>20.10.2015</a:t>
+              <a:t>23.10.2015</a:t>
             </a:fld>
             <a:endParaRPr lang="de-DE"/>
           </a:p>
@@ -3064,7 +3065,7 @@
           <a:p>
             <a:fld id="{9AA7D095-A676-4F6B-9416-D65D798F5244}" type="datetimeFigureOut">
               <a:rPr lang="de-DE" smtClean="0"/>
-              <a:t>20.10.2015</a:t>
+              <a:t>23.10.2015</a:t>
             </a:fld>
             <a:endParaRPr lang="de-DE"/>
           </a:p>
@@ -3234,7 +3235,7 @@
           <a:p>
             <a:fld id="{9AA7D095-A676-4F6B-9416-D65D798F5244}" type="datetimeFigureOut">
               <a:rPr lang="de-DE" smtClean="0"/>
-              <a:t>20.10.2015</a:t>
+              <a:t>23.10.2015</a:t>
             </a:fld>
             <a:endParaRPr lang="de-DE"/>
           </a:p>
@@ -3480,7 +3481,7 @@
           <a:p>
             <a:fld id="{9AA7D095-A676-4F6B-9416-D65D798F5244}" type="datetimeFigureOut">
               <a:rPr lang="de-DE" smtClean="0"/>
-              <a:t>20.10.2015</a:t>
+              <a:t>23.10.2015</a:t>
             </a:fld>
             <a:endParaRPr lang="de-DE"/>
           </a:p>
@@ -3712,7 +3713,7 @@
           <a:p>
             <a:fld id="{9AA7D095-A676-4F6B-9416-D65D798F5244}" type="datetimeFigureOut">
               <a:rPr lang="de-DE" smtClean="0"/>
-              <a:t>20.10.2015</a:t>
+              <a:t>23.10.2015</a:t>
             </a:fld>
             <a:endParaRPr lang="de-DE"/>
           </a:p>
@@ -4079,7 +4080,7 @@
           <a:p>
             <a:fld id="{9AA7D095-A676-4F6B-9416-D65D798F5244}" type="datetimeFigureOut">
               <a:rPr lang="de-DE" smtClean="0"/>
-              <a:t>20.10.2015</a:t>
+              <a:t>23.10.2015</a:t>
             </a:fld>
             <a:endParaRPr lang="de-DE"/>
           </a:p>
@@ -4197,7 +4198,7 @@
           <a:p>
             <a:fld id="{9AA7D095-A676-4F6B-9416-D65D798F5244}" type="datetimeFigureOut">
               <a:rPr lang="de-DE" smtClean="0"/>
-              <a:t>20.10.2015</a:t>
+              <a:t>23.10.2015</a:t>
             </a:fld>
             <a:endParaRPr lang="de-DE"/>
           </a:p>
@@ -4292,7 +4293,7 @@
           <a:p>
             <a:fld id="{9AA7D095-A676-4F6B-9416-D65D798F5244}" type="datetimeFigureOut">
               <a:rPr lang="de-DE" smtClean="0"/>
-              <a:t>20.10.2015</a:t>
+              <a:t>23.10.2015</a:t>
             </a:fld>
             <a:endParaRPr lang="de-DE"/>
           </a:p>
@@ -4569,7 +4570,7 @@
           <a:p>
             <a:fld id="{9AA7D095-A676-4F6B-9416-D65D798F5244}" type="datetimeFigureOut">
               <a:rPr lang="de-DE" smtClean="0"/>
-              <a:t>20.10.2015</a:t>
+              <a:t>23.10.2015</a:t>
             </a:fld>
             <a:endParaRPr lang="de-DE"/>
           </a:p>
@@ -4826,7 +4827,7 @@
           <a:p>
             <a:fld id="{9AA7D095-A676-4F6B-9416-D65D798F5244}" type="datetimeFigureOut">
               <a:rPr lang="de-DE" smtClean="0"/>
-              <a:t>20.10.2015</a:t>
+              <a:t>23.10.2015</a:t>
             </a:fld>
             <a:endParaRPr lang="de-DE"/>
           </a:p>
@@ -5039,7 +5040,7 @@
           <a:p>
             <a:fld id="{9AA7D095-A676-4F6B-9416-D65D798F5244}" type="datetimeFigureOut">
               <a:rPr lang="de-DE" smtClean="0"/>
-              <a:t>20.10.2015</a:t>
+              <a:t>23.10.2015</a:t>
             </a:fld>
             <a:endParaRPr lang="de-DE"/>
           </a:p>
@@ -5662,6 +5663,768 @@
       </p:grpSpPr>
       <p:grpSp>
         <p:nvGrpSpPr>
+          <p:cNvPr id="27" name="Group 26"/>
+          <p:cNvGrpSpPr/>
+          <p:nvPr/>
+        </p:nvGrpSpPr>
+        <p:grpSpPr>
+          <a:xfrm>
+            <a:off x="3617912" y="2080418"/>
+            <a:ext cx="3676650" cy="6917472"/>
+            <a:chOff x="114300" y="95250"/>
+            <a:chExt cx="3676650" cy="6917472"/>
+          </a:xfrm>
+        </p:grpSpPr>
+        <p:sp>
+          <p:nvSpPr>
+            <p:cNvPr id="5" name="Rounded Rectangle 4"/>
+            <p:cNvSpPr/>
+            <p:nvPr/>
+          </p:nvSpPr>
+          <p:spPr>
+            <a:xfrm>
+              <a:off x="114300" y="95250"/>
+              <a:ext cx="3676650" cy="6162675"/>
+            </a:xfrm>
+            <a:prstGeom prst="roundRect">
+              <a:avLst>
+                <a:gd name="adj" fmla="val 9672"/>
+              </a:avLst>
+            </a:prstGeom>
+            <a:solidFill>
+              <a:schemeClr val="bg2">
+                <a:lumMod val="90000"/>
+              </a:schemeClr>
+            </a:solidFill>
+            <a:ln w="114300">
+              <a:solidFill>
+                <a:schemeClr val="bg1">
+                  <a:lumMod val="50000"/>
+                </a:schemeClr>
+              </a:solidFill>
+            </a:ln>
+          </p:spPr>
+          <p:style>
+            <a:lnRef idx="2">
+              <a:schemeClr val="accent1">
+                <a:shade val="50000"/>
+              </a:schemeClr>
+            </a:lnRef>
+            <a:fillRef idx="1">
+              <a:schemeClr val="accent1"/>
+            </a:fillRef>
+            <a:effectRef idx="0">
+              <a:schemeClr val="accent1"/>
+            </a:effectRef>
+            <a:fontRef idx="minor">
+              <a:schemeClr val="lt1"/>
+            </a:fontRef>
+          </p:style>
+          <p:txBody>
+            <a:bodyPr rtlCol="0" anchor="ctr"/>
+            <a:lstStyle/>
+            <a:p>
+              <a:pPr algn="ctr"/>
+              <a:endParaRPr lang="de-DE"/>
+            </a:p>
+          </p:txBody>
+        </p:sp>
+        <p:sp>
+          <p:nvSpPr>
+            <p:cNvPr id="25" name="TextBox 24"/>
+            <p:cNvSpPr txBox="1"/>
+            <p:nvPr/>
+          </p:nvSpPr>
+          <p:spPr>
+            <a:xfrm>
+              <a:off x="1285875" y="6181725"/>
+              <a:ext cx="1333500" cy="830997"/>
+            </a:xfrm>
+            <a:prstGeom prst="rect">
+              <a:avLst/>
+            </a:prstGeom>
+            <a:noFill/>
+          </p:spPr>
+          <p:txBody>
+            <a:bodyPr wrap="square" rtlCol="0">
+              <a:spAutoFit/>
+            </a:bodyPr>
+            <a:lstStyle/>
+            <a:p>
+              <a:pPr algn="ctr"/>
+              <a:r>
+                <a:rPr lang="en-US" sz="4800" b="1" dirty="0">
+                  <a:solidFill>
+                    <a:schemeClr val="bg1">
+                      <a:lumMod val="50000"/>
+                    </a:schemeClr>
+                  </a:solidFill>
+                </a:rPr>
+                <a:t>DEV</a:t>
+              </a:r>
+              <a:endParaRPr lang="de-DE" sz="4800" b="1" dirty="0">
+                <a:solidFill>
+                  <a:schemeClr val="bg1">
+                    <a:lumMod val="50000"/>
+                  </a:schemeClr>
+                </a:solidFill>
+              </a:endParaRPr>
+            </a:p>
+          </p:txBody>
+        </p:sp>
+      </p:grpSp>
+      <p:grpSp>
+        <p:nvGrpSpPr>
+          <p:cNvPr id="72" name="Group 71"/>
+          <p:cNvGrpSpPr/>
+          <p:nvPr/>
+        </p:nvGrpSpPr>
+        <p:grpSpPr>
+          <a:xfrm>
+            <a:off x="3894137" y="2261399"/>
+            <a:ext cx="3105150" cy="5791199"/>
+            <a:chOff x="6448425" y="3933826"/>
+            <a:chExt cx="2628900" cy="1409700"/>
+          </a:xfrm>
+        </p:grpSpPr>
+        <p:sp>
+          <p:nvSpPr>
+            <p:cNvPr id="73" name="Rounded Rectangle 72"/>
+            <p:cNvSpPr/>
+            <p:nvPr/>
+          </p:nvSpPr>
+          <p:spPr>
+            <a:xfrm>
+              <a:off x="6448425" y="3933826"/>
+              <a:ext cx="2628900" cy="1409700"/>
+            </a:xfrm>
+            <a:prstGeom prst="roundRect">
+              <a:avLst/>
+            </a:prstGeom>
+            <a:solidFill>
+              <a:schemeClr val="accent5"/>
+            </a:solidFill>
+            <a:ln w="114300">
+              <a:solidFill>
+                <a:schemeClr val="accent5">
+                  <a:lumMod val="50000"/>
+                </a:schemeClr>
+              </a:solidFill>
+            </a:ln>
+          </p:spPr>
+          <p:style>
+            <a:lnRef idx="2">
+              <a:schemeClr val="accent1">
+                <a:shade val="50000"/>
+              </a:schemeClr>
+            </a:lnRef>
+            <a:fillRef idx="1">
+              <a:schemeClr val="accent1"/>
+            </a:fillRef>
+            <a:effectRef idx="0">
+              <a:schemeClr val="accent1"/>
+            </a:effectRef>
+            <a:fontRef idx="minor">
+              <a:schemeClr val="lt1"/>
+            </a:fontRef>
+          </p:style>
+          <p:txBody>
+            <a:bodyPr rtlCol="0" anchor="ctr"/>
+            <a:lstStyle/>
+            <a:p>
+              <a:pPr algn="ctr"/>
+              <a:endParaRPr lang="de-DE"/>
+            </a:p>
+          </p:txBody>
+        </p:sp>
+        <p:sp>
+          <p:nvSpPr>
+            <p:cNvPr id="74" name="TextBox 73"/>
+            <p:cNvSpPr txBox="1"/>
+            <p:nvPr/>
+          </p:nvSpPr>
+          <p:spPr>
+            <a:xfrm>
+              <a:off x="6496810" y="4492603"/>
+              <a:ext cx="2524067" cy="292185"/>
+            </a:xfrm>
+            <a:prstGeom prst="rect">
+              <a:avLst/>
+            </a:prstGeom>
+            <a:noFill/>
+          </p:spPr>
+          <p:txBody>
+            <a:bodyPr wrap="square" rtlCol="0">
+              <a:spAutoFit/>
+            </a:bodyPr>
+            <a:lstStyle/>
+            <a:p>
+              <a:pPr algn="ctr"/>
+              <a:r>
+                <a:rPr lang="en-US" sz="3600" b="1" dirty="0">
+                  <a:solidFill>
+                    <a:schemeClr val="bg1"/>
+                  </a:solidFill>
+                </a:rPr>
+                <a:t>Machine Image</a:t>
+              </a:r>
+              <a:endParaRPr lang="de-DE" sz="3600" b="1" dirty="0">
+                <a:solidFill>
+                  <a:schemeClr val="bg1"/>
+                </a:solidFill>
+              </a:endParaRPr>
+            </a:p>
+          </p:txBody>
+        </p:sp>
+      </p:grpSp>
+      <p:grpSp>
+        <p:nvGrpSpPr>
+          <p:cNvPr id="29" name="Group 28"/>
+          <p:cNvGrpSpPr/>
+          <p:nvPr/>
+        </p:nvGrpSpPr>
+        <p:grpSpPr>
+          <a:xfrm>
+            <a:off x="8923341" y="2080418"/>
+            <a:ext cx="3800475" cy="6917472"/>
+            <a:chOff x="57150" y="95250"/>
+            <a:chExt cx="3800475" cy="6917472"/>
+          </a:xfrm>
+        </p:grpSpPr>
+        <p:sp>
+          <p:nvSpPr>
+            <p:cNvPr id="32" name="Rounded Rectangle 31"/>
+            <p:cNvSpPr/>
+            <p:nvPr/>
+          </p:nvSpPr>
+          <p:spPr>
+            <a:xfrm>
+              <a:off x="114300" y="95250"/>
+              <a:ext cx="3676650" cy="6162675"/>
+            </a:xfrm>
+            <a:prstGeom prst="roundRect">
+              <a:avLst>
+                <a:gd name="adj" fmla="val 9672"/>
+              </a:avLst>
+            </a:prstGeom>
+            <a:solidFill>
+              <a:schemeClr val="bg2">
+                <a:lumMod val="90000"/>
+              </a:schemeClr>
+            </a:solidFill>
+            <a:ln w="114300">
+              <a:solidFill>
+                <a:schemeClr val="bg1">
+                  <a:lumMod val="50000"/>
+                </a:schemeClr>
+              </a:solidFill>
+            </a:ln>
+          </p:spPr>
+          <p:style>
+            <a:lnRef idx="2">
+              <a:schemeClr val="accent1">
+                <a:shade val="50000"/>
+              </a:schemeClr>
+            </a:lnRef>
+            <a:fillRef idx="1">
+              <a:schemeClr val="accent1"/>
+            </a:fillRef>
+            <a:effectRef idx="0">
+              <a:schemeClr val="accent1"/>
+            </a:effectRef>
+            <a:fontRef idx="minor">
+              <a:schemeClr val="lt1"/>
+            </a:fontRef>
+          </p:style>
+          <p:txBody>
+            <a:bodyPr rtlCol="0" anchor="ctr"/>
+            <a:lstStyle/>
+            <a:p>
+              <a:pPr algn="ctr"/>
+              <a:endParaRPr lang="de-DE"/>
+            </a:p>
+          </p:txBody>
+        </p:sp>
+        <p:sp>
+          <p:nvSpPr>
+            <p:cNvPr id="31" name="TextBox 30"/>
+            <p:cNvSpPr txBox="1"/>
+            <p:nvPr/>
+          </p:nvSpPr>
+          <p:spPr>
+            <a:xfrm>
+              <a:off x="57150" y="6181725"/>
+              <a:ext cx="3800475" cy="830997"/>
+            </a:xfrm>
+            <a:prstGeom prst="rect">
+              <a:avLst/>
+            </a:prstGeom>
+            <a:noFill/>
+          </p:spPr>
+          <p:txBody>
+            <a:bodyPr wrap="square" rtlCol="0">
+              <a:spAutoFit/>
+            </a:bodyPr>
+            <a:lstStyle/>
+            <a:p>
+              <a:pPr algn="ctr"/>
+              <a:r>
+                <a:rPr lang="en-US" sz="4800" b="1" dirty="0">
+                  <a:solidFill>
+                    <a:schemeClr val="bg1">
+                      <a:lumMod val="50000"/>
+                    </a:schemeClr>
+                  </a:solidFill>
+                </a:rPr>
+                <a:t>TEST</a:t>
+              </a:r>
+              <a:endParaRPr lang="de-DE" sz="4800" b="1" dirty="0">
+                <a:solidFill>
+                  <a:schemeClr val="bg1">
+                    <a:lumMod val="50000"/>
+                  </a:schemeClr>
+                </a:solidFill>
+              </a:endParaRPr>
+            </a:p>
+          </p:txBody>
+        </p:sp>
+      </p:grpSp>
+      <p:grpSp>
+        <p:nvGrpSpPr>
+          <p:cNvPr id="49" name="Group 48"/>
+          <p:cNvGrpSpPr/>
+          <p:nvPr/>
+        </p:nvGrpSpPr>
+        <p:grpSpPr>
+          <a:xfrm>
+            <a:off x="14285912" y="2080418"/>
+            <a:ext cx="3790950" cy="6917472"/>
+            <a:chOff x="57150" y="95250"/>
+            <a:chExt cx="3790950" cy="6917472"/>
+          </a:xfrm>
+        </p:grpSpPr>
+        <p:sp>
+          <p:nvSpPr>
+            <p:cNvPr id="52" name="Rounded Rectangle 51"/>
+            <p:cNvSpPr/>
+            <p:nvPr/>
+          </p:nvSpPr>
+          <p:spPr>
+            <a:xfrm>
+              <a:off x="114300" y="95250"/>
+              <a:ext cx="3676650" cy="6162675"/>
+            </a:xfrm>
+            <a:prstGeom prst="roundRect">
+              <a:avLst>
+                <a:gd name="adj" fmla="val 9672"/>
+              </a:avLst>
+            </a:prstGeom>
+            <a:solidFill>
+              <a:schemeClr val="bg2">
+                <a:lumMod val="90000"/>
+              </a:schemeClr>
+            </a:solidFill>
+            <a:ln w="114300">
+              <a:solidFill>
+                <a:schemeClr val="bg1">
+                  <a:lumMod val="50000"/>
+                </a:schemeClr>
+              </a:solidFill>
+            </a:ln>
+          </p:spPr>
+          <p:style>
+            <a:lnRef idx="2">
+              <a:schemeClr val="accent1">
+                <a:shade val="50000"/>
+              </a:schemeClr>
+            </a:lnRef>
+            <a:fillRef idx="1">
+              <a:schemeClr val="accent1"/>
+            </a:fillRef>
+            <a:effectRef idx="0">
+              <a:schemeClr val="accent1"/>
+            </a:effectRef>
+            <a:fontRef idx="minor">
+              <a:schemeClr val="lt1"/>
+            </a:fontRef>
+          </p:style>
+          <p:txBody>
+            <a:bodyPr rtlCol="0" anchor="ctr"/>
+            <a:lstStyle/>
+            <a:p>
+              <a:pPr algn="ctr"/>
+              <a:endParaRPr lang="de-DE"/>
+            </a:p>
+          </p:txBody>
+        </p:sp>
+        <p:sp>
+          <p:nvSpPr>
+            <p:cNvPr id="51" name="TextBox 50"/>
+            <p:cNvSpPr txBox="1"/>
+            <p:nvPr/>
+          </p:nvSpPr>
+          <p:spPr>
+            <a:xfrm>
+              <a:off x="57150" y="6181725"/>
+              <a:ext cx="3790950" cy="830997"/>
+            </a:xfrm>
+            <a:prstGeom prst="rect">
+              <a:avLst/>
+            </a:prstGeom>
+            <a:noFill/>
+          </p:spPr>
+          <p:txBody>
+            <a:bodyPr wrap="square" rtlCol="0">
+              <a:spAutoFit/>
+            </a:bodyPr>
+            <a:lstStyle/>
+            <a:p>
+              <a:pPr algn="ctr"/>
+              <a:r>
+                <a:rPr lang="en-US" sz="4800" b="1" dirty="0">
+                  <a:solidFill>
+                    <a:schemeClr val="bg1">
+                      <a:lumMod val="50000"/>
+                    </a:schemeClr>
+                  </a:solidFill>
+                </a:rPr>
+                <a:t>PROD</a:t>
+              </a:r>
+              <a:endParaRPr lang="de-DE" sz="4800" b="1" dirty="0">
+                <a:solidFill>
+                  <a:schemeClr val="bg1">
+                    <a:lumMod val="50000"/>
+                  </a:schemeClr>
+                </a:solidFill>
+              </a:endParaRPr>
+            </a:p>
+          </p:txBody>
+        </p:sp>
+      </p:grpSp>
+      <p:cxnSp>
+        <p:nvCxnSpPr>
+          <p:cNvPr id="26" name="Straight Arrow Connector 25"/>
+          <p:cNvCxnSpPr/>
+          <p:nvPr/>
+        </p:nvCxnSpPr>
+        <p:spPr>
+          <a:xfrm>
+            <a:off x="12499974" y="5156993"/>
+            <a:ext cx="2019300" cy="0"/>
+          </a:xfrm>
+          <a:prstGeom prst="straightConnector1">
+            <a:avLst/>
+          </a:prstGeom>
+          <a:ln w="254000">
+            <a:solidFill>
+              <a:schemeClr val="accent5">
+                <a:lumMod val="75000"/>
+              </a:schemeClr>
+            </a:solidFill>
+            <a:prstDash val="solid"/>
+            <a:tailEnd type="triangle"/>
+          </a:ln>
+        </p:spPr>
+        <p:style>
+          <a:lnRef idx="1">
+            <a:schemeClr val="accent1"/>
+          </a:lnRef>
+          <a:fillRef idx="0">
+            <a:schemeClr val="accent1"/>
+          </a:fillRef>
+          <a:effectRef idx="0">
+            <a:schemeClr val="accent1"/>
+          </a:effectRef>
+          <a:fontRef idx="minor">
+            <a:schemeClr val="tx1"/>
+          </a:fontRef>
+        </p:style>
+      </p:cxnSp>
+      <p:cxnSp>
+        <p:nvCxnSpPr>
+          <p:cNvPr id="75" name="Straight Arrow Connector 74"/>
+          <p:cNvCxnSpPr/>
+          <p:nvPr/>
+        </p:nvCxnSpPr>
+        <p:spPr>
+          <a:xfrm>
+            <a:off x="7108829" y="5156993"/>
+            <a:ext cx="2047875" cy="0"/>
+          </a:xfrm>
+          <a:prstGeom prst="straightConnector1">
+            <a:avLst/>
+          </a:prstGeom>
+          <a:ln w="254000">
+            <a:solidFill>
+              <a:schemeClr val="accent5">
+                <a:lumMod val="75000"/>
+              </a:schemeClr>
+            </a:solidFill>
+            <a:tailEnd type="triangle"/>
+          </a:ln>
+        </p:spPr>
+        <p:style>
+          <a:lnRef idx="1">
+            <a:schemeClr val="accent1"/>
+          </a:lnRef>
+          <a:fillRef idx="0">
+            <a:schemeClr val="accent1"/>
+          </a:fillRef>
+          <a:effectRef idx="0">
+            <a:schemeClr val="accent1"/>
+          </a:effectRef>
+          <a:fontRef idx="minor">
+            <a:schemeClr val="tx1"/>
+          </a:fontRef>
+        </p:style>
+      </p:cxnSp>
+      <p:grpSp>
+        <p:nvGrpSpPr>
+          <p:cNvPr id="76" name="Group 75"/>
+          <p:cNvGrpSpPr/>
+          <p:nvPr/>
+        </p:nvGrpSpPr>
+        <p:grpSpPr>
+          <a:xfrm>
+            <a:off x="9266237" y="2261399"/>
+            <a:ext cx="3105150" cy="5791199"/>
+            <a:chOff x="6448425" y="3933826"/>
+            <a:chExt cx="2628900" cy="1409700"/>
+          </a:xfrm>
+        </p:grpSpPr>
+        <p:sp>
+          <p:nvSpPr>
+            <p:cNvPr id="77" name="Rounded Rectangle 76"/>
+            <p:cNvSpPr/>
+            <p:nvPr/>
+          </p:nvSpPr>
+          <p:spPr>
+            <a:xfrm>
+              <a:off x="6448425" y="3933826"/>
+              <a:ext cx="2628900" cy="1409700"/>
+            </a:xfrm>
+            <a:prstGeom prst="roundRect">
+              <a:avLst/>
+            </a:prstGeom>
+            <a:solidFill>
+              <a:schemeClr val="accent5"/>
+            </a:solidFill>
+            <a:ln w="114300">
+              <a:solidFill>
+                <a:schemeClr val="accent5">
+                  <a:lumMod val="50000"/>
+                </a:schemeClr>
+              </a:solidFill>
+            </a:ln>
+          </p:spPr>
+          <p:style>
+            <a:lnRef idx="2">
+              <a:schemeClr val="accent1">
+                <a:shade val="50000"/>
+              </a:schemeClr>
+            </a:lnRef>
+            <a:fillRef idx="1">
+              <a:schemeClr val="accent1"/>
+            </a:fillRef>
+            <a:effectRef idx="0">
+              <a:schemeClr val="accent1"/>
+            </a:effectRef>
+            <a:fontRef idx="minor">
+              <a:schemeClr val="lt1"/>
+            </a:fontRef>
+          </p:style>
+          <p:txBody>
+            <a:bodyPr rtlCol="0" anchor="ctr"/>
+            <a:lstStyle/>
+            <a:p>
+              <a:pPr algn="ctr"/>
+              <a:endParaRPr lang="de-DE"/>
+            </a:p>
+          </p:txBody>
+        </p:sp>
+        <p:sp>
+          <p:nvSpPr>
+            <p:cNvPr id="86" name="TextBox 85"/>
+            <p:cNvSpPr txBox="1"/>
+            <p:nvPr/>
+          </p:nvSpPr>
+          <p:spPr>
+            <a:xfrm>
+              <a:off x="6496810" y="4492603"/>
+              <a:ext cx="2524067" cy="292185"/>
+            </a:xfrm>
+            <a:prstGeom prst="rect">
+              <a:avLst/>
+            </a:prstGeom>
+            <a:noFill/>
+          </p:spPr>
+          <p:txBody>
+            <a:bodyPr wrap="square" rtlCol="0">
+              <a:spAutoFit/>
+            </a:bodyPr>
+            <a:lstStyle/>
+            <a:p>
+              <a:pPr algn="ctr"/>
+              <a:r>
+                <a:rPr lang="en-US" sz="3600" b="1" dirty="0">
+                  <a:solidFill>
+                    <a:schemeClr val="bg1"/>
+                  </a:solidFill>
+                </a:rPr>
+                <a:t>Machine Image</a:t>
+              </a:r>
+              <a:endParaRPr lang="de-DE" sz="3600" b="1" dirty="0">
+                <a:solidFill>
+                  <a:schemeClr val="bg1"/>
+                </a:solidFill>
+              </a:endParaRPr>
+            </a:p>
+          </p:txBody>
+        </p:sp>
+      </p:grpSp>
+      <p:grpSp>
+        <p:nvGrpSpPr>
+          <p:cNvPr id="87" name="Group 86"/>
+          <p:cNvGrpSpPr/>
+          <p:nvPr/>
+        </p:nvGrpSpPr>
+        <p:grpSpPr>
+          <a:xfrm>
+            <a:off x="14638336" y="2261399"/>
+            <a:ext cx="3105150" cy="5791199"/>
+            <a:chOff x="6448424" y="3933826"/>
+            <a:chExt cx="2628900" cy="1409700"/>
+          </a:xfrm>
+        </p:grpSpPr>
+        <p:sp>
+          <p:nvSpPr>
+            <p:cNvPr id="88" name="Rounded Rectangle 87"/>
+            <p:cNvSpPr/>
+            <p:nvPr/>
+          </p:nvSpPr>
+          <p:spPr>
+            <a:xfrm>
+              <a:off x="6448424" y="3933826"/>
+              <a:ext cx="2628900" cy="1409700"/>
+            </a:xfrm>
+            <a:prstGeom prst="roundRect">
+              <a:avLst/>
+            </a:prstGeom>
+            <a:solidFill>
+              <a:schemeClr val="accent5"/>
+            </a:solidFill>
+            <a:ln w="114300">
+              <a:solidFill>
+                <a:schemeClr val="accent5">
+                  <a:lumMod val="50000"/>
+                </a:schemeClr>
+              </a:solidFill>
+            </a:ln>
+          </p:spPr>
+          <p:style>
+            <a:lnRef idx="2">
+              <a:schemeClr val="accent1">
+                <a:shade val="50000"/>
+              </a:schemeClr>
+            </a:lnRef>
+            <a:fillRef idx="1">
+              <a:schemeClr val="accent1"/>
+            </a:fillRef>
+            <a:effectRef idx="0">
+              <a:schemeClr val="accent1"/>
+            </a:effectRef>
+            <a:fontRef idx="minor">
+              <a:schemeClr val="lt1"/>
+            </a:fontRef>
+          </p:style>
+          <p:txBody>
+            <a:bodyPr rtlCol="0" anchor="ctr"/>
+            <a:lstStyle/>
+            <a:p>
+              <a:pPr algn="ctr"/>
+              <a:endParaRPr lang="de-DE"/>
+            </a:p>
+          </p:txBody>
+        </p:sp>
+        <p:sp>
+          <p:nvSpPr>
+            <p:cNvPr id="89" name="TextBox 88"/>
+            <p:cNvSpPr txBox="1"/>
+            <p:nvPr/>
+          </p:nvSpPr>
+          <p:spPr>
+            <a:xfrm>
+              <a:off x="6496810" y="4492603"/>
+              <a:ext cx="2524067" cy="292185"/>
+            </a:xfrm>
+            <a:prstGeom prst="rect">
+              <a:avLst/>
+            </a:prstGeom>
+            <a:noFill/>
+          </p:spPr>
+          <p:txBody>
+            <a:bodyPr wrap="square" rtlCol="0">
+              <a:spAutoFit/>
+            </a:bodyPr>
+            <a:lstStyle/>
+            <a:p>
+              <a:pPr algn="ctr"/>
+              <a:r>
+                <a:rPr lang="en-US" sz="3600" b="1" dirty="0">
+                  <a:solidFill>
+                    <a:schemeClr val="bg1"/>
+                  </a:solidFill>
+                </a:rPr>
+                <a:t>Machine Image</a:t>
+              </a:r>
+              <a:endParaRPr lang="de-DE" sz="3600" b="1" dirty="0">
+                <a:solidFill>
+                  <a:schemeClr val="bg1"/>
+                </a:solidFill>
+              </a:endParaRPr>
+            </a:p>
+          </p:txBody>
+        </p:sp>
+      </p:grpSp>
+    </p:spTree>
+    <p:extLst>
+      <p:ext uri="{BB962C8B-B14F-4D97-AF65-F5344CB8AC3E}">
+        <p14:creationId xmlns:p14="http://schemas.microsoft.com/office/powerpoint/2010/main" val="143658253"/>
+      </p:ext>
+    </p:extLst>
+  </p:cSld>
+  <p:clrMapOvr>
+    <a:masterClrMapping/>
+  </p:clrMapOvr>
+  <p:timing>
+    <p:tnLst>
+      <p:par>
+        <p:cTn id="1" dur="indefinite" restart="never" nodeType="tmRoot"/>
+      </p:par>
+    </p:tnLst>
+  </p:timing>
+</p:sld>
+</file>
+
+<file path=ppt/slides/slide11.xml><?xml version="1.0" encoding="utf-8"?>
+<p:sld xmlns:a="http://schemas.openxmlformats.org/drawingml/2006/main" xmlns:r="http://schemas.openxmlformats.org/officeDocument/2006/relationships" xmlns:p="http://schemas.openxmlformats.org/presentationml/2006/main">
+  <p:cSld>
+    <p:spTree>
+      <p:nvGrpSpPr>
+        <p:cNvPr id="1" name=""/>
+        <p:cNvGrpSpPr/>
+        <p:nvPr/>
+      </p:nvGrpSpPr>
+      <p:grpSpPr>
+        <a:xfrm>
+          <a:off x="0" y="0"/>
+          <a:ext cx="0" cy="0"/>
+          <a:chOff x="0" y="0"/>
+          <a:chExt cx="0" cy="0"/>
+        </a:xfrm>
+      </p:grpSpPr>
+      <p:grpSp>
+        <p:nvGrpSpPr>
           <p:cNvPr id="15" name="Group 14"/>
           <p:cNvGrpSpPr/>
           <p:nvPr/>
@@ -6317,7 +7080,7 @@
 </p:sld>
 </file>
 
-<file path=ppt/slides/slide11.xml><?xml version="1.0" encoding="utf-8"?>
+<file path=ppt/slides/slide12.xml><?xml version="1.0" encoding="utf-8"?>
 <p:sld xmlns:a="http://schemas.openxmlformats.org/drawingml/2006/main" xmlns:r="http://schemas.openxmlformats.org/officeDocument/2006/relationships" xmlns:p="http://schemas.openxmlformats.org/presentationml/2006/main">
   <p:cSld>
     <p:spTree>
@@ -6821,7 +7584,7 @@
 </p:sld>
 </file>
 
-<file path=ppt/slides/slide12.xml><?xml version="1.0" encoding="utf-8"?>
+<file path=ppt/slides/slide13.xml><?xml version="1.0" encoding="utf-8"?>
 <p:sld xmlns:a="http://schemas.openxmlformats.org/drawingml/2006/main" xmlns:r="http://schemas.openxmlformats.org/officeDocument/2006/relationships" xmlns:p="http://schemas.openxmlformats.org/presentationml/2006/main">
   <p:cSld>
     <p:spTree>
@@ -7179,7 +7942,7 @@
 </p:sld>
 </file>
 
-<file path=ppt/slides/slide13.xml><?xml version="1.0" encoding="utf-8"?>
+<file path=ppt/slides/slide14.xml><?xml version="1.0" encoding="utf-8"?>
 <p:sld xmlns:a="http://schemas.openxmlformats.org/drawingml/2006/main" xmlns:r="http://schemas.openxmlformats.org/officeDocument/2006/relationships" xmlns:p="http://schemas.openxmlformats.org/presentationml/2006/main">
   <p:cSld>
     <p:spTree>
@@ -7545,7 +8308,7 @@
 </p:sld>
 </file>
 
-<file path=ppt/slides/slide14.xml><?xml version="1.0" encoding="utf-8"?>
+<file path=ppt/slides/slide15.xml><?xml version="1.0" encoding="utf-8"?>
 <p:sld xmlns:a="http://schemas.openxmlformats.org/drawingml/2006/main" xmlns:r="http://schemas.openxmlformats.org/officeDocument/2006/relationships" xmlns:p="http://schemas.openxmlformats.org/presentationml/2006/main">
   <p:cSld>
     <p:spTree>
@@ -11978,7 +12741,7 @@
 </p:sld>
 </file>
 
-<file path=ppt/slides/slide15.xml><?xml version="1.0" encoding="utf-8"?>
+<file path=ppt/slides/slide16.xml><?xml version="1.0" encoding="utf-8"?>
 <p:sld xmlns:a="http://schemas.openxmlformats.org/drawingml/2006/main" xmlns:r="http://schemas.openxmlformats.org/officeDocument/2006/relationships" xmlns:p="http://schemas.openxmlformats.org/presentationml/2006/main">
   <p:cSld>
     <p:spTree>
@@ -13114,7 +13877,7 @@
 </p:sld>
 </file>
 
-<file path=ppt/slides/slide16.xml><?xml version="1.0" encoding="utf-8"?>
+<file path=ppt/slides/slide17.xml><?xml version="1.0" encoding="utf-8"?>
 <p:sld xmlns:a="http://schemas.openxmlformats.org/drawingml/2006/main" xmlns:r="http://schemas.openxmlformats.org/officeDocument/2006/relationships" xmlns:p="http://schemas.openxmlformats.org/presentationml/2006/main">
   <p:cSld>
     <p:spTree>
@@ -14001,7 +14764,7 @@
 </p:sld>
 </file>
 
-<file path=ppt/slides/slide17.xml><?xml version="1.0" encoding="utf-8"?>
+<file path=ppt/slides/slide18.xml><?xml version="1.0" encoding="utf-8"?>
 <p:sld xmlns:a="http://schemas.openxmlformats.org/drawingml/2006/main" xmlns:r="http://schemas.openxmlformats.org/officeDocument/2006/relationships" xmlns:p="http://schemas.openxmlformats.org/presentationml/2006/main">
   <p:cSld>
     <p:spTree>
@@ -15387,7 +16150,7 @@
 </p:sld>
 </file>
 
-<file path=ppt/slides/slide18.xml><?xml version="1.0" encoding="utf-8"?>
+<file path=ppt/slides/slide19.xml><?xml version="1.0" encoding="utf-8"?>
 <p:sld xmlns:a="http://schemas.openxmlformats.org/drawingml/2006/main" xmlns:r="http://schemas.openxmlformats.org/officeDocument/2006/relationships" xmlns:p="http://schemas.openxmlformats.org/presentationml/2006/main">
   <p:cSld>
     <p:spTree>
@@ -17011,1416 +17774,6 @@
     <p:extLst>
       <p:ext uri="{BB962C8B-B14F-4D97-AF65-F5344CB8AC3E}">
         <p14:creationId xmlns:p14="http://schemas.microsoft.com/office/powerpoint/2010/main" val="81494658"/>
-      </p:ext>
-    </p:extLst>
-  </p:cSld>
-  <p:clrMapOvr>
-    <a:masterClrMapping/>
-  </p:clrMapOvr>
-  <p:timing>
-    <p:tnLst>
-      <p:par>
-        <p:cTn id="1" dur="indefinite" restart="never" nodeType="tmRoot"/>
-      </p:par>
-    </p:tnLst>
-  </p:timing>
-</p:sld>
-</file>
-
-<file path=ppt/slides/slide19.xml><?xml version="1.0" encoding="utf-8"?>
-<p:sld xmlns:a="http://schemas.openxmlformats.org/drawingml/2006/main" xmlns:r="http://schemas.openxmlformats.org/officeDocument/2006/relationships" xmlns:p="http://schemas.openxmlformats.org/presentationml/2006/main">
-  <p:cSld>
-    <p:spTree>
-      <p:nvGrpSpPr>
-        <p:cNvPr id="1" name=""/>
-        <p:cNvGrpSpPr/>
-        <p:nvPr/>
-      </p:nvGrpSpPr>
-      <p:grpSpPr>
-        <a:xfrm>
-          <a:off x="0" y="0"/>
-          <a:ext cx="0" cy="0"/>
-          <a:chOff x="0" y="0"/>
-          <a:chExt cx="0" cy="0"/>
-        </a:xfrm>
-      </p:grpSpPr>
-      <p:pic>
-        <p:nvPicPr>
-          <p:cNvPr id="6" name="Picture 5"/>
-          <p:cNvPicPr>
-            <a:picLocks noChangeAspect="1"/>
-          </p:cNvPicPr>
-          <p:nvPr/>
-        </p:nvPicPr>
-        <p:blipFill>
-          <a:blip r:embed="rId2"/>
-          <a:stretch>
-            <a:fillRect/>
-          </a:stretch>
-        </p:blipFill>
-        <p:spPr>
-          <a:xfrm>
-            <a:off x="10166268" y="5187200"/>
-            <a:ext cx="1655807" cy="705924"/>
-          </a:xfrm>
-          <a:prstGeom prst="rect">
-            <a:avLst/>
-          </a:prstGeom>
-        </p:spPr>
-      </p:pic>
-      <p:sp>
-        <p:nvSpPr>
-          <p:cNvPr id="76" name="Rounded Rectangle 75"/>
-          <p:cNvSpPr/>
-          <p:nvPr/>
-        </p:nvSpPr>
-        <p:spPr>
-          <a:xfrm>
-            <a:off x="11099080" y="3630042"/>
-            <a:ext cx="1441656" cy="1514439"/>
-          </a:xfrm>
-          <a:prstGeom prst="rect">
-            <a:avLst/>
-          </a:prstGeom>
-          <a:solidFill>
-            <a:schemeClr val="accent2">
-              <a:lumMod val="75000"/>
-            </a:schemeClr>
-          </a:solidFill>
-          <a:ln w="76200">
-            <a:solidFill>
-              <a:schemeClr val="accent2">
-                <a:lumMod val="50000"/>
-              </a:schemeClr>
-            </a:solidFill>
-          </a:ln>
-        </p:spPr>
-        <p:style>
-          <a:lnRef idx="2">
-            <a:schemeClr val="accent1">
-              <a:shade val="50000"/>
-            </a:schemeClr>
-          </a:lnRef>
-          <a:fillRef idx="1">
-            <a:schemeClr val="accent1"/>
-          </a:fillRef>
-          <a:effectRef idx="0">
-            <a:schemeClr val="accent1"/>
-          </a:effectRef>
-          <a:fontRef idx="minor">
-            <a:schemeClr val="lt1"/>
-          </a:fontRef>
-        </p:style>
-        <p:txBody>
-          <a:bodyPr rtlCol="0" anchor="ctr"/>
-          <a:lstStyle/>
-          <a:p>
-            <a:pPr algn="ctr"/>
-            <a:r>
-              <a:rPr lang="en-US" sz="2000" b="1" dirty="0"/>
-              <a:t>Instance</a:t>
-            </a:r>
-            <a:endParaRPr lang="de-DE" sz="2000" b="1" dirty="0"/>
-          </a:p>
-        </p:txBody>
-      </p:sp>
-      <p:grpSp>
-        <p:nvGrpSpPr>
-          <p:cNvPr id="52" name="Group 51"/>
-          <p:cNvGrpSpPr/>
-          <p:nvPr/>
-        </p:nvGrpSpPr>
-        <p:grpSpPr>
-          <a:xfrm>
-            <a:off x="12828501" y="4054004"/>
-            <a:ext cx="1381738" cy="673166"/>
-            <a:chOff x="2334271" y="318043"/>
-            <a:chExt cx="1457473" cy="673166"/>
-          </a:xfrm>
-        </p:grpSpPr>
-        <p:cxnSp>
-          <p:nvCxnSpPr>
-            <p:cNvPr id="63" name="Straight Arrow Connector 62"/>
-            <p:cNvCxnSpPr/>
-            <p:nvPr/>
-          </p:nvCxnSpPr>
-          <p:spPr>
-            <a:xfrm flipV="1">
-              <a:off x="2346123" y="980728"/>
-              <a:ext cx="1445621" cy="10481"/>
-            </a:xfrm>
-            <a:prstGeom prst="straightConnector1">
-              <a:avLst/>
-            </a:prstGeom>
-            <a:ln w="142875">
-              <a:solidFill>
-                <a:schemeClr val="tx1">
-                  <a:lumMod val="50000"/>
-                  <a:lumOff val="50000"/>
-                </a:schemeClr>
-              </a:solidFill>
-              <a:tailEnd type="triangle"/>
-            </a:ln>
-          </p:spPr>
-          <p:style>
-            <a:lnRef idx="1">
-              <a:schemeClr val="accent1"/>
-            </a:lnRef>
-            <a:fillRef idx="0">
-              <a:schemeClr val="accent1"/>
-            </a:fillRef>
-            <a:effectRef idx="0">
-              <a:schemeClr val="accent1"/>
-            </a:effectRef>
-            <a:fontRef idx="minor">
-              <a:schemeClr val="tx1"/>
-            </a:fontRef>
-          </p:style>
-        </p:cxnSp>
-        <p:sp>
-          <p:nvSpPr>
-            <p:cNvPr id="64" name="TextBox 63"/>
-            <p:cNvSpPr txBox="1"/>
-            <p:nvPr/>
-          </p:nvSpPr>
-          <p:spPr>
-            <a:xfrm>
-              <a:off x="2334271" y="318043"/>
-              <a:ext cx="1408522" cy="523220"/>
-            </a:xfrm>
-            <a:prstGeom prst="rect">
-              <a:avLst/>
-            </a:prstGeom>
-            <a:noFill/>
-          </p:spPr>
-          <p:txBody>
-            <a:bodyPr wrap="square" rtlCol="0">
-              <a:spAutoFit/>
-            </a:bodyPr>
-            <a:lstStyle/>
-            <a:p>
-              <a:pPr algn="ctr"/>
-              <a:r>
-                <a:rPr lang="en-US" sz="2800" b="1" dirty="0"/>
-                <a:t>open</a:t>
-              </a:r>
-              <a:endParaRPr lang="de-DE" sz="2800" b="1" dirty="0"/>
-            </a:p>
-          </p:txBody>
-        </p:sp>
-      </p:grpSp>
-      <p:pic>
-        <p:nvPicPr>
-          <p:cNvPr id="3" name="Picture 2"/>
-          <p:cNvPicPr>
-            <a:picLocks noChangeAspect="1"/>
-          </p:cNvPicPr>
-          <p:nvPr/>
-        </p:nvPicPr>
-        <p:blipFill>
-          <a:blip r:embed="rId3">
-            <a:extLst>
-              <a:ext uri="{28A0092B-C50C-407E-A947-70E740481C1C}">
-                <a14:useLocalDpi xmlns:a14="http://schemas.microsoft.com/office/drawing/2010/main" val="0"/>
-              </a:ext>
-            </a:extLst>
-          </a:blip>
-          <a:stretch>
-            <a:fillRect/>
-          </a:stretch>
-        </p:blipFill>
-        <p:spPr>
-          <a:xfrm>
-            <a:off x="14347826" y="3858938"/>
-            <a:ext cx="2294064" cy="1436808"/>
-          </a:xfrm>
-          <a:prstGeom prst="rect">
-            <a:avLst/>
-          </a:prstGeom>
-        </p:spPr>
-      </p:pic>
-      <p:pic>
-        <p:nvPicPr>
-          <p:cNvPr id="1026" name="Picture 2" descr="Console showing log4J logs"/>
-          <p:cNvPicPr>
-            <a:picLocks noChangeAspect="1" noChangeArrowheads="1"/>
-          </p:cNvPicPr>
-          <p:nvPr/>
-        </p:nvPicPr>
-        <p:blipFill>
-          <a:blip r:embed="rId4">
-            <a:extLst>
-              <a:ext uri="{28A0092B-C50C-407E-A947-70E740481C1C}">
-                <a14:useLocalDpi xmlns:a14="http://schemas.microsoft.com/office/drawing/2010/main" val="0"/>
-              </a:ext>
-            </a:extLst>
-          </a:blip>
-          <a:srcRect/>
-          <a:stretch>
-            <a:fillRect/>
-          </a:stretch>
-        </p:blipFill>
-        <p:spPr bwMode="auto">
-          <a:xfrm>
-            <a:off x="7381204" y="5751353"/>
-            <a:ext cx="2241408" cy="1631745"/>
-          </a:xfrm>
-          <a:prstGeom prst="rect">
-            <a:avLst/>
-          </a:prstGeom>
-          <a:noFill/>
-          <a:extLst>
-            <a:ext uri="{909E8E84-426E-40DD-AFC4-6F175D3DCCD1}">
-              <a14:hiddenFill xmlns:a14="http://schemas.microsoft.com/office/drawing/2010/main">
-                <a:solidFill>
-                  <a:srgbClr val="FFFFFF"/>
-                </a:solidFill>
-              </a14:hiddenFill>
-            </a:ext>
-          </a:extLst>
-        </p:spPr>
-      </p:pic>
-      <p:pic>
-        <p:nvPicPr>
-          <p:cNvPr id="61" name="Picture 60"/>
-          <p:cNvPicPr>
-            <a:picLocks noChangeAspect="1"/>
-          </p:cNvPicPr>
-          <p:nvPr/>
-        </p:nvPicPr>
-        <p:blipFill>
-          <a:blip r:embed="rId2"/>
-          <a:stretch>
-            <a:fillRect/>
-          </a:stretch>
-        </p:blipFill>
-        <p:spPr>
-          <a:xfrm>
-            <a:off x="3132592" y="7139722"/>
-            <a:ext cx="1655807" cy="705924"/>
-          </a:xfrm>
-          <a:prstGeom prst="rect">
-            <a:avLst/>
-          </a:prstGeom>
-        </p:spPr>
-      </p:pic>
-      <p:sp>
-        <p:nvSpPr>
-          <p:cNvPr id="62" name="Rounded Rectangle 75"/>
-          <p:cNvSpPr/>
-          <p:nvPr/>
-        </p:nvSpPr>
-        <p:spPr>
-          <a:xfrm>
-            <a:off x="4065403" y="5598329"/>
-            <a:ext cx="1441656" cy="1514439"/>
-          </a:xfrm>
-          <a:prstGeom prst="rect">
-            <a:avLst/>
-          </a:prstGeom>
-          <a:solidFill>
-            <a:schemeClr val="accent2">
-              <a:lumMod val="75000"/>
-            </a:schemeClr>
-          </a:solidFill>
-          <a:ln w="76200">
-            <a:solidFill>
-              <a:schemeClr val="accent2">
-                <a:lumMod val="50000"/>
-              </a:schemeClr>
-            </a:solidFill>
-          </a:ln>
-        </p:spPr>
-        <p:style>
-          <a:lnRef idx="2">
-            <a:schemeClr val="accent1">
-              <a:shade val="50000"/>
-            </a:schemeClr>
-          </a:lnRef>
-          <a:fillRef idx="1">
-            <a:schemeClr val="accent1"/>
-          </a:fillRef>
-          <a:effectRef idx="0">
-            <a:schemeClr val="accent1"/>
-          </a:effectRef>
-          <a:fontRef idx="minor">
-            <a:schemeClr val="lt1"/>
-          </a:fontRef>
-        </p:style>
-        <p:txBody>
-          <a:bodyPr rtlCol="0" anchor="ctr"/>
-          <a:lstStyle/>
-          <a:p>
-            <a:pPr algn="ctr"/>
-            <a:r>
-              <a:rPr lang="en-US" sz="2000" b="1" dirty="0"/>
-              <a:t>Instance</a:t>
-            </a:r>
-            <a:endParaRPr lang="de-DE" sz="2000" b="1" dirty="0"/>
-          </a:p>
-        </p:txBody>
-      </p:sp>
-      <p:grpSp>
-        <p:nvGrpSpPr>
-          <p:cNvPr id="66" name="Group 65"/>
-          <p:cNvGrpSpPr/>
-          <p:nvPr/>
-        </p:nvGrpSpPr>
-        <p:grpSpPr>
-          <a:xfrm>
-            <a:off x="5794824" y="6022291"/>
-            <a:ext cx="1381738" cy="673166"/>
-            <a:chOff x="2334271" y="318043"/>
-            <a:chExt cx="1457473" cy="673166"/>
-          </a:xfrm>
-        </p:grpSpPr>
-        <p:cxnSp>
-          <p:nvCxnSpPr>
-            <p:cNvPr id="68" name="Straight Arrow Connector 67"/>
-            <p:cNvCxnSpPr/>
-            <p:nvPr/>
-          </p:nvCxnSpPr>
-          <p:spPr>
-            <a:xfrm flipV="1">
-              <a:off x="2346123" y="980728"/>
-              <a:ext cx="1445621" cy="10481"/>
-            </a:xfrm>
-            <a:prstGeom prst="straightConnector1">
-              <a:avLst/>
-            </a:prstGeom>
-            <a:ln w="142875">
-              <a:solidFill>
-                <a:schemeClr val="tx1">
-                  <a:lumMod val="50000"/>
-                  <a:lumOff val="50000"/>
-                </a:schemeClr>
-              </a:solidFill>
-              <a:tailEnd type="triangle"/>
-            </a:ln>
-          </p:spPr>
-          <p:style>
-            <a:lnRef idx="1">
-              <a:schemeClr val="accent1"/>
-            </a:lnRef>
-            <a:fillRef idx="0">
-              <a:schemeClr val="accent1"/>
-            </a:fillRef>
-            <a:effectRef idx="0">
-              <a:schemeClr val="accent1"/>
-            </a:effectRef>
-            <a:fontRef idx="minor">
-              <a:schemeClr val="tx1"/>
-            </a:fontRef>
-          </p:style>
-        </p:cxnSp>
-        <p:sp>
-          <p:nvSpPr>
-            <p:cNvPr id="80" name="TextBox 79"/>
-            <p:cNvSpPr txBox="1"/>
-            <p:nvPr/>
-          </p:nvSpPr>
-          <p:spPr>
-            <a:xfrm>
-              <a:off x="2334271" y="318043"/>
-              <a:ext cx="1408522" cy="523220"/>
-            </a:xfrm>
-            <a:prstGeom prst="rect">
-              <a:avLst/>
-            </a:prstGeom>
-            <a:noFill/>
-          </p:spPr>
-          <p:txBody>
-            <a:bodyPr wrap="square" rtlCol="0">
-              <a:spAutoFit/>
-            </a:bodyPr>
-            <a:lstStyle/>
-            <a:p>
-              <a:pPr algn="ctr"/>
-              <a:r>
-                <a:rPr lang="en-US" sz="2800" b="1" dirty="0"/>
-                <a:t>logs</a:t>
-              </a:r>
-              <a:endParaRPr lang="de-DE" sz="2800" b="1" dirty="0"/>
-            </a:p>
-          </p:txBody>
-        </p:sp>
-      </p:grpSp>
-      <p:pic>
-        <p:nvPicPr>
-          <p:cNvPr id="14" name="Picture 2" descr="https://a0.awsstatic.com/main/images/logos/aws_logo.png"/>
-          <p:cNvPicPr>
-            <a:picLocks noChangeAspect="1" noChangeArrowheads="1"/>
-          </p:cNvPicPr>
-          <p:nvPr/>
-        </p:nvPicPr>
-        <p:blipFill>
-          <a:blip r:embed="rId5">
-            <a:extLst>
-              <a:ext uri="{28A0092B-C50C-407E-A947-70E740481C1C}">
-                <a14:useLocalDpi xmlns:a14="http://schemas.microsoft.com/office/drawing/2010/main" val="0"/>
-              </a:ext>
-            </a:extLst>
-          </a:blip>
-          <a:srcRect/>
-          <a:stretch>
-            <a:fillRect/>
-          </a:stretch>
-        </p:blipFill>
-        <p:spPr bwMode="auto">
-          <a:xfrm>
-            <a:off x="4895596" y="7239888"/>
-            <a:ext cx="1466377" cy="553964"/>
-          </a:xfrm>
-          <a:prstGeom prst="rect">
-            <a:avLst/>
-          </a:prstGeom>
-          <a:noFill/>
-          <a:extLst>
-            <a:ext uri="{909E8E84-426E-40DD-AFC4-6F175D3DCCD1}">
-              <a14:hiddenFill xmlns:a14="http://schemas.microsoft.com/office/drawing/2010/main">
-                <a:solidFill>
-                  <a:srgbClr val="FFFFFF"/>
-                </a:solidFill>
-              </a14:hiddenFill>
-            </a:ext>
-          </a:extLst>
-        </p:spPr>
-      </p:pic>
-      <p:pic>
-        <p:nvPicPr>
-          <p:cNvPr id="15" name="Picture 2" descr="https://a0.awsstatic.com/main/images/logos/aws_logo.png"/>
-          <p:cNvPicPr>
-            <a:picLocks noChangeAspect="1" noChangeArrowheads="1"/>
-          </p:cNvPicPr>
-          <p:nvPr/>
-        </p:nvPicPr>
-        <p:blipFill>
-          <a:blip r:embed="rId5">
-            <a:extLst>
-              <a:ext uri="{28A0092B-C50C-407E-A947-70E740481C1C}">
-                <a14:useLocalDpi xmlns:a14="http://schemas.microsoft.com/office/drawing/2010/main" val="0"/>
-              </a:ext>
-            </a:extLst>
-          </a:blip>
-          <a:srcRect/>
-          <a:stretch>
-            <a:fillRect/>
-          </a:stretch>
-        </p:blipFill>
-        <p:spPr bwMode="auto">
-          <a:xfrm>
-            <a:off x="11910241" y="5229986"/>
-            <a:ext cx="1466377" cy="553964"/>
-          </a:xfrm>
-          <a:prstGeom prst="rect">
-            <a:avLst/>
-          </a:prstGeom>
-          <a:noFill/>
-          <a:extLst>
-            <a:ext uri="{909E8E84-426E-40DD-AFC4-6F175D3DCCD1}">
-              <a14:hiddenFill xmlns:a14="http://schemas.microsoft.com/office/drawing/2010/main">
-                <a:solidFill>
-                  <a:srgbClr val="FFFFFF"/>
-                </a:solidFill>
-              </a14:hiddenFill>
-            </a:ext>
-          </a:extLst>
-        </p:spPr>
-      </p:pic>
-      <p:sp>
-        <p:nvSpPr>
-          <p:cNvPr id="17" name="Rounded Rectangle 75"/>
-          <p:cNvSpPr/>
-          <p:nvPr/>
-        </p:nvSpPr>
-        <p:spPr>
-          <a:xfrm>
-            <a:off x="9705914" y="8598878"/>
-            <a:ext cx="1176176" cy="1198475"/>
-          </a:xfrm>
-          <a:prstGeom prst="rect">
-            <a:avLst/>
-          </a:prstGeom>
-          <a:solidFill>
-            <a:schemeClr val="accent2">
-              <a:lumMod val="75000"/>
-            </a:schemeClr>
-          </a:solidFill>
-          <a:ln w="76200">
-            <a:solidFill>
-              <a:schemeClr val="accent2">
-                <a:lumMod val="50000"/>
-              </a:schemeClr>
-            </a:solidFill>
-          </a:ln>
-        </p:spPr>
-        <p:style>
-          <a:lnRef idx="2">
-            <a:schemeClr val="accent1">
-              <a:shade val="50000"/>
-            </a:schemeClr>
-          </a:lnRef>
-          <a:fillRef idx="1">
-            <a:schemeClr val="accent1"/>
-          </a:fillRef>
-          <a:effectRef idx="0">
-            <a:schemeClr val="accent1"/>
-          </a:effectRef>
-          <a:fontRef idx="minor">
-            <a:schemeClr val="lt1"/>
-          </a:fontRef>
-        </p:style>
-        <p:txBody>
-          <a:bodyPr rtlCol="0" anchor="ctr"/>
-          <a:lstStyle/>
-          <a:p>
-            <a:pPr algn="ctr"/>
-            <a:r>
-              <a:rPr lang="en-US" sz="2000" b="1" dirty="0"/>
-              <a:t>Instance</a:t>
-            </a:r>
-            <a:endParaRPr lang="de-DE" sz="2000" b="1" dirty="0"/>
-          </a:p>
-        </p:txBody>
-      </p:sp>
-      <p:grpSp>
-        <p:nvGrpSpPr>
-          <p:cNvPr id="18" name="Group 17"/>
-          <p:cNvGrpSpPr/>
-          <p:nvPr/>
-        </p:nvGrpSpPr>
-        <p:grpSpPr>
-          <a:xfrm>
-            <a:off x="11152270" y="8548614"/>
-            <a:ext cx="1381738" cy="673166"/>
-            <a:chOff x="2334271" y="318043"/>
-            <a:chExt cx="1457473" cy="673166"/>
-          </a:xfrm>
-        </p:grpSpPr>
-        <p:cxnSp>
-          <p:nvCxnSpPr>
-            <p:cNvPr id="19" name="Straight Arrow Connector 18"/>
-            <p:cNvCxnSpPr/>
-            <p:nvPr/>
-          </p:nvCxnSpPr>
-          <p:spPr>
-            <a:xfrm flipV="1">
-              <a:off x="2346123" y="980728"/>
-              <a:ext cx="1445621" cy="10481"/>
-            </a:xfrm>
-            <a:prstGeom prst="straightConnector1">
-              <a:avLst/>
-            </a:prstGeom>
-            <a:ln w="142875">
-              <a:solidFill>
-                <a:schemeClr val="tx1">
-                  <a:lumMod val="50000"/>
-                  <a:lumOff val="50000"/>
-                </a:schemeClr>
-              </a:solidFill>
-              <a:tailEnd type="triangle"/>
-            </a:ln>
-          </p:spPr>
-          <p:style>
-            <a:lnRef idx="1">
-              <a:schemeClr val="accent1"/>
-            </a:lnRef>
-            <a:fillRef idx="0">
-              <a:schemeClr val="accent1"/>
-            </a:fillRef>
-            <a:effectRef idx="0">
-              <a:schemeClr val="accent1"/>
-            </a:effectRef>
-            <a:fontRef idx="minor">
-              <a:schemeClr val="tx1"/>
-            </a:fontRef>
-          </p:style>
-        </p:cxnSp>
-        <p:sp>
-          <p:nvSpPr>
-            <p:cNvPr id="20" name="TextBox 19"/>
-            <p:cNvSpPr txBox="1"/>
-            <p:nvPr/>
-          </p:nvSpPr>
-          <p:spPr>
-            <a:xfrm>
-              <a:off x="2334271" y="318043"/>
-              <a:ext cx="1408522" cy="523220"/>
-            </a:xfrm>
-            <a:prstGeom prst="rect">
-              <a:avLst/>
-            </a:prstGeom>
-            <a:noFill/>
-          </p:spPr>
-          <p:txBody>
-            <a:bodyPr wrap="square" rtlCol="0">
-              <a:spAutoFit/>
-            </a:bodyPr>
-            <a:lstStyle/>
-            <a:p>
-              <a:pPr algn="ctr"/>
-              <a:r>
-                <a:rPr lang="en-US" sz="2800" b="1" dirty="0"/>
-                <a:t>scale</a:t>
-              </a:r>
-              <a:endParaRPr lang="de-DE" sz="2800" b="1" dirty="0"/>
-            </a:p>
-          </p:txBody>
-        </p:sp>
-      </p:grpSp>
-      <p:sp>
-        <p:nvSpPr>
-          <p:cNvPr id="21" name="Rounded Rectangle 75"/>
-          <p:cNvSpPr/>
-          <p:nvPr/>
-        </p:nvSpPr>
-        <p:spPr>
-          <a:xfrm>
-            <a:off x="12705310" y="7617630"/>
-            <a:ext cx="1441656" cy="1514439"/>
-          </a:xfrm>
-          <a:prstGeom prst="rect">
-            <a:avLst/>
-          </a:prstGeom>
-          <a:solidFill>
-            <a:schemeClr val="accent2">
-              <a:lumMod val="75000"/>
-            </a:schemeClr>
-          </a:solidFill>
-          <a:ln w="76200">
-            <a:solidFill>
-              <a:schemeClr val="accent2">
-                <a:lumMod val="50000"/>
-              </a:schemeClr>
-            </a:solidFill>
-          </a:ln>
-        </p:spPr>
-        <p:style>
-          <a:lnRef idx="2">
-            <a:schemeClr val="accent1">
-              <a:shade val="50000"/>
-            </a:schemeClr>
-          </a:lnRef>
-          <a:fillRef idx="1">
-            <a:schemeClr val="accent1"/>
-          </a:fillRef>
-          <a:effectRef idx="0">
-            <a:schemeClr val="accent1"/>
-          </a:effectRef>
-          <a:fontRef idx="minor">
-            <a:schemeClr val="lt1"/>
-          </a:fontRef>
-        </p:style>
-        <p:txBody>
-          <a:bodyPr rtlCol="0" anchor="ctr"/>
-          <a:lstStyle/>
-          <a:p>
-            <a:pPr algn="ctr"/>
-            <a:r>
-              <a:rPr lang="en-US" sz="2000" b="1" dirty="0"/>
-              <a:t>Instance</a:t>
-            </a:r>
-            <a:endParaRPr lang="de-DE" sz="2000" b="1" dirty="0"/>
-          </a:p>
-        </p:txBody>
-      </p:sp>
-      <p:sp>
-        <p:nvSpPr>
-          <p:cNvPr id="22" name="Rounded Rectangle 75"/>
-          <p:cNvSpPr/>
-          <p:nvPr/>
-        </p:nvSpPr>
-        <p:spPr>
-          <a:xfrm>
-            <a:off x="12708241" y="9285325"/>
-            <a:ext cx="1441656" cy="1514439"/>
-          </a:xfrm>
-          <a:prstGeom prst="rect">
-            <a:avLst/>
-          </a:prstGeom>
-          <a:solidFill>
-            <a:schemeClr val="accent2">
-              <a:lumMod val="75000"/>
-            </a:schemeClr>
-          </a:solidFill>
-          <a:ln w="76200">
-            <a:solidFill>
-              <a:schemeClr val="accent2">
-                <a:lumMod val="50000"/>
-              </a:schemeClr>
-            </a:solidFill>
-          </a:ln>
-        </p:spPr>
-        <p:style>
-          <a:lnRef idx="2">
-            <a:schemeClr val="accent1">
-              <a:shade val="50000"/>
-            </a:schemeClr>
-          </a:lnRef>
-          <a:fillRef idx="1">
-            <a:schemeClr val="accent1"/>
-          </a:fillRef>
-          <a:effectRef idx="0">
-            <a:schemeClr val="accent1"/>
-          </a:effectRef>
-          <a:fontRef idx="minor">
-            <a:schemeClr val="lt1"/>
-          </a:fontRef>
-        </p:style>
-        <p:txBody>
-          <a:bodyPr rtlCol="0" anchor="ctr"/>
-          <a:lstStyle/>
-          <a:p>
-            <a:pPr algn="ctr"/>
-            <a:r>
-              <a:rPr lang="en-US" sz="2000" b="1" dirty="0"/>
-              <a:t>Instance</a:t>
-            </a:r>
-            <a:endParaRPr lang="de-DE" sz="2000" b="1" dirty="0"/>
-          </a:p>
-        </p:txBody>
-      </p:sp>
-      <p:grpSp>
-        <p:nvGrpSpPr>
-          <p:cNvPr id="23" name="Group 22"/>
-          <p:cNvGrpSpPr/>
-          <p:nvPr/>
-        </p:nvGrpSpPr>
-        <p:grpSpPr>
-          <a:xfrm>
-            <a:off x="2672096" y="874464"/>
-            <a:ext cx="1496257" cy="679282"/>
-            <a:chOff x="6448425" y="3933827"/>
-            <a:chExt cx="2628900" cy="1409700"/>
-          </a:xfrm>
-        </p:grpSpPr>
-        <p:sp>
-          <p:nvSpPr>
-            <p:cNvPr id="24" name="Rounded Rectangle 23"/>
-            <p:cNvSpPr/>
-            <p:nvPr/>
-          </p:nvSpPr>
-          <p:spPr>
-            <a:xfrm>
-              <a:off x="6448425" y="3933827"/>
-              <a:ext cx="2628900" cy="1409700"/>
-            </a:xfrm>
-            <a:prstGeom prst="roundRect">
-              <a:avLst/>
-            </a:prstGeom>
-            <a:solidFill>
-              <a:schemeClr val="accent6">
-                <a:lumMod val="75000"/>
-              </a:schemeClr>
-            </a:solidFill>
-            <a:ln w="76200">
-              <a:solidFill>
-                <a:schemeClr val="accent6">
-                  <a:lumMod val="50000"/>
-                </a:schemeClr>
-              </a:solidFill>
-            </a:ln>
-          </p:spPr>
-          <p:style>
-            <a:lnRef idx="2">
-              <a:schemeClr val="accent1">
-                <a:shade val="50000"/>
-              </a:schemeClr>
-            </a:lnRef>
-            <a:fillRef idx="1">
-              <a:schemeClr val="accent1"/>
-            </a:fillRef>
-            <a:effectRef idx="0">
-              <a:schemeClr val="accent1"/>
-            </a:effectRef>
-            <a:fontRef idx="minor">
-              <a:schemeClr val="lt1"/>
-            </a:fontRef>
-          </p:style>
-          <p:txBody>
-            <a:bodyPr rtlCol="0" anchor="ctr"/>
-            <a:lstStyle/>
-            <a:p>
-              <a:pPr algn="ctr"/>
-              <a:endParaRPr lang="de-DE"/>
-            </a:p>
-          </p:txBody>
-        </p:sp>
-        <p:sp>
-          <p:nvSpPr>
-            <p:cNvPr id="25" name="TextBox 24"/>
-            <p:cNvSpPr txBox="1"/>
-            <p:nvPr/>
-          </p:nvSpPr>
-          <p:spPr>
-            <a:xfrm>
-              <a:off x="6513804" y="4239101"/>
-              <a:ext cx="2501164" cy="830340"/>
-            </a:xfrm>
-            <a:prstGeom prst="rect">
-              <a:avLst/>
-            </a:prstGeom>
-            <a:noFill/>
-            <a:ln w="76200">
-              <a:noFill/>
-            </a:ln>
-          </p:spPr>
-          <p:txBody>
-            <a:bodyPr wrap="square" rtlCol="0">
-              <a:spAutoFit/>
-            </a:bodyPr>
-            <a:lstStyle/>
-            <a:p>
-              <a:pPr algn="ctr"/>
-              <a:r>
-                <a:rPr lang="en-US" sz="2000" b="1" dirty="0">
-                  <a:solidFill>
-                    <a:schemeClr val="bg1"/>
-                  </a:solidFill>
-                </a:rPr>
-                <a:t>App</a:t>
-              </a:r>
-              <a:endParaRPr lang="de-DE" sz="2400" b="1" dirty="0">
-                <a:solidFill>
-                  <a:schemeClr val="bg1"/>
-                </a:solidFill>
-              </a:endParaRPr>
-            </a:p>
-          </p:txBody>
-        </p:sp>
-      </p:grpSp>
-      <p:cxnSp>
-        <p:nvCxnSpPr>
-          <p:cNvPr id="26" name="Straight Arrow Connector 25"/>
-          <p:cNvCxnSpPr/>
-          <p:nvPr/>
-        </p:nvCxnSpPr>
-        <p:spPr>
-          <a:xfrm flipV="1">
-            <a:off x="7897319" y="1208866"/>
-            <a:ext cx="1601313" cy="10481"/>
-          </a:xfrm>
-          <a:prstGeom prst="straightConnector1">
-            <a:avLst/>
-          </a:prstGeom>
-          <a:ln w="142875">
-            <a:solidFill>
-              <a:schemeClr val="bg2">
-                <a:lumMod val="90000"/>
-              </a:schemeClr>
-            </a:solidFill>
-            <a:tailEnd type="triangle"/>
-          </a:ln>
-        </p:spPr>
-        <p:style>
-          <a:lnRef idx="1">
-            <a:schemeClr val="accent1"/>
-          </a:lnRef>
-          <a:fillRef idx="0">
-            <a:schemeClr val="accent1"/>
-          </a:fillRef>
-          <a:effectRef idx="0">
-            <a:schemeClr val="accent1"/>
-          </a:effectRef>
-          <a:fontRef idx="minor">
-            <a:schemeClr val="tx1"/>
-          </a:fontRef>
-        </p:style>
-      </p:cxnSp>
-      <p:sp>
-        <p:nvSpPr>
-          <p:cNvPr id="27" name="Rounded Rectangle 25"/>
-          <p:cNvSpPr/>
-          <p:nvPr/>
-        </p:nvSpPr>
-        <p:spPr>
-          <a:xfrm>
-            <a:off x="6106333" y="408914"/>
-            <a:ext cx="1610387" cy="1610382"/>
-          </a:xfrm>
-          <a:prstGeom prst="ellipse">
-            <a:avLst/>
-          </a:prstGeom>
-          <a:solidFill>
-            <a:schemeClr val="accent1">
-              <a:lumMod val="75000"/>
-            </a:schemeClr>
-          </a:solidFill>
-          <a:ln w="76200">
-            <a:solidFill>
-              <a:schemeClr val="accent1">
-                <a:lumMod val="50000"/>
-              </a:schemeClr>
-            </a:solidFill>
-          </a:ln>
-        </p:spPr>
-        <p:style>
-          <a:lnRef idx="2">
-            <a:schemeClr val="accent1">
-              <a:shade val="50000"/>
-            </a:schemeClr>
-          </a:lnRef>
-          <a:fillRef idx="1">
-            <a:schemeClr val="accent1"/>
-          </a:fillRef>
-          <a:effectRef idx="0">
-            <a:schemeClr val="accent1"/>
-          </a:effectRef>
-          <a:fontRef idx="minor">
-            <a:schemeClr val="lt1"/>
-          </a:fontRef>
-        </p:style>
-        <p:txBody>
-          <a:bodyPr rtlCol="0" anchor="ctr"/>
-          <a:lstStyle/>
-          <a:p>
-            <a:pPr algn="ctr"/>
-            <a:endParaRPr lang="en-US" sz="2000" b="1" dirty="0"/>
-          </a:p>
-          <a:p>
-            <a:pPr algn="ctr"/>
-            <a:endParaRPr lang="en-US" sz="2000" b="1" dirty="0"/>
-          </a:p>
-          <a:p>
-            <a:pPr algn="ctr"/>
-            <a:r>
-              <a:rPr lang="en-US" sz="2000" b="1" dirty="0"/>
-              <a:t>AMI</a:t>
-            </a:r>
-            <a:endParaRPr lang="de-DE" sz="2000" b="1" dirty="0"/>
-          </a:p>
-        </p:txBody>
-      </p:sp>
-      <p:grpSp>
-        <p:nvGrpSpPr>
-          <p:cNvPr id="28" name="Group 27"/>
-          <p:cNvGrpSpPr/>
-          <p:nvPr/>
-        </p:nvGrpSpPr>
-        <p:grpSpPr>
-          <a:xfrm>
-            <a:off x="9660783" y="304487"/>
-            <a:ext cx="1746456" cy="1819239"/>
-            <a:chOff x="12360816" y="8217563"/>
-            <a:chExt cx="1746456" cy="1819239"/>
-          </a:xfrm>
-        </p:grpSpPr>
-        <p:sp>
-          <p:nvSpPr>
-            <p:cNvPr id="29" name="Rounded Rectangle 75"/>
-            <p:cNvSpPr/>
-            <p:nvPr/>
-          </p:nvSpPr>
-          <p:spPr>
-            <a:xfrm>
-              <a:off x="12360816" y="8217563"/>
-              <a:ext cx="1441656" cy="1514439"/>
-            </a:xfrm>
-            <a:prstGeom prst="rect">
-              <a:avLst/>
-            </a:prstGeom>
-            <a:solidFill>
-              <a:schemeClr val="bg2">
-                <a:lumMod val="90000"/>
-              </a:schemeClr>
-            </a:solidFill>
-            <a:ln w="76200">
-              <a:solidFill>
-                <a:schemeClr val="bg2">
-                  <a:lumMod val="75000"/>
-                </a:schemeClr>
-              </a:solidFill>
-            </a:ln>
-          </p:spPr>
-          <p:style>
-            <a:lnRef idx="2">
-              <a:schemeClr val="accent1">
-                <a:shade val="50000"/>
-              </a:schemeClr>
-            </a:lnRef>
-            <a:fillRef idx="1">
-              <a:schemeClr val="accent1"/>
-            </a:fillRef>
-            <a:effectRef idx="0">
-              <a:schemeClr val="accent1"/>
-            </a:effectRef>
-            <a:fontRef idx="minor">
-              <a:schemeClr val="lt1"/>
-            </a:fontRef>
-          </p:style>
-          <p:txBody>
-            <a:bodyPr rtlCol="0" anchor="ctr"/>
-            <a:lstStyle/>
-            <a:p>
-              <a:pPr algn="ctr"/>
-              <a:r>
-                <a:rPr lang="en-US" sz="2000" b="1" dirty="0"/>
-                <a:t>Instance</a:t>
-              </a:r>
-              <a:endParaRPr lang="de-DE" sz="2000" b="1" dirty="0"/>
-            </a:p>
-          </p:txBody>
-        </p:sp>
-        <p:sp>
-          <p:nvSpPr>
-            <p:cNvPr id="30" name="Rounded Rectangle 75"/>
-            <p:cNvSpPr/>
-            <p:nvPr/>
-          </p:nvSpPr>
-          <p:spPr>
-            <a:xfrm>
-              <a:off x="12513216" y="8369963"/>
-              <a:ext cx="1441656" cy="1514439"/>
-            </a:xfrm>
-            <a:prstGeom prst="rect">
-              <a:avLst/>
-            </a:prstGeom>
-            <a:solidFill>
-              <a:schemeClr val="bg2">
-                <a:lumMod val="90000"/>
-              </a:schemeClr>
-            </a:solidFill>
-            <a:ln w="76200">
-              <a:solidFill>
-                <a:schemeClr val="bg2">
-                  <a:lumMod val="75000"/>
-                </a:schemeClr>
-              </a:solidFill>
-            </a:ln>
-          </p:spPr>
-          <p:style>
-            <a:lnRef idx="2">
-              <a:schemeClr val="accent1">
-                <a:shade val="50000"/>
-              </a:schemeClr>
-            </a:lnRef>
-            <a:fillRef idx="1">
-              <a:schemeClr val="accent1"/>
-            </a:fillRef>
-            <a:effectRef idx="0">
-              <a:schemeClr val="accent1"/>
-            </a:effectRef>
-            <a:fontRef idx="minor">
-              <a:schemeClr val="lt1"/>
-            </a:fontRef>
-          </p:style>
-          <p:txBody>
-            <a:bodyPr rtlCol="0" anchor="ctr"/>
-            <a:lstStyle/>
-            <a:p>
-              <a:pPr algn="ctr"/>
-              <a:r>
-                <a:rPr lang="en-US" sz="2000" b="1" dirty="0"/>
-                <a:t>Instance</a:t>
-              </a:r>
-              <a:endParaRPr lang="de-DE" sz="2000" b="1" dirty="0"/>
-            </a:p>
-          </p:txBody>
-        </p:sp>
-        <p:sp>
-          <p:nvSpPr>
-            <p:cNvPr id="31" name="Rounded Rectangle 75"/>
-            <p:cNvSpPr/>
-            <p:nvPr/>
-          </p:nvSpPr>
-          <p:spPr>
-            <a:xfrm>
-              <a:off x="12665616" y="8522363"/>
-              <a:ext cx="1441656" cy="1514439"/>
-            </a:xfrm>
-            <a:prstGeom prst="rect">
-              <a:avLst/>
-            </a:prstGeom>
-            <a:solidFill>
-              <a:schemeClr val="bg2">
-                <a:lumMod val="90000"/>
-              </a:schemeClr>
-            </a:solidFill>
-            <a:ln w="76200">
-              <a:solidFill>
-                <a:schemeClr val="bg2">
-                  <a:lumMod val="75000"/>
-                </a:schemeClr>
-              </a:solidFill>
-            </a:ln>
-          </p:spPr>
-          <p:style>
-            <a:lnRef idx="2">
-              <a:schemeClr val="accent1">
-                <a:shade val="50000"/>
-              </a:schemeClr>
-            </a:lnRef>
-            <a:fillRef idx="1">
-              <a:schemeClr val="accent1"/>
-            </a:fillRef>
-            <a:effectRef idx="0">
-              <a:schemeClr val="accent1"/>
-            </a:effectRef>
-            <a:fontRef idx="minor">
-              <a:schemeClr val="lt1"/>
-            </a:fontRef>
-          </p:style>
-          <p:txBody>
-            <a:bodyPr rtlCol="0" anchor="ctr"/>
-            <a:lstStyle/>
-            <a:p>
-              <a:pPr algn="ctr"/>
-              <a:endParaRPr lang="en-US" sz="2000" b="1" dirty="0"/>
-            </a:p>
-            <a:p>
-              <a:pPr algn="ctr"/>
-              <a:r>
-                <a:rPr lang="en-US" sz="2000" b="1" dirty="0"/>
-                <a:t>Instance</a:t>
-              </a:r>
-              <a:endParaRPr lang="de-DE" sz="2000" b="1" dirty="0"/>
-            </a:p>
-          </p:txBody>
-        </p:sp>
-      </p:grpSp>
-      <p:sp>
-        <p:nvSpPr>
-          <p:cNvPr id="32" name="TextBox 31"/>
-          <p:cNvSpPr txBox="1"/>
-          <p:nvPr/>
-        </p:nvSpPr>
-        <p:spPr>
-          <a:xfrm>
-            <a:off x="4519986" y="1297045"/>
-            <a:ext cx="1335331" cy="523220"/>
-          </a:xfrm>
-          <a:prstGeom prst="rect">
-            <a:avLst/>
-          </a:prstGeom>
-          <a:noFill/>
-        </p:spPr>
-        <p:txBody>
-          <a:bodyPr wrap="square" rtlCol="0">
-            <a:spAutoFit/>
-          </a:bodyPr>
-          <a:lstStyle/>
-          <a:p>
-            <a:pPr algn="ctr"/>
-            <a:r>
-              <a:rPr lang="en-US" sz="2800" b="1" dirty="0"/>
-              <a:t>convert</a:t>
-            </a:r>
-            <a:endParaRPr lang="de-DE" sz="2800" b="1" dirty="0"/>
-          </a:p>
-        </p:txBody>
-      </p:sp>
-      <p:sp>
-        <p:nvSpPr>
-          <p:cNvPr id="33" name="TextBox 32"/>
-          <p:cNvSpPr txBox="1"/>
-          <p:nvPr/>
-        </p:nvSpPr>
-        <p:spPr>
-          <a:xfrm>
-            <a:off x="7692479" y="241970"/>
-            <a:ext cx="1749669" cy="954107"/>
-          </a:xfrm>
-          <a:prstGeom prst="rect">
-            <a:avLst/>
-          </a:prstGeom>
-          <a:noFill/>
-        </p:spPr>
-        <p:txBody>
-          <a:bodyPr wrap="square" rtlCol="0">
-            <a:spAutoFit/>
-          </a:bodyPr>
-          <a:lstStyle/>
-          <a:p>
-            <a:pPr algn="ctr"/>
-            <a:r>
-              <a:rPr lang="en-US" sz="2800" b="1" dirty="0">
-                <a:solidFill>
-                  <a:schemeClr val="bg2">
-                    <a:lumMod val="75000"/>
-                  </a:schemeClr>
-                </a:solidFill>
-              </a:rPr>
-              <a:t>other</a:t>
-            </a:r>
-          </a:p>
-          <a:p>
-            <a:pPr algn="ctr"/>
-            <a:r>
-              <a:rPr lang="en-US" sz="2800" b="1" dirty="0">
-                <a:solidFill>
-                  <a:schemeClr val="bg2">
-                    <a:lumMod val="75000"/>
-                  </a:schemeClr>
-                </a:solidFill>
-              </a:rPr>
-              <a:t>tools</a:t>
-            </a:r>
-            <a:endParaRPr lang="de-DE" sz="2800" b="1" dirty="0">
-              <a:solidFill>
-                <a:schemeClr val="bg2">
-                  <a:lumMod val="75000"/>
-                </a:schemeClr>
-              </a:solidFill>
-            </a:endParaRPr>
-          </a:p>
-        </p:txBody>
-      </p:sp>
-      <p:cxnSp>
-        <p:nvCxnSpPr>
-          <p:cNvPr id="34" name="Straight Arrow Connector 33"/>
-          <p:cNvCxnSpPr/>
-          <p:nvPr/>
-        </p:nvCxnSpPr>
-        <p:spPr>
-          <a:xfrm flipV="1">
-            <a:off x="4348156" y="1208866"/>
-            <a:ext cx="1601313" cy="10481"/>
-          </a:xfrm>
-          <a:prstGeom prst="straightConnector1">
-            <a:avLst/>
-          </a:prstGeom>
-          <a:ln w="142875">
-            <a:solidFill>
-              <a:schemeClr val="tx1">
-                <a:lumMod val="50000"/>
-                <a:lumOff val="50000"/>
-              </a:schemeClr>
-            </a:solidFill>
-            <a:tailEnd type="triangle"/>
-          </a:ln>
-        </p:spPr>
-        <p:style>
-          <a:lnRef idx="1">
-            <a:schemeClr val="accent1"/>
-          </a:lnRef>
-          <a:fillRef idx="0">
-            <a:schemeClr val="accent1"/>
-          </a:fillRef>
-          <a:effectRef idx="0">
-            <a:schemeClr val="accent1"/>
-          </a:effectRef>
-          <a:fontRef idx="minor">
-            <a:schemeClr val="tx1"/>
-          </a:fontRef>
-        </p:style>
-      </p:cxnSp>
-      <p:pic>
-        <p:nvPicPr>
-          <p:cNvPr id="35" name="Picture 2" descr="http://miamitom.net/content/wp-content/uploads/2015/04/aws-logo-large_white-300x111.png"/>
-          <p:cNvPicPr>
-            <a:picLocks noChangeAspect="1" noChangeArrowheads="1"/>
-          </p:cNvPicPr>
-          <p:nvPr/>
-        </p:nvPicPr>
-        <p:blipFill>
-          <a:blip r:embed="rId6">
-            <a:extLst>
-              <a:ext uri="{28A0092B-C50C-407E-A947-70E740481C1C}">
-                <a14:useLocalDpi xmlns:a14="http://schemas.microsoft.com/office/drawing/2010/main" val="0"/>
-              </a:ext>
-            </a:extLst>
-          </a:blip>
-          <a:srcRect/>
-          <a:stretch>
-            <a:fillRect/>
-          </a:stretch>
-        </p:blipFill>
-        <p:spPr bwMode="auto">
-          <a:xfrm>
-            <a:off x="6294497" y="802006"/>
-            <a:ext cx="1254614" cy="464208"/>
-          </a:xfrm>
-          <a:prstGeom prst="rect">
-            <a:avLst/>
-          </a:prstGeom>
-          <a:noFill/>
-          <a:extLst>
-            <a:ext uri="{909E8E84-426E-40DD-AFC4-6F175D3DCCD1}">
-              <a14:hiddenFill xmlns:a14="http://schemas.microsoft.com/office/drawing/2010/main">
-                <a:solidFill>
-                  <a:srgbClr val="FFFFFF"/>
-                </a:solidFill>
-              </a14:hiddenFill>
-            </a:ext>
-          </a:extLst>
-        </p:spPr>
-      </p:pic>
-      <p:pic>
-        <p:nvPicPr>
-          <p:cNvPr id="36" name="Picture 2" descr="http://miamitom.net/content/wp-content/uploads/2015/04/aws-logo-large_white-300x111.png"/>
-          <p:cNvPicPr>
-            <a:picLocks noChangeAspect="1" noChangeArrowheads="1"/>
-          </p:cNvPicPr>
-          <p:nvPr/>
-        </p:nvPicPr>
-        <p:blipFill>
-          <a:blip r:embed="rId6">
-            <a:biLevel thresh="50000"/>
-            <a:extLst>
-              <a:ext uri="{28A0092B-C50C-407E-A947-70E740481C1C}">
-                <a14:useLocalDpi xmlns:a14="http://schemas.microsoft.com/office/drawing/2010/main" val="0"/>
-              </a:ext>
-            </a:extLst>
-          </a:blip>
-          <a:srcRect/>
-          <a:stretch>
-            <a:fillRect/>
-          </a:stretch>
-        </p:blipFill>
-        <p:spPr bwMode="auto">
-          <a:xfrm>
-            <a:off x="10060535" y="857691"/>
-            <a:ext cx="1254614" cy="464208"/>
-          </a:xfrm>
-          <a:prstGeom prst="rect">
-            <a:avLst/>
-          </a:prstGeom>
-          <a:noFill/>
-          <a:extLst>
-            <a:ext uri="{909E8E84-426E-40DD-AFC4-6F175D3DCCD1}">
-              <a14:hiddenFill xmlns:a14="http://schemas.microsoft.com/office/drawing/2010/main">
-                <a:solidFill>
-                  <a:srgbClr val="FFFFFF"/>
-                </a:solidFill>
-              </a14:hiddenFill>
-            </a:ext>
-          </a:extLst>
-        </p:spPr>
-      </p:pic>
-      <p:pic>
-        <p:nvPicPr>
-          <p:cNvPr id="37" name="Picture 36"/>
-          <p:cNvPicPr>
-            <a:picLocks noChangeAspect="1"/>
-          </p:cNvPicPr>
-          <p:nvPr/>
-        </p:nvPicPr>
-        <p:blipFill>
-          <a:blip r:embed="rId7" cstate="print">
-            <a:extLst>
-              <a:ext uri="{28A0092B-C50C-407E-A947-70E740481C1C}">
-                <a14:useLocalDpi xmlns:a14="http://schemas.microsoft.com/office/drawing/2010/main" val="0"/>
-              </a:ext>
-            </a:extLst>
-          </a:blip>
-          <a:stretch>
-            <a:fillRect/>
-          </a:stretch>
-        </p:blipFill>
-        <p:spPr>
-          <a:xfrm>
-            <a:off x="4360190" y="547457"/>
-            <a:ext cx="1584702" cy="490036"/>
-          </a:xfrm>
-          <a:prstGeom prst="rect">
-            <a:avLst/>
-          </a:prstGeom>
-        </p:spPr>
-      </p:pic>
-    </p:spTree>
-    <p:extLst>
-      <p:ext uri="{BB962C8B-B14F-4D97-AF65-F5344CB8AC3E}">
-        <p14:creationId xmlns:p14="http://schemas.microsoft.com/office/powerpoint/2010/main" val="2448315037"/>
       </p:ext>
     </p:extLst>
   </p:cSld>
@@ -19036,6 +18389,1416 @@
           <a:chExt cx="0" cy="0"/>
         </a:xfrm>
       </p:grpSpPr>
+      <p:pic>
+        <p:nvPicPr>
+          <p:cNvPr id="6" name="Picture 5"/>
+          <p:cNvPicPr>
+            <a:picLocks noChangeAspect="1"/>
+          </p:cNvPicPr>
+          <p:nvPr/>
+        </p:nvPicPr>
+        <p:blipFill>
+          <a:blip r:embed="rId2"/>
+          <a:stretch>
+            <a:fillRect/>
+          </a:stretch>
+        </p:blipFill>
+        <p:spPr>
+          <a:xfrm>
+            <a:off x="10166268" y="5187200"/>
+            <a:ext cx="1655807" cy="705924"/>
+          </a:xfrm>
+          <a:prstGeom prst="rect">
+            <a:avLst/>
+          </a:prstGeom>
+        </p:spPr>
+      </p:pic>
+      <p:sp>
+        <p:nvSpPr>
+          <p:cNvPr id="76" name="Rounded Rectangle 75"/>
+          <p:cNvSpPr/>
+          <p:nvPr/>
+        </p:nvSpPr>
+        <p:spPr>
+          <a:xfrm>
+            <a:off x="11099080" y="3630042"/>
+            <a:ext cx="1441656" cy="1514439"/>
+          </a:xfrm>
+          <a:prstGeom prst="rect">
+            <a:avLst/>
+          </a:prstGeom>
+          <a:solidFill>
+            <a:schemeClr val="accent2">
+              <a:lumMod val="75000"/>
+            </a:schemeClr>
+          </a:solidFill>
+          <a:ln w="76200">
+            <a:solidFill>
+              <a:schemeClr val="accent2">
+                <a:lumMod val="50000"/>
+              </a:schemeClr>
+            </a:solidFill>
+          </a:ln>
+        </p:spPr>
+        <p:style>
+          <a:lnRef idx="2">
+            <a:schemeClr val="accent1">
+              <a:shade val="50000"/>
+            </a:schemeClr>
+          </a:lnRef>
+          <a:fillRef idx="1">
+            <a:schemeClr val="accent1"/>
+          </a:fillRef>
+          <a:effectRef idx="0">
+            <a:schemeClr val="accent1"/>
+          </a:effectRef>
+          <a:fontRef idx="minor">
+            <a:schemeClr val="lt1"/>
+          </a:fontRef>
+        </p:style>
+        <p:txBody>
+          <a:bodyPr rtlCol="0" anchor="ctr"/>
+          <a:lstStyle/>
+          <a:p>
+            <a:pPr algn="ctr"/>
+            <a:r>
+              <a:rPr lang="en-US" sz="2000" b="1" dirty="0"/>
+              <a:t>Instance</a:t>
+            </a:r>
+            <a:endParaRPr lang="de-DE" sz="2000" b="1" dirty="0"/>
+          </a:p>
+        </p:txBody>
+      </p:sp>
+      <p:grpSp>
+        <p:nvGrpSpPr>
+          <p:cNvPr id="52" name="Group 51"/>
+          <p:cNvGrpSpPr/>
+          <p:nvPr/>
+        </p:nvGrpSpPr>
+        <p:grpSpPr>
+          <a:xfrm>
+            <a:off x="12828501" y="4054004"/>
+            <a:ext cx="1381738" cy="673166"/>
+            <a:chOff x="2334271" y="318043"/>
+            <a:chExt cx="1457473" cy="673166"/>
+          </a:xfrm>
+        </p:grpSpPr>
+        <p:cxnSp>
+          <p:nvCxnSpPr>
+            <p:cNvPr id="63" name="Straight Arrow Connector 62"/>
+            <p:cNvCxnSpPr/>
+            <p:nvPr/>
+          </p:nvCxnSpPr>
+          <p:spPr>
+            <a:xfrm flipV="1">
+              <a:off x="2346123" y="980728"/>
+              <a:ext cx="1445621" cy="10481"/>
+            </a:xfrm>
+            <a:prstGeom prst="straightConnector1">
+              <a:avLst/>
+            </a:prstGeom>
+            <a:ln w="142875">
+              <a:solidFill>
+                <a:schemeClr val="tx1">
+                  <a:lumMod val="50000"/>
+                  <a:lumOff val="50000"/>
+                </a:schemeClr>
+              </a:solidFill>
+              <a:tailEnd type="triangle"/>
+            </a:ln>
+          </p:spPr>
+          <p:style>
+            <a:lnRef idx="1">
+              <a:schemeClr val="accent1"/>
+            </a:lnRef>
+            <a:fillRef idx="0">
+              <a:schemeClr val="accent1"/>
+            </a:fillRef>
+            <a:effectRef idx="0">
+              <a:schemeClr val="accent1"/>
+            </a:effectRef>
+            <a:fontRef idx="minor">
+              <a:schemeClr val="tx1"/>
+            </a:fontRef>
+          </p:style>
+        </p:cxnSp>
+        <p:sp>
+          <p:nvSpPr>
+            <p:cNvPr id="64" name="TextBox 63"/>
+            <p:cNvSpPr txBox="1"/>
+            <p:nvPr/>
+          </p:nvSpPr>
+          <p:spPr>
+            <a:xfrm>
+              <a:off x="2334271" y="318043"/>
+              <a:ext cx="1408522" cy="523220"/>
+            </a:xfrm>
+            <a:prstGeom prst="rect">
+              <a:avLst/>
+            </a:prstGeom>
+            <a:noFill/>
+          </p:spPr>
+          <p:txBody>
+            <a:bodyPr wrap="square" rtlCol="0">
+              <a:spAutoFit/>
+            </a:bodyPr>
+            <a:lstStyle/>
+            <a:p>
+              <a:pPr algn="ctr"/>
+              <a:r>
+                <a:rPr lang="en-US" sz="2800" b="1" dirty="0"/>
+                <a:t>open</a:t>
+              </a:r>
+              <a:endParaRPr lang="de-DE" sz="2800" b="1" dirty="0"/>
+            </a:p>
+          </p:txBody>
+        </p:sp>
+      </p:grpSp>
+      <p:pic>
+        <p:nvPicPr>
+          <p:cNvPr id="3" name="Picture 2"/>
+          <p:cNvPicPr>
+            <a:picLocks noChangeAspect="1"/>
+          </p:cNvPicPr>
+          <p:nvPr/>
+        </p:nvPicPr>
+        <p:blipFill>
+          <a:blip r:embed="rId3">
+            <a:extLst>
+              <a:ext uri="{28A0092B-C50C-407E-A947-70E740481C1C}">
+                <a14:useLocalDpi xmlns:a14="http://schemas.microsoft.com/office/drawing/2010/main" val="0"/>
+              </a:ext>
+            </a:extLst>
+          </a:blip>
+          <a:stretch>
+            <a:fillRect/>
+          </a:stretch>
+        </p:blipFill>
+        <p:spPr>
+          <a:xfrm>
+            <a:off x="14347826" y="3858938"/>
+            <a:ext cx="2294064" cy="1436808"/>
+          </a:xfrm>
+          <a:prstGeom prst="rect">
+            <a:avLst/>
+          </a:prstGeom>
+        </p:spPr>
+      </p:pic>
+      <p:pic>
+        <p:nvPicPr>
+          <p:cNvPr id="1026" name="Picture 2" descr="Console showing log4J logs"/>
+          <p:cNvPicPr>
+            <a:picLocks noChangeAspect="1" noChangeArrowheads="1"/>
+          </p:cNvPicPr>
+          <p:nvPr/>
+        </p:nvPicPr>
+        <p:blipFill>
+          <a:blip r:embed="rId4">
+            <a:extLst>
+              <a:ext uri="{28A0092B-C50C-407E-A947-70E740481C1C}">
+                <a14:useLocalDpi xmlns:a14="http://schemas.microsoft.com/office/drawing/2010/main" val="0"/>
+              </a:ext>
+            </a:extLst>
+          </a:blip>
+          <a:srcRect/>
+          <a:stretch>
+            <a:fillRect/>
+          </a:stretch>
+        </p:blipFill>
+        <p:spPr bwMode="auto">
+          <a:xfrm>
+            <a:off x="7381204" y="5751353"/>
+            <a:ext cx="2241408" cy="1631745"/>
+          </a:xfrm>
+          <a:prstGeom prst="rect">
+            <a:avLst/>
+          </a:prstGeom>
+          <a:noFill/>
+          <a:extLst>
+            <a:ext uri="{909E8E84-426E-40DD-AFC4-6F175D3DCCD1}">
+              <a14:hiddenFill xmlns:a14="http://schemas.microsoft.com/office/drawing/2010/main">
+                <a:solidFill>
+                  <a:srgbClr val="FFFFFF"/>
+                </a:solidFill>
+              </a14:hiddenFill>
+            </a:ext>
+          </a:extLst>
+        </p:spPr>
+      </p:pic>
+      <p:pic>
+        <p:nvPicPr>
+          <p:cNvPr id="61" name="Picture 60"/>
+          <p:cNvPicPr>
+            <a:picLocks noChangeAspect="1"/>
+          </p:cNvPicPr>
+          <p:nvPr/>
+        </p:nvPicPr>
+        <p:blipFill>
+          <a:blip r:embed="rId2"/>
+          <a:stretch>
+            <a:fillRect/>
+          </a:stretch>
+        </p:blipFill>
+        <p:spPr>
+          <a:xfrm>
+            <a:off x="3132592" y="7139722"/>
+            <a:ext cx="1655807" cy="705924"/>
+          </a:xfrm>
+          <a:prstGeom prst="rect">
+            <a:avLst/>
+          </a:prstGeom>
+        </p:spPr>
+      </p:pic>
+      <p:sp>
+        <p:nvSpPr>
+          <p:cNvPr id="62" name="Rounded Rectangle 75"/>
+          <p:cNvSpPr/>
+          <p:nvPr/>
+        </p:nvSpPr>
+        <p:spPr>
+          <a:xfrm>
+            <a:off x="4065403" y="5598329"/>
+            <a:ext cx="1441656" cy="1514439"/>
+          </a:xfrm>
+          <a:prstGeom prst="rect">
+            <a:avLst/>
+          </a:prstGeom>
+          <a:solidFill>
+            <a:schemeClr val="accent2">
+              <a:lumMod val="75000"/>
+            </a:schemeClr>
+          </a:solidFill>
+          <a:ln w="76200">
+            <a:solidFill>
+              <a:schemeClr val="accent2">
+                <a:lumMod val="50000"/>
+              </a:schemeClr>
+            </a:solidFill>
+          </a:ln>
+        </p:spPr>
+        <p:style>
+          <a:lnRef idx="2">
+            <a:schemeClr val="accent1">
+              <a:shade val="50000"/>
+            </a:schemeClr>
+          </a:lnRef>
+          <a:fillRef idx="1">
+            <a:schemeClr val="accent1"/>
+          </a:fillRef>
+          <a:effectRef idx="0">
+            <a:schemeClr val="accent1"/>
+          </a:effectRef>
+          <a:fontRef idx="minor">
+            <a:schemeClr val="lt1"/>
+          </a:fontRef>
+        </p:style>
+        <p:txBody>
+          <a:bodyPr rtlCol="0" anchor="ctr"/>
+          <a:lstStyle/>
+          <a:p>
+            <a:pPr algn="ctr"/>
+            <a:r>
+              <a:rPr lang="en-US" sz="2000" b="1" dirty="0"/>
+              <a:t>Instance</a:t>
+            </a:r>
+            <a:endParaRPr lang="de-DE" sz="2000" b="1" dirty="0"/>
+          </a:p>
+        </p:txBody>
+      </p:sp>
+      <p:grpSp>
+        <p:nvGrpSpPr>
+          <p:cNvPr id="66" name="Group 65"/>
+          <p:cNvGrpSpPr/>
+          <p:nvPr/>
+        </p:nvGrpSpPr>
+        <p:grpSpPr>
+          <a:xfrm>
+            <a:off x="5794824" y="6022291"/>
+            <a:ext cx="1381738" cy="673166"/>
+            <a:chOff x="2334271" y="318043"/>
+            <a:chExt cx="1457473" cy="673166"/>
+          </a:xfrm>
+        </p:grpSpPr>
+        <p:cxnSp>
+          <p:nvCxnSpPr>
+            <p:cNvPr id="68" name="Straight Arrow Connector 67"/>
+            <p:cNvCxnSpPr/>
+            <p:nvPr/>
+          </p:nvCxnSpPr>
+          <p:spPr>
+            <a:xfrm flipV="1">
+              <a:off x="2346123" y="980728"/>
+              <a:ext cx="1445621" cy="10481"/>
+            </a:xfrm>
+            <a:prstGeom prst="straightConnector1">
+              <a:avLst/>
+            </a:prstGeom>
+            <a:ln w="142875">
+              <a:solidFill>
+                <a:schemeClr val="tx1">
+                  <a:lumMod val="50000"/>
+                  <a:lumOff val="50000"/>
+                </a:schemeClr>
+              </a:solidFill>
+              <a:tailEnd type="triangle"/>
+            </a:ln>
+          </p:spPr>
+          <p:style>
+            <a:lnRef idx="1">
+              <a:schemeClr val="accent1"/>
+            </a:lnRef>
+            <a:fillRef idx="0">
+              <a:schemeClr val="accent1"/>
+            </a:fillRef>
+            <a:effectRef idx="0">
+              <a:schemeClr val="accent1"/>
+            </a:effectRef>
+            <a:fontRef idx="minor">
+              <a:schemeClr val="tx1"/>
+            </a:fontRef>
+          </p:style>
+        </p:cxnSp>
+        <p:sp>
+          <p:nvSpPr>
+            <p:cNvPr id="80" name="TextBox 79"/>
+            <p:cNvSpPr txBox="1"/>
+            <p:nvPr/>
+          </p:nvSpPr>
+          <p:spPr>
+            <a:xfrm>
+              <a:off x="2334271" y="318043"/>
+              <a:ext cx="1408522" cy="523220"/>
+            </a:xfrm>
+            <a:prstGeom prst="rect">
+              <a:avLst/>
+            </a:prstGeom>
+            <a:noFill/>
+          </p:spPr>
+          <p:txBody>
+            <a:bodyPr wrap="square" rtlCol="0">
+              <a:spAutoFit/>
+            </a:bodyPr>
+            <a:lstStyle/>
+            <a:p>
+              <a:pPr algn="ctr"/>
+              <a:r>
+                <a:rPr lang="en-US" sz="2800" b="1" dirty="0"/>
+                <a:t>logs</a:t>
+              </a:r>
+              <a:endParaRPr lang="de-DE" sz="2800" b="1" dirty="0"/>
+            </a:p>
+          </p:txBody>
+        </p:sp>
+      </p:grpSp>
+      <p:pic>
+        <p:nvPicPr>
+          <p:cNvPr id="14" name="Picture 2" descr="https://a0.awsstatic.com/main/images/logos/aws_logo.png"/>
+          <p:cNvPicPr>
+            <a:picLocks noChangeAspect="1" noChangeArrowheads="1"/>
+          </p:cNvPicPr>
+          <p:nvPr/>
+        </p:nvPicPr>
+        <p:blipFill>
+          <a:blip r:embed="rId5">
+            <a:extLst>
+              <a:ext uri="{28A0092B-C50C-407E-A947-70E740481C1C}">
+                <a14:useLocalDpi xmlns:a14="http://schemas.microsoft.com/office/drawing/2010/main" val="0"/>
+              </a:ext>
+            </a:extLst>
+          </a:blip>
+          <a:srcRect/>
+          <a:stretch>
+            <a:fillRect/>
+          </a:stretch>
+        </p:blipFill>
+        <p:spPr bwMode="auto">
+          <a:xfrm>
+            <a:off x="4895596" y="7239888"/>
+            <a:ext cx="1466377" cy="553964"/>
+          </a:xfrm>
+          <a:prstGeom prst="rect">
+            <a:avLst/>
+          </a:prstGeom>
+          <a:noFill/>
+          <a:extLst>
+            <a:ext uri="{909E8E84-426E-40DD-AFC4-6F175D3DCCD1}">
+              <a14:hiddenFill xmlns:a14="http://schemas.microsoft.com/office/drawing/2010/main">
+                <a:solidFill>
+                  <a:srgbClr val="FFFFFF"/>
+                </a:solidFill>
+              </a14:hiddenFill>
+            </a:ext>
+          </a:extLst>
+        </p:spPr>
+      </p:pic>
+      <p:pic>
+        <p:nvPicPr>
+          <p:cNvPr id="15" name="Picture 2" descr="https://a0.awsstatic.com/main/images/logos/aws_logo.png"/>
+          <p:cNvPicPr>
+            <a:picLocks noChangeAspect="1" noChangeArrowheads="1"/>
+          </p:cNvPicPr>
+          <p:nvPr/>
+        </p:nvPicPr>
+        <p:blipFill>
+          <a:blip r:embed="rId5">
+            <a:extLst>
+              <a:ext uri="{28A0092B-C50C-407E-A947-70E740481C1C}">
+                <a14:useLocalDpi xmlns:a14="http://schemas.microsoft.com/office/drawing/2010/main" val="0"/>
+              </a:ext>
+            </a:extLst>
+          </a:blip>
+          <a:srcRect/>
+          <a:stretch>
+            <a:fillRect/>
+          </a:stretch>
+        </p:blipFill>
+        <p:spPr bwMode="auto">
+          <a:xfrm>
+            <a:off x="11910241" y="5229986"/>
+            <a:ext cx="1466377" cy="553964"/>
+          </a:xfrm>
+          <a:prstGeom prst="rect">
+            <a:avLst/>
+          </a:prstGeom>
+          <a:noFill/>
+          <a:extLst>
+            <a:ext uri="{909E8E84-426E-40DD-AFC4-6F175D3DCCD1}">
+              <a14:hiddenFill xmlns:a14="http://schemas.microsoft.com/office/drawing/2010/main">
+                <a:solidFill>
+                  <a:srgbClr val="FFFFFF"/>
+                </a:solidFill>
+              </a14:hiddenFill>
+            </a:ext>
+          </a:extLst>
+        </p:spPr>
+      </p:pic>
+      <p:sp>
+        <p:nvSpPr>
+          <p:cNvPr id="17" name="Rounded Rectangle 75"/>
+          <p:cNvSpPr/>
+          <p:nvPr/>
+        </p:nvSpPr>
+        <p:spPr>
+          <a:xfrm>
+            <a:off x="9705914" y="8598878"/>
+            <a:ext cx="1176176" cy="1198475"/>
+          </a:xfrm>
+          <a:prstGeom prst="rect">
+            <a:avLst/>
+          </a:prstGeom>
+          <a:solidFill>
+            <a:schemeClr val="accent2">
+              <a:lumMod val="75000"/>
+            </a:schemeClr>
+          </a:solidFill>
+          <a:ln w="76200">
+            <a:solidFill>
+              <a:schemeClr val="accent2">
+                <a:lumMod val="50000"/>
+              </a:schemeClr>
+            </a:solidFill>
+          </a:ln>
+        </p:spPr>
+        <p:style>
+          <a:lnRef idx="2">
+            <a:schemeClr val="accent1">
+              <a:shade val="50000"/>
+            </a:schemeClr>
+          </a:lnRef>
+          <a:fillRef idx="1">
+            <a:schemeClr val="accent1"/>
+          </a:fillRef>
+          <a:effectRef idx="0">
+            <a:schemeClr val="accent1"/>
+          </a:effectRef>
+          <a:fontRef idx="minor">
+            <a:schemeClr val="lt1"/>
+          </a:fontRef>
+        </p:style>
+        <p:txBody>
+          <a:bodyPr rtlCol="0" anchor="ctr"/>
+          <a:lstStyle/>
+          <a:p>
+            <a:pPr algn="ctr"/>
+            <a:r>
+              <a:rPr lang="en-US" sz="2000" b="1" dirty="0"/>
+              <a:t>Instance</a:t>
+            </a:r>
+            <a:endParaRPr lang="de-DE" sz="2000" b="1" dirty="0"/>
+          </a:p>
+        </p:txBody>
+      </p:sp>
+      <p:grpSp>
+        <p:nvGrpSpPr>
+          <p:cNvPr id="18" name="Group 17"/>
+          <p:cNvGrpSpPr/>
+          <p:nvPr/>
+        </p:nvGrpSpPr>
+        <p:grpSpPr>
+          <a:xfrm>
+            <a:off x="11152270" y="8548614"/>
+            <a:ext cx="1381738" cy="673166"/>
+            <a:chOff x="2334271" y="318043"/>
+            <a:chExt cx="1457473" cy="673166"/>
+          </a:xfrm>
+        </p:grpSpPr>
+        <p:cxnSp>
+          <p:nvCxnSpPr>
+            <p:cNvPr id="19" name="Straight Arrow Connector 18"/>
+            <p:cNvCxnSpPr/>
+            <p:nvPr/>
+          </p:nvCxnSpPr>
+          <p:spPr>
+            <a:xfrm flipV="1">
+              <a:off x="2346123" y="980728"/>
+              <a:ext cx="1445621" cy="10481"/>
+            </a:xfrm>
+            <a:prstGeom prst="straightConnector1">
+              <a:avLst/>
+            </a:prstGeom>
+            <a:ln w="142875">
+              <a:solidFill>
+                <a:schemeClr val="tx1">
+                  <a:lumMod val="50000"/>
+                  <a:lumOff val="50000"/>
+                </a:schemeClr>
+              </a:solidFill>
+              <a:tailEnd type="triangle"/>
+            </a:ln>
+          </p:spPr>
+          <p:style>
+            <a:lnRef idx="1">
+              <a:schemeClr val="accent1"/>
+            </a:lnRef>
+            <a:fillRef idx="0">
+              <a:schemeClr val="accent1"/>
+            </a:fillRef>
+            <a:effectRef idx="0">
+              <a:schemeClr val="accent1"/>
+            </a:effectRef>
+            <a:fontRef idx="minor">
+              <a:schemeClr val="tx1"/>
+            </a:fontRef>
+          </p:style>
+        </p:cxnSp>
+        <p:sp>
+          <p:nvSpPr>
+            <p:cNvPr id="20" name="TextBox 19"/>
+            <p:cNvSpPr txBox="1"/>
+            <p:nvPr/>
+          </p:nvSpPr>
+          <p:spPr>
+            <a:xfrm>
+              <a:off x="2334271" y="318043"/>
+              <a:ext cx="1408522" cy="523220"/>
+            </a:xfrm>
+            <a:prstGeom prst="rect">
+              <a:avLst/>
+            </a:prstGeom>
+            <a:noFill/>
+          </p:spPr>
+          <p:txBody>
+            <a:bodyPr wrap="square" rtlCol="0">
+              <a:spAutoFit/>
+            </a:bodyPr>
+            <a:lstStyle/>
+            <a:p>
+              <a:pPr algn="ctr"/>
+              <a:r>
+                <a:rPr lang="en-US" sz="2800" b="1" dirty="0"/>
+                <a:t>scale</a:t>
+              </a:r>
+              <a:endParaRPr lang="de-DE" sz="2800" b="1" dirty="0"/>
+            </a:p>
+          </p:txBody>
+        </p:sp>
+      </p:grpSp>
+      <p:sp>
+        <p:nvSpPr>
+          <p:cNvPr id="21" name="Rounded Rectangle 75"/>
+          <p:cNvSpPr/>
+          <p:nvPr/>
+        </p:nvSpPr>
+        <p:spPr>
+          <a:xfrm>
+            <a:off x="12705310" y="7617630"/>
+            <a:ext cx="1441656" cy="1514439"/>
+          </a:xfrm>
+          <a:prstGeom prst="rect">
+            <a:avLst/>
+          </a:prstGeom>
+          <a:solidFill>
+            <a:schemeClr val="accent2">
+              <a:lumMod val="75000"/>
+            </a:schemeClr>
+          </a:solidFill>
+          <a:ln w="76200">
+            <a:solidFill>
+              <a:schemeClr val="accent2">
+                <a:lumMod val="50000"/>
+              </a:schemeClr>
+            </a:solidFill>
+          </a:ln>
+        </p:spPr>
+        <p:style>
+          <a:lnRef idx="2">
+            <a:schemeClr val="accent1">
+              <a:shade val="50000"/>
+            </a:schemeClr>
+          </a:lnRef>
+          <a:fillRef idx="1">
+            <a:schemeClr val="accent1"/>
+          </a:fillRef>
+          <a:effectRef idx="0">
+            <a:schemeClr val="accent1"/>
+          </a:effectRef>
+          <a:fontRef idx="minor">
+            <a:schemeClr val="lt1"/>
+          </a:fontRef>
+        </p:style>
+        <p:txBody>
+          <a:bodyPr rtlCol="0" anchor="ctr"/>
+          <a:lstStyle/>
+          <a:p>
+            <a:pPr algn="ctr"/>
+            <a:r>
+              <a:rPr lang="en-US" sz="2000" b="1" dirty="0"/>
+              <a:t>Instance</a:t>
+            </a:r>
+            <a:endParaRPr lang="de-DE" sz="2000" b="1" dirty="0"/>
+          </a:p>
+        </p:txBody>
+      </p:sp>
+      <p:sp>
+        <p:nvSpPr>
+          <p:cNvPr id="22" name="Rounded Rectangle 75"/>
+          <p:cNvSpPr/>
+          <p:nvPr/>
+        </p:nvSpPr>
+        <p:spPr>
+          <a:xfrm>
+            <a:off x="12708241" y="9285325"/>
+            <a:ext cx="1441656" cy="1514439"/>
+          </a:xfrm>
+          <a:prstGeom prst="rect">
+            <a:avLst/>
+          </a:prstGeom>
+          <a:solidFill>
+            <a:schemeClr val="accent2">
+              <a:lumMod val="75000"/>
+            </a:schemeClr>
+          </a:solidFill>
+          <a:ln w="76200">
+            <a:solidFill>
+              <a:schemeClr val="accent2">
+                <a:lumMod val="50000"/>
+              </a:schemeClr>
+            </a:solidFill>
+          </a:ln>
+        </p:spPr>
+        <p:style>
+          <a:lnRef idx="2">
+            <a:schemeClr val="accent1">
+              <a:shade val="50000"/>
+            </a:schemeClr>
+          </a:lnRef>
+          <a:fillRef idx="1">
+            <a:schemeClr val="accent1"/>
+          </a:fillRef>
+          <a:effectRef idx="0">
+            <a:schemeClr val="accent1"/>
+          </a:effectRef>
+          <a:fontRef idx="minor">
+            <a:schemeClr val="lt1"/>
+          </a:fontRef>
+        </p:style>
+        <p:txBody>
+          <a:bodyPr rtlCol="0" anchor="ctr"/>
+          <a:lstStyle/>
+          <a:p>
+            <a:pPr algn="ctr"/>
+            <a:r>
+              <a:rPr lang="en-US" sz="2000" b="1" dirty="0"/>
+              <a:t>Instance</a:t>
+            </a:r>
+            <a:endParaRPr lang="de-DE" sz="2000" b="1" dirty="0"/>
+          </a:p>
+        </p:txBody>
+      </p:sp>
+      <p:grpSp>
+        <p:nvGrpSpPr>
+          <p:cNvPr id="23" name="Group 22"/>
+          <p:cNvGrpSpPr/>
+          <p:nvPr/>
+        </p:nvGrpSpPr>
+        <p:grpSpPr>
+          <a:xfrm>
+            <a:off x="2672096" y="874464"/>
+            <a:ext cx="1496257" cy="679282"/>
+            <a:chOff x="6448425" y="3933827"/>
+            <a:chExt cx="2628900" cy="1409700"/>
+          </a:xfrm>
+        </p:grpSpPr>
+        <p:sp>
+          <p:nvSpPr>
+            <p:cNvPr id="24" name="Rounded Rectangle 23"/>
+            <p:cNvSpPr/>
+            <p:nvPr/>
+          </p:nvSpPr>
+          <p:spPr>
+            <a:xfrm>
+              <a:off x="6448425" y="3933827"/>
+              <a:ext cx="2628900" cy="1409700"/>
+            </a:xfrm>
+            <a:prstGeom prst="roundRect">
+              <a:avLst/>
+            </a:prstGeom>
+            <a:solidFill>
+              <a:schemeClr val="accent6">
+                <a:lumMod val="75000"/>
+              </a:schemeClr>
+            </a:solidFill>
+            <a:ln w="76200">
+              <a:solidFill>
+                <a:schemeClr val="accent6">
+                  <a:lumMod val="50000"/>
+                </a:schemeClr>
+              </a:solidFill>
+            </a:ln>
+          </p:spPr>
+          <p:style>
+            <a:lnRef idx="2">
+              <a:schemeClr val="accent1">
+                <a:shade val="50000"/>
+              </a:schemeClr>
+            </a:lnRef>
+            <a:fillRef idx="1">
+              <a:schemeClr val="accent1"/>
+            </a:fillRef>
+            <a:effectRef idx="0">
+              <a:schemeClr val="accent1"/>
+            </a:effectRef>
+            <a:fontRef idx="minor">
+              <a:schemeClr val="lt1"/>
+            </a:fontRef>
+          </p:style>
+          <p:txBody>
+            <a:bodyPr rtlCol="0" anchor="ctr"/>
+            <a:lstStyle/>
+            <a:p>
+              <a:pPr algn="ctr"/>
+              <a:endParaRPr lang="de-DE"/>
+            </a:p>
+          </p:txBody>
+        </p:sp>
+        <p:sp>
+          <p:nvSpPr>
+            <p:cNvPr id="25" name="TextBox 24"/>
+            <p:cNvSpPr txBox="1"/>
+            <p:nvPr/>
+          </p:nvSpPr>
+          <p:spPr>
+            <a:xfrm>
+              <a:off x="6513804" y="4239101"/>
+              <a:ext cx="2501164" cy="830340"/>
+            </a:xfrm>
+            <a:prstGeom prst="rect">
+              <a:avLst/>
+            </a:prstGeom>
+            <a:noFill/>
+            <a:ln w="76200">
+              <a:noFill/>
+            </a:ln>
+          </p:spPr>
+          <p:txBody>
+            <a:bodyPr wrap="square" rtlCol="0">
+              <a:spAutoFit/>
+            </a:bodyPr>
+            <a:lstStyle/>
+            <a:p>
+              <a:pPr algn="ctr"/>
+              <a:r>
+                <a:rPr lang="en-US" sz="2000" b="1" dirty="0">
+                  <a:solidFill>
+                    <a:schemeClr val="bg1"/>
+                  </a:solidFill>
+                </a:rPr>
+                <a:t>App</a:t>
+              </a:r>
+              <a:endParaRPr lang="de-DE" sz="2400" b="1" dirty="0">
+                <a:solidFill>
+                  <a:schemeClr val="bg1"/>
+                </a:solidFill>
+              </a:endParaRPr>
+            </a:p>
+          </p:txBody>
+        </p:sp>
+      </p:grpSp>
+      <p:cxnSp>
+        <p:nvCxnSpPr>
+          <p:cNvPr id="26" name="Straight Arrow Connector 25"/>
+          <p:cNvCxnSpPr/>
+          <p:nvPr/>
+        </p:nvCxnSpPr>
+        <p:spPr>
+          <a:xfrm flipV="1">
+            <a:off x="7897319" y="1208866"/>
+            <a:ext cx="1601313" cy="10481"/>
+          </a:xfrm>
+          <a:prstGeom prst="straightConnector1">
+            <a:avLst/>
+          </a:prstGeom>
+          <a:ln w="142875">
+            <a:solidFill>
+              <a:schemeClr val="bg2">
+                <a:lumMod val="90000"/>
+              </a:schemeClr>
+            </a:solidFill>
+            <a:tailEnd type="triangle"/>
+          </a:ln>
+        </p:spPr>
+        <p:style>
+          <a:lnRef idx="1">
+            <a:schemeClr val="accent1"/>
+          </a:lnRef>
+          <a:fillRef idx="0">
+            <a:schemeClr val="accent1"/>
+          </a:fillRef>
+          <a:effectRef idx="0">
+            <a:schemeClr val="accent1"/>
+          </a:effectRef>
+          <a:fontRef idx="minor">
+            <a:schemeClr val="tx1"/>
+          </a:fontRef>
+        </p:style>
+      </p:cxnSp>
+      <p:sp>
+        <p:nvSpPr>
+          <p:cNvPr id="27" name="Rounded Rectangle 25"/>
+          <p:cNvSpPr/>
+          <p:nvPr/>
+        </p:nvSpPr>
+        <p:spPr>
+          <a:xfrm>
+            <a:off x="6106333" y="408914"/>
+            <a:ext cx="1610387" cy="1610382"/>
+          </a:xfrm>
+          <a:prstGeom prst="ellipse">
+            <a:avLst/>
+          </a:prstGeom>
+          <a:solidFill>
+            <a:schemeClr val="accent1">
+              <a:lumMod val="75000"/>
+            </a:schemeClr>
+          </a:solidFill>
+          <a:ln w="76200">
+            <a:solidFill>
+              <a:schemeClr val="accent1">
+                <a:lumMod val="50000"/>
+              </a:schemeClr>
+            </a:solidFill>
+          </a:ln>
+        </p:spPr>
+        <p:style>
+          <a:lnRef idx="2">
+            <a:schemeClr val="accent1">
+              <a:shade val="50000"/>
+            </a:schemeClr>
+          </a:lnRef>
+          <a:fillRef idx="1">
+            <a:schemeClr val="accent1"/>
+          </a:fillRef>
+          <a:effectRef idx="0">
+            <a:schemeClr val="accent1"/>
+          </a:effectRef>
+          <a:fontRef idx="minor">
+            <a:schemeClr val="lt1"/>
+          </a:fontRef>
+        </p:style>
+        <p:txBody>
+          <a:bodyPr rtlCol="0" anchor="ctr"/>
+          <a:lstStyle/>
+          <a:p>
+            <a:pPr algn="ctr"/>
+            <a:endParaRPr lang="en-US" sz="2000" b="1" dirty="0"/>
+          </a:p>
+          <a:p>
+            <a:pPr algn="ctr"/>
+            <a:endParaRPr lang="en-US" sz="2000" b="1" dirty="0"/>
+          </a:p>
+          <a:p>
+            <a:pPr algn="ctr"/>
+            <a:r>
+              <a:rPr lang="en-US" sz="2000" b="1" dirty="0"/>
+              <a:t>AMI</a:t>
+            </a:r>
+            <a:endParaRPr lang="de-DE" sz="2000" b="1" dirty="0"/>
+          </a:p>
+        </p:txBody>
+      </p:sp>
+      <p:grpSp>
+        <p:nvGrpSpPr>
+          <p:cNvPr id="28" name="Group 27"/>
+          <p:cNvGrpSpPr/>
+          <p:nvPr/>
+        </p:nvGrpSpPr>
+        <p:grpSpPr>
+          <a:xfrm>
+            <a:off x="9660783" y="304487"/>
+            <a:ext cx="1746456" cy="1819239"/>
+            <a:chOff x="12360816" y="8217563"/>
+            <a:chExt cx="1746456" cy="1819239"/>
+          </a:xfrm>
+        </p:grpSpPr>
+        <p:sp>
+          <p:nvSpPr>
+            <p:cNvPr id="29" name="Rounded Rectangle 75"/>
+            <p:cNvSpPr/>
+            <p:nvPr/>
+          </p:nvSpPr>
+          <p:spPr>
+            <a:xfrm>
+              <a:off x="12360816" y="8217563"/>
+              <a:ext cx="1441656" cy="1514439"/>
+            </a:xfrm>
+            <a:prstGeom prst="rect">
+              <a:avLst/>
+            </a:prstGeom>
+            <a:solidFill>
+              <a:schemeClr val="bg2">
+                <a:lumMod val="90000"/>
+              </a:schemeClr>
+            </a:solidFill>
+            <a:ln w="76200">
+              <a:solidFill>
+                <a:schemeClr val="bg2">
+                  <a:lumMod val="75000"/>
+                </a:schemeClr>
+              </a:solidFill>
+            </a:ln>
+          </p:spPr>
+          <p:style>
+            <a:lnRef idx="2">
+              <a:schemeClr val="accent1">
+                <a:shade val="50000"/>
+              </a:schemeClr>
+            </a:lnRef>
+            <a:fillRef idx="1">
+              <a:schemeClr val="accent1"/>
+            </a:fillRef>
+            <a:effectRef idx="0">
+              <a:schemeClr val="accent1"/>
+            </a:effectRef>
+            <a:fontRef idx="minor">
+              <a:schemeClr val="lt1"/>
+            </a:fontRef>
+          </p:style>
+          <p:txBody>
+            <a:bodyPr rtlCol="0" anchor="ctr"/>
+            <a:lstStyle/>
+            <a:p>
+              <a:pPr algn="ctr"/>
+              <a:r>
+                <a:rPr lang="en-US" sz="2000" b="1" dirty="0"/>
+                <a:t>Instance</a:t>
+              </a:r>
+              <a:endParaRPr lang="de-DE" sz="2000" b="1" dirty="0"/>
+            </a:p>
+          </p:txBody>
+        </p:sp>
+        <p:sp>
+          <p:nvSpPr>
+            <p:cNvPr id="30" name="Rounded Rectangle 75"/>
+            <p:cNvSpPr/>
+            <p:nvPr/>
+          </p:nvSpPr>
+          <p:spPr>
+            <a:xfrm>
+              <a:off x="12513216" y="8369963"/>
+              <a:ext cx="1441656" cy="1514439"/>
+            </a:xfrm>
+            <a:prstGeom prst="rect">
+              <a:avLst/>
+            </a:prstGeom>
+            <a:solidFill>
+              <a:schemeClr val="bg2">
+                <a:lumMod val="90000"/>
+              </a:schemeClr>
+            </a:solidFill>
+            <a:ln w="76200">
+              <a:solidFill>
+                <a:schemeClr val="bg2">
+                  <a:lumMod val="75000"/>
+                </a:schemeClr>
+              </a:solidFill>
+            </a:ln>
+          </p:spPr>
+          <p:style>
+            <a:lnRef idx="2">
+              <a:schemeClr val="accent1">
+                <a:shade val="50000"/>
+              </a:schemeClr>
+            </a:lnRef>
+            <a:fillRef idx="1">
+              <a:schemeClr val="accent1"/>
+            </a:fillRef>
+            <a:effectRef idx="0">
+              <a:schemeClr val="accent1"/>
+            </a:effectRef>
+            <a:fontRef idx="minor">
+              <a:schemeClr val="lt1"/>
+            </a:fontRef>
+          </p:style>
+          <p:txBody>
+            <a:bodyPr rtlCol="0" anchor="ctr"/>
+            <a:lstStyle/>
+            <a:p>
+              <a:pPr algn="ctr"/>
+              <a:r>
+                <a:rPr lang="en-US" sz="2000" b="1" dirty="0"/>
+                <a:t>Instance</a:t>
+              </a:r>
+              <a:endParaRPr lang="de-DE" sz="2000" b="1" dirty="0"/>
+            </a:p>
+          </p:txBody>
+        </p:sp>
+        <p:sp>
+          <p:nvSpPr>
+            <p:cNvPr id="31" name="Rounded Rectangle 75"/>
+            <p:cNvSpPr/>
+            <p:nvPr/>
+          </p:nvSpPr>
+          <p:spPr>
+            <a:xfrm>
+              <a:off x="12665616" y="8522363"/>
+              <a:ext cx="1441656" cy="1514439"/>
+            </a:xfrm>
+            <a:prstGeom prst="rect">
+              <a:avLst/>
+            </a:prstGeom>
+            <a:solidFill>
+              <a:schemeClr val="bg2">
+                <a:lumMod val="90000"/>
+              </a:schemeClr>
+            </a:solidFill>
+            <a:ln w="76200">
+              <a:solidFill>
+                <a:schemeClr val="bg2">
+                  <a:lumMod val="75000"/>
+                </a:schemeClr>
+              </a:solidFill>
+            </a:ln>
+          </p:spPr>
+          <p:style>
+            <a:lnRef idx="2">
+              <a:schemeClr val="accent1">
+                <a:shade val="50000"/>
+              </a:schemeClr>
+            </a:lnRef>
+            <a:fillRef idx="1">
+              <a:schemeClr val="accent1"/>
+            </a:fillRef>
+            <a:effectRef idx="0">
+              <a:schemeClr val="accent1"/>
+            </a:effectRef>
+            <a:fontRef idx="minor">
+              <a:schemeClr val="lt1"/>
+            </a:fontRef>
+          </p:style>
+          <p:txBody>
+            <a:bodyPr rtlCol="0" anchor="ctr"/>
+            <a:lstStyle/>
+            <a:p>
+              <a:pPr algn="ctr"/>
+              <a:endParaRPr lang="en-US" sz="2000" b="1" dirty="0"/>
+            </a:p>
+            <a:p>
+              <a:pPr algn="ctr"/>
+              <a:r>
+                <a:rPr lang="en-US" sz="2000" b="1" dirty="0"/>
+                <a:t>Instance</a:t>
+              </a:r>
+              <a:endParaRPr lang="de-DE" sz="2000" b="1" dirty="0"/>
+            </a:p>
+          </p:txBody>
+        </p:sp>
+      </p:grpSp>
+      <p:sp>
+        <p:nvSpPr>
+          <p:cNvPr id="32" name="TextBox 31"/>
+          <p:cNvSpPr txBox="1"/>
+          <p:nvPr/>
+        </p:nvSpPr>
+        <p:spPr>
+          <a:xfrm>
+            <a:off x="4519986" y="1297045"/>
+            <a:ext cx="1335331" cy="523220"/>
+          </a:xfrm>
+          <a:prstGeom prst="rect">
+            <a:avLst/>
+          </a:prstGeom>
+          <a:noFill/>
+        </p:spPr>
+        <p:txBody>
+          <a:bodyPr wrap="square" rtlCol="0">
+            <a:spAutoFit/>
+          </a:bodyPr>
+          <a:lstStyle/>
+          <a:p>
+            <a:pPr algn="ctr"/>
+            <a:r>
+              <a:rPr lang="en-US" sz="2800" b="1" dirty="0"/>
+              <a:t>convert</a:t>
+            </a:r>
+            <a:endParaRPr lang="de-DE" sz="2800" b="1" dirty="0"/>
+          </a:p>
+        </p:txBody>
+      </p:sp>
+      <p:sp>
+        <p:nvSpPr>
+          <p:cNvPr id="33" name="TextBox 32"/>
+          <p:cNvSpPr txBox="1"/>
+          <p:nvPr/>
+        </p:nvSpPr>
+        <p:spPr>
+          <a:xfrm>
+            <a:off x="7692479" y="241970"/>
+            <a:ext cx="1749669" cy="954107"/>
+          </a:xfrm>
+          <a:prstGeom prst="rect">
+            <a:avLst/>
+          </a:prstGeom>
+          <a:noFill/>
+        </p:spPr>
+        <p:txBody>
+          <a:bodyPr wrap="square" rtlCol="0">
+            <a:spAutoFit/>
+          </a:bodyPr>
+          <a:lstStyle/>
+          <a:p>
+            <a:pPr algn="ctr"/>
+            <a:r>
+              <a:rPr lang="en-US" sz="2800" b="1" dirty="0">
+                <a:solidFill>
+                  <a:schemeClr val="bg2">
+                    <a:lumMod val="75000"/>
+                  </a:schemeClr>
+                </a:solidFill>
+              </a:rPr>
+              <a:t>other</a:t>
+            </a:r>
+          </a:p>
+          <a:p>
+            <a:pPr algn="ctr"/>
+            <a:r>
+              <a:rPr lang="en-US" sz="2800" b="1" dirty="0">
+                <a:solidFill>
+                  <a:schemeClr val="bg2">
+                    <a:lumMod val="75000"/>
+                  </a:schemeClr>
+                </a:solidFill>
+              </a:rPr>
+              <a:t>tools</a:t>
+            </a:r>
+            <a:endParaRPr lang="de-DE" sz="2800" b="1" dirty="0">
+              <a:solidFill>
+                <a:schemeClr val="bg2">
+                  <a:lumMod val="75000"/>
+                </a:schemeClr>
+              </a:solidFill>
+            </a:endParaRPr>
+          </a:p>
+        </p:txBody>
+      </p:sp>
+      <p:cxnSp>
+        <p:nvCxnSpPr>
+          <p:cNvPr id="34" name="Straight Arrow Connector 33"/>
+          <p:cNvCxnSpPr/>
+          <p:nvPr/>
+        </p:nvCxnSpPr>
+        <p:spPr>
+          <a:xfrm flipV="1">
+            <a:off x="4348156" y="1208866"/>
+            <a:ext cx="1601313" cy="10481"/>
+          </a:xfrm>
+          <a:prstGeom prst="straightConnector1">
+            <a:avLst/>
+          </a:prstGeom>
+          <a:ln w="142875">
+            <a:solidFill>
+              <a:schemeClr val="tx1">
+                <a:lumMod val="50000"/>
+                <a:lumOff val="50000"/>
+              </a:schemeClr>
+            </a:solidFill>
+            <a:tailEnd type="triangle"/>
+          </a:ln>
+        </p:spPr>
+        <p:style>
+          <a:lnRef idx="1">
+            <a:schemeClr val="accent1"/>
+          </a:lnRef>
+          <a:fillRef idx="0">
+            <a:schemeClr val="accent1"/>
+          </a:fillRef>
+          <a:effectRef idx="0">
+            <a:schemeClr val="accent1"/>
+          </a:effectRef>
+          <a:fontRef idx="minor">
+            <a:schemeClr val="tx1"/>
+          </a:fontRef>
+        </p:style>
+      </p:cxnSp>
+      <p:pic>
+        <p:nvPicPr>
+          <p:cNvPr id="35" name="Picture 2" descr="http://miamitom.net/content/wp-content/uploads/2015/04/aws-logo-large_white-300x111.png"/>
+          <p:cNvPicPr>
+            <a:picLocks noChangeAspect="1" noChangeArrowheads="1"/>
+          </p:cNvPicPr>
+          <p:nvPr/>
+        </p:nvPicPr>
+        <p:blipFill>
+          <a:blip r:embed="rId6">
+            <a:extLst>
+              <a:ext uri="{28A0092B-C50C-407E-A947-70E740481C1C}">
+                <a14:useLocalDpi xmlns:a14="http://schemas.microsoft.com/office/drawing/2010/main" val="0"/>
+              </a:ext>
+            </a:extLst>
+          </a:blip>
+          <a:srcRect/>
+          <a:stretch>
+            <a:fillRect/>
+          </a:stretch>
+        </p:blipFill>
+        <p:spPr bwMode="auto">
+          <a:xfrm>
+            <a:off x="6294497" y="802006"/>
+            <a:ext cx="1254614" cy="464208"/>
+          </a:xfrm>
+          <a:prstGeom prst="rect">
+            <a:avLst/>
+          </a:prstGeom>
+          <a:noFill/>
+          <a:extLst>
+            <a:ext uri="{909E8E84-426E-40DD-AFC4-6F175D3DCCD1}">
+              <a14:hiddenFill xmlns:a14="http://schemas.microsoft.com/office/drawing/2010/main">
+                <a:solidFill>
+                  <a:srgbClr val="FFFFFF"/>
+                </a:solidFill>
+              </a14:hiddenFill>
+            </a:ext>
+          </a:extLst>
+        </p:spPr>
+      </p:pic>
+      <p:pic>
+        <p:nvPicPr>
+          <p:cNvPr id="36" name="Picture 2" descr="http://miamitom.net/content/wp-content/uploads/2015/04/aws-logo-large_white-300x111.png"/>
+          <p:cNvPicPr>
+            <a:picLocks noChangeAspect="1" noChangeArrowheads="1"/>
+          </p:cNvPicPr>
+          <p:nvPr/>
+        </p:nvPicPr>
+        <p:blipFill>
+          <a:blip r:embed="rId6">
+            <a:biLevel thresh="50000"/>
+            <a:extLst>
+              <a:ext uri="{28A0092B-C50C-407E-A947-70E740481C1C}">
+                <a14:useLocalDpi xmlns:a14="http://schemas.microsoft.com/office/drawing/2010/main" val="0"/>
+              </a:ext>
+            </a:extLst>
+          </a:blip>
+          <a:srcRect/>
+          <a:stretch>
+            <a:fillRect/>
+          </a:stretch>
+        </p:blipFill>
+        <p:spPr bwMode="auto">
+          <a:xfrm>
+            <a:off x="10060535" y="857691"/>
+            <a:ext cx="1254614" cy="464208"/>
+          </a:xfrm>
+          <a:prstGeom prst="rect">
+            <a:avLst/>
+          </a:prstGeom>
+          <a:noFill/>
+          <a:extLst>
+            <a:ext uri="{909E8E84-426E-40DD-AFC4-6F175D3DCCD1}">
+              <a14:hiddenFill xmlns:a14="http://schemas.microsoft.com/office/drawing/2010/main">
+                <a:solidFill>
+                  <a:srgbClr val="FFFFFF"/>
+                </a:solidFill>
+              </a14:hiddenFill>
+            </a:ext>
+          </a:extLst>
+        </p:spPr>
+      </p:pic>
+      <p:pic>
+        <p:nvPicPr>
+          <p:cNvPr id="37" name="Picture 36"/>
+          <p:cNvPicPr>
+            <a:picLocks noChangeAspect="1"/>
+          </p:cNvPicPr>
+          <p:nvPr/>
+        </p:nvPicPr>
+        <p:blipFill>
+          <a:blip r:embed="rId7" cstate="print">
+            <a:extLst>
+              <a:ext uri="{28A0092B-C50C-407E-A947-70E740481C1C}">
+                <a14:useLocalDpi xmlns:a14="http://schemas.microsoft.com/office/drawing/2010/main" val="0"/>
+              </a:ext>
+            </a:extLst>
+          </a:blip>
+          <a:stretch>
+            <a:fillRect/>
+          </a:stretch>
+        </p:blipFill>
+        <p:spPr>
+          <a:xfrm>
+            <a:off x="4360190" y="547457"/>
+            <a:ext cx="1584702" cy="490036"/>
+          </a:xfrm>
+          <a:prstGeom prst="rect">
+            <a:avLst/>
+          </a:prstGeom>
+        </p:spPr>
+      </p:pic>
+    </p:spTree>
+    <p:extLst>
+      <p:ext uri="{BB962C8B-B14F-4D97-AF65-F5344CB8AC3E}">
+        <p14:creationId xmlns:p14="http://schemas.microsoft.com/office/powerpoint/2010/main" val="2448315037"/>
+      </p:ext>
+    </p:extLst>
+  </p:cSld>
+  <p:clrMapOvr>
+    <a:masterClrMapping/>
+  </p:clrMapOvr>
+  <p:timing>
+    <p:tnLst>
+      <p:par>
+        <p:cTn id="1" dur="indefinite" restart="never" nodeType="tmRoot"/>
+      </p:par>
+    </p:tnLst>
+  </p:timing>
+</p:sld>
+</file>
+
+<file path=ppt/slides/slide21.xml><?xml version="1.0" encoding="utf-8"?>
+<p:sld xmlns:a="http://schemas.openxmlformats.org/drawingml/2006/main" xmlns:r="http://schemas.openxmlformats.org/officeDocument/2006/relationships" xmlns:p="http://schemas.openxmlformats.org/presentationml/2006/main">
+  <p:cSld>
+    <p:spTree>
+      <p:nvGrpSpPr>
+        <p:cNvPr id="1" name=""/>
+        <p:cNvGrpSpPr/>
+        <p:nvPr/>
+      </p:nvGrpSpPr>
+      <p:grpSpPr>
+        <a:xfrm>
+          <a:off x="0" y="0"/>
+          <a:ext cx="0" cy="0"/>
+          <a:chOff x="0" y="0"/>
+          <a:chExt cx="0" cy="0"/>
+        </a:xfrm>
+      </p:grpSpPr>
       <p:grpSp>
         <p:nvGrpSpPr>
           <p:cNvPr id="82" name="Group 81"/>
@@ -19866,7 +20629,7 @@
 </p:sld>
 </file>
 
-<file path=ppt/slides/slide21.xml><?xml version="1.0" encoding="utf-8"?>
+<file path=ppt/slides/slide22.xml><?xml version="1.0" encoding="utf-8"?>
 <p:sld xmlns:a="http://schemas.openxmlformats.org/drawingml/2006/main" xmlns:r="http://schemas.openxmlformats.org/officeDocument/2006/relationships" xmlns:p="http://schemas.openxmlformats.org/presentationml/2006/main">
   <p:cSld>
     <p:spTree>
@@ -20812,7 +21575,7 @@
 </p:sld>
 </file>
 
-<file path=ppt/slides/slide22.xml><?xml version="1.0" encoding="utf-8"?>
+<file path=ppt/slides/slide23.xml><?xml version="1.0" encoding="utf-8"?>
 <p:sld xmlns:a="http://schemas.openxmlformats.org/drawingml/2006/main" xmlns:r="http://schemas.openxmlformats.org/officeDocument/2006/relationships" xmlns:p="http://schemas.openxmlformats.org/presentationml/2006/main">
   <p:cSld>
     <p:spTree>
@@ -21307,7 +22070,7 @@
 </p:sld>
 </file>
 
-<file path=ppt/slides/slide23.xml><?xml version="1.0" encoding="utf-8"?>
+<file path=ppt/slides/slide24.xml><?xml version="1.0" encoding="utf-8"?>
 <p:sld xmlns:a="http://schemas.openxmlformats.org/drawingml/2006/main" xmlns:r="http://schemas.openxmlformats.org/officeDocument/2006/relationships" xmlns:p="http://schemas.openxmlformats.org/presentationml/2006/main">
   <p:cSld>
     <p:spTree>
@@ -22129,7 +22892,7 @@
 </p:sld>
 </file>
 
-<file path=ppt/slides/slide24.xml><?xml version="1.0" encoding="utf-8"?>
+<file path=ppt/slides/slide25.xml><?xml version="1.0" encoding="utf-8"?>
 <p:sld xmlns:a="http://schemas.openxmlformats.org/drawingml/2006/main" xmlns:r="http://schemas.openxmlformats.org/officeDocument/2006/relationships" xmlns:p="http://schemas.openxmlformats.org/presentationml/2006/main">
   <p:cSld>
     <p:spTree>
@@ -22596,7 +23359,7 @@
 </p:sld>
 </file>
 
-<file path=ppt/slides/slide25.xml><?xml version="1.0" encoding="utf-8"?>
+<file path=ppt/slides/slide26.xml><?xml version="1.0" encoding="utf-8"?>
 <p:sld xmlns:a="http://schemas.openxmlformats.org/drawingml/2006/main" xmlns:r="http://schemas.openxmlformats.org/officeDocument/2006/relationships" xmlns:p="http://schemas.openxmlformats.org/presentationml/2006/main">
   <p:cSld>
     <p:spTree>
@@ -23353,7 +24116,7 @@
 </p:sld>
 </file>
 
-<file path=ppt/slides/slide26.xml><?xml version="1.0" encoding="utf-8"?>
+<file path=ppt/slides/slide27.xml><?xml version="1.0" encoding="utf-8"?>
 <p:sld xmlns:a="http://schemas.openxmlformats.org/drawingml/2006/main" xmlns:r="http://schemas.openxmlformats.org/officeDocument/2006/relationships" xmlns:p="http://schemas.openxmlformats.org/presentationml/2006/main">
   <p:cSld>
     <p:spTree>
@@ -25582,7 +26345,7 @@
 </p:sld>
 </file>
 
-<file path=ppt/slides/slide27.xml><?xml version="1.0" encoding="utf-8"?>
+<file path=ppt/slides/slide28.xml><?xml version="1.0" encoding="utf-8"?>
 <p:sld xmlns:a="http://schemas.openxmlformats.org/drawingml/2006/main" xmlns:r="http://schemas.openxmlformats.org/officeDocument/2006/relationships" xmlns:p="http://schemas.openxmlformats.org/presentationml/2006/main">
   <p:cSld>
     <p:spTree>
@@ -27832,7 +28595,7 @@
 </p:sld>
 </file>
 
-<file path=ppt/slides/slide28.xml><?xml version="1.0" encoding="utf-8"?>
+<file path=ppt/slides/slide29.xml><?xml version="1.0" encoding="utf-8"?>
 <p:sld xmlns:a="http://schemas.openxmlformats.org/drawingml/2006/main" xmlns:r="http://schemas.openxmlformats.org/officeDocument/2006/relationships" xmlns:p="http://schemas.openxmlformats.org/presentationml/2006/main">
   <p:cSld>
     <p:spTree>
@@ -30549,130 +31312,6 @@
     <p:extLst>
       <p:ext uri="{BB962C8B-B14F-4D97-AF65-F5344CB8AC3E}">
         <p14:creationId xmlns:p14="http://schemas.microsoft.com/office/powerpoint/2010/main" val="285761363"/>
-      </p:ext>
-    </p:extLst>
-  </p:cSld>
-  <p:clrMapOvr>
-    <a:masterClrMapping/>
-  </p:clrMapOvr>
-  <p:timing>
-    <p:tnLst>
-      <p:par>
-        <p:cTn id="1" dur="indefinite" restart="never" nodeType="tmRoot"/>
-      </p:par>
-    </p:tnLst>
-  </p:timing>
-</p:sld>
-</file>
-
-<file path=ppt/slides/slide29.xml><?xml version="1.0" encoding="utf-8"?>
-<p:sld xmlns:a="http://schemas.openxmlformats.org/drawingml/2006/main" xmlns:r="http://schemas.openxmlformats.org/officeDocument/2006/relationships" xmlns:p="http://schemas.openxmlformats.org/presentationml/2006/main">
-  <p:cSld>
-    <p:spTree>
-      <p:nvGrpSpPr>
-        <p:cNvPr id="1" name=""/>
-        <p:cNvGrpSpPr/>
-        <p:nvPr/>
-      </p:nvGrpSpPr>
-      <p:grpSpPr>
-        <a:xfrm>
-          <a:off x="0" y="0"/>
-          <a:ext cx="0" cy="0"/>
-          <a:chOff x="0" y="0"/>
-          <a:chExt cx="0" cy="0"/>
-        </a:xfrm>
-      </p:grpSpPr>
-      <p:sp>
-        <p:nvSpPr>
-          <p:cNvPr id="4" name="TextBox 3"/>
-          <p:cNvSpPr txBox="1"/>
-          <p:nvPr/>
-        </p:nvSpPr>
-        <p:spPr>
-          <a:xfrm>
-            <a:off x="6185025" y="2613112"/>
-            <a:ext cx="7138493" cy="5386090"/>
-          </a:xfrm>
-          <a:prstGeom prst="rect">
-            <a:avLst/>
-          </a:prstGeom>
-          <a:noFill/>
-        </p:spPr>
-        <p:txBody>
-          <a:bodyPr wrap="none" rtlCol="0">
-            <a:spAutoFit/>
-          </a:bodyPr>
-          <a:lstStyle/>
-          <a:p>
-            <a:pPr algn="ctr"/>
-            <a:r>
-              <a:rPr lang="en-US" sz="34400" b="1" dirty="0"/>
-              <a:t>SSH</a:t>
-            </a:r>
-            <a:endParaRPr lang="de-DE" sz="34400" b="1" dirty="0"/>
-          </a:p>
-        </p:txBody>
-      </p:sp>
-      <p:sp>
-        <p:nvSpPr>
-          <p:cNvPr id="5" name="&quot;No&quot; Symbol 4"/>
-          <p:cNvSpPr/>
-          <p:nvPr/>
-        </p:nvSpPr>
-        <p:spPr>
-          <a:xfrm>
-            <a:off x="4492075" y="43962"/>
-            <a:ext cx="10524393" cy="10524393"/>
-          </a:xfrm>
-          <a:prstGeom prst="noSmoking">
-            <a:avLst>
-              <a:gd name="adj" fmla="val 9643"/>
-            </a:avLst>
-          </a:prstGeom>
-          <a:solidFill>
-            <a:srgbClr val="C00000">
-              <a:alpha val="86000"/>
-            </a:srgbClr>
-          </a:solidFill>
-          <a:ln>
-            <a:solidFill>
-              <a:srgbClr val="CC3300"/>
-            </a:solidFill>
-          </a:ln>
-        </p:spPr>
-        <p:style>
-          <a:lnRef idx="2">
-            <a:schemeClr val="accent1">
-              <a:shade val="50000"/>
-            </a:schemeClr>
-          </a:lnRef>
-          <a:fillRef idx="1">
-            <a:schemeClr val="accent1"/>
-          </a:fillRef>
-          <a:effectRef idx="0">
-            <a:schemeClr val="accent1"/>
-          </a:effectRef>
-          <a:fontRef idx="minor">
-            <a:schemeClr val="lt1"/>
-          </a:fontRef>
-        </p:style>
-        <p:txBody>
-          <a:bodyPr rtlCol="0" anchor="ctr"/>
-          <a:lstStyle/>
-          <a:p>
-            <a:pPr algn="ctr"/>
-            <a:endParaRPr lang="de-DE">
-              <a:solidFill>
-                <a:schemeClr val="tx1"/>
-              </a:solidFill>
-            </a:endParaRPr>
-          </a:p>
-        </p:txBody>
-      </p:sp>
-    </p:spTree>
-    <p:extLst>
-      <p:ext uri="{BB962C8B-B14F-4D97-AF65-F5344CB8AC3E}">
-        <p14:creationId xmlns:p14="http://schemas.microsoft.com/office/powerpoint/2010/main" val="1092691834"/>
       </p:ext>
     </p:extLst>
   </p:cSld>
@@ -33109,6 +33748,130 @@
 </file>
 
 <file path=ppt/slides/slide30.xml><?xml version="1.0" encoding="utf-8"?>
+<p:sld xmlns:a="http://schemas.openxmlformats.org/drawingml/2006/main" xmlns:r="http://schemas.openxmlformats.org/officeDocument/2006/relationships" xmlns:p="http://schemas.openxmlformats.org/presentationml/2006/main">
+  <p:cSld>
+    <p:spTree>
+      <p:nvGrpSpPr>
+        <p:cNvPr id="1" name=""/>
+        <p:cNvGrpSpPr/>
+        <p:nvPr/>
+      </p:nvGrpSpPr>
+      <p:grpSpPr>
+        <a:xfrm>
+          <a:off x="0" y="0"/>
+          <a:ext cx="0" cy="0"/>
+          <a:chOff x="0" y="0"/>
+          <a:chExt cx="0" cy="0"/>
+        </a:xfrm>
+      </p:grpSpPr>
+      <p:sp>
+        <p:nvSpPr>
+          <p:cNvPr id="4" name="TextBox 3"/>
+          <p:cNvSpPr txBox="1"/>
+          <p:nvPr/>
+        </p:nvSpPr>
+        <p:spPr>
+          <a:xfrm>
+            <a:off x="6185025" y="2613112"/>
+            <a:ext cx="7138493" cy="5386090"/>
+          </a:xfrm>
+          <a:prstGeom prst="rect">
+            <a:avLst/>
+          </a:prstGeom>
+          <a:noFill/>
+        </p:spPr>
+        <p:txBody>
+          <a:bodyPr wrap="none" rtlCol="0">
+            <a:spAutoFit/>
+          </a:bodyPr>
+          <a:lstStyle/>
+          <a:p>
+            <a:pPr algn="ctr"/>
+            <a:r>
+              <a:rPr lang="en-US" sz="34400" b="1" dirty="0"/>
+              <a:t>SSH</a:t>
+            </a:r>
+            <a:endParaRPr lang="de-DE" sz="34400" b="1" dirty="0"/>
+          </a:p>
+        </p:txBody>
+      </p:sp>
+      <p:sp>
+        <p:nvSpPr>
+          <p:cNvPr id="5" name="&quot;No&quot; Symbol 4"/>
+          <p:cNvSpPr/>
+          <p:nvPr/>
+        </p:nvSpPr>
+        <p:spPr>
+          <a:xfrm>
+            <a:off x="4492075" y="43962"/>
+            <a:ext cx="10524393" cy="10524393"/>
+          </a:xfrm>
+          <a:prstGeom prst="noSmoking">
+            <a:avLst>
+              <a:gd name="adj" fmla="val 9643"/>
+            </a:avLst>
+          </a:prstGeom>
+          <a:solidFill>
+            <a:srgbClr val="C00000">
+              <a:alpha val="86000"/>
+            </a:srgbClr>
+          </a:solidFill>
+          <a:ln>
+            <a:solidFill>
+              <a:srgbClr val="CC3300"/>
+            </a:solidFill>
+          </a:ln>
+        </p:spPr>
+        <p:style>
+          <a:lnRef idx="2">
+            <a:schemeClr val="accent1">
+              <a:shade val="50000"/>
+            </a:schemeClr>
+          </a:lnRef>
+          <a:fillRef idx="1">
+            <a:schemeClr val="accent1"/>
+          </a:fillRef>
+          <a:effectRef idx="0">
+            <a:schemeClr val="accent1"/>
+          </a:effectRef>
+          <a:fontRef idx="minor">
+            <a:schemeClr val="lt1"/>
+          </a:fontRef>
+        </p:style>
+        <p:txBody>
+          <a:bodyPr rtlCol="0" anchor="ctr"/>
+          <a:lstStyle/>
+          <a:p>
+            <a:pPr algn="ctr"/>
+            <a:endParaRPr lang="de-DE">
+              <a:solidFill>
+                <a:schemeClr val="tx1"/>
+              </a:solidFill>
+            </a:endParaRPr>
+          </a:p>
+        </p:txBody>
+      </p:sp>
+    </p:spTree>
+    <p:extLst>
+      <p:ext uri="{BB962C8B-B14F-4D97-AF65-F5344CB8AC3E}">
+        <p14:creationId xmlns:p14="http://schemas.microsoft.com/office/powerpoint/2010/main" val="1092691834"/>
+      </p:ext>
+    </p:extLst>
+  </p:cSld>
+  <p:clrMapOvr>
+    <a:masterClrMapping/>
+  </p:clrMapOvr>
+  <p:timing>
+    <p:tnLst>
+      <p:par>
+        <p:cTn id="1" dur="indefinite" restart="never" nodeType="tmRoot"/>
+      </p:par>
+    </p:tnLst>
+  </p:timing>
+</p:sld>
+</file>
+
+<file path=ppt/slides/slide31.xml><?xml version="1.0" encoding="utf-8"?>
 <p:sld xmlns:a="http://schemas.openxmlformats.org/drawingml/2006/main" xmlns:r="http://schemas.openxmlformats.org/officeDocument/2006/relationships" xmlns:p="http://schemas.openxmlformats.org/presentationml/2006/main">
   <p:cSld>
     <p:spTree>
@@ -41948,6 +42711,1953 @@
       </p:grpSpPr>
       <p:grpSp>
         <p:nvGrpSpPr>
+          <p:cNvPr id="2" name="Group 1"/>
+          <p:cNvGrpSpPr/>
+          <p:nvPr/>
+        </p:nvGrpSpPr>
+        <p:grpSpPr>
+          <a:xfrm>
+            <a:off x="1385363" y="728295"/>
+            <a:ext cx="10632256" cy="1187786"/>
+            <a:chOff x="1383898" y="728295"/>
+            <a:chExt cx="10632256" cy="1187786"/>
+          </a:xfrm>
+        </p:grpSpPr>
+        <p:sp>
+          <p:nvSpPr>
+            <p:cNvPr id="69" name="Rounded Rectangle 75"/>
+            <p:cNvSpPr/>
+            <p:nvPr/>
+          </p:nvSpPr>
+          <p:spPr>
+            <a:xfrm>
+              <a:off x="1383898" y="728295"/>
+              <a:ext cx="1130702" cy="1187786"/>
+            </a:xfrm>
+            <a:prstGeom prst="rect">
+              <a:avLst/>
+            </a:prstGeom>
+            <a:solidFill>
+              <a:schemeClr val="accent2">
+                <a:lumMod val="75000"/>
+              </a:schemeClr>
+            </a:solidFill>
+            <a:ln w="76200">
+              <a:solidFill>
+                <a:schemeClr val="accent2">
+                  <a:lumMod val="50000"/>
+                </a:schemeClr>
+              </a:solidFill>
+            </a:ln>
+          </p:spPr>
+          <p:style>
+            <a:lnRef idx="2">
+              <a:schemeClr val="accent1">
+                <a:shade val="50000"/>
+              </a:schemeClr>
+            </a:lnRef>
+            <a:fillRef idx="1">
+              <a:schemeClr val="accent1"/>
+            </a:fillRef>
+            <a:effectRef idx="0">
+              <a:schemeClr val="accent1"/>
+            </a:effectRef>
+            <a:fontRef idx="minor">
+              <a:schemeClr val="lt1"/>
+            </a:fontRef>
+          </p:style>
+          <p:txBody>
+            <a:bodyPr rtlCol="0" anchor="ctr"/>
+            <a:lstStyle/>
+            <a:p>
+              <a:pPr algn="ctr"/>
+              <a:endParaRPr lang="de-DE" sz="3600" b="1" dirty="0"/>
+            </a:p>
+          </p:txBody>
+        </p:sp>
+        <p:sp>
+          <p:nvSpPr>
+            <p:cNvPr id="23" name="Rounded Rectangle 75"/>
+            <p:cNvSpPr/>
+            <p:nvPr/>
+          </p:nvSpPr>
+          <p:spPr>
+            <a:xfrm>
+              <a:off x="5455993" y="728295"/>
+              <a:ext cx="1130702" cy="1187786"/>
+            </a:xfrm>
+            <a:prstGeom prst="rect">
+              <a:avLst/>
+            </a:prstGeom>
+            <a:solidFill>
+              <a:schemeClr val="accent2">
+                <a:lumMod val="75000"/>
+              </a:schemeClr>
+            </a:solidFill>
+            <a:ln w="76200">
+              <a:solidFill>
+                <a:schemeClr val="accent2">
+                  <a:lumMod val="50000"/>
+                </a:schemeClr>
+              </a:solidFill>
+            </a:ln>
+          </p:spPr>
+          <p:style>
+            <a:lnRef idx="2">
+              <a:schemeClr val="accent1">
+                <a:shade val="50000"/>
+              </a:schemeClr>
+            </a:lnRef>
+            <a:fillRef idx="1">
+              <a:schemeClr val="accent1"/>
+            </a:fillRef>
+            <a:effectRef idx="0">
+              <a:schemeClr val="accent1"/>
+            </a:effectRef>
+            <a:fontRef idx="minor">
+              <a:schemeClr val="lt1"/>
+            </a:fontRef>
+          </p:style>
+          <p:txBody>
+            <a:bodyPr rtlCol="0" anchor="ctr"/>
+            <a:lstStyle/>
+            <a:p>
+              <a:pPr algn="ctr"/>
+              <a:endParaRPr lang="de-DE" sz="3600" b="1" dirty="0"/>
+            </a:p>
+          </p:txBody>
+        </p:sp>
+        <p:sp>
+          <p:nvSpPr>
+            <p:cNvPr id="27" name="Rounded Rectangle 75"/>
+            <p:cNvSpPr/>
+            <p:nvPr/>
+          </p:nvSpPr>
+          <p:spPr>
+            <a:xfrm>
+              <a:off x="4098628" y="728295"/>
+              <a:ext cx="1130702" cy="1187786"/>
+            </a:xfrm>
+            <a:prstGeom prst="rect">
+              <a:avLst/>
+            </a:prstGeom>
+            <a:solidFill>
+              <a:schemeClr val="accent2">
+                <a:lumMod val="75000"/>
+              </a:schemeClr>
+            </a:solidFill>
+            <a:ln w="76200">
+              <a:solidFill>
+                <a:schemeClr val="accent2">
+                  <a:lumMod val="50000"/>
+                </a:schemeClr>
+              </a:solidFill>
+            </a:ln>
+          </p:spPr>
+          <p:style>
+            <a:lnRef idx="2">
+              <a:schemeClr val="accent1">
+                <a:shade val="50000"/>
+              </a:schemeClr>
+            </a:lnRef>
+            <a:fillRef idx="1">
+              <a:schemeClr val="accent1"/>
+            </a:fillRef>
+            <a:effectRef idx="0">
+              <a:schemeClr val="accent1"/>
+            </a:effectRef>
+            <a:fontRef idx="minor">
+              <a:schemeClr val="lt1"/>
+            </a:fontRef>
+          </p:style>
+          <p:txBody>
+            <a:bodyPr rtlCol="0" anchor="ctr"/>
+            <a:lstStyle/>
+            <a:p>
+              <a:pPr algn="ctr"/>
+              <a:endParaRPr lang="de-DE" sz="3600" b="1" dirty="0"/>
+            </a:p>
+          </p:txBody>
+        </p:sp>
+        <p:sp>
+          <p:nvSpPr>
+            <p:cNvPr id="29" name="Rounded Rectangle 75"/>
+            <p:cNvSpPr/>
+            <p:nvPr/>
+          </p:nvSpPr>
+          <p:spPr>
+            <a:xfrm>
+              <a:off x="2741263" y="728295"/>
+              <a:ext cx="1130702" cy="1187786"/>
+            </a:xfrm>
+            <a:prstGeom prst="rect">
+              <a:avLst/>
+            </a:prstGeom>
+            <a:solidFill>
+              <a:schemeClr val="accent2">
+                <a:lumMod val="75000"/>
+              </a:schemeClr>
+            </a:solidFill>
+            <a:ln w="76200">
+              <a:solidFill>
+                <a:schemeClr val="accent2">
+                  <a:lumMod val="50000"/>
+                </a:schemeClr>
+              </a:solidFill>
+            </a:ln>
+          </p:spPr>
+          <p:style>
+            <a:lnRef idx="2">
+              <a:schemeClr val="accent1">
+                <a:shade val="50000"/>
+              </a:schemeClr>
+            </a:lnRef>
+            <a:fillRef idx="1">
+              <a:schemeClr val="accent1"/>
+            </a:fillRef>
+            <a:effectRef idx="0">
+              <a:schemeClr val="accent1"/>
+            </a:effectRef>
+            <a:fontRef idx="minor">
+              <a:schemeClr val="lt1"/>
+            </a:fontRef>
+          </p:style>
+          <p:txBody>
+            <a:bodyPr rtlCol="0" anchor="ctr"/>
+            <a:lstStyle/>
+            <a:p>
+              <a:pPr algn="ctr"/>
+              <a:endParaRPr lang="de-DE" sz="3600" b="1" dirty="0"/>
+            </a:p>
+          </p:txBody>
+        </p:sp>
+        <p:sp>
+          <p:nvSpPr>
+            <p:cNvPr id="31" name="Rounded Rectangle 75"/>
+            <p:cNvSpPr/>
+            <p:nvPr/>
+          </p:nvSpPr>
+          <p:spPr>
+            <a:xfrm>
+              <a:off x="6813358" y="728295"/>
+              <a:ext cx="1130702" cy="1187786"/>
+            </a:xfrm>
+            <a:prstGeom prst="rect">
+              <a:avLst/>
+            </a:prstGeom>
+            <a:solidFill>
+              <a:schemeClr val="accent2">
+                <a:lumMod val="75000"/>
+              </a:schemeClr>
+            </a:solidFill>
+            <a:ln w="76200">
+              <a:solidFill>
+                <a:schemeClr val="accent2">
+                  <a:lumMod val="50000"/>
+                </a:schemeClr>
+              </a:solidFill>
+            </a:ln>
+          </p:spPr>
+          <p:style>
+            <a:lnRef idx="2">
+              <a:schemeClr val="accent1">
+                <a:shade val="50000"/>
+              </a:schemeClr>
+            </a:lnRef>
+            <a:fillRef idx="1">
+              <a:schemeClr val="accent1"/>
+            </a:fillRef>
+            <a:effectRef idx="0">
+              <a:schemeClr val="accent1"/>
+            </a:effectRef>
+            <a:fontRef idx="minor">
+              <a:schemeClr val="lt1"/>
+            </a:fontRef>
+          </p:style>
+          <p:txBody>
+            <a:bodyPr rtlCol="0" anchor="ctr"/>
+            <a:lstStyle/>
+            <a:p>
+              <a:pPr algn="ctr"/>
+              <a:endParaRPr lang="de-DE" sz="3600" b="1" dirty="0"/>
+            </a:p>
+          </p:txBody>
+        </p:sp>
+        <p:sp>
+          <p:nvSpPr>
+            <p:cNvPr id="34" name="Rounded Rectangle 75"/>
+            <p:cNvSpPr/>
+            <p:nvPr/>
+          </p:nvSpPr>
+          <p:spPr>
+            <a:xfrm>
+              <a:off x="8170723" y="728295"/>
+              <a:ext cx="1130702" cy="1187786"/>
+            </a:xfrm>
+            <a:prstGeom prst="rect">
+              <a:avLst/>
+            </a:prstGeom>
+            <a:solidFill>
+              <a:schemeClr val="accent2">
+                <a:lumMod val="75000"/>
+              </a:schemeClr>
+            </a:solidFill>
+            <a:ln w="76200">
+              <a:solidFill>
+                <a:schemeClr val="accent2">
+                  <a:lumMod val="50000"/>
+                </a:schemeClr>
+              </a:solidFill>
+            </a:ln>
+          </p:spPr>
+          <p:style>
+            <a:lnRef idx="2">
+              <a:schemeClr val="accent1">
+                <a:shade val="50000"/>
+              </a:schemeClr>
+            </a:lnRef>
+            <a:fillRef idx="1">
+              <a:schemeClr val="accent1"/>
+            </a:fillRef>
+            <a:effectRef idx="0">
+              <a:schemeClr val="accent1"/>
+            </a:effectRef>
+            <a:fontRef idx="minor">
+              <a:schemeClr val="lt1"/>
+            </a:fontRef>
+          </p:style>
+          <p:txBody>
+            <a:bodyPr rtlCol="0" anchor="ctr"/>
+            <a:lstStyle/>
+            <a:p>
+              <a:pPr algn="ctr"/>
+              <a:endParaRPr lang="de-DE" sz="3600" b="1" dirty="0"/>
+            </a:p>
+          </p:txBody>
+        </p:sp>
+        <p:sp>
+          <p:nvSpPr>
+            <p:cNvPr id="36" name="Rounded Rectangle 75"/>
+            <p:cNvSpPr/>
+            <p:nvPr/>
+          </p:nvSpPr>
+          <p:spPr>
+            <a:xfrm>
+              <a:off x="9528088" y="728295"/>
+              <a:ext cx="1130702" cy="1187786"/>
+            </a:xfrm>
+            <a:prstGeom prst="rect">
+              <a:avLst/>
+            </a:prstGeom>
+            <a:solidFill>
+              <a:schemeClr val="accent2">
+                <a:lumMod val="75000"/>
+              </a:schemeClr>
+            </a:solidFill>
+            <a:ln w="76200">
+              <a:solidFill>
+                <a:schemeClr val="accent2">
+                  <a:lumMod val="50000"/>
+                </a:schemeClr>
+              </a:solidFill>
+            </a:ln>
+          </p:spPr>
+          <p:style>
+            <a:lnRef idx="2">
+              <a:schemeClr val="accent1">
+                <a:shade val="50000"/>
+              </a:schemeClr>
+            </a:lnRef>
+            <a:fillRef idx="1">
+              <a:schemeClr val="accent1"/>
+            </a:fillRef>
+            <a:effectRef idx="0">
+              <a:schemeClr val="accent1"/>
+            </a:effectRef>
+            <a:fontRef idx="minor">
+              <a:schemeClr val="lt1"/>
+            </a:fontRef>
+          </p:style>
+          <p:txBody>
+            <a:bodyPr rtlCol="0" anchor="ctr"/>
+            <a:lstStyle/>
+            <a:p>
+              <a:pPr algn="ctr"/>
+              <a:endParaRPr lang="de-DE" sz="3600" b="1" dirty="0"/>
+            </a:p>
+          </p:txBody>
+        </p:sp>
+        <p:sp>
+          <p:nvSpPr>
+            <p:cNvPr id="38" name="Rounded Rectangle 75"/>
+            <p:cNvSpPr/>
+            <p:nvPr/>
+          </p:nvSpPr>
+          <p:spPr>
+            <a:xfrm>
+              <a:off x="10885452" y="728295"/>
+              <a:ext cx="1130702" cy="1187786"/>
+            </a:xfrm>
+            <a:prstGeom prst="rect">
+              <a:avLst/>
+            </a:prstGeom>
+            <a:solidFill>
+              <a:schemeClr val="accent2">
+                <a:lumMod val="75000"/>
+              </a:schemeClr>
+            </a:solidFill>
+            <a:ln w="76200">
+              <a:solidFill>
+                <a:schemeClr val="accent2">
+                  <a:lumMod val="50000"/>
+                </a:schemeClr>
+              </a:solidFill>
+            </a:ln>
+          </p:spPr>
+          <p:style>
+            <a:lnRef idx="2">
+              <a:schemeClr val="accent1">
+                <a:shade val="50000"/>
+              </a:schemeClr>
+            </a:lnRef>
+            <a:fillRef idx="1">
+              <a:schemeClr val="accent1"/>
+            </a:fillRef>
+            <a:effectRef idx="0">
+              <a:schemeClr val="accent1"/>
+            </a:effectRef>
+            <a:fontRef idx="minor">
+              <a:schemeClr val="lt1"/>
+            </a:fontRef>
+          </p:style>
+          <p:txBody>
+            <a:bodyPr rtlCol="0" anchor="ctr"/>
+            <a:lstStyle/>
+            <a:p>
+              <a:pPr algn="ctr"/>
+              <a:endParaRPr lang="de-DE" sz="3600" b="1" dirty="0"/>
+            </a:p>
+          </p:txBody>
+        </p:sp>
+      </p:grpSp>
+      <p:grpSp>
+        <p:nvGrpSpPr>
+          <p:cNvPr id="40" name="Group 39"/>
+          <p:cNvGrpSpPr/>
+          <p:nvPr/>
+        </p:nvGrpSpPr>
+        <p:grpSpPr>
+          <a:xfrm>
+            <a:off x="1385363" y="2155580"/>
+            <a:ext cx="10632256" cy="1187786"/>
+            <a:chOff x="1383898" y="728295"/>
+            <a:chExt cx="10632256" cy="1187786"/>
+          </a:xfrm>
+        </p:grpSpPr>
+        <p:sp>
+          <p:nvSpPr>
+            <p:cNvPr id="41" name="Rounded Rectangle 75"/>
+            <p:cNvSpPr/>
+            <p:nvPr/>
+          </p:nvSpPr>
+          <p:spPr>
+            <a:xfrm>
+              <a:off x="1383898" y="728295"/>
+              <a:ext cx="1130702" cy="1187786"/>
+            </a:xfrm>
+            <a:prstGeom prst="rect">
+              <a:avLst/>
+            </a:prstGeom>
+            <a:solidFill>
+              <a:schemeClr val="accent2">
+                <a:lumMod val="75000"/>
+              </a:schemeClr>
+            </a:solidFill>
+            <a:ln w="76200">
+              <a:solidFill>
+                <a:schemeClr val="accent2">
+                  <a:lumMod val="50000"/>
+                </a:schemeClr>
+              </a:solidFill>
+            </a:ln>
+          </p:spPr>
+          <p:style>
+            <a:lnRef idx="2">
+              <a:schemeClr val="accent1">
+                <a:shade val="50000"/>
+              </a:schemeClr>
+            </a:lnRef>
+            <a:fillRef idx="1">
+              <a:schemeClr val="accent1"/>
+            </a:fillRef>
+            <a:effectRef idx="0">
+              <a:schemeClr val="accent1"/>
+            </a:effectRef>
+            <a:fontRef idx="minor">
+              <a:schemeClr val="lt1"/>
+            </a:fontRef>
+          </p:style>
+          <p:txBody>
+            <a:bodyPr rtlCol="0" anchor="ctr"/>
+            <a:lstStyle/>
+            <a:p>
+              <a:pPr algn="ctr"/>
+              <a:endParaRPr lang="de-DE" sz="3600" b="1" dirty="0"/>
+            </a:p>
+          </p:txBody>
+        </p:sp>
+        <p:sp>
+          <p:nvSpPr>
+            <p:cNvPr id="42" name="Rounded Rectangle 75"/>
+            <p:cNvSpPr/>
+            <p:nvPr/>
+          </p:nvSpPr>
+          <p:spPr>
+            <a:xfrm>
+              <a:off x="5455993" y="728295"/>
+              <a:ext cx="1130702" cy="1187786"/>
+            </a:xfrm>
+            <a:prstGeom prst="rect">
+              <a:avLst/>
+            </a:prstGeom>
+            <a:solidFill>
+              <a:schemeClr val="accent2">
+                <a:lumMod val="75000"/>
+              </a:schemeClr>
+            </a:solidFill>
+            <a:ln w="76200">
+              <a:solidFill>
+                <a:schemeClr val="accent2">
+                  <a:lumMod val="50000"/>
+                </a:schemeClr>
+              </a:solidFill>
+            </a:ln>
+          </p:spPr>
+          <p:style>
+            <a:lnRef idx="2">
+              <a:schemeClr val="accent1">
+                <a:shade val="50000"/>
+              </a:schemeClr>
+            </a:lnRef>
+            <a:fillRef idx="1">
+              <a:schemeClr val="accent1"/>
+            </a:fillRef>
+            <a:effectRef idx="0">
+              <a:schemeClr val="accent1"/>
+            </a:effectRef>
+            <a:fontRef idx="minor">
+              <a:schemeClr val="lt1"/>
+            </a:fontRef>
+          </p:style>
+          <p:txBody>
+            <a:bodyPr rtlCol="0" anchor="ctr"/>
+            <a:lstStyle/>
+            <a:p>
+              <a:pPr algn="ctr"/>
+              <a:endParaRPr lang="de-DE" sz="3600" b="1" dirty="0"/>
+            </a:p>
+          </p:txBody>
+        </p:sp>
+        <p:sp>
+          <p:nvSpPr>
+            <p:cNvPr id="43" name="Rounded Rectangle 75"/>
+            <p:cNvSpPr/>
+            <p:nvPr/>
+          </p:nvSpPr>
+          <p:spPr>
+            <a:xfrm>
+              <a:off x="4098628" y="728295"/>
+              <a:ext cx="1130702" cy="1187786"/>
+            </a:xfrm>
+            <a:prstGeom prst="rect">
+              <a:avLst/>
+            </a:prstGeom>
+            <a:solidFill>
+              <a:schemeClr val="accent2">
+                <a:lumMod val="75000"/>
+              </a:schemeClr>
+            </a:solidFill>
+            <a:ln w="76200">
+              <a:solidFill>
+                <a:schemeClr val="accent2">
+                  <a:lumMod val="50000"/>
+                </a:schemeClr>
+              </a:solidFill>
+            </a:ln>
+          </p:spPr>
+          <p:style>
+            <a:lnRef idx="2">
+              <a:schemeClr val="accent1">
+                <a:shade val="50000"/>
+              </a:schemeClr>
+            </a:lnRef>
+            <a:fillRef idx="1">
+              <a:schemeClr val="accent1"/>
+            </a:fillRef>
+            <a:effectRef idx="0">
+              <a:schemeClr val="accent1"/>
+            </a:effectRef>
+            <a:fontRef idx="minor">
+              <a:schemeClr val="lt1"/>
+            </a:fontRef>
+          </p:style>
+          <p:txBody>
+            <a:bodyPr rtlCol="0" anchor="ctr"/>
+            <a:lstStyle/>
+            <a:p>
+              <a:pPr algn="ctr"/>
+              <a:endParaRPr lang="de-DE" sz="3600" b="1" dirty="0"/>
+            </a:p>
+          </p:txBody>
+        </p:sp>
+        <p:sp>
+          <p:nvSpPr>
+            <p:cNvPr id="44" name="Rounded Rectangle 75"/>
+            <p:cNvSpPr/>
+            <p:nvPr/>
+          </p:nvSpPr>
+          <p:spPr>
+            <a:xfrm>
+              <a:off x="2741263" y="728295"/>
+              <a:ext cx="1130702" cy="1187786"/>
+            </a:xfrm>
+            <a:prstGeom prst="rect">
+              <a:avLst/>
+            </a:prstGeom>
+            <a:solidFill>
+              <a:schemeClr val="accent2">
+                <a:lumMod val="75000"/>
+              </a:schemeClr>
+            </a:solidFill>
+            <a:ln w="76200">
+              <a:solidFill>
+                <a:schemeClr val="accent2">
+                  <a:lumMod val="50000"/>
+                </a:schemeClr>
+              </a:solidFill>
+            </a:ln>
+          </p:spPr>
+          <p:style>
+            <a:lnRef idx="2">
+              <a:schemeClr val="accent1">
+                <a:shade val="50000"/>
+              </a:schemeClr>
+            </a:lnRef>
+            <a:fillRef idx="1">
+              <a:schemeClr val="accent1"/>
+            </a:fillRef>
+            <a:effectRef idx="0">
+              <a:schemeClr val="accent1"/>
+            </a:effectRef>
+            <a:fontRef idx="minor">
+              <a:schemeClr val="lt1"/>
+            </a:fontRef>
+          </p:style>
+          <p:txBody>
+            <a:bodyPr rtlCol="0" anchor="ctr"/>
+            <a:lstStyle/>
+            <a:p>
+              <a:pPr algn="ctr"/>
+              <a:endParaRPr lang="de-DE" sz="3600" b="1" dirty="0"/>
+            </a:p>
+          </p:txBody>
+        </p:sp>
+        <p:sp>
+          <p:nvSpPr>
+            <p:cNvPr id="45" name="Rounded Rectangle 75"/>
+            <p:cNvSpPr/>
+            <p:nvPr/>
+          </p:nvSpPr>
+          <p:spPr>
+            <a:xfrm>
+              <a:off x="6813358" y="728295"/>
+              <a:ext cx="1130702" cy="1187786"/>
+            </a:xfrm>
+            <a:prstGeom prst="rect">
+              <a:avLst/>
+            </a:prstGeom>
+            <a:solidFill>
+              <a:schemeClr val="accent2">
+                <a:lumMod val="75000"/>
+              </a:schemeClr>
+            </a:solidFill>
+            <a:ln w="76200">
+              <a:solidFill>
+                <a:schemeClr val="accent2">
+                  <a:lumMod val="50000"/>
+                </a:schemeClr>
+              </a:solidFill>
+            </a:ln>
+          </p:spPr>
+          <p:style>
+            <a:lnRef idx="2">
+              <a:schemeClr val="accent1">
+                <a:shade val="50000"/>
+              </a:schemeClr>
+            </a:lnRef>
+            <a:fillRef idx="1">
+              <a:schemeClr val="accent1"/>
+            </a:fillRef>
+            <a:effectRef idx="0">
+              <a:schemeClr val="accent1"/>
+            </a:effectRef>
+            <a:fontRef idx="minor">
+              <a:schemeClr val="lt1"/>
+            </a:fontRef>
+          </p:style>
+          <p:txBody>
+            <a:bodyPr rtlCol="0" anchor="ctr"/>
+            <a:lstStyle/>
+            <a:p>
+              <a:pPr algn="ctr"/>
+              <a:endParaRPr lang="de-DE" sz="3600" b="1" dirty="0"/>
+            </a:p>
+          </p:txBody>
+        </p:sp>
+        <p:sp>
+          <p:nvSpPr>
+            <p:cNvPr id="46" name="Rounded Rectangle 75"/>
+            <p:cNvSpPr/>
+            <p:nvPr/>
+          </p:nvSpPr>
+          <p:spPr>
+            <a:xfrm>
+              <a:off x="8170723" y="728295"/>
+              <a:ext cx="1130702" cy="1187786"/>
+            </a:xfrm>
+            <a:prstGeom prst="rect">
+              <a:avLst/>
+            </a:prstGeom>
+            <a:solidFill>
+              <a:schemeClr val="accent2">
+                <a:lumMod val="75000"/>
+              </a:schemeClr>
+            </a:solidFill>
+            <a:ln w="76200">
+              <a:solidFill>
+                <a:schemeClr val="accent2">
+                  <a:lumMod val="50000"/>
+                </a:schemeClr>
+              </a:solidFill>
+            </a:ln>
+          </p:spPr>
+          <p:style>
+            <a:lnRef idx="2">
+              <a:schemeClr val="accent1">
+                <a:shade val="50000"/>
+              </a:schemeClr>
+            </a:lnRef>
+            <a:fillRef idx="1">
+              <a:schemeClr val="accent1"/>
+            </a:fillRef>
+            <a:effectRef idx="0">
+              <a:schemeClr val="accent1"/>
+            </a:effectRef>
+            <a:fontRef idx="minor">
+              <a:schemeClr val="lt1"/>
+            </a:fontRef>
+          </p:style>
+          <p:txBody>
+            <a:bodyPr rtlCol="0" anchor="ctr"/>
+            <a:lstStyle/>
+            <a:p>
+              <a:pPr algn="ctr"/>
+              <a:endParaRPr lang="de-DE" sz="3600" b="1" dirty="0"/>
+            </a:p>
+          </p:txBody>
+        </p:sp>
+        <p:sp>
+          <p:nvSpPr>
+            <p:cNvPr id="47" name="Rounded Rectangle 75"/>
+            <p:cNvSpPr/>
+            <p:nvPr/>
+          </p:nvSpPr>
+          <p:spPr>
+            <a:xfrm>
+              <a:off x="9528088" y="728295"/>
+              <a:ext cx="1130702" cy="1187786"/>
+            </a:xfrm>
+            <a:prstGeom prst="rect">
+              <a:avLst/>
+            </a:prstGeom>
+            <a:solidFill>
+              <a:schemeClr val="accent2">
+                <a:lumMod val="75000"/>
+              </a:schemeClr>
+            </a:solidFill>
+            <a:ln w="76200">
+              <a:solidFill>
+                <a:schemeClr val="accent2">
+                  <a:lumMod val="50000"/>
+                </a:schemeClr>
+              </a:solidFill>
+            </a:ln>
+          </p:spPr>
+          <p:style>
+            <a:lnRef idx="2">
+              <a:schemeClr val="accent1">
+                <a:shade val="50000"/>
+              </a:schemeClr>
+            </a:lnRef>
+            <a:fillRef idx="1">
+              <a:schemeClr val="accent1"/>
+            </a:fillRef>
+            <a:effectRef idx="0">
+              <a:schemeClr val="accent1"/>
+            </a:effectRef>
+            <a:fontRef idx="minor">
+              <a:schemeClr val="lt1"/>
+            </a:fontRef>
+          </p:style>
+          <p:txBody>
+            <a:bodyPr rtlCol="0" anchor="ctr"/>
+            <a:lstStyle/>
+            <a:p>
+              <a:pPr algn="ctr"/>
+              <a:endParaRPr lang="de-DE" sz="3600" b="1" dirty="0"/>
+            </a:p>
+          </p:txBody>
+        </p:sp>
+        <p:sp>
+          <p:nvSpPr>
+            <p:cNvPr id="48" name="Rounded Rectangle 75"/>
+            <p:cNvSpPr/>
+            <p:nvPr/>
+          </p:nvSpPr>
+          <p:spPr>
+            <a:xfrm>
+              <a:off x="10885452" y="728295"/>
+              <a:ext cx="1130702" cy="1187786"/>
+            </a:xfrm>
+            <a:prstGeom prst="rect">
+              <a:avLst/>
+            </a:prstGeom>
+            <a:solidFill>
+              <a:schemeClr val="accent2">
+                <a:lumMod val="75000"/>
+              </a:schemeClr>
+            </a:solidFill>
+            <a:ln w="76200">
+              <a:solidFill>
+                <a:schemeClr val="accent2">
+                  <a:lumMod val="50000"/>
+                </a:schemeClr>
+              </a:solidFill>
+            </a:ln>
+          </p:spPr>
+          <p:style>
+            <a:lnRef idx="2">
+              <a:schemeClr val="accent1">
+                <a:shade val="50000"/>
+              </a:schemeClr>
+            </a:lnRef>
+            <a:fillRef idx="1">
+              <a:schemeClr val="accent1"/>
+            </a:fillRef>
+            <a:effectRef idx="0">
+              <a:schemeClr val="accent1"/>
+            </a:effectRef>
+            <a:fontRef idx="minor">
+              <a:schemeClr val="lt1"/>
+            </a:fontRef>
+          </p:style>
+          <p:txBody>
+            <a:bodyPr rtlCol="0" anchor="ctr"/>
+            <a:lstStyle/>
+            <a:p>
+              <a:pPr algn="ctr"/>
+              <a:endParaRPr lang="de-DE" sz="3600" b="1" dirty="0"/>
+            </a:p>
+          </p:txBody>
+        </p:sp>
+      </p:grpSp>
+      <p:sp>
+        <p:nvSpPr>
+          <p:cNvPr id="52" name="Rounded Rectangle 75"/>
+          <p:cNvSpPr/>
+          <p:nvPr/>
+        </p:nvSpPr>
+        <p:spPr>
+          <a:xfrm>
+            <a:off x="1361917" y="7589226"/>
+            <a:ext cx="1130702" cy="1187786"/>
+          </a:xfrm>
+          <a:prstGeom prst="rect">
+            <a:avLst/>
+          </a:prstGeom>
+          <a:solidFill>
+            <a:schemeClr val="accent2">
+              <a:lumMod val="75000"/>
+            </a:schemeClr>
+          </a:solidFill>
+          <a:ln w="76200">
+            <a:solidFill>
+              <a:schemeClr val="accent2">
+                <a:lumMod val="50000"/>
+              </a:schemeClr>
+            </a:solidFill>
+          </a:ln>
+        </p:spPr>
+        <p:style>
+          <a:lnRef idx="2">
+            <a:schemeClr val="accent1">
+              <a:shade val="50000"/>
+            </a:schemeClr>
+          </a:lnRef>
+          <a:fillRef idx="1">
+            <a:schemeClr val="accent1"/>
+          </a:fillRef>
+          <a:effectRef idx="0">
+            <a:schemeClr val="accent1"/>
+          </a:effectRef>
+          <a:fontRef idx="minor">
+            <a:schemeClr val="lt1"/>
+          </a:fontRef>
+        </p:style>
+        <p:txBody>
+          <a:bodyPr rtlCol="0" anchor="ctr"/>
+          <a:lstStyle/>
+          <a:p>
+            <a:pPr algn="ctr"/>
+            <a:endParaRPr lang="de-DE" sz="3600" b="1" dirty="0"/>
+          </a:p>
+        </p:txBody>
+      </p:sp>
+      <p:sp>
+        <p:nvSpPr>
+          <p:cNvPr id="54" name="Rounded Rectangle 75"/>
+          <p:cNvSpPr/>
+          <p:nvPr/>
+        </p:nvSpPr>
+        <p:spPr>
+          <a:xfrm>
+            <a:off x="2722631" y="7589226"/>
+            <a:ext cx="1130702" cy="1187786"/>
+          </a:xfrm>
+          <a:prstGeom prst="rect">
+            <a:avLst/>
+          </a:prstGeom>
+          <a:solidFill>
+            <a:schemeClr val="accent2">
+              <a:lumMod val="75000"/>
+            </a:schemeClr>
+          </a:solidFill>
+          <a:ln w="76200">
+            <a:solidFill>
+              <a:schemeClr val="accent2">
+                <a:lumMod val="50000"/>
+              </a:schemeClr>
+            </a:solidFill>
+          </a:ln>
+        </p:spPr>
+        <p:style>
+          <a:lnRef idx="2">
+            <a:schemeClr val="accent1">
+              <a:shade val="50000"/>
+            </a:schemeClr>
+          </a:lnRef>
+          <a:fillRef idx="1">
+            <a:schemeClr val="accent1"/>
+          </a:fillRef>
+          <a:effectRef idx="0">
+            <a:schemeClr val="accent1"/>
+          </a:effectRef>
+          <a:fontRef idx="minor">
+            <a:schemeClr val="lt1"/>
+          </a:fontRef>
+        </p:style>
+        <p:txBody>
+          <a:bodyPr rtlCol="0" anchor="ctr"/>
+          <a:lstStyle/>
+          <a:p>
+            <a:pPr algn="ctr"/>
+            <a:endParaRPr lang="de-DE" sz="3600" b="1" dirty="0"/>
+          </a:p>
+        </p:txBody>
+      </p:sp>
+      <p:sp>
+        <p:nvSpPr>
+          <p:cNvPr id="55" name="Rounded Rectangle 75"/>
+          <p:cNvSpPr/>
+          <p:nvPr/>
+        </p:nvSpPr>
+        <p:spPr>
+          <a:xfrm>
+            <a:off x="2728074" y="6164872"/>
+            <a:ext cx="1130702" cy="1187786"/>
+          </a:xfrm>
+          <a:prstGeom prst="rect">
+            <a:avLst/>
+          </a:prstGeom>
+          <a:solidFill>
+            <a:schemeClr val="accent2">
+              <a:lumMod val="75000"/>
+            </a:schemeClr>
+          </a:solidFill>
+          <a:ln w="76200">
+            <a:solidFill>
+              <a:schemeClr val="accent2">
+                <a:lumMod val="50000"/>
+              </a:schemeClr>
+            </a:solidFill>
+          </a:ln>
+        </p:spPr>
+        <p:style>
+          <a:lnRef idx="2">
+            <a:schemeClr val="accent1">
+              <a:shade val="50000"/>
+            </a:schemeClr>
+          </a:lnRef>
+          <a:fillRef idx="1">
+            <a:schemeClr val="accent1"/>
+          </a:fillRef>
+          <a:effectRef idx="0">
+            <a:schemeClr val="accent1"/>
+          </a:effectRef>
+          <a:fontRef idx="minor">
+            <a:schemeClr val="lt1"/>
+          </a:fontRef>
+        </p:style>
+        <p:txBody>
+          <a:bodyPr rtlCol="0" anchor="ctr"/>
+          <a:lstStyle/>
+          <a:p>
+            <a:pPr algn="ctr"/>
+            <a:endParaRPr lang="de-DE" sz="3600" b="1" dirty="0"/>
+          </a:p>
+        </p:txBody>
+      </p:sp>
+      <p:sp>
+        <p:nvSpPr>
+          <p:cNvPr id="59" name="Rounded Rectangle 75"/>
+          <p:cNvSpPr/>
+          <p:nvPr/>
+        </p:nvSpPr>
+        <p:spPr>
+          <a:xfrm>
+            <a:off x="8162977" y="7589226"/>
+            <a:ext cx="1130702" cy="1187786"/>
+          </a:xfrm>
+          <a:prstGeom prst="rect">
+            <a:avLst/>
+          </a:prstGeom>
+          <a:solidFill>
+            <a:schemeClr val="accent2">
+              <a:lumMod val="75000"/>
+            </a:schemeClr>
+          </a:solidFill>
+          <a:ln w="76200">
+            <a:solidFill>
+              <a:schemeClr val="accent2">
+                <a:lumMod val="50000"/>
+              </a:schemeClr>
+            </a:solidFill>
+          </a:ln>
+        </p:spPr>
+        <p:style>
+          <a:lnRef idx="2">
+            <a:schemeClr val="accent1">
+              <a:shade val="50000"/>
+            </a:schemeClr>
+          </a:lnRef>
+          <a:fillRef idx="1">
+            <a:schemeClr val="accent1"/>
+          </a:fillRef>
+          <a:effectRef idx="0">
+            <a:schemeClr val="accent1"/>
+          </a:effectRef>
+          <a:fontRef idx="minor">
+            <a:schemeClr val="lt1"/>
+          </a:fontRef>
+        </p:style>
+        <p:txBody>
+          <a:bodyPr rtlCol="0" anchor="ctr"/>
+          <a:lstStyle/>
+          <a:p>
+            <a:pPr algn="ctr"/>
+            <a:endParaRPr lang="de-DE" sz="3600" b="1" dirty="0"/>
+          </a:p>
+        </p:txBody>
+      </p:sp>
+      <p:sp>
+        <p:nvSpPr>
+          <p:cNvPr id="62" name="Rounded Rectangle 75"/>
+          <p:cNvSpPr/>
+          <p:nvPr/>
+        </p:nvSpPr>
+        <p:spPr>
+          <a:xfrm>
+            <a:off x="8166325" y="6182457"/>
+            <a:ext cx="1130702" cy="1187786"/>
+          </a:xfrm>
+          <a:prstGeom prst="rect">
+            <a:avLst/>
+          </a:prstGeom>
+          <a:solidFill>
+            <a:schemeClr val="accent2">
+              <a:lumMod val="75000"/>
+            </a:schemeClr>
+          </a:solidFill>
+          <a:ln w="76200">
+            <a:solidFill>
+              <a:schemeClr val="accent2">
+                <a:lumMod val="50000"/>
+              </a:schemeClr>
+            </a:solidFill>
+          </a:ln>
+        </p:spPr>
+        <p:style>
+          <a:lnRef idx="2">
+            <a:schemeClr val="accent1">
+              <a:shade val="50000"/>
+            </a:schemeClr>
+          </a:lnRef>
+          <a:fillRef idx="1">
+            <a:schemeClr val="accent1"/>
+          </a:fillRef>
+          <a:effectRef idx="0">
+            <a:schemeClr val="accent1"/>
+          </a:effectRef>
+          <a:fontRef idx="minor">
+            <a:schemeClr val="lt1"/>
+          </a:fontRef>
+        </p:style>
+        <p:txBody>
+          <a:bodyPr rtlCol="0" anchor="ctr"/>
+          <a:lstStyle/>
+          <a:p>
+            <a:pPr algn="ctr"/>
+            <a:endParaRPr lang="de-DE" sz="3600" b="1" dirty="0"/>
+          </a:p>
+        </p:txBody>
+      </p:sp>
+      <p:sp>
+        <p:nvSpPr>
+          <p:cNvPr id="64" name="Rounded Rectangle 75"/>
+          <p:cNvSpPr/>
+          <p:nvPr/>
+        </p:nvSpPr>
+        <p:spPr>
+          <a:xfrm>
+            <a:off x="9506107" y="7589226"/>
+            <a:ext cx="1130702" cy="1187786"/>
+          </a:xfrm>
+          <a:prstGeom prst="rect">
+            <a:avLst/>
+          </a:prstGeom>
+          <a:solidFill>
+            <a:schemeClr val="accent2">
+              <a:lumMod val="75000"/>
+            </a:schemeClr>
+          </a:solidFill>
+          <a:ln w="76200">
+            <a:solidFill>
+              <a:schemeClr val="accent2">
+                <a:lumMod val="50000"/>
+              </a:schemeClr>
+            </a:solidFill>
+          </a:ln>
+        </p:spPr>
+        <p:style>
+          <a:lnRef idx="2">
+            <a:schemeClr val="accent1">
+              <a:shade val="50000"/>
+            </a:schemeClr>
+          </a:lnRef>
+          <a:fillRef idx="1">
+            <a:schemeClr val="accent1"/>
+          </a:fillRef>
+          <a:effectRef idx="0">
+            <a:schemeClr val="accent1"/>
+          </a:effectRef>
+          <a:fontRef idx="minor">
+            <a:schemeClr val="lt1"/>
+          </a:fontRef>
+        </p:style>
+        <p:txBody>
+          <a:bodyPr rtlCol="0" anchor="ctr"/>
+          <a:lstStyle/>
+          <a:p>
+            <a:pPr algn="ctr"/>
+            <a:endParaRPr lang="de-DE" sz="3600" b="1" dirty="0"/>
+          </a:p>
+        </p:txBody>
+      </p:sp>
+      <p:grpSp>
+        <p:nvGrpSpPr>
+          <p:cNvPr id="66" name="Group 65"/>
+          <p:cNvGrpSpPr/>
+          <p:nvPr/>
+        </p:nvGrpSpPr>
+        <p:grpSpPr>
+          <a:xfrm>
+            <a:off x="1361917" y="9016511"/>
+            <a:ext cx="10632256" cy="1187786"/>
+            <a:chOff x="1383898" y="728295"/>
+            <a:chExt cx="10632256" cy="1187786"/>
+          </a:xfrm>
+        </p:grpSpPr>
+        <p:sp>
+          <p:nvSpPr>
+            <p:cNvPr id="67" name="Rounded Rectangle 75"/>
+            <p:cNvSpPr/>
+            <p:nvPr/>
+          </p:nvSpPr>
+          <p:spPr>
+            <a:xfrm>
+              <a:off x="1383898" y="728295"/>
+              <a:ext cx="1130702" cy="1187786"/>
+            </a:xfrm>
+            <a:prstGeom prst="rect">
+              <a:avLst/>
+            </a:prstGeom>
+            <a:solidFill>
+              <a:schemeClr val="accent2">
+                <a:lumMod val="75000"/>
+              </a:schemeClr>
+            </a:solidFill>
+            <a:ln w="76200">
+              <a:solidFill>
+                <a:schemeClr val="accent2">
+                  <a:lumMod val="50000"/>
+                </a:schemeClr>
+              </a:solidFill>
+            </a:ln>
+          </p:spPr>
+          <p:style>
+            <a:lnRef idx="2">
+              <a:schemeClr val="accent1">
+                <a:shade val="50000"/>
+              </a:schemeClr>
+            </a:lnRef>
+            <a:fillRef idx="1">
+              <a:schemeClr val="accent1"/>
+            </a:fillRef>
+            <a:effectRef idx="0">
+              <a:schemeClr val="accent1"/>
+            </a:effectRef>
+            <a:fontRef idx="minor">
+              <a:schemeClr val="lt1"/>
+            </a:fontRef>
+          </p:style>
+          <p:txBody>
+            <a:bodyPr rtlCol="0" anchor="ctr"/>
+            <a:lstStyle/>
+            <a:p>
+              <a:pPr algn="ctr"/>
+              <a:endParaRPr lang="de-DE" sz="3600" b="1" dirty="0"/>
+            </a:p>
+          </p:txBody>
+        </p:sp>
+        <p:sp>
+          <p:nvSpPr>
+            <p:cNvPr id="68" name="Rounded Rectangle 75"/>
+            <p:cNvSpPr/>
+            <p:nvPr/>
+          </p:nvSpPr>
+          <p:spPr>
+            <a:xfrm>
+              <a:off x="5455993" y="728295"/>
+              <a:ext cx="1130702" cy="1187786"/>
+            </a:xfrm>
+            <a:prstGeom prst="rect">
+              <a:avLst/>
+            </a:prstGeom>
+            <a:solidFill>
+              <a:schemeClr val="accent2">
+                <a:lumMod val="75000"/>
+              </a:schemeClr>
+            </a:solidFill>
+            <a:ln w="76200">
+              <a:solidFill>
+                <a:schemeClr val="accent2">
+                  <a:lumMod val="50000"/>
+                </a:schemeClr>
+              </a:solidFill>
+            </a:ln>
+          </p:spPr>
+          <p:style>
+            <a:lnRef idx="2">
+              <a:schemeClr val="accent1">
+                <a:shade val="50000"/>
+              </a:schemeClr>
+            </a:lnRef>
+            <a:fillRef idx="1">
+              <a:schemeClr val="accent1"/>
+            </a:fillRef>
+            <a:effectRef idx="0">
+              <a:schemeClr val="accent1"/>
+            </a:effectRef>
+            <a:fontRef idx="minor">
+              <a:schemeClr val="lt1"/>
+            </a:fontRef>
+          </p:style>
+          <p:txBody>
+            <a:bodyPr rtlCol="0" anchor="ctr"/>
+            <a:lstStyle/>
+            <a:p>
+              <a:pPr algn="ctr"/>
+              <a:endParaRPr lang="de-DE" sz="3600" b="1" dirty="0"/>
+            </a:p>
+          </p:txBody>
+        </p:sp>
+        <p:sp>
+          <p:nvSpPr>
+            <p:cNvPr id="72" name="Rounded Rectangle 75"/>
+            <p:cNvSpPr/>
+            <p:nvPr/>
+          </p:nvSpPr>
+          <p:spPr>
+            <a:xfrm>
+              <a:off x="4098628" y="728295"/>
+              <a:ext cx="1130702" cy="1187786"/>
+            </a:xfrm>
+            <a:prstGeom prst="rect">
+              <a:avLst/>
+            </a:prstGeom>
+            <a:solidFill>
+              <a:schemeClr val="accent2">
+                <a:lumMod val="75000"/>
+              </a:schemeClr>
+            </a:solidFill>
+            <a:ln w="76200">
+              <a:solidFill>
+                <a:schemeClr val="accent2">
+                  <a:lumMod val="50000"/>
+                </a:schemeClr>
+              </a:solidFill>
+            </a:ln>
+          </p:spPr>
+          <p:style>
+            <a:lnRef idx="2">
+              <a:schemeClr val="accent1">
+                <a:shade val="50000"/>
+              </a:schemeClr>
+            </a:lnRef>
+            <a:fillRef idx="1">
+              <a:schemeClr val="accent1"/>
+            </a:fillRef>
+            <a:effectRef idx="0">
+              <a:schemeClr val="accent1"/>
+            </a:effectRef>
+            <a:fontRef idx="minor">
+              <a:schemeClr val="lt1"/>
+            </a:fontRef>
+          </p:style>
+          <p:txBody>
+            <a:bodyPr rtlCol="0" anchor="ctr"/>
+            <a:lstStyle/>
+            <a:p>
+              <a:pPr algn="ctr"/>
+              <a:endParaRPr lang="de-DE" sz="3600" b="1" dirty="0"/>
+            </a:p>
+          </p:txBody>
+        </p:sp>
+        <p:sp>
+          <p:nvSpPr>
+            <p:cNvPr id="73" name="Rounded Rectangle 75"/>
+            <p:cNvSpPr/>
+            <p:nvPr/>
+          </p:nvSpPr>
+          <p:spPr>
+            <a:xfrm>
+              <a:off x="2741263" y="728295"/>
+              <a:ext cx="1130702" cy="1187786"/>
+            </a:xfrm>
+            <a:prstGeom prst="rect">
+              <a:avLst/>
+            </a:prstGeom>
+            <a:solidFill>
+              <a:schemeClr val="accent2">
+                <a:lumMod val="75000"/>
+              </a:schemeClr>
+            </a:solidFill>
+            <a:ln w="76200">
+              <a:solidFill>
+                <a:schemeClr val="accent2">
+                  <a:lumMod val="50000"/>
+                </a:schemeClr>
+              </a:solidFill>
+            </a:ln>
+          </p:spPr>
+          <p:style>
+            <a:lnRef idx="2">
+              <a:schemeClr val="accent1">
+                <a:shade val="50000"/>
+              </a:schemeClr>
+            </a:lnRef>
+            <a:fillRef idx="1">
+              <a:schemeClr val="accent1"/>
+            </a:fillRef>
+            <a:effectRef idx="0">
+              <a:schemeClr val="accent1"/>
+            </a:effectRef>
+            <a:fontRef idx="minor">
+              <a:schemeClr val="lt1"/>
+            </a:fontRef>
+          </p:style>
+          <p:txBody>
+            <a:bodyPr rtlCol="0" anchor="ctr"/>
+            <a:lstStyle/>
+            <a:p>
+              <a:pPr algn="ctr"/>
+              <a:endParaRPr lang="de-DE" sz="3600" b="1" dirty="0"/>
+            </a:p>
+          </p:txBody>
+        </p:sp>
+        <p:sp>
+          <p:nvSpPr>
+            <p:cNvPr id="74" name="Rounded Rectangle 75"/>
+            <p:cNvSpPr/>
+            <p:nvPr/>
+          </p:nvSpPr>
+          <p:spPr>
+            <a:xfrm>
+              <a:off x="6813358" y="728295"/>
+              <a:ext cx="1130702" cy="1187786"/>
+            </a:xfrm>
+            <a:prstGeom prst="rect">
+              <a:avLst/>
+            </a:prstGeom>
+            <a:solidFill>
+              <a:schemeClr val="accent2">
+                <a:lumMod val="75000"/>
+              </a:schemeClr>
+            </a:solidFill>
+            <a:ln w="76200">
+              <a:solidFill>
+                <a:schemeClr val="accent2">
+                  <a:lumMod val="50000"/>
+                </a:schemeClr>
+              </a:solidFill>
+            </a:ln>
+          </p:spPr>
+          <p:style>
+            <a:lnRef idx="2">
+              <a:schemeClr val="accent1">
+                <a:shade val="50000"/>
+              </a:schemeClr>
+            </a:lnRef>
+            <a:fillRef idx="1">
+              <a:schemeClr val="accent1"/>
+            </a:fillRef>
+            <a:effectRef idx="0">
+              <a:schemeClr val="accent1"/>
+            </a:effectRef>
+            <a:fontRef idx="minor">
+              <a:schemeClr val="lt1"/>
+            </a:fontRef>
+          </p:style>
+          <p:txBody>
+            <a:bodyPr rtlCol="0" anchor="ctr"/>
+            <a:lstStyle/>
+            <a:p>
+              <a:pPr algn="ctr"/>
+              <a:endParaRPr lang="de-DE" sz="3600" b="1" dirty="0"/>
+            </a:p>
+          </p:txBody>
+        </p:sp>
+        <p:sp>
+          <p:nvSpPr>
+            <p:cNvPr id="75" name="Rounded Rectangle 75"/>
+            <p:cNvSpPr/>
+            <p:nvPr/>
+          </p:nvSpPr>
+          <p:spPr>
+            <a:xfrm>
+              <a:off x="8170723" y="728295"/>
+              <a:ext cx="1130702" cy="1187786"/>
+            </a:xfrm>
+            <a:prstGeom prst="rect">
+              <a:avLst/>
+            </a:prstGeom>
+            <a:solidFill>
+              <a:schemeClr val="accent2">
+                <a:lumMod val="75000"/>
+              </a:schemeClr>
+            </a:solidFill>
+            <a:ln w="76200">
+              <a:solidFill>
+                <a:schemeClr val="accent2">
+                  <a:lumMod val="50000"/>
+                </a:schemeClr>
+              </a:solidFill>
+            </a:ln>
+          </p:spPr>
+          <p:style>
+            <a:lnRef idx="2">
+              <a:schemeClr val="accent1">
+                <a:shade val="50000"/>
+              </a:schemeClr>
+            </a:lnRef>
+            <a:fillRef idx="1">
+              <a:schemeClr val="accent1"/>
+            </a:fillRef>
+            <a:effectRef idx="0">
+              <a:schemeClr val="accent1"/>
+            </a:effectRef>
+            <a:fontRef idx="minor">
+              <a:schemeClr val="lt1"/>
+            </a:fontRef>
+          </p:style>
+          <p:txBody>
+            <a:bodyPr rtlCol="0" anchor="ctr"/>
+            <a:lstStyle/>
+            <a:p>
+              <a:pPr algn="ctr"/>
+              <a:endParaRPr lang="de-DE" sz="3600" b="1" dirty="0"/>
+            </a:p>
+          </p:txBody>
+        </p:sp>
+        <p:sp>
+          <p:nvSpPr>
+            <p:cNvPr id="76" name="Rounded Rectangle 75"/>
+            <p:cNvSpPr/>
+            <p:nvPr/>
+          </p:nvSpPr>
+          <p:spPr>
+            <a:xfrm>
+              <a:off x="9528088" y="728295"/>
+              <a:ext cx="1130702" cy="1187786"/>
+            </a:xfrm>
+            <a:prstGeom prst="rect">
+              <a:avLst/>
+            </a:prstGeom>
+            <a:solidFill>
+              <a:schemeClr val="accent2">
+                <a:lumMod val="75000"/>
+              </a:schemeClr>
+            </a:solidFill>
+            <a:ln w="76200">
+              <a:solidFill>
+                <a:schemeClr val="accent2">
+                  <a:lumMod val="50000"/>
+                </a:schemeClr>
+              </a:solidFill>
+            </a:ln>
+          </p:spPr>
+          <p:style>
+            <a:lnRef idx="2">
+              <a:schemeClr val="accent1">
+                <a:shade val="50000"/>
+              </a:schemeClr>
+            </a:lnRef>
+            <a:fillRef idx="1">
+              <a:schemeClr val="accent1"/>
+            </a:fillRef>
+            <a:effectRef idx="0">
+              <a:schemeClr val="accent1"/>
+            </a:effectRef>
+            <a:fontRef idx="minor">
+              <a:schemeClr val="lt1"/>
+            </a:fontRef>
+          </p:style>
+          <p:txBody>
+            <a:bodyPr rtlCol="0" anchor="ctr"/>
+            <a:lstStyle/>
+            <a:p>
+              <a:pPr algn="ctr"/>
+              <a:endParaRPr lang="de-DE" sz="3600" b="1" dirty="0"/>
+            </a:p>
+          </p:txBody>
+        </p:sp>
+        <p:sp>
+          <p:nvSpPr>
+            <p:cNvPr id="77" name="Rounded Rectangle 75"/>
+            <p:cNvSpPr/>
+            <p:nvPr/>
+          </p:nvSpPr>
+          <p:spPr>
+            <a:xfrm>
+              <a:off x="10885452" y="728295"/>
+              <a:ext cx="1130702" cy="1187786"/>
+            </a:xfrm>
+            <a:prstGeom prst="rect">
+              <a:avLst/>
+            </a:prstGeom>
+            <a:solidFill>
+              <a:schemeClr val="accent2">
+                <a:lumMod val="75000"/>
+              </a:schemeClr>
+            </a:solidFill>
+            <a:ln w="76200">
+              <a:solidFill>
+                <a:schemeClr val="accent2">
+                  <a:lumMod val="50000"/>
+                </a:schemeClr>
+              </a:solidFill>
+            </a:ln>
+          </p:spPr>
+          <p:style>
+            <a:lnRef idx="2">
+              <a:schemeClr val="accent1">
+                <a:shade val="50000"/>
+              </a:schemeClr>
+            </a:lnRef>
+            <a:fillRef idx="1">
+              <a:schemeClr val="accent1"/>
+            </a:fillRef>
+            <a:effectRef idx="0">
+              <a:schemeClr val="accent1"/>
+            </a:effectRef>
+            <a:fontRef idx="minor">
+              <a:schemeClr val="lt1"/>
+            </a:fontRef>
+          </p:style>
+          <p:txBody>
+            <a:bodyPr rtlCol="0" anchor="ctr"/>
+            <a:lstStyle/>
+            <a:p>
+              <a:pPr algn="ctr"/>
+              <a:endParaRPr lang="de-DE" sz="3600" b="1" dirty="0"/>
+            </a:p>
+          </p:txBody>
+        </p:sp>
+      </p:grpSp>
+      <p:sp>
+        <p:nvSpPr>
+          <p:cNvPr id="79" name="Rounded Rectangle 75"/>
+          <p:cNvSpPr/>
+          <p:nvPr/>
+        </p:nvSpPr>
+        <p:spPr>
+          <a:xfrm>
+            <a:off x="4082927" y="7592157"/>
+            <a:ext cx="1130702" cy="1187786"/>
+          </a:xfrm>
+          <a:prstGeom prst="rect">
+            <a:avLst/>
+          </a:prstGeom>
+          <a:solidFill>
+            <a:schemeClr val="accent2">
+              <a:lumMod val="75000"/>
+            </a:schemeClr>
+          </a:solidFill>
+          <a:ln w="76200">
+            <a:solidFill>
+              <a:schemeClr val="accent2">
+                <a:lumMod val="50000"/>
+              </a:schemeClr>
+            </a:solidFill>
+          </a:ln>
+        </p:spPr>
+        <p:style>
+          <a:lnRef idx="2">
+            <a:schemeClr val="accent1">
+              <a:shade val="50000"/>
+            </a:schemeClr>
+          </a:lnRef>
+          <a:fillRef idx="1">
+            <a:schemeClr val="accent1"/>
+          </a:fillRef>
+          <a:effectRef idx="0">
+            <a:schemeClr val="accent1"/>
+          </a:effectRef>
+          <a:fontRef idx="minor">
+            <a:schemeClr val="lt1"/>
+          </a:fontRef>
+        </p:style>
+        <p:txBody>
+          <a:bodyPr rtlCol="0" anchor="ctr"/>
+          <a:lstStyle/>
+          <a:p>
+            <a:pPr algn="ctr"/>
+            <a:endParaRPr lang="de-DE" sz="3600" b="1" dirty="0"/>
+          </a:p>
+        </p:txBody>
+      </p:sp>
+      <p:sp>
+        <p:nvSpPr>
+          <p:cNvPr id="81" name="Rounded Rectangle 75"/>
+          <p:cNvSpPr/>
+          <p:nvPr/>
+        </p:nvSpPr>
+        <p:spPr>
+          <a:xfrm>
+            <a:off x="12210370" y="9016510"/>
+            <a:ext cx="1130702" cy="1187786"/>
+          </a:xfrm>
+          <a:prstGeom prst="rect">
+            <a:avLst/>
+          </a:prstGeom>
+          <a:solidFill>
+            <a:schemeClr val="accent2">
+              <a:lumMod val="75000"/>
+            </a:schemeClr>
+          </a:solidFill>
+          <a:ln w="76200">
+            <a:solidFill>
+              <a:schemeClr val="accent2">
+                <a:lumMod val="50000"/>
+              </a:schemeClr>
+            </a:solidFill>
+          </a:ln>
+        </p:spPr>
+        <p:style>
+          <a:lnRef idx="2">
+            <a:schemeClr val="accent1">
+              <a:shade val="50000"/>
+            </a:schemeClr>
+          </a:lnRef>
+          <a:fillRef idx="1">
+            <a:schemeClr val="accent1"/>
+          </a:fillRef>
+          <a:effectRef idx="0">
+            <a:schemeClr val="accent1"/>
+          </a:effectRef>
+          <a:fontRef idx="minor">
+            <a:schemeClr val="lt1"/>
+          </a:fontRef>
+        </p:style>
+        <p:txBody>
+          <a:bodyPr rtlCol="0" anchor="ctr"/>
+          <a:lstStyle/>
+          <a:p>
+            <a:pPr algn="ctr"/>
+            <a:endParaRPr lang="de-DE" sz="3600" b="1" dirty="0"/>
+          </a:p>
+        </p:txBody>
+      </p:sp>
+      <p:sp>
+        <p:nvSpPr>
+          <p:cNvPr id="82" name="Rounded Rectangle 75"/>
+          <p:cNvSpPr/>
+          <p:nvPr/>
+        </p:nvSpPr>
+        <p:spPr>
+          <a:xfrm>
+            <a:off x="12230885" y="7586295"/>
+            <a:ext cx="1130702" cy="1187786"/>
+          </a:xfrm>
+          <a:prstGeom prst="rect">
+            <a:avLst/>
+          </a:prstGeom>
+          <a:solidFill>
+            <a:schemeClr val="accent2">
+              <a:lumMod val="75000"/>
+            </a:schemeClr>
+          </a:solidFill>
+          <a:ln w="76200">
+            <a:solidFill>
+              <a:schemeClr val="accent2">
+                <a:lumMod val="50000"/>
+              </a:schemeClr>
+            </a:solidFill>
+          </a:ln>
+        </p:spPr>
+        <p:style>
+          <a:lnRef idx="2">
+            <a:schemeClr val="accent1">
+              <a:shade val="50000"/>
+            </a:schemeClr>
+          </a:lnRef>
+          <a:fillRef idx="1">
+            <a:schemeClr val="accent1"/>
+          </a:fillRef>
+          <a:effectRef idx="0">
+            <a:schemeClr val="accent1"/>
+          </a:effectRef>
+          <a:fontRef idx="minor">
+            <a:schemeClr val="lt1"/>
+          </a:fontRef>
+        </p:style>
+        <p:txBody>
+          <a:bodyPr rtlCol="0" anchor="ctr"/>
+          <a:lstStyle/>
+          <a:p>
+            <a:pPr algn="ctr"/>
+            <a:endParaRPr lang="de-DE" sz="3600" b="1" dirty="0"/>
+          </a:p>
+        </p:txBody>
+      </p:sp>
+      <p:sp>
+        <p:nvSpPr>
+          <p:cNvPr id="83" name="Rounded Rectangle 75"/>
+          <p:cNvSpPr/>
+          <p:nvPr/>
+        </p:nvSpPr>
+        <p:spPr>
+          <a:xfrm>
+            <a:off x="6788863" y="7592157"/>
+            <a:ext cx="1130702" cy="1187786"/>
+          </a:xfrm>
+          <a:prstGeom prst="rect">
+            <a:avLst/>
+          </a:prstGeom>
+          <a:solidFill>
+            <a:schemeClr val="accent2">
+              <a:lumMod val="75000"/>
+            </a:schemeClr>
+          </a:solidFill>
+          <a:ln w="76200">
+            <a:solidFill>
+              <a:schemeClr val="accent2">
+                <a:lumMod val="50000"/>
+              </a:schemeClr>
+            </a:solidFill>
+          </a:ln>
+        </p:spPr>
+        <p:style>
+          <a:lnRef idx="2">
+            <a:schemeClr val="accent1">
+              <a:shade val="50000"/>
+            </a:schemeClr>
+          </a:lnRef>
+          <a:fillRef idx="1">
+            <a:schemeClr val="accent1"/>
+          </a:fillRef>
+          <a:effectRef idx="0">
+            <a:schemeClr val="accent1"/>
+          </a:effectRef>
+          <a:fontRef idx="minor">
+            <a:schemeClr val="lt1"/>
+          </a:fontRef>
+        </p:style>
+        <p:txBody>
+          <a:bodyPr rtlCol="0" anchor="ctr"/>
+          <a:lstStyle/>
+          <a:p>
+            <a:pPr algn="ctr"/>
+            <a:endParaRPr lang="de-DE" sz="3600" b="1" dirty="0"/>
+          </a:p>
+        </p:txBody>
+      </p:sp>
+      <p:sp>
+        <p:nvSpPr>
+          <p:cNvPr id="84" name="Rounded Rectangle 75"/>
+          <p:cNvSpPr/>
+          <p:nvPr/>
+        </p:nvSpPr>
+        <p:spPr>
+          <a:xfrm>
+            <a:off x="12222093" y="2152649"/>
+            <a:ext cx="1130702" cy="1187786"/>
+          </a:xfrm>
+          <a:prstGeom prst="rect">
+            <a:avLst/>
+          </a:prstGeom>
+          <a:solidFill>
+            <a:schemeClr val="accent2">
+              <a:lumMod val="75000"/>
+            </a:schemeClr>
+          </a:solidFill>
+          <a:ln w="76200">
+            <a:solidFill>
+              <a:schemeClr val="accent2">
+                <a:lumMod val="50000"/>
+              </a:schemeClr>
+            </a:solidFill>
+          </a:ln>
+        </p:spPr>
+        <p:style>
+          <a:lnRef idx="2">
+            <a:schemeClr val="accent1">
+              <a:shade val="50000"/>
+            </a:schemeClr>
+          </a:lnRef>
+          <a:fillRef idx="1">
+            <a:schemeClr val="accent1"/>
+          </a:fillRef>
+          <a:effectRef idx="0">
+            <a:schemeClr val="accent1"/>
+          </a:effectRef>
+          <a:fontRef idx="minor">
+            <a:schemeClr val="lt1"/>
+          </a:fontRef>
+        </p:style>
+        <p:txBody>
+          <a:bodyPr rtlCol="0" anchor="ctr"/>
+          <a:lstStyle/>
+          <a:p>
+            <a:pPr algn="ctr"/>
+            <a:endParaRPr lang="de-DE" sz="3600" b="1" dirty="0"/>
+          </a:p>
+        </p:txBody>
+      </p:sp>
+      <p:sp>
+        <p:nvSpPr>
+          <p:cNvPr id="85" name="Rounded Rectangle 75"/>
+          <p:cNvSpPr/>
+          <p:nvPr/>
+        </p:nvSpPr>
+        <p:spPr>
+          <a:xfrm>
+            <a:off x="12242608" y="722434"/>
+            <a:ext cx="1130702" cy="1187786"/>
+          </a:xfrm>
+          <a:prstGeom prst="rect">
+            <a:avLst/>
+          </a:prstGeom>
+          <a:solidFill>
+            <a:schemeClr val="accent2">
+              <a:lumMod val="75000"/>
+            </a:schemeClr>
+          </a:solidFill>
+          <a:ln w="76200">
+            <a:solidFill>
+              <a:schemeClr val="accent2">
+                <a:lumMod val="50000"/>
+              </a:schemeClr>
+            </a:solidFill>
+          </a:ln>
+        </p:spPr>
+        <p:style>
+          <a:lnRef idx="2">
+            <a:schemeClr val="accent1">
+              <a:shade val="50000"/>
+            </a:schemeClr>
+          </a:lnRef>
+          <a:fillRef idx="1">
+            <a:schemeClr val="accent1"/>
+          </a:fillRef>
+          <a:effectRef idx="0">
+            <a:schemeClr val="accent1"/>
+          </a:effectRef>
+          <a:fontRef idx="minor">
+            <a:schemeClr val="lt1"/>
+          </a:fontRef>
+        </p:style>
+        <p:txBody>
+          <a:bodyPr rtlCol="0" anchor="ctr"/>
+          <a:lstStyle/>
+          <a:p>
+            <a:pPr algn="ctr"/>
+            <a:endParaRPr lang="de-DE" sz="3600" b="1" dirty="0"/>
+          </a:p>
+        </p:txBody>
+      </p:sp>
+    </p:spTree>
+    <p:extLst>
+      <p:ext uri="{BB962C8B-B14F-4D97-AF65-F5344CB8AC3E}">
+        <p14:creationId xmlns:p14="http://schemas.microsoft.com/office/powerpoint/2010/main" val="2818899871"/>
+      </p:ext>
+    </p:extLst>
+  </p:cSld>
+  <p:clrMapOvr>
+    <a:masterClrMapping/>
+  </p:clrMapOvr>
+</p:sld>
+</file>
+
+<file path=ppt/slides/slide9.xml><?xml version="1.0" encoding="utf-8"?>
+<p:sld xmlns:a="http://schemas.openxmlformats.org/drawingml/2006/main" xmlns:r="http://schemas.openxmlformats.org/officeDocument/2006/relationships" xmlns:p="http://schemas.openxmlformats.org/presentationml/2006/main">
+  <p:cSld>
+    <p:spTree>
+      <p:nvGrpSpPr>
+        <p:cNvPr id="1" name=""/>
+        <p:cNvGrpSpPr/>
+        <p:nvPr/>
+      </p:nvGrpSpPr>
+      <p:grpSpPr>
+        <a:xfrm>
+          <a:off x="0" y="0"/>
+          <a:ext cx="0" cy="0"/>
+          <a:chOff x="0" y="0"/>
+          <a:chExt cx="0" cy="0"/>
+        </a:xfrm>
+      </p:grpSpPr>
+      <p:grpSp>
+        <p:nvGrpSpPr>
           <p:cNvPr id="4" name="Group 3"/>
           <p:cNvGrpSpPr/>
           <p:nvPr/>
@@ -42654,768 +45364,6 @@
 </p:sld>
 </file>
 
-<file path=ppt/slides/slide9.xml><?xml version="1.0" encoding="utf-8"?>
-<p:sld xmlns:a="http://schemas.openxmlformats.org/drawingml/2006/main" xmlns:r="http://schemas.openxmlformats.org/officeDocument/2006/relationships" xmlns:p="http://schemas.openxmlformats.org/presentationml/2006/main">
-  <p:cSld>
-    <p:spTree>
-      <p:nvGrpSpPr>
-        <p:cNvPr id="1" name=""/>
-        <p:cNvGrpSpPr/>
-        <p:nvPr/>
-      </p:nvGrpSpPr>
-      <p:grpSpPr>
-        <a:xfrm>
-          <a:off x="0" y="0"/>
-          <a:ext cx="0" cy="0"/>
-          <a:chOff x="0" y="0"/>
-          <a:chExt cx="0" cy="0"/>
-        </a:xfrm>
-      </p:grpSpPr>
-      <p:grpSp>
-        <p:nvGrpSpPr>
-          <p:cNvPr id="27" name="Group 26"/>
-          <p:cNvGrpSpPr/>
-          <p:nvPr/>
-        </p:nvGrpSpPr>
-        <p:grpSpPr>
-          <a:xfrm>
-            <a:off x="3617912" y="2080418"/>
-            <a:ext cx="3676650" cy="6917472"/>
-            <a:chOff x="114300" y="95250"/>
-            <a:chExt cx="3676650" cy="6917472"/>
-          </a:xfrm>
-        </p:grpSpPr>
-        <p:sp>
-          <p:nvSpPr>
-            <p:cNvPr id="5" name="Rounded Rectangle 4"/>
-            <p:cNvSpPr/>
-            <p:nvPr/>
-          </p:nvSpPr>
-          <p:spPr>
-            <a:xfrm>
-              <a:off x="114300" y="95250"/>
-              <a:ext cx="3676650" cy="6162675"/>
-            </a:xfrm>
-            <a:prstGeom prst="roundRect">
-              <a:avLst>
-                <a:gd name="adj" fmla="val 9672"/>
-              </a:avLst>
-            </a:prstGeom>
-            <a:solidFill>
-              <a:schemeClr val="bg2">
-                <a:lumMod val="90000"/>
-              </a:schemeClr>
-            </a:solidFill>
-            <a:ln w="114300">
-              <a:solidFill>
-                <a:schemeClr val="bg1">
-                  <a:lumMod val="50000"/>
-                </a:schemeClr>
-              </a:solidFill>
-            </a:ln>
-          </p:spPr>
-          <p:style>
-            <a:lnRef idx="2">
-              <a:schemeClr val="accent1">
-                <a:shade val="50000"/>
-              </a:schemeClr>
-            </a:lnRef>
-            <a:fillRef idx="1">
-              <a:schemeClr val="accent1"/>
-            </a:fillRef>
-            <a:effectRef idx="0">
-              <a:schemeClr val="accent1"/>
-            </a:effectRef>
-            <a:fontRef idx="minor">
-              <a:schemeClr val="lt1"/>
-            </a:fontRef>
-          </p:style>
-          <p:txBody>
-            <a:bodyPr rtlCol="0" anchor="ctr"/>
-            <a:lstStyle/>
-            <a:p>
-              <a:pPr algn="ctr"/>
-              <a:endParaRPr lang="de-DE"/>
-            </a:p>
-          </p:txBody>
-        </p:sp>
-        <p:sp>
-          <p:nvSpPr>
-            <p:cNvPr id="25" name="TextBox 24"/>
-            <p:cNvSpPr txBox="1"/>
-            <p:nvPr/>
-          </p:nvSpPr>
-          <p:spPr>
-            <a:xfrm>
-              <a:off x="1285875" y="6181725"/>
-              <a:ext cx="1333500" cy="830997"/>
-            </a:xfrm>
-            <a:prstGeom prst="rect">
-              <a:avLst/>
-            </a:prstGeom>
-            <a:noFill/>
-          </p:spPr>
-          <p:txBody>
-            <a:bodyPr wrap="square" rtlCol="0">
-              <a:spAutoFit/>
-            </a:bodyPr>
-            <a:lstStyle/>
-            <a:p>
-              <a:pPr algn="ctr"/>
-              <a:r>
-                <a:rPr lang="en-US" sz="4800" b="1" dirty="0">
-                  <a:solidFill>
-                    <a:schemeClr val="bg1">
-                      <a:lumMod val="50000"/>
-                    </a:schemeClr>
-                  </a:solidFill>
-                </a:rPr>
-                <a:t>DEV</a:t>
-              </a:r>
-              <a:endParaRPr lang="de-DE" sz="4800" b="1" dirty="0">
-                <a:solidFill>
-                  <a:schemeClr val="bg1">
-                    <a:lumMod val="50000"/>
-                  </a:schemeClr>
-                </a:solidFill>
-              </a:endParaRPr>
-            </a:p>
-          </p:txBody>
-        </p:sp>
-      </p:grpSp>
-      <p:grpSp>
-        <p:nvGrpSpPr>
-          <p:cNvPr id="72" name="Group 71"/>
-          <p:cNvGrpSpPr/>
-          <p:nvPr/>
-        </p:nvGrpSpPr>
-        <p:grpSpPr>
-          <a:xfrm>
-            <a:off x="3894137" y="2261399"/>
-            <a:ext cx="3105150" cy="5791199"/>
-            <a:chOff x="6448425" y="3933826"/>
-            <a:chExt cx="2628900" cy="1409700"/>
-          </a:xfrm>
-        </p:grpSpPr>
-        <p:sp>
-          <p:nvSpPr>
-            <p:cNvPr id="73" name="Rounded Rectangle 72"/>
-            <p:cNvSpPr/>
-            <p:nvPr/>
-          </p:nvSpPr>
-          <p:spPr>
-            <a:xfrm>
-              <a:off x="6448425" y="3933826"/>
-              <a:ext cx="2628900" cy="1409700"/>
-            </a:xfrm>
-            <a:prstGeom prst="roundRect">
-              <a:avLst/>
-            </a:prstGeom>
-            <a:solidFill>
-              <a:schemeClr val="accent5"/>
-            </a:solidFill>
-            <a:ln w="114300">
-              <a:solidFill>
-                <a:schemeClr val="accent5">
-                  <a:lumMod val="50000"/>
-                </a:schemeClr>
-              </a:solidFill>
-            </a:ln>
-          </p:spPr>
-          <p:style>
-            <a:lnRef idx="2">
-              <a:schemeClr val="accent1">
-                <a:shade val="50000"/>
-              </a:schemeClr>
-            </a:lnRef>
-            <a:fillRef idx="1">
-              <a:schemeClr val="accent1"/>
-            </a:fillRef>
-            <a:effectRef idx="0">
-              <a:schemeClr val="accent1"/>
-            </a:effectRef>
-            <a:fontRef idx="minor">
-              <a:schemeClr val="lt1"/>
-            </a:fontRef>
-          </p:style>
-          <p:txBody>
-            <a:bodyPr rtlCol="0" anchor="ctr"/>
-            <a:lstStyle/>
-            <a:p>
-              <a:pPr algn="ctr"/>
-              <a:endParaRPr lang="de-DE"/>
-            </a:p>
-          </p:txBody>
-        </p:sp>
-        <p:sp>
-          <p:nvSpPr>
-            <p:cNvPr id="74" name="TextBox 73"/>
-            <p:cNvSpPr txBox="1"/>
-            <p:nvPr/>
-          </p:nvSpPr>
-          <p:spPr>
-            <a:xfrm>
-              <a:off x="6496810" y="4492603"/>
-              <a:ext cx="2524067" cy="292185"/>
-            </a:xfrm>
-            <a:prstGeom prst="rect">
-              <a:avLst/>
-            </a:prstGeom>
-            <a:noFill/>
-          </p:spPr>
-          <p:txBody>
-            <a:bodyPr wrap="square" rtlCol="0">
-              <a:spAutoFit/>
-            </a:bodyPr>
-            <a:lstStyle/>
-            <a:p>
-              <a:pPr algn="ctr"/>
-              <a:r>
-                <a:rPr lang="en-US" sz="3600" b="1" dirty="0">
-                  <a:solidFill>
-                    <a:schemeClr val="bg1"/>
-                  </a:solidFill>
-                </a:rPr>
-                <a:t>Machine Image</a:t>
-              </a:r>
-              <a:endParaRPr lang="de-DE" sz="3600" b="1" dirty="0">
-                <a:solidFill>
-                  <a:schemeClr val="bg1"/>
-                </a:solidFill>
-              </a:endParaRPr>
-            </a:p>
-          </p:txBody>
-        </p:sp>
-      </p:grpSp>
-      <p:grpSp>
-        <p:nvGrpSpPr>
-          <p:cNvPr id="29" name="Group 28"/>
-          <p:cNvGrpSpPr/>
-          <p:nvPr/>
-        </p:nvGrpSpPr>
-        <p:grpSpPr>
-          <a:xfrm>
-            <a:off x="8923341" y="2080418"/>
-            <a:ext cx="3800475" cy="6917472"/>
-            <a:chOff x="57150" y="95250"/>
-            <a:chExt cx="3800475" cy="6917472"/>
-          </a:xfrm>
-        </p:grpSpPr>
-        <p:sp>
-          <p:nvSpPr>
-            <p:cNvPr id="32" name="Rounded Rectangle 31"/>
-            <p:cNvSpPr/>
-            <p:nvPr/>
-          </p:nvSpPr>
-          <p:spPr>
-            <a:xfrm>
-              <a:off x="114300" y="95250"/>
-              <a:ext cx="3676650" cy="6162675"/>
-            </a:xfrm>
-            <a:prstGeom prst="roundRect">
-              <a:avLst>
-                <a:gd name="adj" fmla="val 9672"/>
-              </a:avLst>
-            </a:prstGeom>
-            <a:solidFill>
-              <a:schemeClr val="bg2">
-                <a:lumMod val="90000"/>
-              </a:schemeClr>
-            </a:solidFill>
-            <a:ln w="114300">
-              <a:solidFill>
-                <a:schemeClr val="bg1">
-                  <a:lumMod val="50000"/>
-                </a:schemeClr>
-              </a:solidFill>
-            </a:ln>
-          </p:spPr>
-          <p:style>
-            <a:lnRef idx="2">
-              <a:schemeClr val="accent1">
-                <a:shade val="50000"/>
-              </a:schemeClr>
-            </a:lnRef>
-            <a:fillRef idx="1">
-              <a:schemeClr val="accent1"/>
-            </a:fillRef>
-            <a:effectRef idx="0">
-              <a:schemeClr val="accent1"/>
-            </a:effectRef>
-            <a:fontRef idx="minor">
-              <a:schemeClr val="lt1"/>
-            </a:fontRef>
-          </p:style>
-          <p:txBody>
-            <a:bodyPr rtlCol="0" anchor="ctr"/>
-            <a:lstStyle/>
-            <a:p>
-              <a:pPr algn="ctr"/>
-              <a:endParaRPr lang="de-DE"/>
-            </a:p>
-          </p:txBody>
-        </p:sp>
-        <p:sp>
-          <p:nvSpPr>
-            <p:cNvPr id="31" name="TextBox 30"/>
-            <p:cNvSpPr txBox="1"/>
-            <p:nvPr/>
-          </p:nvSpPr>
-          <p:spPr>
-            <a:xfrm>
-              <a:off x="57150" y="6181725"/>
-              <a:ext cx="3800475" cy="830997"/>
-            </a:xfrm>
-            <a:prstGeom prst="rect">
-              <a:avLst/>
-            </a:prstGeom>
-            <a:noFill/>
-          </p:spPr>
-          <p:txBody>
-            <a:bodyPr wrap="square" rtlCol="0">
-              <a:spAutoFit/>
-            </a:bodyPr>
-            <a:lstStyle/>
-            <a:p>
-              <a:pPr algn="ctr"/>
-              <a:r>
-                <a:rPr lang="en-US" sz="4800" b="1" dirty="0">
-                  <a:solidFill>
-                    <a:schemeClr val="bg1">
-                      <a:lumMod val="50000"/>
-                    </a:schemeClr>
-                  </a:solidFill>
-                </a:rPr>
-                <a:t>TEST</a:t>
-              </a:r>
-              <a:endParaRPr lang="de-DE" sz="4800" b="1" dirty="0">
-                <a:solidFill>
-                  <a:schemeClr val="bg1">
-                    <a:lumMod val="50000"/>
-                  </a:schemeClr>
-                </a:solidFill>
-              </a:endParaRPr>
-            </a:p>
-          </p:txBody>
-        </p:sp>
-      </p:grpSp>
-      <p:grpSp>
-        <p:nvGrpSpPr>
-          <p:cNvPr id="49" name="Group 48"/>
-          <p:cNvGrpSpPr/>
-          <p:nvPr/>
-        </p:nvGrpSpPr>
-        <p:grpSpPr>
-          <a:xfrm>
-            <a:off x="14285912" y="2080418"/>
-            <a:ext cx="3790950" cy="6917472"/>
-            <a:chOff x="57150" y="95250"/>
-            <a:chExt cx="3790950" cy="6917472"/>
-          </a:xfrm>
-        </p:grpSpPr>
-        <p:sp>
-          <p:nvSpPr>
-            <p:cNvPr id="52" name="Rounded Rectangle 51"/>
-            <p:cNvSpPr/>
-            <p:nvPr/>
-          </p:nvSpPr>
-          <p:spPr>
-            <a:xfrm>
-              <a:off x="114300" y="95250"/>
-              <a:ext cx="3676650" cy="6162675"/>
-            </a:xfrm>
-            <a:prstGeom prst="roundRect">
-              <a:avLst>
-                <a:gd name="adj" fmla="val 9672"/>
-              </a:avLst>
-            </a:prstGeom>
-            <a:solidFill>
-              <a:schemeClr val="bg2">
-                <a:lumMod val="90000"/>
-              </a:schemeClr>
-            </a:solidFill>
-            <a:ln w="114300">
-              <a:solidFill>
-                <a:schemeClr val="bg1">
-                  <a:lumMod val="50000"/>
-                </a:schemeClr>
-              </a:solidFill>
-            </a:ln>
-          </p:spPr>
-          <p:style>
-            <a:lnRef idx="2">
-              <a:schemeClr val="accent1">
-                <a:shade val="50000"/>
-              </a:schemeClr>
-            </a:lnRef>
-            <a:fillRef idx="1">
-              <a:schemeClr val="accent1"/>
-            </a:fillRef>
-            <a:effectRef idx="0">
-              <a:schemeClr val="accent1"/>
-            </a:effectRef>
-            <a:fontRef idx="minor">
-              <a:schemeClr val="lt1"/>
-            </a:fontRef>
-          </p:style>
-          <p:txBody>
-            <a:bodyPr rtlCol="0" anchor="ctr"/>
-            <a:lstStyle/>
-            <a:p>
-              <a:pPr algn="ctr"/>
-              <a:endParaRPr lang="de-DE"/>
-            </a:p>
-          </p:txBody>
-        </p:sp>
-        <p:sp>
-          <p:nvSpPr>
-            <p:cNvPr id="51" name="TextBox 50"/>
-            <p:cNvSpPr txBox="1"/>
-            <p:nvPr/>
-          </p:nvSpPr>
-          <p:spPr>
-            <a:xfrm>
-              <a:off x="57150" y="6181725"/>
-              <a:ext cx="3790950" cy="830997"/>
-            </a:xfrm>
-            <a:prstGeom prst="rect">
-              <a:avLst/>
-            </a:prstGeom>
-            <a:noFill/>
-          </p:spPr>
-          <p:txBody>
-            <a:bodyPr wrap="square" rtlCol="0">
-              <a:spAutoFit/>
-            </a:bodyPr>
-            <a:lstStyle/>
-            <a:p>
-              <a:pPr algn="ctr"/>
-              <a:r>
-                <a:rPr lang="en-US" sz="4800" b="1" dirty="0">
-                  <a:solidFill>
-                    <a:schemeClr val="bg1">
-                      <a:lumMod val="50000"/>
-                    </a:schemeClr>
-                  </a:solidFill>
-                </a:rPr>
-                <a:t>PROD</a:t>
-              </a:r>
-              <a:endParaRPr lang="de-DE" sz="4800" b="1" dirty="0">
-                <a:solidFill>
-                  <a:schemeClr val="bg1">
-                    <a:lumMod val="50000"/>
-                  </a:schemeClr>
-                </a:solidFill>
-              </a:endParaRPr>
-            </a:p>
-          </p:txBody>
-        </p:sp>
-      </p:grpSp>
-      <p:cxnSp>
-        <p:nvCxnSpPr>
-          <p:cNvPr id="26" name="Straight Arrow Connector 25"/>
-          <p:cNvCxnSpPr/>
-          <p:nvPr/>
-        </p:nvCxnSpPr>
-        <p:spPr>
-          <a:xfrm>
-            <a:off x="12499974" y="5156993"/>
-            <a:ext cx="2019300" cy="0"/>
-          </a:xfrm>
-          <a:prstGeom prst="straightConnector1">
-            <a:avLst/>
-          </a:prstGeom>
-          <a:ln w="254000">
-            <a:solidFill>
-              <a:schemeClr val="accent5">
-                <a:lumMod val="75000"/>
-              </a:schemeClr>
-            </a:solidFill>
-            <a:prstDash val="solid"/>
-            <a:tailEnd type="triangle"/>
-          </a:ln>
-        </p:spPr>
-        <p:style>
-          <a:lnRef idx="1">
-            <a:schemeClr val="accent1"/>
-          </a:lnRef>
-          <a:fillRef idx="0">
-            <a:schemeClr val="accent1"/>
-          </a:fillRef>
-          <a:effectRef idx="0">
-            <a:schemeClr val="accent1"/>
-          </a:effectRef>
-          <a:fontRef idx="minor">
-            <a:schemeClr val="tx1"/>
-          </a:fontRef>
-        </p:style>
-      </p:cxnSp>
-      <p:cxnSp>
-        <p:nvCxnSpPr>
-          <p:cNvPr id="75" name="Straight Arrow Connector 74"/>
-          <p:cNvCxnSpPr/>
-          <p:nvPr/>
-        </p:nvCxnSpPr>
-        <p:spPr>
-          <a:xfrm>
-            <a:off x="7108829" y="5156993"/>
-            <a:ext cx="2047875" cy="0"/>
-          </a:xfrm>
-          <a:prstGeom prst="straightConnector1">
-            <a:avLst/>
-          </a:prstGeom>
-          <a:ln w="254000">
-            <a:solidFill>
-              <a:schemeClr val="accent5">
-                <a:lumMod val="75000"/>
-              </a:schemeClr>
-            </a:solidFill>
-            <a:tailEnd type="triangle"/>
-          </a:ln>
-        </p:spPr>
-        <p:style>
-          <a:lnRef idx="1">
-            <a:schemeClr val="accent1"/>
-          </a:lnRef>
-          <a:fillRef idx="0">
-            <a:schemeClr val="accent1"/>
-          </a:fillRef>
-          <a:effectRef idx="0">
-            <a:schemeClr val="accent1"/>
-          </a:effectRef>
-          <a:fontRef idx="minor">
-            <a:schemeClr val="tx1"/>
-          </a:fontRef>
-        </p:style>
-      </p:cxnSp>
-      <p:grpSp>
-        <p:nvGrpSpPr>
-          <p:cNvPr id="76" name="Group 75"/>
-          <p:cNvGrpSpPr/>
-          <p:nvPr/>
-        </p:nvGrpSpPr>
-        <p:grpSpPr>
-          <a:xfrm>
-            <a:off x="9266237" y="2261399"/>
-            <a:ext cx="3105150" cy="5791199"/>
-            <a:chOff x="6448425" y="3933826"/>
-            <a:chExt cx="2628900" cy="1409700"/>
-          </a:xfrm>
-        </p:grpSpPr>
-        <p:sp>
-          <p:nvSpPr>
-            <p:cNvPr id="77" name="Rounded Rectangle 76"/>
-            <p:cNvSpPr/>
-            <p:nvPr/>
-          </p:nvSpPr>
-          <p:spPr>
-            <a:xfrm>
-              <a:off x="6448425" y="3933826"/>
-              <a:ext cx="2628900" cy="1409700"/>
-            </a:xfrm>
-            <a:prstGeom prst="roundRect">
-              <a:avLst/>
-            </a:prstGeom>
-            <a:solidFill>
-              <a:schemeClr val="accent5"/>
-            </a:solidFill>
-            <a:ln w="114300">
-              <a:solidFill>
-                <a:schemeClr val="accent5">
-                  <a:lumMod val="50000"/>
-                </a:schemeClr>
-              </a:solidFill>
-            </a:ln>
-          </p:spPr>
-          <p:style>
-            <a:lnRef idx="2">
-              <a:schemeClr val="accent1">
-                <a:shade val="50000"/>
-              </a:schemeClr>
-            </a:lnRef>
-            <a:fillRef idx="1">
-              <a:schemeClr val="accent1"/>
-            </a:fillRef>
-            <a:effectRef idx="0">
-              <a:schemeClr val="accent1"/>
-            </a:effectRef>
-            <a:fontRef idx="minor">
-              <a:schemeClr val="lt1"/>
-            </a:fontRef>
-          </p:style>
-          <p:txBody>
-            <a:bodyPr rtlCol="0" anchor="ctr"/>
-            <a:lstStyle/>
-            <a:p>
-              <a:pPr algn="ctr"/>
-              <a:endParaRPr lang="de-DE"/>
-            </a:p>
-          </p:txBody>
-        </p:sp>
-        <p:sp>
-          <p:nvSpPr>
-            <p:cNvPr id="86" name="TextBox 85"/>
-            <p:cNvSpPr txBox="1"/>
-            <p:nvPr/>
-          </p:nvSpPr>
-          <p:spPr>
-            <a:xfrm>
-              <a:off x="6496810" y="4492603"/>
-              <a:ext cx="2524067" cy="292185"/>
-            </a:xfrm>
-            <a:prstGeom prst="rect">
-              <a:avLst/>
-            </a:prstGeom>
-            <a:noFill/>
-          </p:spPr>
-          <p:txBody>
-            <a:bodyPr wrap="square" rtlCol="0">
-              <a:spAutoFit/>
-            </a:bodyPr>
-            <a:lstStyle/>
-            <a:p>
-              <a:pPr algn="ctr"/>
-              <a:r>
-                <a:rPr lang="en-US" sz="3600" b="1" dirty="0">
-                  <a:solidFill>
-                    <a:schemeClr val="bg1"/>
-                  </a:solidFill>
-                </a:rPr>
-                <a:t>Machine Image</a:t>
-              </a:r>
-              <a:endParaRPr lang="de-DE" sz="3600" b="1" dirty="0">
-                <a:solidFill>
-                  <a:schemeClr val="bg1"/>
-                </a:solidFill>
-              </a:endParaRPr>
-            </a:p>
-          </p:txBody>
-        </p:sp>
-      </p:grpSp>
-      <p:grpSp>
-        <p:nvGrpSpPr>
-          <p:cNvPr id="87" name="Group 86"/>
-          <p:cNvGrpSpPr/>
-          <p:nvPr/>
-        </p:nvGrpSpPr>
-        <p:grpSpPr>
-          <a:xfrm>
-            <a:off x="14638336" y="2261399"/>
-            <a:ext cx="3105150" cy="5791199"/>
-            <a:chOff x="6448424" y="3933826"/>
-            <a:chExt cx="2628900" cy="1409700"/>
-          </a:xfrm>
-        </p:grpSpPr>
-        <p:sp>
-          <p:nvSpPr>
-            <p:cNvPr id="88" name="Rounded Rectangle 87"/>
-            <p:cNvSpPr/>
-            <p:nvPr/>
-          </p:nvSpPr>
-          <p:spPr>
-            <a:xfrm>
-              <a:off x="6448424" y="3933826"/>
-              <a:ext cx="2628900" cy="1409700"/>
-            </a:xfrm>
-            <a:prstGeom prst="roundRect">
-              <a:avLst/>
-            </a:prstGeom>
-            <a:solidFill>
-              <a:schemeClr val="accent5"/>
-            </a:solidFill>
-            <a:ln w="114300">
-              <a:solidFill>
-                <a:schemeClr val="accent5">
-                  <a:lumMod val="50000"/>
-                </a:schemeClr>
-              </a:solidFill>
-            </a:ln>
-          </p:spPr>
-          <p:style>
-            <a:lnRef idx="2">
-              <a:schemeClr val="accent1">
-                <a:shade val="50000"/>
-              </a:schemeClr>
-            </a:lnRef>
-            <a:fillRef idx="1">
-              <a:schemeClr val="accent1"/>
-            </a:fillRef>
-            <a:effectRef idx="0">
-              <a:schemeClr val="accent1"/>
-            </a:effectRef>
-            <a:fontRef idx="minor">
-              <a:schemeClr val="lt1"/>
-            </a:fontRef>
-          </p:style>
-          <p:txBody>
-            <a:bodyPr rtlCol="0" anchor="ctr"/>
-            <a:lstStyle/>
-            <a:p>
-              <a:pPr algn="ctr"/>
-              <a:endParaRPr lang="de-DE"/>
-            </a:p>
-          </p:txBody>
-        </p:sp>
-        <p:sp>
-          <p:nvSpPr>
-            <p:cNvPr id="89" name="TextBox 88"/>
-            <p:cNvSpPr txBox="1"/>
-            <p:nvPr/>
-          </p:nvSpPr>
-          <p:spPr>
-            <a:xfrm>
-              <a:off x="6496810" y="4492603"/>
-              <a:ext cx="2524067" cy="292185"/>
-            </a:xfrm>
-            <a:prstGeom prst="rect">
-              <a:avLst/>
-            </a:prstGeom>
-            <a:noFill/>
-          </p:spPr>
-          <p:txBody>
-            <a:bodyPr wrap="square" rtlCol="0">
-              <a:spAutoFit/>
-            </a:bodyPr>
-            <a:lstStyle/>
-            <a:p>
-              <a:pPr algn="ctr"/>
-              <a:r>
-                <a:rPr lang="en-US" sz="3600" b="1" dirty="0">
-                  <a:solidFill>
-                    <a:schemeClr val="bg1"/>
-                  </a:solidFill>
-                </a:rPr>
-                <a:t>Machine Image</a:t>
-              </a:r>
-              <a:endParaRPr lang="de-DE" sz="3600" b="1" dirty="0">
-                <a:solidFill>
-                  <a:schemeClr val="bg1"/>
-                </a:solidFill>
-              </a:endParaRPr>
-            </a:p>
-          </p:txBody>
-        </p:sp>
-      </p:grpSp>
-    </p:spTree>
-    <p:extLst>
-      <p:ext uri="{BB962C8B-B14F-4D97-AF65-F5344CB8AC3E}">
-        <p14:creationId xmlns:p14="http://schemas.microsoft.com/office/powerpoint/2010/main" val="143658253"/>
-      </p:ext>
-    </p:extLst>
-  </p:cSld>
-  <p:clrMapOvr>
-    <a:masterClrMapping/>
-  </p:clrMapOvr>
-  <p:timing>
-    <p:tnLst>
-      <p:par>
-        <p:cTn id="1" dur="indefinite" restart="never" nodeType="tmRoot"/>
-      </p:par>
-    </p:tnLst>
-  </p:timing>
-</p:sld>
-</file>
-
 <file path=ppt/theme/theme1.xml><?xml version="1.0" encoding="utf-8"?>
 <a:theme xmlns:a="http://schemas.openxmlformats.org/drawingml/2006/main" name="Office Theme">
   <a:themeElements>

--- a/_sources/GettingStarted.pptx
+++ b/_sources/GettingStarted.pptx
@@ -39,6 +39,7 @@
     <p:sldId id="279" r:id="rId33"/>
     <p:sldId id="280" r:id="rId34"/>
     <p:sldId id="281" r:id="rId35"/>
+    <p:sldId id="290" r:id="rId36"/>
   </p:sldIdLst>
   <p:sldSz cx="19199225" cy="10799763"/>
   <p:notesSz cx="6858000" cy="9144000"/>
@@ -3093,7 +3094,7 @@
           <a:p>
             <a:fld id="{9AA7D095-A676-4F6B-9416-D65D798F5244}" type="datetimeFigureOut">
               <a:rPr lang="de-DE" smtClean="0"/>
-              <a:t>16.11.2015</a:t>
+              <a:t>17.11.2015</a:t>
             </a:fld>
             <a:endParaRPr lang="de-DE"/>
           </a:p>
@@ -3263,7 +3264,7 @@
           <a:p>
             <a:fld id="{9AA7D095-A676-4F6B-9416-D65D798F5244}" type="datetimeFigureOut">
               <a:rPr lang="de-DE" smtClean="0"/>
-              <a:t>16.11.2015</a:t>
+              <a:t>17.11.2015</a:t>
             </a:fld>
             <a:endParaRPr lang="de-DE"/>
           </a:p>
@@ -3443,7 +3444,7 @@
           <a:p>
             <a:fld id="{9AA7D095-A676-4F6B-9416-D65D798F5244}" type="datetimeFigureOut">
               <a:rPr lang="de-DE" smtClean="0"/>
-              <a:t>16.11.2015</a:t>
+              <a:t>17.11.2015</a:t>
             </a:fld>
             <a:endParaRPr lang="de-DE"/>
           </a:p>
@@ -3613,7 +3614,7 @@
           <a:p>
             <a:fld id="{9AA7D095-A676-4F6B-9416-D65D798F5244}" type="datetimeFigureOut">
               <a:rPr lang="de-DE" smtClean="0"/>
-              <a:t>16.11.2015</a:t>
+              <a:t>17.11.2015</a:t>
             </a:fld>
             <a:endParaRPr lang="de-DE"/>
           </a:p>
@@ -3859,7 +3860,7 @@
           <a:p>
             <a:fld id="{9AA7D095-A676-4F6B-9416-D65D798F5244}" type="datetimeFigureOut">
               <a:rPr lang="de-DE" smtClean="0"/>
-              <a:t>16.11.2015</a:t>
+              <a:t>17.11.2015</a:t>
             </a:fld>
             <a:endParaRPr lang="de-DE"/>
           </a:p>
@@ -4091,7 +4092,7 @@
           <a:p>
             <a:fld id="{9AA7D095-A676-4F6B-9416-D65D798F5244}" type="datetimeFigureOut">
               <a:rPr lang="de-DE" smtClean="0"/>
-              <a:t>16.11.2015</a:t>
+              <a:t>17.11.2015</a:t>
             </a:fld>
             <a:endParaRPr lang="de-DE"/>
           </a:p>
@@ -4458,7 +4459,7 @@
           <a:p>
             <a:fld id="{9AA7D095-A676-4F6B-9416-D65D798F5244}" type="datetimeFigureOut">
               <a:rPr lang="de-DE" smtClean="0"/>
-              <a:t>16.11.2015</a:t>
+              <a:t>17.11.2015</a:t>
             </a:fld>
             <a:endParaRPr lang="de-DE"/>
           </a:p>
@@ -4576,7 +4577,7 @@
           <a:p>
             <a:fld id="{9AA7D095-A676-4F6B-9416-D65D798F5244}" type="datetimeFigureOut">
               <a:rPr lang="de-DE" smtClean="0"/>
-              <a:t>16.11.2015</a:t>
+              <a:t>17.11.2015</a:t>
             </a:fld>
             <a:endParaRPr lang="de-DE"/>
           </a:p>
@@ -4671,7 +4672,7 @@
           <a:p>
             <a:fld id="{9AA7D095-A676-4F6B-9416-D65D798F5244}" type="datetimeFigureOut">
               <a:rPr lang="de-DE" smtClean="0"/>
-              <a:t>16.11.2015</a:t>
+              <a:t>17.11.2015</a:t>
             </a:fld>
             <a:endParaRPr lang="de-DE"/>
           </a:p>
@@ -4948,7 +4949,7 @@
           <a:p>
             <a:fld id="{9AA7D095-A676-4F6B-9416-D65D798F5244}" type="datetimeFigureOut">
               <a:rPr lang="de-DE" smtClean="0"/>
-              <a:t>16.11.2015</a:t>
+              <a:t>17.11.2015</a:t>
             </a:fld>
             <a:endParaRPr lang="de-DE"/>
           </a:p>
@@ -5205,7 +5206,7 @@
           <a:p>
             <a:fld id="{9AA7D095-A676-4F6B-9416-D65D798F5244}" type="datetimeFigureOut">
               <a:rPr lang="de-DE" smtClean="0"/>
-              <a:t>16.11.2015</a:t>
+              <a:t>17.11.2015</a:t>
             </a:fld>
             <a:endParaRPr lang="de-DE"/>
           </a:p>
@@ -5418,7 +5419,7 @@
           <a:p>
             <a:fld id="{9AA7D095-A676-4F6B-9416-D65D798F5244}" type="datetimeFigureOut">
               <a:rPr lang="de-DE" smtClean="0"/>
-              <a:t>16.11.2015</a:t>
+              <a:t>17.11.2015</a:t>
             </a:fld>
             <a:endParaRPr lang="de-DE"/>
           </a:p>
@@ -6488,35 +6489,8 @@
                   </a:schemeClr>
                 </a:solidFill>
               </a:rPr>
-              <a:t>generated on-the-fly (&lt;</a:t>
+              <a:t>generated on-the-fly (&lt;10 secs provisioning)</a:t>
             </a:r>
-            <a:r>
-              <a:rPr lang="en-US" sz="3200" b="1" dirty="0" smtClean="0">
-                <a:solidFill>
-                  <a:schemeClr val="bg1">
-                    <a:lumMod val="50000"/>
-                  </a:schemeClr>
-                </a:solidFill>
-              </a:rPr>
-              <a:t>10 secs </a:t>
-            </a:r>
-            <a:r>
-              <a:rPr lang="en-US" sz="3200" b="1" dirty="0" smtClean="0">
-                <a:solidFill>
-                  <a:schemeClr val="bg1">
-                    <a:lumMod val="50000"/>
-                  </a:schemeClr>
-                </a:solidFill>
-              </a:rPr>
-              <a:t>provisioning)</a:t>
-            </a:r>
-            <a:endParaRPr lang="en-US" sz="3200" b="1" dirty="0" smtClean="0">
-              <a:solidFill>
-                <a:schemeClr val="bg1">
-                  <a:lumMod val="50000"/>
-                </a:schemeClr>
-              </a:solidFill>
-            </a:endParaRPr>
           </a:p>
           <a:p>
             <a:pPr marL="571500" indent="-571500">
@@ -6567,27 +6541,7 @@
                   </a:schemeClr>
                 </a:solidFill>
               </a:rPr>
-              <a:t>secure </a:t>
-            </a:r>
-            <a:r>
-              <a:rPr lang="en-US" sz="3200" b="1" dirty="0" smtClean="0">
-                <a:solidFill>
-                  <a:schemeClr val="bg1">
-                    <a:lumMod val="50000"/>
-                  </a:schemeClr>
-                </a:solidFill>
-              </a:rPr>
-              <a:t>(smallest attack surface</a:t>
-            </a:r>
-            <a:r>
-              <a:rPr lang="en-US" sz="3200" b="1" dirty="0" smtClean="0">
-                <a:solidFill>
-                  <a:schemeClr val="bg1">
-                    <a:lumMod val="50000"/>
-                  </a:schemeClr>
-                </a:solidFill>
-              </a:rPr>
-              <a:t>)</a:t>
+              <a:t>secure (smallest attack surface)</a:t>
             </a:r>
           </a:p>
           <a:p>
@@ -6625,13 +6579,6 @@
               </a:rPr>
               <a:t> &amp; AWS</a:t>
             </a:r>
-            <a:endParaRPr lang="en-US" sz="3200" b="1" dirty="0" smtClean="0">
-              <a:solidFill>
-                <a:schemeClr val="bg1">
-                  <a:lumMod val="50000"/>
-                </a:schemeClr>
-              </a:solidFill>
-            </a:endParaRPr>
           </a:p>
         </p:txBody>
       </p:sp>
@@ -7515,35 +7462,8 @@
                   </a:schemeClr>
                 </a:solidFill>
               </a:rPr>
-              <a:t>generated on-the-fly (&lt;</a:t>
+              <a:t>generated on-the-fly (&lt;10 secs provisioning)</a:t>
             </a:r>
-            <a:r>
-              <a:rPr lang="en-US" sz="3200" b="1" dirty="0" smtClean="0">
-                <a:solidFill>
-                  <a:schemeClr val="bg1">
-                    <a:lumMod val="50000"/>
-                  </a:schemeClr>
-                </a:solidFill>
-              </a:rPr>
-              <a:t>10 secs </a:t>
-            </a:r>
-            <a:r>
-              <a:rPr lang="en-US" sz="3200" b="1" dirty="0" smtClean="0">
-                <a:solidFill>
-                  <a:schemeClr val="bg1">
-                    <a:lumMod val="50000"/>
-                  </a:schemeClr>
-                </a:solidFill>
-              </a:rPr>
-              <a:t>provisioning)</a:t>
-            </a:r>
-            <a:endParaRPr lang="en-US" sz="3200" b="1" dirty="0" smtClean="0">
-              <a:solidFill>
-                <a:schemeClr val="bg1">
-                  <a:lumMod val="50000"/>
-                </a:schemeClr>
-              </a:solidFill>
-            </a:endParaRPr>
           </a:p>
           <a:p>
             <a:pPr marL="571500" indent="-571500">
@@ -7594,27 +7514,7 @@
                   </a:schemeClr>
                 </a:solidFill>
               </a:rPr>
-              <a:t>secure </a:t>
-            </a:r>
-            <a:r>
-              <a:rPr lang="en-US" sz="3200" b="1" dirty="0" smtClean="0">
-                <a:solidFill>
-                  <a:schemeClr val="bg1">
-                    <a:lumMod val="50000"/>
-                  </a:schemeClr>
-                </a:solidFill>
-              </a:rPr>
-              <a:t>(smallest attack surface</a:t>
-            </a:r>
-            <a:r>
-              <a:rPr lang="en-US" sz="3200" b="1" dirty="0" smtClean="0">
-                <a:solidFill>
-                  <a:schemeClr val="bg1">
-                    <a:lumMod val="50000"/>
-                  </a:schemeClr>
-                </a:solidFill>
-              </a:rPr>
-              <a:t>)</a:t>
+              <a:t>secure (smallest attack surface)</a:t>
             </a:r>
           </a:p>
           <a:p>
@@ -7652,13 +7552,6 @@
               </a:rPr>
               <a:t> &amp; AWS</a:t>
             </a:r>
-            <a:endParaRPr lang="en-US" sz="3200" b="1" dirty="0" smtClean="0">
-              <a:solidFill>
-                <a:schemeClr val="bg1">
-                  <a:lumMod val="50000"/>
-                </a:schemeClr>
-              </a:solidFill>
-            </a:endParaRPr>
           </a:p>
         </p:txBody>
       </p:sp>
@@ -39635,6 +39528,246 @@
       </p:par>
     </p:tnLst>
   </p:timing>
+</p:sld>
+</file>
+
+<file path=ppt/slides/slide35.xml><?xml version="1.0" encoding="utf-8"?>
+<p:sld xmlns:a="http://schemas.openxmlformats.org/drawingml/2006/main" xmlns:r="http://schemas.openxmlformats.org/officeDocument/2006/relationships" xmlns:p="http://schemas.openxmlformats.org/presentationml/2006/main">
+  <p:cSld>
+    <p:spTree>
+      <p:nvGrpSpPr>
+        <p:cNvPr id="1" name=""/>
+        <p:cNvGrpSpPr/>
+        <p:nvPr/>
+      </p:nvGrpSpPr>
+      <p:grpSpPr>
+        <a:xfrm>
+          <a:off x="0" y="0"/>
+          <a:ext cx="0" cy="0"/>
+          <a:chOff x="0" y="0"/>
+          <a:chExt cx="0" cy="0"/>
+        </a:xfrm>
+      </p:grpSpPr>
+      <p:pic>
+        <p:nvPicPr>
+          <p:cNvPr id="10" name="Picture 9"/>
+          <p:cNvPicPr>
+            <a:picLocks noChangeAspect="1"/>
+          </p:cNvPicPr>
+          <p:nvPr/>
+        </p:nvPicPr>
+        <p:blipFill>
+          <a:blip r:embed="rId2">
+            <a:extLst>
+              <a:ext uri="{28A0092B-C50C-407E-A947-70E740481C1C}">
+                <a14:useLocalDpi xmlns:a14="http://schemas.microsoft.com/office/drawing/2010/main" val="0"/>
+              </a:ext>
+            </a:extLst>
+          </a:blip>
+          <a:stretch>
+            <a:fillRect/>
+          </a:stretch>
+        </p:blipFill>
+        <p:spPr>
+          <a:xfrm>
+            <a:off x="7120331" y="4350058"/>
+            <a:ext cx="1527651" cy="1086008"/>
+          </a:xfrm>
+          <a:prstGeom prst="rect">
+            <a:avLst/>
+          </a:prstGeom>
+        </p:spPr>
+      </p:pic>
+      <p:pic>
+        <p:nvPicPr>
+          <p:cNvPr id="4" name="Picture 3"/>
+          <p:cNvPicPr>
+            <a:picLocks noChangeAspect="1"/>
+          </p:cNvPicPr>
+          <p:nvPr/>
+        </p:nvPicPr>
+        <p:blipFill>
+          <a:blip r:embed="rId3">
+            <a:extLst>
+              <a:ext uri="{28A0092B-C50C-407E-A947-70E740481C1C}">
+                <a14:useLocalDpi xmlns:a14="http://schemas.microsoft.com/office/drawing/2010/main" val="0"/>
+              </a:ext>
+            </a:extLst>
+          </a:blip>
+          <a:stretch>
+            <a:fillRect/>
+          </a:stretch>
+        </p:blipFill>
+        <p:spPr>
+          <a:xfrm>
+            <a:off x="7014728" y="5298819"/>
+            <a:ext cx="695422" cy="1143160"/>
+          </a:xfrm>
+          <a:prstGeom prst="rect">
+            <a:avLst/>
+          </a:prstGeom>
+        </p:spPr>
+      </p:pic>
+      <p:pic>
+        <p:nvPicPr>
+          <p:cNvPr id="5" name="Picture 4"/>
+          <p:cNvPicPr>
+            <a:picLocks noChangeAspect="1"/>
+          </p:cNvPicPr>
+          <p:nvPr/>
+        </p:nvPicPr>
+        <p:blipFill>
+          <a:blip r:embed="rId4">
+            <a:extLst>
+              <a:ext uri="{28A0092B-C50C-407E-A947-70E740481C1C}">
+                <a14:useLocalDpi xmlns:a14="http://schemas.microsoft.com/office/drawing/2010/main" val="0"/>
+              </a:ext>
+            </a:extLst>
+          </a:blip>
+          <a:stretch>
+            <a:fillRect/>
+          </a:stretch>
+        </p:blipFill>
+        <p:spPr>
+          <a:xfrm>
+            <a:off x="6589403" y="4718458"/>
+            <a:ext cx="514422" cy="952633"/>
+          </a:xfrm>
+          <a:prstGeom prst="rect">
+            <a:avLst/>
+          </a:prstGeom>
+        </p:spPr>
+      </p:pic>
+      <p:pic>
+        <p:nvPicPr>
+          <p:cNvPr id="6" name="Picture 5"/>
+          <p:cNvPicPr>
+            <a:picLocks noChangeAspect="1"/>
+          </p:cNvPicPr>
+          <p:nvPr/>
+        </p:nvPicPr>
+        <p:blipFill>
+          <a:blip r:embed="rId5">
+            <a:extLst>
+              <a:ext uri="{28A0092B-C50C-407E-A947-70E740481C1C}">
+                <a14:useLocalDpi xmlns:a14="http://schemas.microsoft.com/office/drawing/2010/main" val="0"/>
+              </a:ext>
+            </a:extLst>
+          </a:blip>
+          <a:stretch>
+            <a:fillRect/>
+          </a:stretch>
+        </p:blipFill>
+        <p:spPr>
+          <a:xfrm>
+            <a:off x="5681236" y="5308845"/>
+            <a:ext cx="535282" cy="938576"/>
+          </a:xfrm>
+          <a:prstGeom prst="rect">
+            <a:avLst/>
+          </a:prstGeom>
+        </p:spPr>
+      </p:pic>
+      <p:pic>
+        <p:nvPicPr>
+          <p:cNvPr id="7" name="Picture 6"/>
+          <p:cNvPicPr>
+            <a:picLocks noChangeAspect="1"/>
+          </p:cNvPicPr>
+          <p:nvPr/>
+        </p:nvPicPr>
+        <p:blipFill>
+          <a:blip r:embed="rId6" cstate="print">
+            <a:extLst>
+              <a:ext uri="{28A0092B-C50C-407E-A947-70E740481C1C}">
+                <a14:useLocalDpi xmlns:a14="http://schemas.microsoft.com/office/drawing/2010/main" val="0"/>
+              </a:ext>
+            </a:extLst>
+          </a:blip>
+          <a:stretch>
+            <a:fillRect/>
+          </a:stretch>
+        </p:blipFill>
+        <p:spPr>
+          <a:xfrm>
+            <a:off x="6205490" y="5836460"/>
+            <a:ext cx="466953" cy="687847"/>
+          </a:xfrm>
+          <a:prstGeom prst="rect">
+            <a:avLst/>
+          </a:prstGeom>
+        </p:spPr>
+      </p:pic>
+      <p:pic>
+        <p:nvPicPr>
+          <p:cNvPr id="8" name="Picture 7"/>
+          <p:cNvPicPr>
+            <a:picLocks noChangeAspect="1"/>
+          </p:cNvPicPr>
+          <p:nvPr/>
+        </p:nvPicPr>
+        <p:blipFill>
+          <a:blip r:embed="rId7">
+            <a:extLst>
+              <a:ext uri="{28A0092B-C50C-407E-A947-70E740481C1C}">
+                <a14:useLocalDpi xmlns:a14="http://schemas.microsoft.com/office/drawing/2010/main" val="0"/>
+              </a:ext>
+            </a:extLst>
+          </a:blip>
+          <a:stretch>
+            <a:fillRect/>
+          </a:stretch>
+        </p:blipFill>
+        <p:spPr>
+          <a:xfrm>
+            <a:off x="7774341" y="5495277"/>
+            <a:ext cx="1019493" cy="918979"/>
+          </a:xfrm>
+          <a:prstGeom prst="rect">
+            <a:avLst/>
+          </a:prstGeom>
+        </p:spPr>
+      </p:pic>
+      <p:pic>
+        <p:nvPicPr>
+          <p:cNvPr id="9" name="Picture 8"/>
+          <p:cNvPicPr>
+            <a:picLocks noChangeAspect="1"/>
+          </p:cNvPicPr>
+          <p:nvPr/>
+        </p:nvPicPr>
+        <p:blipFill>
+          <a:blip r:embed="rId8">
+            <a:extLst>
+              <a:ext uri="{28A0092B-C50C-407E-A947-70E740481C1C}">
+                <a14:useLocalDpi xmlns:a14="http://schemas.microsoft.com/office/drawing/2010/main" val="0"/>
+              </a:ext>
+            </a:extLst>
+          </a:blip>
+          <a:stretch>
+            <a:fillRect/>
+          </a:stretch>
+        </p:blipFill>
+        <p:spPr>
+          <a:xfrm>
+            <a:off x="5326602" y="4376697"/>
+            <a:ext cx="1160678" cy="827770"/>
+          </a:xfrm>
+          <a:prstGeom prst="rect">
+            <a:avLst/>
+          </a:prstGeom>
+        </p:spPr>
+      </p:pic>
+    </p:spTree>
+    <p:extLst>
+      <p:ext uri="{BB962C8B-B14F-4D97-AF65-F5344CB8AC3E}">
+        <p14:creationId xmlns:p14="http://schemas.microsoft.com/office/powerpoint/2010/main" val="1764014461"/>
+      </p:ext>
+    </p:extLst>
+  </p:cSld>
+  <p:clrMapOvr>
+    <a:masterClrMapping/>
+  </p:clrMapOvr>
 </p:sld>
 </file>
 

--- a/_sources/GettingStarted.pptx
+++ b/_sources/GettingStarted.pptx
@@ -16,30 +16,31 @@
     <p:sldId id="259" r:id="rId10"/>
     <p:sldId id="287" r:id="rId11"/>
     <p:sldId id="289" r:id="rId12"/>
-    <p:sldId id="260" r:id="rId13"/>
-    <p:sldId id="261" r:id="rId14"/>
-    <p:sldId id="269" r:id="rId15"/>
-    <p:sldId id="262" r:id="rId16"/>
-    <p:sldId id="288" r:id="rId17"/>
-    <p:sldId id="263" r:id="rId18"/>
-    <p:sldId id="264" r:id="rId19"/>
-    <p:sldId id="282" r:id="rId20"/>
-    <p:sldId id="273" r:id="rId21"/>
-    <p:sldId id="265" r:id="rId22"/>
-    <p:sldId id="266" r:id="rId23"/>
-    <p:sldId id="267" r:id="rId24"/>
-    <p:sldId id="268" r:id="rId25"/>
-    <p:sldId id="270" r:id="rId26"/>
-    <p:sldId id="272" r:id="rId27"/>
-    <p:sldId id="271" r:id="rId28"/>
-    <p:sldId id="274" r:id="rId29"/>
-    <p:sldId id="276" r:id="rId30"/>
-    <p:sldId id="277" r:id="rId31"/>
-    <p:sldId id="278" r:id="rId32"/>
-    <p:sldId id="279" r:id="rId33"/>
-    <p:sldId id="280" r:id="rId34"/>
-    <p:sldId id="281" r:id="rId35"/>
-    <p:sldId id="290" r:id="rId36"/>
+    <p:sldId id="291" r:id="rId13"/>
+    <p:sldId id="260" r:id="rId14"/>
+    <p:sldId id="261" r:id="rId15"/>
+    <p:sldId id="269" r:id="rId16"/>
+    <p:sldId id="262" r:id="rId17"/>
+    <p:sldId id="288" r:id="rId18"/>
+    <p:sldId id="263" r:id="rId19"/>
+    <p:sldId id="264" r:id="rId20"/>
+    <p:sldId id="282" r:id="rId21"/>
+    <p:sldId id="273" r:id="rId22"/>
+    <p:sldId id="265" r:id="rId23"/>
+    <p:sldId id="266" r:id="rId24"/>
+    <p:sldId id="267" r:id="rId25"/>
+    <p:sldId id="268" r:id="rId26"/>
+    <p:sldId id="270" r:id="rId27"/>
+    <p:sldId id="272" r:id="rId28"/>
+    <p:sldId id="271" r:id="rId29"/>
+    <p:sldId id="274" r:id="rId30"/>
+    <p:sldId id="276" r:id="rId31"/>
+    <p:sldId id="277" r:id="rId32"/>
+    <p:sldId id="278" r:id="rId33"/>
+    <p:sldId id="279" r:id="rId34"/>
+    <p:sldId id="280" r:id="rId35"/>
+    <p:sldId id="281" r:id="rId36"/>
+    <p:sldId id="290" r:id="rId37"/>
   </p:sldIdLst>
   <p:sldSz cx="19199225" cy="10799763"/>
   <p:notesSz cx="6858000" cy="9144000"/>
@@ -3094,7 +3095,7 @@
           <a:p>
             <a:fld id="{9AA7D095-A676-4F6B-9416-D65D798F5244}" type="datetimeFigureOut">
               <a:rPr lang="de-DE" smtClean="0"/>
-              <a:t>17.11.2015</a:t>
+              <a:t>tt.12.jjjj</a:t>
             </a:fld>
             <a:endParaRPr lang="de-DE"/>
           </a:p>
@@ -3264,7 +3265,7 @@
           <a:p>
             <a:fld id="{9AA7D095-A676-4F6B-9416-D65D798F5244}" type="datetimeFigureOut">
               <a:rPr lang="de-DE" smtClean="0"/>
-              <a:t>17.11.2015</a:t>
+              <a:t>tt.12.jjjj</a:t>
             </a:fld>
             <a:endParaRPr lang="de-DE"/>
           </a:p>
@@ -3444,7 +3445,7 @@
           <a:p>
             <a:fld id="{9AA7D095-A676-4F6B-9416-D65D798F5244}" type="datetimeFigureOut">
               <a:rPr lang="de-DE" smtClean="0"/>
-              <a:t>17.11.2015</a:t>
+              <a:t>tt.12.jjjj</a:t>
             </a:fld>
             <a:endParaRPr lang="de-DE"/>
           </a:p>
@@ -3614,7 +3615,7 @@
           <a:p>
             <a:fld id="{9AA7D095-A676-4F6B-9416-D65D798F5244}" type="datetimeFigureOut">
               <a:rPr lang="de-DE" smtClean="0"/>
-              <a:t>17.11.2015</a:t>
+              <a:t>tt.12.jjjj</a:t>
             </a:fld>
             <a:endParaRPr lang="de-DE"/>
           </a:p>
@@ -3860,7 +3861,7 @@
           <a:p>
             <a:fld id="{9AA7D095-A676-4F6B-9416-D65D798F5244}" type="datetimeFigureOut">
               <a:rPr lang="de-DE" smtClean="0"/>
-              <a:t>17.11.2015</a:t>
+              <a:t>tt.12.jjjj</a:t>
             </a:fld>
             <a:endParaRPr lang="de-DE"/>
           </a:p>
@@ -4092,7 +4093,7 @@
           <a:p>
             <a:fld id="{9AA7D095-A676-4F6B-9416-D65D798F5244}" type="datetimeFigureOut">
               <a:rPr lang="de-DE" smtClean="0"/>
-              <a:t>17.11.2015</a:t>
+              <a:t>tt.12.jjjj</a:t>
             </a:fld>
             <a:endParaRPr lang="de-DE"/>
           </a:p>
@@ -4459,7 +4460,7 @@
           <a:p>
             <a:fld id="{9AA7D095-A676-4F6B-9416-D65D798F5244}" type="datetimeFigureOut">
               <a:rPr lang="de-DE" smtClean="0"/>
-              <a:t>17.11.2015</a:t>
+              <a:t>tt.12.jjjj</a:t>
             </a:fld>
             <a:endParaRPr lang="de-DE"/>
           </a:p>
@@ -4577,7 +4578,7 @@
           <a:p>
             <a:fld id="{9AA7D095-A676-4F6B-9416-D65D798F5244}" type="datetimeFigureOut">
               <a:rPr lang="de-DE" smtClean="0"/>
-              <a:t>17.11.2015</a:t>
+              <a:t>tt.12.jjjj</a:t>
             </a:fld>
             <a:endParaRPr lang="de-DE"/>
           </a:p>
@@ -4672,7 +4673,7 @@
           <a:p>
             <a:fld id="{9AA7D095-A676-4F6B-9416-D65D798F5244}" type="datetimeFigureOut">
               <a:rPr lang="de-DE" smtClean="0"/>
-              <a:t>17.11.2015</a:t>
+              <a:t>tt.12.jjjj</a:t>
             </a:fld>
             <a:endParaRPr lang="de-DE"/>
           </a:p>
@@ -4949,7 +4950,7 @@
           <a:p>
             <a:fld id="{9AA7D095-A676-4F6B-9416-D65D798F5244}" type="datetimeFigureOut">
               <a:rPr lang="de-DE" smtClean="0"/>
-              <a:t>17.11.2015</a:t>
+              <a:t>tt.12.jjjj</a:t>
             </a:fld>
             <a:endParaRPr lang="de-DE"/>
           </a:p>
@@ -5206,7 +5207,7 @@
           <a:p>
             <a:fld id="{9AA7D095-A676-4F6B-9416-D65D798F5244}" type="datetimeFigureOut">
               <a:rPr lang="de-DE" smtClean="0"/>
-              <a:t>17.11.2015</a:t>
+              <a:t>tt.12.jjjj</a:t>
             </a:fld>
             <a:endParaRPr lang="de-DE"/>
           </a:p>
@@ -5419,7 +5420,7 @@
           <a:p>
             <a:fld id="{9AA7D095-A676-4F6B-9416-D65D798F5244}" type="datetimeFigureOut">
               <a:rPr lang="de-DE" smtClean="0"/>
-              <a:t>17.11.2015</a:t>
+              <a:t>tt.12.jjjj</a:t>
             </a:fld>
             <a:endParaRPr lang="de-DE"/>
           </a:p>
@@ -6013,13 +6014,6 @@
   <p:clrMapOvr>
     <a:masterClrMapping/>
   </p:clrMapOvr>
-  <p:timing>
-    <p:tnLst>
-      <p:par>
-        <p:cTn id="1" dur="indefinite" restart="never" nodeType="tmRoot"/>
-      </p:par>
-    </p:tnLst>
-  </p:timing>
 </p:sld>
 </file>
 
@@ -6986,13 +6980,6 @@
   <p:clrMapOvr>
     <a:masterClrMapping/>
   </p:clrMapOvr>
-  <p:timing>
-    <p:tnLst>
-      <p:par>
-        <p:cTn id="1" dur="indefinite" restart="never" nodeType="tmRoot"/>
-      </p:par>
-    </p:tnLst>
-  </p:timing>
 </p:sld>
 </file>
 
@@ -7740,17 +7727,703 @@
   <p:clrMapOvr>
     <a:masterClrMapping/>
   </p:clrMapOvr>
-  <p:timing>
-    <p:tnLst>
-      <p:par>
-        <p:cTn id="1" dur="indefinite" restart="never" nodeType="tmRoot"/>
-      </p:par>
-    </p:tnLst>
-  </p:timing>
 </p:sld>
 </file>
 
 <file path=ppt/slides/slide12.xml><?xml version="1.0" encoding="utf-8"?>
+<p:sld xmlns:a="http://schemas.openxmlformats.org/drawingml/2006/main" xmlns:r="http://schemas.openxmlformats.org/officeDocument/2006/relationships" xmlns:p="http://schemas.openxmlformats.org/presentationml/2006/main">
+  <p:cSld>
+    <p:spTree>
+      <p:nvGrpSpPr>
+        <p:cNvPr id="1" name=""/>
+        <p:cNvGrpSpPr/>
+        <p:nvPr/>
+      </p:nvGrpSpPr>
+      <p:grpSpPr>
+        <a:xfrm>
+          <a:off x="0" y="0"/>
+          <a:ext cx="0" cy="0"/>
+          <a:chOff x="0" y="0"/>
+          <a:chExt cx="0" cy="0"/>
+        </a:xfrm>
+      </p:grpSpPr>
+      <p:sp>
+        <p:nvSpPr>
+          <p:cNvPr id="14" name="Rounded Rectangle 13"/>
+          <p:cNvSpPr/>
+          <p:nvPr/>
+        </p:nvSpPr>
+        <p:spPr>
+          <a:xfrm>
+            <a:off x="945086" y="4830096"/>
+            <a:ext cx="3105150" cy="1334729"/>
+          </a:xfrm>
+          <a:prstGeom prst="roundRect">
+            <a:avLst/>
+          </a:prstGeom>
+          <a:solidFill>
+            <a:schemeClr val="accent6">
+              <a:lumMod val="75000"/>
+            </a:schemeClr>
+          </a:solidFill>
+          <a:ln w="114300">
+            <a:solidFill>
+              <a:schemeClr val="accent6">
+                <a:lumMod val="50000"/>
+              </a:schemeClr>
+            </a:solidFill>
+          </a:ln>
+        </p:spPr>
+        <p:style>
+          <a:lnRef idx="2">
+            <a:schemeClr val="accent1">
+              <a:shade val="50000"/>
+            </a:schemeClr>
+          </a:lnRef>
+          <a:fillRef idx="1">
+            <a:schemeClr val="accent1"/>
+          </a:fillRef>
+          <a:effectRef idx="0">
+            <a:schemeClr val="accent1"/>
+          </a:effectRef>
+          <a:fontRef idx="minor">
+            <a:schemeClr val="lt1"/>
+          </a:fontRef>
+        </p:style>
+        <p:txBody>
+          <a:bodyPr rtlCol="0" anchor="ctr"/>
+          <a:lstStyle/>
+          <a:p>
+            <a:pPr algn="ctr"/>
+            <a:endParaRPr lang="de-DE"/>
+          </a:p>
+        </p:txBody>
+      </p:sp>
+      <p:sp>
+        <p:nvSpPr>
+          <p:cNvPr id="13" name="TextBox 12"/>
+          <p:cNvSpPr txBox="1"/>
+          <p:nvPr/>
+        </p:nvSpPr>
+        <p:spPr>
+          <a:xfrm>
+            <a:off x="1953087" y="4996299"/>
+            <a:ext cx="2004732" cy="965028"/>
+          </a:xfrm>
+          <a:prstGeom prst="rect">
+            <a:avLst/>
+          </a:prstGeom>
+          <a:noFill/>
+        </p:spPr>
+        <p:txBody>
+          <a:bodyPr wrap="square" rtlCol="0">
+            <a:spAutoFit/>
+          </a:bodyPr>
+          <a:lstStyle/>
+          <a:p>
+            <a:pPr algn="ctr"/>
+            <a:r>
+              <a:rPr lang="en-US" sz="3600" b="1" dirty="0" smtClean="0">
+                <a:solidFill>
+                  <a:schemeClr val="bg1"/>
+                </a:solidFill>
+              </a:rPr>
+              <a:t>Grails 3.x</a:t>
+            </a:r>
+            <a:endParaRPr lang="en-US" sz="3600" b="1" dirty="0" smtClean="0">
+              <a:solidFill>
+                <a:schemeClr val="bg1"/>
+              </a:solidFill>
+            </a:endParaRPr>
+          </a:p>
+          <a:p>
+            <a:pPr algn="ctr"/>
+            <a:r>
+              <a:rPr lang="en-US" sz="2300" b="1" dirty="0" smtClean="0">
+                <a:solidFill>
+                  <a:schemeClr val="bg1"/>
+                </a:solidFill>
+              </a:rPr>
+              <a:t>Executable Jar</a:t>
+            </a:r>
+            <a:endParaRPr lang="de-DE" sz="2300" b="1" dirty="0">
+              <a:solidFill>
+                <a:schemeClr val="bg1"/>
+              </a:solidFill>
+            </a:endParaRPr>
+          </a:p>
+        </p:txBody>
+      </p:sp>
+      <p:grpSp>
+        <p:nvGrpSpPr>
+          <p:cNvPr id="26" name="Group 25"/>
+          <p:cNvGrpSpPr/>
+          <p:nvPr/>
+        </p:nvGrpSpPr>
+        <p:grpSpPr>
+          <a:xfrm>
+            <a:off x="1010443" y="277431"/>
+            <a:ext cx="2919389" cy="3154710"/>
+            <a:chOff x="3494042" y="1571064"/>
+            <a:chExt cx="3374740" cy="3621493"/>
+          </a:xfrm>
+        </p:grpSpPr>
+        <p:sp>
+          <p:nvSpPr>
+            <p:cNvPr id="27" name="Rectangle 26"/>
+            <p:cNvSpPr/>
+            <p:nvPr/>
+          </p:nvSpPr>
+          <p:spPr>
+            <a:xfrm>
+              <a:off x="3494042" y="1571064"/>
+              <a:ext cx="3374740" cy="3621493"/>
+            </a:xfrm>
+            <a:prstGeom prst="rect">
+              <a:avLst/>
+            </a:prstGeom>
+            <a:ln>
+              <a:noFill/>
+            </a:ln>
+          </p:spPr>
+          <p:txBody>
+            <a:bodyPr wrap="none">
+              <a:spAutoFit/>
+            </a:bodyPr>
+            <a:lstStyle/>
+            <a:p>
+              <a:r>
+                <a:rPr lang="de-DE" sz="19900" dirty="0">
+                  <a:solidFill>
+                    <a:schemeClr val="tx2">
+                      <a:lumMod val="60000"/>
+                      <a:lumOff val="40000"/>
+                    </a:schemeClr>
+                  </a:solidFill>
+                  <a:latin typeface="FontAwesome" pitchFamily="2" charset="0"/>
+                </a:rPr>
+                <a:t></a:t>
+              </a:r>
+              <a:endParaRPr lang="de-DE" sz="19900" dirty="0">
+                <a:solidFill>
+                  <a:schemeClr val="tx2">
+                    <a:lumMod val="60000"/>
+                    <a:lumOff val="40000"/>
+                  </a:schemeClr>
+                </a:solidFill>
+              </a:endParaRPr>
+            </a:p>
+          </p:txBody>
+        </p:sp>
+        <p:sp>
+          <p:nvSpPr>
+            <p:cNvPr id="31" name="Rectangle 30"/>
+            <p:cNvSpPr/>
+            <p:nvPr/>
+          </p:nvSpPr>
+          <p:spPr>
+            <a:xfrm>
+              <a:off x="4357665" y="2099135"/>
+              <a:ext cx="1653275" cy="2773533"/>
+            </a:xfrm>
+            <a:prstGeom prst="rect">
+              <a:avLst/>
+            </a:prstGeom>
+          </p:spPr>
+          <p:txBody>
+            <a:bodyPr wrap="none">
+              <a:spAutoFit/>
+            </a:bodyPr>
+            <a:lstStyle/>
+            <a:p>
+              <a:r>
+                <a:rPr lang="de-DE" sz="15100" dirty="0">
+                  <a:solidFill>
+                    <a:schemeClr val="tx2"/>
+                  </a:solidFill>
+                  <a:latin typeface="FontAwesome" pitchFamily="2" charset="0"/>
+                </a:rPr>
+                <a:t></a:t>
+              </a:r>
+              <a:endParaRPr lang="de-DE" sz="15100" dirty="0">
+                <a:solidFill>
+                  <a:schemeClr val="tx2"/>
+                </a:solidFill>
+              </a:endParaRPr>
+            </a:p>
+          </p:txBody>
+        </p:sp>
+        <p:sp>
+          <p:nvSpPr>
+            <p:cNvPr id="32" name="TextBox 31"/>
+            <p:cNvSpPr txBox="1"/>
+            <p:nvPr/>
+          </p:nvSpPr>
+          <p:spPr>
+            <a:xfrm>
+              <a:off x="3704493" y="2550082"/>
+              <a:ext cx="2953724" cy="1801913"/>
+            </a:xfrm>
+            <a:prstGeom prst="rect">
+              <a:avLst/>
+            </a:prstGeom>
+            <a:noFill/>
+          </p:spPr>
+          <p:txBody>
+            <a:bodyPr wrap="square" rtlCol="0">
+              <a:spAutoFit/>
+            </a:bodyPr>
+            <a:lstStyle/>
+            <a:p>
+              <a:pPr algn="ctr"/>
+              <a:r>
+                <a:rPr lang="en-US" sz="3200" b="1" dirty="0">
+                  <a:solidFill>
+                    <a:schemeClr val="bg1"/>
+                  </a:solidFill>
+                </a:rPr>
+                <a:t>Boxfuse Component Inventory</a:t>
+              </a:r>
+              <a:endParaRPr lang="de-DE" sz="3200" b="1" dirty="0">
+                <a:solidFill>
+                  <a:schemeClr val="bg1"/>
+                </a:solidFill>
+              </a:endParaRPr>
+            </a:p>
+          </p:txBody>
+        </p:sp>
+      </p:grpSp>
+      <p:sp>
+        <p:nvSpPr>
+          <p:cNvPr id="34" name="TextBox 33"/>
+          <p:cNvSpPr txBox="1"/>
+          <p:nvPr/>
+        </p:nvSpPr>
+        <p:spPr>
+          <a:xfrm>
+            <a:off x="9139221" y="2042390"/>
+            <a:ext cx="8189990" cy="3170099"/>
+          </a:xfrm>
+          <a:prstGeom prst="rect">
+            <a:avLst/>
+          </a:prstGeom>
+          <a:noFill/>
+        </p:spPr>
+        <p:txBody>
+          <a:bodyPr wrap="square" rtlCol="0">
+            <a:spAutoFit/>
+          </a:bodyPr>
+          <a:lstStyle/>
+          <a:p>
+            <a:r>
+              <a:rPr lang="en-US" sz="4000" b="1" dirty="0">
+                <a:solidFill>
+                  <a:schemeClr val="bg2">
+                    <a:lumMod val="25000"/>
+                  </a:schemeClr>
+                </a:solidFill>
+              </a:rPr>
+              <a:t>Boxfuse </a:t>
+            </a:r>
+            <a:r>
+              <a:rPr lang="en-US" sz="4000" b="1" dirty="0" smtClean="0">
+                <a:solidFill>
+                  <a:schemeClr val="bg2">
+                    <a:lumMod val="25000"/>
+                  </a:schemeClr>
+                </a:solidFill>
+              </a:rPr>
+              <a:t>Minimal Image</a:t>
+            </a:r>
+            <a:endParaRPr lang="en-US" sz="4000" b="1" dirty="0">
+              <a:solidFill>
+                <a:schemeClr val="bg2">
+                  <a:lumMod val="25000"/>
+                </a:schemeClr>
+              </a:solidFill>
+            </a:endParaRPr>
+          </a:p>
+          <a:p>
+            <a:pPr marL="571500" indent="-571500">
+              <a:buFont typeface="Wingdings" panose="05000000000000000000" pitchFamily="2" charset="2"/>
+              <a:buChar char="ü"/>
+            </a:pPr>
+            <a:r>
+              <a:rPr lang="en-US" sz="3200" b="1" dirty="0" smtClean="0">
+                <a:solidFill>
+                  <a:schemeClr val="bg1">
+                    <a:lumMod val="50000"/>
+                  </a:schemeClr>
+                </a:solidFill>
+              </a:rPr>
+              <a:t>minimal </a:t>
+            </a:r>
+            <a:r>
+              <a:rPr lang="en-US" sz="3200" b="1" dirty="0">
+                <a:solidFill>
+                  <a:schemeClr val="bg1">
+                    <a:lumMod val="50000"/>
+                  </a:schemeClr>
+                </a:solidFill>
+              </a:rPr>
+              <a:t>Linux-based </a:t>
+            </a:r>
+            <a:r>
+              <a:rPr lang="en-US" sz="3200" b="1" dirty="0" smtClean="0">
+                <a:solidFill>
+                  <a:schemeClr val="bg1">
+                    <a:lumMod val="50000"/>
+                  </a:schemeClr>
+                </a:solidFill>
+              </a:rPr>
+              <a:t>Image (100x </a:t>
+            </a:r>
+            <a:r>
+              <a:rPr lang="en-US" sz="3200" b="1" dirty="0">
+                <a:solidFill>
+                  <a:schemeClr val="bg1">
+                    <a:lumMod val="50000"/>
+                  </a:schemeClr>
+                </a:solidFill>
+              </a:rPr>
+              <a:t>smaller</a:t>
+            </a:r>
+            <a:r>
+              <a:rPr lang="en-US" sz="3200" b="1" dirty="0" smtClean="0">
+                <a:solidFill>
+                  <a:schemeClr val="bg1">
+                    <a:lumMod val="50000"/>
+                  </a:schemeClr>
+                </a:solidFill>
+              </a:rPr>
+              <a:t>)</a:t>
+            </a:r>
+          </a:p>
+          <a:p>
+            <a:pPr marL="571500" indent="-571500">
+              <a:buFont typeface="Wingdings" panose="05000000000000000000" pitchFamily="2" charset="2"/>
+              <a:buChar char="ü"/>
+            </a:pPr>
+            <a:r>
+              <a:rPr lang="en-US" sz="3200" b="1" dirty="0" smtClean="0">
+                <a:solidFill>
+                  <a:schemeClr val="bg1">
+                    <a:lumMod val="50000"/>
+                  </a:schemeClr>
+                </a:solidFill>
+              </a:rPr>
+              <a:t>generated on-the-fly (&lt;10 secs provisioning)</a:t>
+            </a:r>
+          </a:p>
+          <a:p>
+            <a:pPr marL="571500" indent="-571500">
+              <a:buFont typeface="Wingdings" panose="05000000000000000000" pitchFamily="2" charset="2"/>
+              <a:buChar char="ü"/>
+            </a:pPr>
+            <a:r>
+              <a:rPr lang="en-US" sz="3200" b="1" dirty="0">
+                <a:solidFill>
+                  <a:schemeClr val="bg1">
+                    <a:lumMod val="50000"/>
+                  </a:schemeClr>
+                </a:solidFill>
+              </a:rPr>
+              <a:t>contains </a:t>
+            </a:r>
+            <a:r>
+              <a:rPr lang="en-US" sz="3200" b="1" dirty="0" smtClean="0">
+                <a:solidFill>
+                  <a:schemeClr val="bg1">
+                    <a:lumMod val="50000"/>
+                  </a:schemeClr>
+                </a:solidFill>
+              </a:rPr>
+              <a:t>only App</a:t>
+            </a:r>
+            <a:r>
+              <a:rPr lang="en-US" sz="3200" b="1" dirty="0">
+                <a:solidFill>
+                  <a:schemeClr val="bg1">
+                    <a:lumMod val="50000"/>
+                  </a:schemeClr>
+                </a:solidFill>
+              </a:rPr>
+              <a:t>, JVM &amp; Linux kernel</a:t>
+            </a:r>
+          </a:p>
+          <a:p>
+            <a:pPr marL="571500" indent="-571500">
+              <a:buFont typeface="Wingdings" panose="05000000000000000000" pitchFamily="2" charset="2"/>
+              <a:buChar char="ü"/>
+            </a:pPr>
+            <a:r>
+              <a:rPr lang="en-US" sz="3200" b="1" dirty="0" smtClean="0">
+                <a:solidFill>
+                  <a:schemeClr val="bg1">
+                    <a:lumMod val="50000"/>
+                  </a:schemeClr>
+                </a:solidFill>
+              </a:rPr>
+              <a:t>secure (smallest attack surface)</a:t>
+            </a:r>
+          </a:p>
+          <a:p>
+            <a:pPr marL="571500" indent="-571500">
+              <a:buFont typeface="Wingdings" panose="05000000000000000000" pitchFamily="2" charset="2"/>
+              <a:buChar char="ü"/>
+            </a:pPr>
+            <a:r>
+              <a:rPr lang="en-US" sz="3200" b="1" dirty="0" smtClean="0">
+                <a:solidFill>
+                  <a:schemeClr val="bg1">
+                    <a:lumMod val="50000"/>
+                  </a:schemeClr>
+                </a:solidFill>
+              </a:rPr>
+              <a:t>boots directly on </a:t>
+            </a:r>
+            <a:r>
+              <a:rPr lang="en-US" sz="3200" b="1" dirty="0" err="1" smtClean="0">
+                <a:solidFill>
+                  <a:schemeClr val="bg1">
+                    <a:lumMod val="50000"/>
+                  </a:schemeClr>
+                </a:solidFill>
+              </a:rPr>
+              <a:t>VirtualBox</a:t>
+            </a:r>
+            <a:r>
+              <a:rPr lang="en-US" sz="3200" b="1" dirty="0" smtClean="0">
+                <a:solidFill>
+                  <a:schemeClr val="bg1">
+                    <a:lumMod val="50000"/>
+                  </a:schemeClr>
+                </a:solidFill>
+              </a:rPr>
+              <a:t> &amp; AWS</a:t>
+            </a:r>
+          </a:p>
+        </p:txBody>
+      </p:sp>
+      <p:cxnSp>
+        <p:nvCxnSpPr>
+          <p:cNvPr id="35" name="Straight Arrow Connector 34"/>
+          <p:cNvCxnSpPr/>
+          <p:nvPr/>
+        </p:nvCxnSpPr>
+        <p:spPr>
+          <a:xfrm flipV="1">
+            <a:off x="4361393" y="4003829"/>
+            <a:ext cx="2900540" cy="1630353"/>
+          </a:xfrm>
+          <a:prstGeom prst="straightConnector1">
+            <a:avLst/>
+          </a:prstGeom>
+          <a:ln w="254000">
+            <a:solidFill>
+              <a:schemeClr val="tx1">
+                <a:lumMod val="50000"/>
+                <a:lumOff val="50000"/>
+              </a:schemeClr>
+            </a:solidFill>
+            <a:tailEnd type="triangle"/>
+          </a:ln>
+        </p:spPr>
+        <p:style>
+          <a:lnRef idx="1">
+            <a:schemeClr val="accent1"/>
+          </a:lnRef>
+          <a:fillRef idx="0">
+            <a:schemeClr val="accent1"/>
+          </a:fillRef>
+          <a:effectRef idx="0">
+            <a:schemeClr val="accent1"/>
+          </a:effectRef>
+          <a:fontRef idx="minor">
+            <a:schemeClr val="tx1"/>
+          </a:fontRef>
+        </p:style>
+      </p:cxnSp>
+      <p:grpSp>
+        <p:nvGrpSpPr>
+          <p:cNvPr id="7" name="Group 6"/>
+          <p:cNvGrpSpPr/>
+          <p:nvPr/>
+        </p:nvGrpSpPr>
+        <p:grpSpPr>
+          <a:xfrm>
+            <a:off x="7425964" y="3122197"/>
+            <a:ext cx="1309662" cy="1309662"/>
+            <a:chOff x="8287098" y="3699247"/>
+            <a:chExt cx="1309662" cy="1309662"/>
+          </a:xfrm>
+        </p:grpSpPr>
+        <p:sp>
+          <p:nvSpPr>
+            <p:cNvPr id="33" name="Rounded Rectangle 25"/>
+            <p:cNvSpPr/>
+            <p:nvPr/>
+          </p:nvSpPr>
+          <p:spPr>
+            <a:xfrm>
+              <a:off x="8287098" y="3699247"/>
+              <a:ext cx="1309662" cy="1309662"/>
+            </a:xfrm>
+            <a:prstGeom prst="ellipse">
+              <a:avLst/>
+            </a:prstGeom>
+            <a:solidFill>
+              <a:schemeClr val="accent1">
+                <a:lumMod val="75000"/>
+              </a:schemeClr>
+            </a:solidFill>
+            <a:ln w="114300">
+              <a:solidFill>
+                <a:schemeClr val="accent1">
+                  <a:lumMod val="50000"/>
+                </a:schemeClr>
+              </a:solidFill>
+            </a:ln>
+          </p:spPr>
+          <p:style>
+            <a:lnRef idx="2">
+              <a:schemeClr val="accent1">
+                <a:shade val="50000"/>
+              </a:schemeClr>
+            </a:lnRef>
+            <a:fillRef idx="1">
+              <a:schemeClr val="accent1"/>
+            </a:fillRef>
+            <a:effectRef idx="0">
+              <a:schemeClr val="accent1"/>
+            </a:effectRef>
+            <a:fontRef idx="minor">
+              <a:schemeClr val="lt1"/>
+            </a:fontRef>
+          </p:style>
+          <p:txBody>
+            <a:bodyPr rtlCol="0" anchor="ctr"/>
+            <a:lstStyle/>
+            <a:p>
+              <a:pPr algn="ctr"/>
+              <a:endParaRPr lang="de-DE" sz="1000"/>
+            </a:p>
+          </p:txBody>
+        </p:sp>
+        <p:pic>
+          <p:nvPicPr>
+            <p:cNvPr id="36" name="Picture 35"/>
+            <p:cNvPicPr>
+              <a:picLocks noChangeAspect="1"/>
+            </p:cNvPicPr>
+            <p:nvPr/>
+          </p:nvPicPr>
+          <p:blipFill>
+            <a:blip r:embed="rId2" cstate="print">
+              <a:extLst>
+                <a:ext uri="{28A0092B-C50C-407E-A947-70E740481C1C}">
+                  <a14:useLocalDpi xmlns:a14="http://schemas.microsoft.com/office/drawing/2010/main" val="0"/>
+                </a:ext>
+              </a:extLst>
+            </a:blip>
+            <a:stretch>
+              <a:fillRect/>
+            </a:stretch>
+          </p:blipFill>
+          <p:spPr>
+            <a:xfrm>
+              <a:off x="8340739" y="3740826"/>
+              <a:ext cx="1238267" cy="1238267"/>
+            </a:xfrm>
+            <a:prstGeom prst="rect">
+              <a:avLst/>
+            </a:prstGeom>
+          </p:spPr>
+        </p:pic>
+      </p:grpSp>
+      <p:cxnSp>
+        <p:nvCxnSpPr>
+          <p:cNvPr id="37" name="Straight Arrow Connector 36"/>
+          <p:cNvCxnSpPr/>
+          <p:nvPr/>
+        </p:nvCxnSpPr>
+        <p:spPr>
+          <a:xfrm>
+            <a:off x="4478282" y="2173369"/>
+            <a:ext cx="2774774" cy="1164634"/>
+          </a:xfrm>
+          <a:prstGeom prst="straightConnector1">
+            <a:avLst/>
+          </a:prstGeom>
+          <a:ln w="254000">
+            <a:solidFill>
+              <a:schemeClr val="tx1">
+                <a:lumMod val="50000"/>
+                <a:lumOff val="50000"/>
+              </a:schemeClr>
+            </a:solidFill>
+            <a:tailEnd type="triangle"/>
+          </a:ln>
+        </p:spPr>
+        <p:style>
+          <a:lnRef idx="1">
+            <a:schemeClr val="accent1"/>
+          </a:lnRef>
+          <a:fillRef idx="0">
+            <a:schemeClr val="accent1"/>
+          </a:fillRef>
+          <a:effectRef idx="0">
+            <a:schemeClr val="accent1"/>
+          </a:effectRef>
+          <a:fontRef idx="minor">
+            <a:schemeClr val="tx1"/>
+          </a:fontRef>
+        </p:style>
+      </p:cxnSp>
+      <p:pic>
+        <p:nvPicPr>
+          <p:cNvPr id="17" name="Picture 16"/>
+          <p:cNvPicPr>
+            <a:picLocks noChangeAspect="1"/>
+          </p:cNvPicPr>
+          <p:nvPr/>
+        </p:nvPicPr>
+        <p:blipFill>
+          <a:blip r:embed="rId3">
+            <a:extLst>
+              <a:ext uri="{28A0092B-C50C-407E-A947-70E740481C1C}">
+                <a14:useLocalDpi xmlns:a14="http://schemas.microsoft.com/office/drawing/2010/main" val="0"/>
+              </a:ext>
+            </a:extLst>
+          </a:blip>
+          <a:stretch>
+            <a:fillRect/>
+          </a:stretch>
+        </p:blipFill>
+        <p:spPr>
+          <a:xfrm>
+            <a:off x="1116996" y="5079449"/>
+            <a:ext cx="842140" cy="842140"/>
+          </a:xfrm>
+          <a:prstGeom prst="rect">
+            <a:avLst/>
+          </a:prstGeom>
+        </p:spPr>
+      </p:pic>
+    </p:spTree>
+    <p:extLst>
+      <p:ext uri="{BB962C8B-B14F-4D97-AF65-F5344CB8AC3E}">
+        <p14:creationId xmlns:p14="http://schemas.microsoft.com/office/powerpoint/2010/main" val="1027018993"/>
+      </p:ext>
+    </p:extLst>
+  </p:cSld>
+  <p:clrMapOvr>
+    <a:masterClrMapping/>
+  </p:clrMapOvr>
+</p:sld>
+</file>
+
+<file path=ppt/slides/slide13.xml><?xml version="1.0" encoding="utf-8"?>
 <p:sld xmlns:a="http://schemas.openxmlformats.org/drawingml/2006/main" xmlns:r="http://schemas.openxmlformats.org/officeDocument/2006/relationships" xmlns:p="http://schemas.openxmlformats.org/presentationml/2006/main">
   <p:cSld>
     <p:spTree>
@@ -8502,17 +9175,10 @@
   <p:clrMapOvr>
     <a:masterClrMapping/>
   </p:clrMapOvr>
-  <p:timing>
-    <p:tnLst>
-      <p:par>
-        <p:cTn id="1" dur="indefinite" restart="never" nodeType="tmRoot"/>
-      </p:par>
-    </p:tnLst>
-  </p:timing>
 </p:sld>
 </file>
 
-<file path=ppt/slides/slide13.xml><?xml version="1.0" encoding="utf-8"?>
+<file path=ppt/slides/slide14.xml><?xml version="1.0" encoding="utf-8"?>
 <p:sld xmlns:a="http://schemas.openxmlformats.org/drawingml/2006/main" xmlns:r="http://schemas.openxmlformats.org/officeDocument/2006/relationships" xmlns:p="http://schemas.openxmlformats.org/presentationml/2006/main">
   <p:cSld>
     <p:spTree>
@@ -9191,17 +9857,10 @@
   <p:clrMapOvr>
     <a:masterClrMapping/>
   </p:clrMapOvr>
-  <p:timing>
-    <p:tnLst>
-      <p:par>
-        <p:cTn id="1" dur="indefinite" restart="never" nodeType="tmRoot"/>
-      </p:par>
-    </p:tnLst>
-  </p:timing>
 </p:sld>
 </file>
 
-<file path=ppt/slides/slide14.xml><?xml version="1.0" encoding="utf-8"?>
+<file path=ppt/slides/slide15.xml><?xml version="1.0" encoding="utf-8"?>
 <p:sld xmlns:a="http://schemas.openxmlformats.org/drawingml/2006/main" xmlns:r="http://schemas.openxmlformats.org/officeDocument/2006/relationships" xmlns:p="http://schemas.openxmlformats.org/presentationml/2006/main">
   <p:cSld>
     <p:spTree>
@@ -9695,17 +10354,10 @@
   <p:clrMapOvr>
     <a:masterClrMapping/>
   </p:clrMapOvr>
-  <p:timing>
-    <p:tnLst>
-      <p:par>
-        <p:cTn id="1" dur="indefinite" restart="never" nodeType="tmRoot"/>
-      </p:par>
-    </p:tnLst>
-  </p:timing>
 </p:sld>
 </file>
 
-<file path=ppt/slides/slide15.xml><?xml version="1.0" encoding="utf-8"?>
+<file path=ppt/slides/slide16.xml><?xml version="1.0" encoding="utf-8"?>
 <p:sld xmlns:a="http://schemas.openxmlformats.org/drawingml/2006/main" xmlns:r="http://schemas.openxmlformats.org/officeDocument/2006/relationships" xmlns:p="http://schemas.openxmlformats.org/presentationml/2006/main">
   <p:cSld>
     <p:spTree>
@@ -10053,17 +10705,10 @@
   <p:clrMapOvr>
     <a:masterClrMapping/>
   </p:clrMapOvr>
-  <p:timing>
-    <p:tnLst>
-      <p:par>
-        <p:cTn id="1" dur="indefinite" restart="never" nodeType="tmRoot"/>
-      </p:par>
-    </p:tnLst>
-  </p:timing>
 </p:sld>
 </file>
 
-<file path=ppt/slides/slide16.xml><?xml version="1.0" encoding="utf-8"?>
+<file path=ppt/slides/slide17.xml><?xml version="1.0" encoding="utf-8"?>
 <p:sld xmlns:a="http://schemas.openxmlformats.org/drawingml/2006/main" xmlns:r="http://schemas.openxmlformats.org/officeDocument/2006/relationships" xmlns:p="http://schemas.openxmlformats.org/presentationml/2006/main">
   <p:cSld>
     <p:spTree>
@@ -10456,17 +11101,10 @@
   <p:clrMapOvr>
     <a:masterClrMapping/>
   </p:clrMapOvr>
-  <p:timing>
-    <p:tnLst>
-      <p:par>
-        <p:cTn id="1" dur="indefinite" restart="never" nodeType="tmRoot"/>
-      </p:par>
-    </p:tnLst>
-  </p:timing>
 </p:sld>
 </file>
 
-<file path=ppt/slides/slide17.xml><?xml version="1.0" encoding="utf-8"?>
+<file path=ppt/slides/slide18.xml><?xml version="1.0" encoding="utf-8"?>
 <p:sld xmlns:a="http://schemas.openxmlformats.org/drawingml/2006/main" xmlns:r="http://schemas.openxmlformats.org/officeDocument/2006/relationships" xmlns:p="http://schemas.openxmlformats.org/presentationml/2006/main">
   <p:cSld>
     <p:spTree>
@@ -10822,17 +11460,10 @@
   <p:clrMapOvr>
     <a:masterClrMapping/>
   </p:clrMapOvr>
-  <p:timing>
-    <p:tnLst>
-      <p:par>
-        <p:cTn id="1" dur="indefinite" restart="never" nodeType="tmRoot"/>
-      </p:par>
-    </p:tnLst>
-  </p:timing>
 </p:sld>
 </file>
 
-<file path=ppt/slides/slide18.xml><?xml version="1.0" encoding="utf-8"?>
+<file path=ppt/slides/slide19.xml><?xml version="1.0" encoding="utf-8"?>
 <p:sld xmlns:a="http://schemas.openxmlformats.org/drawingml/2006/main" xmlns:r="http://schemas.openxmlformats.org/officeDocument/2006/relationships" xmlns:p="http://schemas.openxmlformats.org/presentationml/2006/main">
   <p:cSld>
     <p:spTree>
@@ -15255,1149 +15886,6 @@
   <p:clrMapOvr>
     <a:masterClrMapping/>
   </p:clrMapOvr>
-  <p:timing>
-    <p:tnLst>
-      <p:par>
-        <p:cTn id="1" dur="indefinite" restart="never" nodeType="tmRoot"/>
-      </p:par>
-    </p:tnLst>
-  </p:timing>
-</p:sld>
-</file>
-
-<file path=ppt/slides/slide19.xml><?xml version="1.0" encoding="utf-8"?>
-<p:sld xmlns:a="http://schemas.openxmlformats.org/drawingml/2006/main" xmlns:r="http://schemas.openxmlformats.org/officeDocument/2006/relationships" xmlns:p="http://schemas.openxmlformats.org/presentationml/2006/main">
-  <p:cSld>
-    <p:spTree>
-      <p:nvGrpSpPr>
-        <p:cNvPr id="1" name=""/>
-        <p:cNvGrpSpPr/>
-        <p:nvPr/>
-      </p:nvGrpSpPr>
-      <p:grpSpPr>
-        <a:xfrm>
-          <a:off x="0" y="0"/>
-          <a:ext cx="0" cy="0"/>
-          <a:chOff x="0" y="0"/>
-          <a:chExt cx="0" cy="0"/>
-        </a:xfrm>
-      </p:grpSpPr>
-      <p:sp>
-        <p:nvSpPr>
-          <p:cNvPr id="76" name="Rounded Rectangle 75"/>
-          <p:cNvSpPr/>
-          <p:nvPr/>
-        </p:nvSpPr>
-        <p:spPr>
-          <a:xfrm>
-            <a:off x="10762076" y="5218085"/>
-            <a:ext cx="1441656" cy="1514439"/>
-          </a:xfrm>
-          <a:prstGeom prst="rect">
-            <a:avLst/>
-          </a:prstGeom>
-          <a:solidFill>
-            <a:schemeClr val="accent1">
-              <a:lumMod val="75000"/>
-            </a:schemeClr>
-          </a:solidFill>
-          <a:ln w="76200">
-            <a:solidFill>
-              <a:schemeClr val="accent1">
-                <a:lumMod val="50000"/>
-              </a:schemeClr>
-            </a:solidFill>
-          </a:ln>
-        </p:spPr>
-        <p:style>
-          <a:lnRef idx="2">
-            <a:schemeClr val="accent1">
-              <a:shade val="50000"/>
-            </a:schemeClr>
-          </a:lnRef>
-          <a:fillRef idx="1">
-            <a:schemeClr val="accent1"/>
-          </a:fillRef>
-          <a:effectRef idx="0">
-            <a:schemeClr val="accent1"/>
-          </a:effectRef>
-          <a:fontRef idx="minor">
-            <a:schemeClr val="lt1"/>
-          </a:fontRef>
-        </p:style>
-        <p:txBody>
-          <a:bodyPr rtlCol="0" anchor="ctr"/>
-          <a:lstStyle/>
-          <a:p>
-            <a:pPr algn="ctr"/>
-            <a:r>
-              <a:rPr lang="en-US" sz="2000" b="1" dirty="0"/>
-              <a:t>V1</a:t>
-            </a:r>
-          </a:p>
-          <a:p>
-            <a:pPr algn="ctr"/>
-            <a:r>
-              <a:rPr lang="en-US" sz="2000" b="1" dirty="0"/>
-              <a:t>Instance</a:t>
-            </a:r>
-            <a:endParaRPr lang="de-DE" sz="2000" b="1" dirty="0"/>
-          </a:p>
-        </p:txBody>
-      </p:sp>
-      <p:pic>
-        <p:nvPicPr>
-          <p:cNvPr id="85" name="Picture 2" descr="https://a0.awsstatic.com/main/images/logos/aws_logo.png"/>
-          <p:cNvPicPr>
-            <a:picLocks noChangeAspect="1" noChangeArrowheads="1"/>
-          </p:cNvPicPr>
-          <p:nvPr/>
-        </p:nvPicPr>
-        <p:blipFill>
-          <a:blip r:embed="rId2">
-            <a:extLst>
-              <a:ext uri="{28A0092B-C50C-407E-A947-70E740481C1C}">
-                <a14:useLocalDpi xmlns:a14="http://schemas.microsoft.com/office/drawing/2010/main" val="0"/>
-              </a:ext>
-            </a:extLst>
-          </a:blip>
-          <a:srcRect/>
-          <a:stretch>
-            <a:fillRect/>
-          </a:stretch>
-        </p:blipFill>
-        <p:spPr bwMode="auto">
-          <a:xfrm>
-            <a:off x="11900963" y="4382995"/>
-            <a:ext cx="1466377" cy="553964"/>
-          </a:xfrm>
-          <a:prstGeom prst="rect">
-            <a:avLst/>
-          </a:prstGeom>
-          <a:noFill/>
-          <a:extLst>
-            <a:ext uri="{909E8E84-426E-40DD-AFC4-6F175D3DCCD1}">
-              <a14:hiddenFill xmlns:a14="http://schemas.microsoft.com/office/drawing/2010/main">
-                <a:solidFill>
-                  <a:srgbClr val="FFFFFF"/>
-                </a:solidFill>
-              </a14:hiddenFill>
-            </a:ext>
-          </a:extLst>
-        </p:spPr>
-      </p:pic>
-      <p:grpSp>
-        <p:nvGrpSpPr>
-          <p:cNvPr id="66" name="Group 41"/>
-          <p:cNvGrpSpPr/>
-          <p:nvPr/>
-        </p:nvGrpSpPr>
-        <p:grpSpPr>
-          <a:xfrm>
-            <a:off x="11373524" y="3256642"/>
-            <a:ext cx="2634343" cy="708691"/>
-            <a:chOff x="671873" y="646669"/>
-            <a:chExt cx="2634343" cy="708691"/>
-          </a:xfrm>
-        </p:grpSpPr>
-        <p:sp>
-          <p:nvSpPr>
-            <p:cNvPr id="67" name="Snip Diagonal Corner Rectangle 95"/>
-            <p:cNvSpPr/>
-            <p:nvPr/>
-          </p:nvSpPr>
-          <p:spPr>
-            <a:xfrm>
-              <a:off x="671873" y="646669"/>
-              <a:ext cx="2634342" cy="708691"/>
-            </a:xfrm>
-            <a:prstGeom prst="roundRect">
-              <a:avLst/>
-            </a:prstGeom>
-            <a:solidFill>
-              <a:srgbClr val="996633"/>
-            </a:solidFill>
-            <a:ln w="76200">
-              <a:solidFill>
-                <a:srgbClr val="663300"/>
-              </a:solidFill>
-            </a:ln>
-          </p:spPr>
-          <p:style>
-            <a:lnRef idx="2">
-              <a:schemeClr val="accent4">
-                <a:shade val="50000"/>
-              </a:schemeClr>
-            </a:lnRef>
-            <a:fillRef idx="1">
-              <a:schemeClr val="accent4"/>
-            </a:fillRef>
-            <a:effectRef idx="0">
-              <a:schemeClr val="accent4"/>
-            </a:effectRef>
-            <a:fontRef idx="minor">
-              <a:schemeClr val="lt1"/>
-            </a:fontRef>
-          </p:style>
-          <p:txBody>
-            <a:bodyPr rtlCol="0" anchor="ctr"/>
-            <a:lstStyle/>
-            <a:p>
-              <a:pPr algn="ctr"/>
-              <a:endParaRPr lang="de-DE" dirty="0"/>
-            </a:p>
-          </p:txBody>
-        </p:sp>
-        <p:sp>
-          <p:nvSpPr>
-            <p:cNvPr id="68" name="TextBox 96"/>
-            <p:cNvSpPr txBox="1"/>
-            <p:nvPr/>
-          </p:nvSpPr>
-          <p:spPr>
-            <a:xfrm>
-              <a:off x="715416" y="793462"/>
-              <a:ext cx="2590800" cy="434935"/>
-            </a:xfrm>
-            <a:prstGeom prst="snip2SameRect">
-              <a:avLst/>
-            </a:prstGeom>
-            <a:noFill/>
-            <a:ln w="76200">
-              <a:noFill/>
-            </a:ln>
-          </p:spPr>
-          <p:txBody>
-            <a:bodyPr wrap="square" rtlCol="0">
-              <a:spAutoFit/>
-            </a:bodyPr>
-            <a:lstStyle/>
-            <a:p>
-              <a:pPr algn="ctr"/>
-              <a:r>
-                <a:rPr lang="en-US" sz="2000" b="1" dirty="0">
-                  <a:solidFill>
-                    <a:schemeClr val="bg1"/>
-                  </a:solidFill>
-                </a:rPr>
-                <a:t>Elastic Load Balancer</a:t>
-              </a:r>
-              <a:endParaRPr lang="de-DE" sz="2400" b="1" dirty="0">
-                <a:solidFill>
-                  <a:schemeClr val="bg1"/>
-                </a:solidFill>
-              </a:endParaRPr>
-            </a:p>
-          </p:txBody>
-        </p:sp>
-      </p:grpSp>
-      <p:sp>
-        <p:nvSpPr>
-          <p:cNvPr id="98" name="Rounded Rectangle 75"/>
-          <p:cNvSpPr/>
-          <p:nvPr/>
-        </p:nvSpPr>
-        <p:spPr>
-          <a:xfrm>
-            <a:off x="10580369" y="5370485"/>
-            <a:ext cx="1441656" cy="1514439"/>
-          </a:xfrm>
-          <a:prstGeom prst="rect">
-            <a:avLst/>
-          </a:prstGeom>
-          <a:solidFill>
-            <a:schemeClr val="accent1">
-              <a:lumMod val="75000"/>
-            </a:schemeClr>
-          </a:solidFill>
-          <a:ln w="76200">
-            <a:solidFill>
-              <a:schemeClr val="accent1">
-                <a:lumMod val="50000"/>
-              </a:schemeClr>
-            </a:solidFill>
-          </a:ln>
-        </p:spPr>
-        <p:style>
-          <a:lnRef idx="2">
-            <a:schemeClr val="accent1">
-              <a:shade val="50000"/>
-            </a:schemeClr>
-          </a:lnRef>
-          <a:fillRef idx="1">
-            <a:schemeClr val="accent1"/>
-          </a:fillRef>
-          <a:effectRef idx="0">
-            <a:schemeClr val="accent1"/>
-          </a:effectRef>
-          <a:fontRef idx="minor">
-            <a:schemeClr val="lt1"/>
-          </a:fontRef>
-        </p:style>
-        <p:txBody>
-          <a:bodyPr rtlCol="0" anchor="ctr"/>
-          <a:lstStyle/>
-          <a:p>
-            <a:pPr algn="ctr"/>
-            <a:r>
-              <a:rPr lang="en-US" sz="2000" b="1" dirty="0"/>
-              <a:t>V1</a:t>
-            </a:r>
-          </a:p>
-          <a:p>
-            <a:pPr algn="ctr"/>
-            <a:r>
-              <a:rPr lang="en-US" sz="2000" b="1" dirty="0"/>
-              <a:t>Instance</a:t>
-            </a:r>
-            <a:endParaRPr lang="de-DE" sz="2000" b="1" dirty="0"/>
-          </a:p>
-        </p:txBody>
-      </p:sp>
-      <p:sp>
-        <p:nvSpPr>
-          <p:cNvPr id="99" name="Rounded Rectangle 75"/>
-          <p:cNvSpPr/>
-          <p:nvPr/>
-        </p:nvSpPr>
-        <p:spPr>
-          <a:xfrm>
-            <a:off x="13298866" y="5218085"/>
-            <a:ext cx="1441656" cy="1514439"/>
-          </a:xfrm>
-          <a:prstGeom prst="rect">
-            <a:avLst/>
-          </a:prstGeom>
-          <a:solidFill>
-            <a:schemeClr val="accent6">
-              <a:lumMod val="75000"/>
-            </a:schemeClr>
-          </a:solidFill>
-          <a:ln w="76200">
-            <a:solidFill>
-              <a:schemeClr val="accent6">
-                <a:lumMod val="50000"/>
-              </a:schemeClr>
-            </a:solidFill>
-          </a:ln>
-        </p:spPr>
-        <p:style>
-          <a:lnRef idx="2">
-            <a:schemeClr val="accent1">
-              <a:shade val="50000"/>
-            </a:schemeClr>
-          </a:lnRef>
-          <a:fillRef idx="1">
-            <a:schemeClr val="accent1"/>
-          </a:fillRef>
-          <a:effectRef idx="0">
-            <a:schemeClr val="accent1"/>
-          </a:effectRef>
-          <a:fontRef idx="minor">
-            <a:schemeClr val="lt1"/>
-          </a:fontRef>
-        </p:style>
-        <p:txBody>
-          <a:bodyPr rtlCol="0" anchor="ctr"/>
-          <a:lstStyle/>
-          <a:p>
-            <a:pPr algn="ctr"/>
-            <a:r>
-              <a:rPr lang="en-US" sz="2000" b="1" dirty="0"/>
-              <a:t>V1</a:t>
-            </a:r>
-          </a:p>
-          <a:p>
-            <a:pPr algn="ctr"/>
-            <a:r>
-              <a:rPr lang="en-US" sz="2000" b="1" dirty="0"/>
-              <a:t>Instance</a:t>
-            </a:r>
-            <a:endParaRPr lang="de-DE" sz="2000" b="1" dirty="0"/>
-          </a:p>
-        </p:txBody>
-      </p:sp>
-      <p:sp>
-        <p:nvSpPr>
-          <p:cNvPr id="101" name="Rounded Rectangle 75"/>
-          <p:cNvSpPr/>
-          <p:nvPr/>
-        </p:nvSpPr>
-        <p:spPr>
-          <a:xfrm>
-            <a:off x="13138930" y="5392257"/>
-            <a:ext cx="1441656" cy="1514439"/>
-          </a:xfrm>
-          <a:prstGeom prst="rect">
-            <a:avLst/>
-          </a:prstGeom>
-          <a:solidFill>
-            <a:schemeClr val="accent6">
-              <a:lumMod val="75000"/>
-            </a:schemeClr>
-          </a:solidFill>
-          <a:ln w="76200">
-            <a:solidFill>
-              <a:schemeClr val="accent6">
-                <a:lumMod val="50000"/>
-              </a:schemeClr>
-            </a:solidFill>
-          </a:ln>
-        </p:spPr>
-        <p:style>
-          <a:lnRef idx="2">
-            <a:schemeClr val="accent1">
-              <a:shade val="50000"/>
-            </a:schemeClr>
-          </a:lnRef>
-          <a:fillRef idx="1">
-            <a:schemeClr val="accent1"/>
-          </a:fillRef>
-          <a:effectRef idx="0">
-            <a:schemeClr val="accent1"/>
-          </a:effectRef>
-          <a:fontRef idx="minor">
-            <a:schemeClr val="lt1"/>
-          </a:fontRef>
-        </p:style>
-        <p:txBody>
-          <a:bodyPr rtlCol="0" anchor="ctr"/>
-          <a:lstStyle/>
-          <a:p>
-            <a:pPr algn="ctr"/>
-            <a:r>
-              <a:rPr lang="en-US" sz="2000" b="1" dirty="0"/>
-              <a:t>V2</a:t>
-            </a:r>
-          </a:p>
-          <a:p>
-            <a:pPr algn="ctr"/>
-            <a:r>
-              <a:rPr lang="en-US" sz="2000" b="1" dirty="0"/>
-              <a:t>Instance</a:t>
-            </a:r>
-            <a:endParaRPr lang="de-DE" sz="2000" b="1" dirty="0"/>
-          </a:p>
-        </p:txBody>
-      </p:sp>
-      <p:cxnSp>
-        <p:nvCxnSpPr>
-          <p:cNvPr id="102" name="Straight Arrow Connector 101"/>
-          <p:cNvCxnSpPr/>
-          <p:nvPr/>
-        </p:nvCxnSpPr>
-        <p:spPr>
-          <a:xfrm flipH="1">
-            <a:off x="11465547" y="4088424"/>
-            <a:ext cx="517575" cy="1055293"/>
-          </a:xfrm>
-          <a:prstGeom prst="straightConnector1">
-            <a:avLst/>
-          </a:prstGeom>
-          <a:ln w="142875">
-            <a:solidFill>
-              <a:schemeClr val="tx1">
-                <a:lumMod val="50000"/>
-                <a:lumOff val="50000"/>
-              </a:schemeClr>
-            </a:solidFill>
-            <a:tailEnd type="triangle"/>
-          </a:ln>
-        </p:spPr>
-        <p:style>
-          <a:lnRef idx="1">
-            <a:schemeClr val="accent1"/>
-          </a:lnRef>
-          <a:fillRef idx="0">
-            <a:schemeClr val="accent1"/>
-          </a:fillRef>
-          <a:effectRef idx="0">
-            <a:schemeClr val="accent1"/>
-          </a:effectRef>
-          <a:fontRef idx="minor">
-            <a:schemeClr val="tx1"/>
-          </a:fontRef>
-        </p:style>
-      </p:cxnSp>
-      <p:cxnSp>
-        <p:nvCxnSpPr>
-          <p:cNvPr id="103" name="Straight Arrow Connector 102"/>
-          <p:cNvCxnSpPr/>
-          <p:nvPr/>
-        </p:nvCxnSpPr>
-        <p:spPr>
-          <a:xfrm>
-            <a:off x="13345930" y="4106007"/>
-            <a:ext cx="478887" cy="1040640"/>
-          </a:xfrm>
-          <a:prstGeom prst="straightConnector1">
-            <a:avLst/>
-          </a:prstGeom>
-          <a:ln w="142875">
-            <a:solidFill>
-              <a:schemeClr val="bg1">
-                <a:lumMod val="75000"/>
-              </a:schemeClr>
-            </a:solidFill>
-            <a:prstDash val="sysDot"/>
-            <a:tailEnd type="triangle"/>
-          </a:ln>
-        </p:spPr>
-        <p:style>
-          <a:lnRef idx="1">
-            <a:schemeClr val="accent1"/>
-          </a:lnRef>
-          <a:fillRef idx="0">
-            <a:schemeClr val="accent1"/>
-          </a:fillRef>
-          <a:effectRef idx="0">
-            <a:schemeClr val="accent1"/>
-          </a:effectRef>
-          <a:fontRef idx="minor">
-            <a:schemeClr val="tx1"/>
-          </a:fontRef>
-        </p:style>
-      </p:cxnSp>
-      <p:sp>
-        <p:nvSpPr>
-          <p:cNvPr id="17" name="Rounded Rectangle 16"/>
-          <p:cNvSpPr/>
-          <p:nvPr/>
-        </p:nvSpPr>
-        <p:spPr>
-          <a:xfrm>
-            <a:off x="2783273" y="3138160"/>
-            <a:ext cx="1896954" cy="1908625"/>
-          </a:xfrm>
-          <a:prstGeom prst="roundRect">
-            <a:avLst/>
-          </a:prstGeom>
-          <a:noFill/>
-          <a:ln w="57150">
-            <a:solidFill>
-              <a:schemeClr val="bg1">
-                <a:lumMod val="50000"/>
-              </a:schemeClr>
-            </a:solidFill>
-            <a:prstDash val="dash"/>
-          </a:ln>
-        </p:spPr>
-        <p:style>
-          <a:lnRef idx="2">
-            <a:schemeClr val="accent1">
-              <a:shade val="50000"/>
-            </a:schemeClr>
-          </a:lnRef>
-          <a:fillRef idx="1">
-            <a:schemeClr val="accent1"/>
-          </a:fillRef>
-          <a:effectRef idx="0">
-            <a:schemeClr val="accent1"/>
-          </a:effectRef>
-          <a:fontRef idx="minor">
-            <a:schemeClr val="lt1"/>
-          </a:fontRef>
-        </p:style>
-        <p:txBody>
-          <a:bodyPr rtlCol="0" anchor="ctr"/>
-          <a:lstStyle/>
-          <a:p>
-            <a:pPr algn="ctr"/>
-            <a:endParaRPr lang="de-DE"/>
-          </a:p>
-        </p:txBody>
-      </p:sp>
-      <p:sp>
-        <p:nvSpPr>
-          <p:cNvPr id="19" name="Rounded Rectangle 75"/>
-          <p:cNvSpPr/>
-          <p:nvPr/>
-        </p:nvSpPr>
-        <p:spPr>
-          <a:xfrm>
-            <a:off x="3022751" y="3315181"/>
-            <a:ext cx="1441656" cy="1514439"/>
-          </a:xfrm>
-          <a:prstGeom prst="rect">
-            <a:avLst/>
-          </a:prstGeom>
-          <a:solidFill>
-            <a:schemeClr val="accent2">
-              <a:lumMod val="75000"/>
-            </a:schemeClr>
-          </a:solidFill>
-          <a:ln w="76200">
-            <a:solidFill>
-              <a:schemeClr val="accent2">
-                <a:lumMod val="50000"/>
-              </a:schemeClr>
-            </a:solidFill>
-          </a:ln>
-        </p:spPr>
-        <p:style>
-          <a:lnRef idx="2">
-            <a:schemeClr val="accent1">
-              <a:shade val="50000"/>
-            </a:schemeClr>
-          </a:lnRef>
-          <a:fillRef idx="1">
-            <a:schemeClr val="accent1"/>
-          </a:fillRef>
-          <a:effectRef idx="0">
-            <a:schemeClr val="accent1"/>
-          </a:effectRef>
-          <a:fontRef idx="minor">
-            <a:schemeClr val="lt1"/>
-          </a:fontRef>
-        </p:style>
-        <p:txBody>
-          <a:bodyPr rtlCol="0" anchor="ctr"/>
-          <a:lstStyle/>
-          <a:p>
-            <a:pPr algn="ctr"/>
-            <a:r>
-              <a:rPr lang="en-US" sz="2000" b="1" dirty="0"/>
-              <a:t>Instance</a:t>
-            </a:r>
-            <a:endParaRPr lang="de-DE" sz="2000" b="1" dirty="0"/>
-          </a:p>
-        </p:txBody>
-      </p:sp>
-      <p:grpSp>
-        <p:nvGrpSpPr>
-          <p:cNvPr id="21" name="Group 20"/>
-          <p:cNvGrpSpPr/>
-          <p:nvPr/>
-        </p:nvGrpSpPr>
-        <p:grpSpPr>
-          <a:xfrm rot="20392435" flipH="1">
-            <a:off x="1750790" y="2674414"/>
-            <a:ext cx="1366681" cy="1009305"/>
-            <a:chOff x="11713968" y="3937995"/>
-            <a:chExt cx="1335331" cy="1009305"/>
-          </a:xfrm>
-        </p:grpSpPr>
-        <p:sp>
-          <p:nvSpPr>
-            <p:cNvPr id="22" name="Freeform 21"/>
-            <p:cNvSpPr/>
-            <p:nvPr/>
-          </p:nvSpPr>
-          <p:spPr>
-            <a:xfrm rot="16444475">
-              <a:off x="11872281" y="3902398"/>
-              <a:ext cx="1009305" cy="1080499"/>
-            </a:xfrm>
-            <a:custGeom>
-              <a:avLst/>
-              <a:gdLst>
-                <a:gd name="connsiteX0" fmla="*/ 105508 w 2166585"/>
-                <a:gd name="connsiteY0" fmla="*/ 0 h 2444531"/>
-                <a:gd name="connsiteX1" fmla="*/ 2127738 w 2166585"/>
-                <a:gd name="connsiteY1" fmla="*/ 1345223 h 2444531"/>
-                <a:gd name="connsiteX2" fmla="*/ 1345223 w 2166585"/>
-                <a:gd name="connsiteY2" fmla="*/ 2444261 h 2444531"/>
-                <a:gd name="connsiteX3" fmla="*/ 211015 w 2166585"/>
-                <a:gd name="connsiteY3" fmla="*/ 1248508 h 2444531"/>
-                <a:gd name="connsiteX4" fmla="*/ 0 w 2166585"/>
-                <a:gd name="connsiteY4" fmla="*/ 870438 h 2444531"/>
-                <a:gd name="connsiteX0" fmla="*/ 105508 w 1719547"/>
-                <a:gd name="connsiteY0" fmla="*/ 0 h 2452308"/>
-                <a:gd name="connsiteX1" fmla="*/ 1645704 w 1719547"/>
-                <a:gd name="connsiteY1" fmla="*/ 590519 h 2452308"/>
-                <a:gd name="connsiteX2" fmla="*/ 1345223 w 1719547"/>
-                <a:gd name="connsiteY2" fmla="*/ 2444261 h 2452308"/>
-                <a:gd name="connsiteX3" fmla="*/ 211015 w 1719547"/>
-                <a:gd name="connsiteY3" fmla="*/ 1248508 h 2452308"/>
-                <a:gd name="connsiteX4" fmla="*/ 0 w 1719547"/>
-                <a:gd name="connsiteY4" fmla="*/ 870438 h 2452308"/>
-                <a:gd name="connsiteX0" fmla="*/ 105508 w 1773053"/>
-                <a:gd name="connsiteY0" fmla="*/ 0 h 2452306"/>
-                <a:gd name="connsiteX1" fmla="*/ 1645704 w 1773053"/>
-                <a:gd name="connsiteY1" fmla="*/ 590519 h 2452306"/>
-                <a:gd name="connsiteX2" fmla="*/ 1345223 w 1773053"/>
-                <a:gd name="connsiteY2" fmla="*/ 2444261 h 2452306"/>
-                <a:gd name="connsiteX3" fmla="*/ 211015 w 1773053"/>
-                <a:gd name="connsiteY3" fmla="*/ 1248508 h 2452306"/>
-                <a:gd name="connsiteX4" fmla="*/ 0 w 1773053"/>
-                <a:gd name="connsiteY4" fmla="*/ 870438 h 2452306"/>
-                <a:gd name="connsiteX0" fmla="*/ 272767 w 1707833"/>
-                <a:gd name="connsiteY0" fmla="*/ -1 h 2769509"/>
-                <a:gd name="connsiteX1" fmla="*/ 1645704 w 1707833"/>
-                <a:gd name="connsiteY1" fmla="*/ 907720 h 2769509"/>
-                <a:gd name="connsiteX2" fmla="*/ 1345223 w 1707833"/>
-                <a:gd name="connsiteY2" fmla="*/ 2761462 h 2769509"/>
-                <a:gd name="connsiteX3" fmla="*/ 211015 w 1707833"/>
-                <a:gd name="connsiteY3" fmla="*/ 1565709 h 2769509"/>
-                <a:gd name="connsiteX4" fmla="*/ 0 w 1707833"/>
-                <a:gd name="connsiteY4" fmla="*/ 1187639 h 2769509"/>
-                <a:gd name="connsiteX0" fmla="*/ 272767 w 1707833"/>
-                <a:gd name="connsiteY0" fmla="*/ 1 h 2769509"/>
-                <a:gd name="connsiteX1" fmla="*/ 1645704 w 1707833"/>
-                <a:gd name="connsiteY1" fmla="*/ 907722 h 2769509"/>
-                <a:gd name="connsiteX2" fmla="*/ 1345223 w 1707833"/>
-                <a:gd name="connsiteY2" fmla="*/ 2761464 h 2769509"/>
-                <a:gd name="connsiteX3" fmla="*/ 211015 w 1707833"/>
-                <a:gd name="connsiteY3" fmla="*/ 1565711 h 2769509"/>
-                <a:gd name="connsiteX4" fmla="*/ 0 w 1707833"/>
-                <a:gd name="connsiteY4" fmla="*/ 1187641 h 2769509"/>
-                <a:gd name="connsiteX0" fmla="*/ 272767 w 1668896"/>
-                <a:gd name="connsiteY0" fmla="*/ -1 h 2135095"/>
-                <a:gd name="connsiteX1" fmla="*/ 1645704 w 1668896"/>
-                <a:gd name="connsiteY1" fmla="*/ 907720 h 2135095"/>
-                <a:gd name="connsiteX2" fmla="*/ 1069305 w 1668896"/>
-                <a:gd name="connsiteY2" fmla="*/ 2119739 h 2135095"/>
-                <a:gd name="connsiteX3" fmla="*/ 211015 w 1668896"/>
-                <a:gd name="connsiteY3" fmla="*/ 1565709 h 2135095"/>
-                <a:gd name="connsiteX4" fmla="*/ 0 w 1668896"/>
-                <a:gd name="connsiteY4" fmla="*/ 1187639 h 2135095"/>
-                <a:gd name="connsiteX0" fmla="*/ 272767 w 1674676"/>
-                <a:gd name="connsiteY0" fmla="*/ 1 h 2137565"/>
-                <a:gd name="connsiteX1" fmla="*/ 1645704 w 1674676"/>
-                <a:gd name="connsiteY1" fmla="*/ 907722 h 2137565"/>
-                <a:gd name="connsiteX2" fmla="*/ 1069305 w 1674676"/>
-                <a:gd name="connsiteY2" fmla="*/ 2119741 h 2137565"/>
-                <a:gd name="connsiteX3" fmla="*/ 211015 w 1674676"/>
-                <a:gd name="connsiteY3" fmla="*/ 1565711 h 2137565"/>
-                <a:gd name="connsiteX4" fmla="*/ 0 w 1674676"/>
-                <a:gd name="connsiteY4" fmla="*/ 1187641 h 2137565"/>
-                <a:gd name="connsiteX0" fmla="*/ 272767 w 1571106"/>
-                <a:gd name="connsiteY0" fmla="*/ -1 h 2129034"/>
-                <a:gd name="connsiteX1" fmla="*/ 1543936 w 1571106"/>
-                <a:gd name="connsiteY1" fmla="*/ 1075043 h 2129034"/>
-                <a:gd name="connsiteX2" fmla="*/ 1069305 w 1571106"/>
-                <a:gd name="connsiteY2" fmla="*/ 2119739 h 2129034"/>
-                <a:gd name="connsiteX3" fmla="*/ 211015 w 1571106"/>
-                <a:gd name="connsiteY3" fmla="*/ 1565709 h 2129034"/>
-                <a:gd name="connsiteX4" fmla="*/ 0 w 1571106"/>
-                <a:gd name="connsiteY4" fmla="*/ 1187639 h 2129034"/>
-                <a:gd name="connsiteX0" fmla="*/ 300185 w 1598524"/>
-                <a:gd name="connsiteY0" fmla="*/ 1 h 2129150"/>
-                <a:gd name="connsiteX1" fmla="*/ 1571354 w 1598524"/>
-                <a:gd name="connsiteY1" fmla="*/ 1075045 h 2129150"/>
-                <a:gd name="connsiteX2" fmla="*/ 1096723 w 1598524"/>
-                <a:gd name="connsiteY2" fmla="*/ 2119741 h 2129150"/>
-                <a:gd name="connsiteX3" fmla="*/ 238433 w 1598524"/>
-                <a:gd name="connsiteY3" fmla="*/ 1565711 h 2129150"/>
-                <a:gd name="connsiteX4" fmla="*/ 0 w 1598524"/>
-                <a:gd name="connsiteY4" fmla="*/ 1146568 h 2129150"/>
-                <a:gd name="connsiteX0" fmla="*/ 537478 w 1840027"/>
-                <a:gd name="connsiteY0" fmla="*/ -1 h 2132910"/>
-                <a:gd name="connsiteX1" fmla="*/ 1808647 w 1840027"/>
-                <a:gd name="connsiteY1" fmla="*/ 1075043 h 2132910"/>
-                <a:gd name="connsiteX2" fmla="*/ 1334016 w 1840027"/>
-                <a:gd name="connsiteY2" fmla="*/ 2119739 h 2132910"/>
-                <a:gd name="connsiteX3" fmla="*/ 43983 w 1840027"/>
-                <a:gd name="connsiteY3" fmla="*/ 1630294 h 2132910"/>
-                <a:gd name="connsiteX4" fmla="*/ 237293 w 1840027"/>
-                <a:gd name="connsiteY4" fmla="*/ 1146566 h 2132910"/>
-                <a:gd name="connsiteX0" fmla="*/ 836307 w 2138856"/>
-                <a:gd name="connsiteY0" fmla="*/ 1 h 2132969"/>
-                <a:gd name="connsiteX1" fmla="*/ 2107476 w 2138856"/>
-                <a:gd name="connsiteY1" fmla="*/ 1075045 h 2132969"/>
-                <a:gd name="connsiteX2" fmla="*/ 1632845 w 2138856"/>
-                <a:gd name="connsiteY2" fmla="*/ 2119741 h 2132969"/>
-                <a:gd name="connsiteX3" fmla="*/ 342812 w 2138856"/>
-                <a:gd name="connsiteY3" fmla="*/ 1630296 h 2132969"/>
-                <a:gd name="connsiteX4" fmla="*/ 0 w 2138856"/>
-                <a:gd name="connsiteY4" fmla="*/ 1133101 h 2132969"/>
-                <a:gd name="connsiteX0" fmla="*/ 836307 w 2117242"/>
-                <a:gd name="connsiteY0" fmla="*/ -1 h 2267967"/>
-                <a:gd name="connsiteX1" fmla="*/ 2107476 w 2117242"/>
-                <a:gd name="connsiteY1" fmla="*/ 1075043 h 2267967"/>
-                <a:gd name="connsiteX2" fmla="*/ 1367414 w 2117242"/>
-                <a:gd name="connsiteY2" fmla="*/ 2257253 h 2267967"/>
-                <a:gd name="connsiteX3" fmla="*/ 342812 w 2117242"/>
-                <a:gd name="connsiteY3" fmla="*/ 1630294 h 2267967"/>
-                <a:gd name="connsiteX4" fmla="*/ 0 w 2117242"/>
-                <a:gd name="connsiteY4" fmla="*/ 1133099 h 2267967"/>
-                <a:gd name="connsiteX0" fmla="*/ 836307 w 2116587"/>
-                <a:gd name="connsiteY0" fmla="*/ 1 h 2257694"/>
-                <a:gd name="connsiteX1" fmla="*/ 2107476 w 2116587"/>
-                <a:gd name="connsiteY1" fmla="*/ 1075045 h 2257694"/>
-                <a:gd name="connsiteX2" fmla="*/ 1367414 w 2116587"/>
-                <a:gd name="connsiteY2" fmla="*/ 2257255 h 2257694"/>
-                <a:gd name="connsiteX3" fmla="*/ 342812 w 2116587"/>
-                <a:gd name="connsiteY3" fmla="*/ 1630296 h 2257694"/>
-                <a:gd name="connsiteX4" fmla="*/ 0 w 2116587"/>
-                <a:gd name="connsiteY4" fmla="*/ 1133101 h 2257694"/>
-                <a:gd name="connsiteX0" fmla="*/ 836307 w 1939952"/>
-                <a:gd name="connsiteY0" fmla="*/ -1 h 2264771"/>
-                <a:gd name="connsiteX1" fmla="*/ 1926982 w 1939952"/>
-                <a:gd name="connsiteY1" fmla="*/ 1176644 h 2264771"/>
-                <a:gd name="connsiteX2" fmla="*/ 1367414 w 1939952"/>
-                <a:gd name="connsiteY2" fmla="*/ 2257253 h 2264771"/>
-                <a:gd name="connsiteX3" fmla="*/ 342812 w 1939952"/>
-                <a:gd name="connsiteY3" fmla="*/ 1630294 h 2264771"/>
-                <a:gd name="connsiteX4" fmla="*/ 0 w 1939952"/>
-                <a:gd name="connsiteY4" fmla="*/ 1133099 h 2264771"/>
-                <a:gd name="connsiteX0" fmla="*/ 836307 w 1942784"/>
-                <a:gd name="connsiteY0" fmla="*/ 1 h 2076708"/>
-                <a:gd name="connsiteX1" fmla="*/ 1926982 w 1942784"/>
-                <a:gd name="connsiteY1" fmla="*/ 1176646 h 2076708"/>
-                <a:gd name="connsiteX2" fmla="*/ 1405487 w 1942784"/>
-                <a:gd name="connsiteY2" fmla="*/ 2066305 h 2076708"/>
-                <a:gd name="connsiteX3" fmla="*/ 342812 w 1942784"/>
-                <a:gd name="connsiteY3" fmla="*/ 1630296 h 2076708"/>
-                <a:gd name="connsiteX4" fmla="*/ 0 w 1942784"/>
-                <a:gd name="connsiteY4" fmla="*/ 1133101 h 2076708"/>
-                <a:gd name="connsiteX0" fmla="*/ 836307 w 1942783"/>
-                <a:gd name="connsiteY0" fmla="*/ -1 h 2076706"/>
-                <a:gd name="connsiteX1" fmla="*/ 1926982 w 1942783"/>
-                <a:gd name="connsiteY1" fmla="*/ 1176645 h 2076706"/>
-                <a:gd name="connsiteX2" fmla="*/ 1405487 w 1942783"/>
-                <a:gd name="connsiteY2" fmla="*/ 2066303 h 2076706"/>
-                <a:gd name="connsiteX3" fmla="*/ 342812 w 1942783"/>
-                <a:gd name="connsiteY3" fmla="*/ 1630294 h 2076706"/>
-                <a:gd name="connsiteX4" fmla="*/ 0 w 1942783"/>
-                <a:gd name="connsiteY4" fmla="*/ 1133099 h 2076706"/>
-                <a:gd name="connsiteX0" fmla="*/ 836307 w 1934818"/>
-                <a:gd name="connsiteY0" fmla="*/ 1 h 2076708"/>
-                <a:gd name="connsiteX1" fmla="*/ 1926982 w 1934818"/>
-                <a:gd name="connsiteY1" fmla="*/ 1176647 h 2076708"/>
-                <a:gd name="connsiteX2" fmla="*/ 1405487 w 1934818"/>
-                <a:gd name="connsiteY2" fmla="*/ 2066305 h 2076708"/>
-                <a:gd name="connsiteX3" fmla="*/ 342812 w 1934818"/>
-                <a:gd name="connsiteY3" fmla="*/ 1630296 h 2076708"/>
-                <a:gd name="connsiteX4" fmla="*/ 0 w 1934818"/>
-                <a:gd name="connsiteY4" fmla="*/ 1133101 h 2076708"/>
-                <a:gd name="connsiteX0" fmla="*/ 836307 w 1936612"/>
-                <a:gd name="connsiteY0" fmla="*/ -1 h 2183647"/>
-                <a:gd name="connsiteX1" fmla="*/ 1926982 w 1936612"/>
-                <a:gd name="connsiteY1" fmla="*/ 1176645 h 2183647"/>
-                <a:gd name="connsiteX2" fmla="*/ 1312576 w 1936612"/>
-                <a:gd name="connsiteY2" fmla="*/ 2175110 h 2183647"/>
-                <a:gd name="connsiteX3" fmla="*/ 342812 w 1936612"/>
-                <a:gd name="connsiteY3" fmla="*/ 1630294 h 2183647"/>
-                <a:gd name="connsiteX4" fmla="*/ 0 w 1936612"/>
-                <a:gd name="connsiteY4" fmla="*/ 1133099 h 2183647"/>
-                <a:gd name="connsiteX0" fmla="*/ 836307 w 1936644"/>
-                <a:gd name="connsiteY0" fmla="*/ 1 h 2178750"/>
-                <a:gd name="connsiteX1" fmla="*/ 1926982 w 1936644"/>
-                <a:gd name="connsiteY1" fmla="*/ 1176647 h 2178750"/>
-                <a:gd name="connsiteX2" fmla="*/ 1312576 w 1936644"/>
-                <a:gd name="connsiteY2" fmla="*/ 2175112 h 2178750"/>
-                <a:gd name="connsiteX3" fmla="*/ 342812 w 1936644"/>
-                <a:gd name="connsiteY3" fmla="*/ 1630296 h 2178750"/>
-                <a:gd name="connsiteX4" fmla="*/ 0 w 1936644"/>
-                <a:gd name="connsiteY4" fmla="*/ 1133101 h 2178750"/>
-                <a:gd name="connsiteX0" fmla="*/ 836307 w 1969946"/>
-                <a:gd name="connsiteY0" fmla="*/ -1 h 2177152"/>
-                <a:gd name="connsiteX1" fmla="*/ 1926982 w 1969946"/>
-                <a:gd name="connsiteY1" fmla="*/ 1176645 h 2177152"/>
-                <a:gd name="connsiteX2" fmla="*/ 1708299 w 1969946"/>
-                <a:gd name="connsiteY2" fmla="*/ 1791462 h 2177152"/>
-                <a:gd name="connsiteX3" fmla="*/ 1312576 w 1969946"/>
-                <a:gd name="connsiteY3" fmla="*/ 2175110 h 2177152"/>
-                <a:gd name="connsiteX4" fmla="*/ 342812 w 1969946"/>
-                <a:gd name="connsiteY4" fmla="*/ 1630294 h 2177152"/>
-                <a:gd name="connsiteX5" fmla="*/ 0 w 1969946"/>
-                <a:gd name="connsiteY5" fmla="*/ 1133099 h 2177152"/>
-                <a:gd name="connsiteX0" fmla="*/ 836307 w 1993189"/>
-                <a:gd name="connsiteY0" fmla="*/ 1 h 2179871"/>
-                <a:gd name="connsiteX1" fmla="*/ 1926982 w 1993189"/>
-                <a:gd name="connsiteY1" fmla="*/ 1176647 h 2179871"/>
-                <a:gd name="connsiteX2" fmla="*/ 1811798 w 1993189"/>
-                <a:gd name="connsiteY2" fmla="*/ 1855141 h 2179871"/>
-                <a:gd name="connsiteX3" fmla="*/ 1312576 w 1993189"/>
-                <a:gd name="connsiteY3" fmla="*/ 2175112 h 2179871"/>
-                <a:gd name="connsiteX4" fmla="*/ 342812 w 1993189"/>
-                <a:gd name="connsiteY4" fmla="*/ 1630296 h 2179871"/>
-                <a:gd name="connsiteX5" fmla="*/ 0 w 1993189"/>
-                <a:gd name="connsiteY5" fmla="*/ 1133101 h 2179871"/>
-                <a:gd name="connsiteX0" fmla="*/ 836307 w 2008017"/>
-                <a:gd name="connsiteY0" fmla="*/ -1 h 2179869"/>
-                <a:gd name="connsiteX1" fmla="*/ 1926982 w 2008017"/>
-                <a:gd name="connsiteY1" fmla="*/ 1176645 h 2179869"/>
-                <a:gd name="connsiteX2" fmla="*/ 1811798 w 2008017"/>
-                <a:gd name="connsiteY2" fmla="*/ 1855139 h 2179869"/>
-                <a:gd name="connsiteX3" fmla="*/ 1312576 w 2008017"/>
-                <a:gd name="connsiteY3" fmla="*/ 2175110 h 2179869"/>
-                <a:gd name="connsiteX4" fmla="*/ 342812 w 2008017"/>
-                <a:gd name="connsiteY4" fmla="*/ 1630294 h 2179869"/>
-                <a:gd name="connsiteX5" fmla="*/ 0 w 2008017"/>
-                <a:gd name="connsiteY5" fmla="*/ 1133099 h 2179869"/>
-                <a:gd name="connsiteX0" fmla="*/ 836307 w 1936612"/>
-                <a:gd name="connsiteY0" fmla="*/ 1 h 2175111"/>
-                <a:gd name="connsiteX1" fmla="*/ 1926982 w 1936612"/>
-                <a:gd name="connsiteY1" fmla="*/ 1176647 h 2175111"/>
-                <a:gd name="connsiteX2" fmla="*/ 1312576 w 1936612"/>
-                <a:gd name="connsiteY2" fmla="*/ 2175112 h 2175111"/>
-                <a:gd name="connsiteX3" fmla="*/ 342812 w 1936612"/>
-                <a:gd name="connsiteY3" fmla="*/ 1630296 h 2175111"/>
-                <a:gd name="connsiteX4" fmla="*/ 0 w 1936612"/>
-                <a:gd name="connsiteY4" fmla="*/ 1133101 h 2175111"/>
-                <a:gd name="connsiteX0" fmla="*/ 836307 w 1927580"/>
-                <a:gd name="connsiteY0" fmla="*/ -1 h 2175111"/>
-                <a:gd name="connsiteX1" fmla="*/ 1926982 w 1927580"/>
-                <a:gd name="connsiteY1" fmla="*/ 1176645 h 2175111"/>
-                <a:gd name="connsiteX2" fmla="*/ 1312576 w 1927580"/>
-                <a:gd name="connsiteY2" fmla="*/ 2175110 h 2175111"/>
-                <a:gd name="connsiteX3" fmla="*/ 342812 w 1927580"/>
-                <a:gd name="connsiteY3" fmla="*/ 1630294 h 2175111"/>
-                <a:gd name="connsiteX4" fmla="*/ 0 w 1927580"/>
-                <a:gd name="connsiteY4" fmla="*/ 1133099 h 2175111"/>
-                <a:gd name="connsiteX0" fmla="*/ 836307 w 1941789"/>
-                <a:gd name="connsiteY0" fmla="*/ 1 h 1630497"/>
-                <a:gd name="connsiteX1" fmla="*/ 1926982 w 1941789"/>
-                <a:gd name="connsiteY1" fmla="*/ 1176647 h 1630497"/>
-                <a:gd name="connsiteX2" fmla="*/ 342812 w 1941789"/>
-                <a:gd name="connsiteY2" fmla="*/ 1630296 h 1630497"/>
-                <a:gd name="connsiteX3" fmla="*/ 0 w 1941789"/>
-                <a:gd name="connsiteY3" fmla="*/ 1133101 h 1630497"/>
-                <a:gd name="connsiteX0" fmla="*/ 836307 w 1739079"/>
-                <a:gd name="connsiteY0" fmla="*/ -1 h 1980188"/>
-                <a:gd name="connsiteX1" fmla="*/ 1709229 w 1739079"/>
-                <a:gd name="connsiteY1" fmla="*/ 1888071 h 1980188"/>
-                <a:gd name="connsiteX2" fmla="*/ 342812 w 1739079"/>
-                <a:gd name="connsiteY2" fmla="*/ 1630294 h 1980188"/>
-                <a:gd name="connsiteX3" fmla="*/ 0 w 1739079"/>
-                <a:gd name="connsiteY3" fmla="*/ 1133099 h 1980188"/>
-                <a:gd name="connsiteX0" fmla="*/ 836307 w 1797551"/>
-                <a:gd name="connsiteY0" fmla="*/ 1 h 1949383"/>
-                <a:gd name="connsiteX1" fmla="*/ 1709229 w 1797551"/>
-                <a:gd name="connsiteY1" fmla="*/ 1888073 h 1949383"/>
-                <a:gd name="connsiteX2" fmla="*/ 342812 w 1797551"/>
-                <a:gd name="connsiteY2" fmla="*/ 1630296 h 1949383"/>
-                <a:gd name="connsiteX3" fmla="*/ 0 w 1797551"/>
-                <a:gd name="connsiteY3" fmla="*/ 1133101 h 1949383"/>
-                <a:gd name="connsiteX0" fmla="*/ 836307 w 1559121"/>
-                <a:gd name="connsiteY0" fmla="*/ -1 h 1699925"/>
-                <a:gd name="connsiteX1" fmla="*/ 1390793 w 1559121"/>
-                <a:gd name="connsiteY1" fmla="*/ 1567680 h 1699925"/>
-                <a:gd name="connsiteX2" fmla="*/ 342812 w 1559121"/>
-                <a:gd name="connsiteY2" fmla="*/ 1630294 h 1699925"/>
-                <a:gd name="connsiteX3" fmla="*/ 0 w 1559121"/>
-                <a:gd name="connsiteY3" fmla="*/ 1133099 h 1699925"/>
-                <a:gd name="connsiteX0" fmla="*/ 836307 w 1486683"/>
-                <a:gd name="connsiteY0" fmla="*/ 1 h 2035859"/>
-                <a:gd name="connsiteX1" fmla="*/ 1390793 w 1486683"/>
-                <a:gd name="connsiteY1" fmla="*/ 1567682 h 2035859"/>
-                <a:gd name="connsiteX2" fmla="*/ 516148 w 1486683"/>
-                <a:gd name="connsiteY2" fmla="*/ 2020464 h 2035859"/>
-                <a:gd name="connsiteX3" fmla="*/ 0 w 1486683"/>
-                <a:gd name="connsiteY3" fmla="*/ 1133101 h 2035859"/>
-                <a:gd name="connsiteX0" fmla="*/ 836307 w 1623736"/>
-                <a:gd name="connsiteY0" fmla="*/ -1 h 2031585"/>
-                <a:gd name="connsiteX1" fmla="*/ 1587202 w 1623736"/>
-                <a:gd name="connsiteY1" fmla="*/ 1522555 h 2031585"/>
-                <a:gd name="connsiteX2" fmla="*/ 516148 w 1623736"/>
-                <a:gd name="connsiteY2" fmla="*/ 2020462 h 2031585"/>
-                <a:gd name="connsiteX3" fmla="*/ 0 w 1623736"/>
-                <a:gd name="connsiteY3" fmla="*/ 1133099 h 2031585"/>
-                <a:gd name="connsiteX0" fmla="*/ 836307 w 1610590"/>
-                <a:gd name="connsiteY0" fmla="*/ 1 h 2035476"/>
-                <a:gd name="connsiteX1" fmla="*/ 1587202 w 1610590"/>
-                <a:gd name="connsiteY1" fmla="*/ 1522557 h 2035476"/>
-                <a:gd name="connsiteX2" fmla="*/ 516148 w 1610590"/>
-                <a:gd name="connsiteY2" fmla="*/ 2020464 h 2035476"/>
-                <a:gd name="connsiteX3" fmla="*/ 0 w 1610590"/>
-                <a:gd name="connsiteY3" fmla="*/ 1133101 h 2035476"/>
-                <a:gd name="connsiteX0" fmla="*/ 547864 w 1587365"/>
-                <a:gd name="connsiteY0" fmla="*/ 0 h 1862355"/>
-                <a:gd name="connsiteX1" fmla="*/ 1587202 w 1587365"/>
-                <a:gd name="connsiteY1" fmla="*/ 1354247 h 1862355"/>
-                <a:gd name="connsiteX2" fmla="*/ 516148 w 1587365"/>
-                <a:gd name="connsiteY2" fmla="*/ 1852154 h 1862355"/>
-                <a:gd name="connsiteX3" fmla="*/ 0 w 1587365"/>
-                <a:gd name="connsiteY3" fmla="*/ 964791 h 1862355"/>
-                <a:gd name="connsiteX0" fmla="*/ 547864 w 1385579"/>
-                <a:gd name="connsiteY0" fmla="*/ 0 h 1856283"/>
-                <a:gd name="connsiteX1" fmla="*/ 1381088 w 1385579"/>
-                <a:gd name="connsiteY1" fmla="*/ 1241269 h 1856283"/>
-                <a:gd name="connsiteX2" fmla="*/ 516148 w 1385579"/>
-                <a:gd name="connsiteY2" fmla="*/ 1852154 h 1856283"/>
-                <a:gd name="connsiteX3" fmla="*/ 0 w 1385579"/>
-                <a:gd name="connsiteY3" fmla="*/ 964791 h 1856283"/>
-                <a:gd name="connsiteX0" fmla="*/ 547864 w 1381526"/>
-                <a:gd name="connsiteY0" fmla="*/ 0 h 1660131"/>
-                <a:gd name="connsiteX1" fmla="*/ 1381088 w 1381526"/>
-                <a:gd name="connsiteY1" fmla="*/ 1241269 h 1660131"/>
-                <a:gd name="connsiteX2" fmla="*/ 653310 w 1381526"/>
-                <a:gd name="connsiteY2" fmla="*/ 1653013 h 1660131"/>
-                <a:gd name="connsiteX3" fmla="*/ 0 w 1381526"/>
-                <a:gd name="connsiteY3" fmla="*/ 964791 h 1660131"/>
-                <a:gd name="connsiteX0" fmla="*/ 547864 w 1406646"/>
-                <a:gd name="connsiteY0" fmla="*/ 0 h 1659185"/>
-                <a:gd name="connsiteX1" fmla="*/ 1381088 w 1406646"/>
-                <a:gd name="connsiteY1" fmla="*/ 1241269 h 1659185"/>
-                <a:gd name="connsiteX2" fmla="*/ 653310 w 1406646"/>
-                <a:gd name="connsiteY2" fmla="*/ 1653013 h 1659185"/>
-                <a:gd name="connsiteX3" fmla="*/ 0 w 1406646"/>
-                <a:gd name="connsiteY3" fmla="*/ 964791 h 1659185"/>
-                <a:gd name="connsiteX0" fmla="*/ 547864 w 1432357"/>
-                <a:gd name="connsiteY0" fmla="*/ 0 h 1659301"/>
-                <a:gd name="connsiteX1" fmla="*/ 1381088 w 1432357"/>
-                <a:gd name="connsiteY1" fmla="*/ 1241269 h 1659301"/>
-                <a:gd name="connsiteX2" fmla="*/ 653310 w 1432357"/>
-                <a:gd name="connsiteY2" fmla="*/ 1653013 h 1659301"/>
-                <a:gd name="connsiteX3" fmla="*/ 0 w 1432357"/>
-                <a:gd name="connsiteY3" fmla="*/ 964791 h 1659301"/>
-                <a:gd name="connsiteX0" fmla="*/ 547864 w 1432357"/>
-                <a:gd name="connsiteY0" fmla="*/ 0 h 1690857"/>
-                <a:gd name="connsiteX1" fmla="*/ 1381088 w 1432357"/>
-                <a:gd name="connsiteY1" fmla="*/ 1241269 h 1690857"/>
-                <a:gd name="connsiteX2" fmla="*/ 653310 w 1432357"/>
-                <a:gd name="connsiteY2" fmla="*/ 1653013 h 1690857"/>
-                <a:gd name="connsiteX3" fmla="*/ 0 w 1432357"/>
-                <a:gd name="connsiteY3" fmla="*/ 964791 h 1690857"/>
-                <a:gd name="connsiteX0" fmla="*/ 571720 w 1456213"/>
-                <a:gd name="connsiteY0" fmla="*/ 0 h 1667442"/>
-                <a:gd name="connsiteX1" fmla="*/ 1404944 w 1456213"/>
-                <a:gd name="connsiteY1" fmla="*/ 1241269 h 1667442"/>
-                <a:gd name="connsiteX2" fmla="*/ 677166 w 1456213"/>
-                <a:gd name="connsiteY2" fmla="*/ 1653013 h 1667442"/>
-                <a:gd name="connsiteX3" fmla="*/ -1 w 1456213"/>
-                <a:gd name="connsiteY3" fmla="*/ 778960 h 1667442"/>
-                <a:gd name="connsiteX0" fmla="*/ 571721 w 1405090"/>
-                <a:gd name="connsiteY0" fmla="*/ 0 h 1769961"/>
-                <a:gd name="connsiteX1" fmla="*/ 1404945 w 1405090"/>
-                <a:gd name="connsiteY1" fmla="*/ 1241269 h 1769961"/>
-                <a:gd name="connsiteX2" fmla="*/ 633799 w 1405090"/>
-                <a:gd name="connsiteY2" fmla="*/ 1757726 h 1769961"/>
-                <a:gd name="connsiteX3" fmla="*/ 0 w 1405090"/>
-                <a:gd name="connsiteY3" fmla="*/ 778960 h 1769961"/>
-                <a:gd name="connsiteX0" fmla="*/ 571721 w 1426634"/>
-                <a:gd name="connsiteY0" fmla="*/ 0 h 1771108"/>
-                <a:gd name="connsiteX1" fmla="*/ 1404945 w 1426634"/>
-                <a:gd name="connsiteY1" fmla="*/ 1241269 h 1771108"/>
-                <a:gd name="connsiteX2" fmla="*/ 633799 w 1426634"/>
-                <a:gd name="connsiteY2" fmla="*/ 1757726 h 1771108"/>
-                <a:gd name="connsiteX3" fmla="*/ 0 w 1426634"/>
-                <a:gd name="connsiteY3" fmla="*/ 778960 h 1771108"/>
-                <a:gd name="connsiteX0" fmla="*/ 571721 w 1463015"/>
-                <a:gd name="connsiteY0" fmla="*/ 0 h 1770849"/>
-                <a:gd name="connsiteX1" fmla="*/ 1404945 w 1463015"/>
-                <a:gd name="connsiteY1" fmla="*/ 1241269 h 1770849"/>
-                <a:gd name="connsiteX2" fmla="*/ 633799 w 1463015"/>
-                <a:gd name="connsiteY2" fmla="*/ 1757726 h 1770849"/>
-                <a:gd name="connsiteX3" fmla="*/ 0 w 1463015"/>
-                <a:gd name="connsiteY3" fmla="*/ 778960 h 1770849"/>
-              </a:gdLst>
-              <a:ahLst/>
-              <a:cxnLst>
-                <a:cxn ang="0">
-                  <a:pos x="connsiteX0" y="connsiteY0"/>
-                </a:cxn>
-                <a:cxn ang="0">
-                  <a:pos x="connsiteX1" y="connsiteY1"/>
-                </a:cxn>
-                <a:cxn ang="0">
-                  <a:pos x="connsiteX2" y="connsiteY2"/>
-                </a:cxn>
-                <a:cxn ang="0">
-                  <a:pos x="connsiteX3" y="connsiteY3"/>
-                </a:cxn>
-              </a:cxnLst>
-              <a:rect l="l" t="t" r="r" b="b"/>
-              <a:pathLst>
-                <a:path w="1463015" h="1770849">
-                  <a:moveTo>
-                    <a:pt x="571721" y="0"/>
-                  </a:moveTo>
-                  <a:cubicBezTo>
-                    <a:pt x="1498156" y="164007"/>
-                    <a:pt x="1542345" y="921658"/>
-                    <a:pt x="1404945" y="1241269"/>
-                  </a:cubicBezTo>
-                  <a:cubicBezTo>
-                    <a:pt x="1267545" y="1560880"/>
-                    <a:pt x="867956" y="1834777"/>
-                    <a:pt x="633799" y="1757726"/>
-                  </a:cubicBezTo>
-                  <a:cubicBezTo>
-                    <a:pt x="399642" y="1680675"/>
-                    <a:pt x="74734" y="887399"/>
-                    <a:pt x="0" y="778960"/>
-                  </a:cubicBezTo>
-                </a:path>
-              </a:pathLst>
-            </a:custGeom>
-            <a:noFill/>
-            <a:ln w="142875">
-              <a:solidFill>
-                <a:schemeClr val="tx1">
-                  <a:lumMod val="50000"/>
-                  <a:lumOff val="50000"/>
-                </a:schemeClr>
-              </a:solidFill>
-              <a:tailEnd type="triangle"/>
-            </a:ln>
-          </p:spPr>
-          <p:style>
-            <a:lnRef idx="2">
-              <a:schemeClr val="accent1">
-                <a:shade val="50000"/>
-              </a:schemeClr>
-            </a:lnRef>
-            <a:fillRef idx="1">
-              <a:schemeClr val="accent1"/>
-            </a:fillRef>
-            <a:effectRef idx="0">
-              <a:schemeClr val="accent1"/>
-            </a:effectRef>
-            <a:fontRef idx="minor">
-              <a:schemeClr val="lt1"/>
-            </a:fontRef>
-          </p:style>
-          <p:txBody>
-            <a:bodyPr rtlCol="0" anchor="ctr"/>
-            <a:lstStyle/>
-            <a:p>
-              <a:pPr algn="ctr"/>
-              <a:endParaRPr lang="de-DE"/>
-            </a:p>
-          </p:txBody>
-        </p:sp>
-        <p:sp>
-          <p:nvSpPr>
-            <p:cNvPr id="23" name="TextBox 22"/>
-            <p:cNvSpPr txBox="1"/>
-            <p:nvPr/>
-          </p:nvSpPr>
-          <p:spPr>
-            <a:xfrm rot="20392435">
-              <a:off x="11713968" y="4078383"/>
-              <a:ext cx="1335331" cy="523220"/>
-            </a:xfrm>
-            <a:prstGeom prst="rect">
-              <a:avLst/>
-            </a:prstGeom>
-            <a:noFill/>
-          </p:spPr>
-          <p:txBody>
-            <a:bodyPr wrap="square" rtlCol="0">
-              <a:spAutoFit/>
-            </a:bodyPr>
-            <a:lstStyle/>
-            <a:p>
-              <a:pPr algn="ctr"/>
-              <a:r>
-                <a:rPr lang="en-US" sz="2800" b="1" dirty="0" err="1" smtClean="0"/>
-                <a:t>cfg</a:t>
-              </a:r>
-              <a:endParaRPr lang="de-DE" sz="2800" b="1" dirty="0"/>
-            </a:p>
-          </p:txBody>
-        </p:sp>
-      </p:grpSp>
-    </p:spTree>
-    <p:extLst>
-      <p:ext uri="{BB962C8B-B14F-4D97-AF65-F5344CB8AC3E}">
-        <p14:creationId xmlns:p14="http://schemas.microsoft.com/office/powerpoint/2010/main" val="1215393091"/>
-      </p:ext>
-    </p:extLst>
-  </p:cSld>
-  <p:clrMapOvr>
-    <a:masterClrMapping/>
-  </p:clrMapOvr>
-  <p:timing>
-    <p:tnLst>
-      <p:par>
-        <p:cTn id="1" dur="indefinite" restart="never" nodeType="tmRoot"/>
-      </p:par>
-    </p:tnLst>
-  </p:timing>
 </p:sld>
 </file>
 
@@ -16973,17 +16461,1139 @@
   <p:clrMapOvr>
     <a:masterClrMapping/>
   </p:clrMapOvr>
-  <p:timing>
-    <p:tnLst>
-      <p:par>
-        <p:cTn id="1" dur="indefinite" restart="never" nodeType="tmRoot"/>
-      </p:par>
-    </p:tnLst>
-  </p:timing>
 </p:sld>
 </file>
 
 <file path=ppt/slides/slide20.xml><?xml version="1.0" encoding="utf-8"?>
+<p:sld xmlns:a="http://schemas.openxmlformats.org/drawingml/2006/main" xmlns:r="http://schemas.openxmlformats.org/officeDocument/2006/relationships" xmlns:p="http://schemas.openxmlformats.org/presentationml/2006/main">
+  <p:cSld>
+    <p:spTree>
+      <p:nvGrpSpPr>
+        <p:cNvPr id="1" name=""/>
+        <p:cNvGrpSpPr/>
+        <p:nvPr/>
+      </p:nvGrpSpPr>
+      <p:grpSpPr>
+        <a:xfrm>
+          <a:off x="0" y="0"/>
+          <a:ext cx="0" cy="0"/>
+          <a:chOff x="0" y="0"/>
+          <a:chExt cx="0" cy="0"/>
+        </a:xfrm>
+      </p:grpSpPr>
+      <p:sp>
+        <p:nvSpPr>
+          <p:cNvPr id="76" name="Rounded Rectangle 75"/>
+          <p:cNvSpPr/>
+          <p:nvPr/>
+        </p:nvSpPr>
+        <p:spPr>
+          <a:xfrm>
+            <a:off x="10762076" y="5218085"/>
+            <a:ext cx="1441656" cy="1514439"/>
+          </a:xfrm>
+          <a:prstGeom prst="rect">
+            <a:avLst/>
+          </a:prstGeom>
+          <a:solidFill>
+            <a:schemeClr val="accent1">
+              <a:lumMod val="75000"/>
+            </a:schemeClr>
+          </a:solidFill>
+          <a:ln w="76200">
+            <a:solidFill>
+              <a:schemeClr val="accent1">
+                <a:lumMod val="50000"/>
+              </a:schemeClr>
+            </a:solidFill>
+          </a:ln>
+        </p:spPr>
+        <p:style>
+          <a:lnRef idx="2">
+            <a:schemeClr val="accent1">
+              <a:shade val="50000"/>
+            </a:schemeClr>
+          </a:lnRef>
+          <a:fillRef idx="1">
+            <a:schemeClr val="accent1"/>
+          </a:fillRef>
+          <a:effectRef idx="0">
+            <a:schemeClr val="accent1"/>
+          </a:effectRef>
+          <a:fontRef idx="minor">
+            <a:schemeClr val="lt1"/>
+          </a:fontRef>
+        </p:style>
+        <p:txBody>
+          <a:bodyPr rtlCol="0" anchor="ctr"/>
+          <a:lstStyle/>
+          <a:p>
+            <a:pPr algn="ctr"/>
+            <a:r>
+              <a:rPr lang="en-US" sz="2000" b="1" dirty="0"/>
+              <a:t>V1</a:t>
+            </a:r>
+          </a:p>
+          <a:p>
+            <a:pPr algn="ctr"/>
+            <a:r>
+              <a:rPr lang="en-US" sz="2000" b="1" dirty="0"/>
+              <a:t>Instance</a:t>
+            </a:r>
+            <a:endParaRPr lang="de-DE" sz="2000" b="1" dirty="0"/>
+          </a:p>
+        </p:txBody>
+      </p:sp>
+      <p:pic>
+        <p:nvPicPr>
+          <p:cNvPr id="85" name="Picture 2" descr="https://a0.awsstatic.com/main/images/logos/aws_logo.png"/>
+          <p:cNvPicPr>
+            <a:picLocks noChangeAspect="1" noChangeArrowheads="1"/>
+          </p:cNvPicPr>
+          <p:nvPr/>
+        </p:nvPicPr>
+        <p:blipFill>
+          <a:blip r:embed="rId2">
+            <a:extLst>
+              <a:ext uri="{28A0092B-C50C-407E-A947-70E740481C1C}">
+                <a14:useLocalDpi xmlns:a14="http://schemas.microsoft.com/office/drawing/2010/main" val="0"/>
+              </a:ext>
+            </a:extLst>
+          </a:blip>
+          <a:srcRect/>
+          <a:stretch>
+            <a:fillRect/>
+          </a:stretch>
+        </p:blipFill>
+        <p:spPr bwMode="auto">
+          <a:xfrm>
+            <a:off x="11900963" y="4382995"/>
+            <a:ext cx="1466377" cy="553964"/>
+          </a:xfrm>
+          <a:prstGeom prst="rect">
+            <a:avLst/>
+          </a:prstGeom>
+          <a:noFill/>
+          <a:extLst>
+            <a:ext uri="{909E8E84-426E-40DD-AFC4-6F175D3DCCD1}">
+              <a14:hiddenFill xmlns:a14="http://schemas.microsoft.com/office/drawing/2010/main">
+                <a:solidFill>
+                  <a:srgbClr val="FFFFFF"/>
+                </a:solidFill>
+              </a14:hiddenFill>
+            </a:ext>
+          </a:extLst>
+        </p:spPr>
+      </p:pic>
+      <p:grpSp>
+        <p:nvGrpSpPr>
+          <p:cNvPr id="66" name="Group 41"/>
+          <p:cNvGrpSpPr/>
+          <p:nvPr/>
+        </p:nvGrpSpPr>
+        <p:grpSpPr>
+          <a:xfrm>
+            <a:off x="11373524" y="3256642"/>
+            <a:ext cx="2634343" cy="708691"/>
+            <a:chOff x="671873" y="646669"/>
+            <a:chExt cx="2634343" cy="708691"/>
+          </a:xfrm>
+        </p:grpSpPr>
+        <p:sp>
+          <p:nvSpPr>
+            <p:cNvPr id="67" name="Snip Diagonal Corner Rectangle 95"/>
+            <p:cNvSpPr/>
+            <p:nvPr/>
+          </p:nvSpPr>
+          <p:spPr>
+            <a:xfrm>
+              <a:off x="671873" y="646669"/>
+              <a:ext cx="2634342" cy="708691"/>
+            </a:xfrm>
+            <a:prstGeom prst="roundRect">
+              <a:avLst/>
+            </a:prstGeom>
+            <a:solidFill>
+              <a:srgbClr val="996633"/>
+            </a:solidFill>
+            <a:ln w="76200">
+              <a:solidFill>
+                <a:srgbClr val="663300"/>
+              </a:solidFill>
+            </a:ln>
+          </p:spPr>
+          <p:style>
+            <a:lnRef idx="2">
+              <a:schemeClr val="accent4">
+                <a:shade val="50000"/>
+              </a:schemeClr>
+            </a:lnRef>
+            <a:fillRef idx="1">
+              <a:schemeClr val="accent4"/>
+            </a:fillRef>
+            <a:effectRef idx="0">
+              <a:schemeClr val="accent4"/>
+            </a:effectRef>
+            <a:fontRef idx="minor">
+              <a:schemeClr val="lt1"/>
+            </a:fontRef>
+          </p:style>
+          <p:txBody>
+            <a:bodyPr rtlCol="0" anchor="ctr"/>
+            <a:lstStyle/>
+            <a:p>
+              <a:pPr algn="ctr"/>
+              <a:endParaRPr lang="de-DE" dirty="0"/>
+            </a:p>
+          </p:txBody>
+        </p:sp>
+        <p:sp>
+          <p:nvSpPr>
+            <p:cNvPr id="68" name="TextBox 96"/>
+            <p:cNvSpPr txBox="1"/>
+            <p:nvPr/>
+          </p:nvSpPr>
+          <p:spPr>
+            <a:xfrm>
+              <a:off x="715416" y="793462"/>
+              <a:ext cx="2590800" cy="434935"/>
+            </a:xfrm>
+            <a:prstGeom prst="snip2SameRect">
+              <a:avLst/>
+            </a:prstGeom>
+            <a:noFill/>
+            <a:ln w="76200">
+              <a:noFill/>
+            </a:ln>
+          </p:spPr>
+          <p:txBody>
+            <a:bodyPr wrap="square" rtlCol="0">
+              <a:spAutoFit/>
+            </a:bodyPr>
+            <a:lstStyle/>
+            <a:p>
+              <a:pPr algn="ctr"/>
+              <a:r>
+                <a:rPr lang="en-US" sz="2000" b="1" dirty="0">
+                  <a:solidFill>
+                    <a:schemeClr val="bg1"/>
+                  </a:solidFill>
+                </a:rPr>
+                <a:t>Elastic Load Balancer</a:t>
+              </a:r>
+              <a:endParaRPr lang="de-DE" sz="2400" b="1" dirty="0">
+                <a:solidFill>
+                  <a:schemeClr val="bg1"/>
+                </a:solidFill>
+              </a:endParaRPr>
+            </a:p>
+          </p:txBody>
+        </p:sp>
+      </p:grpSp>
+      <p:sp>
+        <p:nvSpPr>
+          <p:cNvPr id="98" name="Rounded Rectangle 75"/>
+          <p:cNvSpPr/>
+          <p:nvPr/>
+        </p:nvSpPr>
+        <p:spPr>
+          <a:xfrm>
+            <a:off x="10580369" y="5370485"/>
+            <a:ext cx="1441656" cy="1514439"/>
+          </a:xfrm>
+          <a:prstGeom prst="rect">
+            <a:avLst/>
+          </a:prstGeom>
+          <a:solidFill>
+            <a:schemeClr val="accent1">
+              <a:lumMod val="75000"/>
+            </a:schemeClr>
+          </a:solidFill>
+          <a:ln w="76200">
+            <a:solidFill>
+              <a:schemeClr val="accent1">
+                <a:lumMod val="50000"/>
+              </a:schemeClr>
+            </a:solidFill>
+          </a:ln>
+        </p:spPr>
+        <p:style>
+          <a:lnRef idx="2">
+            <a:schemeClr val="accent1">
+              <a:shade val="50000"/>
+            </a:schemeClr>
+          </a:lnRef>
+          <a:fillRef idx="1">
+            <a:schemeClr val="accent1"/>
+          </a:fillRef>
+          <a:effectRef idx="0">
+            <a:schemeClr val="accent1"/>
+          </a:effectRef>
+          <a:fontRef idx="minor">
+            <a:schemeClr val="lt1"/>
+          </a:fontRef>
+        </p:style>
+        <p:txBody>
+          <a:bodyPr rtlCol="0" anchor="ctr"/>
+          <a:lstStyle/>
+          <a:p>
+            <a:pPr algn="ctr"/>
+            <a:r>
+              <a:rPr lang="en-US" sz="2000" b="1" dirty="0"/>
+              <a:t>V1</a:t>
+            </a:r>
+          </a:p>
+          <a:p>
+            <a:pPr algn="ctr"/>
+            <a:r>
+              <a:rPr lang="en-US" sz="2000" b="1" dirty="0"/>
+              <a:t>Instance</a:t>
+            </a:r>
+            <a:endParaRPr lang="de-DE" sz="2000" b="1" dirty="0"/>
+          </a:p>
+        </p:txBody>
+      </p:sp>
+      <p:sp>
+        <p:nvSpPr>
+          <p:cNvPr id="99" name="Rounded Rectangle 75"/>
+          <p:cNvSpPr/>
+          <p:nvPr/>
+        </p:nvSpPr>
+        <p:spPr>
+          <a:xfrm>
+            <a:off x="13298866" y="5218085"/>
+            <a:ext cx="1441656" cy="1514439"/>
+          </a:xfrm>
+          <a:prstGeom prst="rect">
+            <a:avLst/>
+          </a:prstGeom>
+          <a:solidFill>
+            <a:schemeClr val="accent6">
+              <a:lumMod val="75000"/>
+            </a:schemeClr>
+          </a:solidFill>
+          <a:ln w="76200">
+            <a:solidFill>
+              <a:schemeClr val="accent6">
+                <a:lumMod val="50000"/>
+              </a:schemeClr>
+            </a:solidFill>
+          </a:ln>
+        </p:spPr>
+        <p:style>
+          <a:lnRef idx="2">
+            <a:schemeClr val="accent1">
+              <a:shade val="50000"/>
+            </a:schemeClr>
+          </a:lnRef>
+          <a:fillRef idx="1">
+            <a:schemeClr val="accent1"/>
+          </a:fillRef>
+          <a:effectRef idx="0">
+            <a:schemeClr val="accent1"/>
+          </a:effectRef>
+          <a:fontRef idx="minor">
+            <a:schemeClr val="lt1"/>
+          </a:fontRef>
+        </p:style>
+        <p:txBody>
+          <a:bodyPr rtlCol="0" anchor="ctr"/>
+          <a:lstStyle/>
+          <a:p>
+            <a:pPr algn="ctr"/>
+            <a:r>
+              <a:rPr lang="en-US" sz="2000" b="1" dirty="0"/>
+              <a:t>V1</a:t>
+            </a:r>
+          </a:p>
+          <a:p>
+            <a:pPr algn="ctr"/>
+            <a:r>
+              <a:rPr lang="en-US" sz="2000" b="1" dirty="0"/>
+              <a:t>Instance</a:t>
+            </a:r>
+            <a:endParaRPr lang="de-DE" sz="2000" b="1" dirty="0"/>
+          </a:p>
+        </p:txBody>
+      </p:sp>
+      <p:sp>
+        <p:nvSpPr>
+          <p:cNvPr id="101" name="Rounded Rectangle 75"/>
+          <p:cNvSpPr/>
+          <p:nvPr/>
+        </p:nvSpPr>
+        <p:spPr>
+          <a:xfrm>
+            <a:off x="13138930" y="5392257"/>
+            <a:ext cx="1441656" cy="1514439"/>
+          </a:xfrm>
+          <a:prstGeom prst="rect">
+            <a:avLst/>
+          </a:prstGeom>
+          <a:solidFill>
+            <a:schemeClr val="accent6">
+              <a:lumMod val="75000"/>
+            </a:schemeClr>
+          </a:solidFill>
+          <a:ln w="76200">
+            <a:solidFill>
+              <a:schemeClr val="accent6">
+                <a:lumMod val="50000"/>
+              </a:schemeClr>
+            </a:solidFill>
+          </a:ln>
+        </p:spPr>
+        <p:style>
+          <a:lnRef idx="2">
+            <a:schemeClr val="accent1">
+              <a:shade val="50000"/>
+            </a:schemeClr>
+          </a:lnRef>
+          <a:fillRef idx="1">
+            <a:schemeClr val="accent1"/>
+          </a:fillRef>
+          <a:effectRef idx="0">
+            <a:schemeClr val="accent1"/>
+          </a:effectRef>
+          <a:fontRef idx="minor">
+            <a:schemeClr val="lt1"/>
+          </a:fontRef>
+        </p:style>
+        <p:txBody>
+          <a:bodyPr rtlCol="0" anchor="ctr"/>
+          <a:lstStyle/>
+          <a:p>
+            <a:pPr algn="ctr"/>
+            <a:r>
+              <a:rPr lang="en-US" sz="2000" b="1" dirty="0"/>
+              <a:t>V2</a:t>
+            </a:r>
+          </a:p>
+          <a:p>
+            <a:pPr algn="ctr"/>
+            <a:r>
+              <a:rPr lang="en-US" sz="2000" b="1" dirty="0"/>
+              <a:t>Instance</a:t>
+            </a:r>
+            <a:endParaRPr lang="de-DE" sz="2000" b="1" dirty="0"/>
+          </a:p>
+        </p:txBody>
+      </p:sp>
+      <p:cxnSp>
+        <p:nvCxnSpPr>
+          <p:cNvPr id="102" name="Straight Arrow Connector 101"/>
+          <p:cNvCxnSpPr/>
+          <p:nvPr/>
+        </p:nvCxnSpPr>
+        <p:spPr>
+          <a:xfrm flipH="1">
+            <a:off x="11465547" y="4088424"/>
+            <a:ext cx="517575" cy="1055293"/>
+          </a:xfrm>
+          <a:prstGeom prst="straightConnector1">
+            <a:avLst/>
+          </a:prstGeom>
+          <a:ln w="142875">
+            <a:solidFill>
+              <a:schemeClr val="tx1">
+                <a:lumMod val="50000"/>
+                <a:lumOff val="50000"/>
+              </a:schemeClr>
+            </a:solidFill>
+            <a:tailEnd type="triangle"/>
+          </a:ln>
+        </p:spPr>
+        <p:style>
+          <a:lnRef idx="1">
+            <a:schemeClr val="accent1"/>
+          </a:lnRef>
+          <a:fillRef idx="0">
+            <a:schemeClr val="accent1"/>
+          </a:fillRef>
+          <a:effectRef idx="0">
+            <a:schemeClr val="accent1"/>
+          </a:effectRef>
+          <a:fontRef idx="minor">
+            <a:schemeClr val="tx1"/>
+          </a:fontRef>
+        </p:style>
+      </p:cxnSp>
+      <p:cxnSp>
+        <p:nvCxnSpPr>
+          <p:cNvPr id="103" name="Straight Arrow Connector 102"/>
+          <p:cNvCxnSpPr/>
+          <p:nvPr/>
+        </p:nvCxnSpPr>
+        <p:spPr>
+          <a:xfrm>
+            <a:off x="13345930" y="4106007"/>
+            <a:ext cx="478887" cy="1040640"/>
+          </a:xfrm>
+          <a:prstGeom prst="straightConnector1">
+            <a:avLst/>
+          </a:prstGeom>
+          <a:ln w="142875">
+            <a:solidFill>
+              <a:schemeClr val="bg1">
+                <a:lumMod val="75000"/>
+              </a:schemeClr>
+            </a:solidFill>
+            <a:prstDash val="sysDot"/>
+            <a:tailEnd type="triangle"/>
+          </a:ln>
+        </p:spPr>
+        <p:style>
+          <a:lnRef idx="1">
+            <a:schemeClr val="accent1"/>
+          </a:lnRef>
+          <a:fillRef idx="0">
+            <a:schemeClr val="accent1"/>
+          </a:fillRef>
+          <a:effectRef idx="0">
+            <a:schemeClr val="accent1"/>
+          </a:effectRef>
+          <a:fontRef idx="minor">
+            <a:schemeClr val="tx1"/>
+          </a:fontRef>
+        </p:style>
+      </p:cxnSp>
+      <p:sp>
+        <p:nvSpPr>
+          <p:cNvPr id="17" name="Rounded Rectangle 16"/>
+          <p:cNvSpPr/>
+          <p:nvPr/>
+        </p:nvSpPr>
+        <p:spPr>
+          <a:xfrm>
+            <a:off x="2783273" y="3138160"/>
+            <a:ext cx="1896954" cy="1908625"/>
+          </a:xfrm>
+          <a:prstGeom prst="roundRect">
+            <a:avLst/>
+          </a:prstGeom>
+          <a:noFill/>
+          <a:ln w="57150">
+            <a:solidFill>
+              <a:schemeClr val="bg1">
+                <a:lumMod val="50000"/>
+              </a:schemeClr>
+            </a:solidFill>
+            <a:prstDash val="dash"/>
+          </a:ln>
+        </p:spPr>
+        <p:style>
+          <a:lnRef idx="2">
+            <a:schemeClr val="accent1">
+              <a:shade val="50000"/>
+            </a:schemeClr>
+          </a:lnRef>
+          <a:fillRef idx="1">
+            <a:schemeClr val="accent1"/>
+          </a:fillRef>
+          <a:effectRef idx="0">
+            <a:schemeClr val="accent1"/>
+          </a:effectRef>
+          <a:fontRef idx="minor">
+            <a:schemeClr val="lt1"/>
+          </a:fontRef>
+        </p:style>
+        <p:txBody>
+          <a:bodyPr rtlCol="0" anchor="ctr"/>
+          <a:lstStyle/>
+          <a:p>
+            <a:pPr algn="ctr"/>
+            <a:endParaRPr lang="de-DE"/>
+          </a:p>
+        </p:txBody>
+      </p:sp>
+      <p:sp>
+        <p:nvSpPr>
+          <p:cNvPr id="19" name="Rounded Rectangle 75"/>
+          <p:cNvSpPr/>
+          <p:nvPr/>
+        </p:nvSpPr>
+        <p:spPr>
+          <a:xfrm>
+            <a:off x="3022751" y="3315181"/>
+            <a:ext cx="1441656" cy="1514439"/>
+          </a:xfrm>
+          <a:prstGeom prst="rect">
+            <a:avLst/>
+          </a:prstGeom>
+          <a:solidFill>
+            <a:schemeClr val="accent2">
+              <a:lumMod val="75000"/>
+            </a:schemeClr>
+          </a:solidFill>
+          <a:ln w="76200">
+            <a:solidFill>
+              <a:schemeClr val="accent2">
+                <a:lumMod val="50000"/>
+              </a:schemeClr>
+            </a:solidFill>
+          </a:ln>
+        </p:spPr>
+        <p:style>
+          <a:lnRef idx="2">
+            <a:schemeClr val="accent1">
+              <a:shade val="50000"/>
+            </a:schemeClr>
+          </a:lnRef>
+          <a:fillRef idx="1">
+            <a:schemeClr val="accent1"/>
+          </a:fillRef>
+          <a:effectRef idx="0">
+            <a:schemeClr val="accent1"/>
+          </a:effectRef>
+          <a:fontRef idx="minor">
+            <a:schemeClr val="lt1"/>
+          </a:fontRef>
+        </p:style>
+        <p:txBody>
+          <a:bodyPr rtlCol="0" anchor="ctr"/>
+          <a:lstStyle/>
+          <a:p>
+            <a:pPr algn="ctr"/>
+            <a:r>
+              <a:rPr lang="en-US" sz="2000" b="1" dirty="0"/>
+              <a:t>Instance</a:t>
+            </a:r>
+            <a:endParaRPr lang="de-DE" sz="2000" b="1" dirty="0"/>
+          </a:p>
+        </p:txBody>
+      </p:sp>
+      <p:grpSp>
+        <p:nvGrpSpPr>
+          <p:cNvPr id="21" name="Group 20"/>
+          <p:cNvGrpSpPr/>
+          <p:nvPr/>
+        </p:nvGrpSpPr>
+        <p:grpSpPr>
+          <a:xfrm rot="20392435" flipH="1">
+            <a:off x="1750790" y="2674414"/>
+            <a:ext cx="1366681" cy="1009305"/>
+            <a:chOff x="11713968" y="3937995"/>
+            <a:chExt cx="1335331" cy="1009305"/>
+          </a:xfrm>
+        </p:grpSpPr>
+        <p:sp>
+          <p:nvSpPr>
+            <p:cNvPr id="22" name="Freeform 21"/>
+            <p:cNvSpPr/>
+            <p:nvPr/>
+          </p:nvSpPr>
+          <p:spPr>
+            <a:xfrm rot="16444475">
+              <a:off x="11872281" y="3902398"/>
+              <a:ext cx="1009305" cy="1080499"/>
+            </a:xfrm>
+            <a:custGeom>
+              <a:avLst/>
+              <a:gdLst>
+                <a:gd name="connsiteX0" fmla="*/ 105508 w 2166585"/>
+                <a:gd name="connsiteY0" fmla="*/ 0 h 2444531"/>
+                <a:gd name="connsiteX1" fmla="*/ 2127738 w 2166585"/>
+                <a:gd name="connsiteY1" fmla="*/ 1345223 h 2444531"/>
+                <a:gd name="connsiteX2" fmla="*/ 1345223 w 2166585"/>
+                <a:gd name="connsiteY2" fmla="*/ 2444261 h 2444531"/>
+                <a:gd name="connsiteX3" fmla="*/ 211015 w 2166585"/>
+                <a:gd name="connsiteY3" fmla="*/ 1248508 h 2444531"/>
+                <a:gd name="connsiteX4" fmla="*/ 0 w 2166585"/>
+                <a:gd name="connsiteY4" fmla="*/ 870438 h 2444531"/>
+                <a:gd name="connsiteX0" fmla="*/ 105508 w 1719547"/>
+                <a:gd name="connsiteY0" fmla="*/ 0 h 2452308"/>
+                <a:gd name="connsiteX1" fmla="*/ 1645704 w 1719547"/>
+                <a:gd name="connsiteY1" fmla="*/ 590519 h 2452308"/>
+                <a:gd name="connsiteX2" fmla="*/ 1345223 w 1719547"/>
+                <a:gd name="connsiteY2" fmla="*/ 2444261 h 2452308"/>
+                <a:gd name="connsiteX3" fmla="*/ 211015 w 1719547"/>
+                <a:gd name="connsiteY3" fmla="*/ 1248508 h 2452308"/>
+                <a:gd name="connsiteX4" fmla="*/ 0 w 1719547"/>
+                <a:gd name="connsiteY4" fmla="*/ 870438 h 2452308"/>
+                <a:gd name="connsiteX0" fmla="*/ 105508 w 1773053"/>
+                <a:gd name="connsiteY0" fmla="*/ 0 h 2452306"/>
+                <a:gd name="connsiteX1" fmla="*/ 1645704 w 1773053"/>
+                <a:gd name="connsiteY1" fmla="*/ 590519 h 2452306"/>
+                <a:gd name="connsiteX2" fmla="*/ 1345223 w 1773053"/>
+                <a:gd name="connsiteY2" fmla="*/ 2444261 h 2452306"/>
+                <a:gd name="connsiteX3" fmla="*/ 211015 w 1773053"/>
+                <a:gd name="connsiteY3" fmla="*/ 1248508 h 2452306"/>
+                <a:gd name="connsiteX4" fmla="*/ 0 w 1773053"/>
+                <a:gd name="connsiteY4" fmla="*/ 870438 h 2452306"/>
+                <a:gd name="connsiteX0" fmla="*/ 272767 w 1707833"/>
+                <a:gd name="connsiteY0" fmla="*/ -1 h 2769509"/>
+                <a:gd name="connsiteX1" fmla="*/ 1645704 w 1707833"/>
+                <a:gd name="connsiteY1" fmla="*/ 907720 h 2769509"/>
+                <a:gd name="connsiteX2" fmla="*/ 1345223 w 1707833"/>
+                <a:gd name="connsiteY2" fmla="*/ 2761462 h 2769509"/>
+                <a:gd name="connsiteX3" fmla="*/ 211015 w 1707833"/>
+                <a:gd name="connsiteY3" fmla="*/ 1565709 h 2769509"/>
+                <a:gd name="connsiteX4" fmla="*/ 0 w 1707833"/>
+                <a:gd name="connsiteY4" fmla="*/ 1187639 h 2769509"/>
+                <a:gd name="connsiteX0" fmla="*/ 272767 w 1707833"/>
+                <a:gd name="connsiteY0" fmla="*/ 1 h 2769509"/>
+                <a:gd name="connsiteX1" fmla="*/ 1645704 w 1707833"/>
+                <a:gd name="connsiteY1" fmla="*/ 907722 h 2769509"/>
+                <a:gd name="connsiteX2" fmla="*/ 1345223 w 1707833"/>
+                <a:gd name="connsiteY2" fmla="*/ 2761464 h 2769509"/>
+                <a:gd name="connsiteX3" fmla="*/ 211015 w 1707833"/>
+                <a:gd name="connsiteY3" fmla="*/ 1565711 h 2769509"/>
+                <a:gd name="connsiteX4" fmla="*/ 0 w 1707833"/>
+                <a:gd name="connsiteY4" fmla="*/ 1187641 h 2769509"/>
+                <a:gd name="connsiteX0" fmla="*/ 272767 w 1668896"/>
+                <a:gd name="connsiteY0" fmla="*/ -1 h 2135095"/>
+                <a:gd name="connsiteX1" fmla="*/ 1645704 w 1668896"/>
+                <a:gd name="connsiteY1" fmla="*/ 907720 h 2135095"/>
+                <a:gd name="connsiteX2" fmla="*/ 1069305 w 1668896"/>
+                <a:gd name="connsiteY2" fmla="*/ 2119739 h 2135095"/>
+                <a:gd name="connsiteX3" fmla="*/ 211015 w 1668896"/>
+                <a:gd name="connsiteY3" fmla="*/ 1565709 h 2135095"/>
+                <a:gd name="connsiteX4" fmla="*/ 0 w 1668896"/>
+                <a:gd name="connsiteY4" fmla="*/ 1187639 h 2135095"/>
+                <a:gd name="connsiteX0" fmla="*/ 272767 w 1674676"/>
+                <a:gd name="connsiteY0" fmla="*/ 1 h 2137565"/>
+                <a:gd name="connsiteX1" fmla="*/ 1645704 w 1674676"/>
+                <a:gd name="connsiteY1" fmla="*/ 907722 h 2137565"/>
+                <a:gd name="connsiteX2" fmla="*/ 1069305 w 1674676"/>
+                <a:gd name="connsiteY2" fmla="*/ 2119741 h 2137565"/>
+                <a:gd name="connsiteX3" fmla="*/ 211015 w 1674676"/>
+                <a:gd name="connsiteY3" fmla="*/ 1565711 h 2137565"/>
+                <a:gd name="connsiteX4" fmla="*/ 0 w 1674676"/>
+                <a:gd name="connsiteY4" fmla="*/ 1187641 h 2137565"/>
+                <a:gd name="connsiteX0" fmla="*/ 272767 w 1571106"/>
+                <a:gd name="connsiteY0" fmla="*/ -1 h 2129034"/>
+                <a:gd name="connsiteX1" fmla="*/ 1543936 w 1571106"/>
+                <a:gd name="connsiteY1" fmla="*/ 1075043 h 2129034"/>
+                <a:gd name="connsiteX2" fmla="*/ 1069305 w 1571106"/>
+                <a:gd name="connsiteY2" fmla="*/ 2119739 h 2129034"/>
+                <a:gd name="connsiteX3" fmla="*/ 211015 w 1571106"/>
+                <a:gd name="connsiteY3" fmla="*/ 1565709 h 2129034"/>
+                <a:gd name="connsiteX4" fmla="*/ 0 w 1571106"/>
+                <a:gd name="connsiteY4" fmla="*/ 1187639 h 2129034"/>
+                <a:gd name="connsiteX0" fmla="*/ 300185 w 1598524"/>
+                <a:gd name="connsiteY0" fmla="*/ 1 h 2129150"/>
+                <a:gd name="connsiteX1" fmla="*/ 1571354 w 1598524"/>
+                <a:gd name="connsiteY1" fmla="*/ 1075045 h 2129150"/>
+                <a:gd name="connsiteX2" fmla="*/ 1096723 w 1598524"/>
+                <a:gd name="connsiteY2" fmla="*/ 2119741 h 2129150"/>
+                <a:gd name="connsiteX3" fmla="*/ 238433 w 1598524"/>
+                <a:gd name="connsiteY3" fmla="*/ 1565711 h 2129150"/>
+                <a:gd name="connsiteX4" fmla="*/ 0 w 1598524"/>
+                <a:gd name="connsiteY4" fmla="*/ 1146568 h 2129150"/>
+                <a:gd name="connsiteX0" fmla="*/ 537478 w 1840027"/>
+                <a:gd name="connsiteY0" fmla="*/ -1 h 2132910"/>
+                <a:gd name="connsiteX1" fmla="*/ 1808647 w 1840027"/>
+                <a:gd name="connsiteY1" fmla="*/ 1075043 h 2132910"/>
+                <a:gd name="connsiteX2" fmla="*/ 1334016 w 1840027"/>
+                <a:gd name="connsiteY2" fmla="*/ 2119739 h 2132910"/>
+                <a:gd name="connsiteX3" fmla="*/ 43983 w 1840027"/>
+                <a:gd name="connsiteY3" fmla="*/ 1630294 h 2132910"/>
+                <a:gd name="connsiteX4" fmla="*/ 237293 w 1840027"/>
+                <a:gd name="connsiteY4" fmla="*/ 1146566 h 2132910"/>
+                <a:gd name="connsiteX0" fmla="*/ 836307 w 2138856"/>
+                <a:gd name="connsiteY0" fmla="*/ 1 h 2132969"/>
+                <a:gd name="connsiteX1" fmla="*/ 2107476 w 2138856"/>
+                <a:gd name="connsiteY1" fmla="*/ 1075045 h 2132969"/>
+                <a:gd name="connsiteX2" fmla="*/ 1632845 w 2138856"/>
+                <a:gd name="connsiteY2" fmla="*/ 2119741 h 2132969"/>
+                <a:gd name="connsiteX3" fmla="*/ 342812 w 2138856"/>
+                <a:gd name="connsiteY3" fmla="*/ 1630296 h 2132969"/>
+                <a:gd name="connsiteX4" fmla="*/ 0 w 2138856"/>
+                <a:gd name="connsiteY4" fmla="*/ 1133101 h 2132969"/>
+                <a:gd name="connsiteX0" fmla="*/ 836307 w 2117242"/>
+                <a:gd name="connsiteY0" fmla="*/ -1 h 2267967"/>
+                <a:gd name="connsiteX1" fmla="*/ 2107476 w 2117242"/>
+                <a:gd name="connsiteY1" fmla="*/ 1075043 h 2267967"/>
+                <a:gd name="connsiteX2" fmla="*/ 1367414 w 2117242"/>
+                <a:gd name="connsiteY2" fmla="*/ 2257253 h 2267967"/>
+                <a:gd name="connsiteX3" fmla="*/ 342812 w 2117242"/>
+                <a:gd name="connsiteY3" fmla="*/ 1630294 h 2267967"/>
+                <a:gd name="connsiteX4" fmla="*/ 0 w 2117242"/>
+                <a:gd name="connsiteY4" fmla="*/ 1133099 h 2267967"/>
+                <a:gd name="connsiteX0" fmla="*/ 836307 w 2116587"/>
+                <a:gd name="connsiteY0" fmla="*/ 1 h 2257694"/>
+                <a:gd name="connsiteX1" fmla="*/ 2107476 w 2116587"/>
+                <a:gd name="connsiteY1" fmla="*/ 1075045 h 2257694"/>
+                <a:gd name="connsiteX2" fmla="*/ 1367414 w 2116587"/>
+                <a:gd name="connsiteY2" fmla="*/ 2257255 h 2257694"/>
+                <a:gd name="connsiteX3" fmla="*/ 342812 w 2116587"/>
+                <a:gd name="connsiteY3" fmla="*/ 1630296 h 2257694"/>
+                <a:gd name="connsiteX4" fmla="*/ 0 w 2116587"/>
+                <a:gd name="connsiteY4" fmla="*/ 1133101 h 2257694"/>
+                <a:gd name="connsiteX0" fmla="*/ 836307 w 1939952"/>
+                <a:gd name="connsiteY0" fmla="*/ -1 h 2264771"/>
+                <a:gd name="connsiteX1" fmla="*/ 1926982 w 1939952"/>
+                <a:gd name="connsiteY1" fmla="*/ 1176644 h 2264771"/>
+                <a:gd name="connsiteX2" fmla="*/ 1367414 w 1939952"/>
+                <a:gd name="connsiteY2" fmla="*/ 2257253 h 2264771"/>
+                <a:gd name="connsiteX3" fmla="*/ 342812 w 1939952"/>
+                <a:gd name="connsiteY3" fmla="*/ 1630294 h 2264771"/>
+                <a:gd name="connsiteX4" fmla="*/ 0 w 1939952"/>
+                <a:gd name="connsiteY4" fmla="*/ 1133099 h 2264771"/>
+                <a:gd name="connsiteX0" fmla="*/ 836307 w 1942784"/>
+                <a:gd name="connsiteY0" fmla="*/ 1 h 2076708"/>
+                <a:gd name="connsiteX1" fmla="*/ 1926982 w 1942784"/>
+                <a:gd name="connsiteY1" fmla="*/ 1176646 h 2076708"/>
+                <a:gd name="connsiteX2" fmla="*/ 1405487 w 1942784"/>
+                <a:gd name="connsiteY2" fmla="*/ 2066305 h 2076708"/>
+                <a:gd name="connsiteX3" fmla="*/ 342812 w 1942784"/>
+                <a:gd name="connsiteY3" fmla="*/ 1630296 h 2076708"/>
+                <a:gd name="connsiteX4" fmla="*/ 0 w 1942784"/>
+                <a:gd name="connsiteY4" fmla="*/ 1133101 h 2076708"/>
+                <a:gd name="connsiteX0" fmla="*/ 836307 w 1942783"/>
+                <a:gd name="connsiteY0" fmla="*/ -1 h 2076706"/>
+                <a:gd name="connsiteX1" fmla="*/ 1926982 w 1942783"/>
+                <a:gd name="connsiteY1" fmla="*/ 1176645 h 2076706"/>
+                <a:gd name="connsiteX2" fmla="*/ 1405487 w 1942783"/>
+                <a:gd name="connsiteY2" fmla="*/ 2066303 h 2076706"/>
+                <a:gd name="connsiteX3" fmla="*/ 342812 w 1942783"/>
+                <a:gd name="connsiteY3" fmla="*/ 1630294 h 2076706"/>
+                <a:gd name="connsiteX4" fmla="*/ 0 w 1942783"/>
+                <a:gd name="connsiteY4" fmla="*/ 1133099 h 2076706"/>
+                <a:gd name="connsiteX0" fmla="*/ 836307 w 1934818"/>
+                <a:gd name="connsiteY0" fmla="*/ 1 h 2076708"/>
+                <a:gd name="connsiteX1" fmla="*/ 1926982 w 1934818"/>
+                <a:gd name="connsiteY1" fmla="*/ 1176647 h 2076708"/>
+                <a:gd name="connsiteX2" fmla="*/ 1405487 w 1934818"/>
+                <a:gd name="connsiteY2" fmla="*/ 2066305 h 2076708"/>
+                <a:gd name="connsiteX3" fmla="*/ 342812 w 1934818"/>
+                <a:gd name="connsiteY3" fmla="*/ 1630296 h 2076708"/>
+                <a:gd name="connsiteX4" fmla="*/ 0 w 1934818"/>
+                <a:gd name="connsiteY4" fmla="*/ 1133101 h 2076708"/>
+                <a:gd name="connsiteX0" fmla="*/ 836307 w 1936612"/>
+                <a:gd name="connsiteY0" fmla="*/ -1 h 2183647"/>
+                <a:gd name="connsiteX1" fmla="*/ 1926982 w 1936612"/>
+                <a:gd name="connsiteY1" fmla="*/ 1176645 h 2183647"/>
+                <a:gd name="connsiteX2" fmla="*/ 1312576 w 1936612"/>
+                <a:gd name="connsiteY2" fmla="*/ 2175110 h 2183647"/>
+                <a:gd name="connsiteX3" fmla="*/ 342812 w 1936612"/>
+                <a:gd name="connsiteY3" fmla="*/ 1630294 h 2183647"/>
+                <a:gd name="connsiteX4" fmla="*/ 0 w 1936612"/>
+                <a:gd name="connsiteY4" fmla="*/ 1133099 h 2183647"/>
+                <a:gd name="connsiteX0" fmla="*/ 836307 w 1936644"/>
+                <a:gd name="connsiteY0" fmla="*/ 1 h 2178750"/>
+                <a:gd name="connsiteX1" fmla="*/ 1926982 w 1936644"/>
+                <a:gd name="connsiteY1" fmla="*/ 1176647 h 2178750"/>
+                <a:gd name="connsiteX2" fmla="*/ 1312576 w 1936644"/>
+                <a:gd name="connsiteY2" fmla="*/ 2175112 h 2178750"/>
+                <a:gd name="connsiteX3" fmla="*/ 342812 w 1936644"/>
+                <a:gd name="connsiteY3" fmla="*/ 1630296 h 2178750"/>
+                <a:gd name="connsiteX4" fmla="*/ 0 w 1936644"/>
+                <a:gd name="connsiteY4" fmla="*/ 1133101 h 2178750"/>
+                <a:gd name="connsiteX0" fmla="*/ 836307 w 1969946"/>
+                <a:gd name="connsiteY0" fmla="*/ -1 h 2177152"/>
+                <a:gd name="connsiteX1" fmla="*/ 1926982 w 1969946"/>
+                <a:gd name="connsiteY1" fmla="*/ 1176645 h 2177152"/>
+                <a:gd name="connsiteX2" fmla="*/ 1708299 w 1969946"/>
+                <a:gd name="connsiteY2" fmla="*/ 1791462 h 2177152"/>
+                <a:gd name="connsiteX3" fmla="*/ 1312576 w 1969946"/>
+                <a:gd name="connsiteY3" fmla="*/ 2175110 h 2177152"/>
+                <a:gd name="connsiteX4" fmla="*/ 342812 w 1969946"/>
+                <a:gd name="connsiteY4" fmla="*/ 1630294 h 2177152"/>
+                <a:gd name="connsiteX5" fmla="*/ 0 w 1969946"/>
+                <a:gd name="connsiteY5" fmla="*/ 1133099 h 2177152"/>
+                <a:gd name="connsiteX0" fmla="*/ 836307 w 1993189"/>
+                <a:gd name="connsiteY0" fmla="*/ 1 h 2179871"/>
+                <a:gd name="connsiteX1" fmla="*/ 1926982 w 1993189"/>
+                <a:gd name="connsiteY1" fmla="*/ 1176647 h 2179871"/>
+                <a:gd name="connsiteX2" fmla="*/ 1811798 w 1993189"/>
+                <a:gd name="connsiteY2" fmla="*/ 1855141 h 2179871"/>
+                <a:gd name="connsiteX3" fmla="*/ 1312576 w 1993189"/>
+                <a:gd name="connsiteY3" fmla="*/ 2175112 h 2179871"/>
+                <a:gd name="connsiteX4" fmla="*/ 342812 w 1993189"/>
+                <a:gd name="connsiteY4" fmla="*/ 1630296 h 2179871"/>
+                <a:gd name="connsiteX5" fmla="*/ 0 w 1993189"/>
+                <a:gd name="connsiteY5" fmla="*/ 1133101 h 2179871"/>
+                <a:gd name="connsiteX0" fmla="*/ 836307 w 2008017"/>
+                <a:gd name="connsiteY0" fmla="*/ -1 h 2179869"/>
+                <a:gd name="connsiteX1" fmla="*/ 1926982 w 2008017"/>
+                <a:gd name="connsiteY1" fmla="*/ 1176645 h 2179869"/>
+                <a:gd name="connsiteX2" fmla="*/ 1811798 w 2008017"/>
+                <a:gd name="connsiteY2" fmla="*/ 1855139 h 2179869"/>
+                <a:gd name="connsiteX3" fmla="*/ 1312576 w 2008017"/>
+                <a:gd name="connsiteY3" fmla="*/ 2175110 h 2179869"/>
+                <a:gd name="connsiteX4" fmla="*/ 342812 w 2008017"/>
+                <a:gd name="connsiteY4" fmla="*/ 1630294 h 2179869"/>
+                <a:gd name="connsiteX5" fmla="*/ 0 w 2008017"/>
+                <a:gd name="connsiteY5" fmla="*/ 1133099 h 2179869"/>
+                <a:gd name="connsiteX0" fmla="*/ 836307 w 1936612"/>
+                <a:gd name="connsiteY0" fmla="*/ 1 h 2175111"/>
+                <a:gd name="connsiteX1" fmla="*/ 1926982 w 1936612"/>
+                <a:gd name="connsiteY1" fmla="*/ 1176647 h 2175111"/>
+                <a:gd name="connsiteX2" fmla="*/ 1312576 w 1936612"/>
+                <a:gd name="connsiteY2" fmla="*/ 2175112 h 2175111"/>
+                <a:gd name="connsiteX3" fmla="*/ 342812 w 1936612"/>
+                <a:gd name="connsiteY3" fmla="*/ 1630296 h 2175111"/>
+                <a:gd name="connsiteX4" fmla="*/ 0 w 1936612"/>
+                <a:gd name="connsiteY4" fmla="*/ 1133101 h 2175111"/>
+                <a:gd name="connsiteX0" fmla="*/ 836307 w 1927580"/>
+                <a:gd name="connsiteY0" fmla="*/ -1 h 2175111"/>
+                <a:gd name="connsiteX1" fmla="*/ 1926982 w 1927580"/>
+                <a:gd name="connsiteY1" fmla="*/ 1176645 h 2175111"/>
+                <a:gd name="connsiteX2" fmla="*/ 1312576 w 1927580"/>
+                <a:gd name="connsiteY2" fmla="*/ 2175110 h 2175111"/>
+                <a:gd name="connsiteX3" fmla="*/ 342812 w 1927580"/>
+                <a:gd name="connsiteY3" fmla="*/ 1630294 h 2175111"/>
+                <a:gd name="connsiteX4" fmla="*/ 0 w 1927580"/>
+                <a:gd name="connsiteY4" fmla="*/ 1133099 h 2175111"/>
+                <a:gd name="connsiteX0" fmla="*/ 836307 w 1941789"/>
+                <a:gd name="connsiteY0" fmla="*/ 1 h 1630497"/>
+                <a:gd name="connsiteX1" fmla="*/ 1926982 w 1941789"/>
+                <a:gd name="connsiteY1" fmla="*/ 1176647 h 1630497"/>
+                <a:gd name="connsiteX2" fmla="*/ 342812 w 1941789"/>
+                <a:gd name="connsiteY2" fmla="*/ 1630296 h 1630497"/>
+                <a:gd name="connsiteX3" fmla="*/ 0 w 1941789"/>
+                <a:gd name="connsiteY3" fmla="*/ 1133101 h 1630497"/>
+                <a:gd name="connsiteX0" fmla="*/ 836307 w 1739079"/>
+                <a:gd name="connsiteY0" fmla="*/ -1 h 1980188"/>
+                <a:gd name="connsiteX1" fmla="*/ 1709229 w 1739079"/>
+                <a:gd name="connsiteY1" fmla="*/ 1888071 h 1980188"/>
+                <a:gd name="connsiteX2" fmla="*/ 342812 w 1739079"/>
+                <a:gd name="connsiteY2" fmla="*/ 1630294 h 1980188"/>
+                <a:gd name="connsiteX3" fmla="*/ 0 w 1739079"/>
+                <a:gd name="connsiteY3" fmla="*/ 1133099 h 1980188"/>
+                <a:gd name="connsiteX0" fmla="*/ 836307 w 1797551"/>
+                <a:gd name="connsiteY0" fmla="*/ 1 h 1949383"/>
+                <a:gd name="connsiteX1" fmla="*/ 1709229 w 1797551"/>
+                <a:gd name="connsiteY1" fmla="*/ 1888073 h 1949383"/>
+                <a:gd name="connsiteX2" fmla="*/ 342812 w 1797551"/>
+                <a:gd name="connsiteY2" fmla="*/ 1630296 h 1949383"/>
+                <a:gd name="connsiteX3" fmla="*/ 0 w 1797551"/>
+                <a:gd name="connsiteY3" fmla="*/ 1133101 h 1949383"/>
+                <a:gd name="connsiteX0" fmla="*/ 836307 w 1559121"/>
+                <a:gd name="connsiteY0" fmla="*/ -1 h 1699925"/>
+                <a:gd name="connsiteX1" fmla="*/ 1390793 w 1559121"/>
+                <a:gd name="connsiteY1" fmla="*/ 1567680 h 1699925"/>
+                <a:gd name="connsiteX2" fmla="*/ 342812 w 1559121"/>
+                <a:gd name="connsiteY2" fmla="*/ 1630294 h 1699925"/>
+                <a:gd name="connsiteX3" fmla="*/ 0 w 1559121"/>
+                <a:gd name="connsiteY3" fmla="*/ 1133099 h 1699925"/>
+                <a:gd name="connsiteX0" fmla="*/ 836307 w 1486683"/>
+                <a:gd name="connsiteY0" fmla="*/ 1 h 2035859"/>
+                <a:gd name="connsiteX1" fmla="*/ 1390793 w 1486683"/>
+                <a:gd name="connsiteY1" fmla="*/ 1567682 h 2035859"/>
+                <a:gd name="connsiteX2" fmla="*/ 516148 w 1486683"/>
+                <a:gd name="connsiteY2" fmla="*/ 2020464 h 2035859"/>
+                <a:gd name="connsiteX3" fmla="*/ 0 w 1486683"/>
+                <a:gd name="connsiteY3" fmla="*/ 1133101 h 2035859"/>
+                <a:gd name="connsiteX0" fmla="*/ 836307 w 1623736"/>
+                <a:gd name="connsiteY0" fmla="*/ -1 h 2031585"/>
+                <a:gd name="connsiteX1" fmla="*/ 1587202 w 1623736"/>
+                <a:gd name="connsiteY1" fmla="*/ 1522555 h 2031585"/>
+                <a:gd name="connsiteX2" fmla="*/ 516148 w 1623736"/>
+                <a:gd name="connsiteY2" fmla="*/ 2020462 h 2031585"/>
+                <a:gd name="connsiteX3" fmla="*/ 0 w 1623736"/>
+                <a:gd name="connsiteY3" fmla="*/ 1133099 h 2031585"/>
+                <a:gd name="connsiteX0" fmla="*/ 836307 w 1610590"/>
+                <a:gd name="connsiteY0" fmla="*/ 1 h 2035476"/>
+                <a:gd name="connsiteX1" fmla="*/ 1587202 w 1610590"/>
+                <a:gd name="connsiteY1" fmla="*/ 1522557 h 2035476"/>
+                <a:gd name="connsiteX2" fmla="*/ 516148 w 1610590"/>
+                <a:gd name="connsiteY2" fmla="*/ 2020464 h 2035476"/>
+                <a:gd name="connsiteX3" fmla="*/ 0 w 1610590"/>
+                <a:gd name="connsiteY3" fmla="*/ 1133101 h 2035476"/>
+                <a:gd name="connsiteX0" fmla="*/ 547864 w 1587365"/>
+                <a:gd name="connsiteY0" fmla="*/ 0 h 1862355"/>
+                <a:gd name="connsiteX1" fmla="*/ 1587202 w 1587365"/>
+                <a:gd name="connsiteY1" fmla="*/ 1354247 h 1862355"/>
+                <a:gd name="connsiteX2" fmla="*/ 516148 w 1587365"/>
+                <a:gd name="connsiteY2" fmla="*/ 1852154 h 1862355"/>
+                <a:gd name="connsiteX3" fmla="*/ 0 w 1587365"/>
+                <a:gd name="connsiteY3" fmla="*/ 964791 h 1862355"/>
+                <a:gd name="connsiteX0" fmla="*/ 547864 w 1385579"/>
+                <a:gd name="connsiteY0" fmla="*/ 0 h 1856283"/>
+                <a:gd name="connsiteX1" fmla="*/ 1381088 w 1385579"/>
+                <a:gd name="connsiteY1" fmla="*/ 1241269 h 1856283"/>
+                <a:gd name="connsiteX2" fmla="*/ 516148 w 1385579"/>
+                <a:gd name="connsiteY2" fmla="*/ 1852154 h 1856283"/>
+                <a:gd name="connsiteX3" fmla="*/ 0 w 1385579"/>
+                <a:gd name="connsiteY3" fmla="*/ 964791 h 1856283"/>
+                <a:gd name="connsiteX0" fmla="*/ 547864 w 1381526"/>
+                <a:gd name="connsiteY0" fmla="*/ 0 h 1660131"/>
+                <a:gd name="connsiteX1" fmla="*/ 1381088 w 1381526"/>
+                <a:gd name="connsiteY1" fmla="*/ 1241269 h 1660131"/>
+                <a:gd name="connsiteX2" fmla="*/ 653310 w 1381526"/>
+                <a:gd name="connsiteY2" fmla="*/ 1653013 h 1660131"/>
+                <a:gd name="connsiteX3" fmla="*/ 0 w 1381526"/>
+                <a:gd name="connsiteY3" fmla="*/ 964791 h 1660131"/>
+                <a:gd name="connsiteX0" fmla="*/ 547864 w 1406646"/>
+                <a:gd name="connsiteY0" fmla="*/ 0 h 1659185"/>
+                <a:gd name="connsiteX1" fmla="*/ 1381088 w 1406646"/>
+                <a:gd name="connsiteY1" fmla="*/ 1241269 h 1659185"/>
+                <a:gd name="connsiteX2" fmla="*/ 653310 w 1406646"/>
+                <a:gd name="connsiteY2" fmla="*/ 1653013 h 1659185"/>
+                <a:gd name="connsiteX3" fmla="*/ 0 w 1406646"/>
+                <a:gd name="connsiteY3" fmla="*/ 964791 h 1659185"/>
+                <a:gd name="connsiteX0" fmla="*/ 547864 w 1432357"/>
+                <a:gd name="connsiteY0" fmla="*/ 0 h 1659301"/>
+                <a:gd name="connsiteX1" fmla="*/ 1381088 w 1432357"/>
+                <a:gd name="connsiteY1" fmla="*/ 1241269 h 1659301"/>
+                <a:gd name="connsiteX2" fmla="*/ 653310 w 1432357"/>
+                <a:gd name="connsiteY2" fmla="*/ 1653013 h 1659301"/>
+                <a:gd name="connsiteX3" fmla="*/ 0 w 1432357"/>
+                <a:gd name="connsiteY3" fmla="*/ 964791 h 1659301"/>
+                <a:gd name="connsiteX0" fmla="*/ 547864 w 1432357"/>
+                <a:gd name="connsiteY0" fmla="*/ 0 h 1690857"/>
+                <a:gd name="connsiteX1" fmla="*/ 1381088 w 1432357"/>
+                <a:gd name="connsiteY1" fmla="*/ 1241269 h 1690857"/>
+                <a:gd name="connsiteX2" fmla="*/ 653310 w 1432357"/>
+                <a:gd name="connsiteY2" fmla="*/ 1653013 h 1690857"/>
+                <a:gd name="connsiteX3" fmla="*/ 0 w 1432357"/>
+                <a:gd name="connsiteY3" fmla="*/ 964791 h 1690857"/>
+                <a:gd name="connsiteX0" fmla="*/ 571720 w 1456213"/>
+                <a:gd name="connsiteY0" fmla="*/ 0 h 1667442"/>
+                <a:gd name="connsiteX1" fmla="*/ 1404944 w 1456213"/>
+                <a:gd name="connsiteY1" fmla="*/ 1241269 h 1667442"/>
+                <a:gd name="connsiteX2" fmla="*/ 677166 w 1456213"/>
+                <a:gd name="connsiteY2" fmla="*/ 1653013 h 1667442"/>
+                <a:gd name="connsiteX3" fmla="*/ -1 w 1456213"/>
+                <a:gd name="connsiteY3" fmla="*/ 778960 h 1667442"/>
+                <a:gd name="connsiteX0" fmla="*/ 571721 w 1405090"/>
+                <a:gd name="connsiteY0" fmla="*/ 0 h 1769961"/>
+                <a:gd name="connsiteX1" fmla="*/ 1404945 w 1405090"/>
+                <a:gd name="connsiteY1" fmla="*/ 1241269 h 1769961"/>
+                <a:gd name="connsiteX2" fmla="*/ 633799 w 1405090"/>
+                <a:gd name="connsiteY2" fmla="*/ 1757726 h 1769961"/>
+                <a:gd name="connsiteX3" fmla="*/ 0 w 1405090"/>
+                <a:gd name="connsiteY3" fmla="*/ 778960 h 1769961"/>
+                <a:gd name="connsiteX0" fmla="*/ 571721 w 1426634"/>
+                <a:gd name="connsiteY0" fmla="*/ 0 h 1771108"/>
+                <a:gd name="connsiteX1" fmla="*/ 1404945 w 1426634"/>
+                <a:gd name="connsiteY1" fmla="*/ 1241269 h 1771108"/>
+                <a:gd name="connsiteX2" fmla="*/ 633799 w 1426634"/>
+                <a:gd name="connsiteY2" fmla="*/ 1757726 h 1771108"/>
+                <a:gd name="connsiteX3" fmla="*/ 0 w 1426634"/>
+                <a:gd name="connsiteY3" fmla="*/ 778960 h 1771108"/>
+                <a:gd name="connsiteX0" fmla="*/ 571721 w 1463015"/>
+                <a:gd name="connsiteY0" fmla="*/ 0 h 1770849"/>
+                <a:gd name="connsiteX1" fmla="*/ 1404945 w 1463015"/>
+                <a:gd name="connsiteY1" fmla="*/ 1241269 h 1770849"/>
+                <a:gd name="connsiteX2" fmla="*/ 633799 w 1463015"/>
+                <a:gd name="connsiteY2" fmla="*/ 1757726 h 1770849"/>
+                <a:gd name="connsiteX3" fmla="*/ 0 w 1463015"/>
+                <a:gd name="connsiteY3" fmla="*/ 778960 h 1770849"/>
+              </a:gdLst>
+              <a:ahLst/>
+              <a:cxnLst>
+                <a:cxn ang="0">
+                  <a:pos x="connsiteX0" y="connsiteY0"/>
+                </a:cxn>
+                <a:cxn ang="0">
+                  <a:pos x="connsiteX1" y="connsiteY1"/>
+                </a:cxn>
+                <a:cxn ang="0">
+                  <a:pos x="connsiteX2" y="connsiteY2"/>
+                </a:cxn>
+                <a:cxn ang="0">
+                  <a:pos x="connsiteX3" y="connsiteY3"/>
+                </a:cxn>
+              </a:cxnLst>
+              <a:rect l="l" t="t" r="r" b="b"/>
+              <a:pathLst>
+                <a:path w="1463015" h="1770849">
+                  <a:moveTo>
+                    <a:pt x="571721" y="0"/>
+                  </a:moveTo>
+                  <a:cubicBezTo>
+                    <a:pt x="1498156" y="164007"/>
+                    <a:pt x="1542345" y="921658"/>
+                    <a:pt x="1404945" y="1241269"/>
+                  </a:cubicBezTo>
+                  <a:cubicBezTo>
+                    <a:pt x="1267545" y="1560880"/>
+                    <a:pt x="867956" y="1834777"/>
+                    <a:pt x="633799" y="1757726"/>
+                  </a:cubicBezTo>
+                  <a:cubicBezTo>
+                    <a:pt x="399642" y="1680675"/>
+                    <a:pt x="74734" y="887399"/>
+                    <a:pt x="0" y="778960"/>
+                  </a:cubicBezTo>
+                </a:path>
+              </a:pathLst>
+            </a:custGeom>
+            <a:noFill/>
+            <a:ln w="142875">
+              <a:solidFill>
+                <a:schemeClr val="tx1">
+                  <a:lumMod val="50000"/>
+                  <a:lumOff val="50000"/>
+                </a:schemeClr>
+              </a:solidFill>
+              <a:tailEnd type="triangle"/>
+            </a:ln>
+          </p:spPr>
+          <p:style>
+            <a:lnRef idx="2">
+              <a:schemeClr val="accent1">
+                <a:shade val="50000"/>
+              </a:schemeClr>
+            </a:lnRef>
+            <a:fillRef idx="1">
+              <a:schemeClr val="accent1"/>
+            </a:fillRef>
+            <a:effectRef idx="0">
+              <a:schemeClr val="accent1"/>
+            </a:effectRef>
+            <a:fontRef idx="minor">
+              <a:schemeClr val="lt1"/>
+            </a:fontRef>
+          </p:style>
+          <p:txBody>
+            <a:bodyPr rtlCol="0" anchor="ctr"/>
+            <a:lstStyle/>
+            <a:p>
+              <a:pPr algn="ctr"/>
+              <a:endParaRPr lang="de-DE"/>
+            </a:p>
+          </p:txBody>
+        </p:sp>
+        <p:sp>
+          <p:nvSpPr>
+            <p:cNvPr id="23" name="TextBox 22"/>
+            <p:cNvSpPr txBox="1"/>
+            <p:nvPr/>
+          </p:nvSpPr>
+          <p:spPr>
+            <a:xfrm rot="20392435">
+              <a:off x="11713968" y="4078383"/>
+              <a:ext cx="1335331" cy="523220"/>
+            </a:xfrm>
+            <a:prstGeom prst="rect">
+              <a:avLst/>
+            </a:prstGeom>
+            <a:noFill/>
+          </p:spPr>
+          <p:txBody>
+            <a:bodyPr wrap="square" rtlCol="0">
+              <a:spAutoFit/>
+            </a:bodyPr>
+            <a:lstStyle/>
+            <a:p>
+              <a:pPr algn="ctr"/>
+              <a:r>
+                <a:rPr lang="en-US" sz="2800" b="1" dirty="0" err="1" smtClean="0"/>
+                <a:t>cfg</a:t>
+              </a:r>
+              <a:endParaRPr lang="de-DE" sz="2800" b="1" dirty="0"/>
+            </a:p>
+          </p:txBody>
+        </p:sp>
+      </p:grpSp>
+    </p:spTree>
+    <p:extLst>
+      <p:ext uri="{BB962C8B-B14F-4D97-AF65-F5344CB8AC3E}">
+        <p14:creationId xmlns:p14="http://schemas.microsoft.com/office/powerpoint/2010/main" val="1215393091"/>
+      </p:ext>
+    </p:extLst>
+  </p:cSld>
+  <p:clrMapOvr>
+    <a:masterClrMapping/>
+  </p:clrMapOvr>
+</p:sld>
+</file>
+
+<file path=ppt/slides/slide21.xml><?xml version="1.0" encoding="utf-8"?>
 <p:sld xmlns:a="http://schemas.openxmlformats.org/drawingml/2006/main" xmlns:r="http://schemas.openxmlformats.org/officeDocument/2006/relationships" xmlns:p="http://schemas.openxmlformats.org/presentationml/2006/main">
   <p:cSld>
     <p:spTree>
@@ -17860,17 +18470,10 @@
   <p:clrMapOvr>
     <a:masterClrMapping/>
   </p:clrMapOvr>
-  <p:timing>
-    <p:tnLst>
-      <p:par>
-        <p:cTn id="1" dur="indefinite" restart="never" nodeType="tmRoot"/>
-      </p:par>
-    </p:tnLst>
-  </p:timing>
 </p:sld>
 </file>
 
-<file path=ppt/slides/slide21.xml><?xml version="1.0" encoding="utf-8"?>
+<file path=ppt/slides/slide22.xml><?xml version="1.0" encoding="utf-8"?>
 <p:sld xmlns:a="http://schemas.openxmlformats.org/drawingml/2006/main" xmlns:r="http://schemas.openxmlformats.org/officeDocument/2006/relationships" xmlns:p="http://schemas.openxmlformats.org/presentationml/2006/main">
   <p:cSld>
     <p:spTree>
@@ -19246,17 +19849,10 @@
   <p:clrMapOvr>
     <a:masterClrMapping/>
   </p:clrMapOvr>
-  <p:timing>
-    <p:tnLst>
-      <p:par>
-        <p:cTn id="1" dur="indefinite" restart="never" nodeType="tmRoot"/>
-      </p:par>
-    </p:tnLst>
-  </p:timing>
 </p:sld>
 </file>
 
-<file path=ppt/slides/slide22.xml><?xml version="1.0" encoding="utf-8"?>
+<file path=ppt/slides/slide23.xml><?xml version="1.0" encoding="utf-8"?>
 <p:sld xmlns:a="http://schemas.openxmlformats.org/drawingml/2006/main" xmlns:r="http://schemas.openxmlformats.org/officeDocument/2006/relationships" xmlns:p="http://schemas.openxmlformats.org/presentationml/2006/main">
   <p:cSld>
     <p:spTree>
@@ -20886,17 +21482,10 @@
   <p:clrMapOvr>
     <a:masterClrMapping/>
   </p:clrMapOvr>
-  <p:timing>
-    <p:tnLst>
-      <p:par>
-        <p:cTn id="1" dur="indefinite" restart="never" nodeType="tmRoot"/>
-      </p:par>
-    </p:tnLst>
-  </p:timing>
 </p:sld>
 </file>
 
-<file path=ppt/slides/slide23.xml><?xml version="1.0" encoding="utf-8"?>
+<file path=ppt/slides/slide24.xml><?xml version="1.0" encoding="utf-8"?>
 <p:sld xmlns:a="http://schemas.openxmlformats.org/drawingml/2006/main" xmlns:r="http://schemas.openxmlformats.org/officeDocument/2006/relationships" xmlns:p="http://schemas.openxmlformats.org/presentationml/2006/main">
   <p:cSld>
     <p:spTree>
@@ -22296,17 +22885,10 @@
   <p:clrMapOvr>
     <a:masterClrMapping/>
   </p:clrMapOvr>
-  <p:timing>
-    <p:tnLst>
-      <p:par>
-        <p:cTn id="1" dur="indefinite" restart="never" nodeType="tmRoot"/>
-      </p:par>
-    </p:tnLst>
-  </p:timing>
 </p:sld>
 </file>
 
-<file path=ppt/slides/slide24.xml><?xml version="1.0" encoding="utf-8"?>
+<file path=ppt/slides/slide25.xml><?xml version="1.0" encoding="utf-8"?>
 <p:sld xmlns:a="http://schemas.openxmlformats.org/drawingml/2006/main" xmlns:r="http://schemas.openxmlformats.org/officeDocument/2006/relationships" xmlns:p="http://schemas.openxmlformats.org/presentationml/2006/main">
   <p:cSld>
     <p:spTree>
@@ -23143,17 +23725,10 @@
   <p:clrMapOvr>
     <a:masterClrMapping/>
   </p:clrMapOvr>
-  <p:timing>
-    <p:tnLst>
-      <p:par>
-        <p:cTn id="1" dur="indefinite" restart="never" nodeType="tmRoot"/>
-      </p:par>
-    </p:tnLst>
-  </p:timing>
 </p:sld>
 </file>
 
-<file path=ppt/slides/slide25.xml><?xml version="1.0" encoding="utf-8"?>
+<file path=ppt/slides/slide26.xml><?xml version="1.0" encoding="utf-8"?>
 <p:sld xmlns:a="http://schemas.openxmlformats.org/drawingml/2006/main" xmlns:r="http://schemas.openxmlformats.org/officeDocument/2006/relationships" xmlns:p="http://schemas.openxmlformats.org/presentationml/2006/main">
   <p:cSld>
     <p:spTree>
@@ -24089,17 +24664,10 @@
   <p:clrMapOvr>
     <a:masterClrMapping/>
   </p:clrMapOvr>
-  <p:timing>
-    <p:tnLst>
-      <p:par>
-        <p:cTn id="1" dur="indefinite" restart="never" nodeType="tmRoot"/>
-      </p:par>
-    </p:tnLst>
-  </p:timing>
 </p:sld>
 </file>
 
-<file path=ppt/slides/slide26.xml><?xml version="1.0" encoding="utf-8"?>
+<file path=ppt/slides/slide27.xml><?xml version="1.0" encoding="utf-8"?>
 <p:sld xmlns:a="http://schemas.openxmlformats.org/drawingml/2006/main" xmlns:r="http://schemas.openxmlformats.org/officeDocument/2006/relationships" xmlns:p="http://schemas.openxmlformats.org/presentationml/2006/main">
   <p:cSld>
     <p:spTree>
@@ -24584,17 +25152,10 @@
   <p:clrMapOvr>
     <a:masterClrMapping/>
   </p:clrMapOvr>
-  <p:timing>
-    <p:tnLst>
-      <p:par>
-        <p:cTn id="1" dur="indefinite" restart="never" nodeType="tmRoot"/>
-      </p:par>
-    </p:tnLst>
-  </p:timing>
 </p:sld>
 </file>
 
-<file path=ppt/slides/slide27.xml><?xml version="1.0" encoding="utf-8"?>
+<file path=ppt/slides/slide28.xml><?xml version="1.0" encoding="utf-8"?>
 <p:sld xmlns:a="http://schemas.openxmlformats.org/drawingml/2006/main" xmlns:r="http://schemas.openxmlformats.org/officeDocument/2006/relationships" xmlns:p="http://schemas.openxmlformats.org/presentationml/2006/main">
   <p:cSld>
     <p:spTree>
@@ -25396,6 +25957,237 @@
           </a:prstGeom>
         </p:spPr>
       </p:pic>
+      <p:pic>
+        <p:nvPicPr>
+          <p:cNvPr id="29" name="Picture 28"/>
+          <p:cNvPicPr>
+            <a:picLocks noChangeAspect="1"/>
+          </p:cNvPicPr>
+          <p:nvPr/>
+        </p:nvPicPr>
+        <p:blipFill>
+          <a:blip r:embed="rId3">
+            <a:extLst>
+              <a:ext uri="{28A0092B-C50C-407E-A947-70E740481C1C}">
+                <a14:useLocalDpi xmlns:a14="http://schemas.microsoft.com/office/drawing/2010/main" val="0"/>
+              </a:ext>
+            </a:extLst>
+          </a:blip>
+          <a:stretch>
+            <a:fillRect/>
+          </a:stretch>
+        </p:blipFill>
+        <p:spPr>
+          <a:xfrm>
+            <a:off x="15560175" y="8725229"/>
+            <a:ext cx="1538745" cy="615498"/>
+          </a:xfrm>
+          <a:prstGeom prst="rect">
+            <a:avLst/>
+          </a:prstGeom>
+        </p:spPr>
+      </p:pic>
+      <p:grpSp>
+        <p:nvGrpSpPr>
+          <p:cNvPr id="30" name="Group 29"/>
+          <p:cNvGrpSpPr/>
+          <p:nvPr/>
+        </p:nvGrpSpPr>
+        <p:grpSpPr>
+          <a:xfrm>
+            <a:off x="14295464" y="8342437"/>
+            <a:ext cx="1151769" cy="673166"/>
+            <a:chOff x="2334271" y="318043"/>
+            <a:chExt cx="1457473" cy="673166"/>
+          </a:xfrm>
+        </p:grpSpPr>
+        <p:cxnSp>
+          <p:nvCxnSpPr>
+            <p:cNvPr id="31" name="Straight Arrow Connector 30"/>
+            <p:cNvCxnSpPr/>
+            <p:nvPr/>
+          </p:nvCxnSpPr>
+          <p:spPr>
+            <a:xfrm flipV="1">
+              <a:off x="2346123" y="980728"/>
+              <a:ext cx="1445621" cy="10481"/>
+            </a:xfrm>
+            <a:prstGeom prst="straightConnector1">
+              <a:avLst/>
+            </a:prstGeom>
+            <a:ln w="142875">
+              <a:solidFill>
+                <a:schemeClr val="tx1">
+                  <a:lumMod val="50000"/>
+                  <a:lumOff val="50000"/>
+                </a:schemeClr>
+              </a:solidFill>
+              <a:tailEnd type="triangle"/>
+            </a:ln>
+          </p:spPr>
+          <p:style>
+            <a:lnRef idx="1">
+              <a:schemeClr val="accent1"/>
+            </a:lnRef>
+            <a:fillRef idx="0">
+              <a:schemeClr val="accent1"/>
+            </a:fillRef>
+            <a:effectRef idx="0">
+              <a:schemeClr val="accent1"/>
+            </a:effectRef>
+            <a:fontRef idx="minor">
+              <a:schemeClr val="tx1"/>
+            </a:fontRef>
+          </p:style>
+        </p:cxnSp>
+        <p:sp>
+          <p:nvSpPr>
+            <p:cNvPr id="32" name="TextBox 31"/>
+            <p:cNvSpPr txBox="1"/>
+            <p:nvPr/>
+          </p:nvSpPr>
+          <p:spPr>
+            <a:xfrm>
+              <a:off x="2334271" y="318043"/>
+              <a:ext cx="1408522" cy="523220"/>
+            </a:xfrm>
+            <a:prstGeom prst="rect">
+              <a:avLst/>
+            </a:prstGeom>
+            <a:noFill/>
+          </p:spPr>
+          <p:txBody>
+            <a:bodyPr wrap="square" rtlCol="0">
+              <a:spAutoFit/>
+            </a:bodyPr>
+            <a:lstStyle/>
+            <a:p>
+              <a:pPr algn="ctr"/>
+              <a:endParaRPr lang="de-DE" sz="2800" b="1" dirty="0"/>
+            </a:p>
+          </p:txBody>
+        </p:sp>
+      </p:grpSp>
+      <p:pic>
+        <p:nvPicPr>
+          <p:cNvPr id="33" name="Picture 32"/>
+          <p:cNvPicPr>
+            <a:picLocks noChangeAspect="1"/>
+          </p:cNvPicPr>
+          <p:nvPr/>
+        </p:nvPicPr>
+        <p:blipFill>
+          <a:blip r:embed="rId5" cstate="print">
+            <a:extLst>
+              <a:ext uri="{28A0092B-C50C-407E-A947-70E740481C1C}">
+                <a14:useLocalDpi xmlns:a14="http://schemas.microsoft.com/office/drawing/2010/main" val="0"/>
+              </a:ext>
+            </a:extLst>
+          </a:blip>
+          <a:stretch>
+            <a:fillRect/>
+          </a:stretch>
+        </p:blipFill>
+        <p:spPr>
+          <a:xfrm>
+            <a:off x="14297186" y="8498242"/>
+            <a:ext cx="1116380" cy="345217"/>
+          </a:xfrm>
+          <a:prstGeom prst="rect">
+            <a:avLst/>
+          </a:prstGeom>
+        </p:spPr>
+      </p:pic>
+      <p:pic>
+        <p:nvPicPr>
+          <p:cNvPr id="35" name="Picture 34"/>
+          <p:cNvPicPr>
+            <a:picLocks noChangeAspect="1"/>
+          </p:cNvPicPr>
+          <p:nvPr/>
+        </p:nvPicPr>
+        <p:blipFill>
+          <a:blip r:embed="rId9">
+            <a:extLst>
+              <a:ext uri="{28A0092B-C50C-407E-A947-70E740481C1C}">
+                <a14:useLocalDpi xmlns:a14="http://schemas.microsoft.com/office/drawing/2010/main" val="0"/>
+              </a:ext>
+            </a:extLst>
+          </a:blip>
+          <a:stretch>
+            <a:fillRect/>
+          </a:stretch>
+        </p:blipFill>
+        <p:spPr>
+          <a:xfrm>
+            <a:off x="13235367" y="8612372"/>
+            <a:ext cx="842140" cy="842140"/>
+          </a:xfrm>
+          <a:prstGeom prst="rect">
+            <a:avLst/>
+          </a:prstGeom>
+        </p:spPr>
+      </p:pic>
+      <p:pic>
+        <p:nvPicPr>
+          <p:cNvPr id="4" name="Picture 3"/>
+          <p:cNvPicPr>
+            <a:picLocks noChangeAspect="1"/>
+          </p:cNvPicPr>
+          <p:nvPr/>
+        </p:nvPicPr>
+        <p:blipFill>
+          <a:blip r:embed="rId10">
+            <a:extLst>
+              <a:ext uri="{28A0092B-C50C-407E-A947-70E740481C1C}">
+                <a14:useLocalDpi xmlns:a14="http://schemas.microsoft.com/office/drawing/2010/main" val="0"/>
+              </a:ext>
+            </a:extLst>
+          </a:blip>
+          <a:stretch>
+            <a:fillRect/>
+          </a:stretch>
+        </p:blipFill>
+        <p:spPr>
+          <a:xfrm>
+            <a:off x="10993333" y="8865335"/>
+            <a:ext cx="1188647" cy="588381"/>
+          </a:xfrm>
+          <a:prstGeom prst="rect">
+            <a:avLst/>
+          </a:prstGeom>
+        </p:spPr>
+      </p:pic>
+      <p:pic>
+        <p:nvPicPr>
+          <p:cNvPr id="5" name="Picture 4"/>
+          <p:cNvPicPr>
+            <a:picLocks noChangeAspect="1"/>
+          </p:cNvPicPr>
+          <p:nvPr/>
+        </p:nvPicPr>
+        <p:blipFill>
+          <a:blip r:embed="rId11" cstate="print">
+            <a:extLst>
+              <a:ext uri="{28A0092B-C50C-407E-A947-70E740481C1C}">
+                <a14:useLocalDpi xmlns:a14="http://schemas.microsoft.com/office/drawing/2010/main" val="0"/>
+              </a:ext>
+            </a:extLst>
+          </a:blip>
+          <a:stretch>
+            <a:fillRect/>
+          </a:stretch>
+        </p:blipFill>
+        <p:spPr>
+          <a:xfrm>
+            <a:off x="14281116" y="9207796"/>
+            <a:ext cx="1132010" cy="304496"/>
+          </a:xfrm>
+          <a:prstGeom prst="rect">
+            <a:avLst/>
+          </a:prstGeom>
+        </p:spPr>
+      </p:pic>
     </p:spTree>
     <p:extLst>
       <p:ext uri="{BB962C8B-B14F-4D97-AF65-F5344CB8AC3E}">
@@ -25406,17 +26198,10 @@
   <p:clrMapOvr>
     <a:masterClrMapping/>
   </p:clrMapOvr>
-  <p:timing>
-    <p:tnLst>
-      <p:par>
-        <p:cTn id="1" dur="indefinite" restart="never" nodeType="tmRoot"/>
-      </p:par>
-    </p:tnLst>
-  </p:timing>
 </p:sld>
 </file>
 
-<file path=ppt/slides/slide28.xml><?xml version="1.0" encoding="utf-8"?>
+<file path=ppt/slides/slide29.xml><?xml version="1.0" encoding="utf-8"?>
 <p:sld xmlns:a="http://schemas.openxmlformats.org/drawingml/2006/main" xmlns:r="http://schemas.openxmlformats.org/officeDocument/2006/relationships" xmlns:p="http://schemas.openxmlformats.org/presentationml/2006/main">
   <p:cSld>
     <p:spTree>
@@ -25873,770 +26658,6 @@
   <p:clrMapOvr>
     <a:masterClrMapping/>
   </p:clrMapOvr>
-  <p:timing>
-    <p:tnLst>
-      <p:par>
-        <p:cTn id="1" dur="indefinite" restart="never" nodeType="tmRoot"/>
-      </p:par>
-    </p:tnLst>
-  </p:timing>
-</p:sld>
-</file>
-
-<file path=ppt/slides/slide29.xml><?xml version="1.0" encoding="utf-8"?>
-<p:sld xmlns:a="http://schemas.openxmlformats.org/drawingml/2006/main" xmlns:r="http://schemas.openxmlformats.org/officeDocument/2006/relationships" xmlns:p="http://schemas.openxmlformats.org/presentationml/2006/main">
-  <p:cSld>
-    <p:spTree>
-      <p:nvGrpSpPr>
-        <p:cNvPr id="1" name=""/>
-        <p:cNvGrpSpPr/>
-        <p:nvPr/>
-      </p:nvGrpSpPr>
-      <p:grpSpPr>
-        <a:xfrm>
-          <a:off x="0" y="0"/>
-          <a:ext cx="0" cy="0"/>
-          <a:chOff x="0" y="0"/>
-          <a:chExt cx="0" cy="0"/>
-        </a:xfrm>
-      </p:grpSpPr>
-      <p:sp>
-        <p:nvSpPr>
-          <p:cNvPr id="4" name="Rounded Rectangle 75"/>
-          <p:cNvSpPr/>
-          <p:nvPr/>
-        </p:nvSpPr>
-        <p:spPr>
-          <a:xfrm>
-            <a:off x="7742509" y="4785914"/>
-            <a:ext cx="1441656" cy="1514439"/>
-          </a:xfrm>
-          <a:prstGeom prst="rect">
-            <a:avLst/>
-          </a:prstGeom>
-          <a:solidFill>
-            <a:schemeClr val="accent2">
-              <a:lumMod val="75000"/>
-            </a:schemeClr>
-          </a:solidFill>
-          <a:ln w="76200">
-            <a:solidFill>
-              <a:schemeClr val="accent2">
-                <a:lumMod val="50000"/>
-              </a:schemeClr>
-            </a:solidFill>
-          </a:ln>
-        </p:spPr>
-        <p:style>
-          <a:lnRef idx="2">
-            <a:schemeClr val="accent1">
-              <a:shade val="50000"/>
-            </a:schemeClr>
-          </a:lnRef>
-          <a:fillRef idx="1">
-            <a:schemeClr val="accent1"/>
-          </a:fillRef>
-          <a:effectRef idx="0">
-            <a:schemeClr val="accent1"/>
-          </a:effectRef>
-          <a:fontRef idx="minor">
-            <a:schemeClr val="lt1"/>
-          </a:fontRef>
-        </p:style>
-        <p:txBody>
-          <a:bodyPr rtlCol="0" anchor="ctr"/>
-          <a:lstStyle/>
-          <a:p>
-            <a:pPr algn="ctr"/>
-            <a:r>
-              <a:rPr lang="en-US" sz="2000" b="1" dirty="0"/>
-              <a:t>Instance</a:t>
-            </a:r>
-            <a:endParaRPr lang="de-DE" sz="2000" b="1" dirty="0"/>
-          </a:p>
-        </p:txBody>
-      </p:sp>
-      <p:sp>
-        <p:nvSpPr>
-          <p:cNvPr id="5" name="Rounded Rectangle 75"/>
-          <p:cNvSpPr/>
-          <p:nvPr/>
-        </p:nvSpPr>
-        <p:spPr>
-          <a:xfrm>
-            <a:off x="9512693" y="4785914"/>
-            <a:ext cx="1441656" cy="1514439"/>
-          </a:xfrm>
-          <a:prstGeom prst="rect">
-            <a:avLst/>
-          </a:prstGeom>
-          <a:solidFill>
-            <a:schemeClr val="accent2">
-              <a:lumMod val="75000"/>
-            </a:schemeClr>
-          </a:solidFill>
-          <a:ln w="76200">
-            <a:solidFill>
-              <a:schemeClr val="accent2">
-                <a:lumMod val="50000"/>
-              </a:schemeClr>
-            </a:solidFill>
-          </a:ln>
-        </p:spPr>
-        <p:style>
-          <a:lnRef idx="2">
-            <a:schemeClr val="accent1">
-              <a:shade val="50000"/>
-            </a:schemeClr>
-          </a:lnRef>
-          <a:fillRef idx="1">
-            <a:schemeClr val="accent1"/>
-          </a:fillRef>
-          <a:effectRef idx="0">
-            <a:schemeClr val="accent1"/>
-          </a:effectRef>
-          <a:fontRef idx="minor">
-            <a:schemeClr val="lt1"/>
-          </a:fontRef>
-        </p:style>
-        <p:txBody>
-          <a:bodyPr rtlCol="0" anchor="ctr"/>
-          <a:lstStyle/>
-          <a:p>
-            <a:pPr algn="ctr"/>
-            <a:r>
-              <a:rPr lang="en-US" sz="2000" b="1" dirty="0"/>
-              <a:t>Instance</a:t>
-            </a:r>
-            <a:endParaRPr lang="de-DE" sz="2000" b="1" dirty="0"/>
-          </a:p>
-        </p:txBody>
-      </p:sp>
-      <p:cxnSp>
-        <p:nvCxnSpPr>
-          <p:cNvPr id="6" name="Straight Arrow Connector 5"/>
-          <p:cNvCxnSpPr/>
-          <p:nvPr/>
-        </p:nvCxnSpPr>
-        <p:spPr>
-          <a:xfrm>
-            <a:off x="11187515" y="5549075"/>
-            <a:ext cx="2096868" cy="0"/>
-          </a:xfrm>
-          <a:prstGeom prst="straightConnector1">
-            <a:avLst/>
-          </a:prstGeom>
-          <a:ln w="142875">
-            <a:solidFill>
-              <a:schemeClr val="tx1">
-                <a:lumMod val="50000"/>
-                <a:lumOff val="50000"/>
-              </a:schemeClr>
-            </a:solidFill>
-            <a:tailEnd type="triangle"/>
-          </a:ln>
-        </p:spPr>
-        <p:style>
-          <a:lnRef idx="1">
-            <a:schemeClr val="accent1"/>
-          </a:lnRef>
-          <a:fillRef idx="0">
-            <a:schemeClr val="accent1"/>
-          </a:fillRef>
-          <a:effectRef idx="0">
-            <a:schemeClr val="accent1"/>
-          </a:effectRef>
-          <a:fontRef idx="minor">
-            <a:schemeClr val="tx1"/>
-          </a:fontRef>
-        </p:style>
-      </p:cxnSp>
-      <p:sp>
-        <p:nvSpPr>
-          <p:cNvPr id="10" name="TextBox 9"/>
-          <p:cNvSpPr txBox="1"/>
-          <p:nvPr/>
-        </p:nvSpPr>
-        <p:spPr>
-          <a:xfrm>
-            <a:off x="11289847" y="4985990"/>
-            <a:ext cx="1519752" cy="523220"/>
-          </a:xfrm>
-          <a:prstGeom prst="rect">
-            <a:avLst/>
-          </a:prstGeom>
-          <a:noFill/>
-        </p:spPr>
-        <p:txBody>
-          <a:bodyPr wrap="square" rtlCol="0">
-            <a:spAutoFit/>
-          </a:bodyPr>
-          <a:lstStyle/>
-          <a:p>
-            <a:pPr algn="ctr"/>
-            <a:r>
-              <a:rPr lang="en-US" sz="2800" b="1" dirty="0"/>
-              <a:t>scale out</a:t>
-            </a:r>
-            <a:endParaRPr lang="de-DE" sz="2800" b="1" dirty="0"/>
-          </a:p>
-        </p:txBody>
-      </p:sp>
-      <p:sp>
-        <p:nvSpPr>
-          <p:cNvPr id="11" name="Rounded Rectangle 75"/>
-          <p:cNvSpPr/>
-          <p:nvPr/>
-        </p:nvSpPr>
-        <p:spPr>
-          <a:xfrm>
-            <a:off x="13460440" y="5712037"/>
-            <a:ext cx="1441656" cy="1514439"/>
-          </a:xfrm>
-          <a:prstGeom prst="rect">
-            <a:avLst/>
-          </a:prstGeom>
-          <a:solidFill>
-            <a:schemeClr val="accent2">
-              <a:lumMod val="75000"/>
-            </a:schemeClr>
-          </a:solidFill>
-          <a:ln w="76200">
-            <a:solidFill>
-              <a:schemeClr val="accent2">
-                <a:lumMod val="50000"/>
-              </a:schemeClr>
-            </a:solidFill>
-          </a:ln>
-        </p:spPr>
-        <p:style>
-          <a:lnRef idx="2">
-            <a:schemeClr val="accent1">
-              <a:shade val="50000"/>
-            </a:schemeClr>
-          </a:lnRef>
-          <a:fillRef idx="1">
-            <a:schemeClr val="accent1"/>
-          </a:fillRef>
-          <a:effectRef idx="0">
-            <a:schemeClr val="accent1"/>
-          </a:effectRef>
-          <a:fontRef idx="minor">
-            <a:schemeClr val="lt1"/>
-          </a:fontRef>
-        </p:style>
-        <p:txBody>
-          <a:bodyPr rtlCol="0" anchor="ctr"/>
-          <a:lstStyle/>
-          <a:p>
-            <a:pPr algn="ctr"/>
-            <a:r>
-              <a:rPr lang="en-US" sz="2000" b="1" dirty="0"/>
-              <a:t>Instance</a:t>
-            </a:r>
-            <a:endParaRPr lang="de-DE" sz="2000" b="1" dirty="0"/>
-          </a:p>
-        </p:txBody>
-      </p:sp>
-      <p:sp>
-        <p:nvSpPr>
-          <p:cNvPr id="12" name="Rounded Rectangle 75"/>
-          <p:cNvSpPr/>
-          <p:nvPr/>
-        </p:nvSpPr>
-        <p:spPr>
-          <a:xfrm>
-            <a:off x="15230624" y="5712037"/>
-            <a:ext cx="1441656" cy="1514439"/>
-          </a:xfrm>
-          <a:prstGeom prst="rect">
-            <a:avLst/>
-          </a:prstGeom>
-          <a:solidFill>
-            <a:schemeClr val="accent2">
-              <a:lumMod val="75000"/>
-            </a:schemeClr>
-          </a:solidFill>
-          <a:ln w="76200">
-            <a:solidFill>
-              <a:schemeClr val="accent2">
-                <a:lumMod val="50000"/>
-              </a:schemeClr>
-            </a:solidFill>
-          </a:ln>
-        </p:spPr>
-        <p:style>
-          <a:lnRef idx="2">
-            <a:schemeClr val="accent1">
-              <a:shade val="50000"/>
-            </a:schemeClr>
-          </a:lnRef>
-          <a:fillRef idx="1">
-            <a:schemeClr val="accent1"/>
-          </a:fillRef>
-          <a:effectRef idx="0">
-            <a:schemeClr val="accent1"/>
-          </a:effectRef>
-          <a:fontRef idx="minor">
-            <a:schemeClr val="lt1"/>
-          </a:fontRef>
-        </p:style>
-        <p:txBody>
-          <a:bodyPr rtlCol="0" anchor="ctr"/>
-          <a:lstStyle/>
-          <a:p>
-            <a:pPr algn="ctr"/>
-            <a:r>
-              <a:rPr lang="en-US" sz="2000" b="1" dirty="0"/>
-              <a:t>Instance</a:t>
-            </a:r>
-            <a:endParaRPr lang="de-DE" sz="2000" b="1" dirty="0"/>
-          </a:p>
-        </p:txBody>
-      </p:sp>
-      <p:sp>
-        <p:nvSpPr>
-          <p:cNvPr id="13" name="Rounded Rectangle 75"/>
-          <p:cNvSpPr/>
-          <p:nvPr/>
-        </p:nvSpPr>
-        <p:spPr>
-          <a:xfrm>
-            <a:off x="13454578" y="3886168"/>
-            <a:ext cx="1441656" cy="1514439"/>
-          </a:xfrm>
-          <a:prstGeom prst="rect">
-            <a:avLst/>
-          </a:prstGeom>
-          <a:solidFill>
-            <a:schemeClr val="accent2">
-              <a:lumMod val="75000"/>
-            </a:schemeClr>
-          </a:solidFill>
-          <a:ln w="76200">
-            <a:solidFill>
-              <a:schemeClr val="accent2">
-                <a:lumMod val="50000"/>
-              </a:schemeClr>
-            </a:solidFill>
-          </a:ln>
-        </p:spPr>
-        <p:style>
-          <a:lnRef idx="2">
-            <a:schemeClr val="accent1">
-              <a:shade val="50000"/>
-            </a:schemeClr>
-          </a:lnRef>
-          <a:fillRef idx="1">
-            <a:schemeClr val="accent1"/>
-          </a:fillRef>
-          <a:effectRef idx="0">
-            <a:schemeClr val="accent1"/>
-          </a:effectRef>
-          <a:fontRef idx="minor">
-            <a:schemeClr val="lt1"/>
-          </a:fontRef>
-        </p:style>
-        <p:txBody>
-          <a:bodyPr rtlCol="0" anchor="ctr"/>
-          <a:lstStyle/>
-          <a:p>
-            <a:pPr algn="ctr"/>
-            <a:r>
-              <a:rPr lang="en-US" sz="2000" b="1" dirty="0"/>
-              <a:t>Instance</a:t>
-            </a:r>
-            <a:endParaRPr lang="de-DE" sz="2000" b="1" dirty="0"/>
-          </a:p>
-        </p:txBody>
-      </p:sp>
-      <p:sp>
-        <p:nvSpPr>
-          <p:cNvPr id="14" name="Rounded Rectangle 75"/>
-          <p:cNvSpPr/>
-          <p:nvPr/>
-        </p:nvSpPr>
-        <p:spPr>
-          <a:xfrm>
-            <a:off x="15224762" y="3886168"/>
-            <a:ext cx="1441656" cy="1514439"/>
-          </a:xfrm>
-          <a:prstGeom prst="rect">
-            <a:avLst/>
-          </a:prstGeom>
-          <a:solidFill>
-            <a:schemeClr val="accent2">
-              <a:lumMod val="75000"/>
-            </a:schemeClr>
-          </a:solidFill>
-          <a:ln w="76200">
-            <a:solidFill>
-              <a:schemeClr val="accent2">
-                <a:lumMod val="50000"/>
-              </a:schemeClr>
-            </a:solidFill>
-          </a:ln>
-        </p:spPr>
-        <p:style>
-          <a:lnRef idx="2">
-            <a:schemeClr val="accent1">
-              <a:shade val="50000"/>
-            </a:schemeClr>
-          </a:lnRef>
-          <a:fillRef idx="1">
-            <a:schemeClr val="accent1"/>
-          </a:fillRef>
-          <a:effectRef idx="0">
-            <a:schemeClr val="accent1"/>
-          </a:effectRef>
-          <a:fontRef idx="minor">
-            <a:schemeClr val="lt1"/>
-          </a:fontRef>
-        </p:style>
-        <p:txBody>
-          <a:bodyPr rtlCol="0" anchor="ctr"/>
-          <a:lstStyle/>
-          <a:p>
-            <a:pPr algn="ctr"/>
-            <a:r>
-              <a:rPr lang="en-US" sz="2000" b="1" dirty="0"/>
-              <a:t>Instance</a:t>
-            </a:r>
-            <a:endParaRPr lang="de-DE" sz="2000" b="1" dirty="0"/>
-          </a:p>
-        </p:txBody>
-      </p:sp>
-      <p:cxnSp>
-        <p:nvCxnSpPr>
-          <p:cNvPr id="15" name="Straight Arrow Connector 14"/>
-          <p:cNvCxnSpPr/>
-          <p:nvPr/>
-        </p:nvCxnSpPr>
-        <p:spPr>
-          <a:xfrm flipH="1" flipV="1">
-            <a:off x="5426992" y="5525631"/>
-            <a:ext cx="2089638" cy="4730"/>
-          </a:xfrm>
-          <a:prstGeom prst="straightConnector1">
-            <a:avLst/>
-          </a:prstGeom>
-          <a:ln w="142875">
-            <a:solidFill>
-              <a:schemeClr val="tx1">
-                <a:lumMod val="50000"/>
-                <a:lumOff val="50000"/>
-              </a:schemeClr>
-            </a:solidFill>
-            <a:tailEnd type="triangle"/>
-          </a:ln>
-        </p:spPr>
-        <p:style>
-          <a:lnRef idx="1">
-            <a:schemeClr val="accent1"/>
-          </a:lnRef>
-          <a:fillRef idx="0">
-            <a:schemeClr val="accent1"/>
-          </a:fillRef>
-          <a:effectRef idx="0">
-            <a:schemeClr val="accent1"/>
-          </a:effectRef>
-          <a:fontRef idx="minor">
-            <a:schemeClr val="tx1"/>
-          </a:fontRef>
-        </p:style>
-      </p:cxnSp>
-      <p:sp>
-        <p:nvSpPr>
-          <p:cNvPr id="16" name="TextBox 15"/>
-          <p:cNvSpPr txBox="1"/>
-          <p:nvPr/>
-        </p:nvSpPr>
-        <p:spPr>
-          <a:xfrm>
-            <a:off x="5938262" y="4953752"/>
-            <a:ext cx="1519752" cy="523220"/>
-          </a:xfrm>
-          <a:prstGeom prst="rect">
-            <a:avLst/>
-          </a:prstGeom>
-          <a:noFill/>
-        </p:spPr>
-        <p:txBody>
-          <a:bodyPr wrap="square" rtlCol="0">
-            <a:spAutoFit/>
-          </a:bodyPr>
-          <a:lstStyle/>
-          <a:p>
-            <a:pPr algn="ctr"/>
-            <a:r>
-              <a:rPr lang="en-US" sz="2800" b="1" dirty="0"/>
-              <a:t>scale in</a:t>
-            </a:r>
-            <a:endParaRPr lang="de-DE" sz="2800" b="1" dirty="0"/>
-          </a:p>
-        </p:txBody>
-      </p:sp>
-      <p:sp>
-        <p:nvSpPr>
-          <p:cNvPr id="22" name="Rounded Rectangle 75"/>
-          <p:cNvSpPr/>
-          <p:nvPr/>
-        </p:nvSpPr>
-        <p:spPr>
-          <a:xfrm>
-            <a:off x="3815278" y="4736091"/>
-            <a:ext cx="1441656" cy="1514439"/>
-          </a:xfrm>
-          <a:prstGeom prst="rect">
-            <a:avLst/>
-          </a:prstGeom>
-          <a:solidFill>
-            <a:schemeClr val="accent2">
-              <a:lumMod val="75000"/>
-            </a:schemeClr>
-          </a:solidFill>
-          <a:ln w="76200">
-            <a:solidFill>
-              <a:schemeClr val="accent2">
-                <a:lumMod val="50000"/>
-              </a:schemeClr>
-            </a:solidFill>
-          </a:ln>
-        </p:spPr>
-        <p:style>
-          <a:lnRef idx="2">
-            <a:schemeClr val="accent1">
-              <a:shade val="50000"/>
-            </a:schemeClr>
-          </a:lnRef>
-          <a:fillRef idx="1">
-            <a:schemeClr val="accent1"/>
-          </a:fillRef>
-          <a:effectRef idx="0">
-            <a:schemeClr val="accent1"/>
-          </a:effectRef>
-          <a:fontRef idx="minor">
-            <a:schemeClr val="lt1"/>
-          </a:fontRef>
-        </p:style>
-        <p:txBody>
-          <a:bodyPr rtlCol="0" anchor="ctr"/>
-          <a:lstStyle/>
-          <a:p>
-            <a:pPr algn="ctr"/>
-            <a:r>
-              <a:rPr lang="en-US" sz="2000" b="1" dirty="0"/>
-              <a:t>Instance</a:t>
-            </a:r>
-            <a:endParaRPr lang="de-DE" sz="2000" b="1" dirty="0"/>
-          </a:p>
-        </p:txBody>
-      </p:sp>
-      <p:cxnSp>
-        <p:nvCxnSpPr>
-          <p:cNvPr id="23" name="Straight Arrow Connector 22"/>
-          <p:cNvCxnSpPr/>
-          <p:nvPr/>
-        </p:nvCxnSpPr>
-        <p:spPr>
-          <a:xfrm flipV="1">
-            <a:off x="9339569" y="2514600"/>
-            <a:ext cx="5860" cy="1998784"/>
-          </a:xfrm>
-          <a:prstGeom prst="straightConnector1">
-            <a:avLst/>
-          </a:prstGeom>
-          <a:ln w="142875">
-            <a:solidFill>
-              <a:schemeClr val="tx1">
-                <a:lumMod val="50000"/>
-                <a:lumOff val="50000"/>
-              </a:schemeClr>
-            </a:solidFill>
-            <a:tailEnd type="triangle"/>
-          </a:ln>
-        </p:spPr>
-        <p:style>
-          <a:lnRef idx="1">
-            <a:schemeClr val="accent1"/>
-          </a:lnRef>
-          <a:fillRef idx="0">
-            <a:schemeClr val="accent1"/>
-          </a:fillRef>
-          <a:effectRef idx="0">
-            <a:schemeClr val="accent1"/>
-          </a:effectRef>
-          <a:fontRef idx="minor">
-            <a:schemeClr val="tx1"/>
-          </a:fontRef>
-        </p:style>
-      </p:cxnSp>
-      <p:sp>
-        <p:nvSpPr>
-          <p:cNvPr id="25" name="TextBox 24"/>
-          <p:cNvSpPr txBox="1"/>
-          <p:nvPr/>
-        </p:nvSpPr>
-        <p:spPr>
-          <a:xfrm rot="5400000">
-            <a:off x="8904201" y="3435613"/>
-            <a:ext cx="1519752" cy="523220"/>
-          </a:xfrm>
-          <a:prstGeom prst="rect">
-            <a:avLst/>
-          </a:prstGeom>
-          <a:noFill/>
-        </p:spPr>
-        <p:txBody>
-          <a:bodyPr wrap="square" rtlCol="0">
-            <a:spAutoFit/>
-          </a:bodyPr>
-          <a:lstStyle/>
-          <a:p>
-            <a:pPr algn="ctr"/>
-            <a:r>
-              <a:rPr lang="en-US" sz="2800" b="1" dirty="0"/>
-              <a:t>scale up</a:t>
-            </a:r>
-            <a:endParaRPr lang="de-DE" sz="2800" b="1" dirty="0"/>
-          </a:p>
-        </p:txBody>
-      </p:sp>
-      <p:pic>
-        <p:nvPicPr>
-          <p:cNvPr id="26" name="Picture 25"/>
-          <p:cNvPicPr>
-            <a:picLocks noChangeAspect="1"/>
-          </p:cNvPicPr>
-          <p:nvPr/>
-        </p:nvPicPr>
-        <p:blipFill>
-          <a:blip r:embed="rId2"/>
-          <a:stretch>
-            <a:fillRect/>
-          </a:stretch>
-        </p:blipFill>
-        <p:spPr>
-          <a:xfrm>
-            <a:off x="6924850" y="1"/>
-            <a:ext cx="4838464" cy="2347551"/>
-          </a:xfrm>
-          <a:prstGeom prst="rect">
-            <a:avLst/>
-          </a:prstGeom>
-        </p:spPr>
-      </p:pic>
-      <p:cxnSp>
-        <p:nvCxnSpPr>
-          <p:cNvPr id="27" name="Straight Arrow Connector 26"/>
-          <p:cNvCxnSpPr/>
-          <p:nvPr/>
-        </p:nvCxnSpPr>
-        <p:spPr>
-          <a:xfrm>
-            <a:off x="9351292" y="6573715"/>
-            <a:ext cx="11722" cy="2165839"/>
-          </a:xfrm>
-          <a:prstGeom prst="straightConnector1">
-            <a:avLst/>
-          </a:prstGeom>
-          <a:ln w="142875">
-            <a:solidFill>
-              <a:schemeClr val="tx1">
-                <a:lumMod val="50000"/>
-                <a:lumOff val="50000"/>
-              </a:schemeClr>
-            </a:solidFill>
-            <a:tailEnd type="triangle"/>
-          </a:ln>
-        </p:spPr>
-        <p:style>
-          <a:lnRef idx="1">
-            <a:schemeClr val="accent1"/>
-          </a:lnRef>
-          <a:fillRef idx="0">
-            <a:schemeClr val="accent1"/>
-          </a:fillRef>
-          <a:effectRef idx="0">
-            <a:schemeClr val="accent1"/>
-          </a:effectRef>
-          <a:fontRef idx="minor">
-            <a:schemeClr val="tx1"/>
-          </a:fontRef>
-        </p:style>
-      </p:cxnSp>
-      <p:sp>
-        <p:nvSpPr>
-          <p:cNvPr id="32" name="TextBox 31"/>
-          <p:cNvSpPr txBox="1"/>
-          <p:nvPr/>
-        </p:nvSpPr>
-        <p:spPr>
-          <a:xfrm rot="5400000">
-            <a:off x="8648924" y="7169713"/>
-            <a:ext cx="2071338" cy="523220"/>
-          </a:xfrm>
-          <a:prstGeom prst="rect">
-            <a:avLst/>
-          </a:prstGeom>
-          <a:noFill/>
-        </p:spPr>
-        <p:txBody>
-          <a:bodyPr wrap="square" rtlCol="0">
-            <a:spAutoFit/>
-          </a:bodyPr>
-          <a:lstStyle/>
-          <a:p>
-            <a:pPr algn="ctr"/>
-            <a:r>
-              <a:rPr lang="en-US" sz="2800" b="1" dirty="0"/>
-              <a:t>scale down</a:t>
-            </a:r>
-            <a:endParaRPr lang="de-DE" sz="2800" b="1" dirty="0"/>
-          </a:p>
-        </p:txBody>
-      </p:sp>
-      <p:pic>
-        <p:nvPicPr>
-          <p:cNvPr id="33" name="Picture 32"/>
-          <p:cNvPicPr>
-            <a:picLocks noChangeAspect="1"/>
-          </p:cNvPicPr>
-          <p:nvPr/>
-        </p:nvPicPr>
-        <p:blipFill>
-          <a:blip r:embed="rId2"/>
-          <a:stretch>
-            <a:fillRect/>
-          </a:stretch>
-        </p:blipFill>
-        <p:spPr>
-          <a:xfrm>
-            <a:off x="8299144" y="8893579"/>
-            <a:ext cx="2128845" cy="1032884"/>
-          </a:xfrm>
-          <a:prstGeom prst="rect">
-            <a:avLst/>
-          </a:prstGeom>
-        </p:spPr>
-      </p:pic>
-    </p:spTree>
-    <p:extLst>
-      <p:ext uri="{BB962C8B-B14F-4D97-AF65-F5344CB8AC3E}">
-        <p14:creationId xmlns:p14="http://schemas.microsoft.com/office/powerpoint/2010/main" val="1846117782"/>
-      </p:ext>
-    </p:extLst>
-  </p:cSld>
-  <p:clrMapOvr>
-    <a:masterClrMapping/>
-  </p:clrMapOvr>
-  <p:timing>
-    <p:tnLst>
-      <p:par>
-        <p:cTn id="1" dur="indefinite" restart="never" nodeType="tmRoot"/>
-      </p:par>
-    </p:tnLst>
-  </p:timing>
 </p:sld>
 </file>
 
@@ -29078,6 +29099,756 @@
       </p:grpSpPr>
       <p:sp>
         <p:nvSpPr>
+          <p:cNvPr id="4" name="Rounded Rectangle 75"/>
+          <p:cNvSpPr/>
+          <p:nvPr/>
+        </p:nvSpPr>
+        <p:spPr>
+          <a:xfrm>
+            <a:off x="7742509" y="4785914"/>
+            <a:ext cx="1441656" cy="1514439"/>
+          </a:xfrm>
+          <a:prstGeom prst="rect">
+            <a:avLst/>
+          </a:prstGeom>
+          <a:solidFill>
+            <a:schemeClr val="accent2">
+              <a:lumMod val="75000"/>
+            </a:schemeClr>
+          </a:solidFill>
+          <a:ln w="76200">
+            <a:solidFill>
+              <a:schemeClr val="accent2">
+                <a:lumMod val="50000"/>
+              </a:schemeClr>
+            </a:solidFill>
+          </a:ln>
+        </p:spPr>
+        <p:style>
+          <a:lnRef idx="2">
+            <a:schemeClr val="accent1">
+              <a:shade val="50000"/>
+            </a:schemeClr>
+          </a:lnRef>
+          <a:fillRef idx="1">
+            <a:schemeClr val="accent1"/>
+          </a:fillRef>
+          <a:effectRef idx="0">
+            <a:schemeClr val="accent1"/>
+          </a:effectRef>
+          <a:fontRef idx="minor">
+            <a:schemeClr val="lt1"/>
+          </a:fontRef>
+        </p:style>
+        <p:txBody>
+          <a:bodyPr rtlCol="0" anchor="ctr"/>
+          <a:lstStyle/>
+          <a:p>
+            <a:pPr algn="ctr"/>
+            <a:r>
+              <a:rPr lang="en-US" sz="2000" b="1" dirty="0"/>
+              <a:t>Instance</a:t>
+            </a:r>
+            <a:endParaRPr lang="de-DE" sz="2000" b="1" dirty="0"/>
+          </a:p>
+        </p:txBody>
+      </p:sp>
+      <p:sp>
+        <p:nvSpPr>
+          <p:cNvPr id="5" name="Rounded Rectangle 75"/>
+          <p:cNvSpPr/>
+          <p:nvPr/>
+        </p:nvSpPr>
+        <p:spPr>
+          <a:xfrm>
+            <a:off x="9512693" y="4785914"/>
+            <a:ext cx="1441656" cy="1514439"/>
+          </a:xfrm>
+          <a:prstGeom prst="rect">
+            <a:avLst/>
+          </a:prstGeom>
+          <a:solidFill>
+            <a:schemeClr val="accent2">
+              <a:lumMod val="75000"/>
+            </a:schemeClr>
+          </a:solidFill>
+          <a:ln w="76200">
+            <a:solidFill>
+              <a:schemeClr val="accent2">
+                <a:lumMod val="50000"/>
+              </a:schemeClr>
+            </a:solidFill>
+          </a:ln>
+        </p:spPr>
+        <p:style>
+          <a:lnRef idx="2">
+            <a:schemeClr val="accent1">
+              <a:shade val="50000"/>
+            </a:schemeClr>
+          </a:lnRef>
+          <a:fillRef idx="1">
+            <a:schemeClr val="accent1"/>
+          </a:fillRef>
+          <a:effectRef idx="0">
+            <a:schemeClr val="accent1"/>
+          </a:effectRef>
+          <a:fontRef idx="minor">
+            <a:schemeClr val="lt1"/>
+          </a:fontRef>
+        </p:style>
+        <p:txBody>
+          <a:bodyPr rtlCol="0" anchor="ctr"/>
+          <a:lstStyle/>
+          <a:p>
+            <a:pPr algn="ctr"/>
+            <a:r>
+              <a:rPr lang="en-US" sz="2000" b="1" dirty="0"/>
+              <a:t>Instance</a:t>
+            </a:r>
+            <a:endParaRPr lang="de-DE" sz="2000" b="1" dirty="0"/>
+          </a:p>
+        </p:txBody>
+      </p:sp>
+      <p:cxnSp>
+        <p:nvCxnSpPr>
+          <p:cNvPr id="6" name="Straight Arrow Connector 5"/>
+          <p:cNvCxnSpPr/>
+          <p:nvPr/>
+        </p:nvCxnSpPr>
+        <p:spPr>
+          <a:xfrm>
+            <a:off x="11187515" y="5549075"/>
+            <a:ext cx="2096868" cy="0"/>
+          </a:xfrm>
+          <a:prstGeom prst="straightConnector1">
+            <a:avLst/>
+          </a:prstGeom>
+          <a:ln w="142875">
+            <a:solidFill>
+              <a:schemeClr val="tx1">
+                <a:lumMod val="50000"/>
+                <a:lumOff val="50000"/>
+              </a:schemeClr>
+            </a:solidFill>
+            <a:tailEnd type="triangle"/>
+          </a:ln>
+        </p:spPr>
+        <p:style>
+          <a:lnRef idx="1">
+            <a:schemeClr val="accent1"/>
+          </a:lnRef>
+          <a:fillRef idx="0">
+            <a:schemeClr val="accent1"/>
+          </a:fillRef>
+          <a:effectRef idx="0">
+            <a:schemeClr val="accent1"/>
+          </a:effectRef>
+          <a:fontRef idx="minor">
+            <a:schemeClr val="tx1"/>
+          </a:fontRef>
+        </p:style>
+      </p:cxnSp>
+      <p:sp>
+        <p:nvSpPr>
+          <p:cNvPr id="10" name="TextBox 9"/>
+          <p:cNvSpPr txBox="1"/>
+          <p:nvPr/>
+        </p:nvSpPr>
+        <p:spPr>
+          <a:xfrm>
+            <a:off x="11289847" y="4985990"/>
+            <a:ext cx="1519752" cy="523220"/>
+          </a:xfrm>
+          <a:prstGeom prst="rect">
+            <a:avLst/>
+          </a:prstGeom>
+          <a:noFill/>
+        </p:spPr>
+        <p:txBody>
+          <a:bodyPr wrap="square" rtlCol="0">
+            <a:spAutoFit/>
+          </a:bodyPr>
+          <a:lstStyle/>
+          <a:p>
+            <a:pPr algn="ctr"/>
+            <a:r>
+              <a:rPr lang="en-US" sz="2800" b="1" dirty="0"/>
+              <a:t>scale out</a:t>
+            </a:r>
+            <a:endParaRPr lang="de-DE" sz="2800" b="1" dirty="0"/>
+          </a:p>
+        </p:txBody>
+      </p:sp>
+      <p:sp>
+        <p:nvSpPr>
+          <p:cNvPr id="11" name="Rounded Rectangle 75"/>
+          <p:cNvSpPr/>
+          <p:nvPr/>
+        </p:nvSpPr>
+        <p:spPr>
+          <a:xfrm>
+            <a:off x="13460440" y="5712037"/>
+            <a:ext cx="1441656" cy="1514439"/>
+          </a:xfrm>
+          <a:prstGeom prst="rect">
+            <a:avLst/>
+          </a:prstGeom>
+          <a:solidFill>
+            <a:schemeClr val="accent2">
+              <a:lumMod val="75000"/>
+            </a:schemeClr>
+          </a:solidFill>
+          <a:ln w="76200">
+            <a:solidFill>
+              <a:schemeClr val="accent2">
+                <a:lumMod val="50000"/>
+              </a:schemeClr>
+            </a:solidFill>
+          </a:ln>
+        </p:spPr>
+        <p:style>
+          <a:lnRef idx="2">
+            <a:schemeClr val="accent1">
+              <a:shade val="50000"/>
+            </a:schemeClr>
+          </a:lnRef>
+          <a:fillRef idx="1">
+            <a:schemeClr val="accent1"/>
+          </a:fillRef>
+          <a:effectRef idx="0">
+            <a:schemeClr val="accent1"/>
+          </a:effectRef>
+          <a:fontRef idx="minor">
+            <a:schemeClr val="lt1"/>
+          </a:fontRef>
+        </p:style>
+        <p:txBody>
+          <a:bodyPr rtlCol="0" anchor="ctr"/>
+          <a:lstStyle/>
+          <a:p>
+            <a:pPr algn="ctr"/>
+            <a:r>
+              <a:rPr lang="en-US" sz="2000" b="1" dirty="0"/>
+              <a:t>Instance</a:t>
+            </a:r>
+            <a:endParaRPr lang="de-DE" sz="2000" b="1" dirty="0"/>
+          </a:p>
+        </p:txBody>
+      </p:sp>
+      <p:sp>
+        <p:nvSpPr>
+          <p:cNvPr id="12" name="Rounded Rectangle 75"/>
+          <p:cNvSpPr/>
+          <p:nvPr/>
+        </p:nvSpPr>
+        <p:spPr>
+          <a:xfrm>
+            <a:off x="15230624" y="5712037"/>
+            <a:ext cx="1441656" cy="1514439"/>
+          </a:xfrm>
+          <a:prstGeom prst="rect">
+            <a:avLst/>
+          </a:prstGeom>
+          <a:solidFill>
+            <a:schemeClr val="accent2">
+              <a:lumMod val="75000"/>
+            </a:schemeClr>
+          </a:solidFill>
+          <a:ln w="76200">
+            <a:solidFill>
+              <a:schemeClr val="accent2">
+                <a:lumMod val="50000"/>
+              </a:schemeClr>
+            </a:solidFill>
+          </a:ln>
+        </p:spPr>
+        <p:style>
+          <a:lnRef idx="2">
+            <a:schemeClr val="accent1">
+              <a:shade val="50000"/>
+            </a:schemeClr>
+          </a:lnRef>
+          <a:fillRef idx="1">
+            <a:schemeClr val="accent1"/>
+          </a:fillRef>
+          <a:effectRef idx="0">
+            <a:schemeClr val="accent1"/>
+          </a:effectRef>
+          <a:fontRef idx="minor">
+            <a:schemeClr val="lt1"/>
+          </a:fontRef>
+        </p:style>
+        <p:txBody>
+          <a:bodyPr rtlCol="0" anchor="ctr"/>
+          <a:lstStyle/>
+          <a:p>
+            <a:pPr algn="ctr"/>
+            <a:r>
+              <a:rPr lang="en-US" sz="2000" b="1" dirty="0"/>
+              <a:t>Instance</a:t>
+            </a:r>
+            <a:endParaRPr lang="de-DE" sz="2000" b="1" dirty="0"/>
+          </a:p>
+        </p:txBody>
+      </p:sp>
+      <p:sp>
+        <p:nvSpPr>
+          <p:cNvPr id="13" name="Rounded Rectangle 75"/>
+          <p:cNvSpPr/>
+          <p:nvPr/>
+        </p:nvSpPr>
+        <p:spPr>
+          <a:xfrm>
+            <a:off x="13454578" y="3886168"/>
+            <a:ext cx="1441656" cy="1514439"/>
+          </a:xfrm>
+          <a:prstGeom prst="rect">
+            <a:avLst/>
+          </a:prstGeom>
+          <a:solidFill>
+            <a:schemeClr val="accent2">
+              <a:lumMod val="75000"/>
+            </a:schemeClr>
+          </a:solidFill>
+          <a:ln w="76200">
+            <a:solidFill>
+              <a:schemeClr val="accent2">
+                <a:lumMod val="50000"/>
+              </a:schemeClr>
+            </a:solidFill>
+          </a:ln>
+        </p:spPr>
+        <p:style>
+          <a:lnRef idx="2">
+            <a:schemeClr val="accent1">
+              <a:shade val="50000"/>
+            </a:schemeClr>
+          </a:lnRef>
+          <a:fillRef idx="1">
+            <a:schemeClr val="accent1"/>
+          </a:fillRef>
+          <a:effectRef idx="0">
+            <a:schemeClr val="accent1"/>
+          </a:effectRef>
+          <a:fontRef idx="minor">
+            <a:schemeClr val="lt1"/>
+          </a:fontRef>
+        </p:style>
+        <p:txBody>
+          <a:bodyPr rtlCol="0" anchor="ctr"/>
+          <a:lstStyle/>
+          <a:p>
+            <a:pPr algn="ctr"/>
+            <a:r>
+              <a:rPr lang="en-US" sz="2000" b="1" dirty="0"/>
+              <a:t>Instance</a:t>
+            </a:r>
+            <a:endParaRPr lang="de-DE" sz="2000" b="1" dirty="0"/>
+          </a:p>
+        </p:txBody>
+      </p:sp>
+      <p:sp>
+        <p:nvSpPr>
+          <p:cNvPr id="14" name="Rounded Rectangle 75"/>
+          <p:cNvSpPr/>
+          <p:nvPr/>
+        </p:nvSpPr>
+        <p:spPr>
+          <a:xfrm>
+            <a:off x="15224762" y="3886168"/>
+            <a:ext cx="1441656" cy="1514439"/>
+          </a:xfrm>
+          <a:prstGeom prst="rect">
+            <a:avLst/>
+          </a:prstGeom>
+          <a:solidFill>
+            <a:schemeClr val="accent2">
+              <a:lumMod val="75000"/>
+            </a:schemeClr>
+          </a:solidFill>
+          <a:ln w="76200">
+            <a:solidFill>
+              <a:schemeClr val="accent2">
+                <a:lumMod val="50000"/>
+              </a:schemeClr>
+            </a:solidFill>
+          </a:ln>
+        </p:spPr>
+        <p:style>
+          <a:lnRef idx="2">
+            <a:schemeClr val="accent1">
+              <a:shade val="50000"/>
+            </a:schemeClr>
+          </a:lnRef>
+          <a:fillRef idx="1">
+            <a:schemeClr val="accent1"/>
+          </a:fillRef>
+          <a:effectRef idx="0">
+            <a:schemeClr val="accent1"/>
+          </a:effectRef>
+          <a:fontRef idx="minor">
+            <a:schemeClr val="lt1"/>
+          </a:fontRef>
+        </p:style>
+        <p:txBody>
+          <a:bodyPr rtlCol="0" anchor="ctr"/>
+          <a:lstStyle/>
+          <a:p>
+            <a:pPr algn="ctr"/>
+            <a:r>
+              <a:rPr lang="en-US" sz="2000" b="1" dirty="0"/>
+              <a:t>Instance</a:t>
+            </a:r>
+            <a:endParaRPr lang="de-DE" sz="2000" b="1" dirty="0"/>
+          </a:p>
+        </p:txBody>
+      </p:sp>
+      <p:cxnSp>
+        <p:nvCxnSpPr>
+          <p:cNvPr id="15" name="Straight Arrow Connector 14"/>
+          <p:cNvCxnSpPr/>
+          <p:nvPr/>
+        </p:nvCxnSpPr>
+        <p:spPr>
+          <a:xfrm flipH="1" flipV="1">
+            <a:off x="5426992" y="5525631"/>
+            <a:ext cx="2089638" cy="4730"/>
+          </a:xfrm>
+          <a:prstGeom prst="straightConnector1">
+            <a:avLst/>
+          </a:prstGeom>
+          <a:ln w="142875">
+            <a:solidFill>
+              <a:schemeClr val="tx1">
+                <a:lumMod val="50000"/>
+                <a:lumOff val="50000"/>
+              </a:schemeClr>
+            </a:solidFill>
+            <a:tailEnd type="triangle"/>
+          </a:ln>
+        </p:spPr>
+        <p:style>
+          <a:lnRef idx="1">
+            <a:schemeClr val="accent1"/>
+          </a:lnRef>
+          <a:fillRef idx="0">
+            <a:schemeClr val="accent1"/>
+          </a:fillRef>
+          <a:effectRef idx="0">
+            <a:schemeClr val="accent1"/>
+          </a:effectRef>
+          <a:fontRef idx="minor">
+            <a:schemeClr val="tx1"/>
+          </a:fontRef>
+        </p:style>
+      </p:cxnSp>
+      <p:sp>
+        <p:nvSpPr>
+          <p:cNvPr id="16" name="TextBox 15"/>
+          <p:cNvSpPr txBox="1"/>
+          <p:nvPr/>
+        </p:nvSpPr>
+        <p:spPr>
+          <a:xfrm>
+            <a:off x="5938262" y="4953752"/>
+            <a:ext cx="1519752" cy="523220"/>
+          </a:xfrm>
+          <a:prstGeom prst="rect">
+            <a:avLst/>
+          </a:prstGeom>
+          <a:noFill/>
+        </p:spPr>
+        <p:txBody>
+          <a:bodyPr wrap="square" rtlCol="0">
+            <a:spAutoFit/>
+          </a:bodyPr>
+          <a:lstStyle/>
+          <a:p>
+            <a:pPr algn="ctr"/>
+            <a:r>
+              <a:rPr lang="en-US" sz="2800" b="1" dirty="0"/>
+              <a:t>scale in</a:t>
+            </a:r>
+            <a:endParaRPr lang="de-DE" sz="2800" b="1" dirty="0"/>
+          </a:p>
+        </p:txBody>
+      </p:sp>
+      <p:sp>
+        <p:nvSpPr>
+          <p:cNvPr id="22" name="Rounded Rectangle 75"/>
+          <p:cNvSpPr/>
+          <p:nvPr/>
+        </p:nvSpPr>
+        <p:spPr>
+          <a:xfrm>
+            <a:off x="3815278" y="4736091"/>
+            <a:ext cx="1441656" cy="1514439"/>
+          </a:xfrm>
+          <a:prstGeom prst="rect">
+            <a:avLst/>
+          </a:prstGeom>
+          <a:solidFill>
+            <a:schemeClr val="accent2">
+              <a:lumMod val="75000"/>
+            </a:schemeClr>
+          </a:solidFill>
+          <a:ln w="76200">
+            <a:solidFill>
+              <a:schemeClr val="accent2">
+                <a:lumMod val="50000"/>
+              </a:schemeClr>
+            </a:solidFill>
+          </a:ln>
+        </p:spPr>
+        <p:style>
+          <a:lnRef idx="2">
+            <a:schemeClr val="accent1">
+              <a:shade val="50000"/>
+            </a:schemeClr>
+          </a:lnRef>
+          <a:fillRef idx="1">
+            <a:schemeClr val="accent1"/>
+          </a:fillRef>
+          <a:effectRef idx="0">
+            <a:schemeClr val="accent1"/>
+          </a:effectRef>
+          <a:fontRef idx="minor">
+            <a:schemeClr val="lt1"/>
+          </a:fontRef>
+        </p:style>
+        <p:txBody>
+          <a:bodyPr rtlCol="0" anchor="ctr"/>
+          <a:lstStyle/>
+          <a:p>
+            <a:pPr algn="ctr"/>
+            <a:r>
+              <a:rPr lang="en-US" sz="2000" b="1" dirty="0"/>
+              <a:t>Instance</a:t>
+            </a:r>
+            <a:endParaRPr lang="de-DE" sz="2000" b="1" dirty="0"/>
+          </a:p>
+        </p:txBody>
+      </p:sp>
+      <p:cxnSp>
+        <p:nvCxnSpPr>
+          <p:cNvPr id="23" name="Straight Arrow Connector 22"/>
+          <p:cNvCxnSpPr/>
+          <p:nvPr/>
+        </p:nvCxnSpPr>
+        <p:spPr>
+          <a:xfrm flipV="1">
+            <a:off x="9339569" y="2514600"/>
+            <a:ext cx="5860" cy="1998784"/>
+          </a:xfrm>
+          <a:prstGeom prst="straightConnector1">
+            <a:avLst/>
+          </a:prstGeom>
+          <a:ln w="142875">
+            <a:solidFill>
+              <a:schemeClr val="tx1">
+                <a:lumMod val="50000"/>
+                <a:lumOff val="50000"/>
+              </a:schemeClr>
+            </a:solidFill>
+            <a:tailEnd type="triangle"/>
+          </a:ln>
+        </p:spPr>
+        <p:style>
+          <a:lnRef idx="1">
+            <a:schemeClr val="accent1"/>
+          </a:lnRef>
+          <a:fillRef idx="0">
+            <a:schemeClr val="accent1"/>
+          </a:fillRef>
+          <a:effectRef idx="0">
+            <a:schemeClr val="accent1"/>
+          </a:effectRef>
+          <a:fontRef idx="minor">
+            <a:schemeClr val="tx1"/>
+          </a:fontRef>
+        </p:style>
+      </p:cxnSp>
+      <p:sp>
+        <p:nvSpPr>
+          <p:cNvPr id="25" name="TextBox 24"/>
+          <p:cNvSpPr txBox="1"/>
+          <p:nvPr/>
+        </p:nvSpPr>
+        <p:spPr>
+          <a:xfrm rot="5400000">
+            <a:off x="8904201" y="3435613"/>
+            <a:ext cx="1519752" cy="523220"/>
+          </a:xfrm>
+          <a:prstGeom prst="rect">
+            <a:avLst/>
+          </a:prstGeom>
+          <a:noFill/>
+        </p:spPr>
+        <p:txBody>
+          <a:bodyPr wrap="square" rtlCol="0">
+            <a:spAutoFit/>
+          </a:bodyPr>
+          <a:lstStyle/>
+          <a:p>
+            <a:pPr algn="ctr"/>
+            <a:r>
+              <a:rPr lang="en-US" sz="2800" b="1" dirty="0"/>
+              <a:t>scale up</a:t>
+            </a:r>
+            <a:endParaRPr lang="de-DE" sz="2800" b="1" dirty="0"/>
+          </a:p>
+        </p:txBody>
+      </p:sp>
+      <p:pic>
+        <p:nvPicPr>
+          <p:cNvPr id="26" name="Picture 25"/>
+          <p:cNvPicPr>
+            <a:picLocks noChangeAspect="1"/>
+          </p:cNvPicPr>
+          <p:nvPr/>
+        </p:nvPicPr>
+        <p:blipFill>
+          <a:blip r:embed="rId2"/>
+          <a:stretch>
+            <a:fillRect/>
+          </a:stretch>
+        </p:blipFill>
+        <p:spPr>
+          <a:xfrm>
+            <a:off x="6924850" y="1"/>
+            <a:ext cx="4838464" cy="2347551"/>
+          </a:xfrm>
+          <a:prstGeom prst="rect">
+            <a:avLst/>
+          </a:prstGeom>
+        </p:spPr>
+      </p:pic>
+      <p:cxnSp>
+        <p:nvCxnSpPr>
+          <p:cNvPr id="27" name="Straight Arrow Connector 26"/>
+          <p:cNvCxnSpPr/>
+          <p:nvPr/>
+        </p:nvCxnSpPr>
+        <p:spPr>
+          <a:xfrm>
+            <a:off x="9351292" y="6573715"/>
+            <a:ext cx="11722" cy="2165839"/>
+          </a:xfrm>
+          <a:prstGeom prst="straightConnector1">
+            <a:avLst/>
+          </a:prstGeom>
+          <a:ln w="142875">
+            <a:solidFill>
+              <a:schemeClr val="tx1">
+                <a:lumMod val="50000"/>
+                <a:lumOff val="50000"/>
+              </a:schemeClr>
+            </a:solidFill>
+            <a:tailEnd type="triangle"/>
+          </a:ln>
+        </p:spPr>
+        <p:style>
+          <a:lnRef idx="1">
+            <a:schemeClr val="accent1"/>
+          </a:lnRef>
+          <a:fillRef idx="0">
+            <a:schemeClr val="accent1"/>
+          </a:fillRef>
+          <a:effectRef idx="0">
+            <a:schemeClr val="accent1"/>
+          </a:effectRef>
+          <a:fontRef idx="minor">
+            <a:schemeClr val="tx1"/>
+          </a:fontRef>
+        </p:style>
+      </p:cxnSp>
+      <p:sp>
+        <p:nvSpPr>
+          <p:cNvPr id="32" name="TextBox 31"/>
+          <p:cNvSpPr txBox="1"/>
+          <p:nvPr/>
+        </p:nvSpPr>
+        <p:spPr>
+          <a:xfrm rot="5400000">
+            <a:off x="8648924" y="7169713"/>
+            <a:ext cx="2071338" cy="523220"/>
+          </a:xfrm>
+          <a:prstGeom prst="rect">
+            <a:avLst/>
+          </a:prstGeom>
+          <a:noFill/>
+        </p:spPr>
+        <p:txBody>
+          <a:bodyPr wrap="square" rtlCol="0">
+            <a:spAutoFit/>
+          </a:bodyPr>
+          <a:lstStyle/>
+          <a:p>
+            <a:pPr algn="ctr"/>
+            <a:r>
+              <a:rPr lang="en-US" sz="2800" b="1" dirty="0"/>
+              <a:t>scale down</a:t>
+            </a:r>
+            <a:endParaRPr lang="de-DE" sz="2800" b="1" dirty="0"/>
+          </a:p>
+        </p:txBody>
+      </p:sp>
+      <p:pic>
+        <p:nvPicPr>
+          <p:cNvPr id="33" name="Picture 32"/>
+          <p:cNvPicPr>
+            <a:picLocks noChangeAspect="1"/>
+          </p:cNvPicPr>
+          <p:nvPr/>
+        </p:nvPicPr>
+        <p:blipFill>
+          <a:blip r:embed="rId2"/>
+          <a:stretch>
+            <a:fillRect/>
+          </a:stretch>
+        </p:blipFill>
+        <p:spPr>
+          <a:xfrm>
+            <a:off x="8299144" y="8893579"/>
+            <a:ext cx="2128845" cy="1032884"/>
+          </a:xfrm>
+          <a:prstGeom prst="rect">
+            <a:avLst/>
+          </a:prstGeom>
+        </p:spPr>
+      </p:pic>
+    </p:spTree>
+    <p:extLst>
+      <p:ext uri="{BB962C8B-B14F-4D97-AF65-F5344CB8AC3E}">
+        <p14:creationId xmlns:p14="http://schemas.microsoft.com/office/powerpoint/2010/main" val="1846117782"/>
+      </p:ext>
+    </p:extLst>
+  </p:cSld>
+  <p:clrMapOvr>
+    <a:masterClrMapping/>
+  </p:clrMapOvr>
+</p:sld>
+</file>
+
+<file path=ppt/slides/slide31.xml><?xml version="1.0" encoding="utf-8"?>
+<p:sld xmlns:a="http://schemas.openxmlformats.org/drawingml/2006/main" xmlns:r="http://schemas.openxmlformats.org/officeDocument/2006/relationships" xmlns:p="http://schemas.openxmlformats.org/presentationml/2006/main">
+  <p:cSld>
+    <p:spTree>
+      <p:nvGrpSpPr>
+        <p:cNvPr id="1" name=""/>
+        <p:cNvGrpSpPr/>
+        <p:nvPr/>
+      </p:nvGrpSpPr>
+      <p:grpSpPr>
+        <a:xfrm>
+          <a:off x="0" y="0"/>
+          <a:ext cx="0" cy="0"/>
+          <a:chOff x="0" y="0"/>
+          <a:chExt cx="0" cy="0"/>
+        </a:xfrm>
+      </p:grpSpPr>
+      <p:sp>
+        <p:nvSpPr>
           <p:cNvPr id="4" name="TextBox 3"/>
           <p:cNvSpPr txBox="1"/>
           <p:nvPr/>
@@ -31278,17 +32049,10 @@
   <p:clrMapOvr>
     <a:masterClrMapping/>
   </p:clrMapOvr>
-  <p:timing>
-    <p:tnLst>
-      <p:par>
-        <p:cTn id="1" dur="indefinite" restart="never" nodeType="tmRoot"/>
-      </p:par>
-    </p:tnLst>
-  </p:timing>
 </p:sld>
 </file>
 
-<file path=ppt/slides/slide31.xml><?xml version="1.0" encoding="utf-8"?>
+<file path=ppt/slides/slide32.xml><?xml version="1.0" encoding="utf-8"?>
 <p:sld xmlns:a="http://schemas.openxmlformats.org/drawingml/2006/main" xmlns:r="http://schemas.openxmlformats.org/officeDocument/2006/relationships" xmlns:p="http://schemas.openxmlformats.org/presentationml/2006/main">
   <p:cSld>
     <p:spTree>
@@ -33528,17 +34292,10 @@
   <p:clrMapOvr>
     <a:masterClrMapping/>
   </p:clrMapOvr>
-  <p:timing>
-    <p:tnLst>
-      <p:par>
-        <p:cTn id="1" dur="indefinite" restart="never" nodeType="tmRoot"/>
-      </p:par>
-    </p:tnLst>
-  </p:timing>
 </p:sld>
 </file>
 
-<file path=ppt/slides/slide32.xml><?xml version="1.0" encoding="utf-8"?>
+<file path=ppt/slides/slide33.xml><?xml version="1.0" encoding="utf-8"?>
 <p:sld xmlns:a="http://schemas.openxmlformats.org/drawingml/2006/main" xmlns:r="http://schemas.openxmlformats.org/officeDocument/2006/relationships" xmlns:p="http://schemas.openxmlformats.org/presentationml/2006/main">
   <p:cSld>
     <p:spTree>
@@ -36261,17 +37018,10 @@
   <p:clrMapOvr>
     <a:masterClrMapping/>
   </p:clrMapOvr>
-  <p:timing>
-    <p:tnLst>
-      <p:par>
-        <p:cTn id="1" dur="indefinite" restart="never" nodeType="tmRoot"/>
-      </p:par>
-    </p:tnLst>
-  </p:timing>
 </p:sld>
 </file>
 
-<file path=ppt/slides/slide33.xml><?xml version="1.0" encoding="utf-8"?>
+<file path=ppt/slides/slide34.xml><?xml version="1.0" encoding="utf-8"?>
 <p:sld xmlns:a="http://schemas.openxmlformats.org/drawingml/2006/main" xmlns:r="http://schemas.openxmlformats.org/officeDocument/2006/relationships" xmlns:p="http://schemas.openxmlformats.org/presentationml/2006/main">
   <p:cSld>
     <p:spTree>
@@ -36385,17 +37135,10 @@
   <p:clrMapOvr>
     <a:masterClrMapping/>
   </p:clrMapOvr>
-  <p:timing>
-    <p:tnLst>
-      <p:par>
-        <p:cTn id="1" dur="indefinite" restart="never" nodeType="tmRoot"/>
-      </p:par>
-    </p:tnLst>
-  </p:timing>
 </p:sld>
 </file>
 
-<file path=ppt/slides/slide34.xml><?xml version="1.0" encoding="utf-8"?>
+<file path=ppt/slides/slide35.xml><?xml version="1.0" encoding="utf-8"?>
 <p:sld xmlns:a="http://schemas.openxmlformats.org/drawingml/2006/main" xmlns:r="http://schemas.openxmlformats.org/officeDocument/2006/relationships" xmlns:p="http://schemas.openxmlformats.org/presentationml/2006/main">
   <p:cSld>
     <p:spTree>
@@ -39521,17 +40264,10 @@
   <p:clrMapOvr>
     <a:masterClrMapping/>
   </p:clrMapOvr>
-  <p:timing>
-    <p:tnLst>
-      <p:par>
-        <p:cTn id="1" dur="indefinite" restart="never" nodeType="tmRoot"/>
-      </p:par>
-    </p:tnLst>
-  </p:timing>
 </p:sld>
 </file>
 
-<file path=ppt/slides/slide35.xml><?xml version="1.0" encoding="utf-8"?>
+<file path=ppt/slides/slide36.xml><?xml version="1.0" encoding="utf-8"?>
 <p:sld xmlns:a="http://schemas.openxmlformats.org/drawingml/2006/main" xmlns:r="http://schemas.openxmlformats.org/officeDocument/2006/relationships" xmlns:p="http://schemas.openxmlformats.org/presentationml/2006/main">
   <p:cSld>
     <p:spTree>
@@ -39570,8 +40306,8 @@
         </p:blipFill>
         <p:spPr>
           <a:xfrm>
-            <a:off x="7120331" y="4350058"/>
-            <a:ext cx="1527651" cy="1086008"/>
+            <a:off x="8551644" y="4486939"/>
+            <a:ext cx="1095799" cy="779004"/>
           </a:xfrm>
           <a:prstGeom prst="rect">
             <a:avLst/>
@@ -39580,7 +40316,7 @@
       </p:pic>
       <p:pic>
         <p:nvPicPr>
-          <p:cNvPr id="4" name="Picture 3"/>
+          <p:cNvPr id="6" name="Picture 5"/>
           <p:cNvPicPr>
             <a:picLocks noChangeAspect="1"/>
           </p:cNvPicPr>
@@ -39600,8 +40336,8 @@
         </p:blipFill>
         <p:spPr>
           <a:xfrm>
-            <a:off x="7014728" y="5298819"/>
-            <a:ext cx="695422" cy="1143160"/>
+            <a:off x="9807752" y="3530010"/>
+            <a:ext cx="470403" cy="824816"/>
           </a:xfrm>
           <a:prstGeom prst="rect">
             <a:avLst/>
@@ -39610,14 +40346,14 @@
       </p:pic>
       <p:pic>
         <p:nvPicPr>
-          <p:cNvPr id="5" name="Picture 4"/>
+          <p:cNvPr id="7" name="Picture 6"/>
           <p:cNvPicPr>
             <a:picLocks noChangeAspect="1"/>
           </p:cNvPicPr>
           <p:nvPr/>
         </p:nvPicPr>
         <p:blipFill>
-          <a:blip r:embed="rId4">
+          <a:blip r:embed="rId4" cstate="print">
             <a:extLst>
               <a:ext uri="{28A0092B-C50C-407E-A947-70E740481C1C}">
                 <a14:useLocalDpi xmlns:a14="http://schemas.microsoft.com/office/drawing/2010/main" val="0"/>
@@ -39630,8 +40366,8 @@
         </p:blipFill>
         <p:spPr>
           <a:xfrm>
-            <a:off x="6589403" y="4718458"/>
-            <a:ext cx="514422" cy="952633"/>
+            <a:off x="9565379" y="2667957"/>
+            <a:ext cx="466953" cy="687847"/>
           </a:xfrm>
           <a:prstGeom prst="rect">
             <a:avLst/>
@@ -39640,7 +40376,7 @@
       </p:pic>
       <p:pic>
         <p:nvPicPr>
-          <p:cNvPr id="6" name="Picture 5"/>
+          <p:cNvPr id="8" name="Picture 7"/>
           <p:cNvPicPr>
             <a:picLocks noChangeAspect="1"/>
           </p:cNvPicPr>
@@ -39660,8 +40396,8 @@
         </p:blipFill>
         <p:spPr>
           <a:xfrm>
-            <a:off x="5681236" y="5308845"/>
-            <a:ext cx="535282" cy="938576"/>
+            <a:off x="7104943" y="3551274"/>
+            <a:ext cx="817021" cy="736469"/>
           </a:xfrm>
           <a:prstGeom prst="rect">
             <a:avLst/>
@@ -39670,14 +40406,14 @@
       </p:pic>
       <p:pic>
         <p:nvPicPr>
-          <p:cNvPr id="7" name="Picture 6"/>
+          <p:cNvPr id="9" name="Picture 8"/>
           <p:cNvPicPr>
             <a:picLocks noChangeAspect="1"/>
           </p:cNvPicPr>
           <p:nvPr/>
         </p:nvPicPr>
         <p:blipFill>
-          <a:blip r:embed="rId6" cstate="print">
+          <a:blip r:embed="rId6">
             <a:extLst>
               <a:ext uri="{28A0092B-C50C-407E-A947-70E740481C1C}">
                 <a14:useLocalDpi xmlns:a14="http://schemas.microsoft.com/office/drawing/2010/main" val="0"/>
@@ -39690,8 +40426,8 @@
         </p:blipFill>
         <p:spPr>
           <a:xfrm>
-            <a:off x="6205490" y="5836460"/>
-            <a:ext cx="466953" cy="687847"/>
+            <a:off x="7454677" y="4508204"/>
+            <a:ext cx="946464" cy="674997"/>
           </a:xfrm>
           <a:prstGeom prst="rect">
             <a:avLst/>
@@ -39700,7 +40436,7 @@
       </p:pic>
       <p:pic>
         <p:nvPicPr>
-          <p:cNvPr id="8" name="Picture 7"/>
+          <p:cNvPr id="2" name="Picture 1"/>
           <p:cNvPicPr>
             <a:picLocks noChangeAspect="1"/>
           </p:cNvPicPr>
@@ -39720,8 +40456,8 @@
         </p:blipFill>
         <p:spPr>
           <a:xfrm>
-            <a:off x="7774341" y="5495277"/>
-            <a:ext cx="1019493" cy="918979"/>
+            <a:off x="8727163" y="3508745"/>
+            <a:ext cx="842140" cy="842140"/>
           </a:xfrm>
           <a:prstGeom prst="rect">
             <a:avLst/>
@@ -39730,7 +40466,7 @@
       </p:pic>
       <p:pic>
         <p:nvPicPr>
-          <p:cNvPr id="9" name="Picture 8"/>
+          <p:cNvPr id="4" name="Picture 3"/>
           <p:cNvPicPr>
             <a:picLocks noChangeAspect="1"/>
           </p:cNvPicPr>
@@ -39750,8 +40486,68 @@
         </p:blipFill>
         <p:spPr>
           <a:xfrm>
-            <a:off x="5326602" y="4376697"/>
-            <a:ext cx="1160678" cy="827770"/>
+            <a:off x="8022860" y="3508743"/>
+            <a:ext cx="516629" cy="849253"/>
+          </a:xfrm>
+          <a:prstGeom prst="rect">
+            <a:avLst/>
+          </a:prstGeom>
+        </p:spPr>
+      </p:pic>
+      <p:pic>
+        <p:nvPicPr>
+          <p:cNvPr id="5" name="Picture 4"/>
+          <p:cNvPicPr>
+            <a:picLocks noChangeAspect="1"/>
+          </p:cNvPicPr>
+          <p:nvPr/>
+        </p:nvPicPr>
+        <p:blipFill>
+          <a:blip r:embed="rId9">
+            <a:extLst>
+              <a:ext uri="{28A0092B-C50C-407E-A947-70E740481C1C}">
+                <a14:useLocalDpi xmlns:a14="http://schemas.microsoft.com/office/drawing/2010/main" val="0"/>
+              </a:ext>
+            </a:extLst>
+          </a:blip>
+          <a:stretch>
+            <a:fillRect/>
+          </a:stretch>
+        </p:blipFill>
+        <p:spPr>
+          <a:xfrm>
+            <a:off x="7503802" y="2485621"/>
+            <a:ext cx="514422" cy="952633"/>
+          </a:xfrm>
+          <a:prstGeom prst="rect">
+            <a:avLst/>
+          </a:prstGeom>
+        </p:spPr>
+      </p:pic>
+      <p:pic>
+        <p:nvPicPr>
+          <p:cNvPr id="3" name="Picture 2"/>
+          <p:cNvPicPr>
+            <a:picLocks noChangeAspect="1"/>
+          </p:cNvPicPr>
+          <p:nvPr/>
+        </p:nvPicPr>
+        <p:blipFill>
+          <a:blip r:embed="rId10">
+            <a:extLst>
+              <a:ext uri="{28A0092B-C50C-407E-A947-70E740481C1C}">
+                <a14:useLocalDpi xmlns:a14="http://schemas.microsoft.com/office/drawing/2010/main" val="0"/>
+              </a:ext>
+            </a:extLst>
+          </a:blip>
+          <a:stretch>
+            <a:fillRect/>
+          </a:stretch>
+        </p:blipFill>
+        <p:spPr>
+          <a:xfrm>
+            <a:off x="8187071" y="2717275"/>
+            <a:ext cx="1216726" cy="602279"/>
           </a:xfrm>
           <a:prstGeom prst="rect">
             <a:avLst/>
@@ -48118,13 +48914,6 @@
   <p:clrMapOvr>
     <a:masterClrMapping/>
   </p:clrMapOvr>
-  <p:timing>
-    <p:tnLst>
-      <p:par>
-        <p:cTn id="1" dur="indefinite" restart="never" nodeType="tmRoot"/>
-      </p:par>
-    </p:tnLst>
-  </p:timing>
 </p:sld>
 </file>
 

--- a/_sources/GettingStarted.pptx
+++ b/_sources/GettingStarted.pptx
@@ -26,21 +26,22 @@
     <p:sldId id="264" r:id="rId20"/>
     <p:sldId id="282" r:id="rId21"/>
     <p:sldId id="273" r:id="rId22"/>
-    <p:sldId id="265" r:id="rId23"/>
-    <p:sldId id="266" r:id="rId24"/>
-    <p:sldId id="267" r:id="rId25"/>
-    <p:sldId id="268" r:id="rId26"/>
-    <p:sldId id="270" r:id="rId27"/>
-    <p:sldId id="272" r:id="rId28"/>
-    <p:sldId id="271" r:id="rId29"/>
-    <p:sldId id="274" r:id="rId30"/>
-    <p:sldId id="276" r:id="rId31"/>
-    <p:sldId id="277" r:id="rId32"/>
-    <p:sldId id="278" r:id="rId33"/>
-    <p:sldId id="279" r:id="rId34"/>
-    <p:sldId id="280" r:id="rId35"/>
-    <p:sldId id="281" r:id="rId36"/>
-    <p:sldId id="290" r:id="rId37"/>
+    <p:sldId id="292" r:id="rId23"/>
+    <p:sldId id="265" r:id="rId24"/>
+    <p:sldId id="266" r:id="rId25"/>
+    <p:sldId id="267" r:id="rId26"/>
+    <p:sldId id="268" r:id="rId27"/>
+    <p:sldId id="270" r:id="rId28"/>
+    <p:sldId id="272" r:id="rId29"/>
+    <p:sldId id="271" r:id="rId30"/>
+    <p:sldId id="274" r:id="rId31"/>
+    <p:sldId id="276" r:id="rId32"/>
+    <p:sldId id="277" r:id="rId33"/>
+    <p:sldId id="278" r:id="rId34"/>
+    <p:sldId id="279" r:id="rId35"/>
+    <p:sldId id="280" r:id="rId36"/>
+    <p:sldId id="281" r:id="rId37"/>
+    <p:sldId id="290" r:id="rId38"/>
   </p:sldIdLst>
   <p:sldSz cx="19199225" cy="10799763"/>
   <p:notesSz cx="6858000" cy="9144000"/>
@@ -3095,7 +3096,7 @@
           <a:p>
             <a:fld id="{9AA7D095-A676-4F6B-9416-D65D798F5244}" type="datetimeFigureOut">
               <a:rPr lang="de-DE" smtClean="0"/>
-              <a:t>tt.12.jjjj</a:t>
+              <a:t>28.01.2016</a:t>
             </a:fld>
             <a:endParaRPr lang="de-DE"/>
           </a:p>
@@ -3265,7 +3266,7 @@
           <a:p>
             <a:fld id="{9AA7D095-A676-4F6B-9416-D65D798F5244}" type="datetimeFigureOut">
               <a:rPr lang="de-DE" smtClean="0"/>
-              <a:t>tt.12.jjjj</a:t>
+              <a:t>28.01.2016</a:t>
             </a:fld>
             <a:endParaRPr lang="de-DE"/>
           </a:p>
@@ -3445,7 +3446,7 @@
           <a:p>
             <a:fld id="{9AA7D095-A676-4F6B-9416-D65D798F5244}" type="datetimeFigureOut">
               <a:rPr lang="de-DE" smtClean="0"/>
-              <a:t>tt.12.jjjj</a:t>
+              <a:t>28.01.2016</a:t>
             </a:fld>
             <a:endParaRPr lang="de-DE"/>
           </a:p>
@@ -3615,7 +3616,7 @@
           <a:p>
             <a:fld id="{9AA7D095-A676-4F6B-9416-D65D798F5244}" type="datetimeFigureOut">
               <a:rPr lang="de-DE" smtClean="0"/>
-              <a:t>tt.12.jjjj</a:t>
+              <a:t>28.01.2016</a:t>
             </a:fld>
             <a:endParaRPr lang="de-DE"/>
           </a:p>
@@ -3861,7 +3862,7 @@
           <a:p>
             <a:fld id="{9AA7D095-A676-4F6B-9416-D65D798F5244}" type="datetimeFigureOut">
               <a:rPr lang="de-DE" smtClean="0"/>
-              <a:t>tt.12.jjjj</a:t>
+              <a:t>28.01.2016</a:t>
             </a:fld>
             <a:endParaRPr lang="de-DE"/>
           </a:p>
@@ -4093,7 +4094,7 @@
           <a:p>
             <a:fld id="{9AA7D095-A676-4F6B-9416-D65D798F5244}" type="datetimeFigureOut">
               <a:rPr lang="de-DE" smtClean="0"/>
-              <a:t>tt.12.jjjj</a:t>
+              <a:t>28.01.2016</a:t>
             </a:fld>
             <a:endParaRPr lang="de-DE"/>
           </a:p>
@@ -4460,7 +4461,7 @@
           <a:p>
             <a:fld id="{9AA7D095-A676-4F6B-9416-D65D798F5244}" type="datetimeFigureOut">
               <a:rPr lang="de-DE" smtClean="0"/>
-              <a:t>tt.12.jjjj</a:t>
+              <a:t>28.01.2016</a:t>
             </a:fld>
             <a:endParaRPr lang="de-DE"/>
           </a:p>
@@ -4578,7 +4579,7 @@
           <a:p>
             <a:fld id="{9AA7D095-A676-4F6B-9416-D65D798F5244}" type="datetimeFigureOut">
               <a:rPr lang="de-DE" smtClean="0"/>
-              <a:t>tt.12.jjjj</a:t>
+              <a:t>28.01.2016</a:t>
             </a:fld>
             <a:endParaRPr lang="de-DE"/>
           </a:p>
@@ -4673,7 +4674,7 @@
           <a:p>
             <a:fld id="{9AA7D095-A676-4F6B-9416-D65D798F5244}" type="datetimeFigureOut">
               <a:rPr lang="de-DE" smtClean="0"/>
-              <a:t>tt.12.jjjj</a:t>
+              <a:t>28.01.2016</a:t>
             </a:fld>
             <a:endParaRPr lang="de-DE"/>
           </a:p>
@@ -4950,7 +4951,7 @@
           <a:p>
             <a:fld id="{9AA7D095-A676-4F6B-9416-D65D798F5244}" type="datetimeFigureOut">
               <a:rPr lang="de-DE" smtClean="0"/>
-              <a:t>tt.12.jjjj</a:t>
+              <a:t>28.01.2016</a:t>
             </a:fld>
             <a:endParaRPr lang="de-DE"/>
           </a:p>
@@ -5207,7 +5208,7 @@
           <a:p>
             <a:fld id="{9AA7D095-A676-4F6B-9416-D65D798F5244}" type="datetimeFigureOut">
               <a:rPr lang="de-DE" smtClean="0"/>
-              <a:t>tt.12.jjjj</a:t>
+              <a:t>28.01.2016</a:t>
             </a:fld>
             <a:endParaRPr lang="de-DE"/>
           </a:p>
@@ -5420,7 +5421,7 @@
           <a:p>
             <a:fld id="{9AA7D095-A676-4F6B-9416-D65D798F5244}" type="datetimeFigureOut">
               <a:rPr lang="de-DE" smtClean="0"/>
-              <a:t>tt.12.jjjj</a:t>
+              <a:t>28.01.2016</a:t>
             </a:fld>
             <a:endParaRPr lang="de-DE"/>
           </a:p>
@@ -7830,11 +7831,6 @@
               </a:rPr>
               <a:t>Grails 3.x</a:t>
             </a:r>
-            <a:endParaRPr lang="en-US" sz="3600" b="1" dirty="0" smtClean="0">
-              <a:solidFill>
-                <a:schemeClr val="bg1"/>
-              </a:solidFill>
-            </a:endParaRPr>
           </a:p>
           <a:p>
             <a:pPr algn="ctr"/>
@@ -18492,6 +18488,1291 @@
       </p:grpSpPr>
       <p:sp>
         <p:nvSpPr>
+          <p:cNvPr id="73" name="Rounded Rectangle 72"/>
+          <p:cNvSpPr/>
+          <p:nvPr/>
+        </p:nvSpPr>
+        <p:spPr>
+          <a:xfrm>
+            <a:off x="1402672" y="3195962"/>
+            <a:ext cx="4975684" cy="5521910"/>
+          </a:xfrm>
+          <a:prstGeom prst="roundRect">
+            <a:avLst/>
+          </a:prstGeom>
+          <a:solidFill>
+            <a:schemeClr val="bg2"/>
+          </a:solidFill>
+          <a:ln w="57150">
+            <a:solidFill>
+              <a:schemeClr val="bg1">
+                <a:lumMod val="50000"/>
+              </a:schemeClr>
+            </a:solidFill>
+            <a:prstDash val="sysDot"/>
+          </a:ln>
+        </p:spPr>
+        <p:style>
+          <a:lnRef idx="2">
+            <a:schemeClr val="accent1">
+              <a:shade val="50000"/>
+            </a:schemeClr>
+          </a:lnRef>
+          <a:fillRef idx="1">
+            <a:schemeClr val="accent1"/>
+          </a:fillRef>
+          <a:effectRef idx="0">
+            <a:schemeClr val="accent1"/>
+          </a:effectRef>
+          <a:fontRef idx="minor">
+            <a:schemeClr val="lt1"/>
+          </a:fontRef>
+        </p:style>
+        <p:txBody>
+          <a:bodyPr rtlCol="0" anchor="ctr"/>
+          <a:lstStyle/>
+          <a:p>
+            <a:pPr algn="ctr"/>
+            <a:endParaRPr lang="de-DE"/>
+          </a:p>
+        </p:txBody>
+      </p:sp>
+      <p:sp>
+        <p:nvSpPr>
+          <p:cNvPr id="25" name="Rounded Rectangle 75"/>
+          <p:cNvSpPr/>
+          <p:nvPr/>
+        </p:nvSpPr>
+        <p:spPr>
+          <a:xfrm>
+            <a:off x="2931726" y="2814220"/>
+            <a:ext cx="1917576" cy="754602"/>
+          </a:xfrm>
+          <a:prstGeom prst="rect">
+            <a:avLst/>
+          </a:prstGeom>
+          <a:solidFill>
+            <a:schemeClr val="accent6">
+              <a:lumMod val="75000"/>
+            </a:schemeClr>
+          </a:solidFill>
+          <a:ln w="76200">
+            <a:solidFill>
+              <a:schemeClr val="accent6">
+                <a:lumMod val="50000"/>
+              </a:schemeClr>
+            </a:solidFill>
+          </a:ln>
+        </p:spPr>
+        <p:style>
+          <a:lnRef idx="2">
+            <a:schemeClr val="accent1">
+              <a:shade val="50000"/>
+            </a:schemeClr>
+          </a:lnRef>
+          <a:fillRef idx="1">
+            <a:schemeClr val="accent1"/>
+          </a:fillRef>
+          <a:effectRef idx="0">
+            <a:schemeClr val="accent1"/>
+          </a:effectRef>
+          <a:fontRef idx="minor">
+            <a:schemeClr val="lt1"/>
+          </a:fontRef>
+        </p:style>
+        <p:txBody>
+          <a:bodyPr rtlCol="0" anchor="ctr"/>
+          <a:lstStyle/>
+          <a:p>
+            <a:pPr algn="ctr"/>
+            <a:r>
+              <a:rPr lang="en-US" sz="2000" b="1" dirty="0" smtClean="0"/>
+              <a:t>Elastic Load Balancer</a:t>
+            </a:r>
+            <a:endParaRPr lang="de-DE" sz="2000" b="1" dirty="0"/>
+          </a:p>
+        </p:txBody>
+      </p:sp>
+      <p:grpSp>
+        <p:nvGrpSpPr>
+          <p:cNvPr id="11" name="Group 10"/>
+          <p:cNvGrpSpPr/>
+          <p:nvPr/>
+        </p:nvGrpSpPr>
+        <p:grpSpPr>
+          <a:xfrm>
+            <a:off x="1622270" y="4367813"/>
+            <a:ext cx="4536489" cy="2263805"/>
+            <a:chOff x="1624614" y="4367813"/>
+            <a:chExt cx="4536489" cy="2263805"/>
+          </a:xfrm>
+        </p:grpSpPr>
+        <p:sp>
+          <p:nvSpPr>
+            <p:cNvPr id="26" name="Rectangle 25"/>
+            <p:cNvSpPr/>
+            <p:nvPr/>
+          </p:nvSpPr>
+          <p:spPr>
+            <a:xfrm>
+              <a:off x="1624614" y="4527611"/>
+              <a:ext cx="4536489" cy="2104007"/>
+            </a:xfrm>
+            <a:prstGeom prst="rect">
+              <a:avLst/>
+            </a:prstGeom>
+            <a:solidFill>
+              <a:schemeClr val="accent2">
+                <a:lumMod val="40000"/>
+                <a:lumOff val="60000"/>
+              </a:schemeClr>
+            </a:solidFill>
+            <a:ln w="57150">
+              <a:solidFill>
+                <a:schemeClr val="accent2">
+                  <a:lumMod val="50000"/>
+                </a:schemeClr>
+              </a:solidFill>
+              <a:prstDash val="sysDash"/>
+            </a:ln>
+          </p:spPr>
+          <p:style>
+            <a:lnRef idx="2">
+              <a:schemeClr val="accent1">
+                <a:shade val="50000"/>
+              </a:schemeClr>
+            </a:lnRef>
+            <a:fillRef idx="1">
+              <a:schemeClr val="accent1"/>
+            </a:fillRef>
+            <a:effectRef idx="0">
+              <a:schemeClr val="accent1"/>
+            </a:effectRef>
+            <a:fontRef idx="minor">
+              <a:schemeClr val="lt1"/>
+            </a:fontRef>
+          </p:style>
+          <p:txBody>
+            <a:bodyPr rtlCol="0" anchor="ctr"/>
+            <a:lstStyle/>
+            <a:p>
+              <a:pPr algn="ctr"/>
+              <a:endParaRPr lang="de-DE"/>
+            </a:p>
+          </p:txBody>
+        </p:sp>
+        <p:sp>
+          <p:nvSpPr>
+            <p:cNvPr id="76" name="Rounded Rectangle 75"/>
+            <p:cNvSpPr/>
+            <p:nvPr/>
+          </p:nvSpPr>
+          <p:spPr>
+            <a:xfrm>
+              <a:off x="2013190" y="4877821"/>
+              <a:ext cx="1441656" cy="1514439"/>
+            </a:xfrm>
+            <a:prstGeom prst="rect">
+              <a:avLst/>
+            </a:prstGeom>
+            <a:solidFill>
+              <a:schemeClr val="accent2">
+                <a:lumMod val="75000"/>
+              </a:schemeClr>
+            </a:solidFill>
+            <a:ln w="76200">
+              <a:solidFill>
+                <a:schemeClr val="accent2">
+                  <a:lumMod val="50000"/>
+                </a:schemeClr>
+              </a:solidFill>
+            </a:ln>
+          </p:spPr>
+          <p:style>
+            <a:lnRef idx="2">
+              <a:schemeClr val="accent1">
+                <a:shade val="50000"/>
+              </a:schemeClr>
+            </a:lnRef>
+            <a:fillRef idx="1">
+              <a:schemeClr val="accent1"/>
+            </a:fillRef>
+            <a:effectRef idx="0">
+              <a:schemeClr val="accent1"/>
+            </a:effectRef>
+            <a:fontRef idx="minor">
+              <a:schemeClr val="lt1"/>
+            </a:fontRef>
+          </p:style>
+          <p:txBody>
+            <a:bodyPr rtlCol="0" anchor="ctr"/>
+            <a:lstStyle/>
+            <a:p>
+              <a:pPr algn="ctr"/>
+              <a:r>
+                <a:rPr lang="en-US" sz="2000" b="1" dirty="0"/>
+                <a:t>Instance</a:t>
+              </a:r>
+              <a:endParaRPr lang="de-DE" sz="2000" b="1" dirty="0"/>
+            </a:p>
+          </p:txBody>
+        </p:sp>
+        <p:sp>
+          <p:nvSpPr>
+            <p:cNvPr id="66" name="Rounded Rectangle 75"/>
+            <p:cNvSpPr/>
+            <p:nvPr/>
+          </p:nvSpPr>
+          <p:spPr>
+            <a:xfrm>
+              <a:off x="4342763" y="4880523"/>
+              <a:ext cx="1441656" cy="1514439"/>
+            </a:xfrm>
+            <a:prstGeom prst="rect">
+              <a:avLst/>
+            </a:prstGeom>
+            <a:solidFill>
+              <a:schemeClr val="accent2">
+                <a:lumMod val="75000"/>
+              </a:schemeClr>
+            </a:solidFill>
+            <a:ln w="76200">
+              <a:solidFill>
+                <a:schemeClr val="accent2">
+                  <a:lumMod val="50000"/>
+                </a:schemeClr>
+              </a:solidFill>
+            </a:ln>
+          </p:spPr>
+          <p:style>
+            <a:lnRef idx="2">
+              <a:schemeClr val="accent1">
+                <a:shade val="50000"/>
+              </a:schemeClr>
+            </a:lnRef>
+            <a:fillRef idx="1">
+              <a:schemeClr val="accent1"/>
+            </a:fillRef>
+            <a:effectRef idx="0">
+              <a:schemeClr val="accent1"/>
+            </a:effectRef>
+            <a:fontRef idx="minor">
+              <a:schemeClr val="lt1"/>
+            </a:fontRef>
+          </p:style>
+          <p:txBody>
+            <a:bodyPr rtlCol="0" anchor="ctr"/>
+            <a:lstStyle/>
+            <a:p>
+              <a:pPr algn="ctr"/>
+              <a:r>
+                <a:rPr lang="en-US" sz="2000" b="1" dirty="0"/>
+                <a:t>Instance</a:t>
+              </a:r>
+              <a:endParaRPr lang="de-DE" sz="2000" b="1" dirty="0"/>
+            </a:p>
+          </p:txBody>
+        </p:sp>
+        <p:sp>
+          <p:nvSpPr>
+            <p:cNvPr id="28" name="Rounded Rectangle 75"/>
+            <p:cNvSpPr/>
+            <p:nvPr/>
+          </p:nvSpPr>
+          <p:spPr>
+            <a:xfrm>
+              <a:off x="2796465" y="4367813"/>
+              <a:ext cx="2272683" cy="321074"/>
+            </a:xfrm>
+            <a:prstGeom prst="rect">
+              <a:avLst/>
+            </a:prstGeom>
+            <a:solidFill>
+              <a:schemeClr val="bg1"/>
+            </a:solidFill>
+            <a:ln w="57150">
+              <a:solidFill>
+                <a:schemeClr val="accent2">
+                  <a:lumMod val="50000"/>
+                </a:schemeClr>
+              </a:solidFill>
+            </a:ln>
+          </p:spPr>
+          <p:style>
+            <a:lnRef idx="2">
+              <a:schemeClr val="accent1">
+                <a:shade val="50000"/>
+              </a:schemeClr>
+            </a:lnRef>
+            <a:fillRef idx="1">
+              <a:schemeClr val="accent1"/>
+            </a:fillRef>
+            <a:effectRef idx="0">
+              <a:schemeClr val="accent1"/>
+            </a:effectRef>
+            <a:fontRef idx="minor">
+              <a:schemeClr val="lt1"/>
+            </a:fontRef>
+          </p:style>
+          <p:txBody>
+            <a:bodyPr rtlCol="0" anchor="ctr"/>
+            <a:lstStyle/>
+            <a:p>
+              <a:pPr algn="ctr"/>
+              <a:r>
+                <a:rPr lang="en-US" sz="1600" b="1" dirty="0" smtClean="0">
+                  <a:solidFill>
+                    <a:schemeClr val="accent2">
+                      <a:lumMod val="50000"/>
+                    </a:schemeClr>
+                  </a:solidFill>
+                </a:rPr>
+                <a:t>Auto-Scaling Group</a:t>
+              </a:r>
+              <a:endParaRPr lang="de-DE" sz="1600" b="1" dirty="0">
+                <a:solidFill>
+                  <a:schemeClr val="accent2">
+                    <a:lumMod val="50000"/>
+                  </a:schemeClr>
+                </a:solidFill>
+              </a:endParaRPr>
+            </a:p>
+          </p:txBody>
+        </p:sp>
+      </p:grpSp>
+      <p:sp>
+        <p:nvSpPr>
+          <p:cNvPr id="3" name="Rectangle 2"/>
+          <p:cNvSpPr/>
+          <p:nvPr/>
+        </p:nvSpPr>
+        <p:spPr>
+          <a:xfrm>
+            <a:off x="3277137" y="7069855"/>
+            <a:ext cx="1226754" cy="1569660"/>
+          </a:xfrm>
+          <a:prstGeom prst="rect">
+            <a:avLst/>
+          </a:prstGeom>
+        </p:spPr>
+        <p:txBody>
+          <a:bodyPr wrap="square">
+            <a:spAutoFit/>
+          </a:bodyPr>
+          <a:lstStyle/>
+          <a:p>
+            <a:r>
+              <a:rPr lang="de-DE" sz="9600" dirty="0">
+                <a:solidFill>
+                  <a:schemeClr val="accent1">
+                    <a:lumMod val="50000"/>
+                  </a:schemeClr>
+                </a:solidFill>
+                <a:latin typeface="FontAwesome" pitchFamily="2" charset="0"/>
+              </a:rPr>
+              <a:t></a:t>
+            </a:r>
+            <a:endParaRPr lang="de-DE" sz="9600" dirty="0">
+              <a:solidFill>
+                <a:schemeClr val="accent1">
+                  <a:lumMod val="50000"/>
+                </a:schemeClr>
+              </a:solidFill>
+            </a:endParaRPr>
+          </a:p>
+        </p:txBody>
+      </p:sp>
+      <p:pic>
+        <p:nvPicPr>
+          <p:cNvPr id="1026" name="Picture 2" descr="http://www.postgresql.org/media/img/about/press/elephant.png"/>
+          <p:cNvPicPr>
+            <a:picLocks noChangeAspect="1" noChangeArrowheads="1"/>
+          </p:cNvPicPr>
+          <p:nvPr/>
+        </p:nvPicPr>
+        <p:blipFill>
+          <a:blip r:embed="rId2" cstate="print">
+            <a:extLst>
+              <a:ext uri="{28A0092B-C50C-407E-A947-70E740481C1C}">
+                <a14:useLocalDpi xmlns:a14="http://schemas.microsoft.com/office/drawing/2010/main" val="0"/>
+              </a:ext>
+            </a:extLst>
+          </a:blip>
+          <a:srcRect/>
+          <a:stretch>
+            <a:fillRect/>
+          </a:stretch>
+        </p:blipFill>
+        <p:spPr bwMode="auto">
+          <a:xfrm>
+            <a:off x="3131337" y="7714695"/>
+            <a:ext cx="847184" cy="873541"/>
+          </a:xfrm>
+          <a:prstGeom prst="rect">
+            <a:avLst/>
+          </a:prstGeom>
+          <a:noFill/>
+          <a:extLst>
+            <a:ext uri="{909E8E84-426E-40DD-AFC4-6F175D3DCCD1}">
+              <a14:hiddenFill xmlns:a14="http://schemas.microsoft.com/office/drawing/2010/main">
+                <a:solidFill>
+                  <a:srgbClr val="FFFFFF"/>
+                </a:solidFill>
+              </a14:hiddenFill>
+            </a:ext>
+          </a:extLst>
+        </p:spPr>
+      </p:pic>
+      <p:cxnSp>
+        <p:nvCxnSpPr>
+          <p:cNvPr id="31" name="Straight Arrow Connector 30"/>
+          <p:cNvCxnSpPr/>
+          <p:nvPr/>
+        </p:nvCxnSpPr>
+        <p:spPr>
+          <a:xfrm flipH="1">
+            <a:off x="3089288" y="3677561"/>
+            <a:ext cx="643667" cy="645864"/>
+          </a:xfrm>
+          <a:prstGeom prst="straightConnector1">
+            <a:avLst/>
+          </a:prstGeom>
+          <a:ln w="127000">
+            <a:solidFill>
+              <a:schemeClr val="tx1">
+                <a:lumMod val="75000"/>
+                <a:lumOff val="25000"/>
+              </a:schemeClr>
+            </a:solidFill>
+            <a:tailEnd type="triangle"/>
+          </a:ln>
+        </p:spPr>
+        <p:style>
+          <a:lnRef idx="1">
+            <a:schemeClr val="accent1"/>
+          </a:lnRef>
+          <a:fillRef idx="0">
+            <a:schemeClr val="accent1"/>
+          </a:fillRef>
+          <a:effectRef idx="0">
+            <a:schemeClr val="accent1"/>
+          </a:effectRef>
+          <a:fontRef idx="minor">
+            <a:schemeClr val="tx1"/>
+          </a:fontRef>
+        </p:style>
+      </p:cxnSp>
+      <p:cxnSp>
+        <p:nvCxnSpPr>
+          <p:cNvPr id="35" name="Straight Arrow Connector 34"/>
+          <p:cNvCxnSpPr/>
+          <p:nvPr/>
+        </p:nvCxnSpPr>
+        <p:spPr>
+          <a:xfrm>
+            <a:off x="4119873" y="3669423"/>
+            <a:ext cx="558659" cy="662140"/>
+          </a:xfrm>
+          <a:prstGeom prst="straightConnector1">
+            <a:avLst/>
+          </a:prstGeom>
+          <a:ln w="127000">
+            <a:solidFill>
+              <a:schemeClr val="tx1">
+                <a:lumMod val="75000"/>
+                <a:lumOff val="25000"/>
+              </a:schemeClr>
+            </a:solidFill>
+            <a:tailEnd type="triangle"/>
+          </a:ln>
+        </p:spPr>
+        <p:style>
+          <a:lnRef idx="1">
+            <a:schemeClr val="accent1"/>
+          </a:lnRef>
+          <a:fillRef idx="0">
+            <a:schemeClr val="accent1"/>
+          </a:fillRef>
+          <a:effectRef idx="0">
+            <a:schemeClr val="accent1"/>
+          </a:effectRef>
+          <a:fontRef idx="minor">
+            <a:schemeClr val="tx1"/>
+          </a:fontRef>
+        </p:style>
+      </p:cxnSp>
+      <p:cxnSp>
+        <p:nvCxnSpPr>
+          <p:cNvPr id="40" name="Straight Arrow Connector 39"/>
+          <p:cNvCxnSpPr/>
+          <p:nvPr/>
+        </p:nvCxnSpPr>
+        <p:spPr>
+          <a:xfrm flipH="1">
+            <a:off x="4457927" y="6733699"/>
+            <a:ext cx="643667" cy="645864"/>
+          </a:xfrm>
+          <a:prstGeom prst="straightConnector1">
+            <a:avLst/>
+          </a:prstGeom>
+          <a:ln w="127000">
+            <a:solidFill>
+              <a:schemeClr val="tx1">
+                <a:lumMod val="75000"/>
+                <a:lumOff val="25000"/>
+              </a:schemeClr>
+            </a:solidFill>
+            <a:tailEnd type="triangle"/>
+          </a:ln>
+        </p:spPr>
+        <p:style>
+          <a:lnRef idx="1">
+            <a:schemeClr val="accent1"/>
+          </a:lnRef>
+          <a:fillRef idx="0">
+            <a:schemeClr val="accent1"/>
+          </a:fillRef>
+          <a:effectRef idx="0">
+            <a:schemeClr val="accent1"/>
+          </a:effectRef>
+          <a:fontRef idx="minor">
+            <a:schemeClr val="tx1"/>
+          </a:fontRef>
+        </p:style>
+      </p:cxnSp>
+      <p:cxnSp>
+        <p:nvCxnSpPr>
+          <p:cNvPr id="41" name="Straight Arrow Connector 40"/>
+          <p:cNvCxnSpPr/>
+          <p:nvPr/>
+        </p:nvCxnSpPr>
+        <p:spPr>
+          <a:xfrm>
+            <a:off x="2754191" y="6725561"/>
+            <a:ext cx="558659" cy="662140"/>
+          </a:xfrm>
+          <a:prstGeom prst="straightConnector1">
+            <a:avLst/>
+          </a:prstGeom>
+          <a:ln w="127000">
+            <a:solidFill>
+              <a:schemeClr val="tx1">
+                <a:lumMod val="75000"/>
+                <a:lumOff val="25000"/>
+              </a:schemeClr>
+            </a:solidFill>
+            <a:tailEnd type="triangle"/>
+          </a:ln>
+        </p:spPr>
+        <p:style>
+          <a:lnRef idx="1">
+            <a:schemeClr val="accent1"/>
+          </a:lnRef>
+          <a:fillRef idx="0">
+            <a:schemeClr val="accent1"/>
+          </a:fillRef>
+          <a:effectRef idx="0">
+            <a:schemeClr val="accent1"/>
+          </a:effectRef>
+          <a:fontRef idx="minor">
+            <a:schemeClr val="tx1"/>
+          </a:fontRef>
+        </p:style>
+      </p:cxnSp>
+      <p:cxnSp>
+        <p:nvCxnSpPr>
+          <p:cNvPr id="42" name="Straight Arrow Connector 41"/>
+          <p:cNvCxnSpPr/>
+          <p:nvPr/>
+        </p:nvCxnSpPr>
+        <p:spPr>
+          <a:xfrm>
+            <a:off x="3888419" y="1358283"/>
+            <a:ext cx="0" cy="1358284"/>
+          </a:xfrm>
+          <a:prstGeom prst="straightConnector1">
+            <a:avLst/>
+          </a:prstGeom>
+          <a:ln w="212725">
+            <a:solidFill>
+              <a:schemeClr val="tx1">
+                <a:lumMod val="50000"/>
+                <a:lumOff val="50000"/>
+              </a:schemeClr>
+            </a:solidFill>
+            <a:tailEnd type="triangle"/>
+          </a:ln>
+        </p:spPr>
+        <p:style>
+          <a:lnRef idx="1">
+            <a:schemeClr val="accent1"/>
+          </a:lnRef>
+          <a:fillRef idx="0">
+            <a:schemeClr val="accent1"/>
+          </a:fillRef>
+          <a:effectRef idx="0">
+            <a:schemeClr val="accent1"/>
+          </a:effectRef>
+          <a:fontRef idx="minor">
+            <a:schemeClr val="tx1"/>
+          </a:fontRef>
+        </p:style>
+      </p:cxnSp>
+      <p:sp>
+        <p:nvSpPr>
+          <p:cNvPr id="47" name="Rounded Rectangle 75"/>
+          <p:cNvSpPr/>
+          <p:nvPr/>
+        </p:nvSpPr>
+        <p:spPr>
+          <a:xfrm>
+            <a:off x="10059118" y="1442645"/>
+            <a:ext cx="1441656" cy="1514439"/>
+          </a:xfrm>
+          <a:prstGeom prst="rect">
+            <a:avLst/>
+          </a:prstGeom>
+          <a:solidFill>
+            <a:schemeClr val="accent2">
+              <a:lumMod val="75000"/>
+            </a:schemeClr>
+          </a:solidFill>
+          <a:ln w="76200">
+            <a:solidFill>
+              <a:schemeClr val="accent2">
+                <a:lumMod val="50000"/>
+              </a:schemeClr>
+            </a:solidFill>
+          </a:ln>
+        </p:spPr>
+        <p:style>
+          <a:lnRef idx="2">
+            <a:schemeClr val="accent1">
+              <a:shade val="50000"/>
+            </a:schemeClr>
+          </a:lnRef>
+          <a:fillRef idx="1">
+            <a:schemeClr val="accent1"/>
+          </a:fillRef>
+          <a:effectRef idx="0">
+            <a:schemeClr val="accent1"/>
+          </a:effectRef>
+          <a:fontRef idx="minor">
+            <a:schemeClr val="lt1"/>
+          </a:fontRef>
+        </p:style>
+        <p:txBody>
+          <a:bodyPr rtlCol="0" anchor="ctr"/>
+          <a:lstStyle/>
+          <a:p>
+            <a:pPr algn="ctr"/>
+            <a:r>
+              <a:rPr lang="en-US" sz="2000" b="1" dirty="0" smtClean="0"/>
+              <a:t>Instance</a:t>
+            </a:r>
+          </a:p>
+          <a:p>
+            <a:pPr algn="ctr"/>
+            <a:endParaRPr lang="en-US" sz="2000" b="1" dirty="0" smtClean="0"/>
+          </a:p>
+          <a:p>
+            <a:pPr algn="ctr"/>
+            <a:endParaRPr lang="en-US" sz="2000" b="1" dirty="0"/>
+          </a:p>
+          <a:p>
+            <a:pPr algn="ctr"/>
+            <a:endParaRPr lang="de-DE" sz="2000" b="1" dirty="0"/>
+          </a:p>
+        </p:txBody>
+      </p:sp>
+      <p:grpSp>
+        <p:nvGrpSpPr>
+          <p:cNvPr id="16" name="Group 15"/>
+          <p:cNvGrpSpPr/>
+          <p:nvPr/>
+        </p:nvGrpSpPr>
+        <p:grpSpPr>
+          <a:xfrm>
+            <a:off x="12732775" y="1442645"/>
+            <a:ext cx="1441656" cy="1514439"/>
+            <a:chOff x="13363091" y="4336765"/>
+            <a:chExt cx="1441656" cy="1514439"/>
+          </a:xfrm>
+        </p:grpSpPr>
+        <p:sp>
+          <p:nvSpPr>
+            <p:cNvPr id="49" name="Rounded Rectangle 75"/>
+            <p:cNvSpPr/>
+            <p:nvPr/>
+          </p:nvSpPr>
+          <p:spPr>
+            <a:xfrm>
+              <a:off x="13363091" y="4336765"/>
+              <a:ext cx="1441656" cy="1514439"/>
+            </a:xfrm>
+            <a:prstGeom prst="rect">
+              <a:avLst/>
+            </a:prstGeom>
+            <a:solidFill>
+              <a:schemeClr val="accent4">
+                <a:lumMod val="75000"/>
+              </a:schemeClr>
+            </a:solidFill>
+            <a:ln w="76200">
+              <a:solidFill>
+                <a:schemeClr val="accent4">
+                  <a:lumMod val="50000"/>
+                </a:schemeClr>
+              </a:solidFill>
+            </a:ln>
+          </p:spPr>
+          <p:style>
+            <a:lnRef idx="2">
+              <a:schemeClr val="accent1">
+                <a:shade val="50000"/>
+              </a:schemeClr>
+            </a:lnRef>
+            <a:fillRef idx="1">
+              <a:schemeClr val="accent1"/>
+            </a:fillRef>
+            <a:effectRef idx="0">
+              <a:schemeClr val="accent1"/>
+            </a:effectRef>
+            <a:fontRef idx="minor">
+              <a:schemeClr val="lt1"/>
+            </a:fontRef>
+          </p:style>
+          <p:txBody>
+            <a:bodyPr rtlCol="0" anchor="ctr"/>
+            <a:lstStyle/>
+            <a:p>
+              <a:pPr algn="ctr"/>
+              <a:r>
+                <a:rPr lang="en-US" sz="2000" b="1" dirty="0" smtClean="0"/>
+                <a:t>Dev VM</a:t>
+              </a:r>
+            </a:p>
+            <a:p>
+              <a:pPr algn="ctr"/>
+              <a:endParaRPr lang="en-US" sz="2000" b="1" dirty="0" smtClean="0"/>
+            </a:p>
+            <a:p>
+              <a:pPr algn="ctr"/>
+              <a:endParaRPr lang="en-US" sz="2000" b="1" dirty="0"/>
+            </a:p>
+            <a:p>
+              <a:pPr algn="ctr"/>
+              <a:endParaRPr lang="de-DE" sz="2000" b="1" dirty="0"/>
+            </a:p>
+          </p:txBody>
+        </p:sp>
+        <p:pic>
+          <p:nvPicPr>
+            <p:cNvPr id="51" name="Picture 2" descr="http://www.postgresql.org/media/img/about/press/elephant.png"/>
+            <p:cNvPicPr>
+              <a:picLocks noChangeAspect="1" noChangeArrowheads="1"/>
+            </p:cNvPicPr>
+            <p:nvPr/>
+          </p:nvPicPr>
+          <p:blipFill>
+            <a:blip r:embed="rId3" cstate="print">
+              <a:extLst>
+                <a:ext uri="{28A0092B-C50C-407E-A947-70E740481C1C}">
+                  <a14:useLocalDpi xmlns:a14="http://schemas.microsoft.com/office/drawing/2010/main" val="0"/>
+                </a:ext>
+              </a:extLst>
+            </a:blip>
+            <a:srcRect/>
+            <a:stretch>
+              <a:fillRect/>
+            </a:stretch>
+          </p:blipFill>
+          <p:spPr bwMode="auto">
+            <a:xfrm>
+              <a:off x="13733754" y="4942638"/>
+              <a:ext cx="713019" cy="735202"/>
+            </a:xfrm>
+            <a:prstGeom prst="rect">
+              <a:avLst/>
+            </a:prstGeom>
+            <a:noFill/>
+            <a:extLst>
+              <a:ext uri="{909E8E84-426E-40DD-AFC4-6F175D3DCCD1}">
+                <a14:hiddenFill xmlns:a14="http://schemas.microsoft.com/office/drawing/2010/main">
+                  <a:solidFill>
+                    <a:srgbClr val="FFFFFF"/>
+                  </a:solidFill>
+                </a14:hiddenFill>
+              </a:ext>
+            </a:extLst>
+          </p:spPr>
+        </p:pic>
+      </p:grpSp>
+      <p:cxnSp>
+        <p:nvCxnSpPr>
+          <p:cNvPr id="53" name="Straight Arrow Connector 52"/>
+          <p:cNvCxnSpPr/>
+          <p:nvPr/>
+        </p:nvCxnSpPr>
+        <p:spPr>
+          <a:xfrm>
+            <a:off x="11711760" y="2383638"/>
+            <a:ext cx="876776" cy="13331"/>
+          </a:xfrm>
+          <a:prstGeom prst="straightConnector1">
+            <a:avLst/>
+          </a:prstGeom>
+          <a:ln w="127000">
+            <a:solidFill>
+              <a:schemeClr val="tx1">
+                <a:lumMod val="75000"/>
+                <a:lumOff val="25000"/>
+              </a:schemeClr>
+            </a:solidFill>
+            <a:tailEnd type="triangle"/>
+          </a:ln>
+        </p:spPr>
+        <p:style>
+          <a:lnRef idx="1">
+            <a:schemeClr val="accent1"/>
+          </a:lnRef>
+          <a:fillRef idx="0">
+            <a:schemeClr val="accent1"/>
+          </a:fillRef>
+          <a:effectRef idx="0">
+            <a:schemeClr val="accent1"/>
+          </a:effectRef>
+          <a:fontRef idx="minor">
+            <a:schemeClr val="tx1"/>
+          </a:fontRef>
+        </p:style>
+      </p:cxnSp>
+      <p:pic>
+        <p:nvPicPr>
+          <p:cNvPr id="55" name="Picture 54"/>
+          <p:cNvPicPr>
+            <a:picLocks noChangeAspect="1"/>
+          </p:cNvPicPr>
+          <p:nvPr/>
+        </p:nvPicPr>
+        <p:blipFill>
+          <a:blip r:embed="rId4"/>
+          <a:stretch>
+            <a:fillRect/>
+          </a:stretch>
+        </p:blipFill>
+        <p:spPr>
+          <a:xfrm>
+            <a:off x="11261629" y="3065980"/>
+            <a:ext cx="1655807" cy="705924"/>
+          </a:xfrm>
+          <a:prstGeom prst="rect">
+            <a:avLst/>
+          </a:prstGeom>
+        </p:spPr>
+      </p:pic>
+      <p:sp>
+        <p:nvSpPr>
+          <p:cNvPr id="57" name="Rounded Rectangle 75"/>
+          <p:cNvSpPr/>
+          <p:nvPr/>
+        </p:nvSpPr>
+        <p:spPr>
+          <a:xfrm>
+            <a:off x="10176008" y="6122657"/>
+            <a:ext cx="1441656" cy="1514439"/>
+          </a:xfrm>
+          <a:prstGeom prst="rect">
+            <a:avLst/>
+          </a:prstGeom>
+          <a:solidFill>
+            <a:schemeClr val="accent2">
+              <a:lumMod val="75000"/>
+            </a:schemeClr>
+          </a:solidFill>
+          <a:ln w="76200">
+            <a:solidFill>
+              <a:schemeClr val="accent2">
+                <a:lumMod val="50000"/>
+              </a:schemeClr>
+            </a:solidFill>
+          </a:ln>
+        </p:spPr>
+        <p:style>
+          <a:lnRef idx="2">
+            <a:schemeClr val="accent1">
+              <a:shade val="50000"/>
+            </a:schemeClr>
+          </a:lnRef>
+          <a:fillRef idx="1">
+            <a:schemeClr val="accent1"/>
+          </a:fillRef>
+          <a:effectRef idx="0">
+            <a:schemeClr val="accent1"/>
+          </a:effectRef>
+          <a:fontRef idx="minor">
+            <a:schemeClr val="lt1"/>
+          </a:fontRef>
+        </p:style>
+        <p:txBody>
+          <a:bodyPr rtlCol="0" anchor="ctr"/>
+          <a:lstStyle/>
+          <a:p>
+            <a:pPr algn="ctr"/>
+            <a:r>
+              <a:rPr lang="en-US" sz="2000" b="1" dirty="0" smtClean="0"/>
+              <a:t>Instance</a:t>
+            </a:r>
+          </a:p>
+          <a:p>
+            <a:pPr algn="ctr"/>
+            <a:endParaRPr lang="en-US" sz="2000" b="1" dirty="0" smtClean="0"/>
+          </a:p>
+          <a:p>
+            <a:pPr algn="ctr"/>
+            <a:endParaRPr lang="en-US" sz="2000" b="1" dirty="0"/>
+          </a:p>
+          <a:p>
+            <a:pPr algn="ctr"/>
+            <a:endParaRPr lang="de-DE" sz="2000" b="1" dirty="0"/>
+          </a:p>
+        </p:txBody>
+      </p:sp>
+      <p:cxnSp>
+        <p:nvCxnSpPr>
+          <p:cNvPr id="62" name="Straight Arrow Connector 61"/>
+          <p:cNvCxnSpPr/>
+          <p:nvPr/>
+        </p:nvCxnSpPr>
+        <p:spPr>
+          <a:xfrm>
+            <a:off x="11828650" y="7063650"/>
+            <a:ext cx="876776" cy="13331"/>
+          </a:xfrm>
+          <a:prstGeom prst="straightConnector1">
+            <a:avLst/>
+          </a:prstGeom>
+          <a:ln w="127000">
+            <a:solidFill>
+              <a:schemeClr val="tx1">
+                <a:lumMod val="75000"/>
+                <a:lumOff val="25000"/>
+              </a:schemeClr>
+            </a:solidFill>
+            <a:tailEnd type="triangle"/>
+          </a:ln>
+        </p:spPr>
+        <p:style>
+          <a:lnRef idx="1">
+            <a:schemeClr val="accent1"/>
+          </a:lnRef>
+          <a:fillRef idx="0">
+            <a:schemeClr val="accent1"/>
+          </a:fillRef>
+          <a:effectRef idx="0">
+            <a:schemeClr val="accent1"/>
+          </a:effectRef>
+          <a:fontRef idx="minor">
+            <a:schemeClr val="tx1"/>
+          </a:fontRef>
+        </p:style>
+      </p:cxnSp>
+      <p:grpSp>
+        <p:nvGrpSpPr>
+          <p:cNvPr id="19" name="Group 18"/>
+          <p:cNvGrpSpPr/>
+          <p:nvPr/>
+        </p:nvGrpSpPr>
+        <p:grpSpPr>
+          <a:xfrm>
+            <a:off x="12706698" y="5926112"/>
+            <a:ext cx="1646390" cy="1944546"/>
+            <a:chOff x="12706698" y="5961624"/>
+            <a:chExt cx="1646390" cy="1944546"/>
+          </a:xfrm>
+        </p:grpSpPr>
+        <p:grpSp>
+          <p:nvGrpSpPr>
+            <p:cNvPr id="18" name="Group 17"/>
+            <p:cNvGrpSpPr/>
+            <p:nvPr/>
+          </p:nvGrpSpPr>
+          <p:grpSpPr>
+            <a:xfrm>
+              <a:off x="12820832" y="5961624"/>
+              <a:ext cx="1316810" cy="1569660"/>
+              <a:chOff x="13202573" y="6032647"/>
+              <a:chExt cx="1316810" cy="1569660"/>
+            </a:xfrm>
+          </p:grpSpPr>
+          <p:sp>
+            <p:nvSpPr>
+              <p:cNvPr id="64" name="Rectangle 63"/>
+              <p:cNvSpPr/>
+              <p:nvPr/>
+            </p:nvSpPr>
+            <p:spPr>
+              <a:xfrm>
+                <a:off x="13292629" y="6032647"/>
+                <a:ext cx="1226754" cy="1569660"/>
+              </a:xfrm>
+              <a:prstGeom prst="rect">
+                <a:avLst/>
+              </a:prstGeom>
+            </p:spPr>
+            <p:txBody>
+              <a:bodyPr wrap="square">
+                <a:spAutoFit/>
+              </a:bodyPr>
+              <a:lstStyle/>
+              <a:p>
+                <a:r>
+                  <a:rPr lang="de-DE" sz="9600" dirty="0">
+                    <a:solidFill>
+                      <a:schemeClr val="accent1">
+                        <a:lumMod val="50000"/>
+                      </a:schemeClr>
+                    </a:solidFill>
+                    <a:latin typeface="FontAwesome" pitchFamily="2" charset="0"/>
+                  </a:rPr>
+                  <a:t></a:t>
+                </a:r>
+                <a:endParaRPr lang="de-DE" sz="9600" dirty="0">
+                  <a:solidFill>
+                    <a:schemeClr val="accent1">
+                      <a:lumMod val="50000"/>
+                    </a:schemeClr>
+                  </a:solidFill>
+                </a:endParaRPr>
+              </a:p>
+            </p:txBody>
+          </p:sp>
+          <p:pic>
+            <p:nvPicPr>
+              <p:cNvPr id="61" name="Picture 2" descr="http://www.postgresql.org/media/img/about/press/elephant.png"/>
+              <p:cNvPicPr>
+                <a:picLocks noChangeAspect="1" noChangeArrowheads="1"/>
+              </p:cNvPicPr>
+              <p:nvPr/>
+            </p:nvPicPr>
+            <p:blipFill>
+              <a:blip r:embed="rId3" cstate="print">
+                <a:extLst>
+                  <a:ext uri="{28A0092B-C50C-407E-A947-70E740481C1C}">
+                    <a14:useLocalDpi xmlns:a14="http://schemas.microsoft.com/office/drawing/2010/main" val="0"/>
+                  </a:ext>
+                </a:extLst>
+              </a:blip>
+              <a:srcRect/>
+              <a:stretch>
+                <a:fillRect/>
+              </a:stretch>
+            </p:blipFill>
+            <p:spPr bwMode="auto">
+              <a:xfrm>
+                <a:off x="13202573" y="6835062"/>
+                <a:ext cx="713019" cy="735202"/>
+              </a:xfrm>
+              <a:prstGeom prst="rect">
+                <a:avLst/>
+              </a:prstGeom>
+              <a:noFill/>
+              <a:extLst>
+                <a:ext uri="{909E8E84-426E-40DD-AFC4-6F175D3DCCD1}">
+                  <a14:hiddenFill xmlns:a14="http://schemas.microsoft.com/office/drawing/2010/main">
+                    <a:solidFill>
+                      <a:srgbClr val="FFFFFF"/>
+                    </a:solidFill>
+                  </a14:hiddenFill>
+                </a:ext>
+              </a:extLst>
+            </p:spPr>
+          </p:pic>
+        </p:grpSp>
+        <p:sp>
+          <p:nvSpPr>
+            <p:cNvPr id="65" name="TextBox 64"/>
+            <p:cNvSpPr txBox="1"/>
+            <p:nvPr/>
+          </p:nvSpPr>
+          <p:spPr>
+            <a:xfrm>
+              <a:off x="12706698" y="7382950"/>
+              <a:ext cx="1646390" cy="523220"/>
+            </a:xfrm>
+            <a:prstGeom prst="rect">
+              <a:avLst/>
+            </a:prstGeom>
+            <a:noFill/>
+          </p:spPr>
+          <p:txBody>
+            <a:bodyPr wrap="square" rtlCol="0">
+              <a:spAutoFit/>
+            </a:bodyPr>
+            <a:lstStyle/>
+            <a:p>
+              <a:pPr algn="ctr"/>
+              <a:r>
+                <a:rPr lang="en-US" sz="2800" b="1" dirty="0" smtClean="0"/>
+                <a:t>RDS</a:t>
+              </a:r>
+              <a:endParaRPr lang="de-DE" sz="2800" b="1" dirty="0"/>
+            </a:p>
+          </p:txBody>
+        </p:sp>
+      </p:grpSp>
+      <p:pic>
+        <p:nvPicPr>
+          <p:cNvPr id="68" name="Picture 2" descr="https://a0.awsstatic.com/main/images/logos/aws_logo.png"/>
+          <p:cNvPicPr>
+            <a:picLocks noChangeAspect="1" noChangeArrowheads="1"/>
+          </p:cNvPicPr>
+          <p:nvPr/>
+        </p:nvPicPr>
+        <p:blipFill>
+          <a:blip r:embed="rId5">
+            <a:extLst>
+              <a:ext uri="{28A0092B-C50C-407E-A947-70E740481C1C}">
+                <a14:useLocalDpi xmlns:a14="http://schemas.microsoft.com/office/drawing/2010/main" val="0"/>
+              </a:ext>
+            </a:extLst>
+          </a:blip>
+          <a:srcRect/>
+          <a:stretch>
+            <a:fillRect/>
+          </a:stretch>
+        </p:blipFill>
+        <p:spPr bwMode="auto">
+          <a:xfrm>
+            <a:off x="11590073" y="7821173"/>
+            <a:ext cx="1466377" cy="553964"/>
+          </a:xfrm>
+          <a:prstGeom prst="rect">
+            <a:avLst/>
+          </a:prstGeom>
+          <a:noFill/>
+          <a:extLst>
+            <a:ext uri="{909E8E84-426E-40DD-AFC4-6F175D3DCCD1}">
+              <a14:hiddenFill xmlns:a14="http://schemas.microsoft.com/office/drawing/2010/main">
+                <a:solidFill>
+                  <a:srgbClr val="FFFFFF"/>
+                </a:solidFill>
+              </a14:hiddenFill>
+            </a:ext>
+          </a:extLst>
+        </p:spPr>
+      </p:pic>
+      <p:sp>
+        <p:nvSpPr>
+          <p:cNvPr id="69" name="TextBox 68"/>
+          <p:cNvSpPr txBox="1"/>
+          <p:nvPr/>
+        </p:nvSpPr>
+        <p:spPr>
+          <a:xfrm>
+            <a:off x="2072728" y="8733831"/>
+            <a:ext cx="3697756" cy="954107"/>
+          </a:xfrm>
+          <a:prstGeom prst="rect">
+            <a:avLst/>
+          </a:prstGeom>
+          <a:noFill/>
+        </p:spPr>
+        <p:txBody>
+          <a:bodyPr wrap="square" rtlCol="0">
+            <a:spAutoFit/>
+          </a:bodyPr>
+          <a:lstStyle/>
+          <a:p>
+            <a:pPr algn="ctr"/>
+            <a:r>
+              <a:rPr lang="en-US" sz="2800" b="1" dirty="0" smtClean="0"/>
+              <a:t>Database per Service pattern</a:t>
+            </a:r>
+            <a:endParaRPr lang="de-DE" sz="2800" b="1" dirty="0"/>
+          </a:p>
+        </p:txBody>
+      </p:sp>
+      <p:pic>
+        <p:nvPicPr>
+          <p:cNvPr id="23" name="Picture 22"/>
+          <p:cNvPicPr>
+            <a:picLocks noChangeAspect="1"/>
+          </p:cNvPicPr>
+          <p:nvPr/>
+        </p:nvPicPr>
+        <p:blipFill>
+          <a:blip r:embed="rId6"/>
+          <a:stretch>
+            <a:fillRect/>
+          </a:stretch>
+        </p:blipFill>
+        <p:spPr>
+          <a:xfrm>
+            <a:off x="10534256" y="6755907"/>
+            <a:ext cx="718268" cy="647453"/>
+          </a:xfrm>
+          <a:prstGeom prst="rect">
+            <a:avLst/>
+          </a:prstGeom>
+        </p:spPr>
+      </p:pic>
+      <p:pic>
+        <p:nvPicPr>
+          <p:cNvPr id="74" name="Picture 73"/>
+          <p:cNvPicPr>
+            <a:picLocks noChangeAspect="1"/>
+          </p:cNvPicPr>
+          <p:nvPr/>
+        </p:nvPicPr>
+        <p:blipFill>
+          <a:blip r:embed="rId6"/>
+          <a:stretch>
+            <a:fillRect/>
+          </a:stretch>
+        </p:blipFill>
+        <p:spPr>
+          <a:xfrm>
+            <a:off x="10429203" y="2052222"/>
+            <a:ext cx="718268" cy="647453"/>
+          </a:xfrm>
+          <a:prstGeom prst="rect">
+            <a:avLst/>
+          </a:prstGeom>
+        </p:spPr>
+      </p:pic>
+    </p:spTree>
+    <p:extLst>
+      <p:ext uri="{BB962C8B-B14F-4D97-AF65-F5344CB8AC3E}">
+        <p14:creationId xmlns:p14="http://schemas.microsoft.com/office/powerpoint/2010/main" val="1077871566"/>
+      </p:ext>
+    </p:extLst>
+  </p:cSld>
+  <p:clrMapOvr>
+    <a:masterClrMapping/>
+  </p:clrMapOvr>
+</p:sld>
+</file>
+
+<file path=ppt/slides/slide23.xml><?xml version="1.0" encoding="utf-8"?>
+<p:sld xmlns:a="http://schemas.openxmlformats.org/drawingml/2006/main" xmlns:r="http://schemas.openxmlformats.org/officeDocument/2006/relationships" xmlns:p="http://schemas.openxmlformats.org/presentationml/2006/main">
+  <p:cSld>
+    <p:spTree>
+      <p:nvGrpSpPr>
+        <p:cNvPr id="1" name=""/>
+        <p:cNvGrpSpPr/>
+        <p:nvPr/>
+      </p:nvGrpSpPr>
+      <p:grpSpPr>
+        <a:xfrm>
+          <a:off x="0" y="0"/>
+          <a:ext cx="0" cy="0"/>
+          <a:chOff x="0" y="0"/>
+          <a:chExt cx="0" cy="0"/>
+        </a:xfrm>
+      </p:grpSpPr>
+      <p:sp>
+        <p:nvSpPr>
           <p:cNvPr id="62" name="Rounded Rectangle 25"/>
           <p:cNvSpPr/>
           <p:nvPr/>
@@ -19852,7 +21133,7 @@
 </p:sld>
 </file>
 
-<file path=ppt/slides/slide23.xml><?xml version="1.0" encoding="utf-8"?>
+<file path=ppt/slides/slide24.xml><?xml version="1.0" encoding="utf-8"?>
 <p:sld xmlns:a="http://schemas.openxmlformats.org/drawingml/2006/main" xmlns:r="http://schemas.openxmlformats.org/officeDocument/2006/relationships" xmlns:p="http://schemas.openxmlformats.org/presentationml/2006/main">
   <p:cSld>
     <p:spTree>
@@ -21485,7 +22766,7 @@
 </p:sld>
 </file>
 
-<file path=ppt/slides/slide24.xml><?xml version="1.0" encoding="utf-8"?>
+<file path=ppt/slides/slide25.xml><?xml version="1.0" encoding="utf-8"?>
 <p:sld xmlns:a="http://schemas.openxmlformats.org/drawingml/2006/main" xmlns:r="http://schemas.openxmlformats.org/officeDocument/2006/relationships" xmlns:p="http://schemas.openxmlformats.org/presentationml/2006/main">
   <p:cSld>
     <p:spTree>
@@ -22888,7 +24169,7 @@
 </p:sld>
 </file>
 
-<file path=ppt/slides/slide25.xml><?xml version="1.0" encoding="utf-8"?>
+<file path=ppt/slides/slide26.xml><?xml version="1.0" encoding="utf-8"?>
 <p:sld xmlns:a="http://schemas.openxmlformats.org/drawingml/2006/main" xmlns:r="http://schemas.openxmlformats.org/officeDocument/2006/relationships" xmlns:p="http://schemas.openxmlformats.org/presentationml/2006/main">
   <p:cSld>
     <p:spTree>
@@ -23728,7 +25009,7 @@
 </p:sld>
 </file>
 
-<file path=ppt/slides/slide26.xml><?xml version="1.0" encoding="utf-8"?>
+<file path=ppt/slides/slide27.xml><?xml version="1.0" encoding="utf-8"?>
 <p:sld xmlns:a="http://schemas.openxmlformats.org/drawingml/2006/main" xmlns:r="http://schemas.openxmlformats.org/officeDocument/2006/relationships" xmlns:p="http://schemas.openxmlformats.org/presentationml/2006/main">
   <p:cSld>
     <p:spTree>
@@ -24667,7 +25948,7 @@
 </p:sld>
 </file>
 
-<file path=ppt/slides/slide27.xml><?xml version="1.0" encoding="utf-8"?>
+<file path=ppt/slides/slide28.xml><?xml version="1.0" encoding="utf-8"?>
 <p:sld xmlns:a="http://schemas.openxmlformats.org/drawingml/2006/main" xmlns:r="http://schemas.openxmlformats.org/officeDocument/2006/relationships" xmlns:p="http://schemas.openxmlformats.org/presentationml/2006/main">
   <p:cSld>
     <p:spTree>
@@ -25155,7 +26436,7 @@
 </p:sld>
 </file>
 
-<file path=ppt/slides/slide28.xml><?xml version="1.0" encoding="utf-8"?>
+<file path=ppt/slides/slide29.xml><?xml version="1.0" encoding="utf-8"?>
 <p:sld xmlns:a="http://schemas.openxmlformats.org/drawingml/2006/main" xmlns:r="http://schemas.openxmlformats.org/officeDocument/2006/relationships" xmlns:p="http://schemas.openxmlformats.org/presentationml/2006/main">
   <p:cSld>
     <p:spTree>
@@ -26192,466 +27473,6 @@
     <p:extLst>
       <p:ext uri="{BB962C8B-B14F-4D97-AF65-F5344CB8AC3E}">
         <p14:creationId xmlns:p14="http://schemas.microsoft.com/office/powerpoint/2010/main" val="1635227564"/>
-      </p:ext>
-    </p:extLst>
-  </p:cSld>
-  <p:clrMapOvr>
-    <a:masterClrMapping/>
-  </p:clrMapOvr>
-</p:sld>
-</file>
-
-<file path=ppt/slides/slide29.xml><?xml version="1.0" encoding="utf-8"?>
-<p:sld xmlns:a="http://schemas.openxmlformats.org/drawingml/2006/main" xmlns:r="http://schemas.openxmlformats.org/officeDocument/2006/relationships" xmlns:p="http://schemas.openxmlformats.org/presentationml/2006/main">
-  <p:cSld>
-    <p:spTree>
-      <p:nvGrpSpPr>
-        <p:cNvPr id="1" name=""/>
-        <p:cNvGrpSpPr/>
-        <p:nvPr/>
-      </p:nvGrpSpPr>
-      <p:grpSpPr>
-        <a:xfrm>
-          <a:off x="0" y="0"/>
-          <a:ext cx="0" cy="0"/>
-          <a:chOff x="0" y="0"/>
-          <a:chExt cx="0" cy="0"/>
-        </a:xfrm>
-      </p:grpSpPr>
-      <p:sp>
-        <p:nvSpPr>
-          <p:cNvPr id="6" name="Rounded Rectangle 75"/>
-          <p:cNvSpPr/>
-          <p:nvPr/>
-        </p:nvSpPr>
-        <p:spPr>
-          <a:xfrm>
-            <a:off x="4137663" y="3386472"/>
-            <a:ext cx="1441656" cy="1514439"/>
-          </a:xfrm>
-          <a:prstGeom prst="rect">
-            <a:avLst/>
-          </a:prstGeom>
-          <a:solidFill>
-            <a:schemeClr val="accent2">
-              <a:lumMod val="75000"/>
-            </a:schemeClr>
-          </a:solidFill>
-          <a:ln w="76200">
-            <a:solidFill>
-              <a:schemeClr val="accent2">
-                <a:lumMod val="50000"/>
-              </a:schemeClr>
-            </a:solidFill>
-          </a:ln>
-        </p:spPr>
-        <p:style>
-          <a:lnRef idx="2">
-            <a:schemeClr val="accent1">
-              <a:shade val="50000"/>
-            </a:schemeClr>
-          </a:lnRef>
-          <a:fillRef idx="1">
-            <a:schemeClr val="accent1"/>
-          </a:fillRef>
-          <a:effectRef idx="0">
-            <a:schemeClr val="accent1"/>
-          </a:effectRef>
-          <a:fontRef idx="minor">
-            <a:schemeClr val="lt1"/>
-          </a:fontRef>
-        </p:style>
-        <p:txBody>
-          <a:bodyPr rtlCol="0" anchor="ctr"/>
-          <a:lstStyle/>
-          <a:p>
-            <a:pPr algn="ctr"/>
-            <a:r>
-              <a:rPr lang="en-US" sz="2000" b="1" dirty="0"/>
-              <a:t>Instance</a:t>
-            </a:r>
-            <a:endParaRPr lang="de-DE" sz="2000" b="1" dirty="0"/>
-          </a:p>
-        </p:txBody>
-      </p:sp>
-      <p:grpSp>
-        <p:nvGrpSpPr>
-          <p:cNvPr id="22" name="Group 21"/>
-          <p:cNvGrpSpPr/>
-          <p:nvPr/>
-        </p:nvGrpSpPr>
-        <p:grpSpPr>
-          <a:xfrm>
-            <a:off x="7678923" y="1753632"/>
-            <a:ext cx="2242751" cy="1789646"/>
-            <a:chOff x="1294361" y="4557307"/>
-            <a:chExt cx="2242751" cy="1789646"/>
-          </a:xfrm>
-        </p:grpSpPr>
-        <p:pic>
-          <p:nvPicPr>
-            <p:cNvPr id="4" name="Picture 2" descr="Console showing log4J logs"/>
-            <p:cNvPicPr>
-              <a:picLocks noChangeAspect="1" noChangeArrowheads="1"/>
-            </p:cNvPicPr>
-            <p:nvPr/>
-          </p:nvPicPr>
-          <p:blipFill>
-            <a:blip r:embed="rId2">
-              <a:extLst>
-                <a:ext uri="{28A0092B-C50C-407E-A947-70E740481C1C}">
-                  <a14:useLocalDpi xmlns:a14="http://schemas.microsoft.com/office/drawing/2010/main" val="0"/>
-                </a:ext>
-              </a:extLst>
-            </a:blip>
-            <a:srcRect/>
-            <a:stretch>
-              <a:fillRect/>
-            </a:stretch>
-          </p:blipFill>
-          <p:spPr bwMode="auto">
-            <a:xfrm>
-              <a:off x="1421028" y="4557307"/>
-              <a:ext cx="2004202" cy="1459059"/>
-            </a:xfrm>
-            <a:prstGeom prst="rect">
-              <a:avLst/>
-            </a:prstGeom>
-            <a:noFill/>
-            <a:extLst>
-              <a:ext uri="{909E8E84-426E-40DD-AFC4-6F175D3DCCD1}">
-                <a14:hiddenFill xmlns:a14="http://schemas.microsoft.com/office/drawing/2010/main">
-                  <a:solidFill>
-                    <a:srgbClr val="FFFFFF"/>
-                  </a:solidFill>
-                </a14:hiddenFill>
-              </a:ext>
-            </a:extLst>
-          </p:spPr>
-        </p:pic>
-        <p:sp>
-          <p:nvSpPr>
-            <p:cNvPr id="9" name="TextBox 8"/>
-            <p:cNvSpPr txBox="1"/>
-            <p:nvPr/>
-          </p:nvSpPr>
-          <p:spPr>
-            <a:xfrm>
-              <a:off x="1294361" y="5946843"/>
-              <a:ext cx="2242751" cy="400110"/>
-            </a:xfrm>
-            <a:prstGeom prst="rect">
-              <a:avLst/>
-            </a:prstGeom>
-            <a:noFill/>
-          </p:spPr>
-          <p:txBody>
-            <a:bodyPr wrap="square" rtlCol="0">
-              <a:spAutoFit/>
-            </a:bodyPr>
-            <a:lstStyle/>
-            <a:p>
-              <a:pPr algn="ctr"/>
-              <a:r>
-                <a:rPr lang="en-US" sz="2000" b="1" dirty="0"/>
-                <a:t>Instance Boot logs</a:t>
-              </a:r>
-              <a:endParaRPr lang="de-DE" sz="2000" b="1" dirty="0"/>
-            </a:p>
-          </p:txBody>
-        </p:sp>
-      </p:grpSp>
-      <p:cxnSp>
-        <p:nvCxnSpPr>
-          <p:cNvPr id="11" name="Straight Arrow Connector 10"/>
-          <p:cNvCxnSpPr/>
-          <p:nvPr/>
-        </p:nvCxnSpPr>
-        <p:spPr>
-          <a:xfrm>
-            <a:off x="5753869" y="4529170"/>
-            <a:ext cx="1823118" cy="699049"/>
-          </a:xfrm>
-          <a:prstGeom prst="straightConnector1">
-            <a:avLst/>
-          </a:prstGeom>
-          <a:ln w="142875">
-            <a:solidFill>
-              <a:schemeClr val="tx1">
-                <a:lumMod val="50000"/>
-                <a:lumOff val="50000"/>
-              </a:schemeClr>
-            </a:solidFill>
-            <a:tailEnd type="triangle"/>
-          </a:ln>
-        </p:spPr>
-        <p:style>
-          <a:lnRef idx="1">
-            <a:schemeClr val="accent1"/>
-          </a:lnRef>
-          <a:fillRef idx="0">
-            <a:schemeClr val="accent1"/>
-          </a:fillRef>
-          <a:effectRef idx="0">
-            <a:schemeClr val="accent1"/>
-          </a:effectRef>
-          <a:fontRef idx="minor">
-            <a:schemeClr val="tx1"/>
-          </a:fontRef>
-        </p:style>
-      </p:cxnSp>
-      <p:cxnSp>
-        <p:nvCxnSpPr>
-          <p:cNvPr id="15" name="Straight Arrow Connector 14"/>
-          <p:cNvCxnSpPr/>
-          <p:nvPr/>
-        </p:nvCxnSpPr>
-        <p:spPr>
-          <a:xfrm flipV="1">
-            <a:off x="5791437" y="2861901"/>
-            <a:ext cx="1822623" cy="908221"/>
-          </a:xfrm>
-          <a:prstGeom prst="straightConnector1">
-            <a:avLst/>
-          </a:prstGeom>
-          <a:ln w="142875">
-            <a:solidFill>
-              <a:schemeClr val="tx1">
-                <a:lumMod val="50000"/>
-                <a:lumOff val="50000"/>
-              </a:schemeClr>
-            </a:solidFill>
-            <a:tailEnd type="triangle"/>
-          </a:ln>
-        </p:spPr>
-        <p:style>
-          <a:lnRef idx="1">
-            <a:schemeClr val="accent1"/>
-          </a:lnRef>
-          <a:fillRef idx="0">
-            <a:schemeClr val="accent1"/>
-          </a:fillRef>
-          <a:effectRef idx="0">
-            <a:schemeClr val="accent1"/>
-          </a:effectRef>
-          <a:fontRef idx="minor">
-            <a:schemeClr val="tx1"/>
-          </a:fontRef>
-        </p:style>
-      </p:cxnSp>
-      <p:grpSp>
-        <p:nvGrpSpPr>
-          <p:cNvPr id="21" name="Group 20"/>
-          <p:cNvGrpSpPr/>
-          <p:nvPr/>
-        </p:nvGrpSpPr>
-        <p:grpSpPr>
-          <a:xfrm>
-            <a:off x="7701579" y="4611643"/>
-            <a:ext cx="2254085" cy="1814879"/>
-            <a:chOff x="5246466" y="1076300"/>
-            <a:chExt cx="2254085" cy="1814879"/>
-          </a:xfrm>
-        </p:grpSpPr>
-        <p:pic>
-          <p:nvPicPr>
-            <p:cNvPr id="19" name="Picture 18"/>
-            <p:cNvPicPr>
-              <a:picLocks noChangeAspect="1"/>
-            </p:cNvPicPr>
-            <p:nvPr/>
-          </p:nvPicPr>
-          <p:blipFill rotWithShape="1">
-            <a:blip r:embed="rId3"/>
-            <a:srcRect l="861" t="13474" r="845" b="1728"/>
-            <a:stretch/>
-          </p:blipFill>
-          <p:spPr>
-            <a:xfrm>
-              <a:off x="5251619" y="1076300"/>
-              <a:ext cx="2248932" cy="1454185"/>
-            </a:xfrm>
-            <a:prstGeom prst="rect">
-              <a:avLst/>
-            </a:prstGeom>
-          </p:spPr>
-        </p:pic>
-        <p:sp>
-          <p:nvSpPr>
-            <p:cNvPr id="20" name="TextBox 19"/>
-            <p:cNvSpPr txBox="1"/>
-            <p:nvPr/>
-          </p:nvSpPr>
-          <p:spPr>
-            <a:xfrm>
-              <a:off x="5246466" y="2491069"/>
-              <a:ext cx="2242751" cy="400110"/>
-            </a:xfrm>
-            <a:prstGeom prst="rect">
-              <a:avLst/>
-            </a:prstGeom>
-            <a:noFill/>
-          </p:spPr>
-          <p:txBody>
-            <a:bodyPr wrap="square" rtlCol="0">
-              <a:spAutoFit/>
-            </a:bodyPr>
-            <a:lstStyle/>
-            <a:p>
-              <a:pPr algn="ctr"/>
-              <a:r>
-                <a:rPr lang="en-US" sz="2000" b="1" dirty="0"/>
-                <a:t>Application logs</a:t>
-              </a:r>
-              <a:endParaRPr lang="de-DE" sz="2000" b="1" dirty="0"/>
-            </a:p>
-          </p:txBody>
-        </p:sp>
-      </p:grpSp>
-      <p:pic>
-        <p:nvPicPr>
-          <p:cNvPr id="13" name="Picture 14"/>
-          <p:cNvPicPr>
-            <a:picLocks noChangeAspect="1"/>
-          </p:cNvPicPr>
-          <p:nvPr/>
-        </p:nvPicPr>
-        <p:blipFill>
-          <a:blip r:embed="rId4">
-            <a:extLst>
-              <a:ext uri="{28A0092B-C50C-407E-A947-70E740481C1C}">
-                <a14:useLocalDpi xmlns:a14="http://schemas.microsoft.com/office/drawing/2010/main" val="0"/>
-              </a:ext>
-            </a:extLst>
-          </a:blip>
-          <a:stretch>
-            <a:fillRect/>
-          </a:stretch>
-        </p:blipFill>
-        <p:spPr>
-          <a:xfrm>
-            <a:off x="13886670" y="7316689"/>
-            <a:ext cx="1538745" cy="615498"/>
-          </a:xfrm>
-          <a:prstGeom prst="rect">
-            <a:avLst/>
-          </a:prstGeom>
-        </p:spPr>
-      </p:pic>
-      <p:cxnSp>
-        <p:nvCxnSpPr>
-          <p:cNvPr id="14" name="Straight Arrow Connector 16"/>
-          <p:cNvCxnSpPr/>
-          <p:nvPr/>
-        </p:nvCxnSpPr>
-        <p:spPr>
-          <a:xfrm flipV="1">
-            <a:off x="12612790" y="7598644"/>
-            <a:ext cx="1142403" cy="10481"/>
-          </a:xfrm>
-          <a:prstGeom prst="straightConnector1">
-            <a:avLst/>
-          </a:prstGeom>
-          <a:ln w="142875">
-            <a:solidFill>
-              <a:schemeClr val="tx1">
-                <a:lumMod val="50000"/>
-                <a:lumOff val="50000"/>
-              </a:schemeClr>
-            </a:solidFill>
-            <a:tailEnd type="triangle"/>
-          </a:ln>
-        </p:spPr>
-        <p:style>
-          <a:lnRef idx="1">
-            <a:schemeClr val="accent1"/>
-          </a:lnRef>
-          <a:fillRef idx="0">
-            <a:schemeClr val="accent1"/>
-          </a:fillRef>
-          <a:effectRef idx="0">
-            <a:schemeClr val="accent1"/>
-          </a:effectRef>
-          <a:fontRef idx="minor">
-            <a:schemeClr val="tx1"/>
-          </a:fontRef>
-        </p:style>
-      </p:cxnSp>
-      <p:pic>
-        <p:nvPicPr>
-          <p:cNvPr id="17" name="Picture 22"/>
-          <p:cNvPicPr>
-            <a:picLocks noChangeAspect="1"/>
-          </p:cNvPicPr>
-          <p:nvPr/>
-        </p:nvPicPr>
-        <p:blipFill>
-          <a:blip r:embed="rId5" cstate="print">
-            <a:extLst>
-              <a:ext uri="{28A0092B-C50C-407E-A947-70E740481C1C}">
-                <a14:useLocalDpi xmlns:a14="http://schemas.microsoft.com/office/drawing/2010/main" val="0"/>
-              </a:ext>
-            </a:extLst>
-          </a:blip>
-          <a:stretch>
-            <a:fillRect/>
-          </a:stretch>
-        </p:blipFill>
-        <p:spPr>
-          <a:xfrm>
-            <a:off x="12624392" y="7078773"/>
-            <a:ext cx="1116380" cy="345217"/>
-          </a:xfrm>
-          <a:prstGeom prst="rect">
-            <a:avLst/>
-          </a:prstGeom>
-        </p:spPr>
-      </p:pic>
-      <p:pic>
-        <p:nvPicPr>
-          <p:cNvPr id="1026" name="Picture 2" descr="http://localhost:4000/assets/img/springboot.png"/>
-          <p:cNvPicPr>
-            <a:picLocks noChangeAspect="1" noChangeArrowheads="1"/>
-          </p:cNvPicPr>
-          <p:nvPr/>
-        </p:nvPicPr>
-        <p:blipFill>
-          <a:blip r:embed="rId6">
-            <a:extLst>
-              <a:ext uri="{28A0092B-C50C-407E-A947-70E740481C1C}">
-                <a14:useLocalDpi xmlns:a14="http://schemas.microsoft.com/office/drawing/2010/main" val="0"/>
-              </a:ext>
-            </a:extLst>
-          </a:blip>
-          <a:srcRect/>
-          <a:stretch>
-            <a:fillRect/>
-          </a:stretch>
-        </p:blipFill>
-        <p:spPr bwMode="auto">
-          <a:xfrm>
-            <a:off x="11784074" y="7316690"/>
-            <a:ext cx="682818" cy="615499"/>
-          </a:xfrm>
-          <a:prstGeom prst="rect">
-            <a:avLst/>
-          </a:prstGeom>
-          <a:noFill/>
-          <a:extLst>
-            <a:ext uri="{909E8E84-426E-40DD-AFC4-6F175D3DCCD1}">
-              <a14:hiddenFill xmlns:a14="http://schemas.microsoft.com/office/drawing/2010/main">
-                <a:solidFill>
-                  <a:srgbClr val="FFFFFF"/>
-                </a:solidFill>
-              </a14:hiddenFill>
-            </a:ext>
-          </a:extLst>
-        </p:spPr>
-      </p:pic>
-    </p:spTree>
-    <p:extLst>
-      <p:ext uri="{BB962C8B-B14F-4D97-AF65-F5344CB8AC3E}">
-        <p14:creationId xmlns:p14="http://schemas.microsoft.com/office/powerpoint/2010/main" val="2730884054"/>
       </p:ext>
     </p:extLst>
   </p:cSld>
@@ -29099,6 +29920,466 @@
       </p:grpSpPr>
       <p:sp>
         <p:nvSpPr>
+          <p:cNvPr id="6" name="Rounded Rectangle 75"/>
+          <p:cNvSpPr/>
+          <p:nvPr/>
+        </p:nvSpPr>
+        <p:spPr>
+          <a:xfrm>
+            <a:off x="4137663" y="3386472"/>
+            <a:ext cx="1441656" cy="1514439"/>
+          </a:xfrm>
+          <a:prstGeom prst="rect">
+            <a:avLst/>
+          </a:prstGeom>
+          <a:solidFill>
+            <a:schemeClr val="accent2">
+              <a:lumMod val="75000"/>
+            </a:schemeClr>
+          </a:solidFill>
+          <a:ln w="76200">
+            <a:solidFill>
+              <a:schemeClr val="accent2">
+                <a:lumMod val="50000"/>
+              </a:schemeClr>
+            </a:solidFill>
+          </a:ln>
+        </p:spPr>
+        <p:style>
+          <a:lnRef idx="2">
+            <a:schemeClr val="accent1">
+              <a:shade val="50000"/>
+            </a:schemeClr>
+          </a:lnRef>
+          <a:fillRef idx="1">
+            <a:schemeClr val="accent1"/>
+          </a:fillRef>
+          <a:effectRef idx="0">
+            <a:schemeClr val="accent1"/>
+          </a:effectRef>
+          <a:fontRef idx="minor">
+            <a:schemeClr val="lt1"/>
+          </a:fontRef>
+        </p:style>
+        <p:txBody>
+          <a:bodyPr rtlCol="0" anchor="ctr"/>
+          <a:lstStyle/>
+          <a:p>
+            <a:pPr algn="ctr"/>
+            <a:r>
+              <a:rPr lang="en-US" sz="2000" b="1" dirty="0"/>
+              <a:t>Instance</a:t>
+            </a:r>
+            <a:endParaRPr lang="de-DE" sz="2000" b="1" dirty="0"/>
+          </a:p>
+        </p:txBody>
+      </p:sp>
+      <p:grpSp>
+        <p:nvGrpSpPr>
+          <p:cNvPr id="22" name="Group 21"/>
+          <p:cNvGrpSpPr/>
+          <p:nvPr/>
+        </p:nvGrpSpPr>
+        <p:grpSpPr>
+          <a:xfrm>
+            <a:off x="7678923" y="1753632"/>
+            <a:ext cx="2242751" cy="1789646"/>
+            <a:chOff x="1294361" y="4557307"/>
+            <a:chExt cx="2242751" cy="1789646"/>
+          </a:xfrm>
+        </p:grpSpPr>
+        <p:pic>
+          <p:nvPicPr>
+            <p:cNvPr id="4" name="Picture 2" descr="Console showing log4J logs"/>
+            <p:cNvPicPr>
+              <a:picLocks noChangeAspect="1" noChangeArrowheads="1"/>
+            </p:cNvPicPr>
+            <p:nvPr/>
+          </p:nvPicPr>
+          <p:blipFill>
+            <a:blip r:embed="rId2">
+              <a:extLst>
+                <a:ext uri="{28A0092B-C50C-407E-A947-70E740481C1C}">
+                  <a14:useLocalDpi xmlns:a14="http://schemas.microsoft.com/office/drawing/2010/main" val="0"/>
+                </a:ext>
+              </a:extLst>
+            </a:blip>
+            <a:srcRect/>
+            <a:stretch>
+              <a:fillRect/>
+            </a:stretch>
+          </p:blipFill>
+          <p:spPr bwMode="auto">
+            <a:xfrm>
+              <a:off x="1421028" y="4557307"/>
+              <a:ext cx="2004202" cy="1459059"/>
+            </a:xfrm>
+            <a:prstGeom prst="rect">
+              <a:avLst/>
+            </a:prstGeom>
+            <a:noFill/>
+            <a:extLst>
+              <a:ext uri="{909E8E84-426E-40DD-AFC4-6F175D3DCCD1}">
+                <a14:hiddenFill xmlns:a14="http://schemas.microsoft.com/office/drawing/2010/main">
+                  <a:solidFill>
+                    <a:srgbClr val="FFFFFF"/>
+                  </a:solidFill>
+                </a14:hiddenFill>
+              </a:ext>
+            </a:extLst>
+          </p:spPr>
+        </p:pic>
+        <p:sp>
+          <p:nvSpPr>
+            <p:cNvPr id="9" name="TextBox 8"/>
+            <p:cNvSpPr txBox="1"/>
+            <p:nvPr/>
+          </p:nvSpPr>
+          <p:spPr>
+            <a:xfrm>
+              <a:off x="1294361" y="5946843"/>
+              <a:ext cx="2242751" cy="400110"/>
+            </a:xfrm>
+            <a:prstGeom prst="rect">
+              <a:avLst/>
+            </a:prstGeom>
+            <a:noFill/>
+          </p:spPr>
+          <p:txBody>
+            <a:bodyPr wrap="square" rtlCol="0">
+              <a:spAutoFit/>
+            </a:bodyPr>
+            <a:lstStyle/>
+            <a:p>
+              <a:pPr algn="ctr"/>
+              <a:r>
+                <a:rPr lang="en-US" sz="2000" b="1" dirty="0"/>
+                <a:t>Instance Boot logs</a:t>
+              </a:r>
+              <a:endParaRPr lang="de-DE" sz="2000" b="1" dirty="0"/>
+            </a:p>
+          </p:txBody>
+        </p:sp>
+      </p:grpSp>
+      <p:cxnSp>
+        <p:nvCxnSpPr>
+          <p:cNvPr id="11" name="Straight Arrow Connector 10"/>
+          <p:cNvCxnSpPr/>
+          <p:nvPr/>
+        </p:nvCxnSpPr>
+        <p:spPr>
+          <a:xfrm>
+            <a:off x="5753869" y="4529170"/>
+            <a:ext cx="1823118" cy="699049"/>
+          </a:xfrm>
+          <a:prstGeom prst="straightConnector1">
+            <a:avLst/>
+          </a:prstGeom>
+          <a:ln w="142875">
+            <a:solidFill>
+              <a:schemeClr val="tx1">
+                <a:lumMod val="50000"/>
+                <a:lumOff val="50000"/>
+              </a:schemeClr>
+            </a:solidFill>
+            <a:tailEnd type="triangle"/>
+          </a:ln>
+        </p:spPr>
+        <p:style>
+          <a:lnRef idx="1">
+            <a:schemeClr val="accent1"/>
+          </a:lnRef>
+          <a:fillRef idx="0">
+            <a:schemeClr val="accent1"/>
+          </a:fillRef>
+          <a:effectRef idx="0">
+            <a:schemeClr val="accent1"/>
+          </a:effectRef>
+          <a:fontRef idx="minor">
+            <a:schemeClr val="tx1"/>
+          </a:fontRef>
+        </p:style>
+      </p:cxnSp>
+      <p:cxnSp>
+        <p:nvCxnSpPr>
+          <p:cNvPr id="15" name="Straight Arrow Connector 14"/>
+          <p:cNvCxnSpPr/>
+          <p:nvPr/>
+        </p:nvCxnSpPr>
+        <p:spPr>
+          <a:xfrm flipV="1">
+            <a:off x="5791437" y="2861901"/>
+            <a:ext cx="1822623" cy="908221"/>
+          </a:xfrm>
+          <a:prstGeom prst="straightConnector1">
+            <a:avLst/>
+          </a:prstGeom>
+          <a:ln w="142875">
+            <a:solidFill>
+              <a:schemeClr val="tx1">
+                <a:lumMod val="50000"/>
+                <a:lumOff val="50000"/>
+              </a:schemeClr>
+            </a:solidFill>
+            <a:tailEnd type="triangle"/>
+          </a:ln>
+        </p:spPr>
+        <p:style>
+          <a:lnRef idx="1">
+            <a:schemeClr val="accent1"/>
+          </a:lnRef>
+          <a:fillRef idx="0">
+            <a:schemeClr val="accent1"/>
+          </a:fillRef>
+          <a:effectRef idx="0">
+            <a:schemeClr val="accent1"/>
+          </a:effectRef>
+          <a:fontRef idx="minor">
+            <a:schemeClr val="tx1"/>
+          </a:fontRef>
+        </p:style>
+      </p:cxnSp>
+      <p:grpSp>
+        <p:nvGrpSpPr>
+          <p:cNvPr id="21" name="Group 20"/>
+          <p:cNvGrpSpPr/>
+          <p:nvPr/>
+        </p:nvGrpSpPr>
+        <p:grpSpPr>
+          <a:xfrm>
+            <a:off x="7701579" y="4611643"/>
+            <a:ext cx="2254085" cy="1814879"/>
+            <a:chOff x="5246466" y="1076300"/>
+            <a:chExt cx="2254085" cy="1814879"/>
+          </a:xfrm>
+        </p:grpSpPr>
+        <p:pic>
+          <p:nvPicPr>
+            <p:cNvPr id="19" name="Picture 18"/>
+            <p:cNvPicPr>
+              <a:picLocks noChangeAspect="1"/>
+            </p:cNvPicPr>
+            <p:nvPr/>
+          </p:nvPicPr>
+          <p:blipFill rotWithShape="1">
+            <a:blip r:embed="rId3"/>
+            <a:srcRect l="861" t="13474" r="845" b="1728"/>
+            <a:stretch/>
+          </p:blipFill>
+          <p:spPr>
+            <a:xfrm>
+              <a:off x="5251619" y="1076300"/>
+              <a:ext cx="2248932" cy="1454185"/>
+            </a:xfrm>
+            <a:prstGeom prst="rect">
+              <a:avLst/>
+            </a:prstGeom>
+          </p:spPr>
+        </p:pic>
+        <p:sp>
+          <p:nvSpPr>
+            <p:cNvPr id="20" name="TextBox 19"/>
+            <p:cNvSpPr txBox="1"/>
+            <p:nvPr/>
+          </p:nvSpPr>
+          <p:spPr>
+            <a:xfrm>
+              <a:off x="5246466" y="2491069"/>
+              <a:ext cx="2242751" cy="400110"/>
+            </a:xfrm>
+            <a:prstGeom prst="rect">
+              <a:avLst/>
+            </a:prstGeom>
+            <a:noFill/>
+          </p:spPr>
+          <p:txBody>
+            <a:bodyPr wrap="square" rtlCol="0">
+              <a:spAutoFit/>
+            </a:bodyPr>
+            <a:lstStyle/>
+            <a:p>
+              <a:pPr algn="ctr"/>
+              <a:r>
+                <a:rPr lang="en-US" sz="2000" b="1" dirty="0"/>
+                <a:t>Application logs</a:t>
+              </a:r>
+              <a:endParaRPr lang="de-DE" sz="2000" b="1" dirty="0"/>
+            </a:p>
+          </p:txBody>
+        </p:sp>
+      </p:grpSp>
+      <p:pic>
+        <p:nvPicPr>
+          <p:cNvPr id="13" name="Picture 14"/>
+          <p:cNvPicPr>
+            <a:picLocks noChangeAspect="1"/>
+          </p:cNvPicPr>
+          <p:nvPr/>
+        </p:nvPicPr>
+        <p:blipFill>
+          <a:blip r:embed="rId4">
+            <a:extLst>
+              <a:ext uri="{28A0092B-C50C-407E-A947-70E740481C1C}">
+                <a14:useLocalDpi xmlns:a14="http://schemas.microsoft.com/office/drawing/2010/main" val="0"/>
+              </a:ext>
+            </a:extLst>
+          </a:blip>
+          <a:stretch>
+            <a:fillRect/>
+          </a:stretch>
+        </p:blipFill>
+        <p:spPr>
+          <a:xfrm>
+            <a:off x="13886670" y="7316689"/>
+            <a:ext cx="1538745" cy="615498"/>
+          </a:xfrm>
+          <a:prstGeom prst="rect">
+            <a:avLst/>
+          </a:prstGeom>
+        </p:spPr>
+      </p:pic>
+      <p:cxnSp>
+        <p:nvCxnSpPr>
+          <p:cNvPr id="14" name="Straight Arrow Connector 16"/>
+          <p:cNvCxnSpPr/>
+          <p:nvPr/>
+        </p:nvCxnSpPr>
+        <p:spPr>
+          <a:xfrm flipV="1">
+            <a:off x="12612790" y="7598644"/>
+            <a:ext cx="1142403" cy="10481"/>
+          </a:xfrm>
+          <a:prstGeom prst="straightConnector1">
+            <a:avLst/>
+          </a:prstGeom>
+          <a:ln w="142875">
+            <a:solidFill>
+              <a:schemeClr val="tx1">
+                <a:lumMod val="50000"/>
+                <a:lumOff val="50000"/>
+              </a:schemeClr>
+            </a:solidFill>
+            <a:tailEnd type="triangle"/>
+          </a:ln>
+        </p:spPr>
+        <p:style>
+          <a:lnRef idx="1">
+            <a:schemeClr val="accent1"/>
+          </a:lnRef>
+          <a:fillRef idx="0">
+            <a:schemeClr val="accent1"/>
+          </a:fillRef>
+          <a:effectRef idx="0">
+            <a:schemeClr val="accent1"/>
+          </a:effectRef>
+          <a:fontRef idx="minor">
+            <a:schemeClr val=